--- a/trunk/Assets/Presentación negocio.pptx
+++ b/trunk/Assets/Presentación negocio.pptx
@@ -5,13 +5,20 @@
     <p:sldMasterId id="2147483648" r:id="rId1"/>
   </p:sldMasterIdLst>
   <p:notesMasterIdLst>
-    <p:notesMasterId r:id="rId6"/>
+    <p:notesMasterId r:id="rId13"/>
   </p:notesMasterIdLst>
   <p:sldIdLst>
     <p:sldId id="256" r:id="rId2"/>
-    <p:sldId id="258" r:id="rId3"/>
-    <p:sldId id="257" r:id="rId4"/>
-    <p:sldId id="259" r:id="rId5"/>
+    <p:sldId id="261" r:id="rId3"/>
+    <p:sldId id="262" r:id="rId4"/>
+    <p:sldId id="264" r:id="rId5"/>
+    <p:sldId id="265" r:id="rId6"/>
+    <p:sldId id="258" r:id="rId7"/>
+    <p:sldId id="257" r:id="rId8"/>
+    <p:sldId id="259" r:id="rId9"/>
+    <p:sldId id="266" r:id="rId10"/>
+    <p:sldId id="263" r:id="rId11"/>
+    <p:sldId id="260" r:id="rId12"/>
   </p:sldIdLst>
   <p:sldSz cx="9144000" cy="6858000" type="screen4x3"/>
   <p:notesSz cx="6858000" cy="9144000"/>
@@ -327,11 +334,11 @@
         </c:dLbls>
         <c:marker val="1"/>
         <c:smooth val="0"/>
-        <c:axId val="40014976"/>
-        <c:axId val="40016512"/>
+        <c:axId val="35177600"/>
+        <c:axId val="35179136"/>
       </c:lineChart>
       <c:catAx>
-        <c:axId val="40014976"/>
+        <c:axId val="35177600"/>
         <c:scaling>
           <c:orientation val="minMax"/>
         </c:scaling>
@@ -341,7 +348,7 @@
         <c:majorTickMark val="out"/>
         <c:minorTickMark val="none"/>
         <c:tickLblPos val="nextTo"/>
-        <c:crossAx val="40016512"/>
+        <c:crossAx val="35179136"/>
         <c:crosses val="autoZero"/>
         <c:auto val="1"/>
         <c:lblAlgn val="ctr"/>
@@ -349,7 +356,7 @@
         <c:noMultiLvlLbl val="0"/>
       </c:catAx>
       <c:valAx>
-        <c:axId val="40016512"/>
+        <c:axId val="35179136"/>
         <c:scaling>
           <c:orientation val="minMax"/>
         </c:scaling>
@@ -360,7 +367,7 @@
         <c:majorTickMark val="out"/>
         <c:minorTickMark val="none"/>
         <c:tickLblPos val="nextTo"/>
-        <c:crossAx val="40014976"/>
+        <c:crossAx val="35177600"/>
         <c:crosses val="autoZero"/>
         <c:crossBetween val="between"/>
       </c:valAx>
@@ -782,11 +789,11 @@
         </c:dLbls>
         <c:marker val="1"/>
         <c:smooth val="0"/>
-        <c:axId val="34852224"/>
-        <c:axId val="34970240"/>
+        <c:axId val="33561216"/>
+        <c:axId val="33563008"/>
       </c:lineChart>
       <c:catAx>
-        <c:axId val="34852224"/>
+        <c:axId val="33561216"/>
         <c:scaling>
           <c:orientation val="minMax"/>
         </c:scaling>
@@ -796,7 +803,7 @@
         <c:majorTickMark val="out"/>
         <c:minorTickMark val="none"/>
         <c:tickLblPos val="nextTo"/>
-        <c:crossAx val="34970240"/>
+        <c:crossAx val="33563008"/>
         <c:crosses val="autoZero"/>
         <c:auto val="1"/>
         <c:lblAlgn val="ctr"/>
@@ -804,7 +811,7 @@
         <c:noMultiLvlLbl val="0"/>
       </c:catAx>
       <c:valAx>
-        <c:axId val="34970240"/>
+        <c:axId val="33563008"/>
         <c:scaling>
           <c:orientation val="minMax"/>
         </c:scaling>
@@ -815,7 +822,7 @@
         <c:majorTickMark val="out"/>
         <c:minorTickMark val="none"/>
         <c:tickLblPos val="nextTo"/>
-        <c:crossAx val="34852224"/>
+        <c:crossAx val="33561216"/>
         <c:crosses val="autoZero"/>
         <c:crossBetween val="between"/>
       </c:valAx>
@@ -927,7 +934,7 @@
           <a:p>
             <a:fld id="{F5423D00-7DDB-4217-941A-91DA7862F42C}" type="datetimeFigureOut">
               <a:rPr lang="es-AR" smtClean="0"/>
-              <a:t>14/07/2013</a:t>
+              <a:t>28/07/2013</a:t>
             </a:fld>
             <a:endParaRPr lang="es-AR"/>
           </a:p>
@@ -1239,39 +1246,21 @@
           <a:bodyPr/>
           <a:lstStyle/>
           <a:p>
-            <a:pPr marL="0" marR="0" indent="0" algn="l" defTabSz="914400" rtl="0" eaLnBrk="1" fontAlgn="auto" latinLnBrk="0" hangingPunct="1">
-              <a:lnSpc>
-                <a:spcPct val="100000"/>
-              </a:lnSpc>
-              <a:spcBef>
-                <a:spcPts val="0"/>
-              </a:spcBef>
-              <a:spcAft>
-                <a:spcPts val="0"/>
-              </a:spcAft>
-              <a:buClrTx/>
-              <a:buSzTx/>
-              <a:buFontTx/>
-              <a:buNone/>
-              <a:tabLst/>
-              <a:defRPr/>
-            </a:pPr>
             <a:r>
               <a:rPr lang="es-AR" dirty="0" smtClean="0"/>
-              <a:t>Luego</a:t>
+              <a:t>Hola qué tal? Buenas</a:t>
             </a:r>
             <a:r>
               <a:rPr lang="es-AR" baseline="0" dirty="0" smtClean="0"/>
-              <a:t> de escuchar sobre el producto, probablemente </a:t>
-            </a:r>
-            <a:r>
-              <a:rPr lang="es-AR" baseline="0" dirty="0" err="1" smtClean="0"/>
-              <a:t>esten</a:t>
-            </a:r>
+              <a:t> tardes.</a:t>
+            </a:r>
+          </a:p>
+          <a:p>
             <a:r>
               <a:rPr lang="es-AR" baseline="0" dirty="0" smtClean="0"/>
-              <a:t> pensando “esto muy lindo, realmente me gustaría tener esta aplicación, pero realmente voy a ganar dinero con ella?”. Pues sí señores. Hemos analizado distintos escenarios basados en casos reales y a modo de ejemplo les mostraremos dos de ellos</a:t>
-            </a:r>
+              <a:t>Yo soy X, y estamos junto a mis colegas, A, B, C, D y E, para contarles un poco sobre nuestro proyecto.</a:t>
+            </a:r>
+            <a:endParaRPr lang="es-AR" dirty="0"/>
           </a:p>
         </p:txBody>
       </p:sp>
@@ -1292,7 +1281,7 @@
           <a:p>
             <a:fld id="{5625E230-B123-43EB-B2A3-53965331BBB3}" type="slidenum">
               <a:rPr lang="es-AR" smtClean="0"/>
-              <a:t>2</a:t>
+              <a:t>1</a:t>
             </a:fld>
             <a:endParaRPr lang="es-AR"/>
           </a:p>
@@ -1301,7 +1290,7 @@
     </p:spTree>
     <p:extLst>
       <p:ext uri="{BB962C8B-B14F-4D97-AF65-F5344CB8AC3E}">
-        <p14:creationId xmlns:p14="http://schemas.microsoft.com/office/powerpoint/2010/main" val="448154425"/>
+        <p14:creationId xmlns:p14="http://schemas.microsoft.com/office/powerpoint/2010/main" val="452615974"/>
       </p:ext>
     </p:extLst>
   </p:cSld>
@@ -1357,123 +1346,45 @@
           <a:p>
             <a:r>
               <a:rPr lang="es-AR" dirty="0" smtClean="0"/>
-              <a:t>En primer lugar, mostraremos el peor caso,</a:t>
+              <a:t>Somos un grupo de</a:t>
             </a:r>
             <a:r>
               <a:rPr lang="es-AR" baseline="0" dirty="0" smtClean="0"/>
-              <a:t> en el que el producto no se expanda fuera del país y que luego de 2 años se estanque en un 3% del mercado nacional. En ese caso, hemos considerado solo el mercado de </a:t>
-            </a:r>
-            <a:r>
-              <a:rPr lang="es-AR" baseline="0" dirty="0" err="1" smtClean="0"/>
-              <a:t>android</a:t>
+              <a:t> estudiantes emprendedores proactivos del último año de la carrera de Ingeniería en Informática de la Universidad de Buenos Aires.</a:t>
+            </a:r>
+          </a:p>
+          <a:p>
+            <a:r>
+              <a:rPr lang="es-AR" dirty="0" smtClean="0"/>
+              <a:t>Nos</a:t>
             </a:r>
             <a:r>
               <a:rPr lang="es-AR" baseline="0" dirty="0" smtClean="0"/>
-              <a:t> y hemos tomado como patrón de crecimiento estadísticas de otras empresas conocidas. Para las ganancias se ha tenido en cuenta la descarga de aplicación a 1 dólar y las ganancias por </a:t>
-            </a:r>
-            <a:r>
-              <a:rPr lang="es-AR" baseline="0" dirty="0" err="1" smtClean="0"/>
-              <a:t>google</a:t>
-            </a:r>
+              <a:t> conocimos en la facultad y comenzamos a trabajar juntos en los distintos desafíos que nos proponía el desarrollo de la carrera.</a:t>
+            </a:r>
+          </a:p>
+          <a:p>
             <a:r>
               <a:rPr lang="es-AR" baseline="0" dirty="0" smtClean="0"/>
-              <a:t> </a:t>
-            </a:r>
-            <a:r>
-              <a:rPr lang="es-AR" baseline="0" dirty="0" err="1" smtClean="0"/>
-              <a:t>Adds</a:t>
-            </a:r>
+              <a:t>Decidimos entonces crear nuestra propia empresa de desarrollo de aplicaciones para el usuario final, que resuelvan problemas específicos.</a:t>
+            </a:r>
+          </a:p>
+          <a:p>
+            <a:endParaRPr lang="es-AR" baseline="0" dirty="0" smtClean="0"/>
+          </a:p>
+          <a:p>
             <a:r>
               <a:rPr lang="es-AR" baseline="0" dirty="0" smtClean="0"/>
-              <a:t> en base a la cantidad de vistas y </a:t>
-            </a:r>
-            <a:r>
-              <a:rPr lang="es-AR" baseline="0" dirty="0" err="1" smtClean="0"/>
-              <a:t>clicks</a:t>
-            </a:r>
+              <a:t>Nuestra visión desde ese lugar, es entonces, lograr mejorar el día a día del usuario a través del uso de aplicaciones innovadoras, de última tecnología.</a:t>
+            </a:r>
+          </a:p>
+          <a:p>
+            <a:endParaRPr lang="es-AR" baseline="0" dirty="0" smtClean="0"/>
+          </a:p>
+          <a:p>
             <a:r>
               <a:rPr lang="es-AR" baseline="0" dirty="0" smtClean="0"/>
-              <a:t>. Para esto último se ha considerado los valores más bajos del mercado, es decir, tan solo 10 centavos por </a:t>
-            </a:r>
-            <a:r>
-              <a:rPr lang="es-AR" baseline="0" dirty="0" err="1" smtClean="0"/>
-              <a:t>clicks</a:t>
-            </a:r>
-            <a:r>
-              <a:rPr lang="es-AR" baseline="0" dirty="0" smtClean="0"/>
-              <a:t> y 0,1 centavo por vista.</a:t>
-            </a:r>
-          </a:p>
-          <a:p>
-            <a:r>
-              <a:rPr lang="es-AR" baseline="0" dirty="0" smtClean="0"/>
-              <a:t>En este gráfico se puede ver como la aplicación crecería linealmente entre los </a:t>
-            </a:r>
-            <a:r>
-              <a:rPr lang="es-AR" baseline="0" dirty="0" err="1" smtClean="0"/>
-              <a:t>emses</a:t>
-            </a:r>
-            <a:r>
-              <a:rPr lang="es-AR" baseline="0" dirty="0" smtClean="0"/>
-              <a:t> 5 y 11, llegando a los 100mil usuarios y finalmente iría disminuyendo su crecimiento a partir de ahí hasta estancarse en 160mil usuarios. </a:t>
-            </a:r>
-          </a:p>
-          <a:p>
-            <a:r>
-              <a:rPr lang="es-AR" baseline="0" dirty="0" smtClean="0"/>
-              <a:t>En lo referente a los ingresos, los mismos tendrían un pico durante la expansión de la aplicación llegando a 35mil </a:t>
-            </a:r>
-            <a:r>
-              <a:rPr lang="es-AR" baseline="0" dirty="0" err="1" smtClean="0"/>
-              <a:t>doalres</a:t>
-            </a:r>
-            <a:r>
-              <a:rPr lang="es-AR" baseline="0" dirty="0" smtClean="0"/>
-              <a:t> por mes para finalmente converger a 20 mil </a:t>
-            </a:r>
-            <a:r>
-              <a:rPr lang="es-AR" baseline="0" dirty="0" err="1" smtClean="0"/>
-              <a:t>dolares</a:t>
-            </a:r>
-            <a:r>
-              <a:rPr lang="es-AR" baseline="0" dirty="0" smtClean="0"/>
-              <a:t> por mes. Teniendo en cuenta que el gasto para mantener la aplicación son casi mínimos (tan solo un servidor) , casi todo sería ganancias.</a:t>
-            </a:r>
-          </a:p>
-          <a:p>
-            <a:r>
-              <a:rPr lang="es-AR" baseline="0" dirty="0" smtClean="0"/>
-              <a:t>Finalmente se puede concluir, que siendo este el peor escenario posible, teniendo en cuenta los precios mas bajos del mercado en lo referente a publicidad, sin considerar la </a:t>
-            </a:r>
-            <a:r>
-              <a:rPr lang="es-AR" baseline="0" dirty="0" err="1" smtClean="0"/>
-              <a:t>expansion</a:t>
-            </a:r>
-            <a:r>
-              <a:rPr lang="es-AR" baseline="0" dirty="0" smtClean="0"/>
-              <a:t> del mercado de </a:t>
-            </a:r>
-            <a:r>
-              <a:rPr lang="es-AR" baseline="0" dirty="0" err="1" smtClean="0"/>
-              <a:t>smartphones</a:t>
-            </a:r>
-            <a:r>
-              <a:rPr lang="es-AR" baseline="0" dirty="0" smtClean="0"/>
-              <a:t> en un futuro y considerando tan solo una expansión del 3%, el negocio daría considerables </a:t>
-            </a:r>
-            <a:r>
-              <a:rPr lang="es-AR" baseline="0" dirty="0" err="1" smtClean="0"/>
-              <a:t>ganacias</a:t>
-            </a:r>
-            <a:r>
-              <a:rPr lang="es-AR" baseline="0" dirty="0" smtClean="0"/>
-              <a:t>.</a:t>
-            </a:r>
-          </a:p>
-          <a:p>
-            <a:r>
-              <a:rPr lang="es-AR" baseline="0" dirty="0" smtClean="0"/>
-              <a:t>Sin embargo, ahora nos podríamos preguntar, y si la aplicación es realmente un éxito y se expande a otros mercados con una captación mayor?</a:t>
+              <a:t>Nos abocamos, entonces, a la búsqueda de soluciones de problemas actuales.</a:t>
             </a:r>
           </a:p>
         </p:txBody>
@@ -1495,7 +1406,7 @@
           <a:p>
             <a:fld id="{5625E230-B123-43EB-B2A3-53965331BBB3}" type="slidenum">
               <a:rPr lang="es-AR" smtClean="0"/>
-              <a:t>3</a:t>
+              <a:t>2</a:t>
             </a:fld>
             <a:endParaRPr lang="es-AR"/>
           </a:p>
@@ -1504,7 +1415,7 @@
     </p:spTree>
     <p:extLst>
       <p:ext uri="{BB962C8B-B14F-4D97-AF65-F5344CB8AC3E}">
-        <p14:creationId xmlns:p14="http://schemas.microsoft.com/office/powerpoint/2010/main" val="3003342862"/>
+        <p14:creationId xmlns:p14="http://schemas.microsoft.com/office/powerpoint/2010/main" val="2610191261"/>
       </p:ext>
     </p:extLst>
   </p:cSld>
@@ -1560,6 +1471,800 @@
           <a:p>
             <a:r>
               <a:rPr lang="es-AR" dirty="0" smtClean="0"/>
+              <a:t>Nunca les ha pasado de </a:t>
+            </a:r>
+            <a:r>
+              <a:rPr lang="es-AR" dirty="0" err="1" smtClean="0"/>
+              <a:t>bla</a:t>
+            </a:r>
+            <a:r>
+              <a:rPr lang="es-AR" dirty="0" smtClean="0"/>
+              <a:t> </a:t>
+            </a:r>
+            <a:r>
+              <a:rPr lang="es-AR" dirty="0" err="1" smtClean="0"/>
+              <a:t>bla</a:t>
+            </a:r>
+            <a:r>
+              <a:rPr lang="es-AR" dirty="0" smtClean="0"/>
+              <a:t> </a:t>
+            </a:r>
+            <a:r>
+              <a:rPr lang="es-AR" dirty="0" err="1" smtClean="0"/>
+              <a:t>bla</a:t>
+            </a:r>
+            <a:r>
+              <a:rPr lang="es-AR" dirty="0" smtClean="0"/>
+              <a:t>.</a:t>
+            </a:r>
+            <a:endParaRPr lang="es-AR" dirty="0"/>
+          </a:p>
+        </p:txBody>
+      </p:sp>
+      <p:sp>
+        <p:nvSpPr>
+          <p:cNvPr id="4" name="Slide Number Placeholder 3"/>
+          <p:cNvSpPr>
+            <a:spLocks noGrp="1"/>
+          </p:cNvSpPr>
+          <p:nvPr>
+            <p:ph type="sldNum" sz="quarter" idx="10"/>
+          </p:nvPr>
+        </p:nvSpPr>
+        <p:spPr/>
+        <p:txBody>
+          <a:bodyPr/>
+          <a:lstStyle/>
+          <a:p>
+            <a:fld id="{5625E230-B123-43EB-B2A3-53965331BBB3}" type="slidenum">
+              <a:rPr lang="es-AR" smtClean="0"/>
+              <a:t>3</a:t>
+            </a:fld>
+            <a:endParaRPr lang="es-AR"/>
+          </a:p>
+        </p:txBody>
+      </p:sp>
+    </p:spTree>
+    <p:extLst>
+      <p:ext uri="{BB962C8B-B14F-4D97-AF65-F5344CB8AC3E}">
+        <p14:creationId xmlns:p14="http://schemas.microsoft.com/office/powerpoint/2010/main" val="1052945588"/>
+      </p:ext>
+    </p:extLst>
+  </p:cSld>
+  <p:clrMapOvr>
+    <a:masterClrMapping/>
+  </p:clrMapOvr>
+</p:notes>
+</file>
+
+<file path=ppt/notesSlides/notesSlide4.xml><?xml version="1.0" encoding="utf-8"?>
+<p:notes xmlns:a="http://schemas.openxmlformats.org/drawingml/2006/main" xmlns:r="http://schemas.openxmlformats.org/officeDocument/2006/relationships" xmlns:p="http://schemas.openxmlformats.org/presentationml/2006/main">
+  <p:cSld>
+    <p:spTree>
+      <p:nvGrpSpPr>
+        <p:cNvPr id="1" name=""/>
+        <p:cNvGrpSpPr/>
+        <p:nvPr/>
+      </p:nvGrpSpPr>
+      <p:grpSpPr>
+        <a:xfrm>
+          <a:off x="0" y="0"/>
+          <a:ext cx="0" cy="0"/>
+          <a:chOff x="0" y="0"/>
+          <a:chExt cx="0" cy="0"/>
+        </a:xfrm>
+      </p:grpSpPr>
+      <p:sp>
+        <p:nvSpPr>
+          <p:cNvPr id="2" name="Slide Image Placeholder 1"/>
+          <p:cNvSpPr>
+            <a:spLocks noGrp="1" noRot="1" noChangeAspect="1"/>
+          </p:cNvSpPr>
+          <p:nvPr>
+            <p:ph type="sldImg"/>
+          </p:nvPr>
+        </p:nvSpPr>
+        <p:spPr/>
+      </p:sp>
+      <p:sp>
+        <p:nvSpPr>
+          <p:cNvPr id="3" name="Notes Placeholder 2"/>
+          <p:cNvSpPr>
+            <a:spLocks noGrp="1"/>
+          </p:cNvSpPr>
+          <p:nvPr>
+            <p:ph type="body" idx="1"/>
+          </p:nvPr>
+        </p:nvSpPr>
+        <p:spPr/>
+        <p:txBody>
+          <a:bodyPr/>
+          <a:lstStyle/>
+          <a:p>
+            <a:r>
+              <a:rPr lang="es-AR" dirty="0" smtClean="0"/>
+              <a:t>Cómo vamos a resolverlo?</a:t>
+            </a:r>
+          </a:p>
+          <a:p>
+            <a:r>
+              <a:rPr lang="es-AR" dirty="0" smtClean="0"/>
+              <a:t>Desarrollando una aplicación</a:t>
+            </a:r>
+            <a:r>
+              <a:rPr lang="es-AR" baseline="0" dirty="0" smtClean="0"/>
+              <a:t> móvil para la localización de los baños más cercanos al lugar donde te encuentres.</a:t>
+            </a:r>
+            <a:endParaRPr lang="es-AR" dirty="0"/>
+          </a:p>
+        </p:txBody>
+      </p:sp>
+      <p:sp>
+        <p:nvSpPr>
+          <p:cNvPr id="4" name="Slide Number Placeholder 3"/>
+          <p:cNvSpPr>
+            <a:spLocks noGrp="1"/>
+          </p:cNvSpPr>
+          <p:nvPr>
+            <p:ph type="sldNum" sz="quarter" idx="10"/>
+          </p:nvPr>
+        </p:nvSpPr>
+        <p:spPr/>
+        <p:txBody>
+          <a:bodyPr/>
+          <a:lstStyle/>
+          <a:p>
+            <a:fld id="{5625E230-B123-43EB-B2A3-53965331BBB3}" type="slidenum">
+              <a:rPr lang="es-AR" smtClean="0"/>
+              <a:t>4</a:t>
+            </a:fld>
+            <a:endParaRPr lang="es-AR"/>
+          </a:p>
+        </p:txBody>
+      </p:sp>
+    </p:spTree>
+    <p:extLst>
+      <p:ext uri="{BB962C8B-B14F-4D97-AF65-F5344CB8AC3E}">
+        <p14:creationId xmlns:p14="http://schemas.microsoft.com/office/powerpoint/2010/main" val="3325332095"/>
+      </p:ext>
+    </p:extLst>
+  </p:cSld>
+  <p:clrMapOvr>
+    <a:masterClrMapping/>
+  </p:clrMapOvr>
+</p:notes>
+</file>
+
+<file path=ppt/notesSlides/notesSlide5.xml><?xml version="1.0" encoding="utf-8"?>
+<p:notes xmlns:a="http://schemas.openxmlformats.org/drawingml/2006/main" xmlns:r="http://schemas.openxmlformats.org/officeDocument/2006/relationships" xmlns:p="http://schemas.openxmlformats.org/presentationml/2006/main">
+  <p:cSld>
+    <p:spTree>
+      <p:nvGrpSpPr>
+        <p:cNvPr id="1" name=""/>
+        <p:cNvGrpSpPr/>
+        <p:nvPr/>
+      </p:nvGrpSpPr>
+      <p:grpSpPr>
+        <a:xfrm>
+          <a:off x="0" y="0"/>
+          <a:ext cx="0" cy="0"/>
+          <a:chOff x="0" y="0"/>
+          <a:chExt cx="0" cy="0"/>
+        </a:xfrm>
+      </p:grpSpPr>
+      <p:sp>
+        <p:nvSpPr>
+          <p:cNvPr id="2" name="Slide Image Placeholder 1"/>
+          <p:cNvSpPr>
+            <a:spLocks noGrp="1" noRot="1" noChangeAspect="1"/>
+          </p:cNvSpPr>
+          <p:nvPr>
+            <p:ph type="sldImg"/>
+          </p:nvPr>
+        </p:nvSpPr>
+        <p:spPr/>
+      </p:sp>
+      <p:sp>
+        <p:nvSpPr>
+          <p:cNvPr id="3" name="Notes Placeholder 2"/>
+          <p:cNvSpPr>
+            <a:spLocks noGrp="1"/>
+          </p:cNvSpPr>
+          <p:nvPr>
+            <p:ph type="body" idx="1"/>
+          </p:nvPr>
+        </p:nvSpPr>
+        <p:spPr/>
+        <p:txBody>
+          <a:bodyPr/>
+          <a:lstStyle/>
+          <a:p>
+            <a:pPr marL="0" marR="0" indent="0" algn="l" defTabSz="914400" rtl="0" eaLnBrk="1" fontAlgn="auto" latinLnBrk="0" hangingPunct="1">
+              <a:lnSpc>
+                <a:spcPct val="100000"/>
+              </a:lnSpc>
+              <a:spcBef>
+                <a:spcPts val="0"/>
+              </a:spcBef>
+              <a:spcAft>
+                <a:spcPts val="0"/>
+              </a:spcAft>
+              <a:buClrTx/>
+              <a:buSzTx/>
+              <a:buFontTx/>
+              <a:buNone/>
+              <a:tabLst/>
+              <a:defRPr/>
+            </a:pPr>
+            <a:r>
+              <a:rPr lang="es-AR" dirty="0" smtClean="0"/>
+              <a:t>La</a:t>
+            </a:r>
+            <a:r>
+              <a:rPr lang="es-AR" baseline="0" dirty="0" smtClean="0"/>
+              <a:t> idea de tener una aplicación móvil que resuelva la cuestión que aquí planteamos es interesante si </a:t>
+            </a:r>
+            <a:r>
+              <a:rPr lang="es-AR" dirty="0" smtClean="0"/>
+              <a:t>comprendemos cómo ha cambiado la vida con el uso celular: educación, trabajo y su uso cotidiano. El celular se convirtió en un artículo indispensable en la vida de los adultos y cada vez más entre los niños; y es que no sólo es un medio para recibir y contestar. </a:t>
+            </a:r>
+          </a:p>
+          <a:p>
+            <a:pPr marL="0" marR="0" indent="0" algn="l" defTabSz="914400" rtl="0" eaLnBrk="1" fontAlgn="auto" latinLnBrk="0" hangingPunct="1">
+              <a:lnSpc>
+                <a:spcPct val="100000"/>
+              </a:lnSpc>
+              <a:spcBef>
+                <a:spcPts val="0"/>
+              </a:spcBef>
+              <a:spcAft>
+                <a:spcPts val="0"/>
+              </a:spcAft>
+              <a:buClrTx/>
+              <a:buSzTx/>
+              <a:buFontTx/>
+              <a:buNone/>
+              <a:tabLst/>
+              <a:defRPr/>
+            </a:pPr>
+            <a:endParaRPr lang="es-AR" dirty="0" smtClean="0"/>
+          </a:p>
+          <a:p>
+            <a:pPr marL="0" marR="0" indent="0" algn="l" defTabSz="914400" rtl="0" eaLnBrk="1" fontAlgn="auto" latinLnBrk="0" hangingPunct="1">
+              <a:lnSpc>
+                <a:spcPct val="100000"/>
+              </a:lnSpc>
+              <a:spcBef>
+                <a:spcPts val="0"/>
+              </a:spcBef>
+              <a:spcAft>
+                <a:spcPts val="0"/>
+              </a:spcAft>
+              <a:buClrTx/>
+              <a:buSzTx/>
+              <a:buFontTx/>
+              <a:buNone/>
+              <a:tabLst/>
+              <a:defRPr/>
+            </a:pPr>
+            <a:endParaRPr lang="es-AR" dirty="0" smtClean="0"/>
+          </a:p>
+          <a:p>
+            <a:pPr algn="l"/>
+            <a:r>
+              <a:rPr lang="es-ES_tradnl" sz="1200" dirty="0" smtClean="0">
+                <a:effectLst/>
+              </a:rPr>
+              <a:t>El teléfono celular es un centro de entretenimiento</a:t>
+            </a:r>
+            <a:r>
+              <a:rPr lang="es-ES_tradnl" sz="1200" baseline="0" dirty="0" smtClean="0">
+                <a:effectLst/>
+              </a:rPr>
+              <a:t>, nosotros proponemos que también sea el instrumento que nos facilite la vida. </a:t>
+            </a:r>
+          </a:p>
+          <a:p>
+            <a:pPr algn="l"/>
+            <a:endParaRPr lang="es-ES_tradnl" sz="1200" dirty="0" smtClean="0">
+              <a:effectLst/>
+            </a:endParaRPr>
+          </a:p>
+          <a:p>
+            <a:pPr marL="0" marR="0" indent="0" algn="l" defTabSz="914400" rtl="0" eaLnBrk="1" fontAlgn="auto" latinLnBrk="0" hangingPunct="1">
+              <a:lnSpc>
+                <a:spcPct val="100000"/>
+              </a:lnSpc>
+              <a:spcBef>
+                <a:spcPts val="0"/>
+              </a:spcBef>
+              <a:spcAft>
+                <a:spcPts val="0"/>
+              </a:spcAft>
+              <a:buClrTx/>
+              <a:buSzTx/>
+              <a:buFontTx/>
+              <a:buNone/>
+              <a:tabLst/>
+              <a:defRPr/>
+            </a:pPr>
+            <a:r>
+              <a:rPr lang="es-AR" baseline="0" dirty="0" smtClean="0"/>
+              <a:t>Nuestro target es básicamente cualquier usuario de </a:t>
+            </a:r>
+            <a:r>
+              <a:rPr lang="es-AR" baseline="0" dirty="0" err="1" smtClean="0"/>
+              <a:t>smartphone</a:t>
+            </a:r>
+            <a:r>
+              <a:rPr lang="es-AR" baseline="0" dirty="0" smtClean="0"/>
+              <a:t>, y comprendemos que los mismos t</a:t>
+            </a:r>
+            <a:r>
+              <a:rPr lang="es-ES_tradnl" sz="1200" dirty="0" err="1" smtClean="0">
+                <a:effectLst/>
+              </a:rPr>
+              <a:t>ienen</a:t>
+            </a:r>
+            <a:r>
+              <a:rPr lang="es-ES_tradnl" sz="1200" dirty="0" smtClean="0">
+                <a:effectLst/>
+              </a:rPr>
+              <a:t> mayor uso entre los jóvenes, principales interesados</a:t>
+            </a:r>
+            <a:r>
+              <a:rPr lang="es-ES_tradnl" sz="1200" baseline="0" dirty="0" smtClean="0">
+                <a:effectLst/>
+              </a:rPr>
+              <a:t> en descargar y probar aplicaciones populares</a:t>
+            </a:r>
+            <a:r>
+              <a:rPr lang="es-ES_tradnl" sz="1200" dirty="0" smtClean="0">
+                <a:effectLst/>
+              </a:rPr>
+              <a:t>.</a:t>
+            </a:r>
+          </a:p>
+          <a:p>
+            <a:pPr marL="0" marR="0" indent="0" algn="l" defTabSz="914400" rtl="0" eaLnBrk="1" fontAlgn="auto" latinLnBrk="0" hangingPunct="1">
+              <a:lnSpc>
+                <a:spcPct val="100000"/>
+              </a:lnSpc>
+              <a:spcBef>
+                <a:spcPts val="0"/>
+              </a:spcBef>
+              <a:spcAft>
+                <a:spcPts val="0"/>
+              </a:spcAft>
+              <a:buClrTx/>
+              <a:buSzTx/>
+              <a:buFontTx/>
+              <a:buNone/>
+              <a:tabLst/>
+              <a:defRPr/>
+            </a:pPr>
+            <a:endParaRPr lang="es-ES_tradnl" sz="1200" dirty="0" smtClean="0">
+              <a:effectLst/>
+            </a:endParaRPr>
+          </a:p>
+          <a:p>
+            <a:pPr algn="l"/>
+            <a:r>
+              <a:rPr lang="es-AR" baseline="0" dirty="0" smtClean="0"/>
+              <a:t>Tengamos en cuenta que una idea innovadora como esta tiene alto impacto, es de rápida </a:t>
+            </a:r>
+            <a:r>
+              <a:rPr lang="es-AR" baseline="0" dirty="0" err="1" smtClean="0"/>
+              <a:t>viralización</a:t>
+            </a:r>
+            <a:r>
+              <a:rPr lang="es-AR" baseline="0" dirty="0" smtClean="0"/>
+              <a:t> especialmente si es publicitada en redes sociales.</a:t>
+            </a:r>
+          </a:p>
+        </p:txBody>
+      </p:sp>
+      <p:sp>
+        <p:nvSpPr>
+          <p:cNvPr id="4" name="Slide Number Placeholder 3"/>
+          <p:cNvSpPr>
+            <a:spLocks noGrp="1"/>
+          </p:cNvSpPr>
+          <p:nvPr>
+            <p:ph type="sldNum" sz="quarter" idx="10"/>
+          </p:nvPr>
+        </p:nvSpPr>
+        <p:spPr/>
+        <p:txBody>
+          <a:bodyPr/>
+          <a:lstStyle/>
+          <a:p>
+            <a:fld id="{5625E230-B123-43EB-B2A3-53965331BBB3}" type="slidenum">
+              <a:rPr lang="es-AR" smtClean="0"/>
+              <a:t>5</a:t>
+            </a:fld>
+            <a:endParaRPr lang="es-AR"/>
+          </a:p>
+        </p:txBody>
+      </p:sp>
+    </p:spTree>
+    <p:extLst>
+      <p:ext uri="{BB962C8B-B14F-4D97-AF65-F5344CB8AC3E}">
+        <p14:creationId xmlns:p14="http://schemas.microsoft.com/office/powerpoint/2010/main" val="84732664"/>
+      </p:ext>
+    </p:extLst>
+  </p:cSld>
+  <p:clrMapOvr>
+    <a:masterClrMapping/>
+  </p:clrMapOvr>
+</p:notes>
+</file>
+
+<file path=ppt/notesSlides/notesSlide6.xml><?xml version="1.0" encoding="utf-8"?>
+<p:notes xmlns:a="http://schemas.openxmlformats.org/drawingml/2006/main" xmlns:r="http://schemas.openxmlformats.org/officeDocument/2006/relationships" xmlns:p="http://schemas.openxmlformats.org/presentationml/2006/main">
+  <p:cSld>
+    <p:spTree>
+      <p:nvGrpSpPr>
+        <p:cNvPr id="1" name=""/>
+        <p:cNvGrpSpPr/>
+        <p:nvPr/>
+      </p:nvGrpSpPr>
+      <p:grpSpPr>
+        <a:xfrm>
+          <a:off x="0" y="0"/>
+          <a:ext cx="0" cy="0"/>
+          <a:chOff x="0" y="0"/>
+          <a:chExt cx="0" cy="0"/>
+        </a:xfrm>
+      </p:grpSpPr>
+      <p:sp>
+        <p:nvSpPr>
+          <p:cNvPr id="2" name="Slide Image Placeholder 1"/>
+          <p:cNvSpPr>
+            <a:spLocks noGrp="1" noRot="1" noChangeAspect="1"/>
+          </p:cNvSpPr>
+          <p:nvPr>
+            <p:ph type="sldImg"/>
+          </p:nvPr>
+        </p:nvSpPr>
+        <p:spPr/>
+      </p:sp>
+      <p:sp>
+        <p:nvSpPr>
+          <p:cNvPr id="3" name="Notes Placeholder 2"/>
+          <p:cNvSpPr>
+            <a:spLocks noGrp="1"/>
+          </p:cNvSpPr>
+          <p:nvPr>
+            <p:ph type="body" idx="1"/>
+          </p:nvPr>
+        </p:nvSpPr>
+        <p:spPr/>
+        <p:txBody>
+          <a:bodyPr/>
+          <a:lstStyle/>
+          <a:p>
+            <a:pPr marL="0" marR="0" indent="0" algn="l" defTabSz="914400" rtl="0" eaLnBrk="1" fontAlgn="auto" latinLnBrk="0" hangingPunct="1">
+              <a:lnSpc>
+                <a:spcPct val="100000"/>
+              </a:lnSpc>
+              <a:spcBef>
+                <a:spcPts val="0"/>
+              </a:spcBef>
+              <a:spcAft>
+                <a:spcPts val="0"/>
+              </a:spcAft>
+              <a:buClrTx/>
+              <a:buSzTx/>
+              <a:buFontTx/>
+              <a:buNone/>
+              <a:tabLst/>
+              <a:defRPr/>
+            </a:pPr>
+            <a:r>
+              <a:rPr lang="es-AR" dirty="0" smtClean="0"/>
+              <a:t>Luego</a:t>
+            </a:r>
+            <a:r>
+              <a:rPr lang="es-AR" baseline="0" dirty="0" smtClean="0"/>
+              <a:t> de escuchar sobre el producto, probablemente </a:t>
+            </a:r>
+            <a:r>
+              <a:rPr lang="es-AR" baseline="0" dirty="0" err="1" smtClean="0"/>
+              <a:t>esten</a:t>
+            </a:r>
+            <a:r>
+              <a:rPr lang="es-AR" baseline="0" dirty="0" smtClean="0"/>
+              <a:t> pensando “esto muy lindo, realmente me gustaría tener esta aplicación, pero realmente voy a ganar dinero con ella?”. Pues sí señores. Hemos analizado distintos escenarios basados en casos reales y a modo de ejemplo les mostraremos dos de ellos</a:t>
+            </a:r>
+          </a:p>
+        </p:txBody>
+      </p:sp>
+      <p:sp>
+        <p:nvSpPr>
+          <p:cNvPr id="4" name="Slide Number Placeholder 3"/>
+          <p:cNvSpPr>
+            <a:spLocks noGrp="1"/>
+          </p:cNvSpPr>
+          <p:nvPr>
+            <p:ph type="sldNum" sz="quarter" idx="10"/>
+          </p:nvPr>
+        </p:nvSpPr>
+        <p:spPr/>
+        <p:txBody>
+          <a:bodyPr/>
+          <a:lstStyle/>
+          <a:p>
+            <a:fld id="{5625E230-B123-43EB-B2A3-53965331BBB3}" type="slidenum">
+              <a:rPr lang="es-AR" smtClean="0"/>
+              <a:t>6</a:t>
+            </a:fld>
+            <a:endParaRPr lang="es-AR"/>
+          </a:p>
+        </p:txBody>
+      </p:sp>
+    </p:spTree>
+    <p:extLst>
+      <p:ext uri="{BB962C8B-B14F-4D97-AF65-F5344CB8AC3E}">
+        <p14:creationId xmlns:p14="http://schemas.microsoft.com/office/powerpoint/2010/main" val="448154425"/>
+      </p:ext>
+    </p:extLst>
+  </p:cSld>
+  <p:clrMapOvr>
+    <a:masterClrMapping/>
+  </p:clrMapOvr>
+</p:notes>
+</file>
+
+<file path=ppt/notesSlides/notesSlide7.xml><?xml version="1.0" encoding="utf-8"?>
+<p:notes xmlns:a="http://schemas.openxmlformats.org/drawingml/2006/main" xmlns:r="http://schemas.openxmlformats.org/officeDocument/2006/relationships" xmlns:p="http://schemas.openxmlformats.org/presentationml/2006/main">
+  <p:cSld>
+    <p:spTree>
+      <p:nvGrpSpPr>
+        <p:cNvPr id="1" name=""/>
+        <p:cNvGrpSpPr/>
+        <p:nvPr/>
+      </p:nvGrpSpPr>
+      <p:grpSpPr>
+        <a:xfrm>
+          <a:off x="0" y="0"/>
+          <a:ext cx="0" cy="0"/>
+          <a:chOff x="0" y="0"/>
+          <a:chExt cx="0" cy="0"/>
+        </a:xfrm>
+      </p:grpSpPr>
+      <p:sp>
+        <p:nvSpPr>
+          <p:cNvPr id="2" name="Slide Image Placeholder 1"/>
+          <p:cNvSpPr>
+            <a:spLocks noGrp="1" noRot="1" noChangeAspect="1"/>
+          </p:cNvSpPr>
+          <p:nvPr>
+            <p:ph type="sldImg"/>
+          </p:nvPr>
+        </p:nvSpPr>
+        <p:spPr/>
+      </p:sp>
+      <p:sp>
+        <p:nvSpPr>
+          <p:cNvPr id="3" name="Notes Placeholder 2"/>
+          <p:cNvSpPr>
+            <a:spLocks noGrp="1"/>
+          </p:cNvSpPr>
+          <p:nvPr>
+            <p:ph type="body" idx="1"/>
+          </p:nvPr>
+        </p:nvSpPr>
+        <p:spPr/>
+        <p:txBody>
+          <a:bodyPr/>
+          <a:lstStyle/>
+          <a:p>
+            <a:r>
+              <a:rPr lang="es-AR" dirty="0" smtClean="0"/>
+              <a:t>En primer lugar, mostraremos el peor caso,</a:t>
+            </a:r>
+            <a:r>
+              <a:rPr lang="es-AR" baseline="0" dirty="0" smtClean="0"/>
+              <a:t> en el que el producto no se expanda fuera del país y que luego de 2 años se estanque en un 3% del mercado nacional. En ese caso, hemos considerado solo el mercado de </a:t>
+            </a:r>
+            <a:r>
+              <a:rPr lang="es-AR" baseline="0" dirty="0" err="1" smtClean="0"/>
+              <a:t>android</a:t>
+            </a:r>
+            <a:r>
+              <a:rPr lang="es-AR" baseline="0" dirty="0" smtClean="0"/>
+              <a:t> y hemos tomado como patrón de crecimiento estadísticas de otras empresas conocidas. Para las ganancias se ha tenido en cuenta la descarga de aplicación a 1 dólar y las ganancias por </a:t>
+            </a:r>
+            <a:r>
+              <a:rPr lang="es-AR" baseline="0" dirty="0" err="1" smtClean="0"/>
+              <a:t>google</a:t>
+            </a:r>
+            <a:r>
+              <a:rPr lang="es-AR" baseline="0" dirty="0" smtClean="0"/>
+              <a:t> </a:t>
+            </a:r>
+            <a:r>
+              <a:rPr lang="es-AR" baseline="0" dirty="0" err="1" smtClean="0"/>
+              <a:t>Adds</a:t>
+            </a:r>
+            <a:r>
+              <a:rPr lang="es-AR" baseline="0" dirty="0" smtClean="0"/>
+              <a:t> en base a la cantidad de vistas y </a:t>
+            </a:r>
+            <a:r>
+              <a:rPr lang="es-AR" baseline="0" dirty="0" err="1" smtClean="0"/>
+              <a:t>clicks</a:t>
+            </a:r>
+            <a:r>
+              <a:rPr lang="es-AR" baseline="0" dirty="0" smtClean="0"/>
+              <a:t>. Para esto último se ha considerado los valores más bajos del mercado, es decir, tan solo 10 centavos por </a:t>
+            </a:r>
+            <a:r>
+              <a:rPr lang="es-AR" baseline="0" dirty="0" err="1" smtClean="0"/>
+              <a:t>clicks</a:t>
+            </a:r>
+            <a:r>
+              <a:rPr lang="es-AR" baseline="0" dirty="0" smtClean="0"/>
+              <a:t> y 0,1 centavo por vista.</a:t>
+            </a:r>
+          </a:p>
+          <a:p>
+            <a:r>
+              <a:rPr lang="es-AR" baseline="0" dirty="0" smtClean="0"/>
+              <a:t>En este gráfico se puede ver como la aplicación crecería linealmente entre los </a:t>
+            </a:r>
+            <a:r>
+              <a:rPr lang="es-AR" baseline="0" dirty="0" err="1" smtClean="0"/>
+              <a:t>emses</a:t>
+            </a:r>
+            <a:r>
+              <a:rPr lang="es-AR" baseline="0" dirty="0" smtClean="0"/>
+              <a:t> 5 y 11, llegando a los 100mil usuarios y finalmente iría disminuyendo su crecimiento a partir de ahí hasta estancarse en 160mil usuarios. </a:t>
+            </a:r>
+          </a:p>
+          <a:p>
+            <a:r>
+              <a:rPr lang="es-AR" baseline="0" dirty="0" smtClean="0"/>
+              <a:t>En lo referente a los ingresos, los mismos tendrían un pico durante la expansión de la aplicación llegando a 35mil </a:t>
+            </a:r>
+            <a:r>
+              <a:rPr lang="es-AR" baseline="0" dirty="0" err="1" smtClean="0"/>
+              <a:t>doalres</a:t>
+            </a:r>
+            <a:r>
+              <a:rPr lang="es-AR" baseline="0" dirty="0" smtClean="0"/>
+              <a:t> por mes para finalmente converger a 20 mil </a:t>
+            </a:r>
+            <a:r>
+              <a:rPr lang="es-AR" baseline="0" dirty="0" err="1" smtClean="0"/>
+              <a:t>dolares</a:t>
+            </a:r>
+            <a:r>
+              <a:rPr lang="es-AR" baseline="0" dirty="0" smtClean="0"/>
+              <a:t> por mes. Teniendo en cuenta que el gasto para mantener la aplicación son casi mínimos (tan solo un servidor) , casi todo sería ganancias.</a:t>
+            </a:r>
+          </a:p>
+          <a:p>
+            <a:r>
+              <a:rPr lang="es-AR" baseline="0" dirty="0" smtClean="0"/>
+              <a:t>Finalmente se puede concluir, que siendo este el peor escenario posible, teniendo en cuenta los precios mas bajos del mercado en lo referente a publicidad, sin considerar la </a:t>
+            </a:r>
+            <a:r>
+              <a:rPr lang="es-AR" baseline="0" dirty="0" err="1" smtClean="0"/>
+              <a:t>expansion</a:t>
+            </a:r>
+            <a:r>
+              <a:rPr lang="es-AR" baseline="0" dirty="0" smtClean="0"/>
+              <a:t> del mercado de </a:t>
+            </a:r>
+            <a:r>
+              <a:rPr lang="es-AR" baseline="0" dirty="0" err="1" smtClean="0"/>
+              <a:t>smartphones</a:t>
+            </a:r>
+            <a:r>
+              <a:rPr lang="es-AR" baseline="0" dirty="0" smtClean="0"/>
+              <a:t> en un futuro y considerando tan solo una expansión del 3%, el negocio daría considerables </a:t>
+            </a:r>
+            <a:r>
+              <a:rPr lang="es-AR" baseline="0" dirty="0" err="1" smtClean="0"/>
+              <a:t>ganacias</a:t>
+            </a:r>
+            <a:r>
+              <a:rPr lang="es-AR" baseline="0" dirty="0" smtClean="0"/>
+              <a:t>.</a:t>
+            </a:r>
+          </a:p>
+          <a:p>
+            <a:r>
+              <a:rPr lang="es-AR" baseline="0" dirty="0" smtClean="0"/>
+              <a:t>Sin embargo, ahora nos podríamos preguntar, y si la aplicación es realmente un éxito y se expande a otros mercados con una captación mayor?</a:t>
+            </a:r>
+          </a:p>
+        </p:txBody>
+      </p:sp>
+      <p:sp>
+        <p:nvSpPr>
+          <p:cNvPr id="4" name="Slide Number Placeholder 3"/>
+          <p:cNvSpPr>
+            <a:spLocks noGrp="1"/>
+          </p:cNvSpPr>
+          <p:nvPr>
+            <p:ph type="sldNum" sz="quarter" idx="10"/>
+          </p:nvPr>
+        </p:nvSpPr>
+        <p:spPr/>
+        <p:txBody>
+          <a:bodyPr/>
+          <a:lstStyle/>
+          <a:p>
+            <a:fld id="{5625E230-B123-43EB-B2A3-53965331BBB3}" type="slidenum">
+              <a:rPr lang="es-AR" smtClean="0"/>
+              <a:t>7</a:t>
+            </a:fld>
+            <a:endParaRPr lang="es-AR"/>
+          </a:p>
+        </p:txBody>
+      </p:sp>
+    </p:spTree>
+    <p:extLst>
+      <p:ext uri="{BB962C8B-B14F-4D97-AF65-F5344CB8AC3E}">
+        <p14:creationId xmlns:p14="http://schemas.microsoft.com/office/powerpoint/2010/main" val="3003342862"/>
+      </p:ext>
+    </p:extLst>
+  </p:cSld>
+  <p:clrMapOvr>
+    <a:masterClrMapping/>
+  </p:clrMapOvr>
+</p:notes>
+</file>
+
+<file path=ppt/notesSlides/notesSlide8.xml><?xml version="1.0" encoding="utf-8"?>
+<p:notes xmlns:a="http://schemas.openxmlformats.org/drawingml/2006/main" xmlns:r="http://schemas.openxmlformats.org/officeDocument/2006/relationships" xmlns:p="http://schemas.openxmlformats.org/presentationml/2006/main">
+  <p:cSld>
+    <p:spTree>
+      <p:nvGrpSpPr>
+        <p:cNvPr id="1" name=""/>
+        <p:cNvGrpSpPr/>
+        <p:nvPr/>
+      </p:nvGrpSpPr>
+      <p:grpSpPr>
+        <a:xfrm>
+          <a:off x="0" y="0"/>
+          <a:ext cx="0" cy="0"/>
+          <a:chOff x="0" y="0"/>
+          <a:chExt cx="0" cy="0"/>
+        </a:xfrm>
+      </p:grpSpPr>
+      <p:sp>
+        <p:nvSpPr>
+          <p:cNvPr id="2" name="Slide Image Placeholder 1"/>
+          <p:cNvSpPr>
+            <a:spLocks noGrp="1" noRot="1" noChangeAspect="1"/>
+          </p:cNvSpPr>
+          <p:nvPr>
+            <p:ph type="sldImg"/>
+          </p:nvPr>
+        </p:nvSpPr>
+        <p:spPr/>
+      </p:sp>
+      <p:sp>
+        <p:nvSpPr>
+          <p:cNvPr id="3" name="Notes Placeholder 2"/>
+          <p:cNvSpPr>
+            <a:spLocks noGrp="1"/>
+          </p:cNvSpPr>
+          <p:nvPr>
+            <p:ph type="body" idx="1"/>
+          </p:nvPr>
+        </p:nvSpPr>
+        <p:spPr/>
+        <p:txBody>
+          <a:bodyPr/>
+          <a:lstStyle/>
+          <a:p>
+            <a:r>
+              <a:rPr lang="es-AR" dirty="0" smtClean="0"/>
               <a:t>En ese escenario, hemos tomado los datos de una empresa</a:t>
             </a:r>
             <a:r>
@@ -1845,18 +2550,6 @@
               <a:t> los 2 años de 7 millones y medio de </a:t>
             </a:r>
             <a:r>
-              <a:rPr lang="es-AR" sz="1200" b="0" i="0" kern="1200" baseline="0" dirty="0" err="1" smtClean="0">
-                <a:solidFill>
-                  <a:schemeClr val="tx1"/>
-                </a:solidFill>
-                <a:effectLst/>
-                <a:latin typeface="+mn-lt"/>
-                <a:ea typeface="+mn-ea"/>
-                <a:cs typeface="+mn-cs"/>
-              </a:rPr>
-              <a:t>dolares</a:t>
-            </a:r>
-            <a:r>
               <a:rPr lang="es-AR" sz="1200" b="0" i="0" kern="1200" baseline="0" dirty="0" smtClean="0">
                 <a:solidFill>
                   <a:schemeClr val="tx1"/>
@@ -1866,7 +2559,19 @@
                 <a:ea typeface="+mn-ea"/>
                 <a:cs typeface="+mn-cs"/>
               </a:rPr>
-              <a:t> al mes, teniendo en cuenta los mismos precios para las publicidades que en el escenario anterior. Como pueden ver, un gran negocio.</a:t>
+              <a:t>dólares </a:t>
+            </a:r>
+            <a:r>
+              <a:rPr lang="es-AR" sz="1200" b="0" i="0" kern="1200" baseline="0" dirty="0" smtClean="0">
+                <a:solidFill>
+                  <a:schemeClr val="tx1"/>
+                </a:solidFill>
+                <a:effectLst/>
+                <a:latin typeface="+mn-lt"/>
+                <a:ea typeface="+mn-ea"/>
+                <a:cs typeface="+mn-cs"/>
+              </a:rPr>
+              <a:t>al mes, teniendo en cuenta los mismos precios para las publicidades que en el escenario anterior. Como pueden ver, un gran negocio.</a:t>
             </a:r>
           </a:p>
           <a:p>
@@ -1972,7 +2677,7 @@
           <a:p>
             <a:fld id="{5625E230-B123-43EB-B2A3-53965331BBB3}" type="slidenum">
               <a:rPr lang="es-AR" smtClean="0"/>
-              <a:t>4</a:t>
+              <a:t>8</a:t>
             </a:fld>
             <a:endParaRPr lang="es-AR"/>
           </a:p>
@@ -1982,6 +2687,90 @@
     <p:extLst>
       <p:ext uri="{BB962C8B-B14F-4D97-AF65-F5344CB8AC3E}">
         <p14:creationId xmlns:p14="http://schemas.microsoft.com/office/powerpoint/2010/main" val="3000085410"/>
+      </p:ext>
+    </p:extLst>
+  </p:cSld>
+  <p:clrMapOvr>
+    <a:masterClrMapping/>
+  </p:clrMapOvr>
+</p:notes>
+</file>
+
+<file path=ppt/notesSlides/notesSlide9.xml><?xml version="1.0" encoding="utf-8"?>
+<p:notes xmlns:a="http://schemas.openxmlformats.org/drawingml/2006/main" xmlns:r="http://schemas.openxmlformats.org/officeDocument/2006/relationships" xmlns:p="http://schemas.openxmlformats.org/presentationml/2006/main">
+  <p:cSld>
+    <p:spTree>
+      <p:nvGrpSpPr>
+        <p:cNvPr id="1" name=""/>
+        <p:cNvGrpSpPr/>
+        <p:nvPr/>
+      </p:nvGrpSpPr>
+      <p:grpSpPr>
+        <a:xfrm>
+          <a:off x="0" y="0"/>
+          <a:ext cx="0" cy="0"/>
+          <a:chOff x="0" y="0"/>
+          <a:chExt cx="0" cy="0"/>
+        </a:xfrm>
+      </p:grpSpPr>
+      <p:sp>
+        <p:nvSpPr>
+          <p:cNvPr id="2" name="Slide Image Placeholder 1"/>
+          <p:cNvSpPr>
+            <a:spLocks noGrp="1" noRot="1" noChangeAspect="1"/>
+          </p:cNvSpPr>
+          <p:nvPr>
+            <p:ph type="sldImg"/>
+          </p:nvPr>
+        </p:nvSpPr>
+        <p:spPr/>
+      </p:sp>
+      <p:sp>
+        <p:nvSpPr>
+          <p:cNvPr id="3" name="Notes Placeholder 2"/>
+          <p:cNvSpPr>
+            <a:spLocks noGrp="1"/>
+          </p:cNvSpPr>
+          <p:nvPr>
+            <p:ph type="body" idx="1"/>
+          </p:nvPr>
+        </p:nvSpPr>
+        <p:spPr/>
+        <p:txBody>
+          <a:bodyPr/>
+          <a:lstStyle/>
+          <a:p>
+            <a:endParaRPr lang="es-AR" dirty="0"/>
+          </a:p>
+        </p:txBody>
+      </p:sp>
+      <p:sp>
+        <p:nvSpPr>
+          <p:cNvPr id="4" name="Slide Number Placeholder 3"/>
+          <p:cNvSpPr>
+            <a:spLocks noGrp="1"/>
+          </p:cNvSpPr>
+          <p:nvPr>
+            <p:ph type="sldNum" sz="quarter" idx="10"/>
+          </p:nvPr>
+        </p:nvSpPr>
+        <p:spPr/>
+        <p:txBody>
+          <a:bodyPr/>
+          <a:lstStyle/>
+          <a:p>
+            <a:fld id="{5625E230-B123-43EB-B2A3-53965331BBB3}" type="slidenum">
+              <a:rPr lang="es-AR" smtClean="0"/>
+              <a:t>9</a:t>
+            </a:fld>
+            <a:endParaRPr lang="es-AR"/>
+          </a:p>
+        </p:txBody>
+      </p:sp>
+    </p:spTree>
+    <p:extLst>
+      <p:ext uri="{BB962C8B-B14F-4D97-AF65-F5344CB8AC3E}">
+        <p14:creationId xmlns:p14="http://schemas.microsoft.com/office/powerpoint/2010/main" val="1057133531"/>
       </p:ext>
     </p:extLst>
   </p:cSld>
@@ -2172,7 +2961,7 @@
           <a:p>
             <a:fld id="{A7BD7AA0-4159-4CB0-B2DE-5811B6B83B79}" type="datetimeFigureOut">
               <a:rPr lang="es-AR" smtClean="0"/>
-              <a:t>14/07/2013</a:t>
+              <a:t>28/07/2013</a:t>
             </a:fld>
             <a:endParaRPr lang="es-AR"/>
           </a:p>
@@ -2342,7 +3131,7 @@
           <a:p>
             <a:fld id="{A7BD7AA0-4159-4CB0-B2DE-5811B6B83B79}" type="datetimeFigureOut">
               <a:rPr lang="es-AR" smtClean="0"/>
-              <a:t>14/07/2013</a:t>
+              <a:t>28/07/2013</a:t>
             </a:fld>
             <a:endParaRPr lang="es-AR"/>
           </a:p>
@@ -2522,7 +3311,7 @@
           <a:p>
             <a:fld id="{A7BD7AA0-4159-4CB0-B2DE-5811B6B83B79}" type="datetimeFigureOut">
               <a:rPr lang="es-AR" smtClean="0"/>
-              <a:t>14/07/2013</a:t>
+              <a:t>28/07/2013</a:t>
             </a:fld>
             <a:endParaRPr lang="es-AR"/>
           </a:p>
@@ -2692,7 +3481,7 @@
           <a:p>
             <a:fld id="{A7BD7AA0-4159-4CB0-B2DE-5811B6B83B79}" type="datetimeFigureOut">
               <a:rPr lang="es-AR" smtClean="0"/>
-              <a:t>14/07/2013</a:t>
+              <a:t>28/07/2013</a:t>
             </a:fld>
             <a:endParaRPr lang="es-AR"/>
           </a:p>
@@ -2938,7 +3727,7 @@
           <a:p>
             <a:fld id="{A7BD7AA0-4159-4CB0-B2DE-5811B6B83B79}" type="datetimeFigureOut">
               <a:rPr lang="es-AR" smtClean="0"/>
-              <a:t>14/07/2013</a:t>
+              <a:t>28/07/2013</a:t>
             </a:fld>
             <a:endParaRPr lang="es-AR"/>
           </a:p>
@@ -3226,7 +4015,7 @@
           <a:p>
             <a:fld id="{A7BD7AA0-4159-4CB0-B2DE-5811B6B83B79}" type="datetimeFigureOut">
               <a:rPr lang="es-AR" smtClean="0"/>
-              <a:t>14/07/2013</a:t>
+              <a:t>28/07/2013</a:t>
             </a:fld>
             <a:endParaRPr lang="es-AR"/>
           </a:p>
@@ -3648,7 +4437,7 @@
           <a:p>
             <a:fld id="{A7BD7AA0-4159-4CB0-B2DE-5811B6B83B79}" type="datetimeFigureOut">
               <a:rPr lang="es-AR" smtClean="0"/>
-              <a:t>14/07/2013</a:t>
+              <a:t>28/07/2013</a:t>
             </a:fld>
             <a:endParaRPr lang="es-AR"/>
           </a:p>
@@ -3766,7 +4555,7 @@
           <a:p>
             <a:fld id="{A7BD7AA0-4159-4CB0-B2DE-5811B6B83B79}" type="datetimeFigureOut">
               <a:rPr lang="es-AR" smtClean="0"/>
-              <a:t>14/07/2013</a:t>
+              <a:t>28/07/2013</a:t>
             </a:fld>
             <a:endParaRPr lang="es-AR"/>
           </a:p>
@@ -3861,7 +4650,7 @@
           <a:p>
             <a:fld id="{A7BD7AA0-4159-4CB0-B2DE-5811B6B83B79}" type="datetimeFigureOut">
               <a:rPr lang="es-AR" smtClean="0"/>
-              <a:t>14/07/2013</a:t>
+              <a:t>28/07/2013</a:t>
             </a:fld>
             <a:endParaRPr lang="es-AR"/>
           </a:p>
@@ -4138,7 +4927,7 @@
           <a:p>
             <a:fld id="{A7BD7AA0-4159-4CB0-B2DE-5811B6B83B79}" type="datetimeFigureOut">
               <a:rPr lang="es-AR" smtClean="0"/>
-              <a:t>14/07/2013</a:t>
+              <a:t>28/07/2013</a:t>
             </a:fld>
             <a:endParaRPr lang="es-AR"/>
           </a:p>
@@ -4391,7 +5180,7 @@
           <a:p>
             <a:fld id="{A7BD7AA0-4159-4CB0-B2DE-5811B6B83B79}" type="datetimeFigureOut">
               <a:rPr lang="es-AR" smtClean="0"/>
-              <a:t>14/07/2013</a:t>
+              <a:t>28/07/2013</a:t>
             </a:fld>
             <a:endParaRPr lang="es-AR"/>
           </a:p>
@@ -4604,7 +5393,7 @@
           <a:p>
             <a:fld id="{A7BD7AA0-4159-4CB0-B2DE-5811B6B83B79}" type="datetimeFigureOut">
               <a:rPr lang="es-AR" smtClean="0"/>
-              <a:t>14/07/2013</a:t>
+              <a:t>28/07/2013</a:t>
             </a:fld>
             <a:endParaRPr lang="es-AR"/>
           </a:p>
@@ -4995,8 +5784,16 @@
           <a:lstStyle/>
           <a:p>
             <a:r>
+              <a:rPr lang="es-AR" dirty="0" smtClean="0"/>
+              <a:t>Social </a:t>
+            </a:r>
+            <a:r>
               <a:rPr lang="es-AR" dirty="0" err="1" smtClean="0"/>
-              <a:t>Intro</a:t>
+              <a:t>Toilet</a:t>
+            </a:r>
+            <a:r>
+              <a:rPr lang="es-AR" dirty="0" smtClean="0"/>
+              <a:t>	</a:t>
             </a:r>
             <a:endParaRPr lang="es-AR" dirty="0"/>
           </a:p>
@@ -5017,6 +5814,10 @@
           <a:bodyPr/>
           <a:lstStyle/>
           <a:p>
+            <a:r>
+              <a:rPr lang="es-AR" dirty="0" smtClean="0"/>
+              <a:t>Descripción Comercial</a:t>
+            </a:r>
             <a:endParaRPr lang="es-AR" dirty="0"/>
           </a:p>
         </p:txBody>
@@ -5031,6 +5832,169 @@
   <p:clrMapOvr>
     <a:masterClrMapping/>
   </p:clrMapOvr>
+  <p:timing>
+    <p:tnLst>
+      <p:par>
+        <p:cTn id="1" dur="indefinite" restart="never" nodeType="tmRoot"/>
+      </p:par>
+    </p:tnLst>
+  </p:timing>
+</p:sld>
+</file>
+
+<file path=ppt/slides/slide10.xml><?xml version="1.0" encoding="utf-8"?>
+<p:sld xmlns:a="http://schemas.openxmlformats.org/drawingml/2006/main" xmlns:r="http://schemas.openxmlformats.org/officeDocument/2006/relationships" xmlns:p="http://schemas.openxmlformats.org/presentationml/2006/main">
+  <p:cSld>
+    <p:spTree>
+      <p:nvGrpSpPr>
+        <p:cNvPr id="1" name=""/>
+        <p:cNvGrpSpPr/>
+        <p:nvPr/>
+      </p:nvGrpSpPr>
+      <p:grpSpPr>
+        <a:xfrm>
+          <a:off x="0" y="0"/>
+          <a:ext cx="0" cy="0"/>
+          <a:chOff x="0" y="0"/>
+          <a:chExt cx="0" cy="0"/>
+        </a:xfrm>
+      </p:grpSpPr>
+      <p:sp>
+        <p:nvSpPr>
+          <p:cNvPr id="2" name="Title 1"/>
+          <p:cNvSpPr>
+            <a:spLocks noGrp="1"/>
+          </p:cNvSpPr>
+          <p:nvPr>
+            <p:ph type="title"/>
+          </p:nvPr>
+        </p:nvSpPr>
+        <p:spPr/>
+        <p:txBody>
+          <a:bodyPr/>
+          <a:lstStyle/>
+          <a:p>
+            <a:r>
+              <a:rPr lang="es-AR" dirty="0" smtClean="0"/>
+              <a:t>Expansión y difusión</a:t>
+            </a:r>
+            <a:endParaRPr lang="es-AR" dirty="0"/>
+          </a:p>
+        </p:txBody>
+      </p:sp>
+      <p:pic>
+        <p:nvPicPr>
+          <p:cNvPr id="19" name="Content Placeholder 18"/>
+          <p:cNvPicPr>
+            <a:picLocks noGrp="1" noChangeAspect="1"/>
+          </p:cNvPicPr>
+          <p:nvPr>
+            <p:ph idx="1"/>
+          </p:nvPr>
+        </p:nvPicPr>
+        <p:blipFill>
+          <a:blip r:embed="rId2">
+            <a:extLst>
+              <a:ext uri="{28A0092B-C50C-407E-A947-70E740481C1C}">
+                <a14:useLocalDpi xmlns:a14="http://schemas.microsoft.com/office/drawing/2010/main" val="0"/>
+              </a:ext>
+            </a:extLst>
+          </a:blip>
+          <a:stretch>
+            <a:fillRect/>
+          </a:stretch>
+        </p:blipFill>
+        <p:spPr>
+          <a:xfrm>
+            <a:off x="1115616" y="1772816"/>
+            <a:ext cx="6927598" cy="3925639"/>
+          </a:xfrm>
+        </p:spPr>
+      </p:pic>
+    </p:spTree>
+    <p:extLst>
+      <p:ext uri="{BB962C8B-B14F-4D97-AF65-F5344CB8AC3E}">
+        <p14:creationId xmlns:p14="http://schemas.microsoft.com/office/powerpoint/2010/main" val="1183574876"/>
+      </p:ext>
+    </p:extLst>
+  </p:cSld>
+  <p:clrMapOvr>
+    <a:masterClrMapping/>
+  </p:clrMapOvr>
+  <p:timing>
+    <p:tnLst>
+      <p:par>
+        <p:cTn id="1" dur="indefinite" restart="never" nodeType="tmRoot"/>
+      </p:par>
+    </p:tnLst>
+  </p:timing>
+</p:sld>
+</file>
+
+<file path=ppt/slides/slide11.xml><?xml version="1.0" encoding="utf-8"?>
+<p:sld xmlns:a="http://schemas.openxmlformats.org/drawingml/2006/main" xmlns:r="http://schemas.openxmlformats.org/officeDocument/2006/relationships" xmlns:p="http://schemas.openxmlformats.org/presentationml/2006/main">
+  <p:cSld>
+    <p:spTree>
+      <p:nvGrpSpPr>
+        <p:cNvPr id="1" name=""/>
+        <p:cNvGrpSpPr/>
+        <p:nvPr/>
+      </p:nvGrpSpPr>
+      <p:grpSpPr>
+        <a:xfrm>
+          <a:off x="0" y="0"/>
+          <a:ext cx="0" cy="0"/>
+          <a:chOff x="0" y="0"/>
+          <a:chExt cx="0" cy="0"/>
+        </a:xfrm>
+      </p:grpSpPr>
+      <p:pic>
+        <p:nvPicPr>
+          <p:cNvPr id="4" name="Picture 3"/>
+          <p:cNvPicPr>
+            <a:picLocks noChangeAspect="1"/>
+          </p:cNvPicPr>
+          <p:nvPr/>
+        </p:nvPicPr>
+        <p:blipFill>
+          <a:blip r:embed="rId2" cstate="print">
+            <a:extLst>
+              <a:ext uri="{28A0092B-C50C-407E-A947-70E740481C1C}">
+                <a14:useLocalDpi xmlns:a14="http://schemas.microsoft.com/office/drawing/2010/main" val="0"/>
+              </a:ext>
+            </a:extLst>
+          </a:blip>
+          <a:stretch>
+            <a:fillRect/>
+          </a:stretch>
+        </p:blipFill>
+        <p:spPr>
+          <a:xfrm>
+            <a:off x="2987824" y="1844824"/>
+            <a:ext cx="3769568" cy="3769568"/>
+          </a:xfrm>
+          <a:prstGeom prst="rect">
+            <a:avLst/>
+          </a:prstGeom>
+        </p:spPr>
+      </p:pic>
+    </p:spTree>
+    <p:extLst>
+      <p:ext uri="{BB962C8B-B14F-4D97-AF65-F5344CB8AC3E}">
+        <p14:creationId xmlns:p14="http://schemas.microsoft.com/office/powerpoint/2010/main" val="4096827736"/>
+      </p:ext>
+    </p:extLst>
+  </p:cSld>
+  <p:clrMapOvr>
+    <a:masterClrMapping/>
+  </p:clrMapOvr>
+  <p:timing>
+    <p:tnLst>
+      <p:par>
+        <p:cTn id="1" dur="indefinite" restart="never" nodeType="tmRoot"/>
+      </p:par>
+    </p:tnLst>
+  </p:timing>
 </p:sld>
 </file>
 
@@ -5061,19 +6025,14 @@
             <p:ph type="title"/>
           </p:nvPr>
         </p:nvSpPr>
-        <p:spPr>
-          <a:xfrm>
-            <a:off x="1763688" y="5229200"/>
-            <a:ext cx="5486400" cy="566738"/>
-          </a:xfrm>
-        </p:spPr>
+        <p:spPr/>
         <p:txBody>
           <a:bodyPr/>
           <a:lstStyle/>
           <a:p>
             <a:r>
               <a:rPr lang="es-AR" dirty="0" smtClean="0"/>
-              <a:t>Muy lindo… y con esto ganó dinero??</a:t>
+              <a:t>Emprendedores</a:t>
             </a:r>
             <a:endParaRPr lang="es-AR" dirty="0"/>
           </a:p>
@@ -5081,13 +6040,11 @@
       </p:sp>
       <p:pic>
         <p:nvPicPr>
-          <p:cNvPr id="1026" name="Picture 2" descr="http://4.bp.blogspot.com/-Dg37EGOlyEU/ThkkXha2HDI/AAAAAAAAAG8/a8VJw699JGY/s320/Atraer-dinero.png"/>
+          <p:cNvPr id="6" name="Picture 5"/>
           <p:cNvPicPr>
-            <a:picLocks noGrp="1" noChangeAspect="1" noChangeArrowheads="1"/>
+            <a:picLocks noChangeAspect="1"/>
           </p:cNvPicPr>
-          <p:nvPr>
-            <p:ph type="pic" idx="1"/>
-          </p:nvPr>
+          <p:nvPr/>
         </p:nvPicPr>
         <p:blipFill>
           <a:blip r:embed="rId3">
@@ -5097,37 +6054,37 @@
               </a:ext>
             </a:extLst>
           </a:blip>
-          <a:srcRect l="5625" r="5625"/>
           <a:stretch>
             <a:fillRect/>
           </a:stretch>
         </p:blipFill>
-        <p:spPr bwMode="auto">
+        <p:spPr>
+          <a:xfrm>
+            <a:off x="1904391" y="1844824"/>
+            <a:ext cx="5335215" cy="4064926"/>
+          </a:xfrm>
           <a:prstGeom prst="rect">
             <a:avLst/>
           </a:prstGeom>
-          <a:noFill/>
-          <a:extLst>
-            <a:ext uri="{909E8E84-426E-40DD-AFC4-6F175D3DCCD1}">
-              <a14:hiddenFill xmlns:a14="http://schemas.microsoft.com/office/drawing/2010/main">
-                <a:solidFill>
-                  <a:srgbClr val="FFFFFF"/>
-                </a:solidFill>
-              </a14:hiddenFill>
-            </a:ext>
-          </a:extLst>
         </p:spPr>
       </p:pic>
     </p:spTree>
     <p:extLst>
       <p:ext uri="{BB962C8B-B14F-4D97-AF65-F5344CB8AC3E}">
-        <p14:creationId xmlns:p14="http://schemas.microsoft.com/office/powerpoint/2010/main" val="4021245580"/>
+        <p14:creationId xmlns:p14="http://schemas.microsoft.com/office/powerpoint/2010/main" val="3085539111"/>
       </p:ext>
     </p:extLst>
   </p:cSld>
   <p:clrMapOvr>
     <a:masterClrMapping/>
   </p:clrMapOvr>
+  <p:timing>
+    <p:tnLst>
+      <p:par>
+        <p:cTn id="1" dur="indefinite" restart="never" nodeType="tmRoot"/>
+      </p:par>
+    </p:tnLst>
+  </p:timing>
 </p:sld>
 </file>
 
@@ -5160,6 +6117,386 @@
         </p:nvSpPr>
         <p:spPr/>
         <p:txBody>
+          <a:bodyPr/>
+          <a:lstStyle/>
+          <a:p>
+            <a:r>
+              <a:rPr lang="es-AR" dirty="0" smtClean="0"/>
+              <a:t>La necesidad</a:t>
+            </a:r>
+            <a:endParaRPr lang="es-AR" dirty="0"/>
+          </a:p>
+        </p:txBody>
+      </p:sp>
+      <p:pic>
+        <p:nvPicPr>
+          <p:cNvPr id="4" name="Picture 3"/>
+          <p:cNvPicPr>
+            <a:picLocks noChangeAspect="1"/>
+          </p:cNvPicPr>
+          <p:nvPr/>
+        </p:nvPicPr>
+        <p:blipFill>
+          <a:blip r:embed="rId3">
+            <a:extLst>
+              <a:ext uri="{28A0092B-C50C-407E-A947-70E740481C1C}">
+                <a14:useLocalDpi xmlns:a14="http://schemas.microsoft.com/office/drawing/2010/main" val="0"/>
+              </a:ext>
+            </a:extLst>
+          </a:blip>
+          <a:stretch>
+            <a:fillRect/>
+          </a:stretch>
+        </p:blipFill>
+        <p:spPr>
+          <a:xfrm>
+            <a:off x="2555776" y="1484784"/>
+            <a:ext cx="3867261" cy="4884046"/>
+          </a:xfrm>
+          <a:prstGeom prst="rect">
+            <a:avLst/>
+          </a:prstGeom>
+        </p:spPr>
+      </p:pic>
+    </p:spTree>
+    <p:extLst>
+      <p:ext uri="{BB962C8B-B14F-4D97-AF65-F5344CB8AC3E}">
+        <p14:creationId xmlns:p14="http://schemas.microsoft.com/office/powerpoint/2010/main" val="486420949"/>
+      </p:ext>
+    </p:extLst>
+  </p:cSld>
+  <p:clrMapOvr>
+    <a:masterClrMapping/>
+  </p:clrMapOvr>
+  <p:timing>
+    <p:tnLst>
+      <p:par>
+        <p:cTn id="1" dur="indefinite" restart="never" nodeType="tmRoot"/>
+      </p:par>
+    </p:tnLst>
+  </p:timing>
+</p:sld>
+</file>
+
+<file path=ppt/slides/slide4.xml><?xml version="1.0" encoding="utf-8"?>
+<p:sld xmlns:a="http://schemas.openxmlformats.org/drawingml/2006/main" xmlns:r="http://schemas.openxmlformats.org/officeDocument/2006/relationships" xmlns:p="http://schemas.openxmlformats.org/presentationml/2006/main">
+  <p:cSld>
+    <p:spTree>
+      <p:nvGrpSpPr>
+        <p:cNvPr id="1" name=""/>
+        <p:cNvGrpSpPr/>
+        <p:nvPr/>
+      </p:nvGrpSpPr>
+      <p:grpSpPr>
+        <a:xfrm>
+          <a:off x="0" y="0"/>
+          <a:ext cx="0" cy="0"/>
+          <a:chOff x="0" y="0"/>
+          <a:chExt cx="0" cy="0"/>
+        </a:xfrm>
+      </p:grpSpPr>
+      <p:sp>
+        <p:nvSpPr>
+          <p:cNvPr id="2" name="Title 1"/>
+          <p:cNvSpPr>
+            <a:spLocks noGrp="1"/>
+          </p:cNvSpPr>
+          <p:nvPr>
+            <p:ph type="title"/>
+          </p:nvPr>
+        </p:nvSpPr>
+        <p:spPr/>
+        <p:txBody>
+          <a:bodyPr/>
+          <a:lstStyle/>
+          <a:p>
+            <a:r>
+              <a:rPr lang="es-AR" dirty="0" smtClean="0"/>
+              <a:t>La solución</a:t>
+            </a:r>
+            <a:endParaRPr lang="es-AR" dirty="0"/>
+          </a:p>
+        </p:txBody>
+      </p:sp>
+      <p:pic>
+        <p:nvPicPr>
+          <p:cNvPr id="5" name="Picture 4"/>
+          <p:cNvPicPr>
+            <a:picLocks noChangeAspect="1"/>
+          </p:cNvPicPr>
+          <p:nvPr/>
+        </p:nvPicPr>
+        <p:blipFill>
+          <a:blip r:embed="rId3">
+            <a:extLst>
+              <a:ext uri="{28A0092B-C50C-407E-A947-70E740481C1C}">
+                <a14:useLocalDpi xmlns:a14="http://schemas.microsoft.com/office/drawing/2010/main" val="0"/>
+              </a:ext>
+            </a:extLst>
+          </a:blip>
+          <a:stretch>
+            <a:fillRect/>
+          </a:stretch>
+        </p:blipFill>
+        <p:spPr>
+          <a:xfrm>
+            <a:off x="1763688" y="1628800"/>
+            <a:ext cx="5858693" cy="3991532"/>
+          </a:xfrm>
+          <a:prstGeom prst="rect">
+            <a:avLst/>
+          </a:prstGeom>
+        </p:spPr>
+      </p:pic>
+    </p:spTree>
+    <p:extLst>
+      <p:ext uri="{BB962C8B-B14F-4D97-AF65-F5344CB8AC3E}">
+        <p14:creationId xmlns:p14="http://schemas.microsoft.com/office/powerpoint/2010/main" val="2245358919"/>
+      </p:ext>
+    </p:extLst>
+  </p:cSld>
+  <p:clrMapOvr>
+    <a:masterClrMapping/>
+  </p:clrMapOvr>
+  <p:timing>
+    <p:tnLst>
+      <p:par>
+        <p:cTn id="1" dur="indefinite" restart="never" nodeType="tmRoot"/>
+      </p:par>
+    </p:tnLst>
+  </p:timing>
+</p:sld>
+</file>
+
+<file path=ppt/slides/slide5.xml><?xml version="1.0" encoding="utf-8"?>
+<p:sld xmlns:a="http://schemas.openxmlformats.org/drawingml/2006/main" xmlns:r="http://schemas.openxmlformats.org/officeDocument/2006/relationships" xmlns:p="http://schemas.openxmlformats.org/presentationml/2006/main">
+  <p:cSld>
+    <p:spTree>
+      <p:nvGrpSpPr>
+        <p:cNvPr id="1" name=""/>
+        <p:cNvGrpSpPr/>
+        <p:nvPr/>
+      </p:nvGrpSpPr>
+      <p:grpSpPr>
+        <a:xfrm>
+          <a:off x="0" y="0"/>
+          <a:ext cx="0" cy="0"/>
+          <a:chOff x="0" y="0"/>
+          <a:chExt cx="0" cy="0"/>
+        </a:xfrm>
+      </p:grpSpPr>
+      <p:sp>
+        <p:nvSpPr>
+          <p:cNvPr id="2" name="Title 1"/>
+          <p:cNvSpPr>
+            <a:spLocks noGrp="1"/>
+          </p:cNvSpPr>
+          <p:nvPr>
+            <p:ph type="title"/>
+          </p:nvPr>
+        </p:nvSpPr>
+        <p:spPr/>
+        <p:txBody>
+          <a:bodyPr/>
+          <a:lstStyle/>
+          <a:p>
+            <a:r>
+              <a:rPr lang="es-AR" dirty="0" smtClean="0"/>
+              <a:t>Nuestro mercado</a:t>
+            </a:r>
+            <a:endParaRPr lang="es-AR" dirty="0"/>
+          </a:p>
+        </p:txBody>
+      </p:sp>
+      <p:pic>
+        <p:nvPicPr>
+          <p:cNvPr id="6" name="Content Placeholder 5"/>
+          <p:cNvPicPr>
+            <a:picLocks noGrp="1" noChangeAspect="1"/>
+          </p:cNvPicPr>
+          <p:nvPr>
+            <p:ph idx="1"/>
+          </p:nvPr>
+        </p:nvPicPr>
+        <p:blipFill>
+          <a:blip r:embed="rId3">
+            <a:extLst>
+              <a:ext uri="{28A0092B-C50C-407E-A947-70E740481C1C}">
+                <a14:useLocalDpi xmlns:a14="http://schemas.microsoft.com/office/drawing/2010/main" val="0"/>
+              </a:ext>
+            </a:extLst>
+          </a:blip>
+          <a:stretch>
+            <a:fillRect/>
+          </a:stretch>
+        </p:blipFill>
+        <p:spPr>
+          <a:xfrm>
+            <a:off x="1331640" y="2132856"/>
+            <a:ext cx="6648822" cy="3482717"/>
+          </a:xfrm>
+        </p:spPr>
+      </p:pic>
+    </p:spTree>
+    <p:extLst>
+      <p:ext uri="{BB962C8B-B14F-4D97-AF65-F5344CB8AC3E}">
+        <p14:creationId xmlns:p14="http://schemas.microsoft.com/office/powerpoint/2010/main" val="748539481"/>
+      </p:ext>
+    </p:extLst>
+  </p:cSld>
+  <p:clrMapOvr>
+    <a:masterClrMapping/>
+  </p:clrMapOvr>
+  <p:timing>
+    <p:tnLst>
+      <p:par>
+        <p:cTn id="1" dur="indefinite" restart="never" nodeType="tmRoot"/>
+      </p:par>
+    </p:tnLst>
+  </p:timing>
+</p:sld>
+</file>
+
+<file path=ppt/slides/slide6.xml><?xml version="1.0" encoding="utf-8"?>
+<p:sld xmlns:a="http://schemas.openxmlformats.org/drawingml/2006/main" xmlns:r="http://schemas.openxmlformats.org/officeDocument/2006/relationships" xmlns:p="http://schemas.openxmlformats.org/presentationml/2006/main">
+  <p:cSld>
+    <p:spTree>
+      <p:nvGrpSpPr>
+        <p:cNvPr id="1" name=""/>
+        <p:cNvGrpSpPr/>
+        <p:nvPr/>
+      </p:nvGrpSpPr>
+      <p:grpSpPr>
+        <a:xfrm>
+          <a:off x="0" y="0"/>
+          <a:ext cx="0" cy="0"/>
+          <a:chOff x="0" y="0"/>
+          <a:chExt cx="0" cy="0"/>
+        </a:xfrm>
+      </p:grpSpPr>
+      <p:pic>
+        <p:nvPicPr>
+          <p:cNvPr id="1026" name="Picture 2" descr="http://4.bp.blogspot.com/-Dg37EGOlyEU/ThkkXha2HDI/AAAAAAAAAG8/a8VJw699JGY/s320/Atraer-dinero.png"/>
+          <p:cNvPicPr>
+            <a:picLocks noGrp="1" noChangeAspect="1" noChangeArrowheads="1"/>
+          </p:cNvPicPr>
+          <p:nvPr>
+            <p:ph type="pic" idx="1"/>
+          </p:nvPr>
+        </p:nvPicPr>
+        <p:blipFill>
+          <a:blip r:embed="rId3">
+            <a:extLst>
+              <a:ext uri="{28A0092B-C50C-407E-A947-70E740481C1C}">
+                <a14:useLocalDpi xmlns:a14="http://schemas.microsoft.com/office/drawing/2010/main" val="0"/>
+              </a:ext>
+            </a:extLst>
+          </a:blip>
+          <a:srcRect l="5625" r="5625"/>
+          <a:stretch>
+            <a:fillRect/>
+          </a:stretch>
+        </p:blipFill>
+        <p:spPr bwMode="auto">
+          <a:xfrm>
+            <a:off x="1979712" y="1916832"/>
+            <a:ext cx="5486400" cy="4114800"/>
+          </a:xfrm>
+          <a:prstGeom prst="rect">
+            <a:avLst/>
+          </a:prstGeom>
+          <a:noFill/>
+          <a:extLst>
+            <a:ext uri="{909E8E84-426E-40DD-AFC4-6F175D3DCCD1}">
+              <a14:hiddenFill xmlns:a14="http://schemas.microsoft.com/office/drawing/2010/main">
+                <a:solidFill>
+                  <a:srgbClr val="FFFFFF"/>
+                </a:solidFill>
+              </a14:hiddenFill>
+            </a:ext>
+          </a:extLst>
+        </p:spPr>
+      </p:pic>
+      <p:sp>
+        <p:nvSpPr>
+          <p:cNvPr id="8" name="Title 1"/>
+          <p:cNvSpPr>
+            <a:spLocks noGrp="1"/>
+          </p:cNvSpPr>
+          <p:nvPr>
+            <p:ph type="title"/>
+          </p:nvPr>
+        </p:nvSpPr>
+        <p:spPr>
+          <a:xfrm>
+            <a:off x="457200" y="274638"/>
+            <a:ext cx="8229600" cy="1143000"/>
+          </a:xfrm>
+        </p:spPr>
+        <p:txBody>
+          <a:bodyPr>
+            <a:normAutofit/>
+          </a:bodyPr>
+          <a:lstStyle/>
+          <a:p>
+            <a:pPr algn="ctr"/>
+            <a:r>
+              <a:rPr lang="es-AR" sz="4000" b="0" dirty="0" smtClean="0"/>
+              <a:t>Mercado en crecimiento</a:t>
+            </a:r>
+            <a:endParaRPr lang="es-AR" sz="4000" b="0" dirty="0"/>
+          </a:p>
+        </p:txBody>
+      </p:sp>
+    </p:spTree>
+    <p:extLst>
+      <p:ext uri="{BB962C8B-B14F-4D97-AF65-F5344CB8AC3E}">
+        <p14:creationId xmlns:p14="http://schemas.microsoft.com/office/powerpoint/2010/main" val="4021245580"/>
+      </p:ext>
+    </p:extLst>
+  </p:cSld>
+  <p:clrMapOvr>
+    <a:masterClrMapping/>
+  </p:clrMapOvr>
+  <p:timing>
+    <p:tnLst>
+      <p:par>
+        <p:cTn id="1" dur="indefinite" restart="never" nodeType="tmRoot"/>
+      </p:par>
+    </p:tnLst>
+  </p:timing>
+</p:sld>
+</file>
+
+<file path=ppt/slides/slide7.xml><?xml version="1.0" encoding="utf-8"?>
+<p:sld xmlns:a="http://schemas.openxmlformats.org/drawingml/2006/main" xmlns:r="http://schemas.openxmlformats.org/officeDocument/2006/relationships" xmlns:p="http://schemas.openxmlformats.org/presentationml/2006/main">
+  <p:cSld>
+    <p:spTree>
+      <p:nvGrpSpPr>
+        <p:cNvPr id="1" name=""/>
+        <p:cNvGrpSpPr/>
+        <p:nvPr/>
+      </p:nvGrpSpPr>
+      <p:grpSpPr>
+        <a:xfrm>
+          <a:off x="0" y="0"/>
+          <a:ext cx="0" cy="0"/>
+          <a:chOff x="0" y="0"/>
+          <a:chExt cx="0" cy="0"/>
+        </a:xfrm>
+      </p:grpSpPr>
+      <p:sp>
+        <p:nvSpPr>
+          <p:cNvPr id="2" name="Title 1"/>
+          <p:cNvSpPr>
+            <a:spLocks noGrp="1"/>
+          </p:cNvSpPr>
+          <p:nvPr>
+            <p:ph type="title"/>
+          </p:nvPr>
+        </p:nvSpPr>
+        <p:spPr/>
+        <p:txBody>
           <a:bodyPr>
             <a:normAutofit fontScale="90000"/>
           </a:bodyPr>
@@ -5305,10 +6642,17 @@
   <p:clrMapOvr>
     <a:masterClrMapping/>
   </p:clrMapOvr>
+  <p:timing>
+    <p:tnLst>
+      <p:par>
+        <p:cTn id="1" dur="indefinite" restart="never" nodeType="tmRoot"/>
+      </p:par>
+    </p:tnLst>
+  </p:timing>
 </p:sld>
 </file>
 
-<file path=ppt/slides/slide4.xml><?xml version="1.0" encoding="utf-8"?>
+<file path=ppt/slides/slide8.xml><?xml version="1.0" encoding="utf-8"?>
 <p:sld xmlns:a="http://schemas.openxmlformats.org/drawingml/2006/main" xmlns:r="http://schemas.openxmlformats.org/officeDocument/2006/relationships" xmlns:p="http://schemas.openxmlformats.org/presentationml/2006/main">
   <p:cSld>
     <p:spTree>
@@ -5385,6 +6729,102 @@
   <p:clrMapOvr>
     <a:masterClrMapping/>
   </p:clrMapOvr>
+  <p:timing>
+    <p:tnLst>
+      <p:par>
+        <p:cTn id="1" dur="indefinite" restart="never" nodeType="tmRoot"/>
+      </p:par>
+    </p:tnLst>
+  </p:timing>
+</p:sld>
+</file>
+
+<file path=ppt/slides/slide9.xml><?xml version="1.0" encoding="utf-8"?>
+<p:sld xmlns:a="http://schemas.openxmlformats.org/drawingml/2006/main" xmlns:r="http://schemas.openxmlformats.org/officeDocument/2006/relationships" xmlns:p="http://schemas.openxmlformats.org/presentationml/2006/main">
+  <p:cSld>
+    <p:spTree>
+      <p:nvGrpSpPr>
+        <p:cNvPr id="1" name=""/>
+        <p:cNvGrpSpPr/>
+        <p:nvPr/>
+      </p:nvGrpSpPr>
+      <p:grpSpPr>
+        <a:xfrm>
+          <a:off x="0" y="0"/>
+          <a:ext cx="0" cy="0"/>
+          <a:chOff x="0" y="0"/>
+          <a:chExt cx="0" cy="0"/>
+        </a:xfrm>
+      </p:grpSpPr>
+      <p:sp>
+        <p:nvSpPr>
+          <p:cNvPr id="2" name="Title 1"/>
+          <p:cNvSpPr>
+            <a:spLocks noGrp="1"/>
+          </p:cNvSpPr>
+          <p:nvPr>
+            <p:ph type="title"/>
+          </p:nvPr>
+        </p:nvSpPr>
+        <p:spPr/>
+        <p:txBody>
+          <a:bodyPr/>
+          <a:lstStyle/>
+          <a:p>
+            <a:r>
+              <a:rPr lang="es-AR" dirty="0" smtClean="0"/>
+              <a:t>Publicidad</a:t>
+            </a:r>
+            <a:endParaRPr lang="es-AR" dirty="0"/>
+          </a:p>
+        </p:txBody>
+      </p:sp>
+      <p:pic>
+        <p:nvPicPr>
+          <p:cNvPr id="6" name="Content Placeholder 5"/>
+          <p:cNvPicPr>
+            <a:picLocks noGrp="1" noChangeAspect="1"/>
+          </p:cNvPicPr>
+          <p:nvPr>
+            <p:ph idx="1"/>
+          </p:nvPr>
+        </p:nvPicPr>
+        <p:blipFill>
+          <a:blip r:embed="rId3">
+            <a:extLst>
+              <a:ext uri="{28A0092B-C50C-407E-A947-70E740481C1C}">
+                <a14:useLocalDpi xmlns:a14="http://schemas.microsoft.com/office/drawing/2010/main" val="0"/>
+              </a:ext>
+            </a:extLst>
+          </a:blip>
+          <a:stretch>
+            <a:fillRect/>
+          </a:stretch>
+        </p:blipFill>
+        <p:spPr>
+          <a:xfrm>
+            <a:off x="2564179" y="1600200"/>
+            <a:ext cx="4015641" cy="4525963"/>
+          </a:xfrm>
+        </p:spPr>
+      </p:pic>
+    </p:spTree>
+    <p:extLst>
+      <p:ext uri="{BB962C8B-B14F-4D97-AF65-F5344CB8AC3E}">
+        <p14:creationId xmlns:p14="http://schemas.microsoft.com/office/powerpoint/2010/main" val="272930932"/>
+      </p:ext>
+    </p:extLst>
+  </p:cSld>
+  <p:clrMapOvr>
+    <a:masterClrMapping/>
+  </p:clrMapOvr>
+  <p:timing>
+    <p:tnLst>
+      <p:par>
+        <p:cTn id="1" dur="indefinite" restart="never" nodeType="tmRoot"/>
+      </p:par>
+    </p:tnLst>
+  </p:timing>
 </p:sld>
 </file>
 

--- a/trunk/Assets/Presentación negocio.pptx
+++ b/trunk/Assets/Presentación negocio.pptx
@@ -11,8 +11,8 @@
     <p:sldId id="256" r:id="rId2"/>
     <p:sldId id="261" r:id="rId3"/>
     <p:sldId id="262" r:id="rId4"/>
-    <p:sldId id="264" r:id="rId5"/>
-    <p:sldId id="265" r:id="rId6"/>
+    <p:sldId id="265" r:id="rId5"/>
+    <p:sldId id="264" r:id="rId6"/>
     <p:sldId id="258" r:id="rId7"/>
     <p:sldId id="257" r:id="rId8"/>
     <p:sldId id="259" r:id="rId9"/>
@@ -122,24 +122,12 @@
 
 <file path=ppt/charts/chart1.xml><?xml version="1.0" encoding="utf-8"?>
 <c:chartSpace xmlns:c="http://schemas.openxmlformats.org/drawingml/2006/chart" xmlns:a="http://schemas.openxmlformats.org/drawingml/2006/main" xmlns:r="http://schemas.openxmlformats.org/officeDocument/2006/relationships">
-  <c:date1904 val="0"/>
-  <c:lang val="es-AR"/>
-  <c:roundedCorners val="0"/>
-  <mc:AlternateContent xmlns:mc="http://schemas.openxmlformats.org/markup-compatibility/2006">
-    <mc:Choice xmlns:c14="http://schemas.microsoft.com/office/drawing/2007/8/2/chart" Requires="c14">
-      <c14:style val="102"/>
-    </mc:Choice>
-    <mc:Fallback>
-      <c:style val="2"/>
-    </mc:Fallback>
-  </mc:AlternateContent>
+  <c:lang val="es-ES"/>
   <c:chart>
-    <c:autoTitleDeleted val="0"/>
     <c:plotArea>
       <c:layout/>
       <c:lineChart>
         <c:grouping val="standard"/>
-        <c:varyColors val="0"/>
         <c:ser>
           <c:idx val="0"/>
           <c:order val="0"/>
@@ -204,16 +192,16 @@
                   <c:v>118221.20069760003</c:v>
                 </c:pt>
                 <c:pt idx="16">
-                  <c:v>121767.83671852804</c:v>
+                  <c:v>121767.83671852805</c:v>
                 </c:pt>
                 <c:pt idx="17">
                   <c:v>126638.55018726917</c:v>
                 </c:pt>
                 <c:pt idx="18">
-                  <c:v>132970.47769663262</c:v>
+                  <c:v>132970.47769663265</c:v>
                 </c:pt>
                 <c:pt idx="19">
-                  <c:v>148168.0979856</c:v>
+                  <c:v>148168.09798560003</c:v>
                 </c:pt>
                 <c:pt idx="20">
                   <c:v>152750.61648</c:v>
@@ -230,7 +218,6 @@
               </c:numCache>
             </c:numRef>
           </c:val>
-          <c:smooth val="0"/>
         </c:ser>
         <c:ser>
           <c:idx val="1"/>
@@ -251,7 +238,7 @@
                   <c:v>110.8</c:v>
                 </c:pt>
                 <c:pt idx="1">
-                  <c:v>66.199999999999989</c:v>
+                  <c:v>66.2</c:v>
                 </c:pt>
                 <c:pt idx="2">
                   <c:v>404</c:v>
@@ -278,13 +265,13 @@
                   <c:v>33072</c:v>
                 </c:pt>
                 <c:pt idx="10">
-                  <c:v>27686.399999999994</c:v>
+                  <c:v>27686.399999999991</c:v>
                 </c:pt>
                 <c:pt idx="11">
                   <c:v>22055.040000000023</c:v>
                 </c:pt>
                 <c:pt idx="12">
-                  <c:v>13203.590400000001</c:v>
+                  <c:v>13203.590400000003</c:v>
                 </c:pt>
                 <c:pt idx="13">
                   <c:v>13335.626304000005</c:v>
@@ -296,78 +283,82 @@
                   <c:v>17314.858932940813</c:v>
                 </c:pt>
                 <c:pt idx="16">
-                  <c:v>16697.562386529054</c:v>
+                  <c:v>16697.562386529058</c:v>
                 </c:pt>
                 <c:pt idx="17">
                   <c:v>18547.676888966205</c:v>
                 </c:pt>
                 <c:pt idx="18">
-                  <c:v>20692.739100599778</c:v>
+                  <c:v>20692.739100599774</c:v>
                 </c:pt>
                 <c:pt idx="19">
                   <c:v>31199.774871412199</c:v>
                 </c:pt>
                 <c:pt idx="20">
-                  <c:v>21079.585074239993</c:v>
+                  <c:v>21079.585074239996</c:v>
                 </c:pt>
                 <c:pt idx="21">
-                  <c:v>19951.100928</c:v>
+                  <c:v>19951.100927999996</c:v>
                 </c:pt>
                 <c:pt idx="22">
                   <c:v>19463.716800000024</c:v>
                 </c:pt>
                 <c:pt idx="23">
-                  <c:v>18861.119999999995</c:v>
+                  <c:v>18861.119999999988</c:v>
                 </c:pt>
               </c:numCache>
             </c:numRef>
           </c:val>
-          <c:smooth val="0"/>
         </c:ser>
-        <c:dLbls>
-          <c:showLegendKey val="0"/>
-          <c:showVal val="0"/>
-          <c:showCatName val="0"/>
-          <c:showSerName val="0"/>
-          <c:showPercent val="0"/>
-          <c:showBubbleSize val="0"/>
-        </c:dLbls>
+        <c:dLbls/>
         <c:marker val="1"/>
-        <c:smooth val="0"/>
-        <c:axId val="35177600"/>
-        <c:axId val="35179136"/>
+        <c:axId val="41114624"/>
+        <c:axId val="67449600"/>
       </c:lineChart>
       <c:catAx>
-        <c:axId val="35177600"/>
+        <c:axId val="41114624"/>
         <c:scaling>
           <c:orientation val="minMax"/>
         </c:scaling>
-        <c:delete val="0"/>
         <c:axPos val="b"/>
         <c:numFmt formatCode="General" sourceLinked="1"/>
-        <c:majorTickMark val="out"/>
-        <c:minorTickMark val="none"/>
         <c:tickLblPos val="nextTo"/>
-        <c:crossAx val="35179136"/>
+        <c:txPr>
+          <a:bodyPr/>
+          <a:lstStyle/>
+          <a:p>
+            <a:pPr>
+              <a:defRPr lang="es-AR"/>
+            </a:pPr>
+            <a:endParaRPr lang="es-ES"/>
+          </a:p>
+        </c:txPr>
+        <c:crossAx val="67449600"/>
         <c:crosses val="autoZero"/>
         <c:auto val="1"/>
         <c:lblAlgn val="ctr"/>
         <c:lblOffset val="100"/>
-        <c:noMultiLvlLbl val="0"/>
       </c:catAx>
       <c:valAx>
-        <c:axId val="35179136"/>
+        <c:axId val="67449600"/>
         <c:scaling>
           <c:orientation val="minMax"/>
         </c:scaling>
-        <c:delete val="0"/>
         <c:axPos val="l"/>
         <c:majorGridlines/>
         <c:numFmt formatCode="General" sourceLinked="1"/>
-        <c:majorTickMark val="out"/>
-        <c:minorTickMark val="none"/>
         <c:tickLblPos val="nextTo"/>
-        <c:crossAx val="35177600"/>
+        <c:txPr>
+          <a:bodyPr/>
+          <a:lstStyle/>
+          <a:p>
+            <a:pPr>
+              <a:defRPr lang="es-AR"/>
+            </a:pPr>
+            <a:endParaRPr lang="es-ES"/>
+          </a:p>
+        </c:txPr>
+        <c:crossAx val="41114624"/>
         <c:crosses val="autoZero"/>
         <c:crossBetween val="between"/>
       </c:valAx>
@@ -375,11 +366,19 @@
     <c:legend>
       <c:legendPos val="r"/>
       <c:layout/>
-      <c:overlay val="0"/>
+      <c:txPr>
+        <a:bodyPr/>
+        <a:lstStyle/>
+        <a:p>
+          <a:pPr>
+            <a:defRPr lang="es-AR"/>
+          </a:pPr>
+          <a:endParaRPr lang="es-ES"/>
+        </a:p>
+      </c:txPr>
     </c:legend>
     <c:plotVisOnly val="1"/>
     <c:dispBlanksAs val="gap"/>
-    <c:showDLblsOverMax val="0"/>
   </c:chart>
   <c:txPr>
     <a:bodyPr/>
@@ -388,35 +387,21 @@
       <a:pPr>
         <a:defRPr sz="1800"/>
       </a:pPr>
-      <a:endParaRPr lang="es-AR"/>
+      <a:endParaRPr lang="es-ES"/>
     </a:p>
   </c:txPr>
-  <c:externalData r:id="rId1">
-    <c:autoUpdate val="0"/>
-  </c:externalData>
+  <c:externalData r:id="rId1"/>
 </c:chartSpace>
 </file>
 
 <file path=ppt/charts/chart2.xml><?xml version="1.0" encoding="utf-8"?>
 <c:chartSpace xmlns:c="http://schemas.openxmlformats.org/drawingml/2006/chart" xmlns:a="http://schemas.openxmlformats.org/drawingml/2006/main" xmlns:r="http://schemas.openxmlformats.org/officeDocument/2006/relationships">
-  <c:date1904 val="0"/>
-  <c:lang val="es-AR"/>
-  <c:roundedCorners val="0"/>
-  <mc:AlternateContent xmlns:mc="http://schemas.openxmlformats.org/markup-compatibility/2006">
-    <mc:Choice xmlns:c14="http://schemas.microsoft.com/office/drawing/2007/8/2/chart" Requires="c14">
-      <c14:style val="102"/>
-    </mc:Choice>
-    <mc:Fallback>
-      <c:style val="2"/>
-    </mc:Fallback>
-  </mc:AlternateContent>
+  <c:lang val="es-ES"/>
   <c:chart>
-    <c:autoTitleDeleted val="0"/>
     <c:plotArea>
       <c:layout/>
       <c:lineChart>
         <c:grouping val="standard"/>
-        <c:varyColors val="0"/>
         <c:ser>
           <c:idx val="0"/>
           <c:order val="0"/>
@@ -525,13 +510,13 @@
                   <c:v>20000</c:v>
                 </c:pt>
                 <c:pt idx="1">
-                  <c:v>29411.764705882353</c:v>
+                  <c:v>29411.764705882357</c:v>
                 </c:pt>
                 <c:pt idx="2">
                   <c:v>44117.647058823532</c:v>
                 </c:pt>
                 <c:pt idx="3">
-                  <c:v>58823.529411764706</c:v>
+                  <c:v>58823.529411764699</c:v>
                 </c:pt>
                 <c:pt idx="4">
                   <c:v>88235.294117647063</c:v>
@@ -543,13 +528,13 @@
                   <c:v>141176.4705882353</c:v>
                 </c:pt>
                 <c:pt idx="7">
-                  <c:v>176470.58823529413</c:v>
+                  <c:v>176470.5882352941</c:v>
                 </c:pt>
                 <c:pt idx="8">
-                  <c:v>205882.35294117648</c:v>
+                  <c:v>205882.3529411765</c:v>
                 </c:pt>
                 <c:pt idx="9">
-                  <c:v>235294.11764705883</c:v>
+                  <c:v>235294.11764705885</c:v>
                 </c:pt>
                 <c:pt idx="10">
                   <c:v>500000</c:v>
@@ -596,7 +581,6 @@
               </c:numCache>
             </c:numRef>
           </c:val>
-          <c:smooth val="0"/>
         </c:ser>
         <c:ser>
           <c:idx val="1"/>
@@ -706,34 +690,34 @@
                   <c:v>22160</c:v>
                 </c:pt>
                 <c:pt idx="1">
-                  <c:v>12588.235294117647</c:v>
+                  <c:v>12588.235294117649</c:v>
                 </c:pt>
                 <c:pt idx="2">
-                  <c:v>19470.588235294123</c:v>
+                  <c:v>19470.588235294126</c:v>
                 </c:pt>
                 <c:pt idx="3">
-                  <c:v>21058.823529411762</c:v>
+                  <c:v>21058.823529411758</c:v>
                 </c:pt>
                 <c:pt idx="4">
-                  <c:v>38941.176470588245</c:v>
+                  <c:v>38941.176470588238</c:v>
                 </c:pt>
                 <c:pt idx="5">
-                  <c:v>35599.999999999985</c:v>
+                  <c:v>35599.999999999993</c:v>
                 </c:pt>
                 <c:pt idx="6">
-                  <c:v>44658.823529411791</c:v>
+                  <c:v>44658.823529411784</c:v>
                 </c:pt>
                 <c:pt idx="7">
                   <c:v>54352.941176470602</c:v>
                 </c:pt>
                 <c:pt idx="8">
-                  <c:v>51647.058823529427</c:v>
+                  <c:v>51647.058823529434</c:v>
                 </c:pt>
                 <c:pt idx="9">
-                  <c:v>54823.529411764699</c:v>
+                  <c:v>54823.529411764684</c:v>
                 </c:pt>
                 <c:pt idx="10">
-                  <c:v>318705.8823529412</c:v>
+                  <c:v>318705.88235294115</c:v>
                 </c:pt>
                 <c:pt idx="11" formatCode="General">
                   <c:v>331000</c:v>
@@ -777,52 +761,56 @@
               </c:numCache>
             </c:numRef>
           </c:val>
-          <c:smooth val="0"/>
         </c:ser>
-        <c:dLbls>
-          <c:showLegendKey val="0"/>
-          <c:showVal val="0"/>
-          <c:showCatName val="0"/>
-          <c:showSerName val="0"/>
-          <c:showPercent val="0"/>
-          <c:showBubbleSize val="0"/>
-        </c:dLbls>
+        <c:dLbls/>
         <c:marker val="1"/>
-        <c:smooth val="0"/>
-        <c:axId val="33561216"/>
-        <c:axId val="33563008"/>
+        <c:axId val="67500288"/>
+        <c:axId val="66785280"/>
       </c:lineChart>
       <c:catAx>
-        <c:axId val="33561216"/>
+        <c:axId val="67500288"/>
         <c:scaling>
           <c:orientation val="minMax"/>
         </c:scaling>
-        <c:delete val="0"/>
         <c:axPos val="b"/>
         <c:numFmt formatCode="General" sourceLinked="1"/>
-        <c:majorTickMark val="out"/>
-        <c:minorTickMark val="none"/>
         <c:tickLblPos val="nextTo"/>
-        <c:crossAx val="33563008"/>
+        <c:txPr>
+          <a:bodyPr/>
+          <a:lstStyle/>
+          <a:p>
+            <a:pPr>
+              <a:defRPr lang="es-AR"/>
+            </a:pPr>
+            <a:endParaRPr lang="es-ES"/>
+          </a:p>
+        </c:txPr>
+        <c:crossAx val="66785280"/>
         <c:crosses val="autoZero"/>
         <c:auto val="1"/>
         <c:lblAlgn val="ctr"/>
         <c:lblOffset val="100"/>
-        <c:noMultiLvlLbl val="0"/>
       </c:catAx>
       <c:valAx>
-        <c:axId val="33563008"/>
+        <c:axId val="66785280"/>
         <c:scaling>
           <c:orientation val="minMax"/>
         </c:scaling>
-        <c:delete val="0"/>
         <c:axPos val="l"/>
         <c:majorGridlines/>
         <c:numFmt formatCode="0" sourceLinked="1"/>
-        <c:majorTickMark val="out"/>
-        <c:minorTickMark val="none"/>
         <c:tickLblPos val="nextTo"/>
-        <c:crossAx val="33561216"/>
+        <c:txPr>
+          <a:bodyPr/>
+          <a:lstStyle/>
+          <a:p>
+            <a:pPr>
+              <a:defRPr lang="es-AR"/>
+            </a:pPr>
+            <a:endParaRPr lang="es-ES"/>
+          </a:p>
+        </c:txPr>
+        <c:crossAx val="67500288"/>
         <c:crosses val="autoZero"/>
         <c:crossBetween val="between"/>
       </c:valAx>
@@ -830,11 +818,19 @@
     <c:legend>
       <c:legendPos val="r"/>
       <c:layout/>
-      <c:overlay val="0"/>
+      <c:txPr>
+        <a:bodyPr/>
+        <a:lstStyle/>
+        <a:p>
+          <a:pPr>
+            <a:defRPr lang="es-AR"/>
+          </a:pPr>
+          <a:endParaRPr lang="es-ES"/>
+        </a:p>
+      </c:txPr>
     </c:legend>
     <c:plotVisOnly val="1"/>
     <c:dispBlanksAs val="gap"/>
-    <c:showDLblsOverMax val="0"/>
   </c:chart>
   <c:txPr>
     <a:bodyPr/>
@@ -843,12 +839,10 @@
       <a:pPr>
         <a:defRPr sz="1800"/>
       </a:pPr>
-      <a:endParaRPr lang="es-AR"/>
+      <a:endParaRPr lang="es-ES"/>
     </a:p>
   </c:txPr>
-  <c:externalData r:id="rId1">
-    <c:autoUpdate val="0"/>
-  </c:externalData>
+  <c:externalData r:id="rId1"/>
 </c:chartSpace>
 </file>
 
@@ -934,7 +928,8 @@
           <a:p>
             <a:fld id="{F5423D00-7DDB-4217-941A-91DA7862F42C}" type="datetimeFigureOut">
               <a:rPr lang="es-AR" smtClean="0"/>
-              <a:t>28/07/2013</a:t>
+              <a:pPr/>
+              <a:t>03/08/2013</a:t>
             </a:fld>
             <a:endParaRPr lang="es-AR"/>
           </a:p>
@@ -1093,7 +1088,8 @@
           <a:p>
             <a:fld id="{5625E230-B123-43EB-B2A3-53965331BBB3}" type="slidenum">
               <a:rPr lang="es-AR" smtClean="0"/>
-              <a:t>‹#›</a:t>
+              <a:pPr/>
+              <a:t>‹Nº›</a:t>
             </a:fld>
             <a:endParaRPr lang="es-AR"/>
           </a:p>
@@ -1102,7 +1098,7 @@
     </p:spTree>
     <p:extLst>
       <p:ext uri="{BB962C8B-B14F-4D97-AF65-F5344CB8AC3E}">
-        <p14:creationId xmlns:p14="http://schemas.microsoft.com/office/powerpoint/2010/main" val="2280170094"/>
+        <p14:creationId xmlns:p14="http://schemas.microsoft.com/office/powerpoint/2010/main" xmlns="" val="2280170094"/>
       </p:ext>
     </p:extLst>
   </p:cSld>
@@ -1258,7 +1254,15 @@
           <a:p>
             <a:r>
               <a:rPr lang="es-AR" baseline="0" dirty="0" smtClean="0"/>
-              <a:t>Yo soy X, y estamos junto a mis colegas, A, B, C, D y E, para contarles un poco sobre nuestro proyecto.</a:t>
+              <a:t>Yo soy X, y estamos junto a mis colegas, A, B, C, D y E, para contarles </a:t>
+            </a:r>
+            <a:r>
+              <a:rPr lang="es-AR" baseline="0" dirty="0" smtClean="0"/>
+              <a:t>sobre </a:t>
+            </a:r>
+            <a:r>
+              <a:rPr lang="es-AR" baseline="0" dirty="0" smtClean="0"/>
+              <a:t>nuestro proyecto.</a:t>
             </a:r>
             <a:endParaRPr lang="es-AR" dirty="0"/>
           </a:p>
@@ -1281,6 +1285,7 @@
           <a:p>
             <a:fld id="{5625E230-B123-43EB-B2A3-53965331BBB3}" type="slidenum">
               <a:rPr lang="es-AR" smtClean="0"/>
+              <a:pPr/>
               <a:t>1</a:t>
             </a:fld>
             <a:endParaRPr lang="es-AR"/>
@@ -1290,9 +1295,1316 @@
     </p:spTree>
     <p:extLst>
       <p:ext uri="{BB962C8B-B14F-4D97-AF65-F5344CB8AC3E}">
-        <p14:creationId xmlns:p14="http://schemas.microsoft.com/office/powerpoint/2010/main" val="452615974"/>
+        <p14:creationId xmlns:p14="http://schemas.microsoft.com/office/powerpoint/2010/main" xmlns="" val="452615974"/>
       </p:ext>
     </p:extLst>
+  </p:cSld>
+  <p:clrMapOvr>
+    <a:masterClrMapping/>
+  </p:clrMapOvr>
+</p:notes>
+</file>
+
+<file path=ppt/notesSlides/notesSlide10.xml><?xml version="1.0" encoding="utf-8"?>
+<p:notes xmlns:a="http://schemas.openxmlformats.org/drawingml/2006/main" xmlns:r="http://schemas.openxmlformats.org/officeDocument/2006/relationships" xmlns:p="http://schemas.openxmlformats.org/presentationml/2006/main">
+  <p:cSld>
+    <p:spTree>
+      <p:nvGrpSpPr>
+        <p:cNvPr id="1" name=""/>
+        <p:cNvGrpSpPr/>
+        <p:nvPr/>
+      </p:nvGrpSpPr>
+      <p:grpSpPr>
+        <a:xfrm>
+          <a:off x="0" y="0"/>
+          <a:ext cx="0" cy="0"/>
+          <a:chOff x="0" y="0"/>
+          <a:chExt cx="0" cy="0"/>
+        </a:xfrm>
+      </p:grpSpPr>
+      <p:sp>
+        <p:nvSpPr>
+          <p:cNvPr id="2" name="1 Marcador de imagen de diapositiva"/>
+          <p:cNvSpPr>
+            <a:spLocks noGrp="1" noRot="1" noChangeAspect="1"/>
+          </p:cNvSpPr>
+          <p:nvPr>
+            <p:ph type="sldImg"/>
+          </p:nvPr>
+        </p:nvSpPr>
+        <p:spPr/>
+      </p:sp>
+      <p:sp>
+        <p:nvSpPr>
+          <p:cNvPr id="3" name="2 Marcador de notas"/>
+          <p:cNvSpPr>
+            <a:spLocks noGrp="1"/>
+          </p:cNvSpPr>
+          <p:nvPr>
+            <p:ph type="body" idx="1"/>
+          </p:nvPr>
+        </p:nvSpPr>
+        <p:spPr/>
+        <p:txBody>
+          <a:bodyPr>
+            <a:normAutofit lnSpcReduction="10000"/>
+          </a:bodyPr>
+          <a:lstStyle/>
+          <a:p>
+            <a:r>
+              <a:rPr lang="en-US" dirty="0" smtClean="0"/>
+              <a:t>Las </a:t>
+            </a:r>
+            <a:r>
+              <a:rPr lang="en-US" dirty="0" err="1" smtClean="0"/>
+              <a:t>cuestiones</a:t>
+            </a:r>
+            <a:r>
+              <a:rPr lang="en-US" dirty="0" smtClean="0"/>
+              <a:t> finales</a:t>
+            </a:r>
+            <a:r>
+              <a:rPr lang="en-US" baseline="0" dirty="0" smtClean="0"/>
+              <a:t> a </a:t>
+            </a:r>
+            <a:r>
+              <a:rPr lang="en-US" baseline="0" dirty="0" err="1" smtClean="0"/>
+              <a:t>considerar</a:t>
+            </a:r>
+            <a:r>
+              <a:rPr lang="en-US" baseline="0" dirty="0" smtClean="0"/>
+              <a:t> son: </a:t>
+            </a:r>
+            <a:r>
+              <a:rPr lang="en-US" baseline="0" dirty="0" err="1" smtClean="0"/>
+              <a:t>como</a:t>
+            </a:r>
+            <a:r>
+              <a:rPr lang="en-US" baseline="0" dirty="0" smtClean="0"/>
+              <a:t> </a:t>
+            </a:r>
+            <a:r>
+              <a:rPr lang="en-US" baseline="0" dirty="0" err="1" smtClean="0"/>
+              <a:t>expandimos</a:t>
+            </a:r>
+            <a:r>
+              <a:rPr lang="en-US" baseline="0" dirty="0" smtClean="0"/>
+              <a:t> el </a:t>
+            </a:r>
+            <a:r>
+              <a:rPr lang="en-US" baseline="0" dirty="0" err="1" smtClean="0"/>
+              <a:t>producto</a:t>
+            </a:r>
+            <a:r>
+              <a:rPr lang="en-US" baseline="0" dirty="0" smtClean="0"/>
+              <a:t>? Como lo </a:t>
+            </a:r>
+            <a:r>
+              <a:rPr lang="en-US" baseline="0" dirty="0" err="1" smtClean="0"/>
+              <a:t>difundimos</a:t>
+            </a:r>
+            <a:r>
+              <a:rPr lang="en-US" baseline="0" dirty="0" smtClean="0"/>
+              <a:t>? Como </a:t>
+            </a:r>
+            <a:r>
+              <a:rPr lang="en-US" baseline="0" dirty="0" err="1" smtClean="0"/>
+              <a:t>logramos</a:t>
+            </a:r>
+            <a:r>
+              <a:rPr lang="en-US" baseline="0" dirty="0" smtClean="0"/>
+              <a:t> </a:t>
+            </a:r>
+            <a:r>
+              <a:rPr lang="en-US" baseline="0" dirty="0" err="1" smtClean="0"/>
+              <a:t>que</a:t>
+            </a:r>
+            <a:r>
+              <a:rPr lang="en-US" baseline="0" dirty="0" smtClean="0"/>
+              <a:t> sea </a:t>
+            </a:r>
+            <a:r>
+              <a:rPr lang="en-US" baseline="0" dirty="0" err="1" smtClean="0"/>
+              <a:t>aceptado</a:t>
+            </a:r>
+            <a:r>
+              <a:rPr lang="en-US" baseline="0" dirty="0" smtClean="0"/>
+              <a:t> y </a:t>
+            </a:r>
+            <a:r>
+              <a:rPr lang="en-US" baseline="0" dirty="0" err="1" smtClean="0"/>
+              <a:t>necesitado</a:t>
+            </a:r>
+            <a:r>
+              <a:rPr lang="en-US" baseline="0" dirty="0" smtClean="0"/>
+              <a:t> </a:t>
+            </a:r>
+            <a:r>
+              <a:rPr lang="en-US" baseline="0" dirty="0" err="1" smtClean="0"/>
+              <a:t>por</a:t>
+            </a:r>
+            <a:r>
+              <a:rPr lang="en-US" baseline="0" dirty="0" smtClean="0"/>
+              <a:t> </a:t>
+            </a:r>
+            <a:r>
+              <a:rPr lang="en-US" baseline="0" dirty="0" err="1" smtClean="0"/>
+              <a:t>las</a:t>
+            </a:r>
+            <a:r>
+              <a:rPr lang="en-US" baseline="0" dirty="0" smtClean="0"/>
+              <a:t> personas?</a:t>
+            </a:r>
+          </a:p>
+          <a:p>
+            <a:endParaRPr lang="en-US" baseline="0" dirty="0" smtClean="0"/>
+          </a:p>
+          <a:p>
+            <a:r>
+              <a:rPr lang="en-US" baseline="0" dirty="0" err="1" smtClean="0"/>
+              <a:t>Hemos</a:t>
+            </a:r>
+            <a:r>
+              <a:rPr lang="en-US" baseline="0" dirty="0" smtClean="0"/>
+              <a:t> </a:t>
+            </a:r>
+            <a:r>
+              <a:rPr lang="en-US" baseline="0" dirty="0" err="1" smtClean="0"/>
+              <a:t>desarrollado</a:t>
+            </a:r>
+            <a:r>
+              <a:rPr lang="en-US" baseline="0" dirty="0" smtClean="0"/>
+              <a:t> </a:t>
+            </a:r>
+            <a:r>
+              <a:rPr lang="en-US" baseline="0" dirty="0" err="1" smtClean="0"/>
+              <a:t>una</a:t>
+            </a:r>
+            <a:r>
+              <a:rPr lang="en-US" baseline="0" dirty="0" smtClean="0"/>
+              <a:t> </a:t>
+            </a:r>
+            <a:r>
+              <a:rPr lang="en-US" baseline="0" dirty="0" err="1" smtClean="0"/>
+              <a:t>estrategia</a:t>
+            </a:r>
+            <a:r>
+              <a:rPr lang="en-US" baseline="0" dirty="0" smtClean="0"/>
+              <a:t> </a:t>
+            </a:r>
+            <a:r>
+              <a:rPr lang="en-US" baseline="0" dirty="0" err="1" smtClean="0"/>
+              <a:t>que</a:t>
+            </a:r>
+            <a:r>
+              <a:rPr lang="en-US" baseline="0" dirty="0" smtClean="0"/>
+              <a:t> </a:t>
+            </a:r>
+            <a:r>
+              <a:rPr lang="en-US" baseline="0" dirty="0" err="1" smtClean="0"/>
+              <a:t>consideramos</a:t>
+            </a:r>
+            <a:r>
+              <a:rPr lang="en-US" baseline="0" dirty="0" smtClean="0"/>
+              <a:t> </a:t>
+            </a:r>
+            <a:r>
+              <a:rPr lang="en-US" baseline="0" dirty="0" err="1" smtClean="0"/>
+              <a:t>que</a:t>
+            </a:r>
+            <a:r>
+              <a:rPr lang="en-US" baseline="0" dirty="0" smtClean="0"/>
+              <a:t> </a:t>
+            </a:r>
+            <a:r>
+              <a:rPr lang="en-US" baseline="0" dirty="0" err="1" smtClean="0"/>
+              <a:t>lograra</a:t>
+            </a:r>
+            <a:r>
+              <a:rPr lang="en-US" baseline="0" dirty="0" smtClean="0"/>
+              <a:t> </a:t>
+            </a:r>
+            <a:r>
+              <a:rPr lang="en-US" baseline="0" dirty="0" err="1" smtClean="0"/>
+              <a:t>cubrir</a:t>
+            </a:r>
+            <a:r>
+              <a:rPr lang="en-US" baseline="0" dirty="0" smtClean="0"/>
+              <a:t> </a:t>
+            </a:r>
+            <a:r>
+              <a:rPr lang="en-US" baseline="0" dirty="0" err="1" smtClean="0"/>
+              <a:t>estos</a:t>
+            </a:r>
+            <a:r>
+              <a:rPr lang="en-US" baseline="0" dirty="0" smtClean="0"/>
+              <a:t> </a:t>
+            </a:r>
+            <a:r>
+              <a:rPr lang="en-US" baseline="0" dirty="0" err="1" smtClean="0"/>
+              <a:t>aspectos</a:t>
+            </a:r>
+            <a:r>
+              <a:rPr lang="en-US" baseline="0" dirty="0" smtClean="0"/>
+              <a:t> de </a:t>
+            </a:r>
+            <a:r>
+              <a:rPr lang="en-US" baseline="0" dirty="0" err="1" smtClean="0"/>
+              <a:t>manera</a:t>
+            </a:r>
+            <a:r>
+              <a:rPr lang="en-US" baseline="0" dirty="0" smtClean="0"/>
+              <a:t> </a:t>
+            </a:r>
+            <a:r>
+              <a:rPr lang="en-US" baseline="0" dirty="0" err="1" smtClean="0"/>
+              <a:t>exitosa</a:t>
+            </a:r>
+            <a:r>
+              <a:rPr lang="en-US" baseline="0" dirty="0" smtClean="0"/>
+              <a:t>. </a:t>
+            </a:r>
+          </a:p>
+          <a:p>
+            <a:r>
+              <a:rPr lang="en-US" baseline="0" dirty="0" err="1" smtClean="0"/>
+              <a:t>Nos</a:t>
+            </a:r>
+            <a:r>
+              <a:rPr lang="en-US" baseline="0" dirty="0" smtClean="0"/>
+              <a:t> </a:t>
+            </a:r>
+            <a:r>
+              <a:rPr lang="en-US" baseline="0" dirty="0" err="1" smtClean="0"/>
+              <a:t>proponemos</a:t>
+            </a:r>
+            <a:r>
+              <a:rPr lang="en-US" baseline="0" dirty="0" smtClean="0"/>
+              <a:t> a </a:t>
+            </a:r>
+            <a:r>
+              <a:rPr lang="en-US" baseline="0" dirty="0" err="1" smtClean="0"/>
+              <a:t>utilizar</a:t>
+            </a:r>
+            <a:r>
+              <a:rPr lang="en-US" baseline="0" dirty="0" smtClean="0"/>
+              <a:t> un </a:t>
+            </a:r>
+            <a:r>
+              <a:rPr lang="en-US" baseline="0" dirty="0" err="1" smtClean="0"/>
+              <a:t>mecanismo</a:t>
+            </a:r>
+            <a:r>
+              <a:rPr lang="en-US" baseline="0" dirty="0" smtClean="0"/>
+              <a:t> de </a:t>
+            </a:r>
+            <a:r>
+              <a:rPr lang="en-US" baseline="0" dirty="0" err="1" smtClean="0"/>
+              <a:t>colaboracion</a:t>
+            </a:r>
+            <a:r>
+              <a:rPr lang="en-US" baseline="0" dirty="0" smtClean="0"/>
+              <a:t>/</a:t>
+            </a:r>
+            <a:r>
+              <a:rPr lang="en-US" baseline="0" dirty="0" err="1" smtClean="0"/>
+              <a:t>beneficio</a:t>
+            </a:r>
+            <a:r>
+              <a:rPr lang="en-US" baseline="0" dirty="0" smtClean="0"/>
+              <a:t> con los </a:t>
+            </a:r>
+            <a:r>
+              <a:rPr lang="en-US" baseline="0" dirty="0" err="1" smtClean="0"/>
+              <a:t>usuarios</a:t>
+            </a:r>
+            <a:r>
+              <a:rPr lang="en-US" baseline="0" dirty="0" smtClean="0"/>
+              <a:t> de la </a:t>
+            </a:r>
+            <a:r>
+              <a:rPr lang="en-US" baseline="0" dirty="0" err="1" smtClean="0"/>
+              <a:t>aplicacion</a:t>
+            </a:r>
+            <a:r>
+              <a:rPr lang="en-US" baseline="0" dirty="0" smtClean="0"/>
+              <a:t>, </a:t>
+            </a:r>
+            <a:r>
+              <a:rPr lang="en-US" baseline="0" dirty="0" err="1" smtClean="0"/>
+              <a:t>tal</a:t>
+            </a:r>
+            <a:r>
+              <a:rPr lang="en-US" baseline="0" dirty="0" smtClean="0"/>
+              <a:t> </a:t>
+            </a:r>
+            <a:r>
+              <a:rPr lang="en-US" baseline="0" dirty="0" err="1" smtClean="0"/>
+              <a:t>que</a:t>
+            </a:r>
+            <a:r>
+              <a:rPr lang="en-US" baseline="0" dirty="0" smtClean="0"/>
+              <a:t> </a:t>
+            </a:r>
+            <a:r>
+              <a:rPr lang="es-ES" baseline="0" noProof="0" dirty="0" smtClean="0"/>
+              <a:t>los</a:t>
+            </a:r>
+            <a:r>
+              <a:rPr lang="en-US" baseline="0" dirty="0" smtClean="0"/>
+              <a:t> motive a </a:t>
+            </a:r>
+            <a:r>
+              <a:rPr lang="en-US" baseline="0" dirty="0" err="1" smtClean="0"/>
+              <a:t>utilizar</a:t>
+            </a:r>
+            <a:r>
+              <a:rPr lang="en-US" baseline="0" dirty="0" smtClean="0"/>
+              <a:t> el </a:t>
+            </a:r>
+            <a:r>
+              <a:rPr lang="en-US" baseline="0" dirty="0" err="1" smtClean="0"/>
+              <a:t>producto</a:t>
+            </a:r>
+            <a:r>
+              <a:rPr lang="en-US" baseline="0" dirty="0" smtClean="0"/>
+              <a:t> con mayor </a:t>
+            </a:r>
+            <a:r>
+              <a:rPr lang="en-US" baseline="0" dirty="0" err="1" smtClean="0"/>
+              <a:t>frecuencia</a:t>
+            </a:r>
+            <a:r>
+              <a:rPr lang="en-US" baseline="0" dirty="0" smtClean="0"/>
+              <a:t> </a:t>
+            </a:r>
+            <a:r>
+              <a:rPr lang="en-US" baseline="0" dirty="0" err="1" smtClean="0"/>
+              <a:t>asi</a:t>
+            </a:r>
+            <a:r>
+              <a:rPr lang="en-US" baseline="0" dirty="0" smtClean="0"/>
+              <a:t> </a:t>
+            </a:r>
+            <a:r>
+              <a:rPr lang="en-US" baseline="0" dirty="0" err="1" smtClean="0"/>
+              <a:t>como</a:t>
+            </a:r>
+            <a:r>
+              <a:rPr lang="en-US" baseline="0" dirty="0" smtClean="0"/>
+              <a:t> </a:t>
+            </a:r>
+            <a:r>
+              <a:rPr lang="en-US" baseline="0" dirty="0" err="1" smtClean="0"/>
+              <a:t>recomendarlo</a:t>
+            </a:r>
+            <a:r>
+              <a:rPr lang="en-US" baseline="0" dirty="0" smtClean="0"/>
+              <a:t> y </a:t>
+            </a:r>
+            <a:r>
+              <a:rPr lang="en-US" baseline="0" dirty="0" err="1" smtClean="0"/>
+              <a:t>difundirlo</a:t>
+            </a:r>
+            <a:r>
+              <a:rPr lang="es-ES" baseline="0" dirty="0" smtClean="0"/>
+              <a:t>.</a:t>
+            </a:r>
+          </a:p>
+          <a:p>
+            <a:endParaRPr lang="en-US" baseline="0" dirty="0" smtClean="0"/>
+          </a:p>
+          <a:p>
+            <a:r>
+              <a:rPr lang="en-US" baseline="0" dirty="0" err="1" smtClean="0"/>
+              <a:t>Esta</a:t>
+            </a:r>
+            <a:r>
+              <a:rPr lang="en-US" baseline="0" dirty="0" smtClean="0"/>
+              <a:t> </a:t>
+            </a:r>
+            <a:r>
+              <a:rPr lang="en-US" baseline="0" dirty="0" err="1" smtClean="0"/>
+              <a:t>metodologia</a:t>
+            </a:r>
+            <a:r>
+              <a:rPr lang="en-US" baseline="0" dirty="0" smtClean="0"/>
+              <a:t> de </a:t>
+            </a:r>
+            <a:r>
+              <a:rPr lang="en-US" baseline="0" dirty="0" err="1" smtClean="0"/>
+              <a:t>colaboracion</a:t>
+            </a:r>
+            <a:r>
+              <a:rPr lang="en-US" baseline="0" dirty="0" smtClean="0"/>
+              <a:t>/</a:t>
+            </a:r>
+            <a:r>
+              <a:rPr lang="en-US" baseline="0" dirty="0" err="1" smtClean="0"/>
+              <a:t>beneficio</a:t>
+            </a:r>
+            <a:r>
+              <a:rPr lang="en-US" baseline="0" dirty="0" smtClean="0"/>
+              <a:t> se </a:t>
+            </a:r>
+            <a:r>
+              <a:rPr lang="en-US" baseline="0" dirty="0" err="1" smtClean="0"/>
+              <a:t>basa</a:t>
+            </a:r>
+            <a:r>
+              <a:rPr lang="en-US" baseline="0" dirty="0" smtClean="0"/>
+              <a:t> en lo </a:t>
+            </a:r>
+            <a:r>
+              <a:rPr lang="en-US" baseline="0" dirty="0" err="1" smtClean="0"/>
+              <a:t>siguiente</a:t>
+            </a:r>
+            <a:r>
+              <a:rPr lang="en-US" baseline="0" dirty="0" smtClean="0"/>
+              <a:t>: </a:t>
+            </a:r>
+            <a:r>
+              <a:rPr lang="en-US" baseline="0" dirty="0" err="1" smtClean="0"/>
+              <a:t>Tenemos</a:t>
+            </a:r>
+            <a:r>
+              <a:rPr lang="en-US" baseline="0" dirty="0" smtClean="0"/>
+              <a:t> </a:t>
+            </a:r>
+            <a:r>
+              <a:rPr lang="en-US" baseline="0" dirty="0" err="1" smtClean="0"/>
+              <a:t>pensado</a:t>
+            </a:r>
+            <a:r>
+              <a:rPr lang="en-US" baseline="0" dirty="0" smtClean="0"/>
+              <a:t> </a:t>
+            </a:r>
+            <a:r>
+              <a:rPr lang="en-US" baseline="0" dirty="0" err="1" smtClean="0"/>
+              <a:t>que</a:t>
+            </a:r>
+            <a:r>
+              <a:rPr lang="en-US" baseline="0" dirty="0" smtClean="0"/>
+              <a:t> al </a:t>
+            </a:r>
+            <a:r>
+              <a:rPr lang="en-US" baseline="0" dirty="0" err="1" smtClean="0"/>
+              <a:t>momento</a:t>
+            </a:r>
+            <a:r>
+              <a:rPr lang="en-US" baseline="0" dirty="0" smtClean="0"/>
+              <a:t> de </a:t>
+            </a:r>
+            <a:r>
+              <a:rPr lang="en-US" baseline="0" dirty="0" err="1" smtClean="0"/>
+              <a:t>lanzar</a:t>
+            </a:r>
+            <a:r>
+              <a:rPr lang="en-US" baseline="0" dirty="0" smtClean="0"/>
+              <a:t> el </a:t>
+            </a:r>
+            <a:r>
+              <a:rPr lang="en-US" baseline="0" dirty="0" err="1" smtClean="0"/>
+              <a:t>producto</a:t>
+            </a:r>
+            <a:r>
+              <a:rPr lang="en-US" baseline="0" dirty="0" smtClean="0"/>
+              <a:t>, se </a:t>
+            </a:r>
+            <a:r>
+              <a:rPr lang="en-US" baseline="0" dirty="0" err="1" smtClean="0"/>
+              <a:t>encuentren</a:t>
+            </a:r>
+            <a:r>
+              <a:rPr lang="en-US" baseline="0" dirty="0" smtClean="0"/>
+              <a:t> </a:t>
+            </a:r>
+            <a:r>
+              <a:rPr lang="en-US" baseline="0" dirty="0" err="1" smtClean="0"/>
+              <a:t>cargados</a:t>
+            </a:r>
+            <a:r>
+              <a:rPr lang="en-US" baseline="0" dirty="0" smtClean="0"/>
+              <a:t> </a:t>
+            </a:r>
+            <a:r>
+              <a:rPr lang="en-US" baseline="0" dirty="0" err="1" smtClean="0"/>
+              <a:t>diversos</a:t>
+            </a:r>
+            <a:r>
+              <a:rPr lang="en-US" baseline="0" dirty="0" smtClean="0"/>
+              <a:t> </a:t>
+            </a:r>
+            <a:r>
+              <a:rPr lang="en-US" baseline="0" dirty="0" err="1" smtClean="0"/>
+              <a:t>banios</a:t>
+            </a:r>
+            <a:r>
+              <a:rPr lang="en-US" baseline="0" dirty="0" smtClean="0"/>
+              <a:t> </a:t>
+            </a:r>
+            <a:r>
+              <a:rPr lang="en-US" baseline="0" dirty="0" err="1" smtClean="0"/>
+              <a:t>publicos</a:t>
+            </a:r>
+            <a:r>
+              <a:rPr lang="en-US" baseline="0" dirty="0" smtClean="0"/>
+              <a:t> de </a:t>
+            </a:r>
+            <a:r>
+              <a:rPr lang="en-US" baseline="0" dirty="0" err="1" smtClean="0"/>
+              <a:t>diferentes</a:t>
+            </a:r>
+            <a:r>
+              <a:rPr lang="en-US" baseline="0" dirty="0" smtClean="0"/>
+              <a:t> </a:t>
+            </a:r>
+            <a:r>
+              <a:rPr lang="en-US" baseline="0" dirty="0" err="1" smtClean="0"/>
+              <a:t>zonas</a:t>
+            </a:r>
+            <a:r>
+              <a:rPr lang="en-US" baseline="0" dirty="0" smtClean="0"/>
+              <a:t>. La idea </a:t>
+            </a:r>
+            <a:r>
+              <a:rPr lang="en-US" baseline="0" dirty="0" err="1" smtClean="0"/>
+              <a:t>es</a:t>
+            </a:r>
+            <a:r>
+              <a:rPr lang="en-US" baseline="0" dirty="0" smtClean="0"/>
+              <a:t> </a:t>
+            </a:r>
+            <a:r>
+              <a:rPr lang="en-US" baseline="0" dirty="0" err="1" smtClean="0"/>
+              <a:t>que</a:t>
+            </a:r>
+            <a:r>
+              <a:rPr lang="en-US" baseline="0" dirty="0" smtClean="0"/>
+              <a:t> los </a:t>
+            </a:r>
+            <a:r>
+              <a:rPr lang="en-US" baseline="0" dirty="0" err="1" smtClean="0"/>
+              <a:t>usuarios</a:t>
+            </a:r>
+            <a:r>
+              <a:rPr lang="en-US" baseline="0" dirty="0" smtClean="0"/>
+              <a:t> </a:t>
+            </a:r>
+            <a:r>
+              <a:rPr lang="en-US" baseline="0" dirty="0" err="1" smtClean="0"/>
+              <a:t>utilicen</a:t>
+            </a:r>
+            <a:r>
+              <a:rPr lang="en-US" baseline="0" dirty="0" smtClean="0"/>
+              <a:t> la </a:t>
+            </a:r>
+            <a:r>
+              <a:rPr lang="en-US" baseline="0" dirty="0" err="1" smtClean="0"/>
+              <a:t>funcionalidad</a:t>
+            </a:r>
+            <a:r>
+              <a:rPr lang="en-US" baseline="0" dirty="0" smtClean="0"/>
+              <a:t> de </a:t>
+            </a:r>
+            <a:r>
+              <a:rPr lang="en-US" baseline="0" dirty="0" err="1" smtClean="0"/>
+              <a:t>agregar</a:t>
+            </a:r>
+            <a:r>
+              <a:rPr lang="en-US" baseline="0" dirty="0" smtClean="0"/>
+              <a:t> </a:t>
+            </a:r>
+            <a:r>
+              <a:rPr lang="en-US" baseline="0" dirty="0" err="1" smtClean="0"/>
+              <a:t>banios</a:t>
+            </a:r>
+            <a:r>
+              <a:rPr lang="en-US" baseline="0" dirty="0" smtClean="0"/>
+              <a:t> </a:t>
+            </a:r>
+            <a:r>
+              <a:rPr lang="en-US" baseline="0" dirty="0" err="1" smtClean="0"/>
+              <a:t>nuevos</a:t>
+            </a:r>
+            <a:r>
+              <a:rPr lang="en-US" baseline="0" dirty="0" smtClean="0"/>
+              <a:t>, con lo </a:t>
+            </a:r>
+            <a:r>
+              <a:rPr lang="en-US" baseline="0" dirty="0" err="1" smtClean="0"/>
+              <a:t>cual</a:t>
+            </a:r>
+            <a:r>
+              <a:rPr lang="en-US" baseline="0" dirty="0" smtClean="0"/>
+              <a:t> se </a:t>
+            </a:r>
+            <a:r>
+              <a:rPr lang="en-US" baseline="0" dirty="0" err="1" smtClean="0"/>
+              <a:t>convierten</a:t>
+            </a:r>
+            <a:r>
+              <a:rPr lang="en-US" baseline="0" dirty="0" smtClean="0"/>
+              <a:t> </a:t>
+            </a:r>
+            <a:r>
+              <a:rPr lang="en-US" baseline="0" dirty="0" err="1" smtClean="0"/>
+              <a:t>automaticamente</a:t>
+            </a:r>
+            <a:r>
+              <a:rPr lang="en-US" baseline="0" dirty="0" smtClean="0"/>
+              <a:t> en </a:t>
+            </a:r>
+            <a:r>
+              <a:rPr lang="en-US" baseline="0" dirty="0" err="1" smtClean="0"/>
+              <a:t>colaboradores</a:t>
+            </a:r>
+            <a:r>
+              <a:rPr lang="en-US" baseline="0" dirty="0" smtClean="0"/>
+              <a:t> del </a:t>
+            </a:r>
+            <a:r>
+              <a:rPr lang="en-US" baseline="0" dirty="0" err="1" smtClean="0"/>
+              <a:t>producto</a:t>
+            </a:r>
+            <a:r>
+              <a:rPr lang="en-US" baseline="0" dirty="0" smtClean="0"/>
+              <a:t>. El </a:t>
+            </a:r>
+            <a:r>
+              <a:rPr lang="en-US" baseline="0" dirty="0" err="1" smtClean="0"/>
+              <a:t>agregar</a:t>
+            </a:r>
+            <a:r>
+              <a:rPr lang="en-US" baseline="0" dirty="0" smtClean="0"/>
+              <a:t> </a:t>
+            </a:r>
+            <a:r>
+              <a:rPr lang="en-US" baseline="0" dirty="0" err="1" smtClean="0"/>
+              <a:t>sanitarios</a:t>
+            </a:r>
+            <a:r>
+              <a:rPr lang="en-US" baseline="0" dirty="0" smtClean="0"/>
+              <a:t> </a:t>
+            </a:r>
+            <a:r>
+              <a:rPr lang="en-US" baseline="0" dirty="0" err="1" smtClean="0"/>
+              <a:t>actuara</a:t>
+            </a:r>
+            <a:r>
+              <a:rPr lang="en-US" baseline="0" dirty="0" smtClean="0"/>
+              <a:t> </a:t>
+            </a:r>
+            <a:r>
+              <a:rPr lang="en-US" baseline="0" dirty="0" err="1" smtClean="0"/>
+              <a:t>como</a:t>
+            </a:r>
+            <a:r>
+              <a:rPr lang="en-US" baseline="0" dirty="0" smtClean="0"/>
+              <a:t> un </a:t>
+            </a:r>
+            <a:r>
+              <a:rPr lang="en-US" baseline="0" dirty="0" err="1" smtClean="0"/>
+              <a:t>sistema</a:t>
+            </a:r>
+            <a:r>
+              <a:rPr lang="en-US" baseline="0" dirty="0" smtClean="0"/>
+              <a:t> de </a:t>
+            </a:r>
+            <a:r>
+              <a:rPr lang="en-US" baseline="0" dirty="0" err="1" smtClean="0"/>
+              <a:t>puntos</a:t>
+            </a:r>
+            <a:r>
+              <a:rPr lang="en-US" baseline="0" dirty="0" smtClean="0"/>
+              <a:t>, </a:t>
+            </a:r>
+            <a:r>
+              <a:rPr lang="en-US" baseline="0" dirty="0" err="1" smtClean="0"/>
+              <a:t>mediante</a:t>
+            </a:r>
+            <a:r>
+              <a:rPr lang="en-US" baseline="0" dirty="0" smtClean="0"/>
+              <a:t> el </a:t>
+            </a:r>
+            <a:r>
+              <a:rPr lang="en-US" baseline="0" dirty="0" err="1" smtClean="0"/>
+              <a:t>cual</a:t>
+            </a:r>
+            <a:r>
+              <a:rPr lang="en-US" baseline="0" dirty="0" smtClean="0"/>
+              <a:t> los </a:t>
+            </a:r>
+            <a:r>
+              <a:rPr lang="en-US" baseline="0" dirty="0" err="1" smtClean="0"/>
+              <a:t>usuarios</a:t>
+            </a:r>
+            <a:r>
+              <a:rPr lang="en-US" baseline="0" dirty="0" smtClean="0"/>
+              <a:t> </a:t>
+            </a:r>
+            <a:r>
+              <a:rPr lang="en-US" baseline="0" dirty="0" err="1" smtClean="0"/>
+              <a:t>podran</a:t>
+            </a:r>
+            <a:r>
+              <a:rPr lang="en-US" baseline="0" dirty="0" smtClean="0"/>
+              <a:t> </a:t>
+            </a:r>
+            <a:r>
+              <a:rPr lang="en-US" baseline="0" dirty="0" err="1" smtClean="0"/>
+              <a:t>acumularlos</a:t>
+            </a:r>
+            <a:r>
+              <a:rPr lang="en-US" baseline="0" dirty="0" smtClean="0"/>
+              <a:t> </a:t>
+            </a:r>
+            <a:r>
+              <a:rPr lang="en-US" baseline="0" dirty="0" err="1" smtClean="0"/>
+              <a:t>para</a:t>
+            </a:r>
+            <a:r>
+              <a:rPr lang="en-US" baseline="0" dirty="0" smtClean="0"/>
+              <a:t> </a:t>
+            </a:r>
+            <a:r>
+              <a:rPr lang="en-US" baseline="0" dirty="0" err="1" smtClean="0"/>
+              <a:t>canjearlos</a:t>
+            </a:r>
+            <a:r>
+              <a:rPr lang="en-US" baseline="0" dirty="0" smtClean="0"/>
+              <a:t> </a:t>
+            </a:r>
+            <a:r>
+              <a:rPr lang="en-US" baseline="0" dirty="0" err="1" smtClean="0"/>
+              <a:t>por</a:t>
+            </a:r>
+            <a:r>
+              <a:rPr lang="en-US" baseline="0" dirty="0" smtClean="0"/>
+              <a:t> packs </a:t>
+            </a:r>
+            <a:r>
+              <a:rPr lang="en-US" baseline="0" dirty="0" err="1" smtClean="0"/>
+              <a:t>promocionales</a:t>
+            </a:r>
+            <a:r>
+              <a:rPr lang="en-US" baseline="0" dirty="0" smtClean="0"/>
+              <a:t> </a:t>
+            </a:r>
+            <a:r>
+              <a:rPr lang="en-US" baseline="0" dirty="0" err="1" smtClean="0"/>
+              <a:t>como</a:t>
+            </a:r>
+            <a:r>
+              <a:rPr lang="en-US" baseline="0" dirty="0" smtClean="0"/>
+              <a:t> </a:t>
+            </a:r>
+            <a:r>
+              <a:rPr lang="en-US" baseline="0" dirty="0" err="1" smtClean="0"/>
+              <a:t>por</a:t>
+            </a:r>
+            <a:r>
+              <a:rPr lang="en-US" baseline="0" dirty="0" smtClean="0"/>
+              <a:t> </a:t>
+            </a:r>
+            <a:r>
+              <a:rPr lang="en-US" baseline="0" dirty="0" err="1" smtClean="0"/>
+              <a:t>ejemplo</a:t>
+            </a:r>
+            <a:r>
+              <a:rPr lang="en-US" baseline="0" dirty="0" smtClean="0"/>
+              <a:t> la </a:t>
+            </a:r>
+            <a:r>
+              <a:rPr lang="en-US" baseline="0" dirty="0" err="1" smtClean="0"/>
+              <a:t>aplicacion</a:t>
+            </a:r>
+            <a:r>
+              <a:rPr lang="en-US" baseline="0" dirty="0" smtClean="0"/>
+              <a:t> sin </a:t>
+            </a:r>
+            <a:r>
+              <a:rPr lang="en-US" baseline="0" dirty="0" err="1" smtClean="0"/>
+              <a:t>publicidad</a:t>
+            </a:r>
+            <a:r>
+              <a:rPr lang="en-US" baseline="0" dirty="0" smtClean="0"/>
+              <a:t>, o con </a:t>
+            </a:r>
+            <a:r>
+              <a:rPr lang="en-US" baseline="0" dirty="0" err="1" smtClean="0"/>
+              <a:t>caracteristicas</a:t>
+            </a:r>
+            <a:r>
+              <a:rPr lang="en-US" baseline="0" dirty="0" smtClean="0"/>
+              <a:t> </a:t>
+            </a:r>
+            <a:r>
+              <a:rPr lang="en-US" baseline="0" dirty="0" err="1" smtClean="0"/>
+              <a:t>especiales</a:t>
+            </a:r>
+            <a:r>
+              <a:rPr lang="en-US" baseline="0" dirty="0" smtClean="0"/>
+              <a:t> </a:t>
+            </a:r>
+            <a:r>
+              <a:rPr lang="en-US" baseline="0" dirty="0" err="1" smtClean="0"/>
+              <a:t>como</a:t>
+            </a:r>
+            <a:r>
+              <a:rPr lang="en-US" baseline="0" dirty="0" smtClean="0"/>
+              <a:t> la </a:t>
+            </a:r>
+            <a:r>
+              <a:rPr lang="en-US" baseline="0" dirty="0" err="1" smtClean="0"/>
+              <a:t>busqueda</a:t>
+            </a:r>
+            <a:r>
+              <a:rPr lang="en-US" baseline="0" dirty="0" smtClean="0"/>
+              <a:t> de </a:t>
+            </a:r>
+            <a:r>
+              <a:rPr lang="en-US" baseline="0" dirty="0" err="1" smtClean="0"/>
+              <a:t>sanitarios</a:t>
+            </a:r>
+            <a:r>
+              <a:rPr lang="en-US" baseline="0" dirty="0" smtClean="0"/>
+              <a:t> </a:t>
+            </a:r>
+            <a:r>
+              <a:rPr lang="en-US" baseline="0" dirty="0" err="1" smtClean="0"/>
+              <a:t>especificos</a:t>
+            </a:r>
+            <a:r>
+              <a:rPr lang="en-US" baseline="0" dirty="0" smtClean="0"/>
+              <a:t> no </a:t>
+            </a:r>
+            <a:r>
+              <a:rPr lang="en-US" baseline="0" dirty="0" err="1" smtClean="0"/>
+              <a:t>necesariamente</a:t>
+            </a:r>
+            <a:r>
+              <a:rPr lang="en-US" baseline="0" dirty="0" smtClean="0"/>
+              <a:t> </a:t>
+            </a:r>
+            <a:r>
+              <a:rPr lang="en-US" baseline="0" dirty="0" err="1" smtClean="0"/>
+              <a:t>cercanos</a:t>
+            </a:r>
+            <a:r>
+              <a:rPr lang="en-US" baseline="0" dirty="0" smtClean="0"/>
+              <a:t> al </a:t>
+            </a:r>
+            <a:r>
+              <a:rPr lang="en-US" baseline="0" dirty="0" err="1" smtClean="0"/>
+              <a:t>lugar</a:t>
+            </a:r>
+            <a:r>
+              <a:rPr lang="en-US" baseline="0" dirty="0" smtClean="0"/>
+              <a:t> </a:t>
+            </a:r>
+            <a:r>
+              <a:rPr lang="en-US" baseline="0" dirty="0" err="1" smtClean="0"/>
+              <a:t>donde</a:t>
+            </a:r>
+            <a:r>
+              <a:rPr lang="en-US" baseline="0" dirty="0" smtClean="0"/>
+              <a:t> se </a:t>
+            </a:r>
+            <a:r>
+              <a:rPr lang="en-US" baseline="0" dirty="0" err="1" smtClean="0"/>
+              <a:t>encuentran</a:t>
+            </a:r>
+            <a:r>
+              <a:rPr lang="en-US" baseline="0" dirty="0" smtClean="0"/>
+              <a:t>.</a:t>
+            </a:r>
+          </a:p>
+          <a:p>
+            <a:endParaRPr lang="en-US" baseline="0" dirty="0" smtClean="0"/>
+          </a:p>
+          <a:p>
+            <a:r>
+              <a:rPr lang="es-ES" baseline="0" noProof="0" dirty="0" err="1" smtClean="0"/>
+              <a:t>Asi</a:t>
+            </a:r>
+            <a:r>
+              <a:rPr lang="en-US" baseline="0" dirty="0" smtClean="0"/>
+              <a:t> </a:t>
+            </a:r>
+            <a:r>
+              <a:rPr lang="es-ES" baseline="0" noProof="0" dirty="0" smtClean="0"/>
+              <a:t>como</a:t>
+            </a:r>
+            <a:r>
+              <a:rPr lang="en-US" baseline="0" dirty="0" smtClean="0"/>
+              <a:t> </a:t>
+            </a:r>
+            <a:r>
+              <a:rPr lang="en-US" baseline="0" dirty="0" err="1" smtClean="0"/>
+              <a:t>agregar</a:t>
+            </a:r>
+            <a:r>
+              <a:rPr lang="en-US" baseline="0" dirty="0" smtClean="0"/>
+              <a:t> </a:t>
+            </a:r>
+            <a:r>
+              <a:rPr lang="en-US" baseline="0" dirty="0" err="1" smtClean="0"/>
+              <a:t>sanitarios</a:t>
+            </a:r>
+            <a:r>
+              <a:rPr lang="en-US" baseline="0" dirty="0" smtClean="0"/>
+              <a:t>, el </a:t>
+            </a:r>
+            <a:r>
+              <a:rPr lang="en-US" baseline="0" dirty="0" err="1" smtClean="0"/>
+              <a:t>compartir</a:t>
+            </a:r>
+            <a:r>
+              <a:rPr lang="en-US" baseline="0" dirty="0" smtClean="0"/>
+              <a:t> la </a:t>
+            </a:r>
+            <a:r>
+              <a:rPr lang="en-US" baseline="0" dirty="0" err="1" smtClean="0"/>
+              <a:t>aplicacion</a:t>
+            </a:r>
+            <a:r>
+              <a:rPr lang="en-US" baseline="0" dirty="0" smtClean="0"/>
+              <a:t> via </a:t>
+            </a:r>
+            <a:r>
+              <a:rPr lang="en-US" baseline="0" dirty="0" err="1" smtClean="0"/>
+              <a:t>redes</a:t>
+            </a:r>
+            <a:r>
+              <a:rPr lang="en-US" baseline="0" dirty="0" smtClean="0"/>
+              <a:t> </a:t>
+            </a:r>
+            <a:r>
+              <a:rPr lang="en-US" baseline="0" dirty="0" err="1" smtClean="0"/>
+              <a:t>sociales</a:t>
+            </a:r>
+            <a:r>
+              <a:rPr lang="en-US" baseline="0" dirty="0" smtClean="0"/>
+              <a:t> o </a:t>
+            </a:r>
+            <a:r>
+              <a:rPr lang="en-US" baseline="0" dirty="0" err="1" smtClean="0"/>
+              <a:t>calificarla</a:t>
+            </a:r>
+            <a:r>
+              <a:rPr lang="en-US" baseline="0" dirty="0" smtClean="0"/>
+              <a:t> en los </a:t>
+            </a:r>
+            <a:r>
+              <a:rPr lang="en-US" baseline="0" dirty="0" err="1" smtClean="0"/>
+              <a:t>distintos</a:t>
+            </a:r>
+            <a:r>
+              <a:rPr lang="en-US" baseline="0" dirty="0" smtClean="0"/>
+              <a:t> </a:t>
+            </a:r>
+            <a:r>
+              <a:rPr lang="en-US" baseline="0" dirty="0" err="1" smtClean="0"/>
+              <a:t>centros</a:t>
+            </a:r>
+            <a:r>
+              <a:rPr lang="en-US" baseline="0" dirty="0" smtClean="0"/>
+              <a:t> </a:t>
+            </a:r>
+            <a:r>
+              <a:rPr lang="en-US" baseline="0" dirty="0" err="1" smtClean="0"/>
+              <a:t>donde</a:t>
+            </a:r>
+            <a:r>
+              <a:rPr lang="en-US" baseline="0" dirty="0" smtClean="0"/>
+              <a:t> se la </a:t>
+            </a:r>
+            <a:r>
+              <a:rPr lang="en-US" baseline="0" dirty="0" err="1" smtClean="0"/>
+              <a:t>ofrezca</a:t>
+            </a:r>
+            <a:r>
+              <a:rPr lang="en-US" baseline="0" dirty="0" smtClean="0"/>
+              <a:t> </a:t>
+            </a:r>
+            <a:r>
+              <a:rPr lang="en-US" baseline="0" dirty="0" err="1" smtClean="0"/>
+              <a:t>tambien</a:t>
+            </a:r>
+            <a:r>
+              <a:rPr lang="en-US" baseline="0" dirty="0" smtClean="0"/>
+              <a:t> </a:t>
+            </a:r>
+            <a:r>
+              <a:rPr lang="en-US" baseline="0" dirty="0" err="1" smtClean="0"/>
+              <a:t>implica</a:t>
+            </a:r>
+            <a:r>
+              <a:rPr lang="en-US" baseline="0" dirty="0" smtClean="0"/>
+              <a:t> el </a:t>
+            </a:r>
+            <a:r>
+              <a:rPr lang="en-US" baseline="0" dirty="0" err="1" smtClean="0"/>
+              <a:t>beneficio</a:t>
+            </a:r>
+            <a:r>
+              <a:rPr lang="en-US" baseline="0" dirty="0" smtClean="0"/>
+              <a:t> de </a:t>
+            </a:r>
+            <a:r>
+              <a:rPr lang="en-US" baseline="0" dirty="0" err="1" smtClean="0"/>
+              <a:t>acumulacion</a:t>
+            </a:r>
+            <a:r>
+              <a:rPr lang="en-US" baseline="0" dirty="0" smtClean="0"/>
+              <a:t> de </a:t>
+            </a:r>
+            <a:r>
+              <a:rPr lang="en-US" baseline="0" dirty="0" err="1" smtClean="0"/>
+              <a:t>puntos</a:t>
+            </a:r>
+            <a:r>
+              <a:rPr lang="en-US" baseline="0" dirty="0" smtClean="0"/>
+              <a:t> </a:t>
+            </a:r>
+            <a:r>
+              <a:rPr lang="en-US" baseline="0" dirty="0" err="1" smtClean="0"/>
+              <a:t>para</a:t>
+            </a:r>
+            <a:r>
+              <a:rPr lang="en-US" baseline="0" dirty="0" smtClean="0"/>
+              <a:t> </a:t>
+            </a:r>
+            <a:r>
+              <a:rPr lang="en-US" baseline="0" dirty="0" err="1" smtClean="0"/>
+              <a:t>su</a:t>
+            </a:r>
+            <a:r>
+              <a:rPr lang="en-US" baseline="0" dirty="0" smtClean="0"/>
+              <a:t> posterior </a:t>
+            </a:r>
+            <a:r>
+              <a:rPr lang="en-US" baseline="0" dirty="0" err="1" smtClean="0"/>
+              <a:t>canejo</a:t>
+            </a:r>
+            <a:r>
+              <a:rPr lang="en-US" baseline="0" dirty="0" smtClean="0"/>
+              <a:t>.</a:t>
+            </a:r>
+          </a:p>
+          <a:p>
+            <a:endParaRPr lang="en-US" baseline="0" dirty="0" smtClean="0"/>
+          </a:p>
+          <a:p>
+            <a:r>
+              <a:rPr lang="en-US" baseline="0" dirty="0" smtClean="0"/>
+              <a:t>Este </a:t>
+            </a:r>
+            <a:r>
+              <a:rPr lang="en-US" baseline="0" dirty="0" err="1" smtClean="0"/>
+              <a:t>sistema</a:t>
+            </a:r>
+            <a:r>
+              <a:rPr lang="en-US" baseline="0" dirty="0" smtClean="0"/>
+              <a:t> de </a:t>
+            </a:r>
+            <a:r>
+              <a:rPr lang="en-US" baseline="0" dirty="0" err="1" smtClean="0"/>
+              <a:t>motivacion</a:t>
+            </a:r>
+            <a:r>
+              <a:rPr lang="en-US" baseline="0" dirty="0" smtClean="0"/>
+              <a:t> </a:t>
+            </a:r>
+            <a:r>
+              <a:rPr lang="en-US" baseline="0" dirty="0" err="1" smtClean="0"/>
+              <a:t>logra</a:t>
+            </a:r>
+            <a:r>
+              <a:rPr lang="en-US" baseline="0" dirty="0" smtClean="0"/>
+              <a:t> </a:t>
+            </a:r>
+            <a:r>
+              <a:rPr lang="en-US" baseline="0" dirty="0" err="1" smtClean="0"/>
+              <a:t>expandir</a:t>
+            </a:r>
+            <a:r>
+              <a:rPr lang="en-US" baseline="0" dirty="0" smtClean="0"/>
+              <a:t> el </a:t>
+            </a:r>
+            <a:r>
+              <a:rPr lang="en-US" baseline="0" dirty="0" err="1" smtClean="0"/>
+              <a:t>producto</a:t>
+            </a:r>
+            <a:r>
+              <a:rPr lang="en-US" baseline="0" dirty="0" smtClean="0"/>
+              <a:t> en el </a:t>
+            </a:r>
+            <a:r>
+              <a:rPr lang="en-US" baseline="0" dirty="0" err="1" smtClean="0"/>
+              <a:t>aspecto</a:t>
+            </a:r>
+            <a:r>
+              <a:rPr lang="en-US" baseline="0" dirty="0" smtClean="0"/>
+              <a:t> de </a:t>
+            </a:r>
+            <a:r>
+              <a:rPr lang="en-US" baseline="0" dirty="0" err="1" smtClean="0"/>
+              <a:t>cantidad</a:t>
+            </a:r>
+            <a:r>
+              <a:rPr lang="en-US" baseline="0" dirty="0" smtClean="0"/>
+              <a:t> de </a:t>
+            </a:r>
+            <a:r>
+              <a:rPr lang="en-US" baseline="0" dirty="0" err="1" smtClean="0"/>
+              <a:t>sanitarios</a:t>
+            </a:r>
+            <a:r>
+              <a:rPr lang="en-US" baseline="0" dirty="0" smtClean="0"/>
+              <a:t> </a:t>
+            </a:r>
+            <a:r>
+              <a:rPr lang="en-US" baseline="0" dirty="0" err="1" smtClean="0"/>
+              <a:t>disponibles</a:t>
+            </a:r>
+            <a:r>
+              <a:rPr lang="en-US" baseline="0" dirty="0" smtClean="0"/>
+              <a:t>, </a:t>
+            </a:r>
+            <a:r>
+              <a:rPr lang="en-US" baseline="0" dirty="0" err="1" smtClean="0"/>
+              <a:t>difundirlo</a:t>
+            </a:r>
+            <a:r>
+              <a:rPr lang="en-US" baseline="0" dirty="0" smtClean="0"/>
+              <a:t> de </a:t>
+            </a:r>
+            <a:r>
+              <a:rPr lang="en-US" baseline="0" dirty="0" err="1" smtClean="0"/>
+              <a:t>manera</a:t>
+            </a:r>
+            <a:r>
+              <a:rPr lang="en-US" baseline="0" dirty="0" smtClean="0"/>
+              <a:t> viral (via </a:t>
+            </a:r>
+            <a:r>
+              <a:rPr lang="en-US" baseline="0" dirty="0" err="1" smtClean="0"/>
+              <a:t>redes</a:t>
+            </a:r>
+            <a:r>
+              <a:rPr lang="en-US" baseline="0" dirty="0" smtClean="0"/>
+              <a:t> </a:t>
+            </a:r>
+            <a:r>
+              <a:rPr lang="en-US" baseline="0" dirty="0" err="1" smtClean="0"/>
+              <a:t>sociales</a:t>
+            </a:r>
+            <a:r>
+              <a:rPr lang="en-US" baseline="0" dirty="0" smtClean="0"/>
+              <a:t>) y </a:t>
+            </a:r>
+            <a:r>
+              <a:rPr lang="en-US" baseline="0" dirty="0" err="1" smtClean="0"/>
+              <a:t>mantiene</a:t>
+            </a:r>
+            <a:r>
+              <a:rPr lang="en-US" baseline="0" dirty="0" smtClean="0"/>
+              <a:t> a los </a:t>
+            </a:r>
+            <a:r>
+              <a:rPr lang="en-US" baseline="0" dirty="0" err="1" smtClean="0"/>
+              <a:t>usuarios</a:t>
+            </a:r>
+            <a:r>
+              <a:rPr lang="en-US" baseline="0" dirty="0" smtClean="0"/>
+              <a:t> </a:t>
+            </a:r>
+            <a:r>
+              <a:rPr lang="en-US" baseline="0" dirty="0" err="1" smtClean="0"/>
+              <a:t>involucrados</a:t>
+            </a:r>
+            <a:r>
+              <a:rPr lang="en-US" baseline="0" dirty="0" smtClean="0"/>
+              <a:t> con la </a:t>
+            </a:r>
+            <a:r>
+              <a:rPr lang="en-US" baseline="0" dirty="0" err="1" smtClean="0"/>
+              <a:t>aplicacion</a:t>
+            </a:r>
+            <a:r>
+              <a:rPr lang="en-US" baseline="0" dirty="0" smtClean="0"/>
+              <a:t> </a:t>
+            </a:r>
+            <a:r>
+              <a:rPr lang="en-US" baseline="0" dirty="0" err="1" smtClean="0"/>
+              <a:t>haciendoles</a:t>
+            </a:r>
+            <a:r>
+              <a:rPr lang="en-US" baseline="0" dirty="0" smtClean="0"/>
+              <a:t> </a:t>
+            </a:r>
+            <a:r>
+              <a:rPr lang="en-US" baseline="0" dirty="0" err="1" smtClean="0"/>
+              <a:t>sentir</a:t>
+            </a:r>
+            <a:r>
+              <a:rPr lang="en-US" baseline="0" dirty="0" smtClean="0"/>
+              <a:t> </a:t>
+            </a:r>
+            <a:r>
+              <a:rPr lang="en-US" baseline="0" dirty="0" err="1" smtClean="0"/>
+              <a:t>que</a:t>
+            </a:r>
+            <a:r>
+              <a:rPr lang="en-US" baseline="0" dirty="0" smtClean="0"/>
+              <a:t> son parte del </a:t>
+            </a:r>
+            <a:r>
+              <a:rPr lang="en-US" baseline="0" dirty="0" err="1" smtClean="0"/>
+              <a:t>desarrollo</a:t>
+            </a:r>
+            <a:r>
+              <a:rPr lang="en-US" baseline="0" dirty="0" smtClean="0"/>
+              <a:t> de la </a:t>
+            </a:r>
+            <a:r>
+              <a:rPr lang="en-US" baseline="0" dirty="0" err="1" smtClean="0"/>
+              <a:t>misma</a:t>
+            </a:r>
+            <a:r>
+              <a:rPr lang="en-US" baseline="0" dirty="0" smtClean="0"/>
+              <a:t>.</a:t>
+            </a:r>
+          </a:p>
+        </p:txBody>
+      </p:sp>
+      <p:sp>
+        <p:nvSpPr>
+          <p:cNvPr id="4" name="3 Marcador de número de diapositiva"/>
+          <p:cNvSpPr>
+            <a:spLocks noGrp="1"/>
+          </p:cNvSpPr>
+          <p:nvPr>
+            <p:ph type="sldNum" sz="quarter" idx="10"/>
+          </p:nvPr>
+        </p:nvSpPr>
+        <p:spPr/>
+        <p:txBody>
+          <a:bodyPr/>
+          <a:lstStyle/>
+          <a:p>
+            <a:fld id="{5625E230-B123-43EB-B2A3-53965331BBB3}" type="slidenum">
+              <a:rPr lang="es-AR" smtClean="0"/>
+              <a:pPr/>
+              <a:t>10</a:t>
+            </a:fld>
+            <a:endParaRPr lang="es-AR"/>
+          </a:p>
+        </p:txBody>
+      </p:sp>
+    </p:spTree>
   </p:cSld>
   <p:clrMapOvr>
     <a:masterClrMapping/>
@@ -1350,23 +2662,27 @@
             </a:r>
             <a:r>
               <a:rPr lang="es-AR" baseline="0" dirty="0" smtClean="0"/>
-              <a:t> estudiantes emprendedores proactivos del último año de la carrera de Ingeniería en Informática de la Universidad de Buenos Aires.</a:t>
-            </a:r>
-          </a:p>
-          <a:p>
+              <a:t> estudiantes emprendedores proactivos del último año de la carrera de Ingeniería en Informática de la Universidad de Buenos </a:t>
+            </a:r>
+            <a:r>
+              <a:rPr lang="es-AR" baseline="0" dirty="0" smtClean="0"/>
+              <a:t>Aires. </a:t>
+            </a:r>
             <a:r>
               <a:rPr lang="es-AR" dirty="0" smtClean="0"/>
               <a:t>Nos</a:t>
             </a:r>
             <a:r>
               <a:rPr lang="es-AR" baseline="0" dirty="0" smtClean="0"/>
-              <a:t> conocimos en la facultad y comenzamos a trabajar juntos en los distintos desafíos que nos proponía el desarrollo de la carrera.</a:t>
-            </a:r>
-          </a:p>
-          <a:p>
-            <a:r>
-              <a:rPr lang="es-AR" baseline="0" dirty="0" smtClean="0"/>
-              <a:t>Decidimos entonces crear nuestra propia empresa de desarrollo de aplicaciones para el usuario final, que resuelvan problemas específicos.</a:t>
+              <a:t> </a:t>
+            </a:r>
+            <a:r>
+              <a:rPr lang="es-AR" baseline="0" dirty="0" smtClean="0"/>
+              <a:t>conocimos en la facultad y comenzamos a trabajar juntos en los distintos desafíos que nos proponía el desarrollo de la carrera</a:t>
+            </a:r>
+            <a:r>
+              <a:rPr lang="es-AR" baseline="0" dirty="0" smtClean="0"/>
+              <a:t>. </a:t>
             </a:r>
           </a:p>
           <a:p>
@@ -1375,7 +2691,7 @@
           <a:p>
             <a:r>
               <a:rPr lang="es-AR" baseline="0" dirty="0" smtClean="0"/>
-              <a:t>Nuestra visión desde ese lugar, es entonces, lograr mejorar el día a día del usuario a través del uso de aplicaciones innovadoras, de última tecnología.</a:t>
+              <a:t>Con la experiencia acumulada de trabajos anteriores, empezamos a encontrar una tendencia en la actualidad donde la tecnología es cada vez mas indispensable para la vida cotidiana. Estudiando, entendiendo, y viendo como este tipo de tecnología “social” es cada vez mas solicitada; encontramos que existen muchas necesidades sociales que no hay sido resueltas. </a:t>
             </a:r>
           </a:p>
           <a:p>
@@ -1384,8 +2700,31 @@
           <a:p>
             <a:r>
               <a:rPr lang="es-AR" baseline="0" dirty="0" smtClean="0"/>
-              <a:t>Nos abocamos, entonces, a la búsqueda de soluciones de problemas actuales.</a:t>
-            </a:r>
+              <a:t>A partir de esta idea es donde decidimos </a:t>
+            </a:r>
+            <a:r>
+              <a:rPr lang="es-AR" baseline="0" dirty="0" smtClean="0"/>
+              <a:t>entonces crear nuestra propia empresa de desarrollo de aplicaciones para el usuario final, que resuelvan problemas </a:t>
+            </a:r>
+            <a:r>
+              <a:rPr lang="es-AR" baseline="0" dirty="0" smtClean="0"/>
+              <a:t>específicos de necesidades sociales actuales.</a:t>
+            </a:r>
+            <a:endParaRPr lang="es-AR" baseline="0" dirty="0" smtClean="0"/>
+          </a:p>
+          <a:p>
+            <a:endParaRPr lang="es-AR" baseline="0" dirty="0" smtClean="0"/>
+          </a:p>
+          <a:p>
+            <a:r>
+              <a:rPr lang="es-AR" baseline="0" dirty="0" smtClean="0"/>
+              <a:t>Nuestra visión desde ese lugar, es entonces, lograr mejorar el día a día del usuario a través del uso de aplicaciones innovadoras, de última tecnología</a:t>
+            </a:r>
+            <a:r>
+              <a:rPr lang="es-AR" baseline="0" dirty="0" smtClean="0"/>
+              <a:t>.</a:t>
+            </a:r>
+            <a:endParaRPr lang="es-AR" baseline="0" dirty="0" smtClean="0"/>
           </a:p>
         </p:txBody>
       </p:sp>
@@ -1406,6 +2745,7 @@
           <a:p>
             <a:fld id="{5625E230-B123-43EB-B2A3-53965331BBB3}" type="slidenum">
               <a:rPr lang="es-AR" smtClean="0"/>
+              <a:pPr/>
               <a:t>2</a:t>
             </a:fld>
             <a:endParaRPr lang="es-AR"/>
@@ -1415,7 +2755,7 @@
     </p:spTree>
     <p:extLst>
       <p:ext uri="{BB962C8B-B14F-4D97-AF65-F5344CB8AC3E}">
-        <p14:creationId xmlns:p14="http://schemas.microsoft.com/office/powerpoint/2010/main" val="2610191261"/>
+        <p14:creationId xmlns:p14="http://schemas.microsoft.com/office/powerpoint/2010/main" xmlns="" val="2610191261"/>
       </p:ext>
     </p:extLst>
   </p:cSld>
@@ -1471,33 +2811,181 @@
           <a:p>
             <a:r>
               <a:rPr lang="es-AR" dirty="0" smtClean="0"/>
-              <a:t>Nunca les ha pasado de </a:t>
-            </a:r>
-            <a:r>
-              <a:rPr lang="es-AR" dirty="0" err="1" smtClean="0"/>
-              <a:t>bla</a:t>
-            </a:r>
-            <a:r>
-              <a:rPr lang="es-AR" dirty="0" smtClean="0"/>
+              <a:t>El proyecto que venimos a mostrar</a:t>
+            </a:r>
+            <a:r>
+              <a:rPr lang="es-AR" baseline="0" dirty="0" smtClean="0"/>
+              <a:t> hoy resuelve una de las necesidades mas </a:t>
+            </a:r>
+            <a:r>
+              <a:rPr lang="es-AR" baseline="0" dirty="0" err="1" smtClean="0"/>
+              <a:t>basicas</a:t>
+            </a:r>
+            <a:r>
+              <a:rPr lang="es-AR" baseline="0" dirty="0" smtClean="0"/>
+              <a:t> y sin embargo mas </a:t>
+            </a:r>
+            <a:r>
+              <a:rPr lang="es-AR" baseline="0" dirty="0" err="1" smtClean="0"/>
+              <a:t>dificiles</a:t>
+            </a:r>
+            <a:r>
+              <a:rPr lang="es-AR" baseline="0" dirty="0" smtClean="0"/>
+              <a:t> de satisfacer en ciertas situaciones.</a:t>
+            </a:r>
+          </a:p>
+          <a:p>
+            <a:endParaRPr lang="es-AR" baseline="0" dirty="0" smtClean="0"/>
+          </a:p>
+          <a:p>
+            <a:r>
+              <a:rPr lang="es-AR" baseline="0" dirty="0" smtClean="0"/>
+              <a:t>Los invitamos a imaginar entonces la siguientes situaciones y llegar juntos a la misma idea que da origen a una </a:t>
+            </a:r>
+            <a:r>
+              <a:rPr lang="es-AR" baseline="0" dirty="0" err="1" smtClean="0"/>
+              <a:t>solucion</a:t>
+            </a:r>
+            <a:r>
+              <a:rPr lang="es-AR" baseline="0" dirty="0" smtClean="0"/>
+              <a:t> que cambia las reglas del juego. Imaginen que vamos a pasear con la familia a un lugar nuevo de la ciudad, o que nuestro trabajo demanda que nos movilicemos constantemente por la ciudad, o (extendámoslo, porque no?) que nos hemos ido de viaje por primera vez a Brasil. Todos estos escenarios </a:t>
+            </a:r>
+            <a:r>
+              <a:rPr lang="es-AR" baseline="0" dirty="0" err="1" smtClean="0"/>
+              <a:t>reunen</a:t>
+            </a:r>
+            <a:r>
+              <a:rPr lang="es-AR" baseline="0" dirty="0" smtClean="0"/>
+              <a:t> una </a:t>
+            </a:r>
+            <a:r>
+              <a:rPr lang="es-AR" baseline="0" dirty="0" err="1" smtClean="0"/>
+              <a:t>caracteristica</a:t>
+            </a:r>
+            <a:r>
+              <a:rPr lang="es-AR" baseline="0" dirty="0" smtClean="0"/>
+              <a:t> general, que es la falta de conocimiento del lugar mas haya de los puntos determinados donde sabemos que tenemos que ir. </a:t>
+            </a:r>
+          </a:p>
+          <a:p>
+            <a:endParaRPr lang="es-AR" baseline="0" dirty="0" smtClean="0"/>
+          </a:p>
+          <a:p>
+            <a:r>
+              <a:rPr lang="es-AR" baseline="0" dirty="0" smtClean="0"/>
+              <a:t>Ahora extendamos esta situaciones de lugares desconocidos, y </a:t>
+            </a:r>
+            <a:r>
+              <a:rPr lang="es-AR" baseline="0" dirty="0" err="1" smtClean="0"/>
+              <a:t>agregemosle</a:t>
+            </a:r>
+            <a:r>
+              <a:rPr lang="es-AR" baseline="0" dirty="0" smtClean="0"/>
+              <a:t> un factor determinante: Necesitamos encontrar un </a:t>
+            </a:r>
+            <a:r>
+              <a:rPr lang="es-AR" baseline="0" dirty="0" err="1" smtClean="0"/>
+              <a:t>banio</a:t>
+            </a:r>
+            <a:r>
+              <a:rPr lang="es-AR" baseline="0" dirty="0" smtClean="0"/>
+              <a:t> urgentemente. Que hacemos, y como lo resolvemos? Nos encontramos en un lugar donde tenemos poca y nula </a:t>
+            </a:r>
+            <a:r>
+              <a:rPr lang="es-AR" baseline="0" dirty="0" err="1" smtClean="0"/>
+              <a:t>informacion</a:t>
+            </a:r>
+            <a:r>
+              <a:rPr lang="es-AR" baseline="0" dirty="0" smtClean="0"/>
+              <a:t> al respecto. Lo mas probable, es que terminemos optando por la </a:t>
+            </a:r>
+            <a:r>
+              <a:rPr lang="es-AR" baseline="0" dirty="0" err="1" smtClean="0"/>
+              <a:t>opcion</a:t>
+            </a:r>
+            <a:r>
+              <a:rPr lang="es-AR" baseline="0" dirty="0" smtClean="0"/>
+              <a:t> que deben tener en sus cabezas en este momento, que es la de preguntar donde se encuentra la facilidad mas cercana. Esto, obviamente, si estamos en un lugar donde nos podamos hacer entender, porque si </a:t>
+            </a:r>
+            <a:r>
+              <a:rPr lang="es-AR" baseline="0" dirty="0" err="1" smtClean="0"/>
+              <a:t>estuviesemos</a:t>
+            </a:r>
+            <a:r>
+              <a:rPr lang="es-AR" baseline="0" dirty="0" smtClean="0"/>
+              <a:t> de viaje en otro lugar del mundo hacernos entender va a costarnos tiempo y eso es algo que muy posiblemente no tengamos al ser urgente.</a:t>
+            </a:r>
+          </a:p>
+          <a:p>
+            <a:endParaRPr lang="es-AR" baseline="0" dirty="0" smtClean="0"/>
+          </a:p>
+          <a:p>
+            <a:r>
+              <a:rPr lang="es-AR" baseline="0" dirty="0" smtClean="0"/>
+              <a:t>Asumamos que logramos comunicarnos. Esto nos soluciona la emergencia, pero no siempre termina siendo una experiencia agradable dado que generalmente </a:t>
+            </a:r>
+            <a:r>
+              <a:rPr lang="es-AR" baseline="0" dirty="0" err="1" smtClean="0"/>
+              <a:t>seran</a:t>
+            </a:r>
+            <a:r>
+              <a:rPr lang="es-AR" baseline="0" dirty="0" smtClean="0"/>
               <a:t> </a:t>
             </a:r>
             <a:r>
-              <a:rPr lang="es-AR" dirty="0" err="1" smtClean="0"/>
-              <a:t>bla</a:t>
-            </a:r>
-            <a:r>
-              <a:rPr lang="es-AR" dirty="0" smtClean="0"/>
+              <a:rPr lang="es-AR" baseline="0" dirty="0" err="1" smtClean="0"/>
+              <a:t>banios</a:t>
+            </a:r>
+            <a:r>
+              <a:rPr lang="es-AR" baseline="0" dirty="0" smtClean="0"/>
+              <a:t> de estaciones de servicios o lugares de comida </a:t>
+            </a:r>
+            <a:r>
+              <a:rPr lang="es-AR" baseline="0" dirty="0" err="1" smtClean="0"/>
+              <a:t>rapida</a:t>
+            </a:r>
+            <a:r>
+              <a:rPr lang="es-AR" baseline="0" dirty="0" smtClean="0"/>
+              <a:t> que </a:t>
+            </a:r>
+            <a:r>
+              <a:rPr lang="es-AR" baseline="0" dirty="0" err="1" smtClean="0"/>
+              <a:t>quiza</a:t>
+            </a:r>
+            <a:r>
+              <a:rPr lang="es-AR" baseline="0" dirty="0" smtClean="0"/>
+              <a:t> no se encuentran en el mejor estado posible.</a:t>
+            </a:r>
+          </a:p>
+          <a:p>
+            <a:endParaRPr lang="es-AR" baseline="0" dirty="0" smtClean="0"/>
+          </a:p>
+          <a:p>
+            <a:r>
+              <a:rPr lang="es-AR" baseline="0" dirty="0" smtClean="0"/>
+              <a:t>Habiendo visto estas situaciones, habiendo hablado de cómo la </a:t>
+            </a:r>
+            <a:r>
+              <a:rPr lang="es-AR" baseline="0" dirty="0" err="1" smtClean="0"/>
+              <a:t>tecnologia</a:t>
+            </a:r>
+            <a:r>
+              <a:rPr lang="es-AR" baseline="0" dirty="0" smtClean="0"/>
+              <a:t> es parte de nuestras vidas diarias, los invito a pensar entonces como podemos tomar esta necesidad y solucionarla </a:t>
+            </a:r>
+            <a:r>
+              <a:rPr lang="es-AR" baseline="0" dirty="0" err="1" smtClean="0"/>
+              <a:t>aplicandole</a:t>
+            </a:r>
+            <a:r>
+              <a:rPr lang="es-AR" baseline="0" dirty="0" smtClean="0"/>
               <a:t> </a:t>
             </a:r>
             <a:r>
-              <a:rPr lang="es-AR" dirty="0" err="1" smtClean="0"/>
-              <a:t>bla</a:t>
-            </a:r>
-            <a:r>
-              <a:rPr lang="es-AR" dirty="0" smtClean="0"/>
-              <a:t>.</a:t>
-            </a:r>
-            <a:endParaRPr lang="es-AR" dirty="0"/>
+              <a:rPr lang="es-AR" baseline="0" dirty="0" err="1" smtClean="0"/>
+              <a:t>tecnologia</a:t>
+            </a:r>
+            <a:endParaRPr lang="es-AR" baseline="0" dirty="0" smtClean="0"/>
           </a:p>
         </p:txBody>
       </p:sp>
@@ -1518,6 +3006,7 @@
           <a:p>
             <a:fld id="{5625E230-B123-43EB-B2A3-53965331BBB3}" type="slidenum">
               <a:rPr lang="es-AR" smtClean="0"/>
+              <a:pPr/>
               <a:t>3</a:t>
             </a:fld>
             <a:endParaRPr lang="es-AR"/>
@@ -1527,7 +3016,7 @@
     </p:spTree>
     <p:extLst>
       <p:ext uri="{BB962C8B-B14F-4D97-AF65-F5344CB8AC3E}">
-        <p14:creationId xmlns:p14="http://schemas.microsoft.com/office/powerpoint/2010/main" val="1052945588"/>
+        <p14:creationId xmlns:p14="http://schemas.microsoft.com/office/powerpoint/2010/main" xmlns="" val="1052945588"/>
       </p:ext>
     </p:extLst>
   </p:cSld>
@@ -1581,21 +3070,474 @@
           <a:bodyPr/>
           <a:lstStyle/>
           <a:p>
+            <a:pPr marL="0" marR="0" indent="0" algn="l" defTabSz="914400" rtl="0" eaLnBrk="1" fontAlgn="auto" latinLnBrk="0" hangingPunct="1">
+              <a:lnSpc>
+                <a:spcPct val="100000"/>
+              </a:lnSpc>
+              <a:spcBef>
+                <a:spcPts val="0"/>
+              </a:spcBef>
+              <a:spcAft>
+                <a:spcPts val="0"/>
+              </a:spcAft>
+              <a:buClrTx/>
+              <a:buSzTx/>
+              <a:buFontTx/>
+              <a:buNone/>
+              <a:tabLst/>
+              <a:defRPr/>
+            </a:pPr>
             <a:r>
               <a:rPr lang="es-AR" dirty="0" smtClean="0"/>
-              <a:t>Cómo vamos a resolverlo?</a:t>
-            </a:r>
-          </a:p>
-          <a:p>
+              <a:t>Continuemos con la idea, y ahora pensemos en materia de</a:t>
+            </a:r>
+            <a:r>
+              <a:rPr lang="es-AR" baseline="0" dirty="0" smtClean="0"/>
+              <a:t> mercado. Cuanto uso se le pude dar a algo que solucione esta necesidad de manera </a:t>
+            </a:r>
+            <a:r>
+              <a:rPr lang="es-AR" baseline="0" dirty="0" err="1" smtClean="0"/>
+              <a:t>tecnologica</a:t>
+            </a:r>
+            <a:r>
+              <a:rPr lang="es-AR" baseline="0" dirty="0" smtClean="0"/>
+              <a:t>? Que tanto impacto puede causar en las personas para que pueda ser utilizada?</a:t>
+            </a:r>
+          </a:p>
+          <a:p>
+            <a:pPr marL="0" marR="0" indent="0" algn="l" defTabSz="914400" rtl="0" eaLnBrk="1" fontAlgn="auto" latinLnBrk="0" hangingPunct="1">
+              <a:lnSpc>
+                <a:spcPct val="100000"/>
+              </a:lnSpc>
+              <a:spcBef>
+                <a:spcPts val="0"/>
+              </a:spcBef>
+              <a:spcAft>
+                <a:spcPts val="0"/>
+              </a:spcAft>
+              <a:buClrTx/>
+              <a:buSzTx/>
+              <a:buFontTx/>
+              <a:buNone/>
+              <a:tabLst/>
+              <a:defRPr/>
+            </a:pPr>
+            <a:endParaRPr lang="es-AR" baseline="0" dirty="0" smtClean="0"/>
+          </a:p>
+          <a:p>
+            <a:pPr marL="0" marR="0" indent="0" algn="l" defTabSz="914400" rtl="0" eaLnBrk="1" fontAlgn="auto" latinLnBrk="0" hangingPunct="1">
+              <a:lnSpc>
+                <a:spcPct val="100000"/>
+              </a:lnSpc>
+              <a:spcBef>
+                <a:spcPts val="0"/>
+              </a:spcBef>
+              <a:spcAft>
+                <a:spcPts val="0"/>
+              </a:spcAft>
+              <a:buClrTx/>
+              <a:buSzTx/>
+              <a:buFontTx/>
+              <a:buNone/>
+              <a:tabLst/>
+              <a:defRPr/>
+            </a:pPr>
+            <a:r>
+              <a:rPr lang="es-AR" baseline="0" dirty="0" smtClean="0"/>
+              <a:t>Si nos enfocamos en la actualidad, el mercado </a:t>
+            </a:r>
+            <a:r>
+              <a:rPr lang="es-AR" baseline="0" dirty="0" err="1" smtClean="0"/>
+              <a:t>mobile</a:t>
+            </a:r>
+            <a:r>
+              <a:rPr lang="es-AR" baseline="0" dirty="0" smtClean="0"/>
+              <a:t> se encuentra en una </a:t>
+            </a:r>
+            <a:r>
+              <a:rPr lang="es-AR" baseline="0" dirty="0" err="1" smtClean="0"/>
+              <a:t>expansion</a:t>
+            </a:r>
+            <a:r>
+              <a:rPr lang="es-AR" baseline="0" dirty="0" smtClean="0"/>
+              <a:t> </a:t>
+            </a:r>
+            <a:r>
+              <a:rPr lang="es-AR" baseline="0" dirty="0" err="1" smtClean="0"/>
+              <a:t>tecnologica</a:t>
+            </a:r>
+            <a:r>
+              <a:rPr lang="es-AR" baseline="0" dirty="0" smtClean="0"/>
+              <a:t> nunca antes vista. En </a:t>
+            </a:r>
+            <a:r>
+              <a:rPr lang="es-AR" baseline="0" dirty="0" err="1" smtClean="0"/>
+              <a:t>comparacion</a:t>
+            </a:r>
+            <a:r>
+              <a:rPr lang="es-AR" baseline="0" dirty="0" smtClean="0"/>
+              <a:t> con las </a:t>
+            </a:r>
+            <a:r>
+              <a:rPr lang="es-AR" baseline="0" dirty="0" err="1" smtClean="0"/>
+              <a:t>tecnologias</a:t>
+            </a:r>
+            <a:r>
+              <a:rPr lang="es-AR" baseline="0" dirty="0" smtClean="0"/>
+              <a:t> que fueron apareciendo (</a:t>
+            </a:r>
+            <a:r>
+              <a:rPr lang="es-AR" baseline="0" dirty="0" err="1" smtClean="0"/>
+              <a:t>pc’s</a:t>
+            </a:r>
+            <a:r>
+              <a:rPr lang="es-AR" baseline="0" dirty="0" smtClean="0"/>
+              <a:t>, </a:t>
+            </a:r>
+            <a:r>
+              <a:rPr lang="es-AR" baseline="0" dirty="0" err="1" smtClean="0"/>
+              <a:t>notebooks</a:t>
+            </a:r>
+            <a:r>
+              <a:rPr lang="es-AR" baseline="0" dirty="0" smtClean="0"/>
+              <a:t>, </a:t>
+            </a:r>
+            <a:r>
+              <a:rPr lang="es-AR" baseline="0" dirty="0" err="1" smtClean="0"/>
+              <a:t>netbooks</a:t>
+            </a:r>
+            <a:r>
+              <a:rPr lang="es-AR" baseline="0" dirty="0" smtClean="0"/>
+              <a:t>, </a:t>
+            </a:r>
+            <a:r>
+              <a:rPr lang="es-AR" baseline="0" dirty="0" err="1" smtClean="0"/>
+              <a:t>tablets</a:t>
+            </a:r>
+            <a:r>
+              <a:rPr lang="es-AR" baseline="0" dirty="0" smtClean="0"/>
+              <a:t>, </a:t>
+            </a:r>
+            <a:r>
+              <a:rPr lang="es-AR" baseline="0" dirty="0" err="1" smtClean="0"/>
+              <a:t>etc</a:t>
+            </a:r>
+            <a:r>
+              <a:rPr lang="es-AR" baseline="0" dirty="0" smtClean="0"/>
+              <a:t>) es el mercado que mayor crecimiento anual posee, y tomando datos de [REFERENCIA] supera el resto de los mercados por un [%SUPERACION]. Claramente, se ve que el uso de este tipo de </a:t>
+            </a:r>
+            <a:r>
+              <a:rPr lang="es-AR" baseline="0" dirty="0" err="1" smtClean="0"/>
+              <a:t>tecnologia</a:t>
+            </a:r>
+            <a:r>
+              <a:rPr lang="es-AR" baseline="0" dirty="0" smtClean="0"/>
+              <a:t> es la que se encuentra en la vida cotidiana de las personas. </a:t>
+            </a:r>
+          </a:p>
+          <a:p>
+            <a:pPr marL="0" marR="0" indent="0" algn="l" defTabSz="914400" rtl="0" eaLnBrk="1" fontAlgn="auto" latinLnBrk="0" hangingPunct="1">
+              <a:lnSpc>
+                <a:spcPct val="100000"/>
+              </a:lnSpc>
+              <a:spcBef>
+                <a:spcPts val="0"/>
+              </a:spcBef>
+              <a:spcAft>
+                <a:spcPts val="0"/>
+              </a:spcAft>
+              <a:buClrTx/>
+              <a:buSzTx/>
+              <a:buFontTx/>
+              <a:buNone/>
+              <a:tabLst/>
+              <a:defRPr/>
+            </a:pPr>
+            <a:endParaRPr lang="es-AR" baseline="0" dirty="0" smtClean="0"/>
+          </a:p>
+          <a:p>
+            <a:pPr marL="0" marR="0" indent="0" algn="l" defTabSz="914400" rtl="0" eaLnBrk="1" fontAlgn="auto" latinLnBrk="0" hangingPunct="1">
+              <a:lnSpc>
+                <a:spcPct val="100000"/>
+              </a:lnSpc>
+              <a:spcBef>
+                <a:spcPts val="0"/>
+              </a:spcBef>
+              <a:spcAft>
+                <a:spcPts val="0"/>
+              </a:spcAft>
+              <a:buClrTx/>
+              <a:buSzTx/>
+              <a:buFontTx/>
+              <a:buNone/>
+              <a:tabLst/>
+              <a:defRPr/>
+            </a:pPr>
+            <a:r>
+              <a:rPr lang="es-AR" baseline="0" dirty="0" smtClean="0"/>
+              <a:t>Como es que entonces crece tanto, y es tan utilizado este tipo de </a:t>
+            </a:r>
+            <a:r>
+              <a:rPr lang="es-AR" baseline="0" dirty="0" err="1" smtClean="0"/>
+              <a:t>tecnologia</a:t>
+            </a:r>
+            <a:r>
+              <a:rPr lang="es-AR" baseline="0" dirty="0" smtClean="0"/>
+              <a:t>? La vida diaria de las personas ha sido modificada ampliamente con el uso del celular; ya no es un medio para recibir y contestar llamadas. Posee </a:t>
+            </a:r>
+            <a:r>
+              <a:rPr lang="es-AR" baseline="0" dirty="0" err="1" smtClean="0"/>
+              <a:t>caracteristicas</a:t>
+            </a:r>
+            <a:r>
+              <a:rPr lang="es-AR" baseline="0" dirty="0" smtClean="0"/>
+              <a:t> y aplicaciones que son utilizadas en sectores de </a:t>
+            </a:r>
+            <a:r>
+              <a:rPr lang="es-AR" baseline="0" dirty="0" err="1" smtClean="0"/>
+              <a:t>educacion</a:t>
+            </a:r>
+            <a:r>
+              <a:rPr lang="es-AR" baseline="0" dirty="0" smtClean="0"/>
+              <a:t>, en el trabajo, y en el uso cotidiano. A su vez, se ha convertido en un centro de entretenimientos </a:t>
+            </a:r>
+            <a:r>
+              <a:rPr lang="es-AR" baseline="0" dirty="0" err="1" smtClean="0"/>
+              <a:t>tambien</a:t>
+            </a:r>
+            <a:r>
+              <a:rPr lang="es-AR" baseline="0" dirty="0" smtClean="0"/>
+              <a:t>, con lo cual el mercado de uso atraviesa todas las edades y </a:t>
+            </a:r>
+            <a:r>
+              <a:rPr lang="es-AR" baseline="0" dirty="0" err="1" smtClean="0"/>
+              <a:t>caracteristicas</a:t>
+            </a:r>
+            <a:r>
+              <a:rPr lang="es-AR" baseline="0" dirty="0" smtClean="0"/>
+              <a:t> sociales.</a:t>
+            </a:r>
+          </a:p>
+          <a:p>
+            <a:pPr marL="0" marR="0" indent="0" algn="l" defTabSz="914400" rtl="0" eaLnBrk="1" fontAlgn="auto" latinLnBrk="0" hangingPunct="1">
+              <a:lnSpc>
+                <a:spcPct val="100000"/>
+              </a:lnSpc>
+              <a:spcBef>
+                <a:spcPts val="0"/>
+              </a:spcBef>
+              <a:spcAft>
+                <a:spcPts val="0"/>
+              </a:spcAft>
+              <a:buClrTx/>
+              <a:buSzTx/>
+              <a:buFontTx/>
+              <a:buNone/>
+              <a:tabLst/>
+              <a:defRPr/>
+            </a:pPr>
+            <a:endParaRPr lang="es-AR" dirty="0" smtClean="0"/>
+          </a:p>
+          <a:p>
+            <a:pPr marL="0" marR="0" indent="0" algn="l" defTabSz="914400" rtl="0" eaLnBrk="1" fontAlgn="auto" latinLnBrk="0" hangingPunct="1">
+              <a:lnSpc>
+                <a:spcPct val="100000"/>
+              </a:lnSpc>
+              <a:spcBef>
+                <a:spcPts val="0"/>
+              </a:spcBef>
+              <a:spcAft>
+                <a:spcPts val="0"/>
+              </a:spcAft>
+              <a:buClrTx/>
+              <a:buSzTx/>
+              <a:buFontTx/>
+              <a:buNone/>
+              <a:tabLst/>
+              <a:defRPr/>
+            </a:pPr>
             <a:r>
               <a:rPr lang="es-AR" dirty="0" smtClean="0"/>
-              <a:t>Desarrollando una aplicación</a:t>
-            </a:r>
-            <a:r>
-              <a:rPr lang="es-AR" baseline="0" dirty="0" smtClean="0"/>
-              <a:t> móvil para la localización de los baños más cercanos al lugar donde te encuentres.</a:t>
-            </a:r>
-            <a:endParaRPr lang="es-AR" dirty="0"/>
+              <a:t>Entonces, habiendo visto como esta</a:t>
+            </a:r>
+            <a:r>
+              <a:rPr lang="es-AR" baseline="0" dirty="0" smtClean="0"/>
+              <a:t> </a:t>
+            </a:r>
+            <a:r>
+              <a:rPr lang="es-AR" baseline="0" dirty="0" err="1" smtClean="0"/>
+              <a:t>tecnologia</a:t>
+            </a:r>
+            <a:r>
+              <a:rPr lang="es-AR" baseline="0" dirty="0" smtClean="0"/>
+              <a:t> es la de mayor uso cotidiano, proponemos que sea el instrumento que </a:t>
+            </a:r>
+            <a:r>
+              <a:rPr lang="es-AR" baseline="0" dirty="0" err="1" smtClean="0"/>
+              <a:t>tambien</a:t>
+            </a:r>
+            <a:r>
+              <a:rPr lang="es-AR" baseline="0" dirty="0" smtClean="0"/>
+              <a:t> nos facilite la vida.</a:t>
+            </a:r>
+          </a:p>
+          <a:p>
+            <a:pPr marL="0" marR="0" indent="0" algn="l" defTabSz="914400" rtl="0" eaLnBrk="1" fontAlgn="auto" latinLnBrk="0" hangingPunct="1">
+              <a:lnSpc>
+                <a:spcPct val="100000"/>
+              </a:lnSpc>
+              <a:spcBef>
+                <a:spcPts val="0"/>
+              </a:spcBef>
+              <a:spcAft>
+                <a:spcPts val="0"/>
+              </a:spcAft>
+              <a:buClrTx/>
+              <a:buSzTx/>
+              <a:buFontTx/>
+              <a:buNone/>
+              <a:tabLst/>
+              <a:defRPr/>
+            </a:pPr>
+            <a:endParaRPr lang="es-AR" sz="1200" baseline="0" dirty="0" smtClean="0">
+              <a:effectLst/>
+            </a:endParaRPr>
+          </a:p>
+          <a:p>
+            <a:pPr marL="0" marR="0" indent="0" algn="l" defTabSz="914400" rtl="0" eaLnBrk="1" fontAlgn="auto" latinLnBrk="0" hangingPunct="1">
+              <a:lnSpc>
+                <a:spcPct val="100000"/>
+              </a:lnSpc>
+              <a:spcBef>
+                <a:spcPts val="0"/>
+              </a:spcBef>
+              <a:spcAft>
+                <a:spcPts val="0"/>
+              </a:spcAft>
+              <a:buClrTx/>
+              <a:buSzTx/>
+              <a:buFontTx/>
+              <a:buNone/>
+              <a:tabLst/>
+              <a:defRPr/>
+            </a:pPr>
+            <a:r>
+              <a:rPr lang="es-AR" sz="1200" baseline="0" dirty="0" smtClean="0">
+                <a:effectLst/>
+              </a:rPr>
+              <a:t>Que tipo de mercado </a:t>
+            </a:r>
+            <a:r>
+              <a:rPr lang="es-AR" sz="1200" baseline="0" dirty="0" err="1" smtClean="0">
+                <a:effectLst/>
+              </a:rPr>
+              <a:t>sera</a:t>
+            </a:r>
+            <a:r>
+              <a:rPr lang="es-AR" sz="1200" baseline="0" dirty="0" smtClean="0">
+                <a:effectLst/>
+              </a:rPr>
+              <a:t> el que utilice una aplicación que resuelva este tipo de necesidad? </a:t>
+            </a:r>
+            <a:r>
+              <a:rPr lang="es-AR" baseline="0" dirty="0" smtClean="0"/>
+              <a:t>Nuestro </a:t>
+            </a:r>
+            <a:r>
+              <a:rPr lang="es-AR" baseline="0" dirty="0" smtClean="0"/>
+              <a:t>target es básicamente cualquier usuario de </a:t>
+            </a:r>
+            <a:r>
+              <a:rPr lang="es-AR" baseline="0" dirty="0" err="1" smtClean="0"/>
+              <a:t>smartphone</a:t>
+            </a:r>
+            <a:r>
+              <a:rPr lang="es-AR" baseline="0" dirty="0" smtClean="0"/>
+              <a:t>, y comprendemos que los mismos t</a:t>
+            </a:r>
+            <a:r>
+              <a:rPr lang="es-ES_tradnl" sz="1200" dirty="0" err="1" smtClean="0">
+                <a:effectLst/>
+              </a:rPr>
+              <a:t>ienen</a:t>
+            </a:r>
+            <a:r>
+              <a:rPr lang="es-ES_tradnl" sz="1200" dirty="0" smtClean="0">
+                <a:effectLst/>
+              </a:rPr>
+              <a:t> mayor uso entre los jóvenes, principales interesados</a:t>
+            </a:r>
+            <a:r>
+              <a:rPr lang="es-ES_tradnl" sz="1200" baseline="0" dirty="0" smtClean="0">
+                <a:effectLst/>
+              </a:rPr>
+              <a:t> en descargar y probar aplicaciones populares</a:t>
+            </a:r>
+            <a:r>
+              <a:rPr lang="es-ES_tradnl" sz="1200" dirty="0" smtClean="0">
+                <a:effectLst/>
+              </a:rPr>
+              <a:t>.</a:t>
+            </a:r>
+          </a:p>
+          <a:p>
+            <a:pPr algn="l"/>
+            <a:endParaRPr lang="es-AR" baseline="0" dirty="0" smtClean="0"/>
+          </a:p>
+          <a:p>
+            <a:pPr algn="l"/>
+            <a:r>
+              <a:rPr lang="es-AR" baseline="0" dirty="0" smtClean="0"/>
+              <a:t>Considerando que la idea soluciona una necesidad cotidiana, y que nunca antes se ha pensado en dicho problema combinado con la </a:t>
+            </a:r>
+            <a:r>
+              <a:rPr lang="es-AR" baseline="0" dirty="0" err="1" smtClean="0"/>
+              <a:t>tecnologia</a:t>
+            </a:r>
+            <a:r>
+              <a:rPr lang="es-AR" baseline="0" dirty="0" smtClean="0"/>
+              <a:t>, podemos asegurar entonces que es una </a:t>
+            </a:r>
+            <a:r>
+              <a:rPr lang="es-AR" baseline="0" dirty="0" smtClean="0"/>
+              <a:t>idea </a:t>
+            </a:r>
+            <a:r>
+              <a:rPr lang="es-AR" baseline="0" dirty="0" smtClean="0"/>
+              <a:t>innovadora que cambiara las reglas usuales de la sociedad; por lo tanto es de impacto alto, y posee una </a:t>
+            </a:r>
+            <a:r>
+              <a:rPr lang="es-AR" baseline="0" dirty="0" err="1" smtClean="0"/>
+              <a:t>expansion</a:t>
+            </a:r>
+            <a:r>
+              <a:rPr lang="es-AR" baseline="0" dirty="0" smtClean="0"/>
+              <a:t> viral con la </a:t>
+            </a:r>
+            <a:r>
+              <a:rPr lang="es-AR" baseline="0" dirty="0" err="1" smtClean="0"/>
+              <a:t>tecnologia</a:t>
+            </a:r>
+            <a:r>
+              <a:rPr lang="es-AR" baseline="0" dirty="0" smtClean="0"/>
+              <a:t> de hoy en </a:t>
+            </a:r>
+            <a:r>
+              <a:rPr lang="es-AR" baseline="0" dirty="0" err="1" smtClean="0"/>
+              <a:t>dia</a:t>
+            </a:r>
+            <a:r>
+              <a:rPr lang="es-AR" baseline="0" dirty="0" smtClean="0"/>
+              <a:t> (siendo que la misma puede ser por ejemplo publicitada en redes sociales)</a:t>
+            </a:r>
+          </a:p>
+          <a:p>
+            <a:pPr algn="l"/>
+            <a:endParaRPr lang="es-AR" baseline="0" dirty="0" smtClean="0"/>
+          </a:p>
+          <a:p>
+            <a:pPr algn="l"/>
+            <a:endParaRPr lang="es-AR" baseline="0" dirty="0" smtClean="0"/>
           </a:p>
         </p:txBody>
       </p:sp>
@@ -1616,6 +3558,7 @@
           <a:p>
             <a:fld id="{5625E230-B123-43EB-B2A3-53965331BBB3}" type="slidenum">
               <a:rPr lang="es-AR" smtClean="0"/>
+              <a:pPr/>
               <a:t>4</a:t>
             </a:fld>
             <a:endParaRPr lang="es-AR"/>
@@ -1625,7 +3568,7 @@
     </p:spTree>
     <p:extLst>
       <p:ext uri="{BB962C8B-B14F-4D97-AF65-F5344CB8AC3E}">
-        <p14:creationId xmlns:p14="http://schemas.microsoft.com/office/powerpoint/2010/main" val="3325332095"/>
+        <p14:creationId xmlns:p14="http://schemas.microsoft.com/office/powerpoint/2010/main" xmlns="" val="84732664"/>
       </p:ext>
     </p:extLst>
   </p:cSld>
@@ -1679,188 +3622,177 @@
           <a:bodyPr/>
           <a:lstStyle/>
           <a:p>
-            <a:pPr marL="0" marR="0" indent="0" algn="l" defTabSz="914400" rtl="0" eaLnBrk="1" fontAlgn="auto" latinLnBrk="0" hangingPunct="1">
-              <a:lnSpc>
-                <a:spcPct val="100000"/>
-              </a:lnSpc>
-              <a:spcBef>
-                <a:spcPts val="0"/>
-              </a:spcBef>
-              <a:spcAft>
-                <a:spcPts val="0"/>
-              </a:spcAft>
-              <a:buClrTx/>
-              <a:buSzTx/>
-              <a:buFontTx/>
-              <a:buNone/>
-              <a:tabLst/>
-              <a:defRPr/>
-            </a:pPr>
             <a:r>
               <a:rPr lang="es-AR" dirty="0" smtClean="0"/>
-              <a:t>La</a:t>
-            </a:r>
-            <a:r>
-              <a:rPr lang="es-AR" baseline="0" dirty="0" smtClean="0"/>
-              <a:t> idea de tener una aplicación móvil que resuelva la cuestión que aquí planteamos es interesante si </a:t>
+              <a:t>Llegamos entonces a la meta de </a:t>
+            </a:r>
+            <a:r>
+              <a:rPr lang="es-AR" dirty="0" err="1" smtClean="0"/>
+              <a:t>maduracion</a:t>
             </a:r>
             <a:r>
               <a:rPr lang="es-AR" dirty="0" smtClean="0"/>
-              <a:t>comprendemos cómo ha cambiado la vida con el uso celular: educación, trabajo y su uso cotidiano. El celular se convirtió en un artículo indispensable en la vida de los adultos y cada vez más entre los niños; y es que no sólo es un medio para recibir y contestar. </a:t>
-            </a:r>
-          </a:p>
-          <a:p>
-            <a:pPr marL="0" marR="0" indent="0" algn="l" defTabSz="914400" rtl="0" eaLnBrk="1" fontAlgn="auto" latinLnBrk="0" hangingPunct="1">
-              <a:lnSpc>
-                <a:spcPct val="100000"/>
-              </a:lnSpc>
-              <a:spcBef>
-                <a:spcPts val="0"/>
-              </a:spcBef>
-              <a:spcAft>
-                <a:spcPts val="0"/>
-              </a:spcAft>
-              <a:buClrTx/>
-              <a:buSzTx/>
-              <a:buFontTx/>
-              <a:buNone/>
-              <a:tabLst/>
-              <a:defRPr/>
-            </a:pPr>
-            <a:endParaRPr lang="es-AR" dirty="0" smtClean="0"/>
-          </a:p>
-          <a:p>
-            <a:pPr marL="0" marR="0" indent="0" algn="l" defTabSz="914400" rtl="0" eaLnBrk="1" fontAlgn="auto" latinLnBrk="0" hangingPunct="1">
-              <a:lnSpc>
-                <a:spcPct val="100000"/>
-              </a:lnSpc>
-              <a:spcBef>
-                <a:spcPts val="0"/>
-              </a:spcBef>
-              <a:spcAft>
-                <a:spcPts val="0"/>
-              </a:spcAft>
-              <a:buClrTx/>
-              <a:buSzTx/>
-              <a:buFontTx/>
-              <a:buNone/>
-              <a:tabLst/>
-              <a:defRPr/>
-            </a:pPr>
-            <a:endParaRPr lang="es-AR" dirty="0" smtClean="0"/>
-          </a:p>
-          <a:p>
-            <a:pPr algn="l"/>
-            <a:r>
-              <a:rPr lang="es-ES_tradnl" sz="1200" dirty="0" smtClean="0">
-                <a:effectLst/>
-              </a:rPr>
-              <a:t>El teléfono celular es un centro de entretenimiento</a:t>
-            </a:r>
-            <a:r>
-              <a:rPr lang="es-ES_tradnl" sz="1200" baseline="0" dirty="0" smtClean="0">
-                <a:effectLst/>
-              </a:rPr>
-              <a:t>, nosotros proponemos que también sea el instrumento que nos facilite la vida. </a:t>
-            </a:r>
-          </a:p>
-          <a:p>
-            <a:pPr algn="l"/>
-            <a:endParaRPr lang="es-ES_tradnl" sz="1200" dirty="0" smtClean="0">
-              <a:effectLst/>
-            </a:endParaRPr>
-          </a:p>
-          <a:p>
-            <a:pPr marL="0" marR="0" indent="0" algn="l" defTabSz="914400" rtl="0" eaLnBrk="1" fontAlgn="auto" latinLnBrk="0" hangingPunct="1">
-              <a:lnSpc>
-                <a:spcPct val="100000"/>
-              </a:lnSpc>
-              <a:spcBef>
-                <a:spcPts val="0"/>
-              </a:spcBef>
-              <a:spcAft>
-                <a:spcPts val="0"/>
-              </a:spcAft>
-              <a:buClrTx/>
-              <a:buSzTx/>
-              <a:buFontTx/>
-              <a:buNone/>
-              <a:tabLst/>
-              <a:defRPr/>
-            </a:pPr>
-            <a:r>
-              <a:rPr lang="es-AR" baseline="0" dirty="0" smtClean="0"/>
-              <a:t>Nuestro target es básicamente cualquier usuario de </a:t>
+              <a:t> de la idea. A esta altura tenemos planteada una necesidad diaria, y la idea de</a:t>
+            </a:r>
+            <a:r>
+              <a:rPr lang="es-AR" baseline="0" dirty="0" smtClean="0"/>
+              <a:t> solucionarla utilizando </a:t>
             </a:r>
             <a:r>
               <a:rPr lang="es-AR" baseline="0" dirty="0" err="1" smtClean="0"/>
-              <a:t>smartphone</a:t>
-            </a:r>
-            <a:r>
-              <a:rPr lang="es-AR" baseline="0" dirty="0" smtClean="0"/>
-              <a:t>, y comprendemos que los mismos t</a:t>
-            </a:r>
-            <a:r>
-              <a:rPr lang="es-ES_tradnl" sz="1200" dirty="0" err="1" smtClean="0">
-                <a:effectLst/>
-              </a:rPr>
-              <a:t>ienen</a:t>
-            </a:r>
-            <a:r>
-              <a:rPr lang="es-ES_tradnl" sz="1200" dirty="0" smtClean="0">
-                <a:effectLst/>
-              </a:rPr>
-              <a:t> mayor uso entre los jóvenes, principales interesados</a:t>
-            </a:r>
-            <a:r>
-              <a:rPr lang="es-ES_tradnl" sz="1200" baseline="0" dirty="0" smtClean="0">
-                <a:effectLst/>
-              </a:rPr>
-              <a:t> en descargar y probar aplicaciones populares</a:t>
-            </a:r>
-            <a:r>
-              <a:rPr lang="es-ES_tradnl" sz="1200" dirty="0" smtClean="0">
-                <a:effectLst/>
-              </a:rPr>
-              <a:t>.</a:t>
-            </a:r>
-          </a:p>
-          <a:p>
-            <a:pPr marL="0" marR="0" indent="0" algn="l" defTabSz="914400" rtl="0" eaLnBrk="1" fontAlgn="auto" latinLnBrk="0" hangingPunct="1">
-              <a:lnSpc>
-                <a:spcPct val="100000"/>
-              </a:lnSpc>
-              <a:spcBef>
-                <a:spcPts val="0"/>
-              </a:spcBef>
-              <a:spcAft>
-                <a:spcPts val="0"/>
-              </a:spcAft>
-              <a:buClrTx/>
-              <a:buSzTx/>
-              <a:buFontTx/>
-              <a:buNone/>
-              <a:tabLst/>
-              <a:defRPr/>
-            </a:pPr>
-            <a:endParaRPr lang="es-ES_tradnl" sz="1200" dirty="0" smtClean="0">
-              <a:effectLst/>
-            </a:endParaRPr>
-          </a:p>
-          <a:p>
-            <a:pPr algn="l"/>
-            <a:r>
-              <a:rPr lang="es-AR" baseline="0" dirty="0" smtClean="0"/>
-              <a:t>Tengamos en cuenta que una idea innovadora como esta tiene alto impacto, es de rápida </a:t>
+              <a:t>tecnologia</a:t>
+            </a:r>
+            <a:r>
+              <a:rPr lang="es-AR" baseline="0" dirty="0" smtClean="0"/>
+              <a:t>, en este caso de tipo </a:t>
             </a:r>
             <a:r>
               <a:rPr lang="es-AR" baseline="0" dirty="0" err="1" smtClean="0"/>
-              <a:t>viralización</a:t>
-            </a:r>
-            <a:r>
-              <a:rPr lang="es-AR" baseline="0" dirty="0" smtClean="0"/>
-              <a:t> especialmente si es publicitada en redes sociales.</a:t>
-            </a:r>
+              <a:t>mobile</a:t>
+            </a:r>
+            <a:r>
+              <a:rPr lang="es-AR" baseline="0" dirty="0" smtClean="0"/>
+              <a:t> por sus cualidades “sociales” y cotidianas.</a:t>
+            </a:r>
+          </a:p>
+          <a:p>
+            <a:r>
+              <a:rPr lang="es-AR" baseline="0" dirty="0" smtClean="0"/>
+              <a:t/>
+            </a:r>
+            <a:br>
+              <a:rPr lang="es-AR" baseline="0" dirty="0" smtClean="0"/>
+            </a:br>
+            <a:r>
+              <a:rPr lang="es-AR" baseline="0" dirty="0" smtClean="0"/>
+              <a:t>Por lo tanto, como vamos a resolverlo?</a:t>
+            </a:r>
+          </a:p>
+          <a:p>
+            <a:endParaRPr lang="es-AR" baseline="0" dirty="0" smtClean="0"/>
+          </a:p>
+          <a:p>
+            <a:r>
+              <a:rPr lang="es-AR" baseline="0" dirty="0" smtClean="0"/>
+              <a:t>Nuestro proyecto encara el desarrollo de una aplicación </a:t>
+            </a:r>
+            <a:r>
+              <a:rPr lang="es-AR" baseline="0" dirty="0" err="1" smtClean="0"/>
+              <a:t>mobile</a:t>
+            </a:r>
+            <a:r>
+              <a:rPr lang="es-AR" baseline="0" dirty="0" smtClean="0"/>
+              <a:t> para </a:t>
+            </a:r>
+            <a:r>
+              <a:rPr lang="es-AR" baseline="0" dirty="0" err="1" smtClean="0"/>
+              <a:t>localizacion</a:t>
+            </a:r>
+            <a:r>
+              <a:rPr lang="es-AR" baseline="0" dirty="0" smtClean="0"/>
+              <a:t> de </a:t>
+            </a:r>
+            <a:r>
+              <a:rPr lang="es-AR" baseline="0" dirty="0" err="1" smtClean="0"/>
+              <a:t>banios</a:t>
+            </a:r>
+            <a:r>
+              <a:rPr lang="es-AR" baseline="0" dirty="0" smtClean="0"/>
+              <a:t>. Como </a:t>
+            </a:r>
+            <a:r>
+              <a:rPr lang="es-AR" baseline="0" dirty="0" err="1" smtClean="0"/>
+              <a:t>caracteristica</a:t>
+            </a:r>
+            <a:r>
+              <a:rPr lang="es-AR" baseline="0" dirty="0" smtClean="0"/>
+              <a:t> principal, encuentra aquellas facilidades mas cercanas al lugar donde uno se encuentra.</a:t>
+            </a:r>
+          </a:p>
+          <a:p>
+            <a:endParaRPr lang="es-AR" baseline="0" dirty="0" smtClean="0"/>
+          </a:p>
+          <a:p>
+            <a:r>
+              <a:rPr lang="es-AR" baseline="0" dirty="0" smtClean="0"/>
+              <a:t>Que difiere esto de preguntarle a un desconocido en la calle?</a:t>
+            </a:r>
+          </a:p>
+          <a:p>
+            <a:endParaRPr lang="es-AR" baseline="0" dirty="0" smtClean="0"/>
+          </a:p>
+          <a:p>
+            <a:r>
+              <a:rPr lang="es-AR" baseline="0" dirty="0" smtClean="0"/>
+              <a:t>Rara vez alguien </a:t>
+            </a:r>
+            <a:r>
+              <a:rPr lang="es-AR" baseline="0" dirty="0" err="1" smtClean="0"/>
+              <a:t>podra</a:t>
+            </a:r>
+            <a:r>
+              <a:rPr lang="es-AR" baseline="0" dirty="0" smtClean="0"/>
+              <a:t> comentarnos </a:t>
+            </a:r>
+            <a:r>
+              <a:rPr lang="es-AR" baseline="0" dirty="0" err="1" smtClean="0"/>
+              <a:t>rapidamente</a:t>
+            </a:r>
+            <a:r>
+              <a:rPr lang="es-AR" baseline="0" dirty="0" smtClean="0"/>
+              <a:t> con que facilidades y </a:t>
+            </a:r>
+            <a:r>
+              <a:rPr lang="es-AR" baseline="0" dirty="0" err="1" smtClean="0"/>
+              <a:t>caracteristicas</a:t>
+            </a:r>
+            <a:r>
+              <a:rPr lang="es-AR" baseline="0" dirty="0" smtClean="0"/>
+              <a:t> cuenta el </a:t>
+            </a:r>
+            <a:r>
+              <a:rPr lang="es-AR" baseline="0" dirty="0" err="1" smtClean="0"/>
+              <a:t>banio</a:t>
+            </a:r>
+            <a:r>
+              <a:rPr lang="es-AR" baseline="0" dirty="0" smtClean="0"/>
+              <a:t> para que podamos realizar un </a:t>
+            </a:r>
+            <a:r>
+              <a:rPr lang="es-AR" baseline="0" dirty="0" err="1" smtClean="0"/>
+              <a:t>analisis</a:t>
+            </a:r>
+            <a:r>
+              <a:rPr lang="es-AR" baseline="0" dirty="0" smtClean="0"/>
+              <a:t> de si es el indicado o no. El producto que ofrecemos, posee la funcionalidad de detallarte de forma </a:t>
+            </a:r>
+            <a:r>
+              <a:rPr lang="es-AR" baseline="0" dirty="0" err="1" smtClean="0"/>
+              <a:t>minimal</a:t>
+            </a:r>
+            <a:r>
+              <a:rPr lang="es-AR" baseline="0" dirty="0" smtClean="0"/>
+              <a:t> para su </a:t>
+            </a:r>
+            <a:r>
+              <a:rPr lang="es-AR" baseline="0" dirty="0" err="1" smtClean="0"/>
+              <a:t>rapida</a:t>
+            </a:r>
+            <a:r>
+              <a:rPr lang="es-AR" baseline="0" dirty="0" smtClean="0"/>
+              <a:t> </a:t>
+            </a:r>
+            <a:r>
+              <a:rPr lang="es-AR" baseline="0" dirty="0" err="1" smtClean="0"/>
+              <a:t>comprension</a:t>
+            </a:r>
+            <a:r>
+              <a:rPr lang="es-AR" baseline="0" dirty="0" smtClean="0"/>
+              <a:t>, todo aquello que una persona pudiese estar interesado para decidir al utilizar un sanitario; como por ejemplo si es limpio el sanitario, si posee cambiador de bebes, si es apto para discapacitados, etc.</a:t>
+            </a:r>
+          </a:p>
+          <a:p>
+            <a:endParaRPr lang="es-AR" baseline="0" dirty="0" smtClean="0"/>
           </a:p>
         </p:txBody>
       </p:sp>
@@ -1881,6 +3813,7 @@
           <a:p>
             <a:fld id="{5625E230-B123-43EB-B2A3-53965331BBB3}" type="slidenum">
               <a:rPr lang="es-AR" smtClean="0"/>
+              <a:pPr/>
               <a:t>5</a:t>
             </a:fld>
             <a:endParaRPr lang="es-AR"/>
@@ -1890,7 +3823,7 @@
     </p:spTree>
     <p:extLst>
       <p:ext uri="{BB962C8B-B14F-4D97-AF65-F5344CB8AC3E}">
-        <p14:creationId xmlns:p14="http://schemas.microsoft.com/office/powerpoint/2010/main" val="84732664"/>
+        <p14:creationId xmlns:p14="http://schemas.microsoft.com/office/powerpoint/2010/main" xmlns="" val="3325332095"/>
       </p:ext>
     </p:extLst>
   </p:cSld>
@@ -1997,6 +3930,7 @@
           <a:p>
             <a:fld id="{5625E230-B123-43EB-B2A3-53965331BBB3}" type="slidenum">
               <a:rPr lang="es-AR" smtClean="0"/>
+              <a:pPr/>
               <a:t>6</a:t>
             </a:fld>
             <a:endParaRPr lang="es-AR"/>
@@ -2006,7 +3940,7 @@
     </p:spTree>
     <p:extLst>
       <p:ext uri="{BB962C8B-B14F-4D97-AF65-F5344CB8AC3E}">
-        <p14:creationId xmlns:p14="http://schemas.microsoft.com/office/powerpoint/2010/main" val="448154425"/>
+        <p14:creationId xmlns:p14="http://schemas.microsoft.com/office/powerpoint/2010/main" xmlns="" val="448154425"/>
       </p:ext>
     </p:extLst>
   </p:cSld>
@@ -2200,6 +4134,7 @@
           <a:p>
             <a:fld id="{5625E230-B123-43EB-B2A3-53965331BBB3}" type="slidenum">
               <a:rPr lang="es-AR" smtClean="0"/>
+              <a:pPr/>
               <a:t>7</a:t>
             </a:fld>
             <a:endParaRPr lang="es-AR"/>
@@ -2209,7 +4144,7 @@
     </p:spTree>
     <p:extLst>
       <p:ext uri="{BB962C8B-B14F-4D97-AF65-F5344CB8AC3E}">
-        <p14:creationId xmlns:p14="http://schemas.microsoft.com/office/powerpoint/2010/main" val="3003342862"/>
+        <p14:creationId xmlns:p14="http://schemas.microsoft.com/office/powerpoint/2010/main" xmlns="" val="3003342862"/>
       </p:ext>
     </p:extLst>
   </p:cSld>
@@ -2547,31 +4482,7 @@
                 <a:ea typeface="+mn-ea"/>
                 <a:cs typeface="+mn-cs"/>
               </a:rPr>
-              <a:t> los 2 años de 7 millones y medio de </a:t>
-            </a:r>
-            <a:r>
-              <a:rPr lang="es-AR" sz="1200" b="0" i="0" kern="1200" baseline="0" dirty="0" smtClean="0">
-                <a:solidFill>
-                  <a:schemeClr val="tx1"/>
-                </a:solidFill>
-                <a:effectLst/>
-                <a:latin typeface="+mn-lt"/>
-                <a:ea typeface="+mn-ea"/>
-                <a:cs typeface="+mn-cs"/>
-              </a:rPr>
-              <a:t>dólares </a:t>
-            </a:r>
-            <a:r>
-              <a:rPr lang="es-AR" sz="1200" b="0" i="0" kern="1200" baseline="0" dirty="0" smtClean="0">
-                <a:solidFill>
-                  <a:schemeClr val="tx1"/>
-                </a:solidFill>
-                <a:effectLst/>
-                <a:latin typeface="+mn-lt"/>
-                <a:ea typeface="+mn-ea"/>
-                <a:cs typeface="+mn-cs"/>
-              </a:rPr>
-              <a:t>al mes, teniendo en cuenta los mismos precios para las publicidades que en el escenario anterior. Como pueden ver, un gran negocio.</a:t>
+              <a:t> los 2 años de 7 millones y medio de dólares al mes, teniendo en cuenta los mismos precios para las publicidades que en el escenario anterior. Como pueden ver, un gran negocio.</a:t>
             </a:r>
           </a:p>
           <a:p>
@@ -2677,6 +4588,7 @@
           <a:p>
             <a:fld id="{5625E230-B123-43EB-B2A3-53965331BBB3}" type="slidenum">
               <a:rPr lang="es-AR" smtClean="0"/>
+              <a:pPr/>
               <a:t>8</a:t>
             </a:fld>
             <a:endParaRPr lang="es-AR"/>
@@ -2686,7 +4598,7 @@
     </p:spTree>
     <p:extLst>
       <p:ext uri="{BB962C8B-B14F-4D97-AF65-F5344CB8AC3E}">
-        <p14:creationId xmlns:p14="http://schemas.microsoft.com/office/powerpoint/2010/main" val="3000085410"/>
+        <p14:creationId xmlns:p14="http://schemas.microsoft.com/office/powerpoint/2010/main" xmlns="" val="3000085410"/>
       </p:ext>
     </p:extLst>
   </p:cSld>
@@ -2761,6 +4673,7 @@
           <a:p>
             <a:fld id="{5625E230-B123-43EB-B2A3-53965331BBB3}" type="slidenum">
               <a:rPr lang="es-AR" smtClean="0"/>
+              <a:pPr/>
               <a:t>9</a:t>
             </a:fld>
             <a:endParaRPr lang="es-AR"/>
@@ -2770,7 +4683,7 @@
     </p:spTree>
     <p:extLst>
       <p:ext uri="{BB962C8B-B14F-4D97-AF65-F5344CB8AC3E}">
-        <p14:creationId xmlns:p14="http://schemas.microsoft.com/office/powerpoint/2010/main" val="1057133531"/>
+        <p14:creationId xmlns:p14="http://schemas.microsoft.com/office/powerpoint/2010/main" xmlns="" val="1057133531"/>
       </p:ext>
     </p:extLst>
   </p:cSld>
@@ -2961,7 +4874,8 @@
           <a:p>
             <a:fld id="{A7BD7AA0-4159-4CB0-B2DE-5811B6B83B79}" type="datetimeFigureOut">
               <a:rPr lang="es-AR" smtClean="0"/>
-              <a:t>28/07/2013</a:t>
+              <a:pPr/>
+              <a:t>03/08/2013</a:t>
             </a:fld>
             <a:endParaRPr lang="es-AR"/>
           </a:p>
@@ -3003,7 +4917,8 @@
           <a:p>
             <a:fld id="{6165A59F-90C2-4CE1-930A-E430CB683E84}" type="slidenum">
               <a:rPr lang="es-AR" smtClean="0"/>
-              <a:t>‹#›</a:t>
+              <a:pPr/>
+              <a:t>‹Nº›</a:t>
             </a:fld>
             <a:endParaRPr lang="es-AR"/>
           </a:p>
@@ -3012,7 +4927,7 @@
     </p:spTree>
     <p:extLst>
       <p:ext uri="{BB962C8B-B14F-4D97-AF65-F5344CB8AC3E}">
-        <p14:creationId xmlns:p14="http://schemas.microsoft.com/office/powerpoint/2010/main" val="4071340637"/>
+        <p14:creationId xmlns:p14="http://schemas.microsoft.com/office/powerpoint/2010/main" xmlns="" val="4071340637"/>
       </p:ext>
     </p:extLst>
   </p:cSld>
@@ -3131,7 +5046,8 @@
           <a:p>
             <a:fld id="{A7BD7AA0-4159-4CB0-B2DE-5811B6B83B79}" type="datetimeFigureOut">
               <a:rPr lang="es-AR" smtClean="0"/>
-              <a:t>28/07/2013</a:t>
+              <a:pPr/>
+              <a:t>03/08/2013</a:t>
             </a:fld>
             <a:endParaRPr lang="es-AR"/>
           </a:p>
@@ -3173,7 +5089,8 @@
           <a:p>
             <a:fld id="{6165A59F-90C2-4CE1-930A-E430CB683E84}" type="slidenum">
               <a:rPr lang="es-AR" smtClean="0"/>
-              <a:t>‹#›</a:t>
+              <a:pPr/>
+              <a:t>‹Nº›</a:t>
             </a:fld>
             <a:endParaRPr lang="es-AR"/>
           </a:p>
@@ -3182,7 +5099,7 @@
     </p:spTree>
     <p:extLst>
       <p:ext uri="{BB962C8B-B14F-4D97-AF65-F5344CB8AC3E}">
-        <p14:creationId xmlns:p14="http://schemas.microsoft.com/office/powerpoint/2010/main" val="1409430677"/>
+        <p14:creationId xmlns:p14="http://schemas.microsoft.com/office/powerpoint/2010/main" xmlns="" val="1409430677"/>
       </p:ext>
     </p:extLst>
   </p:cSld>
@@ -3311,7 +5228,8 @@
           <a:p>
             <a:fld id="{A7BD7AA0-4159-4CB0-B2DE-5811B6B83B79}" type="datetimeFigureOut">
               <a:rPr lang="es-AR" smtClean="0"/>
-              <a:t>28/07/2013</a:t>
+              <a:pPr/>
+              <a:t>03/08/2013</a:t>
             </a:fld>
             <a:endParaRPr lang="es-AR"/>
           </a:p>
@@ -3353,7 +5271,8 @@
           <a:p>
             <a:fld id="{6165A59F-90C2-4CE1-930A-E430CB683E84}" type="slidenum">
               <a:rPr lang="es-AR" smtClean="0"/>
-              <a:t>‹#›</a:t>
+              <a:pPr/>
+              <a:t>‹Nº›</a:t>
             </a:fld>
             <a:endParaRPr lang="es-AR"/>
           </a:p>
@@ -3362,7 +5281,7 @@
     </p:spTree>
     <p:extLst>
       <p:ext uri="{BB962C8B-B14F-4D97-AF65-F5344CB8AC3E}">
-        <p14:creationId xmlns:p14="http://schemas.microsoft.com/office/powerpoint/2010/main" val="162565899"/>
+        <p14:creationId xmlns:p14="http://schemas.microsoft.com/office/powerpoint/2010/main" xmlns="" val="162565899"/>
       </p:ext>
     </p:extLst>
   </p:cSld>
@@ -3481,7 +5400,8 @@
           <a:p>
             <a:fld id="{A7BD7AA0-4159-4CB0-B2DE-5811B6B83B79}" type="datetimeFigureOut">
               <a:rPr lang="es-AR" smtClean="0"/>
-              <a:t>28/07/2013</a:t>
+              <a:pPr/>
+              <a:t>03/08/2013</a:t>
             </a:fld>
             <a:endParaRPr lang="es-AR"/>
           </a:p>
@@ -3523,7 +5443,8 @@
           <a:p>
             <a:fld id="{6165A59F-90C2-4CE1-930A-E430CB683E84}" type="slidenum">
               <a:rPr lang="es-AR" smtClean="0"/>
-              <a:t>‹#›</a:t>
+              <a:pPr/>
+              <a:t>‹Nº›</a:t>
             </a:fld>
             <a:endParaRPr lang="es-AR"/>
           </a:p>
@@ -3532,7 +5453,7 @@
     </p:spTree>
     <p:extLst>
       <p:ext uri="{BB962C8B-B14F-4D97-AF65-F5344CB8AC3E}">
-        <p14:creationId xmlns:p14="http://schemas.microsoft.com/office/powerpoint/2010/main" val="1601180198"/>
+        <p14:creationId xmlns:p14="http://schemas.microsoft.com/office/powerpoint/2010/main" xmlns="" val="1601180198"/>
       </p:ext>
     </p:extLst>
   </p:cSld>
@@ -3727,7 +5648,8 @@
           <a:p>
             <a:fld id="{A7BD7AA0-4159-4CB0-B2DE-5811B6B83B79}" type="datetimeFigureOut">
               <a:rPr lang="es-AR" smtClean="0"/>
-              <a:t>28/07/2013</a:t>
+              <a:pPr/>
+              <a:t>03/08/2013</a:t>
             </a:fld>
             <a:endParaRPr lang="es-AR"/>
           </a:p>
@@ -3769,7 +5691,8 @@
           <a:p>
             <a:fld id="{6165A59F-90C2-4CE1-930A-E430CB683E84}" type="slidenum">
               <a:rPr lang="es-AR" smtClean="0"/>
-              <a:t>‹#›</a:t>
+              <a:pPr/>
+              <a:t>‹Nº›</a:t>
             </a:fld>
             <a:endParaRPr lang="es-AR"/>
           </a:p>
@@ -3778,7 +5701,7 @@
     </p:spTree>
     <p:extLst>
       <p:ext uri="{BB962C8B-B14F-4D97-AF65-F5344CB8AC3E}">
-        <p14:creationId xmlns:p14="http://schemas.microsoft.com/office/powerpoint/2010/main" val="472115813"/>
+        <p14:creationId xmlns:p14="http://schemas.microsoft.com/office/powerpoint/2010/main" xmlns="" val="472115813"/>
       </p:ext>
     </p:extLst>
   </p:cSld>
@@ -4015,7 +5938,8 @@
           <a:p>
             <a:fld id="{A7BD7AA0-4159-4CB0-B2DE-5811B6B83B79}" type="datetimeFigureOut">
               <a:rPr lang="es-AR" smtClean="0"/>
-              <a:t>28/07/2013</a:t>
+              <a:pPr/>
+              <a:t>03/08/2013</a:t>
             </a:fld>
             <a:endParaRPr lang="es-AR"/>
           </a:p>
@@ -4057,7 +5981,8 @@
           <a:p>
             <a:fld id="{6165A59F-90C2-4CE1-930A-E430CB683E84}" type="slidenum">
               <a:rPr lang="es-AR" smtClean="0"/>
-              <a:t>‹#›</a:t>
+              <a:pPr/>
+              <a:t>‹Nº›</a:t>
             </a:fld>
             <a:endParaRPr lang="es-AR"/>
           </a:p>
@@ -4066,7 +5991,7 @@
     </p:spTree>
     <p:extLst>
       <p:ext uri="{BB962C8B-B14F-4D97-AF65-F5344CB8AC3E}">
-        <p14:creationId xmlns:p14="http://schemas.microsoft.com/office/powerpoint/2010/main" val="593189153"/>
+        <p14:creationId xmlns:p14="http://schemas.microsoft.com/office/powerpoint/2010/main" xmlns="" val="593189153"/>
       </p:ext>
     </p:extLst>
   </p:cSld>
@@ -4437,7 +6362,8 @@
           <a:p>
             <a:fld id="{A7BD7AA0-4159-4CB0-B2DE-5811B6B83B79}" type="datetimeFigureOut">
               <a:rPr lang="es-AR" smtClean="0"/>
-              <a:t>28/07/2013</a:t>
+              <a:pPr/>
+              <a:t>03/08/2013</a:t>
             </a:fld>
             <a:endParaRPr lang="es-AR"/>
           </a:p>
@@ -4479,7 +6405,8 @@
           <a:p>
             <a:fld id="{6165A59F-90C2-4CE1-930A-E430CB683E84}" type="slidenum">
               <a:rPr lang="es-AR" smtClean="0"/>
-              <a:t>‹#›</a:t>
+              <a:pPr/>
+              <a:t>‹Nº›</a:t>
             </a:fld>
             <a:endParaRPr lang="es-AR"/>
           </a:p>
@@ -4488,7 +6415,7 @@
     </p:spTree>
     <p:extLst>
       <p:ext uri="{BB962C8B-B14F-4D97-AF65-F5344CB8AC3E}">
-        <p14:creationId xmlns:p14="http://schemas.microsoft.com/office/powerpoint/2010/main" val="4057715406"/>
+        <p14:creationId xmlns:p14="http://schemas.microsoft.com/office/powerpoint/2010/main" xmlns="" val="4057715406"/>
       </p:ext>
     </p:extLst>
   </p:cSld>
@@ -4555,7 +6482,8 @@
           <a:p>
             <a:fld id="{A7BD7AA0-4159-4CB0-B2DE-5811B6B83B79}" type="datetimeFigureOut">
               <a:rPr lang="es-AR" smtClean="0"/>
-              <a:t>28/07/2013</a:t>
+              <a:pPr/>
+              <a:t>03/08/2013</a:t>
             </a:fld>
             <a:endParaRPr lang="es-AR"/>
           </a:p>
@@ -4597,7 +6525,8 @@
           <a:p>
             <a:fld id="{6165A59F-90C2-4CE1-930A-E430CB683E84}" type="slidenum">
               <a:rPr lang="es-AR" smtClean="0"/>
-              <a:t>‹#›</a:t>
+              <a:pPr/>
+              <a:t>‹Nº›</a:t>
             </a:fld>
             <a:endParaRPr lang="es-AR"/>
           </a:p>
@@ -4606,7 +6535,7 @@
     </p:spTree>
     <p:extLst>
       <p:ext uri="{BB962C8B-B14F-4D97-AF65-F5344CB8AC3E}">
-        <p14:creationId xmlns:p14="http://schemas.microsoft.com/office/powerpoint/2010/main" val="3412129552"/>
+        <p14:creationId xmlns:p14="http://schemas.microsoft.com/office/powerpoint/2010/main" xmlns="" val="3412129552"/>
       </p:ext>
     </p:extLst>
   </p:cSld>
@@ -4650,7 +6579,8 @@
           <a:p>
             <a:fld id="{A7BD7AA0-4159-4CB0-B2DE-5811B6B83B79}" type="datetimeFigureOut">
               <a:rPr lang="es-AR" smtClean="0"/>
-              <a:t>28/07/2013</a:t>
+              <a:pPr/>
+              <a:t>03/08/2013</a:t>
             </a:fld>
             <a:endParaRPr lang="es-AR"/>
           </a:p>
@@ -4692,7 +6622,8 @@
           <a:p>
             <a:fld id="{6165A59F-90C2-4CE1-930A-E430CB683E84}" type="slidenum">
               <a:rPr lang="es-AR" smtClean="0"/>
-              <a:t>‹#›</a:t>
+              <a:pPr/>
+              <a:t>‹Nº›</a:t>
             </a:fld>
             <a:endParaRPr lang="es-AR"/>
           </a:p>
@@ -4701,7 +6632,7 @@
     </p:spTree>
     <p:extLst>
       <p:ext uri="{BB962C8B-B14F-4D97-AF65-F5344CB8AC3E}">
-        <p14:creationId xmlns:p14="http://schemas.microsoft.com/office/powerpoint/2010/main" val="2648432124"/>
+        <p14:creationId xmlns:p14="http://schemas.microsoft.com/office/powerpoint/2010/main" xmlns="" val="2648432124"/>
       </p:ext>
     </p:extLst>
   </p:cSld>
@@ -4927,7 +6858,8 @@
           <a:p>
             <a:fld id="{A7BD7AA0-4159-4CB0-B2DE-5811B6B83B79}" type="datetimeFigureOut">
               <a:rPr lang="es-AR" smtClean="0"/>
-              <a:t>28/07/2013</a:t>
+              <a:pPr/>
+              <a:t>03/08/2013</a:t>
             </a:fld>
             <a:endParaRPr lang="es-AR"/>
           </a:p>
@@ -4969,7 +6901,8 @@
           <a:p>
             <a:fld id="{6165A59F-90C2-4CE1-930A-E430CB683E84}" type="slidenum">
               <a:rPr lang="es-AR" smtClean="0"/>
-              <a:t>‹#›</a:t>
+              <a:pPr/>
+              <a:t>‹Nº›</a:t>
             </a:fld>
             <a:endParaRPr lang="es-AR"/>
           </a:p>
@@ -4978,7 +6911,7 @@
     </p:spTree>
     <p:extLst>
       <p:ext uri="{BB962C8B-B14F-4D97-AF65-F5344CB8AC3E}">
-        <p14:creationId xmlns:p14="http://schemas.microsoft.com/office/powerpoint/2010/main" val="47927167"/>
+        <p14:creationId xmlns:p14="http://schemas.microsoft.com/office/powerpoint/2010/main" xmlns="" val="47927167"/>
       </p:ext>
     </p:extLst>
   </p:cSld>
@@ -5180,7 +7113,8 @@
           <a:p>
             <a:fld id="{A7BD7AA0-4159-4CB0-B2DE-5811B6B83B79}" type="datetimeFigureOut">
               <a:rPr lang="es-AR" smtClean="0"/>
-              <a:t>28/07/2013</a:t>
+              <a:pPr/>
+              <a:t>03/08/2013</a:t>
             </a:fld>
             <a:endParaRPr lang="es-AR"/>
           </a:p>
@@ -5222,7 +7156,8 @@
           <a:p>
             <a:fld id="{6165A59F-90C2-4CE1-930A-E430CB683E84}" type="slidenum">
               <a:rPr lang="es-AR" smtClean="0"/>
-              <a:t>‹#›</a:t>
+              <a:pPr/>
+              <a:t>‹Nº›</a:t>
             </a:fld>
             <a:endParaRPr lang="es-AR"/>
           </a:p>
@@ -5231,7 +7166,7 @@
     </p:spTree>
     <p:extLst>
       <p:ext uri="{BB962C8B-B14F-4D97-AF65-F5344CB8AC3E}">
-        <p14:creationId xmlns:p14="http://schemas.microsoft.com/office/powerpoint/2010/main" val="150690754"/>
+        <p14:creationId xmlns:p14="http://schemas.microsoft.com/office/powerpoint/2010/main" xmlns="" val="150690754"/>
       </p:ext>
     </p:extLst>
   </p:cSld>
@@ -5393,7 +7328,8 @@
           <a:p>
             <a:fld id="{A7BD7AA0-4159-4CB0-B2DE-5811B6B83B79}" type="datetimeFigureOut">
               <a:rPr lang="es-AR" smtClean="0"/>
-              <a:t>28/07/2013</a:t>
+              <a:pPr/>
+              <a:t>03/08/2013</a:t>
             </a:fld>
             <a:endParaRPr lang="es-AR"/>
           </a:p>
@@ -5471,7 +7407,8 @@
           <a:p>
             <a:fld id="{6165A59F-90C2-4CE1-930A-E430CB683E84}" type="slidenum">
               <a:rPr lang="es-AR" smtClean="0"/>
-              <a:t>‹#›</a:t>
+              <a:pPr/>
+              <a:t>‹Nº›</a:t>
             </a:fld>
             <a:endParaRPr lang="es-AR"/>
           </a:p>
@@ -5480,7 +7417,7 @@
     </p:spTree>
     <p:extLst>
       <p:ext uri="{BB962C8B-B14F-4D97-AF65-F5344CB8AC3E}">
-        <p14:creationId xmlns:p14="http://schemas.microsoft.com/office/powerpoint/2010/main" val="3745856367"/>
+        <p14:creationId xmlns:p14="http://schemas.microsoft.com/office/powerpoint/2010/main" xmlns="" val="3745856367"/>
       </p:ext>
     </p:extLst>
   </p:cSld>
@@ -5825,7 +7762,7 @@
     </p:spTree>
     <p:extLst>
       <p:ext uri="{BB962C8B-B14F-4D97-AF65-F5344CB8AC3E}">
-        <p14:creationId xmlns:p14="http://schemas.microsoft.com/office/powerpoint/2010/main" val="2180121556"/>
+        <p14:creationId xmlns:p14="http://schemas.microsoft.com/office/powerpoint/2010/main" xmlns="" val="2180121556"/>
       </p:ext>
     </p:extLst>
   </p:cSld>
@@ -5893,10 +7830,10 @@
           </p:nvPr>
         </p:nvPicPr>
         <p:blipFill>
-          <a:blip r:embed="rId2">
+          <a:blip r:embed="rId3">
             <a:extLst>
               <a:ext uri="{28A0092B-C50C-407E-A947-70E740481C1C}">
-                <a14:useLocalDpi xmlns:a14="http://schemas.microsoft.com/office/drawing/2010/main" val="0"/>
+                <a14:useLocalDpi xmlns:a14="http://schemas.microsoft.com/office/drawing/2010/main" xmlns="" val="0"/>
               </a:ext>
             </a:extLst>
           </a:blip>
@@ -5914,7 +7851,7 @@
     </p:spTree>
     <p:extLst>
       <p:ext uri="{BB962C8B-B14F-4D97-AF65-F5344CB8AC3E}">
-        <p14:creationId xmlns:p14="http://schemas.microsoft.com/office/powerpoint/2010/main" val="1183574876"/>
+        <p14:creationId xmlns:p14="http://schemas.microsoft.com/office/powerpoint/2010/main" xmlns="" val="1183574876"/>
       </p:ext>
     </p:extLst>
   </p:cSld>
@@ -5960,7 +7897,7 @@
           <a:blip r:embed="rId2" cstate="print">
             <a:extLst>
               <a:ext uri="{28A0092B-C50C-407E-A947-70E740481C1C}">
-                <a14:useLocalDpi xmlns:a14="http://schemas.microsoft.com/office/drawing/2010/main" val="0"/>
+                <a14:useLocalDpi xmlns:a14="http://schemas.microsoft.com/office/drawing/2010/main" xmlns="" val="0"/>
               </a:ext>
             </a:extLst>
           </a:blip>
@@ -5981,7 +7918,7 @@
     </p:spTree>
     <p:extLst>
       <p:ext uri="{BB962C8B-B14F-4D97-AF65-F5344CB8AC3E}">
-        <p14:creationId xmlns:p14="http://schemas.microsoft.com/office/powerpoint/2010/main" val="4096827736"/>
+        <p14:creationId xmlns:p14="http://schemas.microsoft.com/office/powerpoint/2010/main" xmlns="" val="4096827736"/>
       </p:ext>
     </p:extLst>
   </p:cSld>
@@ -6050,7 +7987,7 @@
           <a:blip r:embed="rId3">
             <a:extLst>
               <a:ext uri="{28A0092B-C50C-407E-A947-70E740481C1C}">
-                <a14:useLocalDpi xmlns:a14="http://schemas.microsoft.com/office/drawing/2010/main" val="0"/>
+                <a14:useLocalDpi xmlns:a14="http://schemas.microsoft.com/office/drawing/2010/main" xmlns="" val="0"/>
               </a:ext>
             </a:extLst>
           </a:blip>
@@ -6071,7 +8008,7 @@
     </p:spTree>
     <p:extLst>
       <p:ext uri="{BB962C8B-B14F-4D97-AF65-F5344CB8AC3E}">
-        <p14:creationId xmlns:p14="http://schemas.microsoft.com/office/powerpoint/2010/main" val="3085539111"/>
+        <p14:creationId xmlns:p14="http://schemas.microsoft.com/office/powerpoint/2010/main" xmlns="" val="3085539111"/>
       </p:ext>
     </p:extLst>
   </p:cSld>
@@ -6140,7 +8077,7 @@
           <a:blip r:embed="rId3">
             <a:extLst>
               <a:ext uri="{28A0092B-C50C-407E-A947-70E740481C1C}">
-                <a14:useLocalDpi xmlns:a14="http://schemas.microsoft.com/office/drawing/2010/main" val="0"/>
+                <a14:useLocalDpi xmlns:a14="http://schemas.microsoft.com/office/drawing/2010/main" xmlns="" val="0"/>
               </a:ext>
             </a:extLst>
           </a:blip>
@@ -6161,7 +8098,7 @@
     </p:spTree>
     <p:extLst>
       <p:ext uri="{BB962C8B-B14F-4D97-AF65-F5344CB8AC3E}">
-        <p14:creationId xmlns:p14="http://schemas.microsoft.com/office/powerpoint/2010/main" val="486420949"/>
+        <p14:creationId xmlns:p14="http://schemas.microsoft.com/office/powerpoint/2010/main" xmlns="" val="486420949"/>
       </p:ext>
     </p:extLst>
   </p:cSld>
@@ -6212,7 +8149,7 @@
           <a:p>
             <a:r>
               <a:rPr lang="es-AR" dirty="0" smtClean="0"/>
-              <a:t>La solución</a:t>
+              <a:t>Nuestro mercado</a:t>
             </a:r>
             <a:endParaRPr lang="es-AR" dirty="0"/>
           </a:p>
@@ -6220,17 +8157,19 @@
       </p:sp>
       <p:pic>
         <p:nvPicPr>
-          <p:cNvPr id="5" name="Picture 4"/>
+          <p:cNvPr id="6" name="Content Placeholder 5"/>
           <p:cNvPicPr>
-            <a:picLocks noChangeAspect="1"/>
+            <a:picLocks noGrp="1" noChangeAspect="1"/>
           </p:cNvPicPr>
-          <p:nvPr/>
+          <p:nvPr>
+            <p:ph idx="1"/>
+          </p:nvPr>
         </p:nvPicPr>
         <p:blipFill>
           <a:blip r:embed="rId3">
             <a:extLst>
               <a:ext uri="{28A0092B-C50C-407E-A947-70E740481C1C}">
-                <a14:useLocalDpi xmlns:a14="http://schemas.microsoft.com/office/drawing/2010/main" val="0"/>
+                <a14:useLocalDpi xmlns:a14="http://schemas.microsoft.com/office/drawing/2010/main" xmlns="" val="0"/>
               </a:ext>
             </a:extLst>
           </a:blip>
@@ -6240,18 +8179,15 @@
         </p:blipFill>
         <p:spPr>
           <a:xfrm>
-            <a:off x="1763688" y="1628800"/>
-            <a:ext cx="5858693" cy="3991532"/>
+            <a:off x="1331640" y="2132856"/>
+            <a:ext cx="6648822" cy="3482717"/>
           </a:xfrm>
-          <a:prstGeom prst="rect">
-            <a:avLst/>
-          </a:prstGeom>
         </p:spPr>
       </p:pic>
     </p:spTree>
     <p:extLst>
       <p:ext uri="{BB962C8B-B14F-4D97-AF65-F5344CB8AC3E}">
-        <p14:creationId xmlns:p14="http://schemas.microsoft.com/office/powerpoint/2010/main" val="2245358919"/>
+        <p14:creationId xmlns:p14="http://schemas.microsoft.com/office/powerpoint/2010/main" xmlns="" val="748539481"/>
       </p:ext>
     </p:extLst>
   </p:cSld>
@@ -6302,7 +8238,7 @@
           <a:p>
             <a:r>
               <a:rPr lang="es-AR" dirty="0" smtClean="0"/>
-              <a:t>Nuestro mercado</a:t>
+              <a:t>La solución</a:t>
             </a:r>
             <a:endParaRPr lang="es-AR" dirty="0"/>
           </a:p>
@@ -6310,19 +8246,17 @@
       </p:sp>
       <p:pic>
         <p:nvPicPr>
-          <p:cNvPr id="6" name="Content Placeholder 5"/>
+          <p:cNvPr id="5" name="Picture 4"/>
           <p:cNvPicPr>
-            <a:picLocks noGrp="1" noChangeAspect="1"/>
+            <a:picLocks noChangeAspect="1"/>
           </p:cNvPicPr>
-          <p:nvPr>
-            <p:ph idx="1"/>
-          </p:nvPr>
+          <p:nvPr/>
         </p:nvPicPr>
         <p:blipFill>
           <a:blip r:embed="rId3">
             <a:extLst>
               <a:ext uri="{28A0092B-C50C-407E-A947-70E740481C1C}">
-                <a14:useLocalDpi xmlns:a14="http://schemas.microsoft.com/office/drawing/2010/main" val="0"/>
+                <a14:useLocalDpi xmlns:a14="http://schemas.microsoft.com/office/drawing/2010/main" xmlns="" val="0"/>
               </a:ext>
             </a:extLst>
           </a:blip>
@@ -6332,15 +8266,18 @@
         </p:blipFill>
         <p:spPr>
           <a:xfrm>
-            <a:off x="1331640" y="2132856"/>
-            <a:ext cx="6648822" cy="3482717"/>
+            <a:off x="1763688" y="1628800"/>
+            <a:ext cx="5858693" cy="3991532"/>
           </a:xfrm>
+          <a:prstGeom prst="rect">
+            <a:avLst/>
+          </a:prstGeom>
         </p:spPr>
       </p:pic>
     </p:spTree>
     <p:extLst>
       <p:ext uri="{BB962C8B-B14F-4D97-AF65-F5344CB8AC3E}">
-        <p14:creationId xmlns:p14="http://schemas.microsoft.com/office/powerpoint/2010/main" val="748539481"/>
+        <p14:creationId xmlns:p14="http://schemas.microsoft.com/office/powerpoint/2010/main" xmlns="" val="2245358919"/>
       </p:ext>
     </p:extLst>
   </p:cSld>
@@ -6388,7 +8325,7 @@
           <a:blip r:embed="rId3">
             <a:extLst>
               <a:ext uri="{28A0092B-C50C-407E-A947-70E740481C1C}">
-                <a14:useLocalDpi xmlns:a14="http://schemas.microsoft.com/office/drawing/2010/main" val="0"/>
+                <a14:useLocalDpi xmlns:a14="http://schemas.microsoft.com/office/drawing/2010/main" xmlns="" val="0"/>
               </a:ext>
             </a:extLst>
           </a:blip>
@@ -6408,7 +8345,7 @@
           <a:noFill/>
           <a:extLst>
             <a:ext uri="{909E8E84-426E-40DD-AFC4-6F175D3DCCD1}">
-              <a14:hiddenFill xmlns:a14="http://schemas.microsoft.com/office/drawing/2010/main">
+              <a14:hiddenFill xmlns:a14="http://schemas.microsoft.com/office/drawing/2010/main" xmlns="">
                 <a:solidFill>
                   <a:srgbClr val="FFFFFF"/>
                 </a:solidFill>
@@ -6451,7 +8388,7 @@
     </p:spTree>
     <p:extLst>
       <p:ext uri="{BB962C8B-B14F-4D97-AF65-F5344CB8AC3E}">
-        <p14:creationId xmlns:p14="http://schemas.microsoft.com/office/powerpoint/2010/main" val="4021245580"/>
+        <p14:creationId xmlns:p14="http://schemas.microsoft.com/office/powerpoint/2010/main" xmlns="" val="4021245580"/>
       </p:ext>
     </p:extLst>
   </p:cSld>
@@ -6534,7 +8471,7 @@
             <p:ph idx="1"/>
             <p:extLst>
               <p:ext uri="{D42A27DB-BD31-4B8C-83A1-F6EECF244321}">
-                <p14:modId xmlns:p14="http://schemas.microsoft.com/office/powerpoint/2010/main" val="502134616"/>
+                <p14:modId xmlns:p14="http://schemas.microsoft.com/office/powerpoint/2010/main" xmlns="" val="502134616"/>
               </p:ext>
             </p:extLst>
           </p:nvPr>
@@ -6635,7 +8572,7 @@
     </p:spTree>
     <p:extLst>
       <p:ext uri="{BB962C8B-B14F-4D97-AF65-F5344CB8AC3E}">
-        <p14:creationId xmlns:p14="http://schemas.microsoft.com/office/powerpoint/2010/main" val="4226239434"/>
+        <p14:creationId xmlns:p14="http://schemas.microsoft.com/office/powerpoint/2010/main" xmlns="" val="4226239434"/>
       </p:ext>
     </p:extLst>
   </p:cSld>
@@ -6704,7 +8641,7 @@
             <p:ph idx="1"/>
             <p:extLst>
               <p:ext uri="{D42A27DB-BD31-4B8C-83A1-F6EECF244321}">
-                <p14:modId xmlns:p14="http://schemas.microsoft.com/office/powerpoint/2010/main" val="3308615213"/>
+                <p14:modId xmlns:p14="http://schemas.microsoft.com/office/powerpoint/2010/main" xmlns="" val="3308615213"/>
               </p:ext>
             </p:extLst>
           </p:nvPr>
@@ -6722,7 +8659,7 @@
     </p:spTree>
     <p:extLst>
       <p:ext uri="{BB962C8B-B14F-4D97-AF65-F5344CB8AC3E}">
-        <p14:creationId xmlns:p14="http://schemas.microsoft.com/office/powerpoint/2010/main" val="4186439492"/>
+        <p14:creationId xmlns:p14="http://schemas.microsoft.com/office/powerpoint/2010/main" xmlns="" val="4186439492"/>
       </p:ext>
     </p:extLst>
   </p:cSld>
@@ -6793,7 +8730,7 @@
           <a:blip r:embed="rId3">
             <a:extLst>
               <a:ext uri="{28A0092B-C50C-407E-A947-70E740481C1C}">
-                <a14:useLocalDpi xmlns:a14="http://schemas.microsoft.com/office/drawing/2010/main" val="0"/>
+                <a14:useLocalDpi xmlns:a14="http://schemas.microsoft.com/office/drawing/2010/main" xmlns="" val="0"/>
               </a:ext>
             </a:extLst>
           </a:blip>
@@ -6811,7 +8748,7 @@
     </p:spTree>
     <p:extLst>
       <p:ext uri="{BB962C8B-B14F-4D97-AF65-F5344CB8AC3E}">
-        <p14:creationId xmlns:p14="http://schemas.microsoft.com/office/powerpoint/2010/main" val="272930932"/>
+        <p14:creationId xmlns:p14="http://schemas.microsoft.com/office/powerpoint/2010/main" xmlns="" val="272930932"/>
       </p:ext>
     </p:extLst>
   </p:cSld>

--- a/trunk/Assets/Presentación negocio.pptx
+++ b/trunk/Assets/Presentación negocio.pptx
@@ -14,9 +14,9 @@
     <p:sldId id="265" r:id="rId5"/>
     <p:sldId id="264" r:id="rId6"/>
     <p:sldId id="258" r:id="rId7"/>
-    <p:sldId id="257" r:id="rId8"/>
-    <p:sldId id="259" r:id="rId9"/>
-    <p:sldId id="266" r:id="rId10"/>
+    <p:sldId id="266" r:id="rId8"/>
+    <p:sldId id="257" r:id="rId9"/>
+    <p:sldId id="259" r:id="rId10"/>
     <p:sldId id="263" r:id="rId11"/>
     <p:sldId id="260" r:id="rId12"/>
   </p:sldIdLst>
@@ -122,12 +122,24 @@
 
 <file path=ppt/charts/chart1.xml><?xml version="1.0" encoding="utf-8"?>
 <c:chartSpace xmlns:c="http://schemas.openxmlformats.org/drawingml/2006/chart" xmlns:a="http://schemas.openxmlformats.org/drawingml/2006/main" xmlns:r="http://schemas.openxmlformats.org/officeDocument/2006/relationships">
-  <c:lang val="es-ES"/>
+  <c:date1904 val="0"/>
+  <c:lang val="es-AR"/>
+  <c:roundedCorners val="0"/>
+  <mc:AlternateContent xmlns:mc="http://schemas.openxmlformats.org/markup-compatibility/2006">
+    <mc:Choice xmlns:c14="http://schemas.microsoft.com/office/drawing/2007/8/2/chart" Requires="c14">
+      <c14:style val="102"/>
+    </mc:Choice>
+    <mc:Fallback>
+      <c:style val="2"/>
+    </mc:Fallback>
+  </mc:AlternateContent>
   <c:chart>
+    <c:autoTitleDeleted val="0"/>
     <c:plotArea>
       <c:layout/>
       <c:lineChart>
         <c:grouping val="standard"/>
+        <c:varyColors val="0"/>
         <c:ser>
           <c:idx val="0"/>
           <c:order val="0"/>
@@ -218,6 +230,7 @@
               </c:numCache>
             </c:numRef>
           </c:val>
+          <c:smooth val="0"/>
         </c:ser>
         <c:ser>
           <c:idx val="1"/>
@@ -309,19 +322,31 @@
               </c:numCache>
             </c:numRef>
           </c:val>
+          <c:smooth val="0"/>
         </c:ser>
-        <c:dLbls/>
+        <c:dLbls>
+          <c:showLegendKey val="0"/>
+          <c:showVal val="0"/>
+          <c:showCatName val="0"/>
+          <c:showSerName val="0"/>
+          <c:showPercent val="0"/>
+          <c:showBubbleSize val="0"/>
+        </c:dLbls>
         <c:marker val="1"/>
-        <c:axId val="41114624"/>
-        <c:axId val="67449600"/>
+        <c:smooth val="0"/>
+        <c:axId val="31823744"/>
+        <c:axId val="31825280"/>
       </c:lineChart>
       <c:catAx>
-        <c:axId val="41114624"/>
+        <c:axId val="31823744"/>
         <c:scaling>
           <c:orientation val="minMax"/>
         </c:scaling>
+        <c:delete val="0"/>
         <c:axPos val="b"/>
         <c:numFmt formatCode="General" sourceLinked="1"/>
+        <c:majorTickMark val="out"/>
+        <c:minorTickMark val="none"/>
         <c:tickLblPos val="nextTo"/>
         <c:txPr>
           <a:bodyPr/>
@@ -330,23 +355,27 @@
             <a:pPr>
               <a:defRPr lang="es-AR"/>
             </a:pPr>
-            <a:endParaRPr lang="es-ES"/>
+            <a:endParaRPr lang="es-AR"/>
           </a:p>
         </c:txPr>
-        <c:crossAx val="67449600"/>
+        <c:crossAx val="31825280"/>
         <c:crosses val="autoZero"/>
         <c:auto val="1"/>
         <c:lblAlgn val="ctr"/>
         <c:lblOffset val="100"/>
+        <c:noMultiLvlLbl val="0"/>
       </c:catAx>
       <c:valAx>
-        <c:axId val="67449600"/>
+        <c:axId val="31825280"/>
         <c:scaling>
           <c:orientation val="minMax"/>
         </c:scaling>
+        <c:delete val="0"/>
         <c:axPos val="l"/>
         <c:majorGridlines/>
         <c:numFmt formatCode="General" sourceLinked="1"/>
+        <c:majorTickMark val="out"/>
+        <c:minorTickMark val="none"/>
         <c:tickLblPos val="nextTo"/>
         <c:txPr>
           <a:bodyPr/>
@@ -355,10 +384,10 @@
             <a:pPr>
               <a:defRPr lang="es-AR"/>
             </a:pPr>
-            <a:endParaRPr lang="es-ES"/>
+            <a:endParaRPr lang="es-AR"/>
           </a:p>
         </c:txPr>
-        <c:crossAx val="41114624"/>
+        <c:crossAx val="31823744"/>
         <c:crosses val="autoZero"/>
         <c:crossBetween val="between"/>
       </c:valAx>
@@ -366,6 +395,7 @@
     <c:legend>
       <c:legendPos val="r"/>
       <c:layout/>
+      <c:overlay val="0"/>
       <c:txPr>
         <a:bodyPr/>
         <a:lstStyle/>
@@ -373,12 +403,13 @@
           <a:pPr>
             <a:defRPr lang="es-AR"/>
           </a:pPr>
-          <a:endParaRPr lang="es-ES"/>
+          <a:endParaRPr lang="es-AR"/>
         </a:p>
       </c:txPr>
     </c:legend>
     <c:plotVisOnly val="1"/>
     <c:dispBlanksAs val="gap"/>
+    <c:showDLblsOverMax val="0"/>
   </c:chart>
   <c:txPr>
     <a:bodyPr/>
@@ -387,21 +418,35 @@
       <a:pPr>
         <a:defRPr sz="1800"/>
       </a:pPr>
-      <a:endParaRPr lang="es-ES"/>
+      <a:endParaRPr lang="es-AR"/>
     </a:p>
   </c:txPr>
-  <c:externalData r:id="rId1"/>
+  <c:externalData r:id="rId1">
+    <c:autoUpdate val="0"/>
+  </c:externalData>
 </c:chartSpace>
 </file>
 
 <file path=ppt/charts/chart2.xml><?xml version="1.0" encoding="utf-8"?>
 <c:chartSpace xmlns:c="http://schemas.openxmlformats.org/drawingml/2006/chart" xmlns:a="http://schemas.openxmlformats.org/drawingml/2006/main" xmlns:r="http://schemas.openxmlformats.org/officeDocument/2006/relationships">
-  <c:lang val="es-ES"/>
+  <c:date1904 val="0"/>
+  <c:lang val="es-AR"/>
+  <c:roundedCorners val="0"/>
+  <mc:AlternateContent xmlns:mc="http://schemas.openxmlformats.org/markup-compatibility/2006">
+    <mc:Choice xmlns:c14="http://schemas.microsoft.com/office/drawing/2007/8/2/chart" Requires="c14">
+      <c14:style val="102"/>
+    </mc:Choice>
+    <mc:Fallback>
+      <c:style val="2"/>
+    </mc:Fallback>
+  </mc:AlternateContent>
   <c:chart>
+    <c:autoTitleDeleted val="0"/>
     <c:plotArea>
       <c:layout/>
       <c:lineChart>
         <c:grouping val="standard"/>
+        <c:varyColors val="0"/>
         <c:ser>
           <c:idx val="0"/>
           <c:order val="0"/>
@@ -581,6 +626,7 @@
               </c:numCache>
             </c:numRef>
           </c:val>
+          <c:smooth val="0"/>
         </c:ser>
         <c:ser>
           <c:idx val="1"/>
@@ -761,19 +807,31 @@
               </c:numCache>
             </c:numRef>
           </c:val>
+          <c:smooth val="0"/>
         </c:ser>
-        <c:dLbls/>
+        <c:dLbls>
+          <c:showLegendKey val="0"/>
+          <c:showVal val="0"/>
+          <c:showCatName val="0"/>
+          <c:showSerName val="0"/>
+          <c:showPercent val="0"/>
+          <c:showBubbleSize val="0"/>
+        </c:dLbls>
         <c:marker val="1"/>
-        <c:axId val="67500288"/>
-        <c:axId val="66785280"/>
+        <c:smooth val="0"/>
+        <c:axId val="34148736"/>
+        <c:axId val="34150272"/>
       </c:lineChart>
       <c:catAx>
-        <c:axId val="67500288"/>
+        <c:axId val="34148736"/>
         <c:scaling>
           <c:orientation val="minMax"/>
         </c:scaling>
+        <c:delete val="0"/>
         <c:axPos val="b"/>
         <c:numFmt formatCode="General" sourceLinked="1"/>
+        <c:majorTickMark val="out"/>
+        <c:minorTickMark val="none"/>
         <c:tickLblPos val="nextTo"/>
         <c:txPr>
           <a:bodyPr/>
@@ -782,23 +840,27 @@
             <a:pPr>
               <a:defRPr lang="es-AR"/>
             </a:pPr>
-            <a:endParaRPr lang="es-ES"/>
+            <a:endParaRPr lang="es-AR"/>
           </a:p>
         </c:txPr>
-        <c:crossAx val="66785280"/>
+        <c:crossAx val="34150272"/>
         <c:crosses val="autoZero"/>
         <c:auto val="1"/>
         <c:lblAlgn val="ctr"/>
         <c:lblOffset val="100"/>
+        <c:noMultiLvlLbl val="0"/>
       </c:catAx>
       <c:valAx>
-        <c:axId val="66785280"/>
+        <c:axId val="34150272"/>
         <c:scaling>
           <c:orientation val="minMax"/>
         </c:scaling>
+        <c:delete val="0"/>
         <c:axPos val="l"/>
         <c:majorGridlines/>
         <c:numFmt formatCode="0" sourceLinked="1"/>
+        <c:majorTickMark val="out"/>
+        <c:minorTickMark val="none"/>
         <c:tickLblPos val="nextTo"/>
         <c:txPr>
           <a:bodyPr/>
@@ -807,10 +869,10 @@
             <a:pPr>
               <a:defRPr lang="es-AR"/>
             </a:pPr>
-            <a:endParaRPr lang="es-ES"/>
+            <a:endParaRPr lang="es-AR"/>
           </a:p>
         </c:txPr>
-        <c:crossAx val="67500288"/>
+        <c:crossAx val="34148736"/>
         <c:crosses val="autoZero"/>
         <c:crossBetween val="between"/>
       </c:valAx>
@@ -818,6 +880,7 @@
     <c:legend>
       <c:legendPos val="r"/>
       <c:layout/>
+      <c:overlay val="0"/>
       <c:txPr>
         <a:bodyPr/>
         <a:lstStyle/>
@@ -825,12 +888,13 @@
           <a:pPr>
             <a:defRPr lang="es-AR"/>
           </a:pPr>
-          <a:endParaRPr lang="es-ES"/>
+          <a:endParaRPr lang="es-AR"/>
         </a:p>
       </c:txPr>
     </c:legend>
     <c:plotVisOnly val="1"/>
     <c:dispBlanksAs val="gap"/>
+    <c:showDLblsOverMax val="0"/>
   </c:chart>
   <c:txPr>
     <a:bodyPr/>
@@ -839,10 +903,12 @@
       <a:pPr>
         <a:defRPr sz="1800"/>
       </a:pPr>
-      <a:endParaRPr lang="es-ES"/>
+      <a:endParaRPr lang="es-AR"/>
     </a:p>
   </c:txPr>
-  <c:externalData r:id="rId1"/>
+  <c:externalData r:id="rId1">
+    <c:autoUpdate val="0"/>
+  </c:externalData>
 </c:chartSpace>
 </file>
 
@@ -929,7 +995,7 @@
             <a:fld id="{F5423D00-7DDB-4217-941A-91DA7862F42C}" type="datetimeFigureOut">
               <a:rPr lang="es-AR" smtClean="0"/>
               <a:pPr/>
-              <a:t>03/08/2013</a:t>
+              <a:t>04/08/2013</a:t>
             </a:fld>
             <a:endParaRPr lang="es-AR"/>
           </a:p>
@@ -1089,7 +1155,7 @@
             <a:fld id="{5625E230-B123-43EB-B2A3-53965331BBB3}" type="slidenum">
               <a:rPr lang="es-AR" smtClean="0"/>
               <a:pPr/>
-              <a:t>‹Nº›</a:t>
+              <a:t>‹#›</a:t>
             </a:fld>
             <a:endParaRPr lang="es-AR"/>
           </a:p>
@@ -1098,7 +1164,7 @@
     </p:spTree>
     <p:extLst>
       <p:ext uri="{BB962C8B-B14F-4D97-AF65-F5344CB8AC3E}">
-        <p14:creationId xmlns:p14="http://schemas.microsoft.com/office/powerpoint/2010/main" xmlns="" val="2280170094"/>
+        <p14:creationId xmlns:p14="http://schemas.microsoft.com/office/powerpoint/2010/main" val="2280170094"/>
       </p:ext>
     </p:extLst>
   </p:cSld>
@@ -1254,15 +1320,7 @@
           <a:p>
             <a:r>
               <a:rPr lang="es-AR" baseline="0" dirty="0" smtClean="0"/>
-              <a:t>Yo soy X, y estamos junto a mis colegas, A, B, C, D y E, para contarles </a:t>
-            </a:r>
-            <a:r>
-              <a:rPr lang="es-AR" baseline="0" dirty="0" smtClean="0"/>
-              <a:t>sobre </a:t>
-            </a:r>
-            <a:r>
-              <a:rPr lang="es-AR" baseline="0" dirty="0" smtClean="0"/>
-              <a:t>nuestro proyecto.</a:t>
+              <a:t>Yo soy X, y estamos junto a mis colegas, A, B, C, D y E, para contarles sobre nuestro proyecto.</a:t>
             </a:r>
             <a:endParaRPr lang="es-AR" dirty="0"/>
           </a:p>
@@ -1295,7 +1353,7 @@
     </p:spTree>
     <p:extLst>
       <p:ext uri="{BB962C8B-B14F-4D97-AF65-F5344CB8AC3E}">
-        <p14:creationId xmlns:p14="http://schemas.microsoft.com/office/powerpoint/2010/main" xmlns="" val="452615974"/>
+        <p14:creationId xmlns:p14="http://schemas.microsoft.com/office/powerpoint/2010/main" val="452615974"/>
       </p:ext>
     </p:extLst>
   </p:cSld>
@@ -2662,11 +2720,7 @@
             </a:r>
             <a:r>
               <a:rPr lang="es-AR" baseline="0" dirty="0" smtClean="0"/>
-              <a:t> estudiantes emprendedores proactivos del último año de la carrera de Ingeniería en Informática de la Universidad de Buenos </a:t>
-            </a:r>
-            <a:r>
-              <a:rPr lang="es-AR" baseline="0" dirty="0" smtClean="0"/>
-              <a:t>Aires. </a:t>
+              <a:t> estudiantes emprendedores proactivos del último año de la carrera de Ingeniería en Informática de la Universidad de Buenos Aires. </a:t>
             </a:r>
             <a:r>
               <a:rPr lang="es-AR" dirty="0" smtClean="0"/>
@@ -2674,15 +2728,7 @@
             </a:r>
             <a:r>
               <a:rPr lang="es-AR" baseline="0" dirty="0" smtClean="0"/>
-              <a:t> </a:t>
-            </a:r>
-            <a:r>
-              <a:rPr lang="es-AR" baseline="0" dirty="0" smtClean="0"/>
-              <a:t>conocimos en la facultad y comenzamos a trabajar juntos en los distintos desafíos que nos proponía el desarrollo de la carrera</a:t>
-            </a:r>
-            <a:r>
-              <a:rPr lang="es-AR" baseline="0" dirty="0" smtClean="0"/>
-              <a:t>. </a:t>
+              <a:t> conocimos en la facultad y comenzamos a trabajar juntos en los distintos desafíos que nos proponía el desarrollo de la carrera. </a:t>
             </a:r>
           </a:p>
           <a:p>
@@ -2700,31 +2746,17 @@
           <a:p>
             <a:r>
               <a:rPr lang="es-AR" baseline="0" dirty="0" smtClean="0"/>
-              <a:t>A partir de esta idea es donde decidimos </a:t>
-            </a:r>
-            <a:r>
-              <a:rPr lang="es-AR" baseline="0" dirty="0" smtClean="0"/>
-              <a:t>entonces crear nuestra propia empresa de desarrollo de aplicaciones para el usuario final, que resuelvan problemas </a:t>
-            </a:r>
-            <a:r>
-              <a:rPr lang="es-AR" baseline="0" dirty="0" smtClean="0"/>
-              <a:t>específicos de necesidades sociales actuales.</a:t>
-            </a:r>
+              <a:t>A partir de esta idea es donde decidimos entonces crear nuestra propia empresa de desarrollo de aplicaciones para el usuario final, que resuelvan problemas específicos de necesidades sociales actuales.</a:t>
+            </a:r>
+          </a:p>
+          <a:p>
             <a:endParaRPr lang="es-AR" baseline="0" dirty="0" smtClean="0"/>
           </a:p>
           <a:p>
-            <a:endParaRPr lang="es-AR" baseline="0" dirty="0" smtClean="0"/>
-          </a:p>
-          <a:p>
-            <a:r>
-              <a:rPr lang="es-AR" baseline="0" dirty="0" smtClean="0"/>
-              <a:t>Nuestra visión desde ese lugar, es entonces, lograr mejorar el día a día del usuario a través del uso de aplicaciones innovadoras, de última tecnología</a:t>
-            </a:r>
-            <a:r>
-              <a:rPr lang="es-AR" baseline="0" dirty="0" smtClean="0"/>
-              <a:t>.</a:t>
-            </a:r>
-            <a:endParaRPr lang="es-AR" baseline="0" dirty="0" smtClean="0"/>
+            <a:r>
+              <a:rPr lang="es-AR" baseline="0" dirty="0" smtClean="0"/>
+              <a:t>Nuestra visión desde ese lugar, es entonces, lograr mejorar el día a día del usuario a través del uso de aplicaciones innovadoras, de última tecnología.</a:t>
+            </a:r>
           </a:p>
         </p:txBody>
       </p:sp>
@@ -2755,7 +2787,7 @@
     </p:spTree>
     <p:extLst>
       <p:ext uri="{BB962C8B-B14F-4D97-AF65-F5344CB8AC3E}">
-        <p14:creationId xmlns:p14="http://schemas.microsoft.com/office/powerpoint/2010/main" xmlns="" val="2610191261"/>
+        <p14:creationId xmlns:p14="http://schemas.microsoft.com/office/powerpoint/2010/main" val="2610191261"/>
       </p:ext>
     </p:extLst>
   </p:cSld>
@@ -3016,7 +3048,7 @@
     </p:spTree>
     <p:extLst>
       <p:ext uri="{BB962C8B-B14F-4D97-AF65-F5344CB8AC3E}">
-        <p14:creationId xmlns:p14="http://schemas.microsoft.com/office/powerpoint/2010/main" xmlns="" val="1052945588"/>
+        <p14:creationId xmlns:p14="http://schemas.microsoft.com/office/powerpoint/2010/main" val="1052945588"/>
       </p:ext>
     </p:extLst>
   </p:cSld>
@@ -3441,11 +3473,7 @@
             </a:r>
             <a:r>
               <a:rPr lang="es-AR" baseline="0" dirty="0" smtClean="0"/>
-              <a:t>Nuestro </a:t>
-            </a:r>
-            <a:r>
-              <a:rPr lang="es-AR" baseline="0" dirty="0" smtClean="0"/>
-              <a:t>target es básicamente cualquier usuario de </a:t>
+              <a:t>Nuestro target es básicamente cualquier usuario de </a:t>
             </a:r>
             <a:r>
               <a:rPr lang="es-AR" baseline="0" dirty="0" err="1" smtClean="0"/>
@@ -3496,15 +3524,7 @@
             </a:r>
             <a:r>
               <a:rPr lang="es-AR" baseline="0" dirty="0" smtClean="0"/>
-              <a:t>, podemos asegurar entonces que es una </a:t>
-            </a:r>
-            <a:r>
-              <a:rPr lang="es-AR" baseline="0" dirty="0" smtClean="0"/>
-              <a:t>idea </a:t>
-            </a:r>
-            <a:r>
-              <a:rPr lang="es-AR" baseline="0" dirty="0" smtClean="0"/>
-              <a:t>innovadora que cambiara las reglas usuales de la sociedad; por lo tanto es de impacto alto, y posee una </a:t>
+              <a:t>, podemos asegurar entonces que es una idea innovadora que cambiara las reglas usuales de la sociedad; por lo tanto es de impacto alto, y posee una </a:t>
             </a:r>
             <a:r>
               <a:rPr lang="es-AR" baseline="0" dirty="0" err="1" smtClean="0"/>
@@ -3568,7 +3588,7 @@
     </p:spTree>
     <p:extLst>
       <p:ext uri="{BB962C8B-B14F-4D97-AF65-F5344CB8AC3E}">
-        <p14:creationId xmlns:p14="http://schemas.microsoft.com/office/powerpoint/2010/main" xmlns="" val="84732664"/>
+        <p14:creationId xmlns:p14="http://schemas.microsoft.com/office/powerpoint/2010/main" val="84732664"/>
       </p:ext>
     </p:extLst>
   </p:cSld>
@@ -3823,7 +3843,7 @@
     </p:spTree>
     <p:extLst>
       <p:ext uri="{BB962C8B-B14F-4D97-AF65-F5344CB8AC3E}">
-        <p14:creationId xmlns:p14="http://schemas.microsoft.com/office/powerpoint/2010/main" xmlns="" val="3325332095"/>
+        <p14:creationId xmlns:p14="http://schemas.microsoft.com/office/powerpoint/2010/main" val="3325332095"/>
       </p:ext>
     </p:extLst>
   </p:cSld>
@@ -3908,8 +3928,13 @@
             </a:r>
             <a:r>
               <a:rPr lang="es-AR" baseline="0" dirty="0" smtClean="0"/>
-              <a:t> pensando “esto muy lindo, realmente me gustaría tener esta aplicación, pero realmente voy a ganar dinero con ella?”. Pues sí señores. Hemos analizado distintos escenarios basados en casos reales y a modo de ejemplo les mostraremos dos de ellos</a:t>
-            </a:r>
+              <a:t> pensando “esto muy lindo, realmente me gustaría tener esta aplicación, pero realmente voy a ganar dinero con ella?”. Pues sí señores. Hemos analizado distintos escenarios basados en casos reales y a modo de ejemplo les mostraremos dos de </a:t>
+            </a:r>
+            <a:r>
+              <a:rPr lang="es-AR" baseline="0" dirty="0" smtClean="0"/>
+              <a:t>ellos.</a:t>
+            </a:r>
+            <a:endParaRPr lang="es-AR" baseline="0" dirty="0" smtClean="0"/>
           </a:p>
         </p:txBody>
       </p:sp>
@@ -3940,7 +3965,7 @@
     </p:spTree>
     <p:extLst>
       <p:ext uri="{BB962C8B-B14F-4D97-AF65-F5344CB8AC3E}">
-        <p14:creationId xmlns:p14="http://schemas.microsoft.com/office/powerpoint/2010/main" xmlns="" val="448154425"/>
+        <p14:creationId xmlns:p14="http://schemas.microsoft.com/office/powerpoint/2010/main" val="448154425"/>
       </p:ext>
     </p:extLst>
   </p:cSld>
@@ -3994,126 +4019,7 @@
           <a:bodyPr/>
           <a:lstStyle/>
           <a:p>
-            <a:r>
-              <a:rPr lang="es-AR" dirty="0" smtClean="0"/>
-              <a:t>En primer lugar, mostraremos el peor caso,</a:t>
-            </a:r>
-            <a:r>
-              <a:rPr lang="es-AR" baseline="0" dirty="0" smtClean="0"/>
-              <a:t> en el que el producto no se expanda fuera del país y que luego de 2 años se estanque en un 3% del mercado nacional. En ese caso, hemos considerado solo el mercado de </a:t>
-            </a:r>
-            <a:r>
-              <a:rPr lang="es-AR" baseline="0" dirty="0" err="1" smtClean="0"/>
-              <a:t>android</a:t>
-            </a:r>
-            <a:r>
-              <a:rPr lang="es-AR" baseline="0" dirty="0" smtClean="0"/>
-              <a:t> y hemos tomado como patrón de crecimiento estadísticas de otras empresas conocidas. Para las ganancias se ha tenido en cuenta la descarga de aplicación a 1 dólar y las ganancias por </a:t>
-            </a:r>
-            <a:r>
-              <a:rPr lang="es-AR" baseline="0" dirty="0" err="1" smtClean="0"/>
-              <a:t>google</a:t>
-            </a:r>
-            <a:r>
-              <a:rPr lang="es-AR" baseline="0" dirty="0" smtClean="0"/>
-              <a:t> </a:t>
-            </a:r>
-            <a:r>
-              <a:rPr lang="es-AR" baseline="0" dirty="0" err="1" smtClean="0"/>
-              <a:t>Adds</a:t>
-            </a:r>
-            <a:r>
-              <a:rPr lang="es-AR" baseline="0" dirty="0" smtClean="0"/>
-              <a:t> en base a la cantidad de vistas y </a:t>
-            </a:r>
-            <a:r>
-              <a:rPr lang="es-AR" baseline="0" dirty="0" err="1" smtClean="0"/>
-              <a:t>clicks</a:t>
-            </a:r>
-            <a:r>
-              <a:rPr lang="es-AR" baseline="0" dirty="0" smtClean="0"/>
-              <a:t>. Para esto último se ha considerado los valores más bajos del mercado, es decir, tan solo 10 centavos por </a:t>
-            </a:r>
-            <a:r>
-              <a:rPr lang="es-AR" baseline="0" dirty="0" err="1" smtClean="0"/>
-              <a:t>clicks</a:t>
-            </a:r>
-            <a:r>
-              <a:rPr lang="es-AR" baseline="0" dirty="0" smtClean="0"/>
-              <a:t> y 0,1 centavo por vista.</a:t>
-            </a:r>
-          </a:p>
-          <a:p>
-            <a:r>
-              <a:rPr lang="es-AR" baseline="0" dirty="0" smtClean="0"/>
-              <a:t>En este gráfico se puede ver como la aplicación crecería linealmente entre los </a:t>
-            </a:r>
-            <a:r>
-              <a:rPr lang="es-AR" baseline="0" dirty="0" err="1" smtClean="0"/>
-              <a:t>emses</a:t>
-            </a:r>
-            <a:r>
-              <a:rPr lang="es-AR" baseline="0" dirty="0" smtClean="0"/>
-              <a:t> 5 y 11, llegando a los 100mil usuarios y finalmente iría disminuyendo su crecimiento a partir de ahí hasta estancarse en 160mil usuarios. </a:t>
-            </a:r>
-          </a:p>
-          <a:p>
-            <a:r>
-              <a:rPr lang="es-AR" baseline="0" dirty="0" smtClean="0"/>
-              <a:t>En lo referente a los ingresos, los mismos tendrían un pico durante la expansión de la aplicación llegando a 35mil </a:t>
-            </a:r>
-            <a:r>
-              <a:rPr lang="es-AR" baseline="0" dirty="0" err="1" smtClean="0"/>
-              <a:t>doalres</a:t>
-            </a:r>
-            <a:r>
-              <a:rPr lang="es-AR" baseline="0" dirty="0" smtClean="0"/>
-              <a:t> por mes para finalmente converger a 20 mil </a:t>
-            </a:r>
-            <a:r>
-              <a:rPr lang="es-AR" baseline="0" dirty="0" err="1" smtClean="0"/>
-              <a:t>dolares</a:t>
-            </a:r>
-            <a:r>
-              <a:rPr lang="es-AR" baseline="0" dirty="0" smtClean="0"/>
-              <a:t> por mes. Teniendo en cuenta que el gasto para mantener la aplicación son casi mínimos (tan solo un servidor) , casi todo sería ganancias.</a:t>
-            </a:r>
-          </a:p>
-          <a:p>
-            <a:r>
-              <a:rPr lang="es-AR" baseline="0" dirty="0" smtClean="0"/>
-              <a:t>Finalmente se puede concluir, que siendo este el peor escenario posible, teniendo en cuenta los precios mas bajos del mercado en lo referente a publicidad, sin considerar la </a:t>
-            </a:r>
-            <a:r>
-              <a:rPr lang="es-AR" baseline="0" dirty="0" err="1" smtClean="0"/>
-              <a:t>expansion</a:t>
-            </a:r>
-            <a:r>
-              <a:rPr lang="es-AR" baseline="0" dirty="0" smtClean="0"/>
-              <a:t> del mercado de </a:t>
-            </a:r>
-            <a:r>
-              <a:rPr lang="es-AR" baseline="0" dirty="0" err="1" smtClean="0"/>
-              <a:t>smartphones</a:t>
-            </a:r>
-            <a:r>
-              <a:rPr lang="es-AR" baseline="0" dirty="0" smtClean="0"/>
-              <a:t> en un futuro y considerando tan solo una expansión del 3%, el negocio daría considerables </a:t>
-            </a:r>
-            <a:r>
-              <a:rPr lang="es-AR" baseline="0" dirty="0" err="1" smtClean="0"/>
-              <a:t>ganacias</a:t>
-            </a:r>
-            <a:r>
-              <a:rPr lang="es-AR" baseline="0" dirty="0" smtClean="0"/>
-              <a:t>.</a:t>
-            </a:r>
-          </a:p>
-          <a:p>
-            <a:r>
-              <a:rPr lang="es-AR" baseline="0" dirty="0" smtClean="0"/>
-              <a:t>Sin embargo, ahora nos podríamos preguntar, y si la aplicación es realmente un éxito y se expande a otros mercados con una captación mayor?</a:t>
-            </a:r>
+            <a:endParaRPr lang="es-AR" dirty="0"/>
           </a:p>
         </p:txBody>
       </p:sp>
@@ -4144,7 +4050,7 @@
     </p:spTree>
     <p:extLst>
       <p:ext uri="{BB962C8B-B14F-4D97-AF65-F5344CB8AC3E}">
-        <p14:creationId xmlns:p14="http://schemas.microsoft.com/office/powerpoint/2010/main" xmlns="" val="3003342862"/>
+        <p14:creationId xmlns:p14="http://schemas.microsoft.com/office/powerpoint/2010/main" val="1057133531"/>
       </p:ext>
     </p:extLst>
   </p:cSld>
@@ -4200,374 +4106,124 @@
           <a:p>
             <a:r>
               <a:rPr lang="es-AR" dirty="0" smtClean="0"/>
-              <a:t>En ese escenario, hemos tomado los datos de una empresa</a:t>
-            </a:r>
-            <a:r>
-              <a:rPr lang="es-AR" baseline="0" dirty="0" smtClean="0"/>
-              <a:t> similar (como </a:t>
+              <a:t>En primer lugar, mostraremos el peor caso,</a:t>
+            </a:r>
+            <a:r>
+              <a:rPr lang="es-AR" baseline="0" dirty="0" smtClean="0"/>
+              <a:t> en el que el producto no se expanda fuera del país y que luego de 2 años se estanque en un 3% del mercado nacional. En ese caso, hemos considerado solo el mercado de </a:t>
             </a:r>
             <a:r>
               <a:rPr lang="es-AR" baseline="0" dirty="0" err="1" smtClean="0"/>
-              <a:t>Foursqare</a:t>
-            </a:r>
-            <a:r>
-              <a:rPr lang="es-AR" baseline="0" dirty="0" smtClean="0"/>
-              <a:t>) y su crecimiento en sus dos primeros años. Para quienes no conozcan esta compañía, la misma </a:t>
-            </a:r>
-            <a:r>
-              <a:rPr lang="es-AR" sz="1200" b="0" i="0" kern="1200" dirty="0" smtClean="0">
-                <a:solidFill>
-                  <a:schemeClr val="tx1"/>
-                </a:solidFill>
-                <a:effectLst/>
-                <a:latin typeface="+mn-lt"/>
-                <a:ea typeface="+mn-ea"/>
-                <a:cs typeface="+mn-cs"/>
-              </a:rPr>
-              <a:t>es un </a:t>
-            </a:r>
-            <a:r>
-              <a:rPr lang="es-AR" sz="1200" b="0" i="0" u="none" strike="noStrike" kern="1200" dirty="0" smtClean="0">
-                <a:solidFill>
-                  <a:schemeClr val="tx1"/>
-                </a:solidFill>
-                <a:effectLst/>
-                <a:latin typeface="+mn-lt"/>
-                <a:ea typeface="+mn-ea"/>
-                <a:cs typeface="+mn-cs"/>
-                <a:hlinkClick r:id="rId3" tooltip="Servicio basado en localización"/>
-              </a:rPr>
-              <a:t>servicio basado en localización</a:t>
-            </a:r>
-            <a:r>
-              <a:rPr lang="es-AR" sz="1200" b="0" i="0" kern="1200" dirty="0" smtClean="0">
-                <a:solidFill>
-                  <a:schemeClr val="tx1"/>
-                </a:solidFill>
-                <a:effectLst/>
-                <a:latin typeface="+mn-lt"/>
-                <a:ea typeface="+mn-ea"/>
-                <a:cs typeface="+mn-cs"/>
-              </a:rPr>
-              <a:t> web aplicada a las </a:t>
-            </a:r>
-            <a:r>
-              <a:rPr lang="es-AR" sz="1200" b="0" i="0" u="none" strike="noStrike" kern="1200" dirty="0" smtClean="0">
-                <a:solidFill>
-                  <a:schemeClr val="tx1"/>
-                </a:solidFill>
-                <a:effectLst/>
-                <a:latin typeface="+mn-lt"/>
-                <a:ea typeface="+mn-ea"/>
-                <a:cs typeface="+mn-cs"/>
-                <a:hlinkClick r:id="rId4" tooltip="Redes sociales"/>
-              </a:rPr>
-              <a:t>redes sociales</a:t>
-            </a:r>
-            <a:r>
-              <a:rPr lang="es-AR" sz="1200" b="0" i="0" kern="1200" dirty="0" smtClean="0">
-                <a:solidFill>
-                  <a:schemeClr val="tx1"/>
-                </a:solidFill>
-                <a:effectLst/>
-                <a:latin typeface="+mn-lt"/>
-                <a:ea typeface="+mn-ea"/>
-                <a:cs typeface="+mn-cs"/>
-              </a:rPr>
-              <a:t>. La </a:t>
-            </a:r>
-            <a:r>
-              <a:rPr lang="es-AR" sz="1200" b="0" i="0" kern="1200" dirty="0" err="1" smtClean="0">
-                <a:solidFill>
-                  <a:schemeClr val="tx1"/>
-                </a:solidFill>
-                <a:effectLst/>
-                <a:latin typeface="+mn-lt"/>
-                <a:ea typeface="+mn-ea"/>
-                <a:cs typeface="+mn-cs"/>
-              </a:rPr>
-              <a:t>geolocalización</a:t>
-            </a:r>
-            <a:r>
-              <a:rPr lang="es-AR" sz="1200" b="0" i="0" kern="1200" dirty="0" smtClean="0">
-                <a:solidFill>
-                  <a:schemeClr val="tx1"/>
-                </a:solidFill>
-                <a:effectLst/>
-                <a:latin typeface="+mn-lt"/>
-                <a:ea typeface="+mn-ea"/>
-                <a:cs typeface="+mn-cs"/>
-              </a:rPr>
-              <a:t> permite localizar un dispositivo fijo o móvil en una ubicación geográfica.</a:t>
-            </a:r>
-            <a:r>
-              <a:rPr lang="es-AR" sz="1200" b="0" i="0" kern="1200" baseline="0" dirty="0" smtClean="0">
-                <a:solidFill>
-                  <a:schemeClr val="tx1"/>
-                </a:solidFill>
-                <a:effectLst/>
-                <a:latin typeface="+mn-lt"/>
-                <a:ea typeface="+mn-ea"/>
-                <a:cs typeface="+mn-cs"/>
-              </a:rPr>
-              <a:t> Si bien es una aplicación exitosa, no es considerada como una aplicación especialmente </a:t>
-            </a:r>
-            <a:r>
-              <a:rPr lang="es-AR" sz="1200" b="0" i="0" kern="1200" baseline="0" dirty="0" err="1" smtClean="0">
-                <a:solidFill>
-                  <a:schemeClr val="tx1"/>
-                </a:solidFill>
-                <a:effectLst/>
-                <a:latin typeface="+mn-lt"/>
-                <a:ea typeface="+mn-ea"/>
-                <a:cs typeface="+mn-cs"/>
-              </a:rPr>
-              <a:t>virosica</a:t>
-            </a:r>
-            <a:r>
-              <a:rPr lang="es-AR" sz="1200" b="0" i="0" kern="1200" baseline="0" dirty="0" smtClean="0">
-                <a:solidFill>
-                  <a:schemeClr val="tx1"/>
-                </a:solidFill>
-                <a:effectLst/>
-                <a:latin typeface="+mn-lt"/>
-                <a:ea typeface="+mn-ea"/>
-                <a:cs typeface="+mn-cs"/>
-              </a:rPr>
-              <a:t> ni con un extremo furor. La misma alcanzo a los 2 años de su lanzamiento 8 millones de usuarios. Lo consiguió al expandirse en varias regiones (su </a:t>
-            </a:r>
-            <a:r>
-              <a:rPr lang="es-AR" sz="1200" b="0" i="0" kern="1200" baseline="0" dirty="0" err="1" smtClean="0">
-                <a:solidFill>
-                  <a:schemeClr val="tx1"/>
-                </a:solidFill>
-                <a:effectLst/>
-                <a:latin typeface="+mn-lt"/>
-                <a:ea typeface="+mn-ea"/>
-                <a:cs typeface="+mn-cs"/>
-              </a:rPr>
-              <a:t>aplicacióne</a:t>
-            </a:r>
-            <a:r>
-              <a:rPr lang="es-AR" sz="1200" b="0" i="0" kern="1200" baseline="0" dirty="0" smtClean="0">
-                <a:solidFill>
-                  <a:schemeClr val="tx1"/>
-                </a:solidFill>
-                <a:effectLst/>
-                <a:latin typeface="+mn-lt"/>
-                <a:ea typeface="+mn-ea"/>
-                <a:cs typeface="+mn-cs"/>
-              </a:rPr>
-              <a:t> s multilenguaje) así como en varias plataformas. </a:t>
-            </a:r>
-          </a:p>
-          <a:p>
-            <a:r>
-              <a:rPr lang="es-AR" sz="1200" b="0" i="0" kern="1200" baseline="0" dirty="0" smtClean="0">
-                <a:solidFill>
-                  <a:schemeClr val="tx1"/>
-                </a:solidFill>
-                <a:effectLst/>
-                <a:latin typeface="+mn-lt"/>
-                <a:ea typeface="+mn-ea"/>
-                <a:cs typeface="+mn-cs"/>
-              </a:rPr>
-              <a:t>Si consideramos que nuestra aplicación tiene todas a favor para resultar aún mas exitosa que esta aplicación y suponiendo que se realiza el soporte necesario para aproximadamente al año de su lanzamiento en </a:t>
-            </a:r>
-            <a:r>
-              <a:rPr lang="es-AR" sz="1200" b="0" i="0" kern="1200" baseline="0" dirty="0" err="1" smtClean="0">
-                <a:solidFill>
-                  <a:schemeClr val="tx1"/>
-                </a:solidFill>
-                <a:effectLst/>
-                <a:latin typeface="+mn-lt"/>
-                <a:ea typeface="+mn-ea"/>
-                <a:cs typeface="+mn-cs"/>
-              </a:rPr>
               <a:t>android</a:t>
             </a:r>
             <a:r>
-              <a:rPr lang="es-AR" sz="1200" b="0" i="0" kern="1200" baseline="0" dirty="0" smtClean="0">
-                <a:solidFill>
-                  <a:schemeClr val="tx1"/>
-                </a:solidFill>
-                <a:effectLst/>
-                <a:latin typeface="+mn-lt"/>
-                <a:ea typeface="+mn-ea"/>
-                <a:cs typeface="+mn-cs"/>
-              </a:rPr>
-              <a:t>, realizar los cambios oportunos para que soporte diversos lenguajes y plataformas, se </a:t>
-            </a:r>
-            <a:r>
-              <a:rPr lang="es-AR" sz="1200" b="0" i="0" kern="1200" baseline="0" dirty="0" err="1" smtClean="0">
-                <a:solidFill>
-                  <a:schemeClr val="tx1"/>
-                </a:solidFill>
-                <a:effectLst/>
-                <a:latin typeface="+mn-lt"/>
-                <a:ea typeface="+mn-ea"/>
-                <a:cs typeface="+mn-cs"/>
-              </a:rPr>
-              <a:t>podria</a:t>
-            </a:r>
-            <a:r>
-              <a:rPr lang="es-AR" sz="1200" b="0" i="0" kern="1200" baseline="0" dirty="0" smtClean="0">
-                <a:solidFill>
-                  <a:schemeClr val="tx1"/>
-                </a:solidFill>
-                <a:effectLst/>
-                <a:latin typeface="+mn-lt"/>
-                <a:ea typeface="+mn-ea"/>
-                <a:cs typeface="+mn-cs"/>
-              </a:rPr>
-              <a:t> alcanzar sin inconvenientes el mismo nivel de usuarios. </a:t>
-            </a:r>
-          </a:p>
-          <a:p>
-            <a:r>
-              <a:rPr lang="es-AR" sz="1200" b="0" i="0" kern="1200" baseline="0" dirty="0" smtClean="0">
-                <a:solidFill>
-                  <a:schemeClr val="tx1"/>
-                </a:solidFill>
-                <a:effectLst/>
-                <a:latin typeface="+mn-lt"/>
-                <a:ea typeface="+mn-ea"/>
-                <a:cs typeface="+mn-cs"/>
-              </a:rPr>
-              <a:t>En lo referente a </a:t>
-            </a:r>
-            <a:r>
-              <a:rPr lang="es-AR" sz="1200" b="0" i="0" kern="1200" baseline="0" dirty="0" err="1" smtClean="0">
-                <a:solidFill>
-                  <a:schemeClr val="tx1"/>
-                </a:solidFill>
-                <a:effectLst/>
-                <a:latin typeface="+mn-lt"/>
-                <a:ea typeface="+mn-ea"/>
-                <a:cs typeface="+mn-cs"/>
-              </a:rPr>
+              <a:rPr lang="es-AR" baseline="0" dirty="0" smtClean="0"/>
+              <a:t> y hemos tomado como patrón de crecimiento estadísticas de otras empresas conocidas. Para las ganancias se ha tenido en cuenta la descarga de aplicación a 1 dólar y las ganancias por </a:t>
+            </a:r>
+            <a:r>
+              <a:rPr lang="es-AR" baseline="0" dirty="0" err="1" smtClean="0"/>
+              <a:t>google</a:t>
+            </a:r>
+            <a:r>
+              <a:rPr lang="es-AR" baseline="0" dirty="0" smtClean="0"/>
+              <a:t> </a:t>
+            </a:r>
+            <a:r>
+              <a:rPr lang="es-AR" baseline="0" dirty="0" err="1" smtClean="0"/>
+              <a:t>Adds</a:t>
+            </a:r>
+            <a:r>
+              <a:rPr lang="es-AR" baseline="0" dirty="0" smtClean="0"/>
+              <a:t> en base a la cantidad de vistas y </a:t>
+            </a:r>
+            <a:r>
+              <a:rPr lang="es-AR" baseline="0" dirty="0" err="1" smtClean="0"/>
+              <a:t>clicks</a:t>
+            </a:r>
+            <a:r>
+              <a:rPr lang="es-AR" baseline="0" dirty="0" smtClean="0"/>
+              <a:t>. Para esto último se ha considerado los valores más bajos del mercado, es decir, tan solo 10 centavos por </a:t>
+            </a:r>
+            <a:r>
+              <a:rPr lang="es-AR" baseline="0" dirty="0" err="1" smtClean="0"/>
+              <a:t>clicks</a:t>
+            </a:r>
+            <a:r>
+              <a:rPr lang="es-AR" baseline="0" dirty="0" smtClean="0"/>
+              <a:t> y 0,1 centavo por vista.</a:t>
+            </a:r>
+          </a:p>
+          <a:p>
+            <a:r>
+              <a:rPr lang="es-AR" baseline="0" dirty="0" smtClean="0"/>
+              <a:t>En este gráfico se puede ver como la aplicación crecería linealmente entre los </a:t>
+            </a:r>
+            <a:r>
+              <a:rPr lang="es-AR" baseline="0" dirty="0" err="1" smtClean="0"/>
+              <a:t>emses</a:t>
+            </a:r>
+            <a:r>
+              <a:rPr lang="es-AR" baseline="0" dirty="0" smtClean="0"/>
+              <a:t> 5 y 11, llegando a los 100mil usuarios y finalmente iría disminuyendo su crecimiento a partir de ahí hasta estancarse en 160mil usuarios. </a:t>
+            </a:r>
+          </a:p>
+          <a:p>
+            <a:r>
+              <a:rPr lang="es-AR" baseline="0" dirty="0" smtClean="0"/>
+              <a:t>En lo referente a los ingresos, los mismos tendrían un pico durante la expansión de la aplicación llegando a 35mil </a:t>
+            </a:r>
+            <a:r>
+              <a:rPr lang="es-AR" baseline="0" dirty="0" err="1" smtClean="0"/>
+              <a:t>doalres</a:t>
+            </a:r>
+            <a:r>
+              <a:rPr lang="es-AR" baseline="0" dirty="0" smtClean="0"/>
+              <a:t> por mes para finalmente converger a 20 mil </a:t>
+            </a:r>
+            <a:r>
+              <a:rPr lang="es-AR" baseline="0" dirty="0" err="1" smtClean="0"/>
+              <a:t>dolares</a:t>
+            </a:r>
+            <a:r>
+              <a:rPr lang="es-AR" baseline="0" dirty="0" smtClean="0"/>
+              <a:t> por mes. Teniendo en cuenta que el gasto para mantener la aplicación son casi mínimos (tan solo un servidor) , casi todo sería ganancias.</a:t>
+            </a:r>
+          </a:p>
+          <a:p>
+            <a:r>
+              <a:rPr lang="es-AR" baseline="0" dirty="0" smtClean="0"/>
+              <a:t>Finalmente se puede concluir, que siendo este el peor escenario posible, teniendo en cuenta los precios mas bajos del mercado en lo referente a publicidad, sin considerar la </a:t>
+            </a:r>
+            <a:r>
+              <a:rPr lang="es-AR" baseline="0" dirty="0" err="1" smtClean="0"/>
+              <a:t>expansion</a:t>
+            </a:r>
+            <a:r>
+              <a:rPr lang="es-AR" baseline="0" dirty="0" smtClean="0"/>
+              <a:t> del mercado de </a:t>
+            </a:r>
+            <a:r>
+              <a:rPr lang="es-AR" baseline="0" dirty="0" err="1" smtClean="0"/>
+              <a:t>smartphones</a:t>
+            </a:r>
+            <a:r>
+              <a:rPr lang="es-AR" baseline="0" dirty="0" smtClean="0"/>
+              <a:t> en un futuro y considerando tan solo una expansión del 3%, el negocio daría considerables </a:t>
+            </a:r>
+            <a:r>
+              <a:rPr lang="es-AR" baseline="0" dirty="0" err="1" smtClean="0"/>
               <a:t>ganacias</a:t>
             </a:r>
             <a:r>
-              <a:rPr lang="es-AR" sz="1200" b="0" i="0" kern="1200" baseline="0" dirty="0" smtClean="0">
-                <a:solidFill>
-                  <a:schemeClr val="tx1"/>
-                </a:solidFill>
-                <a:effectLst/>
-                <a:latin typeface="+mn-lt"/>
-                <a:ea typeface="+mn-ea"/>
-                <a:cs typeface="+mn-cs"/>
-              </a:rPr>
-              <a:t>, las mismas serían al </a:t>
-            </a:r>
-            <a:r>
-              <a:rPr lang="es-AR" sz="1200" b="0" i="0" kern="1200" baseline="0" dirty="0" err="1" smtClean="0">
-                <a:solidFill>
-                  <a:schemeClr val="tx1"/>
-                </a:solidFill>
-                <a:effectLst/>
-                <a:latin typeface="+mn-lt"/>
-                <a:ea typeface="+mn-ea"/>
-                <a:cs typeface="+mn-cs"/>
-              </a:rPr>
-              <a:t>alzancar</a:t>
-            </a:r>
-            <a:r>
-              <a:rPr lang="es-AR" sz="1200" b="0" i="0" kern="1200" baseline="0" dirty="0" smtClean="0">
-                <a:solidFill>
-                  <a:schemeClr val="tx1"/>
-                </a:solidFill>
-                <a:effectLst/>
-                <a:latin typeface="+mn-lt"/>
-                <a:ea typeface="+mn-ea"/>
-                <a:cs typeface="+mn-cs"/>
-              </a:rPr>
-              <a:t> los 2 años de 7 millones y medio de dólares al mes, teniendo en cuenta los mismos precios para las publicidades que en el escenario anterior. Como pueden ver, un gran negocio.</a:t>
-            </a:r>
-          </a:p>
-          <a:p>
-            <a:r>
-              <a:rPr lang="es-AR" sz="1200" b="0" i="0" kern="1200" baseline="0" dirty="0" smtClean="0">
-                <a:solidFill>
-                  <a:schemeClr val="tx1"/>
-                </a:solidFill>
-                <a:effectLst/>
-                <a:latin typeface="+mn-lt"/>
-                <a:ea typeface="+mn-ea"/>
-                <a:cs typeface="+mn-cs"/>
-              </a:rPr>
-              <a:t>Tan solo un detalle no menor es que la empresa </a:t>
-            </a:r>
-            <a:r>
-              <a:rPr lang="es-AR" sz="1200" b="0" i="0" kern="1200" baseline="0" dirty="0" err="1" smtClean="0">
-                <a:solidFill>
-                  <a:schemeClr val="tx1"/>
-                </a:solidFill>
-                <a:effectLst/>
-                <a:latin typeface="+mn-lt"/>
-                <a:ea typeface="+mn-ea"/>
-                <a:cs typeface="+mn-cs"/>
-              </a:rPr>
-              <a:t>Foursqare</a:t>
-            </a:r>
-            <a:r>
-              <a:rPr lang="es-AR" sz="1200" b="0" i="0" kern="1200" baseline="0" dirty="0" smtClean="0">
-                <a:solidFill>
-                  <a:schemeClr val="tx1"/>
-                </a:solidFill>
-                <a:effectLst/>
-                <a:latin typeface="+mn-lt"/>
-                <a:ea typeface="+mn-ea"/>
-                <a:cs typeface="+mn-cs"/>
-              </a:rPr>
-              <a:t> posee hoy en día (4 años después de su lanzamiento)  posee 30 millones de usuarios, por lo que señores, pueden realizar </a:t>
-            </a:r>
-            <a:r>
-              <a:rPr lang="es-AR" sz="1200" b="0" i="0" kern="1200" baseline="0" dirty="0" err="1" smtClean="0">
-                <a:solidFill>
-                  <a:schemeClr val="tx1"/>
-                </a:solidFill>
-                <a:effectLst/>
-                <a:latin typeface="+mn-lt"/>
-                <a:ea typeface="+mn-ea"/>
-                <a:cs typeface="+mn-cs"/>
-              </a:rPr>
-              <a:t>uds</a:t>
-            </a:r>
-            <a:r>
-              <a:rPr lang="es-AR" sz="1200" b="0" i="0" kern="1200" baseline="0" dirty="0" smtClean="0">
-                <a:solidFill>
-                  <a:schemeClr val="tx1"/>
-                </a:solidFill>
-                <a:effectLst/>
-                <a:latin typeface="+mn-lt"/>
-                <a:ea typeface="+mn-ea"/>
-                <a:cs typeface="+mn-cs"/>
-              </a:rPr>
-              <a:t> mismos las cuentas del negocio que les estamos presentando el día de hoy </a:t>
-            </a:r>
-            <a:r>
-              <a:rPr lang="es-AR" sz="1200" b="0" i="0" kern="1200" baseline="0" dirty="0" smtClean="0">
-                <a:solidFill>
-                  <a:schemeClr val="tx1"/>
-                </a:solidFill>
-                <a:effectLst/>
-                <a:latin typeface="+mn-lt"/>
-                <a:ea typeface="+mn-ea"/>
-                <a:cs typeface="+mn-cs"/>
-                <a:sym typeface="Wingdings" pitchFamily="2" charset="2"/>
-              </a:rPr>
-              <a:t></a:t>
-            </a:r>
-            <a:endParaRPr lang="es-AR" sz="1200" b="0" i="0" kern="1200" baseline="0" dirty="0" smtClean="0">
-              <a:solidFill>
-                <a:schemeClr val="tx1"/>
-              </a:solidFill>
-              <a:effectLst/>
-              <a:latin typeface="+mn-lt"/>
-              <a:ea typeface="+mn-ea"/>
-              <a:cs typeface="+mn-cs"/>
-            </a:endParaRPr>
+              <a:rPr lang="es-AR" baseline="0" dirty="0" smtClean="0"/>
+              <a:t>.</a:t>
+            </a:r>
+          </a:p>
+          <a:p>
+            <a:r>
+              <a:rPr lang="es-AR" baseline="0" dirty="0" smtClean="0"/>
+              <a:t>Sin embargo, ahora nos podríamos preguntar, y si la aplicación es realmente un éxito y se expande a otros mercados con una captación mayor?</a:t>
+            </a:r>
           </a:p>
         </p:txBody>
       </p:sp>
@@ -4598,7 +4254,7 @@
     </p:spTree>
     <p:extLst>
       <p:ext uri="{BB962C8B-B14F-4D97-AF65-F5344CB8AC3E}">
-        <p14:creationId xmlns:p14="http://schemas.microsoft.com/office/powerpoint/2010/main" xmlns="" val="3000085410"/>
+        <p14:creationId xmlns:p14="http://schemas.microsoft.com/office/powerpoint/2010/main" val="3003342862"/>
       </p:ext>
     </p:extLst>
   </p:cSld>
@@ -4652,7 +4308,376 @@
           <a:bodyPr/>
           <a:lstStyle/>
           <a:p>
-            <a:endParaRPr lang="es-AR" dirty="0"/>
+            <a:r>
+              <a:rPr lang="es-AR" dirty="0" smtClean="0"/>
+              <a:t>En ese escenario, hemos tomado los datos de una empresa</a:t>
+            </a:r>
+            <a:r>
+              <a:rPr lang="es-AR" baseline="0" dirty="0" smtClean="0"/>
+              <a:t> similar (como </a:t>
+            </a:r>
+            <a:r>
+              <a:rPr lang="es-AR" baseline="0" dirty="0" err="1" smtClean="0"/>
+              <a:t>Foursqare</a:t>
+            </a:r>
+            <a:r>
+              <a:rPr lang="es-AR" baseline="0" dirty="0" smtClean="0"/>
+              <a:t>) y su crecimiento en sus dos primeros años. Para quienes no conozcan esta compañía, la misma </a:t>
+            </a:r>
+            <a:r>
+              <a:rPr lang="es-AR" sz="1200" b="0" i="0" kern="1200" dirty="0" smtClean="0">
+                <a:solidFill>
+                  <a:schemeClr val="tx1"/>
+                </a:solidFill>
+                <a:effectLst/>
+                <a:latin typeface="+mn-lt"/>
+                <a:ea typeface="+mn-ea"/>
+                <a:cs typeface="+mn-cs"/>
+              </a:rPr>
+              <a:t>es un </a:t>
+            </a:r>
+            <a:r>
+              <a:rPr lang="es-AR" sz="1200" b="0" i="0" u="none" strike="noStrike" kern="1200" dirty="0" smtClean="0">
+                <a:solidFill>
+                  <a:schemeClr val="tx1"/>
+                </a:solidFill>
+                <a:effectLst/>
+                <a:latin typeface="+mn-lt"/>
+                <a:ea typeface="+mn-ea"/>
+                <a:cs typeface="+mn-cs"/>
+                <a:hlinkClick r:id="rId3" tooltip="Servicio basado en localización"/>
+              </a:rPr>
+              <a:t>servicio basado en localización</a:t>
+            </a:r>
+            <a:r>
+              <a:rPr lang="es-AR" sz="1200" b="0" i="0" kern="1200" dirty="0" smtClean="0">
+                <a:solidFill>
+                  <a:schemeClr val="tx1"/>
+                </a:solidFill>
+                <a:effectLst/>
+                <a:latin typeface="+mn-lt"/>
+                <a:ea typeface="+mn-ea"/>
+                <a:cs typeface="+mn-cs"/>
+              </a:rPr>
+              <a:t> web aplicada a las </a:t>
+            </a:r>
+            <a:r>
+              <a:rPr lang="es-AR" sz="1200" b="0" i="0" u="none" strike="noStrike" kern="1200" dirty="0" smtClean="0">
+                <a:solidFill>
+                  <a:schemeClr val="tx1"/>
+                </a:solidFill>
+                <a:effectLst/>
+                <a:latin typeface="+mn-lt"/>
+                <a:ea typeface="+mn-ea"/>
+                <a:cs typeface="+mn-cs"/>
+                <a:hlinkClick r:id="rId4" tooltip="Redes sociales"/>
+              </a:rPr>
+              <a:t>redes sociales</a:t>
+            </a:r>
+            <a:r>
+              <a:rPr lang="es-AR" sz="1200" b="0" i="0" kern="1200" dirty="0" smtClean="0">
+                <a:solidFill>
+                  <a:schemeClr val="tx1"/>
+                </a:solidFill>
+                <a:effectLst/>
+                <a:latin typeface="+mn-lt"/>
+                <a:ea typeface="+mn-ea"/>
+                <a:cs typeface="+mn-cs"/>
+              </a:rPr>
+              <a:t>. La </a:t>
+            </a:r>
+            <a:r>
+              <a:rPr lang="es-AR" sz="1200" b="0" i="0" kern="1200" dirty="0" err="1" smtClean="0">
+                <a:solidFill>
+                  <a:schemeClr val="tx1"/>
+                </a:solidFill>
+                <a:effectLst/>
+                <a:latin typeface="+mn-lt"/>
+                <a:ea typeface="+mn-ea"/>
+                <a:cs typeface="+mn-cs"/>
+              </a:rPr>
+              <a:t>geolocalización</a:t>
+            </a:r>
+            <a:r>
+              <a:rPr lang="es-AR" sz="1200" b="0" i="0" kern="1200" dirty="0" smtClean="0">
+                <a:solidFill>
+                  <a:schemeClr val="tx1"/>
+                </a:solidFill>
+                <a:effectLst/>
+                <a:latin typeface="+mn-lt"/>
+                <a:ea typeface="+mn-ea"/>
+                <a:cs typeface="+mn-cs"/>
+              </a:rPr>
+              <a:t> permite localizar un dispositivo fijo o móvil en una ubicación geográfica.</a:t>
+            </a:r>
+            <a:r>
+              <a:rPr lang="es-AR" sz="1200" b="0" i="0" kern="1200" baseline="0" dirty="0" smtClean="0">
+                <a:solidFill>
+                  <a:schemeClr val="tx1"/>
+                </a:solidFill>
+                <a:effectLst/>
+                <a:latin typeface="+mn-lt"/>
+                <a:ea typeface="+mn-ea"/>
+                <a:cs typeface="+mn-cs"/>
+              </a:rPr>
+              <a:t> Si bien es una aplicación exitosa, no es considerada como una aplicación especialmente </a:t>
+            </a:r>
+            <a:r>
+              <a:rPr lang="es-AR" sz="1200" b="0" i="0" kern="1200" baseline="0" dirty="0" err="1" smtClean="0">
+                <a:solidFill>
+                  <a:schemeClr val="tx1"/>
+                </a:solidFill>
+                <a:effectLst/>
+                <a:latin typeface="+mn-lt"/>
+                <a:ea typeface="+mn-ea"/>
+                <a:cs typeface="+mn-cs"/>
+              </a:rPr>
+              <a:t>virosica</a:t>
+            </a:r>
+            <a:r>
+              <a:rPr lang="es-AR" sz="1200" b="0" i="0" kern="1200" baseline="0" dirty="0" smtClean="0">
+                <a:solidFill>
+                  <a:schemeClr val="tx1"/>
+                </a:solidFill>
+                <a:effectLst/>
+                <a:latin typeface="+mn-lt"/>
+                <a:ea typeface="+mn-ea"/>
+                <a:cs typeface="+mn-cs"/>
+              </a:rPr>
+              <a:t> ni con un extremo furor. La misma alcanzo a los 2 años de su lanzamiento 8 millones de usuarios. Lo consiguió al expandirse en varias regiones (su </a:t>
+            </a:r>
+            <a:r>
+              <a:rPr lang="es-AR" sz="1200" b="0" i="0" kern="1200" baseline="0" dirty="0" err="1" smtClean="0">
+                <a:solidFill>
+                  <a:schemeClr val="tx1"/>
+                </a:solidFill>
+                <a:effectLst/>
+                <a:latin typeface="+mn-lt"/>
+                <a:ea typeface="+mn-ea"/>
+                <a:cs typeface="+mn-cs"/>
+              </a:rPr>
+              <a:t>aplicacióne</a:t>
+            </a:r>
+            <a:r>
+              <a:rPr lang="es-AR" sz="1200" b="0" i="0" kern="1200" baseline="0" dirty="0" smtClean="0">
+                <a:solidFill>
+                  <a:schemeClr val="tx1"/>
+                </a:solidFill>
+                <a:effectLst/>
+                <a:latin typeface="+mn-lt"/>
+                <a:ea typeface="+mn-ea"/>
+                <a:cs typeface="+mn-cs"/>
+              </a:rPr>
+              <a:t> s multilenguaje) así como en varias plataformas. </a:t>
+            </a:r>
+          </a:p>
+          <a:p>
+            <a:r>
+              <a:rPr lang="es-AR" sz="1200" b="0" i="0" kern="1200" baseline="0" dirty="0" smtClean="0">
+                <a:solidFill>
+                  <a:schemeClr val="tx1"/>
+                </a:solidFill>
+                <a:effectLst/>
+                <a:latin typeface="+mn-lt"/>
+                <a:ea typeface="+mn-ea"/>
+                <a:cs typeface="+mn-cs"/>
+              </a:rPr>
+              <a:t>Si consideramos que nuestra aplicación tiene todas a favor para resultar aún mas exitosa que esta aplicación y suponiendo que se realiza el soporte necesario para aproximadamente al año de su lanzamiento en </a:t>
+            </a:r>
+            <a:r>
+              <a:rPr lang="es-AR" sz="1200" b="0" i="0" kern="1200" baseline="0" dirty="0" err="1" smtClean="0">
+                <a:solidFill>
+                  <a:schemeClr val="tx1"/>
+                </a:solidFill>
+                <a:effectLst/>
+                <a:latin typeface="+mn-lt"/>
+                <a:ea typeface="+mn-ea"/>
+                <a:cs typeface="+mn-cs"/>
+              </a:rPr>
+              <a:t>android</a:t>
+            </a:r>
+            <a:r>
+              <a:rPr lang="es-AR" sz="1200" b="0" i="0" kern="1200" baseline="0" dirty="0" smtClean="0">
+                <a:solidFill>
+                  <a:schemeClr val="tx1"/>
+                </a:solidFill>
+                <a:effectLst/>
+                <a:latin typeface="+mn-lt"/>
+                <a:ea typeface="+mn-ea"/>
+                <a:cs typeface="+mn-cs"/>
+              </a:rPr>
+              <a:t>, realizar los cambios oportunos para que soporte diversos lenguajes y plataformas, se </a:t>
+            </a:r>
+            <a:r>
+              <a:rPr lang="es-AR" sz="1200" b="0" i="0" kern="1200" baseline="0" dirty="0" err="1" smtClean="0">
+                <a:solidFill>
+                  <a:schemeClr val="tx1"/>
+                </a:solidFill>
+                <a:effectLst/>
+                <a:latin typeface="+mn-lt"/>
+                <a:ea typeface="+mn-ea"/>
+                <a:cs typeface="+mn-cs"/>
+              </a:rPr>
+              <a:t>podria</a:t>
+            </a:r>
+            <a:r>
+              <a:rPr lang="es-AR" sz="1200" b="0" i="0" kern="1200" baseline="0" dirty="0" smtClean="0">
+                <a:solidFill>
+                  <a:schemeClr val="tx1"/>
+                </a:solidFill>
+                <a:effectLst/>
+                <a:latin typeface="+mn-lt"/>
+                <a:ea typeface="+mn-ea"/>
+                <a:cs typeface="+mn-cs"/>
+              </a:rPr>
+              <a:t> alcanzar sin inconvenientes el mismo nivel de usuarios. </a:t>
+            </a:r>
+          </a:p>
+          <a:p>
+            <a:r>
+              <a:rPr lang="es-AR" sz="1200" b="0" i="0" kern="1200" baseline="0" dirty="0" smtClean="0">
+                <a:solidFill>
+                  <a:schemeClr val="tx1"/>
+                </a:solidFill>
+                <a:effectLst/>
+                <a:latin typeface="+mn-lt"/>
+                <a:ea typeface="+mn-ea"/>
+                <a:cs typeface="+mn-cs"/>
+              </a:rPr>
+              <a:t>En lo referente a </a:t>
+            </a:r>
+            <a:r>
+              <a:rPr lang="es-AR" sz="1200" b="0" i="0" kern="1200" baseline="0" dirty="0" err="1" smtClean="0">
+                <a:solidFill>
+                  <a:schemeClr val="tx1"/>
+                </a:solidFill>
+                <a:effectLst/>
+                <a:latin typeface="+mn-lt"/>
+                <a:ea typeface="+mn-ea"/>
+                <a:cs typeface="+mn-cs"/>
+              </a:rPr>
+              <a:t>ganacias</a:t>
+            </a:r>
+            <a:r>
+              <a:rPr lang="es-AR" sz="1200" b="0" i="0" kern="1200" baseline="0" dirty="0" smtClean="0">
+                <a:solidFill>
+                  <a:schemeClr val="tx1"/>
+                </a:solidFill>
+                <a:effectLst/>
+                <a:latin typeface="+mn-lt"/>
+                <a:ea typeface="+mn-ea"/>
+                <a:cs typeface="+mn-cs"/>
+              </a:rPr>
+              <a:t>, las mismas serían al </a:t>
+            </a:r>
+            <a:r>
+              <a:rPr lang="es-AR" sz="1200" b="0" i="0" kern="1200" baseline="0" dirty="0" err="1" smtClean="0">
+                <a:solidFill>
+                  <a:schemeClr val="tx1"/>
+                </a:solidFill>
+                <a:effectLst/>
+                <a:latin typeface="+mn-lt"/>
+                <a:ea typeface="+mn-ea"/>
+                <a:cs typeface="+mn-cs"/>
+              </a:rPr>
+              <a:t>alzancar</a:t>
+            </a:r>
+            <a:r>
+              <a:rPr lang="es-AR" sz="1200" b="0" i="0" kern="1200" baseline="0" dirty="0" smtClean="0">
+                <a:solidFill>
+                  <a:schemeClr val="tx1"/>
+                </a:solidFill>
+                <a:effectLst/>
+                <a:latin typeface="+mn-lt"/>
+                <a:ea typeface="+mn-ea"/>
+                <a:cs typeface="+mn-cs"/>
+              </a:rPr>
+              <a:t> los 2 años de 7 millones y medio de dólares al mes, teniendo en cuenta los mismos precios para las publicidades que en el escenario anterior. Como pueden ver, un gran negocio.</a:t>
+            </a:r>
+          </a:p>
+          <a:p>
+            <a:r>
+              <a:rPr lang="es-AR" sz="1200" b="0" i="0" kern="1200" baseline="0" dirty="0" smtClean="0">
+                <a:solidFill>
+                  <a:schemeClr val="tx1"/>
+                </a:solidFill>
+                <a:effectLst/>
+                <a:latin typeface="+mn-lt"/>
+                <a:ea typeface="+mn-ea"/>
+                <a:cs typeface="+mn-cs"/>
+              </a:rPr>
+              <a:t>Tan solo un detalle no menor es que la empresa </a:t>
+            </a:r>
+            <a:r>
+              <a:rPr lang="es-AR" sz="1200" b="0" i="0" kern="1200" baseline="0" dirty="0" err="1" smtClean="0">
+                <a:solidFill>
+                  <a:schemeClr val="tx1"/>
+                </a:solidFill>
+                <a:effectLst/>
+                <a:latin typeface="+mn-lt"/>
+                <a:ea typeface="+mn-ea"/>
+                <a:cs typeface="+mn-cs"/>
+              </a:rPr>
+              <a:t>Foursqare</a:t>
+            </a:r>
+            <a:r>
+              <a:rPr lang="es-AR" sz="1200" b="0" i="0" kern="1200" baseline="0" dirty="0" smtClean="0">
+                <a:solidFill>
+                  <a:schemeClr val="tx1"/>
+                </a:solidFill>
+                <a:effectLst/>
+                <a:latin typeface="+mn-lt"/>
+                <a:ea typeface="+mn-ea"/>
+                <a:cs typeface="+mn-cs"/>
+              </a:rPr>
+              <a:t> posee hoy en día (4 años después de su lanzamiento)  posee 30 millones de usuarios, por lo que señores, pueden realizar </a:t>
+            </a:r>
+            <a:r>
+              <a:rPr lang="es-AR" sz="1200" b="0" i="0" kern="1200" baseline="0" dirty="0" err="1" smtClean="0">
+                <a:solidFill>
+                  <a:schemeClr val="tx1"/>
+                </a:solidFill>
+                <a:effectLst/>
+                <a:latin typeface="+mn-lt"/>
+                <a:ea typeface="+mn-ea"/>
+                <a:cs typeface="+mn-cs"/>
+              </a:rPr>
+              <a:t>uds</a:t>
+            </a:r>
+            <a:r>
+              <a:rPr lang="es-AR" sz="1200" b="0" i="0" kern="1200" baseline="0" dirty="0" smtClean="0">
+                <a:solidFill>
+                  <a:schemeClr val="tx1"/>
+                </a:solidFill>
+                <a:effectLst/>
+                <a:latin typeface="+mn-lt"/>
+                <a:ea typeface="+mn-ea"/>
+                <a:cs typeface="+mn-cs"/>
+              </a:rPr>
+              <a:t> mismos las cuentas del negocio que les estamos presentando el día de hoy </a:t>
+            </a:r>
+            <a:r>
+              <a:rPr lang="es-AR" sz="1200" b="0" i="0" kern="1200" baseline="0" dirty="0" smtClean="0">
+                <a:solidFill>
+                  <a:schemeClr val="tx1"/>
+                </a:solidFill>
+                <a:effectLst/>
+                <a:latin typeface="+mn-lt"/>
+                <a:ea typeface="+mn-ea"/>
+                <a:cs typeface="+mn-cs"/>
+                <a:sym typeface="Wingdings" pitchFamily="2" charset="2"/>
+              </a:rPr>
+              <a:t></a:t>
+            </a:r>
+            <a:endParaRPr lang="es-AR" sz="1200" b="0" i="0" kern="1200" baseline="0" dirty="0" smtClean="0">
+              <a:solidFill>
+                <a:schemeClr val="tx1"/>
+              </a:solidFill>
+              <a:effectLst/>
+              <a:latin typeface="+mn-lt"/>
+              <a:ea typeface="+mn-ea"/>
+              <a:cs typeface="+mn-cs"/>
+            </a:endParaRPr>
           </a:p>
         </p:txBody>
       </p:sp>
@@ -4683,7 +4708,7 @@
     </p:spTree>
     <p:extLst>
       <p:ext uri="{BB962C8B-B14F-4D97-AF65-F5344CB8AC3E}">
-        <p14:creationId xmlns:p14="http://schemas.microsoft.com/office/powerpoint/2010/main" xmlns="" val="1057133531"/>
+        <p14:creationId xmlns:p14="http://schemas.microsoft.com/office/powerpoint/2010/main" val="3000085410"/>
       </p:ext>
     </p:extLst>
   </p:cSld>
@@ -4875,7 +4900,7 @@
             <a:fld id="{A7BD7AA0-4159-4CB0-B2DE-5811B6B83B79}" type="datetimeFigureOut">
               <a:rPr lang="es-AR" smtClean="0"/>
               <a:pPr/>
-              <a:t>03/08/2013</a:t>
+              <a:t>04/08/2013</a:t>
             </a:fld>
             <a:endParaRPr lang="es-AR"/>
           </a:p>
@@ -4918,7 +4943,7 @@
             <a:fld id="{6165A59F-90C2-4CE1-930A-E430CB683E84}" type="slidenum">
               <a:rPr lang="es-AR" smtClean="0"/>
               <a:pPr/>
-              <a:t>‹Nº›</a:t>
+              <a:t>‹#›</a:t>
             </a:fld>
             <a:endParaRPr lang="es-AR"/>
           </a:p>
@@ -4927,7 +4952,7 @@
     </p:spTree>
     <p:extLst>
       <p:ext uri="{BB962C8B-B14F-4D97-AF65-F5344CB8AC3E}">
-        <p14:creationId xmlns:p14="http://schemas.microsoft.com/office/powerpoint/2010/main" xmlns="" val="4071340637"/>
+        <p14:creationId xmlns:p14="http://schemas.microsoft.com/office/powerpoint/2010/main" val="4071340637"/>
       </p:ext>
     </p:extLst>
   </p:cSld>
@@ -5047,7 +5072,7 @@
             <a:fld id="{A7BD7AA0-4159-4CB0-B2DE-5811B6B83B79}" type="datetimeFigureOut">
               <a:rPr lang="es-AR" smtClean="0"/>
               <a:pPr/>
-              <a:t>03/08/2013</a:t>
+              <a:t>04/08/2013</a:t>
             </a:fld>
             <a:endParaRPr lang="es-AR"/>
           </a:p>
@@ -5090,7 +5115,7 @@
             <a:fld id="{6165A59F-90C2-4CE1-930A-E430CB683E84}" type="slidenum">
               <a:rPr lang="es-AR" smtClean="0"/>
               <a:pPr/>
-              <a:t>‹Nº›</a:t>
+              <a:t>‹#›</a:t>
             </a:fld>
             <a:endParaRPr lang="es-AR"/>
           </a:p>
@@ -5099,7 +5124,7 @@
     </p:spTree>
     <p:extLst>
       <p:ext uri="{BB962C8B-B14F-4D97-AF65-F5344CB8AC3E}">
-        <p14:creationId xmlns:p14="http://schemas.microsoft.com/office/powerpoint/2010/main" xmlns="" val="1409430677"/>
+        <p14:creationId xmlns:p14="http://schemas.microsoft.com/office/powerpoint/2010/main" val="1409430677"/>
       </p:ext>
     </p:extLst>
   </p:cSld>
@@ -5229,7 +5254,7 @@
             <a:fld id="{A7BD7AA0-4159-4CB0-B2DE-5811B6B83B79}" type="datetimeFigureOut">
               <a:rPr lang="es-AR" smtClean="0"/>
               <a:pPr/>
-              <a:t>03/08/2013</a:t>
+              <a:t>04/08/2013</a:t>
             </a:fld>
             <a:endParaRPr lang="es-AR"/>
           </a:p>
@@ -5272,7 +5297,7 @@
             <a:fld id="{6165A59F-90C2-4CE1-930A-E430CB683E84}" type="slidenum">
               <a:rPr lang="es-AR" smtClean="0"/>
               <a:pPr/>
-              <a:t>‹Nº›</a:t>
+              <a:t>‹#›</a:t>
             </a:fld>
             <a:endParaRPr lang="es-AR"/>
           </a:p>
@@ -5281,7 +5306,7 @@
     </p:spTree>
     <p:extLst>
       <p:ext uri="{BB962C8B-B14F-4D97-AF65-F5344CB8AC3E}">
-        <p14:creationId xmlns:p14="http://schemas.microsoft.com/office/powerpoint/2010/main" xmlns="" val="162565899"/>
+        <p14:creationId xmlns:p14="http://schemas.microsoft.com/office/powerpoint/2010/main" val="162565899"/>
       </p:ext>
     </p:extLst>
   </p:cSld>
@@ -5401,7 +5426,7 @@
             <a:fld id="{A7BD7AA0-4159-4CB0-B2DE-5811B6B83B79}" type="datetimeFigureOut">
               <a:rPr lang="es-AR" smtClean="0"/>
               <a:pPr/>
-              <a:t>03/08/2013</a:t>
+              <a:t>04/08/2013</a:t>
             </a:fld>
             <a:endParaRPr lang="es-AR"/>
           </a:p>
@@ -5444,7 +5469,7 @@
             <a:fld id="{6165A59F-90C2-4CE1-930A-E430CB683E84}" type="slidenum">
               <a:rPr lang="es-AR" smtClean="0"/>
               <a:pPr/>
-              <a:t>‹Nº›</a:t>
+              <a:t>‹#›</a:t>
             </a:fld>
             <a:endParaRPr lang="es-AR"/>
           </a:p>
@@ -5453,7 +5478,7 @@
     </p:spTree>
     <p:extLst>
       <p:ext uri="{BB962C8B-B14F-4D97-AF65-F5344CB8AC3E}">
-        <p14:creationId xmlns:p14="http://schemas.microsoft.com/office/powerpoint/2010/main" xmlns="" val="1601180198"/>
+        <p14:creationId xmlns:p14="http://schemas.microsoft.com/office/powerpoint/2010/main" val="1601180198"/>
       </p:ext>
     </p:extLst>
   </p:cSld>
@@ -5649,7 +5674,7 @@
             <a:fld id="{A7BD7AA0-4159-4CB0-B2DE-5811B6B83B79}" type="datetimeFigureOut">
               <a:rPr lang="es-AR" smtClean="0"/>
               <a:pPr/>
-              <a:t>03/08/2013</a:t>
+              <a:t>04/08/2013</a:t>
             </a:fld>
             <a:endParaRPr lang="es-AR"/>
           </a:p>
@@ -5692,7 +5717,7 @@
             <a:fld id="{6165A59F-90C2-4CE1-930A-E430CB683E84}" type="slidenum">
               <a:rPr lang="es-AR" smtClean="0"/>
               <a:pPr/>
-              <a:t>‹Nº›</a:t>
+              <a:t>‹#›</a:t>
             </a:fld>
             <a:endParaRPr lang="es-AR"/>
           </a:p>
@@ -5701,7 +5726,7 @@
     </p:spTree>
     <p:extLst>
       <p:ext uri="{BB962C8B-B14F-4D97-AF65-F5344CB8AC3E}">
-        <p14:creationId xmlns:p14="http://schemas.microsoft.com/office/powerpoint/2010/main" xmlns="" val="472115813"/>
+        <p14:creationId xmlns:p14="http://schemas.microsoft.com/office/powerpoint/2010/main" val="472115813"/>
       </p:ext>
     </p:extLst>
   </p:cSld>
@@ -5939,7 +5964,7 @@
             <a:fld id="{A7BD7AA0-4159-4CB0-B2DE-5811B6B83B79}" type="datetimeFigureOut">
               <a:rPr lang="es-AR" smtClean="0"/>
               <a:pPr/>
-              <a:t>03/08/2013</a:t>
+              <a:t>04/08/2013</a:t>
             </a:fld>
             <a:endParaRPr lang="es-AR"/>
           </a:p>
@@ -5982,7 +6007,7 @@
             <a:fld id="{6165A59F-90C2-4CE1-930A-E430CB683E84}" type="slidenum">
               <a:rPr lang="es-AR" smtClean="0"/>
               <a:pPr/>
-              <a:t>‹Nº›</a:t>
+              <a:t>‹#›</a:t>
             </a:fld>
             <a:endParaRPr lang="es-AR"/>
           </a:p>
@@ -5991,7 +6016,7 @@
     </p:spTree>
     <p:extLst>
       <p:ext uri="{BB962C8B-B14F-4D97-AF65-F5344CB8AC3E}">
-        <p14:creationId xmlns:p14="http://schemas.microsoft.com/office/powerpoint/2010/main" xmlns="" val="593189153"/>
+        <p14:creationId xmlns:p14="http://schemas.microsoft.com/office/powerpoint/2010/main" val="593189153"/>
       </p:ext>
     </p:extLst>
   </p:cSld>
@@ -6363,7 +6388,7 @@
             <a:fld id="{A7BD7AA0-4159-4CB0-B2DE-5811B6B83B79}" type="datetimeFigureOut">
               <a:rPr lang="es-AR" smtClean="0"/>
               <a:pPr/>
-              <a:t>03/08/2013</a:t>
+              <a:t>04/08/2013</a:t>
             </a:fld>
             <a:endParaRPr lang="es-AR"/>
           </a:p>
@@ -6406,7 +6431,7 @@
             <a:fld id="{6165A59F-90C2-4CE1-930A-E430CB683E84}" type="slidenum">
               <a:rPr lang="es-AR" smtClean="0"/>
               <a:pPr/>
-              <a:t>‹Nº›</a:t>
+              <a:t>‹#›</a:t>
             </a:fld>
             <a:endParaRPr lang="es-AR"/>
           </a:p>
@@ -6415,7 +6440,7 @@
     </p:spTree>
     <p:extLst>
       <p:ext uri="{BB962C8B-B14F-4D97-AF65-F5344CB8AC3E}">
-        <p14:creationId xmlns:p14="http://schemas.microsoft.com/office/powerpoint/2010/main" xmlns="" val="4057715406"/>
+        <p14:creationId xmlns:p14="http://schemas.microsoft.com/office/powerpoint/2010/main" val="4057715406"/>
       </p:ext>
     </p:extLst>
   </p:cSld>
@@ -6483,7 +6508,7 @@
             <a:fld id="{A7BD7AA0-4159-4CB0-B2DE-5811B6B83B79}" type="datetimeFigureOut">
               <a:rPr lang="es-AR" smtClean="0"/>
               <a:pPr/>
-              <a:t>03/08/2013</a:t>
+              <a:t>04/08/2013</a:t>
             </a:fld>
             <a:endParaRPr lang="es-AR"/>
           </a:p>
@@ -6526,7 +6551,7 @@
             <a:fld id="{6165A59F-90C2-4CE1-930A-E430CB683E84}" type="slidenum">
               <a:rPr lang="es-AR" smtClean="0"/>
               <a:pPr/>
-              <a:t>‹Nº›</a:t>
+              <a:t>‹#›</a:t>
             </a:fld>
             <a:endParaRPr lang="es-AR"/>
           </a:p>
@@ -6535,7 +6560,7 @@
     </p:spTree>
     <p:extLst>
       <p:ext uri="{BB962C8B-B14F-4D97-AF65-F5344CB8AC3E}">
-        <p14:creationId xmlns:p14="http://schemas.microsoft.com/office/powerpoint/2010/main" xmlns="" val="3412129552"/>
+        <p14:creationId xmlns:p14="http://schemas.microsoft.com/office/powerpoint/2010/main" val="3412129552"/>
       </p:ext>
     </p:extLst>
   </p:cSld>
@@ -6580,7 +6605,7 @@
             <a:fld id="{A7BD7AA0-4159-4CB0-B2DE-5811B6B83B79}" type="datetimeFigureOut">
               <a:rPr lang="es-AR" smtClean="0"/>
               <a:pPr/>
-              <a:t>03/08/2013</a:t>
+              <a:t>04/08/2013</a:t>
             </a:fld>
             <a:endParaRPr lang="es-AR"/>
           </a:p>
@@ -6623,7 +6648,7 @@
             <a:fld id="{6165A59F-90C2-4CE1-930A-E430CB683E84}" type="slidenum">
               <a:rPr lang="es-AR" smtClean="0"/>
               <a:pPr/>
-              <a:t>‹Nº›</a:t>
+              <a:t>‹#›</a:t>
             </a:fld>
             <a:endParaRPr lang="es-AR"/>
           </a:p>
@@ -6632,7 +6657,7 @@
     </p:spTree>
     <p:extLst>
       <p:ext uri="{BB962C8B-B14F-4D97-AF65-F5344CB8AC3E}">
-        <p14:creationId xmlns:p14="http://schemas.microsoft.com/office/powerpoint/2010/main" xmlns="" val="2648432124"/>
+        <p14:creationId xmlns:p14="http://schemas.microsoft.com/office/powerpoint/2010/main" val="2648432124"/>
       </p:ext>
     </p:extLst>
   </p:cSld>
@@ -6859,7 +6884,7 @@
             <a:fld id="{A7BD7AA0-4159-4CB0-B2DE-5811B6B83B79}" type="datetimeFigureOut">
               <a:rPr lang="es-AR" smtClean="0"/>
               <a:pPr/>
-              <a:t>03/08/2013</a:t>
+              <a:t>04/08/2013</a:t>
             </a:fld>
             <a:endParaRPr lang="es-AR"/>
           </a:p>
@@ -6902,7 +6927,7 @@
             <a:fld id="{6165A59F-90C2-4CE1-930A-E430CB683E84}" type="slidenum">
               <a:rPr lang="es-AR" smtClean="0"/>
               <a:pPr/>
-              <a:t>‹Nº›</a:t>
+              <a:t>‹#›</a:t>
             </a:fld>
             <a:endParaRPr lang="es-AR"/>
           </a:p>
@@ -6911,7 +6936,7 @@
     </p:spTree>
     <p:extLst>
       <p:ext uri="{BB962C8B-B14F-4D97-AF65-F5344CB8AC3E}">
-        <p14:creationId xmlns:p14="http://schemas.microsoft.com/office/powerpoint/2010/main" xmlns="" val="47927167"/>
+        <p14:creationId xmlns:p14="http://schemas.microsoft.com/office/powerpoint/2010/main" val="47927167"/>
       </p:ext>
     </p:extLst>
   </p:cSld>
@@ -7114,7 +7139,7 @@
             <a:fld id="{A7BD7AA0-4159-4CB0-B2DE-5811B6B83B79}" type="datetimeFigureOut">
               <a:rPr lang="es-AR" smtClean="0"/>
               <a:pPr/>
-              <a:t>03/08/2013</a:t>
+              <a:t>04/08/2013</a:t>
             </a:fld>
             <a:endParaRPr lang="es-AR"/>
           </a:p>
@@ -7157,7 +7182,7 @@
             <a:fld id="{6165A59F-90C2-4CE1-930A-E430CB683E84}" type="slidenum">
               <a:rPr lang="es-AR" smtClean="0"/>
               <a:pPr/>
-              <a:t>‹Nº›</a:t>
+              <a:t>‹#›</a:t>
             </a:fld>
             <a:endParaRPr lang="es-AR"/>
           </a:p>
@@ -7166,7 +7191,7 @@
     </p:spTree>
     <p:extLst>
       <p:ext uri="{BB962C8B-B14F-4D97-AF65-F5344CB8AC3E}">
-        <p14:creationId xmlns:p14="http://schemas.microsoft.com/office/powerpoint/2010/main" xmlns="" val="150690754"/>
+        <p14:creationId xmlns:p14="http://schemas.microsoft.com/office/powerpoint/2010/main" val="150690754"/>
       </p:ext>
     </p:extLst>
   </p:cSld>
@@ -7329,7 +7354,7 @@
             <a:fld id="{A7BD7AA0-4159-4CB0-B2DE-5811B6B83B79}" type="datetimeFigureOut">
               <a:rPr lang="es-AR" smtClean="0"/>
               <a:pPr/>
-              <a:t>03/08/2013</a:t>
+              <a:t>04/08/2013</a:t>
             </a:fld>
             <a:endParaRPr lang="es-AR"/>
           </a:p>
@@ -7408,7 +7433,7 @@
             <a:fld id="{6165A59F-90C2-4CE1-930A-E430CB683E84}" type="slidenum">
               <a:rPr lang="es-AR" smtClean="0"/>
               <a:pPr/>
-              <a:t>‹Nº›</a:t>
+              <a:t>‹#›</a:t>
             </a:fld>
             <a:endParaRPr lang="es-AR"/>
           </a:p>
@@ -7417,7 +7442,7 @@
     </p:spTree>
     <p:extLst>
       <p:ext uri="{BB962C8B-B14F-4D97-AF65-F5344CB8AC3E}">
-        <p14:creationId xmlns:p14="http://schemas.microsoft.com/office/powerpoint/2010/main" xmlns="" val="3745856367"/>
+        <p14:creationId xmlns:p14="http://schemas.microsoft.com/office/powerpoint/2010/main" val="3745856367"/>
       </p:ext>
     </p:extLst>
   </p:cSld>
@@ -7762,7 +7787,7 @@
     </p:spTree>
     <p:extLst>
       <p:ext uri="{BB962C8B-B14F-4D97-AF65-F5344CB8AC3E}">
-        <p14:creationId xmlns:p14="http://schemas.microsoft.com/office/powerpoint/2010/main" xmlns="" val="2180121556"/>
+        <p14:creationId xmlns:p14="http://schemas.microsoft.com/office/powerpoint/2010/main" val="2180121556"/>
       </p:ext>
     </p:extLst>
   </p:cSld>
@@ -7833,7 +7858,7 @@
           <a:blip r:embed="rId3">
             <a:extLst>
               <a:ext uri="{28A0092B-C50C-407E-A947-70E740481C1C}">
-                <a14:useLocalDpi xmlns:a14="http://schemas.microsoft.com/office/drawing/2010/main" xmlns="" val="0"/>
+                <a14:useLocalDpi xmlns:a14="http://schemas.microsoft.com/office/drawing/2010/main" val="0"/>
               </a:ext>
             </a:extLst>
           </a:blip>
@@ -7851,7 +7876,7 @@
     </p:spTree>
     <p:extLst>
       <p:ext uri="{BB962C8B-B14F-4D97-AF65-F5344CB8AC3E}">
-        <p14:creationId xmlns:p14="http://schemas.microsoft.com/office/powerpoint/2010/main" xmlns="" val="1183574876"/>
+        <p14:creationId xmlns:p14="http://schemas.microsoft.com/office/powerpoint/2010/main" val="1183574876"/>
       </p:ext>
     </p:extLst>
   </p:cSld>
@@ -7897,7 +7922,7 @@
           <a:blip r:embed="rId2" cstate="print">
             <a:extLst>
               <a:ext uri="{28A0092B-C50C-407E-A947-70E740481C1C}">
-                <a14:useLocalDpi xmlns:a14="http://schemas.microsoft.com/office/drawing/2010/main" xmlns="" val="0"/>
+                <a14:useLocalDpi xmlns:a14="http://schemas.microsoft.com/office/drawing/2010/main" val="0"/>
               </a:ext>
             </a:extLst>
           </a:blip>
@@ -7918,7 +7943,7 @@
     </p:spTree>
     <p:extLst>
       <p:ext uri="{BB962C8B-B14F-4D97-AF65-F5344CB8AC3E}">
-        <p14:creationId xmlns:p14="http://schemas.microsoft.com/office/powerpoint/2010/main" xmlns="" val="4096827736"/>
+        <p14:creationId xmlns:p14="http://schemas.microsoft.com/office/powerpoint/2010/main" val="4096827736"/>
       </p:ext>
     </p:extLst>
   </p:cSld>
@@ -7987,7 +8012,7 @@
           <a:blip r:embed="rId3">
             <a:extLst>
               <a:ext uri="{28A0092B-C50C-407E-A947-70E740481C1C}">
-                <a14:useLocalDpi xmlns:a14="http://schemas.microsoft.com/office/drawing/2010/main" xmlns="" val="0"/>
+                <a14:useLocalDpi xmlns:a14="http://schemas.microsoft.com/office/drawing/2010/main" val="0"/>
               </a:ext>
             </a:extLst>
           </a:blip>
@@ -8008,7 +8033,7 @@
     </p:spTree>
     <p:extLst>
       <p:ext uri="{BB962C8B-B14F-4D97-AF65-F5344CB8AC3E}">
-        <p14:creationId xmlns:p14="http://schemas.microsoft.com/office/powerpoint/2010/main" xmlns="" val="3085539111"/>
+        <p14:creationId xmlns:p14="http://schemas.microsoft.com/office/powerpoint/2010/main" val="3085539111"/>
       </p:ext>
     </p:extLst>
   </p:cSld>
@@ -8077,7 +8102,7 @@
           <a:blip r:embed="rId3">
             <a:extLst>
               <a:ext uri="{28A0092B-C50C-407E-A947-70E740481C1C}">
-                <a14:useLocalDpi xmlns:a14="http://schemas.microsoft.com/office/drawing/2010/main" xmlns="" val="0"/>
+                <a14:useLocalDpi xmlns:a14="http://schemas.microsoft.com/office/drawing/2010/main" val="0"/>
               </a:ext>
             </a:extLst>
           </a:blip>
@@ -8098,7 +8123,7 @@
     </p:spTree>
     <p:extLst>
       <p:ext uri="{BB962C8B-B14F-4D97-AF65-F5344CB8AC3E}">
-        <p14:creationId xmlns:p14="http://schemas.microsoft.com/office/powerpoint/2010/main" xmlns="" val="486420949"/>
+        <p14:creationId xmlns:p14="http://schemas.microsoft.com/office/powerpoint/2010/main" val="486420949"/>
       </p:ext>
     </p:extLst>
   </p:cSld>
@@ -8169,7 +8194,7 @@
           <a:blip r:embed="rId3">
             <a:extLst>
               <a:ext uri="{28A0092B-C50C-407E-A947-70E740481C1C}">
-                <a14:useLocalDpi xmlns:a14="http://schemas.microsoft.com/office/drawing/2010/main" xmlns="" val="0"/>
+                <a14:useLocalDpi xmlns:a14="http://schemas.microsoft.com/office/drawing/2010/main" val="0"/>
               </a:ext>
             </a:extLst>
           </a:blip>
@@ -8187,7 +8212,7 @@
     </p:spTree>
     <p:extLst>
       <p:ext uri="{BB962C8B-B14F-4D97-AF65-F5344CB8AC3E}">
-        <p14:creationId xmlns:p14="http://schemas.microsoft.com/office/powerpoint/2010/main" xmlns="" val="748539481"/>
+        <p14:creationId xmlns:p14="http://schemas.microsoft.com/office/powerpoint/2010/main" val="748539481"/>
       </p:ext>
     </p:extLst>
   </p:cSld>
@@ -8256,7 +8281,7 @@
           <a:blip r:embed="rId3">
             <a:extLst>
               <a:ext uri="{28A0092B-C50C-407E-A947-70E740481C1C}">
-                <a14:useLocalDpi xmlns:a14="http://schemas.microsoft.com/office/drawing/2010/main" xmlns="" val="0"/>
+                <a14:useLocalDpi xmlns:a14="http://schemas.microsoft.com/office/drawing/2010/main" val="0"/>
               </a:ext>
             </a:extLst>
           </a:blip>
@@ -8277,7 +8302,7 @@
     </p:spTree>
     <p:extLst>
       <p:ext uri="{BB962C8B-B14F-4D97-AF65-F5344CB8AC3E}">
-        <p14:creationId xmlns:p14="http://schemas.microsoft.com/office/powerpoint/2010/main" xmlns="" val="2245358919"/>
+        <p14:creationId xmlns:p14="http://schemas.microsoft.com/office/powerpoint/2010/main" val="2245358919"/>
       </p:ext>
     </p:extLst>
   </p:cSld>
@@ -8325,7 +8350,7 @@
           <a:blip r:embed="rId3">
             <a:extLst>
               <a:ext uri="{28A0092B-C50C-407E-A947-70E740481C1C}">
-                <a14:useLocalDpi xmlns:a14="http://schemas.microsoft.com/office/drawing/2010/main" xmlns="" val="0"/>
+                <a14:useLocalDpi xmlns:a14="http://schemas.microsoft.com/office/drawing/2010/main" val="0"/>
               </a:ext>
             </a:extLst>
           </a:blip>
@@ -8345,7 +8370,7 @@
           <a:noFill/>
           <a:extLst>
             <a:ext uri="{909E8E84-426E-40DD-AFC4-6F175D3DCCD1}">
-              <a14:hiddenFill xmlns:a14="http://schemas.microsoft.com/office/drawing/2010/main" xmlns="">
+              <a14:hiddenFill xmlns:a14="http://schemas.microsoft.com/office/drawing/2010/main">
                 <a:solidFill>
                   <a:srgbClr val="FFFFFF"/>
                 </a:solidFill>
@@ -8388,7 +8413,7 @@
     </p:spTree>
     <p:extLst>
       <p:ext uri="{BB962C8B-B14F-4D97-AF65-F5344CB8AC3E}">
-        <p14:creationId xmlns:p14="http://schemas.microsoft.com/office/powerpoint/2010/main" xmlns="" val="4021245580"/>
+        <p14:creationId xmlns:p14="http://schemas.microsoft.com/office/powerpoint/2010/main" val="4021245580"/>
       </p:ext>
     </p:extLst>
   </p:cSld>
@@ -8434,58 +8459,46 @@
         </p:nvSpPr>
         <p:spPr/>
         <p:txBody>
-          <a:bodyPr>
-            <a:normAutofit fontScale="90000"/>
-          </a:bodyPr>
+          <a:bodyPr/>
           <a:lstStyle/>
           <a:p>
             <a:r>
               <a:rPr lang="es-AR" dirty="0" smtClean="0"/>
-              <a:t>Peor Caso</a:t>
-            </a:r>
-            <a:br>
-              <a:rPr lang="es-AR" dirty="0" smtClean="0"/>
-            </a:br>
-            <a:r>
-              <a:rPr lang="es-AR" sz="4000" dirty="0" smtClean="0"/>
-              <a:t>Expansión en Argentina con un 3% </a:t>
-            </a:r>
-            <a:br>
-              <a:rPr lang="es-AR" sz="4000" dirty="0" smtClean="0"/>
-            </a:br>
-            <a:r>
-              <a:rPr lang="es-AR" sz="4000" dirty="0" smtClean="0"/>
-              <a:t>del  mercado</a:t>
-            </a:r>
-            <a:endParaRPr lang="es-AR" sz="4000" dirty="0"/>
-          </a:p>
-        </p:txBody>
-      </p:sp>
-      <p:graphicFrame>
-        <p:nvGraphicFramePr>
+              <a:t>Publicidad</a:t>
+            </a:r>
+            <a:endParaRPr lang="es-AR" dirty="0"/>
+          </a:p>
+        </p:txBody>
+      </p:sp>
+      <p:pic>
+        <p:nvPicPr>
           <p:cNvPr id="4" name="Content Placeholder 3"/>
-          <p:cNvGraphicFramePr>
-            <a:graphicFrameLocks noGrp="1"/>
-          </p:cNvGraphicFramePr>
+          <p:cNvPicPr>
+            <a:picLocks noGrp="1" noChangeAspect="1"/>
+          </p:cNvPicPr>
           <p:nvPr>
             <p:ph idx="1"/>
-            <p:extLst>
-              <p:ext uri="{D42A27DB-BD31-4B8C-83A1-F6EECF244321}">
-                <p14:modId xmlns:p14="http://schemas.microsoft.com/office/powerpoint/2010/main" xmlns="" val="502134616"/>
-              </p:ext>
-            </p:extLst>
-          </p:nvPr>
-        </p:nvGraphicFramePr>
-        <p:xfrm>
-          <a:off x="457200" y="1600200"/>
-          <a:ext cx="8229600" cy="4525963"/>
-        </p:xfrm>
-        <a:graphic>
-          <a:graphicData uri="http://schemas.openxmlformats.org/drawingml/2006/chart">
-            <c:chart xmlns:c="http://schemas.openxmlformats.org/drawingml/2006/chart" xmlns:r="http://schemas.openxmlformats.org/officeDocument/2006/relationships" r:id="rId3"/>
-          </a:graphicData>
-        </a:graphic>
-      </p:graphicFrame>
+          </p:nvPr>
+        </p:nvPicPr>
+        <p:blipFill>
+          <a:blip r:embed="rId3" cstate="print">
+            <a:extLst>
+              <a:ext uri="{28A0092B-C50C-407E-A947-70E740481C1C}">
+                <a14:useLocalDpi xmlns:a14="http://schemas.microsoft.com/office/drawing/2010/main" val="0"/>
+              </a:ext>
+            </a:extLst>
+          </a:blip>
+          <a:stretch>
+            <a:fillRect/>
+          </a:stretch>
+        </p:blipFill>
+        <p:spPr>
+          <a:xfrm>
+            <a:off x="5004048" y="1556792"/>
+            <a:ext cx="2545854" cy="4525963"/>
+          </a:xfrm>
+        </p:spPr>
+      </p:pic>
       <p:sp>
         <p:nvSpPr>
           <p:cNvPr id="5" name="TextBox 4"/>
@@ -8494,18 +8507,13 @@
         </p:nvSpPr>
         <p:spPr>
           <a:xfrm>
-            <a:off x="251520" y="1052736"/>
-            <a:ext cx="1800200" cy="584775"/>
+            <a:off x="755576" y="1988840"/>
+            <a:ext cx="3419872" cy="4001095"/>
           </a:xfrm>
           <a:prstGeom prst="rect">
             <a:avLst/>
           </a:prstGeom>
           <a:noFill/>
-          <a:ln>
-            <a:solidFill>
-              <a:schemeClr val="bg1"/>
-            </a:solidFill>
-          </a:ln>
         </p:spPr>
         <p:txBody>
           <a:bodyPr wrap="square" rtlCol="0">
@@ -8514,65 +8522,64 @@
           <a:lstStyle/>
           <a:p>
             <a:r>
-              <a:rPr lang="es-AR" sz="1600" dirty="0" err="1" smtClean="0">
-                <a:solidFill>
-                  <a:schemeClr val="tx2">
-                    <a:lumMod val="60000"/>
-                    <a:lumOff val="40000"/>
-                  </a:schemeClr>
-                </a:solidFill>
-              </a:rPr>
-              <a:t>Cant</a:t>
-            </a:r>
-            <a:r>
-              <a:rPr lang="es-AR" sz="1600" dirty="0" smtClean="0">
-                <a:solidFill>
-                  <a:schemeClr val="tx2">
-                    <a:lumMod val="60000"/>
-                    <a:lumOff val="40000"/>
-                  </a:schemeClr>
-                </a:solidFill>
-              </a:rPr>
-              <a:t> usuarios</a:t>
-            </a:r>
-            <a:br>
-              <a:rPr lang="es-AR" sz="1600" dirty="0" smtClean="0">
-                <a:solidFill>
-                  <a:schemeClr val="tx2">
-                    <a:lumMod val="60000"/>
-                    <a:lumOff val="40000"/>
-                  </a:schemeClr>
-                </a:solidFill>
-              </a:rPr>
-            </a:br>
-            <a:r>
-              <a:rPr lang="es-AR" sz="1600" dirty="0" smtClean="0"/>
-              <a:t>/</a:t>
-            </a:r>
-            <a:r>
-              <a:rPr lang="es-AR" sz="1600" dirty="0" smtClean="0">
-                <a:solidFill>
-                  <a:schemeClr val="accent2">
-                    <a:lumMod val="75000"/>
-                  </a:schemeClr>
-                </a:solidFill>
-              </a:rPr>
-              <a:t>USD</a:t>
-            </a:r>
-            <a:endParaRPr lang="es-AR" dirty="0">
-              <a:solidFill>
-                <a:schemeClr val="accent2">
-                  <a:lumMod val="75000"/>
-                </a:schemeClr>
-              </a:solidFill>
-            </a:endParaRPr>
+              <a:rPr lang="es-AR" sz="3000" dirty="0" smtClean="0"/>
+              <a:t>Embebida en la aplicación.</a:t>
+            </a:r>
+            <a:r>
+              <a:rPr lang="es-AR" sz="3000" dirty="0"/>
+              <a:t> </a:t>
+            </a:r>
+            <a:endParaRPr lang="es-AR" sz="3000" dirty="0" smtClean="0"/>
+          </a:p>
+          <a:p>
+            <a:endParaRPr lang="es-AR" sz="3000" dirty="0" smtClean="0"/>
+          </a:p>
+          <a:p>
+            <a:r>
+              <a:rPr lang="es-AR" sz="3000" dirty="0" smtClean="0"/>
+              <a:t>Cantidad </a:t>
+            </a:r>
+            <a:r>
+              <a:rPr lang="es-AR" sz="3000" dirty="0"/>
+              <a:t>de </a:t>
+            </a:r>
+            <a:r>
+              <a:rPr lang="es-AR" sz="3000" dirty="0" smtClean="0"/>
+              <a:t>vistas.</a:t>
+            </a:r>
+          </a:p>
+          <a:p>
+            <a:r>
+              <a:rPr lang="es-AR" sz="3000" dirty="0" smtClean="0"/>
+              <a:t>Cantidad de </a:t>
+            </a:r>
+            <a:r>
+              <a:rPr lang="es-AR" sz="3000" dirty="0" err="1" smtClean="0"/>
+              <a:t>clicks</a:t>
+            </a:r>
+            <a:r>
+              <a:rPr lang="es-AR" sz="3000" dirty="0" smtClean="0"/>
+              <a:t>.</a:t>
+            </a:r>
+          </a:p>
+          <a:p>
+            <a:endParaRPr lang="es-AR" sz="3000" dirty="0" smtClean="0"/>
+          </a:p>
+          <a:p>
+            <a:endParaRPr lang="es-AR" sz="3000" dirty="0"/>
+          </a:p>
+          <a:p>
+            <a:endParaRPr lang="es-AR" dirty="0"/>
+          </a:p>
+          <a:p>
+            <a:endParaRPr lang="es-AR" dirty="0"/>
           </a:p>
         </p:txBody>
       </p:sp>
     </p:spTree>
     <p:extLst>
       <p:ext uri="{BB962C8B-B14F-4D97-AF65-F5344CB8AC3E}">
-        <p14:creationId xmlns:p14="http://schemas.microsoft.com/office/powerpoint/2010/main" xmlns="" val="4226239434"/>
+        <p14:creationId xmlns:p14="http://schemas.microsoft.com/office/powerpoint/2010/main" val="272930932"/>
       </p:ext>
     </p:extLst>
   </p:cSld>
@@ -8619,15 +8626,29 @@
         <p:spPr/>
         <p:txBody>
           <a:bodyPr>
-            <a:normAutofit/>
+            <a:normAutofit fontScale="90000"/>
           </a:bodyPr>
           <a:lstStyle/>
           <a:p>
             <a:r>
               <a:rPr lang="es-AR" dirty="0" smtClean="0"/>
-              <a:t>Caso 2: expansión exitosa global</a:t>
-            </a:r>
-            <a:endParaRPr lang="es-AR" dirty="0"/>
+              <a:t>Peor Caso</a:t>
+            </a:r>
+            <a:br>
+              <a:rPr lang="es-AR" dirty="0" smtClean="0"/>
+            </a:br>
+            <a:r>
+              <a:rPr lang="es-AR" sz="4000" dirty="0" smtClean="0"/>
+              <a:t>Expansión en Argentina con un 3% </a:t>
+            </a:r>
+            <a:br>
+              <a:rPr lang="es-AR" sz="4000" dirty="0" smtClean="0"/>
+            </a:br>
+            <a:r>
+              <a:rPr lang="es-AR" sz="4000" dirty="0" smtClean="0"/>
+              <a:t>del  mercado</a:t>
+            </a:r>
+            <a:endParaRPr lang="es-AR" sz="4000" dirty="0"/>
           </a:p>
         </p:txBody>
       </p:sp>
@@ -8641,7 +8662,7 @@
             <p:ph idx="1"/>
             <p:extLst>
               <p:ext uri="{D42A27DB-BD31-4B8C-83A1-F6EECF244321}">
-                <p14:modId xmlns:p14="http://schemas.microsoft.com/office/powerpoint/2010/main" xmlns="" val="3308615213"/>
+                <p14:modId xmlns:p14="http://schemas.microsoft.com/office/powerpoint/2010/main" val="502134616"/>
               </p:ext>
             </p:extLst>
           </p:nvPr>
@@ -8656,10 +8677,93 @@
           </a:graphicData>
         </a:graphic>
       </p:graphicFrame>
+      <p:sp>
+        <p:nvSpPr>
+          <p:cNvPr id="5" name="TextBox 4"/>
+          <p:cNvSpPr txBox="1"/>
+          <p:nvPr/>
+        </p:nvSpPr>
+        <p:spPr>
+          <a:xfrm>
+            <a:off x="251520" y="1052736"/>
+            <a:ext cx="1800200" cy="584775"/>
+          </a:xfrm>
+          <a:prstGeom prst="rect">
+            <a:avLst/>
+          </a:prstGeom>
+          <a:noFill/>
+          <a:ln>
+            <a:solidFill>
+              <a:schemeClr val="bg1"/>
+            </a:solidFill>
+          </a:ln>
+        </p:spPr>
+        <p:txBody>
+          <a:bodyPr wrap="square" rtlCol="0">
+            <a:spAutoFit/>
+          </a:bodyPr>
+          <a:lstStyle/>
+          <a:p>
+            <a:r>
+              <a:rPr lang="es-AR" sz="1600" dirty="0" err="1" smtClean="0">
+                <a:solidFill>
+                  <a:schemeClr val="tx2">
+                    <a:lumMod val="60000"/>
+                    <a:lumOff val="40000"/>
+                  </a:schemeClr>
+                </a:solidFill>
+              </a:rPr>
+              <a:t>Cant</a:t>
+            </a:r>
+            <a:r>
+              <a:rPr lang="es-AR" sz="1600" dirty="0" smtClean="0">
+                <a:solidFill>
+                  <a:schemeClr val="tx2">
+                    <a:lumMod val="60000"/>
+                    <a:lumOff val="40000"/>
+                  </a:schemeClr>
+                </a:solidFill>
+              </a:rPr>
+              <a:t> usuarios</a:t>
+            </a:r>
+            <a:br>
+              <a:rPr lang="es-AR" sz="1600" dirty="0" smtClean="0">
+                <a:solidFill>
+                  <a:schemeClr val="tx2">
+                    <a:lumMod val="60000"/>
+                    <a:lumOff val="40000"/>
+                  </a:schemeClr>
+                </a:solidFill>
+              </a:rPr>
+            </a:br>
+            <a:r>
+              <a:rPr lang="es-AR" sz="1600" dirty="0" smtClean="0"/>
+              <a:t>/</a:t>
+            </a:r>
+            <a:r>
+              <a:rPr lang="es-AR" sz="1600" dirty="0" smtClean="0">
+                <a:solidFill>
+                  <a:schemeClr val="accent2">
+                    <a:lumMod val="75000"/>
+                  </a:schemeClr>
+                </a:solidFill>
+              </a:rPr>
+              <a:t>USD</a:t>
+            </a:r>
+            <a:endParaRPr lang="es-AR" dirty="0">
+              <a:solidFill>
+                <a:schemeClr val="accent2">
+                  <a:lumMod val="75000"/>
+                </a:schemeClr>
+              </a:solidFill>
+            </a:endParaRPr>
+          </a:p>
+        </p:txBody>
+      </p:sp>
     </p:spTree>
     <p:extLst>
       <p:ext uri="{BB962C8B-B14F-4D97-AF65-F5344CB8AC3E}">
-        <p14:creationId xmlns:p14="http://schemas.microsoft.com/office/powerpoint/2010/main" xmlns="" val="4186439492"/>
+        <p14:creationId xmlns:p14="http://schemas.microsoft.com/office/powerpoint/2010/main" val="4226239434"/>
       </p:ext>
     </p:extLst>
   </p:cSld>
@@ -8705,50 +8809,48 @@
         </p:nvSpPr>
         <p:spPr/>
         <p:txBody>
-          <a:bodyPr/>
+          <a:bodyPr>
+            <a:normAutofit/>
+          </a:bodyPr>
           <a:lstStyle/>
           <a:p>
             <a:r>
               <a:rPr lang="es-AR" dirty="0" smtClean="0"/>
-              <a:t>Publicidad</a:t>
+              <a:t>Caso 2: expansión exitosa global</a:t>
             </a:r>
             <a:endParaRPr lang="es-AR" dirty="0"/>
           </a:p>
         </p:txBody>
       </p:sp>
-      <p:pic>
-        <p:nvPicPr>
-          <p:cNvPr id="6" name="Content Placeholder 5"/>
-          <p:cNvPicPr>
-            <a:picLocks noGrp="1" noChangeAspect="1"/>
-          </p:cNvPicPr>
+      <p:graphicFrame>
+        <p:nvGraphicFramePr>
+          <p:cNvPr id="4" name="Content Placeholder 3"/>
+          <p:cNvGraphicFramePr>
+            <a:graphicFrameLocks noGrp="1"/>
+          </p:cNvGraphicFramePr>
           <p:nvPr>
             <p:ph idx="1"/>
-          </p:nvPr>
-        </p:nvPicPr>
-        <p:blipFill>
-          <a:blip r:embed="rId3">
-            <a:extLst>
-              <a:ext uri="{28A0092B-C50C-407E-A947-70E740481C1C}">
-                <a14:useLocalDpi xmlns:a14="http://schemas.microsoft.com/office/drawing/2010/main" xmlns="" val="0"/>
-              </a:ext>
-            </a:extLst>
-          </a:blip>
-          <a:stretch>
-            <a:fillRect/>
-          </a:stretch>
-        </p:blipFill>
-        <p:spPr>
-          <a:xfrm>
-            <a:off x="2564179" y="1600200"/>
-            <a:ext cx="4015641" cy="4525963"/>
-          </a:xfrm>
-        </p:spPr>
-      </p:pic>
+            <p:extLst>
+              <p:ext uri="{D42A27DB-BD31-4B8C-83A1-F6EECF244321}">
+                <p14:modId xmlns:p14="http://schemas.microsoft.com/office/powerpoint/2010/main" val="3308615213"/>
+              </p:ext>
+            </p:extLst>
+          </p:nvPr>
+        </p:nvGraphicFramePr>
+        <p:xfrm>
+          <a:off x="457200" y="1600200"/>
+          <a:ext cx="8229600" cy="4525963"/>
+        </p:xfrm>
+        <a:graphic>
+          <a:graphicData uri="http://schemas.openxmlformats.org/drawingml/2006/chart">
+            <c:chart xmlns:c="http://schemas.openxmlformats.org/drawingml/2006/chart" xmlns:r="http://schemas.openxmlformats.org/officeDocument/2006/relationships" r:id="rId3"/>
+          </a:graphicData>
+        </a:graphic>
+      </p:graphicFrame>
     </p:spTree>
     <p:extLst>
       <p:ext uri="{BB962C8B-B14F-4D97-AF65-F5344CB8AC3E}">
-        <p14:creationId xmlns:p14="http://schemas.microsoft.com/office/powerpoint/2010/main" xmlns="" val="272930932"/>
+        <p14:creationId xmlns:p14="http://schemas.microsoft.com/office/powerpoint/2010/main" val="4186439492"/>
       </p:ext>
     </p:extLst>
   </p:cSld>

--- a/trunk/Assets/Presentación negocio.pptx
+++ b/trunk/Assets/Presentación negocio.pptx
@@ -14,9 +14,9 @@
     <p:sldId id="265" r:id="rId5"/>
     <p:sldId id="264" r:id="rId6"/>
     <p:sldId id="258" r:id="rId7"/>
-    <p:sldId id="266" r:id="rId8"/>
-    <p:sldId id="257" r:id="rId9"/>
-    <p:sldId id="259" r:id="rId10"/>
+    <p:sldId id="257" r:id="rId8"/>
+    <p:sldId id="259" r:id="rId9"/>
+    <p:sldId id="266" r:id="rId10"/>
     <p:sldId id="263" r:id="rId11"/>
     <p:sldId id="260" r:id="rId12"/>
   </p:sldIdLst>
@@ -144,88 +144,88 @@
           <c:idx val="0"/>
           <c:order val="0"/>
           <c:tx>
-            <c:v>Cantidad Usuarios</c:v>
+            <c:v>Ganacia Versión no Paga (USD)</c:v>
           </c:tx>
           <c:marker>
             <c:symbol val="none"/>
           </c:marker>
           <c:val>
             <c:numRef>
-              <c:f>Sheet1!$B$15:$B$38</c:f>
+              <c:f>Sheet1!$C$15:$C$38</c:f>
               <c:numCache>
-                <c:formatCode>General</c:formatCode>
+                <c:formatCode>0</c:formatCode>
                 <c:ptCount val="24"/>
                 <c:pt idx="0">
-                  <c:v>100</c:v>
+                  <c:v>3.6399999999999997</c:v>
                 </c:pt>
                 <c:pt idx="1">
-                  <c:v>150</c:v>
+                  <c:v>18.2</c:v>
                 </c:pt>
                 <c:pt idx="2">
-                  <c:v>500</c:v>
+                  <c:v>36.4</c:v>
                 </c:pt>
                 <c:pt idx="3">
-                  <c:v>1000</c:v>
+                  <c:v>145.6</c:v>
                 </c:pt>
                 <c:pt idx="4">
-                  <c:v>3000</c:v>
+                  <c:v>364</c:v>
                 </c:pt>
                 <c:pt idx="5">
-                  <c:v>15000</c:v>
+                  <c:v>618.79999999999995</c:v>
                 </c:pt>
                 <c:pt idx="6">
-                  <c:v>30000</c:v>
+                  <c:v>1092</c:v>
                 </c:pt>
                 <c:pt idx="7">
-                  <c:v>45000</c:v>
+                  <c:v>1820</c:v>
                 </c:pt>
                 <c:pt idx="8">
-                  <c:v>60000</c:v>
+                  <c:v>2548</c:v>
                 </c:pt>
                 <c:pt idx="9">
-                  <c:v>84000</c:v>
+                  <c:v>3567.2</c:v>
                 </c:pt>
                 <c:pt idx="10">
-                  <c:v>100800</c:v>
+                  <c:v>4280.6399999999994</c:v>
                 </c:pt>
                 <c:pt idx="11">
-                  <c:v>110880.00000000001</c:v>
+                  <c:v>4708.7039999999997</c:v>
                 </c:pt>
                 <c:pt idx="12">
-                  <c:v>111988.80000000002</c:v>
+                  <c:v>4755.7910400000001</c:v>
                 </c:pt>
                 <c:pt idx="13">
-                  <c:v>113108.68800000002</c:v>
+                  <c:v>4803.3489504000008</c:v>
                 </c:pt>
                 <c:pt idx="14">
-                  <c:v>113674.23144000002</c:v>
+                  <c:v>4827.3656951520006</c:v>
                 </c:pt>
                 <c:pt idx="15">
-                  <c:v>118221.20069760003</c:v>
+                  <c:v>5020.4603229580798</c:v>
                 </c:pt>
                 <c:pt idx="16">
-                  <c:v>121767.83671852805</c:v>
+                  <c:v>5171.0741326468233</c:v>
                 </c:pt>
                 <c:pt idx="17">
-                  <c:v>126638.55018726917</c:v>
+                  <c:v>5274.4956152997593</c:v>
                 </c:pt>
                 <c:pt idx="18">
-                  <c:v>132970.47769663265</c:v>
+                  <c:v>5432.7304837587526</c:v>
                 </c:pt>
                 <c:pt idx="19">
-                  <c:v>148168.09798560003</c:v>
+                  <c:v>5337.7175422771188</c:v>
                 </c:pt>
                 <c:pt idx="20">
-                  <c:v>152750.61648</c:v>
+                  <c:v>5560.1224398719996</c:v>
                 </c:pt>
                 <c:pt idx="21">
-                  <c:v>155867.976</c:v>
+                  <c:v>5673.5943263999989</c:v>
                 </c:pt>
                 <c:pt idx="22">
-                  <c:v>158241.60000000001</c:v>
+                  <c:v>5759.99424</c:v>
                 </c:pt>
                 <c:pt idx="23">
-                  <c:v>159840</c:v>
+                  <c:v>5818.1759999999995</c:v>
                 </c:pt>
               </c:numCache>
             </c:numRef>
@@ -236,88 +236,180 @@
           <c:idx val="1"/>
           <c:order val="1"/>
           <c:tx>
-            <c:v>Ganancia</c:v>
+            <c:v>Gancia Versión paga (USD)</c:v>
           </c:tx>
           <c:marker>
             <c:symbol val="none"/>
           </c:marker>
           <c:val>
             <c:numRef>
-              <c:f>Sheet1!$C$15:$C$38</c:f>
+              <c:f>Sheet1!$D$15:$D$38</c:f>
+              <c:numCache>
+                <c:formatCode>0</c:formatCode>
+                <c:ptCount val="24"/>
+                <c:pt idx="0">
+                  <c:v>4</c:v>
+                </c:pt>
+                <c:pt idx="1">
+                  <c:v>61.4</c:v>
+                </c:pt>
+                <c:pt idx="2">
+                  <c:v>92.8</c:v>
+                </c:pt>
+                <c:pt idx="3">
+                  <c:v>471.2</c:v>
+                </c:pt>
+                <c:pt idx="4">
+                  <c:v>928</c:v>
+                </c:pt>
+                <c:pt idx="5">
+                  <c:v>1427.6</c:v>
+                </c:pt>
+                <c:pt idx="6">
+                  <c:v>2584</c:v>
+                </c:pt>
+                <c:pt idx="7">
+                  <c:v>4140</c:v>
+                </c:pt>
+                <c:pt idx="8">
+                  <c:v>4996</c:v>
+                </c:pt>
+                <c:pt idx="9">
+                  <c:v>6994.4</c:v>
+                </c:pt>
+                <c:pt idx="10">
+                  <c:v>6993.28</c:v>
+                </c:pt>
+                <c:pt idx="11">
+                  <c:v>6712.608000000002</c:v>
+                </c:pt>
+                <c:pt idx="12">
+                  <c:v>5721.3340800000005</c:v>
+                </c:pt>
+                <c:pt idx="13">
+                  <c:v>5778.5474208000023</c:v>
+                </c:pt>
+                <c:pt idx="14">
+                  <c:v>5742.1133579039997</c:v>
+                </c:pt>
+                <c:pt idx="15">
+                  <c:v>6433.6583682201599</c:v>
+                </c:pt>
+                <c:pt idx="16">
+                  <c:v>6494.0481825867673</c:v>
+                </c:pt>
+                <c:pt idx="17">
+                  <c:v>6486.0044120913008</c:v>
+                </c:pt>
+                <c:pt idx="18">
+                  <c:v>6822.6470206256563</c:v>
+                </c:pt>
+                <c:pt idx="19">
+                  <c:v>6015.1927654202582</c:v>
+                </c:pt>
+                <c:pt idx="20">
+                  <c:v>7148.7288512640025</c:v>
+                </c:pt>
+                <c:pt idx="21">
+                  <c:v>6982.8853247999987</c:v>
+                </c:pt>
+                <c:pt idx="22">
+                  <c:v>7010.1028800000022</c:v>
+                </c:pt>
+                <c:pt idx="23">
+                  <c:v>7000.9919999999993</c:v>
+                </c:pt>
+              </c:numCache>
+            </c:numRef>
+          </c:val>
+          <c:smooth val="0"/>
+        </c:ser>
+        <c:ser>
+          <c:idx val="2"/>
+          <c:order val="2"/>
+          <c:tx>
+            <c:v>Cantidad Usuarios (cientos)</c:v>
+          </c:tx>
+          <c:marker>
+            <c:symbol val="none"/>
+          </c:marker>
+          <c:val>
+            <c:numRef>
+              <c:f>Sheet1!$E$15:$E$38</c:f>
               <c:numCache>
                 <c:formatCode>General</c:formatCode>
                 <c:ptCount val="24"/>
                 <c:pt idx="0">
-                  <c:v>110.8</c:v>
+                  <c:v>1</c:v>
                 </c:pt>
                 <c:pt idx="1">
-                  <c:v>66.2</c:v>
+                  <c:v>5</c:v>
                 </c:pt>
                 <c:pt idx="2">
-                  <c:v>404</c:v>
+                  <c:v>10</c:v>
                 </c:pt>
                 <c:pt idx="3">
-                  <c:v>608</c:v>
+                  <c:v>40</c:v>
                 </c:pt>
                 <c:pt idx="4">
-                  <c:v>2324</c:v>
+                  <c:v>100</c:v>
                 </c:pt>
                 <c:pt idx="5">
-                  <c:v>13620</c:v>
+                  <c:v>170</c:v>
                 </c:pt>
                 <c:pt idx="6">
-                  <c:v>18240</c:v>
+                  <c:v>300</c:v>
                 </c:pt>
                 <c:pt idx="7">
-                  <c:v>19860</c:v>
+                  <c:v>500</c:v>
                 </c:pt>
                 <c:pt idx="8">
-                  <c:v>21480</c:v>
+                  <c:v>700</c:v>
                 </c:pt>
                 <c:pt idx="9">
-                  <c:v>33072</c:v>
+                  <c:v>980</c:v>
                 </c:pt>
                 <c:pt idx="10">
-                  <c:v>27686.399999999991</c:v>
+                  <c:v>1176</c:v>
                 </c:pt>
                 <c:pt idx="11">
-                  <c:v>22055.040000000023</c:v>
+                  <c:v>1293.6000000000001</c:v>
                 </c:pt>
                 <c:pt idx="12">
-                  <c:v>13203.590400000003</c:v>
+                  <c:v>1306.5360000000003</c:v>
                 </c:pt>
                 <c:pt idx="13">
-                  <c:v>13335.626304000005</c:v>
+                  <c:v>1319.6013600000003</c:v>
                 </c:pt>
                 <c:pt idx="14">
-                  <c:v>12842.360435519993</c:v>
+                  <c:v>1326.1993668000002</c:v>
                 </c:pt>
                 <c:pt idx="15">
-                  <c:v>17314.858932940813</c:v>
+                  <c:v>1379.247341472</c:v>
                 </c:pt>
                 <c:pt idx="16">
-                  <c:v>16697.562386529058</c:v>
+                  <c:v>1420.6247617161603</c:v>
                 </c:pt>
                 <c:pt idx="17">
-                  <c:v>18547.676888966205</c:v>
+                  <c:v>1449.0372569504834</c:v>
                 </c:pt>
                 <c:pt idx="18">
-                  <c:v>20692.739100599774</c:v>
+                  <c:v>1492.508374658998</c:v>
                 </c:pt>
                 <c:pt idx="19">
-                  <c:v>31199.774871412199</c:v>
+                  <c:v>1466.4059182079998</c:v>
                 </c:pt>
                 <c:pt idx="20">
-                  <c:v>21079.585074239996</c:v>
+                  <c:v>1527.5061648000001</c:v>
                 </c:pt>
                 <c:pt idx="21">
-                  <c:v>19951.100927999996</c:v>
+                  <c:v>1558.67976</c:v>
                 </c:pt>
                 <c:pt idx="22">
-                  <c:v>19463.716800000024</c:v>
+                  <c:v>1582.4160000000002</c:v>
                 </c:pt>
                 <c:pt idx="23">
-                  <c:v>18861.119999999988</c:v>
+                  <c:v>1598.4</c:v>
                 </c:pt>
               </c:numCache>
             </c:numRef>
@@ -334,31 +426,20 @@
         </c:dLbls>
         <c:marker val="1"/>
         <c:smooth val="0"/>
-        <c:axId val="31823744"/>
-        <c:axId val="31825280"/>
+        <c:axId val="40943616"/>
+        <c:axId val="72825856"/>
       </c:lineChart>
       <c:catAx>
-        <c:axId val="31823744"/>
+        <c:axId val="40943616"/>
         <c:scaling>
           <c:orientation val="minMax"/>
         </c:scaling>
         <c:delete val="0"/>
         <c:axPos val="b"/>
-        <c:numFmt formatCode="General" sourceLinked="1"/>
         <c:majorTickMark val="out"/>
         <c:minorTickMark val="none"/>
         <c:tickLblPos val="nextTo"/>
-        <c:txPr>
-          <a:bodyPr/>
-          <a:lstStyle/>
-          <a:p>
-            <a:pPr>
-              <a:defRPr lang="es-AR"/>
-            </a:pPr>
-            <a:endParaRPr lang="es-AR"/>
-          </a:p>
-        </c:txPr>
-        <c:crossAx val="31825280"/>
+        <c:crossAx val="72825856"/>
         <c:crosses val="autoZero"/>
         <c:auto val="1"/>
         <c:lblAlgn val="ctr"/>
@@ -366,34 +447,24 @@
         <c:noMultiLvlLbl val="0"/>
       </c:catAx>
       <c:valAx>
-        <c:axId val="31825280"/>
+        <c:axId val="72825856"/>
         <c:scaling>
           <c:orientation val="minMax"/>
         </c:scaling>
         <c:delete val="0"/>
         <c:axPos val="l"/>
         <c:majorGridlines/>
-        <c:numFmt formatCode="General" sourceLinked="1"/>
+        <c:numFmt formatCode="0" sourceLinked="1"/>
         <c:majorTickMark val="out"/>
         <c:minorTickMark val="none"/>
         <c:tickLblPos val="nextTo"/>
-        <c:txPr>
-          <a:bodyPr/>
-          <a:lstStyle/>
-          <a:p>
-            <a:pPr>
-              <a:defRPr lang="es-AR"/>
-            </a:pPr>
-            <a:endParaRPr lang="es-AR"/>
-          </a:p>
-        </c:txPr>
-        <c:crossAx val="31823744"/>
+        <c:crossAx val="40943616"/>
         <c:crosses val="autoZero"/>
         <c:crossBetween val="between"/>
       </c:valAx>
     </c:plotArea>
     <c:legend>
-      <c:legendPos val="r"/>
+      <c:legendPos val="b"/>
       <c:layout/>
       <c:overlay val="0"/>
       <c:txPr>
@@ -401,7 +472,7 @@
         <a:lstStyle/>
         <a:p>
           <a:pPr>
-            <a:defRPr lang="es-AR"/>
+            <a:defRPr sz="1400"/>
           </a:pPr>
           <a:endParaRPr lang="es-AR"/>
         </a:p>
@@ -411,16 +482,6 @@
     <c:dispBlanksAs val="gap"/>
     <c:showDLblsOverMax val="0"/>
   </c:chart>
-  <c:txPr>
-    <a:bodyPr/>
-    <a:lstStyle/>
-    <a:p>
-      <a:pPr>
-        <a:defRPr sz="1800"/>
-      </a:pPr>
-      <a:endParaRPr lang="es-AR"/>
-    </a:p>
-  </c:txPr>
   <c:externalData r:id="rId1">
     <c:autoUpdate val="0"/>
   </c:externalData>
@@ -443,7 +504,17 @@
   <c:chart>
     <c:autoTitleDeleted val="0"/>
     <c:plotArea>
-      <c:layout/>
+      <c:layout>
+        <c:manualLayout>
+          <c:layoutTarget val="inner"/>
+          <c:xMode val="edge"/>
+          <c:yMode val="edge"/>
+          <c:x val="6.8466598949323096E-2"/>
+          <c:y val="2.6108580528089471E-2"/>
+          <c:w val="0.91523035722454738"/>
+          <c:h val="0.81366681479835579"/>
+        </c:manualLayout>
+      </c:layout>
       <c:lineChart>
         <c:grouping val="standard"/>
         <c:varyColors val="0"/>
@@ -452,11 +523,11 @@
           <c:order val="0"/>
           <c:tx>
             <c:strRef>
-              <c:f>Sheet1!$B$14</c:f>
+              <c:f>Sheet2!$C$14</c:f>
               <c:strCache>
                 <c:ptCount val="1"/>
                 <c:pt idx="0">
-                  <c:v>Cantidad Usuarios</c:v>
+                  <c:v>Ganacia sin costo descarga (USD)</c:v>
                 </c:pt>
               </c:strCache>
             </c:strRef>
@@ -464,164 +535,83 @@
           <c:marker>
             <c:symbol val="none"/>
           </c:marker>
-          <c:cat>
-            <c:numRef>
-              <c:f>Sheet1!$A$15:$A$38</c:f>
-              <c:numCache>
-                <c:formatCode>General</c:formatCode>
-                <c:ptCount val="24"/>
-                <c:pt idx="0">
-                  <c:v>1</c:v>
-                </c:pt>
-                <c:pt idx="1">
-                  <c:v>2</c:v>
-                </c:pt>
-                <c:pt idx="2">
-                  <c:v>3</c:v>
-                </c:pt>
-                <c:pt idx="3">
-                  <c:v>4</c:v>
-                </c:pt>
-                <c:pt idx="4">
-                  <c:v>5</c:v>
-                </c:pt>
-                <c:pt idx="5">
-                  <c:v>6</c:v>
-                </c:pt>
-                <c:pt idx="6">
-                  <c:v>7</c:v>
-                </c:pt>
-                <c:pt idx="7">
-                  <c:v>8</c:v>
-                </c:pt>
-                <c:pt idx="8">
-                  <c:v>9</c:v>
-                </c:pt>
-                <c:pt idx="9">
-                  <c:v>10</c:v>
-                </c:pt>
-                <c:pt idx="10">
-                  <c:v>11</c:v>
-                </c:pt>
-                <c:pt idx="11">
-                  <c:v>12</c:v>
-                </c:pt>
-                <c:pt idx="12">
-                  <c:v>13</c:v>
-                </c:pt>
-                <c:pt idx="13">
-                  <c:v>14</c:v>
-                </c:pt>
-                <c:pt idx="14">
-                  <c:v>15</c:v>
-                </c:pt>
-                <c:pt idx="15">
-                  <c:v>16</c:v>
-                </c:pt>
-                <c:pt idx="16">
-                  <c:v>17</c:v>
-                </c:pt>
-                <c:pt idx="17">
-                  <c:v>18</c:v>
-                </c:pt>
-                <c:pt idx="18">
-                  <c:v>19</c:v>
-                </c:pt>
-                <c:pt idx="19">
-                  <c:v>20</c:v>
-                </c:pt>
-                <c:pt idx="20">
-                  <c:v>21</c:v>
-                </c:pt>
-                <c:pt idx="21">
-                  <c:v>22</c:v>
-                </c:pt>
-                <c:pt idx="22">
-                  <c:v>23</c:v>
-                </c:pt>
-                <c:pt idx="23">
-                  <c:v>24</c:v>
-                </c:pt>
-              </c:numCache>
-            </c:numRef>
-          </c:cat>
           <c:val>
             <c:numRef>
-              <c:f>Sheet1!$B$15:$B$38</c:f>
+              <c:f>Sheet2!$C$15:$C$38</c:f>
               <c:numCache>
                 <c:formatCode>0</c:formatCode>
                 <c:ptCount val="24"/>
                 <c:pt idx="0">
-                  <c:v>20000</c:v>
+                  <c:v>728</c:v>
                 </c:pt>
                 <c:pt idx="1">
-                  <c:v>29411.764705882357</c:v>
+                  <c:v>1070.5882352941176</c:v>
                 </c:pt>
                 <c:pt idx="2">
-                  <c:v>44117.647058823532</c:v>
+                  <c:v>1605.8823529411766</c:v>
                 </c:pt>
                 <c:pt idx="3">
-                  <c:v>58823.529411764699</c:v>
+                  <c:v>2141.1764705882351</c:v>
                 </c:pt>
                 <c:pt idx="4">
-                  <c:v>88235.294117647063</c:v>
+                  <c:v>3211.7647058823532</c:v>
                 </c:pt>
                 <c:pt idx="5">
-                  <c:v>111764.70588235294</c:v>
+                  <c:v>4068.2352941176464</c:v>
                 </c:pt>
                 <c:pt idx="6">
-                  <c:v>141176.4705882353</c:v>
+                  <c:v>5138.823529411764</c:v>
                 </c:pt>
                 <c:pt idx="7">
-                  <c:v>176470.5882352941</c:v>
+                  <c:v>6423.5294117647063</c:v>
                 </c:pt>
                 <c:pt idx="8">
-                  <c:v>205882.3529411765</c:v>
+                  <c:v>7494.1176470588225</c:v>
                 </c:pt>
                 <c:pt idx="9">
-                  <c:v>235294.11764705885</c:v>
+                  <c:v>8564.7058823529405</c:v>
                 </c:pt>
                 <c:pt idx="10">
-                  <c:v>500000</c:v>
-                </c:pt>
-                <c:pt idx="11" formatCode="General">
-                  <c:v>750000</c:v>
-                </c:pt>
-                <c:pt idx="12" formatCode="General">
-                  <c:v>1000000</c:v>
-                </c:pt>
-                <c:pt idx="13" formatCode="General">
-                  <c:v>1500000</c:v>
-                </c:pt>
-                <c:pt idx="14" formatCode="General">
-                  <c:v>1900000</c:v>
-                </c:pt>
-                <c:pt idx="15" formatCode="General">
-                  <c:v>2400000</c:v>
-                </c:pt>
-                <c:pt idx="16" formatCode="General">
-                  <c:v>3000000</c:v>
-                </c:pt>
-                <c:pt idx="17" formatCode="General">
-                  <c:v>3500000</c:v>
-                </c:pt>
-                <c:pt idx="18" formatCode="General">
-                  <c:v>4000000</c:v>
-                </c:pt>
-                <c:pt idx="19" formatCode="General">
-                  <c:v>4500000</c:v>
-                </c:pt>
-                <c:pt idx="20" formatCode="General">
-                  <c:v>5250000</c:v>
-                </c:pt>
-                <c:pt idx="21" formatCode="General">
-                  <c:v>6000000</c:v>
-                </c:pt>
-                <c:pt idx="22" formatCode="General">
-                  <c:v>6750000</c:v>
-                </c:pt>
-                <c:pt idx="23" formatCode="General">
-                  <c:v>7500000</c:v>
+                  <c:v>18200</c:v>
+                </c:pt>
+                <c:pt idx="11">
+                  <c:v>27300</c:v>
+                </c:pt>
+                <c:pt idx="12">
+                  <c:v>36400</c:v>
+                </c:pt>
+                <c:pt idx="13">
+                  <c:v>54600</c:v>
+                </c:pt>
+                <c:pt idx="14">
+                  <c:v>69160</c:v>
+                </c:pt>
+                <c:pt idx="15">
+                  <c:v>87360</c:v>
+                </c:pt>
+                <c:pt idx="16">
+                  <c:v>109200</c:v>
+                </c:pt>
+                <c:pt idx="17">
+                  <c:v>127400</c:v>
+                </c:pt>
+                <c:pt idx="18">
+                  <c:v>145600</c:v>
+                </c:pt>
+                <c:pt idx="19">
+                  <c:v>163800</c:v>
+                </c:pt>
+                <c:pt idx="20">
+                  <c:v>191100</c:v>
+                </c:pt>
+                <c:pt idx="21">
+                  <c:v>218400</c:v>
+                </c:pt>
+                <c:pt idx="22">
+                  <c:v>245700</c:v>
+                </c:pt>
+                <c:pt idx="23">
+                  <c:v>273000</c:v>
                 </c:pt>
               </c:numCache>
             </c:numRef>
@@ -633,11 +623,11 @@
           <c:order val="1"/>
           <c:tx>
             <c:strRef>
-              <c:f>Sheet1!$C$14</c:f>
+              <c:f>Sheet2!$D$14</c:f>
               <c:strCache>
                 <c:ptCount val="1"/>
                 <c:pt idx="0">
-                  <c:v>Ganacia</c:v>
+                  <c:v>Ganacia con costo descarga (USD)</c:v>
                 </c:pt>
               </c:strCache>
             </c:strRef>
@@ -645,164 +635,183 @@
           <c:marker>
             <c:symbol val="none"/>
           </c:marker>
-          <c:cat>
+          <c:val>
             <c:numRef>
-              <c:f>Sheet1!$A$15:$A$38</c:f>
+              <c:f>Sheet2!$D$15:$D$38</c:f>
+              <c:numCache>
+                <c:formatCode>0</c:formatCode>
+                <c:ptCount val="24"/>
+                <c:pt idx="0">
+                  <c:v>4200</c:v>
+                </c:pt>
+                <c:pt idx="1">
+                  <c:v>2200</c:v>
+                </c:pt>
+                <c:pt idx="2">
+                  <c:v>3358.8235294117649</c:v>
+                </c:pt>
+                <c:pt idx="3">
+                  <c:v>3988.2352941176468</c:v>
+                </c:pt>
+                <c:pt idx="4">
+                  <c:v>5835.2941176470595</c:v>
+                </c:pt>
+                <c:pt idx="5">
+                  <c:v>7136.4705882352937</c:v>
+                </c:pt>
+                <c:pt idx="6">
+                  <c:v>8983.5294117647063</c:v>
+                </c:pt>
+                <c:pt idx="7">
+                  <c:v>11082.352941176472</c:v>
+                </c:pt>
+                <c:pt idx="8">
+                  <c:v>11752.941176470587</c:v>
+                </c:pt>
+                <c:pt idx="9">
+                  <c:v>13011.764705882353</c:v>
+                </c:pt>
+                <c:pt idx="10">
+                  <c:v>47870.588235294126</c:v>
+                </c:pt>
+                <c:pt idx="11">
+                  <c:v>57100</c:v>
+                </c:pt>
+                <c:pt idx="12">
+                  <c:v>67800</c:v>
+                </c:pt>
+                <c:pt idx="13">
+                  <c:v>114200</c:v>
+                </c:pt>
+                <c:pt idx="14">
+                  <c:v>121320</c:v>
+                </c:pt>
+                <c:pt idx="15">
+                  <c:v>152720</c:v>
+                </c:pt>
+                <c:pt idx="16">
+                  <c:v>188400</c:v>
+                </c:pt>
+                <c:pt idx="17">
+                  <c:v>199800</c:v>
+                </c:pt>
+                <c:pt idx="18">
+                  <c:v>221200</c:v>
+                </c:pt>
+                <c:pt idx="19">
+                  <c:v>242600</c:v>
+                </c:pt>
+                <c:pt idx="20">
+                  <c:v>299700</c:v>
+                </c:pt>
+                <c:pt idx="21">
+                  <c:v>331800</c:v>
+                </c:pt>
+                <c:pt idx="22">
+                  <c:v>363900</c:v>
+                </c:pt>
+                <c:pt idx="23">
+                  <c:v>396000</c:v>
+                </c:pt>
+              </c:numCache>
+            </c:numRef>
+          </c:val>
+          <c:smooth val="0"/>
+        </c:ser>
+        <c:ser>
+          <c:idx val="2"/>
+          <c:order val="2"/>
+          <c:tx>
+            <c:strRef>
+              <c:f>Sheet2!$E$14</c:f>
+              <c:strCache>
+                <c:ptCount val="1"/>
+                <c:pt idx="0">
+                  <c:v>Cantidad Usuarios (cientos)</c:v>
+                </c:pt>
+              </c:strCache>
+            </c:strRef>
+          </c:tx>
+          <c:marker>
+            <c:symbol val="none"/>
+          </c:marker>
+          <c:val>
+            <c:numRef>
+              <c:f>Sheet2!$E$15:$E$38</c:f>
               <c:numCache>
                 <c:formatCode>General</c:formatCode>
                 <c:ptCount val="24"/>
                 <c:pt idx="0">
-                  <c:v>1</c:v>
+                  <c:v>200</c:v>
                 </c:pt>
                 <c:pt idx="1">
-                  <c:v>2</c:v>
+                  <c:v>294.11764705882354</c:v>
                 </c:pt>
                 <c:pt idx="2">
-                  <c:v>3</c:v>
+                  <c:v>441.1764705882353</c:v>
                 </c:pt>
                 <c:pt idx="3">
-                  <c:v>4</c:v>
+                  <c:v>588.23529411764707</c:v>
                 </c:pt>
                 <c:pt idx="4">
-                  <c:v>5</c:v>
+                  <c:v>882.35294117647061</c:v>
                 </c:pt>
                 <c:pt idx="5">
-                  <c:v>6</c:v>
+                  <c:v>1117.6470588235293</c:v>
                 </c:pt>
                 <c:pt idx="6">
-                  <c:v>7</c:v>
+                  <c:v>1411.7647058823529</c:v>
                 </c:pt>
                 <c:pt idx="7">
-                  <c:v>8</c:v>
+                  <c:v>1764.7058823529412</c:v>
                 </c:pt>
                 <c:pt idx="8">
-                  <c:v>9</c:v>
+                  <c:v>2058.8235294117649</c:v>
                 </c:pt>
                 <c:pt idx="9">
-                  <c:v>10</c:v>
+                  <c:v>2352.9411764705883</c:v>
                 </c:pt>
                 <c:pt idx="10">
-                  <c:v>11</c:v>
+                  <c:v>5000</c:v>
                 </c:pt>
                 <c:pt idx="11">
-                  <c:v>12</c:v>
+                  <c:v>7500</c:v>
                 </c:pt>
                 <c:pt idx="12">
-                  <c:v>13</c:v>
+                  <c:v>10000</c:v>
                 </c:pt>
                 <c:pt idx="13">
-                  <c:v>14</c:v>
+                  <c:v>15000</c:v>
                 </c:pt>
                 <c:pt idx="14">
-                  <c:v>15</c:v>
+                  <c:v>19000</c:v>
                 </c:pt>
                 <c:pt idx="15">
-                  <c:v>16</c:v>
+                  <c:v>24000</c:v>
                 </c:pt>
                 <c:pt idx="16">
-                  <c:v>17</c:v>
+                  <c:v>30000</c:v>
                 </c:pt>
                 <c:pt idx="17">
-                  <c:v>18</c:v>
+                  <c:v>35000</c:v>
                 </c:pt>
                 <c:pt idx="18">
-                  <c:v>19</c:v>
+                  <c:v>40000</c:v>
                 </c:pt>
                 <c:pt idx="19">
-                  <c:v>20</c:v>
+                  <c:v>45000</c:v>
                 </c:pt>
                 <c:pt idx="20">
-                  <c:v>21</c:v>
+                  <c:v>52500</c:v>
                 </c:pt>
                 <c:pt idx="21">
-                  <c:v>22</c:v>
+                  <c:v>60000</c:v>
                 </c:pt>
                 <c:pt idx="22">
-                  <c:v>23</c:v>
+                  <c:v>67500</c:v>
                 </c:pt>
                 <c:pt idx="23">
-                  <c:v>24</c:v>
-                </c:pt>
-              </c:numCache>
-            </c:numRef>
-          </c:cat>
-          <c:val>
-            <c:numRef>
-              <c:f>Sheet1!$C$15:$C$38</c:f>
-              <c:numCache>
-                <c:formatCode>0</c:formatCode>
-                <c:ptCount val="24"/>
-                <c:pt idx="0">
-                  <c:v>22160</c:v>
-                </c:pt>
-                <c:pt idx="1">
-                  <c:v>12588.235294117649</c:v>
-                </c:pt>
-                <c:pt idx="2">
-                  <c:v>19470.588235294126</c:v>
-                </c:pt>
-                <c:pt idx="3">
-                  <c:v>21058.823529411758</c:v>
-                </c:pt>
-                <c:pt idx="4">
-                  <c:v>38941.176470588238</c:v>
-                </c:pt>
-                <c:pt idx="5">
-                  <c:v>35599.999999999993</c:v>
-                </c:pt>
-                <c:pt idx="6">
-                  <c:v>44658.823529411784</c:v>
-                </c:pt>
-                <c:pt idx="7">
-                  <c:v>54352.941176470602</c:v>
-                </c:pt>
-                <c:pt idx="8">
-                  <c:v>51647.058823529434</c:v>
-                </c:pt>
-                <c:pt idx="9">
-                  <c:v>54823.529411764684</c:v>
-                </c:pt>
-                <c:pt idx="10">
-                  <c:v>318705.88235294115</c:v>
-                </c:pt>
-                <c:pt idx="11" formatCode="General">
-                  <c:v>331000</c:v>
-                </c:pt>
-                <c:pt idx="12" formatCode="General">
-                  <c:v>358000</c:v>
-                </c:pt>
-                <c:pt idx="13" formatCode="General">
-                  <c:v>662000</c:v>
-                </c:pt>
-                <c:pt idx="14" formatCode="General">
-                  <c:v>605200</c:v>
-                </c:pt>
-                <c:pt idx="15" formatCode="General">
-                  <c:v>759200</c:v>
-                </c:pt>
-                <c:pt idx="16" formatCode="General">
-                  <c:v>924000</c:v>
-                </c:pt>
-                <c:pt idx="17" formatCode="General">
-                  <c:v>878000</c:v>
-                </c:pt>
-                <c:pt idx="18" formatCode="General">
-                  <c:v>932000</c:v>
-                </c:pt>
-                <c:pt idx="19" formatCode="General">
-                  <c:v>986000</c:v>
-                </c:pt>
-                <c:pt idx="20" formatCode="General">
-                  <c:v>1317000</c:v>
-                </c:pt>
-                <c:pt idx="21" formatCode="General">
-                  <c:v>1398000</c:v>
-                </c:pt>
-                <c:pt idx="22" formatCode="General">
-                  <c:v>1479000</c:v>
-                </c:pt>
-                <c:pt idx="23" formatCode="General">
-                  <c:v>1560000</c:v>
+                  <c:v>75000</c:v>
                 </c:pt>
               </c:numCache>
             </c:numRef>
@@ -819,31 +828,20 @@
         </c:dLbls>
         <c:marker val="1"/>
         <c:smooth val="0"/>
-        <c:axId val="34148736"/>
-        <c:axId val="34150272"/>
+        <c:axId val="36282752"/>
+        <c:axId val="36284672"/>
       </c:lineChart>
       <c:catAx>
-        <c:axId val="34148736"/>
+        <c:axId val="36282752"/>
         <c:scaling>
           <c:orientation val="minMax"/>
         </c:scaling>
         <c:delete val="0"/>
         <c:axPos val="b"/>
-        <c:numFmt formatCode="General" sourceLinked="1"/>
         <c:majorTickMark val="out"/>
         <c:minorTickMark val="none"/>
         <c:tickLblPos val="nextTo"/>
-        <c:txPr>
-          <a:bodyPr/>
-          <a:lstStyle/>
-          <a:p>
-            <a:pPr>
-              <a:defRPr lang="es-AR"/>
-            </a:pPr>
-            <a:endParaRPr lang="es-AR"/>
-          </a:p>
-        </c:txPr>
-        <c:crossAx val="34150272"/>
+        <c:crossAx val="36284672"/>
         <c:crosses val="autoZero"/>
         <c:auto val="1"/>
         <c:lblAlgn val="ctr"/>
@@ -851,7 +849,7 @@
         <c:noMultiLvlLbl val="0"/>
       </c:catAx>
       <c:valAx>
-        <c:axId val="34150272"/>
+        <c:axId val="36284672"/>
         <c:scaling>
           <c:orientation val="minMax"/>
         </c:scaling>
@@ -862,31 +860,30 @@
         <c:majorTickMark val="out"/>
         <c:minorTickMark val="none"/>
         <c:tickLblPos val="nextTo"/>
-        <c:txPr>
-          <a:bodyPr/>
-          <a:lstStyle/>
-          <a:p>
-            <a:pPr>
-              <a:defRPr lang="es-AR"/>
-            </a:pPr>
-            <a:endParaRPr lang="es-AR"/>
-          </a:p>
-        </c:txPr>
-        <c:crossAx val="34148736"/>
+        <c:crossAx val="36282752"/>
         <c:crosses val="autoZero"/>
         <c:crossBetween val="between"/>
       </c:valAx>
     </c:plotArea>
     <c:legend>
-      <c:legendPos val="r"/>
-      <c:layout/>
+      <c:legendPos val="b"/>
+      <c:layout>
+        <c:manualLayout>
+          <c:xMode val="edge"/>
+          <c:yMode val="edge"/>
+          <c:x val="3.1027131439177159E-2"/>
+          <c:y val="0.86440728807910228"/>
+          <c:w val="0.93239020122484695"/>
+          <c:h val="0.13133077806169685"/>
+        </c:manualLayout>
+      </c:layout>
       <c:overlay val="0"/>
       <c:txPr>
         <a:bodyPr/>
         <a:lstStyle/>
         <a:p>
           <a:pPr>
-            <a:defRPr lang="es-AR"/>
+            <a:defRPr sz="1400"/>
           </a:pPr>
           <a:endParaRPr lang="es-AR"/>
         </a:p>
@@ -896,16 +893,6 @@
     <c:dispBlanksAs val="gap"/>
     <c:showDLblsOverMax val="0"/>
   </c:chart>
-  <c:txPr>
-    <a:bodyPr/>
-    <a:lstStyle/>
-    <a:p>
-      <a:pPr>
-        <a:defRPr sz="1800"/>
-      </a:pPr>
-      <a:endParaRPr lang="es-AR"/>
-    </a:p>
-  </c:txPr>
   <c:externalData r:id="rId1">
     <c:autoUpdate val="0"/>
   </c:externalData>
@@ -3928,13 +3915,8 @@
             </a:r>
             <a:r>
               <a:rPr lang="es-AR" baseline="0" dirty="0" smtClean="0"/>
-              <a:t> pensando “esto muy lindo, realmente me gustaría tener esta aplicación, pero realmente voy a ganar dinero con ella?”. Pues sí señores. Hemos analizado distintos escenarios basados en casos reales y a modo de ejemplo les mostraremos dos de </a:t>
-            </a:r>
-            <a:r>
-              <a:rPr lang="es-AR" baseline="0" dirty="0" smtClean="0"/>
-              <a:t>ellos.</a:t>
-            </a:r>
-            <a:endParaRPr lang="es-AR" baseline="0" dirty="0" smtClean="0"/>
+              <a:t> pensando “esto muy lindo, realmente me gustaría tener esta aplicación, pero realmente voy a ganar dinero con ella?”. Pues sí señores. Hemos analizado distintos escenarios basados en casos reales y a modo de ejemplo les mostraremos dos de ellos</a:t>
+            </a:r>
           </a:p>
         </p:txBody>
       </p:sp>
@@ -4019,7 +4001,208 @@
           <a:bodyPr/>
           <a:lstStyle/>
           <a:p>
-            <a:endParaRPr lang="es-AR" dirty="0"/>
+            <a:r>
+              <a:rPr lang="es-AR" dirty="0" smtClean="0"/>
+              <a:t>En primer lugar, mostraremos el peor caso,</a:t>
+            </a:r>
+            <a:r>
+              <a:rPr lang="es-AR" baseline="0" dirty="0" smtClean="0"/>
+              <a:t> en el que el producto no se expanda fuera del país y que luego de 2 años se estanque en un 3% del mercado nacional. En ese caso, hemos considerado solo el mercado de </a:t>
+            </a:r>
+            <a:r>
+              <a:rPr lang="es-AR" baseline="0" dirty="0" err="1" smtClean="0"/>
+              <a:t>android</a:t>
+            </a:r>
+            <a:r>
+              <a:rPr lang="es-AR" baseline="0" dirty="0" smtClean="0"/>
+              <a:t> y hemos tomado como patrón de crecimiento estadísticas de otras empresas conocidas. </a:t>
+            </a:r>
+            <a:endParaRPr lang="es-AR" baseline="0" dirty="0" smtClean="0"/>
+          </a:p>
+          <a:p>
+            <a:r>
+              <a:rPr lang="es-AR" baseline="0" dirty="0" smtClean="0"/>
+              <a:t>Hemos generado dos escenarios posibles: uno que permite a los usuarios tener una versión paga (y sin publicidad) y otro sin esta opción. </a:t>
+            </a:r>
+            <a:r>
+              <a:rPr lang="es-AR" baseline="0" dirty="0" err="1" smtClean="0"/>
+              <a:t>Pára</a:t>
+            </a:r>
+            <a:r>
+              <a:rPr lang="es-AR" baseline="0" dirty="0" smtClean="0"/>
+              <a:t> calcular en el primer caso cuantos usuarios optarían por una versión paga, nos basamos en encuestas que nos devolvieron que el 10% de los usuarios </a:t>
+            </a:r>
+            <a:r>
+              <a:rPr lang="es-AR" baseline="0" dirty="0" err="1" smtClean="0"/>
+              <a:t>eligirían</a:t>
+            </a:r>
+            <a:r>
+              <a:rPr lang="es-AR" baseline="0" dirty="0" smtClean="0"/>
+              <a:t> esta </a:t>
+            </a:r>
+            <a:r>
+              <a:rPr lang="es-AR" baseline="0" dirty="0" err="1" smtClean="0"/>
+              <a:t>opcion</a:t>
+            </a:r>
+            <a:r>
+              <a:rPr lang="es-AR" baseline="0" dirty="0" smtClean="0"/>
+              <a:t>.</a:t>
+            </a:r>
+          </a:p>
+          <a:p>
+            <a:r>
+              <a:rPr lang="es-AR" baseline="0" dirty="0" smtClean="0"/>
+              <a:t>Para </a:t>
+            </a:r>
+            <a:r>
+              <a:rPr lang="es-AR" baseline="0" dirty="0" smtClean="0"/>
+              <a:t>las ganancias se ha tenido en cuenta la descarga de aplicación a 1 </a:t>
+            </a:r>
+            <a:r>
+              <a:rPr lang="es-AR" baseline="0" dirty="0" smtClean="0"/>
+              <a:t>dólar (para la versión paga) </a:t>
+            </a:r>
+            <a:r>
+              <a:rPr lang="es-AR" baseline="0" dirty="0" smtClean="0"/>
+              <a:t>y las ganancias por </a:t>
+            </a:r>
+            <a:r>
+              <a:rPr lang="es-AR" baseline="0" dirty="0" err="1" smtClean="0"/>
+              <a:t>google</a:t>
+            </a:r>
+            <a:r>
+              <a:rPr lang="es-AR" baseline="0" dirty="0" smtClean="0"/>
+              <a:t> </a:t>
+            </a:r>
+            <a:r>
+              <a:rPr lang="es-AR" baseline="0" dirty="0" err="1" smtClean="0"/>
+              <a:t>Adds</a:t>
+            </a:r>
+            <a:r>
+              <a:rPr lang="es-AR" baseline="0" dirty="0" smtClean="0"/>
+              <a:t> en base a la cantidad de vistas y </a:t>
+            </a:r>
+            <a:r>
+              <a:rPr lang="es-AR" baseline="0" dirty="0" err="1" smtClean="0"/>
+              <a:t>clicks</a:t>
+            </a:r>
+            <a:r>
+              <a:rPr lang="es-AR" baseline="0" dirty="0" smtClean="0"/>
+              <a:t>. Para esto último se ha considerado los valores más bajos del mercado, es decir, tan solo </a:t>
+            </a:r>
+            <a:r>
+              <a:rPr lang="es-AR" baseline="0" dirty="0" smtClean="0"/>
+              <a:t>15 (15-30)  </a:t>
+            </a:r>
+            <a:r>
+              <a:rPr lang="es-AR" baseline="0" dirty="0" smtClean="0"/>
+              <a:t>centavos por </a:t>
+            </a:r>
+            <a:r>
+              <a:rPr lang="es-AR" baseline="0" dirty="0" err="1" smtClean="0"/>
+              <a:t>clicks</a:t>
+            </a:r>
+            <a:r>
+              <a:rPr lang="es-AR" baseline="0" dirty="0" smtClean="0"/>
+              <a:t>, una probabilidad de </a:t>
+            </a:r>
+            <a:r>
+              <a:rPr lang="es-AR" baseline="0" dirty="0" err="1" smtClean="0"/>
+              <a:t>click</a:t>
+            </a:r>
+            <a:r>
+              <a:rPr lang="es-AR" baseline="0" dirty="0" smtClean="0"/>
+              <a:t> de 1,5% (1,5%-2,5%)  </a:t>
+            </a:r>
+            <a:r>
+              <a:rPr lang="es-AR" baseline="0" dirty="0" smtClean="0"/>
+              <a:t>y </a:t>
+            </a:r>
+            <a:r>
+              <a:rPr lang="es-AR" baseline="0" dirty="0" smtClean="0"/>
+              <a:t>10 </a:t>
+            </a:r>
+            <a:r>
+              <a:rPr lang="es-AR" baseline="0" dirty="0" smtClean="0"/>
+              <a:t>centavo </a:t>
+            </a:r>
+            <a:r>
+              <a:rPr lang="es-AR" baseline="0" dirty="0" smtClean="0"/>
+              <a:t>por cada mil vistas.</a:t>
+            </a:r>
+            <a:endParaRPr lang="es-AR" baseline="0" dirty="0" smtClean="0"/>
+          </a:p>
+          <a:p>
+            <a:r>
+              <a:rPr lang="es-AR" baseline="0" dirty="0" smtClean="0"/>
+              <a:t>En este gráfico se puede ver como la aplicación crecería </a:t>
+            </a:r>
+            <a:r>
+              <a:rPr lang="es-AR" baseline="0" dirty="0" smtClean="0"/>
+              <a:t>fuertemente hasta el mes 11, </a:t>
+            </a:r>
+            <a:r>
+              <a:rPr lang="es-AR" baseline="0" dirty="0" smtClean="0"/>
+              <a:t>llegando a los 100mil usuarios y finalmente iría disminuyendo su crecimiento a partir de ahí hasta estancarse en 160mil usuarios. </a:t>
+            </a:r>
+            <a:endParaRPr lang="es-AR" baseline="0" dirty="0" smtClean="0"/>
+          </a:p>
+          <a:p>
+            <a:r>
+              <a:rPr lang="es-AR" baseline="0" dirty="0" smtClean="0"/>
+              <a:t>En lo referente a las ganancias, las mismas acompañan el crecimiento de la cantidad de usuarios, teniendo en el caso de la versión paga un crecimiento mas pronunciado mientras la aplicación este en plena expansión (casi 7k </a:t>
+            </a:r>
+            <a:r>
+              <a:rPr lang="es-AR" baseline="0" dirty="0" err="1" smtClean="0"/>
+              <a:t>dolares</a:t>
+            </a:r>
+            <a:r>
+              <a:rPr lang="es-AR" baseline="0" dirty="0" smtClean="0"/>
+              <a:t>). Finalmente ambos escenarios se estabilizarían luego de dos años entre 5800 y 7000</a:t>
+            </a:r>
+          </a:p>
+          <a:p>
+            <a:r>
+              <a:rPr lang="es-AR" baseline="0" dirty="0" smtClean="0"/>
+              <a:t>Teniendo </a:t>
+            </a:r>
+            <a:r>
+              <a:rPr lang="es-AR" baseline="0" dirty="0" smtClean="0"/>
+              <a:t>en cuenta que el gasto para mantener la aplicación son casi mínimos (tan solo un servidor) , casi todo sería ganancias.</a:t>
+            </a:r>
+          </a:p>
+          <a:p>
+            <a:r>
+              <a:rPr lang="es-AR" baseline="0" dirty="0" smtClean="0"/>
+              <a:t>Finalmente se puede concluir, que siendo este el peor escenario posible, teniendo en cuenta los precios mas bajos del mercado en lo referente a publicidad, sin considerar la </a:t>
+            </a:r>
+            <a:r>
+              <a:rPr lang="es-AR" baseline="0" dirty="0" err="1" smtClean="0"/>
+              <a:t>expansion</a:t>
+            </a:r>
+            <a:r>
+              <a:rPr lang="es-AR" baseline="0" dirty="0" smtClean="0"/>
+              <a:t> del mercado de </a:t>
+            </a:r>
+            <a:r>
+              <a:rPr lang="es-AR" baseline="0" dirty="0" err="1" smtClean="0"/>
+              <a:t>smartphones</a:t>
+            </a:r>
+            <a:r>
+              <a:rPr lang="es-AR" baseline="0" dirty="0" smtClean="0"/>
+              <a:t> en un futuro y considerando tan solo una expansión del 3%, </a:t>
+            </a:r>
+            <a:r>
+              <a:rPr lang="es-AR" baseline="0" dirty="0" smtClean="0"/>
+              <a:t>el negocio no daría perdidas y hasta estaría brindando un margen de ganancias.</a:t>
+            </a:r>
+            <a:endParaRPr lang="es-AR" baseline="0" dirty="0" smtClean="0"/>
+          </a:p>
+          <a:p>
+            <a:r>
+              <a:rPr lang="es-AR" baseline="0" dirty="0" smtClean="0"/>
+              <a:t>Sin embargo, ahora nos podríamos preguntar, y si la aplicación es realmente un éxito y se expande a otros mercados con una captación mayor?</a:t>
+            </a:r>
           </a:p>
         </p:txBody>
       </p:sp>
@@ -4050,7 +4233,7 @@
     </p:spTree>
     <p:extLst>
       <p:ext uri="{BB962C8B-B14F-4D97-AF65-F5344CB8AC3E}">
-        <p14:creationId xmlns:p14="http://schemas.microsoft.com/office/powerpoint/2010/main" val="1057133531"/>
+        <p14:creationId xmlns:p14="http://schemas.microsoft.com/office/powerpoint/2010/main" val="3003342862"/>
       </p:ext>
     </p:extLst>
   </p:cSld>
@@ -4106,124 +4289,572 @@
           <a:p>
             <a:r>
               <a:rPr lang="es-AR" dirty="0" smtClean="0"/>
-              <a:t>En primer lugar, mostraremos el peor caso,</a:t>
-            </a:r>
-            <a:r>
-              <a:rPr lang="es-AR" baseline="0" dirty="0" smtClean="0"/>
-              <a:t> en el que el producto no se expanda fuera del país y que luego de 2 años se estanque en un 3% del mercado nacional. En ese caso, hemos considerado solo el mercado de </a:t>
+              <a:t>En ese escenario, hemos tomado los datos de una empresa</a:t>
+            </a:r>
+            <a:r>
+              <a:rPr lang="es-AR" baseline="0" dirty="0" smtClean="0"/>
+              <a:t> similar (como </a:t>
             </a:r>
             <a:r>
               <a:rPr lang="es-AR" baseline="0" dirty="0" err="1" smtClean="0"/>
-              <a:t>android</a:t>
-            </a:r>
-            <a:r>
-              <a:rPr lang="es-AR" baseline="0" dirty="0" smtClean="0"/>
-              <a:t> y hemos tomado como patrón de crecimiento estadísticas de otras empresas conocidas. Para las ganancias se ha tenido en cuenta la descarga de aplicación a 1 dólar y las ganancias por </a:t>
-            </a:r>
-            <a:r>
-              <a:rPr lang="es-AR" baseline="0" dirty="0" err="1" smtClean="0"/>
-              <a:t>google</a:t>
-            </a:r>
-            <a:r>
-              <a:rPr lang="es-AR" baseline="0" dirty="0" smtClean="0"/>
+              <a:t>Foursqare</a:t>
+            </a:r>
+            <a:r>
+              <a:rPr lang="es-AR" baseline="0" dirty="0" smtClean="0"/>
+              <a:t>) y su crecimiento en sus dos primeros años. Para quienes no conozcan esta compañía, la misma </a:t>
+            </a:r>
+            <a:r>
+              <a:rPr lang="es-AR" sz="1200" b="0" i="0" kern="1200" dirty="0" smtClean="0">
+                <a:solidFill>
+                  <a:schemeClr val="tx1"/>
+                </a:solidFill>
+                <a:effectLst/>
+                <a:latin typeface="+mn-lt"/>
+                <a:ea typeface="+mn-ea"/>
+                <a:cs typeface="+mn-cs"/>
+              </a:rPr>
+              <a:t>es un </a:t>
+            </a:r>
+            <a:r>
+              <a:rPr lang="es-AR" sz="1200" b="0" i="0" u="none" strike="noStrike" kern="1200" dirty="0" smtClean="0">
+                <a:solidFill>
+                  <a:schemeClr val="tx1"/>
+                </a:solidFill>
+                <a:effectLst/>
+                <a:latin typeface="+mn-lt"/>
+                <a:ea typeface="+mn-ea"/>
+                <a:cs typeface="+mn-cs"/>
+                <a:hlinkClick r:id="rId3" tooltip="Servicio basado en localización"/>
+              </a:rPr>
+              <a:t>servicio basado en localización</a:t>
+            </a:r>
+            <a:r>
+              <a:rPr lang="es-AR" sz="1200" b="0" i="0" kern="1200" dirty="0" smtClean="0">
+                <a:solidFill>
+                  <a:schemeClr val="tx1"/>
+                </a:solidFill>
+                <a:effectLst/>
+                <a:latin typeface="+mn-lt"/>
+                <a:ea typeface="+mn-ea"/>
+                <a:cs typeface="+mn-cs"/>
+              </a:rPr>
+              <a:t> web aplicada a las </a:t>
+            </a:r>
+            <a:r>
+              <a:rPr lang="es-AR" sz="1200" b="0" i="0" u="none" strike="noStrike" kern="1200" dirty="0" smtClean="0">
+                <a:solidFill>
+                  <a:schemeClr val="tx1"/>
+                </a:solidFill>
+                <a:effectLst/>
+                <a:latin typeface="+mn-lt"/>
+                <a:ea typeface="+mn-ea"/>
+                <a:cs typeface="+mn-cs"/>
+                <a:hlinkClick r:id="rId4" tooltip="Redes sociales"/>
+              </a:rPr>
+              <a:t>redes sociales</a:t>
+            </a:r>
+            <a:r>
+              <a:rPr lang="es-AR" sz="1200" b="0" i="0" kern="1200" dirty="0" smtClean="0">
+                <a:solidFill>
+                  <a:schemeClr val="tx1"/>
+                </a:solidFill>
+                <a:effectLst/>
+                <a:latin typeface="+mn-lt"/>
+                <a:ea typeface="+mn-ea"/>
+                <a:cs typeface="+mn-cs"/>
+              </a:rPr>
+              <a:t>. La </a:t>
+            </a:r>
+            <a:r>
+              <a:rPr lang="es-AR" sz="1200" b="0" i="0" kern="1200" dirty="0" err="1" smtClean="0">
+                <a:solidFill>
+                  <a:schemeClr val="tx1"/>
+                </a:solidFill>
+                <a:effectLst/>
+                <a:latin typeface="+mn-lt"/>
+                <a:ea typeface="+mn-ea"/>
+                <a:cs typeface="+mn-cs"/>
+              </a:rPr>
+              <a:t>geolocalización</a:t>
+            </a:r>
+            <a:r>
+              <a:rPr lang="es-AR" sz="1200" b="0" i="0" kern="1200" dirty="0" smtClean="0">
+                <a:solidFill>
+                  <a:schemeClr val="tx1"/>
+                </a:solidFill>
+                <a:effectLst/>
+                <a:latin typeface="+mn-lt"/>
+                <a:ea typeface="+mn-ea"/>
+                <a:cs typeface="+mn-cs"/>
+              </a:rPr>
+              <a:t> permite localizar un dispositivo fijo o móvil en una ubicación geográfica.</a:t>
+            </a:r>
+            <a:r>
+              <a:rPr lang="es-AR" sz="1200" b="0" i="0" kern="1200" baseline="0" dirty="0" smtClean="0">
+                <a:solidFill>
+                  <a:schemeClr val="tx1"/>
+                </a:solidFill>
+                <a:effectLst/>
+                <a:latin typeface="+mn-lt"/>
+                <a:ea typeface="+mn-ea"/>
+                <a:cs typeface="+mn-cs"/>
+              </a:rPr>
+              <a:t> Si bien es una aplicación exitosa, no es considerada como una aplicación especialmente </a:t>
+            </a:r>
+            <a:r>
+              <a:rPr lang="es-AR" sz="1200" b="0" i="0" kern="1200" baseline="0" dirty="0" err="1" smtClean="0">
+                <a:solidFill>
+                  <a:schemeClr val="tx1"/>
+                </a:solidFill>
+                <a:effectLst/>
+                <a:latin typeface="+mn-lt"/>
+                <a:ea typeface="+mn-ea"/>
+                <a:cs typeface="+mn-cs"/>
+              </a:rPr>
+              <a:t>virosica</a:t>
+            </a:r>
+            <a:r>
+              <a:rPr lang="es-AR" sz="1200" b="0" i="0" kern="1200" baseline="0" dirty="0" smtClean="0">
+                <a:solidFill>
+                  <a:schemeClr val="tx1"/>
+                </a:solidFill>
+                <a:effectLst/>
+                <a:latin typeface="+mn-lt"/>
+                <a:ea typeface="+mn-ea"/>
+                <a:cs typeface="+mn-cs"/>
+              </a:rPr>
+              <a:t> ni con un extremo furor. La misma alcanzo a los 2 años de su lanzamiento 8 millones de usuarios. </a:t>
+            </a:r>
+            <a:endParaRPr lang="es-AR" sz="1200" b="0" i="0" kern="1200" baseline="0" dirty="0" smtClean="0">
+              <a:solidFill>
+                <a:schemeClr val="tx1"/>
+              </a:solidFill>
+              <a:effectLst/>
+              <a:latin typeface="+mn-lt"/>
+              <a:ea typeface="+mn-ea"/>
+              <a:cs typeface="+mn-cs"/>
+            </a:endParaRPr>
+          </a:p>
+          <a:p>
+            <a:r>
+              <a:rPr lang="es-AR" sz="1200" b="0" i="0" kern="1200" baseline="0" dirty="0" smtClean="0">
+                <a:solidFill>
+                  <a:schemeClr val="tx1"/>
+                </a:solidFill>
+                <a:effectLst/>
+                <a:latin typeface="+mn-lt"/>
+                <a:ea typeface="+mn-ea"/>
+                <a:cs typeface="+mn-cs"/>
+              </a:rPr>
+              <a:t>Lo </a:t>
+            </a:r>
+            <a:r>
+              <a:rPr lang="es-AR" sz="1200" b="0" i="0" kern="1200" baseline="0" dirty="0" smtClean="0">
+                <a:solidFill>
+                  <a:schemeClr val="tx1"/>
+                </a:solidFill>
+                <a:effectLst/>
+                <a:latin typeface="+mn-lt"/>
+                <a:ea typeface="+mn-ea"/>
+                <a:cs typeface="+mn-cs"/>
+              </a:rPr>
+              <a:t>consiguió al expandirse </a:t>
+            </a:r>
+            <a:r>
+              <a:rPr lang="es-AR" sz="1200" b="0" i="0" kern="1200" baseline="0" dirty="0" smtClean="0">
+                <a:solidFill>
+                  <a:schemeClr val="tx1"/>
+                </a:solidFill>
+                <a:effectLst/>
+                <a:latin typeface="+mn-lt"/>
+                <a:ea typeface="+mn-ea"/>
+                <a:cs typeface="+mn-cs"/>
+              </a:rPr>
+              <a:t>en varias plataformas (a los 3 meses de su lanzamiento) así como en </a:t>
+            </a:r>
+            <a:r>
+              <a:rPr lang="es-AR" sz="1200" b="0" i="0" kern="1200" baseline="0" dirty="0" smtClean="0">
+                <a:solidFill>
+                  <a:schemeClr val="tx1"/>
+                </a:solidFill>
+                <a:effectLst/>
+                <a:latin typeface="+mn-lt"/>
+                <a:ea typeface="+mn-ea"/>
+                <a:cs typeface="+mn-cs"/>
+              </a:rPr>
+              <a:t>varias regiones (su </a:t>
+            </a:r>
+            <a:r>
+              <a:rPr lang="es-AR" sz="1200" b="0" i="0" kern="1200" baseline="0" dirty="0" err="1" smtClean="0">
+                <a:solidFill>
+                  <a:schemeClr val="tx1"/>
+                </a:solidFill>
+                <a:effectLst/>
+                <a:latin typeface="+mn-lt"/>
+                <a:ea typeface="+mn-ea"/>
+                <a:cs typeface="+mn-cs"/>
+              </a:rPr>
+              <a:t>aplicaciónes</a:t>
+            </a:r>
+            <a:r>
+              <a:rPr lang="es-AR" sz="1200" b="0" i="0" kern="1200" baseline="0" dirty="0" smtClean="0">
+                <a:solidFill>
+                  <a:schemeClr val="tx1"/>
+                </a:solidFill>
+                <a:effectLst/>
+                <a:latin typeface="+mn-lt"/>
+                <a:ea typeface="+mn-ea"/>
+                <a:cs typeface="+mn-cs"/>
+              </a:rPr>
               <a:t> </a:t>
             </a:r>
             <a:r>
-              <a:rPr lang="es-AR" baseline="0" dirty="0" err="1" smtClean="0"/>
-              <a:t>Adds</a:t>
-            </a:r>
-            <a:r>
-              <a:rPr lang="es-AR" baseline="0" dirty="0" smtClean="0"/>
-              <a:t> en base a la cantidad de vistas y </a:t>
-            </a:r>
-            <a:r>
-              <a:rPr lang="es-AR" baseline="0" dirty="0" err="1" smtClean="0"/>
-              <a:t>clicks</a:t>
-            </a:r>
-            <a:r>
-              <a:rPr lang="es-AR" baseline="0" dirty="0" smtClean="0"/>
-              <a:t>. Para esto último se ha considerado los valores más bajos del mercado, es decir, tan solo 10 centavos por </a:t>
-            </a:r>
-            <a:r>
-              <a:rPr lang="es-AR" baseline="0" dirty="0" err="1" smtClean="0"/>
-              <a:t>clicks</a:t>
-            </a:r>
-            <a:r>
-              <a:rPr lang="es-AR" baseline="0" dirty="0" smtClean="0"/>
-              <a:t> y 0,1 centavo por vista.</a:t>
-            </a:r>
-          </a:p>
-          <a:p>
-            <a:r>
-              <a:rPr lang="es-AR" baseline="0" dirty="0" smtClean="0"/>
-              <a:t>En este gráfico se puede ver como la aplicación crecería linealmente entre los </a:t>
-            </a:r>
-            <a:r>
-              <a:rPr lang="es-AR" baseline="0" dirty="0" err="1" smtClean="0"/>
-              <a:t>emses</a:t>
-            </a:r>
-            <a:r>
-              <a:rPr lang="es-AR" baseline="0" dirty="0" smtClean="0"/>
-              <a:t> 5 y 11, llegando a los 100mil usuarios y finalmente iría disminuyendo su crecimiento a partir de ahí hasta estancarse en 160mil usuarios. </a:t>
-            </a:r>
-          </a:p>
-          <a:p>
-            <a:r>
-              <a:rPr lang="es-AR" baseline="0" dirty="0" smtClean="0"/>
-              <a:t>En lo referente a los ingresos, los mismos tendrían un pico durante la expansión de la aplicación llegando a 35mil </a:t>
-            </a:r>
-            <a:r>
-              <a:rPr lang="es-AR" baseline="0" dirty="0" err="1" smtClean="0"/>
-              <a:t>doalres</a:t>
-            </a:r>
-            <a:r>
-              <a:rPr lang="es-AR" baseline="0" dirty="0" smtClean="0"/>
-              <a:t> por mes para finalmente converger a 20 mil </a:t>
-            </a:r>
-            <a:r>
-              <a:rPr lang="es-AR" baseline="0" dirty="0" err="1" smtClean="0"/>
+              <a:rPr lang="es-AR" sz="1200" b="0" i="0" kern="1200" baseline="0" dirty="0" smtClean="0">
+                <a:solidFill>
+                  <a:schemeClr val="tx1"/>
+                </a:solidFill>
+                <a:effectLst/>
+                <a:latin typeface="+mn-lt"/>
+                <a:ea typeface="+mn-ea"/>
+                <a:cs typeface="+mn-cs"/>
+              </a:rPr>
+              <a:t>multilenguaje) </a:t>
+            </a:r>
+            <a:r>
+              <a:rPr lang="es-AR" sz="1200" b="0" i="0" kern="1200" baseline="0" dirty="0" smtClean="0">
+                <a:solidFill>
+                  <a:schemeClr val="tx1"/>
+                </a:solidFill>
+                <a:effectLst/>
+                <a:latin typeface="+mn-lt"/>
+                <a:ea typeface="+mn-ea"/>
+                <a:cs typeface="+mn-cs"/>
+              </a:rPr>
+              <a:t>(a los 6 meses). </a:t>
+            </a:r>
+            <a:endParaRPr lang="es-AR" sz="1200" b="0" i="0" kern="1200" baseline="0" dirty="0" smtClean="0">
+              <a:solidFill>
+                <a:schemeClr val="tx1"/>
+              </a:solidFill>
+              <a:effectLst/>
+              <a:latin typeface="+mn-lt"/>
+              <a:ea typeface="+mn-ea"/>
+              <a:cs typeface="+mn-cs"/>
+            </a:endParaRPr>
+          </a:p>
+          <a:p>
+            <a:r>
+              <a:rPr lang="es-AR" sz="1200" b="0" i="0" kern="1200" baseline="0" dirty="0" smtClean="0">
+                <a:solidFill>
+                  <a:schemeClr val="tx1"/>
+                </a:solidFill>
+                <a:effectLst/>
+                <a:latin typeface="+mn-lt"/>
+                <a:ea typeface="+mn-ea"/>
+                <a:cs typeface="+mn-cs"/>
+              </a:rPr>
+              <a:t>Si consideramos que nuestra aplicación tiene todas a favor para resultar aún mas exitosa que esta aplicación y suponiendo que se realiza el soporte </a:t>
+            </a:r>
+            <a:r>
+              <a:rPr lang="es-AR" sz="1200" b="0" i="0" kern="1200" baseline="0" dirty="0" smtClean="0">
+                <a:solidFill>
+                  <a:schemeClr val="tx1"/>
+                </a:solidFill>
+                <a:effectLst/>
+                <a:latin typeface="+mn-lt"/>
+                <a:ea typeface="+mn-ea"/>
+                <a:cs typeface="+mn-cs"/>
+              </a:rPr>
+              <a:t>necesarios para dar soporte a diversos </a:t>
+            </a:r>
+            <a:r>
+              <a:rPr lang="es-AR" sz="1200" b="0" i="0" kern="1200" baseline="0" dirty="0" smtClean="0">
+                <a:solidFill>
+                  <a:schemeClr val="tx1"/>
+                </a:solidFill>
+                <a:effectLst/>
+                <a:latin typeface="+mn-lt"/>
+                <a:ea typeface="+mn-ea"/>
+                <a:cs typeface="+mn-cs"/>
+              </a:rPr>
+              <a:t>lenguajes y plataformas, se </a:t>
+            </a:r>
+            <a:r>
+              <a:rPr lang="es-AR" sz="1200" b="0" i="0" kern="1200" baseline="0" dirty="0" err="1" smtClean="0">
+                <a:solidFill>
+                  <a:schemeClr val="tx1"/>
+                </a:solidFill>
+                <a:effectLst/>
+                <a:latin typeface="+mn-lt"/>
+                <a:ea typeface="+mn-ea"/>
+                <a:cs typeface="+mn-cs"/>
+              </a:rPr>
+              <a:t>podria</a:t>
+            </a:r>
+            <a:r>
+              <a:rPr lang="es-AR" sz="1200" b="0" i="0" kern="1200" baseline="0" dirty="0" smtClean="0">
+                <a:solidFill>
+                  <a:schemeClr val="tx1"/>
+                </a:solidFill>
+                <a:effectLst/>
+                <a:latin typeface="+mn-lt"/>
+                <a:ea typeface="+mn-ea"/>
+                <a:cs typeface="+mn-cs"/>
+              </a:rPr>
+              <a:t> alcanzar sin inconvenientes el mismo nivel de usuarios. </a:t>
+            </a:r>
+          </a:p>
+          <a:p>
+            <a:r>
+              <a:rPr lang="es-AR" sz="1200" b="0" i="0" kern="1200" baseline="0" dirty="0" smtClean="0">
+                <a:solidFill>
+                  <a:schemeClr val="tx1"/>
+                </a:solidFill>
+                <a:effectLst/>
+                <a:latin typeface="+mn-lt"/>
+                <a:ea typeface="+mn-ea"/>
+                <a:cs typeface="+mn-cs"/>
+              </a:rPr>
+              <a:t>En lo referente a </a:t>
+            </a:r>
+            <a:r>
+              <a:rPr lang="es-AR" sz="1200" b="0" i="0" kern="1200" baseline="0" dirty="0" err="1" smtClean="0">
+                <a:solidFill>
+                  <a:schemeClr val="tx1"/>
+                </a:solidFill>
+                <a:effectLst/>
+                <a:latin typeface="+mn-lt"/>
+                <a:ea typeface="+mn-ea"/>
+                <a:cs typeface="+mn-cs"/>
+              </a:rPr>
+              <a:t>ganacias</a:t>
+            </a:r>
+            <a:r>
+              <a:rPr lang="es-AR" sz="1200" b="0" i="0" kern="1200" baseline="0" dirty="0" smtClean="0">
+                <a:solidFill>
+                  <a:schemeClr val="tx1"/>
+                </a:solidFill>
+                <a:effectLst/>
+                <a:latin typeface="+mn-lt"/>
+                <a:ea typeface="+mn-ea"/>
+                <a:cs typeface="+mn-cs"/>
+              </a:rPr>
+              <a:t>, las mismas serían al </a:t>
+            </a:r>
+            <a:r>
+              <a:rPr lang="es-AR" sz="1200" b="0" i="0" kern="1200" baseline="0" dirty="0" err="1" smtClean="0">
+                <a:solidFill>
+                  <a:schemeClr val="tx1"/>
+                </a:solidFill>
+                <a:effectLst/>
+                <a:latin typeface="+mn-lt"/>
+                <a:ea typeface="+mn-ea"/>
+                <a:cs typeface="+mn-cs"/>
+              </a:rPr>
+              <a:t>alzancar</a:t>
+            </a:r>
+            <a:r>
+              <a:rPr lang="es-AR" sz="1200" b="0" i="0" kern="1200" baseline="0" dirty="0" smtClean="0">
+                <a:solidFill>
+                  <a:schemeClr val="tx1"/>
+                </a:solidFill>
+                <a:effectLst/>
+                <a:latin typeface="+mn-lt"/>
+                <a:ea typeface="+mn-ea"/>
+                <a:cs typeface="+mn-cs"/>
+              </a:rPr>
+              <a:t> los 2 años de </a:t>
+            </a:r>
+            <a:r>
+              <a:rPr lang="es-AR" sz="1200" b="0" i="0" kern="1200" baseline="0" dirty="0" smtClean="0">
+                <a:solidFill>
+                  <a:schemeClr val="tx1"/>
+                </a:solidFill>
+                <a:effectLst/>
+                <a:latin typeface="+mn-lt"/>
+                <a:ea typeface="+mn-ea"/>
+                <a:cs typeface="+mn-cs"/>
+              </a:rPr>
+              <a:t>entre los 270k a 400k al </a:t>
+            </a:r>
+            <a:r>
+              <a:rPr lang="es-AR" sz="1200" b="0" i="0" kern="1200" baseline="0" dirty="0" smtClean="0">
+                <a:solidFill>
+                  <a:schemeClr val="tx1"/>
+                </a:solidFill>
+                <a:effectLst/>
+                <a:latin typeface="+mn-lt"/>
+                <a:ea typeface="+mn-ea"/>
+                <a:cs typeface="+mn-cs"/>
+              </a:rPr>
+              <a:t>mes, teniendo en cuenta los mismos precios para las publicidades que en el escenario anterior. Como pueden ver, un gran negocio</a:t>
+            </a:r>
+            <a:r>
+              <a:rPr lang="es-AR" sz="1200" b="0" i="0" kern="1200" baseline="0" dirty="0" smtClean="0">
+                <a:solidFill>
+                  <a:schemeClr val="tx1"/>
+                </a:solidFill>
+                <a:effectLst/>
+                <a:latin typeface="+mn-lt"/>
+                <a:ea typeface="+mn-ea"/>
+                <a:cs typeface="+mn-cs"/>
+              </a:rPr>
+              <a:t>.</a:t>
+            </a:r>
+          </a:p>
+          <a:p>
+            <a:r>
+              <a:rPr lang="es-AR" sz="1200" b="0" i="0" kern="1200" baseline="0" dirty="0" smtClean="0">
+                <a:solidFill>
+                  <a:schemeClr val="tx1"/>
+                </a:solidFill>
+                <a:effectLst/>
+                <a:latin typeface="+mn-lt"/>
+                <a:ea typeface="+mn-ea"/>
+                <a:cs typeface="+mn-cs"/>
+              </a:rPr>
+              <a:t>Un detalle de color que nos gustaría destacar es que a los 18 meses del lanzamiento, </a:t>
+            </a:r>
+            <a:r>
+              <a:rPr lang="es-AR" sz="1200" b="0" i="0" kern="1200" baseline="0" dirty="0" err="1" smtClean="0">
+                <a:solidFill>
+                  <a:schemeClr val="tx1"/>
+                </a:solidFill>
+                <a:effectLst/>
+                <a:latin typeface="+mn-lt"/>
+                <a:ea typeface="+mn-ea"/>
+                <a:cs typeface="+mn-cs"/>
+              </a:rPr>
+              <a:t>facebook</a:t>
+            </a:r>
+            <a:r>
+              <a:rPr lang="es-AR" sz="1200" b="0" i="0" kern="1200" baseline="0" dirty="0" smtClean="0">
+                <a:solidFill>
+                  <a:schemeClr val="tx1"/>
+                </a:solidFill>
+                <a:effectLst/>
+                <a:latin typeface="+mn-lt"/>
+                <a:ea typeface="+mn-ea"/>
+                <a:cs typeface="+mn-cs"/>
+              </a:rPr>
+              <a:t> lanzó una aplicación similar que como pueden ver afectó realmente poco el crecimiento de la aplicación.</a:t>
+            </a:r>
+            <a:endParaRPr lang="es-AR" sz="1200" b="0" i="0" kern="1200" baseline="0" dirty="0" smtClean="0">
+              <a:solidFill>
+                <a:schemeClr val="tx1"/>
+              </a:solidFill>
+              <a:effectLst/>
+              <a:latin typeface="+mn-lt"/>
+              <a:ea typeface="+mn-ea"/>
+              <a:cs typeface="+mn-cs"/>
+            </a:endParaRPr>
+          </a:p>
+          <a:p>
+            <a:r>
+              <a:rPr lang="es-AR" sz="1200" b="0" i="0" kern="1200" baseline="0" dirty="0" smtClean="0">
+                <a:solidFill>
+                  <a:schemeClr val="tx1"/>
+                </a:solidFill>
+                <a:effectLst/>
+                <a:latin typeface="+mn-lt"/>
+                <a:ea typeface="+mn-ea"/>
+                <a:cs typeface="+mn-cs"/>
+              </a:rPr>
+              <a:t>Finalmente </a:t>
+            </a:r>
+            <a:r>
+              <a:rPr lang="es-AR" sz="1200" b="0" i="0" kern="1200" baseline="0" smtClean="0">
+                <a:solidFill>
+                  <a:schemeClr val="tx1"/>
+                </a:solidFill>
+                <a:effectLst/>
+                <a:latin typeface="+mn-lt"/>
+                <a:ea typeface="+mn-ea"/>
+                <a:cs typeface="+mn-cs"/>
+              </a:rPr>
+              <a:t>un último detalle </a:t>
+            </a:r>
+            <a:r>
+              <a:rPr lang="es-AR" sz="1200" b="0" i="0" kern="1200" baseline="0" dirty="0" smtClean="0">
+                <a:solidFill>
+                  <a:schemeClr val="tx1"/>
+                </a:solidFill>
+                <a:effectLst/>
+                <a:latin typeface="+mn-lt"/>
+                <a:ea typeface="+mn-ea"/>
+                <a:cs typeface="+mn-cs"/>
+              </a:rPr>
+              <a:t>no menor es que la empresa </a:t>
+            </a:r>
+            <a:r>
+              <a:rPr lang="es-AR" sz="1200" b="0" i="0" kern="1200" baseline="0" dirty="0" err="1" smtClean="0">
+                <a:solidFill>
+                  <a:schemeClr val="tx1"/>
+                </a:solidFill>
+                <a:effectLst/>
+                <a:latin typeface="+mn-lt"/>
+                <a:ea typeface="+mn-ea"/>
+                <a:cs typeface="+mn-cs"/>
+              </a:rPr>
+              <a:t>Foursqare</a:t>
+            </a:r>
+            <a:r>
+              <a:rPr lang="es-AR" sz="1200" b="0" i="0" kern="1200" baseline="0" dirty="0" smtClean="0">
+                <a:solidFill>
+                  <a:schemeClr val="tx1"/>
+                </a:solidFill>
+                <a:effectLst/>
+                <a:latin typeface="+mn-lt"/>
+                <a:ea typeface="+mn-ea"/>
+                <a:cs typeface="+mn-cs"/>
+              </a:rPr>
+              <a:t> posee hoy en día (4 años después de su lanzamiento)  posee 30 millones de usuarios, </a:t>
+            </a:r>
+            <a:r>
+              <a:rPr lang="es-AR" sz="1200" b="0" i="0" kern="1200" baseline="0" dirty="0" smtClean="0">
+                <a:solidFill>
+                  <a:schemeClr val="tx1"/>
+                </a:solidFill>
+                <a:effectLst/>
+                <a:latin typeface="+mn-lt"/>
+                <a:ea typeface="+mn-ea"/>
+                <a:cs typeface="+mn-cs"/>
+              </a:rPr>
+              <a:t>realizando las cuentas bajo el mismo modelo, daría un ingreso de 1millon de </a:t>
+            </a:r>
+            <a:r>
+              <a:rPr lang="es-AR" sz="1200" b="0" i="0" kern="1200" baseline="0" dirty="0" err="1" smtClean="0">
+                <a:solidFill>
+                  <a:schemeClr val="tx1"/>
+                </a:solidFill>
+                <a:effectLst/>
+                <a:latin typeface="+mn-lt"/>
+                <a:ea typeface="+mn-ea"/>
+                <a:cs typeface="+mn-cs"/>
+              </a:rPr>
               <a:t>dolares</a:t>
             </a:r>
             <a:r>
-              <a:rPr lang="es-AR" baseline="0" dirty="0" smtClean="0"/>
-              <a:t> por mes. Teniendo en cuenta que el gasto para mantener la aplicación son casi mínimos (tan solo un servidor) , casi todo sería ganancias.</a:t>
-            </a:r>
-          </a:p>
-          <a:p>
-            <a:r>
-              <a:rPr lang="es-AR" baseline="0" dirty="0" smtClean="0"/>
-              <a:t>Finalmente se puede concluir, que siendo este el peor escenario posible, teniendo en cuenta los precios mas bajos del mercado en lo referente a publicidad, sin considerar la </a:t>
-            </a:r>
-            <a:r>
-              <a:rPr lang="es-AR" baseline="0" dirty="0" err="1" smtClean="0"/>
-              <a:t>expansion</a:t>
-            </a:r>
-            <a:r>
-              <a:rPr lang="es-AR" baseline="0" dirty="0" smtClean="0"/>
-              <a:t> del mercado de </a:t>
-            </a:r>
-            <a:r>
-              <a:rPr lang="es-AR" baseline="0" dirty="0" err="1" smtClean="0"/>
-              <a:t>smartphones</a:t>
-            </a:r>
-            <a:r>
-              <a:rPr lang="es-AR" baseline="0" dirty="0" smtClean="0"/>
-              <a:t> en un futuro y considerando tan solo una expansión del 3%, el negocio daría considerables </a:t>
-            </a:r>
-            <a:r>
-              <a:rPr lang="es-AR" baseline="0" dirty="0" err="1" smtClean="0"/>
-              <a:t>ganacias</a:t>
-            </a:r>
-            <a:r>
-              <a:rPr lang="es-AR" baseline="0" dirty="0" smtClean="0"/>
-              <a:t>.</a:t>
-            </a:r>
-          </a:p>
-          <a:p>
-            <a:r>
-              <a:rPr lang="es-AR" baseline="0" dirty="0" smtClean="0"/>
-              <a:t>Sin embargo, ahora nos podríamos preguntar, y si la aplicación es realmente un éxito y se expande a otros mercados con una captación mayor?</a:t>
-            </a:r>
+              <a:rPr lang="es-AR" sz="1200" b="0" i="0" kern="1200" baseline="0" dirty="0" smtClean="0">
+                <a:solidFill>
+                  <a:schemeClr val="tx1"/>
+                </a:solidFill>
+                <a:effectLst/>
+                <a:latin typeface="+mn-lt"/>
+                <a:ea typeface="+mn-ea"/>
+                <a:cs typeface="+mn-cs"/>
+              </a:rPr>
+              <a:t> al mes.</a:t>
+            </a:r>
+            <a:endParaRPr lang="es-AR" sz="1200" b="0" i="0" kern="1200" baseline="0" dirty="0" smtClean="0">
+              <a:solidFill>
+                <a:schemeClr val="tx1"/>
+              </a:solidFill>
+              <a:effectLst/>
+              <a:latin typeface="+mn-lt"/>
+              <a:ea typeface="+mn-ea"/>
+              <a:cs typeface="+mn-cs"/>
+            </a:endParaRPr>
           </a:p>
         </p:txBody>
       </p:sp>
@@ -4254,7 +4885,7 @@
     </p:spTree>
     <p:extLst>
       <p:ext uri="{BB962C8B-B14F-4D97-AF65-F5344CB8AC3E}">
-        <p14:creationId xmlns:p14="http://schemas.microsoft.com/office/powerpoint/2010/main" val="3003342862"/>
+        <p14:creationId xmlns:p14="http://schemas.microsoft.com/office/powerpoint/2010/main" val="3000085410"/>
       </p:ext>
     </p:extLst>
   </p:cSld>
@@ -4308,376 +4939,7 @@
           <a:bodyPr/>
           <a:lstStyle/>
           <a:p>
-            <a:r>
-              <a:rPr lang="es-AR" dirty="0" smtClean="0"/>
-              <a:t>En ese escenario, hemos tomado los datos de una empresa</a:t>
-            </a:r>
-            <a:r>
-              <a:rPr lang="es-AR" baseline="0" dirty="0" smtClean="0"/>
-              <a:t> similar (como </a:t>
-            </a:r>
-            <a:r>
-              <a:rPr lang="es-AR" baseline="0" dirty="0" err="1" smtClean="0"/>
-              <a:t>Foursqare</a:t>
-            </a:r>
-            <a:r>
-              <a:rPr lang="es-AR" baseline="0" dirty="0" smtClean="0"/>
-              <a:t>) y su crecimiento en sus dos primeros años. Para quienes no conozcan esta compañía, la misma </a:t>
-            </a:r>
-            <a:r>
-              <a:rPr lang="es-AR" sz="1200" b="0" i="0" kern="1200" dirty="0" smtClean="0">
-                <a:solidFill>
-                  <a:schemeClr val="tx1"/>
-                </a:solidFill>
-                <a:effectLst/>
-                <a:latin typeface="+mn-lt"/>
-                <a:ea typeface="+mn-ea"/>
-                <a:cs typeface="+mn-cs"/>
-              </a:rPr>
-              <a:t>es un </a:t>
-            </a:r>
-            <a:r>
-              <a:rPr lang="es-AR" sz="1200" b="0" i="0" u="none" strike="noStrike" kern="1200" dirty="0" smtClean="0">
-                <a:solidFill>
-                  <a:schemeClr val="tx1"/>
-                </a:solidFill>
-                <a:effectLst/>
-                <a:latin typeface="+mn-lt"/>
-                <a:ea typeface="+mn-ea"/>
-                <a:cs typeface="+mn-cs"/>
-                <a:hlinkClick r:id="rId3" tooltip="Servicio basado en localización"/>
-              </a:rPr>
-              <a:t>servicio basado en localización</a:t>
-            </a:r>
-            <a:r>
-              <a:rPr lang="es-AR" sz="1200" b="0" i="0" kern="1200" dirty="0" smtClean="0">
-                <a:solidFill>
-                  <a:schemeClr val="tx1"/>
-                </a:solidFill>
-                <a:effectLst/>
-                <a:latin typeface="+mn-lt"/>
-                <a:ea typeface="+mn-ea"/>
-                <a:cs typeface="+mn-cs"/>
-              </a:rPr>
-              <a:t> web aplicada a las </a:t>
-            </a:r>
-            <a:r>
-              <a:rPr lang="es-AR" sz="1200" b="0" i="0" u="none" strike="noStrike" kern="1200" dirty="0" smtClean="0">
-                <a:solidFill>
-                  <a:schemeClr val="tx1"/>
-                </a:solidFill>
-                <a:effectLst/>
-                <a:latin typeface="+mn-lt"/>
-                <a:ea typeface="+mn-ea"/>
-                <a:cs typeface="+mn-cs"/>
-                <a:hlinkClick r:id="rId4" tooltip="Redes sociales"/>
-              </a:rPr>
-              <a:t>redes sociales</a:t>
-            </a:r>
-            <a:r>
-              <a:rPr lang="es-AR" sz="1200" b="0" i="0" kern="1200" dirty="0" smtClean="0">
-                <a:solidFill>
-                  <a:schemeClr val="tx1"/>
-                </a:solidFill>
-                <a:effectLst/>
-                <a:latin typeface="+mn-lt"/>
-                <a:ea typeface="+mn-ea"/>
-                <a:cs typeface="+mn-cs"/>
-              </a:rPr>
-              <a:t>. La </a:t>
-            </a:r>
-            <a:r>
-              <a:rPr lang="es-AR" sz="1200" b="0" i="0" kern="1200" dirty="0" err="1" smtClean="0">
-                <a:solidFill>
-                  <a:schemeClr val="tx1"/>
-                </a:solidFill>
-                <a:effectLst/>
-                <a:latin typeface="+mn-lt"/>
-                <a:ea typeface="+mn-ea"/>
-                <a:cs typeface="+mn-cs"/>
-              </a:rPr>
-              <a:t>geolocalización</a:t>
-            </a:r>
-            <a:r>
-              <a:rPr lang="es-AR" sz="1200" b="0" i="0" kern="1200" dirty="0" smtClean="0">
-                <a:solidFill>
-                  <a:schemeClr val="tx1"/>
-                </a:solidFill>
-                <a:effectLst/>
-                <a:latin typeface="+mn-lt"/>
-                <a:ea typeface="+mn-ea"/>
-                <a:cs typeface="+mn-cs"/>
-              </a:rPr>
-              <a:t> permite localizar un dispositivo fijo o móvil en una ubicación geográfica.</a:t>
-            </a:r>
-            <a:r>
-              <a:rPr lang="es-AR" sz="1200" b="0" i="0" kern="1200" baseline="0" dirty="0" smtClean="0">
-                <a:solidFill>
-                  <a:schemeClr val="tx1"/>
-                </a:solidFill>
-                <a:effectLst/>
-                <a:latin typeface="+mn-lt"/>
-                <a:ea typeface="+mn-ea"/>
-                <a:cs typeface="+mn-cs"/>
-              </a:rPr>
-              <a:t> Si bien es una aplicación exitosa, no es considerada como una aplicación especialmente </a:t>
-            </a:r>
-            <a:r>
-              <a:rPr lang="es-AR" sz="1200" b="0" i="0" kern="1200" baseline="0" dirty="0" err="1" smtClean="0">
-                <a:solidFill>
-                  <a:schemeClr val="tx1"/>
-                </a:solidFill>
-                <a:effectLst/>
-                <a:latin typeface="+mn-lt"/>
-                <a:ea typeface="+mn-ea"/>
-                <a:cs typeface="+mn-cs"/>
-              </a:rPr>
-              <a:t>virosica</a:t>
-            </a:r>
-            <a:r>
-              <a:rPr lang="es-AR" sz="1200" b="0" i="0" kern="1200" baseline="0" dirty="0" smtClean="0">
-                <a:solidFill>
-                  <a:schemeClr val="tx1"/>
-                </a:solidFill>
-                <a:effectLst/>
-                <a:latin typeface="+mn-lt"/>
-                <a:ea typeface="+mn-ea"/>
-                <a:cs typeface="+mn-cs"/>
-              </a:rPr>
-              <a:t> ni con un extremo furor. La misma alcanzo a los 2 años de su lanzamiento 8 millones de usuarios. Lo consiguió al expandirse en varias regiones (su </a:t>
-            </a:r>
-            <a:r>
-              <a:rPr lang="es-AR" sz="1200" b="0" i="0" kern="1200" baseline="0" dirty="0" err="1" smtClean="0">
-                <a:solidFill>
-                  <a:schemeClr val="tx1"/>
-                </a:solidFill>
-                <a:effectLst/>
-                <a:latin typeface="+mn-lt"/>
-                <a:ea typeface="+mn-ea"/>
-                <a:cs typeface="+mn-cs"/>
-              </a:rPr>
-              <a:t>aplicacióne</a:t>
-            </a:r>
-            <a:r>
-              <a:rPr lang="es-AR" sz="1200" b="0" i="0" kern="1200" baseline="0" dirty="0" smtClean="0">
-                <a:solidFill>
-                  <a:schemeClr val="tx1"/>
-                </a:solidFill>
-                <a:effectLst/>
-                <a:latin typeface="+mn-lt"/>
-                <a:ea typeface="+mn-ea"/>
-                <a:cs typeface="+mn-cs"/>
-              </a:rPr>
-              <a:t> s multilenguaje) así como en varias plataformas. </a:t>
-            </a:r>
-          </a:p>
-          <a:p>
-            <a:r>
-              <a:rPr lang="es-AR" sz="1200" b="0" i="0" kern="1200" baseline="0" dirty="0" smtClean="0">
-                <a:solidFill>
-                  <a:schemeClr val="tx1"/>
-                </a:solidFill>
-                <a:effectLst/>
-                <a:latin typeface="+mn-lt"/>
-                <a:ea typeface="+mn-ea"/>
-                <a:cs typeface="+mn-cs"/>
-              </a:rPr>
-              <a:t>Si consideramos que nuestra aplicación tiene todas a favor para resultar aún mas exitosa que esta aplicación y suponiendo que se realiza el soporte necesario para aproximadamente al año de su lanzamiento en </a:t>
-            </a:r>
-            <a:r>
-              <a:rPr lang="es-AR" sz="1200" b="0" i="0" kern="1200" baseline="0" dirty="0" err="1" smtClean="0">
-                <a:solidFill>
-                  <a:schemeClr val="tx1"/>
-                </a:solidFill>
-                <a:effectLst/>
-                <a:latin typeface="+mn-lt"/>
-                <a:ea typeface="+mn-ea"/>
-                <a:cs typeface="+mn-cs"/>
-              </a:rPr>
-              <a:t>android</a:t>
-            </a:r>
-            <a:r>
-              <a:rPr lang="es-AR" sz="1200" b="0" i="0" kern="1200" baseline="0" dirty="0" smtClean="0">
-                <a:solidFill>
-                  <a:schemeClr val="tx1"/>
-                </a:solidFill>
-                <a:effectLst/>
-                <a:latin typeface="+mn-lt"/>
-                <a:ea typeface="+mn-ea"/>
-                <a:cs typeface="+mn-cs"/>
-              </a:rPr>
-              <a:t>, realizar los cambios oportunos para que soporte diversos lenguajes y plataformas, se </a:t>
-            </a:r>
-            <a:r>
-              <a:rPr lang="es-AR" sz="1200" b="0" i="0" kern="1200" baseline="0" dirty="0" err="1" smtClean="0">
-                <a:solidFill>
-                  <a:schemeClr val="tx1"/>
-                </a:solidFill>
-                <a:effectLst/>
-                <a:latin typeface="+mn-lt"/>
-                <a:ea typeface="+mn-ea"/>
-                <a:cs typeface="+mn-cs"/>
-              </a:rPr>
-              <a:t>podria</a:t>
-            </a:r>
-            <a:r>
-              <a:rPr lang="es-AR" sz="1200" b="0" i="0" kern="1200" baseline="0" dirty="0" smtClean="0">
-                <a:solidFill>
-                  <a:schemeClr val="tx1"/>
-                </a:solidFill>
-                <a:effectLst/>
-                <a:latin typeface="+mn-lt"/>
-                <a:ea typeface="+mn-ea"/>
-                <a:cs typeface="+mn-cs"/>
-              </a:rPr>
-              <a:t> alcanzar sin inconvenientes el mismo nivel de usuarios. </a:t>
-            </a:r>
-          </a:p>
-          <a:p>
-            <a:r>
-              <a:rPr lang="es-AR" sz="1200" b="0" i="0" kern="1200" baseline="0" dirty="0" smtClean="0">
-                <a:solidFill>
-                  <a:schemeClr val="tx1"/>
-                </a:solidFill>
-                <a:effectLst/>
-                <a:latin typeface="+mn-lt"/>
-                <a:ea typeface="+mn-ea"/>
-                <a:cs typeface="+mn-cs"/>
-              </a:rPr>
-              <a:t>En lo referente a </a:t>
-            </a:r>
-            <a:r>
-              <a:rPr lang="es-AR" sz="1200" b="0" i="0" kern="1200" baseline="0" dirty="0" err="1" smtClean="0">
-                <a:solidFill>
-                  <a:schemeClr val="tx1"/>
-                </a:solidFill>
-                <a:effectLst/>
-                <a:latin typeface="+mn-lt"/>
-                <a:ea typeface="+mn-ea"/>
-                <a:cs typeface="+mn-cs"/>
-              </a:rPr>
-              <a:t>ganacias</a:t>
-            </a:r>
-            <a:r>
-              <a:rPr lang="es-AR" sz="1200" b="0" i="0" kern="1200" baseline="0" dirty="0" smtClean="0">
-                <a:solidFill>
-                  <a:schemeClr val="tx1"/>
-                </a:solidFill>
-                <a:effectLst/>
-                <a:latin typeface="+mn-lt"/>
-                <a:ea typeface="+mn-ea"/>
-                <a:cs typeface="+mn-cs"/>
-              </a:rPr>
-              <a:t>, las mismas serían al </a:t>
-            </a:r>
-            <a:r>
-              <a:rPr lang="es-AR" sz="1200" b="0" i="0" kern="1200" baseline="0" dirty="0" err="1" smtClean="0">
-                <a:solidFill>
-                  <a:schemeClr val="tx1"/>
-                </a:solidFill>
-                <a:effectLst/>
-                <a:latin typeface="+mn-lt"/>
-                <a:ea typeface="+mn-ea"/>
-                <a:cs typeface="+mn-cs"/>
-              </a:rPr>
-              <a:t>alzancar</a:t>
-            </a:r>
-            <a:r>
-              <a:rPr lang="es-AR" sz="1200" b="0" i="0" kern="1200" baseline="0" dirty="0" smtClean="0">
-                <a:solidFill>
-                  <a:schemeClr val="tx1"/>
-                </a:solidFill>
-                <a:effectLst/>
-                <a:latin typeface="+mn-lt"/>
-                <a:ea typeface="+mn-ea"/>
-                <a:cs typeface="+mn-cs"/>
-              </a:rPr>
-              <a:t> los 2 años de 7 millones y medio de dólares al mes, teniendo en cuenta los mismos precios para las publicidades que en el escenario anterior. Como pueden ver, un gran negocio.</a:t>
-            </a:r>
-          </a:p>
-          <a:p>
-            <a:r>
-              <a:rPr lang="es-AR" sz="1200" b="0" i="0" kern="1200" baseline="0" dirty="0" smtClean="0">
-                <a:solidFill>
-                  <a:schemeClr val="tx1"/>
-                </a:solidFill>
-                <a:effectLst/>
-                <a:latin typeface="+mn-lt"/>
-                <a:ea typeface="+mn-ea"/>
-                <a:cs typeface="+mn-cs"/>
-              </a:rPr>
-              <a:t>Tan solo un detalle no menor es que la empresa </a:t>
-            </a:r>
-            <a:r>
-              <a:rPr lang="es-AR" sz="1200" b="0" i="0" kern="1200" baseline="0" dirty="0" err="1" smtClean="0">
-                <a:solidFill>
-                  <a:schemeClr val="tx1"/>
-                </a:solidFill>
-                <a:effectLst/>
-                <a:latin typeface="+mn-lt"/>
-                <a:ea typeface="+mn-ea"/>
-                <a:cs typeface="+mn-cs"/>
-              </a:rPr>
-              <a:t>Foursqare</a:t>
-            </a:r>
-            <a:r>
-              <a:rPr lang="es-AR" sz="1200" b="0" i="0" kern="1200" baseline="0" dirty="0" smtClean="0">
-                <a:solidFill>
-                  <a:schemeClr val="tx1"/>
-                </a:solidFill>
-                <a:effectLst/>
-                <a:latin typeface="+mn-lt"/>
-                <a:ea typeface="+mn-ea"/>
-                <a:cs typeface="+mn-cs"/>
-              </a:rPr>
-              <a:t> posee hoy en día (4 años después de su lanzamiento)  posee 30 millones de usuarios, por lo que señores, pueden realizar </a:t>
-            </a:r>
-            <a:r>
-              <a:rPr lang="es-AR" sz="1200" b="0" i="0" kern="1200" baseline="0" dirty="0" err="1" smtClean="0">
-                <a:solidFill>
-                  <a:schemeClr val="tx1"/>
-                </a:solidFill>
-                <a:effectLst/>
-                <a:latin typeface="+mn-lt"/>
-                <a:ea typeface="+mn-ea"/>
-                <a:cs typeface="+mn-cs"/>
-              </a:rPr>
-              <a:t>uds</a:t>
-            </a:r>
-            <a:r>
-              <a:rPr lang="es-AR" sz="1200" b="0" i="0" kern="1200" baseline="0" dirty="0" smtClean="0">
-                <a:solidFill>
-                  <a:schemeClr val="tx1"/>
-                </a:solidFill>
-                <a:effectLst/>
-                <a:latin typeface="+mn-lt"/>
-                <a:ea typeface="+mn-ea"/>
-                <a:cs typeface="+mn-cs"/>
-              </a:rPr>
-              <a:t> mismos las cuentas del negocio que les estamos presentando el día de hoy </a:t>
-            </a:r>
-            <a:r>
-              <a:rPr lang="es-AR" sz="1200" b="0" i="0" kern="1200" baseline="0" dirty="0" smtClean="0">
-                <a:solidFill>
-                  <a:schemeClr val="tx1"/>
-                </a:solidFill>
-                <a:effectLst/>
-                <a:latin typeface="+mn-lt"/>
-                <a:ea typeface="+mn-ea"/>
-                <a:cs typeface="+mn-cs"/>
-                <a:sym typeface="Wingdings" pitchFamily="2" charset="2"/>
-              </a:rPr>
-              <a:t></a:t>
-            </a:r>
-            <a:endParaRPr lang="es-AR" sz="1200" b="0" i="0" kern="1200" baseline="0" dirty="0" smtClean="0">
-              <a:solidFill>
-                <a:schemeClr val="tx1"/>
-              </a:solidFill>
-              <a:effectLst/>
-              <a:latin typeface="+mn-lt"/>
-              <a:ea typeface="+mn-ea"/>
-              <a:cs typeface="+mn-cs"/>
-            </a:endParaRPr>
+            <a:endParaRPr lang="es-AR" dirty="0"/>
           </a:p>
         </p:txBody>
       </p:sp>
@@ -4708,7 +4970,7 @@
     </p:spTree>
     <p:extLst>
       <p:ext uri="{BB962C8B-B14F-4D97-AF65-F5344CB8AC3E}">
-        <p14:creationId xmlns:p14="http://schemas.microsoft.com/office/powerpoint/2010/main" val="3000085410"/>
+        <p14:creationId xmlns:p14="http://schemas.microsoft.com/office/powerpoint/2010/main" val="1057133531"/>
       </p:ext>
     </p:extLst>
   </p:cSld>
@@ -8459,127 +8721,61 @@
         </p:nvSpPr>
         <p:spPr/>
         <p:txBody>
-          <a:bodyPr/>
-          <a:lstStyle/>
-          <a:p>
-            <a:r>
-              <a:rPr lang="es-AR" dirty="0" smtClean="0"/>
-              <a:t>Publicidad</a:t>
-            </a:r>
-            <a:endParaRPr lang="es-AR" dirty="0"/>
-          </a:p>
-        </p:txBody>
-      </p:sp>
-      <p:pic>
-        <p:nvPicPr>
-          <p:cNvPr id="4" name="Content Placeholder 3"/>
-          <p:cNvPicPr>
-            <a:picLocks noGrp="1" noChangeAspect="1"/>
-          </p:cNvPicPr>
-          <p:nvPr>
-            <p:ph idx="1"/>
-          </p:nvPr>
-        </p:nvPicPr>
-        <p:blipFill>
-          <a:blip r:embed="rId3" cstate="print">
-            <a:extLst>
-              <a:ext uri="{28A0092B-C50C-407E-A947-70E740481C1C}">
-                <a14:useLocalDpi xmlns:a14="http://schemas.microsoft.com/office/drawing/2010/main" val="0"/>
-              </a:ext>
-            </a:extLst>
-          </a:blip>
-          <a:stretch>
-            <a:fillRect/>
-          </a:stretch>
-        </p:blipFill>
-        <p:spPr>
-          <a:xfrm>
-            <a:off x="5004048" y="1556792"/>
-            <a:ext cx="2545854" cy="4525963"/>
-          </a:xfrm>
-        </p:spPr>
-      </p:pic>
-      <p:sp>
-        <p:nvSpPr>
-          <p:cNvPr id="5" name="TextBox 4"/>
-          <p:cNvSpPr txBox="1"/>
-          <p:nvPr/>
-        </p:nvSpPr>
-        <p:spPr>
-          <a:xfrm>
-            <a:off x="755576" y="1988840"/>
-            <a:ext cx="3419872" cy="4001095"/>
-          </a:xfrm>
-          <a:prstGeom prst="rect">
-            <a:avLst/>
-          </a:prstGeom>
-          <a:noFill/>
-        </p:spPr>
-        <p:txBody>
-          <a:bodyPr wrap="square" rtlCol="0">
-            <a:spAutoFit/>
+          <a:bodyPr>
+            <a:normAutofit fontScale="90000"/>
           </a:bodyPr>
           <a:lstStyle/>
           <a:p>
             <a:r>
-              <a:rPr lang="es-AR" sz="3000" dirty="0" smtClean="0"/>
-              <a:t>Embebida en la aplicación.</a:t>
-            </a:r>
-            <a:r>
-              <a:rPr lang="es-AR" sz="3000" dirty="0"/>
-              <a:t> </a:t>
-            </a:r>
-            <a:endParaRPr lang="es-AR" sz="3000" dirty="0" smtClean="0"/>
-          </a:p>
-          <a:p>
-            <a:endParaRPr lang="es-AR" sz="3000" dirty="0" smtClean="0"/>
-          </a:p>
-          <a:p>
-            <a:r>
-              <a:rPr lang="es-AR" sz="3000" dirty="0" smtClean="0"/>
-              <a:t>Cantidad </a:t>
-            </a:r>
-            <a:r>
-              <a:rPr lang="es-AR" sz="3000" dirty="0"/>
-              <a:t>de </a:t>
-            </a:r>
-            <a:r>
-              <a:rPr lang="es-AR" sz="3000" dirty="0" smtClean="0"/>
-              <a:t>vistas.</a:t>
-            </a:r>
-          </a:p>
-          <a:p>
-            <a:r>
-              <a:rPr lang="es-AR" sz="3000" dirty="0" smtClean="0"/>
-              <a:t>Cantidad de </a:t>
-            </a:r>
-            <a:r>
-              <a:rPr lang="es-AR" sz="3000" dirty="0" err="1" smtClean="0"/>
-              <a:t>clicks</a:t>
-            </a:r>
-            <a:r>
-              <a:rPr lang="es-AR" sz="3000" dirty="0" smtClean="0"/>
-              <a:t>.</a:t>
-            </a:r>
-          </a:p>
-          <a:p>
-            <a:endParaRPr lang="es-AR" sz="3000" dirty="0" smtClean="0"/>
-          </a:p>
-          <a:p>
-            <a:endParaRPr lang="es-AR" sz="3000" dirty="0"/>
-          </a:p>
-          <a:p>
-            <a:endParaRPr lang="es-AR" dirty="0"/>
-          </a:p>
-          <a:p>
-            <a:endParaRPr lang="es-AR" dirty="0"/>
-          </a:p>
-        </p:txBody>
-      </p:sp>
+              <a:rPr lang="es-AR" dirty="0" smtClean="0"/>
+              <a:t>Peor Caso</a:t>
+            </a:r>
+            <a:br>
+              <a:rPr lang="es-AR" dirty="0" smtClean="0"/>
+            </a:br>
+            <a:r>
+              <a:rPr lang="es-AR" sz="4000" dirty="0" smtClean="0"/>
+              <a:t>Expansión en Argentina con un 3% </a:t>
+            </a:r>
+            <a:br>
+              <a:rPr lang="es-AR" sz="4000" dirty="0" smtClean="0"/>
+            </a:br>
+            <a:r>
+              <a:rPr lang="es-AR" sz="4000" dirty="0" smtClean="0"/>
+              <a:t>del  mercado</a:t>
+            </a:r>
+            <a:endParaRPr lang="es-AR" sz="4000" dirty="0"/>
+          </a:p>
+        </p:txBody>
+      </p:sp>
+      <p:graphicFrame>
+        <p:nvGraphicFramePr>
+          <p:cNvPr id="6" name="Chart 5"/>
+          <p:cNvGraphicFramePr>
+            <a:graphicFrameLocks/>
+          </p:cNvGraphicFramePr>
+          <p:nvPr>
+            <p:extLst>
+              <p:ext uri="{D42A27DB-BD31-4B8C-83A1-F6EECF244321}">
+                <p14:modId xmlns:p14="http://schemas.microsoft.com/office/powerpoint/2010/main" val="3839376626"/>
+              </p:ext>
+            </p:extLst>
+          </p:nvPr>
+        </p:nvGraphicFramePr>
+        <p:xfrm>
+          <a:off x="467544" y="1628800"/>
+          <a:ext cx="8424936" cy="4968552"/>
+        </p:xfrm>
+        <a:graphic>
+          <a:graphicData uri="http://schemas.openxmlformats.org/drawingml/2006/chart">
+            <c:chart xmlns:c="http://schemas.openxmlformats.org/drawingml/2006/chart" xmlns:r="http://schemas.openxmlformats.org/officeDocument/2006/relationships" r:id="rId3"/>
+          </a:graphicData>
+        </a:graphic>
+      </p:graphicFrame>
     </p:spTree>
     <p:extLst>
       <p:ext uri="{BB962C8B-B14F-4D97-AF65-F5344CB8AC3E}">
-        <p14:creationId xmlns:p14="http://schemas.microsoft.com/office/powerpoint/2010/main" val="272930932"/>
+        <p14:creationId xmlns:p14="http://schemas.microsoft.com/office/powerpoint/2010/main" val="4226239434"/>
       </p:ext>
     </p:extLst>
   </p:cSld>
@@ -8626,50 +8822,35 @@
         <p:spPr/>
         <p:txBody>
           <a:bodyPr>
-            <a:normAutofit fontScale="90000"/>
+            <a:normAutofit/>
           </a:bodyPr>
           <a:lstStyle/>
           <a:p>
             <a:r>
               <a:rPr lang="es-AR" dirty="0" smtClean="0"/>
-              <a:t>Peor Caso</a:t>
-            </a:r>
-            <a:br>
-              <a:rPr lang="es-AR" dirty="0" smtClean="0"/>
-            </a:br>
-            <a:r>
-              <a:rPr lang="es-AR" sz="4000" dirty="0" smtClean="0"/>
-              <a:t>Expansión en Argentina con un 3% </a:t>
-            </a:r>
-            <a:br>
-              <a:rPr lang="es-AR" sz="4000" dirty="0" smtClean="0"/>
-            </a:br>
-            <a:r>
-              <a:rPr lang="es-AR" sz="4000" dirty="0" smtClean="0"/>
-              <a:t>del  mercado</a:t>
-            </a:r>
-            <a:endParaRPr lang="es-AR" sz="4000" dirty="0"/>
+              <a:t>Caso 2: expansión exitosa global</a:t>
+            </a:r>
+            <a:endParaRPr lang="es-AR" dirty="0"/>
           </a:p>
         </p:txBody>
       </p:sp>
       <p:graphicFrame>
         <p:nvGraphicFramePr>
-          <p:cNvPr id="4" name="Content Placeholder 3"/>
+          <p:cNvPr id="5" name="Chart 4"/>
           <p:cNvGraphicFramePr>
-            <a:graphicFrameLocks noGrp="1"/>
+            <a:graphicFrameLocks/>
           </p:cNvGraphicFramePr>
           <p:nvPr>
-            <p:ph idx="1"/>
             <p:extLst>
               <p:ext uri="{D42A27DB-BD31-4B8C-83A1-F6EECF244321}">
-                <p14:modId xmlns:p14="http://schemas.microsoft.com/office/powerpoint/2010/main" val="502134616"/>
+                <p14:modId xmlns:p14="http://schemas.microsoft.com/office/powerpoint/2010/main" val="2523089210"/>
               </p:ext>
             </p:extLst>
           </p:nvPr>
         </p:nvGraphicFramePr>
         <p:xfrm>
-          <a:off x="457200" y="1600200"/>
-          <a:ext cx="8229600" cy="4525963"/>
+          <a:off x="323528" y="1268760"/>
+          <a:ext cx="8568952" cy="5400600"/>
         </p:xfrm>
         <a:graphic>
           <a:graphicData uri="http://schemas.openxmlformats.org/drawingml/2006/chart">
@@ -8677,93 +8858,10 @@
           </a:graphicData>
         </a:graphic>
       </p:graphicFrame>
-      <p:sp>
-        <p:nvSpPr>
-          <p:cNvPr id="5" name="TextBox 4"/>
-          <p:cNvSpPr txBox="1"/>
-          <p:nvPr/>
-        </p:nvSpPr>
-        <p:spPr>
-          <a:xfrm>
-            <a:off x="251520" y="1052736"/>
-            <a:ext cx="1800200" cy="584775"/>
-          </a:xfrm>
-          <a:prstGeom prst="rect">
-            <a:avLst/>
-          </a:prstGeom>
-          <a:noFill/>
-          <a:ln>
-            <a:solidFill>
-              <a:schemeClr val="bg1"/>
-            </a:solidFill>
-          </a:ln>
-        </p:spPr>
-        <p:txBody>
-          <a:bodyPr wrap="square" rtlCol="0">
-            <a:spAutoFit/>
-          </a:bodyPr>
-          <a:lstStyle/>
-          <a:p>
-            <a:r>
-              <a:rPr lang="es-AR" sz="1600" dirty="0" err="1" smtClean="0">
-                <a:solidFill>
-                  <a:schemeClr val="tx2">
-                    <a:lumMod val="60000"/>
-                    <a:lumOff val="40000"/>
-                  </a:schemeClr>
-                </a:solidFill>
-              </a:rPr>
-              <a:t>Cant</a:t>
-            </a:r>
-            <a:r>
-              <a:rPr lang="es-AR" sz="1600" dirty="0" smtClean="0">
-                <a:solidFill>
-                  <a:schemeClr val="tx2">
-                    <a:lumMod val="60000"/>
-                    <a:lumOff val="40000"/>
-                  </a:schemeClr>
-                </a:solidFill>
-              </a:rPr>
-              <a:t> usuarios</a:t>
-            </a:r>
-            <a:br>
-              <a:rPr lang="es-AR" sz="1600" dirty="0" smtClean="0">
-                <a:solidFill>
-                  <a:schemeClr val="tx2">
-                    <a:lumMod val="60000"/>
-                    <a:lumOff val="40000"/>
-                  </a:schemeClr>
-                </a:solidFill>
-              </a:rPr>
-            </a:br>
-            <a:r>
-              <a:rPr lang="es-AR" sz="1600" dirty="0" smtClean="0"/>
-              <a:t>/</a:t>
-            </a:r>
-            <a:r>
-              <a:rPr lang="es-AR" sz="1600" dirty="0" smtClean="0">
-                <a:solidFill>
-                  <a:schemeClr val="accent2">
-                    <a:lumMod val="75000"/>
-                  </a:schemeClr>
-                </a:solidFill>
-              </a:rPr>
-              <a:t>USD</a:t>
-            </a:r>
-            <a:endParaRPr lang="es-AR" dirty="0">
-              <a:solidFill>
-                <a:schemeClr val="accent2">
-                  <a:lumMod val="75000"/>
-                </a:schemeClr>
-              </a:solidFill>
-            </a:endParaRPr>
-          </a:p>
-        </p:txBody>
-      </p:sp>
     </p:spTree>
     <p:extLst>
       <p:ext uri="{BB962C8B-B14F-4D97-AF65-F5344CB8AC3E}">
-        <p14:creationId xmlns:p14="http://schemas.microsoft.com/office/powerpoint/2010/main" val="4226239434"/>
+        <p14:creationId xmlns:p14="http://schemas.microsoft.com/office/powerpoint/2010/main" val="4186439492"/>
       </p:ext>
     </p:extLst>
   </p:cSld>
@@ -8809,48 +8907,50 @@
         </p:nvSpPr>
         <p:spPr/>
         <p:txBody>
-          <a:bodyPr>
-            <a:normAutofit/>
-          </a:bodyPr>
+          <a:bodyPr/>
           <a:lstStyle/>
           <a:p>
             <a:r>
               <a:rPr lang="es-AR" dirty="0" smtClean="0"/>
-              <a:t>Caso 2: expansión exitosa global</a:t>
+              <a:t>Publicidad</a:t>
             </a:r>
             <a:endParaRPr lang="es-AR" dirty="0"/>
           </a:p>
         </p:txBody>
       </p:sp>
-      <p:graphicFrame>
-        <p:nvGraphicFramePr>
-          <p:cNvPr id="4" name="Content Placeholder 3"/>
-          <p:cNvGraphicFramePr>
-            <a:graphicFrameLocks noGrp="1"/>
-          </p:cNvGraphicFramePr>
+      <p:pic>
+        <p:nvPicPr>
+          <p:cNvPr id="6" name="Content Placeholder 5"/>
+          <p:cNvPicPr>
+            <a:picLocks noGrp="1" noChangeAspect="1"/>
+          </p:cNvPicPr>
           <p:nvPr>
             <p:ph idx="1"/>
-            <p:extLst>
-              <p:ext uri="{D42A27DB-BD31-4B8C-83A1-F6EECF244321}">
-                <p14:modId xmlns:p14="http://schemas.microsoft.com/office/powerpoint/2010/main" val="3308615213"/>
-              </p:ext>
-            </p:extLst>
-          </p:nvPr>
-        </p:nvGraphicFramePr>
-        <p:xfrm>
-          <a:off x="457200" y="1600200"/>
-          <a:ext cx="8229600" cy="4525963"/>
-        </p:xfrm>
-        <a:graphic>
-          <a:graphicData uri="http://schemas.openxmlformats.org/drawingml/2006/chart">
-            <c:chart xmlns:c="http://schemas.openxmlformats.org/drawingml/2006/chart" xmlns:r="http://schemas.openxmlformats.org/officeDocument/2006/relationships" r:id="rId3"/>
-          </a:graphicData>
-        </a:graphic>
-      </p:graphicFrame>
+          </p:nvPr>
+        </p:nvPicPr>
+        <p:blipFill>
+          <a:blip r:embed="rId3">
+            <a:extLst>
+              <a:ext uri="{28A0092B-C50C-407E-A947-70E740481C1C}">
+                <a14:useLocalDpi xmlns:a14="http://schemas.microsoft.com/office/drawing/2010/main" val="0"/>
+              </a:ext>
+            </a:extLst>
+          </a:blip>
+          <a:stretch>
+            <a:fillRect/>
+          </a:stretch>
+        </p:blipFill>
+        <p:spPr>
+          <a:xfrm>
+            <a:off x="2564179" y="1600200"/>
+            <a:ext cx="4015641" cy="4525963"/>
+          </a:xfrm>
+        </p:spPr>
+      </p:pic>
     </p:spTree>
     <p:extLst>
       <p:ext uri="{BB962C8B-B14F-4D97-AF65-F5344CB8AC3E}">
-        <p14:creationId xmlns:p14="http://schemas.microsoft.com/office/powerpoint/2010/main" val="4186439492"/>
+        <p14:creationId xmlns:p14="http://schemas.microsoft.com/office/powerpoint/2010/main" val="272930932"/>
       </p:ext>
     </p:extLst>
   </p:cSld>

--- a/trunk/Assets/Presentación negocio.pptx
+++ b/trunk/Assets/Presentación negocio.pptx
@@ -14,9 +14,9 @@
     <p:sldId id="265" r:id="rId5"/>
     <p:sldId id="264" r:id="rId6"/>
     <p:sldId id="258" r:id="rId7"/>
-    <p:sldId id="257" r:id="rId8"/>
-    <p:sldId id="259" r:id="rId9"/>
-    <p:sldId id="266" r:id="rId10"/>
+    <p:sldId id="266" r:id="rId8"/>
+    <p:sldId id="257" r:id="rId9"/>
+    <p:sldId id="259" r:id="rId10"/>
     <p:sldId id="263" r:id="rId11"/>
     <p:sldId id="260" r:id="rId12"/>
   </p:sldIdLst>
@@ -426,11 +426,11 @@
         </c:dLbls>
         <c:marker val="1"/>
         <c:smooth val="0"/>
-        <c:axId val="40943616"/>
-        <c:axId val="72825856"/>
+        <c:axId val="78627200"/>
+        <c:axId val="78628736"/>
       </c:lineChart>
       <c:catAx>
-        <c:axId val="40943616"/>
+        <c:axId val="78627200"/>
         <c:scaling>
           <c:orientation val="minMax"/>
         </c:scaling>
@@ -439,7 +439,7 @@
         <c:majorTickMark val="out"/>
         <c:minorTickMark val="none"/>
         <c:tickLblPos val="nextTo"/>
-        <c:crossAx val="72825856"/>
+        <c:crossAx val="78628736"/>
         <c:crosses val="autoZero"/>
         <c:auto val="1"/>
         <c:lblAlgn val="ctr"/>
@@ -447,7 +447,7 @@
         <c:noMultiLvlLbl val="0"/>
       </c:catAx>
       <c:valAx>
-        <c:axId val="72825856"/>
+        <c:axId val="78628736"/>
         <c:scaling>
           <c:orientation val="minMax"/>
         </c:scaling>
@@ -458,7 +458,7 @@
         <c:majorTickMark val="out"/>
         <c:minorTickMark val="none"/>
         <c:tickLblPos val="nextTo"/>
-        <c:crossAx val="40943616"/>
+        <c:crossAx val="78627200"/>
         <c:crosses val="autoZero"/>
         <c:crossBetween val="between"/>
       </c:valAx>
@@ -828,11 +828,11 @@
         </c:dLbls>
         <c:marker val="1"/>
         <c:smooth val="0"/>
-        <c:axId val="36282752"/>
-        <c:axId val="36284672"/>
+        <c:axId val="81233024"/>
+        <c:axId val="81234560"/>
       </c:lineChart>
       <c:catAx>
-        <c:axId val="36282752"/>
+        <c:axId val="81233024"/>
         <c:scaling>
           <c:orientation val="minMax"/>
         </c:scaling>
@@ -841,7 +841,7 @@
         <c:majorTickMark val="out"/>
         <c:minorTickMark val="none"/>
         <c:tickLblPos val="nextTo"/>
-        <c:crossAx val="36284672"/>
+        <c:crossAx val="81234560"/>
         <c:crosses val="autoZero"/>
         <c:auto val="1"/>
         <c:lblAlgn val="ctr"/>
@@ -849,7 +849,7 @@
         <c:noMultiLvlLbl val="0"/>
       </c:catAx>
       <c:valAx>
-        <c:axId val="36284672"/>
+        <c:axId val="81234560"/>
         <c:scaling>
           <c:orientation val="minMax"/>
         </c:scaling>
@@ -860,7 +860,7 @@
         <c:majorTickMark val="out"/>
         <c:minorTickMark val="none"/>
         <c:tickLblPos val="nextTo"/>
-        <c:crossAx val="36282752"/>
+        <c:crossAx val="81233024"/>
         <c:crosses val="autoZero"/>
         <c:crossBetween val="between"/>
       </c:valAx>
@@ -4001,208 +4001,7 @@
           <a:bodyPr/>
           <a:lstStyle/>
           <a:p>
-            <a:r>
-              <a:rPr lang="es-AR" dirty="0" smtClean="0"/>
-              <a:t>En primer lugar, mostraremos el peor caso,</a:t>
-            </a:r>
-            <a:r>
-              <a:rPr lang="es-AR" baseline="0" dirty="0" smtClean="0"/>
-              <a:t> en el que el producto no se expanda fuera del país y que luego de 2 años se estanque en un 3% del mercado nacional. En ese caso, hemos considerado solo el mercado de </a:t>
-            </a:r>
-            <a:r>
-              <a:rPr lang="es-AR" baseline="0" dirty="0" err="1" smtClean="0"/>
-              <a:t>android</a:t>
-            </a:r>
-            <a:r>
-              <a:rPr lang="es-AR" baseline="0" dirty="0" smtClean="0"/>
-              <a:t> y hemos tomado como patrón de crecimiento estadísticas de otras empresas conocidas. </a:t>
-            </a:r>
-            <a:endParaRPr lang="es-AR" baseline="0" dirty="0" smtClean="0"/>
-          </a:p>
-          <a:p>
-            <a:r>
-              <a:rPr lang="es-AR" baseline="0" dirty="0" smtClean="0"/>
-              <a:t>Hemos generado dos escenarios posibles: uno que permite a los usuarios tener una versión paga (y sin publicidad) y otro sin esta opción. </a:t>
-            </a:r>
-            <a:r>
-              <a:rPr lang="es-AR" baseline="0" dirty="0" err="1" smtClean="0"/>
-              <a:t>Pára</a:t>
-            </a:r>
-            <a:r>
-              <a:rPr lang="es-AR" baseline="0" dirty="0" smtClean="0"/>
-              <a:t> calcular en el primer caso cuantos usuarios optarían por una versión paga, nos basamos en encuestas que nos devolvieron que el 10% de los usuarios </a:t>
-            </a:r>
-            <a:r>
-              <a:rPr lang="es-AR" baseline="0" dirty="0" err="1" smtClean="0"/>
-              <a:t>eligirían</a:t>
-            </a:r>
-            <a:r>
-              <a:rPr lang="es-AR" baseline="0" dirty="0" smtClean="0"/>
-              <a:t> esta </a:t>
-            </a:r>
-            <a:r>
-              <a:rPr lang="es-AR" baseline="0" dirty="0" err="1" smtClean="0"/>
-              <a:t>opcion</a:t>
-            </a:r>
-            <a:r>
-              <a:rPr lang="es-AR" baseline="0" dirty="0" smtClean="0"/>
-              <a:t>.</a:t>
-            </a:r>
-          </a:p>
-          <a:p>
-            <a:r>
-              <a:rPr lang="es-AR" baseline="0" dirty="0" smtClean="0"/>
-              <a:t>Para </a:t>
-            </a:r>
-            <a:r>
-              <a:rPr lang="es-AR" baseline="0" dirty="0" smtClean="0"/>
-              <a:t>las ganancias se ha tenido en cuenta la descarga de aplicación a 1 </a:t>
-            </a:r>
-            <a:r>
-              <a:rPr lang="es-AR" baseline="0" dirty="0" smtClean="0"/>
-              <a:t>dólar (para la versión paga) </a:t>
-            </a:r>
-            <a:r>
-              <a:rPr lang="es-AR" baseline="0" dirty="0" smtClean="0"/>
-              <a:t>y las ganancias por </a:t>
-            </a:r>
-            <a:r>
-              <a:rPr lang="es-AR" baseline="0" dirty="0" err="1" smtClean="0"/>
-              <a:t>google</a:t>
-            </a:r>
-            <a:r>
-              <a:rPr lang="es-AR" baseline="0" dirty="0" smtClean="0"/>
-              <a:t> </a:t>
-            </a:r>
-            <a:r>
-              <a:rPr lang="es-AR" baseline="0" dirty="0" err="1" smtClean="0"/>
-              <a:t>Adds</a:t>
-            </a:r>
-            <a:r>
-              <a:rPr lang="es-AR" baseline="0" dirty="0" smtClean="0"/>
-              <a:t> en base a la cantidad de vistas y </a:t>
-            </a:r>
-            <a:r>
-              <a:rPr lang="es-AR" baseline="0" dirty="0" err="1" smtClean="0"/>
-              <a:t>clicks</a:t>
-            </a:r>
-            <a:r>
-              <a:rPr lang="es-AR" baseline="0" dirty="0" smtClean="0"/>
-              <a:t>. Para esto último se ha considerado los valores más bajos del mercado, es decir, tan solo </a:t>
-            </a:r>
-            <a:r>
-              <a:rPr lang="es-AR" baseline="0" dirty="0" smtClean="0"/>
-              <a:t>15 (15-30)  </a:t>
-            </a:r>
-            <a:r>
-              <a:rPr lang="es-AR" baseline="0" dirty="0" smtClean="0"/>
-              <a:t>centavos por </a:t>
-            </a:r>
-            <a:r>
-              <a:rPr lang="es-AR" baseline="0" dirty="0" err="1" smtClean="0"/>
-              <a:t>clicks</a:t>
-            </a:r>
-            <a:r>
-              <a:rPr lang="es-AR" baseline="0" dirty="0" smtClean="0"/>
-              <a:t>, una probabilidad de </a:t>
-            </a:r>
-            <a:r>
-              <a:rPr lang="es-AR" baseline="0" dirty="0" err="1" smtClean="0"/>
-              <a:t>click</a:t>
-            </a:r>
-            <a:r>
-              <a:rPr lang="es-AR" baseline="0" dirty="0" smtClean="0"/>
-              <a:t> de 1,5% (1,5%-2,5%)  </a:t>
-            </a:r>
-            <a:r>
-              <a:rPr lang="es-AR" baseline="0" dirty="0" smtClean="0"/>
-              <a:t>y </a:t>
-            </a:r>
-            <a:r>
-              <a:rPr lang="es-AR" baseline="0" dirty="0" smtClean="0"/>
-              <a:t>10 </a:t>
-            </a:r>
-            <a:r>
-              <a:rPr lang="es-AR" baseline="0" dirty="0" smtClean="0"/>
-              <a:t>centavo </a:t>
-            </a:r>
-            <a:r>
-              <a:rPr lang="es-AR" baseline="0" dirty="0" smtClean="0"/>
-              <a:t>por cada mil vistas.</a:t>
-            </a:r>
-            <a:endParaRPr lang="es-AR" baseline="0" dirty="0" smtClean="0"/>
-          </a:p>
-          <a:p>
-            <a:r>
-              <a:rPr lang="es-AR" baseline="0" dirty="0" smtClean="0"/>
-              <a:t>En este gráfico se puede ver como la aplicación crecería </a:t>
-            </a:r>
-            <a:r>
-              <a:rPr lang="es-AR" baseline="0" dirty="0" smtClean="0"/>
-              <a:t>fuertemente hasta el mes 11, </a:t>
-            </a:r>
-            <a:r>
-              <a:rPr lang="es-AR" baseline="0" dirty="0" smtClean="0"/>
-              <a:t>llegando a los 100mil usuarios y finalmente iría disminuyendo su crecimiento a partir de ahí hasta estancarse en 160mil usuarios. </a:t>
-            </a:r>
-            <a:endParaRPr lang="es-AR" baseline="0" dirty="0" smtClean="0"/>
-          </a:p>
-          <a:p>
-            <a:r>
-              <a:rPr lang="es-AR" baseline="0" dirty="0" smtClean="0"/>
-              <a:t>En lo referente a las ganancias, las mismas acompañan el crecimiento de la cantidad de usuarios, teniendo en el caso de la versión paga un crecimiento mas pronunciado mientras la aplicación este en plena expansión (casi 7k </a:t>
-            </a:r>
-            <a:r>
-              <a:rPr lang="es-AR" baseline="0" dirty="0" err="1" smtClean="0"/>
-              <a:t>dolares</a:t>
-            </a:r>
-            <a:r>
-              <a:rPr lang="es-AR" baseline="0" dirty="0" smtClean="0"/>
-              <a:t>). Finalmente ambos escenarios se estabilizarían luego de dos años entre 5800 y 7000</a:t>
-            </a:r>
-          </a:p>
-          <a:p>
-            <a:r>
-              <a:rPr lang="es-AR" baseline="0" dirty="0" smtClean="0"/>
-              <a:t>Teniendo </a:t>
-            </a:r>
-            <a:r>
-              <a:rPr lang="es-AR" baseline="0" dirty="0" smtClean="0"/>
-              <a:t>en cuenta que el gasto para mantener la aplicación son casi mínimos (tan solo un servidor) , casi todo sería ganancias.</a:t>
-            </a:r>
-          </a:p>
-          <a:p>
-            <a:r>
-              <a:rPr lang="es-AR" baseline="0" dirty="0" smtClean="0"/>
-              <a:t>Finalmente se puede concluir, que siendo este el peor escenario posible, teniendo en cuenta los precios mas bajos del mercado en lo referente a publicidad, sin considerar la </a:t>
-            </a:r>
-            <a:r>
-              <a:rPr lang="es-AR" baseline="0" dirty="0" err="1" smtClean="0"/>
-              <a:t>expansion</a:t>
-            </a:r>
-            <a:r>
-              <a:rPr lang="es-AR" baseline="0" dirty="0" smtClean="0"/>
-              <a:t> del mercado de </a:t>
-            </a:r>
-            <a:r>
-              <a:rPr lang="es-AR" baseline="0" dirty="0" err="1" smtClean="0"/>
-              <a:t>smartphones</a:t>
-            </a:r>
-            <a:r>
-              <a:rPr lang="es-AR" baseline="0" dirty="0" smtClean="0"/>
-              <a:t> en un futuro y considerando tan solo una expansión del 3%, </a:t>
-            </a:r>
-            <a:r>
-              <a:rPr lang="es-AR" baseline="0" dirty="0" smtClean="0"/>
-              <a:t>el negocio no daría perdidas y hasta estaría brindando un margen de ganancias.</a:t>
-            </a:r>
-            <a:endParaRPr lang="es-AR" baseline="0" dirty="0" smtClean="0"/>
-          </a:p>
-          <a:p>
-            <a:r>
-              <a:rPr lang="es-AR" baseline="0" dirty="0" smtClean="0"/>
-              <a:t>Sin embargo, ahora nos podríamos preguntar, y si la aplicación es realmente un éxito y se expande a otros mercados con una captación mayor?</a:t>
-            </a:r>
+            <a:endParaRPr lang="es-AR" dirty="0"/>
           </a:p>
         </p:txBody>
       </p:sp>
@@ -4233,7 +4032,7 @@
     </p:spTree>
     <p:extLst>
       <p:ext uri="{BB962C8B-B14F-4D97-AF65-F5344CB8AC3E}">
-        <p14:creationId xmlns:p14="http://schemas.microsoft.com/office/powerpoint/2010/main" val="3003342862"/>
+        <p14:creationId xmlns:p14="http://schemas.microsoft.com/office/powerpoint/2010/main" val="1057133531"/>
       </p:ext>
     </p:extLst>
   </p:cSld>
@@ -4289,572 +4088,150 @@
           <a:p>
             <a:r>
               <a:rPr lang="es-AR" dirty="0" smtClean="0"/>
-              <a:t>En ese escenario, hemos tomado los datos de una empresa</a:t>
-            </a:r>
-            <a:r>
-              <a:rPr lang="es-AR" baseline="0" dirty="0" smtClean="0"/>
-              <a:t> similar (como </a:t>
+              <a:t>En primer lugar, mostraremos el peor caso,</a:t>
+            </a:r>
+            <a:r>
+              <a:rPr lang="es-AR" baseline="0" dirty="0" smtClean="0"/>
+              <a:t> en el que el producto no se expanda fuera del país y que luego de 2 años se estanque en un 3% del mercado nacional. En ese caso, hemos considerado solo el mercado de </a:t>
             </a:r>
             <a:r>
               <a:rPr lang="es-AR" baseline="0" dirty="0" err="1" smtClean="0"/>
-              <a:t>Foursqare</a:t>
-            </a:r>
-            <a:r>
-              <a:rPr lang="es-AR" baseline="0" dirty="0" smtClean="0"/>
-              <a:t>) y su crecimiento en sus dos primeros años. Para quienes no conozcan esta compañía, la misma </a:t>
-            </a:r>
-            <a:r>
-              <a:rPr lang="es-AR" sz="1200" b="0" i="0" kern="1200" dirty="0" smtClean="0">
-                <a:solidFill>
-                  <a:schemeClr val="tx1"/>
-                </a:solidFill>
-                <a:effectLst/>
-                <a:latin typeface="+mn-lt"/>
-                <a:ea typeface="+mn-ea"/>
-                <a:cs typeface="+mn-cs"/>
-              </a:rPr>
-              <a:t>es un </a:t>
-            </a:r>
-            <a:r>
-              <a:rPr lang="es-AR" sz="1200" b="0" i="0" u="none" strike="noStrike" kern="1200" dirty="0" smtClean="0">
-                <a:solidFill>
-                  <a:schemeClr val="tx1"/>
-                </a:solidFill>
-                <a:effectLst/>
-                <a:latin typeface="+mn-lt"/>
-                <a:ea typeface="+mn-ea"/>
-                <a:cs typeface="+mn-cs"/>
-                <a:hlinkClick r:id="rId3" tooltip="Servicio basado en localización"/>
-              </a:rPr>
-              <a:t>servicio basado en localización</a:t>
-            </a:r>
-            <a:r>
-              <a:rPr lang="es-AR" sz="1200" b="0" i="0" kern="1200" dirty="0" smtClean="0">
-                <a:solidFill>
-                  <a:schemeClr val="tx1"/>
-                </a:solidFill>
-                <a:effectLst/>
-                <a:latin typeface="+mn-lt"/>
-                <a:ea typeface="+mn-ea"/>
-                <a:cs typeface="+mn-cs"/>
-              </a:rPr>
-              <a:t> web aplicada a las </a:t>
-            </a:r>
-            <a:r>
-              <a:rPr lang="es-AR" sz="1200" b="0" i="0" u="none" strike="noStrike" kern="1200" dirty="0" smtClean="0">
-                <a:solidFill>
-                  <a:schemeClr val="tx1"/>
-                </a:solidFill>
-                <a:effectLst/>
-                <a:latin typeface="+mn-lt"/>
-                <a:ea typeface="+mn-ea"/>
-                <a:cs typeface="+mn-cs"/>
-                <a:hlinkClick r:id="rId4" tooltip="Redes sociales"/>
-              </a:rPr>
-              <a:t>redes sociales</a:t>
-            </a:r>
-            <a:r>
-              <a:rPr lang="es-AR" sz="1200" b="0" i="0" kern="1200" dirty="0" smtClean="0">
-                <a:solidFill>
-                  <a:schemeClr val="tx1"/>
-                </a:solidFill>
-                <a:effectLst/>
-                <a:latin typeface="+mn-lt"/>
-                <a:ea typeface="+mn-ea"/>
-                <a:cs typeface="+mn-cs"/>
-              </a:rPr>
-              <a:t>. La </a:t>
-            </a:r>
-            <a:r>
-              <a:rPr lang="es-AR" sz="1200" b="0" i="0" kern="1200" dirty="0" err="1" smtClean="0">
-                <a:solidFill>
-                  <a:schemeClr val="tx1"/>
-                </a:solidFill>
-                <a:effectLst/>
-                <a:latin typeface="+mn-lt"/>
-                <a:ea typeface="+mn-ea"/>
-                <a:cs typeface="+mn-cs"/>
-              </a:rPr>
-              <a:t>geolocalización</a:t>
-            </a:r>
-            <a:r>
-              <a:rPr lang="es-AR" sz="1200" b="0" i="0" kern="1200" dirty="0" smtClean="0">
-                <a:solidFill>
-                  <a:schemeClr val="tx1"/>
-                </a:solidFill>
-                <a:effectLst/>
-                <a:latin typeface="+mn-lt"/>
-                <a:ea typeface="+mn-ea"/>
-                <a:cs typeface="+mn-cs"/>
-              </a:rPr>
-              <a:t> permite localizar un dispositivo fijo o móvil en una ubicación geográfica.</a:t>
-            </a:r>
-            <a:r>
-              <a:rPr lang="es-AR" sz="1200" b="0" i="0" kern="1200" baseline="0" dirty="0" smtClean="0">
-                <a:solidFill>
-                  <a:schemeClr val="tx1"/>
-                </a:solidFill>
-                <a:effectLst/>
-                <a:latin typeface="+mn-lt"/>
-                <a:ea typeface="+mn-ea"/>
-                <a:cs typeface="+mn-cs"/>
-              </a:rPr>
-              <a:t> Si bien es una aplicación exitosa, no es considerada como una aplicación especialmente </a:t>
-            </a:r>
-            <a:r>
-              <a:rPr lang="es-AR" sz="1200" b="0" i="0" kern="1200" baseline="0" dirty="0" err="1" smtClean="0">
-                <a:solidFill>
-                  <a:schemeClr val="tx1"/>
-                </a:solidFill>
-                <a:effectLst/>
-                <a:latin typeface="+mn-lt"/>
-                <a:ea typeface="+mn-ea"/>
-                <a:cs typeface="+mn-cs"/>
-              </a:rPr>
-              <a:t>virosica</a:t>
-            </a:r>
-            <a:r>
-              <a:rPr lang="es-AR" sz="1200" b="0" i="0" kern="1200" baseline="0" dirty="0" smtClean="0">
-                <a:solidFill>
-                  <a:schemeClr val="tx1"/>
-                </a:solidFill>
-                <a:effectLst/>
-                <a:latin typeface="+mn-lt"/>
-                <a:ea typeface="+mn-ea"/>
-                <a:cs typeface="+mn-cs"/>
-              </a:rPr>
-              <a:t> ni con un extremo furor. La misma alcanzo a los 2 años de su lanzamiento 8 millones de usuarios. </a:t>
-            </a:r>
-            <a:endParaRPr lang="es-AR" sz="1200" b="0" i="0" kern="1200" baseline="0" dirty="0" smtClean="0">
-              <a:solidFill>
-                <a:schemeClr val="tx1"/>
-              </a:solidFill>
-              <a:effectLst/>
-              <a:latin typeface="+mn-lt"/>
-              <a:ea typeface="+mn-ea"/>
-              <a:cs typeface="+mn-cs"/>
-            </a:endParaRPr>
-          </a:p>
-          <a:p>
-            <a:r>
-              <a:rPr lang="es-AR" sz="1200" b="0" i="0" kern="1200" baseline="0" dirty="0" smtClean="0">
-                <a:solidFill>
-                  <a:schemeClr val="tx1"/>
-                </a:solidFill>
-                <a:effectLst/>
-                <a:latin typeface="+mn-lt"/>
-                <a:ea typeface="+mn-ea"/>
-                <a:cs typeface="+mn-cs"/>
-              </a:rPr>
-              <a:t>Lo </a:t>
-            </a:r>
-            <a:r>
-              <a:rPr lang="es-AR" sz="1200" b="0" i="0" kern="1200" baseline="0" dirty="0" smtClean="0">
-                <a:solidFill>
-                  <a:schemeClr val="tx1"/>
-                </a:solidFill>
-                <a:effectLst/>
-                <a:latin typeface="+mn-lt"/>
-                <a:ea typeface="+mn-ea"/>
-                <a:cs typeface="+mn-cs"/>
-              </a:rPr>
-              <a:t>consiguió al expandirse </a:t>
-            </a:r>
-            <a:r>
-              <a:rPr lang="es-AR" sz="1200" b="0" i="0" kern="1200" baseline="0" dirty="0" smtClean="0">
-                <a:solidFill>
-                  <a:schemeClr val="tx1"/>
-                </a:solidFill>
-                <a:effectLst/>
-                <a:latin typeface="+mn-lt"/>
-                <a:ea typeface="+mn-ea"/>
-                <a:cs typeface="+mn-cs"/>
-              </a:rPr>
-              <a:t>en varias plataformas (a los 3 meses de su lanzamiento) así como en </a:t>
-            </a:r>
-            <a:r>
-              <a:rPr lang="es-AR" sz="1200" b="0" i="0" kern="1200" baseline="0" dirty="0" smtClean="0">
-                <a:solidFill>
-                  <a:schemeClr val="tx1"/>
-                </a:solidFill>
-                <a:effectLst/>
-                <a:latin typeface="+mn-lt"/>
-                <a:ea typeface="+mn-ea"/>
-                <a:cs typeface="+mn-cs"/>
-              </a:rPr>
-              <a:t>varias regiones (su </a:t>
-            </a:r>
-            <a:r>
-              <a:rPr lang="es-AR" sz="1200" b="0" i="0" kern="1200" baseline="0" dirty="0" err="1" smtClean="0">
-                <a:solidFill>
-                  <a:schemeClr val="tx1"/>
-                </a:solidFill>
-                <a:effectLst/>
-                <a:latin typeface="+mn-lt"/>
-                <a:ea typeface="+mn-ea"/>
-                <a:cs typeface="+mn-cs"/>
-              </a:rPr>
-              <a:t>aplicaciónes</a:t>
-            </a:r>
-            <a:r>
-              <a:rPr lang="es-AR" sz="1200" b="0" i="0" kern="1200" baseline="0" dirty="0" smtClean="0">
-                <a:solidFill>
-                  <a:schemeClr val="tx1"/>
-                </a:solidFill>
-                <a:effectLst/>
-                <a:latin typeface="+mn-lt"/>
-                <a:ea typeface="+mn-ea"/>
-                <a:cs typeface="+mn-cs"/>
-              </a:rPr>
+              <a:t>android</a:t>
+            </a:r>
+            <a:r>
+              <a:rPr lang="es-AR" baseline="0" dirty="0" smtClean="0"/>
+              <a:t> y hemos tomado como patrón de crecimiento estadísticas de otras empresas conocidas. </a:t>
+            </a:r>
+          </a:p>
+          <a:p>
+            <a:r>
+              <a:rPr lang="es-AR" baseline="0" dirty="0" smtClean="0"/>
+              <a:t>Hemos generado dos escenarios posibles: uno que permite a los usuarios tener una versión paga (y sin publicidad) y otro sin esta opción. </a:t>
+            </a:r>
+            <a:r>
+              <a:rPr lang="es-AR" baseline="0" dirty="0" err="1" smtClean="0"/>
+              <a:t>Pára</a:t>
+            </a:r>
+            <a:r>
+              <a:rPr lang="es-AR" baseline="0" dirty="0" smtClean="0"/>
+              <a:t> calcular en el primer caso cuantos usuarios optarían por una versión paga, nos basamos en encuestas que nos devolvieron que el 10% de los usuarios </a:t>
+            </a:r>
+            <a:r>
+              <a:rPr lang="es-AR" baseline="0" dirty="0" err="1" smtClean="0"/>
+              <a:t>eligirían</a:t>
+            </a:r>
+            <a:r>
+              <a:rPr lang="es-AR" baseline="0" dirty="0" smtClean="0"/>
+              <a:t> esta </a:t>
+            </a:r>
+            <a:r>
+              <a:rPr lang="es-AR" baseline="0" dirty="0" err="1" smtClean="0"/>
+              <a:t>opcion</a:t>
+            </a:r>
+            <a:r>
+              <a:rPr lang="es-AR" baseline="0" dirty="0" smtClean="0"/>
+              <a:t>.</a:t>
+            </a:r>
+          </a:p>
+          <a:p>
+            <a:r>
+              <a:rPr lang="es-AR" baseline="0" dirty="0" smtClean="0"/>
+              <a:t>Para las ganancias se ha tenido en cuenta la descarga de aplicación a 1 dólar (para la versión paga) y las ganancias por </a:t>
+            </a:r>
+            <a:r>
+              <a:rPr lang="es-AR" baseline="0" dirty="0" err="1" smtClean="0"/>
+              <a:t>google</a:t>
+            </a:r>
+            <a:r>
+              <a:rPr lang="es-AR" baseline="0" dirty="0" smtClean="0"/>
               <a:t> </a:t>
             </a:r>
             <a:r>
-              <a:rPr lang="es-AR" sz="1200" b="0" i="0" kern="1200" baseline="0" dirty="0" smtClean="0">
-                <a:solidFill>
-                  <a:schemeClr val="tx1"/>
-                </a:solidFill>
-                <a:effectLst/>
-                <a:latin typeface="+mn-lt"/>
-                <a:ea typeface="+mn-ea"/>
-                <a:cs typeface="+mn-cs"/>
-              </a:rPr>
-              <a:t>multilenguaje) </a:t>
-            </a:r>
-            <a:r>
-              <a:rPr lang="es-AR" sz="1200" b="0" i="0" kern="1200" baseline="0" dirty="0" smtClean="0">
-                <a:solidFill>
-                  <a:schemeClr val="tx1"/>
-                </a:solidFill>
-                <a:effectLst/>
-                <a:latin typeface="+mn-lt"/>
-                <a:ea typeface="+mn-ea"/>
-                <a:cs typeface="+mn-cs"/>
-              </a:rPr>
-              <a:t>(a los 6 meses). </a:t>
-            </a:r>
-            <a:endParaRPr lang="es-AR" sz="1200" b="0" i="0" kern="1200" baseline="0" dirty="0" smtClean="0">
-              <a:solidFill>
-                <a:schemeClr val="tx1"/>
-              </a:solidFill>
-              <a:effectLst/>
-              <a:latin typeface="+mn-lt"/>
-              <a:ea typeface="+mn-ea"/>
-              <a:cs typeface="+mn-cs"/>
-            </a:endParaRPr>
-          </a:p>
-          <a:p>
-            <a:r>
-              <a:rPr lang="es-AR" sz="1200" b="0" i="0" kern="1200" baseline="0" dirty="0" smtClean="0">
-                <a:solidFill>
-                  <a:schemeClr val="tx1"/>
-                </a:solidFill>
-                <a:effectLst/>
-                <a:latin typeface="+mn-lt"/>
-                <a:ea typeface="+mn-ea"/>
-                <a:cs typeface="+mn-cs"/>
-              </a:rPr>
-              <a:t>Si consideramos que nuestra aplicación tiene todas a favor para resultar aún mas exitosa que esta aplicación y suponiendo que se realiza el soporte </a:t>
-            </a:r>
-            <a:r>
-              <a:rPr lang="es-AR" sz="1200" b="0" i="0" kern="1200" baseline="0" dirty="0" smtClean="0">
-                <a:solidFill>
-                  <a:schemeClr val="tx1"/>
-                </a:solidFill>
-                <a:effectLst/>
-                <a:latin typeface="+mn-lt"/>
-                <a:ea typeface="+mn-ea"/>
-                <a:cs typeface="+mn-cs"/>
-              </a:rPr>
-              <a:t>necesarios para dar soporte a diversos </a:t>
-            </a:r>
-            <a:r>
-              <a:rPr lang="es-AR" sz="1200" b="0" i="0" kern="1200" baseline="0" dirty="0" smtClean="0">
-                <a:solidFill>
-                  <a:schemeClr val="tx1"/>
-                </a:solidFill>
-                <a:effectLst/>
-                <a:latin typeface="+mn-lt"/>
-                <a:ea typeface="+mn-ea"/>
-                <a:cs typeface="+mn-cs"/>
-              </a:rPr>
-              <a:t>lenguajes y plataformas, se </a:t>
-            </a:r>
-            <a:r>
-              <a:rPr lang="es-AR" sz="1200" b="0" i="0" kern="1200" baseline="0" dirty="0" err="1" smtClean="0">
-                <a:solidFill>
-                  <a:schemeClr val="tx1"/>
-                </a:solidFill>
-                <a:effectLst/>
-                <a:latin typeface="+mn-lt"/>
-                <a:ea typeface="+mn-ea"/>
-                <a:cs typeface="+mn-cs"/>
-              </a:rPr>
-              <a:t>podria</a:t>
-            </a:r>
-            <a:r>
-              <a:rPr lang="es-AR" sz="1200" b="0" i="0" kern="1200" baseline="0" dirty="0" smtClean="0">
-                <a:solidFill>
-                  <a:schemeClr val="tx1"/>
-                </a:solidFill>
-                <a:effectLst/>
-                <a:latin typeface="+mn-lt"/>
-                <a:ea typeface="+mn-ea"/>
-                <a:cs typeface="+mn-cs"/>
-              </a:rPr>
-              <a:t> alcanzar sin inconvenientes el mismo nivel de usuarios. </a:t>
-            </a:r>
-          </a:p>
-          <a:p>
-            <a:r>
-              <a:rPr lang="es-AR" sz="1200" b="0" i="0" kern="1200" baseline="0" dirty="0" smtClean="0">
-                <a:solidFill>
-                  <a:schemeClr val="tx1"/>
-                </a:solidFill>
-                <a:effectLst/>
-                <a:latin typeface="+mn-lt"/>
-                <a:ea typeface="+mn-ea"/>
-                <a:cs typeface="+mn-cs"/>
-              </a:rPr>
-              <a:t>En lo referente a </a:t>
-            </a:r>
-            <a:r>
-              <a:rPr lang="es-AR" sz="1200" b="0" i="0" kern="1200" baseline="0" dirty="0" err="1" smtClean="0">
-                <a:solidFill>
-                  <a:schemeClr val="tx1"/>
-                </a:solidFill>
-                <a:effectLst/>
-                <a:latin typeface="+mn-lt"/>
-                <a:ea typeface="+mn-ea"/>
-                <a:cs typeface="+mn-cs"/>
-              </a:rPr>
-              <a:t>ganacias</a:t>
-            </a:r>
-            <a:r>
-              <a:rPr lang="es-AR" sz="1200" b="0" i="0" kern="1200" baseline="0" dirty="0" smtClean="0">
-                <a:solidFill>
-                  <a:schemeClr val="tx1"/>
-                </a:solidFill>
-                <a:effectLst/>
-                <a:latin typeface="+mn-lt"/>
-                <a:ea typeface="+mn-ea"/>
-                <a:cs typeface="+mn-cs"/>
-              </a:rPr>
-              <a:t>, las mismas serían al </a:t>
-            </a:r>
-            <a:r>
-              <a:rPr lang="es-AR" sz="1200" b="0" i="0" kern="1200" baseline="0" dirty="0" err="1" smtClean="0">
-                <a:solidFill>
-                  <a:schemeClr val="tx1"/>
-                </a:solidFill>
-                <a:effectLst/>
-                <a:latin typeface="+mn-lt"/>
-                <a:ea typeface="+mn-ea"/>
-                <a:cs typeface="+mn-cs"/>
-              </a:rPr>
-              <a:t>alzancar</a:t>
-            </a:r>
-            <a:r>
-              <a:rPr lang="es-AR" sz="1200" b="0" i="0" kern="1200" baseline="0" dirty="0" smtClean="0">
-                <a:solidFill>
-                  <a:schemeClr val="tx1"/>
-                </a:solidFill>
-                <a:effectLst/>
-                <a:latin typeface="+mn-lt"/>
-                <a:ea typeface="+mn-ea"/>
-                <a:cs typeface="+mn-cs"/>
-              </a:rPr>
-              <a:t> los 2 años de </a:t>
-            </a:r>
-            <a:r>
-              <a:rPr lang="es-AR" sz="1200" b="0" i="0" kern="1200" baseline="0" dirty="0" smtClean="0">
-                <a:solidFill>
-                  <a:schemeClr val="tx1"/>
-                </a:solidFill>
-                <a:effectLst/>
-                <a:latin typeface="+mn-lt"/>
-                <a:ea typeface="+mn-ea"/>
-                <a:cs typeface="+mn-cs"/>
-              </a:rPr>
-              <a:t>entre los 270k a 400k al </a:t>
-            </a:r>
-            <a:r>
-              <a:rPr lang="es-AR" sz="1200" b="0" i="0" kern="1200" baseline="0" dirty="0" smtClean="0">
-                <a:solidFill>
-                  <a:schemeClr val="tx1"/>
-                </a:solidFill>
-                <a:effectLst/>
-                <a:latin typeface="+mn-lt"/>
-                <a:ea typeface="+mn-ea"/>
-                <a:cs typeface="+mn-cs"/>
-              </a:rPr>
-              <a:t>mes, teniendo en cuenta los mismos precios para las publicidades que en el escenario anterior. Como pueden ver, un gran negocio</a:t>
-            </a:r>
-            <a:r>
-              <a:rPr lang="es-AR" sz="1200" b="0" i="0" kern="1200" baseline="0" dirty="0" smtClean="0">
-                <a:solidFill>
-                  <a:schemeClr val="tx1"/>
-                </a:solidFill>
-                <a:effectLst/>
-                <a:latin typeface="+mn-lt"/>
-                <a:ea typeface="+mn-ea"/>
-                <a:cs typeface="+mn-cs"/>
-              </a:rPr>
-              <a:t>.</a:t>
-            </a:r>
-          </a:p>
-          <a:p>
-            <a:r>
-              <a:rPr lang="es-AR" sz="1200" b="0" i="0" kern="1200" baseline="0" dirty="0" smtClean="0">
-                <a:solidFill>
-                  <a:schemeClr val="tx1"/>
-                </a:solidFill>
-                <a:effectLst/>
-                <a:latin typeface="+mn-lt"/>
-                <a:ea typeface="+mn-ea"/>
-                <a:cs typeface="+mn-cs"/>
-              </a:rPr>
-              <a:t>Un detalle de color que nos gustaría destacar es que a los 18 meses del lanzamiento, </a:t>
-            </a:r>
-            <a:r>
-              <a:rPr lang="es-AR" sz="1200" b="0" i="0" kern="1200" baseline="0" dirty="0" err="1" smtClean="0">
-                <a:solidFill>
-                  <a:schemeClr val="tx1"/>
-                </a:solidFill>
-                <a:effectLst/>
-                <a:latin typeface="+mn-lt"/>
-                <a:ea typeface="+mn-ea"/>
-                <a:cs typeface="+mn-cs"/>
-              </a:rPr>
-              <a:t>facebook</a:t>
-            </a:r>
-            <a:r>
-              <a:rPr lang="es-AR" sz="1200" b="0" i="0" kern="1200" baseline="0" dirty="0" smtClean="0">
-                <a:solidFill>
-                  <a:schemeClr val="tx1"/>
-                </a:solidFill>
-                <a:effectLst/>
-                <a:latin typeface="+mn-lt"/>
-                <a:ea typeface="+mn-ea"/>
-                <a:cs typeface="+mn-cs"/>
-              </a:rPr>
-              <a:t> lanzó una aplicación similar que como pueden ver afectó realmente poco el crecimiento de la aplicación.</a:t>
-            </a:r>
-            <a:endParaRPr lang="es-AR" sz="1200" b="0" i="0" kern="1200" baseline="0" dirty="0" smtClean="0">
-              <a:solidFill>
-                <a:schemeClr val="tx1"/>
-              </a:solidFill>
-              <a:effectLst/>
-              <a:latin typeface="+mn-lt"/>
-              <a:ea typeface="+mn-ea"/>
-              <a:cs typeface="+mn-cs"/>
-            </a:endParaRPr>
-          </a:p>
-          <a:p>
-            <a:r>
-              <a:rPr lang="es-AR" sz="1200" b="0" i="0" kern="1200" baseline="0" dirty="0" smtClean="0">
-                <a:solidFill>
-                  <a:schemeClr val="tx1"/>
-                </a:solidFill>
-                <a:effectLst/>
-                <a:latin typeface="+mn-lt"/>
-                <a:ea typeface="+mn-ea"/>
-                <a:cs typeface="+mn-cs"/>
-              </a:rPr>
-              <a:t>Finalmente </a:t>
-            </a:r>
-            <a:r>
-              <a:rPr lang="es-AR" sz="1200" b="0" i="0" kern="1200" baseline="0" smtClean="0">
-                <a:solidFill>
-                  <a:schemeClr val="tx1"/>
-                </a:solidFill>
-                <a:effectLst/>
-                <a:latin typeface="+mn-lt"/>
-                <a:ea typeface="+mn-ea"/>
-                <a:cs typeface="+mn-cs"/>
-              </a:rPr>
-              <a:t>un último detalle </a:t>
-            </a:r>
-            <a:r>
-              <a:rPr lang="es-AR" sz="1200" b="0" i="0" kern="1200" baseline="0" dirty="0" smtClean="0">
-                <a:solidFill>
-                  <a:schemeClr val="tx1"/>
-                </a:solidFill>
-                <a:effectLst/>
-                <a:latin typeface="+mn-lt"/>
-                <a:ea typeface="+mn-ea"/>
-                <a:cs typeface="+mn-cs"/>
-              </a:rPr>
-              <a:t>no menor es que la empresa </a:t>
-            </a:r>
-            <a:r>
-              <a:rPr lang="es-AR" sz="1200" b="0" i="0" kern="1200" baseline="0" dirty="0" err="1" smtClean="0">
-                <a:solidFill>
-                  <a:schemeClr val="tx1"/>
-                </a:solidFill>
-                <a:effectLst/>
-                <a:latin typeface="+mn-lt"/>
-                <a:ea typeface="+mn-ea"/>
-                <a:cs typeface="+mn-cs"/>
-              </a:rPr>
-              <a:t>Foursqare</a:t>
-            </a:r>
-            <a:r>
-              <a:rPr lang="es-AR" sz="1200" b="0" i="0" kern="1200" baseline="0" dirty="0" smtClean="0">
-                <a:solidFill>
-                  <a:schemeClr val="tx1"/>
-                </a:solidFill>
-                <a:effectLst/>
-                <a:latin typeface="+mn-lt"/>
-                <a:ea typeface="+mn-ea"/>
-                <a:cs typeface="+mn-cs"/>
-              </a:rPr>
-              <a:t> posee hoy en día (4 años después de su lanzamiento)  posee 30 millones de usuarios, </a:t>
-            </a:r>
-            <a:r>
-              <a:rPr lang="es-AR" sz="1200" b="0" i="0" kern="1200" baseline="0" dirty="0" smtClean="0">
-                <a:solidFill>
-                  <a:schemeClr val="tx1"/>
-                </a:solidFill>
-                <a:effectLst/>
-                <a:latin typeface="+mn-lt"/>
-                <a:ea typeface="+mn-ea"/>
-                <a:cs typeface="+mn-cs"/>
-              </a:rPr>
-              <a:t>realizando las cuentas bajo el mismo modelo, daría un ingreso de 1millon de </a:t>
-            </a:r>
-            <a:r>
-              <a:rPr lang="es-AR" sz="1200" b="0" i="0" kern="1200" baseline="0" dirty="0" err="1" smtClean="0">
-                <a:solidFill>
-                  <a:schemeClr val="tx1"/>
-                </a:solidFill>
-                <a:effectLst/>
-                <a:latin typeface="+mn-lt"/>
-                <a:ea typeface="+mn-ea"/>
-                <a:cs typeface="+mn-cs"/>
-              </a:rPr>
+              <a:rPr lang="es-AR" baseline="0" dirty="0" err="1" smtClean="0"/>
+              <a:t>Adds</a:t>
+            </a:r>
+            <a:r>
+              <a:rPr lang="es-AR" baseline="0" dirty="0" smtClean="0"/>
+              <a:t> en base a la cantidad de vistas y </a:t>
+            </a:r>
+            <a:r>
+              <a:rPr lang="es-AR" baseline="0" dirty="0" err="1" smtClean="0"/>
+              <a:t>clicks</a:t>
+            </a:r>
+            <a:r>
+              <a:rPr lang="es-AR" baseline="0" dirty="0" smtClean="0"/>
+              <a:t>. Para esto último se ha considerado los valores más bajos del mercado, es decir, tan solo 15 (15-30)  centavos por </a:t>
+            </a:r>
+            <a:r>
+              <a:rPr lang="es-AR" baseline="0" dirty="0" err="1" smtClean="0"/>
+              <a:t>clicks</a:t>
+            </a:r>
+            <a:r>
+              <a:rPr lang="es-AR" baseline="0" dirty="0" smtClean="0"/>
+              <a:t>, una probabilidad de </a:t>
+            </a:r>
+            <a:r>
+              <a:rPr lang="es-AR" baseline="0" dirty="0" err="1" smtClean="0"/>
+              <a:t>click</a:t>
+            </a:r>
+            <a:r>
+              <a:rPr lang="es-AR" baseline="0" dirty="0" smtClean="0"/>
+              <a:t> de 1,5% (1,5%-2,5%)  y 10 centavo por cada mil vistas.</a:t>
+            </a:r>
+          </a:p>
+          <a:p>
+            <a:r>
+              <a:rPr lang="es-AR" baseline="0" dirty="0" smtClean="0"/>
+              <a:t>En este gráfico se puede ver como la aplicación crecería fuertemente hasta el mes 11, llegando a los 100mil usuarios y finalmente iría disminuyendo su crecimiento a partir de ahí hasta estancarse en 160mil usuarios. </a:t>
+            </a:r>
+          </a:p>
+          <a:p>
+            <a:r>
+              <a:rPr lang="es-AR" baseline="0" dirty="0" smtClean="0"/>
+              <a:t>En lo referente a las ganancias, las mismas acompañan el crecimiento de la cantidad de usuarios, teniendo en el caso de la versión paga un crecimiento mas pronunciado mientras la aplicación este en plena expansión (casi 7k </a:t>
+            </a:r>
+            <a:r>
+              <a:rPr lang="es-AR" baseline="0" dirty="0" err="1" smtClean="0"/>
               <a:t>dolares</a:t>
             </a:r>
             <a:r>
-              <a:rPr lang="es-AR" sz="1200" b="0" i="0" kern="1200" baseline="0" dirty="0" smtClean="0">
-                <a:solidFill>
-                  <a:schemeClr val="tx1"/>
-                </a:solidFill>
-                <a:effectLst/>
-                <a:latin typeface="+mn-lt"/>
-                <a:ea typeface="+mn-ea"/>
-                <a:cs typeface="+mn-cs"/>
-              </a:rPr>
-              <a:t> al mes.</a:t>
-            </a:r>
-            <a:endParaRPr lang="es-AR" sz="1200" b="0" i="0" kern="1200" baseline="0" dirty="0" smtClean="0">
-              <a:solidFill>
-                <a:schemeClr val="tx1"/>
-              </a:solidFill>
-              <a:effectLst/>
-              <a:latin typeface="+mn-lt"/>
-              <a:ea typeface="+mn-ea"/>
-              <a:cs typeface="+mn-cs"/>
-            </a:endParaRPr>
+              <a:rPr lang="es-AR" baseline="0" dirty="0" smtClean="0"/>
+              <a:t>). Finalmente ambos escenarios se estabilizarían luego de dos años entre 5800 y 7000</a:t>
+            </a:r>
+          </a:p>
+          <a:p>
+            <a:r>
+              <a:rPr lang="es-AR" baseline="0" dirty="0" smtClean="0"/>
+              <a:t>Teniendo en cuenta que el gasto para mantener la aplicación son casi mínimos (tan solo un servidor) , casi todo sería ganancias.</a:t>
+            </a:r>
+          </a:p>
+          <a:p>
+            <a:r>
+              <a:rPr lang="es-AR" baseline="0" dirty="0" smtClean="0"/>
+              <a:t>Finalmente se puede concluir, que siendo este el peor escenario posible, teniendo en cuenta los precios mas bajos del mercado en lo referente a publicidad, sin considerar la </a:t>
+            </a:r>
+            <a:r>
+              <a:rPr lang="es-AR" baseline="0" dirty="0" err="1" smtClean="0"/>
+              <a:t>expansion</a:t>
+            </a:r>
+            <a:r>
+              <a:rPr lang="es-AR" baseline="0" dirty="0" smtClean="0"/>
+              <a:t> del mercado de </a:t>
+            </a:r>
+            <a:r>
+              <a:rPr lang="es-AR" baseline="0" dirty="0" err="1" smtClean="0"/>
+              <a:t>smartphones</a:t>
+            </a:r>
+            <a:r>
+              <a:rPr lang="es-AR" baseline="0" dirty="0" smtClean="0"/>
+              <a:t> en un futuro y considerando tan solo una expansión del 3%, el negocio no daría perdidas y hasta estaría brindando un margen de ganancias.</a:t>
+            </a:r>
+          </a:p>
+          <a:p>
+            <a:r>
+              <a:rPr lang="es-AR" baseline="0" dirty="0" smtClean="0"/>
+              <a:t>Sin embargo, ahora nos podríamos preguntar, y si la aplicación es realmente un éxito y se expande a otros mercados con una captación mayor?</a:t>
+            </a:r>
           </a:p>
         </p:txBody>
       </p:sp>
@@ -4885,7 +4262,7 @@
     </p:spTree>
     <p:extLst>
       <p:ext uri="{BB962C8B-B14F-4D97-AF65-F5344CB8AC3E}">
-        <p14:creationId xmlns:p14="http://schemas.microsoft.com/office/powerpoint/2010/main" val="3000085410"/>
+        <p14:creationId xmlns:p14="http://schemas.microsoft.com/office/powerpoint/2010/main" val="3003342862"/>
       </p:ext>
     </p:extLst>
   </p:cSld>
@@ -4939,7 +4316,406 @@
           <a:bodyPr/>
           <a:lstStyle/>
           <a:p>
-            <a:endParaRPr lang="es-AR" dirty="0"/>
+            <a:r>
+              <a:rPr lang="es-AR" dirty="0" smtClean="0"/>
+              <a:t>En ese escenario, hemos tomado los datos de una empresa</a:t>
+            </a:r>
+            <a:r>
+              <a:rPr lang="es-AR" baseline="0" dirty="0" smtClean="0"/>
+              <a:t> similar (como </a:t>
+            </a:r>
+            <a:r>
+              <a:rPr lang="es-AR" baseline="0" dirty="0" err="1" smtClean="0"/>
+              <a:t>Foursqare</a:t>
+            </a:r>
+            <a:r>
+              <a:rPr lang="es-AR" baseline="0" dirty="0" smtClean="0"/>
+              <a:t>) y su crecimiento en sus dos primeros años. Para quienes no conozcan esta compañía, la misma </a:t>
+            </a:r>
+            <a:r>
+              <a:rPr lang="es-AR" sz="1200" b="0" i="0" kern="1200" dirty="0" smtClean="0">
+                <a:solidFill>
+                  <a:schemeClr val="tx1"/>
+                </a:solidFill>
+                <a:effectLst/>
+                <a:latin typeface="+mn-lt"/>
+                <a:ea typeface="+mn-ea"/>
+                <a:cs typeface="+mn-cs"/>
+              </a:rPr>
+              <a:t>es un </a:t>
+            </a:r>
+            <a:r>
+              <a:rPr lang="es-AR" sz="1200" b="0" i="0" u="none" strike="noStrike" kern="1200" dirty="0" smtClean="0">
+                <a:solidFill>
+                  <a:schemeClr val="tx1"/>
+                </a:solidFill>
+                <a:effectLst/>
+                <a:latin typeface="+mn-lt"/>
+                <a:ea typeface="+mn-ea"/>
+                <a:cs typeface="+mn-cs"/>
+                <a:hlinkClick r:id="rId3" tooltip="Servicio basado en localización"/>
+              </a:rPr>
+              <a:t>servicio basado en localización</a:t>
+            </a:r>
+            <a:r>
+              <a:rPr lang="es-AR" sz="1200" b="0" i="0" kern="1200" dirty="0" smtClean="0">
+                <a:solidFill>
+                  <a:schemeClr val="tx1"/>
+                </a:solidFill>
+                <a:effectLst/>
+                <a:latin typeface="+mn-lt"/>
+                <a:ea typeface="+mn-ea"/>
+                <a:cs typeface="+mn-cs"/>
+              </a:rPr>
+              <a:t> web aplicada a las </a:t>
+            </a:r>
+            <a:r>
+              <a:rPr lang="es-AR" sz="1200" b="0" i="0" u="none" strike="noStrike" kern="1200" dirty="0" smtClean="0">
+                <a:solidFill>
+                  <a:schemeClr val="tx1"/>
+                </a:solidFill>
+                <a:effectLst/>
+                <a:latin typeface="+mn-lt"/>
+                <a:ea typeface="+mn-ea"/>
+                <a:cs typeface="+mn-cs"/>
+                <a:hlinkClick r:id="rId4" tooltip="Redes sociales"/>
+              </a:rPr>
+              <a:t>redes sociales</a:t>
+            </a:r>
+            <a:r>
+              <a:rPr lang="es-AR" sz="1200" b="0" i="0" kern="1200" dirty="0" smtClean="0">
+                <a:solidFill>
+                  <a:schemeClr val="tx1"/>
+                </a:solidFill>
+                <a:effectLst/>
+                <a:latin typeface="+mn-lt"/>
+                <a:ea typeface="+mn-ea"/>
+                <a:cs typeface="+mn-cs"/>
+              </a:rPr>
+              <a:t>. La </a:t>
+            </a:r>
+            <a:r>
+              <a:rPr lang="es-AR" sz="1200" b="0" i="0" kern="1200" dirty="0" err="1" smtClean="0">
+                <a:solidFill>
+                  <a:schemeClr val="tx1"/>
+                </a:solidFill>
+                <a:effectLst/>
+                <a:latin typeface="+mn-lt"/>
+                <a:ea typeface="+mn-ea"/>
+                <a:cs typeface="+mn-cs"/>
+              </a:rPr>
+              <a:t>geolocalización</a:t>
+            </a:r>
+            <a:r>
+              <a:rPr lang="es-AR" sz="1200" b="0" i="0" kern="1200" dirty="0" smtClean="0">
+                <a:solidFill>
+                  <a:schemeClr val="tx1"/>
+                </a:solidFill>
+                <a:effectLst/>
+                <a:latin typeface="+mn-lt"/>
+                <a:ea typeface="+mn-ea"/>
+                <a:cs typeface="+mn-cs"/>
+              </a:rPr>
+              <a:t> permite localizar un dispositivo fijo o móvil en una ubicación geográfica.</a:t>
+            </a:r>
+            <a:r>
+              <a:rPr lang="es-AR" sz="1200" b="0" i="0" kern="1200" baseline="0" dirty="0" smtClean="0">
+                <a:solidFill>
+                  <a:schemeClr val="tx1"/>
+                </a:solidFill>
+                <a:effectLst/>
+                <a:latin typeface="+mn-lt"/>
+                <a:ea typeface="+mn-ea"/>
+                <a:cs typeface="+mn-cs"/>
+              </a:rPr>
+              <a:t> Si bien es una aplicación exitosa, no es considerada como una aplicación especialmente </a:t>
+            </a:r>
+            <a:r>
+              <a:rPr lang="es-AR" sz="1200" b="0" i="0" kern="1200" baseline="0" dirty="0" err="1" smtClean="0">
+                <a:solidFill>
+                  <a:schemeClr val="tx1"/>
+                </a:solidFill>
+                <a:effectLst/>
+                <a:latin typeface="+mn-lt"/>
+                <a:ea typeface="+mn-ea"/>
+                <a:cs typeface="+mn-cs"/>
+              </a:rPr>
+              <a:t>virosica</a:t>
+            </a:r>
+            <a:r>
+              <a:rPr lang="es-AR" sz="1200" b="0" i="0" kern="1200" baseline="0" dirty="0" smtClean="0">
+                <a:solidFill>
+                  <a:schemeClr val="tx1"/>
+                </a:solidFill>
+                <a:effectLst/>
+                <a:latin typeface="+mn-lt"/>
+                <a:ea typeface="+mn-ea"/>
+                <a:cs typeface="+mn-cs"/>
+              </a:rPr>
+              <a:t> ni con un extremo furor. La misma alcanzo a los 2 años de su lanzamiento 8 millones de usuarios. </a:t>
+            </a:r>
+          </a:p>
+          <a:p>
+            <a:r>
+              <a:rPr lang="es-AR" sz="1200" b="0" i="0" kern="1200" baseline="0" dirty="0" smtClean="0">
+                <a:solidFill>
+                  <a:schemeClr val="tx1"/>
+                </a:solidFill>
+                <a:effectLst/>
+                <a:latin typeface="+mn-lt"/>
+                <a:ea typeface="+mn-ea"/>
+                <a:cs typeface="+mn-cs"/>
+              </a:rPr>
+              <a:t>Lo consiguió al expandirse en varias plataformas (a los 3 meses de su lanzamiento) así como en varias regiones (su </a:t>
+            </a:r>
+            <a:r>
+              <a:rPr lang="es-AR" sz="1200" b="0" i="0" kern="1200" baseline="0" dirty="0" err="1" smtClean="0">
+                <a:solidFill>
+                  <a:schemeClr val="tx1"/>
+                </a:solidFill>
+                <a:effectLst/>
+                <a:latin typeface="+mn-lt"/>
+                <a:ea typeface="+mn-ea"/>
+                <a:cs typeface="+mn-cs"/>
+              </a:rPr>
+              <a:t>aplicaciónes</a:t>
+            </a:r>
+            <a:r>
+              <a:rPr lang="es-AR" sz="1200" b="0" i="0" kern="1200" baseline="0" dirty="0" smtClean="0">
+                <a:solidFill>
+                  <a:schemeClr val="tx1"/>
+                </a:solidFill>
+                <a:effectLst/>
+                <a:latin typeface="+mn-lt"/>
+                <a:ea typeface="+mn-ea"/>
+                <a:cs typeface="+mn-cs"/>
+              </a:rPr>
+              <a:t> multilenguaje) (a los 6 meses). </a:t>
+            </a:r>
+          </a:p>
+          <a:p>
+            <a:r>
+              <a:rPr lang="es-AR" sz="1200" b="0" i="0" kern="1200" baseline="0" dirty="0" smtClean="0">
+                <a:solidFill>
+                  <a:schemeClr val="tx1"/>
+                </a:solidFill>
+                <a:effectLst/>
+                <a:latin typeface="+mn-lt"/>
+                <a:ea typeface="+mn-ea"/>
+                <a:cs typeface="+mn-cs"/>
+              </a:rPr>
+              <a:t>Si consideramos que nuestra aplicación tiene todas a favor para resultar aún mas exitosa que esta aplicación y suponiendo que se realiza el soporte necesarios para dar soporte a diversos lenguajes y plataformas, se </a:t>
+            </a:r>
+            <a:r>
+              <a:rPr lang="es-AR" sz="1200" b="0" i="0" kern="1200" baseline="0" dirty="0" err="1" smtClean="0">
+                <a:solidFill>
+                  <a:schemeClr val="tx1"/>
+                </a:solidFill>
+                <a:effectLst/>
+                <a:latin typeface="+mn-lt"/>
+                <a:ea typeface="+mn-ea"/>
+                <a:cs typeface="+mn-cs"/>
+              </a:rPr>
+              <a:t>podria</a:t>
+            </a:r>
+            <a:r>
+              <a:rPr lang="es-AR" sz="1200" b="0" i="0" kern="1200" baseline="0" dirty="0" smtClean="0">
+                <a:solidFill>
+                  <a:schemeClr val="tx1"/>
+                </a:solidFill>
+                <a:effectLst/>
+                <a:latin typeface="+mn-lt"/>
+                <a:ea typeface="+mn-ea"/>
+                <a:cs typeface="+mn-cs"/>
+              </a:rPr>
+              <a:t> alcanzar sin inconvenientes el mismo nivel de usuarios. </a:t>
+            </a:r>
+          </a:p>
+          <a:p>
+            <a:r>
+              <a:rPr lang="es-AR" sz="1200" b="0" i="0" kern="1200" baseline="0" dirty="0" smtClean="0">
+                <a:solidFill>
+                  <a:schemeClr val="tx1"/>
+                </a:solidFill>
+                <a:effectLst/>
+                <a:latin typeface="+mn-lt"/>
+                <a:ea typeface="+mn-ea"/>
+                <a:cs typeface="+mn-cs"/>
+              </a:rPr>
+              <a:t>En lo referente a </a:t>
+            </a:r>
+            <a:r>
+              <a:rPr lang="es-AR" sz="1200" b="0" i="0" kern="1200" baseline="0" dirty="0" err="1" smtClean="0">
+                <a:solidFill>
+                  <a:schemeClr val="tx1"/>
+                </a:solidFill>
+                <a:effectLst/>
+                <a:latin typeface="+mn-lt"/>
+                <a:ea typeface="+mn-ea"/>
+                <a:cs typeface="+mn-cs"/>
+              </a:rPr>
+              <a:t>ganacias</a:t>
+            </a:r>
+            <a:r>
+              <a:rPr lang="es-AR" sz="1200" b="0" i="0" kern="1200" baseline="0" dirty="0" smtClean="0">
+                <a:solidFill>
+                  <a:schemeClr val="tx1"/>
+                </a:solidFill>
+                <a:effectLst/>
+                <a:latin typeface="+mn-lt"/>
+                <a:ea typeface="+mn-ea"/>
+                <a:cs typeface="+mn-cs"/>
+              </a:rPr>
+              <a:t>, las mismas serían al </a:t>
+            </a:r>
+            <a:r>
+              <a:rPr lang="es-AR" sz="1200" b="0" i="0" kern="1200" baseline="0" dirty="0" err="1" smtClean="0">
+                <a:solidFill>
+                  <a:schemeClr val="tx1"/>
+                </a:solidFill>
+                <a:effectLst/>
+                <a:latin typeface="+mn-lt"/>
+                <a:ea typeface="+mn-ea"/>
+                <a:cs typeface="+mn-cs"/>
+              </a:rPr>
+              <a:t>alzancar</a:t>
+            </a:r>
+            <a:r>
+              <a:rPr lang="es-AR" sz="1200" b="0" i="0" kern="1200" baseline="0" dirty="0" smtClean="0">
+                <a:solidFill>
+                  <a:schemeClr val="tx1"/>
+                </a:solidFill>
+                <a:effectLst/>
+                <a:latin typeface="+mn-lt"/>
+                <a:ea typeface="+mn-ea"/>
+                <a:cs typeface="+mn-cs"/>
+              </a:rPr>
+              <a:t> los 2 años de entre los 270k a 400k al mes, teniendo en cuenta los mismos precios para las publicidades que en el escenario anterior. Como pueden ver, un gran negocio.</a:t>
+            </a:r>
+          </a:p>
+          <a:p>
+            <a:r>
+              <a:rPr lang="es-AR" sz="1200" b="0" i="0" kern="1200" baseline="0" dirty="0" smtClean="0">
+                <a:solidFill>
+                  <a:schemeClr val="tx1"/>
+                </a:solidFill>
+                <a:effectLst/>
+                <a:latin typeface="+mn-lt"/>
+                <a:ea typeface="+mn-ea"/>
+                <a:cs typeface="+mn-cs"/>
+              </a:rPr>
+              <a:t>Un detalle de color que nos gustaría destacar es que a los 18 meses del lanzamiento, </a:t>
+            </a:r>
+            <a:r>
+              <a:rPr lang="es-AR" sz="1200" b="0" i="0" kern="1200" baseline="0" dirty="0" err="1" smtClean="0">
+                <a:solidFill>
+                  <a:schemeClr val="tx1"/>
+                </a:solidFill>
+                <a:effectLst/>
+                <a:latin typeface="+mn-lt"/>
+                <a:ea typeface="+mn-ea"/>
+                <a:cs typeface="+mn-cs"/>
+              </a:rPr>
+              <a:t>facebook</a:t>
+            </a:r>
+            <a:r>
+              <a:rPr lang="es-AR" sz="1200" b="0" i="0" kern="1200" baseline="0" dirty="0" smtClean="0">
+                <a:solidFill>
+                  <a:schemeClr val="tx1"/>
+                </a:solidFill>
+                <a:effectLst/>
+                <a:latin typeface="+mn-lt"/>
+                <a:ea typeface="+mn-ea"/>
+                <a:cs typeface="+mn-cs"/>
+              </a:rPr>
+              <a:t> lanzó una aplicación similar que como pueden ver afectó realmente poco el crecimiento de la aplicación.</a:t>
+            </a:r>
+          </a:p>
+          <a:p>
+            <a:r>
+              <a:rPr lang="es-AR" sz="1200" b="0" i="0" kern="1200" baseline="0" dirty="0" smtClean="0">
+                <a:solidFill>
+                  <a:schemeClr val="tx1"/>
+                </a:solidFill>
+                <a:effectLst/>
+                <a:latin typeface="+mn-lt"/>
+                <a:ea typeface="+mn-ea"/>
+                <a:cs typeface="+mn-cs"/>
+              </a:rPr>
+              <a:t>Finalmente </a:t>
+            </a:r>
+            <a:r>
+              <a:rPr lang="es-AR" sz="1200" b="0" i="0" kern="1200" baseline="0" smtClean="0">
+                <a:solidFill>
+                  <a:schemeClr val="tx1"/>
+                </a:solidFill>
+                <a:effectLst/>
+                <a:latin typeface="+mn-lt"/>
+                <a:ea typeface="+mn-ea"/>
+                <a:cs typeface="+mn-cs"/>
+              </a:rPr>
+              <a:t>un último detalle </a:t>
+            </a:r>
+            <a:r>
+              <a:rPr lang="es-AR" sz="1200" b="0" i="0" kern="1200" baseline="0" dirty="0" smtClean="0">
+                <a:solidFill>
+                  <a:schemeClr val="tx1"/>
+                </a:solidFill>
+                <a:effectLst/>
+                <a:latin typeface="+mn-lt"/>
+                <a:ea typeface="+mn-ea"/>
+                <a:cs typeface="+mn-cs"/>
+              </a:rPr>
+              <a:t>no menor es que la empresa </a:t>
+            </a:r>
+            <a:r>
+              <a:rPr lang="es-AR" sz="1200" b="0" i="0" kern="1200" baseline="0" dirty="0" err="1" smtClean="0">
+                <a:solidFill>
+                  <a:schemeClr val="tx1"/>
+                </a:solidFill>
+                <a:effectLst/>
+                <a:latin typeface="+mn-lt"/>
+                <a:ea typeface="+mn-ea"/>
+                <a:cs typeface="+mn-cs"/>
+              </a:rPr>
+              <a:t>Foursqare</a:t>
+            </a:r>
+            <a:r>
+              <a:rPr lang="es-AR" sz="1200" b="0" i="0" kern="1200" baseline="0" dirty="0" smtClean="0">
+                <a:solidFill>
+                  <a:schemeClr val="tx1"/>
+                </a:solidFill>
+                <a:effectLst/>
+                <a:latin typeface="+mn-lt"/>
+                <a:ea typeface="+mn-ea"/>
+                <a:cs typeface="+mn-cs"/>
+              </a:rPr>
+              <a:t> posee hoy en día (4 años después de su lanzamiento)  posee 30 millones de usuarios, realizando las cuentas bajo el mismo modelo, daría un ingreso de 1millon de </a:t>
+            </a:r>
+            <a:r>
+              <a:rPr lang="es-AR" sz="1200" b="0" i="0" kern="1200" baseline="0" dirty="0" err="1" smtClean="0">
+                <a:solidFill>
+                  <a:schemeClr val="tx1"/>
+                </a:solidFill>
+                <a:effectLst/>
+                <a:latin typeface="+mn-lt"/>
+                <a:ea typeface="+mn-ea"/>
+                <a:cs typeface="+mn-cs"/>
+              </a:rPr>
+              <a:t>dolares</a:t>
+            </a:r>
+            <a:r>
+              <a:rPr lang="es-AR" sz="1200" b="0" i="0" kern="1200" baseline="0" dirty="0" smtClean="0">
+                <a:solidFill>
+                  <a:schemeClr val="tx1"/>
+                </a:solidFill>
+                <a:effectLst/>
+                <a:latin typeface="+mn-lt"/>
+                <a:ea typeface="+mn-ea"/>
+                <a:cs typeface="+mn-cs"/>
+              </a:rPr>
+              <a:t> al mes.</a:t>
+            </a:r>
           </a:p>
         </p:txBody>
       </p:sp>
@@ -4970,7 +4746,7 @@
     </p:spTree>
     <p:extLst>
       <p:ext uri="{BB962C8B-B14F-4D97-AF65-F5344CB8AC3E}">
-        <p14:creationId xmlns:p14="http://schemas.microsoft.com/office/powerpoint/2010/main" val="1057133531"/>
+        <p14:creationId xmlns:p14="http://schemas.microsoft.com/office/powerpoint/2010/main" val="3000085410"/>
       </p:ext>
     </p:extLst>
   </p:cSld>
@@ -8721,61 +8497,127 @@
         </p:nvSpPr>
         <p:spPr/>
         <p:txBody>
-          <a:bodyPr>
-            <a:normAutofit fontScale="90000"/>
+          <a:bodyPr/>
+          <a:lstStyle/>
+          <a:p>
+            <a:r>
+              <a:rPr lang="es-AR" dirty="0" smtClean="0"/>
+              <a:t>Publicidad</a:t>
+            </a:r>
+            <a:endParaRPr lang="es-AR" dirty="0"/>
+          </a:p>
+        </p:txBody>
+      </p:sp>
+      <p:pic>
+        <p:nvPicPr>
+          <p:cNvPr id="4" name="Content Placeholder 3"/>
+          <p:cNvPicPr>
+            <a:picLocks noGrp="1" noChangeAspect="1"/>
+          </p:cNvPicPr>
+          <p:nvPr>
+            <p:ph idx="1"/>
+          </p:nvPr>
+        </p:nvPicPr>
+        <p:blipFill>
+          <a:blip r:embed="rId3" cstate="print">
+            <a:extLst>
+              <a:ext uri="{28A0092B-C50C-407E-A947-70E740481C1C}">
+                <a14:useLocalDpi xmlns:a14="http://schemas.microsoft.com/office/drawing/2010/main" val="0"/>
+              </a:ext>
+            </a:extLst>
+          </a:blip>
+          <a:stretch>
+            <a:fillRect/>
+          </a:stretch>
+        </p:blipFill>
+        <p:spPr>
+          <a:xfrm>
+            <a:off x="5004048" y="1556792"/>
+            <a:ext cx="2545854" cy="4525963"/>
+          </a:xfrm>
+        </p:spPr>
+      </p:pic>
+      <p:sp>
+        <p:nvSpPr>
+          <p:cNvPr id="5" name="TextBox 4"/>
+          <p:cNvSpPr txBox="1"/>
+          <p:nvPr/>
+        </p:nvSpPr>
+        <p:spPr>
+          <a:xfrm>
+            <a:off x="755576" y="1988840"/>
+            <a:ext cx="3419872" cy="4001095"/>
+          </a:xfrm>
+          <a:prstGeom prst="rect">
+            <a:avLst/>
+          </a:prstGeom>
+          <a:noFill/>
+        </p:spPr>
+        <p:txBody>
+          <a:bodyPr wrap="square" rtlCol="0">
+            <a:spAutoFit/>
           </a:bodyPr>
           <a:lstStyle/>
           <a:p>
             <a:r>
-              <a:rPr lang="es-AR" dirty="0" smtClean="0"/>
-              <a:t>Peor Caso</a:t>
-            </a:r>
-            <a:br>
-              <a:rPr lang="es-AR" dirty="0" smtClean="0"/>
-            </a:br>
-            <a:r>
-              <a:rPr lang="es-AR" sz="4000" dirty="0" smtClean="0"/>
-              <a:t>Expansión en Argentina con un 3% </a:t>
-            </a:r>
-            <a:br>
-              <a:rPr lang="es-AR" sz="4000" dirty="0" smtClean="0"/>
-            </a:br>
-            <a:r>
-              <a:rPr lang="es-AR" sz="4000" dirty="0" smtClean="0"/>
-              <a:t>del  mercado</a:t>
-            </a:r>
-            <a:endParaRPr lang="es-AR" sz="4000" dirty="0"/>
-          </a:p>
-        </p:txBody>
-      </p:sp>
-      <p:graphicFrame>
-        <p:nvGraphicFramePr>
-          <p:cNvPr id="6" name="Chart 5"/>
-          <p:cNvGraphicFramePr>
-            <a:graphicFrameLocks/>
-          </p:cNvGraphicFramePr>
-          <p:nvPr>
-            <p:extLst>
-              <p:ext uri="{D42A27DB-BD31-4B8C-83A1-F6EECF244321}">
-                <p14:modId xmlns:p14="http://schemas.microsoft.com/office/powerpoint/2010/main" val="3839376626"/>
-              </p:ext>
-            </p:extLst>
-          </p:nvPr>
-        </p:nvGraphicFramePr>
-        <p:xfrm>
-          <a:off x="467544" y="1628800"/>
-          <a:ext cx="8424936" cy="4968552"/>
-        </p:xfrm>
-        <a:graphic>
-          <a:graphicData uri="http://schemas.openxmlformats.org/drawingml/2006/chart">
-            <c:chart xmlns:c="http://schemas.openxmlformats.org/drawingml/2006/chart" xmlns:r="http://schemas.openxmlformats.org/officeDocument/2006/relationships" r:id="rId3"/>
-          </a:graphicData>
-        </a:graphic>
-      </p:graphicFrame>
+              <a:rPr lang="es-AR" sz="3000" dirty="0" smtClean="0"/>
+              <a:t>Embebida en la aplicación.</a:t>
+            </a:r>
+            <a:r>
+              <a:rPr lang="es-AR" sz="3000" dirty="0"/>
+              <a:t> </a:t>
+            </a:r>
+            <a:endParaRPr lang="es-AR" sz="3000" dirty="0" smtClean="0"/>
+          </a:p>
+          <a:p>
+            <a:endParaRPr lang="es-AR" sz="3000" dirty="0" smtClean="0"/>
+          </a:p>
+          <a:p>
+            <a:r>
+              <a:rPr lang="es-AR" sz="3000" dirty="0" smtClean="0"/>
+              <a:t>Cantidad </a:t>
+            </a:r>
+            <a:r>
+              <a:rPr lang="es-AR" sz="3000" dirty="0"/>
+              <a:t>de </a:t>
+            </a:r>
+            <a:r>
+              <a:rPr lang="es-AR" sz="3000" dirty="0" smtClean="0"/>
+              <a:t>vistas.</a:t>
+            </a:r>
+          </a:p>
+          <a:p>
+            <a:r>
+              <a:rPr lang="es-AR" sz="3000" dirty="0" smtClean="0"/>
+              <a:t>Cantidad de </a:t>
+            </a:r>
+            <a:r>
+              <a:rPr lang="es-AR" sz="3000" dirty="0" err="1" smtClean="0"/>
+              <a:t>clicks</a:t>
+            </a:r>
+            <a:r>
+              <a:rPr lang="es-AR" sz="3000" dirty="0" smtClean="0"/>
+              <a:t>.</a:t>
+            </a:r>
+          </a:p>
+          <a:p>
+            <a:endParaRPr lang="es-AR" sz="3000" dirty="0" smtClean="0"/>
+          </a:p>
+          <a:p>
+            <a:endParaRPr lang="es-AR" sz="3000" dirty="0"/>
+          </a:p>
+          <a:p>
+            <a:endParaRPr lang="es-AR" dirty="0"/>
+          </a:p>
+          <a:p>
+            <a:endParaRPr lang="es-AR" dirty="0"/>
+          </a:p>
+        </p:txBody>
+      </p:sp>
     </p:spTree>
     <p:extLst>
       <p:ext uri="{BB962C8B-B14F-4D97-AF65-F5344CB8AC3E}">
-        <p14:creationId xmlns:p14="http://schemas.microsoft.com/office/powerpoint/2010/main" val="4226239434"/>
+        <p14:creationId xmlns:p14="http://schemas.microsoft.com/office/powerpoint/2010/main" val="318816464"/>
       </p:ext>
     </p:extLst>
   </p:cSld>
@@ -8822,35 +8664,49 @@
         <p:spPr/>
         <p:txBody>
           <a:bodyPr>
-            <a:normAutofit/>
+            <a:normAutofit fontScale="90000"/>
           </a:bodyPr>
           <a:lstStyle/>
           <a:p>
             <a:r>
               <a:rPr lang="es-AR" dirty="0" smtClean="0"/>
-              <a:t>Caso 2: expansión exitosa global</a:t>
-            </a:r>
-            <a:endParaRPr lang="es-AR" dirty="0"/>
+              <a:t>Peor Caso</a:t>
+            </a:r>
+            <a:br>
+              <a:rPr lang="es-AR" dirty="0" smtClean="0"/>
+            </a:br>
+            <a:r>
+              <a:rPr lang="es-AR" sz="4000" dirty="0" smtClean="0"/>
+              <a:t>Expansión en Argentina con un 3% </a:t>
+            </a:r>
+            <a:br>
+              <a:rPr lang="es-AR" sz="4000" dirty="0" smtClean="0"/>
+            </a:br>
+            <a:r>
+              <a:rPr lang="es-AR" sz="4000" dirty="0" smtClean="0"/>
+              <a:t>del  mercado</a:t>
+            </a:r>
+            <a:endParaRPr lang="es-AR" sz="4000" dirty="0"/>
           </a:p>
         </p:txBody>
       </p:sp>
       <p:graphicFrame>
         <p:nvGraphicFramePr>
-          <p:cNvPr id="5" name="Chart 4"/>
+          <p:cNvPr id="6" name="Chart 5"/>
           <p:cNvGraphicFramePr>
             <a:graphicFrameLocks/>
           </p:cNvGraphicFramePr>
           <p:nvPr>
             <p:extLst>
               <p:ext uri="{D42A27DB-BD31-4B8C-83A1-F6EECF244321}">
-                <p14:modId xmlns:p14="http://schemas.microsoft.com/office/powerpoint/2010/main" val="2523089210"/>
+                <p14:modId xmlns:p14="http://schemas.microsoft.com/office/powerpoint/2010/main" val="3839376626"/>
               </p:ext>
             </p:extLst>
           </p:nvPr>
         </p:nvGraphicFramePr>
         <p:xfrm>
-          <a:off x="323528" y="1268760"/>
-          <a:ext cx="8568952" cy="5400600"/>
+          <a:off x="467544" y="1628800"/>
+          <a:ext cx="8424936" cy="4968552"/>
         </p:xfrm>
         <a:graphic>
           <a:graphicData uri="http://schemas.openxmlformats.org/drawingml/2006/chart">
@@ -8861,7 +8717,7 @@
     </p:spTree>
     <p:extLst>
       <p:ext uri="{BB962C8B-B14F-4D97-AF65-F5344CB8AC3E}">
-        <p14:creationId xmlns:p14="http://schemas.microsoft.com/office/powerpoint/2010/main" val="4186439492"/>
+        <p14:creationId xmlns:p14="http://schemas.microsoft.com/office/powerpoint/2010/main" val="4226239434"/>
       </p:ext>
     </p:extLst>
   </p:cSld>
@@ -8907,50 +8763,47 @@
         </p:nvSpPr>
         <p:spPr/>
         <p:txBody>
-          <a:bodyPr/>
+          <a:bodyPr>
+            <a:normAutofit/>
+          </a:bodyPr>
           <a:lstStyle/>
           <a:p>
             <a:r>
               <a:rPr lang="es-AR" dirty="0" smtClean="0"/>
-              <a:t>Publicidad</a:t>
+              <a:t>Caso 2: expansión exitosa global</a:t>
             </a:r>
             <a:endParaRPr lang="es-AR" dirty="0"/>
           </a:p>
         </p:txBody>
       </p:sp>
-      <p:pic>
-        <p:nvPicPr>
-          <p:cNvPr id="6" name="Content Placeholder 5"/>
-          <p:cNvPicPr>
-            <a:picLocks noGrp="1" noChangeAspect="1"/>
-          </p:cNvPicPr>
-          <p:nvPr>
-            <p:ph idx="1"/>
-          </p:nvPr>
-        </p:nvPicPr>
-        <p:blipFill>
-          <a:blip r:embed="rId3">
-            <a:extLst>
-              <a:ext uri="{28A0092B-C50C-407E-A947-70E740481C1C}">
-                <a14:useLocalDpi xmlns:a14="http://schemas.microsoft.com/office/drawing/2010/main" val="0"/>
-              </a:ext>
-            </a:extLst>
-          </a:blip>
-          <a:stretch>
-            <a:fillRect/>
-          </a:stretch>
-        </p:blipFill>
-        <p:spPr>
-          <a:xfrm>
-            <a:off x="2564179" y="1600200"/>
-            <a:ext cx="4015641" cy="4525963"/>
-          </a:xfrm>
-        </p:spPr>
-      </p:pic>
+      <p:graphicFrame>
+        <p:nvGraphicFramePr>
+          <p:cNvPr id="5" name="Chart 4"/>
+          <p:cNvGraphicFramePr>
+            <a:graphicFrameLocks/>
+          </p:cNvGraphicFramePr>
+          <p:nvPr>
+            <p:extLst>
+              <p:ext uri="{D42A27DB-BD31-4B8C-83A1-F6EECF244321}">
+                <p14:modId xmlns:p14="http://schemas.microsoft.com/office/powerpoint/2010/main" val="2523089210"/>
+              </p:ext>
+            </p:extLst>
+          </p:nvPr>
+        </p:nvGraphicFramePr>
+        <p:xfrm>
+          <a:off x="323528" y="1268760"/>
+          <a:ext cx="8568952" cy="5400600"/>
+        </p:xfrm>
+        <a:graphic>
+          <a:graphicData uri="http://schemas.openxmlformats.org/drawingml/2006/chart">
+            <c:chart xmlns:c="http://schemas.openxmlformats.org/drawingml/2006/chart" xmlns:r="http://schemas.openxmlformats.org/officeDocument/2006/relationships" r:id="rId3"/>
+          </a:graphicData>
+        </a:graphic>
+      </p:graphicFrame>
     </p:spTree>
     <p:extLst>
       <p:ext uri="{BB962C8B-B14F-4D97-AF65-F5344CB8AC3E}">
-        <p14:creationId xmlns:p14="http://schemas.microsoft.com/office/powerpoint/2010/main" val="272930932"/>
+        <p14:creationId xmlns:p14="http://schemas.microsoft.com/office/powerpoint/2010/main" val="4186439492"/>
       </p:ext>
     </p:extLst>
   </p:cSld>

--- a/trunk/Assets/Presentación negocio.pptx
+++ b/trunk/Assets/Presentación negocio.pptx
@@ -5,7 +5,7 @@
     <p:sldMasterId id="2147483648" r:id="rId1"/>
   </p:sldMasterIdLst>
   <p:notesMasterIdLst>
-    <p:notesMasterId r:id="rId13"/>
+    <p:notesMasterId r:id="rId14"/>
   </p:notesMasterIdLst>
   <p:sldIdLst>
     <p:sldId id="256" r:id="rId2"/>
@@ -13,12 +13,13 @@
     <p:sldId id="262" r:id="rId4"/>
     <p:sldId id="265" r:id="rId5"/>
     <p:sldId id="264" r:id="rId6"/>
-    <p:sldId id="258" r:id="rId7"/>
-    <p:sldId id="266" r:id="rId8"/>
-    <p:sldId id="257" r:id="rId9"/>
-    <p:sldId id="259" r:id="rId10"/>
-    <p:sldId id="263" r:id="rId11"/>
-    <p:sldId id="260" r:id="rId12"/>
+    <p:sldId id="267" r:id="rId7"/>
+    <p:sldId id="258" r:id="rId8"/>
+    <p:sldId id="266" r:id="rId9"/>
+    <p:sldId id="257" r:id="rId10"/>
+    <p:sldId id="259" r:id="rId11"/>
+    <p:sldId id="263" r:id="rId12"/>
+    <p:sldId id="260" r:id="rId13"/>
   </p:sldIdLst>
   <p:sldSz cx="9144000" cy="6858000" type="screen4x3"/>
   <p:notesSz cx="6858000" cy="9144000"/>
@@ -426,11 +427,11 @@
         </c:dLbls>
         <c:marker val="1"/>
         <c:smooth val="0"/>
-        <c:axId val="78627200"/>
-        <c:axId val="78628736"/>
+        <c:axId val="82559744"/>
+        <c:axId val="82561280"/>
       </c:lineChart>
       <c:catAx>
-        <c:axId val="78627200"/>
+        <c:axId val="82559744"/>
         <c:scaling>
           <c:orientation val="minMax"/>
         </c:scaling>
@@ -439,7 +440,7 @@
         <c:majorTickMark val="out"/>
         <c:minorTickMark val="none"/>
         <c:tickLblPos val="nextTo"/>
-        <c:crossAx val="78628736"/>
+        <c:crossAx val="82561280"/>
         <c:crosses val="autoZero"/>
         <c:auto val="1"/>
         <c:lblAlgn val="ctr"/>
@@ -447,7 +448,7 @@
         <c:noMultiLvlLbl val="0"/>
       </c:catAx>
       <c:valAx>
-        <c:axId val="78628736"/>
+        <c:axId val="82561280"/>
         <c:scaling>
           <c:orientation val="minMax"/>
         </c:scaling>
@@ -458,7 +459,7 @@
         <c:majorTickMark val="out"/>
         <c:minorTickMark val="none"/>
         <c:tickLblPos val="nextTo"/>
-        <c:crossAx val="78627200"/>
+        <c:crossAx val="82559744"/>
         <c:crosses val="autoZero"/>
         <c:crossBetween val="between"/>
       </c:valAx>
@@ -828,11 +829,11 @@
         </c:dLbls>
         <c:marker val="1"/>
         <c:smooth val="0"/>
-        <c:axId val="81233024"/>
-        <c:axId val="81234560"/>
+        <c:axId val="82609664"/>
+        <c:axId val="82611200"/>
       </c:lineChart>
       <c:catAx>
-        <c:axId val="81233024"/>
+        <c:axId val="82609664"/>
         <c:scaling>
           <c:orientation val="minMax"/>
         </c:scaling>
@@ -841,7 +842,7 @@
         <c:majorTickMark val="out"/>
         <c:minorTickMark val="none"/>
         <c:tickLblPos val="nextTo"/>
-        <c:crossAx val="81234560"/>
+        <c:crossAx val="82611200"/>
         <c:crosses val="autoZero"/>
         <c:auto val="1"/>
         <c:lblAlgn val="ctr"/>
@@ -849,7 +850,7 @@
         <c:noMultiLvlLbl val="0"/>
       </c:catAx>
       <c:valAx>
-        <c:axId val="81234560"/>
+        <c:axId val="82611200"/>
         <c:scaling>
           <c:orientation val="minMax"/>
         </c:scaling>
@@ -860,7 +861,7 @@
         <c:majorTickMark val="out"/>
         <c:minorTickMark val="none"/>
         <c:tickLblPos val="nextTo"/>
-        <c:crossAx val="81233024"/>
+        <c:crossAx val="82609664"/>
         <c:crosses val="autoZero"/>
         <c:crossBetween val="between"/>
       </c:valAx>
@@ -1369,6 +1370,490 @@
       </p:grpSpPr>
       <p:sp>
         <p:nvSpPr>
+          <p:cNvPr id="2" name="Slide Image Placeholder 1"/>
+          <p:cNvSpPr>
+            <a:spLocks noGrp="1" noRot="1" noChangeAspect="1"/>
+          </p:cNvSpPr>
+          <p:nvPr>
+            <p:ph type="sldImg"/>
+          </p:nvPr>
+        </p:nvSpPr>
+        <p:spPr/>
+      </p:sp>
+      <p:sp>
+        <p:nvSpPr>
+          <p:cNvPr id="3" name="Notes Placeholder 2"/>
+          <p:cNvSpPr>
+            <a:spLocks noGrp="1"/>
+          </p:cNvSpPr>
+          <p:nvPr>
+            <p:ph type="body" idx="1"/>
+          </p:nvPr>
+        </p:nvSpPr>
+        <p:spPr/>
+        <p:txBody>
+          <a:bodyPr/>
+          <a:lstStyle/>
+          <a:p>
+            <a:r>
+              <a:rPr lang="es-AR" dirty="0" smtClean="0"/>
+              <a:t>En ese escenario, hemos tomado los datos de una empresa</a:t>
+            </a:r>
+            <a:r>
+              <a:rPr lang="es-AR" baseline="0" dirty="0" smtClean="0"/>
+              <a:t> similar (como </a:t>
+            </a:r>
+            <a:r>
+              <a:rPr lang="es-AR" baseline="0" dirty="0" err="1" smtClean="0"/>
+              <a:t>Foursqare</a:t>
+            </a:r>
+            <a:r>
+              <a:rPr lang="es-AR" baseline="0" dirty="0" smtClean="0"/>
+              <a:t>) y su crecimiento en sus dos primeros años. Para quienes no conozcan esta compañía, la misma </a:t>
+            </a:r>
+            <a:r>
+              <a:rPr lang="es-AR" sz="1200" b="0" i="0" kern="1200" dirty="0" smtClean="0">
+                <a:solidFill>
+                  <a:schemeClr val="tx1"/>
+                </a:solidFill>
+                <a:effectLst/>
+                <a:latin typeface="+mn-lt"/>
+                <a:ea typeface="+mn-ea"/>
+                <a:cs typeface="+mn-cs"/>
+              </a:rPr>
+              <a:t>es un </a:t>
+            </a:r>
+            <a:r>
+              <a:rPr lang="es-AR" sz="1200" b="0" i="0" u="none" strike="noStrike" kern="1200" dirty="0" smtClean="0">
+                <a:solidFill>
+                  <a:schemeClr val="tx1"/>
+                </a:solidFill>
+                <a:effectLst/>
+                <a:latin typeface="+mn-lt"/>
+                <a:ea typeface="+mn-ea"/>
+                <a:cs typeface="+mn-cs"/>
+                <a:hlinkClick r:id="rId3" tooltip="Servicio basado en localización"/>
+              </a:rPr>
+              <a:t>servicio basado en localización</a:t>
+            </a:r>
+            <a:r>
+              <a:rPr lang="es-AR" sz="1200" b="0" i="0" kern="1200" dirty="0" smtClean="0">
+                <a:solidFill>
+                  <a:schemeClr val="tx1"/>
+                </a:solidFill>
+                <a:effectLst/>
+                <a:latin typeface="+mn-lt"/>
+                <a:ea typeface="+mn-ea"/>
+                <a:cs typeface="+mn-cs"/>
+              </a:rPr>
+              <a:t> web aplicada a las </a:t>
+            </a:r>
+            <a:r>
+              <a:rPr lang="es-AR" sz="1200" b="0" i="0" u="none" strike="noStrike" kern="1200" dirty="0" smtClean="0">
+                <a:solidFill>
+                  <a:schemeClr val="tx1"/>
+                </a:solidFill>
+                <a:effectLst/>
+                <a:latin typeface="+mn-lt"/>
+                <a:ea typeface="+mn-ea"/>
+                <a:cs typeface="+mn-cs"/>
+                <a:hlinkClick r:id="rId4" tooltip="Redes sociales"/>
+              </a:rPr>
+              <a:t>redes sociales</a:t>
+            </a:r>
+            <a:r>
+              <a:rPr lang="es-AR" sz="1200" b="0" i="0" kern="1200" dirty="0" smtClean="0">
+                <a:solidFill>
+                  <a:schemeClr val="tx1"/>
+                </a:solidFill>
+                <a:effectLst/>
+                <a:latin typeface="+mn-lt"/>
+                <a:ea typeface="+mn-ea"/>
+                <a:cs typeface="+mn-cs"/>
+              </a:rPr>
+              <a:t>. La </a:t>
+            </a:r>
+            <a:r>
+              <a:rPr lang="es-AR" sz="1200" b="0" i="0" kern="1200" dirty="0" err="1" smtClean="0">
+                <a:solidFill>
+                  <a:schemeClr val="tx1"/>
+                </a:solidFill>
+                <a:effectLst/>
+                <a:latin typeface="+mn-lt"/>
+                <a:ea typeface="+mn-ea"/>
+                <a:cs typeface="+mn-cs"/>
+              </a:rPr>
+              <a:t>geolocalización</a:t>
+            </a:r>
+            <a:r>
+              <a:rPr lang="es-AR" sz="1200" b="0" i="0" kern="1200" dirty="0" smtClean="0">
+                <a:solidFill>
+                  <a:schemeClr val="tx1"/>
+                </a:solidFill>
+                <a:effectLst/>
+                <a:latin typeface="+mn-lt"/>
+                <a:ea typeface="+mn-ea"/>
+                <a:cs typeface="+mn-cs"/>
+              </a:rPr>
+              <a:t> permite localizar un dispositivo fijo o móvil en una ubicación geográfica.</a:t>
+            </a:r>
+            <a:r>
+              <a:rPr lang="es-AR" sz="1200" b="0" i="0" kern="1200" baseline="0" dirty="0" smtClean="0">
+                <a:solidFill>
+                  <a:schemeClr val="tx1"/>
+                </a:solidFill>
+                <a:effectLst/>
+                <a:latin typeface="+mn-lt"/>
+                <a:ea typeface="+mn-ea"/>
+                <a:cs typeface="+mn-cs"/>
+              </a:rPr>
+              <a:t> Si bien es una aplicación exitosa, no es considerada como una aplicación especialmente </a:t>
+            </a:r>
+            <a:r>
+              <a:rPr lang="es-AR" sz="1200" b="0" i="0" kern="1200" baseline="0" dirty="0" err="1" smtClean="0">
+                <a:solidFill>
+                  <a:schemeClr val="tx1"/>
+                </a:solidFill>
+                <a:effectLst/>
+                <a:latin typeface="+mn-lt"/>
+                <a:ea typeface="+mn-ea"/>
+                <a:cs typeface="+mn-cs"/>
+              </a:rPr>
+              <a:t>virosica</a:t>
+            </a:r>
+            <a:r>
+              <a:rPr lang="es-AR" sz="1200" b="0" i="0" kern="1200" baseline="0" dirty="0" smtClean="0">
+                <a:solidFill>
+                  <a:schemeClr val="tx1"/>
+                </a:solidFill>
+                <a:effectLst/>
+                <a:latin typeface="+mn-lt"/>
+                <a:ea typeface="+mn-ea"/>
+                <a:cs typeface="+mn-cs"/>
+              </a:rPr>
+              <a:t> ni con un extremo furor. La misma alcanzo a los 2 años de su lanzamiento 8 millones de usuarios. </a:t>
+            </a:r>
+          </a:p>
+          <a:p>
+            <a:r>
+              <a:rPr lang="es-AR" sz="1200" b="0" i="0" kern="1200" baseline="0" dirty="0" smtClean="0">
+                <a:solidFill>
+                  <a:schemeClr val="tx1"/>
+                </a:solidFill>
+                <a:effectLst/>
+                <a:latin typeface="+mn-lt"/>
+                <a:ea typeface="+mn-ea"/>
+                <a:cs typeface="+mn-cs"/>
+              </a:rPr>
+              <a:t>Lo consiguió al expandirse en varias plataformas (a los 3 meses de su lanzamiento) así como en varias regiones (su </a:t>
+            </a:r>
+            <a:r>
+              <a:rPr lang="es-AR" sz="1200" b="0" i="0" kern="1200" baseline="0" dirty="0" err="1" smtClean="0">
+                <a:solidFill>
+                  <a:schemeClr val="tx1"/>
+                </a:solidFill>
+                <a:effectLst/>
+                <a:latin typeface="+mn-lt"/>
+                <a:ea typeface="+mn-ea"/>
+                <a:cs typeface="+mn-cs"/>
+              </a:rPr>
+              <a:t>aplicaciónes</a:t>
+            </a:r>
+            <a:r>
+              <a:rPr lang="es-AR" sz="1200" b="0" i="0" kern="1200" baseline="0" dirty="0" smtClean="0">
+                <a:solidFill>
+                  <a:schemeClr val="tx1"/>
+                </a:solidFill>
+                <a:effectLst/>
+                <a:latin typeface="+mn-lt"/>
+                <a:ea typeface="+mn-ea"/>
+                <a:cs typeface="+mn-cs"/>
+              </a:rPr>
+              <a:t> multilenguaje) (a los 6 meses). </a:t>
+            </a:r>
+          </a:p>
+          <a:p>
+            <a:r>
+              <a:rPr lang="es-AR" sz="1200" b="0" i="0" kern="1200" baseline="0" dirty="0" smtClean="0">
+                <a:solidFill>
+                  <a:schemeClr val="tx1"/>
+                </a:solidFill>
+                <a:effectLst/>
+                <a:latin typeface="+mn-lt"/>
+                <a:ea typeface="+mn-ea"/>
+                <a:cs typeface="+mn-cs"/>
+              </a:rPr>
+              <a:t>Si consideramos que nuestra aplicación tiene todas a favor para resultar aún mas exitosa que esta aplicación y suponiendo que se realiza el soporte necesarios para dar soporte a diversos lenguajes y plataformas, se </a:t>
+            </a:r>
+            <a:r>
+              <a:rPr lang="es-AR" sz="1200" b="0" i="0" kern="1200" baseline="0" dirty="0" err="1" smtClean="0">
+                <a:solidFill>
+                  <a:schemeClr val="tx1"/>
+                </a:solidFill>
+                <a:effectLst/>
+                <a:latin typeface="+mn-lt"/>
+                <a:ea typeface="+mn-ea"/>
+                <a:cs typeface="+mn-cs"/>
+              </a:rPr>
+              <a:t>podria</a:t>
+            </a:r>
+            <a:r>
+              <a:rPr lang="es-AR" sz="1200" b="0" i="0" kern="1200" baseline="0" dirty="0" smtClean="0">
+                <a:solidFill>
+                  <a:schemeClr val="tx1"/>
+                </a:solidFill>
+                <a:effectLst/>
+                <a:latin typeface="+mn-lt"/>
+                <a:ea typeface="+mn-ea"/>
+                <a:cs typeface="+mn-cs"/>
+              </a:rPr>
+              <a:t> alcanzar sin inconvenientes el mismo nivel de usuarios. </a:t>
+            </a:r>
+          </a:p>
+          <a:p>
+            <a:r>
+              <a:rPr lang="es-AR" sz="1200" b="0" i="0" kern="1200" baseline="0" dirty="0" smtClean="0">
+                <a:solidFill>
+                  <a:schemeClr val="tx1"/>
+                </a:solidFill>
+                <a:effectLst/>
+                <a:latin typeface="+mn-lt"/>
+                <a:ea typeface="+mn-ea"/>
+                <a:cs typeface="+mn-cs"/>
+              </a:rPr>
+              <a:t>En lo referente a </a:t>
+            </a:r>
+            <a:r>
+              <a:rPr lang="es-AR" sz="1200" b="0" i="0" kern="1200" baseline="0" dirty="0" err="1" smtClean="0">
+                <a:solidFill>
+                  <a:schemeClr val="tx1"/>
+                </a:solidFill>
+                <a:effectLst/>
+                <a:latin typeface="+mn-lt"/>
+                <a:ea typeface="+mn-ea"/>
+                <a:cs typeface="+mn-cs"/>
+              </a:rPr>
+              <a:t>ganacias</a:t>
+            </a:r>
+            <a:r>
+              <a:rPr lang="es-AR" sz="1200" b="0" i="0" kern="1200" baseline="0" dirty="0" smtClean="0">
+                <a:solidFill>
+                  <a:schemeClr val="tx1"/>
+                </a:solidFill>
+                <a:effectLst/>
+                <a:latin typeface="+mn-lt"/>
+                <a:ea typeface="+mn-ea"/>
+                <a:cs typeface="+mn-cs"/>
+              </a:rPr>
+              <a:t>, las mismas serían al </a:t>
+            </a:r>
+            <a:r>
+              <a:rPr lang="es-AR" sz="1200" b="0" i="0" kern="1200" baseline="0" dirty="0" err="1" smtClean="0">
+                <a:solidFill>
+                  <a:schemeClr val="tx1"/>
+                </a:solidFill>
+                <a:effectLst/>
+                <a:latin typeface="+mn-lt"/>
+                <a:ea typeface="+mn-ea"/>
+                <a:cs typeface="+mn-cs"/>
+              </a:rPr>
+              <a:t>alzancar</a:t>
+            </a:r>
+            <a:r>
+              <a:rPr lang="es-AR" sz="1200" b="0" i="0" kern="1200" baseline="0" dirty="0" smtClean="0">
+                <a:solidFill>
+                  <a:schemeClr val="tx1"/>
+                </a:solidFill>
+                <a:effectLst/>
+                <a:latin typeface="+mn-lt"/>
+                <a:ea typeface="+mn-ea"/>
+                <a:cs typeface="+mn-cs"/>
+              </a:rPr>
+              <a:t> los 2 años de entre los 270k a 400k al mes, teniendo en cuenta los mismos precios para las publicidades que en el escenario anterior. Como pueden ver, un gran negocio.</a:t>
+            </a:r>
+          </a:p>
+          <a:p>
+            <a:r>
+              <a:rPr lang="es-AR" sz="1200" b="0" i="0" kern="1200" baseline="0" dirty="0" smtClean="0">
+                <a:solidFill>
+                  <a:schemeClr val="tx1"/>
+                </a:solidFill>
+                <a:effectLst/>
+                <a:latin typeface="+mn-lt"/>
+                <a:ea typeface="+mn-ea"/>
+                <a:cs typeface="+mn-cs"/>
+              </a:rPr>
+              <a:t>Un detalle de color que nos gustaría destacar es que a los 18 meses del lanzamiento, </a:t>
+            </a:r>
+            <a:r>
+              <a:rPr lang="es-AR" sz="1200" b="0" i="0" kern="1200" baseline="0" dirty="0" err="1" smtClean="0">
+                <a:solidFill>
+                  <a:schemeClr val="tx1"/>
+                </a:solidFill>
+                <a:effectLst/>
+                <a:latin typeface="+mn-lt"/>
+                <a:ea typeface="+mn-ea"/>
+                <a:cs typeface="+mn-cs"/>
+              </a:rPr>
+              <a:t>facebook</a:t>
+            </a:r>
+            <a:r>
+              <a:rPr lang="es-AR" sz="1200" b="0" i="0" kern="1200" baseline="0" dirty="0" smtClean="0">
+                <a:solidFill>
+                  <a:schemeClr val="tx1"/>
+                </a:solidFill>
+                <a:effectLst/>
+                <a:latin typeface="+mn-lt"/>
+                <a:ea typeface="+mn-ea"/>
+                <a:cs typeface="+mn-cs"/>
+              </a:rPr>
+              <a:t> lanzó una aplicación similar que como pueden ver afectó realmente poco el crecimiento de la aplicación.</a:t>
+            </a:r>
+          </a:p>
+          <a:p>
+            <a:r>
+              <a:rPr lang="es-AR" sz="1200" b="0" i="0" kern="1200" baseline="0" dirty="0" smtClean="0">
+                <a:solidFill>
+                  <a:schemeClr val="tx1"/>
+                </a:solidFill>
+                <a:effectLst/>
+                <a:latin typeface="+mn-lt"/>
+                <a:ea typeface="+mn-ea"/>
+                <a:cs typeface="+mn-cs"/>
+              </a:rPr>
+              <a:t>Finalmente </a:t>
+            </a:r>
+            <a:r>
+              <a:rPr lang="es-AR" sz="1200" b="0" i="0" kern="1200" baseline="0" smtClean="0">
+                <a:solidFill>
+                  <a:schemeClr val="tx1"/>
+                </a:solidFill>
+                <a:effectLst/>
+                <a:latin typeface="+mn-lt"/>
+                <a:ea typeface="+mn-ea"/>
+                <a:cs typeface="+mn-cs"/>
+              </a:rPr>
+              <a:t>un último detalle </a:t>
+            </a:r>
+            <a:r>
+              <a:rPr lang="es-AR" sz="1200" b="0" i="0" kern="1200" baseline="0" dirty="0" smtClean="0">
+                <a:solidFill>
+                  <a:schemeClr val="tx1"/>
+                </a:solidFill>
+                <a:effectLst/>
+                <a:latin typeface="+mn-lt"/>
+                <a:ea typeface="+mn-ea"/>
+                <a:cs typeface="+mn-cs"/>
+              </a:rPr>
+              <a:t>no menor es que la empresa </a:t>
+            </a:r>
+            <a:r>
+              <a:rPr lang="es-AR" sz="1200" b="0" i="0" kern="1200" baseline="0" dirty="0" err="1" smtClean="0">
+                <a:solidFill>
+                  <a:schemeClr val="tx1"/>
+                </a:solidFill>
+                <a:effectLst/>
+                <a:latin typeface="+mn-lt"/>
+                <a:ea typeface="+mn-ea"/>
+                <a:cs typeface="+mn-cs"/>
+              </a:rPr>
+              <a:t>Foursqare</a:t>
+            </a:r>
+            <a:r>
+              <a:rPr lang="es-AR" sz="1200" b="0" i="0" kern="1200" baseline="0" dirty="0" smtClean="0">
+                <a:solidFill>
+                  <a:schemeClr val="tx1"/>
+                </a:solidFill>
+                <a:effectLst/>
+                <a:latin typeface="+mn-lt"/>
+                <a:ea typeface="+mn-ea"/>
+                <a:cs typeface="+mn-cs"/>
+              </a:rPr>
+              <a:t> posee hoy en día (4 años después de su lanzamiento)  posee 30 millones de usuarios, realizando las cuentas bajo el mismo modelo, daría un ingreso de 1millon de </a:t>
+            </a:r>
+            <a:r>
+              <a:rPr lang="es-AR" sz="1200" b="0" i="0" kern="1200" baseline="0" dirty="0" err="1" smtClean="0">
+                <a:solidFill>
+                  <a:schemeClr val="tx1"/>
+                </a:solidFill>
+                <a:effectLst/>
+                <a:latin typeface="+mn-lt"/>
+                <a:ea typeface="+mn-ea"/>
+                <a:cs typeface="+mn-cs"/>
+              </a:rPr>
+              <a:t>dolares</a:t>
+            </a:r>
+            <a:r>
+              <a:rPr lang="es-AR" sz="1200" b="0" i="0" kern="1200" baseline="0" dirty="0" smtClean="0">
+                <a:solidFill>
+                  <a:schemeClr val="tx1"/>
+                </a:solidFill>
+                <a:effectLst/>
+                <a:latin typeface="+mn-lt"/>
+                <a:ea typeface="+mn-ea"/>
+                <a:cs typeface="+mn-cs"/>
+              </a:rPr>
+              <a:t> al mes.</a:t>
+            </a:r>
+          </a:p>
+        </p:txBody>
+      </p:sp>
+      <p:sp>
+        <p:nvSpPr>
+          <p:cNvPr id="4" name="Slide Number Placeholder 3"/>
+          <p:cNvSpPr>
+            <a:spLocks noGrp="1"/>
+          </p:cNvSpPr>
+          <p:nvPr>
+            <p:ph type="sldNum" sz="quarter" idx="10"/>
+          </p:nvPr>
+        </p:nvSpPr>
+        <p:spPr/>
+        <p:txBody>
+          <a:bodyPr/>
+          <a:lstStyle/>
+          <a:p>
+            <a:fld id="{5625E230-B123-43EB-B2A3-53965331BBB3}" type="slidenum">
+              <a:rPr lang="es-AR" smtClean="0"/>
+              <a:pPr/>
+              <a:t>10</a:t>
+            </a:fld>
+            <a:endParaRPr lang="es-AR"/>
+          </a:p>
+        </p:txBody>
+      </p:sp>
+    </p:spTree>
+    <p:extLst>
+      <p:ext uri="{BB962C8B-B14F-4D97-AF65-F5344CB8AC3E}">
+        <p14:creationId xmlns:p14="http://schemas.microsoft.com/office/powerpoint/2010/main" val="3000085410"/>
+      </p:ext>
+    </p:extLst>
+  </p:cSld>
+  <p:clrMapOvr>
+    <a:masterClrMapping/>
+  </p:clrMapOvr>
+</p:notes>
+</file>
+
+<file path=ppt/notesSlides/notesSlide11.xml><?xml version="1.0" encoding="utf-8"?>
+<p:notes xmlns:a="http://schemas.openxmlformats.org/drawingml/2006/main" xmlns:r="http://schemas.openxmlformats.org/officeDocument/2006/relationships" xmlns:p="http://schemas.openxmlformats.org/presentationml/2006/main">
+  <p:cSld>
+    <p:spTree>
+      <p:nvGrpSpPr>
+        <p:cNvPr id="1" name=""/>
+        <p:cNvGrpSpPr/>
+        <p:nvPr/>
+      </p:nvGrpSpPr>
+      <p:grpSpPr>
+        <a:xfrm>
+          <a:off x="0" y="0"/>
+          <a:ext cx="0" cy="0"/>
+          <a:chOff x="0" y="0"/>
+          <a:chExt cx="0" cy="0"/>
+        </a:xfrm>
+      </p:grpSpPr>
+      <p:sp>
+        <p:nvSpPr>
           <p:cNvPr id="2" name="1 Marcador de imagen de diapositiva"/>
           <p:cNvSpPr>
             <a:spLocks noGrp="1" noRot="1" noChangeAspect="1"/>
@@ -2643,7 +3128,7 @@
             <a:fld id="{5625E230-B123-43EB-B2A3-53965331BBB3}" type="slidenum">
               <a:rPr lang="es-AR" smtClean="0"/>
               <a:pPr/>
-              <a:t>10</a:t>
+              <a:t>11</a:t>
             </a:fld>
             <a:endParaRPr lang="es-AR"/>
           </a:p>
@@ -3884,39 +4369,15 @@
           <a:bodyPr/>
           <a:lstStyle/>
           <a:p>
-            <a:pPr marL="0" marR="0" indent="0" algn="l" defTabSz="914400" rtl="0" eaLnBrk="1" fontAlgn="auto" latinLnBrk="0" hangingPunct="1">
-              <a:lnSpc>
-                <a:spcPct val="100000"/>
-              </a:lnSpc>
-              <a:spcBef>
-                <a:spcPts val="0"/>
-              </a:spcBef>
-              <a:spcAft>
-                <a:spcPts val="0"/>
-              </a:spcAft>
-              <a:buClrTx/>
-              <a:buSzTx/>
-              <a:buFontTx/>
-              <a:buNone/>
-              <a:tabLst/>
-              <a:defRPr/>
-            </a:pPr>
             <a:r>
               <a:rPr lang="es-AR" dirty="0" smtClean="0"/>
-              <a:t>Luego</a:t>
-            </a:r>
-            <a:r>
-              <a:rPr lang="es-AR" baseline="0" dirty="0" smtClean="0"/>
-              <a:t> de escuchar sobre el producto, probablemente </a:t>
-            </a:r>
-            <a:r>
-              <a:rPr lang="es-AR" baseline="0" dirty="0" err="1" smtClean="0"/>
-              <a:t>esten</a:t>
-            </a:r>
-            <a:r>
-              <a:rPr lang="es-AR" baseline="0" dirty="0" smtClean="0"/>
-              <a:t> pensando “esto muy lindo, realmente me gustaría tener esta aplicación, pero realmente voy a ganar dinero con ella?”. Pues sí señores. Hemos analizado distintos escenarios basados en casos reales y a modo de ejemplo les mostraremos dos de ellos</a:t>
-            </a:r>
+              <a:t>La aplicación que proponemos permite contar con todas estas prestaciones </a:t>
+            </a:r>
+            <a:r>
+              <a:rPr lang="es-AR" smtClean="0"/>
+              <a:t>que mostramos.</a:t>
+            </a:r>
+            <a:endParaRPr lang="es-AR" dirty="0"/>
           </a:p>
         </p:txBody>
       </p:sp>
@@ -3947,7 +4408,7 @@
     </p:spTree>
     <p:extLst>
       <p:ext uri="{BB962C8B-B14F-4D97-AF65-F5344CB8AC3E}">
-        <p14:creationId xmlns:p14="http://schemas.microsoft.com/office/powerpoint/2010/main" val="448154425"/>
+        <p14:creationId xmlns:p14="http://schemas.microsoft.com/office/powerpoint/2010/main" val="685780543"/>
       </p:ext>
     </p:extLst>
   </p:cSld>
@@ -4001,7 +4462,39 @@
           <a:bodyPr/>
           <a:lstStyle/>
           <a:p>
-            <a:endParaRPr lang="es-AR" dirty="0"/>
+            <a:pPr marL="0" marR="0" indent="0" algn="l" defTabSz="914400" rtl="0" eaLnBrk="1" fontAlgn="auto" latinLnBrk="0" hangingPunct="1">
+              <a:lnSpc>
+                <a:spcPct val="100000"/>
+              </a:lnSpc>
+              <a:spcBef>
+                <a:spcPts val="0"/>
+              </a:spcBef>
+              <a:spcAft>
+                <a:spcPts val="0"/>
+              </a:spcAft>
+              <a:buClrTx/>
+              <a:buSzTx/>
+              <a:buFontTx/>
+              <a:buNone/>
+              <a:tabLst/>
+              <a:defRPr/>
+            </a:pPr>
+            <a:r>
+              <a:rPr lang="es-AR" dirty="0" smtClean="0"/>
+              <a:t>Luego</a:t>
+            </a:r>
+            <a:r>
+              <a:rPr lang="es-AR" baseline="0" dirty="0" smtClean="0"/>
+              <a:t> de escuchar sobre el producto, probablemente </a:t>
+            </a:r>
+            <a:r>
+              <a:rPr lang="es-AR" baseline="0" dirty="0" err="1" smtClean="0"/>
+              <a:t>esten</a:t>
+            </a:r>
+            <a:r>
+              <a:rPr lang="es-AR" baseline="0" dirty="0" smtClean="0"/>
+              <a:t> pensando “esto muy lindo, realmente me gustaría tener esta aplicación, pero realmente voy a ganar dinero con ella?”. Pues sí señores. Hemos analizado distintos escenarios basados en casos reales y a modo de ejemplo les mostraremos dos de ellos</a:t>
+            </a:r>
           </a:p>
         </p:txBody>
       </p:sp>
@@ -4032,7 +4525,7 @@
     </p:spTree>
     <p:extLst>
       <p:ext uri="{BB962C8B-B14F-4D97-AF65-F5344CB8AC3E}">
-        <p14:creationId xmlns:p14="http://schemas.microsoft.com/office/powerpoint/2010/main" val="1057133531"/>
+        <p14:creationId xmlns:p14="http://schemas.microsoft.com/office/powerpoint/2010/main" val="448154425"/>
       </p:ext>
     </p:extLst>
   </p:cSld>
@@ -4086,152 +4579,7 @@
           <a:bodyPr/>
           <a:lstStyle/>
           <a:p>
-            <a:r>
-              <a:rPr lang="es-AR" dirty="0" smtClean="0"/>
-              <a:t>En primer lugar, mostraremos el peor caso,</a:t>
-            </a:r>
-            <a:r>
-              <a:rPr lang="es-AR" baseline="0" dirty="0" smtClean="0"/>
-              <a:t> en el que el producto no se expanda fuera del país y que luego de 2 años se estanque en un 3% del mercado nacional. En ese caso, hemos considerado solo el mercado de </a:t>
-            </a:r>
-            <a:r>
-              <a:rPr lang="es-AR" baseline="0" dirty="0" err="1" smtClean="0"/>
-              <a:t>android</a:t>
-            </a:r>
-            <a:r>
-              <a:rPr lang="es-AR" baseline="0" dirty="0" smtClean="0"/>
-              <a:t> y hemos tomado como patrón de crecimiento estadísticas de otras empresas conocidas. </a:t>
-            </a:r>
-          </a:p>
-          <a:p>
-            <a:r>
-              <a:rPr lang="es-AR" baseline="0" dirty="0" smtClean="0"/>
-              <a:t>Hemos generado dos escenarios posibles: uno que permite a los usuarios tener una versión paga (y sin publicidad) y otro sin esta opción. </a:t>
-            </a:r>
-            <a:r>
-              <a:rPr lang="es-AR" baseline="0" dirty="0" err="1" smtClean="0"/>
-              <a:t>Pára</a:t>
-            </a:r>
-            <a:r>
-              <a:rPr lang="es-AR" baseline="0" dirty="0" smtClean="0"/>
-              <a:t> calcular en el primer caso cuantos usuarios optarían por una versión paga, nos basamos en encuestas que nos devolvieron que el 10% de los usuarios </a:t>
-            </a:r>
-            <a:r>
-              <a:rPr lang="es-AR" baseline="0" dirty="0" err="1" smtClean="0"/>
-              <a:t>eligirían</a:t>
-            </a:r>
-            <a:r>
-              <a:rPr lang="es-AR" baseline="0" dirty="0" smtClean="0"/>
-              <a:t> esta </a:t>
-            </a:r>
-            <a:r>
-              <a:rPr lang="es-AR" baseline="0" dirty="0" err="1" smtClean="0"/>
-              <a:t>opcion</a:t>
-            </a:r>
-            <a:r>
-              <a:rPr lang="es-AR" baseline="0" dirty="0" smtClean="0"/>
-              <a:t>.</a:t>
-            </a:r>
-          </a:p>
-          <a:p>
-            <a:r>
-              <a:rPr lang="es-AR" baseline="0" dirty="0" smtClean="0"/>
-              <a:t>Para las ganancias se ha tenido en cuenta la descarga de aplicación a 1 dólar (para la versión paga) y las ganancias por </a:t>
-            </a:r>
-            <a:r>
-              <a:rPr lang="es-AR" baseline="0" dirty="0" err="1" smtClean="0"/>
-              <a:t>google</a:t>
-            </a:r>
-            <a:r>
-              <a:rPr lang="es-AR" baseline="0" dirty="0" smtClean="0"/>
-              <a:t> </a:t>
-            </a:r>
-            <a:r>
-              <a:rPr lang="es-AR" baseline="0" dirty="0" err="1" smtClean="0"/>
-              <a:t>Adds</a:t>
-            </a:r>
-            <a:r>
-              <a:rPr lang="es-AR" baseline="0" dirty="0" smtClean="0"/>
-              <a:t> en base a la cantidad de vistas y </a:t>
-            </a:r>
-            <a:r>
-              <a:rPr lang="es-AR" baseline="0" dirty="0" err="1" smtClean="0"/>
-              <a:t>clicks</a:t>
-            </a:r>
-            <a:r>
-              <a:rPr lang="es-AR" baseline="0" dirty="0" smtClean="0"/>
-              <a:t>. Para esto último se ha considerado los valores más bajos del mercado, es decir, tan solo 15 (15-30)  centavos por </a:t>
-            </a:r>
-            <a:r>
-              <a:rPr lang="es-AR" baseline="0" dirty="0" err="1" smtClean="0"/>
-              <a:t>clicks</a:t>
-            </a:r>
-            <a:r>
-              <a:rPr lang="es-AR" baseline="0" dirty="0" smtClean="0"/>
-              <a:t>, una probabilidad de </a:t>
-            </a:r>
-            <a:r>
-              <a:rPr lang="es-AR" baseline="0" dirty="0" err="1" smtClean="0"/>
-              <a:t>click</a:t>
-            </a:r>
-            <a:r>
-              <a:rPr lang="es-AR" baseline="0" dirty="0" smtClean="0"/>
-              <a:t> de 1,5% (1,5%-2,5%)  y 10 centavo por cada mil vistas.</a:t>
-            </a:r>
-          </a:p>
-          <a:p>
-            <a:r>
-              <a:rPr lang="es-AR" baseline="0" dirty="0" smtClean="0"/>
-              <a:t>En este gráfico se puede ver como la aplicación crecería fuertemente hasta el mes 11, llegando a los 100mil usuarios y finalmente iría disminuyendo su crecimiento a partir de ahí hasta estancarse en 160mil usuarios. </a:t>
-            </a:r>
-          </a:p>
-          <a:p>
-            <a:r>
-              <a:rPr lang="es-AR" baseline="0" dirty="0" smtClean="0"/>
-              <a:t>En lo referente a las ganancias, las mismas acompañan el crecimiento de la cantidad de usuarios, teniendo en el caso de la versión paga un crecimiento mas pronunciado mientras la aplicación este en plena expansión (casi 7k </a:t>
-            </a:r>
-            <a:r>
-              <a:rPr lang="es-AR" baseline="0" dirty="0" err="1" smtClean="0"/>
-              <a:t>dolares</a:t>
-            </a:r>
-            <a:r>
-              <a:rPr lang="es-AR" baseline="0" dirty="0" smtClean="0"/>
-              <a:t>). Finalmente ambos escenarios se estabilizarían luego de dos años entre 5800 y 7000</a:t>
-            </a:r>
-          </a:p>
-          <a:p>
-            <a:r>
-              <a:rPr lang="es-AR" baseline="0" dirty="0" smtClean="0"/>
-              <a:t>Teniendo en cuenta que el gasto para mantener la aplicación son casi mínimos (tan solo un servidor) , casi todo sería ganancias.</a:t>
-            </a:r>
-          </a:p>
-          <a:p>
-            <a:r>
-              <a:rPr lang="es-AR" baseline="0" dirty="0" smtClean="0"/>
-              <a:t>Finalmente se puede concluir, que siendo este el peor escenario posible, teniendo en cuenta los precios mas bajos del mercado en lo referente a publicidad, sin considerar la </a:t>
-            </a:r>
-            <a:r>
-              <a:rPr lang="es-AR" baseline="0" dirty="0" err="1" smtClean="0"/>
-              <a:t>expansion</a:t>
-            </a:r>
-            <a:r>
-              <a:rPr lang="es-AR" baseline="0" dirty="0" smtClean="0"/>
-              <a:t> del mercado de </a:t>
-            </a:r>
-            <a:r>
-              <a:rPr lang="es-AR" baseline="0" dirty="0" err="1" smtClean="0"/>
-              <a:t>smartphones</a:t>
-            </a:r>
-            <a:r>
-              <a:rPr lang="es-AR" baseline="0" dirty="0" smtClean="0"/>
-              <a:t> en un futuro y considerando tan solo una expansión del 3%, el negocio no daría perdidas y hasta estaría brindando un margen de ganancias.</a:t>
-            </a:r>
-          </a:p>
-          <a:p>
-            <a:r>
-              <a:rPr lang="es-AR" baseline="0" dirty="0" smtClean="0"/>
-              <a:t>Sin embargo, ahora nos podríamos preguntar, y si la aplicación es realmente un éxito y se expande a otros mercados con una captación mayor?</a:t>
-            </a:r>
+            <a:endParaRPr lang="es-AR" dirty="0"/>
           </a:p>
         </p:txBody>
       </p:sp>
@@ -4262,7 +4610,7 @@
     </p:spTree>
     <p:extLst>
       <p:ext uri="{BB962C8B-B14F-4D97-AF65-F5344CB8AC3E}">
-        <p14:creationId xmlns:p14="http://schemas.microsoft.com/office/powerpoint/2010/main" val="3003342862"/>
+        <p14:creationId xmlns:p14="http://schemas.microsoft.com/office/powerpoint/2010/main" val="1057133531"/>
       </p:ext>
     </p:extLst>
   </p:cSld>
@@ -4318,403 +4666,149 @@
           <a:p>
             <a:r>
               <a:rPr lang="es-AR" dirty="0" smtClean="0"/>
-              <a:t>En ese escenario, hemos tomado los datos de una empresa</a:t>
-            </a:r>
-            <a:r>
-              <a:rPr lang="es-AR" baseline="0" dirty="0" smtClean="0"/>
-              <a:t> similar (como </a:t>
+              <a:t>En primer lugar, mostraremos el peor caso,</a:t>
+            </a:r>
+            <a:r>
+              <a:rPr lang="es-AR" baseline="0" dirty="0" smtClean="0"/>
+              <a:t> en el que el producto no se expanda fuera del país y que luego de 2 años se estanque en un 3% del mercado nacional. En ese caso, hemos considerado solo el mercado de </a:t>
             </a:r>
             <a:r>
               <a:rPr lang="es-AR" baseline="0" dirty="0" err="1" smtClean="0"/>
-              <a:t>Foursqare</a:t>
-            </a:r>
-            <a:r>
-              <a:rPr lang="es-AR" baseline="0" dirty="0" smtClean="0"/>
-              <a:t>) y su crecimiento en sus dos primeros años. Para quienes no conozcan esta compañía, la misma </a:t>
-            </a:r>
-            <a:r>
-              <a:rPr lang="es-AR" sz="1200" b="0" i="0" kern="1200" dirty="0" smtClean="0">
-                <a:solidFill>
-                  <a:schemeClr val="tx1"/>
-                </a:solidFill>
-                <a:effectLst/>
-                <a:latin typeface="+mn-lt"/>
-                <a:ea typeface="+mn-ea"/>
-                <a:cs typeface="+mn-cs"/>
-              </a:rPr>
-              <a:t>es un </a:t>
-            </a:r>
-            <a:r>
-              <a:rPr lang="es-AR" sz="1200" b="0" i="0" u="none" strike="noStrike" kern="1200" dirty="0" smtClean="0">
-                <a:solidFill>
-                  <a:schemeClr val="tx1"/>
-                </a:solidFill>
-                <a:effectLst/>
-                <a:latin typeface="+mn-lt"/>
-                <a:ea typeface="+mn-ea"/>
-                <a:cs typeface="+mn-cs"/>
-                <a:hlinkClick r:id="rId3" tooltip="Servicio basado en localización"/>
-              </a:rPr>
-              <a:t>servicio basado en localización</a:t>
-            </a:r>
-            <a:r>
-              <a:rPr lang="es-AR" sz="1200" b="0" i="0" kern="1200" dirty="0" smtClean="0">
-                <a:solidFill>
-                  <a:schemeClr val="tx1"/>
-                </a:solidFill>
-                <a:effectLst/>
-                <a:latin typeface="+mn-lt"/>
-                <a:ea typeface="+mn-ea"/>
-                <a:cs typeface="+mn-cs"/>
-              </a:rPr>
-              <a:t> web aplicada a las </a:t>
-            </a:r>
-            <a:r>
-              <a:rPr lang="es-AR" sz="1200" b="0" i="0" u="none" strike="noStrike" kern="1200" dirty="0" smtClean="0">
-                <a:solidFill>
-                  <a:schemeClr val="tx1"/>
-                </a:solidFill>
-                <a:effectLst/>
-                <a:latin typeface="+mn-lt"/>
-                <a:ea typeface="+mn-ea"/>
-                <a:cs typeface="+mn-cs"/>
-                <a:hlinkClick r:id="rId4" tooltip="Redes sociales"/>
-              </a:rPr>
-              <a:t>redes sociales</a:t>
-            </a:r>
-            <a:r>
-              <a:rPr lang="es-AR" sz="1200" b="0" i="0" kern="1200" dirty="0" smtClean="0">
-                <a:solidFill>
-                  <a:schemeClr val="tx1"/>
-                </a:solidFill>
-                <a:effectLst/>
-                <a:latin typeface="+mn-lt"/>
-                <a:ea typeface="+mn-ea"/>
-                <a:cs typeface="+mn-cs"/>
-              </a:rPr>
-              <a:t>. La </a:t>
-            </a:r>
-            <a:r>
-              <a:rPr lang="es-AR" sz="1200" b="0" i="0" kern="1200" dirty="0" err="1" smtClean="0">
-                <a:solidFill>
-                  <a:schemeClr val="tx1"/>
-                </a:solidFill>
-                <a:effectLst/>
-                <a:latin typeface="+mn-lt"/>
-                <a:ea typeface="+mn-ea"/>
-                <a:cs typeface="+mn-cs"/>
-              </a:rPr>
-              <a:t>geolocalización</a:t>
-            </a:r>
-            <a:r>
-              <a:rPr lang="es-AR" sz="1200" b="0" i="0" kern="1200" dirty="0" smtClean="0">
-                <a:solidFill>
-                  <a:schemeClr val="tx1"/>
-                </a:solidFill>
-                <a:effectLst/>
-                <a:latin typeface="+mn-lt"/>
-                <a:ea typeface="+mn-ea"/>
-                <a:cs typeface="+mn-cs"/>
-              </a:rPr>
-              <a:t> permite localizar un dispositivo fijo o móvil en una ubicación geográfica.</a:t>
-            </a:r>
-            <a:r>
-              <a:rPr lang="es-AR" sz="1200" b="0" i="0" kern="1200" baseline="0" dirty="0" smtClean="0">
-                <a:solidFill>
-                  <a:schemeClr val="tx1"/>
-                </a:solidFill>
-                <a:effectLst/>
-                <a:latin typeface="+mn-lt"/>
-                <a:ea typeface="+mn-ea"/>
-                <a:cs typeface="+mn-cs"/>
-              </a:rPr>
-              <a:t> Si bien es una aplicación exitosa, no es considerada como una aplicación especialmente </a:t>
-            </a:r>
-            <a:r>
-              <a:rPr lang="es-AR" sz="1200" b="0" i="0" kern="1200" baseline="0" dirty="0" err="1" smtClean="0">
-                <a:solidFill>
-                  <a:schemeClr val="tx1"/>
-                </a:solidFill>
-                <a:effectLst/>
-                <a:latin typeface="+mn-lt"/>
-                <a:ea typeface="+mn-ea"/>
-                <a:cs typeface="+mn-cs"/>
-              </a:rPr>
-              <a:t>virosica</a:t>
-            </a:r>
-            <a:r>
-              <a:rPr lang="es-AR" sz="1200" b="0" i="0" kern="1200" baseline="0" dirty="0" smtClean="0">
-                <a:solidFill>
-                  <a:schemeClr val="tx1"/>
-                </a:solidFill>
-                <a:effectLst/>
-                <a:latin typeface="+mn-lt"/>
-                <a:ea typeface="+mn-ea"/>
-                <a:cs typeface="+mn-cs"/>
-              </a:rPr>
-              <a:t> ni con un extremo furor. La misma alcanzo a los 2 años de su lanzamiento 8 millones de usuarios. </a:t>
-            </a:r>
-          </a:p>
-          <a:p>
-            <a:r>
-              <a:rPr lang="es-AR" sz="1200" b="0" i="0" kern="1200" baseline="0" dirty="0" smtClean="0">
-                <a:solidFill>
-                  <a:schemeClr val="tx1"/>
-                </a:solidFill>
-                <a:effectLst/>
-                <a:latin typeface="+mn-lt"/>
-                <a:ea typeface="+mn-ea"/>
-                <a:cs typeface="+mn-cs"/>
-              </a:rPr>
-              <a:t>Lo consiguió al expandirse en varias plataformas (a los 3 meses de su lanzamiento) así como en varias regiones (su </a:t>
-            </a:r>
-            <a:r>
-              <a:rPr lang="es-AR" sz="1200" b="0" i="0" kern="1200" baseline="0" dirty="0" err="1" smtClean="0">
-                <a:solidFill>
-                  <a:schemeClr val="tx1"/>
-                </a:solidFill>
-                <a:effectLst/>
-                <a:latin typeface="+mn-lt"/>
-                <a:ea typeface="+mn-ea"/>
-                <a:cs typeface="+mn-cs"/>
-              </a:rPr>
-              <a:t>aplicaciónes</a:t>
-            </a:r>
-            <a:r>
-              <a:rPr lang="es-AR" sz="1200" b="0" i="0" kern="1200" baseline="0" dirty="0" smtClean="0">
-                <a:solidFill>
-                  <a:schemeClr val="tx1"/>
-                </a:solidFill>
-                <a:effectLst/>
-                <a:latin typeface="+mn-lt"/>
-                <a:ea typeface="+mn-ea"/>
-                <a:cs typeface="+mn-cs"/>
-              </a:rPr>
-              <a:t> multilenguaje) (a los 6 meses). </a:t>
-            </a:r>
-          </a:p>
-          <a:p>
-            <a:r>
-              <a:rPr lang="es-AR" sz="1200" b="0" i="0" kern="1200" baseline="0" dirty="0" smtClean="0">
-                <a:solidFill>
-                  <a:schemeClr val="tx1"/>
-                </a:solidFill>
-                <a:effectLst/>
-                <a:latin typeface="+mn-lt"/>
-                <a:ea typeface="+mn-ea"/>
-                <a:cs typeface="+mn-cs"/>
-              </a:rPr>
-              <a:t>Si consideramos que nuestra aplicación tiene todas a favor para resultar aún mas exitosa que esta aplicación y suponiendo que se realiza el soporte necesarios para dar soporte a diversos lenguajes y plataformas, se </a:t>
-            </a:r>
-            <a:r>
-              <a:rPr lang="es-AR" sz="1200" b="0" i="0" kern="1200" baseline="0" dirty="0" err="1" smtClean="0">
-                <a:solidFill>
-                  <a:schemeClr val="tx1"/>
-                </a:solidFill>
-                <a:effectLst/>
-                <a:latin typeface="+mn-lt"/>
-                <a:ea typeface="+mn-ea"/>
-                <a:cs typeface="+mn-cs"/>
-              </a:rPr>
-              <a:t>podria</a:t>
-            </a:r>
-            <a:r>
-              <a:rPr lang="es-AR" sz="1200" b="0" i="0" kern="1200" baseline="0" dirty="0" smtClean="0">
-                <a:solidFill>
-                  <a:schemeClr val="tx1"/>
-                </a:solidFill>
-                <a:effectLst/>
-                <a:latin typeface="+mn-lt"/>
-                <a:ea typeface="+mn-ea"/>
-                <a:cs typeface="+mn-cs"/>
-              </a:rPr>
-              <a:t> alcanzar sin inconvenientes el mismo nivel de usuarios. </a:t>
-            </a:r>
-          </a:p>
-          <a:p>
-            <a:r>
-              <a:rPr lang="es-AR" sz="1200" b="0" i="0" kern="1200" baseline="0" dirty="0" smtClean="0">
-                <a:solidFill>
-                  <a:schemeClr val="tx1"/>
-                </a:solidFill>
-                <a:effectLst/>
-                <a:latin typeface="+mn-lt"/>
-                <a:ea typeface="+mn-ea"/>
-                <a:cs typeface="+mn-cs"/>
-              </a:rPr>
-              <a:t>En lo referente a </a:t>
-            </a:r>
-            <a:r>
-              <a:rPr lang="es-AR" sz="1200" b="0" i="0" kern="1200" baseline="0" dirty="0" err="1" smtClean="0">
-                <a:solidFill>
-                  <a:schemeClr val="tx1"/>
-                </a:solidFill>
-                <a:effectLst/>
-                <a:latin typeface="+mn-lt"/>
-                <a:ea typeface="+mn-ea"/>
-                <a:cs typeface="+mn-cs"/>
-              </a:rPr>
-              <a:t>ganacias</a:t>
-            </a:r>
-            <a:r>
-              <a:rPr lang="es-AR" sz="1200" b="0" i="0" kern="1200" baseline="0" dirty="0" smtClean="0">
-                <a:solidFill>
-                  <a:schemeClr val="tx1"/>
-                </a:solidFill>
-                <a:effectLst/>
-                <a:latin typeface="+mn-lt"/>
-                <a:ea typeface="+mn-ea"/>
-                <a:cs typeface="+mn-cs"/>
-              </a:rPr>
-              <a:t>, las mismas serían al </a:t>
-            </a:r>
-            <a:r>
-              <a:rPr lang="es-AR" sz="1200" b="0" i="0" kern="1200" baseline="0" dirty="0" err="1" smtClean="0">
-                <a:solidFill>
-                  <a:schemeClr val="tx1"/>
-                </a:solidFill>
-                <a:effectLst/>
-                <a:latin typeface="+mn-lt"/>
-                <a:ea typeface="+mn-ea"/>
-                <a:cs typeface="+mn-cs"/>
-              </a:rPr>
-              <a:t>alzancar</a:t>
-            </a:r>
-            <a:r>
-              <a:rPr lang="es-AR" sz="1200" b="0" i="0" kern="1200" baseline="0" dirty="0" smtClean="0">
-                <a:solidFill>
-                  <a:schemeClr val="tx1"/>
-                </a:solidFill>
-                <a:effectLst/>
-                <a:latin typeface="+mn-lt"/>
-                <a:ea typeface="+mn-ea"/>
-                <a:cs typeface="+mn-cs"/>
-              </a:rPr>
-              <a:t> los 2 años de entre los 270k a 400k al mes, teniendo en cuenta los mismos precios para las publicidades que en el escenario anterior. Como pueden ver, un gran negocio.</a:t>
-            </a:r>
-          </a:p>
-          <a:p>
-            <a:r>
-              <a:rPr lang="es-AR" sz="1200" b="0" i="0" kern="1200" baseline="0" dirty="0" smtClean="0">
-                <a:solidFill>
-                  <a:schemeClr val="tx1"/>
-                </a:solidFill>
-                <a:effectLst/>
-                <a:latin typeface="+mn-lt"/>
-                <a:ea typeface="+mn-ea"/>
-                <a:cs typeface="+mn-cs"/>
-              </a:rPr>
-              <a:t>Un detalle de color que nos gustaría destacar es que a los 18 meses del lanzamiento, </a:t>
-            </a:r>
-            <a:r>
-              <a:rPr lang="es-AR" sz="1200" b="0" i="0" kern="1200" baseline="0" dirty="0" err="1" smtClean="0">
-                <a:solidFill>
-                  <a:schemeClr val="tx1"/>
-                </a:solidFill>
-                <a:effectLst/>
-                <a:latin typeface="+mn-lt"/>
-                <a:ea typeface="+mn-ea"/>
-                <a:cs typeface="+mn-cs"/>
-              </a:rPr>
-              <a:t>facebook</a:t>
-            </a:r>
-            <a:r>
-              <a:rPr lang="es-AR" sz="1200" b="0" i="0" kern="1200" baseline="0" dirty="0" smtClean="0">
-                <a:solidFill>
-                  <a:schemeClr val="tx1"/>
-                </a:solidFill>
-                <a:effectLst/>
-                <a:latin typeface="+mn-lt"/>
-                <a:ea typeface="+mn-ea"/>
-                <a:cs typeface="+mn-cs"/>
-              </a:rPr>
-              <a:t> lanzó una aplicación similar que como pueden ver afectó realmente poco el crecimiento de la aplicación.</a:t>
-            </a:r>
-          </a:p>
-          <a:p>
-            <a:r>
-              <a:rPr lang="es-AR" sz="1200" b="0" i="0" kern="1200" baseline="0" dirty="0" smtClean="0">
-                <a:solidFill>
-                  <a:schemeClr val="tx1"/>
-                </a:solidFill>
-                <a:effectLst/>
-                <a:latin typeface="+mn-lt"/>
-                <a:ea typeface="+mn-ea"/>
-                <a:cs typeface="+mn-cs"/>
-              </a:rPr>
-              <a:t>Finalmente </a:t>
-            </a:r>
-            <a:r>
-              <a:rPr lang="es-AR" sz="1200" b="0" i="0" kern="1200" baseline="0" smtClean="0">
-                <a:solidFill>
-                  <a:schemeClr val="tx1"/>
-                </a:solidFill>
-                <a:effectLst/>
-                <a:latin typeface="+mn-lt"/>
-                <a:ea typeface="+mn-ea"/>
-                <a:cs typeface="+mn-cs"/>
-              </a:rPr>
-              <a:t>un último detalle </a:t>
-            </a:r>
-            <a:r>
-              <a:rPr lang="es-AR" sz="1200" b="0" i="0" kern="1200" baseline="0" dirty="0" smtClean="0">
-                <a:solidFill>
-                  <a:schemeClr val="tx1"/>
-                </a:solidFill>
-                <a:effectLst/>
-                <a:latin typeface="+mn-lt"/>
-                <a:ea typeface="+mn-ea"/>
-                <a:cs typeface="+mn-cs"/>
-              </a:rPr>
-              <a:t>no menor es que la empresa </a:t>
-            </a:r>
-            <a:r>
-              <a:rPr lang="es-AR" sz="1200" b="0" i="0" kern="1200" baseline="0" dirty="0" err="1" smtClean="0">
-                <a:solidFill>
-                  <a:schemeClr val="tx1"/>
-                </a:solidFill>
-                <a:effectLst/>
-                <a:latin typeface="+mn-lt"/>
-                <a:ea typeface="+mn-ea"/>
-                <a:cs typeface="+mn-cs"/>
-              </a:rPr>
-              <a:t>Foursqare</a:t>
-            </a:r>
-            <a:r>
-              <a:rPr lang="es-AR" sz="1200" b="0" i="0" kern="1200" baseline="0" dirty="0" smtClean="0">
-                <a:solidFill>
-                  <a:schemeClr val="tx1"/>
-                </a:solidFill>
-                <a:effectLst/>
-                <a:latin typeface="+mn-lt"/>
-                <a:ea typeface="+mn-ea"/>
-                <a:cs typeface="+mn-cs"/>
-              </a:rPr>
-              <a:t> posee hoy en día (4 años después de su lanzamiento)  posee 30 millones de usuarios, realizando las cuentas bajo el mismo modelo, daría un ingreso de 1millon de </a:t>
-            </a:r>
-            <a:r>
-              <a:rPr lang="es-AR" sz="1200" b="0" i="0" kern="1200" baseline="0" dirty="0" err="1" smtClean="0">
-                <a:solidFill>
-                  <a:schemeClr val="tx1"/>
-                </a:solidFill>
-                <a:effectLst/>
-                <a:latin typeface="+mn-lt"/>
-                <a:ea typeface="+mn-ea"/>
-                <a:cs typeface="+mn-cs"/>
-              </a:rPr>
+              <a:t>android</a:t>
+            </a:r>
+            <a:r>
+              <a:rPr lang="es-AR" baseline="0" dirty="0" smtClean="0"/>
+              <a:t> y hemos tomado como patrón de crecimiento estadísticas de otras empresas conocidas. </a:t>
+            </a:r>
+          </a:p>
+          <a:p>
+            <a:r>
+              <a:rPr lang="es-AR" baseline="0" dirty="0" smtClean="0"/>
+              <a:t>Hemos generado dos escenarios posibles: uno que permite a los usuarios tener una versión paga (y sin publicidad) y otro sin esta opción. </a:t>
+            </a:r>
+            <a:r>
+              <a:rPr lang="es-AR" baseline="0" dirty="0" err="1" smtClean="0"/>
+              <a:t>Pára</a:t>
+            </a:r>
+            <a:r>
+              <a:rPr lang="es-AR" baseline="0" dirty="0" smtClean="0"/>
+              <a:t> calcular en el primer caso cuantos usuarios optarían por una versión paga, nos basamos en encuestas que nos devolvieron que el 10% de los usuarios </a:t>
+            </a:r>
+            <a:r>
+              <a:rPr lang="es-AR" baseline="0" dirty="0" err="1" smtClean="0"/>
+              <a:t>eligirían</a:t>
+            </a:r>
+            <a:r>
+              <a:rPr lang="es-AR" baseline="0" dirty="0" smtClean="0"/>
+              <a:t> esta </a:t>
+            </a:r>
+            <a:r>
+              <a:rPr lang="es-AR" baseline="0" dirty="0" err="1" smtClean="0"/>
+              <a:t>opcion</a:t>
+            </a:r>
+            <a:r>
+              <a:rPr lang="es-AR" baseline="0" dirty="0" smtClean="0"/>
+              <a:t>.</a:t>
+            </a:r>
+          </a:p>
+          <a:p>
+            <a:r>
+              <a:rPr lang="es-AR" baseline="0" dirty="0" smtClean="0"/>
+              <a:t>Para las ganancias se ha tenido en cuenta la descarga de aplicación a 1 dólar (para la versión paga) y las ganancias por </a:t>
+            </a:r>
+            <a:r>
+              <a:rPr lang="es-AR" baseline="0" dirty="0" err="1" smtClean="0"/>
+              <a:t>google</a:t>
+            </a:r>
+            <a:r>
+              <a:rPr lang="es-AR" baseline="0" dirty="0" smtClean="0"/>
+              <a:t> </a:t>
+            </a:r>
+            <a:r>
+              <a:rPr lang="es-AR" baseline="0" dirty="0" err="1" smtClean="0"/>
+              <a:t>Adds</a:t>
+            </a:r>
+            <a:r>
+              <a:rPr lang="es-AR" baseline="0" dirty="0" smtClean="0"/>
+              <a:t> en base a la cantidad de vistas y </a:t>
+            </a:r>
+            <a:r>
+              <a:rPr lang="es-AR" baseline="0" dirty="0" err="1" smtClean="0"/>
+              <a:t>clicks</a:t>
+            </a:r>
+            <a:r>
+              <a:rPr lang="es-AR" baseline="0" dirty="0" smtClean="0"/>
+              <a:t>. Para esto último se ha considerado los valores más bajos del mercado, es decir, tan solo 15 (15-30)  centavos por </a:t>
+            </a:r>
+            <a:r>
+              <a:rPr lang="es-AR" baseline="0" dirty="0" err="1" smtClean="0"/>
+              <a:t>clicks</a:t>
+            </a:r>
+            <a:r>
+              <a:rPr lang="es-AR" baseline="0" dirty="0" smtClean="0"/>
+              <a:t>, una probabilidad de </a:t>
+            </a:r>
+            <a:r>
+              <a:rPr lang="es-AR" baseline="0" dirty="0" err="1" smtClean="0"/>
+              <a:t>click</a:t>
+            </a:r>
+            <a:r>
+              <a:rPr lang="es-AR" baseline="0" dirty="0" smtClean="0"/>
+              <a:t> de 1,5% (1,5%-2,5%)  y 10 centavo por cada mil vistas.</a:t>
+            </a:r>
+          </a:p>
+          <a:p>
+            <a:r>
+              <a:rPr lang="es-AR" baseline="0" dirty="0" smtClean="0"/>
+              <a:t>En este gráfico se puede ver como la aplicación crecería fuertemente hasta el mes 11, llegando a los 100mil usuarios y finalmente iría disminuyendo su crecimiento a partir de ahí hasta estancarse en 160mil usuarios. </a:t>
+            </a:r>
+          </a:p>
+          <a:p>
+            <a:r>
+              <a:rPr lang="es-AR" baseline="0" dirty="0" smtClean="0"/>
+              <a:t>En lo referente a las ganancias, las mismas acompañan el crecimiento de la cantidad de usuarios, teniendo en el caso de la versión paga un crecimiento mas pronunciado mientras la aplicación este en plena expansión (casi 7k </a:t>
+            </a:r>
+            <a:r>
+              <a:rPr lang="es-AR" baseline="0" dirty="0" err="1" smtClean="0"/>
               <a:t>dolares</a:t>
             </a:r>
             <a:r>
-              <a:rPr lang="es-AR" sz="1200" b="0" i="0" kern="1200" baseline="0" dirty="0" smtClean="0">
-                <a:solidFill>
-                  <a:schemeClr val="tx1"/>
-                </a:solidFill>
-                <a:effectLst/>
-                <a:latin typeface="+mn-lt"/>
-                <a:ea typeface="+mn-ea"/>
-                <a:cs typeface="+mn-cs"/>
-              </a:rPr>
-              <a:t> al mes.</a:t>
+              <a:rPr lang="es-AR" baseline="0" dirty="0" smtClean="0"/>
+              <a:t>). Finalmente ambos escenarios se estabilizarían luego de dos años entre 5800 y 7000</a:t>
+            </a:r>
+          </a:p>
+          <a:p>
+            <a:r>
+              <a:rPr lang="es-AR" baseline="0" dirty="0" smtClean="0"/>
+              <a:t>Teniendo en cuenta que el gasto para mantener la aplicación son casi mínimos (tan solo un servidor) , casi todo sería ganancias.</a:t>
+            </a:r>
+          </a:p>
+          <a:p>
+            <a:r>
+              <a:rPr lang="es-AR" baseline="0" dirty="0" smtClean="0"/>
+              <a:t>Finalmente se puede concluir, que siendo este el peor escenario posible, teniendo en cuenta los precios mas bajos del mercado en lo referente a publicidad, sin considerar la </a:t>
+            </a:r>
+            <a:r>
+              <a:rPr lang="es-AR" baseline="0" dirty="0" err="1" smtClean="0"/>
+              <a:t>expansion</a:t>
+            </a:r>
+            <a:r>
+              <a:rPr lang="es-AR" baseline="0" dirty="0" smtClean="0"/>
+              <a:t> del mercado de </a:t>
+            </a:r>
+            <a:r>
+              <a:rPr lang="es-AR" baseline="0" dirty="0" err="1" smtClean="0"/>
+              <a:t>smartphones</a:t>
+            </a:r>
+            <a:r>
+              <a:rPr lang="es-AR" baseline="0" dirty="0" smtClean="0"/>
+              <a:t> en un futuro y considerando tan solo una expansión del 3%, el negocio no daría perdidas y hasta estaría brindando un margen de ganancias.</a:t>
+            </a:r>
+          </a:p>
+          <a:p>
+            <a:r>
+              <a:rPr lang="es-AR" baseline="0" dirty="0" smtClean="0"/>
+              <a:t>Sin embargo, ahora nos podríamos preguntar, y si la aplicación es realmente un éxito y se expande a otros mercados con una captación mayor?</a:t>
             </a:r>
           </a:p>
         </p:txBody>
@@ -4746,7 +4840,7 @@
     </p:spTree>
     <p:extLst>
       <p:ext uri="{BB962C8B-B14F-4D97-AF65-F5344CB8AC3E}">
-        <p14:creationId xmlns:p14="http://schemas.microsoft.com/office/powerpoint/2010/main" val="3000085410"/>
+        <p14:creationId xmlns:p14="http://schemas.microsoft.com/office/powerpoint/2010/main" val="3003342862"/>
       </p:ext>
     </p:extLst>
   </p:cSld>
@@ -7871,6 +7965,92 @@
         </p:nvSpPr>
         <p:spPr/>
         <p:txBody>
+          <a:bodyPr>
+            <a:normAutofit/>
+          </a:bodyPr>
+          <a:lstStyle/>
+          <a:p>
+            <a:r>
+              <a:rPr lang="es-AR" dirty="0" smtClean="0"/>
+              <a:t>Caso 2: expansión exitosa global</a:t>
+            </a:r>
+            <a:endParaRPr lang="es-AR" dirty="0"/>
+          </a:p>
+        </p:txBody>
+      </p:sp>
+      <p:graphicFrame>
+        <p:nvGraphicFramePr>
+          <p:cNvPr id="5" name="Chart 4"/>
+          <p:cNvGraphicFramePr>
+            <a:graphicFrameLocks/>
+          </p:cNvGraphicFramePr>
+          <p:nvPr>
+            <p:extLst>
+              <p:ext uri="{D42A27DB-BD31-4B8C-83A1-F6EECF244321}">
+                <p14:modId xmlns:p14="http://schemas.microsoft.com/office/powerpoint/2010/main" val="2523089210"/>
+              </p:ext>
+            </p:extLst>
+          </p:nvPr>
+        </p:nvGraphicFramePr>
+        <p:xfrm>
+          <a:off x="323528" y="1268760"/>
+          <a:ext cx="8568952" cy="5400600"/>
+        </p:xfrm>
+        <a:graphic>
+          <a:graphicData uri="http://schemas.openxmlformats.org/drawingml/2006/chart">
+            <c:chart xmlns:c="http://schemas.openxmlformats.org/drawingml/2006/chart" xmlns:r="http://schemas.openxmlformats.org/officeDocument/2006/relationships" r:id="rId3"/>
+          </a:graphicData>
+        </a:graphic>
+      </p:graphicFrame>
+    </p:spTree>
+    <p:extLst>
+      <p:ext uri="{BB962C8B-B14F-4D97-AF65-F5344CB8AC3E}">
+        <p14:creationId xmlns:p14="http://schemas.microsoft.com/office/powerpoint/2010/main" val="4186439492"/>
+      </p:ext>
+    </p:extLst>
+  </p:cSld>
+  <p:clrMapOvr>
+    <a:masterClrMapping/>
+  </p:clrMapOvr>
+  <p:timing>
+    <p:tnLst>
+      <p:par>
+        <p:cTn id="1" dur="indefinite" restart="never" nodeType="tmRoot"/>
+      </p:par>
+    </p:tnLst>
+  </p:timing>
+</p:sld>
+</file>
+
+<file path=ppt/slides/slide11.xml><?xml version="1.0" encoding="utf-8"?>
+<p:sld xmlns:a="http://schemas.openxmlformats.org/drawingml/2006/main" xmlns:r="http://schemas.openxmlformats.org/officeDocument/2006/relationships" xmlns:p="http://schemas.openxmlformats.org/presentationml/2006/main">
+  <p:cSld>
+    <p:spTree>
+      <p:nvGrpSpPr>
+        <p:cNvPr id="1" name=""/>
+        <p:cNvGrpSpPr/>
+        <p:nvPr/>
+      </p:nvGrpSpPr>
+      <p:grpSpPr>
+        <a:xfrm>
+          <a:off x="0" y="0"/>
+          <a:ext cx="0" cy="0"/>
+          <a:chOff x="0" y="0"/>
+          <a:chExt cx="0" cy="0"/>
+        </a:xfrm>
+      </p:grpSpPr>
+      <p:sp>
+        <p:nvSpPr>
+          <p:cNvPr id="2" name="Title 1"/>
+          <p:cNvSpPr>
+            <a:spLocks noGrp="1"/>
+          </p:cNvSpPr>
+          <p:nvPr>
+            <p:ph type="title"/>
+          </p:nvPr>
+        </p:nvSpPr>
+        <p:spPr/>
+        <p:txBody>
           <a:bodyPr/>
           <a:lstStyle/>
           <a:p>
@@ -7931,7 +8111,7 @@
 </p:sld>
 </file>
 
-<file path=ppt/slides/slide11.xml><?xml version="1.0" encoding="utf-8"?>
+<file path=ppt/slides/slide12.xml><?xml version="1.0" encoding="utf-8"?>
 <p:sld xmlns:a="http://schemas.openxmlformats.org/drawingml/2006/main" xmlns:r="http://schemas.openxmlformats.org/officeDocument/2006/relationships" xmlns:p="http://schemas.openxmlformats.org/presentationml/2006/main">
   <p:cSld>
     <p:spTree>
@@ -8374,6 +8554,669 @@
           <a:chExt cx="0" cy="0"/>
         </a:xfrm>
       </p:grpSpPr>
+      <p:sp>
+        <p:nvSpPr>
+          <p:cNvPr id="2" name="Title 1"/>
+          <p:cNvSpPr>
+            <a:spLocks noGrp="1"/>
+          </p:cNvSpPr>
+          <p:nvPr>
+            <p:ph type="title"/>
+          </p:nvPr>
+        </p:nvSpPr>
+        <p:spPr/>
+        <p:txBody>
+          <a:bodyPr/>
+          <a:lstStyle/>
+          <a:p>
+            <a:r>
+              <a:rPr lang="es-AR" dirty="0" smtClean="0"/>
+              <a:t>Los servicios de Social </a:t>
+            </a:r>
+            <a:r>
+              <a:rPr lang="es-AR" dirty="0" err="1" smtClean="0"/>
+              <a:t>Toilet</a:t>
+            </a:r>
+            <a:endParaRPr lang="es-AR" dirty="0"/>
+          </a:p>
+        </p:txBody>
+      </p:sp>
+      <p:graphicFrame>
+        <p:nvGraphicFramePr>
+          <p:cNvPr id="5" name="Content Placeholder 4"/>
+          <p:cNvGraphicFramePr>
+            <a:graphicFrameLocks noGrp="1"/>
+          </p:cNvGraphicFramePr>
+          <p:nvPr>
+            <p:ph idx="1"/>
+            <p:extLst>
+              <p:ext uri="{D42A27DB-BD31-4B8C-83A1-F6EECF244321}">
+                <p14:modId xmlns:p14="http://schemas.microsoft.com/office/powerpoint/2010/main" val="2939857999"/>
+              </p:ext>
+            </p:extLst>
+          </p:nvPr>
+        </p:nvGraphicFramePr>
+        <p:xfrm>
+          <a:off x="457200" y="1600200"/>
+          <a:ext cx="8229600" cy="3337560"/>
+        </p:xfrm>
+        <a:graphic>
+          <a:graphicData uri="http://schemas.openxmlformats.org/drawingml/2006/table">
+            <a:tbl>
+              <a:tblPr firstRow="1" bandRow="1">
+                <a:tableStyleId>{5C22544A-7EE6-4342-B048-85BDC9FD1C3A}</a:tableStyleId>
+              </a:tblPr>
+              <a:tblGrid>
+                <a:gridCol w="2743200"/>
+                <a:gridCol w="2743200"/>
+                <a:gridCol w="2743200"/>
+              </a:tblGrid>
+              <a:tr h="370840">
+                <a:tc>
+                  <a:txBody>
+                    <a:bodyPr/>
+                    <a:lstStyle/>
+                    <a:p>
+                      <a:pPr algn="ctr"/>
+                      <a:endParaRPr lang="es-AR" dirty="0"/>
+                    </a:p>
+                  </a:txBody>
+                  <a:tcPr/>
+                </a:tc>
+                <a:tc>
+                  <a:txBody>
+                    <a:bodyPr/>
+                    <a:lstStyle/>
+                    <a:p>
+                      <a:pPr algn="ctr"/>
+                      <a:r>
+                        <a:rPr lang="es-AR" dirty="0" smtClean="0"/>
+                        <a:t>Versión FREE</a:t>
+                      </a:r>
+                      <a:endParaRPr lang="es-AR" dirty="0"/>
+                    </a:p>
+                  </a:txBody>
+                  <a:tcPr/>
+                </a:tc>
+                <a:tc>
+                  <a:txBody>
+                    <a:bodyPr/>
+                    <a:lstStyle/>
+                    <a:p>
+                      <a:pPr algn="ctr"/>
+                      <a:r>
+                        <a:rPr lang="es-AR" dirty="0" smtClean="0"/>
+                        <a:t>Versión FULL</a:t>
+                      </a:r>
+                      <a:endParaRPr lang="es-AR" dirty="0"/>
+                    </a:p>
+                  </a:txBody>
+                  <a:tcPr/>
+                </a:tc>
+              </a:tr>
+              <a:tr h="370840">
+                <a:tc>
+                  <a:txBody>
+                    <a:bodyPr/>
+                    <a:lstStyle/>
+                    <a:p>
+                      <a:pPr algn="ctr"/>
+                      <a:r>
+                        <a:rPr lang="es-AR" dirty="0" smtClean="0"/>
+                        <a:t>Ubicar baños </a:t>
+                      </a:r>
+                      <a:r>
+                        <a:rPr lang="es-AR" dirty="0" smtClean="0"/>
+                        <a:t>cercanos</a:t>
+                      </a:r>
+                      <a:endParaRPr lang="es-AR" dirty="0"/>
+                    </a:p>
+                  </a:txBody>
+                  <a:tcPr/>
+                </a:tc>
+                <a:tc>
+                  <a:txBody>
+                    <a:bodyPr/>
+                    <a:lstStyle/>
+                    <a:p>
+                      <a:pPr marL="0" marR="0" indent="0" algn="ctr" defTabSz="914400" rtl="0" eaLnBrk="1" fontAlgn="auto" latinLnBrk="0" hangingPunct="1">
+                        <a:lnSpc>
+                          <a:spcPct val="100000"/>
+                        </a:lnSpc>
+                        <a:spcBef>
+                          <a:spcPts val="0"/>
+                        </a:spcBef>
+                        <a:spcAft>
+                          <a:spcPts val="0"/>
+                        </a:spcAft>
+                        <a:buClrTx/>
+                        <a:buSzTx/>
+                        <a:buFontTx/>
+                        <a:buNone/>
+                        <a:tabLst/>
+                        <a:defRPr/>
+                      </a:pPr>
+                      <a:r>
+                        <a:rPr lang="es-AR" dirty="0" smtClean="0">
+                          <a:solidFill>
+                            <a:schemeClr val="accent3">
+                              <a:lumMod val="75000"/>
+                            </a:schemeClr>
+                          </a:solidFill>
+                        </a:rPr>
+                        <a:t>✓</a:t>
+                      </a:r>
+                    </a:p>
+                  </a:txBody>
+                  <a:tcPr/>
+                </a:tc>
+                <a:tc>
+                  <a:txBody>
+                    <a:bodyPr/>
+                    <a:lstStyle/>
+                    <a:p>
+                      <a:pPr algn="ctr"/>
+                      <a:r>
+                        <a:rPr lang="es-AR" dirty="0" smtClean="0">
+                          <a:solidFill>
+                            <a:schemeClr val="accent3">
+                              <a:lumMod val="75000"/>
+                            </a:schemeClr>
+                          </a:solidFill>
+                        </a:rPr>
+                        <a:t>✓</a:t>
+                      </a:r>
+                      <a:endParaRPr lang="es-AR" dirty="0">
+                        <a:solidFill>
+                          <a:schemeClr val="accent3">
+                            <a:lumMod val="75000"/>
+                          </a:schemeClr>
+                        </a:solidFill>
+                      </a:endParaRPr>
+                    </a:p>
+                  </a:txBody>
+                  <a:tcPr/>
+                </a:tc>
+              </a:tr>
+              <a:tr h="370840">
+                <a:tc>
+                  <a:txBody>
+                    <a:bodyPr/>
+                    <a:lstStyle/>
+                    <a:p>
+                      <a:pPr algn="ctr"/>
+                      <a:r>
+                        <a:rPr lang="es-AR" dirty="0" smtClean="0"/>
+                        <a:t>Calificar baños</a:t>
+                      </a:r>
+                      <a:endParaRPr lang="es-AR" dirty="0"/>
+                    </a:p>
+                  </a:txBody>
+                  <a:tcPr/>
+                </a:tc>
+                <a:tc>
+                  <a:txBody>
+                    <a:bodyPr/>
+                    <a:lstStyle/>
+                    <a:p>
+                      <a:pPr algn="ctr"/>
+                      <a:r>
+                        <a:rPr lang="es-AR" dirty="0" smtClean="0">
+                          <a:solidFill>
+                            <a:schemeClr val="accent3">
+                              <a:lumMod val="75000"/>
+                            </a:schemeClr>
+                          </a:solidFill>
+                        </a:rPr>
+                        <a:t>✓</a:t>
+                      </a:r>
+                      <a:endParaRPr lang="es-AR" dirty="0"/>
+                    </a:p>
+                  </a:txBody>
+                  <a:tcPr/>
+                </a:tc>
+                <a:tc>
+                  <a:txBody>
+                    <a:bodyPr/>
+                    <a:lstStyle/>
+                    <a:p>
+                      <a:pPr algn="ctr"/>
+                      <a:r>
+                        <a:rPr lang="es-AR" dirty="0" smtClean="0">
+                          <a:solidFill>
+                            <a:schemeClr val="accent3">
+                              <a:lumMod val="75000"/>
+                            </a:schemeClr>
+                          </a:solidFill>
+                        </a:rPr>
+                        <a:t>✓</a:t>
+                      </a:r>
+                      <a:endParaRPr lang="es-AR" dirty="0"/>
+                    </a:p>
+                  </a:txBody>
+                  <a:tcPr/>
+                </a:tc>
+              </a:tr>
+              <a:tr h="370840">
+                <a:tc>
+                  <a:txBody>
+                    <a:bodyPr/>
+                    <a:lstStyle/>
+                    <a:p>
+                      <a:pPr algn="ctr"/>
+                      <a:r>
+                        <a:rPr lang="es-AR" dirty="0" smtClean="0"/>
+                        <a:t>Comentar baños</a:t>
+                      </a:r>
+                      <a:endParaRPr lang="es-AR" dirty="0"/>
+                    </a:p>
+                  </a:txBody>
+                  <a:tcPr/>
+                </a:tc>
+                <a:tc>
+                  <a:txBody>
+                    <a:bodyPr/>
+                    <a:lstStyle/>
+                    <a:p>
+                      <a:pPr algn="ctr"/>
+                      <a:r>
+                        <a:rPr lang="es-AR" dirty="0" smtClean="0">
+                          <a:solidFill>
+                            <a:schemeClr val="accent3">
+                              <a:lumMod val="75000"/>
+                            </a:schemeClr>
+                          </a:solidFill>
+                        </a:rPr>
+                        <a:t>✓</a:t>
+                      </a:r>
+                      <a:endParaRPr lang="es-AR" dirty="0"/>
+                    </a:p>
+                  </a:txBody>
+                  <a:tcPr/>
+                </a:tc>
+                <a:tc>
+                  <a:txBody>
+                    <a:bodyPr/>
+                    <a:lstStyle/>
+                    <a:p>
+                      <a:pPr algn="ctr"/>
+                      <a:r>
+                        <a:rPr lang="es-AR" dirty="0" smtClean="0">
+                          <a:solidFill>
+                            <a:schemeClr val="accent3">
+                              <a:lumMod val="75000"/>
+                            </a:schemeClr>
+                          </a:solidFill>
+                        </a:rPr>
+                        <a:t>✓</a:t>
+                      </a:r>
+                      <a:endParaRPr lang="es-AR" dirty="0"/>
+                    </a:p>
+                  </a:txBody>
+                  <a:tcPr/>
+                </a:tc>
+              </a:tr>
+              <a:tr h="370840">
+                <a:tc>
+                  <a:txBody>
+                    <a:bodyPr/>
+                    <a:lstStyle/>
+                    <a:p>
+                      <a:pPr algn="ctr"/>
+                      <a:r>
+                        <a:rPr lang="es-AR" dirty="0" smtClean="0"/>
+                        <a:t>Agregar baños</a:t>
+                      </a:r>
+                      <a:endParaRPr lang="es-AR" dirty="0"/>
+                    </a:p>
+                  </a:txBody>
+                  <a:tcPr/>
+                </a:tc>
+                <a:tc>
+                  <a:txBody>
+                    <a:bodyPr/>
+                    <a:lstStyle/>
+                    <a:p>
+                      <a:pPr algn="ctr"/>
+                      <a:r>
+                        <a:rPr lang="es-AR" dirty="0" smtClean="0">
+                          <a:solidFill>
+                            <a:schemeClr val="accent3">
+                              <a:lumMod val="75000"/>
+                            </a:schemeClr>
+                          </a:solidFill>
+                        </a:rPr>
+                        <a:t>✓</a:t>
+                      </a:r>
+                      <a:endParaRPr lang="es-AR" dirty="0"/>
+                    </a:p>
+                  </a:txBody>
+                  <a:tcPr/>
+                </a:tc>
+                <a:tc>
+                  <a:txBody>
+                    <a:bodyPr/>
+                    <a:lstStyle/>
+                    <a:p>
+                      <a:pPr algn="ctr"/>
+                      <a:r>
+                        <a:rPr lang="es-AR" dirty="0" smtClean="0">
+                          <a:solidFill>
+                            <a:schemeClr val="accent3">
+                              <a:lumMod val="75000"/>
+                            </a:schemeClr>
+                          </a:solidFill>
+                        </a:rPr>
+                        <a:t>✓</a:t>
+                      </a:r>
+                      <a:endParaRPr lang="es-AR" dirty="0"/>
+                    </a:p>
+                  </a:txBody>
+                  <a:tcPr/>
+                </a:tc>
+              </a:tr>
+              <a:tr h="370840">
+                <a:tc>
+                  <a:txBody>
+                    <a:bodyPr/>
+                    <a:lstStyle/>
+                    <a:p>
+                      <a:pPr algn="ctr"/>
+                      <a:r>
+                        <a:rPr lang="es-AR" dirty="0" smtClean="0"/>
+                        <a:t>Ver</a:t>
+                      </a:r>
+                      <a:r>
+                        <a:rPr lang="es-AR" baseline="0" dirty="0" smtClean="0"/>
+                        <a:t> fotos de baños</a:t>
+                      </a:r>
+                      <a:endParaRPr lang="es-AR" dirty="0"/>
+                    </a:p>
+                  </a:txBody>
+                  <a:tcPr/>
+                </a:tc>
+                <a:tc>
+                  <a:txBody>
+                    <a:bodyPr/>
+                    <a:lstStyle/>
+                    <a:p>
+                      <a:pPr marL="0" marR="0" indent="0" algn="ctr" defTabSz="914400" rtl="0" eaLnBrk="1" fontAlgn="auto" latinLnBrk="0" hangingPunct="1">
+                        <a:lnSpc>
+                          <a:spcPct val="100000"/>
+                        </a:lnSpc>
+                        <a:spcBef>
+                          <a:spcPts val="0"/>
+                        </a:spcBef>
+                        <a:spcAft>
+                          <a:spcPts val="0"/>
+                        </a:spcAft>
+                        <a:buClrTx/>
+                        <a:buSzTx/>
+                        <a:buFontTx/>
+                        <a:buNone/>
+                        <a:tabLst/>
+                        <a:defRPr/>
+                      </a:pPr>
+                      <a:r>
+                        <a:rPr lang="es-AR" dirty="0" smtClean="0">
+                          <a:solidFill>
+                            <a:srgbClr val="FF0000"/>
+                          </a:solidFill>
+                        </a:rPr>
+                        <a:t>X</a:t>
+                      </a:r>
+                      <a:endParaRPr lang="es-AR" dirty="0" smtClean="0"/>
+                    </a:p>
+                  </a:txBody>
+                  <a:tcPr/>
+                </a:tc>
+                <a:tc>
+                  <a:txBody>
+                    <a:bodyPr/>
+                    <a:lstStyle/>
+                    <a:p>
+                      <a:pPr algn="ctr"/>
+                      <a:r>
+                        <a:rPr lang="es-AR" dirty="0" smtClean="0">
+                          <a:solidFill>
+                            <a:schemeClr val="accent3">
+                              <a:lumMod val="75000"/>
+                            </a:schemeClr>
+                          </a:solidFill>
+                        </a:rPr>
+                        <a:t>✓</a:t>
+                      </a:r>
+                      <a:endParaRPr lang="es-AR" dirty="0"/>
+                    </a:p>
+                  </a:txBody>
+                  <a:tcPr/>
+                </a:tc>
+              </a:tr>
+              <a:tr h="370840">
+                <a:tc>
+                  <a:txBody>
+                    <a:bodyPr/>
+                    <a:lstStyle/>
+                    <a:p>
+                      <a:pPr algn="ctr"/>
+                      <a:r>
+                        <a:rPr lang="es-AR" dirty="0" smtClean="0"/>
+                        <a:t>Sin publicidad</a:t>
+                      </a:r>
+                      <a:endParaRPr lang="es-AR" dirty="0"/>
+                    </a:p>
+                  </a:txBody>
+                  <a:tcPr/>
+                </a:tc>
+                <a:tc>
+                  <a:txBody>
+                    <a:bodyPr/>
+                    <a:lstStyle/>
+                    <a:p>
+                      <a:pPr marL="0" marR="0" indent="0" algn="ctr" defTabSz="914400" rtl="0" eaLnBrk="1" fontAlgn="auto" latinLnBrk="0" hangingPunct="1">
+                        <a:lnSpc>
+                          <a:spcPct val="100000"/>
+                        </a:lnSpc>
+                        <a:spcBef>
+                          <a:spcPts val="0"/>
+                        </a:spcBef>
+                        <a:spcAft>
+                          <a:spcPts val="0"/>
+                        </a:spcAft>
+                        <a:buClrTx/>
+                        <a:buSzTx/>
+                        <a:buFontTx/>
+                        <a:buNone/>
+                        <a:tabLst/>
+                        <a:defRPr/>
+                      </a:pPr>
+                      <a:r>
+                        <a:rPr lang="es-AR" dirty="0" smtClean="0">
+                          <a:solidFill>
+                            <a:srgbClr val="FF0000"/>
+                          </a:solidFill>
+                        </a:rPr>
+                        <a:t>X</a:t>
+                      </a:r>
+                      <a:endParaRPr lang="es-AR" dirty="0" smtClean="0"/>
+                    </a:p>
+                  </a:txBody>
+                  <a:tcPr/>
+                </a:tc>
+                <a:tc>
+                  <a:txBody>
+                    <a:bodyPr/>
+                    <a:lstStyle/>
+                    <a:p>
+                      <a:pPr marL="0" marR="0" indent="0" algn="ctr" defTabSz="914400" rtl="0" eaLnBrk="1" fontAlgn="auto" latinLnBrk="0" hangingPunct="1">
+                        <a:lnSpc>
+                          <a:spcPct val="100000"/>
+                        </a:lnSpc>
+                        <a:spcBef>
+                          <a:spcPts val="0"/>
+                        </a:spcBef>
+                        <a:spcAft>
+                          <a:spcPts val="0"/>
+                        </a:spcAft>
+                        <a:buClrTx/>
+                        <a:buSzTx/>
+                        <a:buFontTx/>
+                        <a:buNone/>
+                        <a:tabLst/>
+                        <a:defRPr/>
+                      </a:pPr>
+                      <a:r>
+                        <a:rPr lang="es-AR" dirty="0" smtClean="0">
+                          <a:solidFill>
+                            <a:schemeClr val="accent3">
+                              <a:lumMod val="75000"/>
+                            </a:schemeClr>
+                          </a:solidFill>
+                        </a:rPr>
+                        <a:t>✓</a:t>
+                      </a:r>
+                      <a:endParaRPr lang="es-AR" dirty="0"/>
+                    </a:p>
+                  </a:txBody>
+                  <a:tcPr/>
+                </a:tc>
+              </a:tr>
+              <a:tr h="370840">
+                <a:tc>
+                  <a:txBody>
+                    <a:bodyPr/>
+                    <a:lstStyle/>
+                    <a:p>
+                      <a:pPr algn="ctr"/>
+                      <a:endParaRPr lang="es-AR" dirty="0"/>
+                    </a:p>
+                  </a:txBody>
+                  <a:tcPr/>
+                </a:tc>
+                <a:tc>
+                  <a:txBody>
+                    <a:bodyPr/>
+                    <a:lstStyle/>
+                    <a:p>
+                      <a:pPr algn="ctr"/>
+                      <a:endParaRPr lang="es-AR" dirty="0"/>
+                    </a:p>
+                  </a:txBody>
+                  <a:tcPr/>
+                </a:tc>
+                <a:tc>
+                  <a:txBody>
+                    <a:bodyPr/>
+                    <a:lstStyle/>
+                    <a:p>
+                      <a:pPr algn="ctr"/>
+                      <a:endParaRPr lang="es-AR" dirty="0"/>
+                    </a:p>
+                  </a:txBody>
+                  <a:tcPr/>
+                </a:tc>
+              </a:tr>
+              <a:tr h="370840">
+                <a:tc>
+                  <a:txBody>
+                    <a:bodyPr/>
+                    <a:lstStyle/>
+                    <a:p>
+                      <a:pPr algn="ctr"/>
+                      <a:r>
+                        <a:rPr lang="es-AR" dirty="0" smtClean="0"/>
+                        <a:t>COSTE POR DESCARGA</a:t>
+                      </a:r>
+                      <a:endParaRPr lang="es-AR" dirty="0"/>
+                    </a:p>
+                  </a:txBody>
+                  <a:tcPr>
+                    <a:solidFill>
+                      <a:schemeClr val="accent2"/>
+                    </a:solidFill>
+                  </a:tcPr>
+                </a:tc>
+                <a:tc>
+                  <a:txBody>
+                    <a:bodyPr/>
+                    <a:lstStyle/>
+                    <a:p>
+                      <a:pPr algn="ctr"/>
+                      <a:r>
+                        <a:rPr lang="es-AR" dirty="0" smtClean="0"/>
+                        <a:t>U$S</a:t>
+                      </a:r>
+                      <a:r>
+                        <a:rPr lang="es-AR" baseline="0" dirty="0" smtClean="0"/>
+                        <a:t> 0</a:t>
+                      </a:r>
+                      <a:endParaRPr lang="es-AR" dirty="0"/>
+                    </a:p>
+                  </a:txBody>
+                  <a:tcPr>
+                    <a:solidFill>
+                      <a:schemeClr val="accent2"/>
+                    </a:solidFill>
+                  </a:tcPr>
+                </a:tc>
+                <a:tc>
+                  <a:txBody>
+                    <a:bodyPr/>
+                    <a:lstStyle/>
+                    <a:p>
+                      <a:pPr algn="ctr"/>
+                      <a:r>
+                        <a:rPr lang="es-AR" dirty="0" smtClean="0"/>
+                        <a:t>U$S</a:t>
+                      </a:r>
+                      <a:r>
+                        <a:rPr lang="es-AR" baseline="0" dirty="0" smtClean="0"/>
+                        <a:t> 1</a:t>
+                      </a:r>
+                      <a:endParaRPr lang="es-AR" dirty="0"/>
+                    </a:p>
+                  </a:txBody>
+                  <a:tcPr>
+                    <a:solidFill>
+                      <a:schemeClr val="accent2"/>
+                    </a:solidFill>
+                  </a:tcPr>
+                </a:tc>
+              </a:tr>
+            </a:tbl>
+          </a:graphicData>
+        </a:graphic>
+      </p:graphicFrame>
+    </p:spTree>
+    <p:extLst>
+      <p:ext uri="{BB962C8B-B14F-4D97-AF65-F5344CB8AC3E}">
+        <p14:creationId xmlns:p14="http://schemas.microsoft.com/office/powerpoint/2010/main" val="1434869260"/>
+      </p:ext>
+    </p:extLst>
+  </p:cSld>
+  <p:clrMapOvr>
+    <a:masterClrMapping/>
+  </p:clrMapOvr>
+</p:sld>
+</file>
+
+<file path=ppt/slides/slide7.xml><?xml version="1.0" encoding="utf-8"?>
+<p:sld xmlns:a="http://schemas.openxmlformats.org/drawingml/2006/main" xmlns:r="http://schemas.openxmlformats.org/officeDocument/2006/relationships" xmlns:p="http://schemas.openxmlformats.org/presentationml/2006/main">
+  <p:cSld>
+    <p:spTree>
+      <p:nvGrpSpPr>
+        <p:cNvPr id="1" name=""/>
+        <p:cNvGrpSpPr/>
+        <p:nvPr/>
+      </p:nvGrpSpPr>
+      <p:grpSpPr>
+        <a:xfrm>
+          <a:off x="0" y="0"/>
+          <a:ext cx="0" cy="0"/>
+          <a:chOff x="0" y="0"/>
+          <a:chExt cx="0" cy="0"/>
+        </a:xfrm>
+      </p:grpSpPr>
       <p:pic>
         <p:nvPicPr>
           <p:cNvPr id="1026" name="Picture 2" descr="http://4.bp.blogspot.com/-Dg37EGOlyEU/ThkkXha2HDI/AAAAAAAAAG8/a8VJw699JGY/s320/Atraer-dinero.png"/>
@@ -8468,7 +9311,7 @@
 </p:sld>
 </file>
 
-<file path=ppt/slides/slide7.xml><?xml version="1.0" encoding="utf-8"?>
+<file path=ppt/slides/slide8.xml><?xml version="1.0" encoding="utf-8"?>
 <p:sld xmlns:a="http://schemas.openxmlformats.org/drawingml/2006/main" xmlns:r="http://schemas.openxmlformats.org/officeDocument/2006/relationships" xmlns:p="http://schemas.openxmlformats.org/presentationml/2006/main">
   <p:cSld>
     <p:spTree>
@@ -8618,106 +9461,6 @@
     <p:extLst>
       <p:ext uri="{BB962C8B-B14F-4D97-AF65-F5344CB8AC3E}">
         <p14:creationId xmlns:p14="http://schemas.microsoft.com/office/powerpoint/2010/main" val="318816464"/>
-      </p:ext>
-    </p:extLst>
-  </p:cSld>
-  <p:clrMapOvr>
-    <a:masterClrMapping/>
-  </p:clrMapOvr>
-  <p:timing>
-    <p:tnLst>
-      <p:par>
-        <p:cTn id="1" dur="indefinite" restart="never" nodeType="tmRoot"/>
-      </p:par>
-    </p:tnLst>
-  </p:timing>
-</p:sld>
-</file>
-
-<file path=ppt/slides/slide8.xml><?xml version="1.0" encoding="utf-8"?>
-<p:sld xmlns:a="http://schemas.openxmlformats.org/drawingml/2006/main" xmlns:r="http://schemas.openxmlformats.org/officeDocument/2006/relationships" xmlns:p="http://schemas.openxmlformats.org/presentationml/2006/main">
-  <p:cSld>
-    <p:spTree>
-      <p:nvGrpSpPr>
-        <p:cNvPr id="1" name=""/>
-        <p:cNvGrpSpPr/>
-        <p:nvPr/>
-      </p:nvGrpSpPr>
-      <p:grpSpPr>
-        <a:xfrm>
-          <a:off x="0" y="0"/>
-          <a:ext cx="0" cy="0"/>
-          <a:chOff x="0" y="0"/>
-          <a:chExt cx="0" cy="0"/>
-        </a:xfrm>
-      </p:grpSpPr>
-      <p:sp>
-        <p:nvSpPr>
-          <p:cNvPr id="2" name="Title 1"/>
-          <p:cNvSpPr>
-            <a:spLocks noGrp="1"/>
-          </p:cNvSpPr>
-          <p:nvPr>
-            <p:ph type="title"/>
-          </p:nvPr>
-        </p:nvSpPr>
-        <p:spPr/>
-        <p:txBody>
-          <a:bodyPr>
-            <a:normAutofit fontScale="90000"/>
-          </a:bodyPr>
-          <a:lstStyle/>
-          <a:p>
-            <a:r>
-              <a:rPr lang="es-AR" dirty="0" smtClean="0"/>
-              <a:t>Peor Caso</a:t>
-            </a:r>
-            <a:br>
-              <a:rPr lang="es-AR" dirty="0" smtClean="0"/>
-            </a:br>
-            <a:r>
-              <a:rPr lang="es-AR" sz="4000" dirty="0" smtClean="0"/>
-              <a:t>Expansión en Argentina con un 3% </a:t>
-            </a:r>
-            <a:br>
-              <a:rPr lang="es-AR" sz="4000" dirty="0" smtClean="0"/>
-            </a:br>
-            <a:r>
-              <a:rPr lang="es-AR" sz="4000" dirty="0" smtClean="0"/>
-              <a:t>del  mercado</a:t>
-            </a:r>
-            <a:endParaRPr lang="es-AR" sz="4000" dirty="0"/>
-          </a:p>
-        </p:txBody>
-      </p:sp>
-      <p:graphicFrame>
-        <p:nvGraphicFramePr>
-          <p:cNvPr id="6" name="Chart 5"/>
-          <p:cNvGraphicFramePr>
-            <a:graphicFrameLocks/>
-          </p:cNvGraphicFramePr>
-          <p:nvPr>
-            <p:extLst>
-              <p:ext uri="{D42A27DB-BD31-4B8C-83A1-F6EECF244321}">
-                <p14:modId xmlns:p14="http://schemas.microsoft.com/office/powerpoint/2010/main" val="3839376626"/>
-              </p:ext>
-            </p:extLst>
-          </p:nvPr>
-        </p:nvGraphicFramePr>
-        <p:xfrm>
-          <a:off x="467544" y="1628800"/>
-          <a:ext cx="8424936" cy="4968552"/>
-        </p:xfrm>
-        <a:graphic>
-          <a:graphicData uri="http://schemas.openxmlformats.org/drawingml/2006/chart">
-            <c:chart xmlns:c="http://schemas.openxmlformats.org/drawingml/2006/chart" xmlns:r="http://schemas.openxmlformats.org/officeDocument/2006/relationships" r:id="rId3"/>
-          </a:graphicData>
-        </a:graphic>
-      </p:graphicFrame>
-    </p:spTree>
-    <p:extLst>
-      <p:ext uri="{BB962C8B-B14F-4D97-AF65-F5344CB8AC3E}">
-        <p14:creationId xmlns:p14="http://schemas.microsoft.com/office/powerpoint/2010/main" val="4226239434"/>
       </p:ext>
     </p:extLst>
   </p:cSld>
@@ -8764,35 +9507,49 @@
         <p:spPr/>
         <p:txBody>
           <a:bodyPr>
-            <a:normAutofit/>
+            <a:normAutofit fontScale="90000"/>
           </a:bodyPr>
           <a:lstStyle/>
           <a:p>
             <a:r>
               <a:rPr lang="es-AR" dirty="0" smtClean="0"/>
-              <a:t>Caso 2: expansión exitosa global</a:t>
-            </a:r>
-            <a:endParaRPr lang="es-AR" dirty="0"/>
+              <a:t>Peor Caso</a:t>
+            </a:r>
+            <a:br>
+              <a:rPr lang="es-AR" dirty="0" smtClean="0"/>
+            </a:br>
+            <a:r>
+              <a:rPr lang="es-AR" sz="4000" dirty="0" smtClean="0"/>
+              <a:t>Expansión en Argentina con un 3% </a:t>
+            </a:r>
+            <a:br>
+              <a:rPr lang="es-AR" sz="4000" dirty="0" smtClean="0"/>
+            </a:br>
+            <a:r>
+              <a:rPr lang="es-AR" sz="4000" dirty="0" smtClean="0"/>
+              <a:t>del  mercado</a:t>
+            </a:r>
+            <a:endParaRPr lang="es-AR" sz="4000" dirty="0"/>
           </a:p>
         </p:txBody>
       </p:sp>
       <p:graphicFrame>
         <p:nvGraphicFramePr>
-          <p:cNvPr id="5" name="Chart 4"/>
+          <p:cNvPr id="6" name="Chart 5"/>
           <p:cNvGraphicFramePr>
             <a:graphicFrameLocks/>
           </p:cNvGraphicFramePr>
           <p:nvPr>
             <p:extLst>
               <p:ext uri="{D42A27DB-BD31-4B8C-83A1-F6EECF244321}">
-                <p14:modId xmlns:p14="http://schemas.microsoft.com/office/powerpoint/2010/main" val="2523089210"/>
+                <p14:modId xmlns:p14="http://schemas.microsoft.com/office/powerpoint/2010/main" val="3839376626"/>
               </p:ext>
             </p:extLst>
           </p:nvPr>
         </p:nvGraphicFramePr>
         <p:xfrm>
-          <a:off x="323528" y="1268760"/>
-          <a:ext cx="8568952" cy="5400600"/>
+          <a:off x="467544" y="1628800"/>
+          <a:ext cx="8424936" cy="4968552"/>
         </p:xfrm>
         <a:graphic>
           <a:graphicData uri="http://schemas.openxmlformats.org/drawingml/2006/chart">
@@ -8803,7 +9560,7 @@
     </p:spTree>
     <p:extLst>
       <p:ext uri="{BB962C8B-B14F-4D97-AF65-F5344CB8AC3E}">
-        <p14:creationId xmlns:p14="http://schemas.microsoft.com/office/powerpoint/2010/main" val="4186439492"/>
+        <p14:creationId xmlns:p14="http://schemas.microsoft.com/office/powerpoint/2010/main" val="4226239434"/>
       </p:ext>
     </p:extLst>
   </p:cSld>

--- a/trunk/Assets/Presentación negocio.pptx
+++ b/trunk/Assets/Presentación negocio.pptx
@@ -427,11 +427,11 @@
         </c:dLbls>
         <c:marker val="1"/>
         <c:smooth val="0"/>
-        <c:axId val="82559744"/>
-        <c:axId val="82561280"/>
+        <c:axId val="78574336"/>
+        <c:axId val="78575872"/>
       </c:lineChart>
       <c:catAx>
-        <c:axId val="82559744"/>
+        <c:axId val="78574336"/>
         <c:scaling>
           <c:orientation val="minMax"/>
         </c:scaling>
@@ -440,7 +440,7 @@
         <c:majorTickMark val="out"/>
         <c:minorTickMark val="none"/>
         <c:tickLblPos val="nextTo"/>
-        <c:crossAx val="82561280"/>
+        <c:crossAx val="78575872"/>
         <c:crosses val="autoZero"/>
         <c:auto val="1"/>
         <c:lblAlgn val="ctr"/>
@@ -448,7 +448,7 @@
         <c:noMultiLvlLbl val="0"/>
       </c:catAx>
       <c:valAx>
-        <c:axId val="82561280"/>
+        <c:axId val="78575872"/>
         <c:scaling>
           <c:orientation val="minMax"/>
         </c:scaling>
@@ -459,7 +459,7 @@
         <c:majorTickMark val="out"/>
         <c:minorTickMark val="none"/>
         <c:tickLblPos val="nextTo"/>
-        <c:crossAx val="82559744"/>
+        <c:crossAx val="78574336"/>
         <c:crosses val="autoZero"/>
         <c:crossBetween val="between"/>
       </c:valAx>
@@ -829,11 +829,11 @@
         </c:dLbls>
         <c:marker val="1"/>
         <c:smooth val="0"/>
-        <c:axId val="82609664"/>
-        <c:axId val="82611200"/>
+        <c:axId val="79267328"/>
+        <c:axId val="79268864"/>
       </c:lineChart>
       <c:catAx>
-        <c:axId val="82609664"/>
+        <c:axId val="79267328"/>
         <c:scaling>
           <c:orientation val="minMax"/>
         </c:scaling>
@@ -842,7 +842,7 @@
         <c:majorTickMark val="out"/>
         <c:minorTickMark val="none"/>
         <c:tickLblPos val="nextTo"/>
-        <c:crossAx val="82611200"/>
+        <c:crossAx val="79268864"/>
         <c:crosses val="autoZero"/>
         <c:auto val="1"/>
         <c:lblAlgn val="ctr"/>
@@ -850,7 +850,7 @@
         <c:noMultiLvlLbl val="0"/>
       </c:catAx>
       <c:valAx>
-        <c:axId val="82611200"/>
+        <c:axId val="79268864"/>
         <c:scaling>
           <c:orientation val="minMax"/>
         </c:scaling>
@@ -861,7 +861,7 @@
         <c:majorTickMark val="out"/>
         <c:minorTickMark val="none"/>
         <c:tickLblPos val="nextTo"/>
-        <c:crossAx val="82609664"/>
+        <c:crossAx val="79267328"/>
         <c:crosses val="autoZero"/>
         <c:crossBetween val="between"/>
       </c:valAx>
@@ -8591,14 +8591,14 @@
             <p:ph idx="1"/>
             <p:extLst>
               <p:ext uri="{D42A27DB-BD31-4B8C-83A1-F6EECF244321}">
-                <p14:modId xmlns:p14="http://schemas.microsoft.com/office/powerpoint/2010/main" val="2939857999"/>
+                <p14:modId xmlns:p14="http://schemas.microsoft.com/office/powerpoint/2010/main" val="4149895999"/>
               </p:ext>
             </p:extLst>
           </p:nvPr>
         </p:nvGraphicFramePr>
         <p:xfrm>
           <a:off x="457200" y="1600200"/>
-          <a:ext cx="8229600" cy="3337560"/>
+          <a:ext cx="8229600" cy="3606800"/>
         </p:xfrm>
         <a:graphic>
           <a:graphicData uri="http://schemas.openxmlformats.org/drawingml/2006/table">
@@ -8663,11 +8663,7 @@
                       <a:pPr algn="ctr"/>
                       <a:r>
                         <a:rPr lang="es-AR" dirty="0" smtClean="0"/>
-                        <a:t>Ubicar baños </a:t>
-                      </a:r>
-                      <a:r>
-                        <a:rPr lang="es-AR" dirty="0" smtClean="0"/>
-                        <a:t>cercanos</a:t>
+                        <a:t>Ubicar baños cercanos</a:t>
                       </a:r>
                       <a:endParaRPr lang="es-AR" dirty="0"/>
                     </a:p>
@@ -8746,8 +8742,12 @@
                     <a:p>
                       <a:pPr algn="ctr"/>
                       <a:r>
+                        <a:rPr lang="es-AR" smtClean="0"/>
+                        <a:t>Calificar </a:t>
+                      </a:r>
+                      <a:r>
                         <a:rPr lang="es-AR" dirty="0" smtClean="0"/>
-                        <a:t>Calificar baños</a:t>
+                        <a:t>baños</a:t>
                       </a:r>
                       <a:endParaRPr lang="es-AR" dirty="0"/>
                     </a:p>
@@ -8806,7 +8806,7 @@
                       <a:pPr algn="ctr"/>
                       <a:r>
                         <a:rPr lang="es-AR" dirty="0" smtClean="0"/>
-                        <a:t>Comentar baños</a:t>
+                        <a:t>Ver/agregar comentario de baños</a:t>
                       </a:r>
                       <a:endParaRPr lang="es-AR" dirty="0"/>
                     </a:p>
@@ -8865,7 +8865,11 @@
                       <a:pPr algn="ctr"/>
                       <a:r>
                         <a:rPr lang="es-AR" dirty="0" smtClean="0"/>
-                        <a:t>Agregar baños</a:t>
+                        <a:t>Ver/agregar </a:t>
+                      </a:r>
+                      <a:r>
+                        <a:rPr lang="es-AR" dirty="0" smtClean="0"/>
+                        <a:t>baños</a:t>
                       </a:r>
                       <a:endParaRPr lang="es-AR" dirty="0"/>
                     </a:p>
@@ -8924,11 +8928,15 @@
                       <a:pPr algn="ctr"/>
                       <a:r>
                         <a:rPr lang="es-AR" dirty="0" smtClean="0"/>
-                        <a:t>Ver</a:t>
+                        <a:t>Ver/agregar</a:t>
                       </a:r>
                       <a:r>
                         <a:rPr lang="es-AR" baseline="0" dirty="0" smtClean="0"/>
-                        <a:t> fotos de baños</a:t>
+                        <a:t> </a:t>
+                      </a:r>
+                      <a:r>
+                        <a:rPr lang="es-AR" baseline="0" dirty="0" smtClean="0"/>
+                        <a:t>fotos de baños</a:t>
                       </a:r>
                       <a:endParaRPr lang="es-AR" dirty="0"/>
                     </a:p>

--- a/trunk/Assets/Presentación negocio.pptx
+++ b/trunk/Assets/Presentación negocio.pptx
@@ -145,7 +145,7 @@
           <c:idx val="0"/>
           <c:order val="0"/>
           <c:tx>
-            <c:v>Ganacia Versión no Paga (USD)</c:v>
+            <c:v>Ingreso Versión no Paga (USD)</c:v>
           </c:tx>
           <c:marker>
             <c:symbol val="none"/>
@@ -237,7 +237,7 @@
           <c:idx val="1"/>
           <c:order val="1"/>
           <c:tx>
-            <c:v>Gancia Versión paga (USD)</c:v>
+            <c:v>Ingreso Versión paga (USD)</c:v>
           </c:tx>
           <c:marker>
             <c:symbol val="none"/>
@@ -427,11 +427,11 @@
         </c:dLbls>
         <c:marker val="1"/>
         <c:smooth val="0"/>
-        <c:axId val="78574336"/>
-        <c:axId val="78575872"/>
+        <c:axId val="73932800"/>
+        <c:axId val="73962624"/>
       </c:lineChart>
       <c:catAx>
-        <c:axId val="78574336"/>
+        <c:axId val="73932800"/>
         <c:scaling>
           <c:orientation val="minMax"/>
         </c:scaling>
@@ -440,7 +440,7 @@
         <c:majorTickMark val="out"/>
         <c:minorTickMark val="none"/>
         <c:tickLblPos val="nextTo"/>
-        <c:crossAx val="78575872"/>
+        <c:crossAx val="73962624"/>
         <c:crosses val="autoZero"/>
         <c:auto val="1"/>
         <c:lblAlgn val="ctr"/>
@@ -448,7 +448,7 @@
         <c:noMultiLvlLbl val="0"/>
       </c:catAx>
       <c:valAx>
-        <c:axId val="78575872"/>
+        <c:axId val="73962624"/>
         <c:scaling>
           <c:orientation val="minMax"/>
         </c:scaling>
@@ -459,7 +459,7 @@
         <c:majorTickMark val="out"/>
         <c:minorTickMark val="none"/>
         <c:tickLblPos val="nextTo"/>
-        <c:crossAx val="78574336"/>
+        <c:crossAx val="73932800"/>
         <c:crosses val="autoZero"/>
         <c:crossBetween val="between"/>
       </c:valAx>
@@ -473,7 +473,7 @@
         <a:lstStyle/>
         <a:p>
           <a:pPr>
-            <a:defRPr sz="1400"/>
+            <a:defRPr sz="1200"/>
           </a:pPr>
           <a:endParaRPr lang="es-AR"/>
         </a:p>
@@ -510,10 +510,10 @@
           <c:layoutTarget val="inner"/>
           <c:xMode val="edge"/>
           <c:yMode val="edge"/>
-          <c:x val="6.8466598949323096E-2"/>
-          <c:y val="2.6108580528089471E-2"/>
-          <c:w val="0.91523035722454738"/>
-          <c:h val="0.81366681479835579"/>
+          <c:x val="6.7896043958078731E-2"/>
+          <c:y val="2.71964380500932E-2"/>
+          <c:w val="0.91593677091434289"/>
+          <c:h val="0.80538177085262119"/>
         </c:manualLayout>
       </c:layout>
       <c:lineChart>
@@ -528,7 +528,7 @@
               <c:strCache>
                 <c:ptCount val="1"/>
                 <c:pt idx="0">
-                  <c:v>Ganacia sin costo descarga (USD)</c:v>
+                  <c:v>Ingreso sin costo descarga (USD)</c:v>
                 </c:pt>
               </c:strCache>
             </c:strRef>
@@ -628,7 +628,7 @@
               <c:strCache>
                 <c:ptCount val="1"/>
                 <c:pt idx="0">
-                  <c:v>Ganacia con costo descarga (USD)</c:v>
+                  <c:v>Ingreso con costo descarga (USD)</c:v>
                 </c:pt>
               </c:strCache>
             </c:strRef>
@@ -829,11 +829,11 @@
         </c:dLbls>
         <c:marker val="1"/>
         <c:smooth val="0"/>
-        <c:axId val="79267328"/>
-        <c:axId val="79268864"/>
+        <c:axId val="100709888"/>
+        <c:axId val="100711808"/>
       </c:lineChart>
       <c:catAx>
-        <c:axId val="79267328"/>
+        <c:axId val="100709888"/>
         <c:scaling>
           <c:orientation val="minMax"/>
         </c:scaling>
@@ -842,7 +842,7 @@
         <c:majorTickMark val="out"/>
         <c:minorTickMark val="none"/>
         <c:tickLblPos val="nextTo"/>
-        <c:crossAx val="79268864"/>
+        <c:crossAx val="100711808"/>
         <c:crosses val="autoZero"/>
         <c:auto val="1"/>
         <c:lblAlgn val="ctr"/>
@@ -850,7 +850,7 @@
         <c:noMultiLvlLbl val="0"/>
       </c:catAx>
       <c:valAx>
-        <c:axId val="79268864"/>
+        <c:axId val="100711808"/>
         <c:scaling>
           <c:orientation val="minMax"/>
         </c:scaling>
@@ -861,7 +861,7 @@
         <c:majorTickMark val="out"/>
         <c:minorTickMark val="none"/>
         <c:tickLblPos val="nextTo"/>
-        <c:crossAx val="79267328"/>
+        <c:crossAx val="100709888"/>
         <c:crosses val="autoZero"/>
         <c:crossBetween val="between"/>
       </c:valAx>
@@ -872,10 +872,10 @@
         <c:manualLayout>
           <c:xMode val="edge"/>
           <c:yMode val="edge"/>
-          <c:x val="3.1027131439177159E-2"/>
-          <c:y val="0.86440728807910228"/>
+          <c:x val="3.1027121609798768E-2"/>
+          <c:y val="0.88968702551568346"/>
           <c:w val="0.93239020122484695"/>
-          <c:h val="0.13133077806169685"/>
+          <c:h val="8.2535196706538763E-2"/>
         </c:manualLayout>
       </c:layout>
       <c:overlay val="0"/>
@@ -1624,7 +1624,7 @@
               <a:t>En lo referente a </a:t>
             </a:r>
             <a:r>
-              <a:rPr lang="es-AR" sz="1200" b="0" i="0" kern="1200" baseline="0" dirty="0" err="1" smtClean="0">
+              <a:rPr lang="es-AR" sz="1200" b="0" i="0" kern="1200" baseline="0" dirty="0" smtClean="0">
                 <a:solidFill>
                   <a:schemeClr val="tx1"/>
                 </a:solidFill>
@@ -1633,7 +1633,7 @@
                 <a:ea typeface="+mn-ea"/>
                 <a:cs typeface="+mn-cs"/>
               </a:rPr>
-              <a:t>ganacias</a:t>
+              <a:t>ingresos</a:t>
             </a:r>
             <a:r>
               <a:rPr lang="es-AR" sz="1200" b="0" i="0" kern="1200" baseline="0" dirty="0" smtClean="0">
@@ -1721,31 +1721,7 @@
                 <a:ea typeface="+mn-ea"/>
                 <a:cs typeface="+mn-cs"/>
               </a:rPr>
-              <a:t>Finalmente </a:t>
-            </a:r>
-            <a:r>
-              <a:rPr lang="es-AR" sz="1200" b="0" i="0" kern="1200" baseline="0" smtClean="0">
-                <a:solidFill>
-                  <a:schemeClr val="tx1"/>
-                </a:solidFill>
-                <a:effectLst/>
-                <a:latin typeface="+mn-lt"/>
-                <a:ea typeface="+mn-ea"/>
-                <a:cs typeface="+mn-cs"/>
-              </a:rPr>
-              <a:t>un último detalle </a:t>
-            </a:r>
-            <a:r>
-              <a:rPr lang="es-AR" sz="1200" b="0" i="0" kern="1200" baseline="0" dirty="0" smtClean="0">
-                <a:solidFill>
-                  <a:schemeClr val="tx1"/>
-                </a:solidFill>
-                <a:effectLst/>
-                <a:latin typeface="+mn-lt"/>
-                <a:ea typeface="+mn-ea"/>
-                <a:cs typeface="+mn-cs"/>
-              </a:rPr>
-              <a:t>no menor es que la empresa </a:t>
+              <a:t>Finalmente un último detalle no menor es que la empresa </a:t>
             </a:r>
             <a:r>
               <a:rPr lang="es-AR" sz="1200" b="0" i="0" kern="1200" baseline="0" dirty="0" err="1" smtClean="0">
@@ -7980,21 +7956,21 @@
       </p:sp>
       <p:graphicFrame>
         <p:nvGraphicFramePr>
-          <p:cNvPr id="5" name="Chart 4"/>
+          <p:cNvPr id="4" name="Chart 3"/>
           <p:cNvGraphicFramePr>
             <a:graphicFrameLocks/>
           </p:cNvGraphicFramePr>
           <p:nvPr>
             <p:extLst>
               <p:ext uri="{D42A27DB-BD31-4B8C-83A1-F6EECF244321}">
-                <p14:modId xmlns:p14="http://schemas.microsoft.com/office/powerpoint/2010/main" val="2523089210"/>
+                <p14:modId xmlns:p14="http://schemas.microsoft.com/office/powerpoint/2010/main" val="3151868125"/>
               </p:ext>
             </p:extLst>
           </p:nvPr>
         </p:nvGraphicFramePr>
         <p:xfrm>
-          <a:off x="323528" y="1268760"/>
-          <a:ext cx="8568952" cy="5400600"/>
+          <a:off x="179512" y="1268760"/>
+          <a:ext cx="8640960" cy="5184576"/>
         </p:xfrm>
         <a:graphic>
           <a:graphicData uri="http://schemas.openxmlformats.org/drawingml/2006/chart">
@@ -8865,11 +8841,7 @@
                       <a:pPr algn="ctr"/>
                       <a:r>
                         <a:rPr lang="es-AR" dirty="0" smtClean="0"/>
-                        <a:t>Ver/agregar </a:t>
-                      </a:r>
-                      <a:r>
-                        <a:rPr lang="es-AR" dirty="0" smtClean="0"/>
-                        <a:t>baños</a:t>
+                        <a:t>Ver/agregar baños</a:t>
                       </a:r>
                       <a:endParaRPr lang="es-AR" dirty="0"/>
                     </a:p>
@@ -8932,11 +8904,7 @@
                       </a:r>
                       <a:r>
                         <a:rPr lang="es-AR" baseline="0" dirty="0" smtClean="0"/>
-                        <a:t> </a:t>
-                      </a:r>
-                      <a:r>
-                        <a:rPr lang="es-AR" baseline="0" dirty="0" smtClean="0"/>
-                        <a:t>fotos de baños</a:t>
+                        <a:t> fotos de baños</a:t>
                       </a:r>
                       <a:endParaRPr lang="es-AR" dirty="0"/>
                     </a:p>
@@ -9543,21 +9511,21 @@
       </p:sp>
       <p:graphicFrame>
         <p:nvGraphicFramePr>
-          <p:cNvPr id="6" name="Chart 5"/>
+          <p:cNvPr id="4" name="Chart 3"/>
           <p:cNvGraphicFramePr>
             <a:graphicFrameLocks/>
           </p:cNvGraphicFramePr>
           <p:nvPr>
             <p:extLst>
               <p:ext uri="{D42A27DB-BD31-4B8C-83A1-F6EECF244321}">
-                <p14:modId xmlns:p14="http://schemas.microsoft.com/office/powerpoint/2010/main" val="3839376626"/>
+                <p14:modId xmlns:p14="http://schemas.microsoft.com/office/powerpoint/2010/main" val="1186373056"/>
               </p:ext>
             </p:extLst>
           </p:nvPr>
         </p:nvGraphicFramePr>
         <p:xfrm>
-          <a:off x="467544" y="1628800"/>
-          <a:ext cx="8424936" cy="4968552"/>
+          <a:off x="251520" y="1844824"/>
+          <a:ext cx="8496944" cy="4752528"/>
         </p:xfrm>
         <a:graphic>
           <a:graphicData uri="http://schemas.openxmlformats.org/drawingml/2006/chart">

--- a/trunk/Assets/Presentación negocio.pptx
+++ b/trunk/Assets/Presentación negocio.pptx
@@ -427,11 +427,11 @@
         </c:dLbls>
         <c:marker val="1"/>
         <c:smooth val="0"/>
-        <c:axId val="73932800"/>
-        <c:axId val="73962624"/>
+        <c:axId val="76215040"/>
+        <c:axId val="76216576"/>
       </c:lineChart>
       <c:catAx>
-        <c:axId val="73932800"/>
+        <c:axId val="76215040"/>
         <c:scaling>
           <c:orientation val="minMax"/>
         </c:scaling>
@@ -440,7 +440,7 @@
         <c:majorTickMark val="out"/>
         <c:minorTickMark val="none"/>
         <c:tickLblPos val="nextTo"/>
-        <c:crossAx val="73962624"/>
+        <c:crossAx val="76216576"/>
         <c:crosses val="autoZero"/>
         <c:auto val="1"/>
         <c:lblAlgn val="ctr"/>
@@ -448,7 +448,7 @@
         <c:noMultiLvlLbl val="0"/>
       </c:catAx>
       <c:valAx>
-        <c:axId val="73962624"/>
+        <c:axId val="76216576"/>
         <c:scaling>
           <c:orientation val="minMax"/>
         </c:scaling>
@@ -459,7 +459,7 @@
         <c:majorTickMark val="out"/>
         <c:minorTickMark val="none"/>
         <c:tickLblPos val="nextTo"/>
-        <c:crossAx val="73932800"/>
+        <c:crossAx val="76215040"/>
         <c:crosses val="autoZero"/>
         <c:crossBetween val="between"/>
       </c:valAx>
@@ -829,11 +829,11 @@
         </c:dLbls>
         <c:marker val="1"/>
         <c:smooth val="0"/>
-        <c:axId val="100709888"/>
-        <c:axId val="100711808"/>
+        <c:axId val="78349824"/>
+        <c:axId val="78351360"/>
       </c:lineChart>
       <c:catAx>
-        <c:axId val="100709888"/>
+        <c:axId val="78349824"/>
         <c:scaling>
           <c:orientation val="minMax"/>
         </c:scaling>
@@ -842,7 +842,7 @@
         <c:majorTickMark val="out"/>
         <c:minorTickMark val="none"/>
         <c:tickLblPos val="nextTo"/>
-        <c:crossAx val="100711808"/>
+        <c:crossAx val="78351360"/>
         <c:crosses val="autoZero"/>
         <c:auto val="1"/>
         <c:lblAlgn val="ctr"/>
@@ -850,7 +850,7 @@
         <c:noMultiLvlLbl val="0"/>
       </c:catAx>
       <c:valAx>
-        <c:axId val="100711808"/>
+        <c:axId val="78351360"/>
         <c:scaling>
           <c:orientation val="minMax"/>
         </c:scaling>
@@ -861,7 +861,7 @@
         <c:majorTickMark val="out"/>
         <c:minorTickMark val="none"/>
         <c:tickLblPos val="nextTo"/>
-        <c:crossAx val="100709888"/>
+        <c:crossAx val="78349824"/>
         <c:crosses val="autoZero"/>
         <c:crossBetween val="between"/>
       </c:valAx>
@@ -1621,31 +1621,7 @@
                 <a:ea typeface="+mn-ea"/>
                 <a:cs typeface="+mn-cs"/>
               </a:rPr>
-              <a:t>En lo referente a </a:t>
-            </a:r>
-            <a:r>
-              <a:rPr lang="es-AR" sz="1200" b="0" i="0" kern="1200" baseline="0" dirty="0" smtClean="0">
-                <a:solidFill>
-                  <a:schemeClr val="tx1"/>
-                </a:solidFill>
-                <a:effectLst/>
-                <a:latin typeface="+mn-lt"/>
-                <a:ea typeface="+mn-ea"/>
-                <a:cs typeface="+mn-cs"/>
-              </a:rPr>
-              <a:t>ingresos</a:t>
-            </a:r>
-            <a:r>
-              <a:rPr lang="es-AR" sz="1200" b="0" i="0" kern="1200" baseline="0" dirty="0" smtClean="0">
-                <a:solidFill>
-                  <a:schemeClr val="tx1"/>
-                </a:solidFill>
-                <a:effectLst/>
-                <a:latin typeface="+mn-lt"/>
-                <a:ea typeface="+mn-ea"/>
-                <a:cs typeface="+mn-cs"/>
-              </a:rPr>
-              <a:t>, las mismas serían al </a:t>
+              <a:t>En lo referente a ingresos, las mismas serían al </a:t>
             </a:r>
             <a:r>
               <a:rPr lang="es-AR" sz="1200" b="0" i="0" kern="1200" baseline="0" dirty="0" err="1" smtClean="0">
@@ -4347,11 +4323,69 @@
           <a:p>
             <a:r>
               <a:rPr lang="es-AR" dirty="0" smtClean="0"/>
-              <a:t>La aplicación que proponemos permite contar con todas estas prestaciones </a:t>
-            </a:r>
-            <a:r>
-              <a:rPr lang="es-AR" smtClean="0"/>
-              <a:t>que mostramos.</a:t>
+              <a:t>La aplicación que </a:t>
+            </a:r>
+            <a:r>
+              <a:rPr lang="es-AR" dirty="0" smtClean="0"/>
+              <a:t>proponemos </a:t>
+            </a:r>
+            <a:r>
+              <a:rPr lang="es-AR" dirty="0" smtClean="0"/>
+              <a:t>permite contar con todas estas prestaciones que mostramos</a:t>
+            </a:r>
+            <a:r>
+              <a:rPr lang="es-AR" dirty="0" smtClean="0"/>
+              <a:t>.</a:t>
+            </a:r>
+          </a:p>
+          <a:p>
+            <a:r>
+              <a:rPr lang="es-AR" dirty="0" smtClean="0"/>
+              <a:t>Tendremos</a:t>
+            </a:r>
+            <a:r>
+              <a:rPr lang="es-AR" baseline="0" dirty="0" smtClean="0"/>
+              <a:t> en principio dos tipos de versiones para la aplicación.</a:t>
+            </a:r>
+          </a:p>
+          <a:p>
+            <a:r>
+              <a:rPr lang="es-AR" baseline="0" dirty="0" smtClean="0"/>
+              <a:t>Una versión gratuita que cuenta con todos estos servicios, es decir un usuario entrará al </a:t>
+            </a:r>
+            <a:r>
+              <a:rPr lang="es-AR" baseline="0" dirty="0" err="1" smtClean="0"/>
+              <a:t>market</a:t>
+            </a:r>
+            <a:r>
+              <a:rPr lang="es-AR" baseline="0" dirty="0" smtClean="0"/>
+              <a:t> y podrá descargarse sin costo alguno la </a:t>
+            </a:r>
+            <a:r>
+              <a:rPr lang="es-AR" baseline="0" dirty="0" err="1" smtClean="0"/>
+              <a:t>apicación</a:t>
+            </a:r>
+            <a:r>
+              <a:rPr lang="es-AR" baseline="0" dirty="0" smtClean="0"/>
+              <a:t> para comenzar a usarla, y la versión paga que por supuesto tiene todas las prestaciones de la aplicación gratuita más la posibilidad de ver y agregar fotos de los baños y por otro lado es una versión que está libre de publicidad. El costo de la descarga como vemos es de un dólar.</a:t>
+            </a:r>
+          </a:p>
+          <a:p>
+            <a:r>
+              <a:rPr lang="es-AR" baseline="0" dirty="0" smtClean="0"/>
+              <a:t>Y </a:t>
+            </a:r>
+            <a:r>
+              <a:rPr lang="es-AR" baseline="0" dirty="0" err="1" smtClean="0"/>
+              <a:t>tengase</a:t>
+            </a:r>
+            <a:r>
+              <a:rPr lang="es-AR" baseline="0" dirty="0" smtClean="0"/>
+              <a:t> en cuenta que la versión free tiene la posibilidad de actualizarse a la </a:t>
+            </a:r>
+            <a:r>
+              <a:rPr lang="es-AR" baseline="0" smtClean="0"/>
+              <a:t>versión paga.</a:t>
             </a:r>
             <a:endParaRPr lang="es-AR" dirty="0"/>
           </a:p>
@@ -4555,6 +4589,50 @@
           <a:bodyPr/>
           <a:lstStyle/>
           <a:p>
+            <a:r>
+              <a:rPr lang="es-AR" dirty="0" smtClean="0"/>
+              <a:t>Nuestro elemento fundamental</a:t>
+            </a:r>
+            <a:r>
+              <a:rPr lang="es-AR" baseline="0" dirty="0" smtClean="0"/>
+              <a:t> de recaudación de ingresos y retorno de inversión es, además de las descargas pagas de la aplicación como ya hemos mencionado previamente, el brindar un espacio de publicidad a nuestros sponsors.</a:t>
+            </a:r>
+          </a:p>
+          <a:p>
+            <a:r>
+              <a:rPr lang="es-AR" baseline="0" dirty="0" smtClean="0"/>
+              <a:t>La publicidad embebida en la aplicación genera ingresos tanto por cantidad de </a:t>
+            </a:r>
+            <a:r>
+              <a:rPr lang="es-AR" baseline="0" dirty="0" err="1" smtClean="0"/>
+              <a:t>vistar</a:t>
+            </a:r>
+            <a:r>
+              <a:rPr lang="es-AR" baseline="0" dirty="0" smtClean="0"/>
+              <a:t>, es decir cada vez que un usuario accede a la aplicación, como por cantidad de </a:t>
+            </a:r>
+            <a:r>
+              <a:rPr lang="es-AR" baseline="0" dirty="0" err="1" smtClean="0"/>
+              <a:t>clicks</a:t>
+            </a:r>
+            <a:r>
+              <a:rPr lang="es-AR" baseline="0" dirty="0" smtClean="0"/>
+              <a:t> que el usuario realizar sobre el banner de publicidad.</a:t>
+            </a:r>
+          </a:p>
+          <a:p>
+            <a:r>
+              <a:rPr lang="es-AR" baseline="0" dirty="0" smtClean="0"/>
+              <a:t>Ahora  a continuación detallaremos más cómo se compondrá el </a:t>
+            </a:r>
+            <a:r>
+              <a:rPr lang="es-AR" baseline="0" dirty="0" err="1" smtClean="0"/>
+              <a:t>cashflow</a:t>
+            </a:r>
+            <a:r>
+              <a:rPr lang="es-AR" baseline="0" dirty="0" smtClean="0"/>
+              <a:t> del negocio, teniendo en cuenta este ingreso inmediato.</a:t>
+            </a:r>
             <a:endParaRPr lang="es-AR" dirty="0"/>
           </a:p>
         </p:txBody>

--- a/trunk/Assets/Presentación negocio.pptx
+++ b/trunk/Assets/Presentación negocio.pptx
@@ -22,7 +22,7 @@
     <p:sldId id="260" r:id="rId13"/>
   </p:sldIdLst>
   <p:sldSz cx="9144000" cy="6858000" type="screen4x3"/>
-  <p:notesSz cx="6858000" cy="9144000"/>
+  <p:notesSz cx="6669088" cy="9928225"/>
   <p:defaultTextStyle>
     <a:defPPr>
       <a:defRPr lang="es-AR"/>
@@ -123,24 +123,12 @@
 
 <file path=ppt/charts/chart1.xml><?xml version="1.0" encoding="utf-8"?>
 <c:chartSpace xmlns:c="http://schemas.openxmlformats.org/drawingml/2006/chart" xmlns:a="http://schemas.openxmlformats.org/drawingml/2006/main" xmlns:r="http://schemas.openxmlformats.org/officeDocument/2006/relationships">
-  <c:date1904 val="0"/>
   <c:lang val="es-AR"/>
-  <c:roundedCorners val="0"/>
-  <mc:AlternateContent xmlns:mc="http://schemas.openxmlformats.org/markup-compatibility/2006">
-    <mc:Choice xmlns:c14="http://schemas.microsoft.com/office/drawing/2007/8/2/chart" Requires="c14">
-      <c14:style val="102"/>
-    </mc:Choice>
-    <mc:Fallback>
-      <c:style val="2"/>
-    </mc:Fallback>
-  </mc:AlternateContent>
   <c:chart>
-    <c:autoTitleDeleted val="0"/>
     <c:plotArea>
       <c:layout/>
       <c:lineChart>
         <c:grouping val="standard"/>
-        <c:varyColors val="0"/>
         <c:ser>
           <c:idx val="0"/>
           <c:order val="0"/>
@@ -199,13 +187,13 @@
                   <c:v>4803.3489504000008</c:v>
                 </c:pt>
                 <c:pt idx="14">
-                  <c:v>4827.3656951520006</c:v>
+                  <c:v>4827.3656951520015</c:v>
                 </c:pt>
                 <c:pt idx="15">
                   <c:v>5020.4603229580798</c:v>
                 </c:pt>
                 <c:pt idx="16">
-                  <c:v>5171.0741326468233</c:v>
+                  <c:v>5171.0741326468224</c:v>
                 </c:pt>
                 <c:pt idx="17">
                   <c:v>5274.4956152997593</c:v>
@@ -217,21 +205,20 @@
                   <c:v>5337.7175422771188</c:v>
                 </c:pt>
                 <c:pt idx="20">
-                  <c:v>5560.1224398719996</c:v>
+                  <c:v>5560.1224398720024</c:v>
                 </c:pt>
                 <c:pt idx="21">
-                  <c:v>5673.5943263999989</c:v>
+                  <c:v>5673.5943263999998</c:v>
                 </c:pt>
                 <c:pt idx="22">
                   <c:v>5759.99424</c:v>
                 </c:pt>
                 <c:pt idx="23">
-                  <c:v>5818.1759999999995</c:v>
+                  <c:v>5818.1760000000004</c:v>
                 </c:pt>
               </c:numCache>
             </c:numRef>
           </c:val>
-          <c:smooth val="0"/>
         </c:ser>
         <c:ser>
           <c:idx val="1"/>
@@ -288,7 +275,7 @@
                   <c:v>5721.3340800000005</c:v>
                 </c:pt>
                 <c:pt idx="13">
-                  <c:v>5778.5474208000023</c:v>
+                  <c:v>5778.5474208000014</c:v>
                 </c:pt>
                 <c:pt idx="14">
                   <c:v>5742.1133579039997</c:v>
@@ -303,16 +290,16 @@
                   <c:v>6486.0044120913008</c:v>
                 </c:pt>
                 <c:pt idx="18">
-                  <c:v>6822.6470206256563</c:v>
+                  <c:v>6822.6470206256572</c:v>
                 </c:pt>
                 <c:pt idx="19">
-                  <c:v>6015.1927654202582</c:v>
+                  <c:v>6015.1927654202591</c:v>
                 </c:pt>
                 <c:pt idx="20">
                   <c:v>7148.7288512640025</c:v>
                 </c:pt>
                 <c:pt idx="21">
-                  <c:v>6982.8853247999987</c:v>
+                  <c:v>6982.8853248000005</c:v>
                 </c:pt>
                 <c:pt idx="22">
                   <c:v>7010.1028800000022</c:v>
@@ -323,7 +310,6 @@
               </c:numCache>
             </c:numRef>
           </c:val>
-          <c:smooth val="0"/>
         </c:ser>
         <c:ser>
           <c:idx val="2"/>
@@ -374,16 +360,16 @@
                   <c:v>1176</c:v>
                 </c:pt>
                 <c:pt idx="11">
-                  <c:v>1293.6000000000001</c:v>
+                  <c:v>1293.5999999999999</c:v>
                 </c:pt>
                 <c:pt idx="12">
                   <c:v>1306.5360000000003</c:v>
                 </c:pt>
                 <c:pt idx="13">
-                  <c:v>1319.6013600000003</c:v>
+                  <c:v>1319.6013600000001</c:v>
                 </c:pt>
                 <c:pt idx="14">
-                  <c:v>1326.1993668000002</c:v>
+                  <c:v>1326.1993668</c:v>
                 </c:pt>
                 <c:pt idx="15">
                   <c:v>1379.247341472</c:v>
@@ -395,10 +381,10 @@
                   <c:v>1449.0372569504834</c:v>
                 </c:pt>
                 <c:pt idx="18">
-                  <c:v>1492.508374658998</c:v>
+                  <c:v>1492.5083746589978</c:v>
                 </c:pt>
                 <c:pt idx="19">
-                  <c:v>1466.4059182079998</c:v>
+                  <c:v>1466.405918208</c:v>
                 </c:pt>
                 <c:pt idx="20">
                   <c:v>1527.5061648000001</c:v>
@@ -407,7 +393,7 @@
                   <c:v>1558.67976</c:v>
                 </c:pt>
                 <c:pt idx="22">
-                  <c:v>1582.4160000000002</c:v>
+                  <c:v>1582.4160000000004</c:v>
                 </c:pt>
                 <c:pt idx="23">
                   <c:v>1598.4</c:v>
@@ -415,51 +401,35 @@
               </c:numCache>
             </c:numRef>
           </c:val>
-          <c:smooth val="0"/>
         </c:ser>
-        <c:dLbls>
-          <c:showLegendKey val="0"/>
-          <c:showVal val="0"/>
-          <c:showCatName val="0"/>
-          <c:showSerName val="0"/>
-          <c:showPercent val="0"/>
-          <c:showBubbleSize val="0"/>
-        </c:dLbls>
+        <c:dLbls/>
         <c:marker val="1"/>
-        <c:smooth val="0"/>
-        <c:axId val="76215040"/>
-        <c:axId val="76216576"/>
+        <c:axId val="65404928"/>
+        <c:axId val="65406464"/>
       </c:lineChart>
       <c:catAx>
-        <c:axId val="76215040"/>
+        <c:axId val="65404928"/>
         <c:scaling>
           <c:orientation val="minMax"/>
         </c:scaling>
-        <c:delete val="0"/>
         <c:axPos val="b"/>
-        <c:majorTickMark val="out"/>
-        <c:minorTickMark val="none"/>
         <c:tickLblPos val="nextTo"/>
-        <c:crossAx val="76216576"/>
+        <c:crossAx val="65406464"/>
         <c:crosses val="autoZero"/>
         <c:auto val="1"/>
         <c:lblAlgn val="ctr"/>
         <c:lblOffset val="100"/>
-        <c:noMultiLvlLbl val="0"/>
       </c:catAx>
       <c:valAx>
-        <c:axId val="76216576"/>
+        <c:axId val="65406464"/>
         <c:scaling>
           <c:orientation val="minMax"/>
         </c:scaling>
-        <c:delete val="0"/>
         <c:axPos val="l"/>
         <c:majorGridlines/>
         <c:numFmt formatCode="0" sourceLinked="1"/>
-        <c:majorTickMark val="out"/>
-        <c:minorTickMark val="none"/>
         <c:tickLblPos val="nextTo"/>
-        <c:crossAx val="76215040"/>
+        <c:crossAx val="65404928"/>
         <c:crosses val="autoZero"/>
         <c:crossBetween val="between"/>
       </c:valAx>
@@ -467,7 +437,6 @@
     <c:legend>
       <c:legendPos val="b"/>
       <c:layout/>
-      <c:overlay val="0"/>
       <c:txPr>
         <a:bodyPr/>
         <a:lstStyle/>
@@ -481,44 +450,29 @@
     </c:legend>
     <c:plotVisOnly val="1"/>
     <c:dispBlanksAs val="gap"/>
-    <c:showDLblsOverMax val="0"/>
   </c:chart>
-  <c:externalData r:id="rId1">
-    <c:autoUpdate val="0"/>
-  </c:externalData>
+  <c:externalData r:id="rId1"/>
 </c:chartSpace>
 </file>
 
 <file path=ppt/charts/chart2.xml><?xml version="1.0" encoding="utf-8"?>
 <c:chartSpace xmlns:c="http://schemas.openxmlformats.org/drawingml/2006/chart" xmlns:a="http://schemas.openxmlformats.org/drawingml/2006/main" xmlns:r="http://schemas.openxmlformats.org/officeDocument/2006/relationships">
-  <c:date1904 val="0"/>
   <c:lang val="es-AR"/>
-  <c:roundedCorners val="0"/>
-  <mc:AlternateContent xmlns:mc="http://schemas.openxmlformats.org/markup-compatibility/2006">
-    <mc:Choice xmlns:c14="http://schemas.microsoft.com/office/drawing/2007/8/2/chart" Requires="c14">
-      <c14:style val="102"/>
-    </mc:Choice>
-    <mc:Fallback>
-      <c:style val="2"/>
-    </mc:Fallback>
-  </mc:AlternateContent>
   <c:chart>
-    <c:autoTitleDeleted val="0"/>
     <c:plotArea>
       <c:layout>
         <c:manualLayout>
           <c:layoutTarget val="inner"/>
           <c:xMode val="edge"/>
           <c:yMode val="edge"/>
-          <c:x val="6.7896043958078731E-2"/>
+          <c:x val="6.7896043958078744E-2"/>
           <c:y val="2.71964380500932E-2"/>
-          <c:w val="0.91593677091434289"/>
-          <c:h val="0.80538177085262119"/>
+          <c:w val="0.91593677091434278"/>
+          <c:h val="0.80538177085262108"/>
         </c:manualLayout>
       </c:layout>
       <c:lineChart>
         <c:grouping val="standard"/>
-        <c:varyColors val="0"/>
         <c:ser>
           <c:idx val="0"/>
           <c:order val="0"/>
@@ -558,19 +512,19 @@
                   <c:v>3211.7647058823532</c:v>
                 </c:pt>
                 <c:pt idx="5">
-                  <c:v>4068.2352941176464</c:v>
+                  <c:v>4068.2352941176459</c:v>
                 </c:pt>
                 <c:pt idx="6">
-                  <c:v>5138.823529411764</c:v>
+                  <c:v>5138.8235294117658</c:v>
                 </c:pt>
                 <c:pt idx="7">
-                  <c:v>6423.5294117647063</c:v>
+                  <c:v>6423.5294117647072</c:v>
                 </c:pt>
                 <c:pt idx="8">
-                  <c:v>7494.1176470588225</c:v>
+                  <c:v>7494.1176470588234</c:v>
                 </c:pt>
                 <c:pt idx="9">
-                  <c:v>8564.7058823529405</c:v>
+                  <c:v>8564.7058823529424</c:v>
                 </c:pt>
                 <c:pt idx="10">
                   <c:v>18200</c:v>
@@ -617,7 +571,6 @@
               </c:numCache>
             </c:numRef>
           </c:val>
-          <c:smooth val="0"/>
         </c:ser>
         <c:ser>
           <c:idx val="1"/>
@@ -652,13 +605,13 @@
                   <c:v>3358.8235294117649</c:v>
                 </c:pt>
                 <c:pt idx="3">
-                  <c:v>3988.2352941176468</c:v>
+                  <c:v>3988.2352941176464</c:v>
                 </c:pt>
                 <c:pt idx="4">
                   <c:v>5835.2941176470595</c:v>
                 </c:pt>
                 <c:pt idx="5">
-                  <c:v>7136.4705882352937</c:v>
+                  <c:v>7136.4705882352928</c:v>
                 </c:pt>
                 <c:pt idx="6">
                   <c:v>8983.5294117647063</c:v>
@@ -670,10 +623,10 @@
                   <c:v>11752.941176470587</c:v>
                 </c:pt>
                 <c:pt idx="9">
-                  <c:v>13011.764705882353</c:v>
+                  <c:v>13011.764705882355</c:v>
                 </c:pt>
                 <c:pt idx="10">
-                  <c:v>47870.588235294126</c:v>
+                  <c:v>47870.588235294148</c:v>
                 </c:pt>
                 <c:pt idx="11">
                   <c:v>57100</c:v>
@@ -717,7 +670,6 @@
               </c:numCache>
             </c:numRef>
           </c:val>
-          <c:smooth val="0"/>
         </c:ser>
         <c:ser>
           <c:idx val="2"/>
@@ -746,16 +698,16 @@
                   <c:v>200</c:v>
                 </c:pt>
                 <c:pt idx="1">
-                  <c:v>294.11764705882354</c:v>
+                  <c:v>294.11764705882359</c:v>
                 </c:pt>
                 <c:pt idx="2">
-                  <c:v>441.1764705882353</c:v>
+                  <c:v>441.17647058823525</c:v>
                 </c:pt>
                 <c:pt idx="3">
-                  <c:v>588.23529411764707</c:v>
+                  <c:v>588.23529411764719</c:v>
                 </c:pt>
                 <c:pt idx="4">
-                  <c:v>882.35294117647061</c:v>
+                  <c:v>882.35294117647049</c:v>
                 </c:pt>
                 <c:pt idx="5">
                   <c:v>1117.6470588235293</c:v>
@@ -770,7 +722,7 @@
                   <c:v>2058.8235294117649</c:v>
                 </c:pt>
                 <c:pt idx="9">
-                  <c:v>2352.9411764705883</c:v>
+                  <c:v>2352.9411764705897</c:v>
                 </c:pt>
                 <c:pt idx="10">
                   <c:v>5000</c:v>
@@ -817,51 +769,35 @@
               </c:numCache>
             </c:numRef>
           </c:val>
-          <c:smooth val="0"/>
         </c:ser>
-        <c:dLbls>
-          <c:showLegendKey val="0"/>
-          <c:showVal val="0"/>
-          <c:showCatName val="0"/>
-          <c:showSerName val="0"/>
-          <c:showPercent val="0"/>
-          <c:showBubbleSize val="0"/>
-        </c:dLbls>
+        <c:dLbls/>
         <c:marker val="1"/>
-        <c:smooth val="0"/>
-        <c:axId val="78349824"/>
-        <c:axId val="78351360"/>
+        <c:axId val="65490304"/>
+        <c:axId val="65496192"/>
       </c:lineChart>
       <c:catAx>
-        <c:axId val="78349824"/>
+        <c:axId val="65490304"/>
         <c:scaling>
           <c:orientation val="minMax"/>
         </c:scaling>
-        <c:delete val="0"/>
         <c:axPos val="b"/>
-        <c:majorTickMark val="out"/>
-        <c:minorTickMark val="none"/>
         <c:tickLblPos val="nextTo"/>
-        <c:crossAx val="78351360"/>
+        <c:crossAx val="65496192"/>
         <c:crosses val="autoZero"/>
         <c:auto val="1"/>
         <c:lblAlgn val="ctr"/>
         <c:lblOffset val="100"/>
-        <c:noMultiLvlLbl val="0"/>
       </c:catAx>
       <c:valAx>
-        <c:axId val="78351360"/>
+        <c:axId val="65496192"/>
         <c:scaling>
           <c:orientation val="minMax"/>
         </c:scaling>
-        <c:delete val="0"/>
         <c:axPos val="l"/>
         <c:majorGridlines/>
         <c:numFmt formatCode="0" sourceLinked="1"/>
-        <c:majorTickMark val="out"/>
-        <c:minorTickMark val="none"/>
         <c:tickLblPos val="nextTo"/>
-        <c:crossAx val="78349824"/>
+        <c:crossAx val="65490304"/>
         <c:crosses val="autoZero"/>
         <c:crossBetween val="between"/>
       </c:valAx>
@@ -872,13 +808,12 @@
         <c:manualLayout>
           <c:xMode val="edge"/>
           <c:yMode val="edge"/>
-          <c:x val="3.1027121609798768E-2"/>
-          <c:y val="0.88968702551568346"/>
+          <c:x val="3.1027121609798772E-2"/>
+          <c:y val="0.88968702551568357"/>
           <c:w val="0.93239020122484695"/>
-          <c:h val="8.2535196706538763E-2"/>
+          <c:h val="8.2535196706538749E-2"/>
         </c:manualLayout>
       </c:layout>
-      <c:overlay val="0"/>
       <c:txPr>
         <a:bodyPr/>
         <a:lstStyle/>
@@ -892,11 +827,8 @@
     </c:legend>
     <c:plotVisOnly val="1"/>
     <c:dispBlanksAs val="gap"/>
-    <c:showDLblsOverMax val="0"/>
   </c:chart>
-  <c:externalData r:id="rId1">
-    <c:autoUpdate val="0"/>
-  </c:externalData>
+  <c:externalData r:id="rId1"/>
 </c:chartSpace>
 </file>
 
@@ -935,7 +867,7 @@
         <p:spPr>
           <a:xfrm>
             <a:off x="0" y="0"/>
-            <a:ext cx="2971800" cy="457200"/>
+            <a:ext cx="2889938" cy="496411"/>
           </a:xfrm>
           <a:prstGeom prst="rect">
             <a:avLst/>
@@ -965,8 +897,8 @@
         </p:nvSpPr>
         <p:spPr>
           <a:xfrm>
-            <a:off x="3884613" y="0"/>
-            <a:ext cx="2971800" cy="457200"/>
+            <a:off x="3777607" y="0"/>
+            <a:ext cx="2889938" cy="496411"/>
           </a:xfrm>
           <a:prstGeom prst="rect">
             <a:avLst/>
@@ -983,7 +915,7 @@
             <a:fld id="{F5423D00-7DDB-4217-941A-91DA7862F42C}" type="datetimeFigureOut">
               <a:rPr lang="es-AR" smtClean="0"/>
               <a:pPr/>
-              <a:t>04/08/2013</a:t>
+              <a:t>06/08/2013</a:t>
             </a:fld>
             <a:endParaRPr lang="es-AR"/>
           </a:p>
@@ -1001,8 +933,8 @@
         </p:nvSpPr>
         <p:spPr>
           <a:xfrm>
-            <a:off x="1143000" y="685800"/>
-            <a:ext cx="4572000" cy="3429000"/>
+            <a:off x="854075" y="744538"/>
+            <a:ext cx="4960938" cy="3722687"/>
           </a:xfrm>
           <a:prstGeom prst="rect">
             <a:avLst/>
@@ -1034,8 +966,8 @@
         </p:nvSpPr>
         <p:spPr>
           <a:xfrm>
-            <a:off x="685800" y="4343400"/>
-            <a:ext cx="5486400" cy="4114800"/>
+            <a:off x="666909" y="4715907"/>
+            <a:ext cx="5335270" cy="4467701"/>
           </a:xfrm>
           <a:prstGeom prst="rect">
             <a:avLst/>
@@ -1094,8 +1026,8 @@
         </p:nvSpPr>
         <p:spPr>
           <a:xfrm>
-            <a:off x="0" y="8685213"/>
-            <a:ext cx="2971800" cy="457200"/>
+            <a:off x="0" y="9430091"/>
+            <a:ext cx="2889938" cy="496411"/>
           </a:xfrm>
           <a:prstGeom prst="rect">
             <a:avLst/>
@@ -1125,8 +1057,8 @@
         </p:nvSpPr>
         <p:spPr>
           <a:xfrm>
-            <a:off x="3884613" y="8685213"/>
-            <a:ext cx="2971800" cy="457200"/>
+            <a:off x="3777607" y="9430091"/>
+            <a:ext cx="2889938" cy="496411"/>
           </a:xfrm>
           <a:prstGeom prst="rect">
             <a:avLst/>
@@ -1152,7 +1084,7 @@
     </p:spTree>
     <p:extLst>
       <p:ext uri="{BB962C8B-B14F-4D97-AF65-F5344CB8AC3E}">
-        <p14:creationId xmlns:p14="http://schemas.microsoft.com/office/powerpoint/2010/main" val="2280170094"/>
+        <p14:creationId xmlns:p14="http://schemas.microsoft.com/office/powerpoint/2010/main" xmlns="" val="2280170094"/>
       </p:ext>
     </p:extLst>
   </p:cSld>
@@ -1341,7 +1273,7 @@
     </p:spTree>
     <p:extLst>
       <p:ext uri="{BB962C8B-B14F-4D97-AF65-F5344CB8AC3E}">
-        <p14:creationId xmlns:p14="http://schemas.microsoft.com/office/powerpoint/2010/main" val="452615974"/>
+        <p14:creationId xmlns:p14="http://schemas.microsoft.com/office/powerpoint/2010/main" xmlns="" val="452615974"/>
       </p:ext>
     </p:extLst>
   </p:cSld>
@@ -1621,7 +1553,78 @@
                 <a:ea typeface="+mn-ea"/>
                 <a:cs typeface="+mn-cs"/>
               </a:rPr>
-              <a:t>En lo referente a ingresos, las mismas serían al </a:t>
+              <a:t>En lo referente a ingresos, </a:t>
+            </a:r>
+            <a:r>
+              <a:rPr lang="es-AR" sz="1200" b="0" i="0" kern="1200" baseline="0" dirty="0" smtClean="0">
+                <a:solidFill>
+                  <a:schemeClr val="tx1"/>
+                </a:solidFill>
+                <a:effectLst/>
+                <a:latin typeface="+mn-lt"/>
+                <a:ea typeface="+mn-ea"/>
+                <a:cs typeface="+mn-cs"/>
+              </a:rPr>
+              <a:t>los mismos </a:t>
+            </a:r>
+            <a:r>
+              <a:rPr lang="es-AR" sz="1200" b="0" i="0" kern="1200" baseline="0" dirty="0" smtClean="0">
+                <a:solidFill>
+                  <a:schemeClr val="tx1"/>
+                </a:solidFill>
+                <a:effectLst/>
+                <a:latin typeface="+mn-lt"/>
+                <a:ea typeface="+mn-ea"/>
+                <a:cs typeface="+mn-cs"/>
+              </a:rPr>
+              <a:t>serían al </a:t>
+            </a:r>
+            <a:r>
+              <a:rPr lang="es-AR" sz="1200" b="0" i="0" kern="1200" baseline="0" dirty="0" smtClean="0">
+                <a:solidFill>
+                  <a:schemeClr val="tx1"/>
+                </a:solidFill>
+                <a:effectLst/>
+                <a:latin typeface="+mn-lt"/>
+                <a:ea typeface="+mn-ea"/>
+                <a:cs typeface="+mn-cs"/>
+              </a:rPr>
+              <a:t>alcanzar </a:t>
+            </a:r>
+            <a:r>
+              <a:rPr lang="es-AR" sz="1200" b="0" i="0" kern="1200" baseline="0" dirty="0" smtClean="0">
+                <a:solidFill>
+                  <a:schemeClr val="tx1"/>
+                </a:solidFill>
+                <a:effectLst/>
+                <a:latin typeface="+mn-lt"/>
+                <a:ea typeface="+mn-ea"/>
+                <a:cs typeface="+mn-cs"/>
+              </a:rPr>
+              <a:t>los 2 años de entre los 270k a 400k al mes, teniendo en cuenta los mismos precios para las publicidades que en el escenario anterior. </a:t>
+            </a:r>
+            <a:endParaRPr lang="es-AR" sz="1200" b="0" i="0" kern="1200" baseline="0" dirty="0" smtClean="0">
+              <a:solidFill>
+                <a:schemeClr val="tx1"/>
+              </a:solidFill>
+              <a:effectLst/>
+              <a:latin typeface="+mn-lt"/>
+              <a:ea typeface="+mn-ea"/>
+              <a:cs typeface="+mn-cs"/>
+            </a:endParaRPr>
+          </a:p>
+          <a:p>
+            <a:r>
+              <a:rPr lang="es-AR" sz="1200" b="0" i="0" kern="1200" baseline="0" dirty="0" smtClean="0">
+                <a:solidFill>
+                  <a:schemeClr val="tx1"/>
+                </a:solidFill>
+                <a:effectLst/>
+                <a:latin typeface="+mn-lt"/>
+                <a:ea typeface="+mn-ea"/>
+                <a:cs typeface="+mn-cs"/>
+              </a:rPr>
+              <a:t>EN lo referente a los gastos, los mismos serían proporcionalmente algo más elevados (entre el 21%-23%) ya que es necesario contar con un grupo de desarrolladores para mantener la actualización de la aplicación. Esto nos </a:t>
             </a:r>
             <a:r>
               <a:rPr lang="es-AR" sz="1200" b="0" i="0" kern="1200" baseline="0" dirty="0" err="1" smtClean="0">
@@ -1633,7 +1636,7 @@
                 <a:ea typeface="+mn-ea"/>
                 <a:cs typeface="+mn-cs"/>
               </a:rPr>
-              <a:t>alzancar</a:t>
+              <a:t>daria</a:t>
             </a:r>
             <a:r>
               <a:rPr lang="es-AR" sz="1200" b="0" i="0" kern="1200" baseline="0" dirty="0" smtClean="0">
@@ -1645,8 +1648,65 @@
                 <a:ea typeface="+mn-ea"/>
                 <a:cs typeface="+mn-cs"/>
               </a:rPr>
-              <a:t> los 2 años de entre los 270k a 400k al mes, teniendo en cuenta los mismos precios para las publicidades que en el escenario anterior. Como pueden ver, un gran negocio.</a:t>
-            </a:r>
+              <a:t> unas </a:t>
+            </a:r>
+            <a:r>
+              <a:rPr lang="es-AR" sz="1200" b="0" i="0" kern="1200" baseline="0" dirty="0" err="1" smtClean="0">
+                <a:solidFill>
+                  <a:schemeClr val="tx1"/>
+                </a:solidFill>
+                <a:effectLst/>
+                <a:latin typeface="+mn-lt"/>
+                <a:ea typeface="+mn-ea"/>
+                <a:cs typeface="+mn-cs"/>
+              </a:rPr>
+              <a:t>ganacias</a:t>
+            </a:r>
+            <a:r>
+              <a:rPr lang="es-AR" sz="1200" b="0" i="0" kern="1200" baseline="0" dirty="0" smtClean="0">
+                <a:solidFill>
+                  <a:schemeClr val="tx1"/>
+                </a:solidFill>
+                <a:effectLst/>
+                <a:latin typeface="+mn-lt"/>
+                <a:ea typeface="+mn-ea"/>
+                <a:cs typeface="+mn-cs"/>
+              </a:rPr>
+              <a:t> de aproximadamente 200 a 300k. Como </a:t>
+            </a:r>
+            <a:r>
+              <a:rPr lang="es-AR" sz="1200" b="0" i="0" kern="1200" baseline="0" dirty="0" smtClean="0">
+                <a:solidFill>
+                  <a:schemeClr val="tx1"/>
+                </a:solidFill>
+                <a:effectLst/>
+                <a:latin typeface="+mn-lt"/>
+                <a:ea typeface="+mn-ea"/>
+                <a:cs typeface="+mn-cs"/>
+              </a:rPr>
+              <a:t>pueden ver, un gran negocio</a:t>
+            </a:r>
+            <a:r>
+              <a:rPr lang="es-AR" sz="1200" b="0" i="0" kern="1200" baseline="0" dirty="0" smtClean="0">
+                <a:solidFill>
+                  <a:schemeClr val="tx1"/>
+                </a:solidFill>
+                <a:effectLst/>
+                <a:latin typeface="+mn-lt"/>
+                <a:ea typeface="+mn-ea"/>
+                <a:cs typeface="+mn-cs"/>
+              </a:rPr>
+              <a:t>. </a:t>
+            </a:r>
+            <a:endParaRPr lang="es-AR" sz="1200" b="0" i="0" kern="1200" baseline="0" dirty="0" smtClean="0">
+              <a:solidFill>
+                <a:schemeClr val="tx1"/>
+              </a:solidFill>
+              <a:effectLst/>
+              <a:latin typeface="+mn-lt"/>
+              <a:ea typeface="+mn-ea"/>
+              <a:cs typeface="+mn-cs"/>
+            </a:endParaRPr>
           </a:p>
           <a:p>
             <a:r>
@@ -1777,7 +1837,7 @@
     </p:spTree>
     <p:extLst>
       <p:ext uri="{BB962C8B-B14F-4D97-AF65-F5344CB8AC3E}">
-        <p14:creationId xmlns:p14="http://schemas.microsoft.com/office/powerpoint/2010/main" val="3000085410"/>
+        <p14:creationId xmlns:p14="http://schemas.microsoft.com/office/powerpoint/2010/main" xmlns="" val="3000085410"/>
       </p:ext>
     </p:extLst>
   </p:cSld>
@@ -3211,7 +3271,7 @@
     </p:spTree>
     <p:extLst>
       <p:ext uri="{BB962C8B-B14F-4D97-AF65-F5344CB8AC3E}">
-        <p14:creationId xmlns:p14="http://schemas.microsoft.com/office/powerpoint/2010/main" val="2610191261"/>
+        <p14:creationId xmlns:p14="http://schemas.microsoft.com/office/powerpoint/2010/main" xmlns="" val="2610191261"/>
       </p:ext>
     </p:extLst>
   </p:cSld>
@@ -3472,7 +3532,7 @@
     </p:spTree>
     <p:extLst>
       <p:ext uri="{BB962C8B-B14F-4D97-AF65-F5344CB8AC3E}">
-        <p14:creationId xmlns:p14="http://schemas.microsoft.com/office/powerpoint/2010/main" val="1052945588"/>
+        <p14:creationId xmlns:p14="http://schemas.microsoft.com/office/powerpoint/2010/main" xmlns="" val="1052945588"/>
       </p:ext>
     </p:extLst>
   </p:cSld>
@@ -4012,7 +4072,7 @@
     </p:spTree>
     <p:extLst>
       <p:ext uri="{BB962C8B-B14F-4D97-AF65-F5344CB8AC3E}">
-        <p14:creationId xmlns:p14="http://schemas.microsoft.com/office/powerpoint/2010/main" val="84732664"/>
+        <p14:creationId xmlns:p14="http://schemas.microsoft.com/office/powerpoint/2010/main" xmlns="" val="84732664"/>
       </p:ext>
     </p:extLst>
   </p:cSld>
@@ -4267,7 +4327,7 @@
     </p:spTree>
     <p:extLst>
       <p:ext uri="{BB962C8B-B14F-4D97-AF65-F5344CB8AC3E}">
-        <p14:creationId xmlns:p14="http://schemas.microsoft.com/office/powerpoint/2010/main" val="3325332095"/>
+        <p14:creationId xmlns:p14="http://schemas.microsoft.com/office/powerpoint/2010/main" xmlns="" val="3325332095"/>
       </p:ext>
     </p:extLst>
   </p:cSld>
@@ -4323,19 +4383,7 @@
           <a:p>
             <a:r>
               <a:rPr lang="es-AR" dirty="0" smtClean="0"/>
-              <a:t>La aplicación que </a:t>
-            </a:r>
-            <a:r>
-              <a:rPr lang="es-AR" dirty="0" smtClean="0"/>
-              <a:t>proponemos </a:t>
-            </a:r>
-            <a:r>
-              <a:rPr lang="es-AR" dirty="0" smtClean="0"/>
-              <a:t>permite contar con todas estas prestaciones que mostramos</a:t>
-            </a:r>
-            <a:r>
-              <a:rPr lang="es-AR" dirty="0" smtClean="0"/>
-              <a:t>.</a:t>
+              <a:t>La aplicación que proponemos permite contar con todas estas prestaciones que mostramos.</a:t>
             </a:r>
           </a:p>
           <a:p>
@@ -4418,7 +4466,7 @@
     </p:spTree>
     <p:extLst>
       <p:ext uri="{BB962C8B-B14F-4D97-AF65-F5344CB8AC3E}">
-        <p14:creationId xmlns:p14="http://schemas.microsoft.com/office/powerpoint/2010/main" val="685780543"/>
+        <p14:creationId xmlns:p14="http://schemas.microsoft.com/office/powerpoint/2010/main" xmlns="" val="685780543"/>
       </p:ext>
     </p:extLst>
   </p:cSld>
@@ -4535,7 +4583,7 @@
     </p:spTree>
     <p:extLst>
       <p:ext uri="{BB962C8B-B14F-4D97-AF65-F5344CB8AC3E}">
-        <p14:creationId xmlns:p14="http://schemas.microsoft.com/office/powerpoint/2010/main" val="448154425"/>
+        <p14:creationId xmlns:p14="http://schemas.microsoft.com/office/powerpoint/2010/main" xmlns="" val="448154425"/>
       </p:ext>
     </p:extLst>
   </p:cSld>
@@ -4601,7 +4649,11 @@
           <a:p>
             <a:r>
               <a:rPr lang="es-AR" baseline="0" dirty="0" smtClean="0"/>
-              <a:t>La publicidad embebida en la aplicación genera ingresos tanto por cantidad de </a:t>
+              <a:t>La publicidad embebida en la aplicación genera ingresos tanto </a:t>
+            </a:r>
+            <a:r>
+              <a:rPr lang="es-AR" baseline="0" dirty="0" smtClean="0"/>
+              <a:t>por cantidad de </a:t>
             </a:r>
             <a:r>
               <a:rPr lang="es-AR" baseline="0" dirty="0" err="1" smtClean="0"/>
@@ -4609,7 +4661,11 @@
             </a:r>
             <a:r>
               <a:rPr lang="es-AR" baseline="0" dirty="0" smtClean="0"/>
-              <a:t>, es decir cada vez que un usuario accede a la aplicación, como por cantidad de </a:t>
+              <a:t>, </a:t>
+            </a:r>
+            <a:r>
+              <a:rPr lang="es-AR" baseline="0" dirty="0" smtClean="0"/>
+              <a:t>es decir cada vez que un usuario accede a la aplicación, como por cantidad de </a:t>
             </a:r>
             <a:r>
               <a:rPr lang="es-AR" baseline="0" dirty="0" err="1" smtClean="0"/>
@@ -4631,8 +4687,128 @@
             </a:r>
             <a:r>
               <a:rPr lang="es-AR" baseline="0" dirty="0" smtClean="0"/>
-              <a:t> del negocio, teniendo en cuenta este ingreso inmediato.</a:t>
-            </a:r>
+              <a:t> del negocio, teniendo en cuenta este ingreso inmediato</a:t>
+            </a:r>
+            <a:r>
+              <a:rPr lang="es-AR" baseline="0" dirty="0" smtClean="0"/>
+              <a:t>.</a:t>
+            </a:r>
+          </a:p>
+          <a:p>
+            <a:pPr marL="0" marR="0" indent="0" algn="l" defTabSz="914400" rtl="0" eaLnBrk="1" fontAlgn="auto" latinLnBrk="0" hangingPunct="1">
+              <a:lnSpc>
+                <a:spcPct val="100000"/>
+              </a:lnSpc>
+              <a:spcBef>
+                <a:spcPts val="0"/>
+              </a:spcBef>
+              <a:spcAft>
+                <a:spcPts val="0"/>
+              </a:spcAft>
+              <a:buClrTx/>
+              <a:buSzTx/>
+              <a:buFontTx/>
+              <a:buNone/>
+              <a:tabLst/>
+              <a:defRPr/>
+            </a:pPr>
+            <a:endParaRPr lang="es-AR" baseline="0" dirty="0" smtClean="0"/>
+          </a:p>
+          <a:p>
+            <a:pPr marL="0" marR="0" indent="0" algn="l" defTabSz="914400" rtl="0" eaLnBrk="1" fontAlgn="auto" latinLnBrk="0" hangingPunct="1">
+              <a:lnSpc>
+                <a:spcPct val="100000"/>
+              </a:lnSpc>
+              <a:spcBef>
+                <a:spcPts val="0"/>
+              </a:spcBef>
+              <a:spcAft>
+                <a:spcPts val="0"/>
+              </a:spcAft>
+              <a:buClrTx/>
+              <a:buSzTx/>
+              <a:buFontTx/>
+              <a:buNone/>
+              <a:tabLst/>
+              <a:defRPr/>
+            </a:pPr>
+            <a:r>
+              <a:rPr lang="es-AR" baseline="0" dirty="0" smtClean="0"/>
+              <a:t>Para los escenarios que mostraremos a continuación se ha tenido en cuenta ingresos provenientes de la publicidad y de la </a:t>
+            </a:r>
+            <a:r>
+              <a:rPr lang="es-AR" baseline="0" dirty="0" err="1" smtClean="0"/>
+              <a:t>version</a:t>
+            </a:r>
+            <a:r>
+              <a:rPr lang="es-AR" baseline="0" dirty="0" smtClean="0"/>
+              <a:t> paga:</a:t>
+            </a:r>
+          </a:p>
+          <a:p>
+            <a:pPr marL="0" marR="0" indent="0" algn="l" defTabSz="914400" rtl="0" eaLnBrk="1" fontAlgn="auto" latinLnBrk="0" hangingPunct="1">
+              <a:lnSpc>
+                <a:spcPct val="100000"/>
+              </a:lnSpc>
+              <a:spcBef>
+                <a:spcPts val="0"/>
+              </a:spcBef>
+              <a:spcAft>
+                <a:spcPts val="0"/>
+              </a:spcAft>
+              <a:buClrTx/>
+              <a:buSzTx/>
+              <a:buFontTx/>
+              <a:buNone/>
+              <a:tabLst/>
+              <a:defRPr/>
+            </a:pPr>
+            <a:r>
+              <a:rPr lang="es-AR" baseline="0" dirty="0" smtClean="0"/>
+              <a:t>la descarga de aplicación a 1 dólar (para la versión paga) los ingresos por </a:t>
+            </a:r>
+            <a:r>
+              <a:rPr lang="es-AR" baseline="0" dirty="0" err="1" smtClean="0"/>
+              <a:t>google</a:t>
+            </a:r>
+            <a:r>
+              <a:rPr lang="es-AR" baseline="0" dirty="0" smtClean="0"/>
+              <a:t> </a:t>
+            </a:r>
+            <a:r>
+              <a:rPr lang="es-AR" baseline="0" dirty="0" err="1" smtClean="0"/>
+              <a:t>Adds</a:t>
+            </a:r>
+            <a:r>
+              <a:rPr lang="es-AR" baseline="0" dirty="0" smtClean="0"/>
+              <a:t> en base a la cantidad de vistas y </a:t>
+            </a:r>
+            <a:r>
+              <a:rPr lang="es-AR" baseline="0" dirty="0" err="1" smtClean="0"/>
+              <a:t>clicks</a:t>
+            </a:r>
+            <a:r>
+              <a:rPr lang="es-AR" baseline="0" dirty="0" smtClean="0"/>
+              <a:t>. Para esto último se ha considerado los valores más bajos del mercado, es decir, tan solo 15 (15-30)  centavos por </a:t>
+            </a:r>
+            <a:r>
+              <a:rPr lang="es-AR" baseline="0" dirty="0" err="1" smtClean="0"/>
+              <a:t>clicks</a:t>
+            </a:r>
+            <a:r>
+              <a:rPr lang="es-AR" baseline="0" dirty="0" smtClean="0"/>
+              <a:t>, una probabilidad de </a:t>
+            </a:r>
+            <a:r>
+              <a:rPr lang="es-AR" baseline="0" dirty="0" err="1" smtClean="0"/>
+              <a:t>click</a:t>
+            </a:r>
+            <a:r>
+              <a:rPr lang="es-AR" baseline="0" dirty="0" smtClean="0"/>
+              <a:t> de 1,5% (1,5%-2,5%)  y 10 centavo por cada mil vistas.</a:t>
+            </a:r>
+          </a:p>
+          <a:p>
             <a:endParaRPr lang="es-AR" dirty="0"/>
           </a:p>
         </p:txBody>
@@ -4664,7 +4840,7 @@
     </p:spTree>
     <p:extLst>
       <p:ext uri="{BB962C8B-B14F-4D97-AF65-F5344CB8AC3E}">
-        <p14:creationId xmlns:p14="http://schemas.microsoft.com/office/powerpoint/2010/main" val="1057133531"/>
+        <p14:creationId xmlns:p14="http://schemas.microsoft.com/office/powerpoint/2010/main" xmlns="" val="1057133531"/>
       </p:ext>
     </p:extLst>
   </p:cSld>
@@ -4766,61 +4942,38 @@
             </a:r>
           </a:p>
           <a:p>
-            <a:r>
-              <a:rPr lang="es-AR" baseline="0" dirty="0" smtClean="0"/>
-              <a:t>Para las ganancias se ha tenido en cuenta la descarga de aplicación a 1 dólar (para la versión paga) y las ganancias por </a:t>
+            <a:endParaRPr lang="es-AR" baseline="0" dirty="0" smtClean="0"/>
+          </a:p>
+          <a:p>
+            <a:r>
+              <a:rPr lang="es-AR" baseline="0" dirty="0" smtClean="0"/>
+              <a:t>En </a:t>
+            </a:r>
+            <a:r>
+              <a:rPr lang="es-AR" baseline="0" dirty="0" smtClean="0"/>
+              <a:t>este gráfico se puede ver como la aplicación crecería fuertemente hasta el mes 11, llegando a los 100mil usuarios y finalmente iría disminuyendo su crecimiento a partir de ahí hasta estancarse en 160mil usuarios. </a:t>
+            </a:r>
+          </a:p>
+          <a:p>
+            <a:r>
+              <a:rPr lang="es-AR" baseline="0" dirty="0" smtClean="0"/>
+              <a:t>En lo referente </a:t>
+            </a:r>
+            <a:r>
+              <a:rPr lang="es-AR" baseline="0" dirty="0" smtClean="0"/>
+              <a:t>la </a:t>
             </a:r>
             <a:r>
               <a:rPr lang="es-AR" baseline="0" dirty="0" err="1" smtClean="0"/>
-              <a:t>google</a:t>
-            </a:r>
-            <a:r>
-              <a:rPr lang="es-AR" baseline="0" dirty="0" smtClean="0"/>
-              <a:t> </a:t>
-            </a:r>
-            <a:r>
-              <a:rPr lang="es-AR" baseline="0" dirty="0" err="1" smtClean="0"/>
-              <a:t>Adds</a:t>
-            </a:r>
-            <a:r>
-              <a:rPr lang="es-AR" baseline="0" dirty="0" smtClean="0"/>
-              <a:t> en base a la cantidad de vistas y </a:t>
-            </a:r>
-            <a:r>
-              <a:rPr lang="es-AR" baseline="0" dirty="0" err="1" smtClean="0"/>
-              <a:t>clicks</a:t>
-            </a:r>
-            <a:r>
-              <a:rPr lang="es-AR" baseline="0" dirty="0" smtClean="0"/>
-              <a:t>. Para esto último se ha considerado los valores más bajos del mercado, es decir, tan solo 15 (15-30)  centavos por </a:t>
-            </a:r>
-            <a:r>
-              <a:rPr lang="es-AR" baseline="0" dirty="0" err="1" smtClean="0"/>
-              <a:t>clicks</a:t>
-            </a:r>
-            <a:r>
-              <a:rPr lang="es-AR" baseline="0" dirty="0" smtClean="0"/>
-              <a:t>, una probabilidad de </a:t>
-            </a:r>
-            <a:r>
-              <a:rPr lang="es-AR" baseline="0" dirty="0" err="1" smtClean="0"/>
-              <a:t>click</a:t>
-            </a:r>
-            <a:r>
-              <a:rPr lang="es-AR" baseline="0" dirty="0" smtClean="0"/>
-              <a:t> de 1,5% (1,5%-2,5%)  y 10 centavo por cada mil vistas.</a:t>
-            </a:r>
-          </a:p>
-          <a:p>
-            <a:r>
-              <a:rPr lang="es-AR" baseline="0" dirty="0" smtClean="0"/>
-              <a:t>En este gráfico se puede ver como la aplicación crecería fuertemente hasta el mes 11, llegando a los 100mil usuarios y finalmente iría disminuyendo su crecimiento a partir de ahí hasta estancarse en 160mil usuarios. </a:t>
-            </a:r>
-          </a:p>
-          <a:p>
-            <a:r>
-              <a:rPr lang="es-AR" baseline="0" dirty="0" smtClean="0"/>
-              <a:t>En lo referente a las ganancias, las mismas acompañan el crecimiento de la cantidad de usuarios, teniendo en el caso de la versión paga un crecimiento mas pronunciado mientras la aplicación este en plena expansión (casi 7k </a:t>
+              <a:t>variacion</a:t>
+            </a:r>
+            <a:r>
+              <a:rPr lang="es-AR" baseline="0" dirty="0" smtClean="0"/>
+              <a:t> de los ingresos, los </a:t>
+            </a:r>
+            <a:r>
+              <a:rPr lang="es-AR" baseline="0" dirty="0" smtClean="0"/>
+              <a:t>mismas acompañan el crecimiento de la cantidad de usuarios, teniendo en el caso de la versión paga un crecimiento mas pronunciado mientras la aplicación este en plena expansión (casi 7k </a:t>
             </a:r>
             <a:r>
               <a:rPr lang="es-AR" baseline="0" dirty="0" err="1" smtClean="0"/>
@@ -4834,8 +4987,19 @@
           <a:p>
             <a:r>
               <a:rPr lang="es-AR" baseline="0" dirty="0" smtClean="0"/>
-              <a:t>Teniendo en cuenta que el gasto para mantener la aplicación son casi mínimos (tan solo un servidor) , casi todo sería ganancias.</a:t>
-            </a:r>
+              <a:t>Los gastos para mantener la aplicación son entre el 19-21%, de acuerdo al escenario y otras variables. Para calcular los gastos, hemos tenido supuesto que almacenaremos la información en la nube y hemos calculado los precios basado en esto. Se han sumado el valor de almacenamiento, </a:t>
+            </a:r>
+            <a:r>
+              <a:rPr lang="es-AR" baseline="0" dirty="0" err="1" smtClean="0"/>
+              <a:t>asi</a:t>
+            </a:r>
+            <a:r>
+              <a:rPr lang="es-AR" baseline="0" dirty="0" smtClean="0"/>
+              <a:t> como de transferencia de datos.</a:t>
+            </a:r>
+          </a:p>
+          <a:p>
+            <a:endParaRPr lang="es-AR" baseline="0" dirty="0" smtClean="0"/>
           </a:p>
           <a:p>
             <a:r>
@@ -4856,7 +5020,15 @@
             </a:r>
             <a:r>
               <a:rPr lang="es-AR" baseline="0" dirty="0" smtClean="0"/>
-              <a:t> en un futuro y considerando tan solo una expansión del 3%, el negocio no daría perdidas y hasta estaría brindando un margen de ganancias.</a:t>
+              <a:t> en un futuro y considerando tan solo una expansión del 3%, el negocio no daría perdidas y hasta estaría brindando un </a:t>
+            </a:r>
+            <a:r>
+              <a:rPr lang="es-AR" baseline="0" dirty="0" smtClean="0"/>
+              <a:t>margen </a:t>
+            </a:r>
+            <a:r>
+              <a:rPr lang="es-AR" baseline="0" dirty="0" smtClean="0"/>
+              <a:t>de ganancias.</a:t>
             </a:r>
           </a:p>
           <a:p>
@@ -4894,7 +5066,7 @@
     </p:spTree>
     <p:extLst>
       <p:ext uri="{BB962C8B-B14F-4D97-AF65-F5344CB8AC3E}">
-        <p14:creationId xmlns:p14="http://schemas.microsoft.com/office/powerpoint/2010/main" val="3003342862"/>
+        <p14:creationId xmlns:p14="http://schemas.microsoft.com/office/powerpoint/2010/main" xmlns="" val="3003342862"/>
       </p:ext>
     </p:extLst>
   </p:cSld>
@@ -5086,7 +5258,7 @@
             <a:fld id="{A7BD7AA0-4159-4CB0-B2DE-5811B6B83B79}" type="datetimeFigureOut">
               <a:rPr lang="es-AR" smtClean="0"/>
               <a:pPr/>
-              <a:t>04/08/2013</a:t>
+              <a:t>06/08/2013</a:t>
             </a:fld>
             <a:endParaRPr lang="es-AR"/>
           </a:p>
@@ -5138,7 +5310,7 @@
     </p:spTree>
     <p:extLst>
       <p:ext uri="{BB962C8B-B14F-4D97-AF65-F5344CB8AC3E}">
-        <p14:creationId xmlns:p14="http://schemas.microsoft.com/office/powerpoint/2010/main" val="4071340637"/>
+        <p14:creationId xmlns:p14="http://schemas.microsoft.com/office/powerpoint/2010/main" xmlns="" val="4071340637"/>
       </p:ext>
     </p:extLst>
   </p:cSld>
@@ -5258,7 +5430,7 @@
             <a:fld id="{A7BD7AA0-4159-4CB0-B2DE-5811B6B83B79}" type="datetimeFigureOut">
               <a:rPr lang="es-AR" smtClean="0"/>
               <a:pPr/>
-              <a:t>04/08/2013</a:t>
+              <a:t>06/08/2013</a:t>
             </a:fld>
             <a:endParaRPr lang="es-AR"/>
           </a:p>
@@ -5310,7 +5482,7 @@
     </p:spTree>
     <p:extLst>
       <p:ext uri="{BB962C8B-B14F-4D97-AF65-F5344CB8AC3E}">
-        <p14:creationId xmlns:p14="http://schemas.microsoft.com/office/powerpoint/2010/main" val="1409430677"/>
+        <p14:creationId xmlns:p14="http://schemas.microsoft.com/office/powerpoint/2010/main" xmlns="" val="1409430677"/>
       </p:ext>
     </p:extLst>
   </p:cSld>
@@ -5440,7 +5612,7 @@
             <a:fld id="{A7BD7AA0-4159-4CB0-B2DE-5811B6B83B79}" type="datetimeFigureOut">
               <a:rPr lang="es-AR" smtClean="0"/>
               <a:pPr/>
-              <a:t>04/08/2013</a:t>
+              <a:t>06/08/2013</a:t>
             </a:fld>
             <a:endParaRPr lang="es-AR"/>
           </a:p>
@@ -5492,7 +5664,7 @@
     </p:spTree>
     <p:extLst>
       <p:ext uri="{BB962C8B-B14F-4D97-AF65-F5344CB8AC3E}">
-        <p14:creationId xmlns:p14="http://schemas.microsoft.com/office/powerpoint/2010/main" val="162565899"/>
+        <p14:creationId xmlns:p14="http://schemas.microsoft.com/office/powerpoint/2010/main" xmlns="" val="162565899"/>
       </p:ext>
     </p:extLst>
   </p:cSld>
@@ -5612,7 +5784,7 @@
             <a:fld id="{A7BD7AA0-4159-4CB0-B2DE-5811B6B83B79}" type="datetimeFigureOut">
               <a:rPr lang="es-AR" smtClean="0"/>
               <a:pPr/>
-              <a:t>04/08/2013</a:t>
+              <a:t>06/08/2013</a:t>
             </a:fld>
             <a:endParaRPr lang="es-AR"/>
           </a:p>
@@ -5664,7 +5836,7 @@
     </p:spTree>
     <p:extLst>
       <p:ext uri="{BB962C8B-B14F-4D97-AF65-F5344CB8AC3E}">
-        <p14:creationId xmlns:p14="http://schemas.microsoft.com/office/powerpoint/2010/main" val="1601180198"/>
+        <p14:creationId xmlns:p14="http://schemas.microsoft.com/office/powerpoint/2010/main" xmlns="" val="1601180198"/>
       </p:ext>
     </p:extLst>
   </p:cSld>
@@ -5860,7 +6032,7 @@
             <a:fld id="{A7BD7AA0-4159-4CB0-B2DE-5811B6B83B79}" type="datetimeFigureOut">
               <a:rPr lang="es-AR" smtClean="0"/>
               <a:pPr/>
-              <a:t>04/08/2013</a:t>
+              <a:t>06/08/2013</a:t>
             </a:fld>
             <a:endParaRPr lang="es-AR"/>
           </a:p>
@@ -5912,7 +6084,7 @@
     </p:spTree>
     <p:extLst>
       <p:ext uri="{BB962C8B-B14F-4D97-AF65-F5344CB8AC3E}">
-        <p14:creationId xmlns:p14="http://schemas.microsoft.com/office/powerpoint/2010/main" val="472115813"/>
+        <p14:creationId xmlns:p14="http://schemas.microsoft.com/office/powerpoint/2010/main" xmlns="" val="472115813"/>
       </p:ext>
     </p:extLst>
   </p:cSld>
@@ -6150,7 +6322,7 @@
             <a:fld id="{A7BD7AA0-4159-4CB0-B2DE-5811B6B83B79}" type="datetimeFigureOut">
               <a:rPr lang="es-AR" smtClean="0"/>
               <a:pPr/>
-              <a:t>04/08/2013</a:t>
+              <a:t>06/08/2013</a:t>
             </a:fld>
             <a:endParaRPr lang="es-AR"/>
           </a:p>
@@ -6202,7 +6374,7 @@
     </p:spTree>
     <p:extLst>
       <p:ext uri="{BB962C8B-B14F-4D97-AF65-F5344CB8AC3E}">
-        <p14:creationId xmlns:p14="http://schemas.microsoft.com/office/powerpoint/2010/main" val="593189153"/>
+        <p14:creationId xmlns:p14="http://schemas.microsoft.com/office/powerpoint/2010/main" xmlns="" val="593189153"/>
       </p:ext>
     </p:extLst>
   </p:cSld>
@@ -6574,7 +6746,7 @@
             <a:fld id="{A7BD7AA0-4159-4CB0-B2DE-5811B6B83B79}" type="datetimeFigureOut">
               <a:rPr lang="es-AR" smtClean="0"/>
               <a:pPr/>
-              <a:t>04/08/2013</a:t>
+              <a:t>06/08/2013</a:t>
             </a:fld>
             <a:endParaRPr lang="es-AR"/>
           </a:p>
@@ -6626,7 +6798,7 @@
     </p:spTree>
     <p:extLst>
       <p:ext uri="{BB962C8B-B14F-4D97-AF65-F5344CB8AC3E}">
-        <p14:creationId xmlns:p14="http://schemas.microsoft.com/office/powerpoint/2010/main" val="4057715406"/>
+        <p14:creationId xmlns:p14="http://schemas.microsoft.com/office/powerpoint/2010/main" xmlns="" val="4057715406"/>
       </p:ext>
     </p:extLst>
   </p:cSld>
@@ -6694,7 +6866,7 @@
             <a:fld id="{A7BD7AA0-4159-4CB0-B2DE-5811B6B83B79}" type="datetimeFigureOut">
               <a:rPr lang="es-AR" smtClean="0"/>
               <a:pPr/>
-              <a:t>04/08/2013</a:t>
+              <a:t>06/08/2013</a:t>
             </a:fld>
             <a:endParaRPr lang="es-AR"/>
           </a:p>
@@ -6746,7 +6918,7 @@
     </p:spTree>
     <p:extLst>
       <p:ext uri="{BB962C8B-B14F-4D97-AF65-F5344CB8AC3E}">
-        <p14:creationId xmlns:p14="http://schemas.microsoft.com/office/powerpoint/2010/main" val="3412129552"/>
+        <p14:creationId xmlns:p14="http://schemas.microsoft.com/office/powerpoint/2010/main" xmlns="" val="3412129552"/>
       </p:ext>
     </p:extLst>
   </p:cSld>
@@ -6791,7 +6963,7 @@
             <a:fld id="{A7BD7AA0-4159-4CB0-B2DE-5811B6B83B79}" type="datetimeFigureOut">
               <a:rPr lang="es-AR" smtClean="0"/>
               <a:pPr/>
-              <a:t>04/08/2013</a:t>
+              <a:t>06/08/2013</a:t>
             </a:fld>
             <a:endParaRPr lang="es-AR"/>
           </a:p>
@@ -6843,7 +7015,7 @@
     </p:spTree>
     <p:extLst>
       <p:ext uri="{BB962C8B-B14F-4D97-AF65-F5344CB8AC3E}">
-        <p14:creationId xmlns:p14="http://schemas.microsoft.com/office/powerpoint/2010/main" val="2648432124"/>
+        <p14:creationId xmlns:p14="http://schemas.microsoft.com/office/powerpoint/2010/main" xmlns="" val="2648432124"/>
       </p:ext>
     </p:extLst>
   </p:cSld>
@@ -7070,7 +7242,7 @@
             <a:fld id="{A7BD7AA0-4159-4CB0-B2DE-5811B6B83B79}" type="datetimeFigureOut">
               <a:rPr lang="es-AR" smtClean="0"/>
               <a:pPr/>
-              <a:t>04/08/2013</a:t>
+              <a:t>06/08/2013</a:t>
             </a:fld>
             <a:endParaRPr lang="es-AR"/>
           </a:p>
@@ -7122,7 +7294,7 @@
     </p:spTree>
     <p:extLst>
       <p:ext uri="{BB962C8B-B14F-4D97-AF65-F5344CB8AC3E}">
-        <p14:creationId xmlns:p14="http://schemas.microsoft.com/office/powerpoint/2010/main" val="47927167"/>
+        <p14:creationId xmlns:p14="http://schemas.microsoft.com/office/powerpoint/2010/main" xmlns="" val="47927167"/>
       </p:ext>
     </p:extLst>
   </p:cSld>
@@ -7325,7 +7497,7 @@
             <a:fld id="{A7BD7AA0-4159-4CB0-B2DE-5811B6B83B79}" type="datetimeFigureOut">
               <a:rPr lang="es-AR" smtClean="0"/>
               <a:pPr/>
-              <a:t>04/08/2013</a:t>
+              <a:t>06/08/2013</a:t>
             </a:fld>
             <a:endParaRPr lang="es-AR"/>
           </a:p>
@@ -7377,7 +7549,7 @@
     </p:spTree>
     <p:extLst>
       <p:ext uri="{BB962C8B-B14F-4D97-AF65-F5344CB8AC3E}">
-        <p14:creationId xmlns:p14="http://schemas.microsoft.com/office/powerpoint/2010/main" val="150690754"/>
+        <p14:creationId xmlns:p14="http://schemas.microsoft.com/office/powerpoint/2010/main" xmlns="" val="150690754"/>
       </p:ext>
     </p:extLst>
   </p:cSld>
@@ -7540,7 +7712,7 @@
             <a:fld id="{A7BD7AA0-4159-4CB0-B2DE-5811B6B83B79}" type="datetimeFigureOut">
               <a:rPr lang="es-AR" smtClean="0"/>
               <a:pPr/>
-              <a:t>04/08/2013</a:t>
+              <a:t>06/08/2013</a:t>
             </a:fld>
             <a:endParaRPr lang="es-AR"/>
           </a:p>
@@ -7628,7 +7800,7 @@
     </p:spTree>
     <p:extLst>
       <p:ext uri="{BB962C8B-B14F-4D97-AF65-F5344CB8AC3E}">
-        <p14:creationId xmlns:p14="http://schemas.microsoft.com/office/powerpoint/2010/main" val="3745856367"/>
+        <p14:creationId xmlns:p14="http://schemas.microsoft.com/office/powerpoint/2010/main" xmlns="" val="3745856367"/>
       </p:ext>
     </p:extLst>
   </p:cSld>
@@ -7973,7 +8145,7 @@
     </p:spTree>
     <p:extLst>
       <p:ext uri="{BB962C8B-B14F-4D97-AF65-F5344CB8AC3E}">
-        <p14:creationId xmlns:p14="http://schemas.microsoft.com/office/powerpoint/2010/main" val="2180121556"/>
+        <p14:creationId xmlns:p14="http://schemas.microsoft.com/office/powerpoint/2010/main" xmlns="" val="2180121556"/>
       </p:ext>
     </p:extLst>
   </p:cSld>
@@ -8041,7 +8213,7 @@
           <p:nvPr>
             <p:extLst>
               <p:ext uri="{D42A27DB-BD31-4B8C-83A1-F6EECF244321}">
-                <p14:modId xmlns:p14="http://schemas.microsoft.com/office/powerpoint/2010/main" val="3151868125"/>
+                <p14:modId xmlns:p14="http://schemas.microsoft.com/office/powerpoint/2010/main" xmlns="" val="3151868125"/>
               </p:ext>
             </p:extLst>
           </p:nvPr>
@@ -8059,7 +8231,7 @@
     </p:spTree>
     <p:extLst>
       <p:ext uri="{BB962C8B-B14F-4D97-AF65-F5344CB8AC3E}">
-        <p14:creationId xmlns:p14="http://schemas.microsoft.com/office/powerpoint/2010/main" val="4186439492"/>
+        <p14:creationId xmlns:p14="http://schemas.microsoft.com/office/powerpoint/2010/main" xmlns="" val="4186439492"/>
       </p:ext>
     </p:extLst>
   </p:cSld>
@@ -8127,10 +8299,10 @@
           </p:nvPr>
         </p:nvPicPr>
         <p:blipFill>
-          <a:blip r:embed="rId3">
+          <a:blip r:embed="rId3" cstate="print">
             <a:extLst>
               <a:ext uri="{28A0092B-C50C-407E-A947-70E740481C1C}">
-                <a14:useLocalDpi xmlns:a14="http://schemas.microsoft.com/office/drawing/2010/main" val="0"/>
+                <a14:useLocalDpi xmlns:a14="http://schemas.microsoft.com/office/drawing/2010/main" xmlns="" val="0"/>
               </a:ext>
             </a:extLst>
           </a:blip>
@@ -8148,7 +8320,7 @@
     </p:spTree>
     <p:extLst>
       <p:ext uri="{BB962C8B-B14F-4D97-AF65-F5344CB8AC3E}">
-        <p14:creationId xmlns:p14="http://schemas.microsoft.com/office/powerpoint/2010/main" val="1183574876"/>
+        <p14:creationId xmlns:p14="http://schemas.microsoft.com/office/powerpoint/2010/main" xmlns="" val="1183574876"/>
       </p:ext>
     </p:extLst>
   </p:cSld>
@@ -8194,7 +8366,7 @@
           <a:blip r:embed="rId2" cstate="print">
             <a:extLst>
               <a:ext uri="{28A0092B-C50C-407E-A947-70E740481C1C}">
-                <a14:useLocalDpi xmlns:a14="http://schemas.microsoft.com/office/drawing/2010/main" val="0"/>
+                <a14:useLocalDpi xmlns:a14="http://schemas.microsoft.com/office/drawing/2010/main" xmlns="" val="0"/>
               </a:ext>
             </a:extLst>
           </a:blip>
@@ -8215,7 +8387,7 @@
     </p:spTree>
     <p:extLst>
       <p:ext uri="{BB962C8B-B14F-4D97-AF65-F5344CB8AC3E}">
-        <p14:creationId xmlns:p14="http://schemas.microsoft.com/office/powerpoint/2010/main" val="4096827736"/>
+        <p14:creationId xmlns:p14="http://schemas.microsoft.com/office/powerpoint/2010/main" xmlns="" val="4096827736"/>
       </p:ext>
     </p:extLst>
   </p:cSld>
@@ -8281,10 +8453,10 @@
           <p:nvPr/>
         </p:nvPicPr>
         <p:blipFill>
-          <a:blip r:embed="rId3">
+          <a:blip r:embed="rId3" cstate="print">
             <a:extLst>
               <a:ext uri="{28A0092B-C50C-407E-A947-70E740481C1C}">
-                <a14:useLocalDpi xmlns:a14="http://schemas.microsoft.com/office/drawing/2010/main" val="0"/>
+                <a14:useLocalDpi xmlns:a14="http://schemas.microsoft.com/office/drawing/2010/main" xmlns="" val="0"/>
               </a:ext>
             </a:extLst>
           </a:blip>
@@ -8305,7 +8477,7 @@
     </p:spTree>
     <p:extLst>
       <p:ext uri="{BB962C8B-B14F-4D97-AF65-F5344CB8AC3E}">
-        <p14:creationId xmlns:p14="http://schemas.microsoft.com/office/powerpoint/2010/main" val="3085539111"/>
+        <p14:creationId xmlns:p14="http://schemas.microsoft.com/office/powerpoint/2010/main" xmlns="" val="3085539111"/>
       </p:ext>
     </p:extLst>
   </p:cSld>
@@ -8371,10 +8543,10 @@
           <p:nvPr/>
         </p:nvPicPr>
         <p:blipFill>
-          <a:blip r:embed="rId3">
+          <a:blip r:embed="rId3" cstate="print">
             <a:extLst>
               <a:ext uri="{28A0092B-C50C-407E-A947-70E740481C1C}">
-                <a14:useLocalDpi xmlns:a14="http://schemas.microsoft.com/office/drawing/2010/main" val="0"/>
+                <a14:useLocalDpi xmlns:a14="http://schemas.microsoft.com/office/drawing/2010/main" xmlns="" val="0"/>
               </a:ext>
             </a:extLst>
           </a:blip>
@@ -8395,7 +8567,7 @@
     </p:spTree>
     <p:extLst>
       <p:ext uri="{BB962C8B-B14F-4D97-AF65-F5344CB8AC3E}">
-        <p14:creationId xmlns:p14="http://schemas.microsoft.com/office/powerpoint/2010/main" val="486420949"/>
+        <p14:creationId xmlns:p14="http://schemas.microsoft.com/office/powerpoint/2010/main" xmlns="" val="486420949"/>
       </p:ext>
     </p:extLst>
   </p:cSld>
@@ -8463,10 +8635,10 @@
           </p:nvPr>
         </p:nvPicPr>
         <p:blipFill>
-          <a:blip r:embed="rId3">
+          <a:blip r:embed="rId3" cstate="print">
             <a:extLst>
               <a:ext uri="{28A0092B-C50C-407E-A947-70E740481C1C}">
-                <a14:useLocalDpi xmlns:a14="http://schemas.microsoft.com/office/drawing/2010/main" val="0"/>
+                <a14:useLocalDpi xmlns:a14="http://schemas.microsoft.com/office/drawing/2010/main" xmlns="" val="0"/>
               </a:ext>
             </a:extLst>
           </a:blip>
@@ -8484,7 +8656,7 @@
     </p:spTree>
     <p:extLst>
       <p:ext uri="{BB962C8B-B14F-4D97-AF65-F5344CB8AC3E}">
-        <p14:creationId xmlns:p14="http://schemas.microsoft.com/office/powerpoint/2010/main" val="748539481"/>
+        <p14:creationId xmlns:p14="http://schemas.microsoft.com/office/powerpoint/2010/main" xmlns="" val="748539481"/>
       </p:ext>
     </p:extLst>
   </p:cSld>
@@ -8550,10 +8722,10 @@
           <p:nvPr/>
         </p:nvPicPr>
         <p:blipFill>
-          <a:blip r:embed="rId3">
+          <a:blip r:embed="rId3" cstate="print">
             <a:extLst>
               <a:ext uri="{28A0092B-C50C-407E-A947-70E740481C1C}">
-                <a14:useLocalDpi xmlns:a14="http://schemas.microsoft.com/office/drawing/2010/main" val="0"/>
+                <a14:useLocalDpi xmlns:a14="http://schemas.microsoft.com/office/drawing/2010/main" xmlns="" val="0"/>
               </a:ext>
             </a:extLst>
           </a:blip>
@@ -8574,7 +8746,7 @@
     </p:spTree>
     <p:extLst>
       <p:ext uri="{BB962C8B-B14F-4D97-AF65-F5344CB8AC3E}">
-        <p14:creationId xmlns:p14="http://schemas.microsoft.com/office/powerpoint/2010/main" val="2245358919"/>
+        <p14:creationId xmlns:p14="http://schemas.microsoft.com/office/powerpoint/2010/main" xmlns="" val="2245358919"/>
       </p:ext>
     </p:extLst>
   </p:cSld>
@@ -8645,7 +8817,7 @@
             <p:ph idx="1"/>
             <p:extLst>
               <p:ext uri="{D42A27DB-BD31-4B8C-83A1-F6EECF244321}">
-                <p14:modId xmlns:p14="http://schemas.microsoft.com/office/powerpoint/2010/main" val="4149895999"/>
+                <p14:modId xmlns:p14="http://schemas.microsoft.com/office/powerpoint/2010/main" xmlns="" val="4149895999"/>
               </p:ext>
             </p:extLst>
           </p:nvPr>
@@ -9244,7 +9416,7 @@
     </p:spTree>
     <p:extLst>
       <p:ext uri="{BB962C8B-B14F-4D97-AF65-F5344CB8AC3E}">
-        <p14:creationId xmlns:p14="http://schemas.microsoft.com/office/powerpoint/2010/main" val="1434869260"/>
+        <p14:creationId xmlns:p14="http://schemas.microsoft.com/office/powerpoint/2010/main" xmlns="" val="1434869260"/>
       </p:ext>
     </p:extLst>
   </p:cSld>
@@ -9282,10 +9454,10 @@
           </p:nvPr>
         </p:nvPicPr>
         <p:blipFill>
-          <a:blip r:embed="rId3">
+          <a:blip r:embed="rId3" cstate="print">
             <a:extLst>
               <a:ext uri="{28A0092B-C50C-407E-A947-70E740481C1C}">
-                <a14:useLocalDpi xmlns:a14="http://schemas.microsoft.com/office/drawing/2010/main" val="0"/>
+                <a14:useLocalDpi xmlns:a14="http://schemas.microsoft.com/office/drawing/2010/main" xmlns="" val="0"/>
               </a:ext>
             </a:extLst>
           </a:blip>
@@ -9305,7 +9477,7 @@
           <a:noFill/>
           <a:extLst>
             <a:ext uri="{909E8E84-426E-40DD-AFC4-6F175D3DCCD1}">
-              <a14:hiddenFill xmlns:a14="http://schemas.microsoft.com/office/drawing/2010/main">
+              <a14:hiddenFill xmlns:a14="http://schemas.microsoft.com/office/drawing/2010/main" xmlns="">
                 <a:solidFill>
                   <a:srgbClr val="FFFFFF"/>
                 </a:solidFill>
@@ -9348,7 +9520,7 @@
     </p:spTree>
     <p:extLst>
       <p:ext uri="{BB962C8B-B14F-4D97-AF65-F5344CB8AC3E}">
-        <p14:creationId xmlns:p14="http://schemas.microsoft.com/office/powerpoint/2010/main" val="4021245580"/>
+        <p14:creationId xmlns:p14="http://schemas.microsoft.com/office/powerpoint/2010/main" xmlns="" val="4021245580"/>
       </p:ext>
     </p:extLst>
   </p:cSld>
@@ -9419,7 +9591,7 @@
           <a:blip r:embed="rId3" cstate="print">
             <a:extLst>
               <a:ext uri="{28A0092B-C50C-407E-A947-70E740481C1C}">
-                <a14:useLocalDpi xmlns:a14="http://schemas.microsoft.com/office/drawing/2010/main" val="0"/>
+                <a14:useLocalDpi xmlns:a14="http://schemas.microsoft.com/office/drawing/2010/main" xmlns="" val="0"/>
               </a:ext>
             </a:extLst>
           </a:blip>
@@ -9514,7 +9686,7 @@
     </p:spTree>
     <p:extLst>
       <p:ext uri="{BB962C8B-B14F-4D97-AF65-F5344CB8AC3E}">
-        <p14:creationId xmlns:p14="http://schemas.microsoft.com/office/powerpoint/2010/main" val="318816464"/>
+        <p14:creationId xmlns:p14="http://schemas.microsoft.com/office/powerpoint/2010/main" xmlns="" val="318816464"/>
       </p:ext>
     </p:extLst>
   </p:cSld>
@@ -9596,7 +9768,7 @@
           <p:nvPr>
             <p:extLst>
               <p:ext uri="{D42A27DB-BD31-4B8C-83A1-F6EECF244321}">
-                <p14:modId xmlns:p14="http://schemas.microsoft.com/office/powerpoint/2010/main" val="1186373056"/>
+                <p14:modId xmlns:p14="http://schemas.microsoft.com/office/powerpoint/2010/main" xmlns="" val="1186373056"/>
               </p:ext>
             </p:extLst>
           </p:nvPr>
@@ -9614,7 +9786,7 @@
     </p:spTree>
     <p:extLst>
       <p:ext uri="{BB962C8B-B14F-4D97-AF65-F5344CB8AC3E}">
-        <p14:creationId xmlns:p14="http://schemas.microsoft.com/office/powerpoint/2010/main" val="4226239434"/>
+        <p14:creationId xmlns:p14="http://schemas.microsoft.com/office/powerpoint/2010/main" xmlns="" val="4226239434"/>
       </p:ext>
     </p:extLst>
   </p:cSld>

--- a/trunk/Assets/Presentación negocio.pptx
+++ b/trunk/Assets/Presentación negocio.pptx
@@ -187,13 +187,13 @@
                   <c:v>4803.3489504000008</c:v>
                 </c:pt>
                 <c:pt idx="14">
-                  <c:v>4827.3656951520015</c:v>
+                  <c:v>4827.3656951520024</c:v>
                 </c:pt>
                 <c:pt idx="15">
                   <c:v>5020.4603229580798</c:v>
                 </c:pt>
                 <c:pt idx="16">
-                  <c:v>5171.0741326468224</c:v>
+                  <c:v>5171.0741326468215</c:v>
                 </c:pt>
                 <c:pt idx="17">
                   <c:v>5274.4956152997593</c:v>
@@ -205,10 +205,10 @@
                   <c:v>5337.7175422771188</c:v>
                 </c:pt>
                 <c:pt idx="20">
-                  <c:v>5560.1224398720024</c:v>
+                  <c:v>5560.1224398720033</c:v>
                 </c:pt>
                 <c:pt idx="21">
-                  <c:v>5673.5943263999998</c:v>
+                  <c:v>5673.5943264000007</c:v>
                 </c:pt>
                 <c:pt idx="22">
                   <c:v>5759.99424</c:v>
@@ -275,7 +275,7 @@
                   <c:v>5721.3340800000005</c:v>
                 </c:pt>
                 <c:pt idx="13">
-                  <c:v>5778.5474208000014</c:v>
+                  <c:v>5778.5474208000005</c:v>
                 </c:pt>
                 <c:pt idx="14">
                   <c:v>5742.1133579039997</c:v>
@@ -290,16 +290,16 @@
                   <c:v>6486.0044120913008</c:v>
                 </c:pt>
                 <c:pt idx="18">
-                  <c:v>6822.6470206256572</c:v>
+                  <c:v>6822.6470206256581</c:v>
                 </c:pt>
                 <c:pt idx="19">
-                  <c:v>6015.1927654202591</c:v>
+                  <c:v>6015.19276542026</c:v>
                 </c:pt>
                 <c:pt idx="20">
                   <c:v>7148.7288512640025</c:v>
                 </c:pt>
                 <c:pt idx="21">
-                  <c:v>6982.8853248000005</c:v>
+                  <c:v>6982.8853248000014</c:v>
                 </c:pt>
                 <c:pt idx="22">
                   <c:v>7010.1028800000022</c:v>
@@ -366,10 +366,10 @@
                   <c:v>1306.5360000000003</c:v>
                 </c:pt>
                 <c:pt idx="13">
-                  <c:v>1319.6013600000001</c:v>
+                  <c:v>1319.6013599999999</c:v>
                 </c:pt>
                 <c:pt idx="14">
-                  <c:v>1326.1993668</c:v>
+                  <c:v>1326.1993667999998</c:v>
                 </c:pt>
                 <c:pt idx="15">
                   <c:v>1379.247341472</c:v>
@@ -393,7 +393,7 @@
                   <c:v>1558.67976</c:v>
                 </c:pt>
                 <c:pt idx="22">
-                  <c:v>1582.4160000000004</c:v>
+                  <c:v>1582.4160000000006</c:v>
                 </c:pt>
                 <c:pt idx="23">
                   <c:v>1598.4</c:v>
@@ -402,26 +402,25 @@
             </c:numRef>
           </c:val>
         </c:ser>
-        <c:dLbls/>
         <c:marker val="1"/>
-        <c:axId val="65404928"/>
-        <c:axId val="65406464"/>
+        <c:axId val="65077248"/>
+        <c:axId val="65078784"/>
       </c:lineChart>
       <c:catAx>
-        <c:axId val="65404928"/>
+        <c:axId val="65077248"/>
         <c:scaling>
           <c:orientation val="minMax"/>
         </c:scaling>
         <c:axPos val="b"/>
         <c:tickLblPos val="nextTo"/>
-        <c:crossAx val="65406464"/>
+        <c:crossAx val="65078784"/>
         <c:crosses val="autoZero"/>
         <c:auto val="1"/>
         <c:lblAlgn val="ctr"/>
         <c:lblOffset val="100"/>
       </c:catAx>
       <c:valAx>
-        <c:axId val="65406464"/>
+        <c:axId val="65078784"/>
         <c:scaling>
           <c:orientation val="minMax"/>
         </c:scaling>
@@ -429,7 +428,7 @@
         <c:majorGridlines/>
         <c:numFmt formatCode="0" sourceLinked="1"/>
         <c:tickLblPos val="nextTo"/>
-        <c:crossAx val="65404928"/>
+        <c:crossAx val="65077248"/>
         <c:crosses val="autoZero"/>
         <c:crossBetween val="between"/>
       </c:valAx>
@@ -457,6 +456,7 @@
 
 <file path=ppt/charts/chart2.xml><?xml version="1.0" encoding="utf-8"?>
 <c:chartSpace xmlns:c="http://schemas.openxmlformats.org/drawingml/2006/chart" xmlns:a="http://schemas.openxmlformats.org/drawingml/2006/main" xmlns:r="http://schemas.openxmlformats.org/officeDocument/2006/relationships">
+  <c:date1904 val="1"/>
   <c:lang val="es-AR"/>
   <c:chart>
     <c:plotArea>
@@ -465,10 +465,10 @@
           <c:layoutTarget val="inner"/>
           <c:xMode val="edge"/>
           <c:yMode val="edge"/>
-          <c:x val="6.7896043958078744E-2"/>
+          <c:x val="6.7896043958078772E-2"/>
           <c:y val="2.71964380500932E-2"/>
-          <c:w val="0.91593677091434278"/>
-          <c:h val="0.80538177085262108"/>
+          <c:w val="0.91593677091434267"/>
+          <c:h val="0.80538177085262097"/>
         </c:manualLayout>
       </c:layout>
       <c:lineChart>
@@ -512,19 +512,19 @@
                   <c:v>3211.7647058823532</c:v>
                 </c:pt>
                 <c:pt idx="5">
-                  <c:v>4068.2352941176459</c:v>
+                  <c:v>4068.2352941176455</c:v>
                 </c:pt>
                 <c:pt idx="6">
-                  <c:v>5138.8235294117658</c:v>
+                  <c:v>5138.8235294117676</c:v>
                 </c:pt>
                 <c:pt idx="7">
-                  <c:v>6423.5294117647072</c:v>
+                  <c:v>6423.5294117647081</c:v>
                 </c:pt>
                 <c:pt idx="8">
                   <c:v>7494.1176470588234</c:v>
                 </c:pt>
                 <c:pt idx="9">
-                  <c:v>8564.7058823529424</c:v>
+                  <c:v>8564.7058823529442</c:v>
                 </c:pt>
                 <c:pt idx="10">
                   <c:v>18200</c:v>
@@ -605,13 +605,13 @@
                   <c:v>3358.8235294117649</c:v>
                 </c:pt>
                 <c:pt idx="3">
-                  <c:v>3988.2352941176464</c:v>
+                  <c:v>3988.2352941176459</c:v>
                 </c:pt>
                 <c:pt idx="4">
                   <c:v>5835.2941176470595</c:v>
                 </c:pt>
                 <c:pt idx="5">
-                  <c:v>7136.4705882352928</c:v>
+                  <c:v>7136.4705882352919</c:v>
                 </c:pt>
                 <c:pt idx="6">
                   <c:v>8983.5294117647063</c:v>
@@ -623,10 +623,10 @@
                   <c:v>11752.941176470587</c:v>
                 </c:pt>
                 <c:pt idx="9">
-                  <c:v>13011.764705882355</c:v>
+                  <c:v>13011.764705882357</c:v>
                 </c:pt>
                 <c:pt idx="10">
-                  <c:v>47870.588235294148</c:v>
+                  <c:v>47870.588235294163</c:v>
                 </c:pt>
                 <c:pt idx="11">
                   <c:v>57100</c:v>
@@ -698,13 +698,13 @@
                   <c:v>200</c:v>
                 </c:pt>
                 <c:pt idx="1">
-                  <c:v>294.11764705882359</c:v>
+                  <c:v>294.11764705882365</c:v>
                 </c:pt>
                 <c:pt idx="2">
                   <c:v>441.17647058823525</c:v>
                 </c:pt>
                 <c:pt idx="3">
-                  <c:v>588.23529411764719</c:v>
+                  <c:v>588.2352941176473</c:v>
                 </c:pt>
                 <c:pt idx="4">
                   <c:v>882.35294117647049</c:v>
@@ -722,7 +722,7 @@
                   <c:v>2058.8235294117649</c:v>
                 </c:pt>
                 <c:pt idx="9">
-                  <c:v>2352.9411764705897</c:v>
+                  <c:v>2352.941176470591</c:v>
                 </c:pt>
                 <c:pt idx="10">
                   <c:v>5000</c:v>
@@ -770,26 +770,25 @@
             </c:numRef>
           </c:val>
         </c:ser>
-        <c:dLbls/>
         <c:marker val="1"/>
-        <c:axId val="65490304"/>
-        <c:axId val="65496192"/>
+        <c:axId val="62659968"/>
+        <c:axId val="62665856"/>
       </c:lineChart>
       <c:catAx>
-        <c:axId val="65490304"/>
+        <c:axId val="62659968"/>
         <c:scaling>
           <c:orientation val="minMax"/>
         </c:scaling>
         <c:axPos val="b"/>
         <c:tickLblPos val="nextTo"/>
-        <c:crossAx val="65496192"/>
+        <c:crossAx val="62665856"/>
         <c:crosses val="autoZero"/>
         <c:auto val="1"/>
         <c:lblAlgn val="ctr"/>
         <c:lblOffset val="100"/>
       </c:catAx>
       <c:valAx>
-        <c:axId val="65496192"/>
+        <c:axId val="62665856"/>
         <c:scaling>
           <c:orientation val="minMax"/>
         </c:scaling>
@@ -797,7 +796,7 @@
         <c:majorGridlines/>
         <c:numFmt formatCode="0" sourceLinked="1"/>
         <c:tickLblPos val="nextTo"/>
-        <c:crossAx val="65490304"/>
+        <c:crossAx val="62659968"/>
         <c:crosses val="autoZero"/>
         <c:crossBetween val="between"/>
       </c:valAx>
@@ -809,7 +808,7 @@
           <c:xMode val="edge"/>
           <c:yMode val="edge"/>
           <c:x val="3.1027121609798772E-2"/>
-          <c:y val="0.88968702551568357"/>
+          <c:y val="0.88968702551568368"/>
           <c:w val="0.93239020122484695"/>
           <c:h val="8.2535196706538749E-2"/>
         </c:manualLayout>
@@ -1084,7 +1083,7 @@
     </p:spTree>
     <p:extLst>
       <p:ext uri="{BB962C8B-B14F-4D97-AF65-F5344CB8AC3E}">
-        <p14:creationId xmlns:p14="http://schemas.microsoft.com/office/powerpoint/2010/main" xmlns="" val="2280170094"/>
+        <p14:creationId xmlns="" xmlns:p14="http://schemas.microsoft.com/office/powerpoint/2010/main" val="2280170094"/>
       </p:ext>
     </p:extLst>
   </p:cSld>
@@ -1273,7 +1272,7 @@
     </p:spTree>
     <p:extLst>
       <p:ext uri="{BB962C8B-B14F-4D97-AF65-F5344CB8AC3E}">
-        <p14:creationId xmlns:p14="http://schemas.microsoft.com/office/powerpoint/2010/main" xmlns="" val="452615974"/>
+        <p14:creationId xmlns="" xmlns:p14="http://schemas.microsoft.com/office/powerpoint/2010/main" val="452615974"/>
       </p:ext>
     </p:extLst>
   </p:cSld>
@@ -1553,65 +1552,8 @@
                 <a:ea typeface="+mn-ea"/>
                 <a:cs typeface="+mn-cs"/>
               </a:rPr>
-              <a:t>En lo referente a ingresos, </a:t>
-            </a:r>
-            <a:r>
-              <a:rPr lang="es-AR" sz="1200" b="0" i="0" kern="1200" baseline="0" dirty="0" smtClean="0">
-                <a:solidFill>
-                  <a:schemeClr val="tx1"/>
-                </a:solidFill>
-                <a:effectLst/>
-                <a:latin typeface="+mn-lt"/>
-                <a:ea typeface="+mn-ea"/>
-                <a:cs typeface="+mn-cs"/>
-              </a:rPr>
-              <a:t>los mismos </a:t>
-            </a:r>
-            <a:r>
-              <a:rPr lang="es-AR" sz="1200" b="0" i="0" kern="1200" baseline="0" dirty="0" smtClean="0">
-                <a:solidFill>
-                  <a:schemeClr val="tx1"/>
-                </a:solidFill>
-                <a:effectLst/>
-                <a:latin typeface="+mn-lt"/>
-                <a:ea typeface="+mn-ea"/>
-                <a:cs typeface="+mn-cs"/>
-              </a:rPr>
-              <a:t>serían al </a:t>
-            </a:r>
-            <a:r>
-              <a:rPr lang="es-AR" sz="1200" b="0" i="0" kern="1200" baseline="0" dirty="0" smtClean="0">
-                <a:solidFill>
-                  <a:schemeClr val="tx1"/>
-                </a:solidFill>
-                <a:effectLst/>
-                <a:latin typeface="+mn-lt"/>
-                <a:ea typeface="+mn-ea"/>
-                <a:cs typeface="+mn-cs"/>
-              </a:rPr>
-              <a:t>alcanzar </a:t>
-            </a:r>
-            <a:r>
-              <a:rPr lang="es-AR" sz="1200" b="0" i="0" kern="1200" baseline="0" dirty="0" smtClean="0">
-                <a:solidFill>
-                  <a:schemeClr val="tx1"/>
-                </a:solidFill>
-                <a:effectLst/>
-                <a:latin typeface="+mn-lt"/>
-                <a:ea typeface="+mn-ea"/>
-                <a:cs typeface="+mn-cs"/>
-              </a:rPr>
-              <a:t>los 2 años de entre los 270k a 400k al mes, teniendo en cuenta los mismos precios para las publicidades que en el escenario anterior. </a:t>
-            </a:r>
-            <a:endParaRPr lang="es-AR" sz="1200" b="0" i="0" kern="1200" baseline="0" dirty="0" smtClean="0">
-              <a:solidFill>
-                <a:schemeClr val="tx1"/>
-              </a:solidFill>
-              <a:effectLst/>
-              <a:latin typeface="+mn-lt"/>
-              <a:ea typeface="+mn-ea"/>
-              <a:cs typeface="+mn-cs"/>
-            </a:endParaRPr>
+              <a:t>En lo referente a ingresos, los mismos serían al alcanzar los 2 años de entre los 270k a 400k al mes, teniendo en cuenta los mismos precios para las publicidades que en el escenario anterior. </a:t>
+            </a:r>
           </a:p>
           <a:p>
             <a:r>
@@ -1672,41 +1614,8 @@
                 <a:ea typeface="+mn-ea"/>
                 <a:cs typeface="+mn-cs"/>
               </a:rPr>
-              <a:t> de aproximadamente 200 a 300k. Como </a:t>
-            </a:r>
-            <a:r>
-              <a:rPr lang="es-AR" sz="1200" b="0" i="0" kern="1200" baseline="0" dirty="0" smtClean="0">
-                <a:solidFill>
-                  <a:schemeClr val="tx1"/>
-                </a:solidFill>
-                <a:effectLst/>
-                <a:latin typeface="+mn-lt"/>
-                <a:ea typeface="+mn-ea"/>
-                <a:cs typeface="+mn-cs"/>
-              </a:rPr>
-              <a:t>pueden ver, un gran negocio</a:t>
-            </a:r>
-            <a:r>
-              <a:rPr lang="es-AR" sz="1200" b="0" i="0" kern="1200" baseline="0" dirty="0" smtClean="0">
-                <a:solidFill>
-                  <a:schemeClr val="tx1"/>
-                </a:solidFill>
-                <a:effectLst/>
-                <a:latin typeface="+mn-lt"/>
-                <a:ea typeface="+mn-ea"/>
-                <a:cs typeface="+mn-cs"/>
-              </a:rPr>
-              <a:t>. </a:t>
-            </a:r>
-            <a:endParaRPr lang="es-AR" sz="1200" b="0" i="0" kern="1200" baseline="0" dirty="0" smtClean="0">
-              <a:solidFill>
-                <a:schemeClr val="tx1"/>
-              </a:solidFill>
-              <a:effectLst/>
-              <a:latin typeface="+mn-lt"/>
-              <a:ea typeface="+mn-ea"/>
-              <a:cs typeface="+mn-cs"/>
-            </a:endParaRPr>
+              <a:t> de aproximadamente 200 a 300k. Como pueden ver, un gran negocio. </a:t>
+            </a:r>
           </a:p>
           <a:p>
             <a:r>
@@ -1837,7 +1746,7 @@
     </p:spTree>
     <p:extLst>
       <p:ext uri="{BB962C8B-B14F-4D97-AF65-F5344CB8AC3E}">
-        <p14:creationId xmlns:p14="http://schemas.microsoft.com/office/powerpoint/2010/main" xmlns="" val="3000085410"/>
+        <p14:creationId xmlns="" xmlns:p14="http://schemas.microsoft.com/office/powerpoint/2010/main" val="3000085410"/>
       </p:ext>
     </p:extLst>
   </p:cSld>
@@ -3271,7 +3180,7 @@
     </p:spTree>
     <p:extLst>
       <p:ext uri="{BB962C8B-B14F-4D97-AF65-F5344CB8AC3E}">
-        <p14:creationId xmlns:p14="http://schemas.microsoft.com/office/powerpoint/2010/main" xmlns="" val="2610191261"/>
+        <p14:creationId xmlns="" xmlns:p14="http://schemas.microsoft.com/office/powerpoint/2010/main" val="2610191261"/>
       </p:ext>
     </p:extLst>
   </p:cSld>
@@ -3532,7 +3441,7 @@
     </p:spTree>
     <p:extLst>
       <p:ext uri="{BB962C8B-B14F-4D97-AF65-F5344CB8AC3E}">
-        <p14:creationId xmlns:p14="http://schemas.microsoft.com/office/powerpoint/2010/main" xmlns="" val="1052945588"/>
+        <p14:creationId xmlns="" xmlns:p14="http://schemas.microsoft.com/office/powerpoint/2010/main" val="1052945588"/>
       </p:ext>
     </p:extLst>
   </p:cSld>
@@ -4072,7 +3981,7 @@
     </p:spTree>
     <p:extLst>
       <p:ext uri="{BB962C8B-B14F-4D97-AF65-F5344CB8AC3E}">
-        <p14:creationId xmlns:p14="http://schemas.microsoft.com/office/powerpoint/2010/main" xmlns="" val="84732664"/>
+        <p14:creationId xmlns="" xmlns:p14="http://schemas.microsoft.com/office/powerpoint/2010/main" val="84732664"/>
       </p:ext>
     </p:extLst>
   </p:cSld>
@@ -4327,7 +4236,7 @@
     </p:spTree>
     <p:extLst>
       <p:ext uri="{BB962C8B-B14F-4D97-AF65-F5344CB8AC3E}">
-        <p14:creationId xmlns:p14="http://schemas.microsoft.com/office/powerpoint/2010/main" xmlns="" val="3325332095"/>
+        <p14:creationId xmlns="" xmlns:p14="http://schemas.microsoft.com/office/powerpoint/2010/main" val="3325332095"/>
       </p:ext>
     </p:extLst>
   </p:cSld>
@@ -4466,7 +4375,7 @@
     </p:spTree>
     <p:extLst>
       <p:ext uri="{BB962C8B-B14F-4D97-AF65-F5344CB8AC3E}">
-        <p14:creationId xmlns:p14="http://schemas.microsoft.com/office/powerpoint/2010/main" xmlns="" val="685780543"/>
+        <p14:creationId xmlns="" xmlns:p14="http://schemas.microsoft.com/office/powerpoint/2010/main" val="685780543"/>
       </p:ext>
     </p:extLst>
   </p:cSld>
@@ -4583,7 +4492,7 @@
     </p:spTree>
     <p:extLst>
       <p:ext uri="{BB962C8B-B14F-4D97-AF65-F5344CB8AC3E}">
-        <p14:creationId xmlns:p14="http://schemas.microsoft.com/office/powerpoint/2010/main" xmlns="" val="448154425"/>
+        <p14:creationId xmlns="" xmlns:p14="http://schemas.microsoft.com/office/powerpoint/2010/main" val="448154425"/>
       </p:ext>
     </p:extLst>
   </p:cSld>
@@ -4649,11 +4558,7 @@
           <a:p>
             <a:r>
               <a:rPr lang="es-AR" baseline="0" dirty="0" smtClean="0"/>
-              <a:t>La publicidad embebida en la aplicación genera ingresos tanto </a:t>
-            </a:r>
-            <a:r>
-              <a:rPr lang="es-AR" baseline="0" dirty="0" smtClean="0"/>
-              <a:t>por cantidad de </a:t>
+              <a:t>La publicidad embebida en la aplicación genera ingresos tanto por cantidad de </a:t>
             </a:r>
             <a:r>
               <a:rPr lang="es-AR" baseline="0" dirty="0" err="1" smtClean="0"/>
@@ -4661,11 +4566,7 @@
             </a:r>
             <a:r>
               <a:rPr lang="es-AR" baseline="0" dirty="0" smtClean="0"/>
-              <a:t>, </a:t>
-            </a:r>
-            <a:r>
-              <a:rPr lang="es-AR" baseline="0" dirty="0" smtClean="0"/>
-              <a:t>es decir cada vez que un usuario accede a la aplicación, como por cantidad de </a:t>
+              <a:t>, es decir cada vez que un usuario accede a la aplicación, como por cantidad de </a:t>
             </a:r>
             <a:r>
               <a:rPr lang="es-AR" baseline="0" dirty="0" err="1" smtClean="0"/>
@@ -4687,11 +4588,7 @@
             </a:r>
             <a:r>
               <a:rPr lang="es-AR" baseline="0" dirty="0" smtClean="0"/>
-              <a:t> del negocio, teniendo en cuenta este ingreso inmediato</a:t>
-            </a:r>
-            <a:r>
-              <a:rPr lang="es-AR" baseline="0" dirty="0" smtClean="0"/>
-              <a:t>.</a:t>
+              <a:t> del negocio, teniendo en cuenta este ingreso inmediato.</a:t>
             </a:r>
           </a:p>
           <a:p>
@@ -4840,7 +4737,7 @@
     </p:spTree>
     <p:extLst>
       <p:ext uri="{BB962C8B-B14F-4D97-AF65-F5344CB8AC3E}">
-        <p14:creationId xmlns:p14="http://schemas.microsoft.com/office/powerpoint/2010/main" xmlns="" val="1057133531"/>
+        <p14:creationId xmlns="" xmlns:p14="http://schemas.microsoft.com/office/powerpoint/2010/main" val="1057133531"/>
       </p:ext>
     </p:extLst>
   </p:cSld>
@@ -4947,21 +4844,13 @@
           <a:p>
             <a:r>
               <a:rPr lang="es-AR" baseline="0" dirty="0" smtClean="0"/>
-              <a:t>En </a:t>
-            </a:r>
-            <a:r>
-              <a:rPr lang="es-AR" baseline="0" dirty="0" smtClean="0"/>
-              <a:t>este gráfico se puede ver como la aplicación crecería fuertemente hasta el mes 11, llegando a los 100mil usuarios y finalmente iría disminuyendo su crecimiento a partir de ahí hasta estancarse en 160mil usuarios. </a:t>
-            </a:r>
-          </a:p>
-          <a:p>
-            <a:r>
-              <a:rPr lang="es-AR" baseline="0" dirty="0" smtClean="0"/>
-              <a:t>En lo referente </a:t>
-            </a:r>
-            <a:r>
-              <a:rPr lang="es-AR" baseline="0" dirty="0" smtClean="0"/>
-              <a:t>la </a:t>
+              <a:t>En este gráfico se puede ver como la aplicación crecería fuertemente hasta el mes 11, llegando a los 100mil usuarios y finalmente iría disminuyendo su crecimiento a partir de ahí hasta estancarse en 160mil usuarios. </a:t>
+            </a:r>
+          </a:p>
+          <a:p>
+            <a:r>
+              <a:rPr lang="es-AR" baseline="0" dirty="0" smtClean="0"/>
+              <a:t>En lo referente la </a:t>
             </a:r>
             <a:r>
               <a:rPr lang="es-AR" baseline="0" dirty="0" err="1" smtClean="0"/>
@@ -4969,11 +4858,7 @@
             </a:r>
             <a:r>
               <a:rPr lang="es-AR" baseline="0" dirty="0" smtClean="0"/>
-              <a:t> de los ingresos, los </a:t>
-            </a:r>
-            <a:r>
-              <a:rPr lang="es-AR" baseline="0" dirty="0" smtClean="0"/>
-              <a:t>mismas acompañan el crecimiento de la cantidad de usuarios, teniendo en el caso de la versión paga un crecimiento mas pronunciado mientras la aplicación este en plena expansión (casi 7k </a:t>
+              <a:t> de los ingresos, los mismas acompañan el crecimiento de la cantidad de usuarios, teniendo en el caso de la versión paga un crecimiento mas pronunciado mientras la aplicación este en plena expansión (casi 7k </a:t>
             </a:r>
             <a:r>
               <a:rPr lang="es-AR" baseline="0" dirty="0" err="1" smtClean="0"/>
@@ -4995,8 +4880,17 @@
             </a:r>
             <a:r>
               <a:rPr lang="es-AR" baseline="0" dirty="0" smtClean="0"/>
-              <a:t> como de transferencia de datos.</a:t>
-            </a:r>
+              <a:t> como de transferencia de </a:t>
+            </a:r>
+            <a:r>
+              <a:rPr lang="es-AR" baseline="0" dirty="0" smtClean="0"/>
+              <a:t>datos. Sobre estos puntos se entrará mas en detalle en la </a:t>
+            </a:r>
+            <a:r>
+              <a:rPr lang="es-AR" baseline="0" smtClean="0"/>
+              <a:t>explicación técnica.</a:t>
+            </a:r>
+            <a:endParaRPr lang="es-AR" baseline="0" dirty="0" smtClean="0"/>
           </a:p>
           <a:p>
             <a:endParaRPr lang="es-AR" baseline="0" dirty="0" smtClean="0"/>
@@ -5020,15 +4914,7 @@
             </a:r>
             <a:r>
               <a:rPr lang="es-AR" baseline="0" dirty="0" smtClean="0"/>
-              <a:t> en un futuro y considerando tan solo una expansión del 3%, el negocio no daría perdidas y hasta estaría brindando un </a:t>
-            </a:r>
-            <a:r>
-              <a:rPr lang="es-AR" baseline="0" dirty="0" smtClean="0"/>
-              <a:t>margen </a:t>
-            </a:r>
-            <a:r>
-              <a:rPr lang="es-AR" baseline="0" dirty="0" smtClean="0"/>
-              <a:t>de ganancias.</a:t>
+              <a:t> en un futuro y considerando tan solo una expansión del 3%, el negocio no daría perdidas y hasta estaría brindando un margen de ganancias.</a:t>
             </a:r>
           </a:p>
           <a:p>
@@ -5066,7 +4952,7 @@
     </p:spTree>
     <p:extLst>
       <p:ext uri="{BB962C8B-B14F-4D97-AF65-F5344CB8AC3E}">
-        <p14:creationId xmlns:p14="http://schemas.microsoft.com/office/powerpoint/2010/main" xmlns="" val="3003342862"/>
+        <p14:creationId xmlns="" xmlns:p14="http://schemas.microsoft.com/office/powerpoint/2010/main" val="3003342862"/>
       </p:ext>
     </p:extLst>
   </p:cSld>
@@ -5310,7 +5196,7 @@
     </p:spTree>
     <p:extLst>
       <p:ext uri="{BB962C8B-B14F-4D97-AF65-F5344CB8AC3E}">
-        <p14:creationId xmlns:p14="http://schemas.microsoft.com/office/powerpoint/2010/main" xmlns="" val="4071340637"/>
+        <p14:creationId xmlns="" xmlns:p14="http://schemas.microsoft.com/office/powerpoint/2010/main" val="4071340637"/>
       </p:ext>
     </p:extLst>
   </p:cSld>
@@ -5482,7 +5368,7 @@
     </p:spTree>
     <p:extLst>
       <p:ext uri="{BB962C8B-B14F-4D97-AF65-F5344CB8AC3E}">
-        <p14:creationId xmlns:p14="http://schemas.microsoft.com/office/powerpoint/2010/main" xmlns="" val="1409430677"/>
+        <p14:creationId xmlns="" xmlns:p14="http://schemas.microsoft.com/office/powerpoint/2010/main" val="1409430677"/>
       </p:ext>
     </p:extLst>
   </p:cSld>
@@ -5664,7 +5550,7 @@
     </p:spTree>
     <p:extLst>
       <p:ext uri="{BB962C8B-B14F-4D97-AF65-F5344CB8AC3E}">
-        <p14:creationId xmlns:p14="http://schemas.microsoft.com/office/powerpoint/2010/main" xmlns="" val="162565899"/>
+        <p14:creationId xmlns="" xmlns:p14="http://schemas.microsoft.com/office/powerpoint/2010/main" val="162565899"/>
       </p:ext>
     </p:extLst>
   </p:cSld>
@@ -5836,7 +5722,7 @@
     </p:spTree>
     <p:extLst>
       <p:ext uri="{BB962C8B-B14F-4D97-AF65-F5344CB8AC3E}">
-        <p14:creationId xmlns:p14="http://schemas.microsoft.com/office/powerpoint/2010/main" xmlns="" val="1601180198"/>
+        <p14:creationId xmlns="" xmlns:p14="http://schemas.microsoft.com/office/powerpoint/2010/main" val="1601180198"/>
       </p:ext>
     </p:extLst>
   </p:cSld>
@@ -6084,7 +5970,7 @@
     </p:spTree>
     <p:extLst>
       <p:ext uri="{BB962C8B-B14F-4D97-AF65-F5344CB8AC3E}">
-        <p14:creationId xmlns:p14="http://schemas.microsoft.com/office/powerpoint/2010/main" xmlns="" val="472115813"/>
+        <p14:creationId xmlns="" xmlns:p14="http://schemas.microsoft.com/office/powerpoint/2010/main" val="472115813"/>
       </p:ext>
     </p:extLst>
   </p:cSld>
@@ -6374,7 +6260,7 @@
     </p:spTree>
     <p:extLst>
       <p:ext uri="{BB962C8B-B14F-4D97-AF65-F5344CB8AC3E}">
-        <p14:creationId xmlns:p14="http://schemas.microsoft.com/office/powerpoint/2010/main" xmlns="" val="593189153"/>
+        <p14:creationId xmlns="" xmlns:p14="http://schemas.microsoft.com/office/powerpoint/2010/main" val="593189153"/>
       </p:ext>
     </p:extLst>
   </p:cSld>
@@ -6798,7 +6684,7 @@
     </p:spTree>
     <p:extLst>
       <p:ext uri="{BB962C8B-B14F-4D97-AF65-F5344CB8AC3E}">
-        <p14:creationId xmlns:p14="http://schemas.microsoft.com/office/powerpoint/2010/main" xmlns="" val="4057715406"/>
+        <p14:creationId xmlns="" xmlns:p14="http://schemas.microsoft.com/office/powerpoint/2010/main" val="4057715406"/>
       </p:ext>
     </p:extLst>
   </p:cSld>
@@ -6918,7 +6804,7 @@
     </p:spTree>
     <p:extLst>
       <p:ext uri="{BB962C8B-B14F-4D97-AF65-F5344CB8AC3E}">
-        <p14:creationId xmlns:p14="http://schemas.microsoft.com/office/powerpoint/2010/main" xmlns="" val="3412129552"/>
+        <p14:creationId xmlns="" xmlns:p14="http://schemas.microsoft.com/office/powerpoint/2010/main" val="3412129552"/>
       </p:ext>
     </p:extLst>
   </p:cSld>
@@ -7015,7 +6901,7 @@
     </p:spTree>
     <p:extLst>
       <p:ext uri="{BB962C8B-B14F-4D97-AF65-F5344CB8AC3E}">
-        <p14:creationId xmlns:p14="http://schemas.microsoft.com/office/powerpoint/2010/main" xmlns="" val="2648432124"/>
+        <p14:creationId xmlns="" xmlns:p14="http://schemas.microsoft.com/office/powerpoint/2010/main" val="2648432124"/>
       </p:ext>
     </p:extLst>
   </p:cSld>
@@ -7294,7 +7180,7 @@
     </p:spTree>
     <p:extLst>
       <p:ext uri="{BB962C8B-B14F-4D97-AF65-F5344CB8AC3E}">
-        <p14:creationId xmlns:p14="http://schemas.microsoft.com/office/powerpoint/2010/main" xmlns="" val="47927167"/>
+        <p14:creationId xmlns="" xmlns:p14="http://schemas.microsoft.com/office/powerpoint/2010/main" val="47927167"/>
       </p:ext>
     </p:extLst>
   </p:cSld>
@@ -7549,7 +7435,7 @@
     </p:spTree>
     <p:extLst>
       <p:ext uri="{BB962C8B-B14F-4D97-AF65-F5344CB8AC3E}">
-        <p14:creationId xmlns:p14="http://schemas.microsoft.com/office/powerpoint/2010/main" xmlns="" val="150690754"/>
+        <p14:creationId xmlns="" xmlns:p14="http://schemas.microsoft.com/office/powerpoint/2010/main" val="150690754"/>
       </p:ext>
     </p:extLst>
   </p:cSld>
@@ -7800,7 +7686,7 @@
     </p:spTree>
     <p:extLst>
       <p:ext uri="{BB962C8B-B14F-4D97-AF65-F5344CB8AC3E}">
-        <p14:creationId xmlns:p14="http://schemas.microsoft.com/office/powerpoint/2010/main" xmlns="" val="3745856367"/>
+        <p14:creationId xmlns="" xmlns:p14="http://schemas.microsoft.com/office/powerpoint/2010/main" val="3745856367"/>
       </p:ext>
     </p:extLst>
   </p:cSld>
@@ -8145,7 +8031,7 @@
     </p:spTree>
     <p:extLst>
       <p:ext uri="{BB962C8B-B14F-4D97-AF65-F5344CB8AC3E}">
-        <p14:creationId xmlns:p14="http://schemas.microsoft.com/office/powerpoint/2010/main" xmlns="" val="2180121556"/>
+        <p14:creationId xmlns="" xmlns:p14="http://schemas.microsoft.com/office/powerpoint/2010/main" val="2180121556"/>
       </p:ext>
     </p:extLst>
   </p:cSld>
@@ -8213,7 +8099,7 @@
           <p:nvPr>
             <p:extLst>
               <p:ext uri="{D42A27DB-BD31-4B8C-83A1-F6EECF244321}">
-                <p14:modId xmlns:p14="http://schemas.microsoft.com/office/powerpoint/2010/main" xmlns="" val="3151868125"/>
+                <p14:modId xmlns="" xmlns:p14="http://schemas.microsoft.com/office/powerpoint/2010/main" val="3151868125"/>
               </p:ext>
             </p:extLst>
           </p:nvPr>
@@ -8231,7 +8117,7 @@
     </p:spTree>
     <p:extLst>
       <p:ext uri="{BB962C8B-B14F-4D97-AF65-F5344CB8AC3E}">
-        <p14:creationId xmlns:p14="http://schemas.microsoft.com/office/powerpoint/2010/main" xmlns="" val="4186439492"/>
+        <p14:creationId xmlns="" xmlns:p14="http://schemas.microsoft.com/office/powerpoint/2010/main" val="4186439492"/>
       </p:ext>
     </p:extLst>
   </p:cSld>
@@ -8302,7 +8188,7 @@
           <a:blip r:embed="rId3" cstate="print">
             <a:extLst>
               <a:ext uri="{28A0092B-C50C-407E-A947-70E740481C1C}">
-                <a14:useLocalDpi xmlns:a14="http://schemas.microsoft.com/office/drawing/2010/main" xmlns="" val="0"/>
+                <a14:useLocalDpi xmlns="" xmlns:a14="http://schemas.microsoft.com/office/drawing/2010/main" val="0"/>
               </a:ext>
             </a:extLst>
           </a:blip>
@@ -8320,7 +8206,7 @@
     </p:spTree>
     <p:extLst>
       <p:ext uri="{BB962C8B-B14F-4D97-AF65-F5344CB8AC3E}">
-        <p14:creationId xmlns:p14="http://schemas.microsoft.com/office/powerpoint/2010/main" xmlns="" val="1183574876"/>
+        <p14:creationId xmlns="" xmlns:p14="http://schemas.microsoft.com/office/powerpoint/2010/main" val="1183574876"/>
       </p:ext>
     </p:extLst>
   </p:cSld>
@@ -8366,7 +8252,7 @@
           <a:blip r:embed="rId2" cstate="print">
             <a:extLst>
               <a:ext uri="{28A0092B-C50C-407E-A947-70E740481C1C}">
-                <a14:useLocalDpi xmlns:a14="http://schemas.microsoft.com/office/drawing/2010/main" xmlns="" val="0"/>
+                <a14:useLocalDpi xmlns="" xmlns:a14="http://schemas.microsoft.com/office/drawing/2010/main" val="0"/>
               </a:ext>
             </a:extLst>
           </a:blip>
@@ -8387,7 +8273,7 @@
     </p:spTree>
     <p:extLst>
       <p:ext uri="{BB962C8B-B14F-4D97-AF65-F5344CB8AC3E}">
-        <p14:creationId xmlns:p14="http://schemas.microsoft.com/office/powerpoint/2010/main" xmlns="" val="4096827736"/>
+        <p14:creationId xmlns="" xmlns:p14="http://schemas.microsoft.com/office/powerpoint/2010/main" val="4096827736"/>
       </p:ext>
     </p:extLst>
   </p:cSld>
@@ -8456,7 +8342,7 @@
           <a:blip r:embed="rId3" cstate="print">
             <a:extLst>
               <a:ext uri="{28A0092B-C50C-407E-A947-70E740481C1C}">
-                <a14:useLocalDpi xmlns:a14="http://schemas.microsoft.com/office/drawing/2010/main" xmlns="" val="0"/>
+                <a14:useLocalDpi xmlns="" xmlns:a14="http://schemas.microsoft.com/office/drawing/2010/main" val="0"/>
               </a:ext>
             </a:extLst>
           </a:blip>
@@ -8477,7 +8363,7 @@
     </p:spTree>
     <p:extLst>
       <p:ext uri="{BB962C8B-B14F-4D97-AF65-F5344CB8AC3E}">
-        <p14:creationId xmlns:p14="http://schemas.microsoft.com/office/powerpoint/2010/main" xmlns="" val="3085539111"/>
+        <p14:creationId xmlns="" xmlns:p14="http://schemas.microsoft.com/office/powerpoint/2010/main" val="3085539111"/>
       </p:ext>
     </p:extLst>
   </p:cSld>
@@ -8546,7 +8432,7 @@
           <a:blip r:embed="rId3" cstate="print">
             <a:extLst>
               <a:ext uri="{28A0092B-C50C-407E-A947-70E740481C1C}">
-                <a14:useLocalDpi xmlns:a14="http://schemas.microsoft.com/office/drawing/2010/main" xmlns="" val="0"/>
+                <a14:useLocalDpi xmlns="" xmlns:a14="http://schemas.microsoft.com/office/drawing/2010/main" val="0"/>
               </a:ext>
             </a:extLst>
           </a:blip>
@@ -8567,7 +8453,7 @@
     </p:spTree>
     <p:extLst>
       <p:ext uri="{BB962C8B-B14F-4D97-AF65-F5344CB8AC3E}">
-        <p14:creationId xmlns:p14="http://schemas.microsoft.com/office/powerpoint/2010/main" xmlns="" val="486420949"/>
+        <p14:creationId xmlns="" xmlns:p14="http://schemas.microsoft.com/office/powerpoint/2010/main" val="486420949"/>
       </p:ext>
     </p:extLst>
   </p:cSld>
@@ -8638,7 +8524,7 @@
           <a:blip r:embed="rId3" cstate="print">
             <a:extLst>
               <a:ext uri="{28A0092B-C50C-407E-A947-70E740481C1C}">
-                <a14:useLocalDpi xmlns:a14="http://schemas.microsoft.com/office/drawing/2010/main" xmlns="" val="0"/>
+                <a14:useLocalDpi xmlns="" xmlns:a14="http://schemas.microsoft.com/office/drawing/2010/main" val="0"/>
               </a:ext>
             </a:extLst>
           </a:blip>
@@ -8656,7 +8542,7 @@
     </p:spTree>
     <p:extLst>
       <p:ext uri="{BB962C8B-B14F-4D97-AF65-F5344CB8AC3E}">
-        <p14:creationId xmlns:p14="http://schemas.microsoft.com/office/powerpoint/2010/main" xmlns="" val="748539481"/>
+        <p14:creationId xmlns="" xmlns:p14="http://schemas.microsoft.com/office/powerpoint/2010/main" val="748539481"/>
       </p:ext>
     </p:extLst>
   </p:cSld>
@@ -8725,7 +8611,7 @@
           <a:blip r:embed="rId3" cstate="print">
             <a:extLst>
               <a:ext uri="{28A0092B-C50C-407E-A947-70E740481C1C}">
-                <a14:useLocalDpi xmlns:a14="http://schemas.microsoft.com/office/drawing/2010/main" xmlns="" val="0"/>
+                <a14:useLocalDpi xmlns="" xmlns:a14="http://schemas.microsoft.com/office/drawing/2010/main" val="0"/>
               </a:ext>
             </a:extLst>
           </a:blip>
@@ -8746,7 +8632,7 @@
     </p:spTree>
     <p:extLst>
       <p:ext uri="{BB962C8B-B14F-4D97-AF65-F5344CB8AC3E}">
-        <p14:creationId xmlns:p14="http://schemas.microsoft.com/office/powerpoint/2010/main" xmlns="" val="2245358919"/>
+        <p14:creationId xmlns="" xmlns:p14="http://schemas.microsoft.com/office/powerpoint/2010/main" val="2245358919"/>
       </p:ext>
     </p:extLst>
   </p:cSld>
@@ -8817,7 +8703,7 @@
             <p:ph idx="1"/>
             <p:extLst>
               <p:ext uri="{D42A27DB-BD31-4B8C-83A1-F6EECF244321}">
-                <p14:modId xmlns:p14="http://schemas.microsoft.com/office/powerpoint/2010/main" xmlns="" val="4149895999"/>
+                <p14:modId xmlns="" xmlns:p14="http://schemas.microsoft.com/office/powerpoint/2010/main" val="4149895999"/>
               </p:ext>
             </p:extLst>
           </p:nvPr>
@@ -9416,7 +9302,7 @@
     </p:spTree>
     <p:extLst>
       <p:ext uri="{BB962C8B-B14F-4D97-AF65-F5344CB8AC3E}">
-        <p14:creationId xmlns:p14="http://schemas.microsoft.com/office/powerpoint/2010/main" xmlns="" val="1434869260"/>
+        <p14:creationId xmlns="" xmlns:p14="http://schemas.microsoft.com/office/powerpoint/2010/main" val="1434869260"/>
       </p:ext>
     </p:extLst>
   </p:cSld>
@@ -9457,7 +9343,7 @@
           <a:blip r:embed="rId3" cstate="print">
             <a:extLst>
               <a:ext uri="{28A0092B-C50C-407E-A947-70E740481C1C}">
-                <a14:useLocalDpi xmlns:a14="http://schemas.microsoft.com/office/drawing/2010/main" xmlns="" val="0"/>
+                <a14:useLocalDpi xmlns="" xmlns:a14="http://schemas.microsoft.com/office/drawing/2010/main" val="0"/>
               </a:ext>
             </a:extLst>
           </a:blip>
@@ -9477,7 +9363,7 @@
           <a:noFill/>
           <a:extLst>
             <a:ext uri="{909E8E84-426E-40DD-AFC4-6F175D3DCCD1}">
-              <a14:hiddenFill xmlns:a14="http://schemas.microsoft.com/office/drawing/2010/main" xmlns="">
+              <a14:hiddenFill xmlns="" xmlns:a14="http://schemas.microsoft.com/office/drawing/2010/main">
                 <a:solidFill>
                   <a:srgbClr val="FFFFFF"/>
                 </a:solidFill>
@@ -9520,7 +9406,7 @@
     </p:spTree>
     <p:extLst>
       <p:ext uri="{BB962C8B-B14F-4D97-AF65-F5344CB8AC3E}">
-        <p14:creationId xmlns:p14="http://schemas.microsoft.com/office/powerpoint/2010/main" xmlns="" val="4021245580"/>
+        <p14:creationId xmlns="" xmlns:p14="http://schemas.microsoft.com/office/powerpoint/2010/main" val="4021245580"/>
       </p:ext>
     </p:extLst>
   </p:cSld>
@@ -9591,7 +9477,7 @@
           <a:blip r:embed="rId3" cstate="print">
             <a:extLst>
               <a:ext uri="{28A0092B-C50C-407E-A947-70E740481C1C}">
-                <a14:useLocalDpi xmlns:a14="http://schemas.microsoft.com/office/drawing/2010/main" xmlns="" val="0"/>
+                <a14:useLocalDpi xmlns="" xmlns:a14="http://schemas.microsoft.com/office/drawing/2010/main" val="0"/>
               </a:ext>
             </a:extLst>
           </a:blip>
@@ -9686,7 +9572,7 @@
     </p:spTree>
     <p:extLst>
       <p:ext uri="{BB962C8B-B14F-4D97-AF65-F5344CB8AC3E}">
-        <p14:creationId xmlns:p14="http://schemas.microsoft.com/office/powerpoint/2010/main" xmlns="" val="318816464"/>
+        <p14:creationId xmlns="" xmlns:p14="http://schemas.microsoft.com/office/powerpoint/2010/main" val="318816464"/>
       </p:ext>
     </p:extLst>
   </p:cSld>
@@ -9768,7 +9654,7 @@
           <p:nvPr>
             <p:extLst>
               <p:ext uri="{D42A27DB-BD31-4B8C-83A1-F6EECF244321}">
-                <p14:modId xmlns:p14="http://schemas.microsoft.com/office/powerpoint/2010/main" xmlns="" val="1186373056"/>
+                <p14:modId xmlns="" xmlns:p14="http://schemas.microsoft.com/office/powerpoint/2010/main" val="1186373056"/>
               </p:ext>
             </p:extLst>
           </p:nvPr>
@@ -9786,7 +9672,7 @@
     </p:spTree>
     <p:extLst>
       <p:ext uri="{BB962C8B-B14F-4D97-AF65-F5344CB8AC3E}">
-        <p14:creationId xmlns:p14="http://schemas.microsoft.com/office/powerpoint/2010/main" xmlns="" val="4226239434"/>
+        <p14:creationId xmlns="" xmlns:p14="http://schemas.microsoft.com/office/powerpoint/2010/main" val="4226239434"/>
       </p:ext>
     </p:extLst>
   </p:cSld>

--- a/trunk/Assets/Presentación negocio.pptx
+++ b/trunk/Assets/Presentación negocio.pptx
@@ -2,7 +2,7 @@
 <file path=ppt/presentation.xml><?xml version="1.0" encoding="utf-8"?>
 <p:presentation xmlns:a="http://schemas.openxmlformats.org/drawingml/2006/main" xmlns:r="http://schemas.openxmlformats.org/officeDocument/2006/relationships" xmlns:p="http://schemas.openxmlformats.org/presentationml/2006/main" saveSubsetFonts="1">
   <p:sldMasterIdLst>
-    <p:sldMasterId id="2147483648" r:id="rId1"/>
+    <p:sldMasterId id="2147483660" r:id="rId1"/>
   </p:sldMasterIdLst>
   <p:notesMasterIdLst>
     <p:notesMasterId r:id="rId14"/>
@@ -123,12 +123,24 @@
 
 <file path=ppt/charts/chart1.xml><?xml version="1.0" encoding="utf-8"?>
 <c:chartSpace xmlns:c="http://schemas.openxmlformats.org/drawingml/2006/chart" xmlns:a="http://schemas.openxmlformats.org/drawingml/2006/main" xmlns:r="http://schemas.openxmlformats.org/officeDocument/2006/relationships">
+  <c:date1904 val="0"/>
   <c:lang val="es-AR"/>
+  <c:roundedCorners val="0"/>
+  <mc:AlternateContent xmlns:mc="http://schemas.openxmlformats.org/markup-compatibility/2006">
+    <mc:Choice xmlns:c14="http://schemas.microsoft.com/office/drawing/2007/8/2/chart" Requires="c14">
+      <c14:style val="102"/>
+    </mc:Choice>
+    <mc:Fallback>
+      <c:style val="2"/>
+    </mc:Fallback>
+  </mc:AlternateContent>
   <c:chart>
+    <c:autoTitleDeleted val="0"/>
     <c:plotArea>
       <c:layout/>
       <c:lineChart>
         <c:grouping val="standard"/>
+        <c:varyColors val="0"/>
         <c:ser>
           <c:idx val="0"/>
           <c:order val="0"/>
@@ -219,6 +231,7 @@
               </c:numCache>
             </c:numRef>
           </c:val>
+          <c:smooth val="0"/>
         </c:ser>
         <c:ser>
           <c:idx val="1"/>
@@ -310,6 +323,7 @@
               </c:numCache>
             </c:numRef>
           </c:val>
+          <c:smooth val="0"/>
         </c:ser>
         <c:ser>
           <c:idx val="2"/>
@@ -401,34 +415,51 @@
               </c:numCache>
             </c:numRef>
           </c:val>
+          <c:smooth val="0"/>
         </c:ser>
+        <c:dLbls>
+          <c:showLegendKey val="0"/>
+          <c:showVal val="0"/>
+          <c:showCatName val="0"/>
+          <c:showSerName val="0"/>
+          <c:showPercent val="0"/>
+          <c:showBubbleSize val="0"/>
+        </c:dLbls>
         <c:marker val="1"/>
-        <c:axId val="65077248"/>
-        <c:axId val="65078784"/>
+        <c:smooth val="0"/>
+        <c:axId val="72413952"/>
+        <c:axId val="72415488"/>
       </c:lineChart>
       <c:catAx>
-        <c:axId val="65077248"/>
+        <c:axId val="72413952"/>
         <c:scaling>
           <c:orientation val="minMax"/>
         </c:scaling>
+        <c:delete val="0"/>
         <c:axPos val="b"/>
+        <c:majorTickMark val="out"/>
+        <c:minorTickMark val="none"/>
         <c:tickLblPos val="nextTo"/>
-        <c:crossAx val="65078784"/>
+        <c:crossAx val="72415488"/>
         <c:crosses val="autoZero"/>
         <c:auto val="1"/>
         <c:lblAlgn val="ctr"/>
         <c:lblOffset val="100"/>
+        <c:noMultiLvlLbl val="0"/>
       </c:catAx>
       <c:valAx>
-        <c:axId val="65078784"/>
+        <c:axId val="72415488"/>
         <c:scaling>
           <c:orientation val="minMax"/>
         </c:scaling>
+        <c:delete val="0"/>
         <c:axPos val="l"/>
         <c:majorGridlines/>
         <c:numFmt formatCode="0" sourceLinked="1"/>
+        <c:majorTickMark val="out"/>
+        <c:minorTickMark val="none"/>
         <c:tickLblPos val="nextTo"/>
-        <c:crossAx val="65077248"/>
+        <c:crossAx val="72413952"/>
         <c:crosses val="autoZero"/>
         <c:crossBetween val="between"/>
       </c:valAx>
@@ -436,6 +467,7 @@
     <c:legend>
       <c:legendPos val="b"/>
       <c:layout/>
+      <c:overlay val="0"/>
       <c:txPr>
         <a:bodyPr/>
         <a:lstStyle/>
@@ -449,16 +481,29 @@
     </c:legend>
     <c:plotVisOnly val="1"/>
     <c:dispBlanksAs val="gap"/>
+    <c:showDLblsOverMax val="0"/>
   </c:chart>
-  <c:externalData r:id="rId1"/>
+  <c:externalData r:id="rId1">
+    <c:autoUpdate val="0"/>
+  </c:externalData>
 </c:chartSpace>
 </file>
 
 <file path=ppt/charts/chart2.xml><?xml version="1.0" encoding="utf-8"?>
 <c:chartSpace xmlns:c="http://schemas.openxmlformats.org/drawingml/2006/chart" xmlns:a="http://schemas.openxmlformats.org/drawingml/2006/main" xmlns:r="http://schemas.openxmlformats.org/officeDocument/2006/relationships">
-  <c:date1904 val="1"/>
+  <c:date1904 val="0"/>
   <c:lang val="es-AR"/>
+  <c:roundedCorners val="0"/>
+  <mc:AlternateContent xmlns:mc="http://schemas.openxmlformats.org/markup-compatibility/2006">
+    <mc:Choice xmlns:c14="http://schemas.microsoft.com/office/drawing/2007/8/2/chart" Requires="c14">
+      <c14:style val="102"/>
+    </mc:Choice>
+    <mc:Fallback>
+      <c:style val="2"/>
+    </mc:Fallback>
+  </mc:AlternateContent>
   <c:chart>
+    <c:autoTitleDeleted val="0"/>
     <c:plotArea>
       <c:layout>
         <c:manualLayout>
@@ -473,6 +518,7 @@
       </c:layout>
       <c:lineChart>
         <c:grouping val="standard"/>
+        <c:varyColors val="0"/>
         <c:ser>
           <c:idx val="0"/>
           <c:order val="0"/>
@@ -571,6 +617,7 @@
               </c:numCache>
             </c:numRef>
           </c:val>
+          <c:smooth val="0"/>
         </c:ser>
         <c:ser>
           <c:idx val="1"/>
@@ -670,6 +717,7 @@
               </c:numCache>
             </c:numRef>
           </c:val>
+          <c:smooth val="0"/>
         </c:ser>
         <c:ser>
           <c:idx val="2"/>
@@ -769,34 +817,51 @@
               </c:numCache>
             </c:numRef>
           </c:val>
+          <c:smooth val="0"/>
         </c:ser>
+        <c:dLbls>
+          <c:showLegendKey val="0"/>
+          <c:showVal val="0"/>
+          <c:showCatName val="0"/>
+          <c:showSerName val="0"/>
+          <c:showPercent val="0"/>
+          <c:showBubbleSize val="0"/>
+        </c:dLbls>
         <c:marker val="1"/>
-        <c:axId val="62659968"/>
-        <c:axId val="62665856"/>
+        <c:smooth val="0"/>
+        <c:axId val="77498240"/>
+        <c:axId val="77499776"/>
       </c:lineChart>
       <c:catAx>
-        <c:axId val="62659968"/>
+        <c:axId val="77498240"/>
         <c:scaling>
           <c:orientation val="minMax"/>
         </c:scaling>
+        <c:delete val="0"/>
         <c:axPos val="b"/>
+        <c:majorTickMark val="out"/>
+        <c:minorTickMark val="none"/>
         <c:tickLblPos val="nextTo"/>
-        <c:crossAx val="62665856"/>
+        <c:crossAx val="77499776"/>
         <c:crosses val="autoZero"/>
         <c:auto val="1"/>
         <c:lblAlgn val="ctr"/>
         <c:lblOffset val="100"/>
+        <c:noMultiLvlLbl val="0"/>
       </c:catAx>
       <c:valAx>
-        <c:axId val="62665856"/>
+        <c:axId val="77499776"/>
         <c:scaling>
           <c:orientation val="minMax"/>
         </c:scaling>
+        <c:delete val="0"/>
         <c:axPos val="l"/>
         <c:majorGridlines/>
         <c:numFmt formatCode="0" sourceLinked="1"/>
+        <c:majorTickMark val="out"/>
+        <c:minorTickMark val="none"/>
         <c:tickLblPos val="nextTo"/>
-        <c:crossAx val="62659968"/>
+        <c:crossAx val="77498240"/>
         <c:crosses val="autoZero"/>
         <c:crossBetween val="between"/>
       </c:valAx>
@@ -813,6 +878,7 @@
           <c:h val="8.2535196706538749E-2"/>
         </c:manualLayout>
       </c:layout>
+      <c:overlay val="0"/>
       <c:txPr>
         <a:bodyPr/>
         <a:lstStyle/>
@@ -826,8 +892,11 @@
     </c:legend>
     <c:plotVisOnly val="1"/>
     <c:dispBlanksAs val="gap"/>
+    <c:showDLblsOverMax val="0"/>
   </c:chart>
-  <c:externalData r:id="rId1"/>
+  <c:externalData r:id="rId1">
+    <c:autoUpdate val="0"/>
+  </c:externalData>
 </c:chartSpace>
 </file>
 
@@ -1083,7 +1152,7 @@
     </p:spTree>
     <p:extLst>
       <p:ext uri="{BB962C8B-B14F-4D97-AF65-F5344CB8AC3E}">
-        <p14:creationId xmlns="" xmlns:p14="http://schemas.microsoft.com/office/powerpoint/2010/main" val="2280170094"/>
+        <p14:creationId xmlns:p14="http://schemas.microsoft.com/office/powerpoint/2010/main" val="2280170094"/>
       </p:ext>
     </p:extLst>
   </p:cSld>
@@ -1272,7 +1341,7 @@
     </p:spTree>
     <p:extLst>
       <p:ext uri="{BB962C8B-B14F-4D97-AF65-F5344CB8AC3E}">
-        <p14:creationId xmlns="" xmlns:p14="http://schemas.microsoft.com/office/powerpoint/2010/main" val="452615974"/>
+        <p14:creationId xmlns:p14="http://schemas.microsoft.com/office/powerpoint/2010/main" val="452615974"/>
       </p:ext>
     </p:extLst>
   </p:cSld>
@@ -1746,7 +1815,7 @@
     </p:spTree>
     <p:extLst>
       <p:ext uri="{BB962C8B-B14F-4D97-AF65-F5344CB8AC3E}">
-        <p14:creationId xmlns="" xmlns:p14="http://schemas.microsoft.com/office/powerpoint/2010/main" val="3000085410"/>
+        <p14:creationId xmlns:p14="http://schemas.microsoft.com/office/powerpoint/2010/main" val="3000085410"/>
       </p:ext>
     </p:extLst>
   </p:cSld>
@@ -3180,7 +3249,7 @@
     </p:spTree>
     <p:extLst>
       <p:ext uri="{BB962C8B-B14F-4D97-AF65-F5344CB8AC3E}">
-        <p14:creationId xmlns="" xmlns:p14="http://schemas.microsoft.com/office/powerpoint/2010/main" val="2610191261"/>
+        <p14:creationId xmlns:p14="http://schemas.microsoft.com/office/powerpoint/2010/main" val="2610191261"/>
       </p:ext>
     </p:extLst>
   </p:cSld>
@@ -3441,7 +3510,7 @@
     </p:spTree>
     <p:extLst>
       <p:ext uri="{BB962C8B-B14F-4D97-AF65-F5344CB8AC3E}">
-        <p14:creationId xmlns="" xmlns:p14="http://schemas.microsoft.com/office/powerpoint/2010/main" val="1052945588"/>
+        <p14:creationId xmlns:p14="http://schemas.microsoft.com/office/powerpoint/2010/main" val="1052945588"/>
       </p:ext>
     </p:extLst>
   </p:cSld>
@@ -3981,7 +4050,7 @@
     </p:spTree>
     <p:extLst>
       <p:ext uri="{BB962C8B-B14F-4D97-AF65-F5344CB8AC3E}">
-        <p14:creationId xmlns="" xmlns:p14="http://schemas.microsoft.com/office/powerpoint/2010/main" val="84732664"/>
+        <p14:creationId xmlns:p14="http://schemas.microsoft.com/office/powerpoint/2010/main" val="84732664"/>
       </p:ext>
     </p:extLst>
   </p:cSld>
@@ -4236,7 +4305,7 @@
     </p:spTree>
     <p:extLst>
       <p:ext uri="{BB962C8B-B14F-4D97-AF65-F5344CB8AC3E}">
-        <p14:creationId xmlns="" xmlns:p14="http://schemas.microsoft.com/office/powerpoint/2010/main" val="3325332095"/>
+        <p14:creationId xmlns:p14="http://schemas.microsoft.com/office/powerpoint/2010/main" val="3325332095"/>
       </p:ext>
     </p:extLst>
   </p:cSld>
@@ -4375,7 +4444,7 @@
     </p:spTree>
     <p:extLst>
       <p:ext uri="{BB962C8B-B14F-4D97-AF65-F5344CB8AC3E}">
-        <p14:creationId xmlns="" xmlns:p14="http://schemas.microsoft.com/office/powerpoint/2010/main" val="685780543"/>
+        <p14:creationId xmlns:p14="http://schemas.microsoft.com/office/powerpoint/2010/main" val="685780543"/>
       </p:ext>
     </p:extLst>
   </p:cSld>
@@ -4492,7 +4561,7 @@
     </p:spTree>
     <p:extLst>
       <p:ext uri="{BB962C8B-B14F-4D97-AF65-F5344CB8AC3E}">
-        <p14:creationId xmlns="" xmlns:p14="http://schemas.microsoft.com/office/powerpoint/2010/main" val="448154425"/>
+        <p14:creationId xmlns:p14="http://schemas.microsoft.com/office/powerpoint/2010/main" val="448154425"/>
       </p:ext>
     </p:extLst>
   </p:cSld>
@@ -4737,7 +4806,7 @@
     </p:spTree>
     <p:extLst>
       <p:ext uri="{BB962C8B-B14F-4D97-AF65-F5344CB8AC3E}">
-        <p14:creationId xmlns="" xmlns:p14="http://schemas.microsoft.com/office/powerpoint/2010/main" val="1057133531"/>
+        <p14:creationId xmlns:p14="http://schemas.microsoft.com/office/powerpoint/2010/main" val="1057133531"/>
       </p:ext>
     </p:extLst>
   </p:cSld>
@@ -4880,11 +4949,7 @@
             </a:r>
             <a:r>
               <a:rPr lang="es-AR" baseline="0" dirty="0" smtClean="0"/>
-              <a:t> como de transferencia de </a:t>
-            </a:r>
-            <a:r>
-              <a:rPr lang="es-AR" baseline="0" dirty="0" smtClean="0"/>
-              <a:t>datos. Sobre estos puntos se entrará mas en detalle en la </a:t>
+              <a:t> como de transferencia de datos. Sobre estos puntos se entrará mas en detalle en la </a:t>
             </a:r>
             <a:r>
               <a:rPr lang="es-AR" baseline="0" smtClean="0"/>
@@ -4952,7 +5017,7 @@
     </p:spTree>
     <p:extLst>
       <p:ext uri="{BB962C8B-B14F-4D97-AF65-F5344CB8AC3E}">
-        <p14:creationId xmlns="" xmlns:p14="http://schemas.microsoft.com/office/powerpoint/2010/main" val="3003342862"/>
+        <p14:creationId xmlns:p14="http://schemas.microsoft.com/office/powerpoint/2010/main" val="3003342862"/>
       </p:ext>
     </p:extLst>
   </p:cSld>
@@ -4963,7 +5028,7 @@
 </file>
 
 <file path=ppt/slideLayouts/slideLayout1.xml><?xml version="1.0" encoding="utf-8"?>
-<p:sldLayout xmlns:a="http://schemas.openxmlformats.org/drawingml/2006/main" xmlns:r="http://schemas.openxmlformats.org/officeDocument/2006/relationships" xmlns:p="http://schemas.openxmlformats.org/presentationml/2006/main" type="title" preserve="1">
+<p:sldLayout xmlns:a="http://schemas.openxmlformats.org/drawingml/2006/main" xmlns:r="http://schemas.openxmlformats.org/officeDocument/2006/relationships" xmlns:p="http://schemas.openxmlformats.org/presentationml/2006/main" showMasterSp="0" type="title" preserve="1">
   <p:cSld name="Title Slide">
     <p:spTree>
       <p:nvGrpSpPr>
@@ -4981,29 +5046,117 @@
       </p:grpSpPr>
       <p:sp>
         <p:nvSpPr>
-          <p:cNvPr id="2" name="Title 1"/>
-          <p:cNvSpPr>
-            <a:spLocks noGrp="1"/>
-          </p:cNvSpPr>
-          <p:nvPr>
-            <p:ph type="ctrTitle"/>
-          </p:nvPr>
+          <p:cNvPr id="7" name="Rectangle 6"/>
+          <p:cNvSpPr/>
+          <p:nvPr/>
         </p:nvSpPr>
         <p:spPr>
           <a:xfrm>
-            <a:off x="685800" y="2130425"/>
-            <a:ext cx="7772400" cy="1470025"/>
+            <a:off x="0" y="762000"/>
+            <a:ext cx="6856214" cy="5334001"/>
+          </a:xfrm>
+          <a:prstGeom prst="rect">
+            <a:avLst/>
+          </a:prstGeom>
+          <a:solidFill>
+            <a:schemeClr val="accent1"/>
+          </a:solidFill>
+          <a:ln>
+            <a:noFill/>
+          </a:ln>
+        </p:spPr>
+        <p:style>
+          <a:lnRef idx="2">
+            <a:schemeClr val="accent1">
+              <a:shade val="50000"/>
+            </a:schemeClr>
+          </a:lnRef>
+          <a:fillRef idx="1">
+            <a:schemeClr val="accent1"/>
+          </a:fillRef>
+          <a:effectRef idx="0">
+            <a:schemeClr val="accent1"/>
+          </a:effectRef>
+          <a:fontRef idx="minor">
+            <a:schemeClr val="lt1"/>
+          </a:fontRef>
+        </p:style>
+      </p:sp>
+      <p:sp>
+        <p:nvSpPr>
+          <p:cNvPr id="8" name="Rectangle 7"/>
+          <p:cNvSpPr/>
+          <p:nvPr/>
+        </p:nvSpPr>
+        <p:spPr>
+          <a:xfrm>
+            <a:off x="6952697" y="762000"/>
+            <a:ext cx="2193989" cy="5334001"/>
+          </a:xfrm>
+          <a:prstGeom prst="rect">
+            <a:avLst/>
+          </a:prstGeom>
+          <a:solidFill>
+            <a:srgbClr val="C8C8C8">
+              <a:alpha val="49804"/>
+            </a:srgbClr>
+          </a:solidFill>
+          <a:ln>
+            <a:noFill/>
+          </a:ln>
+        </p:spPr>
+        <p:style>
+          <a:lnRef idx="2">
+            <a:schemeClr val="accent1">
+              <a:shade val="50000"/>
+            </a:schemeClr>
+          </a:lnRef>
+          <a:fillRef idx="1">
+            <a:schemeClr val="accent1"/>
+          </a:fillRef>
+          <a:effectRef idx="0">
+            <a:schemeClr val="accent1"/>
+          </a:effectRef>
+          <a:fontRef idx="minor">
+            <a:schemeClr val="lt1"/>
+          </a:fontRef>
+        </p:style>
+      </p:sp>
+      <p:sp>
+        <p:nvSpPr>
+          <p:cNvPr id="2" name="Title 1"/>
+          <p:cNvSpPr>
+            <a:spLocks noGrp="1"/>
+          </p:cNvSpPr>
+          <p:nvPr>
+            <p:ph type="ctrTitle"/>
+          </p:nvPr>
+        </p:nvSpPr>
+        <p:spPr>
+          <a:xfrm>
+            <a:off x="802386" y="1298448"/>
+            <a:ext cx="5486400" cy="3255264"/>
           </a:xfrm>
         </p:spPr>
         <p:txBody>
-          <a:bodyPr/>
-          <a:lstStyle/>
+          <a:bodyPr anchor="b">
+            <a:normAutofit/>
+          </a:bodyPr>
+          <a:lstStyle>
+            <a:lvl1pPr algn="l">
+              <a:defRPr sz="5900" spc="-100" baseline="0">
+                <a:solidFill>
+                  <a:srgbClr val="FFFFFF"/>
+                </a:solidFill>
+              </a:defRPr>
+            </a:lvl1pPr>
+          </a:lstStyle>
           <a:p>
             <a:r>
               <a:rPr lang="en-US" smtClean="0"/>
               <a:t>Click to edit Master title style</a:t>
             </a:r>
-            <a:endParaRPr lang="es-AR"/>
+            <a:endParaRPr lang="en-US" dirty="0"/>
           </a:p>
         </p:txBody>
       </p:sp>
@@ -5019,102 +5172,57 @@
         </p:nvSpPr>
         <p:spPr>
           <a:xfrm>
-            <a:off x="1371600" y="3886200"/>
-            <a:ext cx="6400800" cy="1752600"/>
+            <a:off x="825011" y="4670246"/>
+            <a:ext cx="5486400" cy="914400"/>
           </a:xfrm>
         </p:spPr>
         <p:txBody>
-          <a:bodyPr/>
+          <a:bodyPr anchor="t">
+            <a:normAutofit/>
+          </a:bodyPr>
           <a:lstStyle>
-            <a:lvl1pPr marL="0" indent="0" algn="ctr">
+            <a:lvl1pPr marL="0" indent="0" algn="l">
               <a:buNone/>
-              <a:defRPr>
+              <a:defRPr sz="2200" cap="none" spc="0" baseline="0">
                 <a:solidFill>
-                  <a:schemeClr val="tx1">
-                    <a:tint val="75000"/>
+                  <a:schemeClr val="accent1">
+                    <a:lumMod val="20000"/>
+                    <a:lumOff val="80000"/>
                   </a:schemeClr>
                 </a:solidFill>
               </a:defRPr>
             </a:lvl1pPr>
             <a:lvl2pPr marL="457200" indent="0" algn="ctr">
               <a:buNone/>
-              <a:defRPr>
-                <a:solidFill>
-                  <a:schemeClr val="tx1">
-                    <a:tint val="75000"/>
-                  </a:schemeClr>
-                </a:solidFill>
-              </a:defRPr>
+              <a:defRPr sz="2200"/>
             </a:lvl2pPr>
             <a:lvl3pPr marL="914400" indent="0" algn="ctr">
               <a:buNone/>
-              <a:defRPr>
-                <a:solidFill>
-                  <a:schemeClr val="tx1">
-                    <a:tint val="75000"/>
-                  </a:schemeClr>
-                </a:solidFill>
-              </a:defRPr>
+              <a:defRPr sz="2200"/>
             </a:lvl3pPr>
             <a:lvl4pPr marL="1371600" indent="0" algn="ctr">
               <a:buNone/>
-              <a:defRPr>
-                <a:solidFill>
-                  <a:schemeClr val="tx1">
-                    <a:tint val="75000"/>
-                  </a:schemeClr>
-                </a:solidFill>
-              </a:defRPr>
+              <a:defRPr sz="2000"/>
             </a:lvl4pPr>
             <a:lvl5pPr marL="1828800" indent="0" algn="ctr">
               <a:buNone/>
-              <a:defRPr>
-                <a:solidFill>
-                  <a:schemeClr val="tx1">
-                    <a:tint val="75000"/>
-                  </a:schemeClr>
-                </a:solidFill>
-              </a:defRPr>
+              <a:defRPr sz="2000"/>
             </a:lvl5pPr>
             <a:lvl6pPr marL="2286000" indent="0" algn="ctr">
               <a:buNone/>
-              <a:defRPr>
-                <a:solidFill>
-                  <a:schemeClr val="tx1">
-                    <a:tint val="75000"/>
-                  </a:schemeClr>
-                </a:solidFill>
-              </a:defRPr>
+              <a:defRPr sz="2000"/>
             </a:lvl6pPr>
             <a:lvl7pPr marL="2743200" indent="0" algn="ctr">
               <a:buNone/>
-              <a:defRPr>
-                <a:solidFill>
-                  <a:schemeClr val="tx1">
-                    <a:tint val="75000"/>
-                  </a:schemeClr>
-                </a:solidFill>
-              </a:defRPr>
+              <a:defRPr sz="2000"/>
             </a:lvl7pPr>
             <a:lvl8pPr marL="3200400" indent="0" algn="ctr">
               <a:buNone/>
-              <a:defRPr>
-                <a:solidFill>
-                  <a:schemeClr val="tx1">
-                    <a:tint val="75000"/>
-                  </a:schemeClr>
-                </a:solidFill>
-              </a:defRPr>
+              <a:defRPr sz="2000"/>
             </a:lvl8pPr>
             <a:lvl9pPr marL="3657600" indent="0" algn="ctr">
               <a:buNone/>
-              <a:defRPr>
-                <a:solidFill>
-                  <a:schemeClr val="tx1">
-                    <a:tint val="75000"/>
-                  </a:schemeClr>
-                </a:solidFill>
-              </a:defRPr>
+              <a:defRPr sz="2000"/>
             </a:lvl9pPr>
           </a:lstStyle>
           <a:p>
@@ -5122,7 +5230,7 @@
               <a:rPr lang="en-US" smtClean="0"/>
               <a:t>Click to edit Master subtitle style</a:t>
             </a:r>
-            <a:endParaRPr lang="es-AR"/>
+            <a:endParaRPr lang="en-US" dirty="0"/>
           </a:p>
         </p:txBody>
       </p:sp>
@@ -5196,7 +5304,7 @@
     </p:spTree>
     <p:extLst>
       <p:ext uri="{BB962C8B-B14F-4D97-AF65-F5344CB8AC3E}">
-        <p14:creationId xmlns="" xmlns:p14="http://schemas.microsoft.com/office/powerpoint/2010/main" val="4071340637"/>
+        <p14:creationId xmlns:p14="http://schemas.microsoft.com/office/powerpoint/2010/main" val="3761509730"/>
       </p:ext>
     </p:extLst>
   </p:cSld>
@@ -5242,7 +5350,7 @@
               <a:rPr lang="en-US" smtClean="0"/>
               <a:t>Click to edit Master title style</a:t>
             </a:r>
-            <a:endParaRPr lang="es-AR"/>
+            <a:endParaRPr lang="en-US" dirty="0"/>
           </a:p>
         </p:txBody>
       </p:sp>
@@ -5258,7 +5366,7 @@
         </p:nvSpPr>
         <p:spPr/>
         <p:txBody>
-          <a:bodyPr vert="eaVert"/>
+          <a:bodyPr vert="eaVert" anchor="t"/>
           <a:lstStyle/>
           <a:p>
             <a:pPr lvl="0"/>
@@ -5294,13 +5402,13 @@
               <a:rPr lang="en-US" smtClean="0"/>
               <a:t>Fifth level</a:t>
             </a:r>
-            <a:endParaRPr lang="es-AR"/>
+            <a:endParaRPr lang="en-US" dirty="0"/>
           </a:p>
         </p:txBody>
       </p:sp>
       <p:sp>
         <p:nvSpPr>
-          <p:cNvPr id="4" name="Date Placeholder 3"/>
+          <p:cNvPr id="7" name="Date Placeholder 6"/>
           <p:cNvSpPr>
             <a:spLocks noGrp="1"/>
           </p:cNvSpPr>
@@ -5324,7 +5432,7 @@
       </p:sp>
       <p:sp>
         <p:nvSpPr>
-          <p:cNvPr id="5" name="Footer Placeholder 4"/>
+          <p:cNvPr id="8" name="Footer Placeholder 7"/>
           <p:cNvSpPr>
             <a:spLocks noGrp="1"/>
           </p:cNvSpPr>
@@ -5343,7 +5451,7 @@
       </p:sp>
       <p:sp>
         <p:nvSpPr>
-          <p:cNvPr id="6" name="Slide Number Placeholder 5"/>
+          <p:cNvPr id="9" name="Slide Number Placeholder 8"/>
           <p:cNvSpPr>
             <a:spLocks noGrp="1"/>
           </p:cNvSpPr>
@@ -5368,7 +5476,7 @@
     </p:spTree>
     <p:extLst>
       <p:ext uri="{BB962C8B-B14F-4D97-AF65-F5344CB8AC3E}">
-        <p14:creationId xmlns="" xmlns:p14="http://schemas.microsoft.com/office/powerpoint/2010/main" val="1409430677"/>
+        <p14:creationId xmlns:p14="http://schemas.microsoft.com/office/powerpoint/2010/main" val="1283827035"/>
       </p:ext>
     </p:extLst>
   </p:cSld>
@@ -5407,8 +5515,8 @@
         </p:nvSpPr>
         <p:spPr>
           <a:xfrm>
-            <a:off x="6629400" y="274638"/>
-            <a:ext cx="2057400" cy="5851525"/>
+            <a:off x="285750" y="990600"/>
+            <a:ext cx="2114550" cy="4953000"/>
           </a:xfrm>
         </p:spPr>
         <p:txBody>
@@ -5419,7 +5527,7 @@
               <a:rPr lang="en-US" smtClean="0"/>
               <a:t>Click to edit Master title style</a:t>
             </a:r>
-            <a:endParaRPr lang="es-AR"/>
+            <a:endParaRPr lang="en-US" dirty="0"/>
           </a:p>
         </p:txBody>
       </p:sp>
@@ -5435,12 +5543,12 @@
         </p:nvSpPr>
         <p:spPr>
           <a:xfrm>
-            <a:off x="457200" y="274638"/>
-            <a:ext cx="6019800" cy="5851525"/>
+            <a:off x="2900934" y="868680"/>
+            <a:ext cx="5486400" cy="5120640"/>
           </a:xfrm>
         </p:spPr>
         <p:txBody>
-          <a:bodyPr vert="eaVert"/>
+          <a:bodyPr vert="eaVert" anchor="t"/>
           <a:lstStyle/>
           <a:p>
             <a:pPr lvl="0"/>
@@ -5476,13 +5584,13 @@
               <a:rPr lang="en-US" smtClean="0"/>
               <a:t>Fifth level</a:t>
             </a:r>
-            <a:endParaRPr lang="es-AR"/>
+            <a:endParaRPr lang="en-US" dirty="0"/>
           </a:p>
         </p:txBody>
       </p:sp>
       <p:sp>
         <p:nvSpPr>
-          <p:cNvPr id="4" name="Date Placeholder 3"/>
+          <p:cNvPr id="7" name="Date Placeholder 6"/>
           <p:cNvSpPr>
             <a:spLocks noGrp="1"/>
           </p:cNvSpPr>
@@ -5506,7 +5614,7 @@
       </p:sp>
       <p:sp>
         <p:nvSpPr>
-          <p:cNvPr id="5" name="Footer Placeholder 4"/>
+          <p:cNvPr id="8" name="Footer Placeholder 7"/>
           <p:cNvSpPr>
             <a:spLocks noGrp="1"/>
           </p:cNvSpPr>
@@ -5525,7 +5633,7 @@
       </p:sp>
       <p:sp>
         <p:nvSpPr>
-          <p:cNvPr id="6" name="Slide Number Placeholder 5"/>
+          <p:cNvPr id="9" name="Slide Number Placeholder 8"/>
           <p:cNvSpPr>
             <a:spLocks noGrp="1"/>
           </p:cNvSpPr>
@@ -5550,7 +5658,7 @@
     </p:spTree>
     <p:extLst>
       <p:ext uri="{BB962C8B-B14F-4D97-AF65-F5344CB8AC3E}">
-        <p14:creationId xmlns="" xmlns:p14="http://schemas.microsoft.com/office/powerpoint/2010/main" val="162565899"/>
+        <p14:creationId xmlns:p14="http://schemas.microsoft.com/office/powerpoint/2010/main" val="3984762503"/>
       </p:ext>
     </p:extLst>
   </p:cSld>
@@ -5596,7 +5704,7 @@
               <a:rPr lang="en-US" smtClean="0"/>
               <a:t>Click to edit Master title style</a:t>
             </a:r>
-            <a:endParaRPr lang="es-AR"/>
+            <a:endParaRPr lang="en-US" dirty="0"/>
           </a:p>
         </p:txBody>
       </p:sp>
@@ -5648,7 +5756,7 @@
               <a:rPr lang="en-US" smtClean="0"/>
               <a:t>Fifth level</a:t>
             </a:r>
-            <a:endParaRPr lang="es-AR"/>
+            <a:endParaRPr lang="en-US" dirty="0"/>
           </a:p>
         </p:txBody>
       </p:sp>
@@ -5722,7 +5830,7 @@
     </p:spTree>
     <p:extLst>
       <p:ext uri="{BB962C8B-B14F-4D97-AF65-F5344CB8AC3E}">
-        <p14:creationId xmlns="" xmlns:p14="http://schemas.microsoft.com/office/powerpoint/2010/main" val="1601180198"/>
+        <p14:creationId xmlns:p14="http://schemas.microsoft.com/office/powerpoint/2010/main" val="4095980329"/>
       </p:ext>
     </p:extLst>
   </p:cSld>
@@ -5761,15 +5869,24 @@
         </p:nvSpPr>
         <p:spPr>
           <a:xfrm>
-            <a:off x="722313" y="4406900"/>
-            <a:ext cx="7772400" cy="1362075"/>
+            <a:off x="2900934" y="1298448"/>
+            <a:ext cx="5486400" cy="3255264"/>
           </a:xfrm>
         </p:spPr>
         <p:txBody>
-          <a:bodyPr anchor="t"/>
+          <a:bodyPr anchor="b">
+            <a:normAutofit/>
+          </a:bodyPr>
           <a:lstStyle>
-            <a:lvl1pPr algn="l">
-              <a:defRPr sz="4000" b="1" cap="all"/>
+            <a:lvl1pPr>
+              <a:defRPr sz="5900" b="0" spc="-100" baseline="0">
+                <a:solidFill>
+                  <a:schemeClr val="tx1">
+                    <a:lumMod val="65000"/>
+                    <a:lumOff val="35000"/>
+                  </a:schemeClr>
+                </a:solidFill>
+              </a:defRPr>
             </a:lvl1pPr>
           </a:lstStyle>
           <a:p>
@@ -5777,7 +5894,7 @@
               <a:rPr lang="en-US" smtClean="0"/>
               <a:t>Click to edit Master title style</a:t>
             </a:r>
-            <a:endParaRPr lang="es-AR"/>
+            <a:endParaRPr lang="en-US" dirty="0"/>
           </a:p>
         </p:txBody>
       </p:sp>
@@ -5793,19 +5910,22 @@
         </p:nvSpPr>
         <p:spPr>
           <a:xfrm>
-            <a:off x="722313" y="2906713"/>
-            <a:ext cx="7772400" cy="1500187"/>
+            <a:off x="2914650" y="4672584"/>
+            <a:ext cx="5486400" cy="914400"/>
           </a:xfrm>
         </p:spPr>
         <p:txBody>
-          <a:bodyPr anchor="b"/>
+          <a:bodyPr anchor="t">
+            <a:normAutofit/>
+          </a:bodyPr>
           <a:lstStyle>
             <a:lvl1pPr marL="0" indent="0">
               <a:buNone/>
-              <a:defRPr sz="2000">
+              <a:defRPr sz="2200" cap="none" spc="0" baseline="0">
                 <a:solidFill>
                   <a:schemeClr val="tx1">
-                    <a:tint val="75000"/>
+                    <a:lumMod val="65000"/>
+                    <a:lumOff val="35000"/>
                   </a:schemeClr>
                 </a:solidFill>
               </a:defRPr>
@@ -5970,7 +6090,7 @@
     </p:spTree>
     <p:extLst>
       <p:ext uri="{BB962C8B-B14F-4D97-AF65-F5344CB8AC3E}">
-        <p14:creationId xmlns="" xmlns:p14="http://schemas.microsoft.com/office/powerpoint/2010/main" val="472115813"/>
+        <p14:creationId xmlns:p14="http://schemas.microsoft.com/office/powerpoint/2010/main" val="1480756637"/>
       </p:ext>
     </p:extLst>
   </p:cSld>
@@ -6016,7 +6136,7 @@
               <a:rPr lang="en-US" smtClean="0"/>
               <a:t>Click to edit Master title style</a:t>
             </a:r>
-            <a:endParaRPr lang="es-AR"/>
+            <a:endParaRPr lang="en-US" dirty="0"/>
           </a:p>
         </p:txBody>
       </p:sp>
@@ -6032,39 +6152,39 @@
         </p:nvSpPr>
         <p:spPr>
           <a:xfrm>
-            <a:off x="457200" y="1600200"/>
-            <a:ext cx="4038600" cy="4525963"/>
+            <a:off x="2900934" y="868680"/>
+            <a:ext cx="2606040" cy="5120640"/>
           </a:xfrm>
         </p:spPr>
         <p:txBody>
           <a:bodyPr/>
           <a:lstStyle>
             <a:lvl1pPr>
-              <a:defRPr sz="2800"/>
+              <a:defRPr sz="2000"/>
             </a:lvl1pPr>
             <a:lvl2pPr>
-              <a:defRPr sz="2400"/>
+              <a:defRPr sz="1800"/>
             </a:lvl2pPr>
             <a:lvl3pPr>
-              <a:defRPr sz="2000"/>
+              <a:defRPr sz="1600"/>
             </a:lvl3pPr>
             <a:lvl4pPr>
-              <a:defRPr sz="1800"/>
+              <a:defRPr sz="1400"/>
             </a:lvl4pPr>
             <a:lvl5pPr>
-              <a:defRPr sz="1800"/>
+              <a:defRPr sz="1400"/>
             </a:lvl5pPr>
             <a:lvl6pPr>
-              <a:defRPr sz="1800"/>
+              <a:defRPr sz="1400"/>
             </a:lvl6pPr>
             <a:lvl7pPr>
-              <a:defRPr sz="1800"/>
+              <a:defRPr sz="1400"/>
             </a:lvl7pPr>
             <a:lvl8pPr>
-              <a:defRPr sz="1800"/>
+              <a:defRPr sz="1400"/>
             </a:lvl8pPr>
             <a:lvl9pPr>
-              <a:defRPr sz="1800"/>
+              <a:defRPr sz="1400"/>
             </a:lvl9pPr>
           </a:lstStyle>
           <a:p>
@@ -6101,7 +6221,7 @@
               <a:rPr lang="en-US" smtClean="0"/>
               <a:t>Fifth level</a:t>
             </a:r>
-            <a:endParaRPr lang="es-AR"/>
+            <a:endParaRPr lang="en-US" dirty="0"/>
           </a:p>
         </p:txBody>
       </p:sp>
@@ -6117,39 +6237,39 @@
         </p:nvSpPr>
         <p:spPr>
           <a:xfrm>
-            <a:off x="4648200" y="1600200"/>
-            <a:ext cx="4038600" cy="4525963"/>
+            <a:off x="5863590" y="868680"/>
+            <a:ext cx="2606040" cy="5120640"/>
           </a:xfrm>
         </p:spPr>
         <p:txBody>
           <a:bodyPr/>
           <a:lstStyle>
             <a:lvl1pPr>
-              <a:defRPr sz="2800"/>
+              <a:defRPr sz="2000"/>
             </a:lvl1pPr>
             <a:lvl2pPr>
-              <a:defRPr sz="2400"/>
+              <a:defRPr sz="1800"/>
             </a:lvl2pPr>
             <a:lvl3pPr>
-              <a:defRPr sz="2000"/>
+              <a:defRPr sz="1600"/>
             </a:lvl3pPr>
             <a:lvl4pPr>
-              <a:defRPr sz="1800"/>
+              <a:defRPr sz="1400"/>
             </a:lvl4pPr>
             <a:lvl5pPr>
-              <a:defRPr sz="1800"/>
+              <a:defRPr sz="1400"/>
             </a:lvl5pPr>
             <a:lvl6pPr>
-              <a:defRPr sz="1800"/>
+              <a:defRPr sz="1400"/>
             </a:lvl6pPr>
             <a:lvl7pPr>
-              <a:defRPr sz="1800"/>
+              <a:defRPr sz="1400"/>
             </a:lvl7pPr>
             <a:lvl8pPr>
-              <a:defRPr sz="1800"/>
+              <a:defRPr sz="1400"/>
             </a:lvl8pPr>
             <a:lvl9pPr>
-              <a:defRPr sz="1800"/>
+              <a:defRPr sz="1400"/>
             </a:lvl9pPr>
           </a:lstStyle>
           <a:p>
@@ -6186,13 +6306,13 @@
               <a:rPr lang="en-US" smtClean="0"/>
               <a:t>Fifth level</a:t>
             </a:r>
-            <a:endParaRPr lang="es-AR"/>
+            <a:endParaRPr lang="en-US" dirty="0"/>
           </a:p>
         </p:txBody>
       </p:sp>
       <p:sp>
         <p:nvSpPr>
-          <p:cNvPr id="5" name="Date Placeholder 4"/>
+          <p:cNvPr id="8" name="Date Placeholder 7"/>
           <p:cNvSpPr>
             <a:spLocks noGrp="1"/>
           </p:cNvSpPr>
@@ -6216,7 +6336,7 @@
       </p:sp>
       <p:sp>
         <p:nvSpPr>
-          <p:cNvPr id="6" name="Footer Placeholder 5"/>
+          <p:cNvPr id="9" name="Footer Placeholder 8"/>
           <p:cNvSpPr>
             <a:spLocks noGrp="1"/>
           </p:cNvSpPr>
@@ -6235,7 +6355,7 @@
       </p:sp>
       <p:sp>
         <p:nvSpPr>
-          <p:cNvPr id="7" name="Slide Number Placeholder 6"/>
+          <p:cNvPr id="10" name="Slide Number Placeholder 9"/>
           <p:cNvSpPr>
             <a:spLocks noGrp="1"/>
           </p:cNvSpPr>
@@ -6260,7 +6380,7 @@
     </p:spTree>
     <p:extLst>
       <p:ext uri="{BB962C8B-B14F-4D97-AF65-F5344CB8AC3E}">
-        <p14:creationId xmlns="" xmlns:p14="http://schemas.microsoft.com/office/powerpoint/2010/main" val="593189153"/>
+        <p14:creationId xmlns:p14="http://schemas.microsoft.com/office/powerpoint/2010/main" val="991147995"/>
       </p:ext>
     </p:extLst>
   </p:cSld>
@@ -6289,7 +6409,7 @@
       </p:grpSpPr>
       <p:sp>
         <p:nvSpPr>
-          <p:cNvPr id="2" name="Title 1"/>
+          <p:cNvPr id="10" name="Title 9"/>
           <p:cNvSpPr>
             <a:spLocks noGrp="1"/>
           </p:cNvSpPr>
@@ -6300,17 +6420,13 @@
         <p:spPr/>
         <p:txBody>
           <a:bodyPr/>
-          <a:lstStyle>
-            <a:lvl1pPr>
-              <a:defRPr/>
-            </a:lvl1pPr>
-          </a:lstStyle>
+          <a:lstStyle/>
           <a:p>
             <a:r>
               <a:rPr lang="en-US" smtClean="0"/>
               <a:t>Click to edit Master title style</a:t>
             </a:r>
-            <a:endParaRPr lang="es-AR"/>
+            <a:endParaRPr lang="en-US" dirty="0"/>
           </a:p>
         </p:txBody>
       </p:sp>
@@ -6326,16 +6442,28 @@
         </p:nvSpPr>
         <p:spPr>
           <a:xfrm>
-            <a:off x="457200" y="1535113"/>
-            <a:ext cx="4040188" cy="639762"/>
+            <a:off x="2900934" y="1023586"/>
+            <a:ext cx="2606040" cy="807720"/>
           </a:xfrm>
         </p:spPr>
         <p:txBody>
-          <a:bodyPr anchor="b"/>
+          <a:bodyPr anchor="b">
+            <a:normAutofit/>
+          </a:bodyPr>
           <a:lstStyle>
             <a:lvl1pPr marL="0" indent="0">
+              <a:spcBef>
+                <a:spcPts val="0"/>
+              </a:spcBef>
               <a:buNone/>
-              <a:defRPr sz="2400" b="1"/>
+              <a:defRPr sz="2000" b="1">
+                <a:solidFill>
+                  <a:schemeClr val="tx1">
+                    <a:lumMod val="65000"/>
+                    <a:lumOff val="35000"/>
+                  </a:schemeClr>
+                </a:solidFill>
+              </a:defRPr>
             </a:lvl1pPr>
             <a:lvl2pPr marL="457200" indent="0">
               <a:buNone/>
@@ -6391,39 +6519,39 @@
         </p:nvSpPr>
         <p:spPr>
           <a:xfrm>
-            <a:off x="457200" y="2174875"/>
-            <a:ext cx="4040188" cy="3951288"/>
+            <a:off x="2900934" y="1930936"/>
+            <a:ext cx="2606040" cy="4023360"/>
           </a:xfrm>
         </p:spPr>
         <p:txBody>
           <a:bodyPr/>
           <a:lstStyle>
             <a:lvl1pPr>
-              <a:defRPr sz="2400"/>
+              <a:defRPr sz="2000"/>
             </a:lvl1pPr>
             <a:lvl2pPr>
-              <a:defRPr sz="2000"/>
+              <a:defRPr sz="1800"/>
             </a:lvl2pPr>
             <a:lvl3pPr>
-              <a:defRPr sz="1800"/>
+              <a:defRPr sz="1600"/>
             </a:lvl3pPr>
             <a:lvl4pPr>
-              <a:defRPr sz="1600"/>
+              <a:defRPr sz="1400"/>
             </a:lvl4pPr>
             <a:lvl5pPr>
-              <a:defRPr sz="1600"/>
+              <a:defRPr sz="1400"/>
             </a:lvl5pPr>
             <a:lvl6pPr>
-              <a:defRPr sz="1600"/>
+              <a:defRPr sz="1400"/>
             </a:lvl6pPr>
             <a:lvl7pPr>
-              <a:defRPr sz="1600"/>
+              <a:defRPr sz="1400"/>
             </a:lvl7pPr>
             <a:lvl8pPr>
-              <a:defRPr sz="1600"/>
+              <a:defRPr sz="1400"/>
             </a:lvl8pPr>
             <a:lvl9pPr>
-              <a:defRPr sz="1600"/>
+              <a:defRPr sz="1400"/>
             </a:lvl9pPr>
           </a:lstStyle>
           <a:p>
@@ -6460,7 +6588,7 @@
               <a:rPr lang="en-US" smtClean="0"/>
               <a:t>Fifth level</a:t>
             </a:r>
-            <a:endParaRPr lang="es-AR"/>
+            <a:endParaRPr lang="en-US" dirty="0"/>
           </a:p>
         </p:txBody>
       </p:sp>
@@ -6476,16 +6604,28 @@
         </p:nvSpPr>
         <p:spPr>
           <a:xfrm>
-            <a:off x="4645025" y="1535113"/>
-            <a:ext cx="4041775" cy="639762"/>
+            <a:off x="5863847" y="1023587"/>
+            <a:ext cx="2606040" cy="813171"/>
           </a:xfrm>
         </p:spPr>
         <p:txBody>
-          <a:bodyPr anchor="b"/>
+          <a:bodyPr anchor="b">
+            <a:normAutofit/>
+          </a:bodyPr>
           <a:lstStyle>
             <a:lvl1pPr marL="0" indent="0">
+              <a:spcBef>
+                <a:spcPts val="0"/>
+              </a:spcBef>
               <a:buNone/>
-              <a:defRPr sz="2400" b="1"/>
+              <a:defRPr sz="2000" b="1">
+                <a:solidFill>
+                  <a:schemeClr val="tx1">
+                    <a:lumMod val="65000"/>
+                    <a:lumOff val="35000"/>
+                  </a:schemeClr>
+                </a:solidFill>
+              </a:defRPr>
             </a:lvl1pPr>
             <a:lvl2pPr marL="457200" indent="0">
               <a:buNone/>
@@ -6541,39 +6681,39 @@
         </p:nvSpPr>
         <p:spPr>
           <a:xfrm>
-            <a:off x="4645025" y="2174875"/>
-            <a:ext cx="4041775" cy="3951288"/>
+            <a:off x="5863847" y="1930936"/>
+            <a:ext cx="2606040" cy="4023360"/>
           </a:xfrm>
         </p:spPr>
         <p:txBody>
           <a:bodyPr/>
           <a:lstStyle>
             <a:lvl1pPr>
-              <a:defRPr sz="2400"/>
+              <a:defRPr sz="2000"/>
             </a:lvl1pPr>
             <a:lvl2pPr>
-              <a:defRPr sz="2000"/>
+              <a:defRPr sz="1800"/>
             </a:lvl2pPr>
             <a:lvl3pPr>
-              <a:defRPr sz="1800"/>
+              <a:defRPr sz="1600"/>
             </a:lvl3pPr>
             <a:lvl4pPr>
-              <a:defRPr sz="1600"/>
+              <a:defRPr sz="1400"/>
             </a:lvl4pPr>
             <a:lvl5pPr>
-              <a:defRPr sz="1600"/>
+              <a:defRPr sz="1400"/>
             </a:lvl5pPr>
             <a:lvl6pPr>
-              <a:defRPr sz="1600"/>
+              <a:defRPr sz="1400"/>
             </a:lvl6pPr>
             <a:lvl7pPr>
-              <a:defRPr sz="1600"/>
+              <a:defRPr sz="1400"/>
             </a:lvl7pPr>
             <a:lvl8pPr>
-              <a:defRPr sz="1600"/>
+              <a:defRPr sz="1400"/>
             </a:lvl8pPr>
             <a:lvl9pPr>
-              <a:defRPr sz="1600"/>
+              <a:defRPr sz="1400"/>
             </a:lvl9pPr>
           </a:lstStyle>
           <a:p>
@@ -6610,13 +6750,13 @@
               <a:rPr lang="en-US" smtClean="0"/>
               <a:t>Fifth level</a:t>
             </a:r>
-            <a:endParaRPr lang="es-AR"/>
+            <a:endParaRPr lang="en-US" dirty="0"/>
           </a:p>
         </p:txBody>
       </p:sp>
       <p:sp>
         <p:nvSpPr>
-          <p:cNvPr id="7" name="Date Placeholder 6"/>
+          <p:cNvPr id="2" name="Date Placeholder 1"/>
           <p:cNvSpPr>
             <a:spLocks noGrp="1"/>
           </p:cNvSpPr>
@@ -6640,7 +6780,7 @@
       </p:sp>
       <p:sp>
         <p:nvSpPr>
-          <p:cNvPr id="8" name="Footer Placeholder 7"/>
+          <p:cNvPr id="11" name="Footer Placeholder 10"/>
           <p:cNvSpPr>
             <a:spLocks noGrp="1"/>
           </p:cNvSpPr>
@@ -6659,7 +6799,7 @@
       </p:sp>
       <p:sp>
         <p:nvSpPr>
-          <p:cNvPr id="9" name="Slide Number Placeholder 8"/>
+          <p:cNvPr id="12" name="Slide Number Placeholder 11"/>
           <p:cNvSpPr>
             <a:spLocks noGrp="1"/>
           </p:cNvSpPr>
@@ -6684,7 +6824,7 @@
     </p:spTree>
     <p:extLst>
       <p:ext uri="{BB962C8B-B14F-4D97-AF65-F5344CB8AC3E}">
-        <p14:creationId xmlns="" xmlns:p14="http://schemas.microsoft.com/office/powerpoint/2010/main" val="4057715406"/>
+        <p14:creationId xmlns:p14="http://schemas.microsoft.com/office/powerpoint/2010/main" val="1005852417"/>
       </p:ext>
     </p:extLst>
   </p:cSld>
@@ -6713,7 +6853,7 @@
       </p:grpSpPr>
       <p:sp>
         <p:nvSpPr>
-          <p:cNvPr id="2" name="Title 1"/>
+          <p:cNvPr id="6" name="Title 5"/>
           <p:cNvSpPr>
             <a:spLocks noGrp="1"/>
           </p:cNvSpPr>
@@ -6730,13 +6870,13 @@
               <a:rPr lang="en-US" smtClean="0"/>
               <a:t>Click to edit Master title style</a:t>
             </a:r>
-            <a:endParaRPr lang="es-AR"/>
+            <a:endParaRPr lang="en-US" dirty="0"/>
           </a:p>
         </p:txBody>
       </p:sp>
       <p:sp>
         <p:nvSpPr>
-          <p:cNvPr id="3" name="Date Placeholder 2"/>
+          <p:cNvPr id="2" name="Date Placeholder 1"/>
           <p:cNvSpPr>
             <a:spLocks noGrp="1"/>
           </p:cNvSpPr>
@@ -6760,7 +6900,7 @@
       </p:sp>
       <p:sp>
         <p:nvSpPr>
-          <p:cNvPr id="4" name="Footer Placeholder 3"/>
+          <p:cNvPr id="7" name="Footer Placeholder 6"/>
           <p:cNvSpPr>
             <a:spLocks noGrp="1"/>
           </p:cNvSpPr>
@@ -6779,7 +6919,7 @@
       </p:sp>
       <p:sp>
         <p:nvSpPr>
-          <p:cNvPr id="5" name="Slide Number Placeholder 4"/>
+          <p:cNvPr id="8" name="Slide Number Placeholder 7"/>
           <p:cNvSpPr>
             <a:spLocks noGrp="1"/>
           </p:cNvSpPr>
@@ -6804,7 +6944,7 @@
     </p:spTree>
     <p:extLst>
       <p:ext uri="{BB962C8B-B14F-4D97-AF65-F5344CB8AC3E}">
-        <p14:creationId xmlns="" xmlns:p14="http://schemas.microsoft.com/office/powerpoint/2010/main" val="3412129552"/>
+        <p14:creationId xmlns:p14="http://schemas.microsoft.com/office/powerpoint/2010/main" val="2655473591"/>
       </p:ext>
     </p:extLst>
   </p:cSld>
@@ -6815,7 +6955,7 @@
 </file>
 
 <file path=ppt/slideLayouts/slideLayout7.xml><?xml version="1.0" encoding="utf-8"?>
-<p:sldLayout xmlns:a="http://schemas.openxmlformats.org/drawingml/2006/main" xmlns:r="http://schemas.openxmlformats.org/officeDocument/2006/relationships" xmlns:p="http://schemas.openxmlformats.org/presentationml/2006/main" type="blank" preserve="1">
+<p:sldLayout xmlns:a="http://schemas.openxmlformats.org/drawingml/2006/main" xmlns:r="http://schemas.openxmlformats.org/officeDocument/2006/relationships" xmlns:p="http://schemas.openxmlformats.org/presentationml/2006/main" showMasterSp="0" type="blank" preserve="1">
   <p:cSld name="Blank">
     <p:spTree>
       <p:nvGrpSpPr>
@@ -6833,7 +6973,7 @@
       </p:grpSpPr>
       <p:sp>
         <p:nvSpPr>
-          <p:cNvPr id="2" name="Date Placeholder 1"/>
+          <p:cNvPr id="5" name="Date Placeholder 4"/>
           <p:cNvSpPr>
             <a:spLocks noGrp="1"/>
           </p:cNvSpPr>
@@ -6857,7 +6997,7 @@
       </p:sp>
       <p:sp>
         <p:nvSpPr>
-          <p:cNvPr id="3" name="Footer Placeholder 2"/>
+          <p:cNvPr id="6" name="Footer Placeholder 5"/>
           <p:cNvSpPr>
             <a:spLocks noGrp="1"/>
           </p:cNvSpPr>
@@ -6876,7 +7016,7 @@
       </p:sp>
       <p:sp>
         <p:nvSpPr>
-          <p:cNvPr id="4" name="Slide Number Placeholder 3"/>
+          <p:cNvPr id="7" name="Slide Number Placeholder 6"/>
           <p:cNvSpPr>
             <a:spLocks noGrp="1"/>
           </p:cNvSpPr>
@@ -6901,7 +7041,7 @@
     </p:spTree>
     <p:extLst>
       <p:ext uri="{BB962C8B-B14F-4D97-AF65-F5344CB8AC3E}">
-        <p14:creationId xmlns="" xmlns:p14="http://schemas.microsoft.com/office/powerpoint/2010/main" val="2648432124"/>
+        <p14:creationId xmlns:p14="http://schemas.microsoft.com/office/powerpoint/2010/main" val="2686844694"/>
       </p:ext>
     </p:extLst>
   </p:cSld>
@@ -6940,15 +7080,17 @@
         </p:nvSpPr>
         <p:spPr>
           <a:xfrm>
-            <a:off x="457200" y="273050"/>
-            <a:ext cx="3008313" cy="1162050"/>
+            <a:off x="192024" y="1143000"/>
+            <a:ext cx="2125980" cy="2377440"/>
           </a:xfrm>
         </p:spPr>
         <p:txBody>
-          <a:bodyPr anchor="b"/>
+          <a:bodyPr anchor="b">
+            <a:normAutofit/>
+          </a:bodyPr>
           <a:lstStyle>
-            <a:lvl1pPr algn="l">
-              <a:defRPr sz="2000" b="1"/>
+            <a:lvl1pPr>
+              <a:defRPr sz="3200" b="0" baseline="0"/>
             </a:lvl1pPr>
           </a:lstStyle>
           <a:p>
@@ -6956,7 +7098,7 @@
               <a:rPr lang="en-US" smtClean="0"/>
               <a:t>Click to edit Master title style</a:t>
             </a:r>
-            <a:endParaRPr lang="es-AR"/>
+            <a:endParaRPr lang="en-US" dirty="0"/>
           </a:p>
         </p:txBody>
       </p:sp>
@@ -6972,39 +7114,39 @@
         </p:nvSpPr>
         <p:spPr>
           <a:xfrm>
-            <a:off x="3575050" y="273050"/>
-            <a:ext cx="5111750" cy="5853113"/>
+            <a:off x="2900934" y="868680"/>
+            <a:ext cx="5486400" cy="5120640"/>
           </a:xfrm>
         </p:spPr>
         <p:txBody>
           <a:bodyPr/>
           <a:lstStyle>
             <a:lvl1pPr>
-              <a:defRPr sz="3200"/>
+              <a:defRPr sz="2000"/>
             </a:lvl1pPr>
             <a:lvl2pPr>
-              <a:defRPr sz="2800"/>
+              <a:defRPr sz="1800"/>
             </a:lvl2pPr>
             <a:lvl3pPr>
-              <a:defRPr sz="2400"/>
+              <a:defRPr sz="1600"/>
             </a:lvl3pPr>
             <a:lvl4pPr>
-              <a:defRPr sz="2000"/>
+              <a:defRPr sz="1400"/>
             </a:lvl4pPr>
             <a:lvl5pPr>
-              <a:defRPr sz="2000"/>
+              <a:defRPr sz="1400"/>
             </a:lvl5pPr>
             <a:lvl6pPr>
-              <a:defRPr sz="2000"/>
+              <a:defRPr sz="1400"/>
             </a:lvl6pPr>
             <a:lvl7pPr>
-              <a:defRPr sz="2000"/>
+              <a:defRPr sz="1400"/>
             </a:lvl7pPr>
             <a:lvl8pPr>
-              <a:defRPr sz="2000"/>
+              <a:defRPr sz="1400"/>
             </a:lvl8pPr>
             <a:lvl9pPr>
-              <a:defRPr sz="2000"/>
+              <a:defRPr sz="1400"/>
             </a:lvl9pPr>
           </a:lstStyle>
           <a:p>
@@ -7041,7 +7183,7 @@
               <a:rPr lang="en-US" smtClean="0"/>
               <a:t>Fifth level</a:t>
             </a:r>
-            <a:endParaRPr lang="es-AR"/>
+            <a:endParaRPr lang="en-US" dirty="0"/>
           </a:p>
         </p:txBody>
       </p:sp>
@@ -7057,16 +7199,25 @@
         </p:nvSpPr>
         <p:spPr>
           <a:xfrm>
-            <a:off x="457200" y="1435100"/>
-            <a:ext cx="3008313" cy="4691063"/>
+            <a:off x="192024" y="3494176"/>
+            <a:ext cx="2125980" cy="2321990"/>
           </a:xfrm>
         </p:spPr>
         <p:txBody>
-          <a:bodyPr/>
+          <a:bodyPr anchor="t">
+            <a:normAutofit/>
+          </a:bodyPr>
           <a:lstStyle>
             <a:lvl1pPr marL="0" indent="0">
+              <a:lnSpc>
+                <a:spcPct val="100000"/>
+              </a:lnSpc>
               <a:buNone/>
-              <a:defRPr sz="1400"/>
+              <a:defRPr sz="1400">
+                <a:solidFill>
+                  <a:srgbClr val="FFFFFF"/>
+                </a:solidFill>
+              </a:defRPr>
             </a:lvl1pPr>
             <a:lvl2pPr marL="457200" indent="0">
               <a:buNone/>
@@ -7112,7 +7263,7 @@
       </p:sp>
       <p:sp>
         <p:nvSpPr>
-          <p:cNvPr id="5" name="Date Placeholder 4"/>
+          <p:cNvPr id="8" name="Date Placeholder 7"/>
           <p:cNvSpPr>
             <a:spLocks noGrp="1"/>
           </p:cNvSpPr>
@@ -7136,7 +7287,7 @@
       </p:sp>
       <p:sp>
         <p:nvSpPr>
-          <p:cNvPr id="6" name="Footer Placeholder 5"/>
+          <p:cNvPr id="9" name="Footer Placeholder 8"/>
           <p:cNvSpPr>
             <a:spLocks noGrp="1"/>
           </p:cNvSpPr>
@@ -7155,7 +7306,7 @@
       </p:sp>
       <p:sp>
         <p:nvSpPr>
-          <p:cNvPr id="7" name="Slide Number Placeholder 6"/>
+          <p:cNvPr id="10" name="Slide Number Placeholder 9"/>
           <p:cNvSpPr>
             <a:spLocks noGrp="1"/>
           </p:cNvSpPr>
@@ -7180,7 +7331,7 @@
     </p:spTree>
     <p:extLst>
       <p:ext uri="{BB962C8B-B14F-4D97-AF65-F5344CB8AC3E}">
-        <p14:creationId xmlns="" xmlns:p14="http://schemas.microsoft.com/office/powerpoint/2010/main" val="47927167"/>
+        <p14:creationId xmlns:p14="http://schemas.microsoft.com/office/powerpoint/2010/main" val="1679520437"/>
       </p:ext>
     </p:extLst>
   </p:cSld>
@@ -7219,15 +7370,17 @@
         </p:nvSpPr>
         <p:spPr>
           <a:xfrm>
-            <a:off x="1792288" y="4800600"/>
-            <a:ext cx="5486400" cy="566738"/>
+            <a:off x="192024" y="1143000"/>
+            <a:ext cx="2125980" cy="2377440"/>
           </a:xfrm>
         </p:spPr>
         <p:txBody>
-          <a:bodyPr anchor="b"/>
+          <a:bodyPr anchor="b">
+            <a:normAutofit/>
+          </a:bodyPr>
           <a:lstStyle>
-            <a:lvl1pPr algn="l">
-              <a:defRPr sz="2000" b="1"/>
+            <a:lvl1pPr>
+              <a:defRPr sz="3200" b="0"/>
             </a:lvl1pPr>
           </a:lstStyle>
           <a:p>
@@ -7235,7 +7388,7 @@
               <a:rPr lang="en-US" smtClean="0"/>
               <a:t>Click to edit Master title style</a:t>
             </a:r>
-            <a:endParaRPr lang="es-AR"/>
+            <a:endParaRPr lang="en-US" dirty="0"/>
           </a:p>
         </p:txBody>
       </p:sp>
@@ -7243,7 +7396,7 @@
         <p:nvSpPr>
           <p:cNvPr id="3" name="Picture Placeholder 2"/>
           <p:cNvSpPr>
-            <a:spLocks noGrp="1"/>
+            <a:spLocks noGrp="1" noChangeAspect="1"/>
           </p:cNvSpPr>
           <p:nvPr>
             <p:ph type="pic" idx="1"/>
@@ -7251,12 +7404,17 @@
         </p:nvSpPr>
         <p:spPr>
           <a:xfrm>
-            <a:off x="1792288" y="612775"/>
-            <a:ext cx="5486400" cy="4114800"/>
+            <a:off x="2677983" y="767419"/>
+            <a:ext cx="6086423" cy="5330952"/>
           </a:xfrm>
+          <a:solidFill>
+            <a:schemeClr val="bg1">
+              <a:lumMod val="75000"/>
+            </a:schemeClr>
+          </a:solidFill>
         </p:spPr>
         <p:txBody>
-          <a:bodyPr/>
+          <a:bodyPr anchor="t"/>
           <a:lstStyle>
             <a:lvl1pPr marL="0" indent="0">
               <a:buNone/>
@@ -7296,7 +7454,11 @@
             </a:lvl9pPr>
           </a:lstStyle>
           <a:p>
-            <a:endParaRPr lang="es-AR"/>
+            <a:r>
+              <a:rPr lang="en-US" smtClean="0"/>
+              <a:t>Click icon to add picture</a:t>
+            </a:r>
+            <a:endParaRPr lang="en-US" dirty="0"/>
           </a:p>
         </p:txBody>
       </p:sp>
@@ -7312,16 +7474,25 @@
         </p:nvSpPr>
         <p:spPr>
           <a:xfrm>
-            <a:off x="1792288" y="5367338"/>
-            <a:ext cx="5486400" cy="804862"/>
+            <a:off x="192024" y="3493008"/>
+            <a:ext cx="2125980" cy="2322576"/>
           </a:xfrm>
         </p:spPr>
         <p:txBody>
-          <a:bodyPr/>
+          <a:bodyPr anchor="t">
+            <a:normAutofit/>
+          </a:bodyPr>
           <a:lstStyle>
             <a:lvl1pPr marL="0" indent="0">
+              <a:lnSpc>
+                <a:spcPct val="100000"/>
+              </a:lnSpc>
               <a:buNone/>
-              <a:defRPr sz="1400"/>
+              <a:defRPr sz="1400">
+                <a:solidFill>
+                  <a:srgbClr val="FFFFFF"/>
+                </a:solidFill>
+              </a:defRPr>
             </a:lvl1pPr>
             <a:lvl2pPr marL="457200" indent="0">
               <a:buNone/>
@@ -7367,7 +7538,7 @@
       </p:sp>
       <p:sp>
         <p:nvSpPr>
-          <p:cNvPr id="5" name="Date Placeholder 4"/>
+          <p:cNvPr id="8" name="Date Placeholder 7"/>
           <p:cNvSpPr>
             <a:spLocks noGrp="1"/>
           </p:cNvSpPr>
@@ -7391,7 +7562,7 @@
       </p:sp>
       <p:sp>
         <p:nvSpPr>
-          <p:cNvPr id="6" name="Footer Placeholder 5"/>
+          <p:cNvPr id="9" name="Footer Placeholder 8"/>
           <p:cNvSpPr>
             <a:spLocks noGrp="1"/>
           </p:cNvSpPr>
@@ -7399,7 +7570,12 @@
             <p:ph type="ftr" sz="quarter" idx="11"/>
           </p:nvPr>
         </p:nvSpPr>
-        <p:spPr/>
+        <p:spPr>
+          <a:xfrm>
+            <a:off x="2624326" y="6356351"/>
+            <a:ext cx="4433638" cy="365125"/>
+          </a:xfrm>
+        </p:spPr>
         <p:txBody>
           <a:bodyPr/>
           <a:lstStyle/>
@@ -7410,7 +7586,7 @@
       </p:sp>
       <p:sp>
         <p:nvSpPr>
-          <p:cNvPr id="7" name="Slide Number Placeholder 6"/>
+          <p:cNvPr id="10" name="Slide Number Placeholder 9"/>
           <p:cNvSpPr>
             <a:spLocks noGrp="1"/>
           </p:cNvSpPr>
@@ -7435,7 +7611,7 @@
     </p:spTree>
     <p:extLst>
       <p:ext uri="{BB962C8B-B14F-4D97-AF65-F5344CB8AC3E}">
-        <p14:creationId xmlns="" xmlns:p14="http://schemas.microsoft.com/office/powerpoint/2010/main" val="150690754"/>
+        <p14:creationId xmlns:p14="http://schemas.microsoft.com/office/powerpoint/2010/main" val="194002288"/>
       </p:ext>
     </p:extLst>
   </p:cSld>
@@ -7469,18 +7645,56 @@
       </p:grpSpPr>
       <p:sp>
         <p:nvSpPr>
-          <p:cNvPr id="2" name="Title Placeholder 1"/>
-          <p:cNvSpPr>
-            <a:spLocks noGrp="1"/>
-          </p:cNvSpPr>
-          <p:nvPr>
-            <p:ph type="title"/>
-          </p:nvPr>
+          <p:cNvPr id="7" name="Rectangle 6"/>
+          <p:cNvSpPr/>
+          <p:nvPr/>
         </p:nvSpPr>
         <p:spPr>
           <a:xfrm>
-            <a:off x="457200" y="274638"/>
-            <a:ext cx="8229600" cy="1143000"/>
+            <a:off x="0" y="758952"/>
+            <a:ext cx="2582693" cy="5330952"/>
+          </a:xfrm>
+          <a:prstGeom prst="rect">
+            <a:avLst/>
+          </a:prstGeom>
+          <a:solidFill>
+            <a:schemeClr val="accent1"/>
+          </a:solidFill>
+          <a:ln>
+            <a:noFill/>
+          </a:ln>
+        </p:spPr>
+        <p:style>
+          <a:lnRef idx="2">
+            <a:schemeClr val="accent1">
+              <a:shade val="50000"/>
+            </a:schemeClr>
+          </a:lnRef>
+          <a:fillRef idx="1">
+            <a:schemeClr val="accent1"/>
+          </a:fillRef>
+          <a:effectRef idx="0">
+            <a:schemeClr val="accent1"/>
+          </a:effectRef>
+          <a:fontRef idx="minor">
+            <a:schemeClr val="lt1"/>
+          </a:fontRef>
+        </p:style>
+      </p:sp>
+      <p:sp>
+        <p:nvSpPr>
+          <p:cNvPr id="2" name="Title Placeholder 1"/>
+          <p:cNvSpPr>
+            <a:spLocks noGrp="1"/>
+          </p:cNvSpPr>
+          <p:nvPr>
+            <p:ph type="title"/>
+          </p:nvPr>
+        </p:nvSpPr>
+        <p:spPr>
+          <a:xfrm>
+            <a:off x="189689" y="1123838"/>
+            <a:ext cx="2210612" cy="4601183"/>
           </a:xfrm>
           <a:prstGeom prst="rect">
             <a:avLst/>
@@ -7496,31 +7710,71 @@
               <a:rPr lang="en-US" smtClean="0"/>
               <a:t>Click to edit Master title style</a:t>
             </a:r>
-            <a:endParaRPr lang="es-AR"/>
+            <a:endParaRPr lang="en-US" dirty="0"/>
           </a:p>
         </p:txBody>
       </p:sp>
       <p:sp>
         <p:nvSpPr>
-          <p:cNvPr id="3" name="Text Placeholder 2"/>
-          <p:cNvSpPr>
-            <a:spLocks noGrp="1"/>
-          </p:cNvSpPr>
-          <p:nvPr>
-            <p:ph type="body" idx="1"/>
-          </p:nvPr>
+          <p:cNvPr id="38" name="Rectangle 37"/>
+          <p:cNvSpPr/>
+          <p:nvPr/>
         </p:nvSpPr>
         <p:spPr>
           <a:xfrm>
-            <a:off x="457200" y="1600200"/>
-            <a:ext cx="8229600" cy="4525963"/>
+            <a:off x="8861898" y="758952"/>
+            <a:ext cx="288036" cy="5330952"/>
+          </a:xfrm>
+          <a:prstGeom prst="rect">
+            <a:avLst/>
+          </a:prstGeom>
+          <a:solidFill>
+            <a:srgbClr val="C8C8C8">
+              <a:alpha val="49804"/>
+            </a:srgbClr>
+          </a:solidFill>
+          <a:ln>
+            <a:noFill/>
+          </a:ln>
+        </p:spPr>
+        <p:style>
+          <a:lnRef idx="2">
+            <a:schemeClr val="accent1">
+              <a:shade val="50000"/>
+            </a:schemeClr>
+          </a:lnRef>
+          <a:fillRef idx="1">
+            <a:schemeClr val="accent1"/>
+          </a:fillRef>
+          <a:effectRef idx="0">
+            <a:schemeClr val="accent1"/>
+          </a:effectRef>
+          <a:fontRef idx="minor">
+            <a:schemeClr val="lt1"/>
+          </a:fontRef>
+        </p:style>
+      </p:sp>
+      <p:sp>
+        <p:nvSpPr>
+          <p:cNvPr id="3" name="Text Placeholder 2"/>
+          <p:cNvSpPr>
+            <a:spLocks noGrp="1"/>
+          </p:cNvSpPr>
+          <p:nvPr>
+            <p:ph type="body" idx="1"/>
+          </p:nvPr>
+        </p:nvSpPr>
+        <p:spPr>
+          <a:xfrm>
+            <a:off x="2901951" y="864108"/>
+            <a:ext cx="5486400" cy="5120640"/>
           </a:xfrm>
           <a:prstGeom prst="rect">
             <a:avLst/>
           </a:prstGeom>
         </p:spPr>
         <p:txBody>
-          <a:bodyPr vert="horz" lIns="91440" tIns="45720" rIns="91440" bIns="45720" rtlCol="0">
+          <a:bodyPr vert="horz" lIns="91440" tIns="45720" rIns="91440" bIns="45720" rtlCol="0" anchor="ctr">
             <a:normAutofit/>
           </a:bodyPr>
           <a:lstStyle/>
@@ -7558,7 +7812,7 @@
               <a:rPr lang="en-US" smtClean="0"/>
               <a:t>Fifth level</a:t>
             </a:r>
-            <a:endParaRPr lang="es-AR"/>
+            <a:endParaRPr lang="en-US" dirty="0"/>
           </a:p>
         </p:txBody>
       </p:sp>
@@ -7574,8 +7828,8 @@
         </p:nvSpPr>
         <p:spPr>
           <a:xfrm>
-            <a:off x="457200" y="6356350"/>
-            <a:ext cx="2133600" cy="365125"/>
+            <a:off x="196849" y="6356351"/>
+            <a:ext cx="2057400" cy="365125"/>
           </a:xfrm>
           <a:prstGeom prst="rect">
             <a:avLst/>
@@ -7585,10 +7839,11 @@
           <a:bodyPr vert="horz" lIns="91440" tIns="45720" rIns="91440" bIns="45720" rtlCol="0" anchor="ctr"/>
           <a:lstStyle>
             <a:lvl1pPr algn="l">
-              <a:defRPr sz="1200">
+              <a:defRPr sz="1100">
                 <a:solidFill>
                   <a:schemeClr val="tx1">
-                    <a:tint val="75000"/>
+                    <a:lumMod val="50000"/>
+                    <a:lumOff val="50000"/>
                   </a:schemeClr>
                 </a:solidFill>
               </a:defRPr>
@@ -7616,8 +7871,8 @@
         </p:nvSpPr>
         <p:spPr>
           <a:xfrm>
-            <a:off x="3124200" y="6356350"/>
-            <a:ext cx="2895600" cy="365125"/>
+            <a:off x="2901951" y="6356351"/>
+            <a:ext cx="4433638" cy="365125"/>
           </a:xfrm>
           <a:prstGeom prst="rect">
             <a:avLst/>
@@ -7626,11 +7881,12 @@
         <p:txBody>
           <a:bodyPr vert="horz" lIns="91440" tIns="45720" rIns="91440" bIns="45720" rtlCol="0" anchor="ctr"/>
           <a:lstStyle>
-            <a:lvl1pPr algn="ctr">
-              <a:defRPr sz="1200">
+            <a:lvl1pPr algn="l">
+              <a:defRPr sz="1100">
                 <a:solidFill>
                   <a:schemeClr val="tx1">
-                    <a:tint val="75000"/>
+                    <a:lumMod val="50000"/>
+                    <a:lumOff val="50000"/>
                   </a:schemeClr>
                 </a:solidFill>
               </a:defRPr>
@@ -7653,8 +7909,8 @@
         </p:nvSpPr>
         <p:spPr>
           <a:xfrm>
-            <a:off x="6553200" y="6356350"/>
-            <a:ext cx="2133600" cy="365125"/>
+            <a:off x="7975602" y="6356351"/>
+            <a:ext cx="1148195" cy="365125"/>
           </a:xfrm>
           <a:prstGeom prst="rect">
             <a:avLst/>
@@ -7664,11 +7920,9 @@
           <a:bodyPr vert="horz" lIns="91440" tIns="45720" rIns="91440" bIns="45720" rtlCol="0" anchor="ctr"/>
           <a:lstStyle>
             <a:lvl1pPr algn="r">
-              <a:defRPr sz="1200">
+              <a:defRPr sz="1200" b="1">
                 <a:solidFill>
-                  <a:schemeClr val="tx1">
-                    <a:tint val="75000"/>
-                  </a:schemeClr>
+                  <a:schemeClr val="accent1"/>
                 </a:solidFill>
               </a:defRPr>
             </a:lvl1pPr>
@@ -7686,34 +7940,37 @@
     </p:spTree>
     <p:extLst>
       <p:ext uri="{BB962C8B-B14F-4D97-AF65-F5344CB8AC3E}">
-        <p14:creationId xmlns="" xmlns:p14="http://schemas.microsoft.com/office/powerpoint/2010/main" val="3745856367"/>
+        <p14:creationId xmlns:p14="http://schemas.microsoft.com/office/powerpoint/2010/main" val="409073804"/>
       </p:ext>
     </p:extLst>
   </p:cSld>
   <p:clrMap bg1="lt1" tx1="dk1" bg2="lt2" tx2="dk2" accent1="accent1" accent2="accent2" accent3="accent3" accent4="accent4" accent5="accent5" accent6="accent6" hlink="hlink" folHlink="folHlink"/>
   <p:sldLayoutIdLst>
-    <p:sldLayoutId id="2147483649" r:id="rId1"/>
-    <p:sldLayoutId id="2147483650" r:id="rId2"/>
-    <p:sldLayoutId id="2147483651" r:id="rId3"/>
-    <p:sldLayoutId id="2147483652" r:id="rId4"/>
-    <p:sldLayoutId id="2147483653" r:id="rId5"/>
-    <p:sldLayoutId id="2147483654" r:id="rId6"/>
-    <p:sldLayoutId id="2147483655" r:id="rId7"/>
-    <p:sldLayoutId id="2147483656" r:id="rId8"/>
-    <p:sldLayoutId id="2147483657" r:id="rId9"/>
-    <p:sldLayoutId id="2147483658" r:id="rId10"/>
-    <p:sldLayoutId id="2147483659" r:id="rId11"/>
+    <p:sldLayoutId id="2147483661" r:id="rId1"/>
+    <p:sldLayoutId id="2147483662" r:id="rId2"/>
+    <p:sldLayoutId id="2147483663" r:id="rId3"/>
+    <p:sldLayoutId id="2147483664" r:id="rId4"/>
+    <p:sldLayoutId id="2147483665" r:id="rId5"/>
+    <p:sldLayoutId id="2147483666" r:id="rId6"/>
+    <p:sldLayoutId id="2147483667" r:id="rId7"/>
+    <p:sldLayoutId id="2147483668" r:id="rId8"/>
+    <p:sldLayoutId id="2147483669" r:id="rId9"/>
+    <p:sldLayoutId id="2147483670" r:id="rId10"/>
+    <p:sldLayoutId id="2147483671" r:id="rId11"/>
   </p:sldLayoutIdLst>
   <p:txStyles>
     <p:titleStyle>
-      <a:lvl1pPr algn="ctr" defTabSz="914400" rtl="0" eaLnBrk="1" latinLnBrk="0" hangingPunct="1">
+      <a:lvl1pPr algn="l" defTabSz="914400" rtl="0" eaLnBrk="1" latinLnBrk="0" hangingPunct="1">
+        <a:lnSpc>
+          <a:spcPct val="90000"/>
+        </a:lnSpc>
         <a:spcBef>
           <a:spcPct val="0"/>
         </a:spcBef>
         <a:buNone/>
-        <a:defRPr sz="4400" kern="1200">
+        <a:defRPr sz="3600" kern="1200" spc="-60" baseline="0">
           <a:solidFill>
-            <a:schemeClr val="tx1"/>
+            <a:srgbClr val="FFFFFF"/>
           </a:solidFill>
           <a:latin typeface="+mj-lt"/>
           <a:ea typeface="+mj-ea"/>
@@ -7722,75 +7979,132 @@
       </a:lvl1pPr>
     </p:titleStyle>
     <p:bodyStyle>
-      <a:lvl1pPr marL="342900" indent="-342900" algn="l" defTabSz="914400" rtl="0" eaLnBrk="1" latinLnBrk="0" hangingPunct="1">
+      <a:lvl1pPr marL="182880" indent="-182880" algn="l" defTabSz="914400" rtl="0" eaLnBrk="1" latinLnBrk="0" hangingPunct="1">
+        <a:lnSpc>
+          <a:spcPct val="90000"/>
+        </a:lnSpc>
         <a:spcBef>
-          <a:spcPct val="20000"/>
+          <a:spcPts val="1200"/>
         </a:spcBef>
-        <a:buFont typeface="Arial" pitchFamily="34" charset="0"/>
-        <a:buChar char="•"/>
-        <a:defRPr sz="3200" kern="1200">
+        <a:buClr>
+          <a:schemeClr val="accent1"/>
+        </a:buClr>
+        <a:buFont typeface="Wingdings 2" pitchFamily="18" charset="2"/>
+        <a:buChar char=""/>
+        <a:defRPr sz="2000" kern="1200">
           <a:solidFill>
-            <a:schemeClr val="tx1"/>
+            <a:schemeClr val="tx1">
+              <a:lumMod val="65000"/>
+              <a:lumOff val="35000"/>
+            </a:schemeClr>
           </a:solidFill>
           <a:latin typeface="+mn-lt"/>
           <a:ea typeface="+mn-ea"/>
           <a:cs typeface="+mn-cs"/>
         </a:defRPr>
       </a:lvl1pPr>
-      <a:lvl2pPr marL="742950" indent="-285750" algn="l" defTabSz="914400" rtl="0" eaLnBrk="1" latinLnBrk="0" hangingPunct="1">
+      <a:lvl2pPr marL="685800" indent="-182880" algn="l" defTabSz="914400" rtl="0" eaLnBrk="1" latinLnBrk="0" hangingPunct="1">
+        <a:lnSpc>
+          <a:spcPct val="90000"/>
+        </a:lnSpc>
         <a:spcBef>
-          <a:spcPct val="20000"/>
+          <a:spcPts val="250"/>
         </a:spcBef>
-        <a:buFont typeface="Arial" pitchFamily="34" charset="0"/>
-        <a:buChar char="–"/>
-        <a:defRPr sz="2800" kern="1200">
+        <a:spcAft>
+          <a:spcPts val="250"/>
+        </a:spcAft>
+        <a:buClr>
+          <a:schemeClr val="accent1"/>
+        </a:buClr>
+        <a:buFont typeface="Wingdings 2" pitchFamily="18" charset="2"/>
+        <a:buChar char=""/>
+        <a:defRPr sz="1800" kern="1200">
           <a:solidFill>
-            <a:schemeClr val="tx1"/>
+            <a:schemeClr val="tx1">
+              <a:lumMod val="65000"/>
+              <a:lumOff val="35000"/>
+            </a:schemeClr>
           </a:solidFill>
           <a:latin typeface="+mn-lt"/>
           <a:ea typeface="+mn-ea"/>
           <a:cs typeface="+mn-cs"/>
         </a:defRPr>
       </a:lvl2pPr>
-      <a:lvl3pPr marL="1143000" indent="-228600" algn="l" defTabSz="914400" rtl="0" eaLnBrk="1" latinLnBrk="0" hangingPunct="1">
+      <a:lvl3pPr marL="1143000" indent="-182880" algn="l" defTabSz="914400" rtl="0" eaLnBrk="1" latinLnBrk="0" hangingPunct="1">
+        <a:lnSpc>
+          <a:spcPct val="90000"/>
+        </a:lnSpc>
         <a:spcBef>
-          <a:spcPct val="20000"/>
+          <a:spcPts val="250"/>
         </a:spcBef>
-        <a:buFont typeface="Arial" pitchFamily="34" charset="0"/>
-        <a:buChar char="•"/>
-        <a:defRPr sz="2400" kern="1200">
+        <a:spcAft>
+          <a:spcPts val="250"/>
+        </a:spcAft>
+        <a:buClr>
+          <a:schemeClr val="accent1"/>
+        </a:buClr>
+        <a:buFont typeface="Wingdings 2" pitchFamily="18" charset="2"/>
+        <a:buChar char=""/>
+        <a:defRPr sz="1600" kern="1200">
           <a:solidFill>
-            <a:schemeClr val="tx1"/>
+            <a:schemeClr val="tx1">
+              <a:lumMod val="65000"/>
+              <a:lumOff val="35000"/>
+            </a:schemeClr>
           </a:solidFill>
           <a:latin typeface="+mn-lt"/>
           <a:ea typeface="+mn-ea"/>
           <a:cs typeface="+mn-cs"/>
         </a:defRPr>
       </a:lvl3pPr>
-      <a:lvl4pPr marL="1600200" indent="-228600" algn="l" defTabSz="914400" rtl="0" eaLnBrk="1" latinLnBrk="0" hangingPunct="1">
+      <a:lvl4pPr marL="1600200" indent="-182880" algn="l" defTabSz="914400" rtl="0" eaLnBrk="1" latinLnBrk="0" hangingPunct="1">
+        <a:lnSpc>
+          <a:spcPct val="90000"/>
+        </a:lnSpc>
         <a:spcBef>
-          <a:spcPct val="20000"/>
+          <a:spcPts val="250"/>
         </a:spcBef>
-        <a:buFont typeface="Arial" pitchFamily="34" charset="0"/>
-        <a:buChar char="–"/>
-        <a:defRPr sz="2000" kern="1200">
+        <a:spcAft>
+          <a:spcPts val="250"/>
+        </a:spcAft>
+        <a:buClr>
+          <a:schemeClr val="accent1"/>
+        </a:buClr>
+        <a:buFont typeface="Wingdings 2" pitchFamily="18" charset="2"/>
+        <a:buChar char=""/>
+        <a:defRPr sz="1400" kern="1200">
           <a:solidFill>
-            <a:schemeClr val="tx1"/>
+            <a:schemeClr val="tx1">
+              <a:lumMod val="65000"/>
+              <a:lumOff val="35000"/>
+            </a:schemeClr>
           </a:solidFill>
           <a:latin typeface="+mn-lt"/>
           <a:ea typeface="+mn-ea"/>
           <a:cs typeface="+mn-cs"/>
         </a:defRPr>
       </a:lvl4pPr>
-      <a:lvl5pPr marL="2057400" indent="-228600" algn="l" defTabSz="914400" rtl="0" eaLnBrk="1" latinLnBrk="0" hangingPunct="1">
+      <a:lvl5pPr marL="2057400" indent="-182880" algn="l" defTabSz="914400" rtl="0" eaLnBrk="1" latinLnBrk="0" hangingPunct="1">
+        <a:lnSpc>
+          <a:spcPct val="90000"/>
+        </a:lnSpc>
         <a:spcBef>
-          <a:spcPct val="20000"/>
+          <a:spcPts val="250"/>
         </a:spcBef>
-        <a:buFont typeface="Arial" pitchFamily="34" charset="0"/>
-        <a:buChar char="»"/>
-        <a:defRPr sz="2000" kern="1200">
+        <a:spcAft>
+          <a:spcPts val="250"/>
+        </a:spcAft>
+        <a:buClr>
+          <a:schemeClr val="accent1"/>
+        </a:buClr>
+        <a:buFont typeface="Wingdings 2" pitchFamily="18" charset="2"/>
+        <a:buChar char=""/>
+        <a:defRPr sz="1400" kern="1200">
           <a:solidFill>
-            <a:schemeClr val="tx1"/>
+            <a:schemeClr val="tx1">
+              <a:lumMod val="65000"/>
+              <a:lumOff val="35000"/>
+            </a:schemeClr>
           </a:solidFill>
           <a:latin typeface="+mn-lt"/>
           <a:ea typeface="+mn-ea"/>
@@ -7798,14 +8112,26 @@
         </a:defRPr>
       </a:lvl5pPr>
       <a:lvl6pPr marL="2514600" indent="-228600" algn="l" defTabSz="914400" rtl="0" eaLnBrk="1" latinLnBrk="0" hangingPunct="1">
+        <a:lnSpc>
+          <a:spcPct val="90000"/>
+        </a:lnSpc>
         <a:spcBef>
-          <a:spcPct val="20000"/>
+          <a:spcPts val="250"/>
         </a:spcBef>
-        <a:buFont typeface="Arial" pitchFamily="34" charset="0"/>
-        <a:buChar char="•"/>
-        <a:defRPr sz="2000" kern="1200">
+        <a:spcAft>
+          <a:spcPts val="250"/>
+        </a:spcAft>
+        <a:buClr>
+          <a:schemeClr val="accent1"/>
+        </a:buClr>
+        <a:buFont typeface="Wingdings 2" pitchFamily="18" charset="2"/>
+        <a:buChar char=""/>
+        <a:defRPr sz="1400" kern="1200">
           <a:solidFill>
-            <a:schemeClr val="tx1"/>
+            <a:schemeClr val="tx1">
+              <a:lumMod val="65000"/>
+              <a:lumOff val="35000"/>
+            </a:schemeClr>
           </a:solidFill>
           <a:latin typeface="+mn-lt"/>
           <a:ea typeface="+mn-ea"/>
@@ -7813,14 +8139,26 @@
         </a:defRPr>
       </a:lvl6pPr>
       <a:lvl7pPr marL="2971800" indent="-228600" algn="l" defTabSz="914400" rtl="0" eaLnBrk="1" latinLnBrk="0" hangingPunct="1">
+        <a:lnSpc>
+          <a:spcPct val="90000"/>
+        </a:lnSpc>
         <a:spcBef>
-          <a:spcPct val="20000"/>
+          <a:spcPts val="250"/>
         </a:spcBef>
-        <a:buFont typeface="Arial" pitchFamily="34" charset="0"/>
-        <a:buChar char="•"/>
-        <a:defRPr sz="2000" kern="1200">
+        <a:spcAft>
+          <a:spcPts val="250"/>
+        </a:spcAft>
+        <a:buClr>
+          <a:schemeClr val="accent1"/>
+        </a:buClr>
+        <a:buFont typeface="Wingdings 2" pitchFamily="18" charset="2"/>
+        <a:buChar char=""/>
+        <a:defRPr sz="1400" kern="1200">
           <a:solidFill>
-            <a:schemeClr val="tx1"/>
+            <a:schemeClr val="tx1">
+              <a:lumMod val="65000"/>
+              <a:lumOff val="35000"/>
+            </a:schemeClr>
           </a:solidFill>
           <a:latin typeface="+mn-lt"/>
           <a:ea typeface="+mn-ea"/>
@@ -7828,14 +8166,26 @@
         </a:defRPr>
       </a:lvl7pPr>
       <a:lvl8pPr marL="3429000" indent="-228600" algn="l" defTabSz="914400" rtl="0" eaLnBrk="1" latinLnBrk="0" hangingPunct="1">
+        <a:lnSpc>
+          <a:spcPct val="90000"/>
+        </a:lnSpc>
         <a:spcBef>
-          <a:spcPct val="20000"/>
+          <a:spcPts val="250"/>
         </a:spcBef>
-        <a:buFont typeface="Arial" pitchFamily="34" charset="0"/>
-        <a:buChar char="•"/>
-        <a:defRPr sz="2000" kern="1200">
+        <a:spcAft>
+          <a:spcPts val="250"/>
+        </a:spcAft>
+        <a:buClr>
+          <a:schemeClr val="accent1"/>
+        </a:buClr>
+        <a:buFont typeface="Wingdings 2" pitchFamily="18" charset="2"/>
+        <a:buChar char=""/>
+        <a:defRPr sz="1400" kern="1200">
           <a:solidFill>
-            <a:schemeClr val="tx1"/>
+            <a:schemeClr val="tx1">
+              <a:lumMod val="65000"/>
+              <a:lumOff val="35000"/>
+            </a:schemeClr>
           </a:solidFill>
           <a:latin typeface="+mn-lt"/>
           <a:ea typeface="+mn-ea"/>
@@ -7843,14 +8193,26 @@
         </a:defRPr>
       </a:lvl8pPr>
       <a:lvl9pPr marL="3886200" indent="-228600" algn="l" defTabSz="914400" rtl="0" eaLnBrk="1" latinLnBrk="0" hangingPunct="1">
+        <a:lnSpc>
+          <a:spcPct val="90000"/>
+        </a:lnSpc>
         <a:spcBef>
-          <a:spcPct val="20000"/>
+          <a:spcPts val="250"/>
         </a:spcBef>
-        <a:buFont typeface="Arial" pitchFamily="34" charset="0"/>
-        <a:buChar char="•"/>
-        <a:defRPr sz="2000" kern="1200">
+        <a:spcAft>
+          <a:spcPts val="250"/>
+        </a:spcAft>
+        <a:buClr>
+          <a:schemeClr val="accent1"/>
+        </a:buClr>
+        <a:buFont typeface="Wingdings 2" pitchFamily="18" charset="2"/>
+        <a:buChar char=""/>
+        <a:defRPr sz="1400" kern="1200">
           <a:solidFill>
-            <a:schemeClr val="tx1"/>
+            <a:schemeClr val="tx1">
+              <a:lumMod val="65000"/>
+              <a:lumOff val="35000"/>
+            </a:schemeClr>
           </a:solidFill>
           <a:latin typeface="+mn-lt"/>
           <a:ea typeface="+mn-ea"/>
@@ -7860,7 +8222,7 @@
     </p:bodyStyle>
     <p:otherStyle>
       <a:defPPr>
-        <a:defRPr lang="es-AR"/>
+        <a:defRPr lang="en-US"/>
       </a:defPPr>
       <a:lvl1pPr marL="0" algn="l" defTabSz="914400" rtl="0" eaLnBrk="1" latinLnBrk="0" hangingPunct="1">
         <a:defRPr sz="1800" kern="1200">
@@ -8031,7 +8393,7 @@
     </p:spTree>
     <p:extLst>
       <p:ext uri="{BB962C8B-B14F-4D97-AF65-F5344CB8AC3E}">
-        <p14:creationId xmlns="" xmlns:p14="http://schemas.microsoft.com/office/powerpoint/2010/main" val="2180121556"/>
+        <p14:creationId xmlns:p14="http://schemas.microsoft.com/office/powerpoint/2010/main" val="2180121556"/>
       </p:ext>
     </p:extLst>
   </p:cSld>
@@ -8099,14 +8461,14 @@
           <p:nvPr>
             <p:extLst>
               <p:ext uri="{D42A27DB-BD31-4B8C-83A1-F6EECF244321}">
-                <p14:modId xmlns="" xmlns:p14="http://schemas.microsoft.com/office/powerpoint/2010/main" val="3151868125"/>
+                <p14:modId xmlns:p14="http://schemas.microsoft.com/office/powerpoint/2010/main" val="996467878"/>
               </p:ext>
             </p:extLst>
           </p:nvPr>
         </p:nvGraphicFramePr>
         <p:xfrm>
-          <a:off x="179512" y="1268760"/>
-          <a:ext cx="8640960" cy="5184576"/>
+          <a:off x="2699792" y="1268760"/>
+          <a:ext cx="6120680" cy="3960440"/>
         </p:xfrm>
         <a:graphic>
           <a:graphicData uri="http://schemas.openxmlformats.org/drawingml/2006/chart">
@@ -8117,7 +8479,7 @@
     </p:spTree>
     <p:extLst>
       <p:ext uri="{BB962C8B-B14F-4D97-AF65-F5344CB8AC3E}">
-        <p14:creationId xmlns="" xmlns:p14="http://schemas.microsoft.com/office/powerpoint/2010/main" val="4186439492"/>
+        <p14:creationId xmlns:p14="http://schemas.microsoft.com/office/powerpoint/2010/main" val="4186439492"/>
       </p:ext>
     </p:extLst>
   </p:cSld>
@@ -8188,7 +8550,7 @@
           <a:blip r:embed="rId3" cstate="print">
             <a:extLst>
               <a:ext uri="{28A0092B-C50C-407E-A947-70E740481C1C}">
-                <a14:useLocalDpi xmlns="" xmlns:a14="http://schemas.microsoft.com/office/drawing/2010/main" val="0"/>
+                <a14:useLocalDpi xmlns:a14="http://schemas.microsoft.com/office/drawing/2010/main" val="0"/>
               </a:ext>
             </a:extLst>
           </a:blip>
@@ -8198,15 +8560,15 @@
         </p:blipFill>
         <p:spPr>
           <a:xfrm>
-            <a:off x="1115616" y="1772816"/>
-            <a:ext cx="6927598" cy="3925639"/>
+            <a:off x="2915815" y="2132856"/>
+            <a:ext cx="5402723" cy="3061543"/>
           </a:xfrm>
         </p:spPr>
       </p:pic>
     </p:spTree>
     <p:extLst>
       <p:ext uri="{BB962C8B-B14F-4D97-AF65-F5344CB8AC3E}">
-        <p14:creationId xmlns="" xmlns:p14="http://schemas.microsoft.com/office/powerpoint/2010/main" val="1183574876"/>
+        <p14:creationId xmlns:p14="http://schemas.microsoft.com/office/powerpoint/2010/main" val="1183574876"/>
       </p:ext>
     </p:extLst>
   </p:cSld>
@@ -8252,7 +8614,7 @@
           <a:blip r:embed="rId2" cstate="print">
             <a:extLst>
               <a:ext uri="{28A0092B-C50C-407E-A947-70E740481C1C}">
-                <a14:useLocalDpi xmlns="" xmlns:a14="http://schemas.microsoft.com/office/drawing/2010/main" val="0"/>
+                <a14:useLocalDpi xmlns:a14="http://schemas.microsoft.com/office/drawing/2010/main" val="0"/>
               </a:ext>
             </a:extLst>
           </a:blip>
@@ -8273,7 +8635,7 @@
     </p:spTree>
     <p:extLst>
       <p:ext uri="{BB962C8B-B14F-4D97-AF65-F5344CB8AC3E}">
-        <p14:creationId xmlns="" xmlns:p14="http://schemas.microsoft.com/office/powerpoint/2010/main" val="4096827736"/>
+        <p14:creationId xmlns:p14="http://schemas.microsoft.com/office/powerpoint/2010/main" val="4096827736"/>
       </p:ext>
     </p:extLst>
   </p:cSld>
@@ -8323,10 +8685,10 @@
           <a:lstStyle/>
           <a:p>
             <a:r>
-              <a:rPr lang="es-AR" dirty="0" smtClean="0"/>
+              <a:rPr lang="es-AR" sz="2400" dirty="0" smtClean="0"/>
               <a:t>Emprendedores</a:t>
             </a:r>
-            <a:endParaRPr lang="es-AR" dirty="0"/>
+            <a:endParaRPr lang="es-AR" sz="2400" dirty="0"/>
           </a:p>
         </p:txBody>
       </p:sp>
@@ -8342,7 +8704,7 @@
           <a:blip r:embed="rId3" cstate="print">
             <a:extLst>
               <a:ext uri="{28A0092B-C50C-407E-A947-70E740481C1C}">
-                <a14:useLocalDpi xmlns="" xmlns:a14="http://schemas.microsoft.com/office/drawing/2010/main" val="0"/>
+                <a14:useLocalDpi xmlns:a14="http://schemas.microsoft.com/office/drawing/2010/main" val="0"/>
               </a:ext>
             </a:extLst>
           </a:blip>
@@ -8352,8 +8714,8 @@
         </p:blipFill>
         <p:spPr>
           <a:xfrm>
-            <a:off x="1904391" y="1844824"/>
-            <a:ext cx="5335215" cy="4064926"/>
+            <a:off x="3419872" y="1530977"/>
+            <a:ext cx="4896544" cy="3730701"/>
           </a:xfrm>
           <a:prstGeom prst="rect">
             <a:avLst/>
@@ -8363,7 +8725,7 @@
     </p:spTree>
     <p:extLst>
       <p:ext uri="{BB962C8B-B14F-4D97-AF65-F5344CB8AC3E}">
-        <p14:creationId xmlns="" xmlns:p14="http://schemas.microsoft.com/office/powerpoint/2010/main" val="3085539111"/>
+        <p14:creationId xmlns:p14="http://schemas.microsoft.com/office/powerpoint/2010/main" val="3085539111"/>
       </p:ext>
     </p:extLst>
   </p:cSld>
@@ -8432,7 +8794,7 @@
           <a:blip r:embed="rId3" cstate="print">
             <a:extLst>
               <a:ext uri="{28A0092B-C50C-407E-A947-70E740481C1C}">
-                <a14:useLocalDpi xmlns="" xmlns:a14="http://schemas.microsoft.com/office/drawing/2010/main" val="0"/>
+                <a14:useLocalDpi xmlns:a14="http://schemas.microsoft.com/office/drawing/2010/main" val="0"/>
               </a:ext>
             </a:extLst>
           </a:blip>
@@ -8453,7 +8815,7 @@
     </p:spTree>
     <p:extLst>
       <p:ext uri="{BB962C8B-B14F-4D97-AF65-F5344CB8AC3E}">
-        <p14:creationId xmlns="" xmlns:p14="http://schemas.microsoft.com/office/powerpoint/2010/main" val="486420949"/>
+        <p14:creationId xmlns:p14="http://schemas.microsoft.com/office/powerpoint/2010/main" val="486420949"/>
       </p:ext>
     </p:extLst>
   </p:cSld>
@@ -8524,7 +8886,7 @@
           <a:blip r:embed="rId3" cstate="print">
             <a:extLst>
               <a:ext uri="{28A0092B-C50C-407E-A947-70E740481C1C}">
-                <a14:useLocalDpi xmlns="" xmlns:a14="http://schemas.microsoft.com/office/drawing/2010/main" val="0"/>
+                <a14:useLocalDpi xmlns:a14="http://schemas.microsoft.com/office/drawing/2010/main" val="0"/>
               </a:ext>
             </a:extLst>
           </a:blip>
@@ -8534,15 +8896,15 @@
         </p:blipFill>
         <p:spPr>
           <a:xfrm>
-            <a:off x="1331640" y="2132856"/>
-            <a:ext cx="6648822" cy="3482717"/>
+            <a:off x="2901950" y="1987323"/>
+            <a:ext cx="5486400" cy="2873828"/>
           </a:xfrm>
         </p:spPr>
       </p:pic>
     </p:spTree>
     <p:extLst>
       <p:ext uri="{BB962C8B-B14F-4D97-AF65-F5344CB8AC3E}">
-        <p14:creationId xmlns="" xmlns:p14="http://schemas.microsoft.com/office/powerpoint/2010/main" val="748539481"/>
+        <p14:creationId xmlns:p14="http://schemas.microsoft.com/office/powerpoint/2010/main" val="748539481"/>
       </p:ext>
     </p:extLst>
   </p:cSld>
@@ -8611,7 +8973,7 @@
           <a:blip r:embed="rId3" cstate="print">
             <a:extLst>
               <a:ext uri="{28A0092B-C50C-407E-A947-70E740481C1C}">
-                <a14:useLocalDpi xmlns="" xmlns:a14="http://schemas.microsoft.com/office/drawing/2010/main" val="0"/>
+                <a14:useLocalDpi xmlns:a14="http://schemas.microsoft.com/office/drawing/2010/main" val="0"/>
               </a:ext>
             </a:extLst>
           </a:blip>
@@ -8621,7 +8983,7 @@
         </p:blipFill>
         <p:spPr>
           <a:xfrm>
-            <a:off x="1763688" y="1628800"/>
+            <a:off x="2915816" y="1556792"/>
             <a:ext cx="5858693" cy="3991532"/>
           </a:xfrm>
           <a:prstGeom prst="rect">
@@ -8632,7 +8994,7 @@
     </p:spTree>
     <p:extLst>
       <p:ext uri="{BB962C8B-B14F-4D97-AF65-F5344CB8AC3E}">
-        <p14:creationId xmlns="" xmlns:p14="http://schemas.microsoft.com/office/powerpoint/2010/main" val="2245358919"/>
+        <p14:creationId xmlns:p14="http://schemas.microsoft.com/office/powerpoint/2010/main" val="2245358919"/>
       </p:ext>
     </p:extLst>
   </p:cSld>
@@ -8703,14 +9065,14 @@
             <p:ph idx="1"/>
             <p:extLst>
               <p:ext uri="{D42A27DB-BD31-4B8C-83A1-F6EECF244321}">
-                <p14:modId xmlns="" xmlns:p14="http://schemas.microsoft.com/office/powerpoint/2010/main" val="4149895999"/>
+                <p14:modId xmlns:p14="http://schemas.microsoft.com/office/powerpoint/2010/main" val="3008867956"/>
               </p:ext>
             </p:extLst>
           </p:nvPr>
         </p:nvGraphicFramePr>
         <p:xfrm>
-          <a:off x="457200" y="1600200"/>
-          <a:ext cx="8229600" cy="3606800"/>
+          <a:off x="2901950" y="863600"/>
+          <a:ext cx="5486400" cy="4958080"/>
         </p:xfrm>
         <a:graphic>
           <a:graphicData uri="http://schemas.openxmlformats.org/drawingml/2006/table">
@@ -8719,9 +9081,9 @@
                 <a:tableStyleId>{5C22544A-7EE6-4342-B048-85BDC9FD1C3A}</a:tableStyleId>
               </a:tblPr>
               <a:tblGrid>
-                <a:gridCol w="2743200"/>
-                <a:gridCol w="2743200"/>
-                <a:gridCol w="2743200"/>
+                <a:gridCol w="1828800"/>
+                <a:gridCol w="1828800"/>
+                <a:gridCol w="1828800"/>
               </a:tblGrid>
               <a:tr h="370840">
                 <a:tc>
@@ -8733,7 +9095,7 @@
                       <a:endParaRPr lang="es-AR" dirty="0"/>
                     </a:p>
                   </a:txBody>
-                  <a:tcPr/>
+                  <a:tcPr marL="60960" marR="60960"/>
                 </a:tc>
                 <a:tc>
                   <a:txBody>
@@ -8748,7 +9110,7 @@
                       <a:endParaRPr lang="es-AR" dirty="0"/>
                     </a:p>
                   </a:txBody>
-                  <a:tcPr/>
+                  <a:tcPr marL="60960" marR="60960"/>
                 </a:tc>
                 <a:tc>
                   <a:txBody>
@@ -8763,7 +9125,7 @@
                       <a:endParaRPr lang="es-AR" dirty="0"/>
                     </a:p>
                   </a:txBody>
-                  <a:tcPr/>
+                  <a:tcPr marL="60960" marR="60960"/>
                 </a:tc>
               </a:tr>
               <a:tr h="370840">
@@ -8780,7 +9142,7 @@
                       <a:endParaRPr lang="es-AR" dirty="0"/>
                     </a:p>
                   </a:txBody>
-                  <a:tcPr/>
+                  <a:tcPr marL="60960" marR="60960"/>
                 </a:tc>
                 <a:tc>
                   <a:txBody>
@@ -8816,7 +9178,7 @@
                       </a:r>
                     </a:p>
                   </a:txBody>
-                  <a:tcPr/>
+                  <a:tcPr marL="60960" marR="60960"/>
                 </a:tc>
                 <a:tc>
                   <a:txBody>
@@ -8843,7 +9205,7 @@
                       </a:endParaRPr>
                     </a:p>
                   </a:txBody>
-                  <a:tcPr/>
+                  <a:tcPr marL="60960" marR="60960"/>
                 </a:tc>
               </a:tr>
               <a:tr h="370840">
@@ -8864,7 +9226,7 @@
                       <a:endParaRPr lang="es-AR" dirty="0"/>
                     </a:p>
                   </a:txBody>
-                  <a:tcPr/>
+                  <a:tcPr marL="60960" marR="60960"/>
                 </a:tc>
                 <a:tc>
                   <a:txBody>
@@ -8885,7 +9247,7 @@
                       <a:endParaRPr lang="es-AR" dirty="0"/>
                     </a:p>
                   </a:txBody>
-                  <a:tcPr/>
+                  <a:tcPr marL="60960" marR="60960"/>
                 </a:tc>
                 <a:tc>
                   <a:txBody>
@@ -8906,7 +9268,7 @@
                       <a:endParaRPr lang="es-AR" dirty="0"/>
                     </a:p>
                   </a:txBody>
-                  <a:tcPr/>
+                  <a:tcPr marL="60960" marR="60960"/>
                 </a:tc>
               </a:tr>
               <a:tr h="370840">
@@ -8923,7 +9285,7 @@
                       <a:endParaRPr lang="es-AR" dirty="0"/>
                     </a:p>
                   </a:txBody>
-                  <a:tcPr/>
+                  <a:tcPr marL="60960" marR="60960"/>
                 </a:tc>
                 <a:tc>
                   <a:txBody>
@@ -8944,7 +9306,7 @@
                       <a:endParaRPr lang="es-AR" dirty="0"/>
                     </a:p>
                   </a:txBody>
-                  <a:tcPr/>
+                  <a:tcPr marL="60960" marR="60960"/>
                 </a:tc>
                 <a:tc>
                   <a:txBody>
@@ -8965,7 +9327,7 @@
                       <a:endParaRPr lang="es-AR" dirty="0"/>
                     </a:p>
                   </a:txBody>
-                  <a:tcPr/>
+                  <a:tcPr marL="60960" marR="60960"/>
                 </a:tc>
               </a:tr>
               <a:tr h="370840">
@@ -8982,7 +9344,7 @@
                       <a:endParaRPr lang="es-AR" dirty="0"/>
                     </a:p>
                   </a:txBody>
-                  <a:tcPr/>
+                  <a:tcPr marL="60960" marR="60960"/>
                 </a:tc>
                 <a:tc>
                   <a:txBody>
@@ -9003,7 +9365,7 @@
                       <a:endParaRPr lang="es-AR" dirty="0"/>
                     </a:p>
                   </a:txBody>
-                  <a:tcPr/>
+                  <a:tcPr marL="60960" marR="60960"/>
                 </a:tc>
                 <a:tc>
                   <a:txBody>
@@ -9024,7 +9386,7 @@
                       <a:endParaRPr lang="es-AR" dirty="0"/>
                     </a:p>
                   </a:txBody>
-                  <a:tcPr/>
+                  <a:tcPr marL="60960" marR="60960"/>
                 </a:tc>
               </a:tr>
               <a:tr h="370840">
@@ -9045,7 +9407,7 @@
                       <a:endParaRPr lang="es-AR" dirty="0"/>
                     </a:p>
                   </a:txBody>
-                  <a:tcPr/>
+                  <a:tcPr marL="60960" marR="60960"/>
                 </a:tc>
                 <a:tc>
                   <a:txBody>
@@ -9080,7 +9442,7 @@
                       <a:endParaRPr lang="es-AR" dirty="0" smtClean="0"/>
                     </a:p>
                   </a:txBody>
-                  <a:tcPr/>
+                  <a:tcPr marL="60960" marR="60960"/>
                 </a:tc>
                 <a:tc>
                   <a:txBody>
@@ -9101,7 +9463,7 @@
                       <a:endParaRPr lang="es-AR" dirty="0"/>
                     </a:p>
                   </a:txBody>
-                  <a:tcPr/>
+                  <a:tcPr marL="60960" marR="60960"/>
                 </a:tc>
               </a:tr>
               <a:tr h="370840">
@@ -9118,7 +9480,7 @@
                       <a:endParaRPr lang="es-AR" dirty="0"/>
                     </a:p>
                   </a:txBody>
-                  <a:tcPr/>
+                  <a:tcPr marL="60960" marR="60960"/>
                 </a:tc>
                 <a:tc>
                   <a:txBody>
@@ -9153,7 +9515,7 @@
                       <a:endParaRPr lang="es-AR" dirty="0" smtClean="0"/>
                     </a:p>
                   </a:txBody>
-                  <a:tcPr/>
+                  <a:tcPr marL="60960" marR="60960"/>
                 </a:tc>
                 <a:tc>
                   <a:txBody>
@@ -9190,7 +9552,7 @@
                       <a:endParaRPr lang="es-AR" dirty="0"/>
                     </a:p>
                   </a:txBody>
-                  <a:tcPr/>
+                  <a:tcPr marL="60960" marR="60960"/>
                 </a:tc>
               </a:tr>
               <a:tr h="370840">
@@ -9203,7 +9565,7 @@
                       <a:endParaRPr lang="es-AR" dirty="0"/>
                     </a:p>
                   </a:txBody>
-                  <a:tcPr/>
+                  <a:tcPr marL="60960" marR="60960"/>
                 </a:tc>
                 <a:tc>
                   <a:txBody>
@@ -9214,7 +9576,7 @@
                       <a:endParaRPr lang="es-AR" dirty="0"/>
                     </a:p>
                   </a:txBody>
-                  <a:tcPr/>
+                  <a:tcPr marL="60960" marR="60960"/>
                 </a:tc>
                 <a:tc>
                   <a:txBody>
@@ -9225,7 +9587,7 @@
                       <a:endParaRPr lang="es-AR" dirty="0"/>
                     </a:p>
                   </a:txBody>
-                  <a:tcPr/>
+                  <a:tcPr marL="60960" marR="60960"/>
                 </a:tc>
               </a:tr>
               <a:tr h="370840">
@@ -9236,13 +9598,19 @@
                     <a:p>
                       <a:pPr algn="ctr"/>
                       <a:r>
-                        <a:rPr lang="es-AR" dirty="0" smtClean="0"/>
+                        <a:rPr lang="es-AR" dirty="0" smtClean="0">
+                          <a:latin typeface="Calibri" pitchFamily="34" charset="0"/>
+                          <a:cs typeface="Calibri" pitchFamily="34" charset="0"/>
+                        </a:rPr>
                         <a:t>COSTE POR DESCARGA</a:t>
                       </a:r>
-                      <a:endParaRPr lang="es-AR" dirty="0"/>
+                      <a:endParaRPr lang="es-AR" dirty="0">
+                        <a:latin typeface="Calibri" pitchFamily="34" charset="0"/>
+                        <a:cs typeface="Calibri" pitchFamily="34" charset="0"/>
+                      </a:endParaRPr>
                     </a:p>
                   </a:txBody>
-                  <a:tcPr>
+                  <a:tcPr marL="60960" marR="60960">
                     <a:solidFill>
                       <a:schemeClr val="accent2"/>
                     </a:solidFill>
@@ -9255,17 +9623,26 @@
                     <a:p>
                       <a:pPr algn="ctr"/>
                       <a:r>
-                        <a:rPr lang="es-AR" dirty="0" smtClean="0"/>
+                        <a:rPr lang="es-AR" dirty="0" smtClean="0">
+                          <a:latin typeface="Calibri" pitchFamily="34" charset="0"/>
+                          <a:cs typeface="Calibri" pitchFamily="34" charset="0"/>
+                        </a:rPr>
                         <a:t>U$S</a:t>
                       </a:r>
                       <a:r>
-                        <a:rPr lang="es-AR" baseline="0" dirty="0" smtClean="0"/>
+                        <a:rPr lang="es-AR" baseline="0" dirty="0" smtClean="0">
+                          <a:latin typeface="Calibri" pitchFamily="34" charset="0"/>
+                          <a:cs typeface="Calibri" pitchFamily="34" charset="0"/>
+                        </a:rPr>
                         <a:t> 0</a:t>
                       </a:r>
-                      <a:endParaRPr lang="es-AR" dirty="0"/>
+                      <a:endParaRPr lang="es-AR" dirty="0">
+                        <a:latin typeface="Calibri" pitchFamily="34" charset="0"/>
+                        <a:cs typeface="Calibri" pitchFamily="34" charset="0"/>
+                      </a:endParaRPr>
                     </a:p>
                   </a:txBody>
-                  <a:tcPr>
+                  <a:tcPr marL="60960" marR="60960">
                     <a:solidFill>
                       <a:schemeClr val="accent2"/>
                     </a:solidFill>
@@ -9278,17 +9655,26 @@
                     <a:p>
                       <a:pPr algn="ctr"/>
                       <a:r>
-                        <a:rPr lang="es-AR" dirty="0" smtClean="0"/>
+                        <a:rPr lang="es-AR" dirty="0" smtClean="0">
+                          <a:latin typeface="Calibri" pitchFamily="34" charset="0"/>
+                          <a:cs typeface="Calibri" pitchFamily="34" charset="0"/>
+                        </a:rPr>
                         <a:t>U$S</a:t>
                       </a:r>
                       <a:r>
-                        <a:rPr lang="es-AR" baseline="0" dirty="0" smtClean="0"/>
+                        <a:rPr lang="es-AR" baseline="0" dirty="0" smtClean="0">
+                          <a:latin typeface="Calibri" pitchFamily="34" charset="0"/>
+                          <a:cs typeface="Calibri" pitchFamily="34" charset="0"/>
+                        </a:rPr>
                         <a:t> 1</a:t>
                       </a:r>
-                      <a:endParaRPr lang="es-AR" dirty="0"/>
+                      <a:endParaRPr lang="es-AR" dirty="0">
+                        <a:latin typeface="Calibri" pitchFamily="34" charset="0"/>
+                        <a:cs typeface="Calibri" pitchFamily="34" charset="0"/>
+                      </a:endParaRPr>
                     </a:p>
                   </a:txBody>
-                  <a:tcPr>
+                  <a:tcPr marL="60960" marR="60960">
                     <a:solidFill>
                       <a:schemeClr val="accent2"/>
                     </a:solidFill>
@@ -9302,7 +9688,7 @@
     </p:spTree>
     <p:extLst>
       <p:ext uri="{BB962C8B-B14F-4D97-AF65-F5344CB8AC3E}">
-        <p14:creationId xmlns="" xmlns:p14="http://schemas.microsoft.com/office/powerpoint/2010/main" val="1434869260"/>
+        <p14:creationId xmlns:p14="http://schemas.microsoft.com/office/powerpoint/2010/main" val="1434869260"/>
       </p:ext>
     </p:extLst>
   </p:cSld>
@@ -9343,27 +9729,23 @@
           <a:blip r:embed="rId3" cstate="print">
             <a:extLst>
               <a:ext uri="{28A0092B-C50C-407E-A947-70E740481C1C}">
-                <a14:useLocalDpi xmlns="" xmlns:a14="http://schemas.microsoft.com/office/drawing/2010/main" val="0"/>
+                <a14:useLocalDpi xmlns:a14="http://schemas.microsoft.com/office/drawing/2010/main" val="0"/>
               </a:ext>
             </a:extLst>
           </a:blip>
-          <a:srcRect l="5625" r="5625"/>
+          <a:srcRect l="12001" r="12001"/>
           <a:stretch>
             <a:fillRect/>
           </a:stretch>
         </p:blipFill>
         <p:spPr bwMode="auto">
-          <a:xfrm>
-            <a:off x="1979712" y="1916832"/>
-            <a:ext cx="5486400" cy="4114800"/>
-          </a:xfrm>
           <a:prstGeom prst="rect">
             <a:avLst/>
           </a:prstGeom>
           <a:noFill/>
           <a:extLst>
             <a:ext uri="{909E8E84-426E-40DD-AFC4-6F175D3DCCD1}">
-              <a14:hiddenFill xmlns="" xmlns:a14="http://schemas.microsoft.com/office/drawing/2010/main">
+              <a14:hiddenFill xmlns:a14="http://schemas.microsoft.com/office/drawing/2010/main">
                 <a:solidFill>
                   <a:srgbClr val="FFFFFF"/>
                 </a:solidFill>
@@ -9374,7 +9756,7 @@
       </p:pic>
       <p:sp>
         <p:nvSpPr>
-          <p:cNvPr id="8" name="Title 1"/>
+          <p:cNvPr id="4" name="Title 1"/>
           <p:cNvSpPr>
             <a:spLocks noGrp="1"/>
           </p:cNvSpPr>
@@ -9384,29 +9766,53 @@
         </p:nvSpPr>
         <p:spPr>
           <a:xfrm>
-            <a:off x="457200" y="274638"/>
-            <a:ext cx="8229600" cy="1143000"/>
+            <a:off x="189689" y="2492895"/>
+            <a:ext cx="2210612" cy="1656185"/>
           </a:xfrm>
         </p:spPr>
         <p:txBody>
           <a:bodyPr>
-            <a:normAutofit/>
+            <a:normAutofit fontScale="90000"/>
           </a:bodyPr>
           <a:lstStyle/>
           <a:p>
-            <a:pPr algn="ctr"/>
-            <a:r>
-              <a:rPr lang="es-AR" sz="4000" b="0" dirty="0" smtClean="0"/>
-              <a:t>Mercado en crecimiento</a:t>
-            </a:r>
-            <a:endParaRPr lang="es-AR" sz="4000" b="0" dirty="0"/>
+            <a:r>
+              <a:rPr lang="es-AR" dirty="0" smtClean="0"/>
+              <a:t/>
+            </a:r>
+            <a:br>
+              <a:rPr lang="es-AR" dirty="0" smtClean="0"/>
+            </a:br>
+            <a:r>
+              <a:rPr lang="es-AR" dirty="0"/>
+              <a:t/>
+            </a:r>
+            <a:br>
+              <a:rPr lang="es-AR" dirty="0"/>
+            </a:br>
+            <a:r>
+              <a:rPr lang="es-AR" dirty="0" smtClean="0"/>
+              <a:t/>
+            </a:r>
+            <a:br>
+              <a:rPr lang="es-AR" dirty="0" smtClean="0"/>
+            </a:br>
+            <a:r>
+              <a:rPr lang="es-AR" dirty="0" smtClean="0"/>
+              <a:t>Mercado </a:t>
+            </a:r>
+            <a:r>
+              <a:rPr lang="es-AR" dirty="0"/>
+              <a:t>en crecimiento</a:t>
+            </a:r>
+            <a:endParaRPr lang="es-AR" dirty="0"/>
           </a:p>
         </p:txBody>
       </p:sp>
     </p:spTree>
     <p:extLst>
       <p:ext uri="{BB962C8B-B14F-4D97-AF65-F5344CB8AC3E}">
-        <p14:creationId xmlns="" xmlns:p14="http://schemas.microsoft.com/office/powerpoint/2010/main" val="4021245580"/>
+        <p14:creationId xmlns:p14="http://schemas.microsoft.com/office/powerpoint/2010/main" val="4021245580"/>
       </p:ext>
     </p:extLst>
   </p:cSld>
@@ -9477,7 +9883,7 @@
           <a:blip r:embed="rId3" cstate="print">
             <a:extLst>
               <a:ext uri="{28A0092B-C50C-407E-A947-70E740481C1C}">
-                <a14:useLocalDpi xmlns="" xmlns:a14="http://schemas.microsoft.com/office/drawing/2010/main" val="0"/>
+                <a14:useLocalDpi xmlns:a14="http://schemas.microsoft.com/office/drawing/2010/main" val="0"/>
               </a:ext>
             </a:extLst>
           </a:blip>
@@ -9487,7 +9893,7 @@
         </p:blipFill>
         <p:spPr>
           <a:xfrm>
-            <a:off x="5004048" y="1556792"/>
+            <a:off x="6084168" y="1412776"/>
             <a:ext cx="2545854" cy="4525963"/>
           </a:xfrm>
         </p:spPr>
@@ -9500,8 +9906,8 @@
         </p:nvSpPr>
         <p:spPr>
           <a:xfrm>
-            <a:off x="755576" y="1988840"/>
-            <a:ext cx="3419872" cy="4001095"/>
+            <a:off x="2771800" y="2177167"/>
+            <a:ext cx="3384376" cy="3877985"/>
           </a:xfrm>
           <a:prstGeom prst="rect">
             <a:avLst/>
@@ -9572,7 +9978,7 @@
     </p:spTree>
     <p:extLst>
       <p:ext uri="{BB962C8B-B14F-4D97-AF65-F5344CB8AC3E}">
-        <p14:creationId xmlns="" xmlns:p14="http://schemas.microsoft.com/office/powerpoint/2010/main" val="318816464"/>
+        <p14:creationId xmlns:p14="http://schemas.microsoft.com/office/powerpoint/2010/main" val="318816464"/>
       </p:ext>
     </p:extLst>
   </p:cSld>
@@ -9619,29 +10025,29 @@
         <p:spPr/>
         <p:txBody>
           <a:bodyPr>
-            <a:normAutofit fontScale="90000"/>
+            <a:normAutofit/>
           </a:bodyPr>
           <a:lstStyle/>
           <a:p>
             <a:r>
-              <a:rPr lang="es-AR" dirty="0" smtClean="0"/>
+              <a:rPr lang="es-AR" sz="3000" dirty="0" smtClean="0"/>
               <a:t>Peor Caso</a:t>
             </a:r>
             <a:br>
-              <a:rPr lang="es-AR" dirty="0" smtClean="0"/>
+              <a:rPr lang="es-AR" sz="3000" dirty="0" smtClean="0"/>
             </a:br>
             <a:r>
-              <a:rPr lang="es-AR" sz="4000" dirty="0" smtClean="0"/>
+              <a:rPr lang="es-AR" sz="3000" dirty="0" smtClean="0"/>
               <a:t>Expansión en Argentina con un 3% </a:t>
             </a:r>
             <a:br>
-              <a:rPr lang="es-AR" sz="4000" dirty="0" smtClean="0"/>
+              <a:rPr lang="es-AR" sz="3000" dirty="0" smtClean="0"/>
             </a:br>
             <a:r>
-              <a:rPr lang="es-AR" sz="4000" dirty="0" smtClean="0"/>
+              <a:rPr lang="es-AR" sz="3000" dirty="0" smtClean="0"/>
               <a:t>del  mercado</a:t>
             </a:r>
-            <a:endParaRPr lang="es-AR" sz="4000" dirty="0"/>
+            <a:endParaRPr lang="es-AR" sz="3000" dirty="0"/>
           </a:p>
         </p:txBody>
       </p:sp>
@@ -9654,14 +10060,14 @@
           <p:nvPr>
             <p:extLst>
               <p:ext uri="{D42A27DB-BD31-4B8C-83A1-F6EECF244321}">
-                <p14:modId xmlns="" xmlns:p14="http://schemas.microsoft.com/office/powerpoint/2010/main" val="1186373056"/>
+                <p14:modId xmlns:p14="http://schemas.microsoft.com/office/powerpoint/2010/main" val="2068665959"/>
               </p:ext>
             </p:extLst>
           </p:nvPr>
         </p:nvGraphicFramePr>
         <p:xfrm>
-          <a:off x="251520" y="1844824"/>
-          <a:ext cx="8496944" cy="4752528"/>
+          <a:off x="2843808" y="1052736"/>
+          <a:ext cx="5976664" cy="3600400"/>
         </p:xfrm>
         <a:graphic>
           <a:graphicData uri="http://schemas.openxmlformats.org/drawingml/2006/chart">
@@ -9672,7 +10078,7 @@
     </p:spTree>
     <p:extLst>
       <p:ext uri="{BB962C8B-B14F-4D97-AF65-F5344CB8AC3E}">
-        <p14:creationId xmlns="" xmlns:p14="http://schemas.microsoft.com/office/powerpoint/2010/main" val="4226239434"/>
+        <p14:creationId xmlns:p14="http://schemas.microsoft.com/office/powerpoint/2010/main" val="4226239434"/>
       </p:ext>
     </p:extLst>
   </p:cSld>
@@ -9690,93 +10096,58 @@
 </file>
 
 <file path=ppt/theme/theme1.xml><?xml version="1.0" encoding="utf-8"?>
-<a:theme xmlns:a="http://schemas.openxmlformats.org/drawingml/2006/main" name="Office Theme">
+<a:theme xmlns:a="http://schemas.openxmlformats.org/drawingml/2006/main" name="ThemeSocialToilet">
   <a:themeElements>
-    <a:clrScheme name="Office">
+    <a:clrScheme name="Frame">
       <a:dk1>
-        <a:sysClr val="windowText" lastClr="000000"/>
+        <a:srgbClr val="000000"/>
       </a:dk1>
       <a:lt1>
-        <a:sysClr val="window" lastClr="FFFFFF"/>
+        <a:srgbClr val="FFFFFF"/>
       </a:lt1>
       <a:dk2>
-        <a:srgbClr val="1F497D"/>
+        <a:srgbClr val="545454"/>
       </a:dk2>
       <a:lt2>
-        <a:srgbClr val="EEECE1"/>
+        <a:srgbClr val="BFBFBF"/>
       </a:lt2>
       <a:accent1>
-        <a:srgbClr val="4F81BD"/>
+        <a:srgbClr val="40BAD2"/>
       </a:accent1>
       <a:accent2>
-        <a:srgbClr val="C0504D"/>
+        <a:srgbClr val="FAB900"/>
       </a:accent2>
       <a:accent3>
-        <a:srgbClr val="9BBB59"/>
+        <a:srgbClr val="90BB23"/>
       </a:accent3>
       <a:accent4>
-        <a:srgbClr val="8064A2"/>
+        <a:srgbClr val="EE7008"/>
       </a:accent4>
       <a:accent5>
-        <a:srgbClr val="4BACC6"/>
+        <a:srgbClr val="1AB39F"/>
       </a:accent5>
       <a:accent6>
-        <a:srgbClr val="F79646"/>
+        <a:srgbClr val="D5393D"/>
       </a:accent6>
       <a:hlink>
-        <a:srgbClr val="0000FF"/>
+        <a:srgbClr val="90BB23"/>
       </a:hlink>
       <a:folHlink>
-        <a:srgbClr val="800080"/>
+        <a:srgbClr val="EE7008"/>
       </a:folHlink>
     </a:clrScheme>
-    <a:fontScheme name="Office">
+    <a:fontScheme name="Frame">
       <a:majorFont>
-        <a:latin typeface="Calibri"/>
+        <a:latin typeface="Corbel"/>
         <a:ea typeface=""/>
         <a:cs typeface=""/>
-        <a:font script="Jpan" typeface="ＭＳ Ｐゴシック"/>
-        <a:font script="Hang" typeface="맑은 고딕"/>
-        <a:font script="Hans" typeface="宋体"/>
-        <a:font script="Hant" typeface="新細明體"/>
-        <a:font script="Arab" typeface="Times New Roman"/>
-        <a:font script="Hebr" typeface="Times New Roman"/>
-        <a:font script="Thai" typeface="Angsana New"/>
-        <a:font script="Ethi" typeface="Nyala"/>
-        <a:font script="Beng" typeface="Vrinda"/>
-        <a:font script="Gujr" typeface="Shruti"/>
-        <a:font script="Khmr" typeface="MoolBoran"/>
-        <a:font script="Knda" typeface="Tunga"/>
-        <a:font script="Guru" typeface="Raavi"/>
-        <a:font script="Cans" typeface="Euphemia"/>
-        <a:font script="Cher" typeface="Plantagenet Cherokee"/>
-        <a:font script="Yiii" typeface="Microsoft Yi Baiti"/>
-        <a:font script="Tibt" typeface="Microsoft Himalaya"/>
-        <a:font script="Thaa" typeface="MV Boli"/>
-        <a:font script="Deva" typeface="Mangal"/>
-        <a:font script="Telu" typeface="Gautami"/>
-        <a:font script="Taml" typeface="Latha"/>
-        <a:font script="Syrc" typeface="Estrangelo Edessa"/>
-        <a:font script="Orya" typeface="Kalinga"/>
-        <a:font script="Mlym" typeface="Kartika"/>
-        <a:font script="Laoo" typeface="DokChampa"/>
-        <a:font script="Sinh" typeface="Iskoola Pota"/>
-        <a:font script="Mong" typeface="Mongolian Baiti"/>
-        <a:font script="Viet" typeface="Times New Roman"/>
-        <a:font script="Uigh" typeface="Microsoft Uighur"/>
-        <a:font script="Geor" typeface="Sylfaen"/>
-      </a:majorFont>
-      <a:minorFont>
-        <a:latin typeface="Calibri"/>
-        <a:ea typeface=""/>
-        <a:cs typeface=""/>
-        <a:font script="Jpan" typeface="ＭＳ Ｐゴシック"/>
-        <a:font script="Hang" typeface="맑은 고딕"/>
-        <a:font script="Hans" typeface="宋体"/>
-        <a:font script="Hant" typeface="新細明體"/>
-        <a:font script="Arab" typeface="Arial"/>
-        <a:font script="Hebr" typeface="Arial"/>
-        <a:font script="Thai" typeface="Cordia New"/>
+        <a:font script="Jpan" typeface="ＭＳ ゴシック"/>
+        <a:font script="Hang" typeface="HY중고딕"/>
+        <a:font script="Hans" typeface="幼圆"/>
+        <a:font script="Hant" typeface="微軟正黑體"/>
+        <a:font script="Arab" typeface="Tahoma"/>
+        <a:font script="Hebr" typeface="Gisha"/>
+        <a:font script="Thai" typeface="DilleniaUPC"/>
         <a:font script="Ethi" typeface="Nyala"/>
         <a:font script="Beng" typeface="Vrinda"/>
         <a:font script="Gujr" typeface="Shruti"/>
@@ -9797,110 +10168,99 @@
         <a:font script="Laoo" typeface="DokChampa"/>
         <a:font script="Sinh" typeface="Iskoola Pota"/>
         <a:font script="Mong" typeface="Mongolian Baiti"/>
-        <a:font script="Viet" typeface="Arial"/>
+        <a:font script="Viet" typeface="Tahoma"/>
+        <a:font script="Uigh" typeface="Microsoft Uighur"/>
+        <a:font script="Geor" typeface="Sylfaen"/>
+      </a:majorFont>
+      <a:minorFont>
+        <a:latin typeface="Corbel"/>
+        <a:ea typeface=""/>
+        <a:cs typeface=""/>
+        <a:font script="Jpan" typeface="ＭＳ ゴシック"/>
+        <a:font script="Hang" typeface="HY중고딕"/>
+        <a:font script="Hans" typeface="幼圆"/>
+        <a:font script="Hant" typeface="微軟正黑體"/>
+        <a:font script="Arab" typeface="Tahoma"/>
+        <a:font script="Hebr" typeface="Gisha"/>
+        <a:font script="Thai" typeface="DilleniaUPC"/>
+        <a:font script="Ethi" typeface="Nyala"/>
+        <a:font script="Beng" typeface="Vrinda"/>
+        <a:font script="Gujr" typeface="Shruti"/>
+        <a:font script="Khmr" typeface="DaunPenh"/>
+        <a:font script="Knda" typeface="Tunga"/>
+        <a:font script="Guru" typeface="Raavi"/>
+        <a:font script="Cans" typeface="Euphemia"/>
+        <a:font script="Cher" typeface="Plantagenet Cherokee"/>
+        <a:font script="Yiii" typeface="Microsoft Yi Baiti"/>
+        <a:font script="Tibt" typeface="Microsoft Himalaya"/>
+        <a:font script="Thaa" typeface="MV Boli"/>
+        <a:font script="Deva" typeface="Mangal"/>
+        <a:font script="Telu" typeface="Gautami"/>
+        <a:font script="Taml" typeface="Latha"/>
+        <a:font script="Syrc" typeface="Estrangelo Edessa"/>
+        <a:font script="Orya" typeface="Kalinga"/>
+        <a:font script="Mlym" typeface="Kartika"/>
+        <a:font script="Laoo" typeface="DokChampa"/>
+        <a:font script="Sinh" typeface="Iskoola Pota"/>
+        <a:font script="Mong" typeface="Mongolian Baiti"/>
+        <a:font script="Viet" typeface="Verdana"/>
         <a:font script="Uigh" typeface="Microsoft Uighur"/>
         <a:font script="Geor" typeface="Sylfaen"/>
       </a:minorFont>
     </a:fontScheme>
-    <a:fmtScheme name="Office">
+    <a:fmtScheme name="Frame">
       <a:fillStyleLst>
         <a:solidFill>
           <a:schemeClr val="phClr"/>
         </a:solidFill>
-        <a:gradFill rotWithShape="1">
-          <a:gsLst>
-            <a:gs pos="0">
-              <a:schemeClr val="phClr">
-                <a:tint val="50000"/>
-                <a:satMod val="300000"/>
-              </a:schemeClr>
-            </a:gs>
-            <a:gs pos="35000">
-              <a:schemeClr val="phClr">
-                <a:tint val="37000"/>
-                <a:satMod val="300000"/>
-              </a:schemeClr>
-            </a:gs>
-            <a:gs pos="100000">
-              <a:schemeClr val="phClr">
-                <a:tint val="15000"/>
-                <a:satMod val="350000"/>
-              </a:schemeClr>
-            </a:gs>
-          </a:gsLst>
-          <a:lin ang="16200000" scaled="1"/>
-        </a:gradFill>
-        <a:gradFill rotWithShape="1">
-          <a:gsLst>
-            <a:gs pos="0">
-              <a:schemeClr val="phClr">
-                <a:shade val="51000"/>
-                <a:satMod val="130000"/>
-              </a:schemeClr>
-            </a:gs>
-            <a:gs pos="80000">
-              <a:schemeClr val="phClr">
-                <a:shade val="93000"/>
-                <a:satMod val="130000"/>
-              </a:schemeClr>
-            </a:gs>
-            <a:gs pos="100000">
-              <a:schemeClr val="phClr">
-                <a:shade val="94000"/>
-                <a:satMod val="135000"/>
-              </a:schemeClr>
-            </a:gs>
-          </a:gsLst>
-          <a:lin ang="16200000" scaled="0"/>
-        </a:gradFill>
+        <a:solidFill>
+          <a:schemeClr val="phClr">
+            <a:tint val="65000"/>
+          </a:schemeClr>
+        </a:solidFill>
+        <a:solidFill>
+          <a:schemeClr val="phClr">
+            <a:shade val="80000"/>
+            <a:satMod val="150000"/>
+          </a:schemeClr>
+        </a:solidFill>
       </a:fillStyleLst>
       <a:lnStyleLst>
         <a:ln w="9525" cap="flat" cmpd="sng" algn="ctr">
-          <a:solidFill>
-            <a:schemeClr val="phClr">
-              <a:shade val="95000"/>
-              <a:satMod val="105000"/>
-            </a:schemeClr>
-          </a:solidFill>
-          <a:prstDash val="solid"/>
-        </a:ln>
-        <a:ln w="25400" cap="flat" cmpd="sng" algn="ctr">
           <a:solidFill>
             <a:schemeClr val="phClr"/>
           </a:solidFill>
           <a:prstDash val="solid"/>
         </a:ln>
-        <a:ln w="38100" cap="flat" cmpd="sng" algn="ctr">
+        <a:ln w="10795" cap="flat" cmpd="sng" algn="ctr">
           <a:solidFill>
             <a:schemeClr val="phClr"/>
+          </a:solidFill>
+          <a:prstDash val="solid"/>
+        </a:ln>
+        <a:ln w="17145" cap="flat" cmpd="sng" algn="ctr">
+          <a:solidFill>
+            <a:schemeClr val="phClr">
+              <a:shade val="95000"/>
+              <a:alpha val="50000"/>
+              <a:satMod val="150000"/>
+            </a:schemeClr>
           </a:solidFill>
           <a:prstDash val="solid"/>
         </a:ln>
       </a:lnStyleLst>
       <a:effectStyleLst>
         <a:effectStyle>
-          <a:effectLst>
-            <a:outerShdw blurRad="40000" dist="20000" dir="5400000" rotWithShape="0">
-              <a:srgbClr val="000000">
-                <a:alpha val="38000"/>
-              </a:srgbClr>
-            </a:outerShdw>
-          </a:effectLst>
+          <a:effectLst/>
+        </a:effectStyle>
+        <a:effectStyle>
+          <a:effectLst/>
         </a:effectStyle>
         <a:effectStyle>
           <a:effectLst>
-            <a:outerShdw blurRad="40000" dist="23000" dir="5400000" rotWithShape="0">
+            <a:outerShdw blurRad="44450" dist="13970" dir="5400000" algn="ctr" rotWithShape="0">
               <a:srgbClr val="000000">
-                <a:alpha val="35000"/>
-              </a:srgbClr>
-            </a:outerShdw>
-          </a:effectLst>
-        </a:effectStyle>
-        <a:effectStyle>
-          <a:effectLst>
-            <a:outerShdw blurRad="40000" dist="23000" dir="5400000" rotWithShape="0">
-              <a:srgbClr val="000000">
-                <a:alpha val="35000"/>
+                <a:alpha val="45000"/>
               </a:srgbClr>
             </a:outerShdw>
           </a:effectLst>
@@ -9908,12 +10268,10 @@
             <a:camera prst="orthographicFront">
               <a:rot lat="0" lon="0" rev="0"/>
             </a:camera>
-            <a:lightRig rig="threePt" dir="t">
-              <a:rot lat="0" lon="0" rev="1200000"/>
-            </a:lightRig>
+            <a:lightRig rig="twoPt" dir="tl"/>
           </a:scene3d>
-          <a:sp3d>
-            <a:bevelT w="63500" h="25400"/>
+          <a:sp3d prstMaterial="flat">
+            <a:bevelT w="12700" h="25400" prst="coolSlant"/>
           </a:sp3d>
         </a:effectStyle>
       </a:effectStyleLst>
@@ -9921,56 +10279,50 @@
         <a:solidFill>
           <a:schemeClr val="phClr"/>
         </a:solidFill>
+        <a:solidFill>
+          <a:schemeClr val="phClr">
+            <a:tint val="95000"/>
+            <a:satMod val="170000"/>
+          </a:schemeClr>
+        </a:solidFill>
         <a:gradFill rotWithShape="1">
           <a:gsLst>
             <a:gs pos="0">
               <a:schemeClr val="phClr">
-                <a:tint val="40000"/>
-                <a:satMod val="350000"/>
+                <a:tint val="93000"/>
+                <a:shade val="98000"/>
+                <a:satMod val="120000"/>
+                <a:lumMod val="102000"/>
               </a:schemeClr>
             </a:gs>
-            <a:gs pos="40000">
+            <a:gs pos="48000">
               <a:schemeClr val="phClr">
-                <a:tint val="45000"/>
-                <a:shade val="99000"/>
-                <a:satMod val="350000"/>
+                <a:tint val="98000"/>
+                <a:shade val="90000"/>
+                <a:satMod val="110000"/>
+                <a:lumMod val="103000"/>
               </a:schemeClr>
             </a:gs>
             <a:gs pos="100000">
               <a:schemeClr val="phClr">
-                <a:shade val="20000"/>
-                <a:satMod val="255000"/>
+                <a:tint val="98000"/>
+                <a:shade val="80000"/>
+                <a:satMod val="100000"/>
               </a:schemeClr>
             </a:gs>
           </a:gsLst>
-          <a:path path="circle">
-            <a:fillToRect l="50000" t="-80000" r="50000" b="180000"/>
-          </a:path>
-        </a:gradFill>
-        <a:gradFill rotWithShape="1">
-          <a:gsLst>
-            <a:gs pos="0">
-              <a:schemeClr val="phClr">
-                <a:tint val="80000"/>
-                <a:satMod val="300000"/>
-              </a:schemeClr>
-            </a:gs>
-            <a:gs pos="100000">
-              <a:schemeClr val="phClr">
-                <a:shade val="30000"/>
-                <a:satMod val="200000"/>
-              </a:schemeClr>
-            </a:gs>
-          </a:gsLst>
-          <a:path path="circle">
-            <a:fillToRect l="50000" t="50000" r="50000" b="50000"/>
-          </a:path>
+          <a:lin ang="5400000" scaled="0"/>
         </a:gradFill>
       </a:bgFillStyleLst>
     </a:fmtScheme>
   </a:themeElements>
   <a:objectDefaults/>
   <a:extraClrSchemeLst/>
+  <a:extLst>
+    <a:ext uri="{05A4C25C-085E-4340-85A3-A5531E510DB2}">
+      <thm15:themeFamily xmlns="" xmlns:thm15="http://schemas.microsoft.com/office/thememl/2012/main" name="Frame" id="{F226E7A2-7162-461C-9490-D27D9DC04E43}" vid="{629A0216-3BBD-45C0-B63F-2683BEA18F60}"/>
+    </a:ext>
+  </a:extLst>
 </a:theme>
 </file>
 

--- a/trunk/Assets/Presentación negocio.pptx
+++ b/trunk/Assets/Presentación negocio.pptx
@@ -5,21 +5,22 @@
     <p:sldMasterId id="2147483660" r:id="rId1"/>
   </p:sldMasterIdLst>
   <p:notesMasterIdLst>
-    <p:notesMasterId r:id="rId14"/>
+    <p:notesMasterId r:id="rId15"/>
   </p:notesMasterIdLst>
   <p:sldIdLst>
     <p:sldId id="256" r:id="rId2"/>
-    <p:sldId id="261" r:id="rId3"/>
+    <p:sldId id="268" r:id="rId3"/>
     <p:sldId id="262" r:id="rId4"/>
     <p:sldId id="265" r:id="rId5"/>
     <p:sldId id="264" r:id="rId6"/>
     <p:sldId id="267" r:id="rId7"/>
-    <p:sldId id="258" r:id="rId8"/>
-    <p:sldId id="266" r:id="rId9"/>
-    <p:sldId id="257" r:id="rId10"/>
-    <p:sldId id="259" r:id="rId11"/>
-    <p:sldId id="263" r:id="rId12"/>
-    <p:sldId id="260" r:id="rId13"/>
+    <p:sldId id="270" r:id="rId8"/>
+    <p:sldId id="271" r:id="rId9"/>
+    <p:sldId id="258" r:id="rId10"/>
+    <p:sldId id="266" r:id="rId11"/>
+    <p:sldId id="257" r:id="rId12"/>
+    <p:sldId id="259" r:id="rId13"/>
+    <p:sldId id="269" r:id="rId14"/>
   </p:sldIdLst>
   <p:sldSz cx="9144000" cy="6858000" type="screen4x3"/>
   <p:notesSz cx="6669088" cy="9928225"/>
@@ -1302,15 +1303,28 @@
             </a:r>
             <a:r>
               <a:rPr lang="es-AR" baseline="0" dirty="0" smtClean="0"/>
-              <a:t> tardes.</a:t>
-            </a:r>
-          </a:p>
-          <a:p>
-            <a:r>
-              <a:rPr lang="es-AR" baseline="0" dirty="0" smtClean="0"/>
-              <a:t>Yo soy X, y estamos junto a mis colegas, A, B, C, D y E, para contarles sobre nuestro proyecto.</a:t>
-            </a:r>
-            <a:endParaRPr lang="es-AR" dirty="0"/>
+              <a:t> tardes</a:t>
+            </a:r>
+            <a:r>
+              <a:rPr lang="es-AR" baseline="0" dirty="0" smtClean="0"/>
+              <a:t>. Muchas gracias por venir</a:t>
+            </a:r>
+            <a:endParaRPr lang="es-AR" baseline="0" dirty="0" smtClean="0"/>
+          </a:p>
+          <a:p>
+            <a:r>
+              <a:rPr lang="es-AR" baseline="0" dirty="0" smtClean="0"/>
+              <a:t>Yo soy Alejandra </a:t>
+            </a:r>
+            <a:r>
+              <a:rPr lang="es-AR" baseline="0" dirty="0" err="1" smtClean="0"/>
+              <a:t>Stamato</a:t>
+            </a:r>
+            <a:r>
+              <a:rPr lang="es-AR" baseline="0" smtClean="0"/>
+              <a:t>,</a:t>
+            </a:r>
+            <a:endParaRPr lang="es-AR" baseline="0" dirty="0" smtClean="0"/>
           </a:p>
         </p:txBody>
       </p:sp>
@@ -1397,394 +1411,165 @@
           <a:p>
             <a:r>
               <a:rPr lang="es-AR" dirty="0" smtClean="0"/>
-              <a:t>En ese escenario, hemos tomado los datos de una empresa</a:t>
-            </a:r>
-            <a:r>
-              <a:rPr lang="es-AR" baseline="0" dirty="0" smtClean="0"/>
-              <a:t> similar (como </a:t>
+              <a:t>Nuestro elemento fundamental</a:t>
+            </a:r>
+            <a:r>
+              <a:rPr lang="es-AR" baseline="0" dirty="0" smtClean="0"/>
+              <a:t> de recaudación de ingresos y retorno de inversión es, además de las descargas pagas de la aplicación como ya hemos mencionado previamente, el brindar un espacio de publicidad a nuestros sponsors.</a:t>
+            </a:r>
+          </a:p>
+          <a:p>
+            <a:r>
+              <a:rPr lang="es-AR" baseline="0" dirty="0" smtClean="0"/>
+              <a:t>La publicidad embebida en la aplicación genera ingresos tanto por cantidad de </a:t>
             </a:r>
             <a:r>
               <a:rPr lang="es-AR" baseline="0" dirty="0" err="1" smtClean="0"/>
-              <a:t>Foursqare</a:t>
-            </a:r>
-            <a:r>
-              <a:rPr lang="es-AR" baseline="0" dirty="0" smtClean="0"/>
-              <a:t>) y su crecimiento en sus dos primeros años. Para quienes no conozcan esta compañía, la misma </a:t>
-            </a:r>
-            <a:r>
-              <a:rPr lang="es-AR" sz="1200" b="0" i="0" kern="1200" dirty="0" smtClean="0">
-                <a:solidFill>
-                  <a:schemeClr val="tx1"/>
-                </a:solidFill>
-                <a:effectLst/>
-                <a:latin typeface="+mn-lt"/>
-                <a:ea typeface="+mn-ea"/>
-                <a:cs typeface="+mn-cs"/>
-              </a:rPr>
-              <a:t>es un </a:t>
-            </a:r>
-            <a:r>
-              <a:rPr lang="es-AR" sz="1200" b="0" i="0" u="none" strike="noStrike" kern="1200" dirty="0" smtClean="0">
-                <a:solidFill>
-                  <a:schemeClr val="tx1"/>
-                </a:solidFill>
-                <a:effectLst/>
-                <a:latin typeface="+mn-lt"/>
-                <a:ea typeface="+mn-ea"/>
-                <a:cs typeface="+mn-cs"/>
-                <a:hlinkClick r:id="rId3" tooltip="Servicio basado en localización"/>
-              </a:rPr>
-              <a:t>servicio basado en localización</a:t>
-            </a:r>
-            <a:r>
-              <a:rPr lang="es-AR" sz="1200" b="0" i="0" kern="1200" dirty="0" smtClean="0">
-                <a:solidFill>
-                  <a:schemeClr val="tx1"/>
-                </a:solidFill>
-                <a:effectLst/>
-                <a:latin typeface="+mn-lt"/>
-                <a:ea typeface="+mn-ea"/>
-                <a:cs typeface="+mn-cs"/>
-              </a:rPr>
-              <a:t> web aplicada a las </a:t>
-            </a:r>
-            <a:r>
-              <a:rPr lang="es-AR" sz="1200" b="0" i="0" u="none" strike="noStrike" kern="1200" dirty="0" smtClean="0">
-                <a:solidFill>
-                  <a:schemeClr val="tx1"/>
-                </a:solidFill>
-                <a:effectLst/>
-                <a:latin typeface="+mn-lt"/>
-                <a:ea typeface="+mn-ea"/>
-                <a:cs typeface="+mn-cs"/>
-                <a:hlinkClick r:id="rId4" tooltip="Redes sociales"/>
-              </a:rPr>
-              <a:t>redes sociales</a:t>
-            </a:r>
-            <a:r>
-              <a:rPr lang="es-AR" sz="1200" b="0" i="0" kern="1200" dirty="0" smtClean="0">
-                <a:solidFill>
-                  <a:schemeClr val="tx1"/>
-                </a:solidFill>
-                <a:effectLst/>
-                <a:latin typeface="+mn-lt"/>
-                <a:ea typeface="+mn-ea"/>
-                <a:cs typeface="+mn-cs"/>
-              </a:rPr>
-              <a:t>. La </a:t>
-            </a:r>
-            <a:r>
-              <a:rPr lang="es-AR" sz="1200" b="0" i="0" kern="1200" dirty="0" err="1" smtClean="0">
-                <a:solidFill>
-                  <a:schemeClr val="tx1"/>
-                </a:solidFill>
-                <a:effectLst/>
-                <a:latin typeface="+mn-lt"/>
-                <a:ea typeface="+mn-ea"/>
-                <a:cs typeface="+mn-cs"/>
-              </a:rPr>
-              <a:t>geolocalización</a:t>
-            </a:r>
-            <a:r>
-              <a:rPr lang="es-AR" sz="1200" b="0" i="0" kern="1200" dirty="0" smtClean="0">
-                <a:solidFill>
-                  <a:schemeClr val="tx1"/>
-                </a:solidFill>
-                <a:effectLst/>
-                <a:latin typeface="+mn-lt"/>
-                <a:ea typeface="+mn-ea"/>
-                <a:cs typeface="+mn-cs"/>
-              </a:rPr>
-              <a:t> permite localizar un dispositivo fijo o móvil en una ubicación geográfica.</a:t>
-            </a:r>
-            <a:r>
-              <a:rPr lang="es-AR" sz="1200" b="0" i="0" kern="1200" baseline="0" dirty="0" smtClean="0">
-                <a:solidFill>
-                  <a:schemeClr val="tx1"/>
-                </a:solidFill>
-                <a:effectLst/>
-                <a:latin typeface="+mn-lt"/>
-                <a:ea typeface="+mn-ea"/>
-                <a:cs typeface="+mn-cs"/>
-              </a:rPr>
-              <a:t> Si bien es una aplicación exitosa, no es considerada como una aplicación especialmente </a:t>
-            </a:r>
-            <a:r>
-              <a:rPr lang="es-AR" sz="1200" b="0" i="0" kern="1200" baseline="0" dirty="0" err="1" smtClean="0">
-                <a:solidFill>
-                  <a:schemeClr val="tx1"/>
-                </a:solidFill>
-                <a:effectLst/>
-                <a:latin typeface="+mn-lt"/>
-                <a:ea typeface="+mn-ea"/>
-                <a:cs typeface="+mn-cs"/>
-              </a:rPr>
-              <a:t>virosica</a:t>
-            </a:r>
-            <a:r>
-              <a:rPr lang="es-AR" sz="1200" b="0" i="0" kern="1200" baseline="0" dirty="0" smtClean="0">
-                <a:solidFill>
-                  <a:schemeClr val="tx1"/>
-                </a:solidFill>
-                <a:effectLst/>
-                <a:latin typeface="+mn-lt"/>
-                <a:ea typeface="+mn-ea"/>
-                <a:cs typeface="+mn-cs"/>
-              </a:rPr>
-              <a:t> ni con un extremo furor. La misma alcanzo a los 2 años de su lanzamiento 8 millones de usuarios. </a:t>
-            </a:r>
-          </a:p>
-          <a:p>
-            <a:r>
-              <a:rPr lang="es-AR" sz="1200" b="0" i="0" kern="1200" baseline="0" dirty="0" smtClean="0">
-                <a:solidFill>
-                  <a:schemeClr val="tx1"/>
-                </a:solidFill>
-                <a:effectLst/>
-                <a:latin typeface="+mn-lt"/>
-                <a:ea typeface="+mn-ea"/>
-                <a:cs typeface="+mn-cs"/>
-              </a:rPr>
-              <a:t>Lo consiguió al expandirse en varias plataformas (a los 3 meses de su lanzamiento) así como en varias regiones (su </a:t>
-            </a:r>
-            <a:r>
-              <a:rPr lang="es-AR" sz="1200" b="0" i="0" kern="1200" baseline="0" dirty="0" err="1" smtClean="0">
-                <a:solidFill>
-                  <a:schemeClr val="tx1"/>
-                </a:solidFill>
-                <a:effectLst/>
-                <a:latin typeface="+mn-lt"/>
-                <a:ea typeface="+mn-ea"/>
-                <a:cs typeface="+mn-cs"/>
-              </a:rPr>
-              <a:t>aplicaciónes</a:t>
-            </a:r>
-            <a:r>
-              <a:rPr lang="es-AR" sz="1200" b="0" i="0" kern="1200" baseline="0" dirty="0" smtClean="0">
-                <a:solidFill>
-                  <a:schemeClr val="tx1"/>
-                </a:solidFill>
-                <a:effectLst/>
-                <a:latin typeface="+mn-lt"/>
-                <a:ea typeface="+mn-ea"/>
-                <a:cs typeface="+mn-cs"/>
-              </a:rPr>
-              <a:t> multilenguaje) (a los 6 meses). </a:t>
-            </a:r>
-          </a:p>
-          <a:p>
-            <a:r>
-              <a:rPr lang="es-AR" sz="1200" b="0" i="0" kern="1200" baseline="0" dirty="0" smtClean="0">
-                <a:solidFill>
-                  <a:schemeClr val="tx1"/>
-                </a:solidFill>
-                <a:effectLst/>
-                <a:latin typeface="+mn-lt"/>
-                <a:ea typeface="+mn-ea"/>
-                <a:cs typeface="+mn-cs"/>
-              </a:rPr>
-              <a:t>Si consideramos que nuestra aplicación tiene todas a favor para resultar aún mas exitosa que esta aplicación y suponiendo que se realiza el soporte necesarios para dar soporte a diversos lenguajes y plataformas, se </a:t>
-            </a:r>
-            <a:r>
-              <a:rPr lang="es-AR" sz="1200" b="0" i="0" kern="1200" baseline="0" dirty="0" err="1" smtClean="0">
-                <a:solidFill>
-                  <a:schemeClr val="tx1"/>
-                </a:solidFill>
-                <a:effectLst/>
-                <a:latin typeface="+mn-lt"/>
-                <a:ea typeface="+mn-ea"/>
-                <a:cs typeface="+mn-cs"/>
-              </a:rPr>
-              <a:t>podria</a:t>
-            </a:r>
-            <a:r>
-              <a:rPr lang="es-AR" sz="1200" b="0" i="0" kern="1200" baseline="0" dirty="0" smtClean="0">
-                <a:solidFill>
-                  <a:schemeClr val="tx1"/>
-                </a:solidFill>
-                <a:effectLst/>
-                <a:latin typeface="+mn-lt"/>
-                <a:ea typeface="+mn-ea"/>
-                <a:cs typeface="+mn-cs"/>
-              </a:rPr>
-              <a:t> alcanzar sin inconvenientes el mismo nivel de usuarios. </a:t>
-            </a:r>
-          </a:p>
-          <a:p>
-            <a:r>
-              <a:rPr lang="es-AR" sz="1200" b="0" i="0" kern="1200" baseline="0" dirty="0" smtClean="0">
-                <a:solidFill>
-                  <a:schemeClr val="tx1"/>
-                </a:solidFill>
-                <a:effectLst/>
-                <a:latin typeface="+mn-lt"/>
-                <a:ea typeface="+mn-ea"/>
-                <a:cs typeface="+mn-cs"/>
-              </a:rPr>
-              <a:t>En lo referente a ingresos, los mismos serían al alcanzar los 2 años de entre los 270k a 400k al mes, teniendo en cuenta los mismos precios para las publicidades que en el escenario anterior. </a:t>
-            </a:r>
-          </a:p>
-          <a:p>
-            <a:r>
-              <a:rPr lang="es-AR" sz="1200" b="0" i="0" kern="1200" baseline="0" dirty="0" smtClean="0">
-                <a:solidFill>
-                  <a:schemeClr val="tx1"/>
-                </a:solidFill>
-                <a:effectLst/>
-                <a:latin typeface="+mn-lt"/>
-                <a:ea typeface="+mn-ea"/>
-                <a:cs typeface="+mn-cs"/>
-              </a:rPr>
-              <a:t>EN lo referente a los gastos, los mismos serían proporcionalmente algo más elevados (entre el 21%-23%) ya que es necesario contar con un grupo de desarrolladores para mantener la actualización de la aplicación. Esto nos </a:t>
-            </a:r>
-            <a:r>
-              <a:rPr lang="es-AR" sz="1200" b="0" i="0" kern="1200" baseline="0" dirty="0" err="1" smtClean="0">
-                <a:solidFill>
-                  <a:schemeClr val="tx1"/>
-                </a:solidFill>
-                <a:effectLst/>
-                <a:latin typeface="+mn-lt"/>
-                <a:ea typeface="+mn-ea"/>
-                <a:cs typeface="+mn-cs"/>
-              </a:rPr>
-              <a:t>daria</a:t>
-            </a:r>
-            <a:r>
-              <a:rPr lang="es-AR" sz="1200" b="0" i="0" kern="1200" baseline="0" dirty="0" smtClean="0">
-                <a:solidFill>
-                  <a:schemeClr val="tx1"/>
-                </a:solidFill>
-                <a:effectLst/>
-                <a:latin typeface="+mn-lt"/>
-                <a:ea typeface="+mn-ea"/>
-                <a:cs typeface="+mn-cs"/>
-              </a:rPr>
-              <a:t> unas </a:t>
-            </a:r>
-            <a:r>
-              <a:rPr lang="es-AR" sz="1200" b="0" i="0" kern="1200" baseline="0" dirty="0" err="1" smtClean="0">
-                <a:solidFill>
-                  <a:schemeClr val="tx1"/>
-                </a:solidFill>
-                <a:effectLst/>
-                <a:latin typeface="+mn-lt"/>
-                <a:ea typeface="+mn-ea"/>
-                <a:cs typeface="+mn-cs"/>
-              </a:rPr>
-              <a:t>ganacias</a:t>
-            </a:r>
-            <a:r>
-              <a:rPr lang="es-AR" sz="1200" b="0" i="0" kern="1200" baseline="0" dirty="0" smtClean="0">
-                <a:solidFill>
-                  <a:schemeClr val="tx1"/>
-                </a:solidFill>
-                <a:effectLst/>
-                <a:latin typeface="+mn-lt"/>
-                <a:ea typeface="+mn-ea"/>
-                <a:cs typeface="+mn-cs"/>
-              </a:rPr>
-              <a:t> de aproximadamente 200 a 300k. Como pueden ver, un gran negocio. </a:t>
-            </a:r>
-          </a:p>
-          <a:p>
-            <a:r>
-              <a:rPr lang="es-AR" sz="1200" b="0" i="0" kern="1200" baseline="0" dirty="0" smtClean="0">
-                <a:solidFill>
-                  <a:schemeClr val="tx1"/>
-                </a:solidFill>
-                <a:effectLst/>
-                <a:latin typeface="+mn-lt"/>
-                <a:ea typeface="+mn-ea"/>
-                <a:cs typeface="+mn-cs"/>
-              </a:rPr>
-              <a:t>Un detalle de color que nos gustaría destacar es que a los 18 meses del lanzamiento, </a:t>
-            </a:r>
-            <a:r>
-              <a:rPr lang="es-AR" sz="1200" b="0" i="0" kern="1200" baseline="0" dirty="0" err="1" smtClean="0">
-                <a:solidFill>
-                  <a:schemeClr val="tx1"/>
-                </a:solidFill>
-                <a:effectLst/>
-                <a:latin typeface="+mn-lt"/>
-                <a:ea typeface="+mn-ea"/>
-                <a:cs typeface="+mn-cs"/>
-              </a:rPr>
-              <a:t>facebook</a:t>
-            </a:r>
-            <a:r>
-              <a:rPr lang="es-AR" sz="1200" b="0" i="0" kern="1200" baseline="0" dirty="0" smtClean="0">
-                <a:solidFill>
-                  <a:schemeClr val="tx1"/>
-                </a:solidFill>
-                <a:effectLst/>
-                <a:latin typeface="+mn-lt"/>
-                <a:ea typeface="+mn-ea"/>
-                <a:cs typeface="+mn-cs"/>
-              </a:rPr>
-              <a:t> lanzó una aplicación similar que como pueden ver afectó realmente poco el crecimiento de la aplicación.</a:t>
-            </a:r>
-          </a:p>
-          <a:p>
-            <a:r>
-              <a:rPr lang="es-AR" sz="1200" b="0" i="0" kern="1200" baseline="0" dirty="0" smtClean="0">
-                <a:solidFill>
-                  <a:schemeClr val="tx1"/>
-                </a:solidFill>
-                <a:effectLst/>
-                <a:latin typeface="+mn-lt"/>
-                <a:ea typeface="+mn-ea"/>
-                <a:cs typeface="+mn-cs"/>
-              </a:rPr>
-              <a:t>Finalmente un último detalle no menor es que la empresa </a:t>
-            </a:r>
-            <a:r>
-              <a:rPr lang="es-AR" sz="1200" b="0" i="0" kern="1200" baseline="0" dirty="0" err="1" smtClean="0">
-                <a:solidFill>
-                  <a:schemeClr val="tx1"/>
-                </a:solidFill>
-                <a:effectLst/>
-                <a:latin typeface="+mn-lt"/>
-                <a:ea typeface="+mn-ea"/>
-                <a:cs typeface="+mn-cs"/>
-              </a:rPr>
-              <a:t>Foursqare</a:t>
-            </a:r>
-            <a:r>
-              <a:rPr lang="es-AR" sz="1200" b="0" i="0" kern="1200" baseline="0" dirty="0" smtClean="0">
-                <a:solidFill>
-                  <a:schemeClr val="tx1"/>
-                </a:solidFill>
-                <a:effectLst/>
-                <a:latin typeface="+mn-lt"/>
-                <a:ea typeface="+mn-ea"/>
-                <a:cs typeface="+mn-cs"/>
-              </a:rPr>
-              <a:t> posee hoy en día (4 años después de su lanzamiento)  posee 30 millones de usuarios, realizando las cuentas bajo el mismo modelo, daría un ingreso de 1millon de </a:t>
-            </a:r>
-            <a:r>
-              <a:rPr lang="es-AR" sz="1200" b="0" i="0" kern="1200" baseline="0" dirty="0" err="1" smtClean="0">
-                <a:solidFill>
-                  <a:schemeClr val="tx1"/>
-                </a:solidFill>
-                <a:effectLst/>
-                <a:latin typeface="+mn-lt"/>
-                <a:ea typeface="+mn-ea"/>
-                <a:cs typeface="+mn-cs"/>
-              </a:rPr>
-              <a:t>dolares</a:t>
-            </a:r>
-            <a:r>
-              <a:rPr lang="es-AR" sz="1200" b="0" i="0" kern="1200" baseline="0" dirty="0" smtClean="0">
-                <a:solidFill>
-                  <a:schemeClr val="tx1"/>
-                </a:solidFill>
-                <a:effectLst/>
-                <a:latin typeface="+mn-lt"/>
-                <a:ea typeface="+mn-ea"/>
-                <a:cs typeface="+mn-cs"/>
-              </a:rPr>
-              <a:t> al mes.</a:t>
-            </a:r>
+              <a:t>vistar</a:t>
+            </a:r>
+            <a:r>
+              <a:rPr lang="es-AR" baseline="0" dirty="0" smtClean="0"/>
+              <a:t>, es decir cada vez que un usuario accede a la aplicación, como por cantidad de </a:t>
+            </a:r>
+            <a:r>
+              <a:rPr lang="es-AR" baseline="0" dirty="0" err="1" smtClean="0"/>
+              <a:t>clicks</a:t>
+            </a:r>
+            <a:r>
+              <a:rPr lang="es-AR" baseline="0" dirty="0" smtClean="0"/>
+              <a:t> que el usuario realizar sobre el banner de publicidad.</a:t>
+            </a:r>
+          </a:p>
+          <a:p>
+            <a:r>
+              <a:rPr lang="es-AR" baseline="0" dirty="0" smtClean="0"/>
+              <a:t>Ahora  a continuación detallaremos más cómo se compondrá el </a:t>
+            </a:r>
+            <a:r>
+              <a:rPr lang="es-AR" baseline="0" dirty="0" err="1" smtClean="0"/>
+              <a:t>cashflow</a:t>
+            </a:r>
+            <a:r>
+              <a:rPr lang="es-AR" baseline="0" dirty="0" smtClean="0"/>
+              <a:t> del negocio, teniendo en cuenta este ingreso inmediato.</a:t>
+            </a:r>
+          </a:p>
+          <a:p>
+            <a:pPr marL="0" marR="0" indent="0" algn="l" defTabSz="914400" rtl="0" eaLnBrk="1" fontAlgn="auto" latinLnBrk="0" hangingPunct="1">
+              <a:lnSpc>
+                <a:spcPct val="100000"/>
+              </a:lnSpc>
+              <a:spcBef>
+                <a:spcPts val="0"/>
+              </a:spcBef>
+              <a:spcAft>
+                <a:spcPts val="0"/>
+              </a:spcAft>
+              <a:buClrTx/>
+              <a:buSzTx/>
+              <a:buFontTx/>
+              <a:buNone/>
+              <a:tabLst/>
+              <a:defRPr/>
+            </a:pPr>
+            <a:endParaRPr lang="es-AR" baseline="0" dirty="0" smtClean="0"/>
+          </a:p>
+          <a:p>
+            <a:pPr marL="0" marR="0" indent="0" algn="l" defTabSz="914400" rtl="0" eaLnBrk="1" fontAlgn="auto" latinLnBrk="0" hangingPunct="1">
+              <a:lnSpc>
+                <a:spcPct val="100000"/>
+              </a:lnSpc>
+              <a:spcBef>
+                <a:spcPts val="0"/>
+              </a:spcBef>
+              <a:spcAft>
+                <a:spcPts val="0"/>
+              </a:spcAft>
+              <a:buClrTx/>
+              <a:buSzTx/>
+              <a:buFontTx/>
+              <a:buNone/>
+              <a:tabLst/>
+              <a:defRPr/>
+            </a:pPr>
+            <a:r>
+              <a:rPr lang="es-AR" baseline="0" dirty="0" smtClean="0"/>
+              <a:t>Para los escenarios que mostraremos a continuación se ha tenido en cuenta ingresos provenientes de la publicidad y de la </a:t>
+            </a:r>
+            <a:r>
+              <a:rPr lang="es-AR" baseline="0" dirty="0" err="1" smtClean="0"/>
+              <a:t>version</a:t>
+            </a:r>
+            <a:r>
+              <a:rPr lang="es-AR" baseline="0" dirty="0" smtClean="0"/>
+              <a:t> paga:</a:t>
+            </a:r>
+          </a:p>
+          <a:p>
+            <a:pPr marL="0" marR="0" indent="0" algn="l" defTabSz="914400" rtl="0" eaLnBrk="1" fontAlgn="auto" latinLnBrk="0" hangingPunct="1">
+              <a:lnSpc>
+                <a:spcPct val="100000"/>
+              </a:lnSpc>
+              <a:spcBef>
+                <a:spcPts val="0"/>
+              </a:spcBef>
+              <a:spcAft>
+                <a:spcPts val="0"/>
+              </a:spcAft>
+              <a:buClrTx/>
+              <a:buSzTx/>
+              <a:buFontTx/>
+              <a:buNone/>
+              <a:tabLst/>
+              <a:defRPr/>
+            </a:pPr>
+            <a:r>
+              <a:rPr lang="es-AR" baseline="0" dirty="0" smtClean="0"/>
+              <a:t>la descarga de aplicación a 1 dólar (para la versión paga) los ingresos por </a:t>
+            </a:r>
+            <a:r>
+              <a:rPr lang="es-AR" baseline="0" dirty="0" err="1" smtClean="0"/>
+              <a:t>google</a:t>
+            </a:r>
+            <a:r>
+              <a:rPr lang="es-AR" baseline="0" dirty="0" smtClean="0"/>
+              <a:t> </a:t>
+            </a:r>
+            <a:r>
+              <a:rPr lang="es-AR" baseline="0" dirty="0" err="1" smtClean="0"/>
+              <a:t>Adds</a:t>
+            </a:r>
+            <a:r>
+              <a:rPr lang="es-AR" baseline="0" dirty="0" smtClean="0"/>
+              <a:t> en base a la cantidad de vistas y </a:t>
+            </a:r>
+            <a:r>
+              <a:rPr lang="es-AR" baseline="0" dirty="0" err="1" smtClean="0"/>
+              <a:t>clicks</a:t>
+            </a:r>
+            <a:r>
+              <a:rPr lang="es-AR" baseline="0" dirty="0" smtClean="0"/>
+              <a:t>. Para esto último se ha considerado los valores más bajos del mercado, es decir, tan solo 15 (15-30)  centavos por </a:t>
+            </a:r>
+            <a:r>
+              <a:rPr lang="es-AR" baseline="0" dirty="0" err="1" smtClean="0"/>
+              <a:t>clicks</a:t>
+            </a:r>
+            <a:r>
+              <a:rPr lang="es-AR" baseline="0" dirty="0" smtClean="0"/>
+              <a:t>, una probabilidad de </a:t>
+            </a:r>
+            <a:r>
+              <a:rPr lang="es-AR" baseline="0" dirty="0" err="1" smtClean="0"/>
+              <a:t>click</a:t>
+            </a:r>
+            <a:r>
+              <a:rPr lang="es-AR" baseline="0" dirty="0" smtClean="0"/>
+              <a:t> de 1,5% (1,5%-2,5%)  y 10 centavo por cada mil vistas.</a:t>
+            </a:r>
+          </a:p>
+          <a:p>
+            <a:endParaRPr lang="es-AR" dirty="0"/>
           </a:p>
         </p:txBody>
       </p:sp>
@@ -1815,7 +1600,7 @@
     </p:spTree>
     <p:extLst>
       <p:ext uri="{BB962C8B-B14F-4D97-AF65-F5344CB8AC3E}">
-        <p14:creationId xmlns:p14="http://schemas.microsoft.com/office/powerpoint/2010/main" val="3000085410"/>
+        <p14:creationId xmlns:p14="http://schemas.microsoft.com/office/powerpoint/2010/main" val="1057133531"/>
       </p:ext>
     </p:extLst>
   </p:cSld>
@@ -1844,7 +1629,7 @@
       </p:grpSpPr>
       <p:sp>
         <p:nvSpPr>
-          <p:cNvPr id="2" name="1 Marcador de imagen de diapositiva"/>
+          <p:cNvPr id="2" name="Slide Image Placeholder 1"/>
           <p:cNvSpPr>
             <a:spLocks noGrp="1" noRot="1" noChangeAspect="1"/>
           </p:cNvSpPr>
@@ -1856,7 +1641,7 @@
       </p:sp>
       <p:sp>
         <p:nvSpPr>
-          <p:cNvPr id="3" name="2 Marcador de notas"/>
+          <p:cNvPr id="3" name="Notes Placeholder 2"/>
           <p:cNvSpPr>
             <a:spLocks noGrp="1"/>
           </p:cNvSpPr>
@@ -1866,1243 +1651,142 @@
         </p:nvSpPr>
         <p:spPr/>
         <p:txBody>
-          <a:bodyPr>
-            <a:normAutofit lnSpcReduction="10000"/>
-          </a:bodyPr>
+          <a:bodyPr/>
           <a:lstStyle/>
           <a:p>
             <a:r>
-              <a:rPr lang="en-US" dirty="0" smtClean="0"/>
-              <a:t>Las </a:t>
-            </a:r>
-            <a:r>
-              <a:rPr lang="en-US" dirty="0" err="1" smtClean="0"/>
-              <a:t>cuestiones</a:t>
-            </a:r>
-            <a:r>
-              <a:rPr lang="en-US" dirty="0" smtClean="0"/>
-              <a:t> finales</a:t>
-            </a:r>
-            <a:r>
-              <a:rPr lang="en-US" baseline="0" dirty="0" smtClean="0"/>
-              <a:t> a </a:t>
-            </a:r>
-            <a:r>
-              <a:rPr lang="en-US" baseline="0" dirty="0" err="1" smtClean="0"/>
-              <a:t>considerar</a:t>
-            </a:r>
-            <a:r>
-              <a:rPr lang="en-US" baseline="0" dirty="0" smtClean="0"/>
-              <a:t> son: </a:t>
-            </a:r>
-            <a:r>
-              <a:rPr lang="en-US" baseline="0" dirty="0" err="1" smtClean="0"/>
-              <a:t>como</a:t>
-            </a:r>
-            <a:r>
-              <a:rPr lang="en-US" baseline="0" dirty="0" smtClean="0"/>
-              <a:t> </a:t>
-            </a:r>
-            <a:r>
-              <a:rPr lang="en-US" baseline="0" dirty="0" err="1" smtClean="0"/>
-              <a:t>expandimos</a:t>
-            </a:r>
-            <a:r>
-              <a:rPr lang="en-US" baseline="0" dirty="0" smtClean="0"/>
-              <a:t> el </a:t>
-            </a:r>
-            <a:r>
-              <a:rPr lang="en-US" baseline="0" dirty="0" err="1" smtClean="0"/>
-              <a:t>producto</a:t>
-            </a:r>
-            <a:r>
-              <a:rPr lang="en-US" baseline="0" dirty="0" smtClean="0"/>
-              <a:t>? Como lo </a:t>
-            </a:r>
-            <a:r>
-              <a:rPr lang="en-US" baseline="0" dirty="0" err="1" smtClean="0"/>
-              <a:t>difundimos</a:t>
-            </a:r>
-            <a:r>
-              <a:rPr lang="en-US" baseline="0" dirty="0" smtClean="0"/>
-              <a:t>? Como </a:t>
-            </a:r>
-            <a:r>
-              <a:rPr lang="en-US" baseline="0" dirty="0" err="1" smtClean="0"/>
-              <a:t>logramos</a:t>
-            </a:r>
-            <a:r>
-              <a:rPr lang="en-US" baseline="0" dirty="0" smtClean="0"/>
-              <a:t> </a:t>
-            </a:r>
-            <a:r>
-              <a:rPr lang="en-US" baseline="0" dirty="0" err="1" smtClean="0"/>
-              <a:t>que</a:t>
-            </a:r>
-            <a:r>
-              <a:rPr lang="en-US" baseline="0" dirty="0" smtClean="0"/>
-              <a:t> sea </a:t>
-            </a:r>
-            <a:r>
-              <a:rPr lang="en-US" baseline="0" dirty="0" err="1" smtClean="0"/>
-              <a:t>aceptado</a:t>
-            </a:r>
-            <a:r>
-              <a:rPr lang="en-US" baseline="0" dirty="0" smtClean="0"/>
-              <a:t> y </a:t>
-            </a:r>
-            <a:r>
-              <a:rPr lang="en-US" baseline="0" dirty="0" err="1" smtClean="0"/>
-              <a:t>necesitado</a:t>
-            </a:r>
-            <a:r>
-              <a:rPr lang="en-US" baseline="0" dirty="0" smtClean="0"/>
-              <a:t> </a:t>
-            </a:r>
-            <a:r>
-              <a:rPr lang="en-US" baseline="0" dirty="0" err="1" smtClean="0"/>
-              <a:t>por</a:t>
-            </a:r>
-            <a:r>
-              <a:rPr lang="en-US" baseline="0" dirty="0" smtClean="0"/>
-              <a:t> </a:t>
-            </a:r>
-            <a:r>
-              <a:rPr lang="en-US" baseline="0" dirty="0" err="1" smtClean="0"/>
-              <a:t>las</a:t>
-            </a:r>
-            <a:r>
-              <a:rPr lang="en-US" baseline="0" dirty="0" smtClean="0"/>
-              <a:t> personas?</a:t>
-            </a:r>
-          </a:p>
-          <a:p>
-            <a:endParaRPr lang="en-US" baseline="0" dirty="0" smtClean="0"/>
-          </a:p>
-          <a:p>
-            <a:r>
-              <a:rPr lang="en-US" baseline="0" dirty="0" err="1" smtClean="0"/>
-              <a:t>Hemos</a:t>
-            </a:r>
-            <a:r>
-              <a:rPr lang="en-US" baseline="0" dirty="0" smtClean="0"/>
-              <a:t> </a:t>
-            </a:r>
-            <a:r>
-              <a:rPr lang="en-US" baseline="0" dirty="0" err="1" smtClean="0"/>
-              <a:t>desarrollado</a:t>
-            </a:r>
-            <a:r>
-              <a:rPr lang="en-US" baseline="0" dirty="0" smtClean="0"/>
-              <a:t> </a:t>
-            </a:r>
-            <a:r>
-              <a:rPr lang="en-US" baseline="0" dirty="0" err="1" smtClean="0"/>
-              <a:t>una</a:t>
-            </a:r>
-            <a:r>
-              <a:rPr lang="en-US" baseline="0" dirty="0" smtClean="0"/>
-              <a:t> </a:t>
-            </a:r>
-            <a:r>
-              <a:rPr lang="en-US" baseline="0" dirty="0" err="1" smtClean="0"/>
-              <a:t>estrategia</a:t>
-            </a:r>
-            <a:r>
-              <a:rPr lang="en-US" baseline="0" dirty="0" smtClean="0"/>
-              <a:t> </a:t>
-            </a:r>
-            <a:r>
-              <a:rPr lang="en-US" baseline="0" dirty="0" err="1" smtClean="0"/>
-              <a:t>que</a:t>
-            </a:r>
-            <a:r>
-              <a:rPr lang="en-US" baseline="0" dirty="0" smtClean="0"/>
-              <a:t> </a:t>
-            </a:r>
-            <a:r>
-              <a:rPr lang="en-US" baseline="0" dirty="0" err="1" smtClean="0"/>
-              <a:t>consideramos</a:t>
-            </a:r>
-            <a:r>
-              <a:rPr lang="en-US" baseline="0" dirty="0" smtClean="0"/>
-              <a:t> </a:t>
-            </a:r>
-            <a:r>
-              <a:rPr lang="en-US" baseline="0" dirty="0" err="1" smtClean="0"/>
-              <a:t>que</a:t>
-            </a:r>
-            <a:r>
-              <a:rPr lang="en-US" baseline="0" dirty="0" smtClean="0"/>
-              <a:t> </a:t>
-            </a:r>
-            <a:r>
-              <a:rPr lang="en-US" baseline="0" dirty="0" err="1" smtClean="0"/>
-              <a:t>lograra</a:t>
-            </a:r>
-            <a:r>
-              <a:rPr lang="en-US" baseline="0" dirty="0" smtClean="0"/>
-              <a:t> </a:t>
-            </a:r>
-            <a:r>
-              <a:rPr lang="en-US" baseline="0" dirty="0" err="1" smtClean="0"/>
-              <a:t>cubrir</a:t>
-            </a:r>
-            <a:r>
-              <a:rPr lang="en-US" baseline="0" dirty="0" smtClean="0"/>
-              <a:t> </a:t>
-            </a:r>
-            <a:r>
-              <a:rPr lang="en-US" baseline="0" dirty="0" err="1" smtClean="0"/>
-              <a:t>estos</a:t>
-            </a:r>
-            <a:r>
-              <a:rPr lang="en-US" baseline="0" dirty="0" smtClean="0"/>
-              <a:t> </a:t>
-            </a:r>
-            <a:r>
-              <a:rPr lang="en-US" baseline="0" dirty="0" err="1" smtClean="0"/>
-              <a:t>aspectos</a:t>
-            </a:r>
-            <a:r>
-              <a:rPr lang="en-US" baseline="0" dirty="0" smtClean="0"/>
-              <a:t> de </a:t>
-            </a:r>
-            <a:r>
-              <a:rPr lang="en-US" baseline="0" dirty="0" err="1" smtClean="0"/>
-              <a:t>manera</a:t>
-            </a:r>
-            <a:r>
-              <a:rPr lang="en-US" baseline="0" dirty="0" smtClean="0"/>
-              <a:t> </a:t>
-            </a:r>
-            <a:r>
-              <a:rPr lang="en-US" baseline="0" dirty="0" err="1" smtClean="0"/>
-              <a:t>exitosa</a:t>
-            </a:r>
-            <a:r>
-              <a:rPr lang="en-US" baseline="0" dirty="0" smtClean="0"/>
-              <a:t>. </a:t>
-            </a:r>
-          </a:p>
-          <a:p>
-            <a:r>
-              <a:rPr lang="en-US" baseline="0" dirty="0" err="1" smtClean="0"/>
-              <a:t>Nos</a:t>
-            </a:r>
-            <a:r>
-              <a:rPr lang="en-US" baseline="0" dirty="0" smtClean="0"/>
-              <a:t> </a:t>
-            </a:r>
-            <a:r>
-              <a:rPr lang="en-US" baseline="0" dirty="0" err="1" smtClean="0"/>
-              <a:t>proponemos</a:t>
-            </a:r>
-            <a:r>
-              <a:rPr lang="en-US" baseline="0" dirty="0" smtClean="0"/>
-              <a:t> a </a:t>
-            </a:r>
-            <a:r>
-              <a:rPr lang="en-US" baseline="0" dirty="0" err="1" smtClean="0"/>
-              <a:t>utilizar</a:t>
-            </a:r>
-            <a:r>
-              <a:rPr lang="en-US" baseline="0" dirty="0" smtClean="0"/>
-              <a:t> un </a:t>
-            </a:r>
-            <a:r>
-              <a:rPr lang="en-US" baseline="0" dirty="0" err="1" smtClean="0"/>
-              <a:t>mecanismo</a:t>
-            </a:r>
-            <a:r>
-              <a:rPr lang="en-US" baseline="0" dirty="0" smtClean="0"/>
-              <a:t> de </a:t>
-            </a:r>
-            <a:r>
-              <a:rPr lang="en-US" baseline="0" dirty="0" err="1" smtClean="0"/>
-              <a:t>colaboracion</a:t>
-            </a:r>
-            <a:r>
-              <a:rPr lang="en-US" baseline="0" dirty="0" smtClean="0"/>
-              <a:t>/</a:t>
-            </a:r>
-            <a:r>
-              <a:rPr lang="en-US" baseline="0" dirty="0" err="1" smtClean="0"/>
-              <a:t>beneficio</a:t>
-            </a:r>
-            <a:r>
-              <a:rPr lang="en-US" baseline="0" dirty="0" smtClean="0"/>
-              <a:t> con los </a:t>
-            </a:r>
-            <a:r>
-              <a:rPr lang="en-US" baseline="0" dirty="0" err="1" smtClean="0"/>
-              <a:t>usuarios</a:t>
-            </a:r>
-            <a:r>
-              <a:rPr lang="en-US" baseline="0" dirty="0" smtClean="0"/>
-              <a:t> de la </a:t>
-            </a:r>
-            <a:r>
-              <a:rPr lang="en-US" baseline="0" dirty="0" err="1" smtClean="0"/>
-              <a:t>aplicacion</a:t>
-            </a:r>
-            <a:r>
-              <a:rPr lang="en-US" baseline="0" dirty="0" smtClean="0"/>
-              <a:t>, </a:t>
-            </a:r>
-            <a:r>
-              <a:rPr lang="en-US" baseline="0" dirty="0" err="1" smtClean="0"/>
-              <a:t>tal</a:t>
-            </a:r>
-            <a:r>
-              <a:rPr lang="en-US" baseline="0" dirty="0" smtClean="0"/>
-              <a:t> </a:t>
-            </a:r>
-            <a:r>
-              <a:rPr lang="en-US" baseline="0" dirty="0" err="1" smtClean="0"/>
-              <a:t>que</a:t>
-            </a:r>
-            <a:r>
-              <a:rPr lang="en-US" baseline="0" dirty="0" smtClean="0"/>
-              <a:t> </a:t>
-            </a:r>
-            <a:r>
-              <a:rPr lang="es-ES" baseline="0" noProof="0" dirty="0" smtClean="0"/>
-              <a:t>los</a:t>
-            </a:r>
-            <a:r>
-              <a:rPr lang="en-US" baseline="0" dirty="0" smtClean="0"/>
-              <a:t> motive a </a:t>
-            </a:r>
-            <a:r>
-              <a:rPr lang="en-US" baseline="0" dirty="0" err="1" smtClean="0"/>
-              <a:t>utilizar</a:t>
-            </a:r>
-            <a:r>
-              <a:rPr lang="en-US" baseline="0" dirty="0" smtClean="0"/>
-              <a:t> el </a:t>
-            </a:r>
-            <a:r>
-              <a:rPr lang="en-US" baseline="0" dirty="0" err="1" smtClean="0"/>
-              <a:t>producto</a:t>
-            </a:r>
-            <a:r>
-              <a:rPr lang="en-US" baseline="0" dirty="0" smtClean="0"/>
-              <a:t> con mayor </a:t>
-            </a:r>
-            <a:r>
-              <a:rPr lang="en-US" baseline="0" dirty="0" err="1" smtClean="0"/>
-              <a:t>frecuencia</a:t>
-            </a:r>
-            <a:r>
-              <a:rPr lang="en-US" baseline="0" dirty="0" smtClean="0"/>
-              <a:t> </a:t>
-            </a:r>
-            <a:r>
-              <a:rPr lang="en-US" baseline="0" dirty="0" err="1" smtClean="0"/>
+              <a:rPr lang="es-AR" dirty="0" smtClean="0"/>
+              <a:t>En primer lugar, mostraremos el peor caso,</a:t>
+            </a:r>
+            <a:r>
+              <a:rPr lang="es-AR" baseline="0" dirty="0" smtClean="0"/>
+              <a:t> en el que el producto no se expanda fuera del país y que luego de 2 años se estanque en un 3% del mercado nacional. En ese caso, hemos considerado solo el mercado de </a:t>
+            </a:r>
+            <a:r>
+              <a:rPr lang="es-AR" baseline="0" dirty="0" err="1" smtClean="0"/>
+              <a:t>android</a:t>
+            </a:r>
+            <a:r>
+              <a:rPr lang="es-AR" baseline="0" dirty="0" smtClean="0"/>
+              <a:t> y hemos tomado como patrón de crecimiento estadísticas de otras empresas conocidas. </a:t>
+            </a:r>
+          </a:p>
+          <a:p>
+            <a:r>
+              <a:rPr lang="es-AR" baseline="0" dirty="0" smtClean="0"/>
+              <a:t>Hemos generado dos escenarios posibles: uno que permite a los usuarios tener una versión paga (y sin publicidad) y otro sin esta opción. </a:t>
+            </a:r>
+            <a:r>
+              <a:rPr lang="es-AR" baseline="0" dirty="0" err="1" smtClean="0"/>
+              <a:t>Pára</a:t>
+            </a:r>
+            <a:r>
+              <a:rPr lang="es-AR" baseline="0" dirty="0" smtClean="0"/>
+              <a:t> calcular en el primer caso cuantos usuarios optarían por una versión paga, nos basamos en encuestas que nos devolvieron que el 10% de los usuarios </a:t>
+            </a:r>
+            <a:r>
+              <a:rPr lang="es-AR" baseline="0" dirty="0" err="1" smtClean="0"/>
+              <a:t>eligirían</a:t>
+            </a:r>
+            <a:r>
+              <a:rPr lang="es-AR" baseline="0" dirty="0" smtClean="0"/>
+              <a:t> esta </a:t>
+            </a:r>
+            <a:r>
+              <a:rPr lang="es-AR" baseline="0" dirty="0" err="1" smtClean="0"/>
+              <a:t>opcion</a:t>
+            </a:r>
+            <a:r>
+              <a:rPr lang="es-AR" baseline="0" dirty="0" smtClean="0"/>
+              <a:t>.</a:t>
+            </a:r>
+          </a:p>
+          <a:p>
+            <a:endParaRPr lang="es-AR" baseline="0" dirty="0" smtClean="0"/>
+          </a:p>
+          <a:p>
+            <a:r>
+              <a:rPr lang="es-AR" baseline="0" dirty="0" smtClean="0"/>
+              <a:t>En este gráfico se puede ver como la aplicación crecería fuertemente hasta el mes 11, llegando a los 100mil usuarios y finalmente iría disminuyendo su crecimiento a partir de ahí hasta estancarse en 160mil usuarios. </a:t>
+            </a:r>
+          </a:p>
+          <a:p>
+            <a:r>
+              <a:rPr lang="es-AR" baseline="0" dirty="0" smtClean="0"/>
+              <a:t>En lo referente la </a:t>
+            </a:r>
+            <a:r>
+              <a:rPr lang="es-AR" baseline="0" dirty="0" err="1" smtClean="0"/>
+              <a:t>variacion</a:t>
+            </a:r>
+            <a:r>
+              <a:rPr lang="es-AR" baseline="0" dirty="0" smtClean="0"/>
+              <a:t> de los ingresos, los mismas acompañan el crecimiento de la cantidad de usuarios, teniendo en el caso de la versión paga un crecimiento mas pronunciado mientras la aplicación este en plena expansión (casi 7k </a:t>
+            </a:r>
+            <a:r>
+              <a:rPr lang="es-AR" baseline="0" dirty="0" err="1" smtClean="0"/>
+              <a:t>dolares</a:t>
+            </a:r>
+            <a:r>
+              <a:rPr lang="es-AR" baseline="0" dirty="0" smtClean="0"/>
+              <a:t>). Finalmente ambos escenarios se estabilizarían luego de dos años entre 5800 y 7000</a:t>
+            </a:r>
+          </a:p>
+          <a:p>
+            <a:r>
+              <a:rPr lang="es-AR" baseline="0" dirty="0" smtClean="0"/>
+              <a:t>Los gastos para mantener la aplicación son entre el 19-21%, de acuerdo al escenario y otras variables. Para calcular los gastos, hemos tenido supuesto que almacenaremos la información en la nube y hemos calculado los precios basado en esto. Se han sumado el valor de almacenamiento, </a:t>
+            </a:r>
+            <a:r>
+              <a:rPr lang="es-AR" baseline="0" dirty="0" err="1" smtClean="0"/>
               <a:t>asi</a:t>
             </a:r>
             <a:r>
-              <a:rPr lang="en-US" baseline="0" dirty="0" smtClean="0"/>
-              <a:t> </a:t>
-            </a:r>
-            <a:r>
-              <a:rPr lang="en-US" baseline="0" dirty="0" err="1" smtClean="0"/>
-              <a:t>como</a:t>
-            </a:r>
-            <a:r>
-              <a:rPr lang="en-US" baseline="0" dirty="0" smtClean="0"/>
-              <a:t> </a:t>
-            </a:r>
-            <a:r>
-              <a:rPr lang="en-US" baseline="0" dirty="0" err="1" smtClean="0"/>
-              <a:t>recomendarlo</a:t>
-            </a:r>
-            <a:r>
-              <a:rPr lang="en-US" baseline="0" dirty="0" smtClean="0"/>
-              <a:t> y </a:t>
-            </a:r>
-            <a:r>
-              <a:rPr lang="en-US" baseline="0" dirty="0" err="1" smtClean="0"/>
-              <a:t>difundirlo</a:t>
-            </a:r>
-            <a:r>
-              <a:rPr lang="es-ES" baseline="0" dirty="0" smtClean="0"/>
-              <a:t>.</a:t>
-            </a:r>
-          </a:p>
-          <a:p>
-            <a:endParaRPr lang="en-US" baseline="0" dirty="0" smtClean="0"/>
-          </a:p>
-          <a:p>
-            <a:r>
-              <a:rPr lang="en-US" baseline="0" dirty="0" err="1" smtClean="0"/>
-              <a:t>Esta</a:t>
-            </a:r>
-            <a:r>
-              <a:rPr lang="en-US" baseline="0" dirty="0" smtClean="0"/>
-              <a:t> </a:t>
-            </a:r>
-            <a:r>
-              <a:rPr lang="en-US" baseline="0" dirty="0" err="1" smtClean="0"/>
-              <a:t>metodologia</a:t>
-            </a:r>
-            <a:r>
-              <a:rPr lang="en-US" baseline="0" dirty="0" smtClean="0"/>
-              <a:t> de </a:t>
-            </a:r>
-            <a:r>
-              <a:rPr lang="en-US" baseline="0" dirty="0" err="1" smtClean="0"/>
-              <a:t>colaboracion</a:t>
-            </a:r>
-            <a:r>
-              <a:rPr lang="en-US" baseline="0" dirty="0" smtClean="0"/>
-              <a:t>/</a:t>
-            </a:r>
-            <a:r>
-              <a:rPr lang="en-US" baseline="0" dirty="0" err="1" smtClean="0"/>
-              <a:t>beneficio</a:t>
-            </a:r>
-            <a:r>
-              <a:rPr lang="en-US" baseline="0" dirty="0" smtClean="0"/>
-              <a:t> se </a:t>
-            </a:r>
-            <a:r>
-              <a:rPr lang="en-US" baseline="0" dirty="0" err="1" smtClean="0"/>
-              <a:t>basa</a:t>
-            </a:r>
-            <a:r>
-              <a:rPr lang="en-US" baseline="0" dirty="0" smtClean="0"/>
-              <a:t> en lo </a:t>
-            </a:r>
-            <a:r>
-              <a:rPr lang="en-US" baseline="0" dirty="0" err="1" smtClean="0"/>
-              <a:t>siguiente</a:t>
-            </a:r>
-            <a:r>
-              <a:rPr lang="en-US" baseline="0" dirty="0" smtClean="0"/>
-              <a:t>: </a:t>
-            </a:r>
-            <a:r>
-              <a:rPr lang="en-US" baseline="0" dirty="0" err="1" smtClean="0"/>
-              <a:t>Tenemos</a:t>
-            </a:r>
-            <a:r>
-              <a:rPr lang="en-US" baseline="0" dirty="0" smtClean="0"/>
-              <a:t> </a:t>
-            </a:r>
-            <a:r>
-              <a:rPr lang="en-US" baseline="0" dirty="0" err="1" smtClean="0"/>
-              <a:t>pensado</a:t>
-            </a:r>
-            <a:r>
-              <a:rPr lang="en-US" baseline="0" dirty="0" smtClean="0"/>
-              <a:t> </a:t>
-            </a:r>
-            <a:r>
-              <a:rPr lang="en-US" baseline="0" dirty="0" err="1" smtClean="0"/>
-              <a:t>que</a:t>
-            </a:r>
-            <a:r>
-              <a:rPr lang="en-US" baseline="0" dirty="0" smtClean="0"/>
-              <a:t> al </a:t>
-            </a:r>
-            <a:r>
-              <a:rPr lang="en-US" baseline="0" dirty="0" err="1" smtClean="0"/>
-              <a:t>momento</a:t>
-            </a:r>
-            <a:r>
-              <a:rPr lang="en-US" baseline="0" dirty="0" smtClean="0"/>
-              <a:t> de </a:t>
-            </a:r>
-            <a:r>
-              <a:rPr lang="en-US" baseline="0" dirty="0" err="1" smtClean="0"/>
-              <a:t>lanzar</a:t>
-            </a:r>
-            <a:r>
-              <a:rPr lang="en-US" baseline="0" dirty="0" smtClean="0"/>
-              <a:t> el </a:t>
-            </a:r>
-            <a:r>
-              <a:rPr lang="en-US" baseline="0" dirty="0" err="1" smtClean="0"/>
-              <a:t>producto</a:t>
-            </a:r>
-            <a:r>
-              <a:rPr lang="en-US" baseline="0" dirty="0" smtClean="0"/>
-              <a:t>, se </a:t>
-            </a:r>
-            <a:r>
-              <a:rPr lang="en-US" baseline="0" dirty="0" err="1" smtClean="0"/>
-              <a:t>encuentren</a:t>
-            </a:r>
-            <a:r>
-              <a:rPr lang="en-US" baseline="0" dirty="0" smtClean="0"/>
-              <a:t> </a:t>
-            </a:r>
-            <a:r>
-              <a:rPr lang="en-US" baseline="0" dirty="0" err="1" smtClean="0"/>
-              <a:t>cargados</a:t>
-            </a:r>
-            <a:r>
-              <a:rPr lang="en-US" baseline="0" dirty="0" smtClean="0"/>
-              <a:t> </a:t>
-            </a:r>
-            <a:r>
-              <a:rPr lang="en-US" baseline="0" dirty="0" err="1" smtClean="0"/>
-              <a:t>diversos</a:t>
-            </a:r>
-            <a:r>
-              <a:rPr lang="en-US" baseline="0" dirty="0" smtClean="0"/>
-              <a:t> </a:t>
-            </a:r>
-            <a:r>
-              <a:rPr lang="en-US" baseline="0" dirty="0" err="1" smtClean="0"/>
-              <a:t>banios</a:t>
-            </a:r>
-            <a:r>
-              <a:rPr lang="en-US" baseline="0" dirty="0" smtClean="0"/>
-              <a:t> </a:t>
-            </a:r>
-            <a:r>
-              <a:rPr lang="en-US" baseline="0" dirty="0" err="1" smtClean="0"/>
-              <a:t>publicos</a:t>
-            </a:r>
-            <a:r>
-              <a:rPr lang="en-US" baseline="0" dirty="0" smtClean="0"/>
-              <a:t> de </a:t>
-            </a:r>
-            <a:r>
-              <a:rPr lang="en-US" baseline="0" dirty="0" err="1" smtClean="0"/>
-              <a:t>diferentes</a:t>
-            </a:r>
-            <a:r>
-              <a:rPr lang="en-US" baseline="0" dirty="0" smtClean="0"/>
-              <a:t> </a:t>
-            </a:r>
-            <a:r>
-              <a:rPr lang="en-US" baseline="0" dirty="0" err="1" smtClean="0"/>
-              <a:t>zonas</a:t>
-            </a:r>
-            <a:r>
-              <a:rPr lang="en-US" baseline="0" dirty="0" smtClean="0"/>
-              <a:t>. La idea </a:t>
-            </a:r>
-            <a:r>
-              <a:rPr lang="en-US" baseline="0" dirty="0" err="1" smtClean="0"/>
-              <a:t>es</a:t>
-            </a:r>
-            <a:r>
-              <a:rPr lang="en-US" baseline="0" dirty="0" smtClean="0"/>
-              <a:t> </a:t>
-            </a:r>
-            <a:r>
-              <a:rPr lang="en-US" baseline="0" dirty="0" err="1" smtClean="0"/>
-              <a:t>que</a:t>
-            </a:r>
-            <a:r>
-              <a:rPr lang="en-US" baseline="0" dirty="0" smtClean="0"/>
-              <a:t> los </a:t>
-            </a:r>
-            <a:r>
-              <a:rPr lang="en-US" baseline="0" dirty="0" err="1" smtClean="0"/>
-              <a:t>usuarios</a:t>
-            </a:r>
-            <a:r>
-              <a:rPr lang="en-US" baseline="0" dirty="0" smtClean="0"/>
-              <a:t> </a:t>
-            </a:r>
-            <a:r>
-              <a:rPr lang="en-US" baseline="0" dirty="0" err="1" smtClean="0"/>
-              <a:t>utilicen</a:t>
-            </a:r>
-            <a:r>
-              <a:rPr lang="en-US" baseline="0" dirty="0" smtClean="0"/>
-              <a:t> la </a:t>
-            </a:r>
-            <a:r>
-              <a:rPr lang="en-US" baseline="0" dirty="0" err="1" smtClean="0"/>
-              <a:t>funcionalidad</a:t>
-            </a:r>
-            <a:r>
-              <a:rPr lang="en-US" baseline="0" dirty="0" smtClean="0"/>
-              <a:t> de </a:t>
-            </a:r>
-            <a:r>
-              <a:rPr lang="en-US" baseline="0" dirty="0" err="1" smtClean="0"/>
-              <a:t>agregar</a:t>
-            </a:r>
-            <a:r>
-              <a:rPr lang="en-US" baseline="0" dirty="0" smtClean="0"/>
-              <a:t> </a:t>
-            </a:r>
-            <a:r>
-              <a:rPr lang="en-US" baseline="0" dirty="0" err="1" smtClean="0"/>
-              <a:t>banios</a:t>
-            </a:r>
-            <a:r>
-              <a:rPr lang="en-US" baseline="0" dirty="0" smtClean="0"/>
-              <a:t> </a:t>
-            </a:r>
-            <a:r>
-              <a:rPr lang="en-US" baseline="0" dirty="0" err="1" smtClean="0"/>
-              <a:t>nuevos</a:t>
-            </a:r>
-            <a:r>
-              <a:rPr lang="en-US" baseline="0" dirty="0" smtClean="0"/>
-              <a:t>, con lo </a:t>
-            </a:r>
-            <a:r>
-              <a:rPr lang="en-US" baseline="0" dirty="0" err="1" smtClean="0"/>
-              <a:t>cual</a:t>
-            </a:r>
-            <a:r>
-              <a:rPr lang="en-US" baseline="0" dirty="0" smtClean="0"/>
-              <a:t> se </a:t>
-            </a:r>
-            <a:r>
-              <a:rPr lang="en-US" baseline="0" dirty="0" err="1" smtClean="0"/>
-              <a:t>convierten</a:t>
-            </a:r>
-            <a:r>
-              <a:rPr lang="en-US" baseline="0" dirty="0" smtClean="0"/>
-              <a:t> </a:t>
-            </a:r>
-            <a:r>
-              <a:rPr lang="en-US" baseline="0" dirty="0" err="1" smtClean="0"/>
-              <a:t>automaticamente</a:t>
-            </a:r>
-            <a:r>
-              <a:rPr lang="en-US" baseline="0" dirty="0" smtClean="0"/>
-              <a:t> en </a:t>
-            </a:r>
-            <a:r>
-              <a:rPr lang="en-US" baseline="0" dirty="0" err="1" smtClean="0"/>
-              <a:t>colaboradores</a:t>
-            </a:r>
-            <a:r>
-              <a:rPr lang="en-US" baseline="0" dirty="0" smtClean="0"/>
-              <a:t> del </a:t>
-            </a:r>
-            <a:r>
-              <a:rPr lang="en-US" baseline="0" dirty="0" err="1" smtClean="0"/>
-              <a:t>producto</a:t>
-            </a:r>
-            <a:r>
-              <a:rPr lang="en-US" baseline="0" dirty="0" smtClean="0"/>
-              <a:t>. El </a:t>
-            </a:r>
-            <a:r>
-              <a:rPr lang="en-US" baseline="0" dirty="0" err="1" smtClean="0"/>
-              <a:t>agregar</a:t>
-            </a:r>
-            <a:r>
-              <a:rPr lang="en-US" baseline="0" dirty="0" smtClean="0"/>
-              <a:t> </a:t>
-            </a:r>
-            <a:r>
-              <a:rPr lang="en-US" baseline="0" dirty="0" err="1" smtClean="0"/>
-              <a:t>sanitarios</a:t>
-            </a:r>
-            <a:r>
-              <a:rPr lang="en-US" baseline="0" dirty="0" smtClean="0"/>
-              <a:t> </a:t>
-            </a:r>
-            <a:r>
-              <a:rPr lang="en-US" baseline="0" dirty="0" err="1" smtClean="0"/>
-              <a:t>actuara</a:t>
-            </a:r>
-            <a:r>
-              <a:rPr lang="en-US" baseline="0" dirty="0" smtClean="0"/>
-              <a:t> </a:t>
-            </a:r>
-            <a:r>
-              <a:rPr lang="en-US" baseline="0" dirty="0" err="1" smtClean="0"/>
-              <a:t>como</a:t>
-            </a:r>
-            <a:r>
-              <a:rPr lang="en-US" baseline="0" dirty="0" smtClean="0"/>
-              <a:t> un </a:t>
-            </a:r>
-            <a:r>
-              <a:rPr lang="en-US" baseline="0" dirty="0" err="1" smtClean="0"/>
-              <a:t>sistema</a:t>
-            </a:r>
-            <a:r>
-              <a:rPr lang="en-US" baseline="0" dirty="0" smtClean="0"/>
-              <a:t> de </a:t>
-            </a:r>
-            <a:r>
-              <a:rPr lang="en-US" baseline="0" dirty="0" err="1" smtClean="0"/>
-              <a:t>puntos</a:t>
-            </a:r>
-            <a:r>
-              <a:rPr lang="en-US" baseline="0" dirty="0" smtClean="0"/>
-              <a:t>, </a:t>
-            </a:r>
-            <a:r>
-              <a:rPr lang="en-US" baseline="0" dirty="0" err="1" smtClean="0"/>
-              <a:t>mediante</a:t>
-            </a:r>
-            <a:r>
-              <a:rPr lang="en-US" baseline="0" dirty="0" smtClean="0"/>
-              <a:t> el </a:t>
-            </a:r>
-            <a:r>
-              <a:rPr lang="en-US" baseline="0" dirty="0" err="1" smtClean="0"/>
-              <a:t>cual</a:t>
-            </a:r>
-            <a:r>
-              <a:rPr lang="en-US" baseline="0" dirty="0" smtClean="0"/>
-              <a:t> los </a:t>
-            </a:r>
-            <a:r>
-              <a:rPr lang="en-US" baseline="0" dirty="0" err="1" smtClean="0"/>
-              <a:t>usuarios</a:t>
-            </a:r>
-            <a:r>
-              <a:rPr lang="en-US" baseline="0" dirty="0" smtClean="0"/>
-              <a:t> </a:t>
-            </a:r>
-            <a:r>
-              <a:rPr lang="en-US" baseline="0" dirty="0" err="1" smtClean="0"/>
-              <a:t>podran</a:t>
-            </a:r>
-            <a:r>
-              <a:rPr lang="en-US" baseline="0" dirty="0" smtClean="0"/>
-              <a:t> </a:t>
-            </a:r>
-            <a:r>
-              <a:rPr lang="en-US" baseline="0" dirty="0" err="1" smtClean="0"/>
-              <a:t>acumularlos</a:t>
-            </a:r>
-            <a:r>
-              <a:rPr lang="en-US" baseline="0" dirty="0" smtClean="0"/>
-              <a:t> </a:t>
-            </a:r>
-            <a:r>
-              <a:rPr lang="en-US" baseline="0" dirty="0" err="1" smtClean="0"/>
-              <a:t>para</a:t>
-            </a:r>
-            <a:r>
-              <a:rPr lang="en-US" baseline="0" dirty="0" smtClean="0"/>
-              <a:t> </a:t>
-            </a:r>
-            <a:r>
-              <a:rPr lang="en-US" baseline="0" dirty="0" err="1" smtClean="0"/>
-              <a:t>canjearlos</a:t>
-            </a:r>
-            <a:r>
-              <a:rPr lang="en-US" baseline="0" dirty="0" smtClean="0"/>
-              <a:t> </a:t>
-            </a:r>
-            <a:r>
-              <a:rPr lang="en-US" baseline="0" dirty="0" err="1" smtClean="0"/>
-              <a:t>por</a:t>
-            </a:r>
-            <a:r>
-              <a:rPr lang="en-US" baseline="0" dirty="0" smtClean="0"/>
-              <a:t> packs </a:t>
-            </a:r>
-            <a:r>
-              <a:rPr lang="en-US" baseline="0" dirty="0" err="1" smtClean="0"/>
-              <a:t>promocionales</a:t>
-            </a:r>
-            <a:r>
-              <a:rPr lang="en-US" baseline="0" dirty="0" smtClean="0"/>
-              <a:t> </a:t>
-            </a:r>
-            <a:r>
-              <a:rPr lang="en-US" baseline="0" dirty="0" err="1" smtClean="0"/>
-              <a:t>como</a:t>
-            </a:r>
-            <a:r>
-              <a:rPr lang="en-US" baseline="0" dirty="0" smtClean="0"/>
-              <a:t> </a:t>
-            </a:r>
-            <a:r>
-              <a:rPr lang="en-US" baseline="0" dirty="0" err="1" smtClean="0"/>
-              <a:t>por</a:t>
-            </a:r>
-            <a:r>
-              <a:rPr lang="en-US" baseline="0" dirty="0" smtClean="0"/>
-              <a:t> </a:t>
-            </a:r>
-            <a:r>
-              <a:rPr lang="en-US" baseline="0" dirty="0" err="1" smtClean="0"/>
-              <a:t>ejemplo</a:t>
-            </a:r>
-            <a:r>
-              <a:rPr lang="en-US" baseline="0" dirty="0" smtClean="0"/>
-              <a:t> la </a:t>
-            </a:r>
-            <a:r>
-              <a:rPr lang="en-US" baseline="0" dirty="0" err="1" smtClean="0"/>
-              <a:t>aplicacion</a:t>
-            </a:r>
-            <a:r>
-              <a:rPr lang="en-US" baseline="0" dirty="0" smtClean="0"/>
-              <a:t> sin </a:t>
-            </a:r>
-            <a:r>
-              <a:rPr lang="en-US" baseline="0" dirty="0" err="1" smtClean="0"/>
-              <a:t>publicidad</a:t>
-            </a:r>
-            <a:r>
-              <a:rPr lang="en-US" baseline="0" dirty="0" smtClean="0"/>
-              <a:t>, o con </a:t>
-            </a:r>
-            <a:r>
-              <a:rPr lang="en-US" baseline="0" dirty="0" err="1" smtClean="0"/>
-              <a:t>caracteristicas</a:t>
-            </a:r>
-            <a:r>
-              <a:rPr lang="en-US" baseline="0" dirty="0" smtClean="0"/>
-              <a:t> </a:t>
-            </a:r>
-            <a:r>
-              <a:rPr lang="en-US" baseline="0" dirty="0" err="1" smtClean="0"/>
-              <a:t>especiales</a:t>
-            </a:r>
-            <a:r>
-              <a:rPr lang="en-US" baseline="0" dirty="0" smtClean="0"/>
-              <a:t> </a:t>
-            </a:r>
-            <a:r>
-              <a:rPr lang="en-US" baseline="0" dirty="0" err="1" smtClean="0"/>
-              <a:t>como</a:t>
-            </a:r>
-            <a:r>
-              <a:rPr lang="en-US" baseline="0" dirty="0" smtClean="0"/>
-              <a:t> la </a:t>
-            </a:r>
-            <a:r>
-              <a:rPr lang="en-US" baseline="0" dirty="0" err="1" smtClean="0"/>
-              <a:t>busqueda</a:t>
-            </a:r>
-            <a:r>
-              <a:rPr lang="en-US" baseline="0" dirty="0" smtClean="0"/>
-              <a:t> de </a:t>
-            </a:r>
-            <a:r>
-              <a:rPr lang="en-US" baseline="0" dirty="0" err="1" smtClean="0"/>
-              <a:t>sanitarios</a:t>
-            </a:r>
-            <a:r>
-              <a:rPr lang="en-US" baseline="0" dirty="0" smtClean="0"/>
-              <a:t> </a:t>
-            </a:r>
-            <a:r>
-              <a:rPr lang="en-US" baseline="0" dirty="0" err="1" smtClean="0"/>
-              <a:t>especificos</a:t>
-            </a:r>
-            <a:r>
-              <a:rPr lang="en-US" baseline="0" dirty="0" smtClean="0"/>
-              <a:t> no </a:t>
-            </a:r>
-            <a:r>
-              <a:rPr lang="en-US" baseline="0" dirty="0" err="1" smtClean="0"/>
-              <a:t>necesariamente</a:t>
-            </a:r>
-            <a:r>
-              <a:rPr lang="en-US" baseline="0" dirty="0" smtClean="0"/>
-              <a:t> </a:t>
-            </a:r>
-            <a:r>
-              <a:rPr lang="en-US" baseline="0" dirty="0" err="1" smtClean="0"/>
-              <a:t>cercanos</a:t>
-            </a:r>
-            <a:r>
-              <a:rPr lang="en-US" baseline="0" dirty="0" smtClean="0"/>
-              <a:t> al </a:t>
-            </a:r>
-            <a:r>
-              <a:rPr lang="en-US" baseline="0" dirty="0" err="1" smtClean="0"/>
-              <a:t>lugar</a:t>
-            </a:r>
-            <a:r>
-              <a:rPr lang="en-US" baseline="0" dirty="0" smtClean="0"/>
-              <a:t> </a:t>
-            </a:r>
-            <a:r>
-              <a:rPr lang="en-US" baseline="0" dirty="0" err="1" smtClean="0"/>
-              <a:t>donde</a:t>
-            </a:r>
-            <a:r>
-              <a:rPr lang="en-US" baseline="0" dirty="0" smtClean="0"/>
-              <a:t> se </a:t>
-            </a:r>
-            <a:r>
-              <a:rPr lang="en-US" baseline="0" dirty="0" err="1" smtClean="0"/>
-              <a:t>encuentran</a:t>
-            </a:r>
-            <a:r>
-              <a:rPr lang="en-US" baseline="0" dirty="0" smtClean="0"/>
-              <a:t>.</a:t>
-            </a:r>
-          </a:p>
-          <a:p>
-            <a:endParaRPr lang="en-US" baseline="0" dirty="0" smtClean="0"/>
-          </a:p>
-          <a:p>
-            <a:r>
-              <a:rPr lang="es-ES" baseline="0" noProof="0" dirty="0" err="1" smtClean="0"/>
-              <a:t>Asi</a:t>
-            </a:r>
-            <a:r>
-              <a:rPr lang="en-US" baseline="0" dirty="0" smtClean="0"/>
-              <a:t> </a:t>
-            </a:r>
-            <a:r>
-              <a:rPr lang="es-ES" baseline="0" noProof="0" dirty="0" smtClean="0"/>
-              <a:t>como</a:t>
-            </a:r>
-            <a:r>
-              <a:rPr lang="en-US" baseline="0" dirty="0" smtClean="0"/>
-              <a:t> </a:t>
-            </a:r>
-            <a:r>
-              <a:rPr lang="en-US" baseline="0" dirty="0" err="1" smtClean="0"/>
-              <a:t>agregar</a:t>
-            </a:r>
-            <a:r>
-              <a:rPr lang="en-US" baseline="0" dirty="0" smtClean="0"/>
-              <a:t> </a:t>
-            </a:r>
-            <a:r>
-              <a:rPr lang="en-US" baseline="0" dirty="0" err="1" smtClean="0"/>
-              <a:t>sanitarios</a:t>
-            </a:r>
-            <a:r>
-              <a:rPr lang="en-US" baseline="0" dirty="0" smtClean="0"/>
-              <a:t>, el </a:t>
-            </a:r>
-            <a:r>
-              <a:rPr lang="en-US" baseline="0" dirty="0" err="1" smtClean="0"/>
-              <a:t>compartir</a:t>
-            </a:r>
-            <a:r>
-              <a:rPr lang="en-US" baseline="0" dirty="0" smtClean="0"/>
-              <a:t> la </a:t>
-            </a:r>
-            <a:r>
-              <a:rPr lang="en-US" baseline="0" dirty="0" err="1" smtClean="0"/>
-              <a:t>aplicacion</a:t>
-            </a:r>
-            <a:r>
-              <a:rPr lang="en-US" baseline="0" dirty="0" smtClean="0"/>
-              <a:t> via </a:t>
-            </a:r>
-            <a:r>
-              <a:rPr lang="en-US" baseline="0" dirty="0" err="1" smtClean="0"/>
-              <a:t>redes</a:t>
-            </a:r>
-            <a:r>
-              <a:rPr lang="en-US" baseline="0" dirty="0" smtClean="0"/>
-              <a:t> </a:t>
-            </a:r>
-            <a:r>
-              <a:rPr lang="en-US" baseline="0" dirty="0" err="1" smtClean="0"/>
-              <a:t>sociales</a:t>
-            </a:r>
-            <a:r>
-              <a:rPr lang="en-US" baseline="0" dirty="0" smtClean="0"/>
-              <a:t> o </a:t>
-            </a:r>
-            <a:r>
-              <a:rPr lang="en-US" baseline="0" dirty="0" err="1" smtClean="0"/>
-              <a:t>calificarla</a:t>
-            </a:r>
-            <a:r>
-              <a:rPr lang="en-US" baseline="0" dirty="0" smtClean="0"/>
-              <a:t> en los </a:t>
-            </a:r>
-            <a:r>
-              <a:rPr lang="en-US" baseline="0" dirty="0" err="1" smtClean="0"/>
-              <a:t>distintos</a:t>
-            </a:r>
-            <a:r>
-              <a:rPr lang="en-US" baseline="0" dirty="0" smtClean="0"/>
-              <a:t> </a:t>
-            </a:r>
-            <a:r>
-              <a:rPr lang="en-US" baseline="0" dirty="0" err="1" smtClean="0"/>
-              <a:t>centros</a:t>
-            </a:r>
-            <a:r>
-              <a:rPr lang="en-US" baseline="0" dirty="0" smtClean="0"/>
-              <a:t> </a:t>
-            </a:r>
-            <a:r>
-              <a:rPr lang="en-US" baseline="0" dirty="0" err="1" smtClean="0"/>
-              <a:t>donde</a:t>
-            </a:r>
-            <a:r>
-              <a:rPr lang="en-US" baseline="0" dirty="0" smtClean="0"/>
-              <a:t> se la </a:t>
-            </a:r>
-            <a:r>
-              <a:rPr lang="en-US" baseline="0" dirty="0" err="1" smtClean="0"/>
-              <a:t>ofrezca</a:t>
-            </a:r>
-            <a:r>
-              <a:rPr lang="en-US" baseline="0" dirty="0" smtClean="0"/>
-              <a:t> </a:t>
-            </a:r>
-            <a:r>
-              <a:rPr lang="en-US" baseline="0" dirty="0" err="1" smtClean="0"/>
-              <a:t>tambien</a:t>
-            </a:r>
-            <a:r>
-              <a:rPr lang="en-US" baseline="0" dirty="0" smtClean="0"/>
-              <a:t> </a:t>
-            </a:r>
-            <a:r>
-              <a:rPr lang="en-US" baseline="0" dirty="0" err="1" smtClean="0"/>
-              <a:t>implica</a:t>
-            </a:r>
-            <a:r>
-              <a:rPr lang="en-US" baseline="0" dirty="0" smtClean="0"/>
-              <a:t> el </a:t>
-            </a:r>
-            <a:r>
-              <a:rPr lang="en-US" baseline="0" dirty="0" err="1" smtClean="0"/>
-              <a:t>beneficio</a:t>
-            </a:r>
-            <a:r>
-              <a:rPr lang="en-US" baseline="0" dirty="0" smtClean="0"/>
-              <a:t> de </a:t>
-            </a:r>
-            <a:r>
-              <a:rPr lang="en-US" baseline="0" dirty="0" err="1" smtClean="0"/>
-              <a:t>acumulacion</a:t>
-            </a:r>
-            <a:r>
-              <a:rPr lang="en-US" baseline="0" dirty="0" smtClean="0"/>
-              <a:t> de </a:t>
-            </a:r>
-            <a:r>
-              <a:rPr lang="en-US" baseline="0" dirty="0" err="1" smtClean="0"/>
-              <a:t>puntos</a:t>
-            </a:r>
-            <a:r>
-              <a:rPr lang="en-US" baseline="0" dirty="0" smtClean="0"/>
-              <a:t> </a:t>
-            </a:r>
-            <a:r>
-              <a:rPr lang="en-US" baseline="0" dirty="0" err="1" smtClean="0"/>
-              <a:t>para</a:t>
-            </a:r>
-            <a:r>
-              <a:rPr lang="en-US" baseline="0" dirty="0" smtClean="0"/>
-              <a:t> </a:t>
-            </a:r>
-            <a:r>
-              <a:rPr lang="en-US" baseline="0" dirty="0" err="1" smtClean="0"/>
-              <a:t>su</a:t>
-            </a:r>
-            <a:r>
-              <a:rPr lang="en-US" baseline="0" dirty="0" smtClean="0"/>
-              <a:t> posterior </a:t>
-            </a:r>
-            <a:r>
-              <a:rPr lang="en-US" baseline="0" dirty="0" err="1" smtClean="0"/>
-              <a:t>canejo</a:t>
-            </a:r>
-            <a:r>
-              <a:rPr lang="en-US" baseline="0" dirty="0" smtClean="0"/>
-              <a:t>.</a:t>
-            </a:r>
-          </a:p>
-          <a:p>
-            <a:endParaRPr lang="en-US" baseline="0" dirty="0" smtClean="0"/>
-          </a:p>
-          <a:p>
-            <a:r>
-              <a:rPr lang="en-US" baseline="0" dirty="0" smtClean="0"/>
-              <a:t>Este </a:t>
-            </a:r>
-            <a:r>
-              <a:rPr lang="en-US" baseline="0" dirty="0" err="1" smtClean="0"/>
-              <a:t>sistema</a:t>
-            </a:r>
-            <a:r>
-              <a:rPr lang="en-US" baseline="0" dirty="0" smtClean="0"/>
-              <a:t> de </a:t>
-            </a:r>
-            <a:r>
-              <a:rPr lang="en-US" baseline="0" dirty="0" err="1" smtClean="0"/>
-              <a:t>motivacion</a:t>
-            </a:r>
-            <a:r>
-              <a:rPr lang="en-US" baseline="0" dirty="0" smtClean="0"/>
-              <a:t> </a:t>
-            </a:r>
-            <a:r>
-              <a:rPr lang="en-US" baseline="0" dirty="0" err="1" smtClean="0"/>
-              <a:t>logra</a:t>
-            </a:r>
-            <a:r>
-              <a:rPr lang="en-US" baseline="0" dirty="0" smtClean="0"/>
-              <a:t> </a:t>
-            </a:r>
-            <a:r>
-              <a:rPr lang="en-US" baseline="0" dirty="0" err="1" smtClean="0"/>
-              <a:t>expandir</a:t>
-            </a:r>
-            <a:r>
-              <a:rPr lang="en-US" baseline="0" dirty="0" smtClean="0"/>
-              <a:t> el </a:t>
-            </a:r>
-            <a:r>
-              <a:rPr lang="en-US" baseline="0" dirty="0" err="1" smtClean="0"/>
-              <a:t>producto</a:t>
-            </a:r>
-            <a:r>
-              <a:rPr lang="en-US" baseline="0" dirty="0" smtClean="0"/>
-              <a:t> en el </a:t>
-            </a:r>
-            <a:r>
-              <a:rPr lang="en-US" baseline="0" dirty="0" err="1" smtClean="0"/>
-              <a:t>aspecto</a:t>
-            </a:r>
-            <a:r>
-              <a:rPr lang="en-US" baseline="0" dirty="0" smtClean="0"/>
-              <a:t> de </a:t>
-            </a:r>
-            <a:r>
-              <a:rPr lang="en-US" baseline="0" dirty="0" err="1" smtClean="0"/>
-              <a:t>cantidad</a:t>
-            </a:r>
-            <a:r>
-              <a:rPr lang="en-US" baseline="0" dirty="0" smtClean="0"/>
-              <a:t> de </a:t>
-            </a:r>
-            <a:r>
-              <a:rPr lang="en-US" baseline="0" dirty="0" err="1" smtClean="0"/>
-              <a:t>sanitarios</a:t>
-            </a:r>
-            <a:r>
-              <a:rPr lang="en-US" baseline="0" dirty="0" smtClean="0"/>
-              <a:t> </a:t>
-            </a:r>
-            <a:r>
-              <a:rPr lang="en-US" baseline="0" dirty="0" err="1" smtClean="0"/>
-              <a:t>disponibles</a:t>
-            </a:r>
-            <a:r>
-              <a:rPr lang="en-US" baseline="0" dirty="0" smtClean="0"/>
-              <a:t>, </a:t>
-            </a:r>
-            <a:r>
-              <a:rPr lang="en-US" baseline="0" dirty="0" err="1" smtClean="0"/>
-              <a:t>difundirlo</a:t>
-            </a:r>
-            <a:r>
-              <a:rPr lang="en-US" baseline="0" dirty="0" smtClean="0"/>
-              <a:t> de </a:t>
-            </a:r>
-            <a:r>
-              <a:rPr lang="en-US" baseline="0" dirty="0" err="1" smtClean="0"/>
-              <a:t>manera</a:t>
-            </a:r>
-            <a:r>
-              <a:rPr lang="en-US" baseline="0" dirty="0" smtClean="0"/>
-              <a:t> viral (via </a:t>
-            </a:r>
-            <a:r>
-              <a:rPr lang="en-US" baseline="0" dirty="0" err="1" smtClean="0"/>
-              <a:t>redes</a:t>
-            </a:r>
-            <a:r>
-              <a:rPr lang="en-US" baseline="0" dirty="0" smtClean="0"/>
-              <a:t> </a:t>
-            </a:r>
-            <a:r>
-              <a:rPr lang="en-US" baseline="0" dirty="0" err="1" smtClean="0"/>
-              <a:t>sociales</a:t>
-            </a:r>
-            <a:r>
-              <a:rPr lang="en-US" baseline="0" dirty="0" smtClean="0"/>
-              <a:t>) y </a:t>
-            </a:r>
-            <a:r>
-              <a:rPr lang="en-US" baseline="0" dirty="0" err="1" smtClean="0"/>
-              <a:t>mantiene</a:t>
-            </a:r>
-            <a:r>
-              <a:rPr lang="en-US" baseline="0" dirty="0" smtClean="0"/>
-              <a:t> a los </a:t>
-            </a:r>
-            <a:r>
-              <a:rPr lang="en-US" baseline="0" dirty="0" err="1" smtClean="0"/>
-              <a:t>usuarios</a:t>
-            </a:r>
-            <a:r>
-              <a:rPr lang="en-US" baseline="0" dirty="0" smtClean="0"/>
-              <a:t> </a:t>
-            </a:r>
-            <a:r>
-              <a:rPr lang="en-US" baseline="0" dirty="0" err="1" smtClean="0"/>
-              <a:t>involucrados</a:t>
-            </a:r>
-            <a:r>
-              <a:rPr lang="en-US" baseline="0" dirty="0" smtClean="0"/>
-              <a:t> con la </a:t>
-            </a:r>
-            <a:r>
-              <a:rPr lang="en-US" baseline="0" dirty="0" err="1" smtClean="0"/>
-              <a:t>aplicacion</a:t>
-            </a:r>
-            <a:r>
-              <a:rPr lang="en-US" baseline="0" dirty="0" smtClean="0"/>
-              <a:t> </a:t>
-            </a:r>
-            <a:r>
-              <a:rPr lang="en-US" baseline="0" dirty="0" err="1" smtClean="0"/>
-              <a:t>haciendoles</a:t>
-            </a:r>
-            <a:r>
-              <a:rPr lang="en-US" baseline="0" dirty="0" smtClean="0"/>
-              <a:t> </a:t>
-            </a:r>
-            <a:r>
-              <a:rPr lang="en-US" baseline="0" dirty="0" err="1" smtClean="0"/>
-              <a:t>sentir</a:t>
-            </a:r>
-            <a:r>
-              <a:rPr lang="en-US" baseline="0" dirty="0" smtClean="0"/>
-              <a:t> </a:t>
-            </a:r>
-            <a:r>
-              <a:rPr lang="en-US" baseline="0" dirty="0" err="1" smtClean="0"/>
-              <a:t>que</a:t>
-            </a:r>
-            <a:r>
-              <a:rPr lang="en-US" baseline="0" dirty="0" smtClean="0"/>
-              <a:t> son parte del </a:t>
-            </a:r>
-            <a:r>
-              <a:rPr lang="en-US" baseline="0" dirty="0" err="1" smtClean="0"/>
-              <a:t>desarrollo</a:t>
-            </a:r>
-            <a:r>
-              <a:rPr lang="en-US" baseline="0" dirty="0" smtClean="0"/>
-              <a:t> de la </a:t>
-            </a:r>
-            <a:r>
-              <a:rPr lang="en-US" baseline="0" dirty="0" err="1" smtClean="0"/>
-              <a:t>misma</a:t>
-            </a:r>
-            <a:r>
-              <a:rPr lang="en-US" baseline="0" dirty="0" smtClean="0"/>
-              <a:t>.</a:t>
+              <a:rPr lang="es-AR" baseline="0" dirty="0" smtClean="0"/>
+              <a:t> como de transferencia de datos. Sobre estos puntos se entrará mas en detalle en la </a:t>
+            </a:r>
+            <a:r>
+              <a:rPr lang="es-AR" baseline="0" smtClean="0"/>
+              <a:t>explicación técnica.</a:t>
+            </a:r>
+            <a:endParaRPr lang="es-AR" baseline="0" dirty="0" smtClean="0"/>
+          </a:p>
+          <a:p>
+            <a:endParaRPr lang="es-AR" baseline="0" dirty="0" smtClean="0"/>
+          </a:p>
+          <a:p>
+            <a:r>
+              <a:rPr lang="es-AR" baseline="0" dirty="0" smtClean="0"/>
+              <a:t>Finalmente se puede concluir, que siendo este el peor escenario posible, teniendo en cuenta los precios mas bajos del mercado en lo referente a publicidad, sin considerar la </a:t>
+            </a:r>
+            <a:r>
+              <a:rPr lang="es-AR" baseline="0" dirty="0" err="1" smtClean="0"/>
+              <a:t>expansion</a:t>
+            </a:r>
+            <a:r>
+              <a:rPr lang="es-AR" baseline="0" dirty="0" smtClean="0"/>
+              <a:t> del mercado de </a:t>
+            </a:r>
+            <a:r>
+              <a:rPr lang="es-AR" baseline="0" dirty="0" err="1" smtClean="0"/>
+              <a:t>smartphones</a:t>
+            </a:r>
+            <a:r>
+              <a:rPr lang="es-AR" baseline="0" dirty="0" smtClean="0"/>
+              <a:t> en un futuro y considerando tan solo una expansión del 3%, el negocio no daría perdidas y hasta estaría brindando un margen de ganancias.</a:t>
+            </a:r>
+          </a:p>
+          <a:p>
+            <a:r>
+              <a:rPr lang="es-AR" baseline="0" dirty="0" smtClean="0"/>
+              <a:t>Sin embargo, ahora nos podríamos preguntar, y si la aplicación es realmente un éxito y se expande a otros mercados con una captación mayor?</a:t>
             </a:r>
           </a:p>
         </p:txBody>
       </p:sp>
       <p:sp>
         <p:nvSpPr>
-          <p:cNvPr id="4" name="3 Marcador de número de diapositiva"/>
+          <p:cNvPr id="4" name="Slide Number Placeholder 3"/>
           <p:cNvSpPr>
             <a:spLocks noGrp="1"/>
           </p:cNvSpPr>
@@ -3125,6 +1809,485 @@
         </p:txBody>
       </p:sp>
     </p:spTree>
+    <p:extLst>
+      <p:ext uri="{BB962C8B-B14F-4D97-AF65-F5344CB8AC3E}">
+        <p14:creationId xmlns:p14="http://schemas.microsoft.com/office/powerpoint/2010/main" val="3003342862"/>
+      </p:ext>
+    </p:extLst>
+  </p:cSld>
+  <p:clrMapOvr>
+    <a:masterClrMapping/>
+  </p:clrMapOvr>
+</p:notes>
+</file>
+
+<file path=ppt/notesSlides/notesSlide12.xml><?xml version="1.0" encoding="utf-8"?>
+<p:notes xmlns:a="http://schemas.openxmlformats.org/drawingml/2006/main" xmlns:r="http://schemas.openxmlformats.org/officeDocument/2006/relationships" xmlns:p="http://schemas.openxmlformats.org/presentationml/2006/main">
+  <p:cSld>
+    <p:spTree>
+      <p:nvGrpSpPr>
+        <p:cNvPr id="1" name=""/>
+        <p:cNvGrpSpPr/>
+        <p:nvPr/>
+      </p:nvGrpSpPr>
+      <p:grpSpPr>
+        <a:xfrm>
+          <a:off x="0" y="0"/>
+          <a:ext cx="0" cy="0"/>
+          <a:chOff x="0" y="0"/>
+          <a:chExt cx="0" cy="0"/>
+        </a:xfrm>
+      </p:grpSpPr>
+      <p:sp>
+        <p:nvSpPr>
+          <p:cNvPr id="2" name="Slide Image Placeholder 1"/>
+          <p:cNvSpPr>
+            <a:spLocks noGrp="1" noRot="1" noChangeAspect="1"/>
+          </p:cNvSpPr>
+          <p:nvPr>
+            <p:ph type="sldImg"/>
+          </p:nvPr>
+        </p:nvSpPr>
+        <p:spPr/>
+      </p:sp>
+      <p:sp>
+        <p:nvSpPr>
+          <p:cNvPr id="3" name="Notes Placeholder 2"/>
+          <p:cNvSpPr>
+            <a:spLocks noGrp="1"/>
+          </p:cNvSpPr>
+          <p:nvPr>
+            <p:ph type="body" idx="1"/>
+          </p:nvPr>
+        </p:nvSpPr>
+        <p:spPr/>
+        <p:txBody>
+          <a:bodyPr/>
+          <a:lstStyle/>
+          <a:p>
+            <a:r>
+              <a:rPr lang="es-AR" dirty="0" smtClean="0"/>
+              <a:t>En ese escenario, hemos tomado los datos de una empresa</a:t>
+            </a:r>
+            <a:r>
+              <a:rPr lang="es-AR" baseline="0" dirty="0" smtClean="0"/>
+              <a:t> similar (como </a:t>
+            </a:r>
+            <a:r>
+              <a:rPr lang="es-AR" baseline="0" dirty="0" err="1" smtClean="0"/>
+              <a:t>Foursqare</a:t>
+            </a:r>
+            <a:r>
+              <a:rPr lang="es-AR" baseline="0" dirty="0" smtClean="0"/>
+              <a:t>) y su crecimiento en sus dos primeros años. Para quienes no conozcan esta compañía, la misma </a:t>
+            </a:r>
+            <a:r>
+              <a:rPr lang="es-AR" sz="1200" b="0" i="0" kern="1200" dirty="0" smtClean="0">
+                <a:solidFill>
+                  <a:schemeClr val="tx1"/>
+                </a:solidFill>
+                <a:effectLst/>
+                <a:latin typeface="+mn-lt"/>
+                <a:ea typeface="+mn-ea"/>
+                <a:cs typeface="+mn-cs"/>
+              </a:rPr>
+              <a:t>es un </a:t>
+            </a:r>
+            <a:r>
+              <a:rPr lang="es-AR" sz="1200" b="0" i="0" u="none" strike="noStrike" kern="1200" dirty="0" smtClean="0">
+                <a:solidFill>
+                  <a:schemeClr val="tx1"/>
+                </a:solidFill>
+                <a:effectLst/>
+                <a:latin typeface="+mn-lt"/>
+                <a:ea typeface="+mn-ea"/>
+                <a:cs typeface="+mn-cs"/>
+                <a:hlinkClick r:id="rId3" tooltip="Servicio basado en localización"/>
+              </a:rPr>
+              <a:t>servicio basado en localización</a:t>
+            </a:r>
+            <a:r>
+              <a:rPr lang="es-AR" sz="1200" b="0" i="0" kern="1200" dirty="0" smtClean="0">
+                <a:solidFill>
+                  <a:schemeClr val="tx1"/>
+                </a:solidFill>
+                <a:effectLst/>
+                <a:latin typeface="+mn-lt"/>
+                <a:ea typeface="+mn-ea"/>
+                <a:cs typeface="+mn-cs"/>
+              </a:rPr>
+              <a:t> web aplicada a las </a:t>
+            </a:r>
+            <a:r>
+              <a:rPr lang="es-AR" sz="1200" b="0" i="0" u="none" strike="noStrike" kern="1200" dirty="0" smtClean="0">
+                <a:solidFill>
+                  <a:schemeClr val="tx1"/>
+                </a:solidFill>
+                <a:effectLst/>
+                <a:latin typeface="+mn-lt"/>
+                <a:ea typeface="+mn-ea"/>
+                <a:cs typeface="+mn-cs"/>
+                <a:hlinkClick r:id="rId4" tooltip="Redes sociales"/>
+              </a:rPr>
+              <a:t>redes sociales</a:t>
+            </a:r>
+            <a:r>
+              <a:rPr lang="es-AR" sz="1200" b="0" i="0" kern="1200" dirty="0" smtClean="0">
+                <a:solidFill>
+                  <a:schemeClr val="tx1"/>
+                </a:solidFill>
+                <a:effectLst/>
+                <a:latin typeface="+mn-lt"/>
+                <a:ea typeface="+mn-ea"/>
+                <a:cs typeface="+mn-cs"/>
+              </a:rPr>
+              <a:t>. La </a:t>
+            </a:r>
+            <a:r>
+              <a:rPr lang="es-AR" sz="1200" b="0" i="0" kern="1200" dirty="0" err="1" smtClean="0">
+                <a:solidFill>
+                  <a:schemeClr val="tx1"/>
+                </a:solidFill>
+                <a:effectLst/>
+                <a:latin typeface="+mn-lt"/>
+                <a:ea typeface="+mn-ea"/>
+                <a:cs typeface="+mn-cs"/>
+              </a:rPr>
+              <a:t>geolocalización</a:t>
+            </a:r>
+            <a:r>
+              <a:rPr lang="es-AR" sz="1200" b="0" i="0" kern="1200" dirty="0" smtClean="0">
+                <a:solidFill>
+                  <a:schemeClr val="tx1"/>
+                </a:solidFill>
+                <a:effectLst/>
+                <a:latin typeface="+mn-lt"/>
+                <a:ea typeface="+mn-ea"/>
+                <a:cs typeface="+mn-cs"/>
+              </a:rPr>
+              <a:t> permite localizar un dispositivo fijo o móvil en una ubicación geográfica.</a:t>
+            </a:r>
+            <a:r>
+              <a:rPr lang="es-AR" sz="1200" b="0" i="0" kern="1200" baseline="0" dirty="0" smtClean="0">
+                <a:solidFill>
+                  <a:schemeClr val="tx1"/>
+                </a:solidFill>
+                <a:effectLst/>
+                <a:latin typeface="+mn-lt"/>
+                <a:ea typeface="+mn-ea"/>
+                <a:cs typeface="+mn-cs"/>
+              </a:rPr>
+              <a:t> Si bien es una aplicación exitosa, no es considerada como una aplicación especialmente </a:t>
+            </a:r>
+            <a:r>
+              <a:rPr lang="es-AR" sz="1200" b="0" i="0" kern="1200" baseline="0" dirty="0" err="1" smtClean="0">
+                <a:solidFill>
+                  <a:schemeClr val="tx1"/>
+                </a:solidFill>
+                <a:effectLst/>
+                <a:latin typeface="+mn-lt"/>
+                <a:ea typeface="+mn-ea"/>
+                <a:cs typeface="+mn-cs"/>
+              </a:rPr>
+              <a:t>virosica</a:t>
+            </a:r>
+            <a:r>
+              <a:rPr lang="es-AR" sz="1200" b="0" i="0" kern="1200" baseline="0" dirty="0" smtClean="0">
+                <a:solidFill>
+                  <a:schemeClr val="tx1"/>
+                </a:solidFill>
+                <a:effectLst/>
+                <a:latin typeface="+mn-lt"/>
+                <a:ea typeface="+mn-ea"/>
+                <a:cs typeface="+mn-cs"/>
+              </a:rPr>
+              <a:t> ni con un extremo furor. La misma alcanzo a los 2 años de su lanzamiento 8 millones de usuarios. </a:t>
+            </a:r>
+          </a:p>
+          <a:p>
+            <a:r>
+              <a:rPr lang="es-AR" sz="1200" b="0" i="0" kern="1200" baseline="0" dirty="0" smtClean="0">
+                <a:solidFill>
+                  <a:schemeClr val="tx1"/>
+                </a:solidFill>
+                <a:effectLst/>
+                <a:latin typeface="+mn-lt"/>
+                <a:ea typeface="+mn-ea"/>
+                <a:cs typeface="+mn-cs"/>
+              </a:rPr>
+              <a:t>Lo consiguió al expandirse en varias plataformas (a los 3 meses de su lanzamiento) así como en varias regiones (su </a:t>
+            </a:r>
+            <a:r>
+              <a:rPr lang="es-AR" sz="1200" b="0" i="0" kern="1200" baseline="0" dirty="0" err="1" smtClean="0">
+                <a:solidFill>
+                  <a:schemeClr val="tx1"/>
+                </a:solidFill>
+                <a:effectLst/>
+                <a:latin typeface="+mn-lt"/>
+                <a:ea typeface="+mn-ea"/>
+                <a:cs typeface="+mn-cs"/>
+              </a:rPr>
+              <a:t>aplicaciónes</a:t>
+            </a:r>
+            <a:r>
+              <a:rPr lang="es-AR" sz="1200" b="0" i="0" kern="1200" baseline="0" dirty="0" smtClean="0">
+                <a:solidFill>
+                  <a:schemeClr val="tx1"/>
+                </a:solidFill>
+                <a:effectLst/>
+                <a:latin typeface="+mn-lt"/>
+                <a:ea typeface="+mn-ea"/>
+                <a:cs typeface="+mn-cs"/>
+              </a:rPr>
+              <a:t> multilenguaje) (a los 6 meses). </a:t>
+            </a:r>
+          </a:p>
+          <a:p>
+            <a:r>
+              <a:rPr lang="es-AR" sz="1200" b="0" i="0" kern="1200" baseline="0" dirty="0" smtClean="0">
+                <a:solidFill>
+                  <a:schemeClr val="tx1"/>
+                </a:solidFill>
+                <a:effectLst/>
+                <a:latin typeface="+mn-lt"/>
+                <a:ea typeface="+mn-ea"/>
+                <a:cs typeface="+mn-cs"/>
+              </a:rPr>
+              <a:t>Si consideramos que nuestra aplicación tiene todas a favor para resultar aún mas exitosa que esta aplicación y suponiendo que se realiza el soporte necesarios para dar soporte a diversos lenguajes y plataformas, se </a:t>
+            </a:r>
+            <a:r>
+              <a:rPr lang="es-AR" sz="1200" b="0" i="0" kern="1200" baseline="0" dirty="0" err="1" smtClean="0">
+                <a:solidFill>
+                  <a:schemeClr val="tx1"/>
+                </a:solidFill>
+                <a:effectLst/>
+                <a:latin typeface="+mn-lt"/>
+                <a:ea typeface="+mn-ea"/>
+                <a:cs typeface="+mn-cs"/>
+              </a:rPr>
+              <a:t>podria</a:t>
+            </a:r>
+            <a:r>
+              <a:rPr lang="es-AR" sz="1200" b="0" i="0" kern="1200" baseline="0" dirty="0" smtClean="0">
+                <a:solidFill>
+                  <a:schemeClr val="tx1"/>
+                </a:solidFill>
+                <a:effectLst/>
+                <a:latin typeface="+mn-lt"/>
+                <a:ea typeface="+mn-ea"/>
+                <a:cs typeface="+mn-cs"/>
+              </a:rPr>
+              <a:t> alcanzar sin inconvenientes el mismo nivel de usuarios. </a:t>
+            </a:r>
+          </a:p>
+          <a:p>
+            <a:r>
+              <a:rPr lang="es-AR" sz="1200" b="0" i="0" kern="1200" baseline="0" dirty="0" smtClean="0">
+                <a:solidFill>
+                  <a:schemeClr val="tx1"/>
+                </a:solidFill>
+                <a:effectLst/>
+                <a:latin typeface="+mn-lt"/>
+                <a:ea typeface="+mn-ea"/>
+                <a:cs typeface="+mn-cs"/>
+              </a:rPr>
+              <a:t>En lo referente a ingresos, los mismos serían al alcanzar los 2 años de entre los 270k a 400k al mes, teniendo en cuenta los mismos precios para las publicidades que en el escenario anterior. </a:t>
+            </a:r>
+          </a:p>
+          <a:p>
+            <a:r>
+              <a:rPr lang="es-AR" sz="1200" b="0" i="0" kern="1200" baseline="0" dirty="0" smtClean="0">
+                <a:solidFill>
+                  <a:schemeClr val="tx1"/>
+                </a:solidFill>
+                <a:effectLst/>
+                <a:latin typeface="+mn-lt"/>
+                <a:ea typeface="+mn-ea"/>
+                <a:cs typeface="+mn-cs"/>
+              </a:rPr>
+              <a:t>EN lo referente a los gastos, los mismos serían proporcionalmente algo más elevados (entre el 21%-23%) ya que es necesario contar con un grupo de desarrolladores para mantener la actualización de la aplicación. Esto nos </a:t>
+            </a:r>
+            <a:r>
+              <a:rPr lang="es-AR" sz="1200" b="0" i="0" kern="1200" baseline="0" dirty="0" err="1" smtClean="0">
+                <a:solidFill>
+                  <a:schemeClr val="tx1"/>
+                </a:solidFill>
+                <a:effectLst/>
+                <a:latin typeface="+mn-lt"/>
+                <a:ea typeface="+mn-ea"/>
+                <a:cs typeface="+mn-cs"/>
+              </a:rPr>
+              <a:t>daria</a:t>
+            </a:r>
+            <a:r>
+              <a:rPr lang="es-AR" sz="1200" b="0" i="0" kern="1200" baseline="0" dirty="0" smtClean="0">
+                <a:solidFill>
+                  <a:schemeClr val="tx1"/>
+                </a:solidFill>
+                <a:effectLst/>
+                <a:latin typeface="+mn-lt"/>
+                <a:ea typeface="+mn-ea"/>
+                <a:cs typeface="+mn-cs"/>
+              </a:rPr>
+              <a:t> unas </a:t>
+            </a:r>
+            <a:r>
+              <a:rPr lang="es-AR" sz="1200" b="0" i="0" kern="1200" baseline="0" dirty="0" err="1" smtClean="0">
+                <a:solidFill>
+                  <a:schemeClr val="tx1"/>
+                </a:solidFill>
+                <a:effectLst/>
+                <a:latin typeface="+mn-lt"/>
+                <a:ea typeface="+mn-ea"/>
+                <a:cs typeface="+mn-cs"/>
+              </a:rPr>
+              <a:t>ganacias</a:t>
+            </a:r>
+            <a:r>
+              <a:rPr lang="es-AR" sz="1200" b="0" i="0" kern="1200" baseline="0" dirty="0" smtClean="0">
+                <a:solidFill>
+                  <a:schemeClr val="tx1"/>
+                </a:solidFill>
+                <a:effectLst/>
+                <a:latin typeface="+mn-lt"/>
+                <a:ea typeface="+mn-ea"/>
+                <a:cs typeface="+mn-cs"/>
+              </a:rPr>
+              <a:t> de aproximadamente 200 a 300k. Como pueden ver, un gran negocio. </a:t>
+            </a:r>
+          </a:p>
+          <a:p>
+            <a:r>
+              <a:rPr lang="es-AR" sz="1200" b="0" i="0" kern="1200" baseline="0" dirty="0" smtClean="0">
+                <a:solidFill>
+                  <a:schemeClr val="tx1"/>
+                </a:solidFill>
+                <a:effectLst/>
+                <a:latin typeface="+mn-lt"/>
+                <a:ea typeface="+mn-ea"/>
+                <a:cs typeface="+mn-cs"/>
+              </a:rPr>
+              <a:t>Un detalle de color que nos gustaría destacar es que a los 18 meses del lanzamiento, </a:t>
+            </a:r>
+            <a:r>
+              <a:rPr lang="es-AR" sz="1200" b="0" i="0" kern="1200" baseline="0" dirty="0" err="1" smtClean="0">
+                <a:solidFill>
+                  <a:schemeClr val="tx1"/>
+                </a:solidFill>
+                <a:effectLst/>
+                <a:latin typeface="+mn-lt"/>
+                <a:ea typeface="+mn-ea"/>
+                <a:cs typeface="+mn-cs"/>
+              </a:rPr>
+              <a:t>facebook</a:t>
+            </a:r>
+            <a:r>
+              <a:rPr lang="es-AR" sz="1200" b="0" i="0" kern="1200" baseline="0" dirty="0" smtClean="0">
+                <a:solidFill>
+                  <a:schemeClr val="tx1"/>
+                </a:solidFill>
+                <a:effectLst/>
+                <a:latin typeface="+mn-lt"/>
+                <a:ea typeface="+mn-ea"/>
+                <a:cs typeface="+mn-cs"/>
+              </a:rPr>
+              <a:t> lanzó una aplicación similar que como pueden ver afectó realmente poco el crecimiento de la aplicación.</a:t>
+            </a:r>
+          </a:p>
+          <a:p>
+            <a:r>
+              <a:rPr lang="es-AR" sz="1200" b="0" i="0" kern="1200" baseline="0" dirty="0" smtClean="0">
+                <a:solidFill>
+                  <a:schemeClr val="tx1"/>
+                </a:solidFill>
+                <a:effectLst/>
+                <a:latin typeface="+mn-lt"/>
+                <a:ea typeface="+mn-ea"/>
+                <a:cs typeface="+mn-cs"/>
+              </a:rPr>
+              <a:t>Finalmente un último detalle no menor es que la empresa </a:t>
+            </a:r>
+            <a:r>
+              <a:rPr lang="es-AR" sz="1200" b="0" i="0" kern="1200" baseline="0" dirty="0" err="1" smtClean="0">
+                <a:solidFill>
+                  <a:schemeClr val="tx1"/>
+                </a:solidFill>
+                <a:effectLst/>
+                <a:latin typeface="+mn-lt"/>
+                <a:ea typeface="+mn-ea"/>
+                <a:cs typeface="+mn-cs"/>
+              </a:rPr>
+              <a:t>Foursqare</a:t>
+            </a:r>
+            <a:r>
+              <a:rPr lang="es-AR" sz="1200" b="0" i="0" kern="1200" baseline="0" dirty="0" smtClean="0">
+                <a:solidFill>
+                  <a:schemeClr val="tx1"/>
+                </a:solidFill>
+                <a:effectLst/>
+                <a:latin typeface="+mn-lt"/>
+                <a:ea typeface="+mn-ea"/>
+                <a:cs typeface="+mn-cs"/>
+              </a:rPr>
+              <a:t> posee hoy en día (4 años después de su lanzamiento)  posee 30 millones de usuarios, realizando las cuentas bajo el mismo modelo, daría un ingreso de 1millon de </a:t>
+            </a:r>
+            <a:r>
+              <a:rPr lang="es-AR" sz="1200" b="0" i="0" kern="1200" baseline="0" dirty="0" err="1" smtClean="0">
+                <a:solidFill>
+                  <a:schemeClr val="tx1"/>
+                </a:solidFill>
+                <a:effectLst/>
+                <a:latin typeface="+mn-lt"/>
+                <a:ea typeface="+mn-ea"/>
+                <a:cs typeface="+mn-cs"/>
+              </a:rPr>
+              <a:t>dolares</a:t>
+            </a:r>
+            <a:r>
+              <a:rPr lang="es-AR" sz="1200" b="0" i="0" kern="1200" baseline="0" dirty="0" smtClean="0">
+                <a:solidFill>
+                  <a:schemeClr val="tx1"/>
+                </a:solidFill>
+                <a:effectLst/>
+                <a:latin typeface="+mn-lt"/>
+                <a:ea typeface="+mn-ea"/>
+                <a:cs typeface="+mn-cs"/>
+              </a:rPr>
+              <a:t> al mes.</a:t>
+            </a:r>
+          </a:p>
+        </p:txBody>
+      </p:sp>
+      <p:sp>
+        <p:nvSpPr>
+          <p:cNvPr id="4" name="Slide Number Placeholder 3"/>
+          <p:cNvSpPr>
+            <a:spLocks noGrp="1"/>
+          </p:cNvSpPr>
+          <p:nvPr>
+            <p:ph type="sldNum" sz="quarter" idx="10"/>
+          </p:nvPr>
+        </p:nvSpPr>
+        <p:spPr/>
+        <p:txBody>
+          <a:bodyPr/>
+          <a:lstStyle/>
+          <a:p>
+            <a:fld id="{5625E230-B123-43EB-B2A3-53965331BBB3}" type="slidenum">
+              <a:rPr lang="es-AR" smtClean="0"/>
+              <a:pPr/>
+              <a:t>12</a:t>
+            </a:fld>
+            <a:endParaRPr lang="es-AR"/>
+          </a:p>
+        </p:txBody>
+      </p:sp>
+    </p:spTree>
+    <p:extLst>
+      <p:ext uri="{BB962C8B-B14F-4D97-AF65-F5344CB8AC3E}">
+        <p14:creationId xmlns:p14="http://schemas.microsoft.com/office/powerpoint/2010/main" val="3000085410"/>
+      </p:ext>
+    </p:extLst>
   </p:cSld>
   <p:clrMapOvr>
     <a:masterClrMapping/>
@@ -3176,49 +2339,7 @@
           <a:bodyPr/>
           <a:lstStyle/>
           <a:p>
-            <a:r>
-              <a:rPr lang="es-AR" dirty="0" smtClean="0"/>
-              <a:t>Somos un grupo de</a:t>
-            </a:r>
-            <a:r>
-              <a:rPr lang="es-AR" baseline="0" dirty="0" smtClean="0"/>
-              <a:t> estudiantes emprendedores proactivos del último año de la carrera de Ingeniería en Informática de la Universidad de Buenos Aires. </a:t>
-            </a:r>
-            <a:r>
-              <a:rPr lang="es-AR" dirty="0" smtClean="0"/>
-              <a:t>Nos</a:t>
-            </a:r>
-            <a:r>
-              <a:rPr lang="es-AR" baseline="0" dirty="0" smtClean="0"/>
-              <a:t> conocimos en la facultad y comenzamos a trabajar juntos en los distintos desafíos que nos proponía el desarrollo de la carrera. </a:t>
-            </a:r>
-          </a:p>
-          <a:p>
-            <a:endParaRPr lang="es-AR" baseline="0" dirty="0" smtClean="0"/>
-          </a:p>
-          <a:p>
-            <a:r>
-              <a:rPr lang="es-AR" baseline="0" dirty="0" smtClean="0"/>
-              <a:t>Con la experiencia acumulada de trabajos anteriores, empezamos a encontrar una tendencia en la actualidad donde la tecnología es cada vez mas indispensable para la vida cotidiana. Estudiando, entendiendo, y viendo como este tipo de tecnología “social” es cada vez mas solicitada; encontramos que existen muchas necesidades sociales que no hay sido resueltas. </a:t>
-            </a:r>
-          </a:p>
-          <a:p>
-            <a:endParaRPr lang="es-AR" baseline="0" dirty="0" smtClean="0"/>
-          </a:p>
-          <a:p>
-            <a:r>
-              <a:rPr lang="es-AR" baseline="0" dirty="0" smtClean="0"/>
-              <a:t>A partir de esta idea es donde decidimos entonces crear nuestra propia empresa de desarrollo de aplicaciones para el usuario final, que resuelvan problemas específicos de necesidades sociales actuales.</a:t>
-            </a:r>
-          </a:p>
-          <a:p>
-            <a:endParaRPr lang="es-AR" baseline="0" dirty="0" smtClean="0"/>
-          </a:p>
-          <a:p>
-            <a:r>
-              <a:rPr lang="es-AR" baseline="0" dirty="0" smtClean="0"/>
-              <a:t>Nuestra visión desde ese lugar, es entonces, lograr mejorar el día a día del usuario a través del uso de aplicaciones innovadoras, de última tecnología.</a:t>
-            </a:r>
+            <a:endParaRPr lang="es-AR" dirty="0"/>
           </a:p>
         </p:txBody>
       </p:sp>
@@ -3249,7 +2370,7 @@
     </p:spTree>
     <p:extLst>
       <p:ext uri="{BB962C8B-B14F-4D97-AF65-F5344CB8AC3E}">
-        <p14:creationId xmlns:p14="http://schemas.microsoft.com/office/powerpoint/2010/main" val="2610191261"/>
+        <p14:creationId xmlns:p14="http://schemas.microsoft.com/office/powerpoint/2010/main" val="1256197441"/>
       </p:ext>
     </p:extLst>
   </p:cSld>
@@ -4473,7 +3594,7 @@
       </p:grpSpPr>
       <p:sp>
         <p:nvSpPr>
-          <p:cNvPr id="2" name="Slide Image Placeholder 1"/>
+          <p:cNvPr id="2" name="1 Marcador de imagen de diapositiva"/>
           <p:cNvSpPr>
             <a:spLocks noGrp="1" noRot="1" noChangeAspect="1"/>
           </p:cNvSpPr>
@@ -4485,7 +3606,7 @@
       </p:sp>
       <p:sp>
         <p:nvSpPr>
-          <p:cNvPr id="3" name="Notes Placeholder 2"/>
+          <p:cNvPr id="3" name="2 Marcador de notas"/>
           <p:cNvSpPr>
             <a:spLocks noGrp="1"/>
           </p:cNvSpPr>
@@ -4495,48 +3616,1243 @@
         </p:nvSpPr>
         <p:spPr/>
         <p:txBody>
-          <a:bodyPr/>
+          <a:bodyPr>
+            <a:normAutofit lnSpcReduction="10000"/>
+          </a:bodyPr>
           <a:lstStyle/>
           <a:p>
-            <a:pPr marL="0" marR="0" indent="0" algn="l" defTabSz="914400" rtl="0" eaLnBrk="1" fontAlgn="auto" latinLnBrk="0" hangingPunct="1">
-              <a:lnSpc>
-                <a:spcPct val="100000"/>
-              </a:lnSpc>
-              <a:spcBef>
-                <a:spcPts val="0"/>
-              </a:spcBef>
-              <a:spcAft>
-                <a:spcPts val="0"/>
-              </a:spcAft>
-              <a:buClrTx/>
-              <a:buSzTx/>
-              <a:buFontTx/>
-              <a:buNone/>
-              <a:tabLst/>
-              <a:defRPr/>
-            </a:pPr>
-            <a:r>
-              <a:rPr lang="es-AR" dirty="0" smtClean="0"/>
-              <a:t>Luego</a:t>
-            </a:r>
-            <a:r>
-              <a:rPr lang="es-AR" baseline="0" dirty="0" smtClean="0"/>
-              <a:t> de escuchar sobre el producto, probablemente </a:t>
-            </a:r>
-            <a:r>
-              <a:rPr lang="es-AR" baseline="0" dirty="0" err="1" smtClean="0"/>
-              <a:t>esten</a:t>
-            </a:r>
-            <a:r>
-              <a:rPr lang="es-AR" baseline="0" dirty="0" smtClean="0"/>
-              <a:t> pensando “esto muy lindo, realmente me gustaría tener esta aplicación, pero realmente voy a ganar dinero con ella?”. Pues sí señores. Hemos analizado distintos escenarios basados en casos reales y a modo de ejemplo les mostraremos dos de ellos</a:t>
+            <a:r>
+              <a:rPr lang="en-US" dirty="0" smtClean="0"/>
+              <a:t>Las </a:t>
+            </a:r>
+            <a:r>
+              <a:rPr lang="en-US" dirty="0" err="1" smtClean="0"/>
+              <a:t>cuestiones</a:t>
+            </a:r>
+            <a:r>
+              <a:rPr lang="en-US" dirty="0" smtClean="0"/>
+              <a:t> finales</a:t>
+            </a:r>
+            <a:r>
+              <a:rPr lang="en-US" baseline="0" dirty="0" smtClean="0"/>
+              <a:t> a </a:t>
+            </a:r>
+            <a:r>
+              <a:rPr lang="en-US" baseline="0" dirty="0" err="1" smtClean="0"/>
+              <a:t>considerar</a:t>
+            </a:r>
+            <a:r>
+              <a:rPr lang="en-US" baseline="0" dirty="0" smtClean="0"/>
+              <a:t> son: </a:t>
+            </a:r>
+            <a:r>
+              <a:rPr lang="en-US" baseline="0" dirty="0" err="1" smtClean="0"/>
+              <a:t>como</a:t>
+            </a:r>
+            <a:r>
+              <a:rPr lang="en-US" baseline="0" dirty="0" smtClean="0"/>
+              <a:t> </a:t>
+            </a:r>
+            <a:r>
+              <a:rPr lang="en-US" baseline="0" dirty="0" err="1" smtClean="0"/>
+              <a:t>expandimos</a:t>
+            </a:r>
+            <a:r>
+              <a:rPr lang="en-US" baseline="0" dirty="0" smtClean="0"/>
+              <a:t> el </a:t>
+            </a:r>
+            <a:r>
+              <a:rPr lang="en-US" baseline="0" dirty="0" err="1" smtClean="0"/>
+              <a:t>producto</a:t>
+            </a:r>
+            <a:r>
+              <a:rPr lang="en-US" baseline="0" dirty="0" smtClean="0"/>
+              <a:t>? Como lo </a:t>
+            </a:r>
+            <a:r>
+              <a:rPr lang="en-US" baseline="0" dirty="0" err="1" smtClean="0"/>
+              <a:t>difundimos</a:t>
+            </a:r>
+            <a:r>
+              <a:rPr lang="en-US" baseline="0" dirty="0" smtClean="0"/>
+              <a:t>? Como </a:t>
+            </a:r>
+            <a:r>
+              <a:rPr lang="en-US" baseline="0" dirty="0" err="1" smtClean="0"/>
+              <a:t>logramos</a:t>
+            </a:r>
+            <a:r>
+              <a:rPr lang="en-US" baseline="0" dirty="0" smtClean="0"/>
+              <a:t> </a:t>
+            </a:r>
+            <a:r>
+              <a:rPr lang="en-US" baseline="0" dirty="0" err="1" smtClean="0"/>
+              <a:t>que</a:t>
+            </a:r>
+            <a:r>
+              <a:rPr lang="en-US" baseline="0" dirty="0" smtClean="0"/>
+              <a:t> sea </a:t>
+            </a:r>
+            <a:r>
+              <a:rPr lang="en-US" baseline="0" dirty="0" err="1" smtClean="0"/>
+              <a:t>aceptado</a:t>
+            </a:r>
+            <a:r>
+              <a:rPr lang="en-US" baseline="0" dirty="0" smtClean="0"/>
+              <a:t> y </a:t>
+            </a:r>
+            <a:r>
+              <a:rPr lang="en-US" baseline="0" dirty="0" err="1" smtClean="0"/>
+              <a:t>necesitado</a:t>
+            </a:r>
+            <a:r>
+              <a:rPr lang="en-US" baseline="0" dirty="0" smtClean="0"/>
+              <a:t> </a:t>
+            </a:r>
+            <a:r>
+              <a:rPr lang="en-US" baseline="0" dirty="0" err="1" smtClean="0"/>
+              <a:t>por</a:t>
+            </a:r>
+            <a:r>
+              <a:rPr lang="en-US" baseline="0" dirty="0" smtClean="0"/>
+              <a:t> </a:t>
+            </a:r>
+            <a:r>
+              <a:rPr lang="en-US" baseline="0" dirty="0" err="1" smtClean="0"/>
+              <a:t>las</a:t>
+            </a:r>
+            <a:r>
+              <a:rPr lang="en-US" baseline="0" dirty="0" smtClean="0"/>
+              <a:t> personas?</a:t>
+            </a:r>
+          </a:p>
+          <a:p>
+            <a:endParaRPr lang="en-US" baseline="0" dirty="0" smtClean="0"/>
+          </a:p>
+          <a:p>
+            <a:r>
+              <a:rPr lang="en-US" baseline="0" dirty="0" err="1" smtClean="0"/>
+              <a:t>Hemos</a:t>
+            </a:r>
+            <a:r>
+              <a:rPr lang="en-US" baseline="0" dirty="0" smtClean="0"/>
+              <a:t> </a:t>
+            </a:r>
+            <a:r>
+              <a:rPr lang="en-US" baseline="0" dirty="0" err="1" smtClean="0"/>
+              <a:t>desarrollado</a:t>
+            </a:r>
+            <a:r>
+              <a:rPr lang="en-US" baseline="0" dirty="0" smtClean="0"/>
+              <a:t> </a:t>
+            </a:r>
+            <a:r>
+              <a:rPr lang="en-US" baseline="0" dirty="0" err="1" smtClean="0"/>
+              <a:t>una</a:t>
+            </a:r>
+            <a:r>
+              <a:rPr lang="en-US" baseline="0" dirty="0" smtClean="0"/>
+              <a:t> </a:t>
+            </a:r>
+            <a:r>
+              <a:rPr lang="en-US" baseline="0" dirty="0" err="1" smtClean="0"/>
+              <a:t>estrategia</a:t>
+            </a:r>
+            <a:r>
+              <a:rPr lang="en-US" baseline="0" dirty="0" smtClean="0"/>
+              <a:t> </a:t>
+            </a:r>
+            <a:r>
+              <a:rPr lang="en-US" baseline="0" dirty="0" err="1" smtClean="0"/>
+              <a:t>que</a:t>
+            </a:r>
+            <a:r>
+              <a:rPr lang="en-US" baseline="0" dirty="0" smtClean="0"/>
+              <a:t> </a:t>
+            </a:r>
+            <a:r>
+              <a:rPr lang="en-US" baseline="0" dirty="0" err="1" smtClean="0"/>
+              <a:t>consideramos</a:t>
+            </a:r>
+            <a:r>
+              <a:rPr lang="en-US" baseline="0" dirty="0" smtClean="0"/>
+              <a:t> </a:t>
+            </a:r>
+            <a:r>
+              <a:rPr lang="en-US" baseline="0" dirty="0" err="1" smtClean="0"/>
+              <a:t>que</a:t>
+            </a:r>
+            <a:r>
+              <a:rPr lang="en-US" baseline="0" dirty="0" smtClean="0"/>
+              <a:t> </a:t>
+            </a:r>
+            <a:r>
+              <a:rPr lang="en-US" baseline="0" dirty="0" err="1" smtClean="0"/>
+              <a:t>lograra</a:t>
+            </a:r>
+            <a:r>
+              <a:rPr lang="en-US" baseline="0" dirty="0" smtClean="0"/>
+              <a:t> </a:t>
+            </a:r>
+            <a:r>
+              <a:rPr lang="en-US" baseline="0" dirty="0" err="1" smtClean="0"/>
+              <a:t>cubrir</a:t>
+            </a:r>
+            <a:r>
+              <a:rPr lang="en-US" baseline="0" dirty="0" smtClean="0"/>
+              <a:t> </a:t>
+            </a:r>
+            <a:r>
+              <a:rPr lang="en-US" baseline="0" dirty="0" err="1" smtClean="0"/>
+              <a:t>estos</a:t>
+            </a:r>
+            <a:r>
+              <a:rPr lang="en-US" baseline="0" dirty="0" smtClean="0"/>
+              <a:t> </a:t>
+            </a:r>
+            <a:r>
+              <a:rPr lang="en-US" baseline="0" dirty="0" err="1" smtClean="0"/>
+              <a:t>aspectos</a:t>
+            </a:r>
+            <a:r>
+              <a:rPr lang="en-US" baseline="0" dirty="0" smtClean="0"/>
+              <a:t> de </a:t>
+            </a:r>
+            <a:r>
+              <a:rPr lang="en-US" baseline="0" dirty="0" err="1" smtClean="0"/>
+              <a:t>manera</a:t>
+            </a:r>
+            <a:r>
+              <a:rPr lang="en-US" baseline="0" dirty="0" smtClean="0"/>
+              <a:t> </a:t>
+            </a:r>
+            <a:r>
+              <a:rPr lang="en-US" baseline="0" dirty="0" err="1" smtClean="0"/>
+              <a:t>exitosa</a:t>
+            </a:r>
+            <a:r>
+              <a:rPr lang="en-US" baseline="0" dirty="0" smtClean="0"/>
+              <a:t>. </a:t>
+            </a:r>
+          </a:p>
+          <a:p>
+            <a:r>
+              <a:rPr lang="en-US" baseline="0" dirty="0" err="1" smtClean="0"/>
+              <a:t>Nos</a:t>
+            </a:r>
+            <a:r>
+              <a:rPr lang="en-US" baseline="0" dirty="0" smtClean="0"/>
+              <a:t> </a:t>
+            </a:r>
+            <a:r>
+              <a:rPr lang="en-US" baseline="0" dirty="0" err="1" smtClean="0"/>
+              <a:t>proponemos</a:t>
+            </a:r>
+            <a:r>
+              <a:rPr lang="en-US" baseline="0" dirty="0" smtClean="0"/>
+              <a:t> a </a:t>
+            </a:r>
+            <a:r>
+              <a:rPr lang="en-US" baseline="0" dirty="0" err="1" smtClean="0"/>
+              <a:t>utilizar</a:t>
+            </a:r>
+            <a:r>
+              <a:rPr lang="en-US" baseline="0" dirty="0" smtClean="0"/>
+              <a:t> un </a:t>
+            </a:r>
+            <a:r>
+              <a:rPr lang="en-US" baseline="0" dirty="0" err="1" smtClean="0"/>
+              <a:t>mecanismo</a:t>
+            </a:r>
+            <a:r>
+              <a:rPr lang="en-US" baseline="0" dirty="0" smtClean="0"/>
+              <a:t> de </a:t>
+            </a:r>
+            <a:r>
+              <a:rPr lang="en-US" baseline="0" dirty="0" err="1" smtClean="0"/>
+              <a:t>colaboracion</a:t>
+            </a:r>
+            <a:r>
+              <a:rPr lang="en-US" baseline="0" dirty="0" smtClean="0"/>
+              <a:t>/</a:t>
+            </a:r>
+            <a:r>
+              <a:rPr lang="en-US" baseline="0" dirty="0" err="1" smtClean="0"/>
+              <a:t>beneficio</a:t>
+            </a:r>
+            <a:r>
+              <a:rPr lang="en-US" baseline="0" dirty="0" smtClean="0"/>
+              <a:t> con los </a:t>
+            </a:r>
+            <a:r>
+              <a:rPr lang="en-US" baseline="0" dirty="0" err="1" smtClean="0"/>
+              <a:t>usuarios</a:t>
+            </a:r>
+            <a:r>
+              <a:rPr lang="en-US" baseline="0" dirty="0" smtClean="0"/>
+              <a:t> de la </a:t>
+            </a:r>
+            <a:r>
+              <a:rPr lang="en-US" baseline="0" dirty="0" err="1" smtClean="0"/>
+              <a:t>aplicacion</a:t>
+            </a:r>
+            <a:r>
+              <a:rPr lang="en-US" baseline="0" dirty="0" smtClean="0"/>
+              <a:t>, </a:t>
+            </a:r>
+            <a:r>
+              <a:rPr lang="en-US" baseline="0" dirty="0" err="1" smtClean="0"/>
+              <a:t>tal</a:t>
+            </a:r>
+            <a:r>
+              <a:rPr lang="en-US" baseline="0" dirty="0" smtClean="0"/>
+              <a:t> </a:t>
+            </a:r>
+            <a:r>
+              <a:rPr lang="en-US" baseline="0" dirty="0" err="1" smtClean="0"/>
+              <a:t>que</a:t>
+            </a:r>
+            <a:r>
+              <a:rPr lang="en-US" baseline="0" dirty="0" smtClean="0"/>
+              <a:t> </a:t>
+            </a:r>
+            <a:r>
+              <a:rPr lang="es-ES" baseline="0" noProof="0" dirty="0" smtClean="0"/>
+              <a:t>los</a:t>
+            </a:r>
+            <a:r>
+              <a:rPr lang="en-US" baseline="0" dirty="0" smtClean="0"/>
+              <a:t> motive a </a:t>
+            </a:r>
+            <a:r>
+              <a:rPr lang="en-US" baseline="0" dirty="0" err="1" smtClean="0"/>
+              <a:t>utilizar</a:t>
+            </a:r>
+            <a:r>
+              <a:rPr lang="en-US" baseline="0" dirty="0" smtClean="0"/>
+              <a:t> el </a:t>
+            </a:r>
+            <a:r>
+              <a:rPr lang="en-US" baseline="0" dirty="0" err="1" smtClean="0"/>
+              <a:t>producto</a:t>
+            </a:r>
+            <a:r>
+              <a:rPr lang="en-US" baseline="0" dirty="0" smtClean="0"/>
+              <a:t> con mayor </a:t>
+            </a:r>
+            <a:r>
+              <a:rPr lang="en-US" baseline="0" dirty="0" err="1" smtClean="0"/>
+              <a:t>frecuencia</a:t>
+            </a:r>
+            <a:r>
+              <a:rPr lang="en-US" baseline="0" dirty="0" smtClean="0"/>
+              <a:t> </a:t>
+            </a:r>
+            <a:r>
+              <a:rPr lang="en-US" baseline="0" dirty="0" err="1" smtClean="0"/>
+              <a:t>asi</a:t>
+            </a:r>
+            <a:r>
+              <a:rPr lang="en-US" baseline="0" dirty="0" smtClean="0"/>
+              <a:t> </a:t>
+            </a:r>
+            <a:r>
+              <a:rPr lang="en-US" baseline="0" dirty="0" err="1" smtClean="0"/>
+              <a:t>como</a:t>
+            </a:r>
+            <a:r>
+              <a:rPr lang="en-US" baseline="0" dirty="0" smtClean="0"/>
+              <a:t> </a:t>
+            </a:r>
+            <a:r>
+              <a:rPr lang="en-US" baseline="0" dirty="0" err="1" smtClean="0"/>
+              <a:t>recomendarlo</a:t>
+            </a:r>
+            <a:r>
+              <a:rPr lang="en-US" baseline="0" dirty="0" smtClean="0"/>
+              <a:t> y </a:t>
+            </a:r>
+            <a:r>
+              <a:rPr lang="en-US" baseline="0" dirty="0" err="1" smtClean="0"/>
+              <a:t>difundirlo</a:t>
+            </a:r>
+            <a:r>
+              <a:rPr lang="es-ES" baseline="0" dirty="0" smtClean="0"/>
+              <a:t>.</a:t>
+            </a:r>
+          </a:p>
+          <a:p>
+            <a:endParaRPr lang="en-US" baseline="0" dirty="0" smtClean="0"/>
+          </a:p>
+          <a:p>
+            <a:r>
+              <a:rPr lang="en-US" baseline="0" dirty="0" err="1" smtClean="0"/>
+              <a:t>Esta</a:t>
+            </a:r>
+            <a:r>
+              <a:rPr lang="en-US" baseline="0" dirty="0" smtClean="0"/>
+              <a:t> </a:t>
+            </a:r>
+            <a:r>
+              <a:rPr lang="en-US" baseline="0" dirty="0" err="1" smtClean="0"/>
+              <a:t>metodologia</a:t>
+            </a:r>
+            <a:r>
+              <a:rPr lang="en-US" baseline="0" dirty="0" smtClean="0"/>
+              <a:t> de </a:t>
+            </a:r>
+            <a:r>
+              <a:rPr lang="en-US" baseline="0" dirty="0" err="1" smtClean="0"/>
+              <a:t>colaboracion</a:t>
+            </a:r>
+            <a:r>
+              <a:rPr lang="en-US" baseline="0" dirty="0" smtClean="0"/>
+              <a:t>/</a:t>
+            </a:r>
+            <a:r>
+              <a:rPr lang="en-US" baseline="0" dirty="0" err="1" smtClean="0"/>
+              <a:t>beneficio</a:t>
+            </a:r>
+            <a:r>
+              <a:rPr lang="en-US" baseline="0" dirty="0" smtClean="0"/>
+              <a:t> se </a:t>
+            </a:r>
+            <a:r>
+              <a:rPr lang="en-US" baseline="0" dirty="0" err="1" smtClean="0"/>
+              <a:t>basa</a:t>
+            </a:r>
+            <a:r>
+              <a:rPr lang="en-US" baseline="0" dirty="0" smtClean="0"/>
+              <a:t> en lo </a:t>
+            </a:r>
+            <a:r>
+              <a:rPr lang="en-US" baseline="0" dirty="0" err="1" smtClean="0"/>
+              <a:t>siguiente</a:t>
+            </a:r>
+            <a:r>
+              <a:rPr lang="en-US" baseline="0" dirty="0" smtClean="0"/>
+              <a:t>: </a:t>
+            </a:r>
+            <a:r>
+              <a:rPr lang="en-US" baseline="0" dirty="0" err="1" smtClean="0"/>
+              <a:t>Tenemos</a:t>
+            </a:r>
+            <a:r>
+              <a:rPr lang="en-US" baseline="0" dirty="0" smtClean="0"/>
+              <a:t> </a:t>
+            </a:r>
+            <a:r>
+              <a:rPr lang="en-US" baseline="0" dirty="0" err="1" smtClean="0"/>
+              <a:t>pensado</a:t>
+            </a:r>
+            <a:r>
+              <a:rPr lang="en-US" baseline="0" dirty="0" smtClean="0"/>
+              <a:t> </a:t>
+            </a:r>
+            <a:r>
+              <a:rPr lang="en-US" baseline="0" dirty="0" err="1" smtClean="0"/>
+              <a:t>que</a:t>
+            </a:r>
+            <a:r>
+              <a:rPr lang="en-US" baseline="0" dirty="0" smtClean="0"/>
+              <a:t> al </a:t>
+            </a:r>
+            <a:r>
+              <a:rPr lang="en-US" baseline="0" dirty="0" err="1" smtClean="0"/>
+              <a:t>momento</a:t>
+            </a:r>
+            <a:r>
+              <a:rPr lang="en-US" baseline="0" dirty="0" smtClean="0"/>
+              <a:t> de </a:t>
+            </a:r>
+            <a:r>
+              <a:rPr lang="en-US" baseline="0" dirty="0" err="1" smtClean="0"/>
+              <a:t>lanzar</a:t>
+            </a:r>
+            <a:r>
+              <a:rPr lang="en-US" baseline="0" dirty="0" smtClean="0"/>
+              <a:t> el </a:t>
+            </a:r>
+            <a:r>
+              <a:rPr lang="en-US" baseline="0" dirty="0" err="1" smtClean="0"/>
+              <a:t>producto</a:t>
+            </a:r>
+            <a:r>
+              <a:rPr lang="en-US" baseline="0" dirty="0" smtClean="0"/>
+              <a:t>, se </a:t>
+            </a:r>
+            <a:r>
+              <a:rPr lang="en-US" baseline="0" dirty="0" err="1" smtClean="0"/>
+              <a:t>encuentren</a:t>
+            </a:r>
+            <a:r>
+              <a:rPr lang="en-US" baseline="0" dirty="0" smtClean="0"/>
+              <a:t> </a:t>
+            </a:r>
+            <a:r>
+              <a:rPr lang="en-US" baseline="0" dirty="0" err="1" smtClean="0"/>
+              <a:t>cargados</a:t>
+            </a:r>
+            <a:r>
+              <a:rPr lang="en-US" baseline="0" dirty="0" smtClean="0"/>
+              <a:t> </a:t>
+            </a:r>
+            <a:r>
+              <a:rPr lang="en-US" baseline="0" dirty="0" err="1" smtClean="0"/>
+              <a:t>diversos</a:t>
+            </a:r>
+            <a:r>
+              <a:rPr lang="en-US" baseline="0" dirty="0" smtClean="0"/>
+              <a:t> </a:t>
+            </a:r>
+            <a:r>
+              <a:rPr lang="en-US" baseline="0" dirty="0" err="1" smtClean="0"/>
+              <a:t>banios</a:t>
+            </a:r>
+            <a:r>
+              <a:rPr lang="en-US" baseline="0" dirty="0" smtClean="0"/>
+              <a:t> </a:t>
+            </a:r>
+            <a:r>
+              <a:rPr lang="en-US" baseline="0" dirty="0" err="1" smtClean="0"/>
+              <a:t>publicos</a:t>
+            </a:r>
+            <a:r>
+              <a:rPr lang="en-US" baseline="0" dirty="0" smtClean="0"/>
+              <a:t> de </a:t>
+            </a:r>
+            <a:r>
+              <a:rPr lang="en-US" baseline="0" dirty="0" err="1" smtClean="0"/>
+              <a:t>diferentes</a:t>
+            </a:r>
+            <a:r>
+              <a:rPr lang="en-US" baseline="0" dirty="0" smtClean="0"/>
+              <a:t> </a:t>
+            </a:r>
+            <a:r>
+              <a:rPr lang="en-US" baseline="0" dirty="0" err="1" smtClean="0"/>
+              <a:t>zonas</a:t>
+            </a:r>
+            <a:r>
+              <a:rPr lang="en-US" baseline="0" dirty="0" smtClean="0"/>
+              <a:t>. La idea </a:t>
+            </a:r>
+            <a:r>
+              <a:rPr lang="en-US" baseline="0" dirty="0" err="1" smtClean="0"/>
+              <a:t>es</a:t>
+            </a:r>
+            <a:r>
+              <a:rPr lang="en-US" baseline="0" dirty="0" smtClean="0"/>
+              <a:t> </a:t>
+            </a:r>
+            <a:r>
+              <a:rPr lang="en-US" baseline="0" dirty="0" err="1" smtClean="0"/>
+              <a:t>que</a:t>
+            </a:r>
+            <a:r>
+              <a:rPr lang="en-US" baseline="0" dirty="0" smtClean="0"/>
+              <a:t> los </a:t>
+            </a:r>
+            <a:r>
+              <a:rPr lang="en-US" baseline="0" dirty="0" err="1" smtClean="0"/>
+              <a:t>usuarios</a:t>
+            </a:r>
+            <a:r>
+              <a:rPr lang="en-US" baseline="0" dirty="0" smtClean="0"/>
+              <a:t> </a:t>
+            </a:r>
+            <a:r>
+              <a:rPr lang="en-US" baseline="0" dirty="0" err="1" smtClean="0"/>
+              <a:t>utilicen</a:t>
+            </a:r>
+            <a:r>
+              <a:rPr lang="en-US" baseline="0" dirty="0" smtClean="0"/>
+              <a:t> la </a:t>
+            </a:r>
+            <a:r>
+              <a:rPr lang="en-US" baseline="0" dirty="0" err="1" smtClean="0"/>
+              <a:t>funcionalidad</a:t>
+            </a:r>
+            <a:r>
+              <a:rPr lang="en-US" baseline="0" dirty="0" smtClean="0"/>
+              <a:t> de </a:t>
+            </a:r>
+            <a:r>
+              <a:rPr lang="en-US" baseline="0" dirty="0" err="1" smtClean="0"/>
+              <a:t>agregar</a:t>
+            </a:r>
+            <a:r>
+              <a:rPr lang="en-US" baseline="0" dirty="0" smtClean="0"/>
+              <a:t> </a:t>
+            </a:r>
+            <a:r>
+              <a:rPr lang="en-US" baseline="0" dirty="0" err="1" smtClean="0"/>
+              <a:t>banios</a:t>
+            </a:r>
+            <a:r>
+              <a:rPr lang="en-US" baseline="0" dirty="0" smtClean="0"/>
+              <a:t> </a:t>
+            </a:r>
+            <a:r>
+              <a:rPr lang="en-US" baseline="0" dirty="0" err="1" smtClean="0"/>
+              <a:t>nuevos</a:t>
+            </a:r>
+            <a:r>
+              <a:rPr lang="en-US" baseline="0" dirty="0" smtClean="0"/>
+              <a:t>, con lo </a:t>
+            </a:r>
+            <a:r>
+              <a:rPr lang="en-US" baseline="0" dirty="0" err="1" smtClean="0"/>
+              <a:t>cual</a:t>
+            </a:r>
+            <a:r>
+              <a:rPr lang="en-US" baseline="0" dirty="0" smtClean="0"/>
+              <a:t> se </a:t>
+            </a:r>
+            <a:r>
+              <a:rPr lang="en-US" baseline="0" dirty="0" err="1" smtClean="0"/>
+              <a:t>convierten</a:t>
+            </a:r>
+            <a:r>
+              <a:rPr lang="en-US" baseline="0" dirty="0" smtClean="0"/>
+              <a:t> </a:t>
+            </a:r>
+            <a:r>
+              <a:rPr lang="en-US" baseline="0" dirty="0" err="1" smtClean="0"/>
+              <a:t>automaticamente</a:t>
+            </a:r>
+            <a:r>
+              <a:rPr lang="en-US" baseline="0" dirty="0" smtClean="0"/>
+              <a:t> en </a:t>
+            </a:r>
+            <a:r>
+              <a:rPr lang="en-US" baseline="0" dirty="0" err="1" smtClean="0"/>
+              <a:t>colaboradores</a:t>
+            </a:r>
+            <a:r>
+              <a:rPr lang="en-US" baseline="0" dirty="0" smtClean="0"/>
+              <a:t> del </a:t>
+            </a:r>
+            <a:r>
+              <a:rPr lang="en-US" baseline="0" dirty="0" err="1" smtClean="0"/>
+              <a:t>producto</a:t>
+            </a:r>
+            <a:r>
+              <a:rPr lang="en-US" baseline="0" dirty="0" smtClean="0"/>
+              <a:t>. El </a:t>
+            </a:r>
+            <a:r>
+              <a:rPr lang="en-US" baseline="0" dirty="0" err="1" smtClean="0"/>
+              <a:t>agregar</a:t>
+            </a:r>
+            <a:r>
+              <a:rPr lang="en-US" baseline="0" dirty="0" smtClean="0"/>
+              <a:t> </a:t>
+            </a:r>
+            <a:r>
+              <a:rPr lang="en-US" baseline="0" dirty="0" err="1" smtClean="0"/>
+              <a:t>sanitarios</a:t>
+            </a:r>
+            <a:r>
+              <a:rPr lang="en-US" baseline="0" dirty="0" smtClean="0"/>
+              <a:t> </a:t>
+            </a:r>
+            <a:r>
+              <a:rPr lang="en-US" baseline="0" dirty="0" err="1" smtClean="0"/>
+              <a:t>actuara</a:t>
+            </a:r>
+            <a:r>
+              <a:rPr lang="en-US" baseline="0" dirty="0" smtClean="0"/>
+              <a:t> </a:t>
+            </a:r>
+            <a:r>
+              <a:rPr lang="en-US" baseline="0" dirty="0" err="1" smtClean="0"/>
+              <a:t>como</a:t>
+            </a:r>
+            <a:r>
+              <a:rPr lang="en-US" baseline="0" dirty="0" smtClean="0"/>
+              <a:t> un </a:t>
+            </a:r>
+            <a:r>
+              <a:rPr lang="en-US" baseline="0" dirty="0" err="1" smtClean="0"/>
+              <a:t>sistema</a:t>
+            </a:r>
+            <a:r>
+              <a:rPr lang="en-US" baseline="0" dirty="0" smtClean="0"/>
+              <a:t> de </a:t>
+            </a:r>
+            <a:r>
+              <a:rPr lang="en-US" baseline="0" dirty="0" err="1" smtClean="0"/>
+              <a:t>puntos</a:t>
+            </a:r>
+            <a:r>
+              <a:rPr lang="en-US" baseline="0" dirty="0" smtClean="0"/>
+              <a:t>, </a:t>
+            </a:r>
+            <a:r>
+              <a:rPr lang="en-US" baseline="0" dirty="0" err="1" smtClean="0"/>
+              <a:t>mediante</a:t>
+            </a:r>
+            <a:r>
+              <a:rPr lang="en-US" baseline="0" dirty="0" smtClean="0"/>
+              <a:t> el </a:t>
+            </a:r>
+            <a:r>
+              <a:rPr lang="en-US" baseline="0" dirty="0" err="1" smtClean="0"/>
+              <a:t>cual</a:t>
+            </a:r>
+            <a:r>
+              <a:rPr lang="en-US" baseline="0" dirty="0" smtClean="0"/>
+              <a:t> los </a:t>
+            </a:r>
+            <a:r>
+              <a:rPr lang="en-US" baseline="0" dirty="0" err="1" smtClean="0"/>
+              <a:t>usuarios</a:t>
+            </a:r>
+            <a:r>
+              <a:rPr lang="en-US" baseline="0" dirty="0" smtClean="0"/>
+              <a:t> </a:t>
+            </a:r>
+            <a:r>
+              <a:rPr lang="en-US" baseline="0" dirty="0" err="1" smtClean="0"/>
+              <a:t>podran</a:t>
+            </a:r>
+            <a:r>
+              <a:rPr lang="en-US" baseline="0" dirty="0" smtClean="0"/>
+              <a:t> </a:t>
+            </a:r>
+            <a:r>
+              <a:rPr lang="en-US" baseline="0" dirty="0" err="1" smtClean="0"/>
+              <a:t>acumularlos</a:t>
+            </a:r>
+            <a:r>
+              <a:rPr lang="en-US" baseline="0" dirty="0" smtClean="0"/>
+              <a:t> </a:t>
+            </a:r>
+            <a:r>
+              <a:rPr lang="en-US" baseline="0" dirty="0" err="1" smtClean="0"/>
+              <a:t>para</a:t>
+            </a:r>
+            <a:r>
+              <a:rPr lang="en-US" baseline="0" dirty="0" smtClean="0"/>
+              <a:t> </a:t>
+            </a:r>
+            <a:r>
+              <a:rPr lang="en-US" baseline="0" dirty="0" err="1" smtClean="0"/>
+              <a:t>canjearlos</a:t>
+            </a:r>
+            <a:r>
+              <a:rPr lang="en-US" baseline="0" dirty="0" smtClean="0"/>
+              <a:t> </a:t>
+            </a:r>
+            <a:r>
+              <a:rPr lang="en-US" baseline="0" dirty="0" err="1" smtClean="0"/>
+              <a:t>por</a:t>
+            </a:r>
+            <a:r>
+              <a:rPr lang="en-US" baseline="0" dirty="0" smtClean="0"/>
+              <a:t> packs </a:t>
+            </a:r>
+            <a:r>
+              <a:rPr lang="en-US" baseline="0" dirty="0" err="1" smtClean="0"/>
+              <a:t>promocionales</a:t>
+            </a:r>
+            <a:r>
+              <a:rPr lang="en-US" baseline="0" dirty="0" smtClean="0"/>
+              <a:t> </a:t>
+            </a:r>
+            <a:r>
+              <a:rPr lang="en-US" baseline="0" dirty="0" err="1" smtClean="0"/>
+              <a:t>como</a:t>
+            </a:r>
+            <a:r>
+              <a:rPr lang="en-US" baseline="0" dirty="0" smtClean="0"/>
+              <a:t> </a:t>
+            </a:r>
+            <a:r>
+              <a:rPr lang="en-US" baseline="0" dirty="0" err="1" smtClean="0"/>
+              <a:t>por</a:t>
+            </a:r>
+            <a:r>
+              <a:rPr lang="en-US" baseline="0" dirty="0" smtClean="0"/>
+              <a:t> </a:t>
+            </a:r>
+            <a:r>
+              <a:rPr lang="en-US" baseline="0" dirty="0" err="1" smtClean="0"/>
+              <a:t>ejemplo</a:t>
+            </a:r>
+            <a:r>
+              <a:rPr lang="en-US" baseline="0" dirty="0" smtClean="0"/>
+              <a:t> la </a:t>
+            </a:r>
+            <a:r>
+              <a:rPr lang="en-US" baseline="0" dirty="0" err="1" smtClean="0"/>
+              <a:t>aplicacion</a:t>
+            </a:r>
+            <a:r>
+              <a:rPr lang="en-US" baseline="0" dirty="0" smtClean="0"/>
+              <a:t> sin </a:t>
+            </a:r>
+            <a:r>
+              <a:rPr lang="en-US" baseline="0" dirty="0" err="1" smtClean="0"/>
+              <a:t>publicidad</a:t>
+            </a:r>
+            <a:r>
+              <a:rPr lang="en-US" baseline="0" dirty="0" smtClean="0"/>
+              <a:t>, o con </a:t>
+            </a:r>
+            <a:r>
+              <a:rPr lang="en-US" baseline="0" dirty="0" err="1" smtClean="0"/>
+              <a:t>caracteristicas</a:t>
+            </a:r>
+            <a:r>
+              <a:rPr lang="en-US" baseline="0" dirty="0" smtClean="0"/>
+              <a:t> </a:t>
+            </a:r>
+            <a:r>
+              <a:rPr lang="en-US" baseline="0" dirty="0" err="1" smtClean="0"/>
+              <a:t>especiales</a:t>
+            </a:r>
+            <a:r>
+              <a:rPr lang="en-US" baseline="0" dirty="0" smtClean="0"/>
+              <a:t> </a:t>
+            </a:r>
+            <a:r>
+              <a:rPr lang="en-US" baseline="0" dirty="0" err="1" smtClean="0"/>
+              <a:t>como</a:t>
+            </a:r>
+            <a:r>
+              <a:rPr lang="en-US" baseline="0" dirty="0" smtClean="0"/>
+              <a:t> la </a:t>
+            </a:r>
+            <a:r>
+              <a:rPr lang="en-US" baseline="0" dirty="0" err="1" smtClean="0"/>
+              <a:t>busqueda</a:t>
+            </a:r>
+            <a:r>
+              <a:rPr lang="en-US" baseline="0" dirty="0" smtClean="0"/>
+              <a:t> de </a:t>
+            </a:r>
+            <a:r>
+              <a:rPr lang="en-US" baseline="0" dirty="0" err="1" smtClean="0"/>
+              <a:t>sanitarios</a:t>
+            </a:r>
+            <a:r>
+              <a:rPr lang="en-US" baseline="0" dirty="0" smtClean="0"/>
+              <a:t> </a:t>
+            </a:r>
+            <a:r>
+              <a:rPr lang="en-US" baseline="0" dirty="0" err="1" smtClean="0"/>
+              <a:t>especificos</a:t>
+            </a:r>
+            <a:r>
+              <a:rPr lang="en-US" baseline="0" dirty="0" smtClean="0"/>
+              <a:t> no </a:t>
+            </a:r>
+            <a:r>
+              <a:rPr lang="en-US" baseline="0" dirty="0" err="1" smtClean="0"/>
+              <a:t>necesariamente</a:t>
+            </a:r>
+            <a:r>
+              <a:rPr lang="en-US" baseline="0" dirty="0" smtClean="0"/>
+              <a:t> </a:t>
+            </a:r>
+            <a:r>
+              <a:rPr lang="en-US" baseline="0" dirty="0" err="1" smtClean="0"/>
+              <a:t>cercanos</a:t>
+            </a:r>
+            <a:r>
+              <a:rPr lang="en-US" baseline="0" dirty="0" smtClean="0"/>
+              <a:t> al </a:t>
+            </a:r>
+            <a:r>
+              <a:rPr lang="en-US" baseline="0" dirty="0" err="1" smtClean="0"/>
+              <a:t>lugar</a:t>
+            </a:r>
+            <a:r>
+              <a:rPr lang="en-US" baseline="0" dirty="0" smtClean="0"/>
+              <a:t> </a:t>
+            </a:r>
+            <a:r>
+              <a:rPr lang="en-US" baseline="0" dirty="0" err="1" smtClean="0"/>
+              <a:t>donde</a:t>
+            </a:r>
+            <a:r>
+              <a:rPr lang="en-US" baseline="0" dirty="0" smtClean="0"/>
+              <a:t> se </a:t>
+            </a:r>
+            <a:r>
+              <a:rPr lang="en-US" baseline="0" dirty="0" err="1" smtClean="0"/>
+              <a:t>encuentran</a:t>
+            </a:r>
+            <a:r>
+              <a:rPr lang="en-US" baseline="0" dirty="0" smtClean="0"/>
+              <a:t>.</a:t>
+            </a:r>
+          </a:p>
+          <a:p>
+            <a:endParaRPr lang="en-US" baseline="0" dirty="0" smtClean="0"/>
+          </a:p>
+          <a:p>
+            <a:r>
+              <a:rPr lang="es-ES" baseline="0" noProof="0" dirty="0" err="1" smtClean="0"/>
+              <a:t>Asi</a:t>
+            </a:r>
+            <a:r>
+              <a:rPr lang="en-US" baseline="0" dirty="0" smtClean="0"/>
+              <a:t> </a:t>
+            </a:r>
+            <a:r>
+              <a:rPr lang="es-ES" baseline="0" noProof="0" dirty="0" smtClean="0"/>
+              <a:t>como</a:t>
+            </a:r>
+            <a:r>
+              <a:rPr lang="en-US" baseline="0" dirty="0" smtClean="0"/>
+              <a:t> </a:t>
+            </a:r>
+            <a:r>
+              <a:rPr lang="en-US" baseline="0" dirty="0" err="1" smtClean="0"/>
+              <a:t>agregar</a:t>
+            </a:r>
+            <a:r>
+              <a:rPr lang="en-US" baseline="0" dirty="0" smtClean="0"/>
+              <a:t> </a:t>
+            </a:r>
+            <a:r>
+              <a:rPr lang="en-US" baseline="0" dirty="0" err="1" smtClean="0"/>
+              <a:t>sanitarios</a:t>
+            </a:r>
+            <a:r>
+              <a:rPr lang="en-US" baseline="0" dirty="0" smtClean="0"/>
+              <a:t>, el </a:t>
+            </a:r>
+            <a:r>
+              <a:rPr lang="en-US" baseline="0" dirty="0" err="1" smtClean="0"/>
+              <a:t>compartir</a:t>
+            </a:r>
+            <a:r>
+              <a:rPr lang="en-US" baseline="0" dirty="0" smtClean="0"/>
+              <a:t> la </a:t>
+            </a:r>
+            <a:r>
+              <a:rPr lang="en-US" baseline="0" dirty="0" err="1" smtClean="0"/>
+              <a:t>aplicacion</a:t>
+            </a:r>
+            <a:r>
+              <a:rPr lang="en-US" baseline="0" dirty="0" smtClean="0"/>
+              <a:t> via </a:t>
+            </a:r>
+            <a:r>
+              <a:rPr lang="en-US" baseline="0" dirty="0" err="1" smtClean="0"/>
+              <a:t>redes</a:t>
+            </a:r>
+            <a:r>
+              <a:rPr lang="en-US" baseline="0" dirty="0" smtClean="0"/>
+              <a:t> </a:t>
+            </a:r>
+            <a:r>
+              <a:rPr lang="en-US" baseline="0" dirty="0" err="1" smtClean="0"/>
+              <a:t>sociales</a:t>
+            </a:r>
+            <a:r>
+              <a:rPr lang="en-US" baseline="0" dirty="0" smtClean="0"/>
+              <a:t> o </a:t>
+            </a:r>
+            <a:r>
+              <a:rPr lang="en-US" baseline="0" dirty="0" err="1" smtClean="0"/>
+              <a:t>calificarla</a:t>
+            </a:r>
+            <a:r>
+              <a:rPr lang="en-US" baseline="0" dirty="0" smtClean="0"/>
+              <a:t> en los </a:t>
+            </a:r>
+            <a:r>
+              <a:rPr lang="en-US" baseline="0" dirty="0" err="1" smtClean="0"/>
+              <a:t>distintos</a:t>
+            </a:r>
+            <a:r>
+              <a:rPr lang="en-US" baseline="0" dirty="0" smtClean="0"/>
+              <a:t> </a:t>
+            </a:r>
+            <a:r>
+              <a:rPr lang="en-US" baseline="0" dirty="0" err="1" smtClean="0"/>
+              <a:t>centros</a:t>
+            </a:r>
+            <a:r>
+              <a:rPr lang="en-US" baseline="0" dirty="0" smtClean="0"/>
+              <a:t> </a:t>
+            </a:r>
+            <a:r>
+              <a:rPr lang="en-US" baseline="0" dirty="0" err="1" smtClean="0"/>
+              <a:t>donde</a:t>
+            </a:r>
+            <a:r>
+              <a:rPr lang="en-US" baseline="0" dirty="0" smtClean="0"/>
+              <a:t> se la </a:t>
+            </a:r>
+            <a:r>
+              <a:rPr lang="en-US" baseline="0" dirty="0" err="1" smtClean="0"/>
+              <a:t>ofrezca</a:t>
+            </a:r>
+            <a:r>
+              <a:rPr lang="en-US" baseline="0" dirty="0" smtClean="0"/>
+              <a:t> </a:t>
+            </a:r>
+            <a:r>
+              <a:rPr lang="en-US" baseline="0" dirty="0" err="1" smtClean="0"/>
+              <a:t>tambien</a:t>
+            </a:r>
+            <a:r>
+              <a:rPr lang="en-US" baseline="0" dirty="0" smtClean="0"/>
+              <a:t> </a:t>
+            </a:r>
+            <a:r>
+              <a:rPr lang="en-US" baseline="0" dirty="0" err="1" smtClean="0"/>
+              <a:t>implica</a:t>
+            </a:r>
+            <a:r>
+              <a:rPr lang="en-US" baseline="0" dirty="0" smtClean="0"/>
+              <a:t> el </a:t>
+            </a:r>
+            <a:r>
+              <a:rPr lang="en-US" baseline="0" dirty="0" err="1" smtClean="0"/>
+              <a:t>beneficio</a:t>
+            </a:r>
+            <a:r>
+              <a:rPr lang="en-US" baseline="0" dirty="0" smtClean="0"/>
+              <a:t> de </a:t>
+            </a:r>
+            <a:r>
+              <a:rPr lang="en-US" baseline="0" dirty="0" err="1" smtClean="0"/>
+              <a:t>acumulacion</a:t>
+            </a:r>
+            <a:r>
+              <a:rPr lang="en-US" baseline="0" dirty="0" smtClean="0"/>
+              <a:t> de </a:t>
+            </a:r>
+            <a:r>
+              <a:rPr lang="en-US" baseline="0" dirty="0" err="1" smtClean="0"/>
+              <a:t>puntos</a:t>
+            </a:r>
+            <a:r>
+              <a:rPr lang="en-US" baseline="0" dirty="0" smtClean="0"/>
+              <a:t> </a:t>
+            </a:r>
+            <a:r>
+              <a:rPr lang="en-US" baseline="0" dirty="0" err="1" smtClean="0"/>
+              <a:t>para</a:t>
+            </a:r>
+            <a:r>
+              <a:rPr lang="en-US" baseline="0" dirty="0" smtClean="0"/>
+              <a:t> </a:t>
+            </a:r>
+            <a:r>
+              <a:rPr lang="en-US" baseline="0" dirty="0" err="1" smtClean="0"/>
+              <a:t>su</a:t>
+            </a:r>
+            <a:r>
+              <a:rPr lang="en-US" baseline="0" dirty="0" smtClean="0"/>
+              <a:t> posterior </a:t>
+            </a:r>
+            <a:r>
+              <a:rPr lang="en-US" baseline="0" dirty="0" err="1" smtClean="0"/>
+              <a:t>canejo</a:t>
+            </a:r>
+            <a:r>
+              <a:rPr lang="en-US" baseline="0" dirty="0" smtClean="0"/>
+              <a:t>.</a:t>
+            </a:r>
+          </a:p>
+          <a:p>
+            <a:endParaRPr lang="en-US" baseline="0" dirty="0" smtClean="0"/>
+          </a:p>
+          <a:p>
+            <a:r>
+              <a:rPr lang="en-US" baseline="0" dirty="0" smtClean="0"/>
+              <a:t>Este </a:t>
+            </a:r>
+            <a:r>
+              <a:rPr lang="en-US" baseline="0" dirty="0" err="1" smtClean="0"/>
+              <a:t>sistema</a:t>
+            </a:r>
+            <a:r>
+              <a:rPr lang="en-US" baseline="0" dirty="0" smtClean="0"/>
+              <a:t> de </a:t>
+            </a:r>
+            <a:r>
+              <a:rPr lang="en-US" baseline="0" dirty="0" err="1" smtClean="0"/>
+              <a:t>motivacion</a:t>
+            </a:r>
+            <a:r>
+              <a:rPr lang="en-US" baseline="0" dirty="0" smtClean="0"/>
+              <a:t> </a:t>
+            </a:r>
+            <a:r>
+              <a:rPr lang="en-US" baseline="0" dirty="0" err="1" smtClean="0"/>
+              <a:t>logra</a:t>
+            </a:r>
+            <a:r>
+              <a:rPr lang="en-US" baseline="0" dirty="0" smtClean="0"/>
+              <a:t> </a:t>
+            </a:r>
+            <a:r>
+              <a:rPr lang="en-US" baseline="0" dirty="0" err="1" smtClean="0"/>
+              <a:t>expandir</a:t>
+            </a:r>
+            <a:r>
+              <a:rPr lang="en-US" baseline="0" dirty="0" smtClean="0"/>
+              <a:t> el </a:t>
+            </a:r>
+            <a:r>
+              <a:rPr lang="en-US" baseline="0" dirty="0" err="1" smtClean="0"/>
+              <a:t>producto</a:t>
+            </a:r>
+            <a:r>
+              <a:rPr lang="en-US" baseline="0" dirty="0" smtClean="0"/>
+              <a:t> en el </a:t>
+            </a:r>
+            <a:r>
+              <a:rPr lang="en-US" baseline="0" dirty="0" err="1" smtClean="0"/>
+              <a:t>aspecto</a:t>
+            </a:r>
+            <a:r>
+              <a:rPr lang="en-US" baseline="0" dirty="0" smtClean="0"/>
+              <a:t> de </a:t>
+            </a:r>
+            <a:r>
+              <a:rPr lang="en-US" baseline="0" dirty="0" err="1" smtClean="0"/>
+              <a:t>cantidad</a:t>
+            </a:r>
+            <a:r>
+              <a:rPr lang="en-US" baseline="0" dirty="0" smtClean="0"/>
+              <a:t> de </a:t>
+            </a:r>
+            <a:r>
+              <a:rPr lang="en-US" baseline="0" dirty="0" err="1" smtClean="0"/>
+              <a:t>sanitarios</a:t>
+            </a:r>
+            <a:r>
+              <a:rPr lang="en-US" baseline="0" dirty="0" smtClean="0"/>
+              <a:t> </a:t>
+            </a:r>
+            <a:r>
+              <a:rPr lang="en-US" baseline="0" dirty="0" err="1" smtClean="0"/>
+              <a:t>disponibles</a:t>
+            </a:r>
+            <a:r>
+              <a:rPr lang="en-US" baseline="0" dirty="0" smtClean="0"/>
+              <a:t>, </a:t>
+            </a:r>
+            <a:r>
+              <a:rPr lang="en-US" baseline="0" dirty="0" err="1" smtClean="0"/>
+              <a:t>difundirlo</a:t>
+            </a:r>
+            <a:r>
+              <a:rPr lang="en-US" baseline="0" dirty="0" smtClean="0"/>
+              <a:t> de </a:t>
+            </a:r>
+            <a:r>
+              <a:rPr lang="en-US" baseline="0" dirty="0" err="1" smtClean="0"/>
+              <a:t>manera</a:t>
+            </a:r>
+            <a:r>
+              <a:rPr lang="en-US" baseline="0" dirty="0" smtClean="0"/>
+              <a:t> viral (via </a:t>
+            </a:r>
+            <a:r>
+              <a:rPr lang="en-US" baseline="0" dirty="0" err="1" smtClean="0"/>
+              <a:t>redes</a:t>
+            </a:r>
+            <a:r>
+              <a:rPr lang="en-US" baseline="0" dirty="0" smtClean="0"/>
+              <a:t> </a:t>
+            </a:r>
+            <a:r>
+              <a:rPr lang="en-US" baseline="0" dirty="0" err="1" smtClean="0"/>
+              <a:t>sociales</a:t>
+            </a:r>
+            <a:r>
+              <a:rPr lang="en-US" baseline="0" dirty="0" smtClean="0"/>
+              <a:t>) y </a:t>
+            </a:r>
+            <a:r>
+              <a:rPr lang="en-US" baseline="0" dirty="0" err="1" smtClean="0"/>
+              <a:t>mantiene</a:t>
+            </a:r>
+            <a:r>
+              <a:rPr lang="en-US" baseline="0" dirty="0" smtClean="0"/>
+              <a:t> a los </a:t>
+            </a:r>
+            <a:r>
+              <a:rPr lang="en-US" baseline="0" dirty="0" err="1" smtClean="0"/>
+              <a:t>usuarios</a:t>
+            </a:r>
+            <a:r>
+              <a:rPr lang="en-US" baseline="0" dirty="0" smtClean="0"/>
+              <a:t> </a:t>
+            </a:r>
+            <a:r>
+              <a:rPr lang="en-US" baseline="0" dirty="0" err="1" smtClean="0"/>
+              <a:t>involucrados</a:t>
+            </a:r>
+            <a:r>
+              <a:rPr lang="en-US" baseline="0" dirty="0" smtClean="0"/>
+              <a:t> con la </a:t>
+            </a:r>
+            <a:r>
+              <a:rPr lang="en-US" baseline="0" dirty="0" err="1" smtClean="0"/>
+              <a:t>aplicacion</a:t>
+            </a:r>
+            <a:r>
+              <a:rPr lang="en-US" baseline="0" dirty="0" smtClean="0"/>
+              <a:t> </a:t>
+            </a:r>
+            <a:r>
+              <a:rPr lang="en-US" baseline="0" dirty="0" err="1" smtClean="0"/>
+              <a:t>haciendoles</a:t>
+            </a:r>
+            <a:r>
+              <a:rPr lang="en-US" baseline="0" dirty="0" smtClean="0"/>
+              <a:t> </a:t>
+            </a:r>
+            <a:r>
+              <a:rPr lang="en-US" baseline="0" dirty="0" err="1" smtClean="0"/>
+              <a:t>sentir</a:t>
+            </a:r>
+            <a:r>
+              <a:rPr lang="en-US" baseline="0" dirty="0" smtClean="0"/>
+              <a:t> </a:t>
+            </a:r>
+            <a:r>
+              <a:rPr lang="en-US" baseline="0" dirty="0" err="1" smtClean="0"/>
+              <a:t>que</a:t>
+            </a:r>
+            <a:r>
+              <a:rPr lang="en-US" baseline="0" dirty="0" smtClean="0"/>
+              <a:t> son parte del </a:t>
+            </a:r>
+            <a:r>
+              <a:rPr lang="en-US" baseline="0" dirty="0" err="1" smtClean="0"/>
+              <a:t>desarrollo</a:t>
+            </a:r>
+            <a:r>
+              <a:rPr lang="en-US" baseline="0" dirty="0" smtClean="0"/>
+              <a:t> de la </a:t>
+            </a:r>
+            <a:r>
+              <a:rPr lang="en-US" baseline="0" dirty="0" err="1" smtClean="0"/>
+              <a:t>misma</a:t>
+            </a:r>
+            <a:r>
+              <a:rPr lang="en-US" baseline="0" dirty="0" smtClean="0"/>
+              <a:t>.</a:t>
             </a:r>
           </a:p>
         </p:txBody>
       </p:sp>
       <p:sp>
         <p:nvSpPr>
-          <p:cNvPr id="4" name="Slide Number Placeholder 3"/>
+          <p:cNvPr id="4" name="3 Marcador de número de diapositiva"/>
           <p:cNvSpPr>
             <a:spLocks noGrp="1"/>
           </p:cNvSpPr>
@@ -4559,11 +4875,6 @@
         </p:txBody>
       </p:sp>
     </p:spTree>
-    <p:extLst>
-      <p:ext uri="{BB962C8B-B14F-4D97-AF65-F5344CB8AC3E}">
-        <p14:creationId xmlns:p14="http://schemas.microsoft.com/office/powerpoint/2010/main" val="448154425"/>
-      </p:ext>
-    </p:extLst>
   </p:cSld>
   <p:clrMapOvr>
     <a:masterClrMapping/>
@@ -4590,7 +4901,7 @@
       </p:grpSpPr>
       <p:sp>
         <p:nvSpPr>
-          <p:cNvPr id="2" name="Slide Image Placeholder 1"/>
+          <p:cNvPr id="2" name="1 Marcador de imagen de diapositiva"/>
           <p:cNvSpPr>
             <a:spLocks noGrp="1" noRot="1" noChangeAspect="1"/>
           </p:cNvSpPr>
@@ -4602,7 +4913,7 @@
       </p:sp>
       <p:sp>
         <p:nvSpPr>
-          <p:cNvPr id="3" name="Notes Placeholder 2"/>
+          <p:cNvPr id="3" name="2 Marcador de notas"/>
           <p:cNvSpPr>
             <a:spLocks noGrp="1"/>
           </p:cNvSpPr>
@@ -4612,176 +4923,156 @@
         </p:nvSpPr>
         <p:spPr/>
         <p:txBody>
-          <a:bodyPr/>
+          <a:bodyPr>
+            <a:normAutofit lnSpcReduction="10000"/>
+          </a:bodyPr>
           <a:lstStyle/>
           <a:p>
             <a:r>
+              <a:rPr lang="en-US" baseline="0" dirty="0" err="1" smtClean="0"/>
+              <a:t>Nos</a:t>
+            </a:r>
+            <a:r>
+              <a:rPr lang="en-US" baseline="0" dirty="0" smtClean="0"/>
+              <a:t> </a:t>
+            </a:r>
+            <a:r>
+              <a:rPr lang="en-US" baseline="0" dirty="0" err="1" smtClean="0"/>
+              <a:t>queda</a:t>
+            </a:r>
+            <a:r>
+              <a:rPr lang="en-US" baseline="0" dirty="0" smtClean="0"/>
+              <a:t> </a:t>
+            </a:r>
+            <a:r>
+              <a:rPr lang="en-US" baseline="0" dirty="0" err="1" smtClean="0"/>
+              <a:t>por</a:t>
+            </a:r>
+            <a:r>
+              <a:rPr lang="en-US" baseline="0" dirty="0" smtClean="0"/>
+              <a:t> </a:t>
+            </a:r>
+            <a:r>
+              <a:rPr lang="en-US" baseline="0" dirty="0" err="1" smtClean="0"/>
+              <a:t>cubrir</a:t>
+            </a:r>
+            <a:r>
+              <a:rPr lang="en-US" baseline="0" dirty="0" smtClean="0"/>
+              <a:t> </a:t>
+            </a:r>
+            <a:r>
+              <a:rPr lang="en-US" baseline="0" dirty="0" err="1" smtClean="0"/>
+              <a:t>es</a:t>
+            </a:r>
+            <a:r>
+              <a:rPr lang="en-US" baseline="0" dirty="0" smtClean="0"/>
+              <a:t> el </a:t>
+            </a:r>
+            <a:r>
+              <a:rPr lang="en-US" baseline="0" dirty="0" err="1" smtClean="0"/>
+              <a:t>tema</a:t>
+            </a:r>
+            <a:r>
+              <a:rPr lang="en-US" baseline="0" dirty="0" smtClean="0"/>
+              <a:t> legal.</a:t>
+            </a:r>
+          </a:p>
+          <a:p>
+            <a:r>
+              <a:rPr lang="en-US" baseline="0" dirty="0" err="1" smtClean="0"/>
+              <a:t>Nos</a:t>
+            </a:r>
+            <a:r>
+              <a:rPr lang="en-US" baseline="0" dirty="0" smtClean="0"/>
+              <a:t> </a:t>
+            </a:r>
+            <a:r>
+              <a:rPr lang="en-US" baseline="0" dirty="0" err="1" smtClean="0"/>
+              <a:t>amparan</a:t>
+            </a:r>
+            <a:r>
+              <a:rPr lang="en-US" baseline="0" dirty="0" smtClean="0"/>
+              <a:t> la </a:t>
+            </a:r>
+            <a:r>
               <a:rPr lang="es-AR" dirty="0" smtClean="0"/>
-              <a:t>Nuestro elemento fundamental</a:t>
-            </a:r>
-            <a:r>
-              <a:rPr lang="es-AR" baseline="0" dirty="0" smtClean="0"/>
-              <a:t> de recaudación de ingresos y retorno de inversión es, además de las descargas pagas de la aplicación como ya hemos mencionado previamente, el brindar un espacio de publicidad a nuestros sponsors.</a:t>
-            </a:r>
-          </a:p>
-          <a:p>
-            <a:r>
-              <a:rPr lang="es-AR" baseline="0" dirty="0" smtClean="0"/>
-              <a:t>La publicidad embebida en la aplicación genera ingresos tanto por cantidad de </a:t>
+              <a:t>ley de acceso a la </a:t>
+            </a:r>
+            <a:r>
+              <a:rPr lang="es-AR" dirty="0" err="1" smtClean="0"/>
+              <a:t>informacion</a:t>
+            </a:r>
+            <a:r>
+              <a:rPr lang="es-AR" dirty="0" smtClean="0"/>
+              <a:t> publica, en cuanto a la divulgación de datos</a:t>
+            </a:r>
+            <a:r>
+              <a:rPr lang="es-AR" baseline="0" dirty="0" smtClean="0"/>
+              <a:t> respecto de direcciones y demás.</a:t>
+            </a:r>
+          </a:p>
+          <a:p>
+            <a:r>
+              <a:rPr lang="es-AR" baseline="0" dirty="0" smtClean="0"/>
+              <a:t>Y en cuanto al acceso a baños de cafés y </a:t>
             </a:r>
             <a:r>
               <a:rPr lang="es-AR" baseline="0" dirty="0" err="1" smtClean="0"/>
-              <a:t>vistar</a:t>
-            </a:r>
-            <a:r>
-              <a:rPr lang="es-AR" baseline="0" dirty="0" smtClean="0"/>
-              <a:t>, es decir cada vez que un usuario accede a la aplicación, como por cantidad de </a:t>
-            </a:r>
-            <a:r>
-              <a:rPr lang="es-AR" baseline="0" dirty="0" err="1" smtClean="0"/>
-              <a:t>clicks</a:t>
-            </a:r>
-            <a:r>
-              <a:rPr lang="es-AR" baseline="0" dirty="0" smtClean="0"/>
-              <a:t> que el usuario realizar sobre el banner de publicidad.</a:t>
-            </a:r>
-          </a:p>
-          <a:p>
-            <a:r>
-              <a:rPr lang="es-AR" baseline="0" dirty="0" smtClean="0"/>
-              <a:t>Ahora  a continuación detallaremos más cómo se compondrá el </a:t>
-            </a:r>
-            <a:r>
-              <a:rPr lang="es-AR" baseline="0" dirty="0" err="1" smtClean="0"/>
-              <a:t>cashflow</a:t>
-            </a:r>
-            <a:r>
-              <a:rPr lang="es-AR" baseline="0" dirty="0" smtClean="0"/>
-              <a:t> del negocio, teniendo en cuenta este ingreso inmediato.</a:t>
-            </a:r>
-          </a:p>
-          <a:p>
-            <a:pPr marL="0" marR="0" indent="0" algn="l" defTabSz="914400" rtl="0" eaLnBrk="1" fontAlgn="auto" latinLnBrk="0" hangingPunct="1">
-              <a:lnSpc>
-                <a:spcPct val="100000"/>
-              </a:lnSpc>
-              <a:spcBef>
-                <a:spcPts val="0"/>
-              </a:spcBef>
-              <a:spcAft>
-                <a:spcPts val="0"/>
-              </a:spcAft>
-              <a:buClrTx/>
-              <a:buSzTx/>
-              <a:buFontTx/>
-              <a:buNone/>
-              <a:tabLst/>
-              <a:defRPr/>
-            </a:pPr>
-            <a:endParaRPr lang="es-AR" baseline="0" dirty="0" smtClean="0"/>
-          </a:p>
-          <a:p>
-            <a:pPr marL="0" marR="0" indent="0" algn="l" defTabSz="914400" rtl="0" eaLnBrk="1" fontAlgn="auto" latinLnBrk="0" hangingPunct="1">
-              <a:lnSpc>
-                <a:spcPct val="100000"/>
-              </a:lnSpc>
-              <a:spcBef>
-                <a:spcPts val="0"/>
-              </a:spcBef>
-              <a:spcAft>
-                <a:spcPts val="0"/>
-              </a:spcAft>
-              <a:buClrTx/>
-              <a:buSzTx/>
-              <a:buFontTx/>
-              <a:buNone/>
-              <a:tabLst/>
-              <a:defRPr/>
-            </a:pPr>
-            <a:r>
-              <a:rPr lang="es-AR" baseline="0" dirty="0" smtClean="0"/>
-              <a:t>Para los escenarios que mostraremos a continuación se ha tenido en cuenta ingresos provenientes de la publicidad y de la </a:t>
-            </a:r>
-            <a:r>
-              <a:rPr lang="es-AR" baseline="0" dirty="0" err="1" smtClean="0"/>
-              <a:t>version</a:t>
-            </a:r>
-            <a:r>
-              <a:rPr lang="es-AR" baseline="0" dirty="0" smtClean="0"/>
-              <a:t> paga:</a:t>
-            </a:r>
-          </a:p>
-          <a:p>
-            <a:pPr marL="0" marR="0" indent="0" algn="l" defTabSz="914400" rtl="0" eaLnBrk="1" fontAlgn="auto" latinLnBrk="0" hangingPunct="1">
-              <a:lnSpc>
-                <a:spcPct val="100000"/>
-              </a:lnSpc>
-              <a:spcBef>
-                <a:spcPts val="0"/>
-              </a:spcBef>
-              <a:spcAft>
-                <a:spcPts val="0"/>
-              </a:spcAft>
-              <a:buClrTx/>
-              <a:buSzTx/>
-              <a:buFontTx/>
-              <a:buNone/>
-              <a:tabLst/>
-              <a:defRPr/>
-            </a:pPr>
-            <a:r>
-              <a:rPr lang="es-AR" baseline="0" dirty="0" smtClean="0"/>
-              <a:t>la descarga de aplicación a 1 dólar (para la versión paga) los ingresos por </a:t>
-            </a:r>
-            <a:r>
-              <a:rPr lang="es-AR" baseline="0" dirty="0" err="1" smtClean="0"/>
-              <a:t>google</a:t>
-            </a:r>
-            <a:r>
-              <a:rPr lang="es-AR" baseline="0" dirty="0" smtClean="0"/>
-              <a:t> </a:t>
-            </a:r>
-            <a:r>
-              <a:rPr lang="es-AR" baseline="0" dirty="0" err="1" smtClean="0"/>
-              <a:t>Adds</a:t>
-            </a:r>
-            <a:r>
-              <a:rPr lang="es-AR" baseline="0" dirty="0" smtClean="0"/>
-              <a:t> en base a la cantidad de vistas y </a:t>
-            </a:r>
-            <a:r>
-              <a:rPr lang="es-AR" baseline="0" dirty="0" err="1" smtClean="0"/>
-              <a:t>clicks</a:t>
-            </a:r>
-            <a:r>
-              <a:rPr lang="es-AR" baseline="0" dirty="0" smtClean="0"/>
-              <a:t>. Para esto último se ha considerado los valores más bajos del mercado, es decir, tan solo 15 (15-30)  centavos por </a:t>
-            </a:r>
-            <a:r>
-              <a:rPr lang="es-AR" baseline="0" dirty="0" err="1" smtClean="0"/>
-              <a:t>clicks</a:t>
-            </a:r>
-            <a:r>
-              <a:rPr lang="es-AR" baseline="0" dirty="0" smtClean="0"/>
-              <a:t>, una probabilidad de </a:t>
-            </a:r>
-            <a:r>
-              <a:rPr lang="es-AR" baseline="0" dirty="0" err="1" smtClean="0"/>
-              <a:t>click</a:t>
-            </a:r>
-            <a:r>
-              <a:rPr lang="es-AR" baseline="0" dirty="0" smtClean="0"/>
-              <a:t> de 1,5% (1,5%-2,5%)  y 10 centavo por cada mil vistas.</a:t>
-            </a:r>
-          </a:p>
-          <a:p>
-            <a:endParaRPr lang="es-AR" dirty="0"/>
+              <a:t>restauranes</a:t>
+            </a:r>
+            <a:r>
+              <a:rPr lang="es-AR" baseline="0" dirty="0" smtClean="0"/>
+              <a:t> en CABA las resoluciones </a:t>
+            </a:r>
+            <a:r>
+              <a:rPr lang="es-AR" b="1" dirty="0" smtClean="0">
+                <a:effectLst/>
+              </a:rPr>
+              <a:t>Nº 46798 y </a:t>
+            </a:r>
+            <a:r>
+              <a:rPr lang="es-AR" sz="1200" b="1" kern="1200" dirty="0" smtClean="0">
+                <a:solidFill>
+                  <a:schemeClr val="tx1"/>
+                </a:solidFill>
+                <a:effectLst/>
+                <a:latin typeface="+mn-lt"/>
+                <a:ea typeface="+mn-ea"/>
+                <a:cs typeface="+mn-cs"/>
+              </a:rPr>
+              <a:t>DECRETO</a:t>
+            </a:r>
+            <a:r>
+              <a:rPr lang="es-AR" sz="1200" kern="1200" dirty="0" smtClean="0">
+                <a:solidFill>
+                  <a:schemeClr val="tx1"/>
+                </a:solidFill>
+                <a:effectLst/>
+                <a:latin typeface="+mn-lt"/>
+                <a:ea typeface="+mn-ea"/>
+                <a:cs typeface="+mn-cs"/>
+              </a:rPr>
+              <a:t> Nº </a:t>
+            </a:r>
+            <a:r>
+              <a:rPr lang="es-AR" sz="1200" b="1" kern="1200" dirty="0" smtClean="0">
+                <a:solidFill>
+                  <a:schemeClr val="tx1"/>
+                </a:solidFill>
+                <a:effectLst/>
+                <a:latin typeface="+mn-lt"/>
+                <a:ea typeface="+mn-ea"/>
+                <a:cs typeface="+mn-cs"/>
+              </a:rPr>
+              <a:t>193.</a:t>
+            </a:r>
+            <a:endParaRPr lang="en-US" baseline="0" dirty="0" smtClean="0"/>
           </a:p>
         </p:txBody>
       </p:sp>
       <p:sp>
         <p:nvSpPr>
-          <p:cNvPr id="4" name="Slide Number Placeholder 3"/>
+          <p:cNvPr id="4" name="3 Marcador de número de diapositiva"/>
           <p:cNvSpPr>
             <a:spLocks noGrp="1"/>
           </p:cNvSpPr>
@@ -4804,11 +5095,6 @@
         </p:txBody>
       </p:sp>
     </p:spTree>
-    <p:extLst>
-      <p:ext uri="{BB962C8B-B14F-4D97-AF65-F5344CB8AC3E}">
-        <p14:creationId xmlns:p14="http://schemas.microsoft.com/office/powerpoint/2010/main" val="1057133531"/>
-      </p:ext>
-    </p:extLst>
   </p:cSld>
   <p:clrMapOvr>
     <a:masterClrMapping/>
@@ -4860,132 +5146,38 @@
           <a:bodyPr/>
           <a:lstStyle/>
           <a:p>
+            <a:pPr marL="0" marR="0" indent="0" algn="l" defTabSz="914400" rtl="0" eaLnBrk="1" fontAlgn="auto" latinLnBrk="0" hangingPunct="1">
+              <a:lnSpc>
+                <a:spcPct val="100000"/>
+              </a:lnSpc>
+              <a:spcBef>
+                <a:spcPts val="0"/>
+              </a:spcBef>
+              <a:spcAft>
+                <a:spcPts val="0"/>
+              </a:spcAft>
+              <a:buClrTx/>
+              <a:buSzTx/>
+              <a:buFontTx/>
+              <a:buNone/>
+              <a:tabLst/>
+              <a:defRPr/>
+            </a:pPr>
             <a:r>
               <a:rPr lang="es-AR" dirty="0" smtClean="0"/>
-              <a:t>En primer lugar, mostraremos el peor caso,</a:t>
-            </a:r>
-            <a:r>
-              <a:rPr lang="es-AR" baseline="0" dirty="0" smtClean="0"/>
-              <a:t> en el que el producto no se expanda fuera del país y que luego de 2 años se estanque en un 3% del mercado nacional. En ese caso, hemos considerado solo el mercado de </a:t>
+              <a:t>Luego</a:t>
+            </a:r>
+            <a:r>
+              <a:rPr lang="es-AR" baseline="0" dirty="0" smtClean="0"/>
+              <a:t> de escuchar sobre el producto, probablemente </a:t>
             </a:r>
             <a:r>
               <a:rPr lang="es-AR" baseline="0" dirty="0" err="1" smtClean="0"/>
-              <a:t>android</a:t>
-            </a:r>
-            <a:r>
-              <a:rPr lang="es-AR" baseline="0" dirty="0" smtClean="0"/>
-              <a:t> y hemos tomado como patrón de crecimiento estadísticas de otras empresas conocidas. </a:t>
-            </a:r>
-          </a:p>
-          <a:p>
-            <a:r>
-              <a:rPr lang="es-AR" baseline="0" dirty="0" smtClean="0"/>
-              <a:t>Hemos generado dos escenarios posibles: uno que permite a los usuarios tener una versión paga (y sin publicidad) y otro sin esta opción. </a:t>
-            </a:r>
-            <a:r>
-              <a:rPr lang="es-AR" baseline="0" dirty="0" err="1" smtClean="0"/>
-              <a:t>Pára</a:t>
-            </a:r>
-            <a:r>
-              <a:rPr lang="es-AR" baseline="0" dirty="0" smtClean="0"/>
-              <a:t> calcular en el primer caso cuantos usuarios optarían por una versión paga, nos basamos en encuestas que nos devolvieron que el 10% de los usuarios </a:t>
-            </a:r>
-            <a:r>
-              <a:rPr lang="es-AR" baseline="0" dirty="0" err="1" smtClean="0"/>
-              <a:t>eligirían</a:t>
-            </a:r>
-            <a:r>
-              <a:rPr lang="es-AR" baseline="0" dirty="0" smtClean="0"/>
-              <a:t> esta </a:t>
-            </a:r>
-            <a:r>
-              <a:rPr lang="es-AR" baseline="0" dirty="0" err="1" smtClean="0"/>
-              <a:t>opcion</a:t>
-            </a:r>
-            <a:r>
-              <a:rPr lang="es-AR" baseline="0" dirty="0" smtClean="0"/>
-              <a:t>.</a:t>
-            </a:r>
-          </a:p>
-          <a:p>
-            <a:endParaRPr lang="es-AR" baseline="0" dirty="0" smtClean="0"/>
-          </a:p>
-          <a:p>
-            <a:r>
-              <a:rPr lang="es-AR" baseline="0" dirty="0" smtClean="0"/>
-              <a:t>En este gráfico se puede ver como la aplicación crecería fuertemente hasta el mes 11, llegando a los 100mil usuarios y finalmente iría disminuyendo su crecimiento a partir de ahí hasta estancarse en 160mil usuarios. </a:t>
-            </a:r>
-          </a:p>
-          <a:p>
-            <a:r>
-              <a:rPr lang="es-AR" baseline="0" dirty="0" smtClean="0"/>
-              <a:t>En lo referente la </a:t>
-            </a:r>
-            <a:r>
-              <a:rPr lang="es-AR" baseline="0" dirty="0" err="1" smtClean="0"/>
-              <a:t>variacion</a:t>
-            </a:r>
-            <a:r>
-              <a:rPr lang="es-AR" baseline="0" dirty="0" smtClean="0"/>
-              <a:t> de los ingresos, los mismas acompañan el crecimiento de la cantidad de usuarios, teniendo en el caso de la versión paga un crecimiento mas pronunciado mientras la aplicación este en plena expansión (casi 7k </a:t>
-            </a:r>
-            <a:r>
-              <a:rPr lang="es-AR" baseline="0" dirty="0" err="1" smtClean="0"/>
-              <a:t>dolares</a:t>
-            </a:r>
-            <a:r>
-              <a:rPr lang="es-AR" baseline="0" dirty="0" smtClean="0"/>
-              <a:t>). Finalmente ambos escenarios se estabilizarían luego de dos años entre 5800 y 7000</a:t>
-            </a:r>
-          </a:p>
-          <a:p>
-            <a:r>
-              <a:rPr lang="es-AR" baseline="0" dirty="0" smtClean="0"/>
-              <a:t>Los gastos para mantener la aplicación son entre el 19-21%, de acuerdo al escenario y otras variables. Para calcular los gastos, hemos tenido supuesto que almacenaremos la información en la nube y hemos calculado los precios basado en esto. Se han sumado el valor de almacenamiento, </a:t>
-            </a:r>
-            <a:r>
-              <a:rPr lang="es-AR" baseline="0" dirty="0" err="1" smtClean="0"/>
-              <a:t>asi</a:t>
-            </a:r>
-            <a:r>
-              <a:rPr lang="es-AR" baseline="0" dirty="0" smtClean="0"/>
-              <a:t> como de transferencia de datos. Sobre estos puntos se entrará mas en detalle en la </a:t>
-            </a:r>
-            <a:r>
-              <a:rPr lang="es-AR" baseline="0" smtClean="0"/>
-              <a:t>explicación técnica.</a:t>
-            </a:r>
-            <a:endParaRPr lang="es-AR" baseline="0" dirty="0" smtClean="0"/>
-          </a:p>
-          <a:p>
-            <a:endParaRPr lang="es-AR" baseline="0" dirty="0" smtClean="0"/>
-          </a:p>
-          <a:p>
-            <a:r>
-              <a:rPr lang="es-AR" baseline="0" dirty="0" smtClean="0"/>
-              <a:t>Finalmente se puede concluir, que siendo este el peor escenario posible, teniendo en cuenta los precios mas bajos del mercado en lo referente a publicidad, sin considerar la </a:t>
-            </a:r>
-            <a:r>
-              <a:rPr lang="es-AR" baseline="0" dirty="0" err="1" smtClean="0"/>
-              <a:t>expansion</a:t>
-            </a:r>
-            <a:r>
-              <a:rPr lang="es-AR" baseline="0" dirty="0" smtClean="0"/>
-              <a:t> del mercado de </a:t>
-            </a:r>
-            <a:r>
-              <a:rPr lang="es-AR" baseline="0" dirty="0" err="1" smtClean="0"/>
-              <a:t>smartphones</a:t>
-            </a:r>
-            <a:r>
-              <a:rPr lang="es-AR" baseline="0" dirty="0" smtClean="0"/>
-              <a:t> en un futuro y considerando tan solo una expansión del 3%, el negocio no daría perdidas y hasta estaría brindando un margen de ganancias.</a:t>
-            </a:r>
-          </a:p>
-          <a:p>
-            <a:r>
-              <a:rPr lang="es-AR" baseline="0" dirty="0" smtClean="0"/>
-              <a:t>Sin embargo, ahora nos podríamos preguntar, y si la aplicación es realmente un éxito y se expande a otros mercados con una captación mayor?</a:t>
+              <a:t>esten</a:t>
+            </a:r>
+            <a:r>
+              <a:rPr lang="es-AR" baseline="0" dirty="0" smtClean="0"/>
+              <a:t> pensando “esto muy lindo, realmente me gustaría tener esta aplicación, pero realmente voy a ganar dinero con ella?”. Pues sí señores. Hemos analizado distintos escenarios basados en casos reales y a modo de ejemplo les mostraremos dos de ellos</a:t>
             </a:r>
           </a:p>
         </p:txBody>
@@ -5017,7 +5209,7 @@
     </p:spTree>
     <p:extLst>
       <p:ext uri="{BB962C8B-B14F-4D97-AF65-F5344CB8AC3E}">
-        <p14:creationId xmlns:p14="http://schemas.microsoft.com/office/powerpoint/2010/main" val="3003342862"/>
+        <p14:creationId xmlns:p14="http://schemas.microsoft.com/office/powerpoint/2010/main" val="448154425"/>
       </p:ext>
     </p:extLst>
   </p:cSld>
@@ -8439,47 +8631,127 @@
         </p:nvSpPr>
         <p:spPr/>
         <p:txBody>
-          <a:bodyPr>
-            <a:normAutofit/>
+          <a:bodyPr/>
+          <a:lstStyle/>
+          <a:p>
+            <a:r>
+              <a:rPr lang="es-AR" dirty="0" smtClean="0"/>
+              <a:t>Publicidad</a:t>
+            </a:r>
+            <a:endParaRPr lang="es-AR" dirty="0"/>
+          </a:p>
+        </p:txBody>
+      </p:sp>
+      <p:pic>
+        <p:nvPicPr>
+          <p:cNvPr id="4" name="Content Placeholder 3"/>
+          <p:cNvPicPr>
+            <a:picLocks noGrp="1" noChangeAspect="1"/>
+          </p:cNvPicPr>
+          <p:nvPr>
+            <p:ph idx="1"/>
+          </p:nvPr>
+        </p:nvPicPr>
+        <p:blipFill>
+          <a:blip r:embed="rId3" cstate="print">
+            <a:extLst>
+              <a:ext uri="{28A0092B-C50C-407E-A947-70E740481C1C}">
+                <a14:useLocalDpi xmlns:a14="http://schemas.microsoft.com/office/drawing/2010/main" val="0"/>
+              </a:ext>
+            </a:extLst>
+          </a:blip>
+          <a:stretch>
+            <a:fillRect/>
+          </a:stretch>
+        </p:blipFill>
+        <p:spPr>
+          <a:xfrm>
+            <a:off x="6084168" y="1412776"/>
+            <a:ext cx="2545854" cy="4525963"/>
+          </a:xfrm>
+        </p:spPr>
+      </p:pic>
+      <p:sp>
+        <p:nvSpPr>
+          <p:cNvPr id="5" name="TextBox 4"/>
+          <p:cNvSpPr txBox="1"/>
+          <p:nvPr/>
+        </p:nvSpPr>
+        <p:spPr>
+          <a:xfrm>
+            <a:off x="2771800" y="2177167"/>
+            <a:ext cx="3384376" cy="3877985"/>
+          </a:xfrm>
+          <a:prstGeom prst="rect">
+            <a:avLst/>
+          </a:prstGeom>
+          <a:noFill/>
+        </p:spPr>
+        <p:txBody>
+          <a:bodyPr wrap="square" rtlCol="0">
+            <a:spAutoFit/>
           </a:bodyPr>
           <a:lstStyle/>
           <a:p>
             <a:r>
-              <a:rPr lang="es-AR" dirty="0" smtClean="0"/>
-              <a:t>Caso 2: expansión exitosa global</a:t>
-            </a:r>
+              <a:rPr lang="es-AR" sz="3000" dirty="0" smtClean="0"/>
+              <a:t>Embebida en la aplicación.</a:t>
+            </a:r>
+            <a:r>
+              <a:rPr lang="es-AR" sz="3000" dirty="0"/>
+              <a:t> </a:t>
+            </a:r>
+            <a:endParaRPr lang="es-AR" sz="3000" dirty="0" smtClean="0"/>
+          </a:p>
+          <a:p>
+            <a:endParaRPr lang="es-AR" sz="3000" dirty="0" smtClean="0"/>
+          </a:p>
+          <a:p>
+            <a:r>
+              <a:rPr lang="es-AR" sz="3000" dirty="0" smtClean="0"/>
+              <a:t>Cantidad </a:t>
+            </a:r>
+            <a:r>
+              <a:rPr lang="es-AR" sz="3000" dirty="0"/>
+              <a:t>de </a:t>
+            </a:r>
+            <a:r>
+              <a:rPr lang="es-AR" sz="3000" dirty="0" smtClean="0"/>
+              <a:t>vistas.</a:t>
+            </a:r>
+          </a:p>
+          <a:p>
+            <a:r>
+              <a:rPr lang="es-AR" sz="3000" dirty="0" smtClean="0"/>
+              <a:t>Cantidad de </a:t>
+            </a:r>
+            <a:r>
+              <a:rPr lang="es-AR" sz="3000" dirty="0" err="1" smtClean="0"/>
+              <a:t>clicks</a:t>
+            </a:r>
+            <a:r>
+              <a:rPr lang="es-AR" sz="3000" dirty="0" smtClean="0"/>
+              <a:t>.</a:t>
+            </a:r>
+          </a:p>
+          <a:p>
+            <a:endParaRPr lang="es-AR" sz="3000" dirty="0" smtClean="0"/>
+          </a:p>
+          <a:p>
+            <a:endParaRPr lang="es-AR" sz="3000" dirty="0"/>
+          </a:p>
+          <a:p>
             <a:endParaRPr lang="es-AR" dirty="0"/>
           </a:p>
+          <a:p>
+            <a:endParaRPr lang="es-AR" dirty="0"/>
+          </a:p>
         </p:txBody>
       </p:sp>
-      <p:graphicFrame>
-        <p:nvGraphicFramePr>
-          <p:cNvPr id="4" name="Chart 3"/>
-          <p:cNvGraphicFramePr>
-            <a:graphicFrameLocks/>
-          </p:cNvGraphicFramePr>
-          <p:nvPr>
-            <p:extLst>
-              <p:ext uri="{D42A27DB-BD31-4B8C-83A1-F6EECF244321}">
-                <p14:modId xmlns:p14="http://schemas.microsoft.com/office/powerpoint/2010/main" val="996467878"/>
-              </p:ext>
-            </p:extLst>
-          </p:nvPr>
-        </p:nvGraphicFramePr>
-        <p:xfrm>
-          <a:off x="2699792" y="1268760"/>
-          <a:ext cx="6120680" cy="3960440"/>
-        </p:xfrm>
-        <a:graphic>
-          <a:graphicData uri="http://schemas.openxmlformats.org/drawingml/2006/chart">
-            <c:chart xmlns:c="http://schemas.openxmlformats.org/drawingml/2006/chart" xmlns:r="http://schemas.openxmlformats.org/officeDocument/2006/relationships" r:id="rId3"/>
-          </a:graphicData>
-        </a:graphic>
-      </p:graphicFrame>
     </p:spTree>
     <p:extLst>
       <p:ext uri="{BB962C8B-B14F-4D97-AF65-F5344CB8AC3E}">
-        <p14:creationId xmlns:p14="http://schemas.microsoft.com/office/powerpoint/2010/main" val="4186439492"/>
+        <p14:creationId xmlns:p14="http://schemas.microsoft.com/office/powerpoint/2010/main" val="318816464"/>
       </p:ext>
     </p:extLst>
   </p:cSld>
@@ -8525,50 +8797,61 @@
         </p:nvSpPr>
         <p:spPr/>
         <p:txBody>
-          <a:bodyPr/>
+          <a:bodyPr>
+            <a:normAutofit/>
+          </a:bodyPr>
           <a:lstStyle/>
           <a:p>
             <a:r>
-              <a:rPr lang="es-AR" dirty="0" smtClean="0"/>
-              <a:t>Expansión y difusión</a:t>
-            </a:r>
-            <a:endParaRPr lang="es-AR" dirty="0"/>
+              <a:rPr lang="es-AR" sz="3000" dirty="0" smtClean="0"/>
+              <a:t>Peor Caso</a:t>
+            </a:r>
+            <a:br>
+              <a:rPr lang="es-AR" sz="3000" dirty="0" smtClean="0"/>
+            </a:br>
+            <a:r>
+              <a:rPr lang="es-AR" sz="3000" dirty="0" smtClean="0"/>
+              <a:t>Expansión en Argentina con un 3% </a:t>
+            </a:r>
+            <a:br>
+              <a:rPr lang="es-AR" sz="3000" dirty="0" smtClean="0"/>
+            </a:br>
+            <a:r>
+              <a:rPr lang="es-AR" sz="3000" dirty="0" smtClean="0"/>
+              <a:t>del  mercado</a:t>
+            </a:r>
+            <a:endParaRPr lang="es-AR" sz="3000" dirty="0"/>
           </a:p>
         </p:txBody>
       </p:sp>
-      <p:pic>
-        <p:nvPicPr>
-          <p:cNvPr id="19" name="Content Placeholder 18"/>
-          <p:cNvPicPr>
-            <a:picLocks noGrp="1" noChangeAspect="1"/>
-          </p:cNvPicPr>
-          <p:nvPr>
-            <p:ph idx="1"/>
-          </p:nvPr>
-        </p:nvPicPr>
-        <p:blipFill>
-          <a:blip r:embed="rId3" cstate="print">
-            <a:extLst>
-              <a:ext uri="{28A0092B-C50C-407E-A947-70E740481C1C}">
-                <a14:useLocalDpi xmlns:a14="http://schemas.microsoft.com/office/drawing/2010/main" val="0"/>
-              </a:ext>
-            </a:extLst>
-          </a:blip>
-          <a:stretch>
-            <a:fillRect/>
-          </a:stretch>
-        </p:blipFill>
-        <p:spPr>
-          <a:xfrm>
-            <a:off x="2915815" y="2132856"/>
-            <a:ext cx="5402723" cy="3061543"/>
-          </a:xfrm>
-        </p:spPr>
-      </p:pic>
+      <p:graphicFrame>
+        <p:nvGraphicFramePr>
+          <p:cNvPr id="4" name="Chart 3"/>
+          <p:cNvGraphicFramePr>
+            <a:graphicFrameLocks/>
+          </p:cNvGraphicFramePr>
+          <p:nvPr>
+            <p:extLst>
+              <p:ext uri="{D42A27DB-BD31-4B8C-83A1-F6EECF244321}">
+                <p14:modId xmlns:p14="http://schemas.microsoft.com/office/powerpoint/2010/main" val="2068665959"/>
+              </p:ext>
+            </p:extLst>
+          </p:nvPr>
+        </p:nvGraphicFramePr>
+        <p:xfrm>
+          <a:off x="2843808" y="1052736"/>
+          <a:ext cx="5976664" cy="3600400"/>
+        </p:xfrm>
+        <a:graphic>
+          <a:graphicData uri="http://schemas.openxmlformats.org/drawingml/2006/chart">
+            <c:chart xmlns:c="http://schemas.openxmlformats.org/drawingml/2006/chart" xmlns:r="http://schemas.openxmlformats.org/officeDocument/2006/relationships" r:id="rId3"/>
+          </a:graphicData>
+        </a:graphic>
+      </p:graphicFrame>
     </p:spTree>
     <p:extLst>
       <p:ext uri="{BB962C8B-B14F-4D97-AF65-F5344CB8AC3E}">
-        <p14:creationId xmlns:p14="http://schemas.microsoft.com/office/powerpoint/2010/main" val="1183574876"/>
+        <p14:creationId xmlns:p14="http://schemas.microsoft.com/office/powerpoint/2010/main" val="4226239434"/>
       </p:ext>
     </p:extLst>
   </p:cSld>
@@ -8602,40 +8885,142 @@
           <a:chExt cx="0" cy="0"/>
         </a:xfrm>
       </p:grpSpPr>
-      <p:pic>
-        <p:nvPicPr>
-          <p:cNvPr id="4" name="Picture 3"/>
-          <p:cNvPicPr>
-            <a:picLocks noChangeAspect="1"/>
-          </p:cNvPicPr>
-          <p:nvPr/>
-        </p:nvPicPr>
-        <p:blipFill>
-          <a:blip r:embed="rId2" cstate="print">
-            <a:extLst>
-              <a:ext uri="{28A0092B-C50C-407E-A947-70E740481C1C}">
-                <a14:useLocalDpi xmlns:a14="http://schemas.microsoft.com/office/drawing/2010/main" val="0"/>
-              </a:ext>
-            </a:extLst>
-          </a:blip>
-          <a:stretch>
-            <a:fillRect/>
-          </a:stretch>
-        </p:blipFill>
-        <p:spPr>
-          <a:xfrm>
-            <a:off x="2987824" y="1844824"/>
-            <a:ext cx="3769568" cy="3769568"/>
-          </a:xfrm>
-          <a:prstGeom prst="rect">
-            <a:avLst/>
-          </a:prstGeom>
-        </p:spPr>
-      </p:pic>
+      <p:sp>
+        <p:nvSpPr>
+          <p:cNvPr id="2" name="Title 1"/>
+          <p:cNvSpPr>
+            <a:spLocks noGrp="1"/>
+          </p:cNvSpPr>
+          <p:nvPr>
+            <p:ph type="title"/>
+          </p:nvPr>
+        </p:nvSpPr>
+        <p:spPr/>
+        <p:txBody>
+          <a:bodyPr>
+            <a:normAutofit/>
+          </a:bodyPr>
+          <a:lstStyle/>
+          <a:p>
+            <a:r>
+              <a:rPr lang="es-AR" dirty="0" smtClean="0"/>
+              <a:t>Caso 2: expansión exitosa global</a:t>
+            </a:r>
+            <a:endParaRPr lang="es-AR" dirty="0"/>
+          </a:p>
+        </p:txBody>
+      </p:sp>
+      <p:graphicFrame>
+        <p:nvGraphicFramePr>
+          <p:cNvPr id="4" name="Chart 3"/>
+          <p:cNvGraphicFramePr>
+            <a:graphicFrameLocks/>
+          </p:cNvGraphicFramePr>
+          <p:nvPr>
+            <p:extLst>
+              <p:ext uri="{D42A27DB-BD31-4B8C-83A1-F6EECF244321}">
+                <p14:modId xmlns:p14="http://schemas.microsoft.com/office/powerpoint/2010/main" val="996467878"/>
+              </p:ext>
+            </p:extLst>
+          </p:nvPr>
+        </p:nvGraphicFramePr>
+        <p:xfrm>
+          <a:off x="2699792" y="1268760"/>
+          <a:ext cx="6120680" cy="3960440"/>
+        </p:xfrm>
+        <a:graphic>
+          <a:graphicData uri="http://schemas.openxmlformats.org/drawingml/2006/chart">
+            <c:chart xmlns:c="http://schemas.openxmlformats.org/drawingml/2006/chart" xmlns:r="http://schemas.openxmlformats.org/officeDocument/2006/relationships" r:id="rId3"/>
+          </a:graphicData>
+        </a:graphic>
+      </p:graphicFrame>
     </p:spTree>
     <p:extLst>
       <p:ext uri="{BB962C8B-B14F-4D97-AF65-F5344CB8AC3E}">
-        <p14:creationId xmlns:p14="http://schemas.microsoft.com/office/powerpoint/2010/main" val="4096827736"/>
+        <p14:creationId xmlns:p14="http://schemas.microsoft.com/office/powerpoint/2010/main" val="4186439492"/>
+      </p:ext>
+    </p:extLst>
+  </p:cSld>
+  <p:clrMapOvr>
+    <a:masterClrMapping/>
+  </p:clrMapOvr>
+  <p:timing>
+    <p:tnLst>
+      <p:par>
+        <p:cTn id="1" dur="indefinite" restart="never" nodeType="tmRoot"/>
+      </p:par>
+    </p:tnLst>
+  </p:timing>
+</p:sld>
+</file>
+
+<file path=ppt/slides/slide13.xml><?xml version="1.0" encoding="utf-8"?>
+<p:sld xmlns:a="http://schemas.openxmlformats.org/drawingml/2006/main" xmlns:r="http://schemas.openxmlformats.org/officeDocument/2006/relationships" xmlns:p="http://schemas.openxmlformats.org/presentationml/2006/main">
+  <p:cSld>
+    <p:spTree>
+      <p:nvGrpSpPr>
+        <p:cNvPr id="1" name=""/>
+        <p:cNvGrpSpPr/>
+        <p:nvPr/>
+      </p:nvGrpSpPr>
+      <p:grpSpPr>
+        <a:xfrm>
+          <a:off x="0" y="0"/>
+          <a:ext cx="0" cy="0"/>
+          <a:chOff x="0" y="0"/>
+          <a:chExt cx="0" cy="0"/>
+        </a:xfrm>
+      </p:grpSpPr>
+      <p:sp>
+        <p:nvSpPr>
+          <p:cNvPr id="2" name="Title 1"/>
+          <p:cNvSpPr>
+            <a:spLocks noGrp="1"/>
+          </p:cNvSpPr>
+          <p:nvPr>
+            <p:ph type="ctrTitle"/>
+          </p:nvPr>
+        </p:nvSpPr>
+        <p:spPr/>
+        <p:txBody>
+          <a:bodyPr/>
+          <a:lstStyle/>
+          <a:p>
+            <a:r>
+              <a:rPr lang="en-US" dirty="0" err="1" smtClean="0"/>
+              <a:t>Preguntas</a:t>
+            </a:r>
+            <a:r>
+              <a:rPr lang="en-US" dirty="0"/>
+              <a:t>?</a:t>
+            </a:r>
+            <a:endParaRPr lang="es-AR" dirty="0"/>
+          </a:p>
+        </p:txBody>
+      </p:sp>
+      <p:sp>
+        <p:nvSpPr>
+          <p:cNvPr id="3" name="Subtitle 2"/>
+          <p:cNvSpPr>
+            <a:spLocks noGrp="1"/>
+          </p:cNvSpPr>
+          <p:nvPr>
+            <p:ph type="subTitle" idx="1"/>
+          </p:nvPr>
+        </p:nvSpPr>
+        <p:spPr/>
+        <p:txBody>
+          <a:bodyPr/>
+          <a:lstStyle/>
+          <a:p>
+            <a:endParaRPr lang="es-AR" dirty="0"/>
+          </a:p>
+        </p:txBody>
+      </p:sp>
+    </p:spTree>
+    <p:extLst>
+      <p:ext uri="{BB962C8B-B14F-4D97-AF65-F5344CB8AC3E}">
+        <p14:creationId xmlns:p14="http://schemas.microsoft.com/office/powerpoint/2010/main" val="1033768255"/>
       </p:ext>
     </p:extLst>
   </p:cSld>
@@ -8685,47 +9070,151 @@
           <a:lstStyle/>
           <a:p>
             <a:r>
-              <a:rPr lang="es-AR" sz="2400" dirty="0" smtClean="0"/>
-              <a:t>Emprendedores</a:t>
-            </a:r>
-            <a:endParaRPr lang="es-AR" sz="2400" dirty="0"/>
+              <a:rPr lang="en-US" dirty="0" smtClean="0"/>
+              <a:t>Agenda</a:t>
+            </a:r>
+            <a:endParaRPr lang="es-AR" dirty="0"/>
           </a:p>
         </p:txBody>
       </p:sp>
-      <p:pic>
-        <p:nvPicPr>
-          <p:cNvPr id="6" name="Picture 5"/>
-          <p:cNvPicPr>
-            <a:picLocks noChangeAspect="1"/>
-          </p:cNvPicPr>
-          <p:nvPr/>
-        </p:nvPicPr>
-        <p:blipFill>
-          <a:blip r:embed="rId3" cstate="print">
-            <a:extLst>
-              <a:ext uri="{28A0092B-C50C-407E-A947-70E740481C1C}">
-                <a14:useLocalDpi xmlns:a14="http://schemas.microsoft.com/office/drawing/2010/main" val="0"/>
-              </a:ext>
-            </a:extLst>
-          </a:blip>
-          <a:stretch>
-            <a:fillRect/>
-          </a:stretch>
-        </p:blipFill>
-        <p:spPr>
-          <a:xfrm>
-            <a:off x="3419872" y="1530977"/>
-            <a:ext cx="4896544" cy="3730701"/>
-          </a:xfrm>
-          <a:prstGeom prst="rect">
-            <a:avLst/>
-          </a:prstGeom>
-        </p:spPr>
-      </p:pic>
+      <p:sp>
+        <p:nvSpPr>
+          <p:cNvPr id="3" name="Content Placeholder 2"/>
+          <p:cNvSpPr>
+            <a:spLocks noGrp="1"/>
+          </p:cNvSpPr>
+          <p:nvPr>
+            <p:ph idx="1"/>
+          </p:nvPr>
+        </p:nvSpPr>
+        <p:spPr/>
+        <p:txBody>
+          <a:bodyPr>
+            <a:normAutofit/>
+          </a:bodyPr>
+          <a:lstStyle/>
+          <a:p>
+            <a:r>
+              <a:rPr lang="en-US" sz="2800" dirty="0" err="1" smtClean="0"/>
+              <a:t>Presentación</a:t>
+            </a:r>
+            <a:r>
+              <a:rPr lang="en-US" sz="2800" dirty="0" smtClean="0"/>
+              <a:t> de </a:t>
+            </a:r>
+            <a:r>
+              <a:rPr lang="en-US" sz="2800" dirty="0" err="1" smtClean="0"/>
+              <a:t>producto</a:t>
+            </a:r>
+            <a:r>
+              <a:rPr lang="en-US" sz="2800" dirty="0" smtClean="0"/>
+              <a:t> y </a:t>
+            </a:r>
+            <a:r>
+              <a:rPr lang="en-US" sz="2800" dirty="0" err="1" smtClean="0"/>
+              <a:t>financiera</a:t>
+            </a:r>
+            <a:endParaRPr lang="en-US" sz="2800" dirty="0"/>
+          </a:p>
+          <a:p>
+            <a:pPr lvl="1"/>
+            <a:r>
+              <a:rPr lang="en-US" sz="2400" dirty="0" smtClean="0"/>
+              <a:t>La </a:t>
+            </a:r>
+            <a:r>
+              <a:rPr lang="en-US" sz="2400" dirty="0" err="1" smtClean="0"/>
+              <a:t>necesidad</a:t>
+            </a:r>
+            <a:endParaRPr lang="en-US" sz="2400" dirty="0" smtClean="0"/>
+          </a:p>
+          <a:p>
+            <a:pPr lvl="1"/>
+            <a:r>
+              <a:rPr lang="en-US" sz="2400" dirty="0" err="1" smtClean="0"/>
+              <a:t>Nuestro</a:t>
+            </a:r>
+            <a:r>
+              <a:rPr lang="en-US" sz="2400" dirty="0" smtClean="0"/>
+              <a:t> </a:t>
+            </a:r>
+            <a:r>
+              <a:rPr lang="en-US" sz="2400" dirty="0" err="1" smtClean="0"/>
+              <a:t>mercado</a:t>
+            </a:r>
+            <a:endParaRPr lang="en-US" sz="2400" dirty="0" smtClean="0"/>
+          </a:p>
+          <a:p>
+            <a:pPr lvl="1"/>
+            <a:r>
+              <a:rPr lang="en-US" sz="2400" dirty="0" smtClean="0"/>
+              <a:t>La </a:t>
+            </a:r>
+            <a:r>
+              <a:rPr lang="en-US" sz="2400" dirty="0" err="1" smtClean="0"/>
+              <a:t>solución</a:t>
+            </a:r>
+            <a:endParaRPr lang="en-US" sz="2400" dirty="0" smtClean="0"/>
+          </a:p>
+          <a:p>
+            <a:pPr lvl="1"/>
+            <a:r>
+              <a:rPr lang="en-US" sz="2400" dirty="0" err="1" smtClean="0"/>
+              <a:t>Servicios</a:t>
+            </a:r>
+            <a:endParaRPr lang="en-US" sz="2400" dirty="0" smtClean="0"/>
+          </a:p>
+          <a:p>
+            <a:pPr lvl="1"/>
+            <a:r>
+              <a:rPr lang="en-US" sz="2400" dirty="0" err="1" smtClean="0"/>
+              <a:t>Expansión</a:t>
+            </a:r>
+            <a:endParaRPr lang="en-US" sz="2400" dirty="0" smtClean="0"/>
+          </a:p>
+          <a:p>
+            <a:pPr lvl="1"/>
+            <a:r>
+              <a:rPr lang="en-US" sz="2400" dirty="0" err="1" smtClean="0"/>
+              <a:t>Pronóstico</a:t>
+            </a:r>
+            <a:r>
+              <a:rPr lang="en-US" sz="2400" dirty="0" smtClean="0"/>
+              <a:t> </a:t>
+            </a:r>
+            <a:r>
+              <a:rPr lang="en-US" sz="2400" dirty="0" err="1" smtClean="0"/>
+              <a:t>financiero</a:t>
+            </a:r>
+            <a:endParaRPr lang="en-US" sz="2400" dirty="0" smtClean="0"/>
+          </a:p>
+          <a:p>
+            <a:r>
+              <a:rPr lang="en-US" sz="2800" dirty="0" smtClean="0"/>
+              <a:t>5 min break</a:t>
+            </a:r>
+          </a:p>
+          <a:p>
+            <a:r>
+              <a:rPr lang="en-US" sz="2800" dirty="0" err="1" smtClean="0"/>
+              <a:t>Presentación</a:t>
+            </a:r>
+            <a:r>
+              <a:rPr lang="en-US" sz="2800" dirty="0" smtClean="0"/>
+              <a:t> </a:t>
+            </a:r>
+            <a:r>
+              <a:rPr lang="en-US" sz="2800" dirty="0" err="1" smtClean="0"/>
+              <a:t>técnica</a:t>
+            </a:r>
+            <a:endParaRPr lang="en-US" sz="2800" dirty="0" smtClean="0"/>
+          </a:p>
+        </p:txBody>
+      </p:sp>
     </p:spTree>
     <p:extLst>
       <p:ext uri="{BB962C8B-B14F-4D97-AF65-F5344CB8AC3E}">
-        <p14:creationId xmlns:p14="http://schemas.microsoft.com/office/powerpoint/2010/main" val="3085539111"/>
+        <p14:creationId xmlns:p14="http://schemas.microsoft.com/office/powerpoint/2010/main" val="1282073139"/>
       </p:ext>
     </p:extLst>
   </p:cSld>
@@ -8804,7 +9293,7 @@
         </p:blipFill>
         <p:spPr>
           <a:xfrm>
-            <a:off x="2555776" y="1484784"/>
+            <a:off x="3851920" y="980728"/>
             <a:ext cx="3867261" cy="4884046"/>
           </a:xfrm>
           <a:prstGeom prst="rect">
@@ -9715,14 +10204,37 @@
           <a:chExt cx="0" cy="0"/>
         </a:xfrm>
       </p:grpSpPr>
+      <p:sp>
+        <p:nvSpPr>
+          <p:cNvPr id="2" name="Title 1"/>
+          <p:cNvSpPr>
+            <a:spLocks noGrp="1"/>
+          </p:cNvSpPr>
+          <p:nvPr>
+            <p:ph type="title"/>
+          </p:nvPr>
+        </p:nvSpPr>
+        <p:spPr/>
+        <p:txBody>
+          <a:bodyPr/>
+          <a:lstStyle/>
+          <a:p>
+            <a:r>
+              <a:rPr lang="es-AR" dirty="0" smtClean="0"/>
+              <a:t>Expansión y difusión</a:t>
+            </a:r>
+            <a:endParaRPr lang="es-AR" dirty="0"/>
+          </a:p>
+        </p:txBody>
+      </p:sp>
       <p:pic>
         <p:nvPicPr>
-          <p:cNvPr id="1026" name="Picture 2" descr="http://4.bp.blogspot.com/-Dg37EGOlyEU/ThkkXha2HDI/AAAAAAAAAG8/a8VJw699JGY/s320/Atraer-dinero.png"/>
+          <p:cNvPr id="19" name="Content Placeholder 18"/>
           <p:cNvPicPr>
-            <a:picLocks noGrp="1" noChangeAspect="1" noChangeArrowheads="1"/>
+            <a:picLocks noGrp="1" noChangeAspect="1"/>
           </p:cNvPicPr>
           <p:nvPr>
-            <p:ph type="pic" idx="1"/>
+            <p:ph idx="1"/>
           </p:nvPr>
         </p:nvPicPr>
         <p:blipFill>
@@ -9733,86 +10245,21 @@
               </a:ext>
             </a:extLst>
           </a:blip>
-          <a:srcRect l="12001" r="12001"/>
           <a:stretch>
             <a:fillRect/>
           </a:stretch>
         </p:blipFill>
-        <p:spPr bwMode="auto">
-          <a:prstGeom prst="rect">
-            <a:avLst/>
-          </a:prstGeom>
-          <a:noFill/>
-          <a:extLst>
-            <a:ext uri="{909E8E84-426E-40DD-AFC4-6F175D3DCCD1}">
-              <a14:hiddenFill xmlns:a14="http://schemas.microsoft.com/office/drawing/2010/main">
-                <a:solidFill>
-                  <a:srgbClr val="FFFFFF"/>
-                </a:solidFill>
-              </a14:hiddenFill>
-            </a:ext>
-          </a:extLst>
+        <p:spPr>
+          <a:xfrm>
+            <a:off x="2915815" y="2132856"/>
+            <a:ext cx="5402723" cy="3061543"/>
+          </a:xfrm>
         </p:spPr>
       </p:pic>
-      <p:sp>
-        <p:nvSpPr>
-          <p:cNvPr id="4" name="Title 1"/>
-          <p:cNvSpPr>
-            <a:spLocks noGrp="1"/>
-          </p:cNvSpPr>
-          <p:nvPr>
-            <p:ph type="title"/>
-          </p:nvPr>
-        </p:nvSpPr>
-        <p:spPr>
-          <a:xfrm>
-            <a:off x="189689" y="2492895"/>
-            <a:ext cx="2210612" cy="1656185"/>
-          </a:xfrm>
-        </p:spPr>
-        <p:txBody>
-          <a:bodyPr>
-            <a:normAutofit fontScale="90000"/>
-          </a:bodyPr>
-          <a:lstStyle/>
-          <a:p>
-            <a:r>
-              <a:rPr lang="es-AR" dirty="0" smtClean="0"/>
-              <a:t/>
-            </a:r>
-            <a:br>
-              <a:rPr lang="es-AR" dirty="0" smtClean="0"/>
-            </a:br>
-            <a:r>
-              <a:rPr lang="es-AR" dirty="0"/>
-              <a:t/>
-            </a:r>
-            <a:br>
-              <a:rPr lang="es-AR" dirty="0"/>
-            </a:br>
-            <a:r>
-              <a:rPr lang="es-AR" dirty="0" smtClean="0"/>
-              <a:t/>
-            </a:r>
-            <a:br>
-              <a:rPr lang="es-AR" dirty="0" smtClean="0"/>
-            </a:br>
-            <a:r>
-              <a:rPr lang="es-AR" dirty="0" smtClean="0"/>
-              <a:t>Mercado </a:t>
-            </a:r>
-            <a:r>
-              <a:rPr lang="es-AR" dirty="0"/>
-              <a:t>en crecimiento</a:t>
-            </a:r>
-            <a:endParaRPr lang="es-AR" dirty="0"/>
-          </a:p>
-        </p:txBody>
-      </p:sp>
     </p:spTree>
     <p:extLst>
       <p:ext uri="{BB962C8B-B14F-4D97-AF65-F5344CB8AC3E}">
-        <p14:creationId xmlns:p14="http://schemas.microsoft.com/office/powerpoint/2010/main" val="4021245580"/>
+        <p14:creationId xmlns:p14="http://schemas.microsoft.com/office/powerpoint/2010/main" val="2119364365"/>
       </p:ext>
     </p:extLst>
   </p:cSld>
@@ -9863,7 +10310,7 @@
           <a:p>
             <a:r>
               <a:rPr lang="es-AR" dirty="0" smtClean="0"/>
-              <a:t>Publicidad</a:t>
+              <a:t>Aspecto Legal</a:t>
             </a:r>
             <a:endParaRPr lang="es-AR" dirty="0"/>
           </a:p>
@@ -9880,7 +10327,7 @@
           </p:nvPr>
         </p:nvPicPr>
         <p:blipFill>
-          <a:blip r:embed="rId3" cstate="print">
+          <a:blip r:embed="rId3">
             <a:extLst>
               <a:ext uri="{28A0092B-C50C-407E-A947-70E740481C1C}">
                 <a14:useLocalDpi xmlns:a14="http://schemas.microsoft.com/office/drawing/2010/main" val="0"/>
@@ -9893,92 +10340,15 @@
         </p:blipFill>
         <p:spPr>
           <a:xfrm>
-            <a:off x="6084168" y="1412776"/>
-            <a:ext cx="2545854" cy="4525963"/>
+            <a:off x="3200298" y="1628800"/>
+            <a:ext cx="5188051" cy="3809975"/>
           </a:xfrm>
         </p:spPr>
       </p:pic>
-      <p:sp>
-        <p:nvSpPr>
-          <p:cNvPr id="5" name="TextBox 4"/>
-          <p:cNvSpPr txBox="1"/>
-          <p:nvPr/>
-        </p:nvSpPr>
-        <p:spPr>
-          <a:xfrm>
-            <a:off x="2771800" y="2177167"/>
-            <a:ext cx="3384376" cy="3877985"/>
-          </a:xfrm>
-          <a:prstGeom prst="rect">
-            <a:avLst/>
-          </a:prstGeom>
-          <a:noFill/>
-        </p:spPr>
-        <p:txBody>
-          <a:bodyPr wrap="square" rtlCol="0">
-            <a:spAutoFit/>
-          </a:bodyPr>
-          <a:lstStyle/>
-          <a:p>
-            <a:r>
-              <a:rPr lang="es-AR" sz="3000" dirty="0" smtClean="0"/>
-              <a:t>Embebida en la aplicación.</a:t>
-            </a:r>
-            <a:r>
-              <a:rPr lang="es-AR" sz="3000" dirty="0"/>
-              <a:t> </a:t>
-            </a:r>
-            <a:endParaRPr lang="es-AR" sz="3000" dirty="0" smtClean="0"/>
-          </a:p>
-          <a:p>
-            <a:endParaRPr lang="es-AR" sz="3000" dirty="0" smtClean="0"/>
-          </a:p>
-          <a:p>
-            <a:r>
-              <a:rPr lang="es-AR" sz="3000" dirty="0" smtClean="0"/>
-              <a:t>Cantidad </a:t>
-            </a:r>
-            <a:r>
-              <a:rPr lang="es-AR" sz="3000" dirty="0"/>
-              <a:t>de </a:t>
-            </a:r>
-            <a:r>
-              <a:rPr lang="es-AR" sz="3000" dirty="0" smtClean="0"/>
-              <a:t>vistas.</a:t>
-            </a:r>
-          </a:p>
-          <a:p>
-            <a:r>
-              <a:rPr lang="es-AR" sz="3000" dirty="0" smtClean="0"/>
-              <a:t>Cantidad de </a:t>
-            </a:r>
-            <a:r>
-              <a:rPr lang="es-AR" sz="3000" dirty="0" err="1" smtClean="0"/>
-              <a:t>clicks</a:t>
-            </a:r>
-            <a:r>
-              <a:rPr lang="es-AR" sz="3000" dirty="0" smtClean="0"/>
-              <a:t>.</a:t>
-            </a:r>
-          </a:p>
-          <a:p>
-            <a:endParaRPr lang="es-AR" sz="3000" dirty="0" smtClean="0"/>
-          </a:p>
-          <a:p>
-            <a:endParaRPr lang="es-AR" sz="3000" dirty="0"/>
-          </a:p>
-          <a:p>
-            <a:endParaRPr lang="es-AR" dirty="0"/>
-          </a:p>
-          <a:p>
-            <a:endParaRPr lang="es-AR" dirty="0"/>
-          </a:p>
-        </p:txBody>
-      </p:sp>
     </p:spTree>
     <p:extLst>
       <p:ext uri="{BB962C8B-B14F-4D97-AF65-F5344CB8AC3E}">
-        <p14:creationId xmlns:p14="http://schemas.microsoft.com/office/powerpoint/2010/main" val="318816464"/>
+        <p14:creationId xmlns:p14="http://schemas.microsoft.com/office/powerpoint/2010/main" val="2205681447"/>
       </p:ext>
     </p:extLst>
   </p:cSld>
@@ -10012,9 +10382,48 @@
           <a:chExt cx="0" cy="0"/>
         </a:xfrm>
       </p:grpSpPr>
-      <p:sp>
-        <p:nvSpPr>
-          <p:cNvPr id="2" name="Title 1"/>
+      <p:pic>
+        <p:nvPicPr>
+          <p:cNvPr id="1026" name="Picture 2" descr="http://4.bp.blogspot.com/-Dg37EGOlyEU/ThkkXha2HDI/AAAAAAAAAG8/a8VJw699JGY/s320/Atraer-dinero.png"/>
+          <p:cNvPicPr>
+            <a:picLocks noGrp="1" noChangeAspect="1" noChangeArrowheads="1"/>
+          </p:cNvPicPr>
+          <p:nvPr>
+            <p:ph type="pic" idx="1"/>
+          </p:nvPr>
+        </p:nvPicPr>
+        <p:blipFill>
+          <a:blip r:embed="rId3" cstate="print">
+            <a:extLst>
+              <a:ext uri="{28A0092B-C50C-407E-A947-70E740481C1C}">
+                <a14:useLocalDpi xmlns:a14="http://schemas.microsoft.com/office/drawing/2010/main" val="0"/>
+              </a:ext>
+            </a:extLst>
+          </a:blip>
+          <a:srcRect l="12001" r="12001"/>
+          <a:stretch>
+            <a:fillRect/>
+          </a:stretch>
+        </p:blipFill>
+        <p:spPr bwMode="auto">
+          <a:prstGeom prst="rect">
+            <a:avLst/>
+          </a:prstGeom>
+          <a:noFill/>
+          <a:extLst>
+            <a:ext uri="{909E8E84-426E-40DD-AFC4-6F175D3DCCD1}">
+              <a14:hiddenFill xmlns:a14="http://schemas.microsoft.com/office/drawing/2010/main">
+                <a:solidFill>
+                  <a:srgbClr val="FFFFFF"/>
+                </a:solidFill>
+              </a14:hiddenFill>
+            </a:ext>
+          </a:extLst>
+        </p:spPr>
+      </p:pic>
+      <p:sp>
+        <p:nvSpPr>
+          <p:cNvPr id="4" name="Title 1"/>
           <p:cNvSpPr>
             <a:spLocks noGrp="1"/>
           </p:cNvSpPr>
@@ -10022,63 +10431,55 @@
             <p:ph type="title"/>
           </p:nvPr>
         </p:nvSpPr>
-        <p:spPr/>
+        <p:spPr>
+          <a:xfrm>
+            <a:off x="189689" y="2492895"/>
+            <a:ext cx="2210612" cy="1656185"/>
+          </a:xfrm>
+        </p:spPr>
         <p:txBody>
           <a:bodyPr>
-            <a:normAutofit/>
+            <a:normAutofit fontScale="90000"/>
           </a:bodyPr>
           <a:lstStyle/>
           <a:p>
             <a:r>
-              <a:rPr lang="es-AR" sz="3000" dirty="0" smtClean="0"/>
-              <a:t>Peor Caso</a:t>
+              <a:rPr lang="es-AR" dirty="0" smtClean="0"/>
+              <a:t/>
             </a:r>
             <a:br>
-              <a:rPr lang="es-AR" sz="3000" dirty="0" smtClean="0"/>
+              <a:rPr lang="es-AR" dirty="0" smtClean="0"/>
             </a:br>
             <a:r>
-              <a:rPr lang="es-AR" sz="3000" dirty="0" smtClean="0"/>
-              <a:t>Expansión en Argentina con un 3% </a:t>
+              <a:rPr lang="es-AR" dirty="0"/>
+              <a:t/>
             </a:r>
             <a:br>
-              <a:rPr lang="es-AR" sz="3000" dirty="0" smtClean="0"/>
+              <a:rPr lang="es-AR" dirty="0"/>
             </a:br>
             <a:r>
-              <a:rPr lang="es-AR" sz="3000" dirty="0" smtClean="0"/>
-              <a:t>del  mercado</a:t>
-            </a:r>
-            <a:endParaRPr lang="es-AR" sz="3000" dirty="0"/>
+              <a:rPr lang="es-AR" dirty="0" smtClean="0"/>
+              <a:t/>
+            </a:r>
+            <a:br>
+              <a:rPr lang="es-AR" dirty="0" smtClean="0"/>
+            </a:br>
+            <a:r>
+              <a:rPr lang="es-AR" dirty="0" smtClean="0"/>
+              <a:t>Mercado </a:t>
+            </a:r>
+            <a:r>
+              <a:rPr lang="es-AR" dirty="0"/>
+              <a:t>en crecimiento</a:t>
+            </a:r>
+            <a:endParaRPr lang="es-AR" dirty="0"/>
           </a:p>
         </p:txBody>
       </p:sp>
-      <p:graphicFrame>
-        <p:nvGraphicFramePr>
-          <p:cNvPr id="4" name="Chart 3"/>
-          <p:cNvGraphicFramePr>
-            <a:graphicFrameLocks/>
-          </p:cNvGraphicFramePr>
-          <p:nvPr>
-            <p:extLst>
-              <p:ext uri="{D42A27DB-BD31-4B8C-83A1-F6EECF244321}">
-                <p14:modId xmlns:p14="http://schemas.microsoft.com/office/powerpoint/2010/main" val="2068665959"/>
-              </p:ext>
-            </p:extLst>
-          </p:nvPr>
-        </p:nvGraphicFramePr>
-        <p:xfrm>
-          <a:off x="2843808" y="1052736"/>
-          <a:ext cx="5976664" cy="3600400"/>
-        </p:xfrm>
-        <a:graphic>
-          <a:graphicData uri="http://schemas.openxmlformats.org/drawingml/2006/chart">
-            <c:chart xmlns:c="http://schemas.openxmlformats.org/drawingml/2006/chart" xmlns:r="http://schemas.openxmlformats.org/officeDocument/2006/relationships" r:id="rId3"/>
-          </a:graphicData>
-        </a:graphic>
-      </p:graphicFrame>
     </p:spTree>
     <p:extLst>
       <p:ext uri="{BB962C8B-B14F-4D97-AF65-F5344CB8AC3E}">
-        <p14:creationId xmlns:p14="http://schemas.microsoft.com/office/powerpoint/2010/main" val="4226239434"/>
+        <p14:creationId xmlns:p14="http://schemas.microsoft.com/office/powerpoint/2010/main" val="4021245580"/>
       </p:ext>
     </p:extLst>
   </p:cSld>

--- a/trunk/Assets/Presentación negocio.pptx
+++ b/trunk/Assets/Presentación negocio.pptx
@@ -1307,7 +1307,7 @@
             </a:r>
             <a:r>
               <a:rPr lang="es-AR" baseline="0" dirty="0" smtClean="0"/>
-              <a:t>. Muchas gracias por venir</a:t>
+              <a:t>. Muchas gracias por venir. </a:t>
             </a:r>
             <a:endParaRPr lang="es-AR" baseline="0" dirty="0" smtClean="0"/>
           </a:p>
@@ -1321,8 +1321,24 @@
               <a:t>Stamato</a:t>
             </a:r>
             <a:r>
-              <a:rPr lang="es-AR" baseline="0" smtClean="0"/>
-              <a:t>,</a:t>
+              <a:rPr lang="es-AR" baseline="0" dirty="0" smtClean="0"/>
+              <a:t>, socia fundadora de Social </a:t>
+            </a:r>
+            <a:r>
+              <a:rPr lang="es-AR" baseline="0" dirty="0" err="1" smtClean="0"/>
+              <a:t>Hub</a:t>
+            </a:r>
+            <a:r>
+              <a:rPr lang="es-AR" baseline="0" dirty="0" smtClean="0"/>
+              <a:t>, y venimos a presentarles nuestro producto, Social </a:t>
+            </a:r>
+            <a:r>
+              <a:rPr lang="es-AR" baseline="0" dirty="0" err="1" smtClean="0"/>
+              <a:t>Toilet</a:t>
+            </a:r>
+            <a:r>
+              <a:rPr lang="es-AR" baseline="0" dirty="0" smtClean="0"/>
+              <a:t>.</a:t>
             </a:r>
             <a:endParaRPr lang="es-AR" baseline="0" dirty="0" smtClean="0"/>
           </a:p>

--- a/trunk/Assets/Presentación negocio.pptx
+++ b/trunk/Assets/Presentación negocio.pptx
@@ -5,7 +5,7 @@
     <p:sldMasterId id="2147483660" r:id="rId1"/>
   </p:sldMasterIdLst>
   <p:notesMasterIdLst>
-    <p:notesMasterId r:id="rId15"/>
+    <p:notesMasterId r:id="rId18"/>
   </p:notesMasterIdLst>
   <p:sldIdLst>
     <p:sldId id="256" r:id="rId2"/>
@@ -18,9 +18,12 @@
     <p:sldId id="271" r:id="rId9"/>
     <p:sldId id="258" r:id="rId10"/>
     <p:sldId id="266" r:id="rId11"/>
-    <p:sldId id="257" r:id="rId12"/>
-    <p:sldId id="259" r:id="rId13"/>
-    <p:sldId id="269" r:id="rId14"/>
+    <p:sldId id="272" r:id="rId12"/>
+    <p:sldId id="257" r:id="rId13"/>
+    <p:sldId id="273" r:id="rId14"/>
+    <p:sldId id="259" r:id="rId15"/>
+    <p:sldId id="274" r:id="rId16"/>
+    <p:sldId id="269" r:id="rId17"/>
   </p:sldIdLst>
   <p:sldSz cx="9144000" cy="6858000" type="screen4x3"/>
   <p:notesSz cx="6669088" cy="9928225"/>
@@ -129,293 +132,188 @@
   <c:roundedCorners val="0"/>
   <mc:AlternateContent xmlns:mc="http://schemas.openxmlformats.org/markup-compatibility/2006">
     <mc:Choice xmlns:c14="http://schemas.microsoft.com/office/drawing/2007/8/2/chart" Requires="c14">
-      <c14:style val="102"/>
+      <c14:style val="125"/>
     </mc:Choice>
     <mc:Fallback>
-      <c:style val="2"/>
+      <c:style val="25"/>
     </mc:Fallback>
   </mc:AlternateContent>
   <c:chart>
+    <c:title>
+      <c:layout/>
+      <c:overlay val="0"/>
+    </c:title>
     <c:autoTitleDeleted val="0"/>
     <c:plotArea>
-      <c:layout/>
-      <c:lineChart>
-        <c:grouping val="standard"/>
+      <c:layout>
+        <c:manualLayout>
+          <c:layoutTarget val="inner"/>
+          <c:xMode val="edge"/>
+          <c:yMode val="edge"/>
+          <c:x val="0.18722462817147856"/>
+          <c:y val="0.15313684747739867"/>
+          <c:w val="0.76813648293963255"/>
+          <c:h val="0.65870878633842911"/>
+        </c:manualLayout>
+      </c:layout>
+      <c:scatterChart>
+        <c:scatterStyle val="lineMarker"/>
         <c:varyColors val="0"/>
         <c:ser>
-          <c:idx val="0"/>
+          <c:idx val="1"/>
           <c:order val="0"/>
           <c:tx>
-            <c:v>Ingreso Versión no Paga (USD)</c:v>
+            <c:strRef>
+              <c:f>Sheet1!$B$14</c:f>
+              <c:strCache>
+                <c:ptCount val="1"/>
+                <c:pt idx="0">
+                  <c:v>Cantidad Usuarios</c:v>
+                </c:pt>
+              </c:strCache>
+            </c:strRef>
           </c:tx>
+          <c:spPr>
+            <a:ln w="66675">
+              <a:noFill/>
+            </a:ln>
+          </c:spPr>
           <c:marker>
-            <c:symbol val="none"/>
+            <c:symbol val="diamond"/>
+            <c:size val="12"/>
+            <c:spPr>
+              <a:solidFill>
+                <a:schemeClr val="accent1"/>
+              </a:solidFill>
+            </c:spPr>
           </c:marker>
-          <c:val>
+          <c:dLbls>
+            <c:dLbl>
+              <c:idx val="23"/>
+              <c:layout>
+                <c:manualLayout>
+                  <c:x val="-2.4106678205345605E-2"/>
+                  <c:y val="-0.10516343594673055"/>
+                </c:manualLayout>
+              </c:layout>
+              <c:spPr/>
+              <c:txPr>
+                <a:bodyPr/>
+                <a:lstStyle/>
+                <a:p>
+                  <a:pPr>
+                    <a:defRPr sz="1600" b="1"/>
+                  </a:pPr>
+                  <a:endParaRPr lang="es-AR"/>
+                </a:p>
+              </c:txPr>
+              <c:dLblPos val="r"/>
+              <c:showLegendKey val="0"/>
+              <c:showVal val="1"/>
+              <c:showCatName val="0"/>
+              <c:showSerName val="0"/>
+              <c:showPercent val="0"/>
+              <c:showBubbleSize val="0"/>
+            </c:dLbl>
+            <c:txPr>
+              <a:bodyPr/>
+              <a:lstStyle/>
+              <a:p>
+                <a:pPr>
+                  <a:defRPr sz="1600"/>
+                </a:pPr>
+                <a:endParaRPr lang="es-AR"/>
+              </a:p>
+            </c:txPr>
+            <c:dLblPos val="r"/>
+            <c:showLegendKey val="0"/>
+            <c:showVal val="0"/>
+            <c:showCatName val="0"/>
+            <c:showSerName val="0"/>
+            <c:showPercent val="0"/>
+            <c:showBubbleSize val="0"/>
+          </c:dLbls>
+          <c:yVal>
             <c:numRef>
-              <c:f>Sheet1!$C$15:$C$38</c:f>
+              <c:f>Sheet1!$B$15:$B$38</c:f>
               <c:numCache>
                 <c:formatCode>0</c:formatCode>
                 <c:ptCount val="24"/>
                 <c:pt idx="0">
-                  <c:v>3.6399999999999997</c:v>
+                  <c:v>100</c:v>
                 </c:pt>
                 <c:pt idx="1">
-                  <c:v>18.2</c:v>
+                  <c:v>500</c:v>
                 </c:pt>
                 <c:pt idx="2">
-                  <c:v>36.4</c:v>
+                  <c:v>1000</c:v>
                 </c:pt>
                 <c:pt idx="3">
-                  <c:v>145.6</c:v>
+                  <c:v>4000</c:v>
                 </c:pt>
                 <c:pt idx="4">
-                  <c:v>364</c:v>
+                  <c:v>10000</c:v>
                 </c:pt>
                 <c:pt idx="5">
-                  <c:v>618.79999999999995</c:v>
+                  <c:v>17000</c:v>
                 </c:pt>
                 <c:pt idx="6">
-                  <c:v>1092</c:v>
+                  <c:v>30000</c:v>
                 </c:pt>
                 <c:pt idx="7">
-                  <c:v>1820</c:v>
+                  <c:v>50000</c:v>
                 </c:pt>
                 <c:pt idx="8">
-                  <c:v>2548</c:v>
+                  <c:v>70000</c:v>
                 </c:pt>
                 <c:pt idx="9">
-                  <c:v>3567.2</c:v>
+                  <c:v>98000</c:v>
                 </c:pt>
                 <c:pt idx="10">
-                  <c:v>4280.6399999999994</c:v>
+                  <c:v>117600</c:v>
                 </c:pt>
                 <c:pt idx="11">
-                  <c:v>4708.7039999999997</c:v>
+                  <c:v>129360.00000000001</c:v>
                 </c:pt>
                 <c:pt idx="12">
-                  <c:v>4755.7910400000001</c:v>
+                  <c:v>130653.60000000002</c:v>
                 </c:pt>
                 <c:pt idx="13">
-                  <c:v>4803.3489504000008</c:v>
+                  <c:v>131960.13600000003</c:v>
                 </c:pt>
                 <c:pt idx="14">
-                  <c:v>4827.3656951520024</c:v>
+                  <c:v>132619.93668000001</c:v>
                 </c:pt>
                 <c:pt idx="15">
-                  <c:v>5020.4603229580798</c:v>
+                  <c:v>137924.73414720001</c:v>
                 </c:pt>
                 <c:pt idx="16">
-                  <c:v>5171.0741326468215</c:v>
+                  <c:v>142062.47617161603</c:v>
                 </c:pt>
                 <c:pt idx="17">
-                  <c:v>5274.4956152997593</c:v>
+                  <c:v>144903.72569504834</c:v>
                 </c:pt>
                 <c:pt idx="18">
-                  <c:v>5432.7304837587526</c:v>
+                  <c:v>149250.83746589979</c:v>
                 </c:pt>
                 <c:pt idx="19">
-                  <c:v>5337.7175422771188</c:v>
+                  <c:v>146640.59182079998</c:v>
                 </c:pt>
                 <c:pt idx="20">
-                  <c:v>5560.1224398720033</c:v>
+                  <c:v>152750.61648</c:v>
                 </c:pt>
                 <c:pt idx="21">
-                  <c:v>5673.5943264000007</c:v>
+                  <c:v>155867.976</c:v>
                 </c:pt>
                 <c:pt idx="22">
-                  <c:v>5759.99424</c:v>
+                  <c:v>158241.60000000001</c:v>
                 </c:pt>
                 <c:pt idx="23">
-                  <c:v>5818.1760000000004</c:v>
+                  <c:v>159840</c:v>
                 </c:pt>
               </c:numCache>
             </c:numRef>
-          </c:val>
-          <c:smooth val="0"/>
-        </c:ser>
-        <c:ser>
-          <c:idx val="1"/>
-          <c:order val="1"/>
-          <c:tx>
-            <c:v>Ingreso Versión paga (USD)</c:v>
-          </c:tx>
-          <c:marker>
-            <c:symbol val="none"/>
-          </c:marker>
-          <c:val>
-            <c:numRef>
-              <c:f>Sheet1!$D$15:$D$38</c:f>
-              <c:numCache>
-                <c:formatCode>0</c:formatCode>
-                <c:ptCount val="24"/>
-                <c:pt idx="0">
-                  <c:v>4</c:v>
-                </c:pt>
-                <c:pt idx="1">
-                  <c:v>61.4</c:v>
-                </c:pt>
-                <c:pt idx="2">
-                  <c:v>92.8</c:v>
-                </c:pt>
-                <c:pt idx="3">
-                  <c:v>471.2</c:v>
-                </c:pt>
-                <c:pt idx="4">
-                  <c:v>928</c:v>
-                </c:pt>
-                <c:pt idx="5">
-                  <c:v>1427.6</c:v>
-                </c:pt>
-                <c:pt idx="6">
-                  <c:v>2584</c:v>
-                </c:pt>
-                <c:pt idx="7">
-                  <c:v>4140</c:v>
-                </c:pt>
-                <c:pt idx="8">
-                  <c:v>4996</c:v>
-                </c:pt>
-                <c:pt idx="9">
-                  <c:v>6994.4</c:v>
-                </c:pt>
-                <c:pt idx="10">
-                  <c:v>6993.28</c:v>
-                </c:pt>
-                <c:pt idx="11">
-                  <c:v>6712.608000000002</c:v>
-                </c:pt>
-                <c:pt idx="12">
-                  <c:v>5721.3340800000005</c:v>
-                </c:pt>
-                <c:pt idx="13">
-                  <c:v>5778.5474208000005</c:v>
-                </c:pt>
-                <c:pt idx="14">
-                  <c:v>5742.1133579039997</c:v>
-                </c:pt>
-                <c:pt idx="15">
-                  <c:v>6433.6583682201599</c:v>
-                </c:pt>
-                <c:pt idx="16">
-                  <c:v>6494.0481825867673</c:v>
-                </c:pt>
-                <c:pt idx="17">
-                  <c:v>6486.0044120913008</c:v>
-                </c:pt>
-                <c:pt idx="18">
-                  <c:v>6822.6470206256581</c:v>
-                </c:pt>
-                <c:pt idx="19">
-                  <c:v>6015.19276542026</c:v>
-                </c:pt>
-                <c:pt idx="20">
-                  <c:v>7148.7288512640025</c:v>
-                </c:pt>
-                <c:pt idx="21">
-                  <c:v>6982.8853248000014</c:v>
-                </c:pt>
-                <c:pt idx="22">
-                  <c:v>7010.1028800000022</c:v>
-                </c:pt>
-                <c:pt idx="23">
-                  <c:v>7000.9919999999993</c:v>
-                </c:pt>
-              </c:numCache>
-            </c:numRef>
-          </c:val>
-          <c:smooth val="0"/>
-        </c:ser>
-        <c:ser>
-          <c:idx val="2"/>
-          <c:order val="2"/>
-          <c:tx>
-            <c:v>Cantidad Usuarios (cientos)</c:v>
-          </c:tx>
-          <c:marker>
-            <c:symbol val="none"/>
-          </c:marker>
-          <c:val>
-            <c:numRef>
-              <c:f>Sheet1!$E$15:$E$38</c:f>
-              <c:numCache>
-                <c:formatCode>General</c:formatCode>
-                <c:ptCount val="24"/>
-                <c:pt idx="0">
-                  <c:v>1</c:v>
-                </c:pt>
-                <c:pt idx="1">
-                  <c:v>5</c:v>
-                </c:pt>
-                <c:pt idx="2">
-                  <c:v>10</c:v>
-                </c:pt>
-                <c:pt idx="3">
-                  <c:v>40</c:v>
-                </c:pt>
-                <c:pt idx="4">
-                  <c:v>100</c:v>
-                </c:pt>
-                <c:pt idx="5">
-                  <c:v>170</c:v>
-                </c:pt>
-                <c:pt idx="6">
-                  <c:v>300</c:v>
-                </c:pt>
-                <c:pt idx="7">
-                  <c:v>500</c:v>
-                </c:pt>
-                <c:pt idx="8">
-                  <c:v>700</c:v>
-                </c:pt>
-                <c:pt idx="9">
-                  <c:v>980</c:v>
-                </c:pt>
-                <c:pt idx="10">
-                  <c:v>1176</c:v>
-                </c:pt>
-                <c:pt idx="11">
-                  <c:v>1293.5999999999999</c:v>
-                </c:pt>
-                <c:pt idx="12">
-                  <c:v>1306.5360000000003</c:v>
-                </c:pt>
-                <c:pt idx="13">
-                  <c:v>1319.6013599999999</c:v>
-                </c:pt>
-                <c:pt idx="14">
-                  <c:v>1326.1993667999998</c:v>
-                </c:pt>
-                <c:pt idx="15">
-                  <c:v>1379.247341472</c:v>
-                </c:pt>
-                <c:pt idx="16">
-                  <c:v>1420.6247617161603</c:v>
-                </c:pt>
-                <c:pt idx="17">
-                  <c:v>1449.0372569504834</c:v>
-                </c:pt>
-                <c:pt idx="18">
-                  <c:v>1492.5083746589978</c:v>
-                </c:pt>
-                <c:pt idx="19">
-                  <c:v>1466.405918208</c:v>
-                </c:pt>
-                <c:pt idx="20">
-                  <c:v>1527.5061648000001</c:v>
-                </c:pt>
-                <c:pt idx="21">
-                  <c:v>1558.67976</c:v>
-                </c:pt>
-                <c:pt idx="22">
-                  <c:v>1582.4160000000006</c:v>
-                </c:pt>
-                <c:pt idx="23">
-                  <c:v>1598.4</c:v>
-                </c:pt>
-              </c:numCache>
-            </c:numRef>
-          </c:val>
+          </c:yVal>
           <c:smooth val="0"/>
         </c:ser>
         <c:dLbls>
@@ -426,55 +324,101 @@
           <c:showPercent val="0"/>
           <c:showBubbleSize val="0"/>
         </c:dLbls>
-        <c:marker val="1"/>
-        <c:smooth val="0"/>
-        <c:axId val="72413952"/>
-        <c:axId val="72415488"/>
-      </c:lineChart>
-      <c:catAx>
-        <c:axId val="72413952"/>
+        <c:axId val="46142592"/>
+        <c:axId val="46543232"/>
+      </c:scatterChart>
+      <c:valAx>
+        <c:axId val="46142592"/>
         <c:scaling>
           <c:orientation val="minMax"/>
+          <c:max val="24"/>
+          <c:min val="0"/>
         </c:scaling>
         <c:delete val="0"/>
         <c:axPos val="b"/>
-        <c:majorTickMark val="out"/>
+        <c:majorGridlines/>
+        <c:title>
+          <c:tx>
+            <c:rich>
+              <a:bodyPr/>
+              <a:lstStyle/>
+              <a:p>
+                <a:pPr>
+                  <a:defRPr sz="1400"/>
+                </a:pPr>
+                <a:r>
+                  <a:rPr lang="es-AR" sz="1400"/>
+                  <a:t>Meses</a:t>
+                </a:r>
+              </a:p>
+            </c:rich>
+          </c:tx>
+          <c:layout/>
+          <c:overlay val="0"/>
+        </c:title>
+        <c:majorTickMark val="none"/>
         <c:minorTickMark val="none"/>
         <c:tickLblPos val="nextTo"/>
-        <c:crossAx val="72415488"/>
+        <c:crossAx val="46543232"/>
         <c:crosses val="autoZero"/>
-        <c:auto val="1"/>
-        <c:lblAlgn val="ctr"/>
-        <c:lblOffset val="100"/>
-        <c:noMultiLvlLbl val="0"/>
-      </c:catAx>
+        <c:crossBetween val="midCat"/>
+        <c:majorUnit val="3"/>
+      </c:valAx>
       <c:valAx>
-        <c:axId val="72415488"/>
+        <c:axId val="46543232"/>
         <c:scaling>
           <c:orientation val="minMax"/>
         </c:scaling>
         <c:delete val="0"/>
         <c:axPos val="l"/>
         <c:majorGridlines/>
+        <c:title>
+          <c:tx>
+            <c:rich>
+              <a:bodyPr rot="-5400000" vert="horz"/>
+              <a:lstStyle/>
+              <a:p>
+                <a:pPr>
+                  <a:defRPr sz="1200" b="0"/>
+                </a:pPr>
+                <a:r>
+                  <a:rPr lang="es-AR" sz="1200" b="0"/>
+                  <a:t>Cantidad</a:t>
+                </a:r>
+              </a:p>
+            </c:rich>
+          </c:tx>
+          <c:layout/>
+          <c:overlay val="0"/>
+        </c:title>
         <c:numFmt formatCode="0" sourceLinked="1"/>
-        <c:majorTickMark val="out"/>
+        <c:majorTickMark val="none"/>
         <c:minorTickMark val="none"/>
         <c:tickLblPos val="nextTo"/>
-        <c:crossAx val="72413952"/>
+        <c:crossAx val="46142592"/>
         <c:crosses val="autoZero"/>
-        <c:crossBetween val="between"/>
+        <c:crossBetween val="midCat"/>
       </c:valAx>
     </c:plotArea>
     <c:legend>
       <c:legendPos val="b"/>
-      <c:layout/>
+      <c:layout>
+        <c:manualLayout>
+          <c:xMode val="edge"/>
+          <c:yMode val="edge"/>
+          <c:x val="5.8500218722659668E-2"/>
+          <c:y val="0.8926360228618575"/>
+          <c:w val="0.28299934383202102"/>
+          <c:h val="7.7401435370898525E-2"/>
+        </c:manualLayout>
+      </c:layout>
       <c:overlay val="0"/>
       <c:txPr>
         <a:bodyPr/>
         <a:lstStyle/>
         <a:p>
           <a:pPr>
-            <a:defRPr sz="1200"/>
+            <a:defRPr sz="1400"/>
           </a:pPr>
           <a:endParaRPr lang="es-AR"/>
         </a:p>
@@ -497,13 +441,32 @@
   <c:roundedCorners val="0"/>
   <mc:AlternateContent xmlns:mc="http://schemas.openxmlformats.org/markup-compatibility/2006">
     <mc:Choice xmlns:c14="http://schemas.microsoft.com/office/drawing/2007/8/2/chart" Requires="c14">
-      <c14:style val="102"/>
+      <c14:style val="130"/>
     </mc:Choice>
     <mc:Fallback>
-      <c:style val="2"/>
+      <c:style val="30"/>
     </mc:Fallback>
   </mc:AlternateContent>
   <c:chart>
+    <c:title>
+      <c:tx>
+        <c:rich>
+          <a:bodyPr/>
+          <a:lstStyle/>
+          <a:p>
+            <a:pPr>
+              <a:defRPr/>
+            </a:pPr>
+            <a:r>
+              <a:rPr lang="es-AR"/>
+              <a:t>Ingresos</a:t>
+            </a:r>
+          </a:p>
+        </c:rich>
+      </c:tx>
+      <c:layout/>
+      <c:overlay val="0"/>
+    </c:title>
     <c:autoTitleDeleted val="0"/>
     <c:plotArea>
       <c:layout>
@@ -511,221 +474,625 @@
           <c:layoutTarget val="inner"/>
           <c:xMode val="edge"/>
           <c:yMode val="edge"/>
-          <c:x val="6.7896043958078772E-2"/>
-          <c:y val="2.71964380500932E-2"/>
-          <c:w val="0.91593677091434267"/>
-          <c:h val="0.80538177085262097"/>
+          <c:x val="0.13186152249103578"/>
+          <c:y val="0.13945483240158113"/>
+          <c:w val="0.83113214475133612"/>
+          <c:h val="0.70870113758403952"/>
         </c:manualLayout>
       </c:layout>
-      <c:lineChart>
-        <c:grouping val="standard"/>
+      <c:scatterChart>
+        <c:scatterStyle val="lineMarker"/>
         <c:varyColors val="0"/>
         <c:ser>
-          <c:idx val="0"/>
+          <c:idx val="1"/>
           <c:order val="0"/>
           <c:tx>
             <c:strRef>
-              <c:f>Sheet2!$C$14</c:f>
+              <c:f>Sheet1!$C$14</c:f>
               <c:strCache>
                 <c:ptCount val="1"/>
                 <c:pt idx="0">
-                  <c:v>Ingreso sin costo descarga (USD)</c:v>
+                  <c:v>Ingreso sin costo descarga</c:v>
                 </c:pt>
               </c:strCache>
             </c:strRef>
           </c:tx>
+          <c:spPr>
+            <a:ln w="66675">
+              <a:noFill/>
+            </a:ln>
+          </c:spPr>
           <c:marker>
-            <c:symbol val="none"/>
+            <c:symbol val="square"/>
+            <c:size val="8"/>
+            <c:spPr>
+              <a:solidFill>
+                <a:schemeClr val="accent3"/>
+              </a:solidFill>
+            </c:spPr>
           </c:marker>
-          <c:val>
+          <c:xVal>
             <c:numRef>
-              <c:f>Sheet2!$C$15:$C$38</c:f>
+              <c:f>Sheet1!$A$15:$A$38</c:f>
+              <c:numCache>
+                <c:formatCode>General</c:formatCode>
+                <c:ptCount val="24"/>
+                <c:pt idx="0">
+                  <c:v>1</c:v>
+                </c:pt>
+                <c:pt idx="1">
+                  <c:v>2</c:v>
+                </c:pt>
+                <c:pt idx="2">
+                  <c:v>3</c:v>
+                </c:pt>
+                <c:pt idx="3">
+                  <c:v>4</c:v>
+                </c:pt>
+                <c:pt idx="4">
+                  <c:v>5</c:v>
+                </c:pt>
+                <c:pt idx="5">
+                  <c:v>6</c:v>
+                </c:pt>
+                <c:pt idx="6">
+                  <c:v>7</c:v>
+                </c:pt>
+                <c:pt idx="7">
+                  <c:v>8</c:v>
+                </c:pt>
+                <c:pt idx="8">
+                  <c:v>9</c:v>
+                </c:pt>
+                <c:pt idx="9">
+                  <c:v>10</c:v>
+                </c:pt>
+                <c:pt idx="10">
+                  <c:v>11</c:v>
+                </c:pt>
+                <c:pt idx="11">
+                  <c:v>12</c:v>
+                </c:pt>
+                <c:pt idx="12">
+                  <c:v>13</c:v>
+                </c:pt>
+                <c:pt idx="13">
+                  <c:v>14</c:v>
+                </c:pt>
+                <c:pt idx="14">
+                  <c:v>15</c:v>
+                </c:pt>
+                <c:pt idx="15">
+                  <c:v>16</c:v>
+                </c:pt>
+                <c:pt idx="16">
+                  <c:v>17</c:v>
+                </c:pt>
+                <c:pt idx="17">
+                  <c:v>18</c:v>
+                </c:pt>
+                <c:pt idx="18">
+                  <c:v>19</c:v>
+                </c:pt>
+                <c:pt idx="19">
+                  <c:v>20</c:v>
+                </c:pt>
+                <c:pt idx="20">
+                  <c:v>21</c:v>
+                </c:pt>
+                <c:pt idx="21">
+                  <c:v>22</c:v>
+                </c:pt>
+                <c:pt idx="22">
+                  <c:v>23</c:v>
+                </c:pt>
+                <c:pt idx="23">
+                  <c:v>24</c:v>
+                </c:pt>
+              </c:numCache>
+            </c:numRef>
+          </c:xVal>
+          <c:yVal>
+            <c:numRef>
+              <c:f>Sheet1!$C$15:$C$38</c:f>
               <c:numCache>
                 <c:formatCode>0</c:formatCode>
                 <c:ptCount val="24"/>
                 <c:pt idx="0">
-                  <c:v>728</c:v>
+                  <c:v>3.2759999999999998</c:v>
                 </c:pt>
                 <c:pt idx="1">
-                  <c:v>1070.5882352941176</c:v>
+                  <c:v>16.38</c:v>
                 </c:pt>
                 <c:pt idx="2">
-                  <c:v>1605.8823529411766</c:v>
+                  <c:v>32.76</c:v>
                 </c:pt>
                 <c:pt idx="3">
-                  <c:v>2141.1764705882351</c:v>
+                  <c:v>131.04</c:v>
                 </c:pt>
                 <c:pt idx="4">
-                  <c:v>3211.7647058823532</c:v>
+                  <c:v>327.60000000000002</c:v>
                 </c:pt>
                 <c:pt idx="5">
-                  <c:v>4068.2352941176455</c:v>
+                  <c:v>556.91999999999996</c:v>
                 </c:pt>
                 <c:pt idx="6">
-                  <c:v>5138.8235294117676</c:v>
+                  <c:v>982.80000000000007</c:v>
                 </c:pt>
                 <c:pt idx="7">
-                  <c:v>6423.5294117647081</c:v>
+                  <c:v>1638</c:v>
                 </c:pt>
                 <c:pt idx="8">
-                  <c:v>7494.1176470588234</c:v>
+                  <c:v>2293.2000000000003</c:v>
                 </c:pt>
                 <c:pt idx="9">
-                  <c:v>8564.7058823529442</c:v>
+                  <c:v>3210.48</c:v>
                 </c:pt>
                 <c:pt idx="10">
-                  <c:v>18200</c:v>
+                  <c:v>3852.5759999999996</c:v>
                 </c:pt>
                 <c:pt idx="11">
-                  <c:v>27300</c:v>
+                  <c:v>4237.8335999999999</c:v>
                 </c:pt>
                 <c:pt idx="12">
-                  <c:v>36400</c:v>
+                  <c:v>4280.2119360000006</c:v>
                 </c:pt>
                 <c:pt idx="13">
-                  <c:v>54600</c:v>
+                  <c:v>4323.0140553600013</c:v>
                 </c:pt>
                 <c:pt idx="14">
-                  <c:v>69160</c:v>
+                  <c:v>4344.6291256368004</c:v>
                 </c:pt>
                 <c:pt idx="15">
-                  <c:v>87360</c:v>
+                  <c:v>4518.4142906622719</c:v>
                 </c:pt>
                 <c:pt idx="16">
-                  <c:v>109200</c:v>
+                  <c:v>4653.9667193821415</c:v>
                 </c:pt>
                 <c:pt idx="17">
-                  <c:v>127400</c:v>
+                  <c:v>4747.0460537697836</c:v>
                 </c:pt>
                 <c:pt idx="18">
-                  <c:v>145600</c:v>
+                  <c:v>4889.4574353828775</c:v>
                 </c:pt>
                 <c:pt idx="19">
-                  <c:v>163800</c:v>
+                  <c:v>4803.9457880494074</c:v>
                 </c:pt>
                 <c:pt idx="20">
-                  <c:v>191100</c:v>
+                  <c:v>5004.1101958847994</c:v>
                 </c:pt>
                 <c:pt idx="21">
-                  <c:v>218400</c:v>
+                  <c:v>5106.2348937599991</c:v>
                 </c:pt>
                 <c:pt idx="22">
-                  <c:v>245700</c:v>
+                  <c:v>5183.9948160000004</c:v>
                 </c:pt>
                 <c:pt idx="23">
-                  <c:v>273000</c:v>
+                  <c:v>5236.3584000000001</c:v>
                 </c:pt>
               </c:numCache>
             </c:numRef>
-          </c:val>
+          </c:yVal>
           <c:smooth val="0"/>
         </c:ser>
         <c:ser>
-          <c:idx val="1"/>
+          <c:idx val="2"/>
           <c:order val="1"/>
           <c:tx>
             <c:strRef>
-              <c:f>Sheet2!$D$14</c:f>
+              <c:f>Sheet1!$D$14</c:f>
               <c:strCache>
                 <c:ptCount val="1"/>
                 <c:pt idx="0">
-                  <c:v>Ingreso con costo descarga (USD)</c:v>
+                  <c:v>Ingreso con costo descarga</c:v>
                 </c:pt>
               </c:strCache>
             </c:strRef>
           </c:tx>
+          <c:spPr>
+            <a:ln w="66675">
+              <a:noFill/>
+            </a:ln>
+          </c:spPr>
           <c:marker>
-            <c:symbol val="none"/>
+            <c:symbol val="triangle"/>
+            <c:size val="8"/>
           </c:marker>
-          <c:val>
+          <c:xVal>
             <c:numRef>
-              <c:f>Sheet2!$D$15:$D$38</c:f>
+              <c:f>Sheet1!$A$15:$A$38</c:f>
+              <c:numCache>
+                <c:formatCode>General</c:formatCode>
+                <c:ptCount val="24"/>
+                <c:pt idx="0">
+                  <c:v>1</c:v>
+                </c:pt>
+                <c:pt idx="1">
+                  <c:v>2</c:v>
+                </c:pt>
+                <c:pt idx="2">
+                  <c:v>3</c:v>
+                </c:pt>
+                <c:pt idx="3">
+                  <c:v>4</c:v>
+                </c:pt>
+                <c:pt idx="4">
+                  <c:v>5</c:v>
+                </c:pt>
+                <c:pt idx="5">
+                  <c:v>6</c:v>
+                </c:pt>
+                <c:pt idx="6">
+                  <c:v>7</c:v>
+                </c:pt>
+                <c:pt idx="7">
+                  <c:v>8</c:v>
+                </c:pt>
+                <c:pt idx="8">
+                  <c:v>9</c:v>
+                </c:pt>
+                <c:pt idx="9">
+                  <c:v>10</c:v>
+                </c:pt>
+                <c:pt idx="10">
+                  <c:v>11</c:v>
+                </c:pt>
+                <c:pt idx="11">
+                  <c:v>12</c:v>
+                </c:pt>
+                <c:pt idx="12">
+                  <c:v>13</c:v>
+                </c:pt>
+                <c:pt idx="13">
+                  <c:v>14</c:v>
+                </c:pt>
+                <c:pt idx="14">
+                  <c:v>15</c:v>
+                </c:pt>
+                <c:pt idx="15">
+                  <c:v>16</c:v>
+                </c:pt>
+                <c:pt idx="16">
+                  <c:v>17</c:v>
+                </c:pt>
+                <c:pt idx="17">
+                  <c:v>18</c:v>
+                </c:pt>
+                <c:pt idx="18">
+                  <c:v>19</c:v>
+                </c:pt>
+                <c:pt idx="19">
+                  <c:v>20</c:v>
+                </c:pt>
+                <c:pt idx="20">
+                  <c:v>21</c:v>
+                </c:pt>
+                <c:pt idx="21">
+                  <c:v>22</c:v>
+                </c:pt>
+                <c:pt idx="22">
+                  <c:v>23</c:v>
+                </c:pt>
+                <c:pt idx="23">
+                  <c:v>24</c:v>
+                </c:pt>
+              </c:numCache>
+            </c:numRef>
+          </c:xVal>
+          <c:yVal>
+            <c:numRef>
+              <c:f>Sheet1!$D$15:$D$38</c:f>
               <c:numCache>
                 <c:formatCode>0</c:formatCode>
                 <c:ptCount val="24"/>
                 <c:pt idx="0">
-                  <c:v>4200</c:v>
+                  <c:v>10</c:v>
                 </c:pt>
                 <c:pt idx="1">
-                  <c:v>2200</c:v>
+                  <c:v>40</c:v>
                 </c:pt>
                 <c:pt idx="2">
-                  <c:v>3358.8235294117649</c:v>
+                  <c:v>50</c:v>
                 </c:pt>
                 <c:pt idx="3">
-                  <c:v>3988.2352941176459</c:v>
+                  <c:v>300</c:v>
                 </c:pt>
                 <c:pt idx="4">
-                  <c:v>5835.2941176470595</c:v>
+                  <c:v>600</c:v>
                 </c:pt>
                 <c:pt idx="5">
-                  <c:v>7136.4705882352919</c:v>
+                  <c:v>700</c:v>
                 </c:pt>
                 <c:pt idx="6">
-                  <c:v>8983.5294117647063</c:v>
+                  <c:v>1300</c:v>
                 </c:pt>
                 <c:pt idx="7">
-                  <c:v>11082.352941176472</c:v>
+                  <c:v>2000</c:v>
                 </c:pt>
                 <c:pt idx="8">
-                  <c:v>11752.941176470587</c:v>
+                  <c:v>2000</c:v>
                 </c:pt>
                 <c:pt idx="9">
-                  <c:v>13011.764705882357</c:v>
+                  <c:v>2800</c:v>
                 </c:pt>
                 <c:pt idx="10">
-                  <c:v>47870.588235294163</c:v>
+                  <c:v>1960</c:v>
                 </c:pt>
                 <c:pt idx="11">
-                  <c:v>57100</c:v>
+                  <c:v>1176.0000000000016</c:v>
                 </c:pt>
                 <c:pt idx="12">
-                  <c:v>67800</c:v>
+                  <c:v>129.36000000000058</c:v>
                 </c:pt>
                 <c:pt idx="13">
-                  <c:v>114200</c:v>
+                  <c:v>130.65360000000075</c:v>
                 </c:pt>
                 <c:pt idx="14">
-                  <c:v>121320</c:v>
+                  <c:v>65.980067999998582</c:v>
                 </c:pt>
                 <c:pt idx="15">
-                  <c:v>152720</c:v>
+                  <c:v>530.47974671999987</c:v>
                 </c:pt>
                 <c:pt idx="16">
-                  <c:v>188400</c:v>
+                  <c:v>413.77420244160169</c:v>
                 </c:pt>
                 <c:pt idx="17">
-                  <c:v>199800</c:v>
+                  <c:v>284.12495234323143</c:v>
                 </c:pt>
                 <c:pt idx="18">
-                  <c:v>221200</c:v>
+                  <c:v>434.71117708514504</c:v>
                 </c:pt>
                 <c:pt idx="19">
-                  <c:v>242600</c:v>
+                  <c:v>0</c:v>
                 </c:pt>
                 <c:pt idx="20">
-                  <c:v>299700</c:v>
+                  <c:v>611.0024659200019</c:v>
                 </c:pt>
                 <c:pt idx="21">
-                  <c:v>331800</c:v>
+                  <c:v>311.73595199999983</c:v>
                 </c:pt>
                 <c:pt idx="22">
-                  <c:v>363900</c:v>
+                  <c:v>237.36240000000109</c:v>
                 </c:pt>
                 <c:pt idx="23">
-                  <c:v>396000</c:v>
+                  <c:v>159.83999999999943</c:v>
                 </c:pt>
               </c:numCache>
             </c:numRef>
-          </c:val>
+          </c:yVal>
           <c:smooth val="0"/>
         </c:ser>
         <c:ser>
-          <c:idx val="2"/>
+          <c:idx val="3"/>
           <c:order val="2"/>
           <c:tx>
             <c:strRef>
-              <c:f>Sheet2!$E$14</c:f>
+              <c:f>Sheet1!$E$14</c:f>
+              <c:strCache>
+                <c:ptCount val="1"/>
+                <c:pt idx="0">
+                  <c:v>Ingreso Total</c:v>
+                </c:pt>
+              </c:strCache>
+            </c:strRef>
+          </c:tx>
+          <c:spPr>
+            <a:ln w="66675">
+              <a:noFill/>
+            </a:ln>
+          </c:spPr>
+          <c:marker>
+            <c:symbol val="circle"/>
+            <c:size val="10"/>
+            <c:spPr>
+              <a:solidFill>
+                <a:schemeClr val="accent6"/>
+              </a:solidFill>
+            </c:spPr>
+          </c:marker>
+          <c:dLbls>
+            <c:dLbl>
+              <c:idx val="23"/>
+              <c:layout>
+                <c:manualLayout>
+                  <c:x val="-2.9936672423719057E-2"/>
+                  <c:y val="-9.4029135112611378E-2"/>
+                </c:manualLayout>
+              </c:layout>
+              <c:showLegendKey val="0"/>
+              <c:showVal val="1"/>
+              <c:showCatName val="0"/>
+              <c:showSerName val="0"/>
+              <c:showPercent val="0"/>
+              <c:showBubbleSize val="0"/>
+            </c:dLbl>
+            <c:txPr>
+              <a:bodyPr/>
+              <a:lstStyle/>
+              <a:p>
+                <a:pPr>
+                  <a:defRPr sz="1800" b="1"/>
+                </a:pPr>
+                <a:endParaRPr lang="es-AR"/>
+              </a:p>
+            </c:txPr>
+            <c:showLegendKey val="0"/>
+            <c:showVal val="0"/>
+            <c:showCatName val="0"/>
+            <c:showSerName val="0"/>
+            <c:showPercent val="0"/>
+            <c:showBubbleSize val="0"/>
+          </c:dLbls>
+          <c:xVal>
+            <c:numRef>
+              <c:f>Sheet1!$A$15:$A$38</c:f>
+              <c:numCache>
+                <c:formatCode>General</c:formatCode>
+                <c:ptCount val="24"/>
+                <c:pt idx="0">
+                  <c:v>1</c:v>
+                </c:pt>
+                <c:pt idx="1">
+                  <c:v>2</c:v>
+                </c:pt>
+                <c:pt idx="2">
+                  <c:v>3</c:v>
+                </c:pt>
+                <c:pt idx="3">
+                  <c:v>4</c:v>
+                </c:pt>
+                <c:pt idx="4">
+                  <c:v>5</c:v>
+                </c:pt>
+                <c:pt idx="5">
+                  <c:v>6</c:v>
+                </c:pt>
+                <c:pt idx="6">
+                  <c:v>7</c:v>
+                </c:pt>
+                <c:pt idx="7">
+                  <c:v>8</c:v>
+                </c:pt>
+                <c:pt idx="8">
+                  <c:v>9</c:v>
+                </c:pt>
+                <c:pt idx="9">
+                  <c:v>10</c:v>
+                </c:pt>
+                <c:pt idx="10">
+                  <c:v>11</c:v>
+                </c:pt>
+                <c:pt idx="11">
+                  <c:v>12</c:v>
+                </c:pt>
+                <c:pt idx="12">
+                  <c:v>13</c:v>
+                </c:pt>
+                <c:pt idx="13">
+                  <c:v>14</c:v>
+                </c:pt>
+                <c:pt idx="14">
+                  <c:v>15</c:v>
+                </c:pt>
+                <c:pt idx="15">
+                  <c:v>16</c:v>
+                </c:pt>
+                <c:pt idx="16">
+                  <c:v>17</c:v>
+                </c:pt>
+                <c:pt idx="17">
+                  <c:v>18</c:v>
+                </c:pt>
+                <c:pt idx="18">
+                  <c:v>19</c:v>
+                </c:pt>
+                <c:pt idx="19">
+                  <c:v>20</c:v>
+                </c:pt>
+                <c:pt idx="20">
+                  <c:v>21</c:v>
+                </c:pt>
+                <c:pt idx="21">
+                  <c:v>22</c:v>
+                </c:pt>
+                <c:pt idx="22">
+                  <c:v>23</c:v>
+                </c:pt>
+                <c:pt idx="23">
+                  <c:v>24</c:v>
+                </c:pt>
+              </c:numCache>
+            </c:numRef>
+          </c:xVal>
+          <c:yVal>
+            <c:numRef>
+              <c:f>Sheet1!$E$15:$E$38</c:f>
+              <c:numCache>
+                <c:formatCode>0</c:formatCode>
+                <c:ptCount val="24"/>
+                <c:pt idx="0">
+                  <c:v>13.276</c:v>
+                </c:pt>
+                <c:pt idx="1">
+                  <c:v>56.379999999999995</c:v>
+                </c:pt>
+                <c:pt idx="2">
+                  <c:v>82.759999999999991</c:v>
+                </c:pt>
+                <c:pt idx="3">
+                  <c:v>431.03999999999996</c:v>
+                </c:pt>
+                <c:pt idx="4">
+                  <c:v>927.6</c:v>
+                </c:pt>
+                <c:pt idx="5">
+                  <c:v>1256.92</c:v>
+                </c:pt>
+                <c:pt idx="6">
+                  <c:v>2282.8000000000002</c:v>
+                </c:pt>
+                <c:pt idx="7">
+                  <c:v>3638</c:v>
+                </c:pt>
+                <c:pt idx="8">
+                  <c:v>4293.2000000000007</c:v>
+                </c:pt>
+                <c:pt idx="9">
+                  <c:v>6010.48</c:v>
+                </c:pt>
+                <c:pt idx="10">
+                  <c:v>5812.5759999999991</c:v>
+                </c:pt>
+                <c:pt idx="11">
+                  <c:v>5413.8336000000018</c:v>
+                </c:pt>
+                <c:pt idx="12">
+                  <c:v>4409.5719360000012</c:v>
+                </c:pt>
+                <c:pt idx="13">
+                  <c:v>4453.6676553600018</c:v>
+                </c:pt>
+                <c:pt idx="14">
+                  <c:v>4410.6091936367993</c:v>
+                </c:pt>
+                <c:pt idx="15">
+                  <c:v>5048.8940373822716</c:v>
+                </c:pt>
+                <c:pt idx="16">
+                  <c:v>5067.7409218237435</c:v>
+                </c:pt>
+                <c:pt idx="17">
+                  <c:v>5031.1710061130152</c:v>
+                </c:pt>
+                <c:pt idx="18">
+                  <c:v>5324.1686124680227</c:v>
+                </c:pt>
+                <c:pt idx="19">
+                  <c:v>4803.9457880494074</c:v>
+                </c:pt>
+                <c:pt idx="20">
+                  <c:v>5615.1126618048011</c:v>
+                </c:pt>
+                <c:pt idx="21">
+                  <c:v>5417.9708457599991</c:v>
+                </c:pt>
+                <c:pt idx="22">
+                  <c:v>5421.3572160000012</c:v>
+                </c:pt>
+                <c:pt idx="23">
+                  <c:v>5396.1983999999993</c:v>
+                </c:pt>
+              </c:numCache>
+            </c:numRef>
+          </c:yVal>
+          <c:smooth val="0"/>
+        </c:ser>
+        <c:ser>
+          <c:idx val="4"/>
+          <c:order val="3"/>
+          <c:tx>
+            <c:strRef>
+              <c:f>Sheet1!$F$14</c:f>
               <c:strCache>
                 <c:ptCount val="1"/>
                 <c:pt idx="0">
@@ -734,90 +1101,182 @@
               </c:strCache>
             </c:strRef>
           </c:tx>
+          <c:spPr>
+            <a:ln w="66675">
+              <a:noFill/>
+            </a:ln>
+          </c:spPr>
           <c:marker>
-            <c:symbol val="none"/>
+            <c:symbol val="diamond"/>
+            <c:size val="10"/>
+            <c:spPr>
+              <a:solidFill>
+                <a:schemeClr val="accent1"/>
+              </a:solidFill>
+            </c:spPr>
           </c:marker>
-          <c:val>
+          <c:xVal>
             <c:numRef>
-              <c:f>Sheet2!$E$15:$E$38</c:f>
+              <c:f>Sheet1!$A$15:$A$38</c:f>
               <c:numCache>
                 <c:formatCode>General</c:formatCode>
                 <c:ptCount val="24"/>
                 <c:pt idx="0">
-                  <c:v>200</c:v>
+                  <c:v>1</c:v>
                 </c:pt>
                 <c:pt idx="1">
-                  <c:v>294.11764705882365</c:v>
+                  <c:v>2</c:v>
                 </c:pt>
                 <c:pt idx="2">
-                  <c:v>441.17647058823525</c:v>
+                  <c:v>3</c:v>
                 </c:pt>
                 <c:pt idx="3">
-                  <c:v>588.2352941176473</c:v>
+                  <c:v>4</c:v>
                 </c:pt>
                 <c:pt idx="4">
-                  <c:v>882.35294117647049</c:v>
+                  <c:v>5</c:v>
                 </c:pt>
                 <c:pt idx="5">
-                  <c:v>1117.6470588235293</c:v>
+                  <c:v>6</c:v>
                 </c:pt>
                 <c:pt idx="6">
-                  <c:v>1411.7647058823529</c:v>
+                  <c:v>7</c:v>
                 </c:pt>
                 <c:pt idx="7">
-                  <c:v>1764.7058823529412</c:v>
+                  <c:v>8</c:v>
                 </c:pt>
                 <c:pt idx="8">
-                  <c:v>2058.8235294117649</c:v>
+                  <c:v>9</c:v>
                 </c:pt>
                 <c:pt idx="9">
-                  <c:v>2352.941176470591</c:v>
+                  <c:v>10</c:v>
                 </c:pt>
                 <c:pt idx="10">
-                  <c:v>5000</c:v>
+                  <c:v>11</c:v>
                 </c:pt>
                 <c:pt idx="11">
-                  <c:v>7500</c:v>
+                  <c:v>12</c:v>
                 </c:pt>
                 <c:pt idx="12">
-                  <c:v>10000</c:v>
+                  <c:v>13</c:v>
                 </c:pt>
                 <c:pt idx="13">
-                  <c:v>15000</c:v>
+                  <c:v>14</c:v>
                 </c:pt>
                 <c:pt idx="14">
-                  <c:v>19000</c:v>
+                  <c:v>15</c:v>
                 </c:pt>
                 <c:pt idx="15">
-                  <c:v>24000</c:v>
+                  <c:v>16</c:v>
                 </c:pt>
                 <c:pt idx="16">
-                  <c:v>30000</c:v>
+                  <c:v>17</c:v>
                 </c:pt>
                 <c:pt idx="17">
-                  <c:v>35000</c:v>
+                  <c:v>18</c:v>
                 </c:pt>
                 <c:pt idx="18">
-                  <c:v>40000</c:v>
+                  <c:v>19</c:v>
                 </c:pt>
                 <c:pt idx="19">
-                  <c:v>45000</c:v>
+                  <c:v>20</c:v>
                 </c:pt>
                 <c:pt idx="20">
-                  <c:v>52500</c:v>
+                  <c:v>21</c:v>
                 </c:pt>
                 <c:pt idx="21">
-                  <c:v>60000</c:v>
+                  <c:v>22</c:v>
                 </c:pt>
                 <c:pt idx="22">
-                  <c:v>67500</c:v>
+                  <c:v>23</c:v>
                 </c:pt>
                 <c:pt idx="23">
-                  <c:v>75000</c:v>
+                  <c:v>24</c:v>
                 </c:pt>
               </c:numCache>
             </c:numRef>
-          </c:val>
+          </c:xVal>
+          <c:yVal>
+            <c:numRef>
+              <c:f>Sheet1!$F$15:$F$38</c:f>
+              <c:numCache>
+                <c:formatCode>General</c:formatCode>
+                <c:ptCount val="24"/>
+                <c:pt idx="0">
+                  <c:v>1</c:v>
+                </c:pt>
+                <c:pt idx="1">
+                  <c:v>5</c:v>
+                </c:pt>
+                <c:pt idx="2">
+                  <c:v>10</c:v>
+                </c:pt>
+                <c:pt idx="3">
+                  <c:v>40</c:v>
+                </c:pt>
+                <c:pt idx="4">
+                  <c:v>100</c:v>
+                </c:pt>
+                <c:pt idx="5">
+                  <c:v>170</c:v>
+                </c:pt>
+                <c:pt idx="6">
+                  <c:v>300</c:v>
+                </c:pt>
+                <c:pt idx="7">
+                  <c:v>500</c:v>
+                </c:pt>
+                <c:pt idx="8">
+                  <c:v>700</c:v>
+                </c:pt>
+                <c:pt idx="9">
+                  <c:v>980</c:v>
+                </c:pt>
+                <c:pt idx="10">
+                  <c:v>1176</c:v>
+                </c:pt>
+                <c:pt idx="11">
+                  <c:v>1293.6000000000001</c:v>
+                </c:pt>
+                <c:pt idx="12">
+                  <c:v>1306.5360000000003</c:v>
+                </c:pt>
+                <c:pt idx="13">
+                  <c:v>1319.6013600000003</c:v>
+                </c:pt>
+                <c:pt idx="14">
+                  <c:v>1326.1993668000002</c:v>
+                </c:pt>
+                <c:pt idx="15">
+                  <c:v>1379.247341472</c:v>
+                </c:pt>
+                <c:pt idx="16">
+                  <c:v>1420.6247617161603</c:v>
+                </c:pt>
+                <c:pt idx="17">
+                  <c:v>1449.0372569504834</c:v>
+                </c:pt>
+                <c:pt idx="18">
+                  <c:v>1492.508374658998</c:v>
+                </c:pt>
+                <c:pt idx="19">
+                  <c:v>1466.4059182079998</c:v>
+                </c:pt>
+                <c:pt idx="20">
+                  <c:v>1527.5061648000001</c:v>
+                </c:pt>
+                <c:pt idx="21">
+                  <c:v>1558.67976</c:v>
+                </c:pt>
+                <c:pt idx="22">
+                  <c:v>1582.4160000000002</c:v>
+                </c:pt>
+                <c:pt idx="23">
+                  <c:v>1598.4</c:v>
+                </c:pt>
+              </c:numCache>
+            </c:numRef>
+          </c:yVal>
           <c:smooth val="0"/>
         </c:ser>
         <c:dLbls>
@@ -828,43 +1287,361 @@
           <c:showPercent val="0"/>
           <c:showBubbleSize val="0"/>
         </c:dLbls>
-        <c:marker val="1"/>
-        <c:smooth val="0"/>
-        <c:axId val="77498240"/>
-        <c:axId val="77499776"/>
-      </c:lineChart>
-      <c:catAx>
-        <c:axId val="77498240"/>
+        <c:axId val="45554688"/>
+        <c:axId val="45818240"/>
+      </c:scatterChart>
+      <c:valAx>
+        <c:axId val="45554688"/>
         <c:scaling>
           <c:orientation val="minMax"/>
+          <c:max val="24"/>
+          <c:min val="0"/>
         </c:scaling>
         <c:delete val="0"/>
         <c:axPos val="b"/>
-        <c:majorTickMark val="out"/>
+        <c:majorGridlines/>
+        <c:title>
+          <c:tx>
+            <c:rich>
+              <a:bodyPr/>
+              <a:lstStyle/>
+              <a:p>
+                <a:pPr>
+                  <a:defRPr/>
+                </a:pPr>
+                <a:r>
+                  <a:rPr lang="en-US"/>
+                  <a:t>Meses</a:t>
+                </a:r>
+              </a:p>
+            </c:rich>
+          </c:tx>
+          <c:layout/>
+          <c:overlay val="0"/>
+        </c:title>
+        <c:numFmt formatCode="General" sourceLinked="1"/>
+        <c:majorTickMark val="none"/>
         <c:minorTickMark val="none"/>
         <c:tickLblPos val="nextTo"/>
-        <c:crossAx val="77499776"/>
+        <c:crossAx val="45818240"/>
         <c:crosses val="autoZero"/>
-        <c:auto val="1"/>
-        <c:lblAlgn val="ctr"/>
-        <c:lblOffset val="100"/>
-        <c:noMultiLvlLbl val="0"/>
-      </c:catAx>
+        <c:crossBetween val="midCat"/>
+        <c:majorUnit val="3"/>
+      </c:valAx>
       <c:valAx>
-        <c:axId val="77499776"/>
+        <c:axId val="45818240"/>
         <c:scaling>
           <c:orientation val="minMax"/>
         </c:scaling>
         <c:delete val="0"/>
         <c:axPos val="l"/>
         <c:majorGridlines/>
+        <c:title>
+          <c:tx>
+            <c:rich>
+              <a:bodyPr rot="-5400000" vert="horz"/>
+              <a:lstStyle/>
+              <a:p>
+                <a:pPr>
+                  <a:defRPr/>
+                </a:pPr>
+                <a:r>
+                  <a:rPr lang="en-US"/>
+                  <a:t>Ingreso [USD]</a:t>
+                </a:r>
+              </a:p>
+            </c:rich>
+          </c:tx>
+          <c:layout/>
+          <c:overlay val="0"/>
+        </c:title>
         <c:numFmt formatCode="0" sourceLinked="1"/>
-        <c:majorTickMark val="out"/>
+        <c:majorTickMark val="none"/>
         <c:minorTickMark val="none"/>
         <c:tickLblPos val="nextTo"/>
-        <c:crossAx val="77498240"/>
+        <c:crossAx val="45554688"/>
         <c:crosses val="autoZero"/>
-        <c:crossBetween val="between"/>
+        <c:crossBetween val="midCat"/>
+      </c:valAx>
+    </c:plotArea>
+    <c:legend>
+      <c:legendPos val="b"/>
+      <c:layout/>
+      <c:overlay val="0"/>
+    </c:legend>
+    <c:plotVisOnly val="1"/>
+    <c:dispBlanksAs val="gap"/>
+    <c:showDLblsOverMax val="0"/>
+  </c:chart>
+  <c:externalData r:id="rId1">
+    <c:autoUpdate val="0"/>
+  </c:externalData>
+</c:chartSpace>
+</file>
+
+<file path=ppt/charts/chart3.xml><?xml version="1.0" encoding="utf-8"?>
+<c:chartSpace xmlns:c="http://schemas.openxmlformats.org/drawingml/2006/chart" xmlns:a="http://schemas.openxmlformats.org/drawingml/2006/main" xmlns:r="http://schemas.openxmlformats.org/officeDocument/2006/relationships">
+  <c:date1904 val="0"/>
+  <c:lang val="es-AR"/>
+  <c:roundedCorners val="0"/>
+  <mc:AlternateContent xmlns:mc="http://schemas.openxmlformats.org/markup-compatibility/2006">
+    <mc:Choice xmlns:c14="http://schemas.microsoft.com/office/drawing/2007/8/2/chart" Requires="c14">
+      <c14:style val="125"/>
+    </mc:Choice>
+    <mc:Fallback>
+      <c:style val="25"/>
+    </mc:Fallback>
+  </mc:AlternateContent>
+  <c:chart>
+    <c:title>
+      <c:layout/>
+      <c:overlay val="0"/>
+    </c:title>
+    <c:autoTitleDeleted val="0"/>
+    <c:plotArea>
+      <c:layout>
+        <c:manualLayout>
+          <c:layoutTarget val="inner"/>
+          <c:xMode val="edge"/>
+          <c:yMode val="edge"/>
+          <c:x val="0.18722462817147856"/>
+          <c:y val="0.15313684747739867"/>
+          <c:w val="0.76813648293963255"/>
+          <c:h val="0.70451894233974"/>
+        </c:manualLayout>
+      </c:layout>
+      <c:scatterChart>
+        <c:scatterStyle val="lineMarker"/>
+        <c:varyColors val="0"/>
+        <c:ser>
+          <c:idx val="1"/>
+          <c:order val="0"/>
+          <c:tx>
+            <c:strRef>
+              <c:f>Sheet2!$B$14</c:f>
+              <c:strCache>
+                <c:ptCount val="1"/>
+                <c:pt idx="0">
+                  <c:v>Cantidad Usuarios</c:v>
+                </c:pt>
+              </c:strCache>
+            </c:strRef>
+          </c:tx>
+          <c:spPr>
+            <a:ln w="66675">
+              <a:noFill/>
+            </a:ln>
+          </c:spPr>
+          <c:marker>
+            <c:symbol val="diamond"/>
+            <c:size val="12"/>
+            <c:spPr>
+              <a:solidFill>
+                <a:schemeClr val="accent1"/>
+              </a:solidFill>
+            </c:spPr>
+          </c:marker>
+          <c:dLbls>
+            <c:dLbl>
+              <c:idx val="23"/>
+              <c:layout>
+                <c:manualLayout>
+                  <c:x val="-2.8748040341196657E-2"/>
+                  <c:y val="-7.9197331732788492E-2"/>
+                </c:manualLayout>
+              </c:layout>
+              <c:spPr/>
+              <c:txPr>
+                <a:bodyPr/>
+                <a:lstStyle/>
+                <a:p>
+                  <a:pPr>
+                    <a:defRPr sz="1800" b="1"/>
+                  </a:pPr>
+                  <a:endParaRPr lang="es-AR"/>
+                </a:p>
+              </c:txPr>
+              <c:dLblPos val="r"/>
+              <c:showLegendKey val="0"/>
+              <c:showVal val="1"/>
+              <c:showCatName val="0"/>
+              <c:showSerName val="0"/>
+              <c:showPercent val="0"/>
+              <c:showBubbleSize val="0"/>
+            </c:dLbl>
+            <c:dLblPos val="r"/>
+            <c:showLegendKey val="0"/>
+            <c:showVal val="0"/>
+            <c:showCatName val="0"/>
+            <c:showSerName val="0"/>
+            <c:showPercent val="0"/>
+            <c:showBubbleSize val="0"/>
+          </c:dLbls>
+          <c:yVal>
+            <c:numRef>
+              <c:f>Sheet2!$B$15:$B$38</c:f>
+              <c:numCache>
+                <c:formatCode>0</c:formatCode>
+                <c:ptCount val="24"/>
+                <c:pt idx="0">
+                  <c:v>20000</c:v>
+                </c:pt>
+                <c:pt idx="1">
+                  <c:v>29411.764705882353</c:v>
+                </c:pt>
+                <c:pt idx="2">
+                  <c:v>44117.647058823532</c:v>
+                </c:pt>
+                <c:pt idx="3">
+                  <c:v>58823.529411764706</c:v>
+                </c:pt>
+                <c:pt idx="4">
+                  <c:v>88235.294117647063</c:v>
+                </c:pt>
+                <c:pt idx="5">
+                  <c:v>111764.70588235294</c:v>
+                </c:pt>
+                <c:pt idx="6">
+                  <c:v>141176.4705882353</c:v>
+                </c:pt>
+                <c:pt idx="7">
+                  <c:v>176470.58823529413</c:v>
+                </c:pt>
+                <c:pt idx="8">
+                  <c:v>205882.35294117648</c:v>
+                </c:pt>
+                <c:pt idx="9">
+                  <c:v>235294.11764705883</c:v>
+                </c:pt>
+                <c:pt idx="10">
+                  <c:v>500000</c:v>
+                </c:pt>
+                <c:pt idx="11" formatCode="General">
+                  <c:v>750000</c:v>
+                </c:pt>
+                <c:pt idx="12" formatCode="General">
+                  <c:v>1000000</c:v>
+                </c:pt>
+                <c:pt idx="13" formatCode="General">
+                  <c:v>1500000</c:v>
+                </c:pt>
+                <c:pt idx="14" formatCode="General">
+                  <c:v>1900000</c:v>
+                </c:pt>
+                <c:pt idx="15" formatCode="General">
+                  <c:v>2400000</c:v>
+                </c:pt>
+                <c:pt idx="16" formatCode="General">
+                  <c:v>3000000</c:v>
+                </c:pt>
+                <c:pt idx="17" formatCode="General">
+                  <c:v>3500000</c:v>
+                </c:pt>
+                <c:pt idx="18" formatCode="General">
+                  <c:v>4000000</c:v>
+                </c:pt>
+                <c:pt idx="19" formatCode="General">
+                  <c:v>4500000</c:v>
+                </c:pt>
+                <c:pt idx="20" formatCode="General">
+                  <c:v>5250000</c:v>
+                </c:pt>
+                <c:pt idx="21" formatCode="General">
+                  <c:v>6000000</c:v>
+                </c:pt>
+                <c:pt idx="22" formatCode="General">
+                  <c:v>6750000</c:v>
+                </c:pt>
+                <c:pt idx="23" formatCode="General">
+                  <c:v>7500000</c:v>
+                </c:pt>
+              </c:numCache>
+            </c:numRef>
+          </c:yVal>
+          <c:smooth val="0"/>
+        </c:ser>
+        <c:dLbls>
+          <c:showLegendKey val="0"/>
+          <c:showVal val="0"/>
+          <c:showCatName val="0"/>
+          <c:showSerName val="0"/>
+          <c:showPercent val="0"/>
+          <c:showBubbleSize val="0"/>
+        </c:dLbls>
+        <c:axId val="45810048"/>
+        <c:axId val="45812352"/>
+      </c:scatterChart>
+      <c:valAx>
+        <c:axId val="45810048"/>
+        <c:scaling>
+          <c:orientation val="minMax"/>
+          <c:max val="24"/>
+          <c:min val="0"/>
+        </c:scaling>
+        <c:delete val="0"/>
+        <c:axPos val="b"/>
+        <c:majorGridlines/>
+        <c:title>
+          <c:tx>
+            <c:rich>
+              <a:bodyPr/>
+              <a:lstStyle/>
+              <a:p>
+                <a:pPr>
+                  <a:defRPr sz="1200" b="0"/>
+                </a:pPr>
+                <a:r>
+                  <a:rPr lang="es-AR" sz="1200" b="0"/>
+                  <a:t>Meses</a:t>
+                </a:r>
+              </a:p>
+            </c:rich>
+          </c:tx>
+          <c:layout/>
+          <c:overlay val="0"/>
+        </c:title>
+        <c:majorTickMark val="none"/>
+        <c:minorTickMark val="none"/>
+        <c:tickLblPos val="nextTo"/>
+        <c:crossAx val="45812352"/>
+        <c:crosses val="autoZero"/>
+        <c:crossBetween val="midCat"/>
+        <c:majorUnit val="3"/>
+      </c:valAx>
+      <c:valAx>
+        <c:axId val="45812352"/>
+        <c:scaling>
+          <c:orientation val="minMax"/>
+        </c:scaling>
+        <c:delete val="0"/>
+        <c:axPos val="l"/>
+        <c:majorGridlines/>
+        <c:title>
+          <c:tx>
+            <c:rich>
+              <a:bodyPr rot="-5400000" vert="horz"/>
+              <a:lstStyle/>
+              <a:p>
+                <a:pPr>
+                  <a:defRPr sz="1200" b="0"/>
+                </a:pPr>
+                <a:r>
+                  <a:rPr lang="es-AR" sz="1200" b="0"/>
+                  <a:t>Cantidad</a:t>
+                </a:r>
+              </a:p>
+            </c:rich>
+          </c:tx>
+          <c:layout/>
+          <c:overlay val="0"/>
+        </c:title>
+        <c:numFmt formatCode="0" sourceLinked="1"/>
+        <c:majorTickMark val="none"/>
+        <c:minorTickMark val="none"/>
+        <c:tickLblPos val="nextTo"/>
+        <c:crossAx val="45810048"/>
+        <c:crosses val="autoZero"/>
+        <c:crossBetween val="midCat"/>
       </c:valAx>
     </c:plotArea>
     <c:legend>
@@ -873,19 +1650,964 @@
         <c:manualLayout>
           <c:xMode val="edge"/>
           <c:yMode val="edge"/>
-          <c:x val="3.1027121609798772E-2"/>
-          <c:y val="0.88968702551568368"/>
-          <c:w val="0.93239020122484695"/>
-          <c:h val="8.2535196706538749E-2"/>
+          <c:x val="5.8500218722659668E-2"/>
+          <c:y val="0.8926360228618575"/>
+          <c:w val="0.28299934383202102"/>
+          <c:h val="7.7401435370898525E-2"/>
         </c:manualLayout>
       </c:layout>
+      <c:overlay val="0"/>
+    </c:legend>
+    <c:plotVisOnly val="1"/>
+    <c:dispBlanksAs val="gap"/>
+    <c:showDLblsOverMax val="0"/>
+  </c:chart>
+  <c:externalData r:id="rId1">
+    <c:autoUpdate val="0"/>
+  </c:externalData>
+</c:chartSpace>
+</file>
+
+<file path=ppt/charts/chart4.xml><?xml version="1.0" encoding="utf-8"?>
+<c:chartSpace xmlns:c="http://schemas.openxmlformats.org/drawingml/2006/chart" xmlns:a="http://schemas.openxmlformats.org/drawingml/2006/main" xmlns:r="http://schemas.openxmlformats.org/officeDocument/2006/relationships">
+  <c:date1904 val="0"/>
+  <c:lang val="es-AR"/>
+  <c:roundedCorners val="0"/>
+  <mc:AlternateContent xmlns:mc="http://schemas.openxmlformats.org/markup-compatibility/2006">
+    <mc:Choice xmlns:c14="http://schemas.microsoft.com/office/drawing/2007/8/2/chart" Requires="c14">
+      <c14:style val="130"/>
+    </mc:Choice>
+    <mc:Fallback>
+      <c:style val="30"/>
+    </mc:Fallback>
+  </mc:AlternateContent>
+  <c:chart>
+    <c:title>
+      <c:tx>
+        <c:rich>
+          <a:bodyPr/>
+          <a:lstStyle/>
+          <a:p>
+            <a:pPr>
+              <a:defRPr/>
+            </a:pPr>
+            <a:r>
+              <a:rPr lang="es-AR"/>
+              <a:t>Ingresos</a:t>
+            </a:r>
+          </a:p>
+        </c:rich>
+      </c:tx>
+      <c:layout/>
+      <c:overlay val="0"/>
+    </c:title>
+    <c:autoTitleDeleted val="0"/>
+    <c:plotArea>
+      <c:layout>
+        <c:manualLayout>
+          <c:layoutTarget val="inner"/>
+          <c:xMode val="edge"/>
+          <c:yMode val="edge"/>
+          <c:x val="0.14170255237340779"/>
+          <c:y val="9.304192808986135E-2"/>
+          <c:w val="0.81937423619597827"/>
+          <c:h val="0.75906843684035097"/>
+        </c:manualLayout>
+      </c:layout>
+      <c:scatterChart>
+        <c:scatterStyle val="lineMarker"/>
+        <c:varyColors val="0"/>
+        <c:ser>
+          <c:idx val="2"/>
+          <c:order val="0"/>
+          <c:tx>
+            <c:strRef>
+              <c:f>Sheet2!$C$14</c:f>
+              <c:strCache>
+                <c:ptCount val="1"/>
+                <c:pt idx="0">
+                  <c:v>Ingreso sin costo descarga (USD)</c:v>
+                </c:pt>
+              </c:strCache>
+            </c:strRef>
+          </c:tx>
+          <c:spPr>
+            <a:ln w="66675">
+              <a:noFill/>
+            </a:ln>
+          </c:spPr>
+          <c:marker>
+            <c:symbol val="square"/>
+            <c:size val="8"/>
+            <c:spPr>
+              <a:solidFill>
+                <a:schemeClr val="accent3"/>
+              </a:solidFill>
+            </c:spPr>
+          </c:marker>
+          <c:xVal>
+            <c:numRef>
+              <c:f>Sheet2!$A$15:$A$38</c:f>
+              <c:numCache>
+                <c:formatCode>General</c:formatCode>
+                <c:ptCount val="24"/>
+                <c:pt idx="0">
+                  <c:v>1</c:v>
+                </c:pt>
+                <c:pt idx="1">
+                  <c:v>2</c:v>
+                </c:pt>
+                <c:pt idx="2">
+                  <c:v>3</c:v>
+                </c:pt>
+                <c:pt idx="3">
+                  <c:v>4</c:v>
+                </c:pt>
+                <c:pt idx="4">
+                  <c:v>5</c:v>
+                </c:pt>
+                <c:pt idx="5">
+                  <c:v>6</c:v>
+                </c:pt>
+                <c:pt idx="6">
+                  <c:v>7</c:v>
+                </c:pt>
+                <c:pt idx="7">
+                  <c:v>8</c:v>
+                </c:pt>
+                <c:pt idx="8">
+                  <c:v>9</c:v>
+                </c:pt>
+                <c:pt idx="9">
+                  <c:v>10</c:v>
+                </c:pt>
+                <c:pt idx="10">
+                  <c:v>11</c:v>
+                </c:pt>
+                <c:pt idx="11">
+                  <c:v>12</c:v>
+                </c:pt>
+                <c:pt idx="12">
+                  <c:v>13</c:v>
+                </c:pt>
+                <c:pt idx="13">
+                  <c:v>14</c:v>
+                </c:pt>
+                <c:pt idx="14">
+                  <c:v>15</c:v>
+                </c:pt>
+                <c:pt idx="15">
+                  <c:v>16</c:v>
+                </c:pt>
+                <c:pt idx="16">
+                  <c:v>17</c:v>
+                </c:pt>
+                <c:pt idx="17">
+                  <c:v>18</c:v>
+                </c:pt>
+                <c:pt idx="18">
+                  <c:v>19</c:v>
+                </c:pt>
+                <c:pt idx="19">
+                  <c:v>20</c:v>
+                </c:pt>
+                <c:pt idx="20">
+                  <c:v>21</c:v>
+                </c:pt>
+                <c:pt idx="21">
+                  <c:v>22</c:v>
+                </c:pt>
+                <c:pt idx="22">
+                  <c:v>23</c:v>
+                </c:pt>
+                <c:pt idx="23">
+                  <c:v>24</c:v>
+                </c:pt>
+              </c:numCache>
+            </c:numRef>
+          </c:xVal>
+          <c:yVal>
+            <c:numRef>
+              <c:f>Sheet2!$C$15:$C$38</c:f>
+              <c:numCache>
+                <c:formatCode>0</c:formatCode>
+                <c:ptCount val="24"/>
+                <c:pt idx="0">
+                  <c:v>655.20000000000005</c:v>
+                </c:pt>
+                <c:pt idx="1">
+                  <c:v>963.52941176470586</c:v>
+                </c:pt>
+                <c:pt idx="2">
+                  <c:v>1445.294117647059</c:v>
+                </c:pt>
+                <c:pt idx="3">
+                  <c:v>1927.0588235294117</c:v>
+                </c:pt>
+                <c:pt idx="4">
+                  <c:v>2890.588235294118</c:v>
+                </c:pt>
+                <c:pt idx="5">
+                  <c:v>3661.411764705882</c:v>
+                </c:pt>
+                <c:pt idx="6">
+                  <c:v>4624.9411764705874</c:v>
+                </c:pt>
+                <c:pt idx="7">
+                  <c:v>5781.176470588236</c:v>
+                </c:pt>
+                <c:pt idx="8">
+                  <c:v>6744.7058823529405</c:v>
+                </c:pt>
+                <c:pt idx="9">
+                  <c:v>7708.2352941176468</c:v>
+                </c:pt>
+                <c:pt idx="10">
+                  <c:v>16380</c:v>
+                </c:pt>
+                <c:pt idx="11">
+                  <c:v>24570</c:v>
+                </c:pt>
+                <c:pt idx="12">
+                  <c:v>32760</c:v>
+                </c:pt>
+                <c:pt idx="13">
+                  <c:v>49140</c:v>
+                </c:pt>
+                <c:pt idx="14">
+                  <c:v>62244</c:v>
+                </c:pt>
+                <c:pt idx="15">
+                  <c:v>78624</c:v>
+                </c:pt>
+                <c:pt idx="16">
+                  <c:v>98280</c:v>
+                </c:pt>
+                <c:pt idx="17">
+                  <c:v>114660</c:v>
+                </c:pt>
+                <c:pt idx="18">
+                  <c:v>131040</c:v>
+                </c:pt>
+                <c:pt idx="19">
+                  <c:v>147420</c:v>
+                </c:pt>
+                <c:pt idx="20">
+                  <c:v>171990</c:v>
+                </c:pt>
+                <c:pt idx="21">
+                  <c:v>196560</c:v>
+                </c:pt>
+                <c:pt idx="22">
+                  <c:v>221130</c:v>
+                </c:pt>
+                <c:pt idx="23">
+                  <c:v>245700</c:v>
+                </c:pt>
+              </c:numCache>
+            </c:numRef>
+          </c:yVal>
+          <c:smooth val="0"/>
+        </c:ser>
+        <c:ser>
+          <c:idx val="0"/>
+          <c:order val="1"/>
+          <c:tx>
+            <c:strRef>
+              <c:f>Sheet2!$D$14</c:f>
+              <c:strCache>
+                <c:ptCount val="1"/>
+                <c:pt idx="0">
+                  <c:v>Ingreso con costo descarga (USD)</c:v>
+                </c:pt>
+              </c:strCache>
+            </c:strRef>
+          </c:tx>
+          <c:spPr>
+            <a:ln w="66675">
+              <a:noFill/>
+            </a:ln>
+          </c:spPr>
+          <c:marker>
+            <c:symbol val="triangle"/>
+            <c:size val="9"/>
+          </c:marker>
+          <c:xVal>
+            <c:numRef>
+              <c:f>Sheet2!$A$15:$A$38</c:f>
+              <c:numCache>
+                <c:formatCode>General</c:formatCode>
+                <c:ptCount val="24"/>
+                <c:pt idx="0">
+                  <c:v>1</c:v>
+                </c:pt>
+                <c:pt idx="1">
+                  <c:v>2</c:v>
+                </c:pt>
+                <c:pt idx="2">
+                  <c:v>3</c:v>
+                </c:pt>
+                <c:pt idx="3">
+                  <c:v>4</c:v>
+                </c:pt>
+                <c:pt idx="4">
+                  <c:v>5</c:v>
+                </c:pt>
+                <c:pt idx="5">
+                  <c:v>6</c:v>
+                </c:pt>
+                <c:pt idx="6">
+                  <c:v>7</c:v>
+                </c:pt>
+                <c:pt idx="7">
+                  <c:v>8</c:v>
+                </c:pt>
+                <c:pt idx="8">
+                  <c:v>9</c:v>
+                </c:pt>
+                <c:pt idx="9">
+                  <c:v>10</c:v>
+                </c:pt>
+                <c:pt idx="10">
+                  <c:v>11</c:v>
+                </c:pt>
+                <c:pt idx="11">
+                  <c:v>12</c:v>
+                </c:pt>
+                <c:pt idx="12">
+                  <c:v>13</c:v>
+                </c:pt>
+                <c:pt idx="13">
+                  <c:v>14</c:v>
+                </c:pt>
+                <c:pt idx="14">
+                  <c:v>15</c:v>
+                </c:pt>
+                <c:pt idx="15">
+                  <c:v>16</c:v>
+                </c:pt>
+                <c:pt idx="16">
+                  <c:v>17</c:v>
+                </c:pt>
+                <c:pt idx="17">
+                  <c:v>18</c:v>
+                </c:pt>
+                <c:pt idx="18">
+                  <c:v>19</c:v>
+                </c:pt>
+                <c:pt idx="19">
+                  <c:v>20</c:v>
+                </c:pt>
+                <c:pt idx="20">
+                  <c:v>21</c:v>
+                </c:pt>
+                <c:pt idx="21">
+                  <c:v>22</c:v>
+                </c:pt>
+                <c:pt idx="22">
+                  <c:v>23</c:v>
+                </c:pt>
+                <c:pt idx="23">
+                  <c:v>24</c:v>
+                </c:pt>
+              </c:numCache>
+            </c:numRef>
+          </c:xVal>
+          <c:yVal>
+            <c:numRef>
+              <c:f>Sheet2!$D$15:$D$38</c:f>
+              <c:numCache>
+                <c:formatCode>0</c:formatCode>
+                <c:ptCount val="24"/>
+                <c:pt idx="0">
+                  <c:v>2000</c:v>
+                </c:pt>
+                <c:pt idx="1">
+                  <c:v>941.17647058823536</c:v>
+                </c:pt>
+                <c:pt idx="2">
+                  <c:v>1470.588235294118</c:v>
+                </c:pt>
+                <c:pt idx="3">
+                  <c:v>1470.5882352941176</c:v>
+                </c:pt>
+                <c:pt idx="4">
+                  <c:v>2941.176470588236</c:v>
+                </c:pt>
+                <c:pt idx="5">
+                  <c:v>2352.9411764705874</c:v>
+                </c:pt>
+                <c:pt idx="6">
+                  <c:v>2941.1764705882365</c:v>
+                </c:pt>
+                <c:pt idx="7">
+                  <c:v>3529.4117647058829</c:v>
+                </c:pt>
+                <c:pt idx="8">
+                  <c:v>2941.1764705882351</c:v>
+                </c:pt>
+                <c:pt idx="9">
+                  <c:v>2941.1764705882351</c:v>
+                </c:pt>
+                <c:pt idx="10">
+                  <c:v>26470.588235294123</c:v>
+                </c:pt>
+                <c:pt idx="11">
+                  <c:v>25000</c:v>
+                </c:pt>
+                <c:pt idx="12">
+                  <c:v>25000</c:v>
+                </c:pt>
+                <c:pt idx="13">
+                  <c:v>50000</c:v>
+                </c:pt>
+                <c:pt idx="14">
+                  <c:v>40000</c:v>
+                </c:pt>
+                <c:pt idx="15">
+                  <c:v>50000</c:v>
+                </c:pt>
+                <c:pt idx="16">
+                  <c:v>60000</c:v>
+                </c:pt>
+                <c:pt idx="17">
+                  <c:v>50000</c:v>
+                </c:pt>
+                <c:pt idx="18">
+                  <c:v>50000</c:v>
+                </c:pt>
+                <c:pt idx="19">
+                  <c:v>50000</c:v>
+                </c:pt>
+                <c:pt idx="20">
+                  <c:v>75000</c:v>
+                </c:pt>
+                <c:pt idx="21">
+                  <c:v>75000</c:v>
+                </c:pt>
+                <c:pt idx="22">
+                  <c:v>75000</c:v>
+                </c:pt>
+                <c:pt idx="23">
+                  <c:v>75000</c:v>
+                </c:pt>
+              </c:numCache>
+            </c:numRef>
+          </c:yVal>
+          <c:smooth val="0"/>
+        </c:ser>
+        <c:ser>
+          <c:idx val="3"/>
+          <c:order val="2"/>
+          <c:tx>
+            <c:strRef>
+              <c:f>Sheet2!$E$14</c:f>
+              <c:strCache>
+                <c:ptCount val="1"/>
+                <c:pt idx="0">
+                  <c:v>Total</c:v>
+                </c:pt>
+              </c:strCache>
+            </c:strRef>
+          </c:tx>
+          <c:spPr>
+            <a:ln w="66675">
+              <a:noFill/>
+            </a:ln>
+          </c:spPr>
+          <c:marker>
+            <c:symbol val="circle"/>
+            <c:size val="10"/>
+            <c:spPr>
+              <a:solidFill>
+                <a:schemeClr val="accent6"/>
+              </a:solidFill>
+            </c:spPr>
+          </c:marker>
+          <c:dLbls>
+            <c:dLbl>
+              <c:idx val="23"/>
+              <c:layout>
+                <c:manualLayout>
+                  <c:x val="-6.9084628670120895E-3"/>
+                  <c:y val="-7.5223308090089092E-2"/>
+                </c:manualLayout>
+              </c:layout>
+              <c:showLegendKey val="0"/>
+              <c:showVal val="1"/>
+              <c:showCatName val="0"/>
+              <c:showSerName val="0"/>
+              <c:showPercent val="0"/>
+              <c:showBubbleSize val="0"/>
+            </c:dLbl>
+            <c:txPr>
+              <a:bodyPr/>
+              <a:lstStyle/>
+              <a:p>
+                <a:pPr>
+                  <a:defRPr sz="1600" b="1"/>
+                </a:pPr>
+                <a:endParaRPr lang="es-AR"/>
+              </a:p>
+            </c:txPr>
+            <c:showLegendKey val="0"/>
+            <c:showVal val="0"/>
+            <c:showCatName val="0"/>
+            <c:showSerName val="0"/>
+            <c:showPercent val="0"/>
+            <c:showBubbleSize val="0"/>
+          </c:dLbls>
+          <c:xVal>
+            <c:numRef>
+              <c:f>Sheet2!$A$15:$A$38</c:f>
+              <c:numCache>
+                <c:formatCode>General</c:formatCode>
+                <c:ptCount val="24"/>
+                <c:pt idx="0">
+                  <c:v>1</c:v>
+                </c:pt>
+                <c:pt idx="1">
+                  <c:v>2</c:v>
+                </c:pt>
+                <c:pt idx="2">
+                  <c:v>3</c:v>
+                </c:pt>
+                <c:pt idx="3">
+                  <c:v>4</c:v>
+                </c:pt>
+                <c:pt idx="4">
+                  <c:v>5</c:v>
+                </c:pt>
+                <c:pt idx="5">
+                  <c:v>6</c:v>
+                </c:pt>
+                <c:pt idx="6">
+                  <c:v>7</c:v>
+                </c:pt>
+                <c:pt idx="7">
+                  <c:v>8</c:v>
+                </c:pt>
+                <c:pt idx="8">
+                  <c:v>9</c:v>
+                </c:pt>
+                <c:pt idx="9">
+                  <c:v>10</c:v>
+                </c:pt>
+                <c:pt idx="10">
+                  <c:v>11</c:v>
+                </c:pt>
+                <c:pt idx="11">
+                  <c:v>12</c:v>
+                </c:pt>
+                <c:pt idx="12">
+                  <c:v>13</c:v>
+                </c:pt>
+                <c:pt idx="13">
+                  <c:v>14</c:v>
+                </c:pt>
+                <c:pt idx="14">
+                  <c:v>15</c:v>
+                </c:pt>
+                <c:pt idx="15">
+                  <c:v>16</c:v>
+                </c:pt>
+                <c:pt idx="16">
+                  <c:v>17</c:v>
+                </c:pt>
+                <c:pt idx="17">
+                  <c:v>18</c:v>
+                </c:pt>
+                <c:pt idx="18">
+                  <c:v>19</c:v>
+                </c:pt>
+                <c:pt idx="19">
+                  <c:v>20</c:v>
+                </c:pt>
+                <c:pt idx="20">
+                  <c:v>21</c:v>
+                </c:pt>
+                <c:pt idx="21">
+                  <c:v>22</c:v>
+                </c:pt>
+                <c:pt idx="22">
+                  <c:v>23</c:v>
+                </c:pt>
+                <c:pt idx="23">
+                  <c:v>24</c:v>
+                </c:pt>
+              </c:numCache>
+            </c:numRef>
+          </c:xVal>
+          <c:yVal>
+            <c:numRef>
+              <c:f>Sheet2!$E$15:$E$38</c:f>
+              <c:numCache>
+                <c:formatCode>0</c:formatCode>
+                <c:ptCount val="24"/>
+                <c:pt idx="0">
+                  <c:v>2655.2</c:v>
+                </c:pt>
+                <c:pt idx="1">
+                  <c:v>1904.7058823529412</c:v>
+                </c:pt>
+                <c:pt idx="2">
+                  <c:v>2915.882352941177</c:v>
+                </c:pt>
+                <c:pt idx="3">
+                  <c:v>3397.6470588235293</c:v>
+                </c:pt>
+                <c:pt idx="4">
+                  <c:v>5831.7647058823541</c:v>
+                </c:pt>
+                <c:pt idx="5">
+                  <c:v>6014.3529411764694</c:v>
+                </c:pt>
+                <c:pt idx="6">
+                  <c:v>7566.1176470588234</c:v>
+                </c:pt>
+                <c:pt idx="7">
+                  <c:v>9310.5882352941189</c:v>
+                </c:pt>
+                <c:pt idx="8">
+                  <c:v>9685.8823529411748</c:v>
+                </c:pt>
+                <c:pt idx="9">
+                  <c:v>10649.411764705881</c:v>
+                </c:pt>
+                <c:pt idx="10">
+                  <c:v>42850.588235294126</c:v>
+                </c:pt>
+                <c:pt idx="11">
+                  <c:v>49570</c:v>
+                </c:pt>
+                <c:pt idx="12">
+                  <c:v>57760</c:v>
+                </c:pt>
+                <c:pt idx="13">
+                  <c:v>99140</c:v>
+                </c:pt>
+                <c:pt idx="14">
+                  <c:v>102244</c:v>
+                </c:pt>
+                <c:pt idx="15">
+                  <c:v>128624</c:v>
+                </c:pt>
+                <c:pt idx="16">
+                  <c:v>158280</c:v>
+                </c:pt>
+                <c:pt idx="17">
+                  <c:v>164660</c:v>
+                </c:pt>
+                <c:pt idx="18">
+                  <c:v>181040</c:v>
+                </c:pt>
+                <c:pt idx="19">
+                  <c:v>197420</c:v>
+                </c:pt>
+                <c:pt idx="20">
+                  <c:v>246990</c:v>
+                </c:pt>
+                <c:pt idx="21">
+                  <c:v>271560</c:v>
+                </c:pt>
+                <c:pt idx="22">
+                  <c:v>296130</c:v>
+                </c:pt>
+                <c:pt idx="23">
+                  <c:v>320700</c:v>
+                </c:pt>
+              </c:numCache>
+            </c:numRef>
+          </c:yVal>
+          <c:smooth val="0"/>
+        </c:ser>
+        <c:ser>
+          <c:idx val="4"/>
+          <c:order val="3"/>
+          <c:tx>
+            <c:strRef>
+              <c:f>Sheet2!$F$14</c:f>
+              <c:strCache>
+                <c:ptCount val="1"/>
+                <c:pt idx="0">
+                  <c:v>Cantidad Usuarios (cientos)</c:v>
+                </c:pt>
+              </c:strCache>
+            </c:strRef>
+          </c:tx>
+          <c:spPr>
+            <a:ln w="66675">
+              <a:noFill/>
+            </a:ln>
+          </c:spPr>
+          <c:marker>
+            <c:symbol val="diamond"/>
+            <c:size val="10"/>
+            <c:spPr>
+              <a:solidFill>
+                <a:schemeClr val="accent1"/>
+              </a:solidFill>
+            </c:spPr>
+          </c:marker>
+          <c:xVal>
+            <c:numRef>
+              <c:f>Sheet2!$A$15:$A$38</c:f>
+              <c:numCache>
+                <c:formatCode>General</c:formatCode>
+                <c:ptCount val="24"/>
+                <c:pt idx="0">
+                  <c:v>1</c:v>
+                </c:pt>
+                <c:pt idx="1">
+                  <c:v>2</c:v>
+                </c:pt>
+                <c:pt idx="2">
+                  <c:v>3</c:v>
+                </c:pt>
+                <c:pt idx="3">
+                  <c:v>4</c:v>
+                </c:pt>
+                <c:pt idx="4">
+                  <c:v>5</c:v>
+                </c:pt>
+                <c:pt idx="5">
+                  <c:v>6</c:v>
+                </c:pt>
+                <c:pt idx="6">
+                  <c:v>7</c:v>
+                </c:pt>
+                <c:pt idx="7">
+                  <c:v>8</c:v>
+                </c:pt>
+                <c:pt idx="8">
+                  <c:v>9</c:v>
+                </c:pt>
+                <c:pt idx="9">
+                  <c:v>10</c:v>
+                </c:pt>
+                <c:pt idx="10">
+                  <c:v>11</c:v>
+                </c:pt>
+                <c:pt idx="11">
+                  <c:v>12</c:v>
+                </c:pt>
+                <c:pt idx="12">
+                  <c:v>13</c:v>
+                </c:pt>
+                <c:pt idx="13">
+                  <c:v>14</c:v>
+                </c:pt>
+                <c:pt idx="14">
+                  <c:v>15</c:v>
+                </c:pt>
+                <c:pt idx="15">
+                  <c:v>16</c:v>
+                </c:pt>
+                <c:pt idx="16">
+                  <c:v>17</c:v>
+                </c:pt>
+                <c:pt idx="17">
+                  <c:v>18</c:v>
+                </c:pt>
+                <c:pt idx="18">
+                  <c:v>19</c:v>
+                </c:pt>
+                <c:pt idx="19">
+                  <c:v>20</c:v>
+                </c:pt>
+                <c:pt idx="20">
+                  <c:v>21</c:v>
+                </c:pt>
+                <c:pt idx="21">
+                  <c:v>22</c:v>
+                </c:pt>
+                <c:pt idx="22">
+                  <c:v>23</c:v>
+                </c:pt>
+                <c:pt idx="23">
+                  <c:v>24</c:v>
+                </c:pt>
+              </c:numCache>
+            </c:numRef>
+          </c:xVal>
+          <c:yVal>
+            <c:numRef>
+              <c:f>Sheet2!$F$15:$F$38</c:f>
+              <c:numCache>
+                <c:formatCode>General</c:formatCode>
+                <c:ptCount val="24"/>
+                <c:pt idx="0">
+                  <c:v>200</c:v>
+                </c:pt>
+                <c:pt idx="1">
+                  <c:v>294.11764705882354</c:v>
+                </c:pt>
+                <c:pt idx="2">
+                  <c:v>441.1764705882353</c:v>
+                </c:pt>
+                <c:pt idx="3">
+                  <c:v>588.23529411764707</c:v>
+                </c:pt>
+                <c:pt idx="4">
+                  <c:v>882.35294117647061</c:v>
+                </c:pt>
+                <c:pt idx="5">
+                  <c:v>1117.6470588235293</c:v>
+                </c:pt>
+                <c:pt idx="6">
+                  <c:v>1411.7647058823529</c:v>
+                </c:pt>
+                <c:pt idx="7">
+                  <c:v>1764.7058823529412</c:v>
+                </c:pt>
+                <c:pt idx="8">
+                  <c:v>2058.8235294117649</c:v>
+                </c:pt>
+                <c:pt idx="9">
+                  <c:v>2352.9411764705883</c:v>
+                </c:pt>
+                <c:pt idx="10">
+                  <c:v>5000</c:v>
+                </c:pt>
+                <c:pt idx="11">
+                  <c:v>7500</c:v>
+                </c:pt>
+                <c:pt idx="12">
+                  <c:v>10000</c:v>
+                </c:pt>
+                <c:pt idx="13">
+                  <c:v>15000</c:v>
+                </c:pt>
+                <c:pt idx="14">
+                  <c:v>19000</c:v>
+                </c:pt>
+                <c:pt idx="15">
+                  <c:v>24000</c:v>
+                </c:pt>
+                <c:pt idx="16">
+                  <c:v>30000</c:v>
+                </c:pt>
+                <c:pt idx="17">
+                  <c:v>35000</c:v>
+                </c:pt>
+                <c:pt idx="18">
+                  <c:v>40000</c:v>
+                </c:pt>
+                <c:pt idx="19">
+                  <c:v>45000</c:v>
+                </c:pt>
+                <c:pt idx="20">
+                  <c:v>52500</c:v>
+                </c:pt>
+                <c:pt idx="21">
+                  <c:v>60000</c:v>
+                </c:pt>
+                <c:pt idx="22">
+                  <c:v>67500</c:v>
+                </c:pt>
+                <c:pt idx="23">
+                  <c:v>75000</c:v>
+                </c:pt>
+              </c:numCache>
+            </c:numRef>
+          </c:yVal>
+          <c:smooth val="0"/>
+        </c:ser>
+        <c:dLbls>
+          <c:showLegendKey val="0"/>
+          <c:showVal val="0"/>
+          <c:showCatName val="0"/>
+          <c:showSerName val="0"/>
+          <c:showPercent val="0"/>
+          <c:showBubbleSize val="0"/>
+        </c:dLbls>
+        <c:axId val="46159360"/>
+        <c:axId val="46220416"/>
+      </c:scatterChart>
+      <c:valAx>
+        <c:axId val="46159360"/>
+        <c:scaling>
+          <c:orientation val="minMax"/>
+          <c:max val="24"/>
+          <c:min val="0"/>
+        </c:scaling>
+        <c:delete val="0"/>
+        <c:axPos val="b"/>
+        <c:majorGridlines/>
+        <c:title>
+          <c:tx>
+            <c:rich>
+              <a:bodyPr/>
+              <a:lstStyle/>
+              <a:p>
+                <a:pPr>
+                  <a:defRPr sz="1200" b="0"/>
+                </a:pPr>
+                <a:r>
+                  <a:rPr lang="en-US" sz="1200" b="0"/>
+                  <a:t>Meses</a:t>
+                </a:r>
+              </a:p>
+            </c:rich>
+          </c:tx>
+          <c:layout/>
+          <c:overlay val="0"/>
+        </c:title>
+        <c:numFmt formatCode="General" sourceLinked="1"/>
+        <c:majorTickMark val="none"/>
+        <c:minorTickMark val="none"/>
+        <c:tickLblPos val="nextTo"/>
+        <c:crossAx val="46220416"/>
+        <c:crosses val="autoZero"/>
+        <c:crossBetween val="midCat"/>
+        <c:majorUnit val="3"/>
+      </c:valAx>
+      <c:valAx>
+        <c:axId val="46220416"/>
+        <c:scaling>
+          <c:orientation val="minMax"/>
+        </c:scaling>
+        <c:delete val="0"/>
+        <c:axPos val="l"/>
+        <c:majorGridlines/>
+        <c:title>
+          <c:tx>
+            <c:rich>
+              <a:bodyPr rot="-5400000" vert="horz"/>
+              <a:lstStyle/>
+              <a:p>
+                <a:pPr>
+                  <a:defRPr sz="1200" b="0"/>
+                </a:pPr>
+                <a:r>
+                  <a:rPr lang="en-US" sz="1200" b="0"/>
+                  <a:t>Ingreso [USD]</a:t>
+                </a:r>
+              </a:p>
+            </c:rich>
+          </c:tx>
+          <c:layout/>
+          <c:overlay val="0"/>
+        </c:title>
+        <c:numFmt formatCode="0" sourceLinked="1"/>
+        <c:majorTickMark val="none"/>
+        <c:minorTickMark val="none"/>
+        <c:tickLblPos val="nextTo"/>
+        <c:crossAx val="46159360"/>
+        <c:crosses val="autoZero"/>
+        <c:crossBetween val="midCat"/>
+      </c:valAx>
+    </c:plotArea>
+    <c:legend>
+      <c:legendPos val="b"/>
+      <c:layout/>
       <c:overlay val="0"/>
       <c:txPr>
         <a:bodyPr/>
         <a:lstStyle/>
         <a:p>
           <a:pPr>
-            <a:defRPr sz="1400"/>
+            <a:defRPr sz="1000"/>
           </a:pPr>
           <a:endParaRPr lang="es-AR"/>
         </a:p>
@@ -984,7 +2706,7 @@
             <a:fld id="{F5423D00-7DDB-4217-941A-91DA7862F42C}" type="datetimeFigureOut">
               <a:rPr lang="es-AR" smtClean="0"/>
               <a:pPr/>
-              <a:t>06/08/2013</a:t>
+              <a:t>07/08/2013</a:t>
             </a:fld>
             <a:endParaRPr lang="es-AR"/>
           </a:p>
@@ -1303,13 +3025,8 @@
             </a:r>
             <a:r>
               <a:rPr lang="es-AR" baseline="0" dirty="0" smtClean="0"/>
-              <a:t> tardes</a:t>
-            </a:r>
-            <a:r>
-              <a:rPr lang="es-AR" baseline="0" dirty="0" smtClean="0"/>
-              <a:t>. Muchas gracias por venir. </a:t>
-            </a:r>
-            <a:endParaRPr lang="es-AR" baseline="0" dirty="0" smtClean="0"/>
+              <a:t> tardes. Muchas gracias por venir. </a:t>
+            </a:r>
           </a:p>
           <a:p>
             <a:r>
@@ -1340,7 +3057,6 @@
               <a:rPr lang="es-AR" baseline="0" dirty="0" smtClean="0"/>
               <a:t>.</a:t>
             </a:r>
-            <a:endParaRPr lang="es-AR" baseline="0" dirty="0" smtClean="0"/>
           </a:p>
         </p:txBody>
       </p:sp>
@@ -1818,7 +3534,7 @@
             <a:fld id="{5625E230-B123-43EB-B2A3-53965331BBB3}" type="slidenum">
               <a:rPr lang="es-AR" smtClean="0"/>
               <a:pPr/>
-              <a:t>11</a:t>
+              <a:t>12</a:t>
             </a:fld>
             <a:endParaRPr lang="es-AR"/>
           </a:p>
@@ -1883,6 +3599,217 @@
           <a:p>
             <a:r>
               <a:rPr lang="es-AR" dirty="0" smtClean="0"/>
+              <a:t>En primer lugar, mostraremos el peor caso,</a:t>
+            </a:r>
+            <a:r>
+              <a:rPr lang="es-AR" baseline="0" dirty="0" smtClean="0"/>
+              <a:t> en el que el producto no se expanda fuera del país y que luego de 2 años se estanque en un 3% del mercado nacional. En ese caso, hemos considerado solo el mercado de </a:t>
+            </a:r>
+            <a:r>
+              <a:rPr lang="es-AR" baseline="0" dirty="0" err="1" smtClean="0"/>
+              <a:t>android</a:t>
+            </a:r>
+            <a:r>
+              <a:rPr lang="es-AR" baseline="0" dirty="0" smtClean="0"/>
+              <a:t> y hemos tomado como patrón de crecimiento estadísticas de otras empresas conocidas. </a:t>
+            </a:r>
+          </a:p>
+          <a:p>
+            <a:r>
+              <a:rPr lang="es-AR" baseline="0" dirty="0" smtClean="0"/>
+              <a:t>Hemos generado dos escenarios posibles: uno que permite a los usuarios tener una versión paga (y sin publicidad) y otro sin esta opción. </a:t>
+            </a:r>
+            <a:r>
+              <a:rPr lang="es-AR" baseline="0" dirty="0" err="1" smtClean="0"/>
+              <a:t>Pára</a:t>
+            </a:r>
+            <a:r>
+              <a:rPr lang="es-AR" baseline="0" dirty="0" smtClean="0"/>
+              <a:t> calcular en el primer caso cuantos usuarios optarían por una versión paga, nos basamos en encuestas que nos devolvieron que el 10% de los usuarios </a:t>
+            </a:r>
+            <a:r>
+              <a:rPr lang="es-AR" baseline="0" dirty="0" err="1" smtClean="0"/>
+              <a:t>eligirían</a:t>
+            </a:r>
+            <a:r>
+              <a:rPr lang="es-AR" baseline="0" dirty="0" smtClean="0"/>
+              <a:t> esta </a:t>
+            </a:r>
+            <a:r>
+              <a:rPr lang="es-AR" baseline="0" dirty="0" err="1" smtClean="0"/>
+              <a:t>opcion</a:t>
+            </a:r>
+            <a:r>
+              <a:rPr lang="es-AR" baseline="0" dirty="0" smtClean="0"/>
+              <a:t>.</a:t>
+            </a:r>
+          </a:p>
+          <a:p>
+            <a:endParaRPr lang="es-AR" baseline="0" dirty="0" smtClean="0"/>
+          </a:p>
+          <a:p>
+            <a:r>
+              <a:rPr lang="es-AR" baseline="0" dirty="0" smtClean="0"/>
+              <a:t>En este gráfico se puede ver como la aplicación crecería fuertemente hasta el mes 11, llegando a los 100mil usuarios y finalmente iría disminuyendo su crecimiento a partir de ahí hasta estancarse en 160mil usuarios. </a:t>
+            </a:r>
+          </a:p>
+          <a:p>
+            <a:r>
+              <a:rPr lang="es-AR" baseline="0" dirty="0" smtClean="0"/>
+              <a:t>En lo referente la </a:t>
+            </a:r>
+            <a:r>
+              <a:rPr lang="es-AR" baseline="0" dirty="0" err="1" smtClean="0"/>
+              <a:t>variacion</a:t>
+            </a:r>
+            <a:r>
+              <a:rPr lang="es-AR" baseline="0" dirty="0" smtClean="0"/>
+              <a:t> de los ingresos, los mismas acompañan el crecimiento de la cantidad de usuarios, teniendo en el caso de la versión paga un crecimiento mas pronunciado mientras la aplicación este en plena expansión (casi 7k </a:t>
+            </a:r>
+            <a:r>
+              <a:rPr lang="es-AR" baseline="0" dirty="0" err="1" smtClean="0"/>
+              <a:t>dolares</a:t>
+            </a:r>
+            <a:r>
+              <a:rPr lang="es-AR" baseline="0" dirty="0" smtClean="0"/>
+              <a:t>). Finalmente ambos escenarios se estabilizarían luego de dos años entre 5800 y 7000</a:t>
+            </a:r>
+          </a:p>
+          <a:p>
+            <a:r>
+              <a:rPr lang="es-AR" baseline="0" dirty="0" smtClean="0"/>
+              <a:t>Los gastos para mantener la aplicación son entre el 19-21%, de acuerdo al escenario y otras variables. Para calcular los gastos, hemos tenido supuesto que almacenaremos la información en la nube y hemos calculado los precios basado en esto. Se han sumado el valor de almacenamiento, </a:t>
+            </a:r>
+            <a:r>
+              <a:rPr lang="es-AR" baseline="0" dirty="0" err="1" smtClean="0"/>
+              <a:t>asi</a:t>
+            </a:r>
+            <a:r>
+              <a:rPr lang="es-AR" baseline="0" dirty="0" smtClean="0"/>
+              <a:t> como de transferencia de datos. Sobre estos puntos se entrará mas en detalle en la </a:t>
+            </a:r>
+            <a:r>
+              <a:rPr lang="es-AR" baseline="0" smtClean="0"/>
+              <a:t>explicación técnica.</a:t>
+            </a:r>
+            <a:endParaRPr lang="es-AR" baseline="0" dirty="0" smtClean="0"/>
+          </a:p>
+          <a:p>
+            <a:endParaRPr lang="es-AR" baseline="0" dirty="0" smtClean="0"/>
+          </a:p>
+          <a:p>
+            <a:r>
+              <a:rPr lang="es-AR" baseline="0" dirty="0" smtClean="0"/>
+              <a:t>Finalmente se puede concluir, que siendo este el peor escenario posible, teniendo en cuenta los precios mas bajos del mercado en lo referente a publicidad, sin considerar la </a:t>
+            </a:r>
+            <a:r>
+              <a:rPr lang="es-AR" baseline="0" dirty="0" err="1" smtClean="0"/>
+              <a:t>expansion</a:t>
+            </a:r>
+            <a:r>
+              <a:rPr lang="es-AR" baseline="0" dirty="0" smtClean="0"/>
+              <a:t> del mercado de </a:t>
+            </a:r>
+            <a:r>
+              <a:rPr lang="es-AR" baseline="0" dirty="0" err="1" smtClean="0"/>
+              <a:t>smartphones</a:t>
+            </a:r>
+            <a:r>
+              <a:rPr lang="es-AR" baseline="0" dirty="0" smtClean="0"/>
+              <a:t> en un futuro y considerando tan solo una expansión del 3%, el negocio no daría perdidas y hasta estaría brindando un margen de ganancias.</a:t>
+            </a:r>
+          </a:p>
+          <a:p>
+            <a:r>
+              <a:rPr lang="es-AR" baseline="0" dirty="0" smtClean="0"/>
+              <a:t>Sin embargo, ahora nos podríamos preguntar, y si la aplicación es realmente un éxito y se expande a otros mercados con una captación mayor?</a:t>
+            </a:r>
+          </a:p>
+        </p:txBody>
+      </p:sp>
+      <p:sp>
+        <p:nvSpPr>
+          <p:cNvPr id="4" name="Slide Number Placeholder 3"/>
+          <p:cNvSpPr>
+            <a:spLocks noGrp="1"/>
+          </p:cNvSpPr>
+          <p:nvPr>
+            <p:ph type="sldNum" sz="quarter" idx="10"/>
+          </p:nvPr>
+        </p:nvSpPr>
+        <p:spPr/>
+        <p:txBody>
+          <a:bodyPr/>
+          <a:lstStyle/>
+          <a:p>
+            <a:fld id="{5625E230-B123-43EB-B2A3-53965331BBB3}" type="slidenum">
+              <a:rPr lang="es-AR" smtClean="0"/>
+              <a:pPr/>
+              <a:t>13</a:t>
+            </a:fld>
+            <a:endParaRPr lang="es-AR"/>
+          </a:p>
+        </p:txBody>
+      </p:sp>
+    </p:spTree>
+    <p:extLst>
+      <p:ext uri="{BB962C8B-B14F-4D97-AF65-F5344CB8AC3E}">
+        <p14:creationId xmlns:p14="http://schemas.microsoft.com/office/powerpoint/2010/main" val="3003342862"/>
+      </p:ext>
+    </p:extLst>
+  </p:cSld>
+  <p:clrMapOvr>
+    <a:masterClrMapping/>
+  </p:clrMapOvr>
+</p:notes>
+</file>
+
+<file path=ppt/notesSlides/notesSlide13.xml><?xml version="1.0" encoding="utf-8"?>
+<p:notes xmlns:a="http://schemas.openxmlformats.org/drawingml/2006/main" xmlns:r="http://schemas.openxmlformats.org/officeDocument/2006/relationships" xmlns:p="http://schemas.openxmlformats.org/presentationml/2006/main">
+  <p:cSld>
+    <p:spTree>
+      <p:nvGrpSpPr>
+        <p:cNvPr id="1" name=""/>
+        <p:cNvGrpSpPr/>
+        <p:nvPr/>
+      </p:nvGrpSpPr>
+      <p:grpSpPr>
+        <a:xfrm>
+          <a:off x="0" y="0"/>
+          <a:ext cx="0" cy="0"/>
+          <a:chOff x="0" y="0"/>
+          <a:chExt cx="0" cy="0"/>
+        </a:xfrm>
+      </p:grpSpPr>
+      <p:sp>
+        <p:nvSpPr>
+          <p:cNvPr id="2" name="Slide Image Placeholder 1"/>
+          <p:cNvSpPr>
+            <a:spLocks noGrp="1" noRot="1" noChangeAspect="1"/>
+          </p:cNvSpPr>
+          <p:nvPr>
+            <p:ph type="sldImg"/>
+          </p:nvPr>
+        </p:nvSpPr>
+        <p:spPr/>
+      </p:sp>
+      <p:sp>
+        <p:nvSpPr>
+          <p:cNvPr id="3" name="Notes Placeholder 2"/>
+          <p:cNvSpPr>
+            <a:spLocks noGrp="1"/>
+          </p:cNvSpPr>
+          <p:nvPr>
+            <p:ph type="body" idx="1"/>
+          </p:nvPr>
+        </p:nvSpPr>
+        <p:spPr/>
+        <p:txBody>
+          <a:bodyPr/>
+          <a:lstStyle/>
+          <a:p>
+            <a:r>
+              <a:rPr lang="es-AR" dirty="0" smtClean="0"/>
               <a:t>En ese escenario, hemos tomado los datos de una empresa</a:t>
             </a:r>
             <a:r>
@@ -2292,7 +4219,481 @@
             <a:fld id="{5625E230-B123-43EB-B2A3-53965331BBB3}" type="slidenum">
               <a:rPr lang="es-AR" smtClean="0"/>
               <a:pPr/>
-              <a:t>12</a:t>
+              <a:t>14</a:t>
+            </a:fld>
+            <a:endParaRPr lang="es-AR"/>
+          </a:p>
+        </p:txBody>
+      </p:sp>
+    </p:spTree>
+    <p:extLst>
+      <p:ext uri="{BB962C8B-B14F-4D97-AF65-F5344CB8AC3E}">
+        <p14:creationId xmlns:p14="http://schemas.microsoft.com/office/powerpoint/2010/main" val="3000085410"/>
+      </p:ext>
+    </p:extLst>
+  </p:cSld>
+  <p:clrMapOvr>
+    <a:masterClrMapping/>
+  </p:clrMapOvr>
+</p:notes>
+</file>
+
+<file path=ppt/notesSlides/notesSlide14.xml><?xml version="1.0" encoding="utf-8"?>
+<p:notes xmlns:a="http://schemas.openxmlformats.org/drawingml/2006/main" xmlns:r="http://schemas.openxmlformats.org/officeDocument/2006/relationships" xmlns:p="http://schemas.openxmlformats.org/presentationml/2006/main">
+  <p:cSld>
+    <p:spTree>
+      <p:nvGrpSpPr>
+        <p:cNvPr id="1" name=""/>
+        <p:cNvGrpSpPr/>
+        <p:nvPr/>
+      </p:nvGrpSpPr>
+      <p:grpSpPr>
+        <a:xfrm>
+          <a:off x="0" y="0"/>
+          <a:ext cx="0" cy="0"/>
+          <a:chOff x="0" y="0"/>
+          <a:chExt cx="0" cy="0"/>
+        </a:xfrm>
+      </p:grpSpPr>
+      <p:sp>
+        <p:nvSpPr>
+          <p:cNvPr id="2" name="Slide Image Placeholder 1"/>
+          <p:cNvSpPr>
+            <a:spLocks noGrp="1" noRot="1" noChangeAspect="1"/>
+          </p:cNvSpPr>
+          <p:nvPr>
+            <p:ph type="sldImg"/>
+          </p:nvPr>
+        </p:nvSpPr>
+        <p:spPr/>
+      </p:sp>
+      <p:sp>
+        <p:nvSpPr>
+          <p:cNvPr id="3" name="Notes Placeholder 2"/>
+          <p:cNvSpPr>
+            <a:spLocks noGrp="1"/>
+          </p:cNvSpPr>
+          <p:nvPr>
+            <p:ph type="body" idx="1"/>
+          </p:nvPr>
+        </p:nvSpPr>
+        <p:spPr/>
+        <p:txBody>
+          <a:bodyPr/>
+          <a:lstStyle/>
+          <a:p>
+            <a:r>
+              <a:rPr lang="es-AR" dirty="0" smtClean="0"/>
+              <a:t>En ese escenario, hemos tomado los datos de una empresa</a:t>
+            </a:r>
+            <a:r>
+              <a:rPr lang="es-AR" baseline="0" dirty="0" smtClean="0"/>
+              <a:t> similar (como </a:t>
+            </a:r>
+            <a:r>
+              <a:rPr lang="es-AR" baseline="0" dirty="0" err="1" smtClean="0"/>
+              <a:t>Foursqare</a:t>
+            </a:r>
+            <a:r>
+              <a:rPr lang="es-AR" baseline="0" dirty="0" smtClean="0"/>
+              <a:t>) y su crecimiento en sus dos primeros años. Para quienes no conozcan esta compañía, la misma </a:t>
+            </a:r>
+            <a:r>
+              <a:rPr lang="es-AR" sz="1200" b="0" i="0" kern="1200" dirty="0" smtClean="0">
+                <a:solidFill>
+                  <a:schemeClr val="tx1"/>
+                </a:solidFill>
+                <a:effectLst/>
+                <a:latin typeface="+mn-lt"/>
+                <a:ea typeface="+mn-ea"/>
+                <a:cs typeface="+mn-cs"/>
+              </a:rPr>
+              <a:t>es un </a:t>
+            </a:r>
+            <a:r>
+              <a:rPr lang="es-AR" sz="1200" b="0" i="0" u="none" strike="noStrike" kern="1200" dirty="0" smtClean="0">
+                <a:solidFill>
+                  <a:schemeClr val="tx1"/>
+                </a:solidFill>
+                <a:effectLst/>
+                <a:latin typeface="+mn-lt"/>
+                <a:ea typeface="+mn-ea"/>
+                <a:cs typeface="+mn-cs"/>
+                <a:hlinkClick r:id="rId3" tooltip="Servicio basado en localización"/>
+              </a:rPr>
+              <a:t>servicio basado en localización</a:t>
+            </a:r>
+            <a:r>
+              <a:rPr lang="es-AR" sz="1200" b="0" i="0" kern="1200" dirty="0" smtClean="0">
+                <a:solidFill>
+                  <a:schemeClr val="tx1"/>
+                </a:solidFill>
+                <a:effectLst/>
+                <a:latin typeface="+mn-lt"/>
+                <a:ea typeface="+mn-ea"/>
+                <a:cs typeface="+mn-cs"/>
+              </a:rPr>
+              <a:t> web aplicada a las </a:t>
+            </a:r>
+            <a:r>
+              <a:rPr lang="es-AR" sz="1200" b="0" i="0" u="none" strike="noStrike" kern="1200" dirty="0" smtClean="0">
+                <a:solidFill>
+                  <a:schemeClr val="tx1"/>
+                </a:solidFill>
+                <a:effectLst/>
+                <a:latin typeface="+mn-lt"/>
+                <a:ea typeface="+mn-ea"/>
+                <a:cs typeface="+mn-cs"/>
+                <a:hlinkClick r:id="rId4" tooltip="Redes sociales"/>
+              </a:rPr>
+              <a:t>redes sociales</a:t>
+            </a:r>
+            <a:r>
+              <a:rPr lang="es-AR" sz="1200" b="0" i="0" kern="1200" dirty="0" smtClean="0">
+                <a:solidFill>
+                  <a:schemeClr val="tx1"/>
+                </a:solidFill>
+                <a:effectLst/>
+                <a:latin typeface="+mn-lt"/>
+                <a:ea typeface="+mn-ea"/>
+                <a:cs typeface="+mn-cs"/>
+              </a:rPr>
+              <a:t>. La </a:t>
+            </a:r>
+            <a:r>
+              <a:rPr lang="es-AR" sz="1200" b="0" i="0" kern="1200" dirty="0" err="1" smtClean="0">
+                <a:solidFill>
+                  <a:schemeClr val="tx1"/>
+                </a:solidFill>
+                <a:effectLst/>
+                <a:latin typeface="+mn-lt"/>
+                <a:ea typeface="+mn-ea"/>
+                <a:cs typeface="+mn-cs"/>
+              </a:rPr>
+              <a:t>geolocalización</a:t>
+            </a:r>
+            <a:r>
+              <a:rPr lang="es-AR" sz="1200" b="0" i="0" kern="1200" dirty="0" smtClean="0">
+                <a:solidFill>
+                  <a:schemeClr val="tx1"/>
+                </a:solidFill>
+                <a:effectLst/>
+                <a:latin typeface="+mn-lt"/>
+                <a:ea typeface="+mn-ea"/>
+                <a:cs typeface="+mn-cs"/>
+              </a:rPr>
+              <a:t> permite localizar un dispositivo fijo o móvil en una ubicación geográfica.</a:t>
+            </a:r>
+            <a:r>
+              <a:rPr lang="es-AR" sz="1200" b="0" i="0" kern="1200" baseline="0" dirty="0" smtClean="0">
+                <a:solidFill>
+                  <a:schemeClr val="tx1"/>
+                </a:solidFill>
+                <a:effectLst/>
+                <a:latin typeface="+mn-lt"/>
+                <a:ea typeface="+mn-ea"/>
+                <a:cs typeface="+mn-cs"/>
+              </a:rPr>
+              <a:t> Si bien es una aplicación exitosa, no es considerada como una aplicación especialmente </a:t>
+            </a:r>
+            <a:r>
+              <a:rPr lang="es-AR" sz="1200" b="0" i="0" kern="1200" baseline="0" dirty="0" err="1" smtClean="0">
+                <a:solidFill>
+                  <a:schemeClr val="tx1"/>
+                </a:solidFill>
+                <a:effectLst/>
+                <a:latin typeface="+mn-lt"/>
+                <a:ea typeface="+mn-ea"/>
+                <a:cs typeface="+mn-cs"/>
+              </a:rPr>
+              <a:t>virosica</a:t>
+            </a:r>
+            <a:r>
+              <a:rPr lang="es-AR" sz="1200" b="0" i="0" kern="1200" baseline="0" dirty="0" smtClean="0">
+                <a:solidFill>
+                  <a:schemeClr val="tx1"/>
+                </a:solidFill>
+                <a:effectLst/>
+                <a:latin typeface="+mn-lt"/>
+                <a:ea typeface="+mn-ea"/>
+                <a:cs typeface="+mn-cs"/>
+              </a:rPr>
+              <a:t> ni con un extremo furor. La misma alcanzo a los 2 años de su lanzamiento 8 millones de usuarios. </a:t>
+            </a:r>
+          </a:p>
+          <a:p>
+            <a:r>
+              <a:rPr lang="es-AR" sz="1200" b="0" i="0" kern="1200" baseline="0" dirty="0" smtClean="0">
+                <a:solidFill>
+                  <a:schemeClr val="tx1"/>
+                </a:solidFill>
+                <a:effectLst/>
+                <a:latin typeface="+mn-lt"/>
+                <a:ea typeface="+mn-ea"/>
+                <a:cs typeface="+mn-cs"/>
+              </a:rPr>
+              <a:t>Lo consiguió al expandirse en varias plataformas (a los 3 meses de su lanzamiento) así como en varias regiones (su </a:t>
+            </a:r>
+            <a:r>
+              <a:rPr lang="es-AR" sz="1200" b="0" i="0" kern="1200" baseline="0" dirty="0" err="1" smtClean="0">
+                <a:solidFill>
+                  <a:schemeClr val="tx1"/>
+                </a:solidFill>
+                <a:effectLst/>
+                <a:latin typeface="+mn-lt"/>
+                <a:ea typeface="+mn-ea"/>
+                <a:cs typeface="+mn-cs"/>
+              </a:rPr>
+              <a:t>aplicaciónes</a:t>
+            </a:r>
+            <a:r>
+              <a:rPr lang="es-AR" sz="1200" b="0" i="0" kern="1200" baseline="0" dirty="0" smtClean="0">
+                <a:solidFill>
+                  <a:schemeClr val="tx1"/>
+                </a:solidFill>
+                <a:effectLst/>
+                <a:latin typeface="+mn-lt"/>
+                <a:ea typeface="+mn-ea"/>
+                <a:cs typeface="+mn-cs"/>
+              </a:rPr>
+              <a:t> multilenguaje) (a los 6 meses). </a:t>
+            </a:r>
+          </a:p>
+          <a:p>
+            <a:r>
+              <a:rPr lang="es-AR" sz="1200" b="0" i="0" kern="1200" baseline="0" dirty="0" smtClean="0">
+                <a:solidFill>
+                  <a:schemeClr val="tx1"/>
+                </a:solidFill>
+                <a:effectLst/>
+                <a:latin typeface="+mn-lt"/>
+                <a:ea typeface="+mn-ea"/>
+                <a:cs typeface="+mn-cs"/>
+              </a:rPr>
+              <a:t>Si consideramos que nuestra aplicación tiene todas a favor para resultar aún mas exitosa que esta aplicación y suponiendo que se realiza el soporte necesarios para dar soporte a diversos lenguajes y plataformas, se </a:t>
+            </a:r>
+            <a:r>
+              <a:rPr lang="es-AR" sz="1200" b="0" i="0" kern="1200" baseline="0" dirty="0" err="1" smtClean="0">
+                <a:solidFill>
+                  <a:schemeClr val="tx1"/>
+                </a:solidFill>
+                <a:effectLst/>
+                <a:latin typeface="+mn-lt"/>
+                <a:ea typeface="+mn-ea"/>
+                <a:cs typeface="+mn-cs"/>
+              </a:rPr>
+              <a:t>podria</a:t>
+            </a:r>
+            <a:r>
+              <a:rPr lang="es-AR" sz="1200" b="0" i="0" kern="1200" baseline="0" dirty="0" smtClean="0">
+                <a:solidFill>
+                  <a:schemeClr val="tx1"/>
+                </a:solidFill>
+                <a:effectLst/>
+                <a:latin typeface="+mn-lt"/>
+                <a:ea typeface="+mn-ea"/>
+                <a:cs typeface="+mn-cs"/>
+              </a:rPr>
+              <a:t> alcanzar sin inconvenientes el mismo nivel de usuarios. </a:t>
+            </a:r>
+          </a:p>
+          <a:p>
+            <a:r>
+              <a:rPr lang="es-AR" sz="1200" b="0" i="0" kern="1200" baseline="0" dirty="0" smtClean="0">
+                <a:solidFill>
+                  <a:schemeClr val="tx1"/>
+                </a:solidFill>
+                <a:effectLst/>
+                <a:latin typeface="+mn-lt"/>
+                <a:ea typeface="+mn-ea"/>
+                <a:cs typeface="+mn-cs"/>
+              </a:rPr>
+              <a:t>En lo referente a ingresos, los mismos serían al alcanzar los 2 años de entre los 270k a 400k al mes, teniendo en cuenta los mismos precios para las publicidades que en el escenario anterior. </a:t>
+            </a:r>
+          </a:p>
+          <a:p>
+            <a:r>
+              <a:rPr lang="es-AR" sz="1200" b="0" i="0" kern="1200" baseline="0" dirty="0" smtClean="0">
+                <a:solidFill>
+                  <a:schemeClr val="tx1"/>
+                </a:solidFill>
+                <a:effectLst/>
+                <a:latin typeface="+mn-lt"/>
+                <a:ea typeface="+mn-ea"/>
+                <a:cs typeface="+mn-cs"/>
+              </a:rPr>
+              <a:t>EN lo referente a los gastos, los mismos serían proporcionalmente algo más elevados (entre el 21%-23%) ya que es necesario contar con un grupo de desarrolladores para mantener la actualización de la aplicación. Esto nos </a:t>
+            </a:r>
+            <a:r>
+              <a:rPr lang="es-AR" sz="1200" b="0" i="0" kern="1200" baseline="0" dirty="0" err="1" smtClean="0">
+                <a:solidFill>
+                  <a:schemeClr val="tx1"/>
+                </a:solidFill>
+                <a:effectLst/>
+                <a:latin typeface="+mn-lt"/>
+                <a:ea typeface="+mn-ea"/>
+                <a:cs typeface="+mn-cs"/>
+              </a:rPr>
+              <a:t>daria</a:t>
+            </a:r>
+            <a:r>
+              <a:rPr lang="es-AR" sz="1200" b="0" i="0" kern="1200" baseline="0" dirty="0" smtClean="0">
+                <a:solidFill>
+                  <a:schemeClr val="tx1"/>
+                </a:solidFill>
+                <a:effectLst/>
+                <a:latin typeface="+mn-lt"/>
+                <a:ea typeface="+mn-ea"/>
+                <a:cs typeface="+mn-cs"/>
+              </a:rPr>
+              <a:t> unas </a:t>
+            </a:r>
+            <a:r>
+              <a:rPr lang="es-AR" sz="1200" b="0" i="0" kern="1200" baseline="0" dirty="0" err="1" smtClean="0">
+                <a:solidFill>
+                  <a:schemeClr val="tx1"/>
+                </a:solidFill>
+                <a:effectLst/>
+                <a:latin typeface="+mn-lt"/>
+                <a:ea typeface="+mn-ea"/>
+                <a:cs typeface="+mn-cs"/>
+              </a:rPr>
+              <a:t>ganacias</a:t>
+            </a:r>
+            <a:r>
+              <a:rPr lang="es-AR" sz="1200" b="0" i="0" kern="1200" baseline="0" dirty="0" smtClean="0">
+                <a:solidFill>
+                  <a:schemeClr val="tx1"/>
+                </a:solidFill>
+                <a:effectLst/>
+                <a:latin typeface="+mn-lt"/>
+                <a:ea typeface="+mn-ea"/>
+                <a:cs typeface="+mn-cs"/>
+              </a:rPr>
+              <a:t> de aproximadamente 200 a 300k. Como pueden ver, un gran negocio. </a:t>
+            </a:r>
+          </a:p>
+          <a:p>
+            <a:r>
+              <a:rPr lang="es-AR" sz="1200" b="0" i="0" kern="1200" baseline="0" dirty="0" smtClean="0">
+                <a:solidFill>
+                  <a:schemeClr val="tx1"/>
+                </a:solidFill>
+                <a:effectLst/>
+                <a:latin typeface="+mn-lt"/>
+                <a:ea typeface="+mn-ea"/>
+                <a:cs typeface="+mn-cs"/>
+              </a:rPr>
+              <a:t>Un detalle de color que nos gustaría destacar es que a los 18 meses del lanzamiento, </a:t>
+            </a:r>
+            <a:r>
+              <a:rPr lang="es-AR" sz="1200" b="0" i="0" kern="1200" baseline="0" dirty="0" err="1" smtClean="0">
+                <a:solidFill>
+                  <a:schemeClr val="tx1"/>
+                </a:solidFill>
+                <a:effectLst/>
+                <a:latin typeface="+mn-lt"/>
+                <a:ea typeface="+mn-ea"/>
+                <a:cs typeface="+mn-cs"/>
+              </a:rPr>
+              <a:t>facebook</a:t>
+            </a:r>
+            <a:r>
+              <a:rPr lang="es-AR" sz="1200" b="0" i="0" kern="1200" baseline="0" dirty="0" smtClean="0">
+                <a:solidFill>
+                  <a:schemeClr val="tx1"/>
+                </a:solidFill>
+                <a:effectLst/>
+                <a:latin typeface="+mn-lt"/>
+                <a:ea typeface="+mn-ea"/>
+                <a:cs typeface="+mn-cs"/>
+              </a:rPr>
+              <a:t> lanzó una aplicación similar que como pueden ver afectó realmente poco el crecimiento de la aplicación.</a:t>
+            </a:r>
+          </a:p>
+          <a:p>
+            <a:r>
+              <a:rPr lang="es-AR" sz="1200" b="0" i="0" kern="1200" baseline="0" dirty="0" smtClean="0">
+                <a:solidFill>
+                  <a:schemeClr val="tx1"/>
+                </a:solidFill>
+                <a:effectLst/>
+                <a:latin typeface="+mn-lt"/>
+                <a:ea typeface="+mn-ea"/>
+                <a:cs typeface="+mn-cs"/>
+              </a:rPr>
+              <a:t>Finalmente un último detalle no menor es que la empresa </a:t>
+            </a:r>
+            <a:r>
+              <a:rPr lang="es-AR" sz="1200" b="0" i="0" kern="1200" baseline="0" dirty="0" err="1" smtClean="0">
+                <a:solidFill>
+                  <a:schemeClr val="tx1"/>
+                </a:solidFill>
+                <a:effectLst/>
+                <a:latin typeface="+mn-lt"/>
+                <a:ea typeface="+mn-ea"/>
+                <a:cs typeface="+mn-cs"/>
+              </a:rPr>
+              <a:t>Foursqare</a:t>
+            </a:r>
+            <a:r>
+              <a:rPr lang="es-AR" sz="1200" b="0" i="0" kern="1200" baseline="0" dirty="0" smtClean="0">
+                <a:solidFill>
+                  <a:schemeClr val="tx1"/>
+                </a:solidFill>
+                <a:effectLst/>
+                <a:latin typeface="+mn-lt"/>
+                <a:ea typeface="+mn-ea"/>
+                <a:cs typeface="+mn-cs"/>
+              </a:rPr>
+              <a:t> posee hoy en día (4 años después de su lanzamiento)  posee 30 millones de usuarios, realizando las cuentas bajo el mismo modelo, daría un ingreso de 1millon de </a:t>
+            </a:r>
+            <a:r>
+              <a:rPr lang="es-AR" sz="1200" b="0" i="0" kern="1200" baseline="0" dirty="0" err="1" smtClean="0">
+                <a:solidFill>
+                  <a:schemeClr val="tx1"/>
+                </a:solidFill>
+                <a:effectLst/>
+                <a:latin typeface="+mn-lt"/>
+                <a:ea typeface="+mn-ea"/>
+                <a:cs typeface="+mn-cs"/>
+              </a:rPr>
+              <a:t>dolares</a:t>
+            </a:r>
+            <a:r>
+              <a:rPr lang="es-AR" sz="1200" b="0" i="0" kern="1200" baseline="0" dirty="0" smtClean="0">
+                <a:solidFill>
+                  <a:schemeClr val="tx1"/>
+                </a:solidFill>
+                <a:effectLst/>
+                <a:latin typeface="+mn-lt"/>
+                <a:ea typeface="+mn-ea"/>
+                <a:cs typeface="+mn-cs"/>
+              </a:rPr>
+              <a:t> al mes.</a:t>
+            </a:r>
+          </a:p>
+        </p:txBody>
+      </p:sp>
+      <p:sp>
+        <p:nvSpPr>
+          <p:cNvPr id="4" name="Slide Number Placeholder 3"/>
+          <p:cNvSpPr>
+            <a:spLocks noGrp="1"/>
+          </p:cNvSpPr>
+          <p:nvPr>
+            <p:ph type="sldNum" sz="quarter" idx="10"/>
+          </p:nvPr>
+        </p:nvSpPr>
+        <p:spPr/>
+        <p:txBody>
+          <a:bodyPr/>
+          <a:lstStyle/>
+          <a:p>
+            <a:fld id="{5625E230-B123-43EB-B2A3-53965331BBB3}" type="slidenum">
+              <a:rPr lang="es-AR" smtClean="0"/>
+              <a:pPr/>
+              <a:t>15</a:t>
             </a:fld>
             <a:endParaRPr lang="es-AR"/>
           </a:p>
@@ -5460,7 +7861,7 @@
             <a:fld id="{A7BD7AA0-4159-4CB0-B2DE-5811B6B83B79}" type="datetimeFigureOut">
               <a:rPr lang="es-AR" smtClean="0"/>
               <a:pPr/>
-              <a:t>06/08/2013</a:t>
+              <a:t>07/08/2013</a:t>
             </a:fld>
             <a:endParaRPr lang="es-AR"/>
           </a:p>
@@ -5632,7 +8033,7 @@
             <a:fld id="{A7BD7AA0-4159-4CB0-B2DE-5811B6B83B79}" type="datetimeFigureOut">
               <a:rPr lang="es-AR" smtClean="0"/>
               <a:pPr/>
-              <a:t>06/08/2013</a:t>
+              <a:t>07/08/2013</a:t>
             </a:fld>
             <a:endParaRPr lang="es-AR"/>
           </a:p>
@@ -5814,7 +8215,7 @@
             <a:fld id="{A7BD7AA0-4159-4CB0-B2DE-5811B6B83B79}" type="datetimeFigureOut">
               <a:rPr lang="es-AR" smtClean="0"/>
               <a:pPr/>
-              <a:t>06/08/2013</a:t>
+              <a:t>07/08/2013</a:t>
             </a:fld>
             <a:endParaRPr lang="es-AR"/>
           </a:p>
@@ -5986,7 +8387,7 @@
             <a:fld id="{A7BD7AA0-4159-4CB0-B2DE-5811B6B83B79}" type="datetimeFigureOut">
               <a:rPr lang="es-AR" smtClean="0"/>
               <a:pPr/>
-              <a:t>06/08/2013</a:t>
+              <a:t>07/08/2013</a:t>
             </a:fld>
             <a:endParaRPr lang="es-AR"/>
           </a:p>
@@ -6246,7 +8647,7 @@
             <a:fld id="{A7BD7AA0-4159-4CB0-B2DE-5811B6B83B79}" type="datetimeFigureOut">
               <a:rPr lang="es-AR" smtClean="0"/>
               <a:pPr/>
-              <a:t>06/08/2013</a:t>
+              <a:t>07/08/2013</a:t>
             </a:fld>
             <a:endParaRPr lang="es-AR"/>
           </a:p>
@@ -6536,7 +8937,7 @@
             <a:fld id="{A7BD7AA0-4159-4CB0-B2DE-5811B6B83B79}" type="datetimeFigureOut">
               <a:rPr lang="es-AR" smtClean="0"/>
               <a:pPr/>
-              <a:t>06/08/2013</a:t>
+              <a:t>07/08/2013</a:t>
             </a:fld>
             <a:endParaRPr lang="es-AR"/>
           </a:p>
@@ -6980,7 +9381,7 @@
             <a:fld id="{A7BD7AA0-4159-4CB0-B2DE-5811B6B83B79}" type="datetimeFigureOut">
               <a:rPr lang="es-AR" smtClean="0"/>
               <a:pPr/>
-              <a:t>06/08/2013</a:t>
+              <a:t>07/08/2013</a:t>
             </a:fld>
             <a:endParaRPr lang="es-AR"/>
           </a:p>
@@ -7100,7 +9501,7 @@
             <a:fld id="{A7BD7AA0-4159-4CB0-B2DE-5811B6B83B79}" type="datetimeFigureOut">
               <a:rPr lang="es-AR" smtClean="0"/>
               <a:pPr/>
-              <a:t>06/08/2013</a:t>
+              <a:t>07/08/2013</a:t>
             </a:fld>
             <a:endParaRPr lang="es-AR"/>
           </a:p>
@@ -7197,7 +9598,7 @@
             <a:fld id="{A7BD7AA0-4159-4CB0-B2DE-5811B6B83B79}" type="datetimeFigureOut">
               <a:rPr lang="es-AR" smtClean="0"/>
               <a:pPr/>
-              <a:t>06/08/2013</a:t>
+              <a:t>07/08/2013</a:t>
             </a:fld>
             <a:endParaRPr lang="es-AR"/>
           </a:p>
@@ -7487,7 +9888,7 @@
             <a:fld id="{A7BD7AA0-4159-4CB0-B2DE-5811B6B83B79}" type="datetimeFigureOut">
               <a:rPr lang="es-AR" smtClean="0"/>
               <a:pPr/>
-              <a:t>06/08/2013</a:t>
+              <a:t>07/08/2013</a:t>
             </a:fld>
             <a:endParaRPr lang="es-AR"/>
           </a:p>
@@ -7762,7 +10163,7 @@
             <a:fld id="{A7BD7AA0-4159-4CB0-B2DE-5811B6B83B79}" type="datetimeFigureOut">
               <a:rPr lang="es-AR" smtClean="0"/>
               <a:pPr/>
-              <a:t>06/08/2013</a:t>
+              <a:t>07/08/2013</a:t>
             </a:fld>
             <a:endParaRPr lang="es-AR"/>
           </a:p>
@@ -8061,7 +10462,7 @@
             <a:fld id="{A7BD7AA0-4159-4CB0-B2DE-5811B6B83B79}" type="datetimeFigureOut">
               <a:rPr lang="es-AR" smtClean="0"/>
               <a:pPr/>
-              <a:t>06/08/2013</a:t>
+              <a:t>07/08/2013</a:t>
             </a:fld>
             <a:endParaRPr lang="es-AR"/>
           </a:p>
@@ -8652,41 +11053,12 @@
           <a:p>
             <a:r>
               <a:rPr lang="es-AR" dirty="0" smtClean="0"/>
-              <a:t>Publicidad</a:t>
+              <a:t>Mercado actual</a:t>
             </a:r>
             <a:endParaRPr lang="es-AR" dirty="0"/>
           </a:p>
         </p:txBody>
       </p:sp>
-      <p:pic>
-        <p:nvPicPr>
-          <p:cNvPr id="4" name="Content Placeholder 3"/>
-          <p:cNvPicPr>
-            <a:picLocks noGrp="1" noChangeAspect="1"/>
-          </p:cNvPicPr>
-          <p:nvPr>
-            <p:ph idx="1"/>
-          </p:nvPr>
-        </p:nvPicPr>
-        <p:blipFill>
-          <a:blip r:embed="rId3" cstate="print">
-            <a:extLst>
-              <a:ext uri="{28A0092B-C50C-407E-A947-70E740481C1C}">
-                <a14:useLocalDpi xmlns:a14="http://schemas.microsoft.com/office/drawing/2010/main" val="0"/>
-              </a:ext>
-            </a:extLst>
-          </a:blip>
-          <a:stretch>
-            <a:fillRect/>
-          </a:stretch>
-        </p:blipFill>
-        <p:spPr>
-          <a:xfrm>
-            <a:off x="6084168" y="1412776"/>
-            <a:ext cx="2545854" cy="4525963"/>
-          </a:xfrm>
-        </p:spPr>
-      </p:pic>
       <p:sp>
         <p:nvSpPr>
           <p:cNvPr id="5" name="TextBox 4"/>
@@ -8695,8 +11067,8 @@
         </p:nvSpPr>
         <p:spPr>
           <a:xfrm>
-            <a:off x="2771800" y="2177167"/>
-            <a:ext cx="3384376" cy="3877985"/>
+            <a:off x="2627784" y="1700808"/>
+            <a:ext cx="6264696" cy="2806922"/>
           </a:xfrm>
           <a:prstGeom prst="rect">
             <a:avLst/>
@@ -8709,58 +11081,206 @@
           </a:bodyPr>
           <a:lstStyle/>
           <a:p>
-            <a:r>
-              <a:rPr lang="es-AR" sz="3000" dirty="0" smtClean="0"/>
-              <a:t>Embebida en la aplicación.</a:t>
-            </a:r>
-            <a:r>
-              <a:rPr lang="es-AR" sz="3000" dirty="0"/>
-              <a:t> </a:t>
-            </a:r>
-            <a:endParaRPr lang="es-AR" sz="3000" dirty="0" smtClean="0"/>
-          </a:p>
-          <a:p>
-            <a:endParaRPr lang="es-AR" sz="3000" dirty="0" smtClean="0"/>
-          </a:p>
-          <a:p>
-            <a:r>
-              <a:rPr lang="es-AR" sz="3000" dirty="0" smtClean="0"/>
-              <a:t>Cantidad </a:t>
-            </a:r>
-            <a:r>
-              <a:rPr lang="es-AR" sz="3000" dirty="0"/>
-              <a:t>de </a:t>
-            </a:r>
-            <a:r>
-              <a:rPr lang="es-AR" sz="3000" dirty="0" smtClean="0"/>
-              <a:t>vistas.</a:t>
-            </a:r>
-          </a:p>
-          <a:p>
-            <a:r>
-              <a:rPr lang="es-AR" sz="3000" dirty="0" smtClean="0"/>
-              <a:t>Cantidad de </a:t>
-            </a:r>
-            <a:r>
-              <a:rPr lang="es-AR" sz="3000" dirty="0" err="1" smtClean="0"/>
-              <a:t>clicks</a:t>
-            </a:r>
-            <a:r>
-              <a:rPr lang="es-AR" sz="3000" dirty="0" smtClean="0"/>
-              <a:t>.</a:t>
-            </a:r>
-          </a:p>
-          <a:p>
-            <a:endParaRPr lang="es-AR" sz="3000" dirty="0" smtClean="0"/>
-          </a:p>
-          <a:p>
-            <a:endParaRPr lang="es-AR" sz="3000" dirty="0"/>
-          </a:p>
-          <a:p>
-            <a:endParaRPr lang="es-AR" dirty="0"/>
-          </a:p>
-          <a:p>
-            <a:endParaRPr lang="es-AR" dirty="0"/>
+            <a:pPr marL="731520" indent="-182880">
+              <a:lnSpc>
+                <a:spcPct val="90000"/>
+              </a:lnSpc>
+              <a:buClr>
+                <a:schemeClr val="accent1"/>
+              </a:buClr>
+              <a:buFont typeface="Wingdings 2" pitchFamily="18" charset="2"/>
+              <a:buChar char=""/>
+            </a:pPr>
+            <a:r>
+              <a:rPr lang="es-AR" sz="2800" dirty="0">
+                <a:solidFill>
+                  <a:schemeClr val="tx1">
+                    <a:lumMod val="65000"/>
+                    <a:lumOff val="35000"/>
+                  </a:schemeClr>
+                </a:solidFill>
+              </a:rPr>
+              <a:t>Descarga paga:</a:t>
+            </a:r>
+          </a:p>
+          <a:p>
+            <a:pPr marL="274320" indent="-182880">
+              <a:lnSpc>
+                <a:spcPct val="90000"/>
+              </a:lnSpc>
+              <a:buClr>
+                <a:schemeClr val="accent1"/>
+              </a:buClr>
+              <a:buFont typeface="Wingdings 2" pitchFamily="18" charset="2"/>
+              <a:buChar char=""/>
+            </a:pPr>
+            <a:r>
+              <a:rPr lang="es-AR" sz="2800" dirty="0">
+                <a:solidFill>
+                  <a:schemeClr val="tx1">
+                    <a:lumMod val="65000"/>
+                    <a:lumOff val="35000"/>
+                  </a:schemeClr>
+                </a:solidFill>
+              </a:rPr>
+              <a:t>	1-5 USD</a:t>
+            </a:r>
+          </a:p>
+          <a:p>
+            <a:pPr marL="731520" indent="-182880">
+              <a:lnSpc>
+                <a:spcPct val="90000"/>
+              </a:lnSpc>
+              <a:buClr>
+                <a:schemeClr val="accent1"/>
+              </a:buClr>
+              <a:buFont typeface="Wingdings 2" pitchFamily="18" charset="2"/>
+              <a:buChar char=""/>
+            </a:pPr>
+            <a:endParaRPr lang="es-AR" sz="2800" dirty="0">
+              <a:solidFill>
+                <a:schemeClr val="tx1">
+                  <a:lumMod val="65000"/>
+                  <a:lumOff val="35000"/>
+                </a:schemeClr>
+              </a:solidFill>
+            </a:endParaRPr>
+          </a:p>
+          <a:p>
+            <a:pPr marL="731520" indent="-182880">
+              <a:lnSpc>
+                <a:spcPct val="90000"/>
+              </a:lnSpc>
+              <a:buClr>
+                <a:schemeClr val="accent1"/>
+              </a:buClr>
+              <a:buFont typeface="Wingdings 2" pitchFamily="18" charset="2"/>
+              <a:buChar char=""/>
+            </a:pPr>
+            <a:r>
+              <a:rPr lang="es-AR" sz="2800" dirty="0">
+                <a:solidFill>
+                  <a:schemeClr val="tx1">
+                    <a:lumMod val="65000"/>
+                    <a:lumOff val="35000"/>
+                  </a:schemeClr>
+                </a:solidFill>
+              </a:rPr>
+              <a:t>Publicidad:</a:t>
+            </a:r>
+          </a:p>
+          <a:p>
+            <a:pPr marL="1188720" lvl="1" indent="-182880">
+              <a:lnSpc>
+                <a:spcPct val="90000"/>
+              </a:lnSpc>
+              <a:buClr>
+                <a:schemeClr val="accent1"/>
+              </a:buClr>
+              <a:buFont typeface="Wingdings 2" pitchFamily="18" charset="2"/>
+              <a:buChar char=""/>
+            </a:pPr>
+            <a:r>
+              <a:rPr lang="es-AR" sz="2800" dirty="0">
+                <a:solidFill>
+                  <a:schemeClr val="tx1">
+                    <a:lumMod val="65000"/>
+                    <a:lumOff val="35000"/>
+                  </a:schemeClr>
+                </a:solidFill>
+              </a:rPr>
+              <a:t>Por </a:t>
+            </a:r>
+            <a:r>
+              <a:rPr lang="es-AR" sz="2800" dirty="0" err="1">
+                <a:solidFill>
+                  <a:schemeClr val="tx1">
+                    <a:lumMod val="65000"/>
+                    <a:lumOff val="35000"/>
+                  </a:schemeClr>
+                </a:solidFill>
+              </a:rPr>
+              <a:t>click</a:t>
+            </a:r>
+            <a:r>
+              <a:rPr lang="es-AR" sz="2800" dirty="0">
+                <a:solidFill>
+                  <a:schemeClr val="tx1">
+                    <a:lumMod val="65000"/>
+                    <a:lumOff val="35000"/>
+                  </a:schemeClr>
+                </a:solidFill>
+              </a:rPr>
+              <a:t>: 15-30 centavos</a:t>
+            </a:r>
+          </a:p>
+          <a:p>
+            <a:pPr marL="1188720" lvl="1" indent="-182880">
+              <a:lnSpc>
+                <a:spcPct val="90000"/>
+              </a:lnSpc>
+              <a:buClr>
+                <a:schemeClr val="accent1"/>
+              </a:buClr>
+              <a:buFont typeface="Wingdings 2" pitchFamily="18" charset="2"/>
+              <a:buChar char=""/>
+            </a:pPr>
+            <a:r>
+              <a:rPr lang="es-AR" sz="2800" dirty="0">
+                <a:solidFill>
+                  <a:schemeClr val="tx1">
+                    <a:lumMod val="65000"/>
+                    <a:lumOff val="35000"/>
+                  </a:schemeClr>
+                </a:solidFill>
+              </a:rPr>
+              <a:t>Por impresión: 10-20 centavos</a:t>
+            </a:r>
+          </a:p>
+          <a:p>
+            <a:pPr marL="1188720" lvl="1" indent="-182880">
+              <a:lnSpc>
+                <a:spcPct val="90000"/>
+              </a:lnSpc>
+              <a:buClr>
+                <a:schemeClr val="accent1"/>
+              </a:buClr>
+              <a:buFont typeface="Wingdings 2" pitchFamily="18" charset="2"/>
+              <a:buChar char=""/>
+            </a:pPr>
+            <a:r>
+              <a:rPr lang="es-AR" sz="2800" dirty="0">
+                <a:solidFill>
+                  <a:schemeClr val="tx1">
+                    <a:lumMod val="65000"/>
+                    <a:lumOff val="35000"/>
+                  </a:schemeClr>
+                </a:solidFill>
+              </a:rPr>
+              <a:t>Probabilidad de </a:t>
+            </a:r>
+            <a:r>
+              <a:rPr lang="es-AR" sz="2800" dirty="0" err="1">
+                <a:solidFill>
+                  <a:schemeClr val="tx1">
+                    <a:lumMod val="65000"/>
+                    <a:lumOff val="35000"/>
+                  </a:schemeClr>
+                </a:solidFill>
+              </a:rPr>
+              <a:t>click</a:t>
+            </a:r>
+            <a:r>
+              <a:rPr lang="es-AR" sz="2800" dirty="0">
+                <a:solidFill>
+                  <a:schemeClr val="tx1">
+                    <a:lumMod val="65000"/>
+                    <a:lumOff val="35000"/>
+                  </a:schemeClr>
+                </a:solidFill>
+              </a:rPr>
+              <a:t>: 1,5%-2,5%</a:t>
+            </a:r>
           </a:p>
         </p:txBody>
       </p:sp>
@@ -8813,6 +11333,150 @@
         </p:nvSpPr>
         <p:spPr/>
         <p:txBody>
+          <a:bodyPr/>
+          <a:lstStyle/>
+          <a:p>
+            <a:r>
+              <a:rPr lang="es-AR" dirty="0" smtClean="0"/>
+              <a:t>Estimación</a:t>
+            </a:r>
+            <a:endParaRPr lang="es-AR" dirty="0"/>
+          </a:p>
+        </p:txBody>
+      </p:sp>
+      <p:sp>
+        <p:nvSpPr>
+          <p:cNvPr id="3" name="Content Placeholder 2"/>
+          <p:cNvSpPr>
+            <a:spLocks noGrp="1"/>
+          </p:cNvSpPr>
+          <p:nvPr>
+            <p:ph idx="1"/>
+          </p:nvPr>
+        </p:nvSpPr>
+        <p:spPr/>
+        <p:txBody>
+          <a:bodyPr/>
+          <a:lstStyle/>
+          <a:p>
+            <a:r>
+              <a:rPr lang="es-AR" sz="2800" dirty="0" smtClean="0"/>
+              <a:t>Del mercado-&gt;cota inferior:</a:t>
+            </a:r>
+          </a:p>
+          <a:p>
+            <a:pPr lvl="1"/>
+            <a:r>
+              <a:rPr lang="es-AR" sz="2400" dirty="0" smtClean="0"/>
+              <a:t>15 centavos por </a:t>
+            </a:r>
+            <a:r>
+              <a:rPr lang="es-AR" sz="2400" dirty="0" err="1" smtClean="0"/>
+              <a:t>click</a:t>
+            </a:r>
+            <a:endParaRPr lang="es-AR" sz="2400" dirty="0" smtClean="0"/>
+          </a:p>
+          <a:p>
+            <a:pPr lvl="1"/>
+            <a:r>
+              <a:rPr lang="es-AR" sz="2400" dirty="0" smtClean="0"/>
+              <a:t>1,5% probabilidad de </a:t>
+            </a:r>
+            <a:r>
+              <a:rPr lang="es-AR" sz="2400" dirty="0" err="1" smtClean="0"/>
+              <a:t>click</a:t>
+            </a:r>
+            <a:endParaRPr lang="es-AR" sz="2400" dirty="0" smtClean="0"/>
+          </a:p>
+          <a:p>
+            <a:pPr lvl="1"/>
+            <a:r>
+              <a:rPr lang="es-AR" sz="2400" dirty="0" smtClean="0"/>
+              <a:t>10 centavos por impresión</a:t>
+            </a:r>
+          </a:p>
+          <a:p>
+            <a:r>
+              <a:rPr lang="es-AR" sz="2800" dirty="0" smtClean="0"/>
+              <a:t>De la aplicación:</a:t>
+            </a:r>
+          </a:p>
+          <a:p>
+            <a:pPr lvl="1"/>
+            <a:r>
+              <a:rPr lang="es-AR" sz="2400" dirty="0" smtClean="0"/>
+              <a:t>Una visita semanal</a:t>
+            </a:r>
+          </a:p>
+          <a:p>
+            <a:pPr lvl="1"/>
+            <a:r>
+              <a:rPr lang="es-AR" sz="2400" dirty="0" smtClean="0"/>
+              <a:t>Un minuto por uso</a:t>
+            </a:r>
+          </a:p>
+          <a:p>
+            <a:pPr lvl="1"/>
+            <a:r>
+              <a:rPr lang="es-AR" sz="2400" dirty="0" smtClean="0"/>
+              <a:t>4 pantallas visitadas por uso</a:t>
+            </a:r>
+          </a:p>
+          <a:p>
+            <a:pPr lvl="1"/>
+            <a:r>
+              <a:rPr lang="es-AR" sz="2400" dirty="0" smtClean="0"/>
+              <a:t>10% de versiones pagas del total</a:t>
+            </a:r>
+          </a:p>
+          <a:p>
+            <a:pPr lvl="1"/>
+            <a:endParaRPr lang="es-AR" dirty="0"/>
+          </a:p>
+        </p:txBody>
+      </p:sp>
+    </p:spTree>
+    <p:extLst>
+      <p:ext uri="{BB962C8B-B14F-4D97-AF65-F5344CB8AC3E}">
+        <p14:creationId xmlns:p14="http://schemas.microsoft.com/office/powerpoint/2010/main" val="45310622"/>
+      </p:ext>
+    </p:extLst>
+  </p:cSld>
+  <p:clrMapOvr>
+    <a:masterClrMapping/>
+  </p:clrMapOvr>
+</p:sld>
+</file>
+
+<file path=ppt/slides/slide12.xml><?xml version="1.0" encoding="utf-8"?>
+<p:sld xmlns:a="http://schemas.openxmlformats.org/drawingml/2006/main" xmlns:r="http://schemas.openxmlformats.org/officeDocument/2006/relationships" xmlns:p="http://schemas.openxmlformats.org/presentationml/2006/main">
+  <p:cSld>
+    <p:spTree>
+      <p:nvGrpSpPr>
+        <p:cNvPr id="1" name=""/>
+        <p:cNvGrpSpPr/>
+        <p:nvPr/>
+      </p:nvGrpSpPr>
+      <p:grpSpPr>
+        <a:xfrm>
+          <a:off x="0" y="0"/>
+          <a:ext cx="0" cy="0"/>
+          <a:chOff x="0" y="0"/>
+          <a:chExt cx="0" cy="0"/>
+        </a:xfrm>
+      </p:grpSpPr>
+      <p:sp>
+        <p:nvSpPr>
+          <p:cNvPr id="2" name="Title 1"/>
+          <p:cNvSpPr>
+            <a:spLocks noGrp="1"/>
+          </p:cNvSpPr>
+          <p:nvPr>
+            <p:ph type="title"/>
+          </p:nvPr>
+        </p:nvSpPr>
+        <p:spPr/>
+        <p:txBody>
           <a:bodyPr>
             <a:normAutofit/>
           </a:bodyPr>
@@ -8820,21 +11484,37 @@
           <a:p>
             <a:r>
               <a:rPr lang="es-AR" sz="3000" dirty="0" smtClean="0"/>
-              <a:t>Peor Caso</a:t>
+              <a:t>Caso 1:</a:t>
+            </a:r>
+            <a:r>
+              <a:rPr lang="es-AR" sz="3000" dirty="0" smtClean="0"/>
+              <a:t/>
             </a:r>
             <a:br>
               <a:rPr lang="es-AR" sz="3000" dirty="0" smtClean="0"/>
             </a:br>
             <a:r>
               <a:rPr lang="es-AR" sz="3000" dirty="0" smtClean="0"/>
-              <a:t>Expansión en Argentina con un 3% </a:t>
+              <a:t>Expansión </a:t>
+            </a:r>
+            <a:r>
+              <a:rPr lang="es-AR" sz="3000" dirty="0" smtClean="0"/>
+              <a:t>nacional con </a:t>
+            </a:r>
+            <a:r>
+              <a:rPr lang="es-AR" sz="3000" dirty="0" smtClean="0"/>
+              <a:t>un 3% </a:t>
+            </a:r>
+            <a:r>
+              <a:rPr lang="es-AR" sz="3000" dirty="0" smtClean="0"/>
+              <a:t>del  mercado</a:t>
             </a:r>
             <a:br>
               <a:rPr lang="es-AR" sz="3000" dirty="0" smtClean="0"/>
             </a:br>
             <a:r>
-              <a:rPr lang="es-AR" sz="3000" dirty="0" smtClean="0"/>
-              <a:t>del  mercado</a:t>
+              <a:rPr lang="es-AR" sz="3000" dirty="0" err="1" smtClean="0"/>
+              <a:t>Android</a:t>
             </a:r>
             <a:endParaRPr lang="es-AR" sz="3000" dirty="0"/>
           </a:p>
@@ -8842,21 +11522,21 @@
       </p:sp>
       <p:graphicFrame>
         <p:nvGraphicFramePr>
-          <p:cNvPr id="4" name="Chart 3"/>
+          <p:cNvPr id="5" name="Chart 4"/>
           <p:cNvGraphicFramePr>
             <a:graphicFrameLocks/>
           </p:cNvGraphicFramePr>
           <p:nvPr>
             <p:extLst>
               <p:ext uri="{D42A27DB-BD31-4B8C-83A1-F6EECF244321}">
-                <p14:modId xmlns:p14="http://schemas.microsoft.com/office/powerpoint/2010/main" val="2068665959"/>
+                <p14:modId xmlns:p14="http://schemas.microsoft.com/office/powerpoint/2010/main" val="1825034101"/>
               </p:ext>
             </p:extLst>
           </p:nvPr>
         </p:nvGraphicFramePr>
         <p:xfrm>
-          <a:off x="2843808" y="1052736"/>
-          <a:ext cx="5976664" cy="3600400"/>
+          <a:off x="2051720" y="908720"/>
+          <a:ext cx="6840760" cy="4968552"/>
         </p:xfrm>
         <a:graphic>
           <a:graphicData uri="http://schemas.openxmlformats.org/drawingml/2006/chart">
@@ -8884,7 +11564,7 @@
 </p:sld>
 </file>
 
-<file path=ppt/slides/slide12.xml><?xml version="1.0" encoding="utf-8"?>
+<file path=ppt/slides/slide13.xml><?xml version="1.0" encoding="utf-8"?>
 <p:sld xmlns:a="http://schemas.openxmlformats.org/drawingml/2006/main" xmlns:r="http://schemas.openxmlformats.org/officeDocument/2006/relationships" xmlns:p="http://schemas.openxmlformats.org/presentationml/2006/main">
   <p:cSld>
     <p:spTree>
@@ -8919,10 +11599,40 @@
           <a:lstStyle/>
           <a:p>
             <a:r>
-              <a:rPr lang="es-AR" dirty="0" smtClean="0"/>
-              <a:t>Caso 2: expansión exitosa global</a:t>
-            </a:r>
-            <a:endParaRPr lang="es-AR" dirty="0"/>
+              <a:rPr lang="es-AR" sz="3000" dirty="0" smtClean="0"/>
+              <a:t>Caso 1:</a:t>
+            </a:r>
+            <a:r>
+              <a:rPr lang="es-AR" sz="3000" dirty="0" smtClean="0"/>
+              <a:t/>
+            </a:r>
+            <a:br>
+              <a:rPr lang="es-AR" sz="3000" dirty="0" smtClean="0"/>
+            </a:br>
+            <a:r>
+              <a:rPr lang="es-AR" sz="3000" dirty="0" smtClean="0"/>
+              <a:t>Expansión </a:t>
+            </a:r>
+            <a:r>
+              <a:rPr lang="es-AR" sz="3000" dirty="0" smtClean="0"/>
+              <a:t>nacional con </a:t>
+            </a:r>
+            <a:r>
+              <a:rPr lang="es-AR" sz="3000" dirty="0" smtClean="0"/>
+              <a:t>un 3% </a:t>
+            </a:r>
+            <a:r>
+              <a:rPr lang="es-AR" sz="3000" dirty="0" smtClean="0"/>
+              <a:t>del  mercado</a:t>
+            </a:r>
+            <a:br>
+              <a:rPr lang="es-AR" sz="3000" dirty="0" smtClean="0"/>
+            </a:br>
+            <a:r>
+              <a:rPr lang="es-AR" sz="3000" dirty="0" err="1" smtClean="0"/>
+              <a:t>Android</a:t>
+            </a:r>
+            <a:endParaRPr lang="es-AR" sz="3000" dirty="0"/>
           </a:p>
         </p:txBody>
       </p:sp>
@@ -8935,14 +11645,100 @@
           <p:nvPr>
             <p:extLst>
               <p:ext uri="{D42A27DB-BD31-4B8C-83A1-F6EECF244321}">
-                <p14:modId xmlns:p14="http://schemas.microsoft.com/office/powerpoint/2010/main" val="996467878"/>
+                <p14:modId xmlns:p14="http://schemas.microsoft.com/office/powerpoint/2010/main" val="3649252265"/>
               </p:ext>
             </p:extLst>
           </p:nvPr>
         </p:nvGraphicFramePr>
         <p:xfrm>
-          <a:off x="2699792" y="1268760"/>
-          <a:ext cx="6120680" cy="3960440"/>
+          <a:off x="2411760" y="764704"/>
+          <a:ext cx="6408712" cy="5256584"/>
+        </p:xfrm>
+        <a:graphic>
+          <a:graphicData uri="http://schemas.openxmlformats.org/drawingml/2006/chart">
+            <c:chart xmlns:c="http://schemas.openxmlformats.org/drawingml/2006/chart" xmlns:r="http://schemas.openxmlformats.org/officeDocument/2006/relationships" r:id="rId3"/>
+          </a:graphicData>
+        </a:graphic>
+      </p:graphicFrame>
+    </p:spTree>
+    <p:extLst>
+      <p:ext uri="{BB962C8B-B14F-4D97-AF65-F5344CB8AC3E}">
+        <p14:creationId xmlns:p14="http://schemas.microsoft.com/office/powerpoint/2010/main" val="4279891574"/>
+      </p:ext>
+    </p:extLst>
+  </p:cSld>
+  <p:clrMapOvr>
+    <a:masterClrMapping/>
+  </p:clrMapOvr>
+  <p:timing>
+    <p:tnLst>
+      <p:par>
+        <p:cTn id="1" dur="indefinite" restart="never" nodeType="tmRoot"/>
+      </p:par>
+    </p:tnLst>
+  </p:timing>
+</p:sld>
+</file>
+
+<file path=ppt/slides/slide14.xml><?xml version="1.0" encoding="utf-8"?>
+<p:sld xmlns:a="http://schemas.openxmlformats.org/drawingml/2006/main" xmlns:r="http://schemas.openxmlformats.org/officeDocument/2006/relationships" xmlns:p="http://schemas.openxmlformats.org/presentationml/2006/main">
+  <p:cSld>
+    <p:spTree>
+      <p:nvGrpSpPr>
+        <p:cNvPr id="1" name=""/>
+        <p:cNvGrpSpPr/>
+        <p:nvPr/>
+      </p:nvGrpSpPr>
+      <p:grpSpPr>
+        <a:xfrm>
+          <a:off x="0" y="0"/>
+          <a:ext cx="0" cy="0"/>
+          <a:chOff x="0" y="0"/>
+          <a:chExt cx="0" cy="0"/>
+        </a:xfrm>
+      </p:grpSpPr>
+      <p:sp>
+        <p:nvSpPr>
+          <p:cNvPr id="2" name="Title 1"/>
+          <p:cNvSpPr>
+            <a:spLocks noGrp="1"/>
+          </p:cNvSpPr>
+          <p:nvPr>
+            <p:ph type="title"/>
+          </p:nvPr>
+        </p:nvSpPr>
+        <p:spPr/>
+        <p:txBody>
+          <a:bodyPr>
+            <a:normAutofit/>
+          </a:bodyPr>
+          <a:lstStyle/>
+          <a:p>
+            <a:r>
+              <a:rPr lang="es-AR" dirty="0" smtClean="0"/>
+              <a:t>Caso 2: expansión exitosa global</a:t>
+            </a:r>
+            <a:endParaRPr lang="es-AR" dirty="0"/>
+          </a:p>
+        </p:txBody>
+      </p:sp>
+      <p:graphicFrame>
+        <p:nvGraphicFramePr>
+          <p:cNvPr id="5" name="Chart 4"/>
+          <p:cNvGraphicFramePr>
+            <a:graphicFrameLocks/>
+          </p:cNvGraphicFramePr>
+          <p:nvPr>
+            <p:extLst>
+              <p:ext uri="{D42A27DB-BD31-4B8C-83A1-F6EECF244321}">
+                <p14:modId xmlns:p14="http://schemas.microsoft.com/office/powerpoint/2010/main" val="3309835549"/>
+              </p:ext>
+            </p:extLst>
+          </p:nvPr>
+        </p:nvGraphicFramePr>
+        <p:xfrm>
+          <a:off x="2195736" y="620688"/>
+          <a:ext cx="6480720" cy="5544616"/>
         </p:xfrm>
         <a:graphic>
           <a:graphicData uri="http://schemas.openxmlformats.org/drawingml/2006/chart">
@@ -8970,7 +11766,93 @@
 </p:sld>
 </file>
 
-<file path=ppt/slides/slide13.xml><?xml version="1.0" encoding="utf-8"?>
+<file path=ppt/slides/slide15.xml><?xml version="1.0" encoding="utf-8"?>
+<p:sld xmlns:a="http://schemas.openxmlformats.org/drawingml/2006/main" xmlns:r="http://schemas.openxmlformats.org/officeDocument/2006/relationships" xmlns:p="http://schemas.openxmlformats.org/presentationml/2006/main">
+  <p:cSld>
+    <p:spTree>
+      <p:nvGrpSpPr>
+        <p:cNvPr id="1" name=""/>
+        <p:cNvGrpSpPr/>
+        <p:nvPr/>
+      </p:nvGrpSpPr>
+      <p:grpSpPr>
+        <a:xfrm>
+          <a:off x="0" y="0"/>
+          <a:ext cx="0" cy="0"/>
+          <a:chOff x="0" y="0"/>
+          <a:chExt cx="0" cy="0"/>
+        </a:xfrm>
+      </p:grpSpPr>
+      <p:sp>
+        <p:nvSpPr>
+          <p:cNvPr id="2" name="Title 1"/>
+          <p:cNvSpPr>
+            <a:spLocks noGrp="1"/>
+          </p:cNvSpPr>
+          <p:nvPr>
+            <p:ph type="title"/>
+          </p:nvPr>
+        </p:nvSpPr>
+        <p:spPr/>
+        <p:txBody>
+          <a:bodyPr>
+            <a:normAutofit/>
+          </a:bodyPr>
+          <a:lstStyle/>
+          <a:p>
+            <a:r>
+              <a:rPr lang="es-AR" dirty="0" smtClean="0"/>
+              <a:t>Caso 2: expansión exitosa global</a:t>
+            </a:r>
+            <a:endParaRPr lang="es-AR" dirty="0"/>
+          </a:p>
+        </p:txBody>
+      </p:sp>
+      <p:graphicFrame>
+        <p:nvGraphicFramePr>
+          <p:cNvPr id="4" name="Chart 3"/>
+          <p:cNvGraphicFramePr>
+            <a:graphicFrameLocks/>
+          </p:cNvGraphicFramePr>
+          <p:nvPr>
+            <p:extLst>
+              <p:ext uri="{D42A27DB-BD31-4B8C-83A1-F6EECF244321}">
+                <p14:modId xmlns:p14="http://schemas.microsoft.com/office/powerpoint/2010/main" val="1527807372"/>
+              </p:ext>
+            </p:extLst>
+          </p:nvPr>
+        </p:nvGraphicFramePr>
+        <p:xfrm>
+          <a:off x="2339752" y="836712"/>
+          <a:ext cx="6624736" cy="5472608"/>
+        </p:xfrm>
+        <a:graphic>
+          <a:graphicData uri="http://schemas.openxmlformats.org/drawingml/2006/chart">
+            <c:chart xmlns:c="http://schemas.openxmlformats.org/drawingml/2006/chart" xmlns:r="http://schemas.openxmlformats.org/officeDocument/2006/relationships" r:id="rId3"/>
+          </a:graphicData>
+        </a:graphic>
+      </p:graphicFrame>
+    </p:spTree>
+    <p:extLst>
+      <p:ext uri="{BB962C8B-B14F-4D97-AF65-F5344CB8AC3E}">
+        <p14:creationId xmlns:p14="http://schemas.microsoft.com/office/powerpoint/2010/main" val="2247101867"/>
+      </p:ext>
+    </p:extLst>
+  </p:cSld>
+  <p:clrMapOvr>
+    <a:masterClrMapping/>
+  </p:clrMapOvr>
+  <p:timing>
+    <p:tnLst>
+      <p:par>
+        <p:cTn id="1" dur="indefinite" restart="never" nodeType="tmRoot"/>
+      </p:par>
+    </p:tnLst>
+  </p:timing>
+</p:sld>
+</file>
+
+<file path=ppt/slides/slide16.xml><?xml version="1.0" encoding="utf-8"?>
 <p:sld xmlns:a="http://schemas.openxmlformats.org/drawingml/2006/main" xmlns:r="http://schemas.openxmlformats.org/officeDocument/2006/relationships" xmlns:p="http://schemas.openxmlformats.org/presentationml/2006/main">
   <p:cSld>
     <p:spTree>
@@ -10398,45 +13280,6 @@
           <a:chExt cx="0" cy="0"/>
         </a:xfrm>
       </p:grpSpPr>
-      <p:pic>
-        <p:nvPicPr>
-          <p:cNvPr id="1026" name="Picture 2" descr="http://4.bp.blogspot.com/-Dg37EGOlyEU/ThkkXha2HDI/AAAAAAAAAG8/a8VJw699JGY/s320/Atraer-dinero.png"/>
-          <p:cNvPicPr>
-            <a:picLocks noGrp="1" noChangeAspect="1" noChangeArrowheads="1"/>
-          </p:cNvPicPr>
-          <p:nvPr>
-            <p:ph type="pic" idx="1"/>
-          </p:nvPr>
-        </p:nvPicPr>
-        <p:blipFill>
-          <a:blip r:embed="rId3" cstate="print">
-            <a:extLst>
-              <a:ext uri="{28A0092B-C50C-407E-A947-70E740481C1C}">
-                <a14:useLocalDpi xmlns:a14="http://schemas.microsoft.com/office/drawing/2010/main" val="0"/>
-              </a:ext>
-            </a:extLst>
-          </a:blip>
-          <a:srcRect l="12001" r="12001"/>
-          <a:stretch>
-            <a:fillRect/>
-          </a:stretch>
-        </p:blipFill>
-        <p:spPr bwMode="auto">
-          <a:prstGeom prst="rect">
-            <a:avLst/>
-          </a:prstGeom>
-          <a:noFill/>
-          <a:extLst>
-            <a:ext uri="{909E8E84-426E-40DD-AFC4-6F175D3DCCD1}">
-              <a14:hiddenFill xmlns:a14="http://schemas.microsoft.com/office/drawing/2010/main">
-                <a:solidFill>
-                  <a:srgbClr val="FFFFFF"/>
-                </a:solidFill>
-              </a14:hiddenFill>
-            </a:ext>
-          </a:extLst>
-        </p:spPr>
-      </p:pic>
       <p:sp>
         <p:nvSpPr>
           <p:cNvPr id="4" name="Title 1"/>
@@ -10444,15 +13287,10 @@
             <a:spLocks noGrp="1"/>
           </p:cNvSpPr>
           <p:nvPr>
-            <p:ph type="title"/>
+            <p:ph type="ctrTitle"/>
           </p:nvPr>
         </p:nvSpPr>
-        <p:spPr>
-          <a:xfrm>
-            <a:off x="189689" y="2492895"/>
-            <a:ext cx="2210612" cy="1656185"/>
-          </a:xfrm>
-        </p:spPr>
+        <p:spPr/>
         <p:txBody>
           <a:bodyPr>
             <a:normAutofit fontScale="90000"/>
@@ -10487,6 +13325,28 @@
             <a:r>
               <a:rPr lang="es-AR" dirty="0"/>
               <a:t>en crecimiento</a:t>
+            </a:r>
+          </a:p>
+        </p:txBody>
+      </p:sp>
+      <p:sp>
+        <p:nvSpPr>
+          <p:cNvPr id="2" name="Subtitle 1"/>
+          <p:cNvSpPr>
+            <a:spLocks noGrp="1"/>
+          </p:cNvSpPr>
+          <p:nvPr>
+            <p:ph type="subTitle" idx="1"/>
+          </p:nvPr>
+        </p:nvSpPr>
+        <p:spPr/>
+        <p:txBody>
+          <a:bodyPr/>
+          <a:lstStyle/>
+          <a:p>
+            <a:r>
+              <a:rPr lang="es-AR" dirty="0" smtClean="0"/>
+              <a:t>Proyección económica</a:t>
             </a:r>
             <a:endParaRPr lang="es-AR" dirty="0"/>
           </a:p>
@@ -10737,7 +13597,7 @@
   <a:extraClrSchemeLst/>
   <a:extLst>
     <a:ext uri="{05A4C25C-085E-4340-85A3-A5531E510DB2}">
-      <thm15:themeFamily xmlns="" xmlns:thm15="http://schemas.microsoft.com/office/thememl/2012/main" name="Frame" id="{F226E7A2-7162-461C-9490-D27D9DC04E43}" vid="{629A0216-3BBD-45C0-B63F-2683BEA18F60}"/>
+      <thm15:themeFamily xmlns:thm15="http://schemas.microsoft.com/office/thememl/2012/main" xmlns="" name="Frame" id="{F226E7A2-7162-461C-9490-D27D9DC04E43}" vid="{629A0216-3BBD-45C0-B63F-2683BEA18F60}"/>
     </a:ext>
   </a:extLst>
 </a:theme>

--- a/trunk/Assets/Presentación negocio.pptx
+++ b/trunk/Assets/Presentación negocio.pptx
@@ -5,25 +5,26 @@
     <p:sldMasterId id="2147483660" r:id="rId1"/>
   </p:sldMasterIdLst>
   <p:notesMasterIdLst>
-    <p:notesMasterId r:id="rId18"/>
+    <p:notesMasterId r:id="rId19"/>
   </p:notesMasterIdLst>
   <p:sldIdLst>
     <p:sldId id="256" r:id="rId2"/>
     <p:sldId id="268" r:id="rId3"/>
-    <p:sldId id="262" r:id="rId4"/>
-    <p:sldId id="265" r:id="rId5"/>
-    <p:sldId id="264" r:id="rId6"/>
-    <p:sldId id="267" r:id="rId7"/>
-    <p:sldId id="270" r:id="rId8"/>
-    <p:sldId id="271" r:id="rId9"/>
-    <p:sldId id="258" r:id="rId10"/>
-    <p:sldId id="266" r:id="rId11"/>
-    <p:sldId id="272" r:id="rId12"/>
-    <p:sldId id="257" r:id="rId13"/>
-    <p:sldId id="273" r:id="rId14"/>
-    <p:sldId id="259" r:id="rId15"/>
-    <p:sldId id="274" r:id="rId16"/>
-    <p:sldId id="269" r:id="rId17"/>
+    <p:sldId id="275" r:id="rId4"/>
+    <p:sldId id="262" r:id="rId5"/>
+    <p:sldId id="265" r:id="rId6"/>
+    <p:sldId id="264" r:id="rId7"/>
+    <p:sldId id="267" r:id="rId8"/>
+    <p:sldId id="270" r:id="rId9"/>
+    <p:sldId id="271" r:id="rId10"/>
+    <p:sldId id="258" r:id="rId11"/>
+    <p:sldId id="266" r:id="rId12"/>
+    <p:sldId id="272" r:id="rId13"/>
+    <p:sldId id="257" r:id="rId14"/>
+    <p:sldId id="273" r:id="rId15"/>
+    <p:sldId id="259" r:id="rId16"/>
+    <p:sldId id="274" r:id="rId17"/>
+    <p:sldId id="269" r:id="rId18"/>
   </p:sldIdLst>
   <p:sldSz cx="9144000" cy="6858000" type="screen4x3"/>
   <p:notesSz cx="6669088" cy="9928225"/>
@@ -324,11 +325,11 @@
           <c:showPercent val="0"/>
           <c:showBubbleSize val="0"/>
         </c:dLbls>
-        <c:axId val="46142592"/>
-        <c:axId val="46543232"/>
+        <c:axId val="67802624"/>
+        <c:axId val="67804544"/>
       </c:scatterChart>
       <c:valAx>
-        <c:axId val="46142592"/>
+        <c:axId val="67802624"/>
         <c:scaling>
           <c:orientation val="minMax"/>
           <c:max val="24"/>
@@ -359,13 +360,13 @@
         <c:majorTickMark val="none"/>
         <c:minorTickMark val="none"/>
         <c:tickLblPos val="nextTo"/>
-        <c:crossAx val="46543232"/>
+        <c:crossAx val="67804544"/>
         <c:crosses val="autoZero"/>
         <c:crossBetween val="midCat"/>
         <c:majorUnit val="3"/>
       </c:valAx>
       <c:valAx>
-        <c:axId val="46543232"/>
+        <c:axId val="67804544"/>
         <c:scaling>
           <c:orientation val="minMax"/>
         </c:scaling>
@@ -395,7 +396,7 @@
         <c:majorTickMark val="none"/>
         <c:minorTickMark val="none"/>
         <c:tickLblPos val="nextTo"/>
-        <c:crossAx val="46142592"/>
+        <c:crossAx val="67802624"/>
         <c:crosses val="autoZero"/>
         <c:crossBetween val="midCat"/>
       </c:valAx>
@@ -1287,11 +1288,11 @@
           <c:showPercent val="0"/>
           <c:showBubbleSize val="0"/>
         </c:dLbls>
-        <c:axId val="45554688"/>
-        <c:axId val="45818240"/>
+        <c:axId val="69201920"/>
+        <c:axId val="69204224"/>
       </c:scatterChart>
       <c:valAx>
-        <c:axId val="45554688"/>
+        <c:axId val="69201920"/>
         <c:scaling>
           <c:orientation val="minMax"/>
           <c:max val="24"/>
@@ -1323,13 +1324,13 @@
         <c:majorTickMark val="none"/>
         <c:minorTickMark val="none"/>
         <c:tickLblPos val="nextTo"/>
-        <c:crossAx val="45818240"/>
+        <c:crossAx val="69204224"/>
         <c:crosses val="autoZero"/>
         <c:crossBetween val="midCat"/>
         <c:majorUnit val="3"/>
       </c:valAx>
       <c:valAx>
-        <c:axId val="45818240"/>
+        <c:axId val="69204224"/>
         <c:scaling>
           <c:orientation val="minMax"/>
         </c:scaling>
@@ -1359,7 +1360,7 @@
         <c:majorTickMark val="none"/>
         <c:minorTickMark val="none"/>
         <c:tickLblPos val="nextTo"/>
-        <c:crossAx val="45554688"/>
+        <c:crossAx val="69201920"/>
         <c:crosses val="autoZero"/>
         <c:crossBetween val="midCat"/>
       </c:valAx>
@@ -1568,11 +1569,11 @@
           <c:showPercent val="0"/>
           <c:showBubbleSize val="0"/>
         </c:dLbls>
-        <c:axId val="45810048"/>
-        <c:axId val="45812352"/>
+        <c:axId val="75951488"/>
+        <c:axId val="75953664"/>
       </c:scatterChart>
       <c:valAx>
-        <c:axId val="45810048"/>
+        <c:axId val="75951488"/>
         <c:scaling>
           <c:orientation val="minMax"/>
           <c:max val="24"/>
@@ -1603,13 +1604,13 @@
         <c:majorTickMark val="none"/>
         <c:minorTickMark val="none"/>
         <c:tickLblPos val="nextTo"/>
-        <c:crossAx val="45812352"/>
+        <c:crossAx val="75953664"/>
         <c:crosses val="autoZero"/>
         <c:crossBetween val="midCat"/>
         <c:majorUnit val="3"/>
       </c:valAx>
       <c:valAx>
-        <c:axId val="45812352"/>
+        <c:axId val="75953664"/>
         <c:scaling>
           <c:orientation val="minMax"/>
         </c:scaling>
@@ -1639,7 +1640,7 @@
         <c:majorTickMark val="none"/>
         <c:minorTickMark val="none"/>
         <c:tickLblPos val="nextTo"/>
-        <c:crossAx val="45810048"/>
+        <c:crossAx val="75951488"/>
         <c:crosses val="autoZero"/>
         <c:crossBetween val="midCat"/>
       </c:valAx>
@@ -2521,11 +2522,11 @@
           <c:showPercent val="0"/>
           <c:showBubbleSize val="0"/>
         </c:dLbls>
-        <c:axId val="46159360"/>
-        <c:axId val="46220416"/>
+        <c:axId val="79496704"/>
+        <c:axId val="79519744"/>
       </c:scatterChart>
       <c:valAx>
-        <c:axId val="46159360"/>
+        <c:axId val="79496704"/>
         <c:scaling>
           <c:orientation val="minMax"/>
           <c:max val="24"/>
@@ -2557,13 +2558,13 @@
         <c:majorTickMark val="none"/>
         <c:minorTickMark val="none"/>
         <c:tickLblPos val="nextTo"/>
-        <c:crossAx val="46220416"/>
+        <c:crossAx val="79519744"/>
         <c:crosses val="autoZero"/>
         <c:crossBetween val="midCat"/>
         <c:majorUnit val="3"/>
       </c:valAx>
       <c:valAx>
-        <c:axId val="46220416"/>
+        <c:axId val="79519744"/>
         <c:scaling>
           <c:orientation val="minMax"/>
         </c:scaling>
@@ -2593,7 +2594,7 @@
         <c:majorTickMark val="none"/>
         <c:minorTickMark val="none"/>
         <c:tickLblPos val="nextTo"/>
-        <c:crossAx val="46159360"/>
+        <c:crossAx val="79496704"/>
         <c:crosses val="autoZero"/>
         <c:crossBetween val="midCat"/>
       </c:valAx>
@@ -3141,52 +3142,6 @@
           <a:bodyPr/>
           <a:lstStyle/>
           <a:p>
-            <a:r>
-              <a:rPr lang="es-AR" dirty="0" smtClean="0"/>
-              <a:t>Nuestro elemento fundamental</a:t>
-            </a:r>
-            <a:r>
-              <a:rPr lang="es-AR" baseline="0" dirty="0" smtClean="0"/>
-              <a:t> de recaudación de ingresos y retorno de inversión es, además de las descargas pagas de la aplicación como ya hemos mencionado previamente, el brindar un espacio de publicidad a nuestros sponsors.</a:t>
-            </a:r>
-          </a:p>
-          <a:p>
-            <a:r>
-              <a:rPr lang="es-AR" baseline="0" dirty="0" smtClean="0"/>
-              <a:t>La publicidad embebida en la aplicación genera ingresos tanto por cantidad de </a:t>
-            </a:r>
-            <a:r>
-              <a:rPr lang="es-AR" baseline="0" dirty="0" err="1" smtClean="0"/>
-              <a:t>vistar</a:t>
-            </a:r>
-            <a:r>
-              <a:rPr lang="es-AR" baseline="0" dirty="0" smtClean="0"/>
-              <a:t>, es decir cada vez que un usuario accede a la aplicación, como por cantidad de </a:t>
-            </a:r>
-            <a:r>
-              <a:rPr lang="es-AR" baseline="0" dirty="0" err="1" smtClean="0"/>
-              <a:t>clicks</a:t>
-            </a:r>
-            <a:r>
-              <a:rPr lang="es-AR" baseline="0" dirty="0" smtClean="0"/>
-              <a:t> que el usuario realizar sobre el banner de publicidad.</a:t>
-            </a:r>
-          </a:p>
-          <a:p>
-            <a:r>
-              <a:rPr lang="es-AR" baseline="0" dirty="0" smtClean="0"/>
-              <a:t>Ahora  a continuación detallaremos más cómo se compondrá el </a:t>
-            </a:r>
-            <a:r>
-              <a:rPr lang="es-AR" baseline="0" dirty="0" err="1" smtClean="0"/>
-              <a:t>cashflow</a:t>
-            </a:r>
-            <a:r>
-              <a:rPr lang="es-AR" baseline="0" dirty="0" smtClean="0"/>
-              <a:t> del negocio, teniendo en cuenta este ingreso inmediato.</a:t>
-            </a:r>
-          </a:p>
-          <a:p>
             <a:pPr marL="0" marR="0" indent="0" algn="l" defTabSz="914400" rtl="0" eaLnBrk="1" fontAlgn="auto" latinLnBrk="0" hangingPunct="1">
               <a:lnSpc>
                 <a:spcPct val="100000"/>
@@ -3204,104 +3159,22 @@
               <a:tabLst/>
               <a:defRPr/>
             </a:pPr>
-            <a:endParaRPr lang="es-AR" baseline="0" dirty="0" smtClean="0"/>
-          </a:p>
-          <a:p>
-            <a:pPr marL="0" marR="0" indent="0" algn="l" defTabSz="914400" rtl="0" eaLnBrk="1" fontAlgn="auto" latinLnBrk="0" hangingPunct="1">
-              <a:lnSpc>
-                <a:spcPct val="100000"/>
-              </a:lnSpc>
-              <a:spcBef>
-                <a:spcPts val="0"/>
-              </a:spcBef>
-              <a:spcAft>
-                <a:spcPts val="0"/>
-              </a:spcAft>
-              <a:buClrTx/>
-              <a:buSzTx/>
-              <a:buFontTx/>
-              <a:buNone/>
-              <a:tabLst/>
-              <a:defRPr/>
-            </a:pPr>
-            <a:r>
-              <a:rPr lang="es-AR" baseline="0" dirty="0" smtClean="0"/>
-              <a:t>Para los escenarios que mostraremos a continuación se ha tenido en cuenta ingresos provenientes de la publicidad y de la </a:t>
+            <a:r>
+              <a:rPr lang="es-AR" dirty="0" smtClean="0"/>
+              <a:t>Luego</a:t>
+            </a:r>
+            <a:r>
+              <a:rPr lang="es-AR" baseline="0" dirty="0" smtClean="0"/>
+              <a:t> de escuchar sobre el producto, probablemente </a:t>
             </a:r>
             <a:r>
               <a:rPr lang="es-AR" baseline="0" dirty="0" err="1" smtClean="0"/>
-              <a:t>version</a:t>
-            </a:r>
-            <a:r>
-              <a:rPr lang="es-AR" baseline="0" dirty="0" smtClean="0"/>
-              <a:t> paga:</a:t>
-            </a:r>
-          </a:p>
-          <a:p>
-            <a:pPr marL="0" marR="0" indent="0" algn="l" defTabSz="914400" rtl="0" eaLnBrk="1" fontAlgn="auto" latinLnBrk="0" hangingPunct="1">
-              <a:lnSpc>
-                <a:spcPct val="100000"/>
-              </a:lnSpc>
-              <a:spcBef>
-                <a:spcPts val="0"/>
-              </a:spcBef>
-              <a:spcAft>
-                <a:spcPts val="0"/>
-              </a:spcAft>
-              <a:buClrTx/>
-              <a:buSzTx/>
-              <a:buFontTx/>
-              <a:buNone/>
-              <a:tabLst/>
-              <a:defRPr/>
-            </a:pPr>
-            <a:r>
-              <a:rPr lang="es-AR" baseline="0" dirty="0" smtClean="0"/>
-              <a:t>la descarga de aplicación a 1 dólar (para la versión paga) los ingresos por </a:t>
-            </a:r>
-            <a:r>
-              <a:rPr lang="es-AR" baseline="0" dirty="0" err="1" smtClean="0"/>
-              <a:t>google</a:t>
-            </a:r>
-            <a:r>
-              <a:rPr lang="es-AR" baseline="0" dirty="0" smtClean="0"/>
-              <a:t> </a:t>
-            </a:r>
-            <a:r>
-              <a:rPr lang="es-AR" baseline="0" dirty="0" err="1" smtClean="0"/>
-              <a:t>Adds</a:t>
-            </a:r>
-            <a:r>
-              <a:rPr lang="es-AR" baseline="0" dirty="0" smtClean="0"/>
-              <a:t> en base a la cantidad de vistas y </a:t>
-            </a:r>
-            <a:r>
-              <a:rPr lang="es-AR" baseline="0" dirty="0" err="1" smtClean="0"/>
-              <a:t>clicks</a:t>
-            </a:r>
-            <a:r>
-              <a:rPr lang="es-AR" baseline="0" dirty="0" smtClean="0"/>
-              <a:t>. Para esto último se ha considerado los valores más bajos del mercado, es decir, tan solo 15 (15-30)  centavos por </a:t>
-            </a:r>
-            <a:r>
-              <a:rPr lang="es-AR" baseline="0" dirty="0" err="1" smtClean="0"/>
-              <a:t>clicks</a:t>
-            </a:r>
-            <a:r>
-              <a:rPr lang="es-AR" baseline="0" dirty="0" smtClean="0"/>
-              <a:t>, una probabilidad de </a:t>
-            </a:r>
-            <a:r>
-              <a:rPr lang="es-AR" baseline="0" dirty="0" err="1" smtClean="0"/>
-              <a:t>click</a:t>
-            </a:r>
-            <a:r>
-              <a:rPr lang="es-AR" baseline="0" dirty="0" smtClean="0"/>
-              <a:t> de 1,5% (1,5%-2,5%)  y 10 centavo por cada mil vistas.</a:t>
-            </a:r>
-          </a:p>
-          <a:p>
-            <a:endParaRPr lang="es-AR" dirty="0"/>
+              <a:t>esten</a:t>
+            </a:r>
+            <a:r>
+              <a:rPr lang="es-AR" baseline="0" dirty="0" smtClean="0"/>
+              <a:t> pensando “esto muy lindo, realmente me gustaría tener esta aplicación, pero realmente voy a ganar dinero con ella?”. Pues sí señores. Hemos analizado distintos escenarios basados en casos reales y a modo de ejemplo les mostraremos dos de ellos</a:t>
+            </a:r>
           </a:p>
         </p:txBody>
       </p:sp>
@@ -3332,7 +3205,7 @@
     </p:spTree>
     <p:extLst>
       <p:ext uri="{BB962C8B-B14F-4D97-AF65-F5344CB8AC3E}">
-        <p14:creationId xmlns:p14="http://schemas.microsoft.com/office/powerpoint/2010/main" val="1057133531"/>
+        <p14:creationId xmlns:p14="http://schemas.microsoft.com/office/powerpoint/2010/main" val="448154425"/>
       </p:ext>
     </p:extLst>
   </p:cSld>
@@ -3388,131 +3261,165 @@
           <a:p>
             <a:r>
               <a:rPr lang="es-AR" dirty="0" smtClean="0"/>
-              <a:t>En primer lugar, mostraremos el peor caso,</a:t>
-            </a:r>
-            <a:r>
-              <a:rPr lang="es-AR" baseline="0" dirty="0" smtClean="0"/>
-              <a:t> en el que el producto no se expanda fuera del país y que luego de 2 años se estanque en un 3% del mercado nacional. En ese caso, hemos considerado solo el mercado de </a:t>
+              <a:t>Nuestro elemento fundamental</a:t>
+            </a:r>
+            <a:r>
+              <a:rPr lang="es-AR" baseline="0" dirty="0" smtClean="0"/>
+              <a:t> de recaudación de ingresos y retorno de inversión es, además de las descargas pagas de la aplicación como ya hemos mencionado previamente, el brindar un espacio de publicidad a nuestros sponsors.</a:t>
+            </a:r>
+          </a:p>
+          <a:p>
+            <a:r>
+              <a:rPr lang="es-AR" baseline="0" dirty="0" smtClean="0"/>
+              <a:t>La publicidad embebida en la aplicación genera ingresos tanto por cantidad de </a:t>
             </a:r>
             <a:r>
               <a:rPr lang="es-AR" baseline="0" dirty="0" err="1" smtClean="0"/>
-              <a:t>android</a:t>
-            </a:r>
-            <a:r>
-              <a:rPr lang="es-AR" baseline="0" dirty="0" smtClean="0"/>
-              <a:t> y hemos tomado como patrón de crecimiento estadísticas de otras empresas conocidas. </a:t>
-            </a:r>
-          </a:p>
-          <a:p>
-            <a:r>
-              <a:rPr lang="es-AR" baseline="0" dirty="0" smtClean="0"/>
-              <a:t>Hemos generado dos escenarios posibles: uno que permite a los usuarios tener una versión paga (y sin publicidad) y otro sin esta opción. </a:t>
+              <a:t>vistar</a:t>
+            </a:r>
+            <a:r>
+              <a:rPr lang="es-AR" baseline="0" dirty="0" smtClean="0"/>
+              <a:t>, es decir cada vez que un usuario accede a la aplicación, como por cantidad de </a:t>
             </a:r>
             <a:r>
               <a:rPr lang="es-AR" baseline="0" dirty="0" err="1" smtClean="0"/>
-              <a:t>Pára</a:t>
-            </a:r>
-            <a:r>
-              <a:rPr lang="es-AR" baseline="0" dirty="0" smtClean="0"/>
-              <a:t> calcular en el primer caso cuantos usuarios optarían por una versión paga, nos basamos en encuestas que nos devolvieron que el 10% de los usuarios </a:t>
+              <a:t>clicks</a:t>
+            </a:r>
+            <a:r>
+              <a:rPr lang="es-AR" baseline="0" dirty="0" smtClean="0"/>
+              <a:t> que el usuario realizar sobre el banner de publicidad.</a:t>
+            </a:r>
+          </a:p>
+          <a:p>
+            <a:r>
+              <a:rPr lang="es-AR" baseline="0" dirty="0" smtClean="0"/>
+              <a:t>Ahora  a continuación detallaremos más cómo se compondrá el </a:t>
             </a:r>
             <a:r>
               <a:rPr lang="es-AR" baseline="0" dirty="0" err="1" smtClean="0"/>
-              <a:t>eligirían</a:t>
-            </a:r>
-            <a:r>
-              <a:rPr lang="es-AR" baseline="0" dirty="0" smtClean="0"/>
-              <a:t> esta </a:t>
+              <a:t>cashflow</a:t>
+            </a:r>
+            <a:r>
+              <a:rPr lang="es-AR" baseline="0" dirty="0" smtClean="0"/>
+              <a:t> del negocio, teniendo en cuenta este ingreso inmediato.</a:t>
+            </a:r>
+          </a:p>
+          <a:p>
+            <a:pPr marL="0" marR="0" indent="0" algn="l" defTabSz="914400" rtl="0" eaLnBrk="1" fontAlgn="auto" latinLnBrk="0" hangingPunct="1">
+              <a:lnSpc>
+                <a:spcPct val="100000"/>
+              </a:lnSpc>
+              <a:spcBef>
+                <a:spcPts val="0"/>
+              </a:spcBef>
+              <a:spcAft>
+                <a:spcPts val="0"/>
+              </a:spcAft>
+              <a:buClrTx/>
+              <a:buSzTx/>
+              <a:buFontTx/>
+              <a:buNone/>
+              <a:tabLst/>
+              <a:defRPr/>
+            </a:pPr>
+            <a:endParaRPr lang="es-AR" baseline="0" dirty="0" smtClean="0"/>
+          </a:p>
+          <a:p>
+            <a:pPr marL="0" marR="0" indent="0" algn="l" defTabSz="914400" rtl="0" eaLnBrk="1" fontAlgn="auto" latinLnBrk="0" hangingPunct="1">
+              <a:lnSpc>
+                <a:spcPct val="100000"/>
+              </a:lnSpc>
+              <a:spcBef>
+                <a:spcPts val="0"/>
+              </a:spcBef>
+              <a:spcAft>
+                <a:spcPts val="0"/>
+              </a:spcAft>
+              <a:buClrTx/>
+              <a:buSzTx/>
+              <a:buFontTx/>
+              <a:buNone/>
+              <a:tabLst/>
+              <a:defRPr/>
+            </a:pPr>
+            <a:r>
+              <a:rPr lang="es-AR" baseline="0" dirty="0" smtClean="0"/>
+              <a:t>Para los escenarios que mostraremos a continuación se ha tenido en cuenta ingresos provenientes de la publicidad y de la </a:t>
             </a:r>
             <a:r>
               <a:rPr lang="es-AR" baseline="0" dirty="0" err="1" smtClean="0"/>
-              <a:t>opcion</a:t>
-            </a:r>
-            <a:r>
-              <a:rPr lang="es-AR" baseline="0" dirty="0" smtClean="0"/>
-              <a:t>.</a:t>
-            </a:r>
-          </a:p>
-          <a:p>
-            <a:endParaRPr lang="es-AR" baseline="0" dirty="0" smtClean="0"/>
-          </a:p>
-          <a:p>
-            <a:r>
-              <a:rPr lang="es-AR" baseline="0" dirty="0" smtClean="0"/>
-              <a:t>En este gráfico se puede ver como la aplicación crecería fuertemente hasta el mes 11, llegando a los 100mil usuarios y finalmente iría disminuyendo su crecimiento a partir de ahí hasta estancarse en 160mil usuarios. </a:t>
-            </a:r>
-          </a:p>
-          <a:p>
-            <a:r>
-              <a:rPr lang="es-AR" baseline="0" dirty="0" smtClean="0"/>
-              <a:t>En lo referente la </a:t>
+              <a:t>version</a:t>
+            </a:r>
+            <a:r>
+              <a:rPr lang="es-AR" baseline="0" dirty="0" smtClean="0"/>
+              <a:t> paga:</a:t>
+            </a:r>
+          </a:p>
+          <a:p>
+            <a:pPr marL="0" marR="0" indent="0" algn="l" defTabSz="914400" rtl="0" eaLnBrk="1" fontAlgn="auto" latinLnBrk="0" hangingPunct="1">
+              <a:lnSpc>
+                <a:spcPct val="100000"/>
+              </a:lnSpc>
+              <a:spcBef>
+                <a:spcPts val="0"/>
+              </a:spcBef>
+              <a:spcAft>
+                <a:spcPts val="0"/>
+              </a:spcAft>
+              <a:buClrTx/>
+              <a:buSzTx/>
+              <a:buFontTx/>
+              <a:buNone/>
+              <a:tabLst/>
+              <a:defRPr/>
+            </a:pPr>
+            <a:r>
+              <a:rPr lang="es-AR" baseline="0" dirty="0" smtClean="0"/>
+              <a:t>la descarga de aplicación a 1 dólar (para la versión paga) los ingresos por </a:t>
             </a:r>
             <a:r>
               <a:rPr lang="es-AR" baseline="0" dirty="0" err="1" smtClean="0"/>
-              <a:t>variacion</a:t>
-            </a:r>
-            <a:r>
-              <a:rPr lang="es-AR" baseline="0" dirty="0" smtClean="0"/>
-              <a:t> de los ingresos, los mismas acompañan el crecimiento de la cantidad de usuarios, teniendo en el caso de la versión paga un crecimiento mas pronunciado mientras la aplicación este en plena expansión (casi 7k </a:t>
+              <a:t>google</a:t>
+            </a:r>
+            <a:r>
+              <a:rPr lang="es-AR" baseline="0" dirty="0" smtClean="0"/>
+              <a:t> </a:t>
             </a:r>
             <a:r>
               <a:rPr lang="es-AR" baseline="0" dirty="0" err="1" smtClean="0"/>
-              <a:t>dolares</a:t>
-            </a:r>
-            <a:r>
-              <a:rPr lang="es-AR" baseline="0" dirty="0" smtClean="0"/>
-              <a:t>). Finalmente ambos escenarios se estabilizarían luego de dos años entre 5800 y 7000</a:t>
-            </a:r>
-          </a:p>
-          <a:p>
-            <a:r>
-              <a:rPr lang="es-AR" baseline="0" dirty="0" smtClean="0"/>
-              <a:t>Los gastos para mantener la aplicación son entre el 19-21%, de acuerdo al escenario y otras variables. Para calcular los gastos, hemos tenido supuesto que almacenaremos la información en la nube y hemos calculado los precios basado en esto. Se han sumado el valor de almacenamiento, </a:t>
+              <a:t>Adds</a:t>
+            </a:r>
+            <a:r>
+              <a:rPr lang="es-AR" baseline="0" dirty="0" smtClean="0"/>
+              <a:t> en base a la cantidad de vistas y </a:t>
             </a:r>
             <a:r>
               <a:rPr lang="es-AR" baseline="0" dirty="0" err="1" smtClean="0"/>
-              <a:t>asi</a:t>
-            </a:r>
-            <a:r>
-              <a:rPr lang="es-AR" baseline="0" dirty="0" smtClean="0"/>
-              <a:t> como de transferencia de datos. Sobre estos puntos se entrará mas en detalle en la </a:t>
-            </a:r>
-            <a:r>
-              <a:rPr lang="es-AR" baseline="0" smtClean="0"/>
-              <a:t>explicación técnica.</a:t>
-            </a:r>
-            <a:endParaRPr lang="es-AR" baseline="0" dirty="0" smtClean="0"/>
-          </a:p>
-          <a:p>
-            <a:endParaRPr lang="es-AR" baseline="0" dirty="0" smtClean="0"/>
-          </a:p>
-          <a:p>
-            <a:r>
-              <a:rPr lang="es-AR" baseline="0" dirty="0" smtClean="0"/>
-              <a:t>Finalmente se puede concluir, que siendo este el peor escenario posible, teniendo en cuenta los precios mas bajos del mercado en lo referente a publicidad, sin considerar la </a:t>
+              <a:t>clicks</a:t>
+            </a:r>
+            <a:r>
+              <a:rPr lang="es-AR" baseline="0" dirty="0" smtClean="0"/>
+              <a:t>. Para esto último se ha considerado los valores más bajos del mercado, es decir, tan solo 15 (15-30)  centavos por </a:t>
             </a:r>
             <a:r>
               <a:rPr lang="es-AR" baseline="0" dirty="0" err="1" smtClean="0"/>
-              <a:t>expansion</a:t>
-            </a:r>
-            <a:r>
-              <a:rPr lang="es-AR" baseline="0" dirty="0" smtClean="0"/>
-              <a:t> del mercado de </a:t>
+              <a:t>clicks</a:t>
+            </a:r>
+            <a:r>
+              <a:rPr lang="es-AR" baseline="0" dirty="0" smtClean="0"/>
+              <a:t>, una probabilidad de </a:t>
             </a:r>
             <a:r>
               <a:rPr lang="es-AR" baseline="0" dirty="0" err="1" smtClean="0"/>
-              <a:t>smartphones</a:t>
-            </a:r>
-            <a:r>
-              <a:rPr lang="es-AR" baseline="0" dirty="0" smtClean="0"/>
-              <a:t> en un futuro y considerando tan solo una expansión del 3%, el negocio no daría perdidas y hasta estaría brindando un margen de ganancias.</a:t>
-            </a:r>
-          </a:p>
-          <a:p>
-            <a:r>
-              <a:rPr lang="es-AR" baseline="0" dirty="0" smtClean="0"/>
-              <a:t>Sin embargo, ahora nos podríamos preguntar, y si la aplicación es realmente un éxito y se expande a otros mercados con una captación mayor?</a:t>
-            </a:r>
+              <a:t>click</a:t>
+            </a:r>
+            <a:r>
+              <a:rPr lang="es-AR" baseline="0" dirty="0" smtClean="0"/>
+              <a:t> de 1,5% (1,5%-2,5%)  y 10 centavo por cada mil vistas.</a:t>
+            </a:r>
+          </a:p>
+          <a:p>
+            <a:endParaRPr lang="es-AR" dirty="0"/>
           </a:p>
         </p:txBody>
       </p:sp>
@@ -3534,7 +3441,7 @@
             <a:fld id="{5625E230-B123-43EB-B2A3-53965331BBB3}" type="slidenum">
               <a:rPr lang="es-AR" smtClean="0"/>
               <a:pPr/>
-              <a:t>12</a:t>
+              <a:t>11</a:t>
             </a:fld>
             <a:endParaRPr lang="es-AR"/>
           </a:p>
@@ -3543,7 +3450,7 @@
     </p:spTree>
     <p:extLst>
       <p:ext uri="{BB962C8B-B14F-4D97-AF65-F5344CB8AC3E}">
-        <p14:creationId xmlns:p14="http://schemas.microsoft.com/office/powerpoint/2010/main" val="3003342862"/>
+        <p14:creationId xmlns:p14="http://schemas.microsoft.com/office/powerpoint/2010/main" val="1057133531"/>
       </p:ext>
     </p:extLst>
   </p:cSld>
@@ -3810,393 +3717,130 @@
           <a:p>
             <a:r>
               <a:rPr lang="es-AR" dirty="0" smtClean="0"/>
-              <a:t>En ese escenario, hemos tomado los datos de una empresa</a:t>
-            </a:r>
-            <a:r>
-              <a:rPr lang="es-AR" baseline="0" dirty="0" smtClean="0"/>
-              <a:t> similar (como </a:t>
+              <a:t>En primer lugar, mostraremos el peor caso,</a:t>
+            </a:r>
+            <a:r>
+              <a:rPr lang="es-AR" baseline="0" dirty="0" smtClean="0"/>
+              <a:t> en el que el producto no se expanda fuera del país y que luego de 2 años se estanque en un 3% del mercado nacional. En ese caso, hemos considerado solo el mercado de </a:t>
             </a:r>
             <a:r>
               <a:rPr lang="es-AR" baseline="0" dirty="0" err="1" smtClean="0"/>
-              <a:t>Foursqare</a:t>
-            </a:r>
-            <a:r>
-              <a:rPr lang="es-AR" baseline="0" dirty="0" smtClean="0"/>
-              <a:t>) y su crecimiento en sus dos primeros años. Para quienes no conozcan esta compañía, la misma </a:t>
-            </a:r>
-            <a:r>
-              <a:rPr lang="es-AR" sz="1200" b="0" i="0" kern="1200" dirty="0" smtClean="0">
-                <a:solidFill>
-                  <a:schemeClr val="tx1"/>
-                </a:solidFill>
-                <a:effectLst/>
-                <a:latin typeface="+mn-lt"/>
-                <a:ea typeface="+mn-ea"/>
-                <a:cs typeface="+mn-cs"/>
-              </a:rPr>
-              <a:t>es un </a:t>
-            </a:r>
-            <a:r>
-              <a:rPr lang="es-AR" sz="1200" b="0" i="0" u="none" strike="noStrike" kern="1200" dirty="0" smtClean="0">
-                <a:solidFill>
-                  <a:schemeClr val="tx1"/>
-                </a:solidFill>
-                <a:effectLst/>
-                <a:latin typeface="+mn-lt"/>
-                <a:ea typeface="+mn-ea"/>
-                <a:cs typeface="+mn-cs"/>
-                <a:hlinkClick r:id="rId3" tooltip="Servicio basado en localización"/>
-              </a:rPr>
-              <a:t>servicio basado en localización</a:t>
-            </a:r>
-            <a:r>
-              <a:rPr lang="es-AR" sz="1200" b="0" i="0" kern="1200" dirty="0" smtClean="0">
-                <a:solidFill>
-                  <a:schemeClr val="tx1"/>
-                </a:solidFill>
-                <a:effectLst/>
-                <a:latin typeface="+mn-lt"/>
-                <a:ea typeface="+mn-ea"/>
-                <a:cs typeface="+mn-cs"/>
-              </a:rPr>
-              <a:t> web aplicada a las </a:t>
-            </a:r>
-            <a:r>
-              <a:rPr lang="es-AR" sz="1200" b="0" i="0" u="none" strike="noStrike" kern="1200" dirty="0" smtClean="0">
-                <a:solidFill>
-                  <a:schemeClr val="tx1"/>
-                </a:solidFill>
-                <a:effectLst/>
-                <a:latin typeface="+mn-lt"/>
-                <a:ea typeface="+mn-ea"/>
-                <a:cs typeface="+mn-cs"/>
-                <a:hlinkClick r:id="rId4" tooltip="Redes sociales"/>
-              </a:rPr>
-              <a:t>redes sociales</a:t>
-            </a:r>
-            <a:r>
-              <a:rPr lang="es-AR" sz="1200" b="0" i="0" kern="1200" dirty="0" smtClean="0">
-                <a:solidFill>
-                  <a:schemeClr val="tx1"/>
-                </a:solidFill>
-                <a:effectLst/>
-                <a:latin typeface="+mn-lt"/>
-                <a:ea typeface="+mn-ea"/>
-                <a:cs typeface="+mn-cs"/>
-              </a:rPr>
-              <a:t>. La </a:t>
-            </a:r>
-            <a:r>
-              <a:rPr lang="es-AR" sz="1200" b="0" i="0" kern="1200" dirty="0" err="1" smtClean="0">
-                <a:solidFill>
-                  <a:schemeClr val="tx1"/>
-                </a:solidFill>
-                <a:effectLst/>
-                <a:latin typeface="+mn-lt"/>
-                <a:ea typeface="+mn-ea"/>
-                <a:cs typeface="+mn-cs"/>
-              </a:rPr>
-              <a:t>geolocalización</a:t>
-            </a:r>
-            <a:r>
-              <a:rPr lang="es-AR" sz="1200" b="0" i="0" kern="1200" dirty="0" smtClean="0">
-                <a:solidFill>
-                  <a:schemeClr val="tx1"/>
-                </a:solidFill>
-                <a:effectLst/>
-                <a:latin typeface="+mn-lt"/>
-                <a:ea typeface="+mn-ea"/>
-                <a:cs typeface="+mn-cs"/>
-              </a:rPr>
-              <a:t> permite localizar un dispositivo fijo o móvil en una ubicación geográfica.</a:t>
-            </a:r>
-            <a:r>
-              <a:rPr lang="es-AR" sz="1200" b="0" i="0" kern="1200" baseline="0" dirty="0" smtClean="0">
-                <a:solidFill>
-                  <a:schemeClr val="tx1"/>
-                </a:solidFill>
-                <a:effectLst/>
-                <a:latin typeface="+mn-lt"/>
-                <a:ea typeface="+mn-ea"/>
-                <a:cs typeface="+mn-cs"/>
-              </a:rPr>
-              <a:t> Si bien es una aplicación exitosa, no es considerada como una aplicación especialmente </a:t>
-            </a:r>
-            <a:r>
-              <a:rPr lang="es-AR" sz="1200" b="0" i="0" kern="1200" baseline="0" dirty="0" err="1" smtClean="0">
-                <a:solidFill>
-                  <a:schemeClr val="tx1"/>
-                </a:solidFill>
-                <a:effectLst/>
-                <a:latin typeface="+mn-lt"/>
-                <a:ea typeface="+mn-ea"/>
-                <a:cs typeface="+mn-cs"/>
-              </a:rPr>
-              <a:t>virosica</a:t>
-            </a:r>
-            <a:r>
-              <a:rPr lang="es-AR" sz="1200" b="0" i="0" kern="1200" baseline="0" dirty="0" smtClean="0">
-                <a:solidFill>
-                  <a:schemeClr val="tx1"/>
-                </a:solidFill>
-                <a:effectLst/>
-                <a:latin typeface="+mn-lt"/>
-                <a:ea typeface="+mn-ea"/>
-                <a:cs typeface="+mn-cs"/>
-              </a:rPr>
-              <a:t> ni con un extremo furor. La misma alcanzo a los 2 años de su lanzamiento 8 millones de usuarios. </a:t>
-            </a:r>
-          </a:p>
-          <a:p>
-            <a:r>
-              <a:rPr lang="es-AR" sz="1200" b="0" i="0" kern="1200" baseline="0" dirty="0" smtClean="0">
-                <a:solidFill>
-                  <a:schemeClr val="tx1"/>
-                </a:solidFill>
-                <a:effectLst/>
-                <a:latin typeface="+mn-lt"/>
-                <a:ea typeface="+mn-ea"/>
-                <a:cs typeface="+mn-cs"/>
-              </a:rPr>
-              <a:t>Lo consiguió al expandirse en varias plataformas (a los 3 meses de su lanzamiento) así como en varias regiones (su </a:t>
-            </a:r>
-            <a:r>
-              <a:rPr lang="es-AR" sz="1200" b="0" i="0" kern="1200" baseline="0" dirty="0" err="1" smtClean="0">
-                <a:solidFill>
-                  <a:schemeClr val="tx1"/>
-                </a:solidFill>
-                <a:effectLst/>
-                <a:latin typeface="+mn-lt"/>
-                <a:ea typeface="+mn-ea"/>
-                <a:cs typeface="+mn-cs"/>
-              </a:rPr>
-              <a:t>aplicaciónes</a:t>
-            </a:r>
-            <a:r>
-              <a:rPr lang="es-AR" sz="1200" b="0" i="0" kern="1200" baseline="0" dirty="0" smtClean="0">
-                <a:solidFill>
-                  <a:schemeClr val="tx1"/>
-                </a:solidFill>
-                <a:effectLst/>
-                <a:latin typeface="+mn-lt"/>
-                <a:ea typeface="+mn-ea"/>
-                <a:cs typeface="+mn-cs"/>
-              </a:rPr>
-              <a:t> multilenguaje) (a los 6 meses). </a:t>
-            </a:r>
-          </a:p>
-          <a:p>
-            <a:r>
-              <a:rPr lang="es-AR" sz="1200" b="0" i="0" kern="1200" baseline="0" dirty="0" smtClean="0">
-                <a:solidFill>
-                  <a:schemeClr val="tx1"/>
-                </a:solidFill>
-                <a:effectLst/>
-                <a:latin typeface="+mn-lt"/>
-                <a:ea typeface="+mn-ea"/>
-                <a:cs typeface="+mn-cs"/>
-              </a:rPr>
-              <a:t>Si consideramos que nuestra aplicación tiene todas a favor para resultar aún mas exitosa que esta aplicación y suponiendo que se realiza el soporte necesarios para dar soporte a diversos lenguajes y plataformas, se </a:t>
-            </a:r>
-            <a:r>
-              <a:rPr lang="es-AR" sz="1200" b="0" i="0" kern="1200" baseline="0" dirty="0" err="1" smtClean="0">
-                <a:solidFill>
-                  <a:schemeClr val="tx1"/>
-                </a:solidFill>
-                <a:effectLst/>
-                <a:latin typeface="+mn-lt"/>
-                <a:ea typeface="+mn-ea"/>
-                <a:cs typeface="+mn-cs"/>
-              </a:rPr>
-              <a:t>podria</a:t>
-            </a:r>
-            <a:r>
-              <a:rPr lang="es-AR" sz="1200" b="0" i="0" kern="1200" baseline="0" dirty="0" smtClean="0">
-                <a:solidFill>
-                  <a:schemeClr val="tx1"/>
-                </a:solidFill>
-                <a:effectLst/>
-                <a:latin typeface="+mn-lt"/>
-                <a:ea typeface="+mn-ea"/>
-                <a:cs typeface="+mn-cs"/>
-              </a:rPr>
-              <a:t> alcanzar sin inconvenientes el mismo nivel de usuarios. </a:t>
-            </a:r>
-          </a:p>
-          <a:p>
-            <a:r>
-              <a:rPr lang="es-AR" sz="1200" b="0" i="0" kern="1200" baseline="0" dirty="0" smtClean="0">
-                <a:solidFill>
-                  <a:schemeClr val="tx1"/>
-                </a:solidFill>
-                <a:effectLst/>
-                <a:latin typeface="+mn-lt"/>
-                <a:ea typeface="+mn-ea"/>
-                <a:cs typeface="+mn-cs"/>
-              </a:rPr>
-              <a:t>En lo referente a ingresos, los mismos serían al alcanzar los 2 años de entre los 270k a 400k al mes, teniendo en cuenta los mismos precios para las publicidades que en el escenario anterior. </a:t>
-            </a:r>
-          </a:p>
-          <a:p>
-            <a:r>
-              <a:rPr lang="es-AR" sz="1200" b="0" i="0" kern="1200" baseline="0" dirty="0" smtClean="0">
-                <a:solidFill>
-                  <a:schemeClr val="tx1"/>
-                </a:solidFill>
-                <a:effectLst/>
-                <a:latin typeface="+mn-lt"/>
-                <a:ea typeface="+mn-ea"/>
-                <a:cs typeface="+mn-cs"/>
-              </a:rPr>
-              <a:t>EN lo referente a los gastos, los mismos serían proporcionalmente algo más elevados (entre el 21%-23%) ya que es necesario contar con un grupo de desarrolladores para mantener la actualización de la aplicación. Esto nos </a:t>
-            </a:r>
-            <a:r>
-              <a:rPr lang="es-AR" sz="1200" b="0" i="0" kern="1200" baseline="0" dirty="0" err="1" smtClean="0">
-                <a:solidFill>
-                  <a:schemeClr val="tx1"/>
-                </a:solidFill>
-                <a:effectLst/>
-                <a:latin typeface="+mn-lt"/>
-                <a:ea typeface="+mn-ea"/>
-                <a:cs typeface="+mn-cs"/>
-              </a:rPr>
-              <a:t>daria</a:t>
-            </a:r>
-            <a:r>
-              <a:rPr lang="es-AR" sz="1200" b="0" i="0" kern="1200" baseline="0" dirty="0" smtClean="0">
-                <a:solidFill>
-                  <a:schemeClr val="tx1"/>
-                </a:solidFill>
-                <a:effectLst/>
-                <a:latin typeface="+mn-lt"/>
-                <a:ea typeface="+mn-ea"/>
-                <a:cs typeface="+mn-cs"/>
-              </a:rPr>
-              <a:t> unas </a:t>
-            </a:r>
-            <a:r>
-              <a:rPr lang="es-AR" sz="1200" b="0" i="0" kern="1200" baseline="0" dirty="0" err="1" smtClean="0">
-                <a:solidFill>
-                  <a:schemeClr val="tx1"/>
-                </a:solidFill>
-                <a:effectLst/>
-                <a:latin typeface="+mn-lt"/>
-                <a:ea typeface="+mn-ea"/>
-                <a:cs typeface="+mn-cs"/>
-              </a:rPr>
-              <a:t>ganacias</a:t>
-            </a:r>
-            <a:r>
-              <a:rPr lang="es-AR" sz="1200" b="0" i="0" kern="1200" baseline="0" dirty="0" smtClean="0">
-                <a:solidFill>
-                  <a:schemeClr val="tx1"/>
-                </a:solidFill>
-                <a:effectLst/>
-                <a:latin typeface="+mn-lt"/>
-                <a:ea typeface="+mn-ea"/>
-                <a:cs typeface="+mn-cs"/>
-              </a:rPr>
-              <a:t> de aproximadamente 200 a 300k. Como pueden ver, un gran negocio. </a:t>
-            </a:r>
-          </a:p>
-          <a:p>
-            <a:r>
-              <a:rPr lang="es-AR" sz="1200" b="0" i="0" kern="1200" baseline="0" dirty="0" smtClean="0">
-                <a:solidFill>
-                  <a:schemeClr val="tx1"/>
-                </a:solidFill>
-                <a:effectLst/>
-                <a:latin typeface="+mn-lt"/>
-                <a:ea typeface="+mn-ea"/>
-                <a:cs typeface="+mn-cs"/>
-              </a:rPr>
-              <a:t>Un detalle de color que nos gustaría destacar es que a los 18 meses del lanzamiento, </a:t>
-            </a:r>
-            <a:r>
-              <a:rPr lang="es-AR" sz="1200" b="0" i="0" kern="1200" baseline="0" dirty="0" err="1" smtClean="0">
-                <a:solidFill>
-                  <a:schemeClr val="tx1"/>
-                </a:solidFill>
-                <a:effectLst/>
-                <a:latin typeface="+mn-lt"/>
-                <a:ea typeface="+mn-ea"/>
-                <a:cs typeface="+mn-cs"/>
-              </a:rPr>
-              <a:t>facebook</a:t>
-            </a:r>
-            <a:r>
-              <a:rPr lang="es-AR" sz="1200" b="0" i="0" kern="1200" baseline="0" dirty="0" smtClean="0">
-                <a:solidFill>
-                  <a:schemeClr val="tx1"/>
-                </a:solidFill>
-                <a:effectLst/>
-                <a:latin typeface="+mn-lt"/>
-                <a:ea typeface="+mn-ea"/>
-                <a:cs typeface="+mn-cs"/>
-              </a:rPr>
-              <a:t> lanzó una aplicación similar que como pueden ver afectó realmente poco el crecimiento de la aplicación.</a:t>
-            </a:r>
-          </a:p>
-          <a:p>
-            <a:r>
-              <a:rPr lang="es-AR" sz="1200" b="0" i="0" kern="1200" baseline="0" dirty="0" smtClean="0">
-                <a:solidFill>
-                  <a:schemeClr val="tx1"/>
-                </a:solidFill>
-                <a:effectLst/>
-                <a:latin typeface="+mn-lt"/>
-                <a:ea typeface="+mn-ea"/>
-                <a:cs typeface="+mn-cs"/>
-              </a:rPr>
-              <a:t>Finalmente un último detalle no menor es que la empresa </a:t>
-            </a:r>
-            <a:r>
-              <a:rPr lang="es-AR" sz="1200" b="0" i="0" kern="1200" baseline="0" dirty="0" err="1" smtClean="0">
-                <a:solidFill>
-                  <a:schemeClr val="tx1"/>
-                </a:solidFill>
-                <a:effectLst/>
-                <a:latin typeface="+mn-lt"/>
-                <a:ea typeface="+mn-ea"/>
-                <a:cs typeface="+mn-cs"/>
-              </a:rPr>
-              <a:t>Foursqare</a:t>
-            </a:r>
-            <a:r>
-              <a:rPr lang="es-AR" sz="1200" b="0" i="0" kern="1200" baseline="0" dirty="0" smtClean="0">
-                <a:solidFill>
-                  <a:schemeClr val="tx1"/>
-                </a:solidFill>
-                <a:effectLst/>
-                <a:latin typeface="+mn-lt"/>
-                <a:ea typeface="+mn-ea"/>
-                <a:cs typeface="+mn-cs"/>
-              </a:rPr>
-              <a:t> posee hoy en día (4 años después de su lanzamiento)  posee 30 millones de usuarios, realizando las cuentas bajo el mismo modelo, daría un ingreso de 1millon de </a:t>
-            </a:r>
-            <a:r>
-              <a:rPr lang="es-AR" sz="1200" b="0" i="0" kern="1200" baseline="0" dirty="0" err="1" smtClean="0">
-                <a:solidFill>
-                  <a:schemeClr val="tx1"/>
-                </a:solidFill>
-                <a:effectLst/>
-                <a:latin typeface="+mn-lt"/>
-                <a:ea typeface="+mn-ea"/>
-                <a:cs typeface="+mn-cs"/>
-              </a:rPr>
+              <a:t>android</a:t>
+            </a:r>
+            <a:r>
+              <a:rPr lang="es-AR" baseline="0" dirty="0" smtClean="0"/>
+              <a:t> y hemos tomado como patrón de crecimiento estadísticas de otras empresas conocidas. </a:t>
+            </a:r>
+          </a:p>
+          <a:p>
+            <a:r>
+              <a:rPr lang="es-AR" baseline="0" dirty="0" smtClean="0"/>
+              <a:t>Hemos generado dos escenarios posibles: uno que permite a los usuarios tener una versión paga (y sin publicidad) y otro sin esta opción. </a:t>
+            </a:r>
+            <a:r>
+              <a:rPr lang="es-AR" baseline="0" dirty="0" err="1" smtClean="0"/>
+              <a:t>Pára</a:t>
+            </a:r>
+            <a:r>
+              <a:rPr lang="es-AR" baseline="0" dirty="0" smtClean="0"/>
+              <a:t> calcular en el primer caso cuantos usuarios optarían por una versión paga, nos basamos en encuestas que nos devolvieron que el 10% de los usuarios </a:t>
+            </a:r>
+            <a:r>
+              <a:rPr lang="es-AR" baseline="0" dirty="0" err="1" smtClean="0"/>
+              <a:t>eligirían</a:t>
+            </a:r>
+            <a:r>
+              <a:rPr lang="es-AR" baseline="0" dirty="0" smtClean="0"/>
+              <a:t> esta </a:t>
+            </a:r>
+            <a:r>
+              <a:rPr lang="es-AR" baseline="0" dirty="0" err="1" smtClean="0"/>
+              <a:t>opcion</a:t>
+            </a:r>
+            <a:r>
+              <a:rPr lang="es-AR" baseline="0" dirty="0" smtClean="0"/>
+              <a:t>.</a:t>
+            </a:r>
+          </a:p>
+          <a:p>
+            <a:endParaRPr lang="es-AR" baseline="0" dirty="0" smtClean="0"/>
+          </a:p>
+          <a:p>
+            <a:r>
+              <a:rPr lang="es-AR" baseline="0" dirty="0" smtClean="0"/>
+              <a:t>En este gráfico se puede ver como la aplicación crecería fuertemente hasta el mes 11, llegando a los 100mil usuarios y finalmente iría disminuyendo su crecimiento a partir de ahí hasta estancarse en 160mil usuarios. </a:t>
+            </a:r>
+          </a:p>
+          <a:p>
+            <a:r>
+              <a:rPr lang="es-AR" baseline="0" dirty="0" smtClean="0"/>
+              <a:t>En lo referente la </a:t>
+            </a:r>
+            <a:r>
+              <a:rPr lang="es-AR" baseline="0" dirty="0" err="1" smtClean="0"/>
+              <a:t>variacion</a:t>
+            </a:r>
+            <a:r>
+              <a:rPr lang="es-AR" baseline="0" dirty="0" smtClean="0"/>
+              <a:t> de los ingresos, los mismas acompañan el crecimiento de la cantidad de usuarios, teniendo en el caso de la versión paga un crecimiento mas pronunciado mientras la aplicación este en plena expansión (casi 7k </a:t>
+            </a:r>
+            <a:r>
+              <a:rPr lang="es-AR" baseline="0" dirty="0" err="1" smtClean="0"/>
               <a:t>dolares</a:t>
             </a:r>
             <a:r>
-              <a:rPr lang="es-AR" sz="1200" b="0" i="0" kern="1200" baseline="0" dirty="0" smtClean="0">
-                <a:solidFill>
-                  <a:schemeClr val="tx1"/>
-                </a:solidFill>
-                <a:effectLst/>
-                <a:latin typeface="+mn-lt"/>
-                <a:ea typeface="+mn-ea"/>
-                <a:cs typeface="+mn-cs"/>
-              </a:rPr>
-              <a:t> al mes.</a:t>
+              <a:rPr lang="es-AR" baseline="0" dirty="0" smtClean="0"/>
+              <a:t>). Finalmente ambos escenarios se estabilizarían luego de dos años entre 5800 y 7000</a:t>
+            </a:r>
+          </a:p>
+          <a:p>
+            <a:r>
+              <a:rPr lang="es-AR" baseline="0" dirty="0" smtClean="0"/>
+              <a:t>Los gastos para mantener la aplicación son entre el 19-21%, de acuerdo al escenario y otras variables. Para calcular los gastos, hemos tenido supuesto que almacenaremos la información en la nube y hemos calculado los precios basado en esto. Se han sumado el valor de almacenamiento, </a:t>
+            </a:r>
+            <a:r>
+              <a:rPr lang="es-AR" baseline="0" dirty="0" err="1" smtClean="0"/>
+              <a:t>asi</a:t>
+            </a:r>
+            <a:r>
+              <a:rPr lang="es-AR" baseline="0" dirty="0" smtClean="0"/>
+              <a:t> como de transferencia de datos. Sobre estos puntos se entrará mas en detalle en la </a:t>
+            </a:r>
+            <a:r>
+              <a:rPr lang="es-AR" baseline="0" smtClean="0"/>
+              <a:t>explicación técnica.</a:t>
+            </a:r>
+            <a:endParaRPr lang="es-AR" baseline="0" dirty="0" smtClean="0"/>
+          </a:p>
+          <a:p>
+            <a:endParaRPr lang="es-AR" baseline="0" dirty="0" smtClean="0"/>
+          </a:p>
+          <a:p>
+            <a:r>
+              <a:rPr lang="es-AR" baseline="0" dirty="0" smtClean="0"/>
+              <a:t>Finalmente se puede concluir, que siendo este el peor escenario posible, teniendo en cuenta los precios mas bajos del mercado en lo referente a publicidad, sin considerar la </a:t>
+            </a:r>
+            <a:r>
+              <a:rPr lang="es-AR" baseline="0" dirty="0" err="1" smtClean="0"/>
+              <a:t>expansion</a:t>
+            </a:r>
+            <a:r>
+              <a:rPr lang="es-AR" baseline="0" dirty="0" smtClean="0"/>
+              <a:t> del mercado de </a:t>
+            </a:r>
+            <a:r>
+              <a:rPr lang="es-AR" baseline="0" dirty="0" err="1" smtClean="0"/>
+              <a:t>smartphones</a:t>
+            </a:r>
+            <a:r>
+              <a:rPr lang="es-AR" baseline="0" dirty="0" smtClean="0"/>
+              <a:t> en un futuro y considerando tan solo una expansión del 3%, el negocio no daría perdidas y hasta estaría brindando un margen de ganancias.</a:t>
+            </a:r>
+          </a:p>
+          <a:p>
+            <a:r>
+              <a:rPr lang="es-AR" baseline="0" dirty="0" smtClean="0"/>
+              <a:t>Sin embargo, ahora nos podríamos preguntar, y si la aplicación es realmente un éxito y se expande a otros mercados con una captación mayor?</a:t>
             </a:r>
           </a:p>
         </p:txBody>
@@ -4228,7 +3872,7 @@
     </p:spTree>
     <p:extLst>
       <p:ext uri="{BB962C8B-B14F-4D97-AF65-F5344CB8AC3E}">
-        <p14:creationId xmlns:p14="http://schemas.microsoft.com/office/powerpoint/2010/main" val="3000085410"/>
+        <p14:creationId xmlns:p14="http://schemas.microsoft.com/office/powerpoint/2010/main" val="3003342862"/>
       </p:ext>
     </p:extLst>
   </p:cSld>
@@ -4694,6 +4338,480 @@
               <a:rPr lang="es-AR" smtClean="0"/>
               <a:pPr/>
               <a:t>15</a:t>
+            </a:fld>
+            <a:endParaRPr lang="es-AR"/>
+          </a:p>
+        </p:txBody>
+      </p:sp>
+    </p:spTree>
+    <p:extLst>
+      <p:ext uri="{BB962C8B-B14F-4D97-AF65-F5344CB8AC3E}">
+        <p14:creationId xmlns:p14="http://schemas.microsoft.com/office/powerpoint/2010/main" val="3000085410"/>
+      </p:ext>
+    </p:extLst>
+  </p:cSld>
+  <p:clrMapOvr>
+    <a:masterClrMapping/>
+  </p:clrMapOvr>
+</p:notes>
+</file>
+
+<file path=ppt/notesSlides/notesSlide15.xml><?xml version="1.0" encoding="utf-8"?>
+<p:notes xmlns:a="http://schemas.openxmlformats.org/drawingml/2006/main" xmlns:r="http://schemas.openxmlformats.org/officeDocument/2006/relationships" xmlns:p="http://schemas.openxmlformats.org/presentationml/2006/main">
+  <p:cSld>
+    <p:spTree>
+      <p:nvGrpSpPr>
+        <p:cNvPr id="1" name=""/>
+        <p:cNvGrpSpPr/>
+        <p:nvPr/>
+      </p:nvGrpSpPr>
+      <p:grpSpPr>
+        <a:xfrm>
+          <a:off x="0" y="0"/>
+          <a:ext cx="0" cy="0"/>
+          <a:chOff x="0" y="0"/>
+          <a:chExt cx="0" cy="0"/>
+        </a:xfrm>
+      </p:grpSpPr>
+      <p:sp>
+        <p:nvSpPr>
+          <p:cNvPr id="2" name="Slide Image Placeholder 1"/>
+          <p:cNvSpPr>
+            <a:spLocks noGrp="1" noRot="1" noChangeAspect="1"/>
+          </p:cNvSpPr>
+          <p:nvPr>
+            <p:ph type="sldImg"/>
+          </p:nvPr>
+        </p:nvSpPr>
+        <p:spPr/>
+      </p:sp>
+      <p:sp>
+        <p:nvSpPr>
+          <p:cNvPr id="3" name="Notes Placeholder 2"/>
+          <p:cNvSpPr>
+            <a:spLocks noGrp="1"/>
+          </p:cNvSpPr>
+          <p:nvPr>
+            <p:ph type="body" idx="1"/>
+          </p:nvPr>
+        </p:nvSpPr>
+        <p:spPr/>
+        <p:txBody>
+          <a:bodyPr/>
+          <a:lstStyle/>
+          <a:p>
+            <a:r>
+              <a:rPr lang="es-AR" dirty="0" smtClean="0"/>
+              <a:t>En ese escenario, hemos tomado los datos de una empresa</a:t>
+            </a:r>
+            <a:r>
+              <a:rPr lang="es-AR" baseline="0" dirty="0" smtClean="0"/>
+              <a:t> similar (como </a:t>
+            </a:r>
+            <a:r>
+              <a:rPr lang="es-AR" baseline="0" dirty="0" err="1" smtClean="0"/>
+              <a:t>Foursqare</a:t>
+            </a:r>
+            <a:r>
+              <a:rPr lang="es-AR" baseline="0" dirty="0" smtClean="0"/>
+              <a:t>) y su crecimiento en sus dos primeros años. Para quienes no conozcan esta compañía, la misma </a:t>
+            </a:r>
+            <a:r>
+              <a:rPr lang="es-AR" sz="1200" b="0" i="0" kern="1200" dirty="0" smtClean="0">
+                <a:solidFill>
+                  <a:schemeClr val="tx1"/>
+                </a:solidFill>
+                <a:effectLst/>
+                <a:latin typeface="+mn-lt"/>
+                <a:ea typeface="+mn-ea"/>
+                <a:cs typeface="+mn-cs"/>
+              </a:rPr>
+              <a:t>es un </a:t>
+            </a:r>
+            <a:r>
+              <a:rPr lang="es-AR" sz="1200" b="0" i="0" u="none" strike="noStrike" kern="1200" dirty="0" smtClean="0">
+                <a:solidFill>
+                  <a:schemeClr val="tx1"/>
+                </a:solidFill>
+                <a:effectLst/>
+                <a:latin typeface="+mn-lt"/>
+                <a:ea typeface="+mn-ea"/>
+                <a:cs typeface="+mn-cs"/>
+                <a:hlinkClick r:id="rId3" tooltip="Servicio basado en localización"/>
+              </a:rPr>
+              <a:t>servicio basado en localización</a:t>
+            </a:r>
+            <a:r>
+              <a:rPr lang="es-AR" sz="1200" b="0" i="0" kern="1200" dirty="0" smtClean="0">
+                <a:solidFill>
+                  <a:schemeClr val="tx1"/>
+                </a:solidFill>
+                <a:effectLst/>
+                <a:latin typeface="+mn-lt"/>
+                <a:ea typeface="+mn-ea"/>
+                <a:cs typeface="+mn-cs"/>
+              </a:rPr>
+              <a:t> web aplicada a las </a:t>
+            </a:r>
+            <a:r>
+              <a:rPr lang="es-AR" sz="1200" b="0" i="0" u="none" strike="noStrike" kern="1200" dirty="0" smtClean="0">
+                <a:solidFill>
+                  <a:schemeClr val="tx1"/>
+                </a:solidFill>
+                <a:effectLst/>
+                <a:latin typeface="+mn-lt"/>
+                <a:ea typeface="+mn-ea"/>
+                <a:cs typeface="+mn-cs"/>
+                <a:hlinkClick r:id="rId4" tooltip="Redes sociales"/>
+              </a:rPr>
+              <a:t>redes sociales</a:t>
+            </a:r>
+            <a:r>
+              <a:rPr lang="es-AR" sz="1200" b="0" i="0" kern="1200" dirty="0" smtClean="0">
+                <a:solidFill>
+                  <a:schemeClr val="tx1"/>
+                </a:solidFill>
+                <a:effectLst/>
+                <a:latin typeface="+mn-lt"/>
+                <a:ea typeface="+mn-ea"/>
+                <a:cs typeface="+mn-cs"/>
+              </a:rPr>
+              <a:t>. La </a:t>
+            </a:r>
+            <a:r>
+              <a:rPr lang="es-AR" sz="1200" b="0" i="0" kern="1200" dirty="0" err="1" smtClean="0">
+                <a:solidFill>
+                  <a:schemeClr val="tx1"/>
+                </a:solidFill>
+                <a:effectLst/>
+                <a:latin typeface="+mn-lt"/>
+                <a:ea typeface="+mn-ea"/>
+                <a:cs typeface="+mn-cs"/>
+              </a:rPr>
+              <a:t>geolocalización</a:t>
+            </a:r>
+            <a:r>
+              <a:rPr lang="es-AR" sz="1200" b="0" i="0" kern="1200" dirty="0" smtClean="0">
+                <a:solidFill>
+                  <a:schemeClr val="tx1"/>
+                </a:solidFill>
+                <a:effectLst/>
+                <a:latin typeface="+mn-lt"/>
+                <a:ea typeface="+mn-ea"/>
+                <a:cs typeface="+mn-cs"/>
+              </a:rPr>
+              <a:t> permite localizar un dispositivo fijo o móvil en una ubicación geográfica.</a:t>
+            </a:r>
+            <a:r>
+              <a:rPr lang="es-AR" sz="1200" b="0" i="0" kern="1200" baseline="0" dirty="0" smtClean="0">
+                <a:solidFill>
+                  <a:schemeClr val="tx1"/>
+                </a:solidFill>
+                <a:effectLst/>
+                <a:latin typeface="+mn-lt"/>
+                <a:ea typeface="+mn-ea"/>
+                <a:cs typeface="+mn-cs"/>
+              </a:rPr>
+              <a:t> Si bien es una aplicación exitosa, no es considerada como una aplicación especialmente </a:t>
+            </a:r>
+            <a:r>
+              <a:rPr lang="es-AR" sz="1200" b="0" i="0" kern="1200" baseline="0" dirty="0" err="1" smtClean="0">
+                <a:solidFill>
+                  <a:schemeClr val="tx1"/>
+                </a:solidFill>
+                <a:effectLst/>
+                <a:latin typeface="+mn-lt"/>
+                <a:ea typeface="+mn-ea"/>
+                <a:cs typeface="+mn-cs"/>
+              </a:rPr>
+              <a:t>virosica</a:t>
+            </a:r>
+            <a:r>
+              <a:rPr lang="es-AR" sz="1200" b="0" i="0" kern="1200" baseline="0" dirty="0" smtClean="0">
+                <a:solidFill>
+                  <a:schemeClr val="tx1"/>
+                </a:solidFill>
+                <a:effectLst/>
+                <a:latin typeface="+mn-lt"/>
+                <a:ea typeface="+mn-ea"/>
+                <a:cs typeface="+mn-cs"/>
+              </a:rPr>
+              <a:t> ni con un extremo furor. La misma alcanzo a los 2 años de su lanzamiento 8 millones de usuarios. </a:t>
+            </a:r>
+          </a:p>
+          <a:p>
+            <a:r>
+              <a:rPr lang="es-AR" sz="1200" b="0" i="0" kern="1200" baseline="0" dirty="0" smtClean="0">
+                <a:solidFill>
+                  <a:schemeClr val="tx1"/>
+                </a:solidFill>
+                <a:effectLst/>
+                <a:latin typeface="+mn-lt"/>
+                <a:ea typeface="+mn-ea"/>
+                <a:cs typeface="+mn-cs"/>
+              </a:rPr>
+              <a:t>Lo consiguió al expandirse en varias plataformas (a los 3 meses de su lanzamiento) así como en varias regiones (su </a:t>
+            </a:r>
+            <a:r>
+              <a:rPr lang="es-AR" sz="1200" b="0" i="0" kern="1200" baseline="0" dirty="0" err="1" smtClean="0">
+                <a:solidFill>
+                  <a:schemeClr val="tx1"/>
+                </a:solidFill>
+                <a:effectLst/>
+                <a:latin typeface="+mn-lt"/>
+                <a:ea typeface="+mn-ea"/>
+                <a:cs typeface="+mn-cs"/>
+              </a:rPr>
+              <a:t>aplicaciónes</a:t>
+            </a:r>
+            <a:r>
+              <a:rPr lang="es-AR" sz="1200" b="0" i="0" kern="1200" baseline="0" dirty="0" smtClean="0">
+                <a:solidFill>
+                  <a:schemeClr val="tx1"/>
+                </a:solidFill>
+                <a:effectLst/>
+                <a:latin typeface="+mn-lt"/>
+                <a:ea typeface="+mn-ea"/>
+                <a:cs typeface="+mn-cs"/>
+              </a:rPr>
+              <a:t> multilenguaje) (a los 6 meses). </a:t>
+            </a:r>
+          </a:p>
+          <a:p>
+            <a:r>
+              <a:rPr lang="es-AR" sz="1200" b="0" i="0" kern="1200" baseline="0" dirty="0" smtClean="0">
+                <a:solidFill>
+                  <a:schemeClr val="tx1"/>
+                </a:solidFill>
+                <a:effectLst/>
+                <a:latin typeface="+mn-lt"/>
+                <a:ea typeface="+mn-ea"/>
+                <a:cs typeface="+mn-cs"/>
+              </a:rPr>
+              <a:t>Si consideramos que nuestra aplicación tiene todas a favor para resultar aún mas exitosa que esta aplicación y suponiendo que se realiza el soporte necesarios para dar soporte a diversos lenguajes y plataformas, se </a:t>
+            </a:r>
+            <a:r>
+              <a:rPr lang="es-AR" sz="1200" b="0" i="0" kern="1200" baseline="0" dirty="0" err="1" smtClean="0">
+                <a:solidFill>
+                  <a:schemeClr val="tx1"/>
+                </a:solidFill>
+                <a:effectLst/>
+                <a:latin typeface="+mn-lt"/>
+                <a:ea typeface="+mn-ea"/>
+                <a:cs typeface="+mn-cs"/>
+              </a:rPr>
+              <a:t>podria</a:t>
+            </a:r>
+            <a:r>
+              <a:rPr lang="es-AR" sz="1200" b="0" i="0" kern="1200" baseline="0" dirty="0" smtClean="0">
+                <a:solidFill>
+                  <a:schemeClr val="tx1"/>
+                </a:solidFill>
+                <a:effectLst/>
+                <a:latin typeface="+mn-lt"/>
+                <a:ea typeface="+mn-ea"/>
+                <a:cs typeface="+mn-cs"/>
+              </a:rPr>
+              <a:t> alcanzar sin inconvenientes el mismo nivel de usuarios. </a:t>
+            </a:r>
+          </a:p>
+          <a:p>
+            <a:r>
+              <a:rPr lang="es-AR" sz="1200" b="0" i="0" kern="1200" baseline="0" dirty="0" smtClean="0">
+                <a:solidFill>
+                  <a:schemeClr val="tx1"/>
+                </a:solidFill>
+                <a:effectLst/>
+                <a:latin typeface="+mn-lt"/>
+                <a:ea typeface="+mn-ea"/>
+                <a:cs typeface="+mn-cs"/>
+              </a:rPr>
+              <a:t>En lo referente a ingresos, los mismos serían al alcanzar los 2 años de entre los 270k a 400k al mes, teniendo en cuenta los mismos precios para las publicidades que en el escenario anterior. </a:t>
+            </a:r>
+          </a:p>
+          <a:p>
+            <a:r>
+              <a:rPr lang="es-AR" sz="1200" b="0" i="0" kern="1200" baseline="0" dirty="0" smtClean="0">
+                <a:solidFill>
+                  <a:schemeClr val="tx1"/>
+                </a:solidFill>
+                <a:effectLst/>
+                <a:latin typeface="+mn-lt"/>
+                <a:ea typeface="+mn-ea"/>
+                <a:cs typeface="+mn-cs"/>
+              </a:rPr>
+              <a:t>EN lo referente a los gastos, los mismos serían proporcionalmente algo más elevados (entre el 21%-23%) ya que es necesario contar con un grupo de desarrolladores para mantener la actualización de la aplicación. Esto nos </a:t>
+            </a:r>
+            <a:r>
+              <a:rPr lang="es-AR" sz="1200" b="0" i="0" kern="1200" baseline="0" dirty="0" err="1" smtClean="0">
+                <a:solidFill>
+                  <a:schemeClr val="tx1"/>
+                </a:solidFill>
+                <a:effectLst/>
+                <a:latin typeface="+mn-lt"/>
+                <a:ea typeface="+mn-ea"/>
+                <a:cs typeface="+mn-cs"/>
+              </a:rPr>
+              <a:t>daria</a:t>
+            </a:r>
+            <a:r>
+              <a:rPr lang="es-AR" sz="1200" b="0" i="0" kern="1200" baseline="0" dirty="0" smtClean="0">
+                <a:solidFill>
+                  <a:schemeClr val="tx1"/>
+                </a:solidFill>
+                <a:effectLst/>
+                <a:latin typeface="+mn-lt"/>
+                <a:ea typeface="+mn-ea"/>
+                <a:cs typeface="+mn-cs"/>
+              </a:rPr>
+              <a:t> unas </a:t>
+            </a:r>
+            <a:r>
+              <a:rPr lang="es-AR" sz="1200" b="0" i="0" kern="1200" baseline="0" dirty="0" err="1" smtClean="0">
+                <a:solidFill>
+                  <a:schemeClr val="tx1"/>
+                </a:solidFill>
+                <a:effectLst/>
+                <a:latin typeface="+mn-lt"/>
+                <a:ea typeface="+mn-ea"/>
+                <a:cs typeface="+mn-cs"/>
+              </a:rPr>
+              <a:t>ganacias</a:t>
+            </a:r>
+            <a:r>
+              <a:rPr lang="es-AR" sz="1200" b="0" i="0" kern="1200" baseline="0" dirty="0" smtClean="0">
+                <a:solidFill>
+                  <a:schemeClr val="tx1"/>
+                </a:solidFill>
+                <a:effectLst/>
+                <a:latin typeface="+mn-lt"/>
+                <a:ea typeface="+mn-ea"/>
+                <a:cs typeface="+mn-cs"/>
+              </a:rPr>
+              <a:t> de aproximadamente 200 a 300k. Como pueden ver, un gran negocio. </a:t>
+            </a:r>
+          </a:p>
+          <a:p>
+            <a:r>
+              <a:rPr lang="es-AR" sz="1200" b="0" i="0" kern="1200" baseline="0" dirty="0" smtClean="0">
+                <a:solidFill>
+                  <a:schemeClr val="tx1"/>
+                </a:solidFill>
+                <a:effectLst/>
+                <a:latin typeface="+mn-lt"/>
+                <a:ea typeface="+mn-ea"/>
+                <a:cs typeface="+mn-cs"/>
+              </a:rPr>
+              <a:t>Un detalle de color que nos gustaría destacar es que a los 18 meses del lanzamiento, </a:t>
+            </a:r>
+            <a:r>
+              <a:rPr lang="es-AR" sz="1200" b="0" i="0" kern="1200" baseline="0" dirty="0" err="1" smtClean="0">
+                <a:solidFill>
+                  <a:schemeClr val="tx1"/>
+                </a:solidFill>
+                <a:effectLst/>
+                <a:latin typeface="+mn-lt"/>
+                <a:ea typeface="+mn-ea"/>
+                <a:cs typeface="+mn-cs"/>
+              </a:rPr>
+              <a:t>facebook</a:t>
+            </a:r>
+            <a:r>
+              <a:rPr lang="es-AR" sz="1200" b="0" i="0" kern="1200" baseline="0" dirty="0" smtClean="0">
+                <a:solidFill>
+                  <a:schemeClr val="tx1"/>
+                </a:solidFill>
+                <a:effectLst/>
+                <a:latin typeface="+mn-lt"/>
+                <a:ea typeface="+mn-ea"/>
+                <a:cs typeface="+mn-cs"/>
+              </a:rPr>
+              <a:t> lanzó una aplicación similar que como pueden ver afectó realmente poco el crecimiento de la aplicación.</a:t>
+            </a:r>
+          </a:p>
+          <a:p>
+            <a:r>
+              <a:rPr lang="es-AR" sz="1200" b="0" i="0" kern="1200" baseline="0" dirty="0" smtClean="0">
+                <a:solidFill>
+                  <a:schemeClr val="tx1"/>
+                </a:solidFill>
+                <a:effectLst/>
+                <a:latin typeface="+mn-lt"/>
+                <a:ea typeface="+mn-ea"/>
+                <a:cs typeface="+mn-cs"/>
+              </a:rPr>
+              <a:t>Finalmente un último detalle no menor es que la empresa </a:t>
+            </a:r>
+            <a:r>
+              <a:rPr lang="es-AR" sz="1200" b="0" i="0" kern="1200" baseline="0" dirty="0" err="1" smtClean="0">
+                <a:solidFill>
+                  <a:schemeClr val="tx1"/>
+                </a:solidFill>
+                <a:effectLst/>
+                <a:latin typeface="+mn-lt"/>
+                <a:ea typeface="+mn-ea"/>
+                <a:cs typeface="+mn-cs"/>
+              </a:rPr>
+              <a:t>Foursqare</a:t>
+            </a:r>
+            <a:r>
+              <a:rPr lang="es-AR" sz="1200" b="0" i="0" kern="1200" baseline="0" dirty="0" smtClean="0">
+                <a:solidFill>
+                  <a:schemeClr val="tx1"/>
+                </a:solidFill>
+                <a:effectLst/>
+                <a:latin typeface="+mn-lt"/>
+                <a:ea typeface="+mn-ea"/>
+                <a:cs typeface="+mn-cs"/>
+              </a:rPr>
+              <a:t> posee hoy en día (4 años después de su lanzamiento)  posee 30 millones de usuarios, realizando las cuentas bajo el mismo modelo, daría un ingreso de 1millon de </a:t>
+            </a:r>
+            <a:r>
+              <a:rPr lang="es-AR" sz="1200" b="0" i="0" kern="1200" baseline="0" dirty="0" err="1" smtClean="0">
+                <a:solidFill>
+                  <a:schemeClr val="tx1"/>
+                </a:solidFill>
+                <a:effectLst/>
+                <a:latin typeface="+mn-lt"/>
+                <a:ea typeface="+mn-ea"/>
+                <a:cs typeface="+mn-cs"/>
+              </a:rPr>
+              <a:t>dolares</a:t>
+            </a:r>
+            <a:r>
+              <a:rPr lang="es-AR" sz="1200" b="0" i="0" kern="1200" baseline="0" dirty="0" smtClean="0">
+                <a:solidFill>
+                  <a:schemeClr val="tx1"/>
+                </a:solidFill>
+                <a:effectLst/>
+                <a:latin typeface="+mn-lt"/>
+                <a:ea typeface="+mn-ea"/>
+                <a:cs typeface="+mn-cs"/>
+              </a:rPr>
+              <a:t> al mes.</a:t>
+            </a:r>
+          </a:p>
+        </p:txBody>
+      </p:sp>
+      <p:sp>
+        <p:nvSpPr>
+          <p:cNvPr id="4" name="Slide Number Placeholder 3"/>
+          <p:cNvSpPr>
+            <a:spLocks noGrp="1"/>
+          </p:cNvSpPr>
+          <p:nvPr>
+            <p:ph type="sldNum" sz="quarter" idx="10"/>
+          </p:nvPr>
+        </p:nvSpPr>
+        <p:spPr/>
+        <p:txBody>
+          <a:bodyPr/>
+          <a:lstStyle/>
+          <a:p>
+            <a:fld id="{5625E230-B123-43EB-B2A3-53965331BBB3}" type="slidenum">
+              <a:rPr lang="es-AR" smtClean="0"/>
+              <a:pPr/>
+              <a:t>16</a:t>
             </a:fld>
             <a:endParaRPr lang="es-AR"/>
           </a:p>
@@ -4843,27 +4961,19 @@
           <a:p>
             <a:r>
               <a:rPr lang="es-AR" dirty="0" smtClean="0"/>
-              <a:t>El proyecto que venimos a mostrar</a:t>
-            </a:r>
-            <a:r>
-              <a:rPr lang="es-AR" baseline="0" dirty="0" smtClean="0"/>
-              <a:t> hoy resuelve una de las necesidades mas </a:t>
-            </a:r>
-            <a:r>
-              <a:rPr lang="es-AR" baseline="0" dirty="0" err="1" smtClean="0"/>
-              <a:t>basicas</a:t>
-            </a:r>
-            <a:r>
-              <a:rPr lang="es-AR" baseline="0" dirty="0" smtClean="0"/>
-              <a:t> y sin embargo mas </a:t>
-            </a:r>
-            <a:r>
-              <a:rPr lang="es-AR" baseline="0" dirty="0" err="1" smtClean="0"/>
-              <a:t>dificiles</a:t>
-            </a:r>
-            <a:r>
-              <a:rPr lang="es-AR" baseline="0" dirty="0" smtClean="0"/>
-              <a:t> de satisfacer en ciertas situaciones.</a:t>
+              <a:t>Somos un grupo de</a:t>
+            </a:r>
+            <a:r>
+              <a:rPr lang="es-AR" baseline="0" dirty="0" smtClean="0"/>
+              <a:t> estudiantes emprendedores proactivos del último año de la carrera de Ingeniería en Informática de la Universidad de Buenos Aires. </a:t>
+            </a:r>
+            <a:r>
+              <a:rPr lang="es-AR" dirty="0" smtClean="0"/>
+              <a:t>Nos</a:t>
+            </a:r>
+            <a:r>
+              <a:rPr lang="es-AR" baseline="0" dirty="0" smtClean="0"/>
+              <a:t> conocimos en la facultad y comenzamos a trabajar juntos en los distintos desafíos que nos proponía el desarrollo de la carrera. </a:t>
             </a:r>
           </a:p>
           <a:p>
@@ -4872,31 +4982,7 @@
           <a:p>
             <a:r>
               <a:rPr lang="es-AR" baseline="0" dirty="0" smtClean="0"/>
-              <a:t>Los invitamos a imaginar entonces la siguientes situaciones y llegar juntos a la misma idea que da origen a una </a:t>
-            </a:r>
-            <a:r>
-              <a:rPr lang="es-AR" baseline="0" dirty="0" err="1" smtClean="0"/>
-              <a:t>solucion</a:t>
-            </a:r>
-            <a:r>
-              <a:rPr lang="es-AR" baseline="0" dirty="0" smtClean="0"/>
-              <a:t> que cambia las reglas del juego. Imaginen que vamos a pasear con la familia a un lugar nuevo de la ciudad, o que nuestro trabajo demanda que nos movilicemos constantemente por la ciudad, o (extendámoslo, porque no?) que nos hemos ido de viaje por primera vez a Brasil. Todos estos escenarios </a:t>
-            </a:r>
-            <a:r>
-              <a:rPr lang="es-AR" baseline="0" dirty="0" err="1" smtClean="0"/>
-              <a:t>reunen</a:t>
-            </a:r>
-            <a:r>
-              <a:rPr lang="es-AR" baseline="0" dirty="0" smtClean="0"/>
-              <a:t> una </a:t>
-            </a:r>
-            <a:r>
-              <a:rPr lang="es-AR" baseline="0" dirty="0" err="1" smtClean="0"/>
-              <a:t>caracteristica</a:t>
-            </a:r>
-            <a:r>
-              <a:rPr lang="es-AR" baseline="0" dirty="0" smtClean="0"/>
-              <a:t> general, que es la falta de conocimiento del lugar mas haya de los puntos determinados donde sabemos que tenemos que ir. </a:t>
+              <a:t>Con la experiencia acumulada de trabajos anteriores, empezamos a encontrar una tendencia en la actualidad donde la tecnología es cada vez mas indispensable para la vida cotidiana. Estudiando, entendiendo, y viendo como este tipo de tecnología “social” es cada vez mas solicitada; encontramos que existen muchas necesidades sociales que no hay sido resueltas. </a:t>
             </a:r>
           </a:p>
           <a:p>
@@ -4905,47 +4991,7 @@
           <a:p>
             <a:r>
               <a:rPr lang="es-AR" baseline="0" dirty="0" smtClean="0"/>
-              <a:t>Ahora extendamos esta situaciones de lugares desconocidos, y </a:t>
-            </a:r>
-            <a:r>
-              <a:rPr lang="es-AR" baseline="0" dirty="0" err="1" smtClean="0"/>
-              <a:t>agregemosle</a:t>
-            </a:r>
-            <a:r>
-              <a:rPr lang="es-AR" baseline="0" dirty="0" smtClean="0"/>
-              <a:t> un factor determinante: Necesitamos encontrar un </a:t>
-            </a:r>
-            <a:r>
-              <a:rPr lang="es-AR" baseline="0" dirty="0" err="1" smtClean="0"/>
-              <a:t>banio</a:t>
-            </a:r>
-            <a:r>
-              <a:rPr lang="es-AR" baseline="0" dirty="0" smtClean="0"/>
-              <a:t> urgentemente. Que hacemos, y como lo resolvemos? Nos encontramos en un lugar donde tenemos poca y nula </a:t>
-            </a:r>
-            <a:r>
-              <a:rPr lang="es-AR" baseline="0" dirty="0" err="1" smtClean="0"/>
-              <a:t>informacion</a:t>
-            </a:r>
-            <a:r>
-              <a:rPr lang="es-AR" baseline="0" dirty="0" smtClean="0"/>
-              <a:t> al respecto. Lo mas probable, es que terminemos optando por la </a:t>
-            </a:r>
-            <a:r>
-              <a:rPr lang="es-AR" baseline="0" dirty="0" err="1" smtClean="0"/>
-              <a:t>opcion</a:t>
-            </a:r>
-            <a:r>
-              <a:rPr lang="es-AR" baseline="0" dirty="0" smtClean="0"/>
-              <a:t> que deben tener en sus cabezas en este momento, que es la de preguntar donde se encuentra la facilidad mas cercana. Esto, obviamente, si estamos en un lugar donde nos podamos hacer entender, porque si </a:t>
-            </a:r>
-            <a:r>
-              <a:rPr lang="es-AR" baseline="0" dirty="0" err="1" smtClean="0"/>
-              <a:t>estuviesemos</a:t>
-            </a:r>
-            <a:r>
-              <a:rPr lang="es-AR" baseline="0" dirty="0" smtClean="0"/>
-              <a:t> de viaje en otro lugar del mundo hacernos entender va a costarnos tiempo y eso es algo que muy posiblemente no tengamos al ser urgente.</a:t>
+              <a:t>A partir de esta idea es donde decidimos entonces crear nuestra propia empresa de desarrollo de aplicaciones para el usuario final, que resuelvan problemas específicos de necesidades sociales actuales.</a:t>
             </a:r>
           </a:p>
           <a:p>
@@ -4954,70 +5000,8 @@
           <a:p>
             <a:r>
               <a:rPr lang="es-AR" baseline="0" dirty="0" smtClean="0"/>
-              <a:t>Asumamos que logramos comunicarnos. Esto nos soluciona la emergencia, pero no siempre termina siendo una experiencia agradable dado que generalmente </a:t>
-            </a:r>
-            <a:r>
-              <a:rPr lang="es-AR" baseline="0" dirty="0" err="1" smtClean="0"/>
-              <a:t>seran</a:t>
-            </a:r>
-            <a:r>
-              <a:rPr lang="es-AR" baseline="0" dirty="0" smtClean="0"/>
-              <a:t> </a:t>
-            </a:r>
-            <a:r>
-              <a:rPr lang="es-AR" baseline="0" dirty="0" err="1" smtClean="0"/>
-              <a:t>banios</a:t>
-            </a:r>
-            <a:r>
-              <a:rPr lang="es-AR" baseline="0" dirty="0" smtClean="0"/>
-              <a:t> de estaciones de servicios o lugares de comida </a:t>
-            </a:r>
-            <a:r>
-              <a:rPr lang="es-AR" baseline="0" dirty="0" err="1" smtClean="0"/>
-              <a:t>rapida</a:t>
-            </a:r>
-            <a:r>
-              <a:rPr lang="es-AR" baseline="0" dirty="0" smtClean="0"/>
-              <a:t> que </a:t>
-            </a:r>
-            <a:r>
-              <a:rPr lang="es-AR" baseline="0" dirty="0" err="1" smtClean="0"/>
-              <a:t>quiza</a:t>
-            </a:r>
-            <a:r>
-              <a:rPr lang="es-AR" baseline="0" dirty="0" smtClean="0"/>
-              <a:t> no se encuentran en el mejor estado posible.</a:t>
-            </a:r>
-          </a:p>
-          <a:p>
-            <a:endParaRPr lang="es-AR" baseline="0" dirty="0" smtClean="0"/>
-          </a:p>
-          <a:p>
-            <a:r>
-              <a:rPr lang="es-AR" baseline="0" dirty="0" smtClean="0"/>
-              <a:t>Habiendo visto estas situaciones, habiendo hablado de cómo la </a:t>
-            </a:r>
-            <a:r>
-              <a:rPr lang="es-AR" baseline="0" dirty="0" err="1" smtClean="0"/>
-              <a:t>tecnologia</a:t>
-            </a:r>
-            <a:r>
-              <a:rPr lang="es-AR" baseline="0" dirty="0" smtClean="0"/>
-              <a:t> es parte de nuestras vidas diarias, los invito a pensar entonces como podemos tomar esta necesidad y solucionarla </a:t>
-            </a:r>
-            <a:r>
-              <a:rPr lang="es-AR" baseline="0" dirty="0" err="1" smtClean="0"/>
-              <a:t>aplicandole</a:t>
-            </a:r>
-            <a:r>
-              <a:rPr lang="es-AR" baseline="0" dirty="0" smtClean="0"/>
-              <a:t> </a:t>
-            </a:r>
-            <a:r>
-              <a:rPr lang="es-AR" baseline="0" dirty="0" err="1" smtClean="0"/>
-              <a:t>tecnologia</a:t>
-            </a:r>
-            <a:endParaRPr lang="es-AR" baseline="0" dirty="0" smtClean="0"/>
+              <a:t>Nuestra visión desde ese lugar, es entonces, lograr mejorar el día a día del usuario a través del uso de aplicaciones innovadoras, de última tecnología.</a:t>
+            </a:r>
           </a:p>
         </p:txBody>
       </p:sp>
@@ -5048,7 +5032,7 @@
     </p:spTree>
     <p:extLst>
       <p:ext uri="{BB962C8B-B14F-4D97-AF65-F5344CB8AC3E}">
-        <p14:creationId xmlns:p14="http://schemas.microsoft.com/office/powerpoint/2010/main" val="1052945588"/>
+        <p14:creationId xmlns:p14="http://schemas.microsoft.com/office/powerpoint/2010/main" val="2610191261"/>
       </p:ext>
     </p:extLst>
   </p:cSld>
@@ -5102,93 +5086,124 @@
           <a:bodyPr/>
           <a:lstStyle/>
           <a:p>
-            <a:pPr marL="0" marR="0" indent="0" algn="l" defTabSz="914400" rtl="0" eaLnBrk="1" fontAlgn="auto" latinLnBrk="0" hangingPunct="1">
-              <a:lnSpc>
-                <a:spcPct val="100000"/>
-              </a:lnSpc>
-              <a:spcBef>
-                <a:spcPts val="0"/>
-              </a:spcBef>
-              <a:spcAft>
-                <a:spcPts val="0"/>
-              </a:spcAft>
-              <a:buClrTx/>
-              <a:buSzTx/>
-              <a:buFontTx/>
-              <a:buNone/>
-              <a:tabLst/>
-              <a:defRPr/>
-            </a:pPr>
             <a:r>
               <a:rPr lang="es-AR" dirty="0" smtClean="0"/>
-              <a:t>Continuemos con la idea, y ahora pensemos en materia de</a:t>
-            </a:r>
-            <a:r>
-              <a:rPr lang="es-AR" baseline="0" dirty="0" smtClean="0"/>
-              <a:t> mercado. Cuanto uso se le pude dar a algo que solucione esta necesidad de manera </a:t>
+              <a:t>El proyecto que venimos a mostrar</a:t>
+            </a:r>
+            <a:r>
+              <a:rPr lang="es-AR" baseline="0" dirty="0" smtClean="0"/>
+              <a:t> hoy resuelve una de las necesidades mas </a:t>
             </a:r>
             <a:r>
               <a:rPr lang="es-AR" baseline="0" dirty="0" err="1" smtClean="0"/>
-              <a:t>tecnologica</a:t>
-            </a:r>
-            <a:r>
-              <a:rPr lang="es-AR" baseline="0" dirty="0" smtClean="0"/>
-              <a:t>? Que tanto impacto puede causar en las personas para que pueda ser utilizada?</a:t>
-            </a:r>
-          </a:p>
-          <a:p>
-            <a:pPr marL="0" marR="0" indent="0" algn="l" defTabSz="914400" rtl="0" eaLnBrk="1" fontAlgn="auto" latinLnBrk="0" hangingPunct="1">
-              <a:lnSpc>
-                <a:spcPct val="100000"/>
-              </a:lnSpc>
-              <a:spcBef>
-                <a:spcPts val="0"/>
-              </a:spcBef>
-              <a:spcAft>
-                <a:spcPts val="0"/>
-              </a:spcAft>
-              <a:buClrTx/>
-              <a:buSzTx/>
-              <a:buFontTx/>
-              <a:buNone/>
-              <a:tabLst/>
-              <a:defRPr/>
-            </a:pPr>
+              <a:t>basicas</a:t>
+            </a:r>
+            <a:r>
+              <a:rPr lang="es-AR" baseline="0" dirty="0" smtClean="0"/>
+              <a:t> y sin embargo mas </a:t>
+            </a:r>
+            <a:r>
+              <a:rPr lang="es-AR" baseline="0" dirty="0" err="1" smtClean="0"/>
+              <a:t>dificiles</a:t>
+            </a:r>
+            <a:r>
+              <a:rPr lang="es-AR" baseline="0" dirty="0" smtClean="0"/>
+              <a:t> de satisfacer en ciertas situaciones.</a:t>
+            </a:r>
+          </a:p>
+          <a:p>
             <a:endParaRPr lang="es-AR" baseline="0" dirty="0" smtClean="0"/>
           </a:p>
           <a:p>
-            <a:pPr marL="0" marR="0" indent="0" algn="l" defTabSz="914400" rtl="0" eaLnBrk="1" fontAlgn="auto" latinLnBrk="0" hangingPunct="1">
-              <a:lnSpc>
-                <a:spcPct val="100000"/>
-              </a:lnSpc>
-              <a:spcBef>
-                <a:spcPts val="0"/>
-              </a:spcBef>
-              <a:spcAft>
-                <a:spcPts val="0"/>
-              </a:spcAft>
-              <a:buClrTx/>
-              <a:buSzTx/>
-              <a:buFontTx/>
-              <a:buNone/>
-              <a:tabLst/>
-              <a:defRPr/>
-            </a:pPr>
-            <a:r>
-              <a:rPr lang="es-AR" baseline="0" dirty="0" smtClean="0"/>
-              <a:t>Si nos enfocamos en la actualidad, el mercado </a:t>
+            <a:r>
+              <a:rPr lang="es-AR" baseline="0" dirty="0" smtClean="0"/>
+              <a:t>Los invitamos a imaginar entonces la siguientes situaciones y llegar juntos a la misma idea que da origen a una </a:t>
             </a:r>
             <a:r>
               <a:rPr lang="es-AR" baseline="0" dirty="0" err="1" smtClean="0"/>
-              <a:t>mobile</a:t>
-            </a:r>
-            <a:r>
-              <a:rPr lang="es-AR" baseline="0" dirty="0" smtClean="0"/>
-              <a:t> se encuentra en una </a:t>
+              <a:t>solucion</a:t>
+            </a:r>
+            <a:r>
+              <a:rPr lang="es-AR" baseline="0" dirty="0" smtClean="0"/>
+              <a:t> que cambia las reglas del juego. Imaginen que vamos a pasear con la familia a un lugar nuevo de la ciudad, o que nuestro trabajo demanda que nos movilicemos constantemente por la ciudad, o (extendámoslo, porque no?) que nos hemos ido de viaje por primera vez a Brasil. Todos estos escenarios </a:t>
             </a:r>
             <a:r>
               <a:rPr lang="es-AR" baseline="0" dirty="0" err="1" smtClean="0"/>
-              <a:t>expansion</a:t>
+              <a:t>reunen</a:t>
+            </a:r>
+            <a:r>
+              <a:rPr lang="es-AR" baseline="0" dirty="0" smtClean="0"/>
+              <a:t> una </a:t>
+            </a:r>
+            <a:r>
+              <a:rPr lang="es-AR" baseline="0" dirty="0" err="1" smtClean="0"/>
+              <a:t>caracteristica</a:t>
+            </a:r>
+            <a:r>
+              <a:rPr lang="es-AR" baseline="0" dirty="0" smtClean="0"/>
+              <a:t> general, que es la falta de conocimiento del lugar mas haya de los puntos determinados donde sabemos que tenemos que ir. </a:t>
+            </a:r>
+          </a:p>
+          <a:p>
+            <a:endParaRPr lang="es-AR" baseline="0" dirty="0" smtClean="0"/>
+          </a:p>
+          <a:p>
+            <a:r>
+              <a:rPr lang="es-AR" baseline="0" dirty="0" smtClean="0"/>
+              <a:t>Ahora extendamos esta situaciones de lugares desconocidos, y </a:t>
+            </a:r>
+            <a:r>
+              <a:rPr lang="es-AR" baseline="0" dirty="0" err="1" smtClean="0"/>
+              <a:t>agregemosle</a:t>
+            </a:r>
+            <a:r>
+              <a:rPr lang="es-AR" baseline="0" dirty="0" smtClean="0"/>
+              <a:t> un factor determinante: Necesitamos encontrar un </a:t>
+            </a:r>
+            <a:r>
+              <a:rPr lang="es-AR" baseline="0" dirty="0" err="1" smtClean="0"/>
+              <a:t>banio</a:t>
+            </a:r>
+            <a:r>
+              <a:rPr lang="es-AR" baseline="0" dirty="0" smtClean="0"/>
+              <a:t> urgentemente. Que hacemos, y como lo resolvemos? Nos encontramos en un lugar donde tenemos poca y nula </a:t>
+            </a:r>
+            <a:r>
+              <a:rPr lang="es-AR" baseline="0" dirty="0" err="1" smtClean="0"/>
+              <a:t>informacion</a:t>
+            </a:r>
+            <a:r>
+              <a:rPr lang="es-AR" baseline="0" dirty="0" smtClean="0"/>
+              <a:t> al respecto. Lo mas probable, es que terminemos optando por la </a:t>
+            </a:r>
+            <a:r>
+              <a:rPr lang="es-AR" baseline="0" dirty="0" err="1" smtClean="0"/>
+              <a:t>opcion</a:t>
+            </a:r>
+            <a:r>
+              <a:rPr lang="es-AR" baseline="0" dirty="0" smtClean="0"/>
+              <a:t> que deben tener en sus cabezas en este momento, que es la de preguntar donde se encuentra la facilidad mas cercana. Esto, obviamente, si estamos en un lugar donde nos podamos hacer entender, porque si </a:t>
+            </a:r>
+            <a:r>
+              <a:rPr lang="es-AR" baseline="0" dirty="0" err="1" smtClean="0"/>
+              <a:t>estuviesemos</a:t>
+            </a:r>
+            <a:r>
+              <a:rPr lang="es-AR" baseline="0" dirty="0" smtClean="0"/>
+              <a:t> de viaje en otro lugar del mundo hacernos entender va a costarnos tiempo y eso es algo que muy posiblemente no tengamos al ser urgente.</a:t>
+            </a:r>
+          </a:p>
+          <a:p>
+            <a:endParaRPr lang="es-AR" baseline="0" dirty="0" smtClean="0"/>
+          </a:p>
+          <a:p>
+            <a:r>
+              <a:rPr lang="es-AR" baseline="0" dirty="0" smtClean="0"/>
+              <a:t>Asumamos que logramos comunicarnos. Esto nos soluciona la emergencia, pero no siempre termina siendo una experiencia agradable dado que generalmente </a:t>
+            </a:r>
+            <a:r>
+              <a:rPr lang="es-AR" baseline="0" dirty="0" err="1" smtClean="0"/>
+              <a:t>seran</a:t>
             </a:r>
             <a:r>
               <a:rPr lang="es-AR" baseline="0" dirty="0" smtClean="0"/>
@@ -5196,67 +5211,36 @@
             </a:r>
             <a:r>
               <a:rPr lang="es-AR" baseline="0" dirty="0" err="1" smtClean="0"/>
-              <a:t>tecnologica</a:t>
-            </a:r>
-            <a:r>
-              <a:rPr lang="es-AR" baseline="0" dirty="0" smtClean="0"/>
-              <a:t> nunca antes vista. En </a:t>
+              <a:t>banios</a:t>
+            </a:r>
+            <a:r>
+              <a:rPr lang="es-AR" baseline="0" dirty="0" smtClean="0"/>
+              <a:t> de estaciones de servicios o lugares de comida </a:t>
             </a:r>
             <a:r>
               <a:rPr lang="es-AR" baseline="0" dirty="0" err="1" smtClean="0"/>
-              <a:t>comparacion</a:t>
-            </a:r>
-            <a:r>
-              <a:rPr lang="es-AR" baseline="0" dirty="0" smtClean="0"/>
-              <a:t> con las </a:t>
+              <a:t>rapida</a:t>
+            </a:r>
+            <a:r>
+              <a:rPr lang="es-AR" baseline="0" dirty="0" smtClean="0"/>
+              <a:t> que </a:t>
             </a:r>
             <a:r>
               <a:rPr lang="es-AR" baseline="0" dirty="0" err="1" smtClean="0"/>
-              <a:t>tecnologias</a:t>
-            </a:r>
-            <a:r>
-              <a:rPr lang="es-AR" baseline="0" dirty="0" smtClean="0"/>
-              <a:t> que fueron apareciendo (</a:t>
-            </a:r>
-            <a:r>
-              <a:rPr lang="es-AR" baseline="0" dirty="0" err="1" smtClean="0"/>
-              <a:t>pc’s</a:t>
-            </a:r>
-            <a:r>
-              <a:rPr lang="es-AR" baseline="0" dirty="0" smtClean="0"/>
-              <a:t>, </a:t>
-            </a:r>
-            <a:r>
-              <a:rPr lang="es-AR" baseline="0" dirty="0" err="1" smtClean="0"/>
-              <a:t>notebooks</a:t>
-            </a:r>
-            <a:r>
-              <a:rPr lang="es-AR" baseline="0" dirty="0" smtClean="0"/>
-              <a:t>, </a:t>
-            </a:r>
-            <a:r>
-              <a:rPr lang="es-AR" baseline="0" dirty="0" err="1" smtClean="0"/>
-              <a:t>netbooks</a:t>
-            </a:r>
-            <a:r>
-              <a:rPr lang="es-AR" baseline="0" dirty="0" smtClean="0"/>
-              <a:t>, </a:t>
-            </a:r>
-            <a:r>
-              <a:rPr lang="es-AR" baseline="0" dirty="0" err="1" smtClean="0"/>
-              <a:t>tablets</a:t>
-            </a:r>
-            <a:r>
-              <a:rPr lang="es-AR" baseline="0" dirty="0" smtClean="0"/>
-              <a:t>, </a:t>
-            </a:r>
-            <a:r>
-              <a:rPr lang="es-AR" baseline="0" dirty="0" err="1" smtClean="0"/>
-              <a:t>etc</a:t>
-            </a:r>
-            <a:r>
-              <a:rPr lang="es-AR" baseline="0" dirty="0" smtClean="0"/>
-              <a:t>) es el mercado que mayor crecimiento anual posee, y tomando datos de [REFERENCIA] supera el resto de los mercados por un [%SUPERACION]. Claramente, se ve que el uso de este tipo de </a:t>
+              <a:t>quiza</a:t>
+            </a:r>
+            <a:r>
+              <a:rPr lang="es-AR" baseline="0" dirty="0" smtClean="0"/>
+              <a:t> no se encuentran en el mejor estado posible.</a:t>
+            </a:r>
+          </a:p>
+          <a:p>
+            <a:endParaRPr lang="es-AR" baseline="0" dirty="0" smtClean="0"/>
+          </a:p>
+          <a:p>
+            <a:r>
+              <a:rPr lang="es-AR" baseline="0" dirty="0" smtClean="0"/>
+              <a:t>Habiendo visto estas situaciones, habiendo hablado de cómo la </a:t>
             </a:r>
             <a:r>
               <a:rPr lang="es-AR" baseline="0" dirty="0" err="1" smtClean="0"/>
@@ -5264,299 +5248,20 @@
             </a:r>
             <a:r>
               <a:rPr lang="es-AR" baseline="0" dirty="0" smtClean="0"/>
-              <a:t> es la que se encuentra en la vida cotidiana de las personas. </a:t>
-            </a:r>
-          </a:p>
-          <a:p>
-            <a:pPr marL="0" marR="0" indent="0" algn="l" defTabSz="914400" rtl="0" eaLnBrk="1" fontAlgn="auto" latinLnBrk="0" hangingPunct="1">
-              <a:lnSpc>
-                <a:spcPct val="100000"/>
-              </a:lnSpc>
-              <a:spcBef>
-                <a:spcPts val="0"/>
-              </a:spcBef>
-              <a:spcAft>
-                <a:spcPts val="0"/>
-              </a:spcAft>
-              <a:buClrTx/>
-              <a:buSzTx/>
-              <a:buFontTx/>
-              <a:buNone/>
-              <a:tabLst/>
-              <a:defRPr/>
-            </a:pPr>
-            <a:endParaRPr lang="es-AR" baseline="0" dirty="0" smtClean="0"/>
-          </a:p>
-          <a:p>
-            <a:pPr marL="0" marR="0" indent="0" algn="l" defTabSz="914400" rtl="0" eaLnBrk="1" fontAlgn="auto" latinLnBrk="0" hangingPunct="1">
-              <a:lnSpc>
-                <a:spcPct val="100000"/>
-              </a:lnSpc>
-              <a:spcBef>
-                <a:spcPts val="0"/>
-              </a:spcBef>
-              <a:spcAft>
-                <a:spcPts val="0"/>
-              </a:spcAft>
-              <a:buClrTx/>
-              <a:buSzTx/>
-              <a:buFontTx/>
-              <a:buNone/>
-              <a:tabLst/>
-              <a:defRPr/>
-            </a:pPr>
-            <a:r>
-              <a:rPr lang="es-AR" baseline="0" dirty="0" smtClean="0"/>
-              <a:t>Como es que entonces crece tanto, y es tan utilizado este tipo de </a:t>
+              <a:t> es parte de nuestras vidas diarias, los invito a pensar entonces como podemos tomar esta necesidad y solucionarla </a:t>
+            </a:r>
+            <a:r>
+              <a:rPr lang="es-AR" baseline="0" dirty="0" err="1" smtClean="0"/>
+              <a:t>aplicandole</a:t>
+            </a:r>
+            <a:r>
+              <a:rPr lang="es-AR" baseline="0" dirty="0" smtClean="0"/>
+              <a:t> </a:t>
             </a:r>
             <a:r>
               <a:rPr lang="es-AR" baseline="0" dirty="0" err="1" smtClean="0"/>
               <a:t>tecnologia</a:t>
             </a:r>
-            <a:r>
-              <a:rPr lang="es-AR" baseline="0" dirty="0" smtClean="0"/>
-              <a:t>? La vida diaria de las personas ha sido modificada ampliamente con el uso del celular; ya no es un medio para recibir y contestar llamadas. Posee </a:t>
-            </a:r>
-            <a:r>
-              <a:rPr lang="es-AR" baseline="0" dirty="0" err="1" smtClean="0"/>
-              <a:t>caracteristicas</a:t>
-            </a:r>
-            <a:r>
-              <a:rPr lang="es-AR" baseline="0" dirty="0" smtClean="0"/>
-              <a:t> y aplicaciones que son utilizadas en sectores de </a:t>
-            </a:r>
-            <a:r>
-              <a:rPr lang="es-AR" baseline="0" dirty="0" err="1" smtClean="0"/>
-              <a:t>educacion</a:t>
-            </a:r>
-            <a:r>
-              <a:rPr lang="es-AR" baseline="0" dirty="0" smtClean="0"/>
-              <a:t>, en el trabajo, y en el uso cotidiano. A su vez, se ha convertido en un centro de entretenimientos </a:t>
-            </a:r>
-            <a:r>
-              <a:rPr lang="es-AR" baseline="0" dirty="0" err="1" smtClean="0"/>
-              <a:t>tambien</a:t>
-            </a:r>
-            <a:r>
-              <a:rPr lang="es-AR" baseline="0" dirty="0" smtClean="0"/>
-              <a:t>, con lo cual el mercado de uso atraviesa todas las edades y </a:t>
-            </a:r>
-            <a:r>
-              <a:rPr lang="es-AR" baseline="0" dirty="0" err="1" smtClean="0"/>
-              <a:t>caracteristicas</a:t>
-            </a:r>
-            <a:r>
-              <a:rPr lang="es-AR" baseline="0" dirty="0" smtClean="0"/>
-              <a:t> sociales.</a:t>
-            </a:r>
-          </a:p>
-          <a:p>
-            <a:pPr marL="0" marR="0" indent="0" algn="l" defTabSz="914400" rtl="0" eaLnBrk="1" fontAlgn="auto" latinLnBrk="0" hangingPunct="1">
-              <a:lnSpc>
-                <a:spcPct val="100000"/>
-              </a:lnSpc>
-              <a:spcBef>
-                <a:spcPts val="0"/>
-              </a:spcBef>
-              <a:spcAft>
-                <a:spcPts val="0"/>
-              </a:spcAft>
-              <a:buClrTx/>
-              <a:buSzTx/>
-              <a:buFontTx/>
-              <a:buNone/>
-              <a:tabLst/>
-              <a:defRPr/>
-            </a:pPr>
-            <a:endParaRPr lang="es-AR" dirty="0" smtClean="0"/>
-          </a:p>
-          <a:p>
-            <a:pPr marL="0" marR="0" indent="0" algn="l" defTabSz="914400" rtl="0" eaLnBrk="1" fontAlgn="auto" latinLnBrk="0" hangingPunct="1">
-              <a:lnSpc>
-                <a:spcPct val="100000"/>
-              </a:lnSpc>
-              <a:spcBef>
-                <a:spcPts val="0"/>
-              </a:spcBef>
-              <a:spcAft>
-                <a:spcPts val="0"/>
-              </a:spcAft>
-              <a:buClrTx/>
-              <a:buSzTx/>
-              <a:buFontTx/>
-              <a:buNone/>
-              <a:tabLst/>
-              <a:defRPr/>
-            </a:pPr>
-            <a:r>
-              <a:rPr lang="es-AR" dirty="0" smtClean="0"/>
-              <a:t>Entonces, habiendo visto como esta</a:t>
-            </a:r>
-            <a:r>
-              <a:rPr lang="es-AR" baseline="0" dirty="0" smtClean="0"/>
-              <a:t> </a:t>
-            </a:r>
-            <a:r>
-              <a:rPr lang="es-AR" baseline="0" dirty="0" err="1" smtClean="0"/>
-              <a:t>tecnologia</a:t>
-            </a:r>
-            <a:r>
-              <a:rPr lang="es-AR" baseline="0" dirty="0" smtClean="0"/>
-              <a:t> es la de mayor uso cotidiano, proponemos que sea el instrumento que </a:t>
-            </a:r>
-            <a:r>
-              <a:rPr lang="es-AR" baseline="0" dirty="0" err="1" smtClean="0"/>
-              <a:t>tambien</a:t>
-            </a:r>
-            <a:r>
-              <a:rPr lang="es-AR" baseline="0" dirty="0" smtClean="0"/>
-              <a:t> nos facilite la vida.</a:t>
-            </a:r>
-          </a:p>
-          <a:p>
-            <a:pPr marL="0" marR="0" indent="0" algn="l" defTabSz="914400" rtl="0" eaLnBrk="1" fontAlgn="auto" latinLnBrk="0" hangingPunct="1">
-              <a:lnSpc>
-                <a:spcPct val="100000"/>
-              </a:lnSpc>
-              <a:spcBef>
-                <a:spcPts val="0"/>
-              </a:spcBef>
-              <a:spcAft>
-                <a:spcPts val="0"/>
-              </a:spcAft>
-              <a:buClrTx/>
-              <a:buSzTx/>
-              <a:buFontTx/>
-              <a:buNone/>
-              <a:tabLst/>
-              <a:defRPr/>
-            </a:pPr>
-            <a:endParaRPr lang="es-AR" sz="1200" baseline="0" dirty="0" smtClean="0">
-              <a:effectLst/>
-            </a:endParaRPr>
-          </a:p>
-          <a:p>
-            <a:pPr marL="0" marR="0" indent="0" algn="l" defTabSz="914400" rtl="0" eaLnBrk="1" fontAlgn="auto" latinLnBrk="0" hangingPunct="1">
-              <a:lnSpc>
-                <a:spcPct val="100000"/>
-              </a:lnSpc>
-              <a:spcBef>
-                <a:spcPts val="0"/>
-              </a:spcBef>
-              <a:spcAft>
-                <a:spcPts val="0"/>
-              </a:spcAft>
-              <a:buClrTx/>
-              <a:buSzTx/>
-              <a:buFontTx/>
-              <a:buNone/>
-              <a:tabLst/>
-              <a:defRPr/>
-            </a:pPr>
-            <a:r>
-              <a:rPr lang="es-AR" sz="1200" baseline="0" dirty="0" smtClean="0">
-                <a:effectLst/>
-              </a:rPr>
-              <a:t>Que tipo de mercado </a:t>
-            </a:r>
-            <a:r>
-              <a:rPr lang="es-AR" sz="1200" baseline="0" dirty="0" err="1" smtClean="0">
-                <a:effectLst/>
-              </a:rPr>
-              <a:t>sera</a:t>
-            </a:r>
-            <a:r>
-              <a:rPr lang="es-AR" sz="1200" baseline="0" dirty="0" smtClean="0">
-                <a:effectLst/>
-              </a:rPr>
-              <a:t> el que utilice una aplicación que resuelva este tipo de necesidad? </a:t>
-            </a:r>
-            <a:r>
-              <a:rPr lang="es-AR" baseline="0" dirty="0" smtClean="0"/>
-              <a:t>Nuestro target es básicamente cualquier usuario de </a:t>
-            </a:r>
-            <a:r>
-              <a:rPr lang="es-AR" baseline="0" dirty="0" err="1" smtClean="0"/>
-              <a:t>smartphone</a:t>
-            </a:r>
-            <a:r>
-              <a:rPr lang="es-AR" baseline="0" dirty="0" smtClean="0"/>
-              <a:t>, y comprendemos que los mismos t</a:t>
-            </a:r>
-            <a:r>
-              <a:rPr lang="es-ES_tradnl" sz="1200" dirty="0" err="1" smtClean="0">
-                <a:effectLst/>
-              </a:rPr>
-              <a:t>ienen</a:t>
-            </a:r>
-            <a:r>
-              <a:rPr lang="es-ES_tradnl" sz="1200" dirty="0" smtClean="0">
-                <a:effectLst/>
-              </a:rPr>
-              <a:t> mayor uso entre los jóvenes, principales interesados</a:t>
-            </a:r>
-            <a:r>
-              <a:rPr lang="es-ES_tradnl" sz="1200" baseline="0" dirty="0" smtClean="0">
-                <a:effectLst/>
-              </a:rPr>
-              <a:t> en descargar y probar aplicaciones populares</a:t>
-            </a:r>
-            <a:r>
-              <a:rPr lang="es-ES_tradnl" sz="1200" dirty="0" smtClean="0">
-                <a:effectLst/>
-              </a:rPr>
-              <a:t>.</a:t>
-            </a:r>
-          </a:p>
-          <a:p>
-            <a:pPr algn="l"/>
-            <a:endParaRPr lang="es-AR" baseline="0" dirty="0" smtClean="0"/>
-          </a:p>
-          <a:p>
-            <a:pPr algn="l"/>
-            <a:r>
-              <a:rPr lang="es-AR" baseline="0" dirty="0" smtClean="0"/>
-              <a:t>Considerando que la idea soluciona una necesidad cotidiana, y que nunca antes se ha pensado en dicho problema combinado con la </a:t>
-            </a:r>
-            <a:r>
-              <a:rPr lang="es-AR" baseline="0" dirty="0" err="1" smtClean="0"/>
-              <a:t>tecnologia</a:t>
-            </a:r>
-            <a:r>
-              <a:rPr lang="es-AR" baseline="0" dirty="0" smtClean="0"/>
-              <a:t>, podemos asegurar entonces que es una idea innovadora que cambiara las reglas usuales de la sociedad; por lo tanto es de impacto alto, y posee una </a:t>
-            </a:r>
-            <a:r>
-              <a:rPr lang="es-AR" baseline="0" dirty="0" err="1" smtClean="0"/>
-              <a:t>expansion</a:t>
-            </a:r>
-            <a:r>
-              <a:rPr lang="es-AR" baseline="0" dirty="0" smtClean="0"/>
-              <a:t> viral con la </a:t>
-            </a:r>
-            <a:r>
-              <a:rPr lang="es-AR" baseline="0" dirty="0" err="1" smtClean="0"/>
-              <a:t>tecnologia</a:t>
-            </a:r>
-            <a:r>
-              <a:rPr lang="es-AR" baseline="0" dirty="0" smtClean="0"/>
-              <a:t> de hoy en </a:t>
-            </a:r>
-            <a:r>
-              <a:rPr lang="es-AR" baseline="0" dirty="0" err="1" smtClean="0"/>
-              <a:t>dia</a:t>
-            </a:r>
-            <a:r>
-              <a:rPr lang="es-AR" baseline="0" dirty="0" smtClean="0"/>
-              <a:t> (siendo que la misma puede ser por ejemplo publicitada en redes sociales)</a:t>
-            </a:r>
-          </a:p>
-          <a:p>
-            <a:pPr algn="l"/>
-            <a:endParaRPr lang="es-AR" baseline="0" dirty="0" smtClean="0"/>
-          </a:p>
-          <a:p>
-            <a:pPr algn="l"/>
             <a:endParaRPr lang="es-AR" baseline="0" dirty="0" smtClean="0"/>
           </a:p>
         </p:txBody>
@@ -5588,7 +5293,7 @@
     </p:spTree>
     <p:extLst>
       <p:ext uri="{BB962C8B-B14F-4D97-AF65-F5344CB8AC3E}">
-        <p14:creationId xmlns:p14="http://schemas.microsoft.com/office/powerpoint/2010/main" val="84732664"/>
+        <p14:creationId xmlns:p14="http://schemas.microsoft.com/office/powerpoint/2010/main" val="1052945588"/>
       </p:ext>
     </p:extLst>
   </p:cSld>
@@ -5642,21 +5347,161 @@
           <a:bodyPr/>
           <a:lstStyle/>
           <a:p>
+            <a:pPr marL="0" marR="0" indent="0" algn="l" defTabSz="914400" rtl="0" eaLnBrk="1" fontAlgn="auto" latinLnBrk="0" hangingPunct="1">
+              <a:lnSpc>
+                <a:spcPct val="100000"/>
+              </a:lnSpc>
+              <a:spcBef>
+                <a:spcPts val="0"/>
+              </a:spcBef>
+              <a:spcAft>
+                <a:spcPts val="0"/>
+              </a:spcAft>
+              <a:buClrTx/>
+              <a:buSzTx/>
+              <a:buFontTx/>
+              <a:buNone/>
+              <a:tabLst/>
+              <a:defRPr/>
+            </a:pPr>
             <a:r>
               <a:rPr lang="es-AR" dirty="0" smtClean="0"/>
-              <a:t>Llegamos entonces a la meta de </a:t>
-            </a:r>
-            <a:r>
-              <a:rPr lang="es-AR" dirty="0" err="1" smtClean="0"/>
-              <a:t>maduracion</a:t>
-            </a:r>
-            <a:r>
-              <a:rPr lang="es-AR" dirty="0" smtClean="0"/>
-              <a:t> de la idea. A esta altura tenemos planteada una necesidad diaria, y la idea de</a:t>
-            </a:r>
-            <a:r>
-              <a:rPr lang="es-AR" baseline="0" dirty="0" smtClean="0"/>
-              <a:t> solucionarla utilizando </a:t>
+              <a:t>Continuemos con la idea, y ahora pensemos en materia de</a:t>
+            </a:r>
+            <a:r>
+              <a:rPr lang="es-AR" baseline="0" dirty="0" smtClean="0"/>
+              <a:t> mercado. Cuanto uso se le pude dar a algo que solucione esta necesidad de manera </a:t>
+            </a:r>
+            <a:r>
+              <a:rPr lang="es-AR" baseline="0" dirty="0" err="1" smtClean="0"/>
+              <a:t>tecnologica</a:t>
+            </a:r>
+            <a:r>
+              <a:rPr lang="es-AR" baseline="0" dirty="0" smtClean="0"/>
+              <a:t>? Que tanto impacto puede causar en las personas para que pueda ser utilizada?</a:t>
+            </a:r>
+          </a:p>
+          <a:p>
+            <a:pPr marL="0" marR="0" indent="0" algn="l" defTabSz="914400" rtl="0" eaLnBrk="1" fontAlgn="auto" latinLnBrk="0" hangingPunct="1">
+              <a:lnSpc>
+                <a:spcPct val="100000"/>
+              </a:lnSpc>
+              <a:spcBef>
+                <a:spcPts val="0"/>
+              </a:spcBef>
+              <a:spcAft>
+                <a:spcPts val="0"/>
+              </a:spcAft>
+              <a:buClrTx/>
+              <a:buSzTx/>
+              <a:buFontTx/>
+              <a:buNone/>
+              <a:tabLst/>
+              <a:defRPr/>
+            </a:pPr>
+            <a:endParaRPr lang="es-AR" baseline="0" dirty="0" smtClean="0"/>
+          </a:p>
+          <a:p>
+            <a:pPr marL="0" marR="0" indent="0" algn="l" defTabSz="914400" rtl="0" eaLnBrk="1" fontAlgn="auto" latinLnBrk="0" hangingPunct="1">
+              <a:lnSpc>
+                <a:spcPct val="100000"/>
+              </a:lnSpc>
+              <a:spcBef>
+                <a:spcPts val="0"/>
+              </a:spcBef>
+              <a:spcAft>
+                <a:spcPts val="0"/>
+              </a:spcAft>
+              <a:buClrTx/>
+              <a:buSzTx/>
+              <a:buFontTx/>
+              <a:buNone/>
+              <a:tabLst/>
+              <a:defRPr/>
+            </a:pPr>
+            <a:r>
+              <a:rPr lang="es-AR" baseline="0" dirty="0" smtClean="0"/>
+              <a:t>Si nos enfocamos en la actualidad, el mercado </a:t>
+            </a:r>
+            <a:r>
+              <a:rPr lang="es-AR" baseline="0" dirty="0" err="1" smtClean="0"/>
+              <a:t>mobile</a:t>
+            </a:r>
+            <a:r>
+              <a:rPr lang="es-AR" baseline="0" dirty="0" smtClean="0"/>
+              <a:t> se encuentra en una </a:t>
+            </a:r>
+            <a:r>
+              <a:rPr lang="es-AR" baseline="0" dirty="0" err="1" smtClean="0"/>
+              <a:t>expansion</a:t>
+            </a:r>
+            <a:r>
+              <a:rPr lang="es-AR" baseline="0" dirty="0" smtClean="0"/>
+              <a:t> </a:t>
+            </a:r>
+            <a:r>
+              <a:rPr lang="es-AR" baseline="0" dirty="0" err="1" smtClean="0"/>
+              <a:t>tecnologica</a:t>
+            </a:r>
+            <a:r>
+              <a:rPr lang="es-AR" baseline="0" dirty="0" smtClean="0"/>
+              <a:t> nunca antes vista. En </a:t>
+            </a:r>
+            <a:r>
+              <a:rPr lang="es-AR" baseline="0" dirty="0" err="1" smtClean="0"/>
+              <a:t>comparacion</a:t>
+            </a:r>
+            <a:r>
+              <a:rPr lang="es-AR" baseline="0" dirty="0" smtClean="0"/>
+              <a:t> con las </a:t>
+            </a:r>
+            <a:r>
+              <a:rPr lang="es-AR" baseline="0" dirty="0" err="1" smtClean="0"/>
+              <a:t>tecnologias</a:t>
+            </a:r>
+            <a:r>
+              <a:rPr lang="es-AR" baseline="0" dirty="0" smtClean="0"/>
+              <a:t> que fueron apareciendo (</a:t>
+            </a:r>
+            <a:r>
+              <a:rPr lang="es-AR" baseline="0" dirty="0" err="1" smtClean="0"/>
+              <a:t>pc’s</a:t>
+            </a:r>
+            <a:r>
+              <a:rPr lang="es-AR" baseline="0" dirty="0" smtClean="0"/>
+              <a:t>, </a:t>
+            </a:r>
+            <a:r>
+              <a:rPr lang="es-AR" baseline="0" dirty="0" err="1" smtClean="0"/>
+              <a:t>notebooks</a:t>
+            </a:r>
+            <a:r>
+              <a:rPr lang="es-AR" baseline="0" dirty="0" smtClean="0"/>
+              <a:t>, </a:t>
+            </a:r>
+            <a:r>
+              <a:rPr lang="es-AR" baseline="0" dirty="0" err="1" smtClean="0"/>
+              <a:t>netbooks</a:t>
+            </a:r>
+            <a:r>
+              <a:rPr lang="es-AR" baseline="0" dirty="0" smtClean="0"/>
+              <a:t>, </a:t>
+            </a:r>
+            <a:r>
+              <a:rPr lang="es-AR" baseline="0" dirty="0" err="1" smtClean="0"/>
+              <a:t>tablets</a:t>
+            </a:r>
+            <a:r>
+              <a:rPr lang="es-AR" baseline="0" dirty="0" smtClean="0"/>
+              <a:t>, </a:t>
+            </a:r>
+            <a:r>
+              <a:rPr lang="es-AR" baseline="0" dirty="0" err="1" smtClean="0"/>
+              <a:t>etc</a:t>
+            </a:r>
+            <a:r>
+              <a:rPr lang="es-AR" baseline="0" dirty="0" smtClean="0"/>
+              <a:t>) es el mercado que mayor crecimiento anual posee, y tomando datos de [REFERENCIA] supera el resto de los mercados por un [%SUPERACION]. Claramente, se ve que el uso de este tipo de </a:t>
             </a:r>
             <a:r>
               <a:rPr lang="es-AR" baseline="0" dirty="0" err="1" smtClean="0"/>
@@ -5664,103 +5509,58 @@
             </a:r>
             <a:r>
               <a:rPr lang="es-AR" baseline="0" dirty="0" smtClean="0"/>
-              <a:t>, en este caso de tipo </a:t>
+              <a:t> es la que se encuentra en la vida cotidiana de las personas. </a:t>
+            </a:r>
+          </a:p>
+          <a:p>
+            <a:pPr marL="0" marR="0" indent="0" algn="l" defTabSz="914400" rtl="0" eaLnBrk="1" fontAlgn="auto" latinLnBrk="0" hangingPunct="1">
+              <a:lnSpc>
+                <a:spcPct val="100000"/>
+              </a:lnSpc>
+              <a:spcBef>
+                <a:spcPts val="0"/>
+              </a:spcBef>
+              <a:spcAft>
+                <a:spcPts val="0"/>
+              </a:spcAft>
+              <a:buClrTx/>
+              <a:buSzTx/>
+              <a:buFontTx/>
+              <a:buNone/>
+              <a:tabLst/>
+              <a:defRPr/>
+            </a:pPr>
+            <a:endParaRPr lang="es-AR" baseline="0" dirty="0" smtClean="0"/>
+          </a:p>
+          <a:p>
+            <a:pPr marL="0" marR="0" indent="0" algn="l" defTabSz="914400" rtl="0" eaLnBrk="1" fontAlgn="auto" latinLnBrk="0" hangingPunct="1">
+              <a:lnSpc>
+                <a:spcPct val="100000"/>
+              </a:lnSpc>
+              <a:spcBef>
+                <a:spcPts val="0"/>
+              </a:spcBef>
+              <a:spcAft>
+                <a:spcPts val="0"/>
+              </a:spcAft>
+              <a:buClrTx/>
+              <a:buSzTx/>
+              <a:buFontTx/>
+              <a:buNone/>
+              <a:tabLst/>
+              <a:defRPr/>
+            </a:pPr>
+            <a:r>
+              <a:rPr lang="es-AR" baseline="0" dirty="0" smtClean="0"/>
+              <a:t>Como es que entonces crece tanto, y es tan utilizado este tipo de </a:t>
             </a:r>
             <a:r>
               <a:rPr lang="es-AR" baseline="0" dirty="0" err="1" smtClean="0"/>
-              <a:t>mobile</a:t>
-            </a:r>
-            <a:r>
-              <a:rPr lang="es-AR" baseline="0" dirty="0" smtClean="0"/>
-              <a:t> por sus cualidades “sociales” y cotidianas.</a:t>
-            </a:r>
-          </a:p>
-          <a:p>
-            <a:r>
-              <a:rPr lang="es-AR" baseline="0" dirty="0" smtClean="0"/>
-              <a:t/>
-            </a:r>
-            <a:br>
-              <a:rPr lang="es-AR" baseline="0" dirty="0" smtClean="0"/>
-            </a:br>
-            <a:r>
-              <a:rPr lang="es-AR" baseline="0" dirty="0" smtClean="0"/>
-              <a:t>Por lo tanto, como vamos a resolverlo?</a:t>
-            </a:r>
-          </a:p>
-          <a:p>
-            <a:endParaRPr lang="es-AR" baseline="0" dirty="0" smtClean="0"/>
-          </a:p>
-          <a:p>
-            <a:r>
-              <a:rPr lang="es-AR" baseline="0" dirty="0" smtClean="0"/>
-              <a:t>Nuestro proyecto encara el desarrollo de una aplicación </a:t>
-            </a:r>
-            <a:r>
-              <a:rPr lang="es-AR" baseline="0" dirty="0" err="1" smtClean="0"/>
-              <a:t>mobile</a:t>
-            </a:r>
-            <a:r>
-              <a:rPr lang="es-AR" baseline="0" dirty="0" smtClean="0"/>
-              <a:t> para </a:t>
-            </a:r>
-            <a:r>
-              <a:rPr lang="es-AR" baseline="0" dirty="0" err="1" smtClean="0"/>
-              <a:t>localizacion</a:t>
-            </a:r>
-            <a:r>
-              <a:rPr lang="es-AR" baseline="0" dirty="0" smtClean="0"/>
-              <a:t> de </a:t>
-            </a:r>
-            <a:r>
-              <a:rPr lang="es-AR" baseline="0" dirty="0" err="1" smtClean="0"/>
-              <a:t>banios</a:t>
-            </a:r>
-            <a:r>
-              <a:rPr lang="es-AR" baseline="0" dirty="0" smtClean="0"/>
-              <a:t>. Como </a:t>
-            </a:r>
-            <a:r>
-              <a:rPr lang="es-AR" baseline="0" dirty="0" err="1" smtClean="0"/>
-              <a:t>caracteristica</a:t>
-            </a:r>
-            <a:r>
-              <a:rPr lang="es-AR" baseline="0" dirty="0" smtClean="0"/>
-              <a:t> principal, encuentra aquellas facilidades mas cercanas al lugar donde uno se encuentra.</a:t>
-            </a:r>
-          </a:p>
-          <a:p>
-            <a:endParaRPr lang="es-AR" baseline="0" dirty="0" smtClean="0"/>
-          </a:p>
-          <a:p>
-            <a:r>
-              <a:rPr lang="es-AR" baseline="0" dirty="0" smtClean="0"/>
-              <a:t>Que difiere esto de preguntarle a un desconocido en la calle?</a:t>
-            </a:r>
-          </a:p>
-          <a:p>
-            <a:endParaRPr lang="es-AR" baseline="0" dirty="0" smtClean="0"/>
-          </a:p>
-          <a:p>
-            <a:r>
-              <a:rPr lang="es-AR" baseline="0" dirty="0" smtClean="0"/>
-              <a:t>Rara vez alguien </a:t>
-            </a:r>
-            <a:r>
-              <a:rPr lang="es-AR" baseline="0" dirty="0" err="1" smtClean="0"/>
-              <a:t>podra</a:t>
-            </a:r>
-            <a:r>
-              <a:rPr lang="es-AR" baseline="0" dirty="0" smtClean="0"/>
-              <a:t> comentarnos </a:t>
-            </a:r>
-            <a:r>
-              <a:rPr lang="es-AR" baseline="0" dirty="0" err="1" smtClean="0"/>
-              <a:t>rapidamente</a:t>
-            </a:r>
-            <a:r>
-              <a:rPr lang="es-AR" baseline="0" dirty="0" smtClean="0"/>
-              <a:t> con que facilidades y </a:t>
+              <a:t>tecnologia</a:t>
+            </a:r>
+            <a:r>
+              <a:rPr lang="es-AR" baseline="0" dirty="0" smtClean="0"/>
+              <a:t>? La vida diaria de las personas ha sido modificada ampliamente con el uso del celular; ya no es un medio para recibir y contestar llamadas. Posee </a:t>
             </a:r>
             <a:r>
               <a:rPr lang="es-AR" baseline="0" dirty="0" err="1" smtClean="0"/>
@@ -5768,50 +5568,240 @@
             </a:r>
             <a:r>
               <a:rPr lang="es-AR" baseline="0" dirty="0" smtClean="0"/>
-              <a:t> cuenta el </a:t>
+              <a:t> y aplicaciones que son utilizadas en sectores de </a:t>
             </a:r>
             <a:r>
               <a:rPr lang="es-AR" baseline="0" dirty="0" err="1" smtClean="0"/>
-              <a:t>banio</a:t>
-            </a:r>
-            <a:r>
-              <a:rPr lang="es-AR" baseline="0" dirty="0" smtClean="0"/>
-              <a:t> para que podamos realizar un </a:t>
+              <a:t>educacion</a:t>
+            </a:r>
+            <a:r>
+              <a:rPr lang="es-AR" baseline="0" dirty="0" smtClean="0"/>
+              <a:t>, en el trabajo, y en el uso cotidiano. A su vez, se ha convertido en un centro de entretenimientos </a:t>
             </a:r>
             <a:r>
               <a:rPr lang="es-AR" baseline="0" dirty="0" err="1" smtClean="0"/>
-              <a:t>analisis</a:t>
-            </a:r>
-            <a:r>
-              <a:rPr lang="es-AR" baseline="0" dirty="0" smtClean="0"/>
-              <a:t> de si es el indicado o no. El producto que ofrecemos, posee la funcionalidad de detallarte de forma </a:t>
+              <a:t>tambien</a:t>
+            </a:r>
+            <a:r>
+              <a:rPr lang="es-AR" baseline="0" dirty="0" smtClean="0"/>
+              <a:t>, con lo cual el mercado de uso atraviesa todas las edades y </a:t>
             </a:r>
             <a:r>
               <a:rPr lang="es-AR" baseline="0" dirty="0" err="1" smtClean="0"/>
-              <a:t>minimal</a:t>
-            </a:r>
-            <a:r>
-              <a:rPr lang="es-AR" baseline="0" dirty="0" smtClean="0"/>
-              <a:t> para su </a:t>
+              <a:t>caracteristicas</a:t>
+            </a:r>
+            <a:r>
+              <a:rPr lang="es-AR" baseline="0" dirty="0" smtClean="0"/>
+              <a:t> sociales.</a:t>
+            </a:r>
+          </a:p>
+          <a:p>
+            <a:pPr marL="0" marR="0" indent="0" algn="l" defTabSz="914400" rtl="0" eaLnBrk="1" fontAlgn="auto" latinLnBrk="0" hangingPunct="1">
+              <a:lnSpc>
+                <a:spcPct val="100000"/>
+              </a:lnSpc>
+              <a:spcBef>
+                <a:spcPts val="0"/>
+              </a:spcBef>
+              <a:spcAft>
+                <a:spcPts val="0"/>
+              </a:spcAft>
+              <a:buClrTx/>
+              <a:buSzTx/>
+              <a:buFontTx/>
+              <a:buNone/>
+              <a:tabLst/>
+              <a:defRPr/>
+            </a:pPr>
+            <a:endParaRPr lang="es-AR" dirty="0" smtClean="0"/>
+          </a:p>
+          <a:p>
+            <a:pPr marL="0" marR="0" indent="0" algn="l" defTabSz="914400" rtl="0" eaLnBrk="1" fontAlgn="auto" latinLnBrk="0" hangingPunct="1">
+              <a:lnSpc>
+                <a:spcPct val="100000"/>
+              </a:lnSpc>
+              <a:spcBef>
+                <a:spcPts val="0"/>
+              </a:spcBef>
+              <a:spcAft>
+                <a:spcPts val="0"/>
+              </a:spcAft>
+              <a:buClrTx/>
+              <a:buSzTx/>
+              <a:buFontTx/>
+              <a:buNone/>
+              <a:tabLst/>
+              <a:defRPr/>
+            </a:pPr>
+            <a:r>
+              <a:rPr lang="es-AR" dirty="0" smtClean="0"/>
+              <a:t>Entonces, habiendo visto como esta</a:t>
+            </a:r>
+            <a:r>
+              <a:rPr lang="es-AR" baseline="0" dirty="0" smtClean="0"/>
+              <a:t> </a:t>
             </a:r>
             <a:r>
               <a:rPr lang="es-AR" baseline="0" dirty="0" err="1" smtClean="0"/>
-              <a:t>rapida</a:t>
-            </a:r>
-            <a:r>
-              <a:rPr lang="es-AR" baseline="0" dirty="0" smtClean="0"/>
-              <a:t> </a:t>
+              <a:t>tecnologia</a:t>
+            </a:r>
+            <a:r>
+              <a:rPr lang="es-AR" baseline="0" dirty="0" smtClean="0"/>
+              <a:t> es la de mayor uso cotidiano, proponemos que sea el instrumento que </a:t>
             </a:r>
             <a:r>
               <a:rPr lang="es-AR" baseline="0" dirty="0" err="1" smtClean="0"/>
-              <a:t>comprension</a:t>
-            </a:r>
-            <a:r>
-              <a:rPr lang="es-AR" baseline="0" dirty="0" smtClean="0"/>
-              <a:t>, todo aquello que una persona pudiese estar interesado para decidir al utilizar un sanitario; como por ejemplo si es limpio el sanitario, si posee cambiador de bebes, si es apto para discapacitados, etc.</a:t>
-            </a:r>
-          </a:p>
-          <a:p>
+              <a:t>tambien</a:t>
+            </a:r>
+            <a:r>
+              <a:rPr lang="es-AR" baseline="0" dirty="0" smtClean="0"/>
+              <a:t> nos facilite la vida.</a:t>
+            </a:r>
+          </a:p>
+          <a:p>
+            <a:pPr marL="0" marR="0" indent="0" algn="l" defTabSz="914400" rtl="0" eaLnBrk="1" fontAlgn="auto" latinLnBrk="0" hangingPunct="1">
+              <a:lnSpc>
+                <a:spcPct val="100000"/>
+              </a:lnSpc>
+              <a:spcBef>
+                <a:spcPts val="0"/>
+              </a:spcBef>
+              <a:spcAft>
+                <a:spcPts val="0"/>
+              </a:spcAft>
+              <a:buClrTx/>
+              <a:buSzTx/>
+              <a:buFontTx/>
+              <a:buNone/>
+              <a:tabLst/>
+              <a:defRPr/>
+            </a:pPr>
+            <a:endParaRPr lang="es-AR" sz="1200" baseline="0" dirty="0" smtClean="0">
+              <a:effectLst/>
+            </a:endParaRPr>
+          </a:p>
+          <a:p>
+            <a:pPr marL="0" marR="0" indent="0" algn="l" defTabSz="914400" rtl="0" eaLnBrk="1" fontAlgn="auto" latinLnBrk="0" hangingPunct="1">
+              <a:lnSpc>
+                <a:spcPct val="100000"/>
+              </a:lnSpc>
+              <a:spcBef>
+                <a:spcPts val="0"/>
+              </a:spcBef>
+              <a:spcAft>
+                <a:spcPts val="0"/>
+              </a:spcAft>
+              <a:buClrTx/>
+              <a:buSzTx/>
+              <a:buFontTx/>
+              <a:buNone/>
+              <a:tabLst/>
+              <a:defRPr/>
+            </a:pPr>
+            <a:r>
+              <a:rPr lang="es-AR" sz="1200" baseline="0" dirty="0" smtClean="0">
+                <a:effectLst/>
+              </a:rPr>
+              <a:t>Que tipo de mercado </a:t>
+            </a:r>
+            <a:r>
+              <a:rPr lang="es-AR" sz="1200" baseline="0" dirty="0" err="1" smtClean="0">
+                <a:effectLst/>
+              </a:rPr>
+              <a:t>sera</a:t>
+            </a:r>
+            <a:r>
+              <a:rPr lang="es-AR" sz="1200" baseline="0" dirty="0" smtClean="0">
+                <a:effectLst/>
+              </a:rPr>
+              <a:t> el que utilice una aplicación que resuelva este tipo de necesidad? </a:t>
+            </a:r>
+            <a:r>
+              <a:rPr lang="es-AR" baseline="0" dirty="0" smtClean="0"/>
+              <a:t>Nuestro target es básicamente cualquier usuario de </a:t>
+            </a:r>
+            <a:r>
+              <a:rPr lang="es-AR" baseline="0" dirty="0" err="1" smtClean="0"/>
+              <a:t>smartphone</a:t>
+            </a:r>
+            <a:r>
+              <a:rPr lang="es-AR" baseline="0" dirty="0" smtClean="0"/>
+              <a:t>, y comprendemos que los mismos t</a:t>
+            </a:r>
+            <a:r>
+              <a:rPr lang="es-ES_tradnl" sz="1200" dirty="0" err="1" smtClean="0">
+                <a:effectLst/>
+              </a:rPr>
+              <a:t>ienen</a:t>
+            </a:r>
+            <a:r>
+              <a:rPr lang="es-ES_tradnl" sz="1200" dirty="0" smtClean="0">
+                <a:effectLst/>
+              </a:rPr>
+              <a:t> mayor uso entre los jóvenes, principales interesados</a:t>
+            </a:r>
+            <a:r>
+              <a:rPr lang="es-ES_tradnl" sz="1200" baseline="0" dirty="0" smtClean="0">
+                <a:effectLst/>
+              </a:rPr>
+              <a:t> en descargar y probar aplicaciones populares</a:t>
+            </a:r>
+            <a:r>
+              <a:rPr lang="es-ES_tradnl" sz="1200" dirty="0" smtClean="0">
+                <a:effectLst/>
+              </a:rPr>
+              <a:t>.</a:t>
+            </a:r>
+          </a:p>
+          <a:p>
+            <a:pPr algn="l"/>
+            <a:endParaRPr lang="es-AR" baseline="0" dirty="0" smtClean="0"/>
+          </a:p>
+          <a:p>
+            <a:pPr algn="l"/>
+            <a:r>
+              <a:rPr lang="es-AR" baseline="0" dirty="0" smtClean="0"/>
+              <a:t>Considerando que la idea soluciona una necesidad cotidiana, y que nunca antes se ha pensado en dicho problema combinado con la </a:t>
+            </a:r>
+            <a:r>
+              <a:rPr lang="es-AR" baseline="0" dirty="0" err="1" smtClean="0"/>
+              <a:t>tecnologia</a:t>
+            </a:r>
+            <a:r>
+              <a:rPr lang="es-AR" baseline="0" dirty="0" smtClean="0"/>
+              <a:t>, podemos asegurar entonces que es una idea innovadora que cambiara las reglas usuales de la sociedad; por lo tanto es de impacto alto, y posee una </a:t>
+            </a:r>
+            <a:r>
+              <a:rPr lang="es-AR" baseline="0" dirty="0" err="1" smtClean="0"/>
+              <a:t>expansion</a:t>
+            </a:r>
+            <a:r>
+              <a:rPr lang="es-AR" baseline="0" dirty="0" smtClean="0"/>
+              <a:t> viral con la </a:t>
+            </a:r>
+            <a:r>
+              <a:rPr lang="es-AR" baseline="0" dirty="0" err="1" smtClean="0"/>
+              <a:t>tecnologia</a:t>
+            </a:r>
+            <a:r>
+              <a:rPr lang="es-AR" baseline="0" dirty="0" smtClean="0"/>
+              <a:t> de hoy en </a:t>
+            </a:r>
+            <a:r>
+              <a:rPr lang="es-AR" baseline="0" dirty="0" err="1" smtClean="0"/>
+              <a:t>dia</a:t>
+            </a:r>
+            <a:r>
+              <a:rPr lang="es-AR" baseline="0" dirty="0" smtClean="0"/>
+              <a:t> (siendo que la misma puede ser por ejemplo publicitada en redes sociales)</a:t>
+            </a:r>
+          </a:p>
+          <a:p>
+            <a:pPr algn="l"/>
+            <a:endParaRPr lang="es-AR" baseline="0" dirty="0" smtClean="0"/>
+          </a:p>
+          <a:p>
+            <a:pPr algn="l"/>
             <a:endParaRPr lang="es-AR" baseline="0" dirty="0" smtClean="0"/>
           </a:p>
         </p:txBody>
@@ -5843,7 +5833,7 @@
     </p:spTree>
     <p:extLst>
       <p:ext uri="{BB962C8B-B14F-4D97-AF65-F5344CB8AC3E}">
-        <p14:creationId xmlns:p14="http://schemas.microsoft.com/office/powerpoint/2010/main" val="3325332095"/>
+        <p14:creationId xmlns:p14="http://schemas.microsoft.com/office/powerpoint/2010/main" val="84732664"/>
       </p:ext>
     </p:extLst>
   </p:cSld>
@@ -5899,59 +5889,175 @@
           <a:p>
             <a:r>
               <a:rPr lang="es-AR" dirty="0" smtClean="0"/>
-              <a:t>La aplicación que proponemos permite contar con todas estas prestaciones que mostramos.</a:t>
-            </a:r>
-          </a:p>
-          <a:p>
+              <a:t>Llegamos entonces a la meta de </a:t>
+            </a:r>
+            <a:r>
+              <a:rPr lang="es-AR" dirty="0" err="1" smtClean="0"/>
+              <a:t>maduracion</a:t>
+            </a:r>
             <a:r>
               <a:rPr lang="es-AR" dirty="0" smtClean="0"/>
-              <a:t>Tendremos</a:t>
-            </a:r>
-            <a:r>
-              <a:rPr lang="es-AR" baseline="0" dirty="0" smtClean="0"/>
-              <a:t> en principio dos tipos de versiones para la aplicación.</a:t>
-            </a:r>
-          </a:p>
-          <a:p>
-            <a:r>
-              <a:rPr lang="es-AR" baseline="0" dirty="0" smtClean="0"/>
-              <a:t>Una versión gratuita que cuenta con todos estos servicios, es decir un usuario entrará al </a:t>
+              <a:t> de la idea. A esta altura tenemos planteada una necesidad diaria, y la idea de</a:t>
+            </a:r>
+            <a:r>
+              <a:rPr lang="es-AR" baseline="0" dirty="0" smtClean="0"/>
+              <a:t> solucionarla utilizando </a:t>
             </a:r>
             <a:r>
               <a:rPr lang="es-AR" baseline="0" dirty="0" err="1" smtClean="0"/>
-              <a:t>market</a:t>
-            </a:r>
-            <a:r>
-              <a:rPr lang="es-AR" baseline="0" dirty="0" smtClean="0"/>
-              <a:t> y podrá descargarse sin costo alguno la </a:t>
+              <a:t>tecnologia</a:t>
+            </a:r>
+            <a:r>
+              <a:rPr lang="es-AR" baseline="0" dirty="0" smtClean="0"/>
+              <a:t>, en este caso de tipo </a:t>
             </a:r>
             <a:r>
               <a:rPr lang="es-AR" baseline="0" dirty="0" err="1" smtClean="0"/>
-              <a:t>apicación</a:t>
-            </a:r>
-            <a:r>
-              <a:rPr lang="es-AR" baseline="0" dirty="0" smtClean="0"/>
-              <a:t> para comenzar a usarla, y la versión paga que por supuesto tiene todas las prestaciones de la aplicación gratuita más la posibilidad de ver y agregar fotos de los baños y por otro lado es una versión que está libre de publicidad. El costo de la descarga como vemos es de un dólar.</a:t>
-            </a:r>
-          </a:p>
-          <a:p>
-            <a:r>
-              <a:rPr lang="es-AR" baseline="0" dirty="0" smtClean="0"/>
-              <a:t>Y </a:t>
+              <a:t>mobile</a:t>
+            </a:r>
+            <a:r>
+              <a:rPr lang="es-AR" baseline="0" dirty="0" smtClean="0"/>
+              <a:t> por sus cualidades “sociales” y cotidianas.</a:t>
+            </a:r>
+          </a:p>
+          <a:p>
+            <a:r>
+              <a:rPr lang="es-AR" baseline="0" dirty="0" smtClean="0"/>
+              <a:t/>
+            </a:r>
+            <a:br>
+              <a:rPr lang="es-AR" baseline="0" dirty="0" smtClean="0"/>
+            </a:br>
+            <a:r>
+              <a:rPr lang="es-AR" baseline="0" dirty="0" smtClean="0"/>
+              <a:t>Por lo tanto, como vamos a resolverlo?</a:t>
+            </a:r>
+          </a:p>
+          <a:p>
+            <a:endParaRPr lang="es-AR" baseline="0" dirty="0" smtClean="0"/>
+          </a:p>
+          <a:p>
+            <a:r>
+              <a:rPr lang="es-AR" baseline="0" dirty="0" smtClean="0"/>
+              <a:t>Nuestro proyecto encara el desarrollo de una aplicación </a:t>
             </a:r>
             <a:r>
               <a:rPr lang="es-AR" baseline="0" dirty="0" err="1" smtClean="0"/>
-              <a:t>tengase</a:t>
-            </a:r>
-            <a:r>
-              <a:rPr lang="es-AR" baseline="0" dirty="0" smtClean="0"/>
-              <a:t> en cuenta que la versión free tiene la posibilidad de actualizarse a la </a:t>
-            </a:r>
-            <a:r>
-              <a:rPr lang="es-AR" baseline="0" smtClean="0"/>
-              <a:t>versión paga.</a:t>
-            </a:r>
-            <a:endParaRPr lang="es-AR" dirty="0"/>
+              <a:t>mobile</a:t>
+            </a:r>
+            <a:r>
+              <a:rPr lang="es-AR" baseline="0" dirty="0" smtClean="0"/>
+              <a:t> para </a:t>
+            </a:r>
+            <a:r>
+              <a:rPr lang="es-AR" baseline="0" dirty="0" err="1" smtClean="0"/>
+              <a:t>localizacion</a:t>
+            </a:r>
+            <a:r>
+              <a:rPr lang="es-AR" baseline="0" dirty="0" smtClean="0"/>
+              <a:t> de </a:t>
+            </a:r>
+            <a:r>
+              <a:rPr lang="es-AR" baseline="0" dirty="0" err="1" smtClean="0"/>
+              <a:t>banios</a:t>
+            </a:r>
+            <a:r>
+              <a:rPr lang="es-AR" baseline="0" dirty="0" smtClean="0"/>
+              <a:t>. Como </a:t>
+            </a:r>
+            <a:r>
+              <a:rPr lang="es-AR" baseline="0" dirty="0" err="1" smtClean="0"/>
+              <a:t>caracteristica</a:t>
+            </a:r>
+            <a:r>
+              <a:rPr lang="es-AR" baseline="0" dirty="0" smtClean="0"/>
+              <a:t> principal, encuentra aquellas facilidades mas cercanas al lugar donde uno se encuentra.</a:t>
+            </a:r>
+          </a:p>
+          <a:p>
+            <a:endParaRPr lang="es-AR" baseline="0" dirty="0" smtClean="0"/>
+          </a:p>
+          <a:p>
+            <a:r>
+              <a:rPr lang="es-AR" baseline="0" dirty="0" smtClean="0"/>
+              <a:t>Que difiere esto de preguntarle a un desconocido en la calle?</a:t>
+            </a:r>
+          </a:p>
+          <a:p>
+            <a:endParaRPr lang="es-AR" baseline="0" dirty="0" smtClean="0"/>
+          </a:p>
+          <a:p>
+            <a:r>
+              <a:rPr lang="es-AR" baseline="0" dirty="0" smtClean="0"/>
+              <a:t>Rara vez alguien </a:t>
+            </a:r>
+            <a:r>
+              <a:rPr lang="es-AR" baseline="0" dirty="0" err="1" smtClean="0"/>
+              <a:t>podra</a:t>
+            </a:r>
+            <a:r>
+              <a:rPr lang="es-AR" baseline="0" dirty="0" smtClean="0"/>
+              <a:t> comentarnos </a:t>
+            </a:r>
+            <a:r>
+              <a:rPr lang="es-AR" baseline="0" dirty="0" err="1" smtClean="0"/>
+              <a:t>rapidamente</a:t>
+            </a:r>
+            <a:r>
+              <a:rPr lang="es-AR" baseline="0" dirty="0" smtClean="0"/>
+              <a:t> con que facilidades y </a:t>
+            </a:r>
+            <a:r>
+              <a:rPr lang="es-AR" baseline="0" dirty="0" err="1" smtClean="0"/>
+              <a:t>caracteristicas</a:t>
+            </a:r>
+            <a:r>
+              <a:rPr lang="es-AR" baseline="0" dirty="0" smtClean="0"/>
+              <a:t> cuenta el </a:t>
+            </a:r>
+            <a:r>
+              <a:rPr lang="es-AR" baseline="0" dirty="0" err="1" smtClean="0"/>
+              <a:t>banio</a:t>
+            </a:r>
+            <a:r>
+              <a:rPr lang="es-AR" baseline="0" dirty="0" smtClean="0"/>
+              <a:t> para que podamos realizar un </a:t>
+            </a:r>
+            <a:r>
+              <a:rPr lang="es-AR" baseline="0" dirty="0" err="1" smtClean="0"/>
+              <a:t>analisis</a:t>
+            </a:r>
+            <a:r>
+              <a:rPr lang="es-AR" baseline="0" dirty="0" smtClean="0"/>
+              <a:t> de si es el indicado o no. El producto que ofrecemos, posee la funcionalidad de detallarte de forma </a:t>
+            </a:r>
+            <a:r>
+              <a:rPr lang="es-AR" baseline="0" dirty="0" err="1" smtClean="0"/>
+              <a:t>minimal</a:t>
+            </a:r>
+            <a:r>
+              <a:rPr lang="es-AR" baseline="0" dirty="0" smtClean="0"/>
+              <a:t> para su </a:t>
+            </a:r>
+            <a:r>
+              <a:rPr lang="es-AR" baseline="0" dirty="0" err="1" smtClean="0"/>
+              <a:t>rapida</a:t>
+            </a:r>
+            <a:r>
+              <a:rPr lang="es-AR" baseline="0" dirty="0" smtClean="0"/>
+              <a:t> </a:t>
+            </a:r>
+            <a:r>
+              <a:rPr lang="es-AR" baseline="0" dirty="0" err="1" smtClean="0"/>
+              <a:t>comprension</a:t>
+            </a:r>
+            <a:r>
+              <a:rPr lang="es-AR" baseline="0" dirty="0" smtClean="0"/>
+              <a:t>, todo aquello que una persona pudiese estar interesado para decidir al utilizar un sanitario; como por ejemplo si es limpio el sanitario, si posee cambiador de bebes, si es apto para discapacitados, etc.</a:t>
+            </a:r>
+          </a:p>
+          <a:p>
+            <a:endParaRPr lang="es-AR" baseline="0" dirty="0" smtClean="0"/>
           </a:p>
         </p:txBody>
       </p:sp>
@@ -5982,7 +6088,7 @@
     </p:spTree>
     <p:extLst>
       <p:ext uri="{BB962C8B-B14F-4D97-AF65-F5344CB8AC3E}">
-        <p14:creationId xmlns:p14="http://schemas.microsoft.com/office/powerpoint/2010/main" val="685780543"/>
+        <p14:creationId xmlns:p14="http://schemas.microsoft.com/office/powerpoint/2010/main" val="3325332095"/>
       </p:ext>
     </p:extLst>
   </p:cSld>
@@ -6011,7 +6117,7 @@
       </p:grpSpPr>
       <p:sp>
         <p:nvSpPr>
-          <p:cNvPr id="2" name="1 Marcador de imagen de diapositiva"/>
+          <p:cNvPr id="2" name="Slide Image Placeholder 1"/>
           <p:cNvSpPr>
             <a:spLocks noGrp="1" noRot="1" noChangeAspect="1"/>
           </p:cNvSpPr>
@@ -6023,7 +6129,7 @@
       </p:sp>
       <p:sp>
         <p:nvSpPr>
-          <p:cNvPr id="3" name="2 Marcador de notas"/>
+          <p:cNvPr id="3" name="Notes Placeholder 2"/>
           <p:cNvSpPr>
             <a:spLocks noGrp="1"/>
           </p:cNvSpPr>
@@ -6033,1243 +6139,70 @@
         </p:nvSpPr>
         <p:spPr/>
         <p:txBody>
-          <a:bodyPr>
-            <a:normAutofit lnSpcReduction="10000"/>
-          </a:bodyPr>
+          <a:bodyPr/>
           <a:lstStyle/>
           <a:p>
             <a:r>
-              <a:rPr lang="en-US" dirty="0" smtClean="0"/>
-              <a:t>Las </a:t>
-            </a:r>
-            <a:r>
-              <a:rPr lang="en-US" dirty="0" err="1" smtClean="0"/>
-              <a:t>cuestiones</a:t>
-            </a:r>
-            <a:r>
-              <a:rPr lang="en-US" dirty="0" smtClean="0"/>
-              <a:t> finales</a:t>
-            </a:r>
-            <a:r>
-              <a:rPr lang="en-US" baseline="0" dirty="0" smtClean="0"/>
-              <a:t> a </a:t>
-            </a:r>
-            <a:r>
-              <a:rPr lang="en-US" baseline="0" dirty="0" err="1" smtClean="0"/>
-              <a:t>considerar</a:t>
-            </a:r>
-            <a:r>
-              <a:rPr lang="en-US" baseline="0" dirty="0" smtClean="0"/>
-              <a:t> son: </a:t>
-            </a:r>
-            <a:r>
-              <a:rPr lang="en-US" baseline="0" dirty="0" err="1" smtClean="0"/>
-              <a:t>como</a:t>
-            </a:r>
-            <a:r>
-              <a:rPr lang="en-US" baseline="0" dirty="0" smtClean="0"/>
-              <a:t> </a:t>
-            </a:r>
-            <a:r>
-              <a:rPr lang="en-US" baseline="0" dirty="0" err="1" smtClean="0"/>
-              <a:t>expandimos</a:t>
-            </a:r>
-            <a:r>
-              <a:rPr lang="en-US" baseline="0" dirty="0" smtClean="0"/>
-              <a:t> el </a:t>
-            </a:r>
-            <a:r>
-              <a:rPr lang="en-US" baseline="0" dirty="0" err="1" smtClean="0"/>
-              <a:t>producto</a:t>
-            </a:r>
-            <a:r>
-              <a:rPr lang="en-US" baseline="0" dirty="0" smtClean="0"/>
-              <a:t>? Como lo </a:t>
-            </a:r>
-            <a:r>
-              <a:rPr lang="en-US" baseline="0" dirty="0" err="1" smtClean="0"/>
-              <a:t>difundimos</a:t>
-            </a:r>
-            <a:r>
-              <a:rPr lang="en-US" baseline="0" dirty="0" smtClean="0"/>
-              <a:t>? Como </a:t>
-            </a:r>
-            <a:r>
-              <a:rPr lang="en-US" baseline="0" dirty="0" err="1" smtClean="0"/>
-              <a:t>logramos</a:t>
-            </a:r>
-            <a:r>
-              <a:rPr lang="en-US" baseline="0" dirty="0" smtClean="0"/>
-              <a:t> </a:t>
-            </a:r>
-            <a:r>
-              <a:rPr lang="en-US" baseline="0" dirty="0" err="1" smtClean="0"/>
-              <a:t>que</a:t>
-            </a:r>
-            <a:r>
-              <a:rPr lang="en-US" baseline="0" dirty="0" smtClean="0"/>
-              <a:t> sea </a:t>
-            </a:r>
-            <a:r>
-              <a:rPr lang="en-US" baseline="0" dirty="0" err="1" smtClean="0"/>
-              <a:t>aceptado</a:t>
-            </a:r>
-            <a:r>
-              <a:rPr lang="en-US" baseline="0" dirty="0" smtClean="0"/>
-              <a:t> y </a:t>
-            </a:r>
-            <a:r>
-              <a:rPr lang="en-US" baseline="0" dirty="0" err="1" smtClean="0"/>
-              <a:t>necesitado</a:t>
-            </a:r>
-            <a:r>
-              <a:rPr lang="en-US" baseline="0" dirty="0" smtClean="0"/>
-              <a:t> </a:t>
-            </a:r>
-            <a:r>
-              <a:rPr lang="en-US" baseline="0" dirty="0" err="1" smtClean="0"/>
-              <a:t>por</a:t>
-            </a:r>
-            <a:r>
-              <a:rPr lang="en-US" baseline="0" dirty="0" smtClean="0"/>
-              <a:t> </a:t>
-            </a:r>
-            <a:r>
-              <a:rPr lang="en-US" baseline="0" dirty="0" err="1" smtClean="0"/>
-              <a:t>las</a:t>
-            </a:r>
-            <a:r>
-              <a:rPr lang="en-US" baseline="0" dirty="0" smtClean="0"/>
-              <a:t> personas?</a:t>
-            </a:r>
-          </a:p>
-          <a:p>
-            <a:endParaRPr lang="en-US" baseline="0" dirty="0" smtClean="0"/>
-          </a:p>
-          <a:p>
-            <a:r>
-              <a:rPr lang="en-US" baseline="0" dirty="0" err="1" smtClean="0"/>
-              <a:t>Hemos</a:t>
-            </a:r>
-            <a:r>
-              <a:rPr lang="en-US" baseline="0" dirty="0" smtClean="0"/>
-              <a:t> </a:t>
-            </a:r>
-            <a:r>
-              <a:rPr lang="en-US" baseline="0" dirty="0" err="1" smtClean="0"/>
-              <a:t>desarrollado</a:t>
-            </a:r>
-            <a:r>
-              <a:rPr lang="en-US" baseline="0" dirty="0" smtClean="0"/>
-              <a:t> </a:t>
-            </a:r>
-            <a:r>
-              <a:rPr lang="en-US" baseline="0" dirty="0" err="1" smtClean="0"/>
-              <a:t>una</a:t>
-            </a:r>
-            <a:r>
-              <a:rPr lang="en-US" baseline="0" dirty="0" smtClean="0"/>
-              <a:t> </a:t>
-            </a:r>
-            <a:r>
-              <a:rPr lang="en-US" baseline="0" dirty="0" err="1" smtClean="0"/>
-              <a:t>estrategia</a:t>
-            </a:r>
-            <a:r>
-              <a:rPr lang="en-US" baseline="0" dirty="0" smtClean="0"/>
-              <a:t> </a:t>
-            </a:r>
-            <a:r>
-              <a:rPr lang="en-US" baseline="0" dirty="0" err="1" smtClean="0"/>
-              <a:t>que</a:t>
-            </a:r>
-            <a:r>
-              <a:rPr lang="en-US" baseline="0" dirty="0" smtClean="0"/>
-              <a:t> </a:t>
-            </a:r>
-            <a:r>
-              <a:rPr lang="en-US" baseline="0" dirty="0" err="1" smtClean="0"/>
-              <a:t>consideramos</a:t>
-            </a:r>
-            <a:r>
-              <a:rPr lang="en-US" baseline="0" dirty="0" smtClean="0"/>
-              <a:t> </a:t>
-            </a:r>
-            <a:r>
-              <a:rPr lang="en-US" baseline="0" dirty="0" err="1" smtClean="0"/>
-              <a:t>que</a:t>
-            </a:r>
-            <a:r>
-              <a:rPr lang="en-US" baseline="0" dirty="0" smtClean="0"/>
-              <a:t> </a:t>
-            </a:r>
-            <a:r>
-              <a:rPr lang="en-US" baseline="0" dirty="0" err="1" smtClean="0"/>
-              <a:t>lograra</a:t>
-            </a:r>
-            <a:r>
-              <a:rPr lang="en-US" baseline="0" dirty="0" smtClean="0"/>
-              <a:t> </a:t>
-            </a:r>
-            <a:r>
-              <a:rPr lang="en-US" baseline="0" dirty="0" err="1" smtClean="0"/>
-              <a:t>cubrir</a:t>
-            </a:r>
-            <a:r>
-              <a:rPr lang="en-US" baseline="0" dirty="0" smtClean="0"/>
-              <a:t> </a:t>
-            </a:r>
-            <a:r>
-              <a:rPr lang="en-US" baseline="0" dirty="0" err="1" smtClean="0"/>
-              <a:t>estos</a:t>
-            </a:r>
-            <a:r>
-              <a:rPr lang="en-US" baseline="0" dirty="0" smtClean="0"/>
-              <a:t> </a:t>
-            </a:r>
-            <a:r>
-              <a:rPr lang="en-US" baseline="0" dirty="0" err="1" smtClean="0"/>
-              <a:t>aspectos</a:t>
-            </a:r>
-            <a:r>
-              <a:rPr lang="en-US" baseline="0" dirty="0" smtClean="0"/>
-              <a:t> de </a:t>
-            </a:r>
-            <a:r>
-              <a:rPr lang="en-US" baseline="0" dirty="0" err="1" smtClean="0"/>
-              <a:t>manera</a:t>
-            </a:r>
-            <a:r>
-              <a:rPr lang="en-US" baseline="0" dirty="0" smtClean="0"/>
-              <a:t> </a:t>
-            </a:r>
-            <a:r>
-              <a:rPr lang="en-US" baseline="0" dirty="0" err="1" smtClean="0"/>
-              <a:t>exitosa</a:t>
-            </a:r>
-            <a:r>
-              <a:rPr lang="en-US" baseline="0" dirty="0" smtClean="0"/>
-              <a:t>. </a:t>
-            </a:r>
-          </a:p>
-          <a:p>
-            <a:r>
-              <a:rPr lang="en-US" baseline="0" dirty="0" err="1" smtClean="0"/>
-              <a:t>Nos</a:t>
-            </a:r>
-            <a:r>
-              <a:rPr lang="en-US" baseline="0" dirty="0" smtClean="0"/>
-              <a:t> </a:t>
-            </a:r>
-            <a:r>
-              <a:rPr lang="en-US" baseline="0" dirty="0" err="1" smtClean="0"/>
-              <a:t>proponemos</a:t>
-            </a:r>
-            <a:r>
-              <a:rPr lang="en-US" baseline="0" dirty="0" smtClean="0"/>
-              <a:t> a </a:t>
-            </a:r>
-            <a:r>
-              <a:rPr lang="en-US" baseline="0" dirty="0" err="1" smtClean="0"/>
-              <a:t>utilizar</a:t>
-            </a:r>
-            <a:r>
-              <a:rPr lang="en-US" baseline="0" dirty="0" smtClean="0"/>
-              <a:t> un </a:t>
-            </a:r>
-            <a:r>
-              <a:rPr lang="en-US" baseline="0" dirty="0" err="1" smtClean="0"/>
-              <a:t>mecanismo</a:t>
-            </a:r>
-            <a:r>
-              <a:rPr lang="en-US" baseline="0" dirty="0" smtClean="0"/>
-              <a:t> de </a:t>
-            </a:r>
-            <a:r>
-              <a:rPr lang="en-US" baseline="0" dirty="0" err="1" smtClean="0"/>
-              <a:t>colaboracion</a:t>
-            </a:r>
-            <a:r>
-              <a:rPr lang="en-US" baseline="0" dirty="0" smtClean="0"/>
-              <a:t>/</a:t>
-            </a:r>
-            <a:r>
-              <a:rPr lang="en-US" baseline="0" dirty="0" err="1" smtClean="0"/>
-              <a:t>beneficio</a:t>
-            </a:r>
-            <a:r>
-              <a:rPr lang="en-US" baseline="0" dirty="0" smtClean="0"/>
-              <a:t> con los </a:t>
-            </a:r>
-            <a:r>
-              <a:rPr lang="en-US" baseline="0" dirty="0" err="1" smtClean="0"/>
-              <a:t>usuarios</a:t>
-            </a:r>
-            <a:r>
-              <a:rPr lang="en-US" baseline="0" dirty="0" smtClean="0"/>
-              <a:t> de la </a:t>
-            </a:r>
-            <a:r>
-              <a:rPr lang="en-US" baseline="0" dirty="0" err="1" smtClean="0"/>
-              <a:t>aplicacion</a:t>
-            </a:r>
-            <a:r>
-              <a:rPr lang="en-US" baseline="0" dirty="0" smtClean="0"/>
-              <a:t>, </a:t>
-            </a:r>
-            <a:r>
-              <a:rPr lang="en-US" baseline="0" dirty="0" err="1" smtClean="0"/>
-              <a:t>tal</a:t>
-            </a:r>
-            <a:r>
-              <a:rPr lang="en-US" baseline="0" dirty="0" smtClean="0"/>
-              <a:t> </a:t>
-            </a:r>
-            <a:r>
-              <a:rPr lang="en-US" baseline="0" dirty="0" err="1" smtClean="0"/>
-              <a:t>que</a:t>
-            </a:r>
-            <a:r>
-              <a:rPr lang="en-US" baseline="0" dirty="0" smtClean="0"/>
-              <a:t> </a:t>
-            </a:r>
-            <a:r>
-              <a:rPr lang="es-ES" baseline="0" noProof="0" dirty="0" smtClean="0"/>
-              <a:t>los</a:t>
-            </a:r>
-            <a:r>
-              <a:rPr lang="en-US" baseline="0" dirty="0" smtClean="0"/>
-              <a:t> motive a </a:t>
-            </a:r>
-            <a:r>
-              <a:rPr lang="en-US" baseline="0" dirty="0" err="1" smtClean="0"/>
-              <a:t>utilizar</a:t>
-            </a:r>
-            <a:r>
-              <a:rPr lang="en-US" baseline="0" dirty="0" smtClean="0"/>
-              <a:t> el </a:t>
-            </a:r>
-            <a:r>
-              <a:rPr lang="en-US" baseline="0" dirty="0" err="1" smtClean="0"/>
-              <a:t>producto</a:t>
-            </a:r>
-            <a:r>
-              <a:rPr lang="en-US" baseline="0" dirty="0" smtClean="0"/>
-              <a:t> con mayor </a:t>
-            </a:r>
-            <a:r>
-              <a:rPr lang="en-US" baseline="0" dirty="0" err="1" smtClean="0"/>
-              <a:t>frecuencia</a:t>
-            </a:r>
-            <a:r>
-              <a:rPr lang="en-US" baseline="0" dirty="0" smtClean="0"/>
-              <a:t> </a:t>
-            </a:r>
-            <a:r>
-              <a:rPr lang="en-US" baseline="0" dirty="0" err="1" smtClean="0"/>
-              <a:t>asi</a:t>
-            </a:r>
-            <a:r>
-              <a:rPr lang="en-US" baseline="0" dirty="0" smtClean="0"/>
-              <a:t> </a:t>
-            </a:r>
-            <a:r>
-              <a:rPr lang="en-US" baseline="0" dirty="0" err="1" smtClean="0"/>
-              <a:t>como</a:t>
-            </a:r>
-            <a:r>
-              <a:rPr lang="en-US" baseline="0" dirty="0" smtClean="0"/>
-              <a:t> </a:t>
-            </a:r>
-            <a:r>
-              <a:rPr lang="en-US" baseline="0" dirty="0" err="1" smtClean="0"/>
-              <a:t>recomendarlo</a:t>
-            </a:r>
-            <a:r>
-              <a:rPr lang="en-US" baseline="0" dirty="0" smtClean="0"/>
-              <a:t> y </a:t>
-            </a:r>
-            <a:r>
-              <a:rPr lang="en-US" baseline="0" dirty="0" err="1" smtClean="0"/>
-              <a:t>difundirlo</a:t>
-            </a:r>
-            <a:r>
-              <a:rPr lang="es-ES" baseline="0" dirty="0" smtClean="0"/>
-              <a:t>.</a:t>
-            </a:r>
-          </a:p>
-          <a:p>
-            <a:endParaRPr lang="en-US" baseline="0" dirty="0" smtClean="0"/>
-          </a:p>
-          <a:p>
-            <a:r>
-              <a:rPr lang="en-US" baseline="0" dirty="0" err="1" smtClean="0"/>
-              <a:t>Esta</a:t>
-            </a:r>
-            <a:r>
-              <a:rPr lang="en-US" baseline="0" dirty="0" smtClean="0"/>
-              <a:t> </a:t>
-            </a:r>
-            <a:r>
-              <a:rPr lang="en-US" baseline="0" dirty="0" err="1" smtClean="0"/>
-              <a:t>metodologia</a:t>
-            </a:r>
-            <a:r>
-              <a:rPr lang="en-US" baseline="0" dirty="0" smtClean="0"/>
-              <a:t> de </a:t>
-            </a:r>
-            <a:r>
-              <a:rPr lang="en-US" baseline="0" dirty="0" err="1" smtClean="0"/>
-              <a:t>colaboracion</a:t>
-            </a:r>
-            <a:r>
-              <a:rPr lang="en-US" baseline="0" dirty="0" smtClean="0"/>
-              <a:t>/</a:t>
-            </a:r>
-            <a:r>
-              <a:rPr lang="en-US" baseline="0" dirty="0" err="1" smtClean="0"/>
-              <a:t>beneficio</a:t>
-            </a:r>
-            <a:r>
-              <a:rPr lang="en-US" baseline="0" dirty="0" smtClean="0"/>
-              <a:t> se </a:t>
-            </a:r>
-            <a:r>
-              <a:rPr lang="en-US" baseline="0" dirty="0" err="1" smtClean="0"/>
-              <a:t>basa</a:t>
-            </a:r>
-            <a:r>
-              <a:rPr lang="en-US" baseline="0" dirty="0" smtClean="0"/>
-              <a:t> en lo </a:t>
-            </a:r>
-            <a:r>
-              <a:rPr lang="en-US" baseline="0" dirty="0" err="1" smtClean="0"/>
-              <a:t>siguiente</a:t>
-            </a:r>
-            <a:r>
-              <a:rPr lang="en-US" baseline="0" dirty="0" smtClean="0"/>
-              <a:t>: </a:t>
-            </a:r>
-            <a:r>
-              <a:rPr lang="en-US" baseline="0" dirty="0" err="1" smtClean="0"/>
-              <a:t>Tenemos</a:t>
-            </a:r>
-            <a:r>
-              <a:rPr lang="en-US" baseline="0" dirty="0" smtClean="0"/>
-              <a:t> </a:t>
-            </a:r>
-            <a:r>
-              <a:rPr lang="en-US" baseline="0" dirty="0" err="1" smtClean="0"/>
-              <a:t>pensado</a:t>
-            </a:r>
-            <a:r>
-              <a:rPr lang="en-US" baseline="0" dirty="0" smtClean="0"/>
-              <a:t> </a:t>
-            </a:r>
-            <a:r>
-              <a:rPr lang="en-US" baseline="0" dirty="0" err="1" smtClean="0"/>
-              <a:t>que</a:t>
-            </a:r>
-            <a:r>
-              <a:rPr lang="en-US" baseline="0" dirty="0" smtClean="0"/>
-              <a:t> al </a:t>
-            </a:r>
-            <a:r>
-              <a:rPr lang="en-US" baseline="0" dirty="0" err="1" smtClean="0"/>
-              <a:t>momento</a:t>
-            </a:r>
-            <a:r>
-              <a:rPr lang="en-US" baseline="0" dirty="0" smtClean="0"/>
-              <a:t> de </a:t>
-            </a:r>
-            <a:r>
-              <a:rPr lang="en-US" baseline="0" dirty="0" err="1" smtClean="0"/>
-              <a:t>lanzar</a:t>
-            </a:r>
-            <a:r>
-              <a:rPr lang="en-US" baseline="0" dirty="0" smtClean="0"/>
-              <a:t> el </a:t>
-            </a:r>
-            <a:r>
-              <a:rPr lang="en-US" baseline="0" dirty="0" err="1" smtClean="0"/>
-              <a:t>producto</a:t>
-            </a:r>
-            <a:r>
-              <a:rPr lang="en-US" baseline="0" dirty="0" smtClean="0"/>
-              <a:t>, se </a:t>
-            </a:r>
-            <a:r>
-              <a:rPr lang="en-US" baseline="0" dirty="0" err="1" smtClean="0"/>
-              <a:t>encuentren</a:t>
-            </a:r>
-            <a:r>
-              <a:rPr lang="en-US" baseline="0" dirty="0" smtClean="0"/>
-              <a:t> </a:t>
-            </a:r>
-            <a:r>
-              <a:rPr lang="en-US" baseline="0" dirty="0" err="1" smtClean="0"/>
-              <a:t>cargados</a:t>
-            </a:r>
-            <a:r>
-              <a:rPr lang="en-US" baseline="0" dirty="0" smtClean="0"/>
-              <a:t> </a:t>
-            </a:r>
-            <a:r>
-              <a:rPr lang="en-US" baseline="0" dirty="0" err="1" smtClean="0"/>
-              <a:t>diversos</a:t>
-            </a:r>
-            <a:r>
-              <a:rPr lang="en-US" baseline="0" dirty="0" smtClean="0"/>
-              <a:t> </a:t>
-            </a:r>
-            <a:r>
-              <a:rPr lang="en-US" baseline="0" dirty="0" err="1" smtClean="0"/>
-              <a:t>banios</a:t>
-            </a:r>
-            <a:r>
-              <a:rPr lang="en-US" baseline="0" dirty="0" smtClean="0"/>
-              <a:t> </a:t>
-            </a:r>
-            <a:r>
-              <a:rPr lang="en-US" baseline="0" dirty="0" err="1" smtClean="0"/>
-              <a:t>publicos</a:t>
-            </a:r>
-            <a:r>
-              <a:rPr lang="en-US" baseline="0" dirty="0" smtClean="0"/>
-              <a:t> de </a:t>
-            </a:r>
-            <a:r>
-              <a:rPr lang="en-US" baseline="0" dirty="0" err="1" smtClean="0"/>
-              <a:t>diferentes</a:t>
-            </a:r>
-            <a:r>
-              <a:rPr lang="en-US" baseline="0" dirty="0" smtClean="0"/>
-              <a:t> </a:t>
-            </a:r>
-            <a:r>
-              <a:rPr lang="en-US" baseline="0" dirty="0" err="1" smtClean="0"/>
-              <a:t>zonas</a:t>
-            </a:r>
-            <a:r>
-              <a:rPr lang="en-US" baseline="0" dirty="0" smtClean="0"/>
-              <a:t>. La idea </a:t>
-            </a:r>
-            <a:r>
-              <a:rPr lang="en-US" baseline="0" dirty="0" err="1" smtClean="0"/>
-              <a:t>es</a:t>
-            </a:r>
-            <a:r>
-              <a:rPr lang="en-US" baseline="0" dirty="0" smtClean="0"/>
-              <a:t> </a:t>
-            </a:r>
-            <a:r>
-              <a:rPr lang="en-US" baseline="0" dirty="0" err="1" smtClean="0"/>
-              <a:t>que</a:t>
-            </a:r>
-            <a:r>
-              <a:rPr lang="en-US" baseline="0" dirty="0" smtClean="0"/>
-              <a:t> los </a:t>
-            </a:r>
-            <a:r>
-              <a:rPr lang="en-US" baseline="0" dirty="0" err="1" smtClean="0"/>
-              <a:t>usuarios</a:t>
-            </a:r>
-            <a:r>
-              <a:rPr lang="en-US" baseline="0" dirty="0" smtClean="0"/>
-              <a:t> </a:t>
-            </a:r>
-            <a:r>
-              <a:rPr lang="en-US" baseline="0" dirty="0" err="1" smtClean="0"/>
-              <a:t>utilicen</a:t>
-            </a:r>
-            <a:r>
-              <a:rPr lang="en-US" baseline="0" dirty="0" smtClean="0"/>
-              <a:t> la </a:t>
-            </a:r>
-            <a:r>
-              <a:rPr lang="en-US" baseline="0" dirty="0" err="1" smtClean="0"/>
-              <a:t>funcionalidad</a:t>
-            </a:r>
-            <a:r>
-              <a:rPr lang="en-US" baseline="0" dirty="0" smtClean="0"/>
-              <a:t> de </a:t>
-            </a:r>
-            <a:r>
-              <a:rPr lang="en-US" baseline="0" dirty="0" err="1" smtClean="0"/>
-              <a:t>agregar</a:t>
-            </a:r>
-            <a:r>
-              <a:rPr lang="en-US" baseline="0" dirty="0" smtClean="0"/>
-              <a:t> </a:t>
-            </a:r>
-            <a:r>
-              <a:rPr lang="en-US" baseline="0" dirty="0" err="1" smtClean="0"/>
-              <a:t>banios</a:t>
-            </a:r>
-            <a:r>
-              <a:rPr lang="en-US" baseline="0" dirty="0" smtClean="0"/>
-              <a:t> </a:t>
-            </a:r>
-            <a:r>
-              <a:rPr lang="en-US" baseline="0" dirty="0" err="1" smtClean="0"/>
-              <a:t>nuevos</a:t>
-            </a:r>
-            <a:r>
-              <a:rPr lang="en-US" baseline="0" dirty="0" smtClean="0"/>
-              <a:t>, con lo </a:t>
-            </a:r>
-            <a:r>
-              <a:rPr lang="en-US" baseline="0" dirty="0" err="1" smtClean="0"/>
-              <a:t>cual</a:t>
-            </a:r>
-            <a:r>
-              <a:rPr lang="en-US" baseline="0" dirty="0" smtClean="0"/>
-              <a:t> se </a:t>
-            </a:r>
-            <a:r>
-              <a:rPr lang="en-US" baseline="0" dirty="0" err="1" smtClean="0"/>
-              <a:t>convierten</a:t>
-            </a:r>
-            <a:r>
-              <a:rPr lang="en-US" baseline="0" dirty="0" smtClean="0"/>
-              <a:t> </a:t>
-            </a:r>
-            <a:r>
-              <a:rPr lang="en-US" baseline="0" dirty="0" err="1" smtClean="0"/>
-              <a:t>automaticamente</a:t>
-            </a:r>
-            <a:r>
-              <a:rPr lang="en-US" baseline="0" dirty="0" smtClean="0"/>
-              <a:t> en </a:t>
-            </a:r>
-            <a:r>
-              <a:rPr lang="en-US" baseline="0" dirty="0" err="1" smtClean="0"/>
-              <a:t>colaboradores</a:t>
-            </a:r>
-            <a:r>
-              <a:rPr lang="en-US" baseline="0" dirty="0" smtClean="0"/>
-              <a:t> del </a:t>
-            </a:r>
-            <a:r>
-              <a:rPr lang="en-US" baseline="0" dirty="0" err="1" smtClean="0"/>
-              <a:t>producto</a:t>
-            </a:r>
-            <a:r>
-              <a:rPr lang="en-US" baseline="0" dirty="0" smtClean="0"/>
-              <a:t>. El </a:t>
-            </a:r>
-            <a:r>
-              <a:rPr lang="en-US" baseline="0" dirty="0" err="1" smtClean="0"/>
-              <a:t>agregar</a:t>
-            </a:r>
-            <a:r>
-              <a:rPr lang="en-US" baseline="0" dirty="0" smtClean="0"/>
-              <a:t> </a:t>
-            </a:r>
-            <a:r>
-              <a:rPr lang="en-US" baseline="0" dirty="0" err="1" smtClean="0"/>
-              <a:t>sanitarios</a:t>
-            </a:r>
-            <a:r>
-              <a:rPr lang="en-US" baseline="0" dirty="0" smtClean="0"/>
-              <a:t> </a:t>
-            </a:r>
-            <a:r>
-              <a:rPr lang="en-US" baseline="0" dirty="0" err="1" smtClean="0"/>
-              <a:t>actuara</a:t>
-            </a:r>
-            <a:r>
-              <a:rPr lang="en-US" baseline="0" dirty="0" smtClean="0"/>
-              <a:t> </a:t>
-            </a:r>
-            <a:r>
-              <a:rPr lang="en-US" baseline="0" dirty="0" err="1" smtClean="0"/>
-              <a:t>como</a:t>
-            </a:r>
-            <a:r>
-              <a:rPr lang="en-US" baseline="0" dirty="0" smtClean="0"/>
-              <a:t> un </a:t>
-            </a:r>
-            <a:r>
-              <a:rPr lang="en-US" baseline="0" dirty="0" err="1" smtClean="0"/>
-              <a:t>sistema</a:t>
-            </a:r>
-            <a:r>
-              <a:rPr lang="en-US" baseline="0" dirty="0" smtClean="0"/>
-              <a:t> de </a:t>
-            </a:r>
-            <a:r>
-              <a:rPr lang="en-US" baseline="0" dirty="0" err="1" smtClean="0"/>
-              <a:t>puntos</a:t>
-            </a:r>
-            <a:r>
-              <a:rPr lang="en-US" baseline="0" dirty="0" smtClean="0"/>
-              <a:t>, </a:t>
-            </a:r>
-            <a:r>
-              <a:rPr lang="en-US" baseline="0" dirty="0" err="1" smtClean="0"/>
-              <a:t>mediante</a:t>
-            </a:r>
-            <a:r>
-              <a:rPr lang="en-US" baseline="0" dirty="0" smtClean="0"/>
-              <a:t> el </a:t>
-            </a:r>
-            <a:r>
-              <a:rPr lang="en-US" baseline="0" dirty="0" err="1" smtClean="0"/>
-              <a:t>cual</a:t>
-            </a:r>
-            <a:r>
-              <a:rPr lang="en-US" baseline="0" dirty="0" smtClean="0"/>
-              <a:t> los </a:t>
-            </a:r>
-            <a:r>
-              <a:rPr lang="en-US" baseline="0" dirty="0" err="1" smtClean="0"/>
-              <a:t>usuarios</a:t>
-            </a:r>
-            <a:r>
-              <a:rPr lang="en-US" baseline="0" dirty="0" smtClean="0"/>
-              <a:t> </a:t>
-            </a:r>
-            <a:r>
-              <a:rPr lang="en-US" baseline="0" dirty="0" err="1" smtClean="0"/>
-              <a:t>podran</a:t>
-            </a:r>
-            <a:r>
-              <a:rPr lang="en-US" baseline="0" dirty="0" smtClean="0"/>
-              <a:t> </a:t>
-            </a:r>
-            <a:r>
-              <a:rPr lang="en-US" baseline="0" dirty="0" err="1" smtClean="0"/>
-              <a:t>acumularlos</a:t>
-            </a:r>
-            <a:r>
-              <a:rPr lang="en-US" baseline="0" dirty="0" smtClean="0"/>
-              <a:t> </a:t>
-            </a:r>
-            <a:r>
-              <a:rPr lang="en-US" baseline="0" dirty="0" err="1" smtClean="0"/>
-              <a:t>para</a:t>
-            </a:r>
-            <a:r>
-              <a:rPr lang="en-US" baseline="0" dirty="0" smtClean="0"/>
-              <a:t> </a:t>
-            </a:r>
-            <a:r>
-              <a:rPr lang="en-US" baseline="0" dirty="0" err="1" smtClean="0"/>
-              <a:t>canjearlos</a:t>
-            </a:r>
-            <a:r>
-              <a:rPr lang="en-US" baseline="0" dirty="0" smtClean="0"/>
-              <a:t> </a:t>
-            </a:r>
-            <a:r>
-              <a:rPr lang="en-US" baseline="0" dirty="0" err="1" smtClean="0"/>
-              <a:t>por</a:t>
-            </a:r>
-            <a:r>
-              <a:rPr lang="en-US" baseline="0" dirty="0" smtClean="0"/>
-              <a:t> packs </a:t>
-            </a:r>
-            <a:r>
-              <a:rPr lang="en-US" baseline="0" dirty="0" err="1" smtClean="0"/>
-              <a:t>promocionales</a:t>
-            </a:r>
-            <a:r>
-              <a:rPr lang="en-US" baseline="0" dirty="0" smtClean="0"/>
-              <a:t> </a:t>
-            </a:r>
-            <a:r>
-              <a:rPr lang="en-US" baseline="0" dirty="0" err="1" smtClean="0"/>
-              <a:t>como</a:t>
-            </a:r>
-            <a:r>
-              <a:rPr lang="en-US" baseline="0" dirty="0" smtClean="0"/>
-              <a:t> </a:t>
-            </a:r>
-            <a:r>
-              <a:rPr lang="en-US" baseline="0" dirty="0" err="1" smtClean="0"/>
-              <a:t>por</a:t>
-            </a:r>
-            <a:r>
-              <a:rPr lang="en-US" baseline="0" dirty="0" smtClean="0"/>
-              <a:t> </a:t>
-            </a:r>
-            <a:r>
-              <a:rPr lang="en-US" baseline="0" dirty="0" err="1" smtClean="0"/>
-              <a:t>ejemplo</a:t>
-            </a:r>
-            <a:r>
-              <a:rPr lang="en-US" baseline="0" dirty="0" smtClean="0"/>
-              <a:t> la </a:t>
-            </a:r>
-            <a:r>
-              <a:rPr lang="en-US" baseline="0" dirty="0" err="1" smtClean="0"/>
-              <a:t>aplicacion</a:t>
-            </a:r>
-            <a:r>
-              <a:rPr lang="en-US" baseline="0" dirty="0" smtClean="0"/>
-              <a:t> sin </a:t>
-            </a:r>
-            <a:r>
-              <a:rPr lang="en-US" baseline="0" dirty="0" err="1" smtClean="0"/>
-              <a:t>publicidad</a:t>
-            </a:r>
-            <a:r>
-              <a:rPr lang="en-US" baseline="0" dirty="0" smtClean="0"/>
-              <a:t>, o con </a:t>
-            </a:r>
-            <a:r>
-              <a:rPr lang="en-US" baseline="0" dirty="0" err="1" smtClean="0"/>
-              <a:t>caracteristicas</a:t>
-            </a:r>
-            <a:r>
-              <a:rPr lang="en-US" baseline="0" dirty="0" smtClean="0"/>
-              <a:t> </a:t>
-            </a:r>
-            <a:r>
-              <a:rPr lang="en-US" baseline="0" dirty="0" err="1" smtClean="0"/>
-              <a:t>especiales</a:t>
-            </a:r>
-            <a:r>
-              <a:rPr lang="en-US" baseline="0" dirty="0" smtClean="0"/>
-              <a:t> </a:t>
-            </a:r>
-            <a:r>
-              <a:rPr lang="en-US" baseline="0" dirty="0" err="1" smtClean="0"/>
-              <a:t>como</a:t>
-            </a:r>
-            <a:r>
-              <a:rPr lang="en-US" baseline="0" dirty="0" smtClean="0"/>
-              <a:t> la </a:t>
-            </a:r>
-            <a:r>
-              <a:rPr lang="en-US" baseline="0" dirty="0" err="1" smtClean="0"/>
-              <a:t>busqueda</a:t>
-            </a:r>
-            <a:r>
-              <a:rPr lang="en-US" baseline="0" dirty="0" smtClean="0"/>
-              <a:t> de </a:t>
-            </a:r>
-            <a:r>
-              <a:rPr lang="en-US" baseline="0" dirty="0" err="1" smtClean="0"/>
-              <a:t>sanitarios</a:t>
-            </a:r>
-            <a:r>
-              <a:rPr lang="en-US" baseline="0" dirty="0" smtClean="0"/>
-              <a:t> </a:t>
-            </a:r>
-            <a:r>
-              <a:rPr lang="en-US" baseline="0" dirty="0" err="1" smtClean="0"/>
-              <a:t>especificos</a:t>
-            </a:r>
-            <a:r>
-              <a:rPr lang="en-US" baseline="0" dirty="0" smtClean="0"/>
-              <a:t> no </a:t>
-            </a:r>
-            <a:r>
-              <a:rPr lang="en-US" baseline="0" dirty="0" err="1" smtClean="0"/>
-              <a:t>necesariamente</a:t>
-            </a:r>
-            <a:r>
-              <a:rPr lang="en-US" baseline="0" dirty="0" smtClean="0"/>
-              <a:t> </a:t>
-            </a:r>
-            <a:r>
-              <a:rPr lang="en-US" baseline="0" dirty="0" err="1" smtClean="0"/>
-              <a:t>cercanos</a:t>
-            </a:r>
-            <a:r>
-              <a:rPr lang="en-US" baseline="0" dirty="0" smtClean="0"/>
-              <a:t> al </a:t>
-            </a:r>
-            <a:r>
-              <a:rPr lang="en-US" baseline="0" dirty="0" err="1" smtClean="0"/>
-              <a:t>lugar</a:t>
-            </a:r>
-            <a:r>
-              <a:rPr lang="en-US" baseline="0" dirty="0" smtClean="0"/>
-              <a:t> </a:t>
-            </a:r>
-            <a:r>
-              <a:rPr lang="en-US" baseline="0" dirty="0" err="1" smtClean="0"/>
-              <a:t>donde</a:t>
-            </a:r>
-            <a:r>
-              <a:rPr lang="en-US" baseline="0" dirty="0" smtClean="0"/>
-              <a:t> se </a:t>
-            </a:r>
-            <a:r>
-              <a:rPr lang="en-US" baseline="0" dirty="0" err="1" smtClean="0"/>
-              <a:t>encuentran</a:t>
-            </a:r>
-            <a:r>
-              <a:rPr lang="en-US" baseline="0" dirty="0" smtClean="0"/>
-              <a:t>.</a:t>
-            </a:r>
-          </a:p>
-          <a:p>
-            <a:endParaRPr lang="en-US" baseline="0" dirty="0" smtClean="0"/>
-          </a:p>
-          <a:p>
-            <a:r>
-              <a:rPr lang="es-ES" baseline="0" noProof="0" dirty="0" err="1" smtClean="0"/>
-              <a:t>Asi</a:t>
-            </a:r>
-            <a:r>
-              <a:rPr lang="en-US" baseline="0" dirty="0" smtClean="0"/>
-              <a:t> </a:t>
-            </a:r>
-            <a:r>
-              <a:rPr lang="es-ES" baseline="0" noProof="0" dirty="0" smtClean="0"/>
-              <a:t>como</a:t>
-            </a:r>
-            <a:r>
-              <a:rPr lang="en-US" baseline="0" dirty="0" smtClean="0"/>
-              <a:t> </a:t>
-            </a:r>
-            <a:r>
-              <a:rPr lang="en-US" baseline="0" dirty="0" err="1" smtClean="0"/>
-              <a:t>agregar</a:t>
-            </a:r>
-            <a:r>
-              <a:rPr lang="en-US" baseline="0" dirty="0" smtClean="0"/>
-              <a:t> </a:t>
-            </a:r>
-            <a:r>
-              <a:rPr lang="en-US" baseline="0" dirty="0" err="1" smtClean="0"/>
-              <a:t>sanitarios</a:t>
-            </a:r>
-            <a:r>
-              <a:rPr lang="en-US" baseline="0" dirty="0" smtClean="0"/>
-              <a:t>, el </a:t>
-            </a:r>
-            <a:r>
-              <a:rPr lang="en-US" baseline="0" dirty="0" err="1" smtClean="0"/>
-              <a:t>compartir</a:t>
-            </a:r>
-            <a:r>
-              <a:rPr lang="en-US" baseline="0" dirty="0" smtClean="0"/>
-              <a:t> la </a:t>
-            </a:r>
-            <a:r>
-              <a:rPr lang="en-US" baseline="0" dirty="0" err="1" smtClean="0"/>
-              <a:t>aplicacion</a:t>
-            </a:r>
-            <a:r>
-              <a:rPr lang="en-US" baseline="0" dirty="0" smtClean="0"/>
-              <a:t> via </a:t>
-            </a:r>
-            <a:r>
-              <a:rPr lang="en-US" baseline="0" dirty="0" err="1" smtClean="0"/>
-              <a:t>redes</a:t>
-            </a:r>
-            <a:r>
-              <a:rPr lang="en-US" baseline="0" dirty="0" smtClean="0"/>
-              <a:t> </a:t>
-            </a:r>
-            <a:r>
-              <a:rPr lang="en-US" baseline="0" dirty="0" err="1" smtClean="0"/>
-              <a:t>sociales</a:t>
-            </a:r>
-            <a:r>
-              <a:rPr lang="en-US" baseline="0" dirty="0" smtClean="0"/>
-              <a:t> o </a:t>
-            </a:r>
-            <a:r>
-              <a:rPr lang="en-US" baseline="0" dirty="0" err="1" smtClean="0"/>
-              <a:t>calificarla</a:t>
-            </a:r>
-            <a:r>
-              <a:rPr lang="en-US" baseline="0" dirty="0" smtClean="0"/>
-              <a:t> en los </a:t>
-            </a:r>
-            <a:r>
-              <a:rPr lang="en-US" baseline="0" dirty="0" err="1" smtClean="0"/>
-              <a:t>distintos</a:t>
-            </a:r>
-            <a:r>
-              <a:rPr lang="en-US" baseline="0" dirty="0" smtClean="0"/>
-              <a:t> </a:t>
-            </a:r>
-            <a:r>
-              <a:rPr lang="en-US" baseline="0" dirty="0" err="1" smtClean="0"/>
-              <a:t>centros</a:t>
-            </a:r>
-            <a:r>
-              <a:rPr lang="en-US" baseline="0" dirty="0" smtClean="0"/>
-              <a:t> </a:t>
-            </a:r>
-            <a:r>
-              <a:rPr lang="en-US" baseline="0" dirty="0" err="1" smtClean="0"/>
-              <a:t>donde</a:t>
-            </a:r>
-            <a:r>
-              <a:rPr lang="en-US" baseline="0" dirty="0" smtClean="0"/>
-              <a:t> se la </a:t>
-            </a:r>
-            <a:r>
-              <a:rPr lang="en-US" baseline="0" dirty="0" err="1" smtClean="0"/>
-              <a:t>ofrezca</a:t>
-            </a:r>
-            <a:r>
-              <a:rPr lang="en-US" baseline="0" dirty="0" smtClean="0"/>
-              <a:t> </a:t>
-            </a:r>
-            <a:r>
-              <a:rPr lang="en-US" baseline="0" dirty="0" err="1" smtClean="0"/>
-              <a:t>tambien</a:t>
-            </a:r>
-            <a:r>
-              <a:rPr lang="en-US" baseline="0" dirty="0" smtClean="0"/>
-              <a:t> </a:t>
-            </a:r>
-            <a:r>
-              <a:rPr lang="en-US" baseline="0" dirty="0" err="1" smtClean="0"/>
-              <a:t>implica</a:t>
-            </a:r>
-            <a:r>
-              <a:rPr lang="en-US" baseline="0" dirty="0" smtClean="0"/>
-              <a:t> el </a:t>
-            </a:r>
-            <a:r>
-              <a:rPr lang="en-US" baseline="0" dirty="0" err="1" smtClean="0"/>
-              <a:t>beneficio</a:t>
-            </a:r>
-            <a:r>
-              <a:rPr lang="en-US" baseline="0" dirty="0" smtClean="0"/>
-              <a:t> de </a:t>
-            </a:r>
-            <a:r>
-              <a:rPr lang="en-US" baseline="0" dirty="0" err="1" smtClean="0"/>
-              <a:t>acumulacion</a:t>
-            </a:r>
-            <a:r>
-              <a:rPr lang="en-US" baseline="0" dirty="0" smtClean="0"/>
-              <a:t> de </a:t>
-            </a:r>
-            <a:r>
-              <a:rPr lang="en-US" baseline="0" dirty="0" err="1" smtClean="0"/>
-              <a:t>puntos</a:t>
-            </a:r>
-            <a:r>
-              <a:rPr lang="en-US" baseline="0" dirty="0" smtClean="0"/>
-              <a:t> </a:t>
-            </a:r>
-            <a:r>
-              <a:rPr lang="en-US" baseline="0" dirty="0" err="1" smtClean="0"/>
-              <a:t>para</a:t>
-            </a:r>
-            <a:r>
-              <a:rPr lang="en-US" baseline="0" dirty="0" smtClean="0"/>
-              <a:t> </a:t>
-            </a:r>
-            <a:r>
-              <a:rPr lang="en-US" baseline="0" dirty="0" err="1" smtClean="0"/>
-              <a:t>su</a:t>
-            </a:r>
-            <a:r>
-              <a:rPr lang="en-US" baseline="0" dirty="0" smtClean="0"/>
-              <a:t> posterior </a:t>
-            </a:r>
-            <a:r>
-              <a:rPr lang="en-US" baseline="0" dirty="0" err="1" smtClean="0"/>
-              <a:t>canejo</a:t>
-            </a:r>
-            <a:r>
-              <a:rPr lang="en-US" baseline="0" dirty="0" smtClean="0"/>
-              <a:t>.</a:t>
-            </a:r>
-          </a:p>
-          <a:p>
-            <a:endParaRPr lang="en-US" baseline="0" dirty="0" smtClean="0"/>
-          </a:p>
-          <a:p>
-            <a:r>
-              <a:rPr lang="en-US" baseline="0" dirty="0" smtClean="0"/>
-              <a:t>Este </a:t>
-            </a:r>
-            <a:r>
-              <a:rPr lang="en-US" baseline="0" dirty="0" err="1" smtClean="0"/>
-              <a:t>sistema</a:t>
-            </a:r>
-            <a:r>
-              <a:rPr lang="en-US" baseline="0" dirty="0" smtClean="0"/>
-              <a:t> de </a:t>
-            </a:r>
-            <a:r>
-              <a:rPr lang="en-US" baseline="0" dirty="0" err="1" smtClean="0"/>
-              <a:t>motivacion</a:t>
-            </a:r>
-            <a:r>
-              <a:rPr lang="en-US" baseline="0" dirty="0" smtClean="0"/>
-              <a:t> </a:t>
-            </a:r>
-            <a:r>
-              <a:rPr lang="en-US" baseline="0" dirty="0" err="1" smtClean="0"/>
-              <a:t>logra</a:t>
-            </a:r>
-            <a:r>
-              <a:rPr lang="en-US" baseline="0" dirty="0" smtClean="0"/>
-              <a:t> </a:t>
-            </a:r>
-            <a:r>
-              <a:rPr lang="en-US" baseline="0" dirty="0" err="1" smtClean="0"/>
-              <a:t>expandir</a:t>
-            </a:r>
-            <a:r>
-              <a:rPr lang="en-US" baseline="0" dirty="0" smtClean="0"/>
-              <a:t> el </a:t>
-            </a:r>
-            <a:r>
-              <a:rPr lang="en-US" baseline="0" dirty="0" err="1" smtClean="0"/>
-              <a:t>producto</a:t>
-            </a:r>
-            <a:r>
-              <a:rPr lang="en-US" baseline="0" dirty="0" smtClean="0"/>
-              <a:t> en el </a:t>
-            </a:r>
-            <a:r>
-              <a:rPr lang="en-US" baseline="0" dirty="0" err="1" smtClean="0"/>
-              <a:t>aspecto</a:t>
-            </a:r>
-            <a:r>
-              <a:rPr lang="en-US" baseline="0" dirty="0" smtClean="0"/>
-              <a:t> de </a:t>
-            </a:r>
-            <a:r>
-              <a:rPr lang="en-US" baseline="0" dirty="0" err="1" smtClean="0"/>
-              <a:t>cantidad</a:t>
-            </a:r>
-            <a:r>
-              <a:rPr lang="en-US" baseline="0" dirty="0" smtClean="0"/>
-              <a:t> de </a:t>
-            </a:r>
-            <a:r>
-              <a:rPr lang="en-US" baseline="0" dirty="0" err="1" smtClean="0"/>
-              <a:t>sanitarios</a:t>
-            </a:r>
-            <a:r>
-              <a:rPr lang="en-US" baseline="0" dirty="0" smtClean="0"/>
-              <a:t> </a:t>
-            </a:r>
-            <a:r>
-              <a:rPr lang="en-US" baseline="0" dirty="0" err="1" smtClean="0"/>
-              <a:t>disponibles</a:t>
-            </a:r>
-            <a:r>
-              <a:rPr lang="en-US" baseline="0" dirty="0" smtClean="0"/>
-              <a:t>, </a:t>
-            </a:r>
-            <a:r>
-              <a:rPr lang="en-US" baseline="0" dirty="0" err="1" smtClean="0"/>
-              <a:t>difundirlo</a:t>
-            </a:r>
-            <a:r>
-              <a:rPr lang="en-US" baseline="0" dirty="0" smtClean="0"/>
-              <a:t> de </a:t>
-            </a:r>
-            <a:r>
-              <a:rPr lang="en-US" baseline="0" dirty="0" err="1" smtClean="0"/>
-              <a:t>manera</a:t>
-            </a:r>
-            <a:r>
-              <a:rPr lang="en-US" baseline="0" dirty="0" smtClean="0"/>
-              <a:t> viral (via </a:t>
-            </a:r>
-            <a:r>
-              <a:rPr lang="en-US" baseline="0" dirty="0" err="1" smtClean="0"/>
-              <a:t>redes</a:t>
-            </a:r>
-            <a:r>
-              <a:rPr lang="en-US" baseline="0" dirty="0" smtClean="0"/>
-              <a:t> </a:t>
-            </a:r>
-            <a:r>
-              <a:rPr lang="en-US" baseline="0" dirty="0" err="1" smtClean="0"/>
-              <a:t>sociales</a:t>
-            </a:r>
-            <a:r>
-              <a:rPr lang="en-US" baseline="0" dirty="0" smtClean="0"/>
-              <a:t>) y </a:t>
-            </a:r>
-            <a:r>
-              <a:rPr lang="en-US" baseline="0" dirty="0" err="1" smtClean="0"/>
-              <a:t>mantiene</a:t>
-            </a:r>
-            <a:r>
-              <a:rPr lang="en-US" baseline="0" dirty="0" smtClean="0"/>
-              <a:t> a los </a:t>
-            </a:r>
-            <a:r>
-              <a:rPr lang="en-US" baseline="0" dirty="0" err="1" smtClean="0"/>
-              <a:t>usuarios</a:t>
-            </a:r>
-            <a:r>
-              <a:rPr lang="en-US" baseline="0" dirty="0" smtClean="0"/>
-              <a:t> </a:t>
-            </a:r>
-            <a:r>
-              <a:rPr lang="en-US" baseline="0" dirty="0" err="1" smtClean="0"/>
-              <a:t>involucrados</a:t>
-            </a:r>
-            <a:r>
-              <a:rPr lang="en-US" baseline="0" dirty="0" smtClean="0"/>
-              <a:t> con la </a:t>
-            </a:r>
-            <a:r>
-              <a:rPr lang="en-US" baseline="0" dirty="0" err="1" smtClean="0"/>
-              <a:t>aplicacion</a:t>
-            </a:r>
-            <a:r>
-              <a:rPr lang="en-US" baseline="0" dirty="0" smtClean="0"/>
-              <a:t> </a:t>
-            </a:r>
-            <a:r>
-              <a:rPr lang="en-US" baseline="0" dirty="0" err="1" smtClean="0"/>
-              <a:t>haciendoles</a:t>
-            </a:r>
-            <a:r>
-              <a:rPr lang="en-US" baseline="0" dirty="0" smtClean="0"/>
-              <a:t> </a:t>
-            </a:r>
-            <a:r>
-              <a:rPr lang="en-US" baseline="0" dirty="0" err="1" smtClean="0"/>
-              <a:t>sentir</a:t>
-            </a:r>
-            <a:r>
-              <a:rPr lang="en-US" baseline="0" dirty="0" smtClean="0"/>
-              <a:t> </a:t>
-            </a:r>
-            <a:r>
-              <a:rPr lang="en-US" baseline="0" dirty="0" err="1" smtClean="0"/>
-              <a:t>que</a:t>
-            </a:r>
-            <a:r>
-              <a:rPr lang="en-US" baseline="0" dirty="0" smtClean="0"/>
-              <a:t> son parte del </a:t>
-            </a:r>
-            <a:r>
-              <a:rPr lang="en-US" baseline="0" dirty="0" err="1" smtClean="0"/>
-              <a:t>desarrollo</a:t>
-            </a:r>
-            <a:r>
-              <a:rPr lang="en-US" baseline="0" dirty="0" smtClean="0"/>
-              <a:t> de la </a:t>
-            </a:r>
-            <a:r>
-              <a:rPr lang="en-US" baseline="0" dirty="0" err="1" smtClean="0"/>
-              <a:t>misma</a:t>
-            </a:r>
-            <a:r>
-              <a:rPr lang="en-US" baseline="0" dirty="0" smtClean="0"/>
-              <a:t>.</a:t>
-            </a:r>
+              <a:rPr lang="es-AR" dirty="0" smtClean="0"/>
+              <a:t>La aplicación que proponemos permite contar con todas estas prestaciones que mostramos.</a:t>
+            </a:r>
+          </a:p>
+          <a:p>
+            <a:r>
+              <a:rPr lang="es-AR" dirty="0" smtClean="0"/>
+              <a:t>Tendremos</a:t>
+            </a:r>
+            <a:r>
+              <a:rPr lang="es-AR" baseline="0" dirty="0" smtClean="0"/>
+              <a:t> en principio dos tipos de versiones para la aplicación.</a:t>
+            </a:r>
+          </a:p>
+          <a:p>
+            <a:r>
+              <a:rPr lang="es-AR" baseline="0" dirty="0" smtClean="0"/>
+              <a:t>Una versión gratuita que cuenta con todos estos servicios, es decir un usuario entrará al </a:t>
+            </a:r>
+            <a:r>
+              <a:rPr lang="es-AR" baseline="0" dirty="0" err="1" smtClean="0"/>
+              <a:t>market</a:t>
+            </a:r>
+            <a:r>
+              <a:rPr lang="es-AR" baseline="0" dirty="0" smtClean="0"/>
+              <a:t> y podrá descargarse sin costo alguno la </a:t>
+            </a:r>
+            <a:r>
+              <a:rPr lang="es-AR" baseline="0" dirty="0" err="1" smtClean="0"/>
+              <a:t>apicación</a:t>
+            </a:r>
+            <a:r>
+              <a:rPr lang="es-AR" baseline="0" dirty="0" smtClean="0"/>
+              <a:t> para comenzar a usarla, y la versión paga que por supuesto tiene todas las prestaciones de la aplicación gratuita más la posibilidad de ver y agregar fotos de los baños y por otro lado es una versión que está libre de publicidad. El costo de la descarga como vemos es de un dólar.</a:t>
+            </a:r>
+          </a:p>
+          <a:p>
+            <a:r>
+              <a:rPr lang="es-AR" baseline="0" dirty="0" smtClean="0"/>
+              <a:t>Y </a:t>
+            </a:r>
+            <a:r>
+              <a:rPr lang="es-AR" baseline="0" dirty="0" err="1" smtClean="0"/>
+              <a:t>tengase</a:t>
+            </a:r>
+            <a:r>
+              <a:rPr lang="es-AR" baseline="0" dirty="0" smtClean="0"/>
+              <a:t> en cuenta que la versión free tiene la posibilidad de actualizarse a la </a:t>
+            </a:r>
+            <a:r>
+              <a:rPr lang="es-AR" baseline="0" smtClean="0"/>
+              <a:t>versión paga.</a:t>
+            </a:r>
+            <a:endParaRPr lang="es-AR" dirty="0"/>
           </a:p>
         </p:txBody>
       </p:sp>
       <p:sp>
         <p:nvSpPr>
-          <p:cNvPr id="4" name="3 Marcador de número de diapositiva"/>
+          <p:cNvPr id="4" name="Slide Number Placeholder 3"/>
           <p:cNvSpPr>
             <a:spLocks noGrp="1"/>
           </p:cNvSpPr>
@@ -7292,6 +6225,11 @@
         </p:txBody>
       </p:sp>
     </p:spTree>
+    <p:extLst>
+      <p:ext uri="{BB962C8B-B14F-4D97-AF65-F5344CB8AC3E}">
+        <p14:creationId xmlns:p14="http://schemas.microsoft.com/office/powerpoint/2010/main" val="685780543"/>
+      </p:ext>
+    </p:extLst>
   </p:cSld>
   <p:clrMapOvr>
     <a:masterClrMapping/>
@@ -7346,6 +6284,221 @@
           <a:lstStyle/>
           <a:p>
             <a:r>
+              <a:rPr lang="en-US" dirty="0" smtClean="0"/>
+              <a:t>Las </a:t>
+            </a:r>
+            <a:r>
+              <a:rPr lang="en-US" dirty="0" err="1" smtClean="0"/>
+              <a:t>cuestiones</a:t>
+            </a:r>
+            <a:r>
+              <a:rPr lang="en-US" dirty="0" smtClean="0"/>
+              <a:t> finales</a:t>
+            </a:r>
+            <a:r>
+              <a:rPr lang="en-US" baseline="0" dirty="0" smtClean="0"/>
+              <a:t> a </a:t>
+            </a:r>
+            <a:r>
+              <a:rPr lang="en-US" baseline="0" dirty="0" err="1" smtClean="0"/>
+              <a:t>considerar</a:t>
+            </a:r>
+            <a:r>
+              <a:rPr lang="en-US" baseline="0" dirty="0" smtClean="0"/>
+              <a:t> son: </a:t>
+            </a:r>
+            <a:r>
+              <a:rPr lang="en-US" baseline="0" dirty="0" err="1" smtClean="0"/>
+              <a:t>como</a:t>
+            </a:r>
+            <a:r>
+              <a:rPr lang="en-US" baseline="0" dirty="0" smtClean="0"/>
+              <a:t> </a:t>
+            </a:r>
+            <a:r>
+              <a:rPr lang="en-US" baseline="0" dirty="0" err="1" smtClean="0"/>
+              <a:t>expandimos</a:t>
+            </a:r>
+            <a:r>
+              <a:rPr lang="en-US" baseline="0" dirty="0" smtClean="0"/>
+              <a:t> el </a:t>
+            </a:r>
+            <a:r>
+              <a:rPr lang="en-US" baseline="0" dirty="0" err="1" smtClean="0"/>
+              <a:t>producto</a:t>
+            </a:r>
+            <a:r>
+              <a:rPr lang="en-US" baseline="0" dirty="0" smtClean="0"/>
+              <a:t>? Como lo </a:t>
+            </a:r>
+            <a:r>
+              <a:rPr lang="en-US" baseline="0" dirty="0" err="1" smtClean="0"/>
+              <a:t>difundimos</a:t>
+            </a:r>
+            <a:r>
+              <a:rPr lang="en-US" baseline="0" dirty="0" smtClean="0"/>
+              <a:t>? Como </a:t>
+            </a:r>
+            <a:r>
+              <a:rPr lang="en-US" baseline="0" dirty="0" err="1" smtClean="0"/>
+              <a:t>logramos</a:t>
+            </a:r>
+            <a:r>
+              <a:rPr lang="en-US" baseline="0" dirty="0" smtClean="0"/>
+              <a:t> </a:t>
+            </a:r>
+            <a:r>
+              <a:rPr lang="en-US" baseline="0" dirty="0" err="1" smtClean="0"/>
+              <a:t>que</a:t>
+            </a:r>
+            <a:r>
+              <a:rPr lang="en-US" baseline="0" dirty="0" smtClean="0"/>
+              <a:t> sea </a:t>
+            </a:r>
+            <a:r>
+              <a:rPr lang="en-US" baseline="0" dirty="0" err="1" smtClean="0"/>
+              <a:t>aceptado</a:t>
+            </a:r>
+            <a:r>
+              <a:rPr lang="en-US" baseline="0" dirty="0" smtClean="0"/>
+              <a:t> y </a:t>
+            </a:r>
+            <a:r>
+              <a:rPr lang="en-US" baseline="0" dirty="0" err="1" smtClean="0"/>
+              <a:t>necesitado</a:t>
+            </a:r>
+            <a:r>
+              <a:rPr lang="en-US" baseline="0" dirty="0" smtClean="0"/>
+              <a:t> </a:t>
+            </a:r>
+            <a:r>
+              <a:rPr lang="en-US" baseline="0" dirty="0" err="1" smtClean="0"/>
+              <a:t>por</a:t>
+            </a:r>
+            <a:r>
+              <a:rPr lang="en-US" baseline="0" dirty="0" smtClean="0"/>
+              <a:t> </a:t>
+            </a:r>
+            <a:r>
+              <a:rPr lang="en-US" baseline="0" dirty="0" err="1" smtClean="0"/>
+              <a:t>las</a:t>
+            </a:r>
+            <a:r>
+              <a:rPr lang="en-US" baseline="0" dirty="0" smtClean="0"/>
+              <a:t> personas?</a:t>
+            </a:r>
+          </a:p>
+          <a:p>
+            <a:endParaRPr lang="en-US" baseline="0" dirty="0" smtClean="0"/>
+          </a:p>
+          <a:p>
+            <a:r>
+              <a:rPr lang="en-US" baseline="0" dirty="0" err="1" smtClean="0"/>
+              <a:t>Hemos</a:t>
+            </a:r>
+            <a:r>
+              <a:rPr lang="en-US" baseline="0" dirty="0" smtClean="0"/>
+              <a:t> </a:t>
+            </a:r>
+            <a:r>
+              <a:rPr lang="en-US" baseline="0" dirty="0" err="1" smtClean="0"/>
+              <a:t>desarrollado</a:t>
+            </a:r>
+            <a:r>
+              <a:rPr lang="en-US" baseline="0" dirty="0" smtClean="0"/>
+              <a:t> </a:t>
+            </a:r>
+            <a:r>
+              <a:rPr lang="en-US" baseline="0" dirty="0" err="1" smtClean="0"/>
+              <a:t>una</a:t>
+            </a:r>
+            <a:r>
+              <a:rPr lang="en-US" baseline="0" dirty="0" smtClean="0"/>
+              <a:t> </a:t>
+            </a:r>
+            <a:r>
+              <a:rPr lang="en-US" baseline="0" dirty="0" err="1" smtClean="0"/>
+              <a:t>estrategia</a:t>
+            </a:r>
+            <a:r>
+              <a:rPr lang="en-US" baseline="0" dirty="0" smtClean="0"/>
+              <a:t> </a:t>
+            </a:r>
+            <a:r>
+              <a:rPr lang="en-US" baseline="0" dirty="0" err="1" smtClean="0"/>
+              <a:t>que</a:t>
+            </a:r>
+            <a:r>
+              <a:rPr lang="en-US" baseline="0" dirty="0" smtClean="0"/>
+              <a:t> </a:t>
+            </a:r>
+            <a:r>
+              <a:rPr lang="en-US" baseline="0" dirty="0" err="1" smtClean="0"/>
+              <a:t>consideramos</a:t>
+            </a:r>
+            <a:r>
+              <a:rPr lang="en-US" baseline="0" dirty="0" smtClean="0"/>
+              <a:t> </a:t>
+            </a:r>
+            <a:r>
+              <a:rPr lang="en-US" baseline="0" dirty="0" err="1" smtClean="0"/>
+              <a:t>que</a:t>
+            </a:r>
+            <a:r>
+              <a:rPr lang="en-US" baseline="0" dirty="0" smtClean="0"/>
+              <a:t> </a:t>
+            </a:r>
+            <a:r>
+              <a:rPr lang="en-US" baseline="0" dirty="0" err="1" smtClean="0"/>
+              <a:t>lograra</a:t>
+            </a:r>
+            <a:r>
+              <a:rPr lang="en-US" baseline="0" dirty="0" smtClean="0"/>
+              <a:t> </a:t>
+            </a:r>
+            <a:r>
+              <a:rPr lang="en-US" baseline="0" dirty="0" err="1" smtClean="0"/>
+              <a:t>cubrir</a:t>
+            </a:r>
+            <a:r>
+              <a:rPr lang="en-US" baseline="0" dirty="0" smtClean="0"/>
+              <a:t> </a:t>
+            </a:r>
+            <a:r>
+              <a:rPr lang="en-US" baseline="0" dirty="0" err="1" smtClean="0"/>
+              <a:t>estos</a:t>
+            </a:r>
+            <a:r>
+              <a:rPr lang="en-US" baseline="0" dirty="0" smtClean="0"/>
+              <a:t> </a:t>
+            </a:r>
+            <a:r>
+              <a:rPr lang="en-US" baseline="0" dirty="0" err="1" smtClean="0"/>
+              <a:t>aspectos</a:t>
+            </a:r>
+            <a:r>
+              <a:rPr lang="en-US" baseline="0" dirty="0" smtClean="0"/>
+              <a:t> de </a:t>
+            </a:r>
+            <a:r>
+              <a:rPr lang="en-US" baseline="0" dirty="0" err="1" smtClean="0"/>
+              <a:t>manera</a:t>
+            </a:r>
+            <a:r>
+              <a:rPr lang="en-US" baseline="0" dirty="0" smtClean="0"/>
+              <a:t> </a:t>
+            </a:r>
+            <a:r>
+              <a:rPr lang="en-US" baseline="0" dirty="0" err="1" smtClean="0"/>
+              <a:t>exitosa</a:t>
+            </a:r>
+            <a:r>
+              <a:rPr lang="en-US" baseline="0" dirty="0" smtClean="0"/>
+              <a:t>. </a:t>
+            </a:r>
+          </a:p>
+          <a:p>
+            <a:r>
               <a:rPr lang="en-US" baseline="0" dirty="0" err="1" smtClean="0"/>
               <a:t>Nos</a:t>
             </a:r>
@@ -7355,7 +6508,63 @@
             </a:r>
             <a:r>
               <a:rPr lang="en-US" baseline="0" dirty="0" err="1" smtClean="0"/>
-              <a:t>queda</a:t>
+              <a:t>proponemos</a:t>
+            </a:r>
+            <a:r>
+              <a:rPr lang="en-US" baseline="0" dirty="0" smtClean="0"/>
+              <a:t> a </a:t>
+            </a:r>
+            <a:r>
+              <a:rPr lang="en-US" baseline="0" dirty="0" err="1" smtClean="0"/>
+              <a:t>utilizar</a:t>
+            </a:r>
+            <a:r>
+              <a:rPr lang="en-US" baseline="0" dirty="0" smtClean="0"/>
+              <a:t> un </a:t>
+            </a:r>
+            <a:r>
+              <a:rPr lang="en-US" baseline="0" dirty="0" err="1" smtClean="0"/>
+              <a:t>mecanismo</a:t>
+            </a:r>
+            <a:r>
+              <a:rPr lang="en-US" baseline="0" dirty="0" smtClean="0"/>
+              <a:t> de </a:t>
+            </a:r>
+            <a:r>
+              <a:rPr lang="en-US" baseline="0" dirty="0" err="1" smtClean="0"/>
+              <a:t>colaboracion</a:t>
+            </a:r>
+            <a:r>
+              <a:rPr lang="en-US" baseline="0" dirty="0" smtClean="0"/>
+              <a:t>/</a:t>
+            </a:r>
+            <a:r>
+              <a:rPr lang="en-US" baseline="0" dirty="0" err="1" smtClean="0"/>
+              <a:t>beneficio</a:t>
+            </a:r>
+            <a:r>
+              <a:rPr lang="en-US" baseline="0" dirty="0" smtClean="0"/>
+              <a:t> con los </a:t>
+            </a:r>
+            <a:r>
+              <a:rPr lang="en-US" baseline="0" dirty="0" err="1" smtClean="0"/>
+              <a:t>usuarios</a:t>
+            </a:r>
+            <a:r>
+              <a:rPr lang="en-US" baseline="0" dirty="0" smtClean="0"/>
+              <a:t> de la </a:t>
+            </a:r>
+            <a:r>
+              <a:rPr lang="en-US" baseline="0" dirty="0" err="1" smtClean="0"/>
+              <a:t>aplicacion</a:t>
+            </a:r>
+            <a:r>
+              <a:rPr lang="en-US" baseline="0" dirty="0" smtClean="0"/>
+              <a:t>, </a:t>
+            </a:r>
+            <a:r>
+              <a:rPr lang="en-US" baseline="0" dirty="0" err="1" smtClean="0"/>
+              <a:t>tal</a:t>
             </a:r>
             <a:r>
               <a:rPr lang="en-US" baseline="0" dirty="0" smtClean="0"/>
@@ -7363,15 +6572,460 @@
             </a:r>
             <a:r>
               <a:rPr lang="en-US" baseline="0" dirty="0" err="1" smtClean="0"/>
+              <a:t>que</a:t>
+            </a:r>
+            <a:r>
+              <a:rPr lang="en-US" baseline="0" dirty="0" smtClean="0"/>
+              <a:t> </a:t>
+            </a:r>
+            <a:r>
+              <a:rPr lang="es-ES" baseline="0" noProof="0" dirty="0" smtClean="0"/>
+              <a:t>los</a:t>
+            </a:r>
+            <a:r>
+              <a:rPr lang="en-US" baseline="0" dirty="0" smtClean="0"/>
+              <a:t> motive a </a:t>
+            </a:r>
+            <a:r>
+              <a:rPr lang="en-US" baseline="0" dirty="0" err="1" smtClean="0"/>
+              <a:t>utilizar</a:t>
+            </a:r>
+            <a:r>
+              <a:rPr lang="en-US" baseline="0" dirty="0" smtClean="0"/>
+              <a:t> el </a:t>
+            </a:r>
+            <a:r>
+              <a:rPr lang="en-US" baseline="0" dirty="0" err="1" smtClean="0"/>
+              <a:t>producto</a:t>
+            </a:r>
+            <a:r>
+              <a:rPr lang="en-US" baseline="0" dirty="0" smtClean="0"/>
+              <a:t> con mayor </a:t>
+            </a:r>
+            <a:r>
+              <a:rPr lang="en-US" baseline="0" dirty="0" err="1" smtClean="0"/>
+              <a:t>frecuencia</a:t>
+            </a:r>
+            <a:r>
+              <a:rPr lang="en-US" baseline="0" dirty="0" smtClean="0"/>
+              <a:t> </a:t>
+            </a:r>
+            <a:r>
+              <a:rPr lang="en-US" baseline="0" dirty="0" err="1" smtClean="0"/>
+              <a:t>asi</a:t>
+            </a:r>
+            <a:r>
+              <a:rPr lang="en-US" baseline="0" dirty="0" smtClean="0"/>
+              <a:t> </a:t>
+            </a:r>
+            <a:r>
+              <a:rPr lang="en-US" baseline="0" dirty="0" err="1" smtClean="0"/>
+              <a:t>como</a:t>
+            </a:r>
+            <a:r>
+              <a:rPr lang="en-US" baseline="0" dirty="0" smtClean="0"/>
+              <a:t> </a:t>
+            </a:r>
+            <a:r>
+              <a:rPr lang="en-US" baseline="0" dirty="0" err="1" smtClean="0"/>
+              <a:t>recomendarlo</a:t>
+            </a:r>
+            <a:r>
+              <a:rPr lang="en-US" baseline="0" dirty="0" smtClean="0"/>
+              <a:t> y </a:t>
+            </a:r>
+            <a:r>
+              <a:rPr lang="en-US" baseline="0" dirty="0" err="1" smtClean="0"/>
+              <a:t>difundirlo</a:t>
+            </a:r>
+            <a:r>
+              <a:rPr lang="es-ES" baseline="0" dirty="0" smtClean="0"/>
+              <a:t>.</a:t>
+            </a:r>
+          </a:p>
+          <a:p>
+            <a:endParaRPr lang="en-US" baseline="0" dirty="0" smtClean="0"/>
+          </a:p>
+          <a:p>
+            <a:r>
+              <a:rPr lang="en-US" baseline="0" dirty="0" err="1" smtClean="0"/>
+              <a:t>Esta</a:t>
+            </a:r>
+            <a:r>
+              <a:rPr lang="en-US" baseline="0" dirty="0" smtClean="0"/>
+              <a:t> </a:t>
+            </a:r>
+            <a:r>
+              <a:rPr lang="en-US" baseline="0" dirty="0" err="1" smtClean="0"/>
+              <a:t>metodologia</a:t>
+            </a:r>
+            <a:r>
+              <a:rPr lang="en-US" baseline="0" dirty="0" smtClean="0"/>
+              <a:t> de </a:t>
+            </a:r>
+            <a:r>
+              <a:rPr lang="en-US" baseline="0" dirty="0" err="1" smtClean="0"/>
+              <a:t>colaboracion</a:t>
+            </a:r>
+            <a:r>
+              <a:rPr lang="en-US" baseline="0" dirty="0" smtClean="0"/>
+              <a:t>/</a:t>
+            </a:r>
+            <a:r>
+              <a:rPr lang="en-US" baseline="0" dirty="0" err="1" smtClean="0"/>
+              <a:t>beneficio</a:t>
+            </a:r>
+            <a:r>
+              <a:rPr lang="en-US" baseline="0" dirty="0" smtClean="0"/>
+              <a:t> se </a:t>
+            </a:r>
+            <a:r>
+              <a:rPr lang="en-US" baseline="0" dirty="0" err="1" smtClean="0"/>
+              <a:t>basa</a:t>
+            </a:r>
+            <a:r>
+              <a:rPr lang="en-US" baseline="0" dirty="0" smtClean="0"/>
+              <a:t> en lo </a:t>
+            </a:r>
+            <a:r>
+              <a:rPr lang="en-US" baseline="0" dirty="0" err="1" smtClean="0"/>
+              <a:t>siguiente</a:t>
+            </a:r>
+            <a:r>
+              <a:rPr lang="en-US" baseline="0" dirty="0" smtClean="0"/>
+              <a:t>: </a:t>
+            </a:r>
+            <a:r>
+              <a:rPr lang="en-US" baseline="0" dirty="0" err="1" smtClean="0"/>
+              <a:t>Tenemos</a:t>
+            </a:r>
+            <a:r>
+              <a:rPr lang="en-US" baseline="0" dirty="0" smtClean="0"/>
+              <a:t> </a:t>
+            </a:r>
+            <a:r>
+              <a:rPr lang="en-US" baseline="0" dirty="0" err="1" smtClean="0"/>
+              <a:t>pensado</a:t>
+            </a:r>
+            <a:r>
+              <a:rPr lang="en-US" baseline="0" dirty="0" smtClean="0"/>
+              <a:t> </a:t>
+            </a:r>
+            <a:r>
+              <a:rPr lang="en-US" baseline="0" dirty="0" err="1" smtClean="0"/>
+              <a:t>que</a:t>
+            </a:r>
+            <a:r>
+              <a:rPr lang="en-US" baseline="0" dirty="0" smtClean="0"/>
+              <a:t> al </a:t>
+            </a:r>
+            <a:r>
+              <a:rPr lang="en-US" baseline="0" dirty="0" err="1" smtClean="0"/>
+              <a:t>momento</a:t>
+            </a:r>
+            <a:r>
+              <a:rPr lang="en-US" baseline="0" dirty="0" smtClean="0"/>
+              <a:t> de </a:t>
+            </a:r>
+            <a:r>
+              <a:rPr lang="en-US" baseline="0" dirty="0" err="1" smtClean="0"/>
+              <a:t>lanzar</a:t>
+            </a:r>
+            <a:r>
+              <a:rPr lang="en-US" baseline="0" dirty="0" smtClean="0"/>
+              <a:t> el </a:t>
+            </a:r>
+            <a:r>
+              <a:rPr lang="en-US" baseline="0" dirty="0" err="1" smtClean="0"/>
+              <a:t>producto</a:t>
+            </a:r>
+            <a:r>
+              <a:rPr lang="en-US" baseline="0" dirty="0" smtClean="0"/>
+              <a:t>, se </a:t>
+            </a:r>
+            <a:r>
+              <a:rPr lang="en-US" baseline="0" dirty="0" err="1" smtClean="0"/>
+              <a:t>encuentren</a:t>
+            </a:r>
+            <a:r>
+              <a:rPr lang="en-US" baseline="0" dirty="0" smtClean="0"/>
+              <a:t> </a:t>
+            </a:r>
+            <a:r>
+              <a:rPr lang="en-US" baseline="0" dirty="0" err="1" smtClean="0"/>
+              <a:t>cargados</a:t>
+            </a:r>
+            <a:r>
+              <a:rPr lang="en-US" baseline="0" dirty="0" smtClean="0"/>
+              <a:t> </a:t>
+            </a:r>
+            <a:r>
+              <a:rPr lang="en-US" baseline="0" dirty="0" err="1" smtClean="0"/>
+              <a:t>diversos</a:t>
+            </a:r>
+            <a:r>
+              <a:rPr lang="en-US" baseline="0" dirty="0" smtClean="0"/>
+              <a:t> </a:t>
+            </a:r>
+            <a:r>
+              <a:rPr lang="en-US" baseline="0" dirty="0" err="1" smtClean="0"/>
+              <a:t>banios</a:t>
+            </a:r>
+            <a:r>
+              <a:rPr lang="en-US" baseline="0" dirty="0" smtClean="0"/>
+              <a:t> </a:t>
+            </a:r>
+            <a:r>
+              <a:rPr lang="en-US" baseline="0" dirty="0" err="1" smtClean="0"/>
+              <a:t>publicos</a:t>
+            </a:r>
+            <a:r>
+              <a:rPr lang="en-US" baseline="0" dirty="0" smtClean="0"/>
+              <a:t> de </a:t>
+            </a:r>
+            <a:r>
+              <a:rPr lang="en-US" baseline="0" dirty="0" err="1" smtClean="0"/>
+              <a:t>diferentes</a:t>
+            </a:r>
+            <a:r>
+              <a:rPr lang="en-US" baseline="0" dirty="0" smtClean="0"/>
+              <a:t> </a:t>
+            </a:r>
+            <a:r>
+              <a:rPr lang="en-US" baseline="0" dirty="0" err="1" smtClean="0"/>
+              <a:t>zonas</a:t>
+            </a:r>
+            <a:r>
+              <a:rPr lang="en-US" baseline="0" dirty="0" smtClean="0"/>
+              <a:t>. La idea </a:t>
+            </a:r>
+            <a:r>
+              <a:rPr lang="en-US" baseline="0" dirty="0" err="1" smtClean="0"/>
+              <a:t>es</a:t>
+            </a:r>
+            <a:r>
+              <a:rPr lang="en-US" baseline="0" dirty="0" smtClean="0"/>
+              <a:t> </a:t>
+            </a:r>
+            <a:r>
+              <a:rPr lang="en-US" baseline="0" dirty="0" err="1" smtClean="0"/>
+              <a:t>que</a:t>
+            </a:r>
+            <a:r>
+              <a:rPr lang="en-US" baseline="0" dirty="0" smtClean="0"/>
+              <a:t> los </a:t>
+            </a:r>
+            <a:r>
+              <a:rPr lang="en-US" baseline="0" dirty="0" err="1" smtClean="0"/>
+              <a:t>usuarios</a:t>
+            </a:r>
+            <a:r>
+              <a:rPr lang="en-US" baseline="0" dirty="0" smtClean="0"/>
+              <a:t> </a:t>
+            </a:r>
+            <a:r>
+              <a:rPr lang="en-US" baseline="0" dirty="0" err="1" smtClean="0"/>
+              <a:t>utilicen</a:t>
+            </a:r>
+            <a:r>
+              <a:rPr lang="en-US" baseline="0" dirty="0" smtClean="0"/>
+              <a:t> la </a:t>
+            </a:r>
+            <a:r>
+              <a:rPr lang="en-US" baseline="0" dirty="0" err="1" smtClean="0"/>
+              <a:t>funcionalidad</a:t>
+            </a:r>
+            <a:r>
+              <a:rPr lang="en-US" baseline="0" dirty="0" smtClean="0"/>
+              <a:t> de </a:t>
+            </a:r>
+            <a:r>
+              <a:rPr lang="en-US" baseline="0" dirty="0" err="1" smtClean="0"/>
+              <a:t>agregar</a:t>
+            </a:r>
+            <a:r>
+              <a:rPr lang="en-US" baseline="0" dirty="0" smtClean="0"/>
+              <a:t> </a:t>
+            </a:r>
+            <a:r>
+              <a:rPr lang="en-US" baseline="0" dirty="0" err="1" smtClean="0"/>
+              <a:t>banios</a:t>
+            </a:r>
+            <a:r>
+              <a:rPr lang="en-US" baseline="0" dirty="0" smtClean="0"/>
+              <a:t> </a:t>
+            </a:r>
+            <a:r>
+              <a:rPr lang="en-US" baseline="0" dirty="0" err="1" smtClean="0"/>
+              <a:t>nuevos</a:t>
+            </a:r>
+            <a:r>
+              <a:rPr lang="en-US" baseline="0" dirty="0" smtClean="0"/>
+              <a:t>, con lo </a:t>
+            </a:r>
+            <a:r>
+              <a:rPr lang="en-US" baseline="0" dirty="0" err="1" smtClean="0"/>
+              <a:t>cual</a:t>
+            </a:r>
+            <a:r>
+              <a:rPr lang="en-US" baseline="0" dirty="0" smtClean="0"/>
+              <a:t> se </a:t>
+            </a:r>
+            <a:r>
+              <a:rPr lang="en-US" baseline="0" dirty="0" err="1" smtClean="0"/>
+              <a:t>convierten</a:t>
+            </a:r>
+            <a:r>
+              <a:rPr lang="en-US" baseline="0" dirty="0" smtClean="0"/>
+              <a:t> </a:t>
+            </a:r>
+            <a:r>
+              <a:rPr lang="en-US" baseline="0" dirty="0" err="1" smtClean="0"/>
+              <a:t>automaticamente</a:t>
+            </a:r>
+            <a:r>
+              <a:rPr lang="en-US" baseline="0" dirty="0" smtClean="0"/>
+              <a:t> en </a:t>
+            </a:r>
+            <a:r>
+              <a:rPr lang="en-US" baseline="0" dirty="0" err="1" smtClean="0"/>
+              <a:t>colaboradores</a:t>
+            </a:r>
+            <a:r>
+              <a:rPr lang="en-US" baseline="0" dirty="0" smtClean="0"/>
+              <a:t> del </a:t>
+            </a:r>
+            <a:r>
+              <a:rPr lang="en-US" baseline="0" dirty="0" err="1" smtClean="0"/>
+              <a:t>producto</a:t>
+            </a:r>
+            <a:r>
+              <a:rPr lang="en-US" baseline="0" dirty="0" smtClean="0"/>
+              <a:t>. El </a:t>
+            </a:r>
+            <a:r>
+              <a:rPr lang="en-US" baseline="0" dirty="0" err="1" smtClean="0"/>
+              <a:t>agregar</a:t>
+            </a:r>
+            <a:r>
+              <a:rPr lang="en-US" baseline="0" dirty="0" smtClean="0"/>
+              <a:t> </a:t>
+            </a:r>
+            <a:r>
+              <a:rPr lang="en-US" baseline="0" dirty="0" err="1" smtClean="0"/>
+              <a:t>sanitarios</a:t>
+            </a:r>
+            <a:r>
+              <a:rPr lang="en-US" baseline="0" dirty="0" smtClean="0"/>
+              <a:t> </a:t>
+            </a:r>
+            <a:r>
+              <a:rPr lang="en-US" baseline="0" dirty="0" err="1" smtClean="0"/>
+              <a:t>actuara</a:t>
+            </a:r>
+            <a:r>
+              <a:rPr lang="en-US" baseline="0" dirty="0" smtClean="0"/>
+              <a:t> </a:t>
+            </a:r>
+            <a:r>
+              <a:rPr lang="en-US" baseline="0" dirty="0" err="1" smtClean="0"/>
+              <a:t>como</a:t>
+            </a:r>
+            <a:r>
+              <a:rPr lang="en-US" baseline="0" dirty="0" smtClean="0"/>
+              <a:t> un </a:t>
+            </a:r>
+            <a:r>
+              <a:rPr lang="en-US" baseline="0" dirty="0" err="1" smtClean="0"/>
+              <a:t>sistema</a:t>
+            </a:r>
+            <a:r>
+              <a:rPr lang="en-US" baseline="0" dirty="0" smtClean="0"/>
+              <a:t> de </a:t>
+            </a:r>
+            <a:r>
+              <a:rPr lang="en-US" baseline="0" dirty="0" err="1" smtClean="0"/>
+              <a:t>puntos</a:t>
+            </a:r>
+            <a:r>
+              <a:rPr lang="en-US" baseline="0" dirty="0" smtClean="0"/>
+              <a:t>, </a:t>
+            </a:r>
+            <a:r>
+              <a:rPr lang="en-US" baseline="0" dirty="0" err="1" smtClean="0"/>
+              <a:t>mediante</a:t>
+            </a:r>
+            <a:r>
+              <a:rPr lang="en-US" baseline="0" dirty="0" smtClean="0"/>
+              <a:t> el </a:t>
+            </a:r>
+            <a:r>
+              <a:rPr lang="en-US" baseline="0" dirty="0" err="1" smtClean="0"/>
+              <a:t>cual</a:t>
+            </a:r>
+            <a:r>
+              <a:rPr lang="en-US" baseline="0" dirty="0" smtClean="0"/>
+              <a:t> los </a:t>
+            </a:r>
+            <a:r>
+              <a:rPr lang="en-US" baseline="0" dirty="0" err="1" smtClean="0"/>
+              <a:t>usuarios</a:t>
+            </a:r>
+            <a:r>
+              <a:rPr lang="en-US" baseline="0" dirty="0" smtClean="0"/>
+              <a:t> </a:t>
+            </a:r>
+            <a:r>
+              <a:rPr lang="en-US" baseline="0" dirty="0" err="1" smtClean="0"/>
+              <a:t>podran</a:t>
+            </a:r>
+            <a:r>
+              <a:rPr lang="en-US" baseline="0" dirty="0" smtClean="0"/>
+              <a:t> </a:t>
+            </a:r>
+            <a:r>
+              <a:rPr lang="en-US" baseline="0" dirty="0" err="1" smtClean="0"/>
+              <a:t>acumularlos</a:t>
+            </a:r>
+            <a:r>
+              <a:rPr lang="en-US" baseline="0" dirty="0" smtClean="0"/>
+              <a:t> </a:t>
+            </a:r>
+            <a:r>
+              <a:rPr lang="en-US" baseline="0" dirty="0" err="1" smtClean="0"/>
+              <a:t>para</a:t>
+            </a:r>
+            <a:r>
+              <a:rPr lang="en-US" baseline="0" dirty="0" smtClean="0"/>
+              <a:t> </a:t>
+            </a:r>
+            <a:r>
+              <a:rPr lang="en-US" baseline="0" dirty="0" err="1" smtClean="0"/>
+              <a:t>canjearlos</a:t>
+            </a:r>
+            <a:r>
+              <a:rPr lang="en-US" baseline="0" dirty="0" smtClean="0"/>
+              <a:t> </a:t>
+            </a:r>
+            <a:r>
+              <a:rPr lang="en-US" baseline="0" dirty="0" err="1" smtClean="0"/>
               <a:t>por</a:t>
             </a:r>
             <a:r>
               <a:rPr lang="en-US" baseline="0" dirty="0" smtClean="0"/>
+              <a:t> packs </a:t>
+            </a:r>
+            <a:r>
+              <a:rPr lang="en-US" baseline="0" dirty="0" err="1" smtClean="0"/>
+              <a:t>promocionales</a:t>
+            </a:r>
+            <a:r>
+              <a:rPr lang="en-US" baseline="0" dirty="0" smtClean="0"/>
               <a:t> </a:t>
             </a:r>
             <a:r>
               <a:rPr lang="en-US" baseline="0" dirty="0" err="1" smtClean="0"/>
-              <a:t>cubrir</a:t>
+              <a:t>como</a:t>
             </a:r>
             <a:r>
               <a:rPr lang="en-US" baseline="0" dirty="0" smtClean="0"/>
@@ -7379,7 +7033,244 @@
             </a:r>
             <a:r>
               <a:rPr lang="en-US" baseline="0" dirty="0" err="1" smtClean="0"/>
-              <a:t>es</a:t>
+              <a:t>por</a:t>
+            </a:r>
+            <a:r>
+              <a:rPr lang="en-US" baseline="0" dirty="0" smtClean="0"/>
+              <a:t> </a:t>
+            </a:r>
+            <a:r>
+              <a:rPr lang="en-US" baseline="0" dirty="0" err="1" smtClean="0"/>
+              <a:t>ejemplo</a:t>
+            </a:r>
+            <a:r>
+              <a:rPr lang="en-US" baseline="0" dirty="0" smtClean="0"/>
+              <a:t> la </a:t>
+            </a:r>
+            <a:r>
+              <a:rPr lang="en-US" baseline="0" dirty="0" err="1" smtClean="0"/>
+              <a:t>aplicacion</a:t>
+            </a:r>
+            <a:r>
+              <a:rPr lang="en-US" baseline="0" dirty="0" smtClean="0"/>
+              <a:t> sin </a:t>
+            </a:r>
+            <a:r>
+              <a:rPr lang="en-US" baseline="0" dirty="0" err="1" smtClean="0"/>
+              <a:t>publicidad</a:t>
+            </a:r>
+            <a:r>
+              <a:rPr lang="en-US" baseline="0" dirty="0" smtClean="0"/>
+              <a:t>, o con </a:t>
+            </a:r>
+            <a:r>
+              <a:rPr lang="en-US" baseline="0" dirty="0" err="1" smtClean="0"/>
+              <a:t>caracteristicas</a:t>
+            </a:r>
+            <a:r>
+              <a:rPr lang="en-US" baseline="0" dirty="0" smtClean="0"/>
+              <a:t> </a:t>
+            </a:r>
+            <a:r>
+              <a:rPr lang="en-US" baseline="0" dirty="0" err="1" smtClean="0"/>
+              <a:t>especiales</a:t>
+            </a:r>
+            <a:r>
+              <a:rPr lang="en-US" baseline="0" dirty="0" smtClean="0"/>
+              <a:t> </a:t>
+            </a:r>
+            <a:r>
+              <a:rPr lang="en-US" baseline="0" dirty="0" err="1" smtClean="0"/>
+              <a:t>como</a:t>
+            </a:r>
+            <a:r>
+              <a:rPr lang="en-US" baseline="0" dirty="0" smtClean="0"/>
+              <a:t> la </a:t>
+            </a:r>
+            <a:r>
+              <a:rPr lang="en-US" baseline="0" dirty="0" err="1" smtClean="0"/>
+              <a:t>busqueda</a:t>
+            </a:r>
+            <a:r>
+              <a:rPr lang="en-US" baseline="0" dirty="0" smtClean="0"/>
+              <a:t> de </a:t>
+            </a:r>
+            <a:r>
+              <a:rPr lang="en-US" baseline="0" dirty="0" err="1" smtClean="0"/>
+              <a:t>sanitarios</a:t>
+            </a:r>
+            <a:r>
+              <a:rPr lang="en-US" baseline="0" dirty="0" smtClean="0"/>
+              <a:t> </a:t>
+            </a:r>
+            <a:r>
+              <a:rPr lang="en-US" baseline="0" dirty="0" err="1" smtClean="0"/>
+              <a:t>especificos</a:t>
+            </a:r>
+            <a:r>
+              <a:rPr lang="en-US" baseline="0" dirty="0" smtClean="0"/>
+              <a:t> no </a:t>
+            </a:r>
+            <a:r>
+              <a:rPr lang="en-US" baseline="0" dirty="0" err="1" smtClean="0"/>
+              <a:t>necesariamente</a:t>
+            </a:r>
+            <a:r>
+              <a:rPr lang="en-US" baseline="0" dirty="0" smtClean="0"/>
+              <a:t> </a:t>
+            </a:r>
+            <a:r>
+              <a:rPr lang="en-US" baseline="0" dirty="0" err="1" smtClean="0"/>
+              <a:t>cercanos</a:t>
+            </a:r>
+            <a:r>
+              <a:rPr lang="en-US" baseline="0" dirty="0" smtClean="0"/>
+              <a:t> al </a:t>
+            </a:r>
+            <a:r>
+              <a:rPr lang="en-US" baseline="0" dirty="0" err="1" smtClean="0"/>
+              <a:t>lugar</a:t>
+            </a:r>
+            <a:r>
+              <a:rPr lang="en-US" baseline="0" dirty="0" smtClean="0"/>
+              <a:t> </a:t>
+            </a:r>
+            <a:r>
+              <a:rPr lang="en-US" baseline="0" dirty="0" err="1" smtClean="0"/>
+              <a:t>donde</a:t>
+            </a:r>
+            <a:r>
+              <a:rPr lang="en-US" baseline="0" dirty="0" smtClean="0"/>
+              <a:t> se </a:t>
+            </a:r>
+            <a:r>
+              <a:rPr lang="en-US" baseline="0" dirty="0" err="1" smtClean="0"/>
+              <a:t>encuentran</a:t>
+            </a:r>
+            <a:r>
+              <a:rPr lang="en-US" baseline="0" dirty="0" smtClean="0"/>
+              <a:t>.</a:t>
+            </a:r>
+          </a:p>
+          <a:p>
+            <a:endParaRPr lang="en-US" baseline="0" dirty="0" smtClean="0"/>
+          </a:p>
+          <a:p>
+            <a:r>
+              <a:rPr lang="es-ES" baseline="0" noProof="0" dirty="0" err="1" smtClean="0"/>
+              <a:t>Asi</a:t>
+            </a:r>
+            <a:r>
+              <a:rPr lang="en-US" baseline="0" dirty="0" smtClean="0"/>
+              <a:t> </a:t>
+            </a:r>
+            <a:r>
+              <a:rPr lang="es-ES" baseline="0" noProof="0" dirty="0" smtClean="0"/>
+              <a:t>como</a:t>
+            </a:r>
+            <a:r>
+              <a:rPr lang="en-US" baseline="0" dirty="0" smtClean="0"/>
+              <a:t> </a:t>
+            </a:r>
+            <a:r>
+              <a:rPr lang="en-US" baseline="0" dirty="0" err="1" smtClean="0"/>
+              <a:t>agregar</a:t>
+            </a:r>
+            <a:r>
+              <a:rPr lang="en-US" baseline="0" dirty="0" smtClean="0"/>
+              <a:t> </a:t>
+            </a:r>
+            <a:r>
+              <a:rPr lang="en-US" baseline="0" dirty="0" err="1" smtClean="0"/>
+              <a:t>sanitarios</a:t>
+            </a:r>
+            <a:r>
+              <a:rPr lang="en-US" baseline="0" dirty="0" smtClean="0"/>
+              <a:t>, el </a:t>
+            </a:r>
+            <a:r>
+              <a:rPr lang="en-US" baseline="0" dirty="0" err="1" smtClean="0"/>
+              <a:t>compartir</a:t>
+            </a:r>
+            <a:r>
+              <a:rPr lang="en-US" baseline="0" dirty="0" smtClean="0"/>
+              <a:t> la </a:t>
+            </a:r>
+            <a:r>
+              <a:rPr lang="en-US" baseline="0" dirty="0" err="1" smtClean="0"/>
+              <a:t>aplicacion</a:t>
+            </a:r>
+            <a:r>
+              <a:rPr lang="en-US" baseline="0" dirty="0" smtClean="0"/>
+              <a:t> via </a:t>
+            </a:r>
+            <a:r>
+              <a:rPr lang="en-US" baseline="0" dirty="0" err="1" smtClean="0"/>
+              <a:t>redes</a:t>
+            </a:r>
+            <a:r>
+              <a:rPr lang="en-US" baseline="0" dirty="0" smtClean="0"/>
+              <a:t> </a:t>
+            </a:r>
+            <a:r>
+              <a:rPr lang="en-US" baseline="0" dirty="0" err="1" smtClean="0"/>
+              <a:t>sociales</a:t>
+            </a:r>
+            <a:r>
+              <a:rPr lang="en-US" baseline="0" dirty="0" smtClean="0"/>
+              <a:t> o </a:t>
+            </a:r>
+            <a:r>
+              <a:rPr lang="en-US" baseline="0" dirty="0" err="1" smtClean="0"/>
+              <a:t>calificarla</a:t>
+            </a:r>
+            <a:r>
+              <a:rPr lang="en-US" baseline="0" dirty="0" smtClean="0"/>
+              <a:t> en los </a:t>
+            </a:r>
+            <a:r>
+              <a:rPr lang="en-US" baseline="0" dirty="0" err="1" smtClean="0"/>
+              <a:t>distintos</a:t>
+            </a:r>
+            <a:r>
+              <a:rPr lang="en-US" baseline="0" dirty="0" smtClean="0"/>
+              <a:t> </a:t>
+            </a:r>
+            <a:r>
+              <a:rPr lang="en-US" baseline="0" dirty="0" err="1" smtClean="0"/>
+              <a:t>centros</a:t>
+            </a:r>
+            <a:r>
+              <a:rPr lang="en-US" baseline="0" dirty="0" smtClean="0"/>
+              <a:t> </a:t>
+            </a:r>
+            <a:r>
+              <a:rPr lang="en-US" baseline="0" dirty="0" err="1" smtClean="0"/>
+              <a:t>donde</a:t>
+            </a:r>
+            <a:r>
+              <a:rPr lang="en-US" baseline="0" dirty="0" smtClean="0"/>
+              <a:t> se la </a:t>
+            </a:r>
+            <a:r>
+              <a:rPr lang="en-US" baseline="0" dirty="0" err="1" smtClean="0"/>
+              <a:t>ofrezca</a:t>
+            </a:r>
+            <a:r>
+              <a:rPr lang="en-US" baseline="0" dirty="0" smtClean="0"/>
+              <a:t> </a:t>
+            </a:r>
+            <a:r>
+              <a:rPr lang="en-US" baseline="0" dirty="0" err="1" smtClean="0"/>
+              <a:t>tambien</a:t>
+            </a:r>
+            <a:r>
+              <a:rPr lang="en-US" baseline="0" dirty="0" smtClean="0"/>
+              <a:t> </a:t>
+            </a:r>
+            <a:r>
+              <a:rPr lang="en-US" baseline="0" dirty="0" err="1" smtClean="0"/>
+              <a:t>implica</a:t>
             </a:r>
             <a:r>
               <a:rPr lang="en-US" baseline="0" dirty="0" smtClean="0"/>
@@ -7387,17 +7278,23 @@
             </a:r>
             <a:r>
               <a:rPr lang="en-US" baseline="0" dirty="0" err="1" smtClean="0"/>
-              <a:t>tema</a:t>
-            </a:r>
-            <a:r>
-              <a:rPr lang="en-US" baseline="0" dirty="0" smtClean="0"/>
-              <a:t> legal.</a:t>
-            </a:r>
-          </a:p>
-          <a:p>
-            <a:r>
-              <a:rPr lang="en-US" baseline="0" dirty="0" err="1" smtClean="0"/>
-              <a:t>Nos</a:t>
+              <a:t>beneficio</a:t>
+            </a:r>
+            <a:r>
+              <a:rPr lang="en-US" baseline="0" dirty="0" smtClean="0"/>
+              <a:t> de </a:t>
+            </a:r>
+            <a:r>
+              <a:rPr lang="en-US" baseline="0" dirty="0" err="1" smtClean="0"/>
+              <a:t>acumulacion</a:t>
+            </a:r>
+            <a:r>
+              <a:rPr lang="en-US" baseline="0" dirty="0" smtClean="0"/>
+              <a:t> de </a:t>
+            </a:r>
+            <a:r>
+              <a:rPr lang="en-US" baseline="0" dirty="0" err="1" smtClean="0"/>
+              <a:t>puntos</a:t>
             </a:r>
             <a:r>
               <a:rPr lang="en-US" baseline="0" dirty="0" smtClean="0"/>
@@ -7405,85 +7302,213 @@
             </a:r>
             <a:r>
               <a:rPr lang="en-US" baseline="0" dirty="0" err="1" smtClean="0"/>
-              <a:t>amparan</a:t>
-            </a:r>
-            <a:r>
-              <a:rPr lang="en-US" baseline="0" dirty="0" smtClean="0"/>
-              <a:t> la </a:t>
-            </a:r>
-            <a:r>
-              <a:rPr lang="es-AR" dirty="0" smtClean="0"/>
-              <a:t>ley de acceso a la </a:t>
-            </a:r>
-            <a:r>
-              <a:rPr lang="es-AR" dirty="0" err="1" smtClean="0"/>
-              <a:t>informacion</a:t>
-            </a:r>
-            <a:r>
-              <a:rPr lang="es-AR" dirty="0" smtClean="0"/>
-              <a:t> publica, en cuanto a la divulgación de datos</a:t>
-            </a:r>
-            <a:r>
-              <a:rPr lang="es-AR" baseline="0" dirty="0" smtClean="0"/>
-              <a:t> respecto de direcciones y demás.</a:t>
-            </a:r>
-          </a:p>
-          <a:p>
-            <a:r>
-              <a:rPr lang="es-AR" baseline="0" dirty="0" smtClean="0"/>
-              <a:t>Y en cuanto al acceso a baños de cafés y </a:t>
-            </a:r>
-            <a:r>
-              <a:rPr lang="es-AR" baseline="0" dirty="0" err="1" smtClean="0"/>
-              <a:t>restauranes</a:t>
-            </a:r>
-            <a:r>
-              <a:rPr lang="es-AR" baseline="0" dirty="0" smtClean="0"/>
-              <a:t> en CABA las resoluciones </a:t>
-            </a:r>
-            <a:r>
-              <a:rPr lang="es-AR" b="1" dirty="0" smtClean="0">
-                <a:effectLst/>
-              </a:rPr>
-              <a:t>Nº 46798 y </a:t>
-            </a:r>
-            <a:r>
-              <a:rPr lang="es-AR" sz="1200" b="1" kern="1200" dirty="0" smtClean="0">
-                <a:solidFill>
-                  <a:schemeClr val="tx1"/>
-                </a:solidFill>
-                <a:effectLst/>
-                <a:latin typeface="+mn-lt"/>
-                <a:ea typeface="+mn-ea"/>
-                <a:cs typeface="+mn-cs"/>
-              </a:rPr>
-              <a:t>DECRETO</a:t>
-            </a:r>
-            <a:r>
-              <a:rPr lang="es-AR" sz="1200" kern="1200" dirty="0" smtClean="0">
-                <a:solidFill>
-                  <a:schemeClr val="tx1"/>
-                </a:solidFill>
-                <a:effectLst/>
-                <a:latin typeface="+mn-lt"/>
-                <a:ea typeface="+mn-ea"/>
-                <a:cs typeface="+mn-cs"/>
-              </a:rPr>
-              <a:t> Nº </a:t>
-            </a:r>
-            <a:r>
-              <a:rPr lang="es-AR" sz="1200" b="1" kern="1200" dirty="0" smtClean="0">
-                <a:solidFill>
-                  <a:schemeClr val="tx1"/>
-                </a:solidFill>
-                <a:effectLst/>
-                <a:latin typeface="+mn-lt"/>
-                <a:ea typeface="+mn-ea"/>
-                <a:cs typeface="+mn-cs"/>
-              </a:rPr>
-              <a:t>193.</a:t>
-            </a:r>
+              <a:t>para</a:t>
+            </a:r>
+            <a:r>
+              <a:rPr lang="en-US" baseline="0" dirty="0" smtClean="0"/>
+              <a:t> </a:t>
+            </a:r>
+            <a:r>
+              <a:rPr lang="en-US" baseline="0" dirty="0" err="1" smtClean="0"/>
+              <a:t>su</a:t>
+            </a:r>
+            <a:r>
+              <a:rPr lang="en-US" baseline="0" dirty="0" smtClean="0"/>
+              <a:t> posterior </a:t>
+            </a:r>
+            <a:r>
+              <a:rPr lang="en-US" baseline="0" dirty="0" err="1" smtClean="0"/>
+              <a:t>canejo</a:t>
+            </a:r>
+            <a:r>
+              <a:rPr lang="en-US" baseline="0" dirty="0" smtClean="0"/>
+              <a:t>.</a:t>
+            </a:r>
+          </a:p>
+          <a:p>
             <a:endParaRPr lang="en-US" baseline="0" dirty="0" smtClean="0"/>
+          </a:p>
+          <a:p>
+            <a:r>
+              <a:rPr lang="en-US" baseline="0" dirty="0" smtClean="0"/>
+              <a:t>Este </a:t>
+            </a:r>
+            <a:r>
+              <a:rPr lang="en-US" baseline="0" dirty="0" err="1" smtClean="0"/>
+              <a:t>sistema</a:t>
+            </a:r>
+            <a:r>
+              <a:rPr lang="en-US" baseline="0" dirty="0" smtClean="0"/>
+              <a:t> de </a:t>
+            </a:r>
+            <a:r>
+              <a:rPr lang="en-US" baseline="0" dirty="0" err="1" smtClean="0"/>
+              <a:t>motivacion</a:t>
+            </a:r>
+            <a:r>
+              <a:rPr lang="en-US" baseline="0" dirty="0" smtClean="0"/>
+              <a:t> </a:t>
+            </a:r>
+            <a:r>
+              <a:rPr lang="en-US" baseline="0" dirty="0" err="1" smtClean="0"/>
+              <a:t>logra</a:t>
+            </a:r>
+            <a:r>
+              <a:rPr lang="en-US" baseline="0" dirty="0" smtClean="0"/>
+              <a:t> </a:t>
+            </a:r>
+            <a:r>
+              <a:rPr lang="en-US" baseline="0" dirty="0" err="1" smtClean="0"/>
+              <a:t>expandir</a:t>
+            </a:r>
+            <a:r>
+              <a:rPr lang="en-US" baseline="0" dirty="0" smtClean="0"/>
+              <a:t> el </a:t>
+            </a:r>
+            <a:r>
+              <a:rPr lang="en-US" baseline="0" dirty="0" err="1" smtClean="0"/>
+              <a:t>producto</a:t>
+            </a:r>
+            <a:r>
+              <a:rPr lang="en-US" baseline="0" dirty="0" smtClean="0"/>
+              <a:t> en el </a:t>
+            </a:r>
+            <a:r>
+              <a:rPr lang="en-US" baseline="0" dirty="0" err="1" smtClean="0"/>
+              <a:t>aspecto</a:t>
+            </a:r>
+            <a:r>
+              <a:rPr lang="en-US" baseline="0" dirty="0" smtClean="0"/>
+              <a:t> de </a:t>
+            </a:r>
+            <a:r>
+              <a:rPr lang="en-US" baseline="0" dirty="0" err="1" smtClean="0"/>
+              <a:t>cantidad</a:t>
+            </a:r>
+            <a:r>
+              <a:rPr lang="en-US" baseline="0" dirty="0" smtClean="0"/>
+              <a:t> de </a:t>
+            </a:r>
+            <a:r>
+              <a:rPr lang="en-US" baseline="0" dirty="0" err="1" smtClean="0"/>
+              <a:t>sanitarios</a:t>
+            </a:r>
+            <a:r>
+              <a:rPr lang="en-US" baseline="0" dirty="0" smtClean="0"/>
+              <a:t> </a:t>
+            </a:r>
+            <a:r>
+              <a:rPr lang="en-US" baseline="0" dirty="0" err="1" smtClean="0"/>
+              <a:t>disponibles</a:t>
+            </a:r>
+            <a:r>
+              <a:rPr lang="en-US" baseline="0" dirty="0" smtClean="0"/>
+              <a:t>, </a:t>
+            </a:r>
+            <a:r>
+              <a:rPr lang="en-US" baseline="0" dirty="0" err="1" smtClean="0"/>
+              <a:t>difundirlo</a:t>
+            </a:r>
+            <a:r>
+              <a:rPr lang="en-US" baseline="0" dirty="0" smtClean="0"/>
+              <a:t> de </a:t>
+            </a:r>
+            <a:r>
+              <a:rPr lang="en-US" baseline="0" dirty="0" err="1" smtClean="0"/>
+              <a:t>manera</a:t>
+            </a:r>
+            <a:r>
+              <a:rPr lang="en-US" baseline="0" dirty="0" smtClean="0"/>
+              <a:t> viral (via </a:t>
+            </a:r>
+            <a:r>
+              <a:rPr lang="en-US" baseline="0" dirty="0" err="1" smtClean="0"/>
+              <a:t>redes</a:t>
+            </a:r>
+            <a:r>
+              <a:rPr lang="en-US" baseline="0" dirty="0" smtClean="0"/>
+              <a:t> </a:t>
+            </a:r>
+            <a:r>
+              <a:rPr lang="en-US" baseline="0" dirty="0" err="1" smtClean="0"/>
+              <a:t>sociales</a:t>
+            </a:r>
+            <a:r>
+              <a:rPr lang="en-US" baseline="0" dirty="0" smtClean="0"/>
+              <a:t>) y </a:t>
+            </a:r>
+            <a:r>
+              <a:rPr lang="en-US" baseline="0" dirty="0" err="1" smtClean="0"/>
+              <a:t>mantiene</a:t>
+            </a:r>
+            <a:r>
+              <a:rPr lang="en-US" baseline="0" dirty="0" smtClean="0"/>
+              <a:t> a los </a:t>
+            </a:r>
+            <a:r>
+              <a:rPr lang="en-US" baseline="0" dirty="0" err="1" smtClean="0"/>
+              <a:t>usuarios</a:t>
+            </a:r>
+            <a:r>
+              <a:rPr lang="en-US" baseline="0" dirty="0" smtClean="0"/>
+              <a:t> </a:t>
+            </a:r>
+            <a:r>
+              <a:rPr lang="en-US" baseline="0" dirty="0" err="1" smtClean="0"/>
+              <a:t>involucrados</a:t>
+            </a:r>
+            <a:r>
+              <a:rPr lang="en-US" baseline="0" dirty="0" smtClean="0"/>
+              <a:t> con la </a:t>
+            </a:r>
+            <a:r>
+              <a:rPr lang="en-US" baseline="0" dirty="0" err="1" smtClean="0"/>
+              <a:t>aplicacion</a:t>
+            </a:r>
+            <a:r>
+              <a:rPr lang="en-US" baseline="0" dirty="0" smtClean="0"/>
+              <a:t> </a:t>
+            </a:r>
+            <a:r>
+              <a:rPr lang="en-US" baseline="0" dirty="0" err="1" smtClean="0"/>
+              <a:t>haciendoles</a:t>
+            </a:r>
+            <a:r>
+              <a:rPr lang="en-US" baseline="0" dirty="0" smtClean="0"/>
+              <a:t> </a:t>
+            </a:r>
+            <a:r>
+              <a:rPr lang="en-US" baseline="0" dirty="0" err="1" smtClean="0"/>
+              <a:t>sentir</a:t>
+            </a:r>
+            <a:r>
+              <a:rPr lang="en-US" baseline="0" dirty="0" smtClean="0"/>
+              <a:t> </a:t>
+            </a:r>
+            <a:r>
+              <a:rPr lang="en-US" baseline="0" dirty="0" err="1" smtClean="0"/>
+              <a:t>que</a:t>
+            </a:r>
+            <a:r>
+              <a:rPr lang="en-US" baseline="0" dirty="0" smtClean="0"/>
+              <a:t> son parte del </a:t>
+            </a:r>
+            <a:r>
+              <a:rPr lang="en-US" baseline="0" dirty="0" err="1" smtClean="0"/>
+              <a:t>desarrollo</a:t>
+            </a:r>
+            <a:r>
+              <a:rPr lang="en-US" baseline="0" dirty="0" smtClean="0"/>
+              <a:t> de la </a:t>
+            </a:r>
+            <a:r>
+              <a:rPr lang="en-US" baseline="0" dirty="0" err="1" smtClean="0"/>
+              <a:t>misma</a:t>
+            </a:r>
+            <a:r>
+              <a:rPr lang="en-US" baseline="0" dirty="0" smtClean="0"/>
+              <a:t>.</a:t>
+            </a:r>
           </a:p>
         </p:txBody>
       </p:sp>
@@ -7538,7 +7563,7 @@
       </p:grpSpPr>
       <p:sp>
         <p:nvSpPr>
-          <p:cNvPr id="2" name="Slide Image Placeholder 1"/>
+          <p:cNvPr id="2" name="1 Marcador de imagen de diapositiva"/>
           <p:cNvSpPr>
             <a:spLocks noGrp="1" noRot="1" noChangeAspect="1"/>
           </p:cNvSpPr>
@@ -7550,7 +7575,7 @@
       </p:sp>
       <p:sp>
         <p:nvSpPr>
-          <p:cNvPr id="3" name="Notes Placeholder 2"/>
+          <p:cNvPr id="3" name="2 Marcador de notas"/>
           <p:cNvSpPr>
             <a:spLocks noGrp="1"/>
           </p:cNvSpPr>
@@ -7560,48 +7585,156 @@
         </p:nvSpPr>
         <p:spPr/>
         <p:txBody>
-          <a:bodyPr/>
+          <a:bodyPr>
+            <a:normAutofit lnSpcReduction="10000"/>
+          </a:bodyPr>
           <a:lstStyle/>
           <a:p>
-            <a:pPr marL="0" marR="0" indent="0" algn="l" defTabSz="914400" rtl="0" eaLnBrk="1" fontAlgn="auto" latinLnBrk="0" hangingPunct="1">
-              <a:lnSpc>
-                <a:spcPct val="100000"/>
-              </a:lnSpc>
-              <a:spcBef>
-                <a:spcPts val="0"/>
-              </a:spcBef>
-              <a:spcAft>
-                <a:spcPts val="0"/>
-              </a:spcAft>
-              <a:buClrTx/>
-              <a:buSzTx/>
-              <a:buFontTx/>
-              <a:buNone/>
-              <a:tabLst/>
-              <a:defRPr/>
-            </a:pPr>
+            <a:r>
+              <a:rPr lang="en-US" baseline="0" dirty="0" err="1" smtClean="0"/>
+              <a:t>Nos</a:t>
+            </a:r>
+            <a:r>
+              <a:rPr lang="en-US" baseline="0" dirty="0" smtClean="0"/>
+              <a:t> </a:t>
+            </a:r>
+            <a:r>
+              <a:rPr lang="en-US" baseline="0" dirty="0" err="1" smtClean="0"/>
+              <a:t>queda</a:t>
+            </a:r>
+            <a:r>
+              <a:rPr lang="en-US" baseline="0" dirty="0" smtClean="0"/>
+              <a:t> </a:t>
+            </a:r>
+            <a:r>
+              <a:rPr lang="en-US" baseline="0" dirty="0" err="1" smtClean="0"/>
+              <a:t>por</a:t>
+            </a:r>
+            <a:r>
+              <a:rPr lang="en-US" baseline="0" dirty="0" smtClean="0"/>
+              <a:t> </a:t>
+            </a:r>
+            <a:r>
+              <a:rPr lang="en-US" baseline="0" dirty="0" err="1" smtClean="0"/>
+              <a:t>cubrir</a:t>
+            </a:r>
+            <a:r>
+              <a:rPr lang="en-US" baseline="0" dirty="0" smtClean="0"/>
+              <a:t> </a:t>
+            </a:r>
+            <a:r>
+              <a:rPr lang="en-US" baseline="0" dirty="0" err="1" smtClean="0"/>
+              <a:t>es</a:t>
+            </a:r>
+            <a:r>
+              <a:rPr lang="en-US" baseline="0" dirty="0" smtClean="0"/>
+              <a:t> el </a:t>
+            </a:r>
+            <a:r>
+              <a:rPr lang="en-US" baseline="0" dirty="0" err="1" smtClean="0"/>
+              <a:t>tema</a:t>
+            </a:r>
+            <a:r>
+              <a:rPr lang="en-US" baseline="0" dirty="0" smtClean="0"/>
+              <a:t> legal.</a:t>
+            </a:r>
+          </a:p>
+          <a:p>
+            <a:r>
+              <a:rPr lang="en-US" baseline="0" dirty="0" err="1" smtClean="0"/>
+              <a:t>Nos</a:t>
+            </a:r>
+            <a:r>
+              <a:rPr lang="en-US" baseline="0" dirty="0" smtClean="0"/>
+              <a:t> </a:t>
+            </a:r>
+            <a:r>
+              <a:rPr lang="en-US" baseline="0" dirty="0" err="1" smtClean="0"/>
+              <a:t>amparan</a:t>
+            </a:r>
+            <a:r>
+              <a:rPr lang="en-US" baseline="0" dirty="0" smtClean="0"/>
+              <a:t> la </a:t>
+            </a:r>
             <a:r>
               <a:rPr lang="es-AR" dirty="0" smtClean="0"/>
-              <a:t>Luego</a:t>
-            </a:r>
-            <a:r>
-              <a:rPr lang="es-AR" baseline="0" dirty="0" smtClean="0"/>
-              <a:t> de escuchar sobre el producto, probablemente </a:t>
+              <a:t>ley de acceso a la </a:t>
+            </a:r>
+            <a:r>
+              <a:rPr lang="es-AR" dirty="0" err="1" smtClean="0"/>
+              <a:t>informacion</a:t>
+            </a:r>
+            <a:r>
+              <a:rPr lang="es-AR" dirty="0" smtClean="0"/>
+              <a:t> publica, en cuanto a la divulgación de datos</a:t>
+            </a:r>
+            <a:r>
+              <a:rPr lang="es-AR" baseline="0" dirty="0" smtClean="0"/>
+              <a:t> respecto de direcciones y demás.</a:t>
+            </a:r>
+          </a:p>
+          <a:p>
+            <a:r>
+              <a:rPr lang="es-AR" baseline="0" dirty="0" smtClean="0"/>
+              <a:t>Y en cuanto al acceso a baños de cafés y </a:t>
             </a:r>
             <a:r>
               <a:rPr lang="es-AR" baseline="0" dirty="0" err="1" smtClean="0"/>
-              <a:t>esten</a:t>
-            </a:r>
-            <a:r>
-              <a:rPr lang="es-AR" baseline="0" dirty="0" smtClean="0"/>
-              <a:t> pensando “esto muy lindo, realmente me gustaría tener esta aplicación, pero realmente voy a ganar dinero con ella?”. Pues sí señores. Hemos analizado distintos escenarios basados en casos reales y a modo de ejemplo les mostraremos dos de ellos</a:t>
-            </a:r>
+              <a:t>restauranes</a:t>
+            </a:r>
+            <a:r>
+              <a:rPr lang="es-AR" baseline="0" dirty="0" smtClean="0"/>
+              <a:t> en CABA las resoluciones </a:t>
+            </a:r>
+            <a:r>
+              <a:rPr lang="es-AR" b="1" dirty="0" smtClean="0">
+                <a:effectLst/>
+              </a:rPr>
+              <a:t>Nº 46798 y </a:t>
+            </a:r>
+            <a:r>
+              <a:rPr lang="es-AR" sz="1200" b="1" kern="1200" dirty="0" smtClean="0">
+                <a:solidFill>
+                  <a:schemeClr val="tx1"/>
+                </a:solidFill>
+                <a:effectLst/>
+                <a:latin typeface="+mn-lt"/>
+                <a:ea typeface="+mn-ea"/>
+                <a:cs typeface="+mn-cs"/>
+              </a:rPr>
+              <a:t>DECRETO</a:t>
+            </a:r>
+            <a:r>
+              <a:rPr lang="es-AR" sz="1200" kern="1200" dirty="0" smtClean="0">
+                <a:solidFill>
+                  <a:schemeClr val="tx1"/>
+                </a:solidFill>
+                <a:effectLst/>
+                <a:latin typeface="+mn-lt"/>
+                <a:ea typeface="+mn-ea"/>
+                <a:cs typeface="+mn-cs"/>
+              </a:rPr>
+              <a:t> Nº </a:t>
+            </a:r>
+            <a:r>
+              <a:rPr lang="es-AR" sz="1200" b="1" kern="1200" dirty="0" smtClean="0">
+                <a:solidFill>
+                  <a:schemeClr val="tx1"/>
+                </a:solidFill>
+                <a:effectLst/>
+                <a:latin typeface="+mn-lt"/>
+                <a:ea typeface="+mn-ea"/>
+                <a:cs typeface="+mn-cs"/>
+              </a:rPr>
+              <a:t>193.</a:t>
+            </a:r>
+            <a:endParaRPr lang="en-US" baseline="0" dirty="0" smtClean="0"/>
           </a:p>
         </p:txBody>
       </p:sp>
       <p:sp>
         <p:nvSpPr>
-          <p:cNvPr id="4" name="Slide Number Placeholder 3"/>
+          <p:cNvPr id="4" name="3 Marcador de número de diapositiva"/>
           <p:cNvSpPr>
             <a:spLocks noGrp="1"/>
           </p:cNvSpPr>
@@ -7624,11 +7757,6 @@
         </p:txBody>
       </p:sp>
     </p:spTree>
-    <p:extLst>
-      <p:ext uri="{BB962C8B-B14F-4D97-AF65-F5344CB8AC3E}">
-        <p14:creationId xmlns:p14="http://schemas.microsoft.com/office/powerpoint/2010/main" val="448154425"/>
-      </p:ext>
-    </p:extLst>
   </p:cSld>
   <p:clrMapOvr>
     <a:masterClrMapping/>
@@ -11038,12 +11166,61 @@
       </p:grpSpPr>
       <p:sp>
         <p:nvSpPr>
-          <p:cNvPr id="2" name="Title 1"/>
+          <p:cNvPr id="4" name="Title 1"/>
           <p:cNvSpPr>
             <a:spLocks noGrp="1"/>
           </p:cNvSpPr>
           <p:nvPr>
-            <p:ph type="title"/>
+            <p:ph type="ctrTitle"/>
+          </p:nvPr>
+        </p:nvSpPr>
+        <p:spPr/>
+        <p:txBody>
+          <a:bodyPr>
+            <a:normAutofit fontScale="90000"/>
+          </a:bodyPr>
+          <a:lstStyle/>
+          <a:p>
+            <a:r>
+              <a:rPr lang="es-AR" dirty="0" smtClean="0"/>
+              <a:t/>
+            </a:r>
+            <a:br>
+              <a:rPr lang="es-AR" dirty="0" smtClean="0"/>
+            </a:br>
+            <a:r>
+              <a:rPr lang="es-AR" dirty="0"/>
+              <a:t/>
+            </a:r>
+            <a:br>
+              <a:rPr lang="es-AR" dirty="0"/>
+            </a:br>
+            <a:r>
+              <a:rPr lang="es-AR" dirty="0" smtClean="0"/>
+              <a:t/>
+            </a:r>
+            <a:br>
+              <a:rPr lang="es-AR" dirty="0" smtClean="0"/>
+            </a:br>
+            <a:r>
+              <a:rPr lang="es-AR" dirty="0" smtClean="0"/>
+              <a:t>Mercado </a:t>
+            </a:r>
+            <a:r>
+              <a:rPr lang="es-AR" dirty="0"/>
+              <a:t>en crecimiento</a:t>
+            </a:r>
+          </a:p>
+        </p:txBody>
+      </p:sp>
+      <p:sp>
+        <p:nvSpPr>
+          <p:cNvPr id="2" name="Subtitle 1"/>
+          <p:cNvSpPr>
+            <a:spLocks noGrp="1"/>
+          </p:cNvSpPr>
+          <p:nvPr>
+            <p:ph type="subTitle" idx="1"/>
           </p:nvPr>
         </p:nvSpPr>
         <p:spPr/>
@@ -11053,241 +11230,16 @@
           <a:p>
             <a:r>
               <a:rPr lang="es-AR" dirty="0" smtClean="0"/>
-              <a:t>Mercado actual</a:t>
+              <a:t>Proyección económica</a:t>
             </a:r>
             <a:endParaRPr lang="es-AR" dirty="0"/>
-          </a:p>
-        </p:txBody>
-      </p:sp>
-      <p:sp>
-        <p:nvSpPr>
-          <p:cNvPr id="5" name="TextBox 4"/>
-          <p:cNvSpPr txBox="1"/>
-          <p:nvPr/>
-        </p:nvSpPr>
-        <p:spPr>
-          <a:xfrm>
-            <a:off x="2627784" y="1700808"/>
-            <a:ext cx="6264696" cy="2806922"/>
-          </a:xfrm>
-          <a:prstGeom prst="rect">
-            <a:avLst/>
-          </a:prstGeom>
-          <a:noFill/>
-        </p:spPr>
-        <p:txBody>
-          <a:bodyPr wrap="square" rtlCol="0">
-            <a:spAutoFit/>
-          </a:bodyPr>
-          <a:lstStyle/>
-          <a:p>
-            <a:pPr marL="731520" indent="-182880">
-              <a:lnSpc>
-                <a:spcPct val="90000"/>
-              </a:lnSpc>
-              <a:buClr>
-                <a:schemeClr val="accent1"/>
-              </a:buClr>
-              <a:buFont typeface="Wingdings 2" pitchFamily="18" charset="2"/>
-              <a:buChar char=""/>
-            </a:pPr>
-            <a:r>
-              <a:rPr lang="es-AR" sz="2800" dirty="0">
-                <a:solidFill>
-                  <a:schemeClr val="tx1">
-                    <a:lumMod val="65000"/>
-                    <a:lumOff val="35000"/>
-                  </a:schemeClr>
-                </a:solidFill>
-              </a:rPr>
-              <a:t>Descarga paga:</a:t>
-            </a:r>
-          </a:p>
-          <a:p>
-            <a:pPr marL="274320" indent="-182880">
-              <a:lnSpc>
-                <a:spcPct val="90000"/>
-              </a:lnSpc>
-              <a:buClr>
-                <a:schemeClr val="accent1"/>
-              </a:buClr>
-              <a:buFont typeface="Wingdings 2" pitchFamily="18" charset="2"/>
-              <a:buChar char=""/>
-            </a:pPr>
-            <a:r>
-              <a:rPr lang="es-AR" sz="2800" dirty="0">
-                <a:solidFill>
-                  <a:schemeClr val="tx1">
-                    <a:lumMod val="65000"/>
-                    <a:lumOff val="35000"/>
-                  </a:schemeClr>
-                </a:solidFill>
-              </a:rPr>
-              <a:t>	1-5 USD</a:t>
-            </a:r>
-          </a:p>
-          <a:p>
-            <a:pPr marL="731520" indent="-182880">
-              <a:lnSpc>
-                <a:spcPct val="90000"/>
-              </a:lnSpc>
-              <a:buClr>
-                <a:schemeClr val="accent1"/>
-              </a:buClr>
-              <a:buFont typeface="Wingdings 2" pitchFamily="18" charset="2"/>
-              <a:buChar char=""/>
-            </a:pPr>
-            <a:endParaRPr lang="es-AR" sz="2800" dirty="0">
-              <a:solidFill>
-                <a:schemeClr val="tx1">
-                  <a:lumMod val="65000"/>
-                  <a:lumOff val="35000"/>
-                </a:schemeClr>
-              </a:solidFill>
-            </a:endParaRPr>
-          </a:p>
-          <a:p>
-            <a:pPr marL="731520" indent="-182880">
-              <a:lnSpc>
-                <a:spcPct val="90000"/>
-              </a:lnSpc>
-              <a:buClr>
-                <a:schemeClr val="accent1"/>
-              </a:buClr>
-              <a:buFont typeface="Wingdings 2" pitchFamily="18" charset="2"/>
-              <a:buChar char=""/>
-            </a:pPr>
-            <a:r>
-              <a:rPr lang="es-AR" sz="2800" dirty="0">
-                <a:solidFill>
-                  <a:schemeClr val="tx1">
-                    <a:lumMod val="65000"/>
-                    <a:lumOff val="35000"/>
-                  </a:schemeClr>
-                </a:solidFill>
-              </a:rPr>
-              <a:t>Publicidad:</a:t>
-            </a:r>
-          </a:p>
-          <a:p>
-            <a:pPr marL="1188720" lvl="1" indent="-182880">
-              <a:lnSpc>
-                <a:spcPct val="90000"/>
-              </a:lnSpc>
-              <a:buClr>
-                <a:schemeClr val="accent1"/>
-              </a:buClr>
-              <a:buFont typeface="Wingdings 2" pitchFamily="18" charset="2"/>
-              <a:buChar char=""/>
-            </a:pPr>
-            <a:r>
-              <a:rPr lang="es-AR" sz="2800" dirty="0">
-                <a:solidFill>
-                  <a:schemeClr val="tx1">
-                    <a:lumMod val="65000"/>
-                    <a:lumOff val="35000"/>
-                  </a:schemeClr>
-                </a:solidFill>
-              </a:rPr>
-              <a:t>Por </a:t>
-            </a:r>
-            <a:r>
-              <a:rPr lang="es-AR" sz="2800" dirty="0" err="1">
-                <a:solidFill>
-                  <a:schemeClr val="tx1">
-                    <a:lumMod val="65000"/>
-                    <a:lumOff val="35000"/>
-                  </a:schemeClr>
-                </a:solidFill>
-              </a:rPr>
-              <a:t>click</a:t>
-            </a:r>
-            <a:r>
-              <a:rPr lang="es-AR" sz="2800" dirty="0">
-                <a:solidFill>
-                  <a:schemeClr val="tx1">
-                    <a:lumMod val="65000"/>
-                    <a:lumOff val="35000"/>
-                  </a:schemeClr>
-                </a:solidFill>
-              </a:rPr>
-              <a:t>: 15-30 centavos</a:t>
-            </a:r>
-          </a:p>
-          <a:p>
-            <a:pPr marL="1188720" lvl="1" indent="-182880">
-              <a:lnSpc>
-                <a:spcPct val="90000"/>
-              </a:lnSpc>
-              <a:buClr>
-                <a:schemeClr val="accent1"/>
-              </a:buClr>
-              <a:buFont typeface="Wingdings 2" pitchFamily="18" charset="2"/>
-              <a:buChar char=""/>
-            </a:pPr>
-            <a:r>
-              <a:rPr lang="es-AR" sz="2800" dirty="0">
-                <a:solidFill>
-                  <a:schemeClr val="tx1">
-                    <a:lumMod val="65000"/>
-                    <a:lumOff val="35000"/>
-                  </a:schemeClr>
-                </a:solidFill>
-              </a:rPr>
-              <a:t>Por impresión: 10-20 centavos</a:t>
-            </a:r>
-          </a:p>
-          <a:p>
-            <a:pPr marL="1188720" lvl="1" indent="-182880">
-              <a:lnSpc>
-                <a:spcPct val="90000"/>
-              </a:lnSpc>
-              <a:buClr>
-                <a:schemeClr val="accent1"/>
-              </a:buClr>
-              <a:buFont typeface="Wingdings 2" pitchFamily="18" charset="2"/>
-              <a:buChar char=""/>
-            </a:pPr>
-            <a:r>
-              <a:rPr lang="es-AR" sz="2800" dirty="0">
-                <a:solidFill>
-                  <a:schemeClr val="tx1">
-                    <a:lumMod val="65000"/>
-                    <a:lumOff val="35000"/>
-                  </a:schemeClr>
-                </a:solidFill>
-              </a:rPr>
-              <a:t>Probabilidad de </a:t>
-            </a:r>
-            <a:r>
-              <a:rPr lang="es-AR" sz="2800" dirty="0" err="1">
-                <a:solidFill>
-                  <a:schemeClr val="tx1">
-                    <a:lumMod val="65000"/>
-                    <a:lumOff val="35000"/>
-                  </a:schemeClr>
-                </a:solidFill>
-              </a:rPr>
-              <a:t>click</a:t>
-            </a:r>
-            <a:r>
-              <a:rPr lang="es-AR" sz="2800" dirty="0">
-                <a:solidFill>
-                  <a:schemeClr val="tx1">
-                    <a:lumMod val="65000"/>
-                    <a:lumOff val="35000"/>
-                  </a:schemeClr>
-                </a:solidFill>
-              </a:rPr>
-              <a:t>: 1,5%-2,5%</a:t>
-            </a:r>
           </a:p>
         </p:txBody>
       </p:sp>
     </p:spTree>
     <p:extLst>
       <p:ext uri="{BB962C8B-B14F-4D97-AF65-F5344CB8AC3E}">
-        <p14:creationId xmlns:p14="http://schemas.microsoft.com/office/powerpoint/2010/main" val="318816464"/>
+        <p14:creationId xmlns:p14="http://schemas.microsoft.com/office/powerpoint/2010/main" val="4021245580"/>
       </p:ext>
     </p:extLst>
   </p:cSld>
@@ -11338,7 +11290,7 @@
           <a:p>
             <a:r>
               <a:rPr lang="es-AR" dirty="0" smtClean="0"/>
-              <a:t>Estimación</a:t>
+              <a:t>Mercado actual</a:t>
             </a:r>
             <a:endParaRPr lang="es-AR" dirty="0"/>
           </a:p>
@@ -11346,105 +11298,246 @@
       </p:sp>
       <p:sp>
         <p:nvSpPr>
-          <p:cNvPr id="3" name="Content Placeholder 2"/>
-          <p:cNvSpPr>
-            <a:spLocks noGrp="1"/>
-          </p:cNvSpPr>
-          <p:nvPr>
-            <p:ph idx="1"/>
-          </p:nvPr>
+          <p:cNvPr id="5" name="TextBox 4"/>
+          <p:cNvSpPr txBox="1"/>
+          <p:nvPr/>
         </p:nvSpPr>
-        <p:spPr/>
+        <p:spPr>
+          <a:xfrm>
+            <a:off x="2627784" y="1700808"/>
+            <a:ext cx="6264696" cy="2806922"/>
+          </a:xfrm>
+          <a:prstGeom prst="rect">
+            <a:avLst/>
+          </a:prstGeom>
+          <a:noFill/>
+        </p:spPr>
         <p:txBody>
-          <a:bodyPr/>
+          <a:bodyPr wrap="square" rtlCol="0">
+            <a:spAutoFit/>
+          </a:bodyPr>
           <a:lstStyle/>
           <a:p>
-            <a:r>
-              <a:rPr lang="es-AR" sz="2800" dirty="0" smtClean="0"/>
-              <a:t>Del mercado-&gt;cota inferior:</a:t>
-            </a:r>
-          </a:p>
-          <a:p>
-            <a:pPr lvl="1"/>
-            <a:r>
-              <a:rPr lang="es-AR" sz="2400" dirty="0" smtClean="0"/>
-              <a:t>15 centavos por </a:t>
-            </a:r>
-            <a:r>
-              <a:rPr lang="es-AR" sz="2400" dirty="0" err="1" smtClean="0"/>
+            <a:pPr marL="731520" indent="-182880">
+              <a:lnSpc>
+                <a:spcPct val="90000"/>
+              </a:lnSpc>
+              <a:buClr>
+                <a:schemeClr val="accent1"/>
+              </a:buClr>
+              <a:buFont typeface="Wingdings 2" pitchFamily="18" charset="2"/>
+              <a:buChar char=""/>
+            </a:pPr>
+            <a:r>
+              <a:rPr lang="es-AR" sz="2800" dirty="0">
+                <a:solidFill>
+                  <a:schemeClr val="tx1">
+                    <a:lumMod val="65000"/>
+                    <a:lumOff val="35000"/>
+                  </a:schemeClr>
+                </a:solidFill>
+              </a:rPr>
+              <a:t>Descarga paga:</a:t>
+            </a:r>
+          </a:p>
+          <a:p>
+            <a:pPr marL="274320" indent="-182880">
+              <a:lnSpc>
+                <a:spcPct val="90000"/>
+              </a:lnSpc>
+              <a:buClr>
+                <a:schemeClr val="accent1"/>
+              </a:buClr>
+              <a:buFont typeface="Wingdings 2" pitchFamily="18" charset="2"/>
+              <a:buChar char=""/>
+            </a:pPr>
+            <a:r>
+              <a:rPr lang="es-AR" sz="2800" dirty="0">
+                <a:solidFill>
+                  <a:schemeClr val="tx1">
+                    <a:lumMod val="65000"/>
+                    <a:lumOff val="35000"/>
+                  </a:schemeClr>
+                </a:solidFill>
+              </a:rPr>
+              <a:t>	1-5 USD</a:t>
+            </a:r>
+          </a:p>
+          <a:p>
+            <a:pPr marL="731520" indent="-182880">
+              <a:lnSpc>
+                <a:spcPct val="90000"/>
+              </a:lnSpc>
+              <a:buClr>
+                <a:schemeClr val="accent1"/>
+              </a:buClr>
+              <a:buFont typeface="Wingdings 2" pitchFamily="18" charset="2"/>
+              <a:buChar char=""/>
+            </a:pPr>
+            <a:endParaRPr lang="es-AR" sz="2800" dirty="0">
+              <a:solidFill>
+                <a:schemeClr val="tx1">
+                  <a:lumMod val="65000"/>
+                  <a:lumOff val="35000"/>
+                </a:schemeClr>
+              </a:solidFill>
+            </a:endParaRPr>
+          </a:p>
+          <a:p>
+            <a:pPr marL="731520" indent="-182880">
+              <a:lnSpc>
+                <a:spcPct val="90000"/>
+              </a:lnSpc>
+              <a:buClr>
+                <a:schemeClr val="accent1"/>
+              </a:buClr>
+              <a:buFont typeface="Wingdings 2" pitchFamily="18" charset="2"/>
+              <a:buChar char=""/>
+            </a:pPr>
+            <a:r>
+              <a:rPr lang="es-AR" sz="2800" dirty="0">
+                <a:solidFill>
+                  <a:schemeClr val="tx1">
+                    <a:lumMod val="65000"/>
+                    <a:lumOff val="35000"/>
+                  </a:schemeClr>
+                </a:solidFill>
+              </a:rPr>
+              <a:t>Publicidad:</a:t>
+            </a:r>
+          </a:p>
+          <a:p>
+            <a:pPr marL="1188720" lvl="1" indent="-182880">
+              <a:lnSpc>
+                <a:spcPct val="90000"/>
+              </a:lnSpc>
+              <a:buClr>
+                <a:schemeClr val="accent1"/>
+              </a:buClr>
+              <a:buFont typeface="Wingdings 2" pitchFamily="18" charset="2"/>
+              <a:buChar char=""/>
+            </a:pPr>
+            <a:r>
+              <a:rPr lang="es-AR" sz="2800" dirty="0">
+                <a:solidFill>
+                  <a:schemeClr val="tx1">
+                    <a:lumMod val="65000"/>
+                    <a:lumOff val="35000"/>
+                  </a:schemeClr>
+                </a:solidFill>
+              </a:rPr>
+              <a:t>Por </a:t>
+            </a:r>
+            <a:r>
+              <a:rPr lang="es-AR" sz="2800" dirty="0" err="1">
+                <a:solidFill>
+                  <a:schemeClr val="tx1">
+                    <a:lumMod val="65000"/>
+                    <a:lumOff val="35000"/>
+                  </a:schemeClr>
+                </a:solidFill>
+              </a:rPr>
               <a:t>click</a:t>
             </a:r>
-            <a:endParaRPr lang="es-AR" sz="2400" dirty="0" smtClean="0"/>
-          </a:p>
-          <a:p>
-            <a:pPr lvl="1"/>
-            <a:r>
-              <a:rPr lang="es-AR" sz="2400" dirty="0" smtClean="0"/>
-              <a:t>1,5% probabilidad de </a:t>
-            </a:r>
-            <a:r>
-              <a:rPr lang="es-AR" sz="2400" dirty="0" err="1" smtClean="0"/>
+            <a:r>
+              <a:rPr lang="es-AR" sz="2800" dirty="0">
+                <a:solidFill>
+                  <a:schemeClr val="tx1">
+                    <a:lumMod val="65000"/>
+                    <a:lumOff val="35000"/>
+                  </a:schemeClr>
+                </a:solidFill>
+              </a:rPr>
+              <a:t>: 15-30 centavos</a:t>
+            </a:r>
+          </a:p>
+          <a:p>
+            <a:pPr marL="1188720" lvl="1" indent="-182880">
+              <a:lnSpc>
+                <a:spcPct val="90000"/>
+              </a:lnSpc>
+              <a:buClr>
+                <a:schemeClr val="accent1"/>
+              </a:buClr>
+              <a:buFont typeface="Wingdings 2" pitchFamily="18" charset="2"/>
+              <a:buChar char=""/>
+            </a:pPr>
+            <a:r>
+              <a:rPr lang="es-AR" sz="2800" dirty="0">
+                <a:solidFill>
+                  <a:schemeClr val="tx1">
+                    <a:lumMod val="65000"/>
+                    <a:lumOff val="35000"/>
+                  </a:schemeClr>
+                </a:solidFill>
+              </a:rPr>
+              <a:t>Por impresión: 10-20 centavos</a:t>
+            </a:r>
+          </a:p>
+          <a:p>
+            <a:pPr marL="1188720" lvl="1" indent="-182880">
+              <a:lnSpc>
+                <a:spcPct val="90000"/>
+              </a:lnSpc>
+              <a:buClr>
+                <a:schemeClr val="accent1"/>
+              </a:buClr>
+              <a:buFont typeface="Wingdings 2" pitchFamily="18" charset="2"/>
+              <a:buChar char=""/>
+            </a:pPr>
+            <a:r>
+              <a:rPr lang="es-AR" sz="2800" dirty="0">
+                <a:solidFill>
+                  <a:schemeClr val="tx1">
+                    <a:lumMod val="65000"/>
+                    <a:lumOff val="35000"/>
+                  </a:schemeClr>
+                </a:solidFill>
+              </a:rPr>
+              <a:t>Probabilidad de </a:t>
+            </a:r>
+            <a:r>
+              <a:rPr lang="es-AR" sz="2800" dirty="0" err="1">
+                <a:solidFill>
+                  <a:schemeClr val="tx1">
+                    <a:lumMod val="65000"/>
+                    <a:lumOff val="35000"/>
+                  </a:schemeClr>
+                </a:solidFill>
+              </a:rPr>
               <a:t>click</a:t>
             </a:r>
-            <a:endParaRPr lang="es-AR" sz="2400" dirty="0" smtClean="0"/>
-          </a:p>
-          <a:p>
-            <a:pPr lvl="1"/>
-            <a:r>
-              <a:rPr lang="es-AR" sz="2400" dirty="0" smtClean="0"/>
-              <a:t>10 centavos por impresión</a:t>
-            </a:r>
-          </a:p>
-          <a:p>
-            <a:r>
-              <a:rPr lang="es-AR" sz="2800" dirty="0" smtClean="0"/>
-              <a:t>De la aplicación:</a:t>
-            </a:r>
-          </a:p>
-          <a:p>
-            <a:pPr lvl="1"/>
-            <a:r>
-              <a:rPr lang="es-AR" sz="2400" dirty="0" smtClean="0"/>
-              <a:t>Una visita semanal</a:t>
-            </a:r>
-          </a:p>
-          <a:p>
-            <a:pPr lvl="1"/>
-            <a:r>
-              <a:rPr lang="es-AR" sz="2400" dirty="0" smtClean="0"/>
-              <a:t>Un minuto por uso</a:t>
-            </a:r>
-          </a:p>
-          <a:p>
-            <a:pPr lvl="1"/>
-            <a:r>
-              <a:rPr lang="es-AR" sz="2400" dirty="0" smtClean="0"/>
-              <a:t>4 pantallas visitadas por uso</a:t>
-            </a:r>
-          </a:p>
-          <a:p>
-            <a:pPr lvl="1"/>
-            <a:r>
-              <a:rPr lang="es-AR" sz="2400" dirty="0" smtClean="0"/>
-              <a:t>10% de versiones pagas del total</a:t>
-            </a:r>
-          </a:p>
-          <a:p>
-            <a:pPr lvl="1"/>
-            <a:endParaRPr lang="es-AR" dirty="0"/>
+            <a:r>
+              <a:rPr lang="es-AR" sz="2800" dirty="0">
+                <a:solidFill>
+                  <a:schemeClr val="tx1">
+                    <a:lumMod val="65000"/>
+                    <a:lumOff val="35000"/>
+                  </a:schemeClr>
+                </a:solidFill>
+              </a:rPr>
+              <a:t>: 1,5%-2,5%</a:t>
+            </a:r>
           </a:p>
         </p:txBody>
       </p:sp>
     </p:spTree>
     <p:extLst>
       <p:ext uri="{BB962C8B-B14F-4D97-AF65-F5344CB8AC3E}">
-        <p14:creationId xmlns:p14="http://schemas.microsoft.com/office/powerpoint/2010/main" val="45310622"/>
+        <p14:creationId xmlns:p14="http://schemas.microsoft.com/office/powerpoint/2010/main" val="318816464"/>
       </p:ext>
     </p:extLst>
   </p:cSld>
   <p:clrMapOvr>
     <a:masterClrMapping/>
   </p:clrMapOvr>
+  <p:timing>
+    <p:tnLst>
+      <p:par>
+        <p:cTn id="1" dur="indefinite" restart="never" nodeType="tmRoot"/>
+      </p:par>
+    </p:tnLst>
+  </p:timing>
 </p:sld>
 </file>
 
@@ -11477,90 +11570,118 @@
         </p:nvSpPr>
         <p:spPr/>
         <p:txBody>
-          <a:bodyPr>
-            <a:normAutofit/>
-          </a:bodyPr>
+          <a:bodyPr/>
           <a:lstStyle/>
           <a:p>
             <a:r>
-              <a:rPr lang="es-AR" sz="3000" dirty="0" smtClean="0"/>
-              <a:t>Caso 1:</a:t>
-            </a:r>
-            <a:r>
-              <a:rPr lang="es-AR" sz="3000" dirty="0" smtClean="0"/>
-              <a:t/>
-            </a:r>
-            <a:br>
-              <a:rPr lang="es-AR" sz="3000" dirty="0" smtClean="0"/>
-            </a:br>
-            <a:r>
-              <a:rPr lang="es-AR" sz="3000" dirty="0" smtClean="0"/>
-              <a:t>Expansión </a:t>
-            </a:r>
-            <a:r>
-              <a:rPr lang="es-AR" sz="3000" dirty="0" smtClean="0"/>
-              <a:t>nacional con </a:t>
-            </a:r>
-            <a:r>
-              <a:rPr lang="es-AR" sz="3000" dirty="0" smtClean="0"/>
-              <a:t>un 3% </a:t>
-            </a:r>
-            <a:r>
-              <a:rPr lang="es-AR" sz="3000" dirty="0" smtClean="0"/>
-              <a:t>del  mercado</a:t>
-            </a:r>
-            <a:br>
-              <a:rPr lang="es-AR" sz="3000" dirty="0" smtClean="0"/>
-            </a:br>
-            <a:r>
-              <a:rPr lang="es-AR" sz="3000" dirty="0" err="1" smtClean="0"/>
-              <a:t>Android</a:t>
-            </a:r>
-            <a:endParaRPr lang="es-AR" sz="3000" dirty="0"/>
+              <a:rPr lang="es-AR" dirty="0" smtClean="0"/>
+              <a:t>Estimación</a:t>
+            </a:r>
+            <a:endParaRPr lang="es-AR" dirty="0"/>
           </a:p>
         </p:txBody>
       </p:sp>
-      <p:graphicFrame>
-        <p:nvGraphicFramePr>
-          <p:cNvPr id="5" name="Chart 4"/>
-          <p:cNvGraphicFramePr>
-            <a:graphicFrameLocks/>
-          </p:cNvGraphicFramePr>
-          <p:nvPr>
-            <p:extLst>
-              <p:ext uri="{D42A27DB-BD31-4B8C-83A1-F6EECF244321}">
-                <p14:modId xmlns:p14="http://schemas.microsoft.com/office/powerpoint/2010/main" val="1825034101"/>
-              </p:ext>
-            </p:extLst>
-          </p:nvPr>
-        </p:nvGraphicFramePr>
-        <p:xfrm>
-          <a:off x="2051720" y="908720"/>
-          <a:ext cx="6840760" cy="4968552"/>
-        </p:xfrm>
-        <a:graphic>
-          <a:graphicData uri="http://schemas.openxmlformats.org/drawingml/2006/chart">
-            <c:chart xmlns:c="http://schemas.openxmlformats.org/drawingml/2006/chart" xmlns:r="http://schemas.openxmlformats.org/officeDocument/2006/relationships" r:id="rId3"/>
-          </a:graphicData>
-        </a:graphic>
-      </p:graphicFrame>
+      <p:sp>
+        <p:nvSpPr>
+          <p:cNvPr id="3" name="Content Placeholder 2"/>
+          <p:cNvSpPr>
+            <a:spLocks noGrp="1"/>
+          </p:cNvSpPr>
+          <p:nvPr>
+            <p:ph idx="1"/>
+          </p:nvPr>
+        </p:nvSpPr>
+        <p:spPr/>
+        <p:txBody>
+          <a:bodyPr/>
+          <a:lstStyle/>
+          <a:p>
+            <a:r>
+              <a:rPr lang="es-AR" sz="2800" dirty="0" smtClean="0"/>
+              <a:t>Del mercado-&gt;cota inferior:</a:t>
+            </a:r>
+          </a:p>
+          <a:p>
+            <a:pPr lvl="1"/>
+            <a:r>
+              <a:rPr lang="es-AR" sz="2400" dirty="0" smtClean="0"/>
+              <a:t>15 centavos por </a:t>
+            </a:r>
+            <a:r>
+              <a:rPr lang="es-AR" sz="2400" dirty="0" err="1" smtClean="0"/>
+              <a:t>click</a:t>
+            </a:r>
+            <a:endParaRPr lang="es-AR" sz="2400" dirty="0" smtClean="0"/>
+          </a:p>
+          <a:p>
+            <a:pPr lvl="1"/>
+            <a:r>
+              <a:rPr lang="es-AR" sz="2400" dirty="0" smtClean="0"/>
+              <a:t>1,5% probabilidad de </a:t>
+            </a:r>
+            <a:r>
+              <a:rPr lang="es-AR" sz="2400" dirty="0" err="1" smtClean="0"/>
+              <a:t>click</a:t>
+            </a:r>
+            <a:endParaRPr lang="es-AR" sz="2400" dirty="0" smtClean="0"/>
+          </a:p>
+          <a:p>
+            <a:pPr lvl="1"/>
+            <a:r>
+              <a:rPr lang="es-AR" sz="2400" dirty="0" smtClean="0"/>
+              <a:t>10 centavos por impresión</a:t>
+            </a:r>
+          </a:p>
+          <a:p>
+            <a:r>
+              <a:rPr lang="es-AR" sz="2800" dirty="0" smtClean="0"/>
+              <a:t>De la aplicación:</a:t>
+            </a:r>
+          </a:p>
+          <a:p>
+            <a:pPr lvl="1"/>
+            <a:r>
+              <a:rPr lang="es-AR" sz="2400" dirty="0" smtClean="0"/>
+              <a:t>Una visita semanal</a:t>
+            </a:r>
+          </a:p>
+          <a:p>
+            <a:pPr lvl="1"/>
+            <a:r>
+              <a:rPr lang="es-AR" sz="2400" dirty="0" smtClean="0"/>
+              <a:t>Un minuto por uso</a:t>
+            </a:r>
+          </a:p>
+          <a:p>
+            <a:pPr lvl="1"/>
+            <a:r>
+              <a:rPr lang="es-AR" sz="2400" dirty="0" smtClean="0"/>
+              <a:t>4 pantallas visitadas por uso</a:t>
+            </a:r>
+          </a:p>
+          <a:p>
+            <a:pPr lvl="1"/>
+            <a:r>
+              <a:rPr lang="es-AR" sz="2400" dirty="0" smtClean="0"/>
+              <a:t>10% de versiones pagas del total</a:t>
+            </a:r>
+          </a:p>
+          <a:p>
+            <a:pPr lvl="1"/>
+            <a:endParaRPr lang="es-AR" dirty="0"/>
+          </a:p>
+        </p:txBody>
+      </p:sp>
     </p:spTree>
     <p:extLst>
       <p:ext uri="{BB962C8B-B14F-4D97-AF65-F5344CB8AC3E}">
-        <p14:creationId xmlns:p14="http://schemas.microsoft.com/office/powerpoint/2010/main" val="4226239434"/>
+        <p14:creationId xmlns:p14="http://schemas.microsoft.com/office/powerpoint/2010/main" val="45310622"/>
       </p:ext>
     </p:extLst>
   </p:cSld>
   <p:clrMapOvr>
     <a:masterClrMapping/>
   </p:clrMapOvr>
-  <p:timing>
-    <p:tnLst>
-      <p:par>
-        <p:cTn id="1" dur="indefinite" restart="never" nodeType="tmRoot"/>
-      </p:par>
-    </p:tnLst>
-  </p:timing>
 </p:sld>
 </file>
 
@@ -11602,28 +11723,12 @@
               <a:rPr lang="es-AR" sz="3000" dirty="0" smtClean="0"/>
               <a:t>Caso 1:</a:t>
             </a:r>
-            <a:r>
-              <a:rPr lang="es-AR" sz="3000" dirty="0" smtClean="0"/>
-              <a:t/>
-            </a:r>
             <a:br>
               <a:rPr lang="es-AR" sz="3000" dirty="0" smtClean="0"/>
             </a:br>
             <a:r>
               <a:rPr lang="es-AR" sz="3000" dirty="0" smtClean="0"/>
-              <a:t>Expansión </a:t>
-            </a:r>
-            <a:r>
-              <a:rPr lang="es-AR" sz="3000" dirty="0" smtClean="0"/>
-              <a:t>nacional con </a:t>
-            </a:r>
-            <a:r>
-              <a:rPr lang="es-AR" sz="3000" dirty="0" smtClean="0"/>
-              <a:t>un 3% </a:t>
-            </a:r>
-            <a:r>
-              <a:rPr lang="es-AR" sz="3000" dirty="0" smtClean="0"/>
-              <a:t>del  mercado</a:t>
+              <a:t>Expansión nacional con un 3% del  mercado</a:t>
             </a:r>
             <a:br>
               <a:rPr lang="es-AR" sz="3000" dirty="0" smtClean="0"/>
@@ -11638,21 +11743,21 @@
       </p:sp>
       <p:graphicFrame>
         <p:nvGraphicFramePr>
-          <p:cNvPr id="4" name="Chart 3"/>
+          <p:cNvPr id="5" name="Chart 4"/>
           <p:cNvGraphicFramePr>
             <a:graphicFrameLocks/>
           </p:cNvGraphicFramePr>
           <p:nvPr>
             <p:extLst>
               <p:ext uri="{D42A27DB-BD31-4B8C-83A1-F6EECF244321}">
-                <p14:modId xmlns:p14="http://schemas.microsoft.com/office/powerpoint/2010/main" val="3649252265"/>
+                <p14:modId xmlns:p14="http://schemas.microsoft.com/office/powerpoint/2010/main" val="1825034101"/>
               </p:ext>
             </p:extLst>
           </p:nvPr>
         </p:nvGraphicFramePr>
         <p:xfrm>
-          <a:off x="2411760" y="764704"/>
-          <a:ext cx="6408712" cy="5256584"/>
+          <a:off x="2051720" y="908720"/>
+          <a:ext cx="6840760" cy="4968552"/>
         </p:xfrm>
         <a:graphic>
           <a:graphicData uri="http://schemas.openxmlformats.org/drawingml/2006/chart">
@@ -11663,7 +11768,7 @@
     </p:spTree>
     <p:extLst>
       <p:ext uri="{BB962C8B-B14F-4D97-AF65-F5344CB8AC3E}">
-        <p14:creationId xmlns:p14="http://schemas.microsoft.com/office/powerpoint/2010/main" val="4279891574"/>
+        <p14:creationId xmlns:p14="http://schemas.microsoft.com/office/powerpoint/2010/main" val="4226239434"/>
       </p:ext>
     </p:extLst>
   </p:cSld>
@@ -11715,30 +11820,44 @@
           <a:lstStyle/>
           <a:p>
             <a:r>
-              <a:rPr lang="es-AR" dirty="0" smtClean="0"/>
-              <a:t>Caso 2: expansión exitosa global</a:t>
-            </a:r>
-            <a:endParaRPr lang="es-AR" dirty="0"/>
+              <a:rPr lang="es-AR" sz="3000" dirty="0" smtClean="0"/>
+              <a:t>Caso 1:</a:t>
+            </a:r>
+            <a:br>
+              <a:rPr lang="es-AR" sz="3000" dirty="0" smtClean="0"/>
+            </a:br>
+            <a:r>
+              <a:rPr lang="es-AR" sz="3000" dirty="0" smtClean="0"/>
+              <a:t>Expansión nacional con un 3% del  mercado</a:t>
+            </a:r>
+            <a:br>
+              <a:rPr lang="es-AR" sz="3000" dirty="0" smtClean="0"/>
+            </a:br>
+            <a:r>
+              <a:rPr lang="es-AR" sz="3000" dirty="0" err="1" smtClean="0"/>
+              <a:t>Android</a:t>
+            </a:r>
+            <a:endParaRPr lang="es-AR" sz="3000" dirty="0"/>
           </a:p>
         </p:txBody>
       </p:sp>
       <p:graphicFrame>
         <p:nvGraphicFramePr>
-          <p:cNvPr id="5" name="Chart 4"/>
+          <p:cNvPr id="4" name="Chart 3"/>
           <p:cNvGraphicFramePr>
             <a:graphicFrameLocks/>
           </p:cNvGraphicFramePr>
           <p:nvPr>
             <p:extLst>
               <p:ext uri="{D42A27DB-BD31-4B8C-83A1-F6EECF244321}">
-                <p14:modId xmlns:p14="http://schemas.microsoft.com/office/powerpoint/2010/main" val="3309835549"/>
+                <p14:modId xmlns:p14="http://schemas.microsoft.com/office/powerpoint/2010/main" val="3649252265"/>
               </p:ext>
             </p:extLst>
           </p:nvPr>
         </p:nvGraphicFramePr>
         <p:xfrm>
-          <a:off x="2195736" y="620688"/>
-          <a:ext cx="6480720" cy="5544616"/>
+          <a:off x="2411760" y="764704"/>
+          <a:ext cx="6408712" cy="5256584"/>
         </p:xfrm>
         <a:graphic>
           <a:graphicData uri="http://schemas.openxmlformats.org/drawingml/2006/chart">
@@ -11749,7 +11868,7 @@
     </p:spTree>
     <p:extLst>
       <p:ext uri="{BB962C8B-B14F-4D97-AF65-F5344CB8AC3E}">
-        <p14:creationId xmlns:p14="http://schemas.microsoft.com/office/powerpoint/2010/main" val="4186439492"/>
+        <p14:creationId xmlns:p14="http://schemas.microsoft.com/office/powerpoint/2010/main" val="4279891574"/>
       </p:ext>
     </p:extLst>
   </p:cSld>
@@ -11810,6 +11929,92 @@
       </p:sp>
       <p:graphicFrame>
         <p:nvGraphicFramePr>
+          <p:cNvPr id="5" name="Chart 4"/>
+          <p:cNvGraphicFramePr>
+            <a:graphicFrameLocks/>
+          </p:cNvGraphicFramePr>
+          <p:nvPr>
+            <p:extLst>
+              <p:ext uri="{D42A27DB-BD31-4B8C-83A1-F6EECF244321}">
+                <p14:modId xmlns:p14="http://schemas.microsoft.com/office/powerpoint/2010/main" val="3309835549"/>
+              </p:ext>
+            </p:extLst>
+          </p:nvPr>
+        </p:nvGraphicFramePr>
+        <p:xfrm>
+          <a:off x="2195736" y="620688"/>
+          <a:ext cx="6480720" cy="5544616"/>
+        </p:xfrm>
+        <a:graphic>
+          <a:graphicData uri="http://schemas.openxmlformats.org/drawingml/2006/chart">
+            <c:chart xmlns:c="http://schemas.openxmlformats.org/drawingml/2006/chart" xmlns:r="http://schemas.openxmlformats.org/officeDocument/2006/relationships" r:id="rId3"/>
+          </a:graphicData>
+        </a:graphic>
+      </p:graphicFrame>
+    </p:spTree>
+    <p:extLst>
+      <p:ext uri="{BB962C8B-B14F-4D97-AF65-F5344CB8AC3E}">
+        <p14:creationId xmlns:p14="http://schemas.microsoft.com/office/powerpoint/2010/main" val="4186439492"/>
+      </p:ext>
+    </p:extLst>
+  </p:cSld>
+  <p:clrMapOvr>
+    <a:masterClrMapping/>
+  </p:clrMapOvr>
+  <p:timing>
+    <p:tnLst>
+      <p:par>
+        <p:cTn id="1" dur="indefinite" restart="never" nodeType="tmRoot"/>
+      </p:par>
+    </p:tnLst>
+  </p:timing>
+</p:sld>
+</file>
+
+<file path=ppt/slides/slide16.xml><?xml version="1.0" encoding="utf-8"?>
+<p:sld xmlns:a="http://schemas.openxmlformats.org/drawingml/2006/main" xmlns:r="http://schemas.openxmlformats.org/officeDocument/2006/relationships" xmlns:p="http://schemas.openxmlformats.org/presentationml/2006/main">
+  <p:cSld>
+    <p:spTree>
+      <p:nvGrpSpPr>
+        <p:cNvPr id="1" name=""/>
+        <p:cNvGrpSpPr/>
+        <p:nvPr/>
+      </p:nvGrpSpPr>
+      <p:grpSpPr>
+        <a:xfrm>
+          <a:off x="0" y="0"/>
+          <a:ext cx="0" cy="0"/>
+          <a:chOff x="0" y="0"/>
+          <a:chExt cx="0" cy="0"/>
+        </a:xfrm>
+      </p:grpSpPr>
+      <p:sp>
+        <p:nvSpPr>
+          <p:cNvPr id="2" name="Title 1"/>
+          <p:cNvSpPr>
+            <a:spLocks noGrp="1"/>
+          </p:cNvSpPr>
+          <p:nvPr>
+            <p:ph type="title"/>
+          </p:nvPr>
+        </p:nvSpPr>
+        <p:spPr/>
+        <p:txBody>
+          <a:bodyPr>
+            <a:normAutofit/>
+          </a:bodyPr>
+          <a:lstStyle/>
+          <a:p>
+            <a:r>
+              <a:rPr lang="es-AR" dirty="0" smtClean="0"/>
+              <a:t>Caso 2: expansión exitosa global</a:t>
+            </a:r>
+            <a:endParaRPr lang="es-AR" dirty="0"/>
+          </a:p>
+        </p:txBody>
+      </p:sp>
+      <p:graphicFrame>
+        <p:nvGraphicFramePr>
           <p:cNvPr id="4" name="Chart 3"/>
           <p:cNvGraphicFramePr>
             <a:graphicFrameLocks/>
@@ -11852,7 +12057,7 @@
 </p:sld>
 </file>
 
-<file path=ppt/slides/slide16.xml><?xml version="1.0" encoding="utf-8"?>
+<file path=ppt/slides/slide17.xml><?xml version="1.0" encoding="utf-8"?>
 <p:sld xmlns:a="http://schemas.openxmlformats.org/drawingml/2006/main" xmlns:r="http://schemas.openxmlformats.org/officeDocument/2006/relationships" xmlns:p="http://schemas.openxmlformats.org/presentationml/2006/main">
   <p:cSld>
     <p:spTree>
@@ -12130,6 +12335,96 @@
 </file>
 
 <file path=ppt/slides/slide3.xml><?xml version="1.0" encoding="utf-8"?>
+<p:sld xmlns:a="http://schemas.openxmlformats.org/drawingml/2006/main" xmlns:r="http://schemas.openxmlformats.org/officeDocument/2006/relationships" xmlns:p="http://schemas.openxmlformats.org/presentationml/2006/main">
+  <p:cSld>
+    <p:spTree>
+      <p:nvGrpSpPr>
+        <p:cNvPr id="1" name=""/>
+        <p:cNvGrpSpPr/>
+        <p:nvPr/>
+      </p:nvGrpSpPr>
+      <p:grpSpPr>
+        <a:xfrm>
+          <a:off x="0" y="0"/>
+          <a:ext cx="0" cy="0"/>
+          <a:chOff x="0" y="0"/>
+          <a:chExt cx="0" cy="0"/>
+        </a:xfrm>
+      </p:grpSpPr>
+      <p:sp>
+        <p:nvSpPr>
+          <p:cNvPr id="2" name="Title 1"/>
+          <p:cNvSpPr>
+            <a:spLocks noGrp="1"/>
+          </p:cNvSpPr>
+          <p:nvPr>
+            <p:ph type="title"/>
+          </p:nvPr>
+        </p:nvSpPr>
+        <p:spPr/>
+        <p:txBody>
+          <a:bodyPr/>
+          <a:lstStyle/>
+          <a:p>
+            <a:r>
+              <a:rPr lang="es-AR" dirty="0" smtClean="0"/>
+              <a:t>Emprendedores</a:t>
+            </a:r>
+            <a:endParaRPr lang="es-AR" dirty="0"/>
+          </a:p>
+        </p:txBody>
+      </p:sp>
+      <p:pic>
+        <p:nvPicPr>
+          <p:cNvPr id="6" name="Picture 5"/>
+          <p:cNvPicPr>
+            <a:picLocks noChangeAspect="1"/>
+          </p:cNvPicPr>
+          <p:nvPr/>
+        </p:nvPicPr>
+        <p:blipFill>
+          <a:blip r:embed="rId3">
+            <a:extLst>
+              <a:ext uri="{28A0092B-C50C-407E-A947-70E740481C1C}">
+                <a14:useLocalDpi xmlns:a14="http://schemas.microsoft.com/office/drawing/2010/main" val="0"/>
+              </a:ext>
+            </a:extLst>
+          </a:blip>
+          <a:stretch>
+            <a:fillRect/>
+          </a:stretch>
+        </p:blipFill>
+        <p:spPr>
+          <a:xfrm>
+            <a:off x="2843808" y="1874664"/>
+            <a:ext cx="5335215" cy="4064926"/>
+          </a:xfrm>
+          <a:prstGeom prst="rect">
+            <a:avLst/>
+          </a:prstGeom>
+        </p:spPr>
+      </p:pic>
+    </p:spTree>
+    <p:extLst>
+      <p:ext uri="{BB962C8B-B14F-4D97-AF65-F5344CB8AC3E}">
+        <p14:creationId xmlns:p14="http://schemas.microsoft.com/office/powerpoint/2010/main" val="3611444651"/>
+      </p:ext>
+    </p:extLst>
+  </p:cSld>
+  <p:clrMapOvr>
+    <a:masterClrMapping/>
+  </p:clrMapOvr>
+  <p:timing>
+    <p:tnLst>
+      <p:par>
+        <p:cTn id="1" dur="indefinite" restart="never" nodeType="tmRoot"/>
+      </p:par>
+    </p:tnLst>
+  </p:timing>
+</p:sld>
+</file>
+
+<file path=ppt/slides/slide4.xml><?xml version="1.0" encoding="utf-8"?>
 <p:sld xmlns:a="http://schemas.openxmlformats.org/drawingml/2006/main" xmlns:r="http://schemas.openxmlformats.org/officeDocument/2006/relationships" xmlns:p="http://schemas.openxmlformats.org/presentationml/2006/main">
   <p:cSld>
     <p:spTree>
@@ -12219,7 +12514,7 @@
 </p:sld>
 </file>
 
-<file path=ppt/slides/slide4.xml><?xml version="1.0" encoding="utf-8"?>
+<file path=ppt/slides/slide5.xml><?xml version="1.0" encoding="utf-8"?>
 <p:sld xmlns:a="http://schemas.openxmlformats.org/drawingml/2006/main" xmlns:r="http://schemas.openxmlformats.org/officeDocument/2006/relationships" xmlns:p="http://schemas.openxmlformats.org/presentationml/2006/main">
   <p:cSld>
     <p:spTree>
@@ -12308,7 +12603,7 @@
 </p:sld>
 </file>
 
-<file path=ppt/slides/slide5.xml><?xml version="1.0" encoding="utf-8"?>
+<file path=ppt/slides/slide6.xml><?xml version="1.0" encoding="utf-8"?>
 <p:sld xmlns:a="http://schemas.openxmlformats.org/drawingml/2006/main" xmlns:r="http://schemas.openxmlformats.org/officeDocument/2006/relationships" xmlns:p="http://schemas.openxmlformats.org/presentationml/2006/main">
   <p:cSld>
     <p:spTree>
@@ -12398,7 +12693,7 @@
 </p:sld>
 </file>
 
-<file path=ppt/slides/slide6.xml><?xml version="1.0" encoding="utf-8"?>
+<file path=ppt/slides/slide7.xml><?xml version="1.0" encoding="utf-8"?>
 <p:sld xmlns:a="http://schemas.openxmlformats.org/drawingml/2006/main" xmlns:r="http://schemas.openxmlformats.org/officeDocument/2006/relationships" xmlns:p="http://schemas.openxmlformats.org/presentationml/2006/main">
   <p:cSld>
     <p:spTree>
@@ -13085,7 +13380,7 @@
 </p:sld>
 </file>
 
-<file path=ppt/slides/slide7.xml><?xml version="1.0" encoding="utf-8"?>
+<file path=ppt/slides/slide8.xml><?xml version="1.0" encoding="utf-8"?>
 <p:sld xmlns:a="http://schemas.openxmlformats.org/drawingml/2006/main" xmlns:r="http://schemas.openxmlformats.org/officeDocument/2006/relationships" xmlns:p="http://schemas.openxmlformats.org/presentationml/2006/main">
   <p:cSld>
     <p:spTree>
@@ -13174,7 +13469,7 @@
 </p:sld>
 </file>
 
-<file path=ppt/slides/slide8.xml><?xml version="1.0" encoding="utf-8"?>
+<file path=ppt/slides/slide9.xml><?xml version="1.0" encoding="utf-8"?>
 <p:sld xmlns:a="http://schemas.openxmlformats.org/drawingml/2006/main" xmlns:r="http://schemas.openxmlformats.org/officeDocument/2006/relationships" xmlns:p="http://schemas.openxmlformats.org/presentationml/2006/main">
   <p:cSld>
     <p:spTree>
@@ -13247,115 +13542,6 @@
     <p:extLst>
       <p:ext uri="{BB962C8B-B14F-4D97-AF65-F5344CB8AC3E}">
         <p14:creationId xmlns:p14="http://schemas.microsoft.com/office/powerpoint/2010/main" val="2205681447"/>
-      </p:ext>
-    </p:extLst>
-  </p:cSld>
-  <p:clrMapOvr>
-    <a:masterClrMapping/>
-  </p:clrMapOvr>
-  <p:timing>
-    <p:tnLst>
-      <p:par>
-        <p:cTn id="1" dur="indefinite" restart="never" nodeType="tmRoot"/>
-      </p:par>
-    </p:tnLst>
-  </p:timing>
-</p:sld>
-</file>
-
-<file path=ppt/slides/slide9.xml><?xml version="1.0" encoding="utf-8"?>
-<p:sld xmlns:a="http://schemas.openxmlformats.org/drawingml/2006/main" xmlns:r="http://schemas.openxmlformats.org/officeDocument/2006/relationships" xmlns:p="http://schemas.openxmlformats.org/presentationml/2006/main">
-  <p:cSld>
-    <p:spTree>
-      <p:nvGrpSpPr>
-        <p:cNvPr id="1" name=""/>
-        <p:cNvGrpSpPr/>
-        <p:nvPr/>
-      </p:nvGrpSpPr>
-      <p:grpSpPr>
-        <a:xfrm>
-          <a:off x="0" y="0"/>
-          <a:ext cx="0" cy="0"/>
-          <a:chOff x="0" y="0"/>
-          <a:chExt cx="0" cy="0"/>
-        </a:xfrm>
-      </p:grpSpPr>
-      <p:sp>
-        <p:nvSpPr>
-          <p:cNvPr id="4" name="Title 1"/>
-          <p:cNvSpPr>
-            <a:spLocks noGrp="1"/>
-          </p:cNvSpPr>
-          <p:nvPr>
-            <p:ph type="ctrTitle"/>
-          </p:nvPr>
-        </p:nvSpPr>
-        <p:spPr/>
-        <p:txBody>
-          <a:bodyPr>
-            <a:normAutofit fontScale="90000"/>
-          </a:bodyPr>
-          <a:lstStyle/>
-          <a:p>
-            <a:r>
-              <a:rPr lang="es-AR" dirty="0" smtClean="0"/>
-              <a:t/>
-            </a:r>
-            <a:br>
-              <a:rPr lang="es-AR" dirty="0" smtClean="0"/>
-            </a:br>
-            <a:r>
-              <a:rPr lang="es-AR" dirty="0"/>
-              <a:t/>
-            </a:r>
-            <a:br>
-              <a:rPr lang="es-AR" dirty="0"/>
-            </a:br>
-            <a:r>
-              <a:rPr lang="es-AR" dirty="0" smtClean="0"/>
-              <a:t/>
-            </a:r>
-            <a:br>
-              <a:rPr lang="es-AR" dirty="0" smtClean="0"/>
-            </a:br>
-            <a:r>
-              <a:rPr lang="es-AR" dirty="0" smtClean="0"/>
-              <a:t>Mercado </a:t>
-            </a:r>
-            <a:r>
-              <a:rPr lang="es-AR" dirty="0"/>
-              <a:t>en crecimiento</a:t>
-            </a:r>
-          </a:p>
-        </p:txBody>
-      </p:sp>
-      <p:sp>
-        <p:nvSpPr>
-          <p:cNvPr id="2" name="Subtitle 1"/>
-          <p:cNvSpPr>
-            <a:spLocks noGrp="1"/>
-          </p:cNvSpPr>
-          <p:nvPr>
-            <p:ph type="subTitle" idx="1"/>
-          </p:nvPr>
-        </p:nvSpPr>
-        <p:spPr/>
-        <p:txBody>
-          <a:bodyPr/>
-          <a:lstStyle/>
-          <a:p>
-            <a:r>
-              <a:rPr lang="es-AR" dirty="0" smtClean="0"/>
-              <a:t>Proyección económica</a:t>
-            </a:r>
-            <a:endParaRPr lang="es-AR" dirty="0"/>
-          </a:p>
-        </p:txBody>
-      </p:sp>
-    </p:spTree>
-    <p:extLst>
-      <p:ext uri="{BB962C8B-B14F-4D97-AF65-F5344CB8AC3E}">
-        <p14:creationId xmlns:p14="http://schemas.microsoft.com/office/powerpoint/2010/main" val="4021245580"/>
       </p:ext>
     </p:extLst>
   </p:cSld>
@@ -13597,7 +13783,7 @@
   <a:extraClrSchemeLst/>
   <a:extLst>
     <a:ext uri="{05A4C25C-085E-4340-85A3-A5531E510DB2}">
-      <thm15:themeFamily xmlns:thm15="http://schemas.microsoft.com/office/thememl/2012/main" xmlns="" name="Frame" id="{F226E7A2-7162-461C-9490-D27D9DC04E43}" vid="{629A0216-3BBD-45C0-B63F-2683BEA18F60}"/>
+      <thm15:themeFamily xmlns="" xmlns:thm15="http://schemas.microsoft.com/office/thememl/2012/main" name="Frame" id="{F226E7A2-7162-461C-9490-D27D9DC04E43}" vid="{629A0216-3BBD-45C0-B63F-2683BEA18F60}"/>
     </a:ext>
   </a:extLst>
 </a:theme>

--- a/trunk/Assets/Presentación negocio.pptx
+++ b/trunk/Assets/Presentación negocio.pptx
@@ -325,11 +325,11 @@
           <c:showPercent val="0"/>
           <c:showBubbleSize val="0"/>
         </c:dLbls>
-        <c:axId val="67802624"/>
-        <c:axId val="67804544"/>
+        <c:axId val="87061632"/>
+        <c:axId val="87063552"/>
       </c:scatterChart>
       <c:valAx>
-        <c:axId val="67802624"/>
+        <c:axId val="87061632"/>
         <c:scaling>
           <c:orientation val="minMax"/>
           <c:max val="24"/>
@@ -360,13 +360,13 @@
         <c:majorTickMark val="none"/>
         <c:minorTickMark val="none"/>
         <c:tickLblPos val="nextTo"/>
-        <c:crossAx val="67804544"/>
+        <c:crossAx val="87063552"/>
         <c:crosses val="autoZero"/>
         <c:crossBetween val="midCat"/>
         <c:majorUnit val="3"/>
       </c:valAx>
       <c:valAx>
-        <c:axId val="67804544"/>
+        <c:axId val="87063552"/>
         <c:scaling>
           <c:orientation val="minMax"/>
         </c:scaling>
@@ -396,7 +396,7 @@
         <c:majorTickMark val="none"/>
         <c:minorTickMark val="none"/>
         <c:tickLblPos val="nextTo"/>
-        <c:crossAx val="67802624"/>
+        <c:crossAx val="87061632"/>
         <c:crosses val="autoZero"/>
         <c:crossBetween val="midCat"/>
       </c:valAx>
@@ -1288,11 +1288,11 @@
           <c:showPercent val="0"/>
           <c:showBubbleSize val="0"/>
         </c:dLbls>
-        <c:axId val="69201920"/>
-        <c:axId val="69204224"/>
+        <c:axId val="87473536"/>
+        <c:axId val="87480192"/>
       </c:scatterChart>
       <c:valAx>
-        <c:axId val="69201920"/>
+        <c:axId val="87473536"/>
         <c:scaling>
           <c:orientation val="minMax"/>
           <c:max val="24"/>
@@ -1324,13 +1324,13 @@
         <c:majorTickMark val="none"/>
         <c:minorTickMark val="none"/>
         <c:tickLblPos val="nextTo"/>
-        <c:crossAx val="69204224"/>
+        <c:crossAx val="87480192"/>
         <c:crosses val="autoZero"/>
         <c:crossBetween val="midCat"/>
         <c:majorUnit val="3"/>
       </c:valAx>
       <c:valAx>
-        <c:axId val="69204224"/>
+        <c:axId val="87480192"/>
         <c:scaling>
           <c:orientation val="minMax"/>
         </c:scaling>
@@ -1360,7 +1360,7 @@
         <c:majorTickMark val="none"/>
         <c:minorTickMark val="none"/>
         <c:tickLblPos val="nextTo"/>
-        <c:crossAx val="69201920"/>
+        <c:crossAx val="87473536"/>
         <c:crosses val="autoZero"/>
         <c:crossBetween val="midCat"/>
       </c:valAx>
@@ -1569,11 +1569,11 @@
           <c:showPercent val="0"/>
           <c:showBubbleSize val="0"/>
         </c:dLbls>
-        <c:axId val="75951488"/>
-        <c:axId val="75953664"/>
+        <c:axId val="93006848"/>
+        <c:axId val="93045888"/>
       </c:scatterChart>
       <c:valAx>
-        <c:axId val="75951488"/>
+        <c:axId val="93006848"/>
         <c:scaling>
           <c:orientation val="minMax"/>
           <c:max val="24"/>
@@ -1604,13 +1604,13 @@
         <c:majorTickMark val="none"/>
         <c:minorTickMark val="none"/>
         <c:tickLblPos val="nextTo"/>
-        <c:crossAx val="75953664"/>
+        <c:crossAx val="93045888"/>
         <c:crosses val="autoZero"/>
         <c:crossBetween val="midCat"/>
         <c:majorUnit val="3"/>
       </c:valAx>
       <c:valAx>
-        <c:axId val="75953664"/>
+        <c:axId val="93045888"/>
         <c:scaling>
           <c:orientation val="minMax"/>
         </c:scaling>
@@ -1640,7 +1640,7 @@
         <c:majorTickMark val="none"/>
         <c:minorTickMark val="none"/>
         <c:tickLblPos val="nextTo"/>
-        <c:crossAx val="75951488"/>
+        <c:crossAx val="93006848"/>
         <c:crosses val="autoZero"/>
         <c:crossBetween val="midCat"/>
       </c:valAx>
@@ -1699,7 +1699,6 @@
           </a:p>
         </c:rich>
       </c:tx>
-      <c:layout/>
       <c:overlay val="0"/>
     </c:title>
     <c:autoTitleDeleted val="0"/>
@@ -2522,11 +2521,11 @@
           <c:showPercent val="0"/>
           <c:showBubbleSize val="0"/>
         </c:dLbls>
-        <c:axId val="79496704"/>
-        <c:axId val="79519744"/>
+        <c:axId val="92800128"/>
+        <c:axId val="92802432"/>
       </c:scatterChart>
       <c:valAx>
-        <c:axId val="79496704"/>
+        <c:axId val="92800128"/>
         <c:scaling>
           <c:orientation val="minMax"/>
           <c:max val="24"/>
@@ -2551,20 +2550,19 @@
               </a:p>
             </c:rich>
           </c:tx>
-          <c:layout/>
           <c:overlay val="0"/>
         </c:title>
         <c:numFmt formatCode="General" sourceLinked="1"/>
         <c:majorTickMark val="none"/>
         <c:minorTickMark val="none"/>
         <c:tickLblPos val="nextTo"/>
-        <c:crossAx val="79519744"/>
+        <c:crossAx val="92802432"/>
         <c:crosses val="autoZero"/>
         <c:crossBetween val="midCat"/>
         <c:majorUnit val="3"/>
       </c:valAx>
       <c:valAx>
-        <c:axId val="79519744"/>
+        <c:axId val="92802432"/>
         <c:scaling>
           <c:orientation val="minMax"/>
         </c:scaling>
@@ -2587,21 +2585,19 @@
               </a:p>
             </c:rich>
           </c:tx>
-          <c:layout/>
           <c:overlay val="0"/>
         </c:title>
         <c:numFmt formatCode="0" sourceLinked="1"/>
         <c:majorTickMark val="none"/>
         <c:minorTickMark val="none"/>
         <c:tickLblPos val="nextTo"/>
-        <c:crossAx val="79496704"/>
+        <c:crossAx val="92800128"/>
         <c:crosses val="autoZero"/>
         <c:crossBetween val="midCat"/>
       </c:valAx>
     </c:plotArea>
     <c:legend>
       <c:legendPos val="b"/>
-      <c:layout/>
       <c:overlay val="0"/>
       <c:txPr>
         <a:bodyPr/>
@@ -11337,11 +11333,22 @@
                   </a:schemeClr>
                 </a:solidFill>
               </a:rPr>
-              <a:t>Descarga paga:</a:t>
-            </a:r>
-          </a:p>
-          <a:p>
-            <a:pPr marL="274320" indent="-182880">
+              <a:t>Descarga paga</a:t>
+            </a:r>
+            <a:r>
+              <a:rPr lang="es-AR" sz="2800" dirty="0" smtClean="0">
+                <a:solidFill>
+                  <a:schemeClr val="tx1">
+                    <a:lumMod val="65000"/>
+                    <a:lumOff val="35000"/>
+                  </a:schemeClr>
+                </a:solidFill>
+              </a:rPr>
+              <a:t>:</a:t>
+            </a:r>
+          </a:p>
+          <a:p>
+            <a:pPr marL="1188720" lvl="1" indent="-182880">
               <a:lnSpc>
                 <a:spcPct val="90000"/>
               </a:lnSpc>
@@ -11352,7 +11359,7 @@
               <a:buChar char=""/>
             </a:pPr>
             <a:r>
-              <a:rPr lang="es-AR" sz="2800" dirty="0">
+              <a:rPr lang="es-AR" sz="2800" smtClean="0">
                 <a:solidFill>
                   <a:schemeClr val="tx1">
                     <a:lumMod val="65000"/>
@@ -11360,7 +11367,18 @@
                   </a:schemeClr>
                 </a:solidFill>
               </a:rPr>
-              <a:t>	1-5 USD</a:t>
+              <a:t> 1-5 </a:t>
+            </a:r>
+            <a:r>
+              <a:rPr lang="es-AR" sz="2800" dirty="0" smtClean="0">
+                <a:solidFill>
+                  <a:schemeClr val="tx1">
+                    <a:lumMod val="65000"/>
+                    <a:lumOff val="35000"/>
+                  </a:schemeClr>
+                </a:solidFill>
+              </a:rPr>
+              <a:t>USD</a:t>
             </a:r>
           </a:p>
           <a:p>
@@ -13783,7 +13801,7 @@
   <a:extraClrSchemeLst/>
   <a:extLst>
     <a:ext uri="{05A4C25C-085E-4340-85A3-A5531E510DB2}">
-      <thm15:themeFamily xmlns="" xmlns:thm15="http://schemas.microsoft.com/office/thememl/2012/main" name="Frame" id="{F226E7A2-7162-461C-9490-D27D9DC04E43}" vid="{629A0216-3BBD-45C0-B63F-2683BEA18F60}"/>
+      <thm15:themeFamily xmlns:thm15="http://schemas.microsoft.com/office/thememl/2012/main" xmlns="" name="Frame" id="{F226E7A2-7162-461C-9490-D27D9DC04E43}" vid="{629A0216-3BBD-45C0-B63F-2683BEA18F60}"/>
     </a:ext>
   </a:extLst>
 </a:theme>

--- a/trunk/Assets/Presentación negocio.pptx
+++ b/trunk/Assets/Presentación negocio.pptx
@@ -5,7 +5,7 @@
     <p:sldMasterId id="2147483660" r:id="rId1"/>
   </p:sldMasterIdLst>
   <p:notesMasterIdLst>
-    <p:notesMasterId r:id="rId19"/>
+    <p:notesMasterId r:id="rId20"/>
   </p:notesMasterIdLst>
   <p:sldIdLst>
     <p:sldId id="256" r:id="rId2"/>
@@ -13,18 +13,19 @@
     <p:sldId id="275" r:id="rId4"/>
     <p:sldId id="262" r:id="rId5"/>
     <p:sldId id="265" r:id="rId6"/>
-    <p:sldId id="264" r:id="rId7"/>
-    <p:sldId id="267" r:id="rId8"/>
-    <p:sldId id="270" r:id="rId9"/>
-    <p:sldId id="271" r:id="rId10"/>
-    <p:sldId id="258" r:id="rId11"/>
-    <p:sldId id="266" r:id="rId12"/>
-    <p:sldId id="272" r:id="rId13"/>
-    <p:sldId id="257" r:id="rId14"/>
-    <p:sldId id="273" r:id="rId15"/>
-    <p:sldId id="259" r:id="rId16"/>
-    <p:sldId id="274" r:id="rId17"/>
-    <p:sldId id="269" r:id="rId18"/>
+    <p:sldId id="276" r:id="rId7"/>
+    <p:sldId id="264" r:id="rId8"/>
+    <p:sldId id="267" r:id="rId9"/>
+    <p:sldId id="270" r:id="rId10"/>
+    <p:sldId id="271" r:id="rId11"/>
+    <p:sldId id="258" r:id="rId12"/>
+    <p:sldId id="266" r:id="rId13"/>
+    <p:sldId id="272" r:id="rId14"/>
+    <p:sldId id="257" r:id="rId15"/>
+    <p:sldId id="273" r:id="rId16"/>
+    <p:sldId id="259" r:id="rId17"/>
+    <p:sldId id="274" r:id="rId18"/>
+    <p:sldId id="269" r:id="rId19"/>
   </p:sldIdLst>
   <p:sldSz cx="9144000" cy="6858000" type="screen4x3"/>
   <p:notesSz cx="6669088" cy="9928225"/>
@@ -325,11 +326,11 @@
           <c:showPercent val="0"/>
           <c:showBubbleSize val="0"/>
         </c:dLbls>
-        <c:axId val="87061632"/>
-        <c:axId val="87063552"/>
+        <c:axId val="83653760"/>
+        <c:axId val="83655680"/>
       </c:scatterChart>
       <c:valAx>
-        <c:axId val="87061632"/>
+        <c:axId val="83653760"/>
         <c:scaling>
           <c:orientation val="minMax"/>
           <c:max val="24"/>
@@ -360,13 +361,13 @@
         <c:majorTickMark val="none"/>
         <c:minorTickMark val="none"/>
         <c:tickLblPos val="nextTo"/>
-        <c:crossAx val="87063552"/>
+        <c:crossAx val="83655680"/>
         <c:crosses val="autoZero"/>
         <c:crossBetween val="midCat"/>
         <c:majorUnit val="3"/>
       </c:valAx>
       <c:valAx>
-        <c:axId val="87063552"/>
+        <c:axId val="83655680"/>
         <c:scaling>
           <c:orientation val="minMax"/>
         </c:scaling>
@@ -396,7 +397,7 @@
         <c:majorTickMark val="none"/>
         <c:minorTickMark val="none"/>
         <c:tickLblPos val="nextTo"/>
-        <c:crossAx val="87061632"/>
+        <c:crossAx val="83653760"/>
         <c:crosses val="autoZero"/>
         <c:crossBetween val="midCat"/>
       </c:valAx>
@@ -1288,11 +1289,11 @@
           <c:showPercent val="0"/>
           <c:showBubbleSize val="0"/>
         </c:dLbls>
-        <c:axId val="87473536"/>
-        <c:axId val="87480192"/>
+        <c:axId val="84069760"/>
+        <c:axId val="84076416"/>
       </c:scatterChart>
       <c:valAx>
-        <c:axId val="87473536"/>
+        <c:axId val="84069760"/>
         <c:scaling>
           <c:orientation val="minMax"/>
           <c:max val="24"/>
@@ -1324,13 +1325,13 @@
         <c:majorTickMark val="none"/>
         <c:minorTickMark val="none"/>
         <c:tickLblPos val="nextTo"/>
-        <c:crossAx val="87480192"/>
+        <c:crossAx val="84076416"/>
         <c:crosses val="autoZero"/>
         <c:crossBetween val="midCat"/>
         <c:majorUnit val="3"/>
       </c:valAx>
       <c:valAx>
-        <c:axId val="87480192"/>
+        <c:axId val="84076416"/>
         <c:scaling>
           <c:orientation val="minMax"/>
         </c:scaling>
@@ -1360,7 +1361,7 @@
         <c:majorTickMark val="none"/>
         <c:minorTickMark val="none"/>
         <c:tickLblPos val="nextTo"/>
-        <c:crossAx val="87473536"/>
+        <c:crossAx val="84069760"/>
         <c:crosses val="autoZero"/>
         <c:crossBetween val="midCat"/>
       </c:valAx>
@@ -1569,11 +1570,11 @@
           <c:showPercent val="0"/>
           <c:showBubbleSize val="0"/>
         </c:dLbls>
-        <c:axId val="93006848"/>
-        <c:axId val="93045888"/>
+        <c:axId val="84098048"/>
+        <c:axId val="84141184"/>
       </c:scatterChart>
       <c:valAx>
-        <c:axId val="93006848"/>
+        <c:axId val="84098048"/>
         <c:scaling>
           <c:orientation val="minMax"/>
           <c:max val="24"/>
@@ -1604,13 +1605,13 @@
         <c:majorTickMark val="none"/>
         <c:minorTickMark val="none"/>
         <c:tickLblPos val="nextTo"/>
-        <c:crossAx val="93045888"/>
+        <c:crossAx val="84141184"/>
         <c:crosses val="autoZero"/>
         <c:crossBetween val="midCat"/>
         <c:majorUnit val="3"/>
       </c:valAx>
       <c:valAx>
-        <c:axId val="93045888"/>
+        <c:axId val="84141184"/>
         <c:scaling>
           <c:orientation val="minMax"/>
         </c:scaling>
@@ -1640,7 +1641,7 @@
         <c:majorTickMark val="none"/>
         <c:minorTickMark val="none"/>
         <c:tickLblPos val="nextTo"/>
-        <c:crossAx val="93006848"/>
+        <c:crossAx val="84098048"/>
         <c:crosses val="autoZero"/>
         <c:crossBetween val="midCat"/>
       </c:valAx>
@@ -1699,6 +1700,7 @@
           </a:p>
         </c:rich>
       </c:tx>
+      <c:layout/>
       <c:overlay val="0"/>
     </c:title>
     <c:autoTitleDeleted val="0"/>
@@ -2521,11 +2523,11 @@
           <c:showPercent val="0"/>
           <c:showBubbleSize val="0"/>
         </c:dLbls>
-        <c:axId val="92800128"/>
-        <c:axId val="92802432"/>
+        <c:axId val="91559040"/>
+        <c:axId val="91561344"/>
       </c:scatterChart>
       <c:valAx>
-        <c:axId val="92800128"/>
+        <c:axId val="91559040"/>
         <c:scaling>
           <c:orientation val="minMax"/>
           <c:max val="24"/>
@@ -2550,19 +2552,20 @@
               </a:p>
             </c:rich>
           </c:tx>
+          <c:layout/>
           <c:overlay val="0"/>
         </c:title>
         <c:numFmt formatCode="General" sourceLinked="1"/>
         <c:majorTickMark val="none"/>
         <c:minorTickMark val="none"/>
         <c:tickLblPos val="nextTo"/>
-        <c:crossAx val="92802432"/>
+        <c:crossAx val="91561344"/>
         <c:crosses val="autoZero"/>
         <c:crossBetween val="midCat"/>
         <c:majorUnit val="3"/>
       </c:valAx>
       <c:valAx>
-        <c:axId val="92802432"/>
+        <c:axId val="91561344"/>
         <c:scaling>
           <c:orientation val="minMax"/>
         </c:scaling>
@@ -2585,19 +2588,21 @@
               </a:p>
             </c:rich>
           </c:tx>
+          <c:layout/>
           <c:overlay val="0"/>
         </c:title>
         <c:numFmt formatCode="0" sourceLinked="1"/>
         <c:majorTickMark val="none"/>
         <c:minorTickMark val="none"/>
         <c:tickLblPos val="nextTo"/>
-        <c:crossAx val="92800128"/>
+        <c:crossAx val="91559040"/>
         <c:crosses val="autoZero"/>
         <c:crossBetween val="midCat"/>
       </c:valAx>
     </c:plotArea>
     <c:legend>
       <c:legendPos val="b"/>
+      <c:layout/>
       <c:overlay val="0"/>
       <c:txPr>
         <a:bodyPr/>
@@ -3113,7 +3118,7 @@
       </p:grpSpPr>
       <p:sp>
         <p:nvSpPr>
-          <p:cNvPr id="2" name="Slide Image Placeholder 1"/>
+          <p:cNvPr id="2" name="1 Marcador de imagen de diapositiva"/>
           <p:cNvSpPr>
             <a:spLocks noGrp="1" noRot="1" noChangeAspect="1"/>
           </p:cNvSpPr>
@@ -3125,7 +3130,7 @@
       </p:sp>
       <p:sp>
         <p:nvSpPr>
-          <p:cNvPr id="3" name="Notes Placeholder 2"/>
+          <p:cNvPr id="3" name="2 Marcador de notas"/>
           <p:cNvSpPr>
             <a:spLocks noGrp="1"/>
           </p:cNvSpPr>
@@ -3135,48 +3140,156 @@
         </p:nvSpPr>
         <p:spPr/>
         <p:txBody>
-          <a:bodyPr/>
+          <a:bodyPr>
+            <a:normAutofit lnSpcReduction="10000"/>
+          </a:bodyPr>
           <a:lstStyle/>
           <a:p>
-            <a:pPr marL="0" marR="0" indent="0" algn="l" defTabSz="914400" rtl="0" eaLnBrk="1" fontAlgn="auto" latinLnBrk="0" hangingPunct="1">
-              <a:lnSpc>
-                <a:spcPct val="100000"/>
-              </a:lnSpc>
-              <a:spcBef>
-                <a:spcPts val="0"/>
-              </a:spcBef>
-              <a:spcAft>
-                <a:spcPts val="0"/>
-              </a:spcAft>
-              <a:buClrTx/>
-              <a:buSzTx/>
-              <a:buFontTx/>
-              <a:buNone/>
-              <a:tabLst/>
-              <a:defRPr/>
-            </a:pPr>
+            <a:r>
+              <a:rPr lang="en-US" baseline="0" dirty="0" err="1" smtClean="0"/>
+              <a:t>Nos</a:t>
+            </a:r>
+            <a:r>
+              <a:rPr lang="en-US" baseline="0" dirty="0" smtClean="0"/>
+              <a:t> </a:t>
+            </a:r>
+            <a:r>
+              <a:rPr lang="en-US" baseline="0" dirty="0" err="1" smtClean="0"/>
+              <a:t>queda</a:t>
+            </a:r>
+            <a:r>
+              <a:rPr lang="en-US" baseline="0" dirty="0" smtClean="0"/>
+              <a:t> </a:t>
+            </a:r>
+            <a:r>
+              <a:rPr lang="en-US" baseline="0" dirty="0" err="1" smtClean="0"/>
+              <a:t>por</a:t>
+            </a:r>
+            <a:r>
+              <a:rPr lang="en-US" baseline="0" dirty="0" smtClean="0"/>
+              <a:t> </a:t>
+            </a:r>
+            <a:r>
+              <a:rPr lang="en-US" baseline="0" dirty="0" err="1" smtClean="0"/>
+              <a:t>cubrir</a:t>
+            </a:r>
+            <a:r>
+              <a:rPr lang="en-US" baseline="0" dirty="0" smtClean="0"/>
+              <a:t> </a:t>
+            </a:r>
+            <a:r>
+              <a:rPr lang="en-US" baseline="0" dirty="0" err="1" smtClean="0"/>
+              <a:t>es</a:t>
+            </a:r>
+            <a:r>
+              <a:rPr lang="en-US" baseline="0" dirty="0" smtClean="0"/>
+              <a:t> el </a:t>
+            </a:r>
+            <a:r>
+              <a:rPr lang="en-US" baseline="0" dirty="0" err="1" smtClean="0"/>
+              <a:t>tema</a:t>
+            </a:r>
+            <a:r>
+              <a:rPr lang="en-US" baseline="0" dirty="0" smtClean="0"/>
+              <a:t> legal.</a:t>
+            </a:r>
+          </a:p>
+          <a:p>
+            <a:r>
+              <a:rPr lang="en-US" baseline="0" dirty="0" err="1" smtClean="0"/>
+              <a:t>Nos</a:t>
+            </a:r>
+            <a:r>
+              <a:rPr lang="en-US" baseline="0" dirty="0" smtClean="0"/>
+              <a:t> </a:t>
+            </a:r>
+            <a:r>
+              <a:rPr lang="en-US" baseline="0" dirty="0" err="1" smtClean="0"/>
+              <a:t>amparan</a:t>
+            </a:r>
+            <a:r>
+              <a:rPr lang="en-US" baseline="0" dirty="0" smtClean="0"/>
+              <a:t> la </a:t>
+            </a:r>
             <a:r>
               <a:rPr lang="es-AR" dirty="0" smtClean="0"/>
-              <a:t>Luego</a:t>
+              <a:t>ley de acceso a la </a:t>
+            </a:r>
+            <a:r>
+              <a:rPr lang="es-AR" dirty="0" err="1" smtClean="0"/>
+              <a:t>informacion</a:t>
+            </a:r>
+            <a:r>
+              <a:rPr lang="es-AR" dirty="0" smtClean="0"/>
+              <a:t> publica, en cuanto a la divulgación de datos</a:t>
             </a:r>
             <a:r>
               <a:rPr lang="es-AR" baseline="0" dirty="0" smtClean="0"/>
-              <a:t> de escuchar sobre el producto, probablemente </a:t>
+              <a:t> respecto de direcciones y demás.</a:t>
+            </a:r>
+          </a:p>
+          <a:p>
+            <a:r>
+              <a:rPr lang="es-AR" baseline="0" dirty="0" smtClean="0"/>
+              <a:t>Y en cuanto al acceso a baños de cafés y </a:t>
             </a:r>
             <a:r>
               <a:rPr lang="es-AR" baseline="0" dirty="0" err="1" smtClean="0"/>
-              <a:t>esten</a:t>
+              <a:t>restauranes</a:t>
             </a:r>
             <a:r>
               <a:rPr lang="es-AR" baseline="0" dirty="0" smtClean="0"/>
-              <a:t> pensando “esto muy lindo, realmente me gustaría tener esta aplicación, pero realmente voy a ganar dinero con ella?”. Pues sí señores. Hemos analizado distintos escenarios basados en casos reales y a modo de ejemplo les mostraremos dos de ellos</a:t>
-            </a:r>
+              <a:t> en CABA las resoluciones </a:t>
+            </a:r>
+            <a:r>
+              <a:rPr lang="es-AR" b="1" dirty="0" smtClean="0">
+                <a:effectLst/>
+              </a:rPr>
+              <a:t>Nº 46798 y </a:t>
+            </a:r>
+            <a:r>
+              <a:rPr lang="es-AR" sz="1200" b="1" kern="1200" dirty="0" smtClean="0">
+                <a:solidFill>
+                  <a:schemeClr val="tx1"/>
+                </a:solidFill>
+                <a:effectLst/>
+                <a:latin typeface="+mn-lt"/>
+                <a:ea typeface="+mn-ea"/>
+                <a:cs typeface="+mn-cs"/>
+              </a:rPr>
+              <a:t>DECRETO</a:t>
+            </a:r>
+            <a:r>
+              <a:rPr lang="es-AR" sz="1200" kern="1200" dirty="0" smtClean="0">
+                <a:solidFill>
+                  <a:schemeClr val="tx1"/>
+                </a:solidFill>
+                <a:effectLst/>
+                <a:latin typeface="+mn-lt"/>
+                <a:ea typeface="+mn-ea"/>
+                <a:cs typeface="+mn-cs"/>
+              </a:rPr>
+              <a:t> Nº </a:t>
+            </a:r>
+            <a:r>
+              <a:rPr lang="es-AR" sz="1200" b="1" kern="1200" dirty="0" smtClean="0">
+                <a:solidFill>
+                  <a:schemeClr val="tx1"/>
+                </a:solidFill>
+                <a:effectLst/>
+                <a:latin typeface="+mn-lt"/>
+                <a:ea typeface="+mn-ea"/>
+                <a:cs typeface="+mn-cs"/>
+              </a:rPr>
+              <a:t>193.</a:t>
+            </a:r>
+            <a:endParaRPr lang="en-US" baseline="0" dirty="0" smtClean="0"/>
           </a:p>
         </p:txBody>
       </p:sp>
       <p:sp>
         <p:nvSpPr>
-          <p:cNvPr id="4" name="Slide Number Placeholder 3"/>
+          <p:cNvPr id="4" name="3 Marcador de número de diapositiva"/>
           <p:cNvSpPr>
             <a:spLocks noGrp="1"/>
           </p:cNvSpPr>
@@ -3199,11 +3312,6 @@
         </p:txBody>
       </p:sp>
     </p:spTree>
-    <p:extLst>
-      <p:ext uri="{BB962C8B-B14F-4D97-AF65-F5344CB8AC3E}">
-        <p14:creationId xmlns:p14="http://schemas.microsoft.com/office/powerpoint/2010/main" val="448154425"/>
-      </p:ext>
-    </p:extLst>
   </p:cSld>
   <p:clrMapOvr>
     <a:masterClrMapping/>
@@ -3255,52 +3363,6 @@
           <a:bodyPr/>
           <a:lstStyle/>
           <a:p>
-            <a:r>
-              <a:rPr lang="es-AR" dirty="0" smtClean="0"/>
-              <a:t>Nuestro elemento fundamental</a:t>
-            </a:r>
-            <a:r>
-              <a:rPr lang="es-AR" baseline="0" dirty="0" smtClean="0"/>
-              <a:t> de recaudación de ingresos y retorno de inversión es, además de las descargas pagas de la aplicación como ya hemos mencionado previamente, el brindar un espacio de publicidad a nuestros sponsors.</a:t>
-            </a:r>
-          </a:p>
-          <a:p>
-            <a:r>
-              <a:rPr lang="es-AR" baseline="0" dirty="0" smtClean="0"/>
-              <a:t>La publicidad embebida en la aplicación genera ingresos tanto por cantidad de </a:t>
-            </a:r>
-            <a:r>
-              <a:rPr lang="es-AR" baseline="0" dirty="0" err="1" smtClean="0"/>
-              <a:t>vistar</a:t>
-            </a:r>
-            <a:r>
-              <a:rPr lang="es-AR" baseline="0" dirty="0" smtClean="0"/>
-              <a:t>, es decir cada vez que un usuario accede a la aplicación, como por cantidad de </a:t>
-            </a:r>
-            <a:r>
-              <a:rPr lang="es-AR" baseline="0" dirty="0" err="1" smtClean="0"/>
-              <a:t>clicks</a:t>
-            </a:r>
-            <a:r>
-              <a:rPr lang="es-AR" baseline="0" dirty="0" smtClean="0"/>
-              <a:t> que el usuario realizar sobre el banner de publicidad.</a:t>
-            </a:r>
-          </a:p>
-          <a:p>
-            <a:r>
-              <a:rPr lang="es-AR" baseline="0" dirty="0" smtClean="0"/>
-              <a:t>Ahora  a continuación detallaremos más cómo se compondrá el </a:t>
-            </a:r>
-            <a:r>
-              <a:rPr lang="es-AR" baseline="0" dirty="0" err="1" smtClean="0"/>
-              <a:t>cashflow</a:t>
-            </a:r>
-            <a:r>
-              <a:rPr lang="es-AR" baseline="0" dirty="0" smtClean="0"/>
-              <a:t> del negocio, teniendo en cuenta este ingreso inmediato.</a:t>
-            </a:r>
-          </a:p>
-          <a:p>
             <a:pPr marL="0" marR="0" indent="0" algn="l" defTabSz="914400" rtl="0" eaLnBrk="1" fontAlgn="auto" latinLnBrk="0" hangingPunct="1">
               <a:lnSpc>
                 <a:spcPct val="100000"/>
@@ -3318,104 +3380,22 @@
               <a:tabLst/>
               <a:defRPr/>
             </a:pPr>
-            <a:endParaRPr lang="es-AR" baseline="0" dirty="0" smtClean="0"/>
-          </a:p>
-          <a:p>
-            <a:pPr marL="0" marR="0" indent="0" algn="l" defTabSz="914400" rtl="0" eaLnBrk="1" fontAlgn="auto" latinLnBrk="0" hangingPunct="1">
-              <a:lnSpc>
-                <a:spcPct val="100000"/>
-              </a:lnSpc>
-              <a:spcBef>
-                <a:spcPts val="0"/>
-              </a:spcBef>
-              <a:spcAft>
-                <a:spcPts val="0"/>
-              </a:spcAft>
-              <a:buClrTx/>
-              <a:buSzTx/>
-              <a:buFontTx/>
-              <a:buNone/>
-              <a:tabLst/>
-              <a:defRPr/>
-            </a:pPr>
+            <a:r>
+              <a:rPr lang="es-AR" dirty="0" smtClean="0"/>
+              <a:t>Luego</a:t>
+            </a:r>
             <a:r>
               <a:rPr lang="es-AR" baseline="0" dirty="0" smtClean="0"/>
-              <a:t>Para los escenarios que mostraremos a continuación se ha tenido en cuenta ingresos provenientes de la publicidad y de la </a:t>
+              <a:t> de escuchar sobre el producto, probablemente </a:t>
             </a:r>
             <a:r>
               <a:rPr lang="es-AR" baseline="0" dirty="0" err="1" smtClean="0"/>
-              <a:t>version</a:t>
+              <a:t>esten</a:t>
             </a:r>
             <a:r>
               <a:rPr lang="es-AR" baseline="0" dirty="0" smtClean="0"/>
-              <a:t> paga:</a:t>
-            </a:r>
-          </a:p>
-          <a:p>
-            <a:pPr marL="0" marR="0" indent="0" algn="l" defTabSz="914400" rtl="0" eaLnBrk="1" fontAlgn="auto" latinLnBrk="0" hangingPunct="1">
-              <a:lnSpc>
-                <a:spcPct val="100000"/>
-              </a:lnSpc>
-              <a:spcBef>
-                <a:spcPts val="0"/>
-              </a:spcBef>
-              <a:spcAft>
-                <a:spcPts val="0"/>
-              </a:spcAft>
-              <a:buClrTx/>
-              <a:buSzTx/>
-              <a:buFontTx/>
-              <a:buNone/>
-              <a:tabLst/>
-              <a:defRPr/>
-            </a:pPr>
-            <a:r>
-              <a:rPr lang="es-AR" baseline="0" dirty="0" smtClean="0"/>
-              <a:t>la descarga de aplicación a 1 dólar (para la versión paga) los ingresos por </a:t>
-            </a:r>
-            <a:r>
-              <a:rPr lang="es-AR" baseline="0" dirty="0" err="1" smtClean="0"/>
-              <a:t>google</a:t>
-            </a:r>
-            <a:r>
-              <a:rPr lang="es-AR" baseline="0" dirty="0" smtClean="0"/>
-              <a:t> </a:t>
-            </a:r>
-            <a:r>
-              <a:rPr lang="es-AR" baseline="0" dirty="0" err="1" smtClean="0"/>
-              <a:t>Adds</a:t>
-            </a:r>
-            <a:r>
-              <a:rPr lang="es-AR" baseline="0" dirty="0" smtClean="0"/>
-              <a:t> en base a la cantidad de vistas y </a:t>
-            </a:r>
-            <a:r>
-              <a:rPr lang="es-AR" baseline="0" dirty="0" err="1" smtClean="0"/>
-              <a:t>clicks</a:t>
-            </a:r>
-            <a:r>
-              <a:rPr lang="es-AR" baseline="0" dirty="0" smtClean="0"/>
-              <a:t>. Para esto último se ha considerado los valores más bajos del mercado, es decir, tan solo 15 (15-30)  centavos por </a:t>
-            </a:r>
-            <a:r>
-              <a:rPr lang="es-AR" baseline="0" dirty="0" err="1" smtClean="0"/>
-              <a:t>clicks</a:t>
-            </a:r>
-            <a:r>
-              <a:rPr lang="es-AR" baseline="0" dirty="0" smtClean="0"/>
-              <a:t>, una probabilidad de </a:t>
-            </a:r>
-            <a:r>
-              <a:rPr lang="es-AR" baseline="0" dirty="0" err="1" smtClean="0"/>
-              <a:t>click</a:t>
-            </a:r>
-            <a:r>
-              <a:rPr lang="es-AR" baseline="0" dirty="0" smtClean="0"/>
-              <a:t> de 1,5% (1,5%-2,5%)  y 10 centavo por cada mil vistas.</a:t>
-            </a:r>
-          </a:p>
-          <a:p>
-            <a:endParaRPr lang="es-AR" dirty="0"/>
+              <a:t> pensando “esto muy lindo, realmente me gustaría tener esta aplicación, pero realmente voy a ganar dinero con ella?”. Pues sí señores. Hemos analizado distintos escenarios basados en casos reales y a modo de ejemplo les mostraremos dos de ellos</a:t>
+            </a:r>
           </a:p>
         </p:txBody>
       </p:sp>
@@ -3446,7 +3426,7 @@
     </p:spTree>
     <p:extLst>
       <p:ext uri="{BB962C8B-B14F-4D97-AF65-F5344CB8AC3E}">
-        <p14:creationId xmlns:p14="http://schemas.microsoft.com/office/powerpoint/2010/main" val="1057133531"/>
+        <p14:creationId xmlns:p14="http://schemas.microsoft.com/office/powerpoint/2010/main" val="448154425"/>
       </p:ext>
     </p:extLst>
   </p:cSld>
@@ -3502,131 +3482,165 @@
           <a:p>
             <a:r>
               <a:rPr lang="es-AR" dirty="0" smtClean="0"/>
-              <a:t>En primer lugar, mostraremos el peor caso,</a:t>
+              <a:t>Nuestro elemento fundamental</a:t>
             </a:r>
             <a:r>
               <a:rPr lang="es-AR" baseline="0" dirty="0" smtClean="0"/>
-              <a:t> en el que el producto no se expanda fuera del país y que luego de 2 años se estanque en un 3% del mercado nacional. En ese caso, hemos considerado solo el mercado de </a:t>
+              <a:t> de recaudación de ingresos y retorno de inversión es, además de las descargas pagas de la aplicación como ya hemos mencionado previamente, el brindar un espacio de publicidad a nuestros sponsors.</a:t>
+            </a:r>
+          </a:p>
+          <a:p>
+            <a:r>
+              <a:rPr lang="es-AR" baseline="0" dirty="0" smtClean="0"/>
+              <a:t>La publicidad embebida en la aplicación genera ingresos tanto por cantidad de </a:t>
             </a:r>
             <a:r>
               <a:rPr lang="es-AR" baseline="0" dirty="0" err="1" smtClean="0"/>
-              <a:t>android</a:t>
+              <a:t>vistar</a:t>
             </a:r>
             <a:r>
               <a:rPr lang="es-AR" baseline="0" dirty="0" smtClean="0"/>
-              <a:t> y hemos tomado como patrón de crecimiento estadísticas de otras empresas conocidas. </a:t>
-            </a:r>
-          </a:p>
-          <a:p>
+              <a:t>, es decir cada vez que un usuario accede a la aplicación, como por cantidad de </a:t>
+            </a:r>
+            <a:r>
+              <a:rPr lang="es-AR" baseline="0" dirty="0" err="1" smtClean="0"/>
+              <a:t>clicks</a:t>
+            </a:r>
             <a:r>
               <a:rPr lang="es-AR" baseline="0" dirty="0" smtClean="0"/>
-              <a:t>Hemos generado dos escenarios posibles: uno que permite a los usuarios tener una versión paga (y sin publicidad) y otro sin esta opción. </a:t>
+              <a:t> que el usuario realizar sobre el banner de publicidad.</a:t>
+            </a:r>
+          </a:p>
+          <a:p>
+            <a:r>
+              <a:rPr lang="es-AR" baseline="0" dirty="0" smtClean="0"/>
+              <a:t>Ahora  a continuación detallaremos más cómo se compondrá el </a:t>
             </a:r>
             <a:r>
               <a:rPr lang="es-AR" baseline="0" dirty="0" err="1" smtClean="0"/>
-              <a:t>Pára</a:t>
+              <a:t>cashflow</a:t>
             </a:r>
             <a:r>
               <a:rPr lang="es-AR" baseline="0" dirty="0" smtClean="0"/>
-              <a:t> calcular en el primer caso cuantos usuarios optarían por una versión paga, nos basamos en encuestas que nos devolvieron que el 10% de los usuarios </a:t>
+              <a:t> del negocio, teniendo en cuenta este ingreso inmediato.</a:t>
+            </a:r>
+          </a:p>
+          <a:p>
+            <a:pPr marL="0" marR="0" indent="0" algn="l" defTabSz="914400" rtl="0" eaLnBrk="1" fontAlgn="auto" latinLnBrk="0" hangingPunct="1">
+              <a:lnSpc>
+                <a:spcPct val="100000"/>
+              </a:lnSpc>
+              <a:spcBef>
+                <a:spcPts val="0"/>
+              </a:spcBef>
+              <a:spcAft>
+                <a:spcPts val="0"/>
+              </a:spcAft>
+              <a:buClrTx/>
+              <a:buSzTx/>
+              <a:buFontTx/>
+              <a:buNone/>
+              <a:tabLst/>
+              <a:defRPr/>
+            </a:pPr>
+            <a:endParaRPr lang="es-AR" baseline="0" dirty="0" smtClean="0"/>
+          </a:p>
+          <a:p>
+            <a:pPr marL="0" marR="0" indent="0" algn="l" defTabSz="914400" rtl="0" eaLnBrk="1" fontAlgn="auto" latinLnBrk="0" hangingPunct="1">
+              <a:lnSpc>
+                <a:spcPct val="100000"/>
+              </a:lnSpc>
+              <a:spcBef>
+                <a:spcPts val="0"/>
+              </a:spcBef>
+              <a:spcAft>
+                <a:spcPts val="0"/>
+              </a:spcAft>
+              <a:buClrTx/>
+              <a:buSzTx/>
+              <a:buFontTx/>
+              <a:buNone/>
+              <a:tabLst/>
+              <a:defRPr/>
+            </a:pPr>
+            <a:r>
+              <a:rPr lang="es-AR" baseline="0" dirty="0" smtClean="0"/>
+              <a:t>Para los escenarios que mostraremos a continuación se ha tenido en cuenta ingresos provenientes de la publicidad y de la </a:t>
             </a:r>
             <a:r>
               <a:rPr lang="es-AR" baseline="0" dirty="0" err="1" smtClean="0"/>
-              <a:t>eligirían</a:t>
+              <a:t>version</a:t>
             </a:r>
             <a:r>
               <a:rPr lang="es-AR" baseline="0" dirty="0" smtClean="0"/>
-              <a:t> esta </a:t>
+              <a:t> paga:</a:t>
+            </a:r>
+          </a:p>
+          <a:p>
+            <a:pPr marL="0" marR="0" indent="0" algn="l" defTabSz="914400" rtl="0" eaLnBrk="1" fontAlgn="auto" latinLnBrk="0" hangingPunct="1">
+              <a:lnSpc>
+                <a:spcPct val="100000"/>
+              </a:lnSpc>
+              <a:spcBef>
+                <a:spcPts val="0"/>
+              </a:spcBef>
+              <a:spcAft>
+                <a:spcPts val="0"/>
+              </a:spcAft>
+              <a:buClrTx/>
+              <a:buSzTx/>
+              <a:buFontTx/>
+              <a:buNone/>
+              <a:tabLst/>
+              <a:defRPr/>
+            </a:pPr>
+            <a:r>
+              <a:rPr lang="es-AR" baseline="0" dirty="0" smtClean="0"/>
+              <a:t>la descarga de aplicación a 1 dólar (para la versión paga) los ingresos por </a:t>
             </a:r>
             <a:r>
               <a:rPr lang="es-AR" baseline="0" dirty="0" err="1" smtClean="0"/>
-              <a:t>opcion</a:t>
+              <a:t>google</a:t>
             </a:r>
             <a:r>
               <a:rPr lang="es-AR" baseline="0" dirty="0" smtClean="0"/>
-              <a:t>.</a:t>
-            </a:r>
-          </a:p>
-          <a:p>
-            <a:endParaRPr lang="es-AR" baseline="0" dirty="0" smtClean="0"/>
-          </a:p>
-          <a:p>
+              <a:t> </a:t>
+            </a:r>
+            <a:r>
+              <a:rPr lang="es-AR" baseline="0" dirty="0" err="1" smtClean="0"/>
+              <a:t>Adds</a:t>
+            </a:r>
             <a:r>
               <a:rPr lang="es-AR" baseline="0" dirty="0" smtClean="0"/>
-              <a:t>En este gráfico se puede ver como la aplicación crecería fuertemente hasta el mes 11, llegando a los 100mil usuarios y finalmente iría disminuyendo su crecimiento a partir de ahí hasta estancarse en 160mil usuarios. </a:t>
-            </a:r>
-          </a:p>
-          <a:p>
+              <a:t> en base a la cantidad de vistas y </a:t>
+            </a:r>
+            <a:r>
+              <a:rPr lang="es-AR" baseline="0" dirty="0" err="1" smtClean="0"/>
+              <a:t>clicks</a:t>
+            </a:r>
             <a:r>
               <a:rPr lang="es-AR" baseline="0" dirty="0" smtClean="0"/>
-              <a:t>En lo referente la </a:t>
+              <a:t>. Para esto último se ha considerado los valores más bajos del mercado, es decir, tan solo 15 (15-30)  centavos por </a:t>
             </a:r>
             <a:r>
               <a:rPr lang="es-AR" baseline="0" dirty="0" err="1" smtClean="0"/>
-              <a:t>variacion</a:t>
+              <a:t>clicks</a:t>
             </a:r>
             <a:r>
               <a:rPr lang="es-AR" baseline="0" dirty="0" smtClean="0"/>
-              <a:t> de los ingresos, los mismas acompañan el crecimiento de la cantidad de usuarios, teniendo en el caso de la versión paga un crecimiento mas pronunciado mientras la aplicación este en plena expansión (casi 7k </a:t>
+              <a:t>, una probabilidad de </a:t>
             </a:r>
             <a:r>
               <a:rPr lang="es-AR" baseline="0" dirty="0" err="1" smtClean="0"/>
-              <a:t>dolares</a:t>
+              <a:t>click</a:t>
             </a:r>
             <a:r>
               <a:rPr lang="es-AR" baseline="0" dirty="0" smtClean="0"/>
-              <a:t>). Finalmente ambos escenarios se estabilizarían luego de dos años entre 5800 y 7000</a:t>
-            </a:r>
-          </a:p>
-          <a:p>
-            <a:r>
-              <a:rPr lang="es-AR" baseline="0" dirty="0" smtClean="0"/>
-              <a:t>Los gastos para mantener la aplicación son entre el 19-21%, de acuerdo al escenario y otras variables. Para calcular los gastos, hemos tenido supuesto que almacenaremos la información en la nube y hemos calculado los precios basado en esto. Se han sumado el valor de almacenamiento, </a:t>
-            </a:r>
-            <a:r>
-              <a:rPr lang="es-AR" baseline="0" dirty="0" err="1" smtClean="0"/>
-              <a:t>asi</a:t>
-            </a:r>
-            <a:r>
-              <a:rPr lang="es-AR" baseline="0" dirty="0" smtClean="0"/>
-              <a:t> como de transferencia de datos. Sobre estos puntos se entrará mas en detalle en la </a:t>
-            </a:r>
-            <a:r>
-              <a:rPr lang="es-AR" baseline="0" smtClean="0"/>
-              <a:t>explicación técnica.</a:t>
-            </a:r>
-            <a:endParaRPr lang="es-AR" baseline="0" dirty="0" smtClean="0"/>
-          </a:p>
-          <a:p>
-            <a:endParaRPr lang="es-AR" baseline="0" dirty="0" smtClean="0"/>
-          </a:p>
-          <a:p>
-            <a:r>
-              <a:rPr lang="es-AR" baseline="0" dirty="0" smtClean="0"/>
-              <a:t>Finalmente se puede concluir, que siendo este el peor escenario posible, teniendo en cuenta los precios mas bajos del mercado en lo referente a publicidad, sin considerar la </a:t>
-            </a:r>
-            <a:r>
-              <a:rPr lang="es-AR" baseline="0" dirty="0" err="1" smtClean="0"/>
-              <a:t>expansion</a:t>
-            </a:r>
-            <a:r>
-              <a:rPr lang="es-AR" baseline="0" dirty="0" smtClean="0"/>
-              <a:t> del mercado de </a:t>
-            </a:r>
-            <a:r>
-              <a:rPr lang="es-AR" baseline="0" dirty="0" err="1" smtClean="0"/>
-              <a:t>smartphones</a:t>
-            </a:r>
-            <a:r>
-              <a:rPr lang="es-AR" baseline="0" dirty="0" smtClean="0"/>
-              <a:t> en un futuro y considerando tan solo una expansión del 3%, el negocio no daría perdidas y hasta estaría brindando un margen de ganancias.</a:t>
-            </a:r>
-          </a:p>
-          <a:p>
-            <a:r>
-              <a:rPr lang="es-AR" baseline="0" dirty="0" smtClean="0"/>
-              <a:t>Sin embargo, ahora nos podríamos preguntar, y si la aplicación es realmente un éxito y se expande a otros mercados con una captación mayor?</a:t>
-            </a:r>
+              <a:t> de 1,5% (1,5%-2,5%)  y 10 centavo por cada mil vistas.</a:t>
+            </a:r>
+          </a:p>
+          <a:p>
+            <a:endParaRPr lang="es-AR" dirty="0"/>
           </a:p>
         </p:txBody>
       </p:sp>
@@ -3648,7 +3662,7 @@
             <a:fld id="{5625E230-B123-43EB-B2A3-53965331BBB3}" type="slidenum">
               <a:rPr lang="es-AR" smtClean="0"/>
               <a:pPr/>
-              <a:t>13</a:t>
+              <a:t>12</a:t>
             </a:fld>
             <a:endParaRPr lang="es-AR"/>
           </a:p>
@@ -3657,7 +3671,7 @@
     </p:spTree>
     <p:extLst>
       <p:ext uri="{BB962C8B-B14F-4D97-AF65-F5344CB8AC3E}">
-        <p14:creationId xmlns:p14="http://schemas.microsoft.com/office/powerpoint/2010/main" val="3003342862"/>
+        <p14:creationId xmlns:p14="http://schemas.microsoft.com/office/powerpoint/2010/main" val="1057133531"/>
       </p:ext>
     </p:extLst>
   </p:cSld>
@@ -3924,393 +3938,130 @@
           <a:p>
             <a:r>
               <a:rPr lang="es-AR" dirty="0" smtClean="0"/>
-              <a:t>En ese escenario, hemos tomado los datos de una empresa</a:t>
+              <a:t>En primer lugar, mostraremos el peor caso,</a:t>
             </a:r>
             <a:r>
               <a:rPr lang="es-AR" baseline="0" dirty="0" smtClean="0"/>
-              <a:t> similar (como </a:t>
+              <a:t> en el que el producto no se expanda fuera del país y que luego de 2 años se estanque en un 3% del mercado nacional. En ese caso, hemos considerado solo el mercado de </a:t>
             </a:r>
             <a:r>
               <a:rPr lang="es-AR" baseline="0" dirty="0" err="1" smtClean="0"/>
-              <a:t>Foursqare</a:t>
+              <a:t>android</a:t>
             </a:r>
             <a:r>
               <a:rPr lang="es-AR" baseline="0" dirty="0" smtClean="0"/>
-              <a:t>) y su crecimiento en sus dos primeros años. Para quienes no conozcan esta compañía, la misma </a:t>
-            </a:r>
-            <a:r>
-              <a:rPr lang="es-AR" sz="1200" b="0" i="0" kern="1200" dirty="0" smtClean="0">
-                <a:solidFill>
-                  <a:schemeClr val="tx1"/>
-                </a:solidFill>
-                <a:effectLst/>
-                <a:latin typeface="+mn-lt"/>
-                <a:ea typeface="+mn-ea"/>
-                <a:cs typeface="+mn-cs"/>
-              </a:rPr>
-              <a:t>es un </a:t>
-            </a:r>
-            <a:r>
-              <a:rPr lang="es-AR" sz="1200" b="0" i="0" u="none" strike="noStrike" kern="1200" dirty="0" smtClean="0">
-                <a:solidFill>
-                  <a:schemeClr val="tx1"/>
-                </a:solidFill>
-                <a:effectLst/>
-                <a:latin typeface="+mn-lt"/>
-                <a:ea typeface="+mn-ea"/>
-                <a:cs typeface="+mn-cs"/>
-                <a:hlinkClick r:id="rId3" tooltip="Servicio basado en localización"/>
-              </a:rPr>
-              <a:t>servicio basado en localización</a:t>
-            </a:r>
-            <a:r>
-              <a:rPr lang="es-AR" sz="1200" b="0" i="0" kern="1200" dirty="0" smtClean="0">
-                <a:solidFill>
-                  <a:schemeClr val="tx1"/>
-                </a:solidFill>
-                <a:effectLst/>
-                <a:latin typeface="+mn-lt"/>
-                <a:ea typeface="+mn-ea"/>
-                <a:cs typeface="+mn-cs"/>
-              </a:rPr>
-              <a:t> web aplicada a las </a:t>
-            </a:r>
-            <a:r>
-              <a:rPr lang="es-AR" sz="1200" b="0" i="0" u="none" strike="noStrike" kern="1200" dirty="0" smtClean="0">
-                <a:solidFill>
-                  <a:schemeClr val="tx1"/>
-                </a:solidFill>
-                <a:effectLst/>
-                <a:latin typeface="+mn-lt"/>
-                <a:ea typeface="+mn-ea"/>
-                <a:cs typeface="+mn-cs"/>
-                <a:hlinkClick r:id="rId4" tooltip="Redes sociales"/>
-              </a:rPr>
-              <a:t>redes sociales</a:t>
-            </a:r>
-            <a:r>
-              <a:rPr lang="es-AR" sz="1200" b="0" i="0" kern="1200" dirty="0" smtClean="0">
-                <a:solidFill>
-                  <a:schemeClr val="tx1"/>
-                </a:solidFill>
-                <a:effectLst/>
-                <a:latin typeface="+mn-lt"/>
-                <a:ea typeface="+mn-ea"/>
-                <a:cs typeface="+mn-cs"/>
-              </a:rPr>
-              <a:t>. La </a:t>
-            </a:r>
-            <a:r>
-              <a:rPr lang="es-AR" sz="1200" b="0" i="0" kern="1200" dirty="0" err="1" smtClean="0">
-                <a:solidFill>
-                  <a:schemeClr val="tx1"/>
-                </a:solidFill>
-                <a:effectLst/>
-                <a:latin typeface="+mn-lt"/>
-                <a:ea typeface="+mn-ea"/>
-                <a:cs typeface="+mn-cs"/>
-              </a:rPr>
-              <a:t>geolocalización</a:t>
-            </a:r>
-            <a:r>
-              <a:rPr lang="es-AR" sz="1200" b="0" i="0" kern="1200" dirty="0" smtClean="0">
-                <a:solidFill>
-                  <a:schemeClr val="tx1"/>
-                </a:solidFill>
-                <a:effectLst/>
-                <a:latin typeface="+mn-lt"/>
-                <a:ea typeface="+mn-ea"/>
-                <a:cs typeface="+mn-cs"/>
-              </a:rPr>
-              <a:t> permite localizar un dispositivo fijo o móvil en una ubicación geográfica.</a:t>
-            </a:r>
-            <a:r>
-              <a:rPr lang="es-AR" sz="1200" b="0" i="0" kern="1200" baseline="0" dirty="0" smtClean="0">
-                <a:solidFill>
-                  <a:schemeClr val="tx1"/>
-                </a:solidFill>
-                <a:effectLst/>
-                <a:latin typeface="+mn-lt"/>
-                <a:ea typeface="+mn-ea"/>
-                <a:cs typeface="+mn-cs"/>
-              </a:rPr>
-              <a:t> Si bien es una aplicación exitosa, no es considerada como una aplicación especialmente </a:t>
-            </a:r>
-            <a:r>
-              <a:rPr lang="es-AR" sz="1200" b="0" i="0" kern="1200" baseline="0" dirty="0" err="1" smtClean="0">
-                <a:solidFill>
-                  <a:schemeClr val="tx1"/>
-                </a:solidFill>
-                <a:effectLst/>
-                <a:latin typeface="+mn-lt"/>
-                <a:ea typeface="+mn-ea"/>
-                <a:cs typeface="+mn-cs"/>
-              </a:rPr>
-              <a:t>virosica</a:t>
-            </a:r>
-            <a:r>
-              <a:rPr lang="es-AR" sz="1200" b="0" i="0" kern="1200" baseline="0" dirty="0" smtClean="0">
-                <a:solidFill>
-                  <a:schemeClr val="tx1"/>
-                </a:solidFill>
-                <a:effectLst/>
-                <a:latin typeface="+mn-lt"/>
-                <a:ea typeface="+mn-ea"/>
-                <a:cs typeface="+mn-cs"/>
-              </a:rPr>
-              <a:t> ni con un extremo furor. La misma alcanzo a los 2 años de su lanzamiento 8 millones de usuarios. </a:t>
-            </a:r>
-          </a:p>
-          <a:p>
-            <a:r>
-              <a:rPr lang="es-AR" sz="1200" b="0" i="0" kern="1200" baseline="0" dirty="0" smtClean="0">
-                <a:solidFill>
-                  <a:schemeClr val="tx1"/>
-                </a:solidFill>
-                <a:effectLst/>
-                <a:latin typeface="+mn-lt"/>
-                <a:ea typeface="+mn-ea"/>
-                <a:cs typeface="+mn-cs"/>
-              </a:rPr>
-              <a:t>Lo consiguió al expandirse en varias plataformas (a los 3 meses de su lanzamiento) así como en varias regiones (su </a:t>
-            </a:r>
-            <a:r>
-              <a:rPr lang="es-AR" sz="1200" b="0" i="0" kern="1200" baseline="0" dirty="0" err="1" smtClean="0">
-                <a:solidFill>
-                  <a:schemeClr val="tx1"/>
-                </a:solidFill>
-                <a:effectLst/>
-                <a:latin typeface="+mn-lt"/>
-                <a:ea typeface="+mn-ea"/>
-                <a:cs typeface="+mn-cs"/>
-              </a:rPr>
-              <a:t>aplicaciónes</a:t>
-            </a:r>
-            <a:r>
-              <a:rPr lang="es-AR" sz="1200" b="0" i="0" kern="1200" baseline="0" dirty="0" smtClean="0">
-                <a:solidFill>
-                  <a:schemeClr val="tx1"/>
-                </a:solidFill>
-                <a:effectLst/>
-                <a:latin typeface="+mn-lt"/>
-                <a:ea typeface="+mn-ea"/>
-                <a:cs typeface="+mn-cs"/>
-              </a:rPr>
-              <a:t> multilenguaje) (a los 6 meses). </a:t>
-            </a:r>
-          </a:p>
-          <a:p>
-            <a:r>
-              <a:rPr lang="es-AR" sz="1200" b="0" i="0" kern="1200" baseline="0" dirty="0" smtClean="0">
-                <a:solidFill>
-                  <a:schemeClr val="tx1"/>
-                </a:solidFill>
-                <a:effectLst/>
-                <a:latin typeface="+mn-lt"/>
-                <a:ea typeface="+mn-ea"/>
-                <a:cs typeface="+mn-cs"/>
-              </a:rPr>
-              <a:t>Si consideramos que nuestra aplicación tiene todas a favor para resultar aún mas exitosa que esta aplicación y suponiendo que se realiza el soporte necesarios para dar soporte a diversos lenguajes y plataformas, se </a:t>
-            </a:r>
-            <a:r>
-              <a:rPr lang="es-AR" sz="1200" b="0" i="0" kern="1200" baseline="0" dirty="0" err="1" smtClean="0">
-                <a:solidFill>
-                  <a:schemeClr val="tx1"/>
-                </a:solidFill>
-                <a:effectLst/>
-                <a:latin typeface="+mn-lt"/>
-                <a:ea typeface="+mn-ea"/>
-                <a:cs typeface="+mn-cs"/>
-              </a:rPr>
-              <a:t>podria</a:t>
-            </a:r>
-            <a:r>
-              <a:rPr lang="es-AR" sz="1200" b="0" i="0" kern="1200" baseline="0" dirty="0" smtClean="0">
-                <a:solidFill>
-                  <a:schemeClr val="tx1"/>
-                </a:solidFill>
-                <a:effectLst/>
-                <a:latin typeface="+mn-lt"/>
-                <a:ea typeface="+mn-ea"/>
-                <a:cs typeface="+mn-cs"/>
-              </a:rPr>
-              <a:t> alcanzar sin inconvenientes el mismo nivel de usuarios. </a:t>
-            </a:r>
-          </a:p>
-          <a:p>
-            <a:r>
-              <a:rPr lang="es-AR" sz="1200" b="0" i="0" kern="1200" baseline="0" dirty="0" smtClean="0">
-                <a:solidFill>
-                  <a:schemeClr val="tx1"/>
-                </a:solidFill>
-                <a:effectLst/>
-                <a:latin typeface="+mn-lt"/>
-                <a:ea typeface="+mn-ea"/>
-                <a:cs typeface="+mn-cs"/>
-              </a:rPr>
-              <a:t>En lo referente a ingresos, los mismos serían al alcanzar los 2 años de entre los 270k a 400k al mes, teniendo en cuenta los mismos precios para las publicidades que en el escenario anterior. </a:t>
-            </a:r>
-          </a:p>
-          <a:p>
-            <a:r>
-              <a:rPr lang="es-AR" sz="1200" b="0" i="0" kern="1200" baseline="0" dirty="0" smtClean="0">
-                <a:solidFill>
-                  <a:schemeClr val="tx1"/>
-                </a:solidFill>
-                <a:effectLst/>
-                <a:latin typeface="+mn-lt"/>
-                <a:ea typeface="+mn-ea"/>
-                <a:cs typeface="+mn-cs"/>
-              </a:rPr>
-              <a:t>EN lo referente a los gastos, los mismos serían proporcionalmente algo más elevados (entre el 21%-23%) ya que es necesario contar con un grupo de desarrolladores para mantener la actualización de la aplicación. Esto nos </a:t>
-            </a:r>
-            <a:r>
-              <a:rPr lang="es-AR" sz="1200" b="0" i="0" kern="1200" baseline="0" dirty="0" err="1" smtClean="0">
-                <a:solidFill>
-                  <a:schemeClr val="tx1"/>
-                </a:solidFill>
-                <a:effectLst/>
-                <a:latin typeface="+mn-lt"/>
-                <a:ea typeface="+mn-ea"/>
-                <a:cs typeface="+mn-cs"/>
-              </a:rPr>
-              <a:t>daria</a:t>
-            </a:r>
-            <a:r>
-              <a:rPr lang="es-AR" sz="1200" b="0" i="0" kern="1200" baseline="0" dirty="0" smtClean="0">
-                <a:solidFill>
-                  <a:schemeClr val="tx1"/>
-                </a:solidFill>
-                <a:effectLst/>
-                <a:latin typeface="+mn-lt"/>
-                <a:ea typeface="+mn-ea"/>
-                <a:cs typeface="+mn-cs"/>
-              </a:rPr>
-              <a:t> unas </a:t>
-            </a:r>
-            <a:r>
-              <a:rPr lang="es-AR" sz="1200" b="0" i="0" kern="1200" baseline="0" dirty="0" err="1" smtClean="0">
-                <a:solidFill>
-                  <a:schemeClr val="tx1"/>
-                </a:solidFill>
-                <a:effectLst/>
-                <a:latin typeface="+mn-lt"/>
-                <a:ea typeface="+mn-ea"/>
-                <a:cs typeface="+mn-cs"/>
-              </a:rPr>
-              <a:t>ganacias</a:t>
-            </a:r>
-            <a:r>
-              <a:rPr lang="es-AR" sz="1200" b="0" i="0" kern="1200" baseline="0" dirty="0" smtClean="0">
-                <a:solidFill>
-                  <a:schemeClr val="tx1"/>
-                </a:solidFill>
-                <a:effectLst/>
-                <a:latin typeface="+mn-lt"/>
-                <a:ea typeface="+mn-ea"/>
-                <a:cs typeface="+mn-cs"/>
-              </a:rPr>
-              <a:t> de aproximadamente 200 a 300k. Como pueden ver, un gran negocio. </a:t>
-            </a:r>
-          </a:p>
-          <a:p>
-            <a:r>
-              <a:rPr lang="es-AR" sz="1200" b="0" i="0" kern="1200" baseline="0" dirty="0" smtClean="0">
-                <a:solidFill>
-                  <a:schemeClr val="tx1"/>
-                </a:solidFill>
-                <a:effectLst/>
-                <a:latin typeface="+mn-lt"/>
-                <a:ea typeface="+mn-ea"/>
-                <a:cs typeface="+mn-cs"/>
-              </a:rPr>
-              <a:t>Un detalle de color que nos gustaría destacar es que a los 18 meses del lanzamiento, </a:t>
-            </a:r>
-            <a:r>
-              <a:rPr lang="es-AR" sz="1200" b="0" i="0" kern="1200" baseline="0" dirty="0" err="1" smtClean="0">
-                <a:solidFill>
-                  <a:schemeClr val="tx1"/>
-                </a:solidFill>
-                <a:effectLst/>
-                <a:latin typeface="+mn-lt"/>
-                <a:ea typeface="+mn-ea"/>
-                <a:cs typeface="+mn-cs"/>
-              </a:rPr>
-              <a:t>facebook</a:t>
-            </a:r>
-            <a:r>
-              <a:rPr lang="es-AR" sz="1200" b="0" i="0" kern="1200" baseline="0" dirty="0" smtClean="0">
-                <a:solidFill>
-                  <a:schemeClr val="tx1"/>
-                </a:solidFill>
-                <a:effectLst/>
-                <a:latin typeface="+mn-lt"/>
-                <a:ea typeface="+mn-ea"/>
-                <a:cs typeface="+mn-cs"/>
-              </a:rPr>
-              <a:t> lanzó una aplicación similar que como pueden ver afectó realmente poco el crecimiento de la aplicación.</a:t>
-            </a:r>
-          </a:p>
-          <a:p>
-            <a:r>
-              <a:rPr lang="es-AR" sz="1200" b="0" i="0" kern="1200" baseline="0" dirty="0" smtClean="0">
-                <a:solidFill>
-                  <a:schemeClr val="tx1"/>
-                </a:solidFill>
-                <a:effectLst/>
-                <a:latin typeface="+mn-lt"/>
-                <a:ea typeface="+mn-ea"/>
-                <a:cs typeface="+mn-cs"/>
-              </a:rPr>
-              <a:t>Finalmente un último detalle no menor es que la empresa </a:t>
-            </a:r>
-            <a:r>
-              <a:rPr lang="es-AR" sz="1200" b="0" i="0" kern="1200" baseline="0" dirty="0" err="1" smtClean="0">
-                <a:solidFill>
-                  <a:schemeClr val="tx1"/>
-                </a:solidFill>
-                <a:effectLst/>
-                <a:latin typeface="+mn-lt"/>
-                <a:ea typeface="+mn-ea"/>
-                <a:cs typeface="+mn-cs"/>
-              </a:rPr>
-              <a:t>Foursqare</a:t>
-            </a:r>
-            <a:r>
-              <a:rPr lang="es-AR" sz="1200" b="0" i="0" kern="1200" baseline="0" dirty="0" smtClean="0">
-                <a:solidFill>
-                  <a:schemeClr val="tx1"/>
-                </a:solidFill>
-                <a:effectLst/>
-                <a:latin typeface="+mn-lt"/>
-                <a:ea typeface="+mn-ea"/>
-                <a:cs typeface="+mn-cs"/>
-              </a:rPr>
-              <a:t> posee hoy en día (4 años después de su lanzamiento)  posee 30 millones de usuarios, realizando las cuentas bajo el mismo modelo, daría un ingreso de 1millon de </a:t>
-            </a:r>
-            <a:r>
-              <a:rPr lang="es-AR" sz="1200" b="0" i="0" kern="1200" baseline="0" dirty="0" err="1" smtClean="0">
-                <a:solidFill>
-                  <a:schemeClr val="tx1"/>
-                </a:solidFill>
-                <a:effectLst/>
-                <a:latin typeface="+mn-lt"/>
-                <a:ea typeface="+mn-ea"/>
-                <a:cs typeface="+mn-cs"/>
-              </a:rPr>
+              <a:t> y hemos tomado como patrón de crecimiento estadísticas de otras empresas conocidas. </a:t>
+            </a:r>
+          </a:p>
+          <a:p>
+            <a:r>
+              <a:rPr lang="es-AR" baseline="0" dirty="0" smtClean="0"/>
+              <a:t>Hemos generado dos escenarios posibles: uno que permite a los usuarios tener una versión paga (y sin publicidad) y otro sin esta opción. </a:t>
+            </a:r>
+            <a:r>
+              <a:rPr lang="es-AR" baseline="0" dirty="0" err="1" smtClean="0"/>
+              <a:t>Pára</a:t>
+            </a:r>
+            <a:r>
+              <a:rPr lang="es-AR" baseline="0" dirty="0" smtClean="0"/>
+              <a:t> calcular en el primer caso cuantos usuarios optarían por una versión paga, nos basamos en encuestas que nos devolvieron que el 10% de los usuarios </a:t>
+            </a:r>
+            <a:r>
+              <a:rPr lang="es-AR" baseline="0" dirty="0" err="1" smtClean="0"/>
+              <a:t>eligirían</a:t>
+            </a:r>
+            <a:r>
+              <a:rPr lang="es-AR" baseline="0" dirty="0" smtClean="0"/>
+              <a:t> esta </a:t>
+            </a:r>
+            <a:r>
+              <a:rPr lang="es-AR" baseline="0" dirty="0" err="1" smtClean="0"/>
+              <a:t>opcion</a:t>
+            </a:r>
+            <a:r>
+              <a:rPr lang="es-AR" baseline="0" dirty="0" smtClean="0"/>
+              <a:t>.</a:t>
+            </a:r>
+          </a:p>
+          <a:p>
+            <a:endParaRPr lang="es-AR" baseline="0" dirty="0" smtClean="0"/>
+          </a:p>
+          <a:p>
+            <a:r>
+              <a:rPr lang="es-AR" baseline="0" dirty="0" smtClean="0"/>
+              <a:t>En este gráfico se puede ver como la aplicación crecería fuertemente hasta el mes 11, llegando a los 100mil usuarios y finalmente iría disminuyendo su crecimiento a partir de ahí hasta estancarse en 160mil usuarios. </a:t>
+            </a:r>
+          </a:p>
+          <a:p>
+            <a:r>
+              <a:rPr lang="es-AR" baseline="0" dirty="0" smtClean="0"/>
+              <a:t>En lo referente la </a:t>
+            </a:r>
+            <a:r>
+              <a:rPr lang="es-AR" baseline="0" dirty="0" err="1" smtClean="0"/>
+              <a:t>variacion</a:t>
+            </a:r>
+            <a:r>
+              <a:rPr lang="es-AR" baseline="0" dirty="0" smtClean="0"/>
+              <a:t> de los ingresos, los mismas acompañan el crecimiento de la cantidad de usuarios, teniendo en el caso de la versión paga un crecimiento mas pronunciado mientras la aplicación este en plena expansión (casi 7k </a:t>
+            </a:r>
+            <a:r>
+              <a:rPr lang="es-AR" baseline="0" dirty="0" err="1" smtClean="0"/>
               <a:t>dolares</a:t>
             </a:r>
             <a:r>
-              <a:rPr lang="es-AR" sz="1200" b="0" i="0" kern="1200" baseline="0" dirty="0" smtClean="0">
-                <a:solidFill>
-                  <a:schemeClr val="tx1"/>
-                </a:solidFill>
-                <a:effectLst/>
-                <a:latin typeface="+mn-lt"/>
-                <a:ea typeface="+mn-ea"/>
-                <a:cs typeface="+mn-cs"/>
-              </a:rPr>
-              <a:t> al mes.</a:t>
+              <a:rPr lang="es-AR" baseline="0" dirty="0" smtClean="0"/>
+              <a:t>). Finalmente ambos escenarios se estabilizarían luego de dos años entre 5800 y 7000</a:t>
+            </a:r>
+          </a:p>
+          <a:p>
+            <a:r>
+              <a:rPr lang="es-AR" baseline="0" dirty="0" smtClean="0"/>
+              <a:t>Los gastos para mantener la aplicación son entre el 19-21%, de acuerdo al escenario y otras variables. Para calcular los gastos, hemos tenido supuesto que almacenaremos la información en la nube y hemos calculado los precios basado en esto. Se han sumado el valor de almacenamiento, </a:t>
+            </a:r>
+            <a:r>
+              <a:rPr lang="es-AR" baseline="0" dirty="0" err="1" smtClean="0"/>
+              <a:t>asi</a:t>
+            </a:r>
+            <a:r>
+              <a:rPr lang="es-AR" baseline="0" dirty="0" smtClean="0"/>
+              <a:t> como de transferencia de datos. Sobre estos puntos se entrará mas en detalle en la </a:t>
+            </a:r>
+            <a:r>
+              <a:rPr lang="es-AR" baseline="0" smtClean="0"/>
+              <a:t>explicación técnica.</a:t>
+            </a:r>
+            <a:endParaRPr lang="es-AR" baseline="0" dirty="0" smtClean="0"/>
+          </a:p>
+          <a:p>
+            <a:endParaRPr lang="es-AR" baseline="0" dirty="0" smtClean="0"/>
+          </a:p>
+          <a:p>
+            <a:r>
+              <a:rPr lang="es-AR" baseline="0" dirty="0" smtClean="0"/>
+              <a:t>Finalmente se puede concluir, que siendo este el peor escenario posible, teniendo en cuenta los precios mas bajos del mercado en lo referente a publicidad, sin considerar la </a:t>
+            </a:r>
+            <a:r>
+              <a:rPr lang="es-AR" baseline="0" dirty="0" err="1" smtClean="0"/>
+              <a:t>expansion</a:t>
+            </a:r>
+            <a:r>
+              <a:rPr lang="es-AR" baseline="0" dirty="0" smtClean="0"/>
+              <a:t> del mercado de </a:t>
+            </a:r>
+            <a:r>
+              <a:rPr lang="es-AR" baseline="0" dirty="0" err="1" smtClean="0"/>
+              <a:t>smartphones</a:t>
+            </a:r>
+            <a:r>
+              <a:rPr lang="es-AR" baseline="0" dirty="0" smtClean="0"/>
+              <a:t> en un futuro y considerando tan solo una expansión del 3%, el negocio no daría perdidas y hasta estaría brindando un margen de ganancias.</a:t>
+            </a:r>
+          </a:p>
+          <a:p>
+            <a:r>
+              <a:rPr lang="es-AR" baseline="0" dirty="0" smtClean="0"/>
+              <a:t>Sin embargo, ahora nos podríamos preguntar, y si la aplicación es realmente un éxito y se expande a otros mercados con una captación mayor?</a:t>
             </a:r>
           </a:p>
         </p:txBody>
@@ -4342,7 +4093,7 @@
     </p:spTree>
     <p:extLst>
       <p:ext uri="{BB962C8B-B14F-4D97-AF65-F5344CB8AC3E}">
-        <p14:creationId xmlns:p14="http://schemas.microsoft.com/office/powerpoint/2010/main" val="3000085410"/>
+        <p14:creationId xmlns:p14="http://schemas.microsoft.com/office/powerpoint/2010/main" val="3003342862"/>
       </p:ext>
     </p:extLst>
   </p:cSld>
@@ -4808,6 +4559,480 @@
               <a:rPr lang="es-AR" smtClean="0"/>
               <a:pPr/>
               <a:t>16</a:t>
+            </a:fld>
+            <a:endParaRPr lang="es-AR"/>
+          </a:p>
+        </p:txBody>
+      </p:sp>
+    </p:spTree>
+    <p:extLst>
+      <p:ext uri="{BB962C8B-B14F-4D97-AF65-F5344CB8AC3E}">
+        <p14:creationId xmlns:p14="http://schemas.microsoft.com/office/powerpoint/2010/main" val="3000085410"/>
+      </p:ext>
+    </p:extLst>
+  </p:cSld>
+  <p:clrMapOvr>
+    <a:masterClrMapping/>
+  </p:clrMapOvr>
+</p:notes>
+</file>
+
+<file path=ppt/notesSlides/notesSlide16.xml><?xml version="1.0" encoding="utf-8"?>
+<p:notes xmlns:a="http://schemas.openxmlformats.org/drawingml/2006/main" xmlns:r="http://schemas.openxmlformats.org/officeDocument/2006/relationships" xmlns:p="http://schemas.openxmlformats.org/presentationml/2006/main">
+  <p:cSld>
+    <p:spTree>
+      <p:nvGrpSpPr>
+        <p:cNvPr id="1" name=""/>
+        <p:cNvGrpSpPr/>
+        <p:nvPr/>
+      </p:nvGrpSpPr>
+      <p:grpSpPr>
+        <a:xfrm>
+          <a:off x="0" y="0"/>
+          <a:ext cx="0" cy="0"/>
+          <a:chOff x="0" y="0"/>
+          <a:chExt cx="0" cy="0"/>
+        </a:xfrm>
+      </p:grpSpPr>
+      <p:sp>
+        <p:nvSpPr>
+          <p:cNvPr id="2" name="Slide Image Placeholder 1"/>
+          <p:cNvSpPr>
+            <a:spLocks noGrp="1" noRot="1" noChangeAspect="1"/>
+          </p:cNvSpPr>
+          <p:nvPr>
+            <p:ph type="sldImg"/>
+          </p:nvPr>
+        </p:nvSpPr>
+        <p:spPr/>
+      </p:sp>
+      <p:sp>
+        <p:nvSpPr>
+          <p:cNvPr id="3" name="Notes Placeholder 2"/>
+          <p:cNvSpPr>
+            <a:spLocks noGrp="1"/>
+          </p:cNvSpPr>
+          <p:nvPr>
+            <p:ph type="body" idx="1"/>
+          </p:nvPr>
+        </p:nvSpPr>
+        <p:spPr/>
+        <p:txBody>
+          <a:bodyPr/>
+          <a:lstStyle/>
+          <a:p>
+            <a:r>
+              <a:rPr lang="es-AR" dirty="0" smtClean="0"/>
+              <a:t>En ese escenario, hemos tomado los datos de una empresa</a:t>
+            </a:r>
+            <a:r>
+              <a:rPr lang="es-AR" baseline="0" dirty="0" smtClean="0"/>
+              <a:t> similar (como </a:t>
+            </a:r>
+            <a:r>
+              <a:rPr lang="es-AR" baseline="0" dirty="0" err="1" smtClean="0"/>
+              <a:t>Foursqare</a:t>
+            </a:r>
+            <a:r>
+              <a:rPr lang="es-AR" baseline="0" dirty="0" smtClean="0"/>
+              <a:t>) y su crecimiento en sus dos primeros años. Para quienes no conozcan esta compañía, la misma </a:t>
+            </a:r>
+            <a:r>
+              <a:rPr lang="es-AR" sz="1200" b="0" i="0" kern="1200" dirty="0" smtClean="0">
+                <a:solidFill>
+                  <a:schemeClr val="tx1"/>
+                </a:solidFill>
+                <a:effectLst/>
+                <a:latin typeface="+mn-lt"/>
+                <a:ea typeface="+mn-ea"/>
+                <a:cs typeface="+mn-cs"/>
+              </a:rPr>
+              <a:t>es un </a:t>
+            </a:r>
+            <a:r>
+              <a:rPr lang="es-AR" sz="1200" b="0" i="0" u="none" strike="noStrike" kern="1200" dirty="0" smtClean="0">
+                <a:solidFill>
+                  <a:schemeClr val="tx1"/>
+                </a:solidFill>
+                <a:effectLst/>
+                <a:latin typeface="+mn-lt"/>
+                <a:ea typeface="+mn-ea"/>
+                <a:cs typeface="+mn-cs"/>
+                <a:hlinkClick r:id="rId3" tooltip="Servicio basado en localización"/>
+              </a:rPr>
+              <a:t>servicio basado en localización</a:t>
+            </a:r>
+            <a:r>
+              <a:rPr lang="es-AR" sz="1200" b="0" i="0" kern="1200" dirty="0" smtClean="0">
+                <a:solidFill>
+                  <a:schemeClr val="tx1"/>
+                </a:solidFill>
+                <a:effectLst/>
+                <a:latin typeface="+mn-lt"/>
+                <a:ea typeface="+mn-ea"/>
+                <a:cs typeface="+mn-cs"/>
+              </a:rPr>
+              <a:t> web aplicada a las </a:t>
+            </a:r>
+            <a:r>
+              <a:rPr lang="es-AR" sz="1200" b="0" i="0" u="none" strike="noStrike" kern="1200" dirty="0" smtClean="0">
+                <a:solidFill>
+                  <a:schemeClr val="tx1"/>
+                </a:solidFill>
+                <a:effectLst/>
+                <a:latin typeface="+mn-lt"/>
+                <a:ea typeface="+mn-ea"/>
+                <a:cs typeface="+mn-cs"/>
+                <a:hlinkClick r:id="rId4" tooltip="Redes sociales"/>
+              </a:rPr>
+              <a:t>redes sociales</a:t>
+            </a:r>
+            <a:r>
+              <a:rPr lang="es-AR" sz="1200" b="0" i="0" kern="1200" dirty="0" smtClean="0">
+                <a:solidFill>
+                  <a:schemeClr val="tx1"/>
+                </a:solidFill>
+                <a:effectLst/>
+                <a:latin typeface="+mn-lt"/>
+                <a:ea typeface="+mn-ea"/>
+                <a:cs typeface="+mn-cs"/>
+              </a:rPr>
+              <a:t>. La </a:t>
+            </a:r>
+            <a:r>
+              <a:rPr lang="es-AR" sz="1200" b="0" i="0" kern="1200" dirty="0" err="1" smtClean="0">
+                <a:solidFill>
+                  <a:schemeClr val="tx1"/>
+                </a:solidFill>
+                <a:effectLst/>
+                <a:latin typeface="+mn-lt"/>
+                <a:ea typeface="+mn-ea"/>
+                <a:cs typeface="+mn-cs"/>
+              </a:rPr>
+              <a:t>geolocalización</a:t>
+            </a:r>
+            <a:r>
+              <a:rPr lang="es-AR" sz="1200" b="0" i="0" kern="1200" dirty="0" smtClean="0">
+                <a:solidFill>
+                  <a:schemeClr val="tx1"/>
+                </a:solidFill>
+                <a:effectLst/>
+                <a:latin typeface="+mn-lt"/>
+                <a:ea typeface="+mn-ea"/>
+                <a:cs typeface="+mn-cs"/>
+              </a:rPr>
+              <a:t> permite localizar un dispositivo fijo o móvil en una ubicación geográfica.</a:t>
+            </a:r>
+            <a:r>
+              <a:rPr lang="es-AR" sz="1200" b="0" i="0" kern="1200" baseline="0" dirty="0" smtClean="0">
+                <a:solidFill>
+                  <a:schemeClr val="tx1"/>
+                </a:solidFill>
+                <a:effectLst/>
+                <a:latin typeface="+mn-lt"/>
+                <a:ea typeface="+mn-ea"/>
+                <a:cs typeface="+mn-cs"/>
+              </a:rPr>
+              <a:t> Si bien es una aplicación exitosa, no es considerada como una aplicación especialmente </a:t>
+            </a:r>
+            <a:r>
+              <a:rPr lang="es-AR" sz="1200" b="0" i="0" kern="1200" baseline="0" dirty="0" err="1" smtClean="0">
+                <a:solidFill>
+                  <a:schemeClr val="tx1"/>
+                </a:solidFill>
+                <a:effectLst/>
+                <a:latin typeface="+mn-lt"/>
+                <a:ea typeface="+mn-ea"/>
+                <a:cs typeface="+mn-cs"/>
+              </a:rPr>
+              <a:t>virosica</a:t>
+            </a:r>
+            <a:r>
+              <a:rPr lang="es-AR" sz="1200" b="0" i="0" kern="1200" baseline="0" dirty="0" smtClean="0">
+                <a:solidFill>
+                  <a:schemeClr val="tx1"/>
+                </a:solidFill>
+                <a:effectLst/>
+                <a:latin typeface="+mn-lt"/>
+                <a:ea typeface="+mn-ea"/>
+                <a:cs typeface="+mn-cs"/>
+              </a:rPr>
+              <a:t> ni con un extremo furor. La misma alcanzo a los 2 años de su lanzamiento 8 millones de usuarios. </a:t>
+            </a:r>
+          </a:p>
+          <a:p>
+            <a:r>
+              <a:rPr lang="es-AR" sz="1200" b="0" i="0" kern="1200" baseline="0" dirty="0" smtClean="0">
+                <a:solidFill>
+                  <a:schemeClr val="tx1"/>
+                </a:solidFill>
+                <a:effectLst/>
+                <a:latin typeface="+mn-lt"/>
+                <a:ea typeface="+mn-ea"/>
+                <a:cs typeface="+mn-cs"/>
+              </a:rPr>
+              <a:t>Lo consiguió al expandirse en varias plataformas (a los 3 meses de su lanzamiento) así como en varias regiones (su </a:t>
+            </a:r>
+            <a:r>
+              <a:rPr lang="es-AR" sz="1200" b="0" i="0" kern="1200" baseline="0" dirty="0" err="1" smtClean="0">
+                <a:solidFill>
+                  <a:schemeClr val="tx1"/>
+                </a:solidFill>
+                <a:effectLst/>
+                <a:latin typeface="+mn-lt"/>
+                <a:ea typeface="+mn-ea"/>
+                <a:cs typeface="+mn-cs"/>
+              </a:rPr>
+              <a:t>aplicaciónes</a:t>
+            </a:r>
+            <a:r>
+              <a:rPr lang="es-AR" sz="1200" b="0" i="0" kern="1200" baseline="0" dirty="0" smtClean="0">
+                <a:solidFill>
+                  <a:schemeClr val="tx1"/>
+                </a:solidFill>
+                <a:effectLst/>
+                <a:latin typeface="+mn-lt"/>
+                <a:ea typeface="+mn-ea"/>
+                <a:cs typeface="+mn-cs"/>
+              </a:rPr>
+              <a:t> multilenguaje) (a los 6 meses). </a:t>
+            </a:r>
+          </a:p>
+          <a:p>
+            <a:r>
+              <a:rPr lang="es-AR" sz="1200" b="0" i="0" kern="1200" baseline="0" dirty="0" smtClean="0">
+                <a:solidFill>
+                  <a:schemeClr val="tx1"/>
+                </a:solidFill>
+                <a:effectLst/>
+                <a:latin typeface="+mn-lt"/>
+                <a:ea typeface="+mn-ea"/>
+                <a:cs typeface="+mn-cs"/>
+              </a:rPr>
+              <a:t>Si consideramos que nuestra aplicación tiene todas a favor para resultar aún mas exitosa que esta aplicación y suponiendo que se realiza el soporte necesarios para dar soporte a diversos lenguajes y plataformas, se </a:t>
+            </a:r>
+            <a:r>
+              <a:rPr lang="es-AR" sz="1200" b="0" i="0" kern="1200" baseline="0" dirty="0" err="1" smtClean="0">
+                <a:solidFill>
+                  <a:schemeClr val="tx1"/>
+                </a:solidFill>
+                <a:effectLst/>
+                <a:latin typeface="+mn-lt"/>
+                <a:ea typeface="+mn-ea"/>
+                <a:cs typeface="+mn-cs"/>
+              </a:rPr>
+              <a:t>podria</a:t>
+            </a:r>
+            <a:r>
+              <a:rPr lang="es-AR" sz="1200" b="0" i="0" kern="1200" baseline="0" dirty="0" smtClean="0">
+                <a:solidFill>
+                  <a:schemeClr val="tx1"/>
+                </a:solidFill>
+                <a:effectLst/>
+                <a:latin typeface="+mn-lt"/>
+                <a:ea typeface="+mn-ea"/>
+                <a:cs typeface="+mn-cs"/>
+              </a:rPr>
+              <a:t> alcanzar sin inconvenientes el mismo nivel de usuarios. </a:t>
+            </a:r>
+          </a:p>
+          <a:p>
+            <a:r>
+              <a:rPr lang="es-AR" sz="1200" b="0" i="0" kern="1200" baseline="0" dirty="0" smtClean="0">
+                <a:solidFill>
+                  <a:schemeClr val="tx1"/>
+                </a:solidFill>
+                <a:effectLst/>
+                <a:latin typeface="+mn-lt"/>
+                <a:ea typeface="+mn-ea"/>
+                <a:cs typeface="+mn-cs"/>
+              </a:rPr>
+              <a:t>En lo referente a ingresos, los mismos serían al alcanzar los 2 años de entre los 270k a 400k al mes, teniendo en cuenta los mismos precios para las publicidades que en el escenario anterior. </a:t>
+            </a:r>
+          </a:p>
+          <a:p>
+            <a:r>
+              <a:rPr lang="es-AR" sz="1200" b="0" i="0" kern="1200" baseline="0" dirty="0" smtClean="0">
+                <a:solidFill>
+                  <a:schemeClr val="tx1"/>
+                </a:solidFill>
+                <a:effectLst/>
+                <a:latin typeface="+mn-lt"/>
+                <a:ea typeface="+mn-ea"/>
+                <a:cs typeface="+mn-cs"/>
+              </a:rPr>
+              <a:t>EN lo referente a los gastos, los mismos serían proporcionalmente algo más elevados (entre el 21%-23%) ya que es necesario contar con un grupo de desarrolladores para mantener la actualización de la aplicación. Esto nos </a:t>
+            </a:r>
+            <a:r>
+              <a:rPr lang="es-AR" sz="1200" b="0" i="0" kern="1200" baseline="0" dirty="0" err="1" smtClean="0">
+                <a:solidFill>
+                  <a:schemeClr val="tx1"/>
+                </a:solidFill>
+                <a:effectLst/>
+                <a:latin typeface="+mn-lt"/>
+                <a:ea typeface="+mn-ea"/>
+                <a:cs typeface="+mn-cs"/>
+              </a:rPr>
+              <a:t>daria</a:t>
+            </a:r>
+            <a:r>
+              <a:rPr lang="es-AR" sz="1200" b="0" i="0" kern="1200" baseline="0" dirty="0" smtClean="0">
+                <a:solidFill>
+                  <a:schemeClr val="tx1"/>
+                </a:solidFill>
+                <a:effectLst/>
+                <a:latin typeface="+mn-lt"/>
+                <a:ea typeface="+mn-ea"/>
+                <a:cs typeface="+mn-cs"/>
+              </a:rPr>
+              <a:t> unas </a:t>
+            </a:r>
+            <a:r>
+              <a:rPr lang="es-AR" sz="1200" b="0" i="0" kern="1200" baseline="0" dirty="0" err="1" smtClean="0">
+                <a:solidFill>
+                  <a:schemeClr val="tx1"/>
+                </a:solidFill>
+                <a:effectLst/>
+                <a:latin typeface="+mn-lt"/>
+                <a:ea typeface="+mn-ea"/>
+                <a:cs typeface="+mn-cs"/>
+              </a:rPr>
+              <a:t>ganacias</a:t>
+            </a:r>
+            <a:r>
+              <a:rPr lang="es-AR" sz="1200" b="0" i="0" kern="1200" baseline="0" dirty="0" smtClean="0">
+                <a:solidFill>
+                  <a:schemeClr val="tx1"/>
+                </a:solidFill>
+                <a:effectLst/>
+                <a:latin typeface="+mn-lt"/>
+                <a:ea typeface="+mn-ea"/>
+                <a:cs typeface="+mn-cs"/>
+              </a:rPr>
+              <a:t> de aproximadamente 200 a 300k. Como pueden ver, un gran negocio. </a:t>
+            </a:r>
+          </a:p>
+          <a:p>
+            <a:r>
+              <a:rPr lang="es-AR" sz="1200" b="0" i="0" kern="1200" baseline="0" dirty="0" smtClean="0">
+                <a:solidFill>
+                  <a:schemeClr val="tx1"/>
+                </a:solidFill>
+                <a:effectLst/>
+                <a:latin typeface="+mn-lt"/>
+                <a:ea typeface="+mn-ea"/>
+                <a:cs typeface="+mn-cs"/>
+              </a:rPr>
+              <a:t>Un detalle de color que nos gustaría destacar es que a los 18 meses del lanzamiento, </a:t>
+            </a:r>
+            <a:r>
+              <a:rPr lang="es-AR" sz="1200" b="0" i="0" kern="1200" baseline="0" dirty="0" err="1" smtClean="0">
+                <a:solidFill>
+                  <a:schemeClr val="tx1"/>
+                </a:solidFill>
+                <a:effectLst/>
+                <a:latin typeface="+mn-lt"/>
+                <a:ea typeface="+mn-ea"/>
+                <a:cs typeface="+mn-cs"/>
+              </a:rPr>
+              <a:t>facebook</a:t>
+            </a:r>
+            <a:r>
+              <a:rPr lang="es-AR" sz="1200" b="0" i="0" kern="1200" baseline="0" dirty="0" smtClean="0">
+                <a:solidFill>
+                  <a:schemeClr val="tx1"/>
+                </a:solidFill>
+                <a:effectLst/>
+                <a:latin typeface="+mn-lt"/>
+                <a:ea typeface="+mn-ea"/>
+                <a:cs typeface="+mn-cs"/>
+              </a:rPr>
+              <a:t> lanzó una aplicación similar que como pueden ver afectó realmente poco el crecimiento de la aplicación.</a:t>
+            </a:r>
+          </a:p>
+          <a:p>
+            <a:r>
+              <a:rPr lang="es-AR" sz="1200" b="0" i="0" kern="1200" baseline="0" dirty="0" smtClean="0">
+                <a:solidFill>
+                  <a:schemeClr val="tx1"/>
+                </a:solidFill>
+                <a:effectLst/>
+                <a:latin typeface="+mn-lt"/>
+                <a:ea typeface="+mn-ea"/>
+                <a:cs typeface="+mn-cs"/>
+              </a:rPr>
+              <a:t>Finalmente un último detalle no menor es que la empresa </a:t>
+            </a:r>
+            <a:r>
+              <a:rPr lang="es-AR" sz="1200" b="0" i="0" kern="1200" baseline="0" dirty="0" err="1" smtClean="0">
+                <a:solidFill>
+                  <a:schemeClr val="tx1"/>
+                </a:solidFill>
+                <a:effectLst/>
+                <a:latin typeface="+mn-lt"/>
+                <a:ea typeface="+mn-ea"/>
+                <a:cs typeface="+mn-cs"/>
+              </a:rPr>
+              <a:t>Foursqare</a:t>
+            </a:r>
+            <a:r>
+              <a:rPr lang="es-AR" sz="1200" b="0" i="0" kern="1200" baseline="0" dirty="0" smtClean="0">
+                <a:solidFill>
+                  <a:schemeClr val="tx1"/>
+                </a:solidFill>
+                <a:effectLst/>
+                <a:latin typeface="+mn-lt"/>
+                <a:ea typeface="+mn-ea"/>
+                <a:cs typeface="+mn-cs"/>
+              </a:rPr>
+              <a:t> posee hoy en día (4 años después de su lanzamiento)  posee 30 millones de usuarios, realizando las cuentas bajo el mismo modelo, daría un ingreso de 1millon de </a:t>
+            </a:r>
+            <a:r>
+              <a:rPr lang="es-AR" sz="1200" b="0" i="0" kern="1200" baseline="0" dirty="0" err="1" smtClean="0">
+                <a:solidFill>
+                  <a:schemeClr val="tx1"/>
+                </a:solidFill>
+                <a:effectLst/>
+                <a:latin typeface="+mn-lt"/>
+                <a:ea typeface="+mn-ea"/>
+                <a:cs typeface="+mn-cs"/>
+              </a:rPr>
+              <a:t>dolares</a:t>
+            </a:r>
+            <a:r>
+              <a:rPr lang="es-AR" sz="1200" b="0" i="0" kern="1200" baseline="0" dirty="0" smtClean="0">
+                <a:solidFill>
+                  <a:schemeClr val="tx1"/>
+                </a:solidFill>
+                <a:effectLst/>
+                <a:latin typeface="+mn-lt"/>
+                <a:ea typeface="+mn-ea"/>
+                <a:cs typeface="+mn-cs"/>
+              </a:rPr>
+              <a:t> al mes.</a:t>
+            </a:r>
+          </a:p>
+        </p:txBody>
+      </p:sp>
+      <p:sp>
+        <p:nvSpPr>
+          <p:cNvPr id="4" name="Slide Number Placeholder 3"/>
+          <p:cNvSpPr>
+            <a:spLocks noGrp="1"/>
+          </p:cNvSpPr>
+          <p:nvPr>
+            <p:ph type="sldNum" sz="quarter" idx="10"/>
+          </p:nvPr>
+        </p:nvSpPr>
+        <p:spPr/>
+        <p:txBody>
+          <a:bodyPr/>
+          <a:lstStyle/>
+          <a:p>
+            <a:fld id="{5625E230-B123-43EB-B2A3-53965331BBB3}" type="slidenum">
+              <a:rPr lang="es-AR" smtClean="0"/>
+              <a:pPr/>
+              <a:t>17</a:t>
             </a:fld>
             <a:endParaRPr lang="es-AR"/>
           </a:p>
@@ -5883,177 +6108,7 @@
           <a:bodyPr/>
           <a:lstStyle/>
           <a:p>
-            <a:r>
-              <a:rPr lang="es-AR" dirty="0" smtClean="0"/>
-              <a:t>Llegamos entonces a la meta de </a:t>
-            </a:r>
-            <a:r>
-              <a:rPr lang="es-AR" dirty="0" err="1" smtClean="0"/>
-              <a:t>maduracion</a:t>
-            </a:r>
-            <a:r>
-              <a:rPr lang="es-AR" dirty="0" smtClean="0"/>
-              <a:t> de la idea. A esta altura tenemos planteada una necesidad diaria, y la idea de</a:t>
-            </a:r>
-            <a:r>
-              <a:rPr lang="es-AR" baseline="0" dirty="0" smtClean="0"/>
-              <a:t> solucionarla utilizando </a:t>
-            </a:r>
-            <a:r>
-              <a:rPr lang="es-AR" baseline="0" dirty="0" err="1" smtClean="0"/>
-              <a:t>tecnologia</a:t>
-            </a:r>
-            <a:r>
-              <a:rPr lang="es-AR" baseline="0" dirty="0" smtClean="0"/>
-              <a:t>, en este caso de tipo </a:t>
-            </a:r>
-            <a:r>
-              <a:rPr lang="es-AR" baseline="0" dirty="0" err="1" smtClean="0"/>
-              <a:t>mobile</a:t>
-            </a:r>
-            <a:r>
-              <a:rPr lang="es-AR" baseline="0" dirty="0" smtClean="0"/>
-              <a:t> por sus cualidades “sociales” y cotidianas.</a:t>
-            </a:r>
-          </a:p>
-          <a:p>
-            <a:r>
-              <a:rPr lang="es-AR" baseline="0" dirty="0" smtClean="0"/>
-              <a:t/>
-            </a:r>
-            <a:br>
-              <a:rPr lang="es-AR" baseline="0" dirty="0" smtClean="0"/>
-            </a:br>
-            <a:r>
-              <a:rPr lang="es-AR" baseline="0" dirty="0" smtClean="0"/>
-              <a:t>Por lo tanto, como vamos a resolverlo?</a:t>
-            </a:r>
-          </a:p>
-          <a:p>
-            <a:endParaRPr lang="es-AR" baseline="0" dirty="0" smtClean="0"/>
-          </a:p>
-          <a:p>
-            <a:r>
-              <a:rPr lang="es-AR" baseline="0" dirty="0" smtClean="0"/>
-              <a:t>Nuestro proyecto encara el desarrollo de una aplicación </a:t>
-            </a:r>
-            <a:r>
-              <a:rPr lang="es-AR" baseline="0" dirty="0" err="1" smtClean="0"/>
-              <a:t>mobile</a:t>
-            </a:r>
-            <a:r>
-              <a:rPr lang="es-AR" baseline="0" dirty="0" smtClean="0"/>
-              <a:t> para </a:t>
-            </a:r>
-            <a:r>
-              <a:rPr lang="es-AR" baseline="0" dirty="0" err="1" smtClean="0"/>
-              <a:t>localizacion</a:t>
-            </a:r>
-            <a:r>
-              <a:rPr lang="es-AR" baseline="0" dirty="0" smtClean="0"/>
-              <a:t> de </a:t>
-            </a:r>
-            <a:r>
-              <a:rPr lang="es-AR" baseline="0" dirty="0" err="1" smtClean="0"/>
-              <a:t>banios</a:t>
-            </a:r>
-            <a:r>
-              <a:rPr lang="es-AR" baseline="0" dirty="0" smtClean="0"/>
-              <a:t>. Como </a:t>
-            </a:r>
-            <a:r>
-              <a:rPr lang="es-AR" baseline="0" dirty="0" err="1" smtClean="0"/>
-              <a:t>caracteristica</a:t>
-            </a:r>
-            <a:r>
-              <a:rPr lang="es-AR" baseline="0" dirty="0" smtClean="0"/>
-              <a:t> principal, encuentra aquellas facilidades mas cercanas al lugar donde uno se encuentra.</a:t>
-            </a:r>
-          </a:p>
-          <a:p>
-            <a:endParaRPr lang="es-AR" baseline="0" dirty="0" smtClean="0"/>
-          </a:p>
-          <a:p>
-            <a:r>
-              <a:rPr lang="es-AR" baseline="0" dirty="0" smtClean="0"/>
-              <a:t>Que difiere esto de preguntarle a un desconocido en la calle?</a:t>
-            </a:r>
-          </a:p>
-          <a:p>
-            <a:endParaRPr lang="es-AR" baseline="0" dirty="0" smtClean="0"/>
-          </a:p>
-          <a:p>
-            <a:r>
-              <a:rPr lang="es-AR" baseline="0" dirty="0" smtClean="0"/>
-              <a:t>Rara vez alguien </a:t>
-            </a:r>
-            <a:r>
-              <a:rPr lang="es-AR" baseline="0" dirty="0" err="1" smtClean="0"/>
-              <a:t>podra</a:t>
-            </a:r>
-            <a:r>
-              <a:rPr lang="es-AR" baseline="0" dirty="0" smtClean="0"/>
-              <a:t> comentarnos </a:t>
-            </a:r>
-            <a:r>
-              <a:rPr lang="es-AR" baseline="0" dirty="0" err="1" smtClean="0"/>
-              <a:t>rapidamente</a:t>
-            </a:r>
-            <a:r>
-              <a:rPr lang="es-AR" baseline="0" dirty="0" smtClean="0"/>
-              <a:t> con que facilidades y </a:t>
-            </a:r>
-            <a:r>
-              <a:rPr lang="es-AR" baseline="0" dirty="0" err="1" smtClean="0"/>
-              <a:t>caracteristicas</a:t>
-            </a:r>
-            <a:r>
-              <a:rPr lang="es-AR" baseline="0" dirty="0" smtClean="0"/>
-              <a:t> cuenta el </a:t>
-            </a:r>
-            <a:r>
-              <a:rPr lang="es-AR" baseline="0" dirty="0" err="1" smtClean="0"/>
-              <a:t>banio</a:t>
-            </a:r>
-            <a:r>
-              <a:rPr lang="es-AR" baseline="0" dirty="0" smtClean="0"/>
-              <a:t> para que podamos realizar un </a:t>
-            </a:r>
-            <a:r>
-              <a:rPr lang="es-AR" baseline="0" dirty="0" err="1" smtClean="0"/>
-              <a:t>analisis</a:t>
-            </a:r>
-            <a:r>
-              <a:rPr lang="es-AR" baseline="0" dirty="0" smtClean="0"/>
-              <a:t> de si es el indicado o no. El producto que ofrecemos, posee la funcionalidad de detallarte de forma </a:t>
-            </a:r>
-            <a:r>
-              <a:rPr lang="es-AR" baseline="0" dirty="0" err="1" smtClean="0"/>
-              <a:t>minimal</a:t>
-            </a:r>
-            <a:r>
-              <a:rPr lang="es-AR" baseline="0" dirty="0" smtClean="0"/>
-              <a:t> para su </a:t>
-            </a:r>
-            <a:r>
-              <a:rPr lang="es-AR" baseline="0" dirty="0" err="1" smtClean="0"/>
-              <a:t>rapida</a:t>
-            </a:r>
-            <a:r>
-              <a:rPr lang="es-AR" baseline="0" dirty="0" smtClean="0"/>
-              <a:t> </a:t>
-            </a:r>
-            <a:r>
-              <a:rPr lang="es-AR" baseline="0" dirty="0" err="1" smtClean="0"/>
-              <a:t>comprension</a:t>
-            </a:r>
-            <a:r>
-              <a:rPr lang="es-AR" baseline="0" dirty="0" smtClean="0"/>
-              <a:t>, todo aquello que una persona pudiese estar interesado para decidir al utilizar un sanitario; como por ejemplo si es limpio el sanitario, si posee cambiador de bebes, si es apto para discapacitados, etc.</a:t>
-            </a:r>
-          </a:p>
-          <a:p>
-            <a:endParaRPr lang="es-AR" baseline="0" dirty="0" smtClean="0"/>
+            <a:endParaRPr lang="es-AR" dirty="0"/>
           </a:p>
         </p:txBody>
       </p:sp>
@@ -6084,7 +6139,7 @@
     </p:spTree>
     <p:extLst>
       <p:ext uri="{BB962C8B-B14F-4D97-AF65-F5344CB8AC3E}">
-        <p14:creationId xmlns:p14="http://schemas.microsoft.com/office/powerpoint/2010/main" val="3325332095"/>
+        <p14:creationId xmlns:p14="http://schemas.microsoft.com/office/powerpoint/2010/main" val="1256197441"/>
       </p:ext>
     </p:extLst>
   </p:cSld>
@@ -6140,59 +6195,175 @@
           <a:p>
             <a:r>
               <a:rPr lang="es-AR" dirty="0" smtClean="0"/>
-              <a:t>La aplicación que proponemos permite contar con todas estas prestaciones que mostramos.</a:t>
-            </a:r>
-          </a:p>
-          <a:p>
+              <a:t>Llegamos entonces a la meta de </a:t>
+            </a:r>
+            <a:r>
+              <a:rPr lang="es-AR" dirty="0" err="1" smtClean="0"/>
+              <a:t>maduracion</a:t>
+            </a:r>
             <a:r>
               <a:rPr lang="es-AR" dirty="0" smtClean="0"/>
-              <a:t>Tendremos</a:t>
+              <a:t> de la idea. A esta altura tenemos planteada una necesidad diaria, y la idea de</a:t>
             </a:r>
             <a:r>
               <a:rPr lang="es-AR" baseline="0" dirty="0" smtClean="0"/>
-              <a:t> en principio dos tipos de versiones para la aplicación.</a:t>
-            </a:r>
-          </a:p>
-          <a:p>
+              <a:t> solucionarla utilizando </a:t>
+            </a:r>
+            <a:r>
+              <a:rPr lang="es-AR" baseline="0" dirty="0" err="1" smtClean="0"/>
+              <a:t>tecnologia</a:t>
+            </a:r>
             <a:r>
               <a:rPr lang="es-AR" baseline="0" dirty="0" smtClean="0"/>
-              <a:t>Una versión gratuita que cuenta con todos estos servicios, es decir un usuario entrará al </a:t>
+              <a:t>, en este caso de tipo </a:t>
             </a:r>
             <a:r>
               <a:rPr lang="es-AR" baseline="0" dirty="0" err="1" smtClean="0"/>
-              <a:t>market</a:t>
+              <a:t>mobile</a:t>
             </a:r>
             <a:r>
               <a:rPr lang="es-AR" baseline="0" dirty="0" smtClean="0"/>
-              <a:t> y podrá descargarse sin costo alguno la </a:t>
+              <a:t> por sus cualidades “sociales” y cotidianas.</a:t>
+            </a:r>
+          </a:p>
+          <a:p>
+            <a:r>
+              <a:rPr lang="es-AR" baseline="0" dirty="0" smtClean="0"/>
+              <a:t/>
+            </a:r>
+            <a:br>
+              <a:rPr lang="es-AR" baseline="0" dirty="0" smtClean="0"/>
+            </a:br>
+            <a:r>
+              <a:rPr lang="es-AR" baseline="0" dirty="0" smtClean="0"/>
+              <a:t>Por lo tanto, como vamos a resolverlo?</a:t>
+            </a:r>
+          </a:p>
+          <a:p>
+            <a:endParaRPr lang="es-AR" baseline="0" dirty="0" smtClean="0"/>
+          </a:p>
+          <a:p>
+            <a:r>
+              <a:rPr lang="es-AR" baseline="0" dirty="0" smtClean="0"/>
+              <a:t>Nuestro proyecto encara el desarrollo de una aplicación </a:t>
             </a:r>
             <a:r>
               <a:rPr lang="es-AR" baseline="0" dirty="0" err="1" smtClean="0"/>
-              <a:t>apicación</a:t>
+              <a:t>mobile</a:t>
             </a:r>
             <a:r>
               <a:rPr lang="es-AR" baseline="0" dirty="0" smtClean="0"/>
-              <a:t> para comenzar a usarla, y la versión paga que por supuesto tiene todas las prestaciones de la aplicación gratuita más la posibilidad de ver y agregar fotos de los baños y por otro lado es una versión que está libre de publicidad. El costo de la descarga como vemos es de un dólar.</a:t>
-            </a:r>
-          </a:p>
-          <a:p>
+              <a:t> para </a:t>
+            </a:r>
+            <a:r>
+              <a:rPr lang="es-AR" baseline="0" dirty="0" err="1" smtClean="0"/>
+              <a:t>localizacion</a:t>
+            </a:r>
             <a:r>
               <a:rPr lang="es-AR" baseline="0" dirty="0" smtClean="0"/>
-              <a:t>Y </a:t>
+              <a:t> de </a:t>
             </a:r>
             <a:r>
               <a:rPr lang="es-AR" baseline="0" dirty="0" err="1" smtClean="0"/>
-              <a:t>tengase</a:t>
+              <a:t>banios</a:t>
             </a:r>
             <a:r>
               <a:rPr lang="es-AR" baseline="0" dirty="0" smtClean="0"/>
-              <a:t> en cuenta que la versión free tiene la posibilidad de actualizarse a la </a:t>
-            </a:r>
-            <a:r>
-              <a:rPr lang="es-AR" baseline="0" smtClean="0"/>
-              <a:t>versión paga.</a:t>
-            </a:r>
-            <a:endParaRPr lang="es-AR" dirty="0"/>
+              <a:t>. Como </a:t>
+            </a:r>
+            <a:r>
+              <a:rPr lang="es-AR" baseline="0" dirty="0" err="1" smtClean="0"/>
+              <a:t>caracteristica</a:t>
+            </a:r>
+            <a:r>
+              <a:rPr lang="es-AR" baseline="0" dirty="0" smtClean="0"/>
+              <a:t> principal, encuentra aquellas facilidades mas cercanas al lugar donde uno se encuentra.</a:t>
+            </a:r>
+          </a:p>
+          <a:p>
+            <a:endParaRPr lang="es-AR" baseline="0" dirty="0" smtClean="0"/>
+          </a:p>
+          <a:p>
+            <a:r>
+              <a:rPr lang="es-AR" baseline="0" dirty="0" smtClean="0"/>
+              <a:t>Que difiere esto de preguntarle a un desconocido en la calle?</a:t>
+            </a:r>
+          </a:p>
+          <a:p>
+            <a:endParaRPr lang="es-AR" baseline="0" dirty="0" smtClean="0"/>
+          </a:p>
+          <a:p>
+            <a:r>
+              <a:rPr lang="es-AR" baseline="0" dirty="0" smtClean="0"/>
+              <a:t>Rara vez alguien </a:t>
+            </a:r>
+            <a:r>
+              <a:rPr lang="es-AR" baseline="0" dirty="0" err="1" smtClean="0"/>
+              <a:t>podra</a:t>
+            </a:r>
+            <a:r>
+              <a:rPr lang="es-AR" baseline="0" dirty="0" smtClean="0"/>
+              <a:t> comentarnos </a:t>
+            </a:r>
+            <a:r>
+              <a:rPr lang="es-AR" baseline="0" dirty="0" err="1" smtClean="0"/>
+              <a:t>rapidamente</a:t>
+            </a:r>
+            <a:r>
+              <a:rPr lang="es-AR" baseline="0" dirty="0" smtClean="0"/>
+              <a:t> con que facilidades y </a:t>
+            </a:r>
+            <a:r>
+              <a:rPr lang="es-AR" baseline="0" dirty="0" err="1" smtClean="0"/>
+              <a:t>caracteristicas</a:t>
+            </a:r>
+            <a:r>
+              <a:rPr lang="es-AR" baseline="0" dirty="0" smtClean="0"/>
+              <a:t> cuenta el </a:t>
+            </a:r>
+            <a:r>
+              <a:rPr lang="es-AR" baseline="0" dirty="0" err="1" smtClean="0"/>
+              <a:t>banio</a:t>
+            </a:r>
+            <a:r>
+              <a:rPr lang="es-AR" baseline="0" dirty="0" smtClean="0"/>
+              <a:t> para que podamos realizar un </a:t>
+            </a:r>
+            <a:r>
+              <a:rPr lang="es-AR" baseline="0" dirty="0" err="1" smtClean="0"/>
+              <a:t>analisis</a:t>
+            </a:r>
+            <a:r>
+              <a:rPr lang="es-AR" baseline="0" dirty="0" smtClean="0"/>
+              <a:t> de si es el indicado o no. El producto que ofrecemos, posee la funcionalidad de detallarte de forma </a:t>
+            </a:r>
+            <a:r>
+              <a:rPr lang="es-AR" baseline="0" dirty="0" err="1" smtClean="0"/>
+              <a:t>minimal</a:t>
+            </a:r>
+            <a:r>
+              <a:rPr lang="es-AR" baseline="0" dirty="0" smtClean="0"/>
+              <a:t> para su </a:t>
+            </a:r>
+            <a:r>
+              <a:rPr lang="es-AR" baseline="0" dirty="0" err="1" smtClean="0"/>
+              <a:t>rapida</a:t>
+            </a:r>
+            <a:r>
+              <a:rPr lang="es-AR" baseline="0" dirty="0" smtClean="0"/>
+              <a:t> </a:t>
+            </a:r>
+            <a:r>
+              <a:rPr lang="es-AR" baseline="0" dirty="0" err="1" smtClean="0"/>
+              <a:t>comprension</a:t>
+            </a:r>
+            <a:r>
+              <a:rPr lang="es-AR" baseline="0" dirty="0" smtClean="0"/>
+              <a:t>, todo aquello que una persona pudiese estar interesado para decidir al utilizar un sanitario; como por ejemplo si es limpio el sanitario, si posee cambiador de bebes, si es apto para discapacitados, etc.</a:t>
+            </a:r>
+          </a:p>
+          <a:p>
+            <a:endParaRPr lang="es-AR" baseline="0" dirty="0" smtClean="0"/>
           </a:p>
         </p:txBody>
       </p:sp>
@@ -6223,7 +6394,7 @@
     </p:spTree>
     <p:extLst>
       <p:ext uri="{BB962C8B-B14F-4D97-AF65-F5344CB8AC3E}">
-        <p14:creationId xmlns:p14="http://schemas.microsoft.com/office/powerpoint/2010/main" val="685780543"/>
+        <p14:creationId xmlns:p14="http://schemas.microsoft.com/office/powerpoint/2010/main" val="3325332095"/>
       </p:ext>
     </p:extLst>
   </p:cSld>
@@ -6252,7 +6423,7 @@
       </p:grpSpPr>
       <p:sp>
         <p:nvSpPr>
-          <p:cNvPr id="2" name="1 Marcador de imagen de diapositiva"/>
+          <p:cNvPr id="2" name="Slide Image Placeholder 1"/>
           <p:cNvSpPr>
             <a:spLocks noGrp="1" noRot="1" noChangeAspect="1"/>
           </p:cNvSpPr>
@@ -6264,7 +6435,7 @@
       </p:sp>
       <p:sp>
         <p:nvSpPr>
-          <p:cNvPr id="3" name="2 Marcador de notas"/>
+          <p:cNvPr id="3" name="Notes Placeholder 2"/>
           <p:cNvSpPr>
             <a:spLocks noGrp="1"/>
           </p:cNvSpPr>
@@ -6274,1243 +6445,70 @@
         </p:nvSpPr>
         <p:spPr/>
         <p:txBody>
-          <a:bodyPr>
-            <a:normAutofit lnSpcReduction="10000"/>
-          </a:bodyPr>
+          <a:bodyPr/>
           <a:lstStyle/>
           <a:p>
             <a:r>
-              <a:rPr lang="en-US" dirty="0" smtClean="0"/>
-              <a:t>Las </a:t>
-            </a:r>
-            <a:r>
-              <a:rPr lang="en-US" dirty="0" err="1" smtClean="0"/>
-              <a:t>cuestiones</a:t>
-            </a:r>
-            <a:r>
-              <a:rPr lang="en-US" dirty="0" smtClean="0"/>
-              <a:t> finales</a:t>
-            </a:r>
-            <a:r>
-              <a:rPr lang="en-US" baseline="0" dirty="0" smtClean="0"/>
-              <a:t> a </a:t>
-            </a:r>
-            <a:r>
-              <a:rPr lang="en-US" baseline="0" dirty="0" err="1" smtClean="0"/>
-              <a:t>considerar</a:t>
-            </a:r>
-            <a:r>
-              <a:rPr lang="en-US" baseline="0" dirty="0" smtClean="0"/>
-              <a:t> son: </a:t>
-            </a:r>
-            <a:r>
-              <a:rPr lang="en-US" baseline="0" dirty="0" err="1" smtClean="0"/>
-              <a:t>como</a:t>
-            </a:r>
-            <a:r>
-              <a:rPr lang="en-US" baseline="0" dirty="0" smtClean="0"/>
-              <a:t> </a:t>
-            </a:r>
-            <a:r>
-              <a:rPr lang="en-US" baseline="0" dirty="0" err="1" smtClean="0"/>
-              <a:t>expandimos</a:t>
-            </a:r>
-            <a:r>
-              <a:rPr lang="en-US" baseline="0" dirty="0" smtClean="0"/>
-              <a:t> el </a:t>
-            </a:r>
-            <a:r>
-              <a:rPr lang="en-US" baseline="0" dirty="0" err="1" smtClean="0"/>
-              <a:t>producto</a:t>
-            </a:r>
-            <a:r>
-              <a:rPr lang="en-US" baseline="0" dirty="0" smtClean="0"/>
-              <a:t>? Como lo </a:t>
-            </a:r>
-            <a:r>
-              <a:rPr lang="en-US" baseline="0" dirty="0" err="1" smtClean="0"/>
-              <a:t>difundimos</a:t>
-            </a:r>
-            <a:r>
-              <a:rPr lang="en-US" baseline="0" dirty="0" smtClean="0"/>
-              <a:t>? Como </a:t>
-            </a:r>
-            <a:r>
-              <a:rPr lang="en-US" baseline="0" dirty="0" err="1" smtClean="0"/>
-              <a:t>logramos</a:t>
-            </a:r>
-            <a:r>
-              <a:rPr lang="en-US" baseline="0" dirty="0" smtClean="0"/>
-              <a:t> </a:t>
-            </a:r>
-            <a:r>
-              <a:rPr lang="en-US" baseline="0" dirty="0" err="1" smtClean="0"/>
-              <a:t>que</a:t>
-            </a:r>
-            <a:r>
-              <a:rPr lang="en-US" baseline="0" dirty="0" smtClean="0"/>
-              <a:t> sea </a:t>
-            </a:r>
-            <a:r>
-              <a:rPr lang="en-US" baseline="0" dirty="0" err="1" smtClean="0"/>
-              <a:t>aceptado</a:t>
-            </a:r>
-            <a:r>
-              <a:rPr lang="en-US" baseline="0" dirty="0" smtClean="0"/>
-              <a:t> y </a:t>
-            </a:r>
-            <a:r>
-              <a:rPr lang="en-US" baseline="0" dirty="0" err="1" smtClean="0"/>
-              <a:t>necesitado</a:t>
-            </a:r>
-            <a:r>
-              <a:rPr lang="en-US" baseline="0" dirty="0" smtClean="0"/>
-              <a:t> </a:t>
-            </a:r>
-            <a:r>
-              <a:rPr lang="en-US" baseline="0" dirty="0" err="1" smtClean="0"/>
-              <a:t>por</a:t>
-            </a:r>
-            <a:r>
-              <a:rPr lang="en-US" baseline="0" dirty="0" smtClean="0"/>
-              <a:t> </a:t>
-            </a:r>
-            <a:r>
-              <a:rPr lang="en-US" baseline="0" dirty="0" err="1" smtClean="0"/>
-              <a:t>las</a:t>
-            </a:r>
-            <a:r>
-              <a:rPr lang="en-US" baseline="0" dirty="0" smtClean="0"/>
-              <a:t> personas?</a:t>
-            </a:r>
-          </a:p>
-          <a:p>
-            <a:endParaRPr lang="en-US" baseline="0" dirty="0" smtClean="0"/>
-          </a:p>
-          <a:p>
-            <a:r>
-              <a:rPr lang="en-US" baseline="0" dirty="0" err="1" smtClean="0"/>
-              <a:t>Hemos</a:t>
-            </a:r>
-            <a:r>
-              <a:rPr lang="en-US" baseline="0" dirty="0" smtClean="0"/>
-              <a:t> </a:t>
-            </a:r>
-            <a:r>
-              <a:rPr lang="en-US" baseline="0" dirty="0" err="1" smtClean="0"/>
-              <a:t>desarrollado</a:t>
-            </a:r>
-            <a:r>
-              <a:rPr lang="en-US" baseline="0" dirty="0" smtClean="0"/>
-              <a:t> </a:t>
-            </a:r>
-            <a:r>
-              <a:rPr lang="en-US" baseline="0" dirty="0" err="1" smtClean="0"/>
-              <a:t>una</a:t>
-            </a:r>
-            <a:r>
-              <a:rPr lang="en-US" baseline="0" dirty="0" smtClean="0"/>
-              <a:t> </a:t>
-            </a:r>
-            <a:r>
-              <a:rPr lang="en-US" baseline="0" dirty="0" err="1" smtClean="0"/>
-              <a:t>estrategia</a:t>
-            </a:r>
-            <a:r>
-              <a:rPr lang="en-US" baseline="0" dirty="0" smtClean="0"/>
-              <a:t> </a:t>
-            </a:r>
-            <a:r>
-              <a:rPr lang="en-US" baseline="0" dirty="0" err="1" smtClean="0"/>
-              <a:t>que</a:t>
-            </a:r>
-            <a:r>
-              <a:rPr lang="en-US" baseline="0" dirty="0" smtClean="0"/>
-              <a:t> </a:t>
-            </a:r>
-            <a:r>
-              <a:rPr lang="en-US" baseline="0" dirty="0" err="1" smtClean="0"/>
-              <a:t>consideramos</a:t>
-            </a:r>
-            <a:r>
-              <a:rPr lang="en-US" baseline="0" dirty="0" smtClean="0"/>
-              <a:t> </a:t>
-            </a:r>
-            <a:r>
-              <a:rPr lang="en-US" baseline="0" dirty="0" err="1" smtClean="0"/>
-              <a:t>que</a:t>
-            </a:r>
-            <a:r>
-              <a:rPr lang="en-US" baseline="0" dirty="0" smtClean="0"/>
-              <a:t> </a:t>
-            </a:r>
-            <a:r>
-              <a:rPr lang="en-US" baseline="0" dirty="0" err="1" smtClean="0"/>
-              <a:t>lograra</a:t>
-            </a:r>
-            <a:r>
-              <a:rPr lang="en-US" baseline="0" dirty="0" smtClean="0"/>
-              <a:t> </a:t>
-            </a:r>
-            <a:r>
-              <a:rPr lang="en-US" baseline="0" dirty="0" err="1" smtClean="0"/>
-              <a:t>cubrir</a:t>
-            </a:r>
-            <a:r>
-              <a:rPr lang="en-US" baseline="0" dirty="0" smtClean="0"/>
-              <a:t> </a:t>
-            </a:r>
-            <a:r>
-              <a:rPr lang="en-US" baseline="0" dirty="0" err="1" smtClean="0"/>
-              <a:t>estos</a:t>
-            </a:r>
-            <a:r>
-              <a:rPr lang="en-US" baseline="0" dirty="0" smtClean="0"/>
-              <a:t> </a:t>
-            </a:r>
-            <a:r>
-              <a:rPr lang="en-US" baseline="0" dirty="0" err="1" smtClean="0"/>
-              <a:t>aspectos</a:t>
-            </a:r>
-            <a:r>
-              <a:rPr lang="en-US" baseline="0" dirty="0" smtClean="0"/>
-              <a:t> de </a:t>
-            </a:r>
-            <a:r>
-              <a:rPr lang="en-US" baseline="0" dirty="0" err="1" smtClean="0"/>
-              <a:t>manera</a:t>
-            </a:r>
-            <a:r>
-              <a:rPr lang="en-US" baseline="0" dirty="0" smtClean="0"/>
-              <a:t> </a:t>
-            </a:r>
-            <a:r>
-              <a:rPr lang="en-US" baseline="0" dirty="0" err="1" smtClean="0"/>
-              <a:t>exitosa</a:t>
-            </a:r>
-            <a:r>
-              <a:rPr lang="en-US" baseline="0" dirty="0" smtClean="0"/>
-              <a:t>. </a:t>
-            </a:r>
-          </a:p>
-          <a:p>
-            <a:r>
-              <a:rPr lang="en-US" baseline="0" dirty="0" err="1" smtClean="0"/>
-              <a:t>Nos</a:t>
-            </a:r>
-            <a:r>
-              <a:rPr lang="en-US" baseline="0" dirty="0" smtClean="0"/>
-              <a:t> </a:t>
-            </a:r>
-            <a:r>
-              <a:rPr lang="en-US" baseline="0" dirty="0" err="1" smtClean="0"/>
-              <a:t>proponemos</a:t>
-            </a:r>
-            <a:r>
-              <a:rPr lang="en-US" baseline="0" dirty="0" smtClean="0"/>
-              <a:t> a </a:t>
-            </a:r>
-            <a:r>
-              <a:rPr lang="en-US" baseline="0" dirty="0" err="1" smtClean="0"/>
-              <a:t>utilizar</a:t>
-            </a:r>
-            <a:r>
-              <a:rPr lang="en-US" baseline="0" dirty="0" smtClean="0"/>
-              <a:t> un </a:t>
-            </a:r>
-            <a:r>
-              <a:rPr lang="en-US" baseline="0" dirty="0" err="1" smtClean="0"/>
-              <a:t>mecanismo</a:t>
-            </a:r>
-            <a:r>
-              <a:rPr lang="en-US" baseline="0" dirty="0" smtClean="0"/>
-              <a:t> de </a:t>
-            </a:r>
-            <a:r>
-              <a:rPr lang="en-US" baseline="0" dirty="0" err="1" smtClean="0"/>
-              <a:t>colaboracion</a:t>
-            </a:r>
-            <a:r>
-              <a:rPr lang="en-US" baseline="0" dirty="0" smtClean="0"/>
-              <a:t>/</a:t>
-            </a:r>
-            <a:r>
-              <a:rPr lang="en-US" baseline="0" dirty="0" err="1" smtClean="0"/>
-              <a:t>beneficio</a:t>
-            </a:r>
-            <a:r>
-              <a:rPr lang="en-US" baseline="0" dirty="0" smtClean="0"/>
-              <a:t> con los </a:t>
-            </a:r>
-            <a:r>
-              <a:rPr lang="en-US" baseline="0" dirty="0" err="1" smtClean="0"/>
-              <a:t>usuarios</a:t>
-            </a:r>
-            <a:r>
-              <a:rPr lang="en-US" baseline="0" dirty="0" smtClean="0"/>
-              <a:t> de la </a:t>
-            </a:r>
-            <a:r>
-              <a:rPr lang="en-US" baseline="0" dirty="0" err="1" smtClean="0"/>
-              <a:t>aplicacion</a:t>
-            </a:r>
-            <a:r>
-              <a:rPr lang="en-US" baseline="0" dirty="0" smtClean="0"/>
-              <a:t>, </a:t>
-            </a:r>
-            <a:r>
-              <a:rPr lang="en-US" baseline="0" dirty="0" err="1" smtClean="0"/>
-              <a:t>tal</a:t>
-            </a:r>
-            <a:r>
-              <a:rPr lang="en-US" baseline="0" dirty="0" smtClean="0"/>
-              <a:t> </a:t>
-            </a:r>
-            <a:r>
-              <a:rPr lang="en-US" baseline="0" dirty="0" err="1" smtClean="0"/>
-              <a:t>que</a:t>
-            </a:r>
-            <a:r>
-              <a:rPr lang="en-US" baseline="0" dirty="0" smtClean="0"/>
-              <a:t> </a:t>
-            </a:r>
-            <a:r>
-              <a:rPr lang="es-ES" baseline="0" noProof="0" dirty="0" smtClean="0"/>
-              <a:t>los</a:t>
-            </a:r>
-            <a:r>
-              <a:rPr lang="en-US" baseline="0" dirty="0" smtClean="0"/>
-              <a:t> motive a </a:t>
-            </a:r>
-            <a:r>
-              <a:rPr lang="en-US" baseline="0" dirty="0" err="1" smtClean="0"/>
-              <a:t>utilizar</a:t>
-            </a:r>
-            <a:r>
-              <a:rPr lang="en-US" baseline="0" dirty="0" smtClean="0"/>
-              <a:t> el </a:t>
-            </a:r>
-            <a:r>
-              <a:rPr lang="en-US" baseline="0" dirty="0" err="1" smtClean="0"/>
-              <a:t>producto</a:t>
-            </a:r>
-            <a:r>
-              <a:rPr lang="en-US" baseline="0" dirty="0" smtClean="0"/>
-              <a:t> con mayor </a:t>
-            </a:r>
-            <a:r>
-              <a:rPr lang="en-US" baseline="0" dirty="0" err="1" smtClean="0"/>
-              <a:t>frecuencia</a:t>
-            </a:r>
-            <a:r>
-              <a:rPr lang="en-US" baseline="0" dirty="0" smtClean="0"/>
-              <a:t> </a:t>
-            </a:r>
-            <a:r>
-              <a:rPr lang="en-US" baseline="0" dirty="0" err="1" smtClean="0"/>
-              <a:t>asi</a:t>
-            </a:r>
-            <a:r>
-              <a:rPr lang="en-US" baseline="0" dirty="0" smtClean="0"/>
-              <a:t> </a:t>
-            </a:r>
-            <a:r>
-              <a:rPr lang="en-US" baseline="0" dirty="0" err="1" smtClean="0"/>
-              <a:t>como</a:t>
-            </a:r>
-            <a:r>
-              <a:rPr lang="en-US" baseline="0" dirty="0" smtClean="0"/>
-              <a:t> </a:t>
-            </a:r>
-            <a:r>
-              <a:rPr lang="en-US" baseline="0" dirty="0" err="1" smtClean="0"/>
-              <a:t>recomendarlo</a:t>
-            </a:r>
-            <a:r>
-              <a:rPr lang="en-US" baseline="0" dirty="0" smtClean="0"/>
-              <a:t> y </a:t>
-            </a:r>
-            <a:r>
-              <a:rPr lang="en-US" baseline="0" dirty="0" err="1" smtClean="0"/>
-              <a:t>difundirlo</a:t>
-            </a:r>
-            <a:r>
-              <a:rPr lang="es-ES" baseline="0" dirty="0" smtClean="0"/>
-              <a:t>.</a:t>
-            </a:r>
-          </a:p>
-          <a:p>
-            <a:endParaRPr lang="en-US" baseline="0" dirty="0" smtClean="0"/>
-          </a:p>
-          <a:p>
-            <a:r>
-              <a:rPr lang="en-US" baseline="0" dirty="0" err="1" smtClean="0"/>
-              <a:t>Esta</a:t>
-            </a:r>
-            <a:r>
-              <a:rPr lang="en-US" baseline="0" dirty="0" smtClean="0"/>
-              <a:t> </a:t>
-            </a:r>
-            <a:r>
-              <a:rPr lang="en-US" baseline="0" dirty="0" err="1" smtClean="0"/>
-              <a:t>metodologia</a:t>
-            </a:r>
-            <a:r>
-              <a:rPr lang="en-US" baseline="0" dirty="0" smtClean="0"/>
-              <a:t> de </a:t>
-            </a:r>
-            <a:r>
-              <a:rPr lang="en-US" baseline="0" dirty="0" err="1" smtClean="0"/>
-              <a:t>colaboracion</a:t>
-            </a:r>
-            <a:r>
-              <a:rPr lang="en-US" baseline="0" dirty="0" smtClean="0"/>
-              <a:t>/</a:t>
-            </a:r>
-            <a:r>
-              <a:rPr lang="en-US" baseline="0" dirty="0" err="1" smtClean="0"/>
-              <a:t>beneficio</a:t>
-            </a:r>
-            <a:r>
-              <a:rPr lang="en-US" baseline="0" dirty="0" smtClean="0"/>
-              <a:t> se </a:t>
-            </a:r>
-            <a:r>
-              <a:rPr lang="en-US" baseline="0" dirty="0" err="1" smtClean="0"/>
-              <a:t>basa</a:t>
-            </a:r>
-            <a:r>
-              <a:rPr lang="en-US" baseline="0" dirty="0" smtClean="0"/>
-              <a:t> en lo </a:t>
-            </a:r>
-            <a:r>
-              <a:rPr lang="en-US" baseline="0" dirty="0" err="1" smtClean="0"/>
-              <a:t>siguiente</a:t>
-            </a:r>
-            <a:r>
-              <a:rPr lang="en-US" baseline="0" dirty="0" smtClean="0"/>
-              <a:t>: </a:t>
-            </a:r>
-            <a:r>
-              <a:rPr lang="en-US" baseline="0" dirty="0" err="1" smtClean="0"/>
-              <a:t>Tenemos</a:t>
-            </a:r>
-            <a:r>
-              <a:rPr lang="en-US" baseline="0" dirty="0" smtClean="0"/>
-              <a:t> </a:t>
-            </a:r>
-            <a:r>
-              <a:rPr lang="en-US" baseline="0" dirty="0" err="1" smtClean="0"/>
-              <a:t>pensado</a:t>
-            </a:r>
-            <a:r>
-              <a:rPr lang="en-US" baseline="0" dirty="0" smtClean="0"/>
-              <a:t> </a:t>
-            </a:r>
-            <a:r>
-              <a:rPr lang="en-US" baseline="0" dirty="0" err="1" smtClean="0"/>
-              <a:t>que</a:t>
-            </a:r>
-            <a:r>
-              <a:rPr lang="en-US" baseline="0" dirty="0" smtClean="0"/>
-              <a:t> al </a:t>
-            </a:r>
-            <a:r>
-              <a:rPr lang="en-US" baseline="0" dirty="0" err="1" smtClean="0"/>
-              <a:t>momento</a:t>
-            </a:r>
-            <a:r>
-              <a:rPr lang="en-US" baseline="0" dirty="0" smtClean="0"/>
-              <a:t> de </a:t>
-            </a:r>
-            <a:r>
-              <a:rPr lang="en-US" baseline="0" dirty="0" err="1" smtClean="0"/>
-              <a:t>lanzar</a:t>
-            </a:r>
-            <a:r>
-              <a:rPr lang="en-US" baseline="0" dirty="0" smtClean="0"/>
-              <a:t> el </a:t>
-            </a:r>
-            <a:r>
-              <a:rPr lang="en-US" baseline="0" dirty="0" err="1" smtClean="0"/>
-              <a:t>producto</a:t>
-            </a:r>
-            <a:r>
-              <a:rPr lang="en-US" baseline="0" dirty="0" smtClean="0"/>
-              <a:t>, se </a:t>
-            </a:r>
-            <a:r>
-              <a:rPr lang="en-US" baseline="0" dirty="0" err="1" smtClean="0"/>
-              <a:t>encuentren</a:t>
-            </a:r>
-            <a:r>
-              <a:rPr lang="en-US" baseline="0" dirty="0" smtClean="0"/>
-              <a:t> </a:t>
-            </a:r>
-            <a:r>
-              <a:rPr lang="en-US" baseline="0" dirty="0" err="1" smtClean="0"/>
-              <a:t>cargados</a:t>
-            </a:r>
-            <a:r>
-              <a:rPr lang="en-US" baseline="0" dirty="0" smtClean="0"/>
-              <a:t> </a:t>
-            </a:r>
-            <a:r>
-              <a:rPr lang="en-US" baseline="0" dirty="0" err="1" smtClean="0"/>
-              <a:t>diversos</a:t>
-            </a:r>
-            <a:r>
-              <a:rPr lang="en-US" baseline="0" dirty="0" smtClean="0"/>
-              <a:t> </a:t>
-            </a:r>
-            <a:r>
-              <a:rPr lang="en-US" baseline="0" dirty="0" err="1" smtClean="0"/>
-              <a:t>banios</a:t>
-            </a:r>
-            <a:r>
-              <a:rPr lang="en-US" baseline="0" dirty="0" smtClean="0"/>
-              <a:t> </a:t>
-            </a:r>
-            <a:r>
-              <a:rPr lang="en-US" baseline="0" dirty="0" err="1" smtClean="0"/>
-              <a:t>publicos</a:t>
-            </a:r>
-            <a:r>
-              <a:rPr lang="en-US" baseline="0" dirty="0" smtClean="0"/>
-              <a:t> de </a:t>
-            </a:r>
-            <a:r>
-              <a:rPr lang="en-US" baseline="0" dirty="0" err="1" smtClean="0"/>
-              <a:t>diferentes</a:t>
-            </a:r>
-            <a:r>
-              <a:rPr lang="en-US" baseline="0" dirty="0" smtClean="0"/>
-              <a:t> </a:t>
-            </a:r>
-            <a:r>
-              <a:rPr lang="en-US" baseline="0" dirty="0" err="1" smtClean="0"/>
-              <a:t>zonas</a:t>
-            </a:r>
-            <a:r>
-              <a:rPr lang="en-US" baseline="0" dirty="0" smtClean="0"/>
-              <a:t>. La idea </a:t>
-            </a:r>
-            <a:r>
-              <a:rPr lang="en-US" baseline="0" dirty="0" err="1" smtClean="0"/>
-              <a:t>es</a:t>
-            </a:r>
-            <a:r>
-              <a:rPr lang="en-US" baseline="0" dirty="0" smtClean="0"/>
-              <a:t> </a:t>
-            </a:r>
-            <a:r>
-              <a:rPr lang="en-US" baseline="0" dirty="0" err="1" smtClean="0"/>
-              <a:t>que</a:t>
-            </a:r>
-            <a:r>
-              <a:rPr lang="en-US" baseline="0" dirty="0" smtClean="0"/>
-              <a:t> los </a:t>
-            </a:r>
-            <a:r>
-              <a:rPr lang="en-US" baseline="0" dirty="0" err="1" smtClean="0"/>
-              <a:t>usuarios</a:t>
-            </a:r>
-            <a:r>
-              <a:rPr lang="en-US" baseline="0" dirty="0" smtClean="0"/>
-              <a:t> </a:t>
-            </a:r>
-            <a:r>
-              <a:rPr lang="en-US" baseline="0" dirty="0" err="1" smtClean="0"/>
-              <a:t>utilicen</a:t>
-            </a:r>
-            <a:r>
-              <a:rPr lang="en-US" baseline="0" dirty="0" smtClean="0"/>
-              <a:t> la </a:t>
-            </a:r>
-            <a:r>
-              <a:rPr lang="en-US" baseline="0" dirty="0" err="1" smtClean="0"/>
-              <a:t>funcionalidad</a:t>
-            </a:r>
-            <a:r>
-              <a:rPr lang="en-US" baseline="0" dirty="0" smtClean="0"/>
-              <a:t> de </a:t>
-            </a:r>
-            <a:r>
-              <a:rPr lang="en-US" baseline="0" dirty="0" err="1" smtClean="0"/>
-              <a:t>agregar</a:t>
-            </a:r>
-            <a:r>
-              <a:rPr lang="en-US" baseline="0" dirty="0" smtClean="0"/>
-              <a:t> </a:t>
-            </a:r>
-            <a:r>
-              <a:rPr lang="en-US" baseline="0" dirty="0" err="1" smtClean="0"/>
-              <a:t>banios</a:t>
-            </a:r>
-            <a:r>
-              <a:rPr lang="en-US" baseline="0" dirty="0" smtClean="0"/>
-              <a:t> </a:t>
-            </a:r>
-            <a:r>
-              <a:rPr lang="en-US" baseline="0" dirty="0" err="1" smtClean="0"/>
-              <a:t>nuevos</a:t>
-            </a:r>
-            <a:r>
-              <a:rPr lang="en-US" baseline="0" dirty="0" smtClean="0"/>
-              <a:t>, con lo </a:t>
-            </a:r>
-            <a:r>
-              <a:rPr lang="en-US" baseline="0" dirty="0" err="1" smtClean="0"/>
-              <a:t>cual</a:t>
-            </a:r>
-            <a:r>
-              <a:rPr lang="en-US" baseline="0" dirty="0" smtClean="0"/>
-              <a:t> se </a:t>
-            </a:r>
-            <a:r>
-              <a:rPr lang="en-US" baseline="0" dirty="0" err="1" smtClean="0"/>
-              <a:t>convierten</a:t>
-            </a:r>
-            <a:r>
-              <a:rPr lang="en-US" baseline="0" dirty="0" smtClean="0"/>
-              <a:t> </a:t>
-            </a:r>
-            <a:r>
-              <a:rPr lang="en-US" baseline="0" dirty="0" err="1" smtClean="0"/>
-              <a:t>automaticamente</a:t>
-            </a:r>
-            <a:r>
-              <a:rPr lang="en-US" baseline="0" dirty="0" smtClean="0"/>
-              <a:t> en </a:t>
-            </a:r>
-            <a:r>
-              <a:rPr lang="en-US" baseline="0" dirty="0" err="1" smtClean="0"/>
-              <a:t>colaboradores</a:t>
-            </a:r>
-            <a:r>
-              <a:rPr lang="en-US" baseline="0" dirty="0" smtClean="0"/>
-              <a:t> del </a:t>
-            </a:r>
-            <a:r>
-              <a:rPr lang="en-US" baseline="0" dirty="0" err="1" smtClean="0"/>
-              <a:t>producto</a:t>
-            </a:r>
-            <a:r>
-              <a:rPr lang="en-US" baseline="0" dirty="0" smtClean="0"/>
-              <a:t>. El </a:t>
-            </a:r>
-            <a:r>
-              <a:rPr lang="en-US" baseline="0" dirty="0" err="1" smtClean="0"/>
-              <a:t>agregar</a:t>
-            </a:r>
-            <a:r>
-              <a:rPr lang="en-US" baseline="0" dirty="0" smtClean="0"/>
-              <a:t> </a:t>
-            </a:r>
-            <a:r>
-              <a:rPr lang="en-US" baseline="0" dirty="0" err="1" smtClean="0"/>
-              <a:t>sanitarios</a:t>
-            </a:r>
-            <a:r>
-              <a:rPr lang="en-US" baseline="0" dirty="0" smtClean="0"/>
-              <a:t> </a:t>
-            </a:r>
-            <a:r>
-              <a:rPr lang="en-US" baseline="0" dirty="0" err="1" smtClean="0"/>
-              <a:t>actuara</a:t>
-            </a:r>
-            <a:r>
-              <a:rPr lang="en-US" baseline="0" dirty="0" smtClean="0"/>
-              <a:t> </a:t>
-            </a:r>
-            <a:r>
-              <a:rPr lang="en-US" baseline="0" dirty="0" err="1" smtClean="0"/>
-              <a:t>como</a:t>
-            </a:r>
-            <a:r>
-              <a:rPr lang="en-US" baseline="0" dirty="0" smtClean="0"/>
-              <a:t> un </a:t>
-            </a:r>
-            <a:r>
-              <a:rPr lang="en-US" baseline="0" dirty="0" err="1" smtClean="0"/>
-              <a:t>sistema</a:t>
-            </a:r>
-            <a:r>
-              <a:rPr lang="en-US" baseline="0" dirty="0" smtClean="0"/>
-              <a:t> de </a:t>
-            </a:r>
-            <a:r>
-              <a:rPr lang="en-US" baseline="0" dirty="0" err="1" smtClean="0"/>
-              <a:t>puntos</a:t>
-            </a:r>
-            <a:r>
-              <a:rPr lang="en-US" baseline="0" dirty="0" smtClean="0"/>
-              <a:t>, </a:t>
-            </a:r>
-            <a:r>
-              <a:rPr lang="en-US" baseline="0" dirty="0" err="1" smtClean="0"/>
-              <a:t>mediante</a:t>
-            </a:r>
-            <a:r>
-              <a:rPr lang="en-US" baseline="0" dirty="0" smtClean="0"/>
-              <a:t> el </a:t>
-            </a:r>
-            <a:r>
-              <a:rPr lang="en-US" baseline="0" dirty="0" err="1" smtClean="0"/>
-              <a:t>cual</a:t>
-            </a:r>
-            <a:r>
-              <a:rPr lang="en-US" baseline="0" dirty="0" smtClean="0"/>
-              <a:t> los </a:t>
-            </a:r>
-            <a:r>
-              <a:rPr lang="en-US" baseline="0" dirty="0" err="1" smtClean="0"/>
-              <a:t>usuarios</a:t>
-            </a:r>
-            <a:r>
-              <a:rPr lang="en-US" baseline="0" dirty="0" smtClean="0"/>
-              <a:t> </a:t>
-            </a:r>
-            <a:r>
-              <a:rPr lang="en-US" baseline="0" dirty="0" err="1" smtClean="0"/>
-              <a:t>podran</a:t>
-            </a:r>
-            <a:r>
-              <a:rPr lang="en-US" baseline="0" dirty="0" smtClean="0"/>
-              <a:t> </a:t>
-            </a:r>
-            <a:r>
-              <a:rPr lang="en-US" baseline="0" dirty="0" err="1" smtClean="0"/>
-              <a:t>acumularlos</a:t>
-            </a:r>
-            <a:r>
-              <a:rPr lang="en-US" baseline="0" dirty="0" smtClean="0"/>
-              <a:t> </a:t>
-            </a:r>
-            <a:r>
-              <a:rPr lang="en-US" baseline="0" dirty="0" err="1" smtClean="0"/>
-              <a:t>para</a:t>
-            </a:r>
-            <a:r>
-              <a:rPr lang="en-US" baseline="0" dirty="0" smtClean="0"/>
-              <a:t> </a:t>
-            </a:r>
-            <a:r>
-              <a:rPr lang="en-US" baseline="0" dirty="0" err="1" smtClean="0"/>
-              <a:t>canjearlos</a:t>
-            </a:r>
-            <a:r>
-              <a:rPr lang="en-US" baseline="0" dirty="0" smtClean="0"/>
-              <a:t> </a:t>
-            </a:r>
-            <a:r>
-              <a:rPr lang="en-US" baseline="0" dirty="0" err="1" smtClean="0"/>
-              <a:t>por</a:t>
-            </a:r>
-            <a:r>
-              <a:rPr lang="en-US" baseline="0" dirty="0" smtClean="0"/>
-              <a:t> packs </a:t>
-            </a:r>
-            <a:r>
-              <a:rPr lang="en-US" baseline="0" dirty="0" err="1" smtClean="0"/>
-              <a:t>promocionales</a:t>
-            </a:r>
-            <a:r>
-              <a:rPr lang="en-US" baseline="0" dirty="0" smtClean="0"/>
-              <a:t> </a:t>
-            </a:r>
-            <a:r>
-              <a:rPr lang="en-US" baseline="0" dirty="0" err="1" smtClean="0"/>
-              <a:t>como</a:t>
-            </a:r>
-            <a:r>
-              <a:rPr lang="en-US" baseline="0" dirty="0" smtClean="0"/>
-              <a:t> </a:t>
-            </a:r>
-            <a:r>
-              <a:rPr lang="en-US" baseline="0" dirty="0" err="1" smtClean="0"/>
-              <a:t>por</a:t>
-            </a:r>
-            <a:r>
-              <a:rPr lang="en-US" baseline="0" dirty="0" smtClean="0"/>
-              <a:t> </a:t>
-            </a:r>
-            <a:r>
-              <a:rPr lang="en-US" baseline="0" dirty="0" err="1" smtClean="0"/>
-              <a:t>ejemplo</a:t>
-            </a:r>
-            <a:r>
-              <a:rPr lang="en-US" baseline="0" dirty="0" smtClean="0"/>
-              <a:t> la </a:t>
-            </a:r>
-            <a:r>
-              <a:rPr lang="en-US" baseline="0" dirty="0" err="1" smtClean="0"/>
-              <a:t>aplicacion</a:t>
-            </a:r>
-            <a:r>
-              <a:rPr lang="en-US" baseline="0" dirty="0" smtClean="0"/>
-              <a:t> sin </a:t>
-            </a:r>
-            <a:r>
-              <a:rPr lang="en-US" baseline="0" dirty="0" err="1" smtClean="0"/>
-              <a:t>publicidad</a:t>
-            </a:r>
-            <a:r>
-              <a:rPr lang="en-US" baseline="0" dirty="0" smtClean="0"/>
-              <a:t>, o con </a:t>
-            </a:r>
-            <a:r>
-              <a:rPr lang="en-US" baseline="0" dirty="0" err="1" smtClean="0"/>
-              <a:t>caracteristicas</a:t>
-            </a:r>
-            <a:r>
-              <a:rPr lang="en-US" baseline="0" dirty="0" smtClean="0"/>
-              <a:t> </a:t>
-            </a:r>
-            <a:r>
-              <a:rPr lang="en-US" baseline="0" dirty="0" err="1" smtClean="0"/>
-              <a:t>especiales</a:t>
-            </a:r>
-            <a:r>
-              <a:rPr lang="en-US" baseline="0" dirty="0" smtClean="0"/>
-              <a:t> </a:t>
-            </a:r>
-            <a:r>
-              <a:rPr lang="en-US" baseline="0" dirty="0" err="1" smtClean="0"/>
-              <a:t>como</a:t>
-            </a:r>
-            <a:r>
-              <a:rPr lang="en-US" baseline="0" dirty="0" smtClean="0"/>
-              <a:t> la </a:t>
-            </a:r>
-            <a:r>
-              <a:rPr lang="en-US" baseline="0" dirty="0" err="1" smtClean="0"/>
-              <a:t>busqueda</a:t>
-            </a:r>
-            <a:r>
-              <a:rPr lang="en-US" baseline="0" dirty="0" smtClean="0"/>
-              <a:t> de </a:t>
-            </a:r>
-            <a:r>
-              <a:rPr lang="en-US" baseline="0" dirty="0" err="1" smtClean="0"/>
-              <a:t>sanitarios</a:t>
-            </a:r>
-            <a:r>
-              <a:rPr lang="en-US" baseline="0" dirty="0" smtClean="0"/>
-              <a:t> </a:t>
-            </a:r>
-            <a:r>
-              <a:rPr lang="en-US" baseline="0" dirty="0" err="1" smtClean="0"/>
-              <a:t>especificos</a:t>
-            </a:r>
-            <a:r>
-              <a:rPr lang="en-US" baseline="0" dirty="0" smtClean="0"/>
-              <a:t> no </a:t>
-            </a:r>
-            <a:r>
-              <a:rPr lang="en-US" baseline="0" dirty="0" err="1" smtClean="0"/>
-              <a:t>necesariamente</a:t>
-            </a:r>
-            <a:r>
-              <a:rPr lang="en-US" baseline="0" dirty="0" smtClean="0"/>
-              <a:t> </a:t>
-            </a:r>
-            <a:r>
-              <a:rPr lang="en-US" baseline="0" dirty="0" err="1" smtClean="0"/>
-              <a:t>cercanos</a:t>
-            </a:r>
-            <a:r>
-              <a:rPr lang="en-US" baseline="0" dirty="0" smtClean="0"/>
-              <a:t> al </a:t>
-            </a:r>
-            <a:r>
-              <a:rPr lang="en-US" baseline="0" dirty="0" err="1" smtClean="0"/>
-              <a:t>lugar</a:t>
-            </a:r>
-            <a:r>
-              <a:rPr lang="en-US" baseline="0" dirty="0" smtClean="0"/>
-              <a:t> </a:t>
-            </a:r>
-            <a:r>
-              <a:rPr lang="en-US" baseline="0" dirty="0" err="1" smtClean="0"/>
-              <a:t>donde</a:t>
-            </a:r>
-            <a:r>
-              <a:rPr lang="en-US" baseline="0" dirty="0" smtClean="0"/>
-              <a:t> se </a:t>
-            </a:r>
-            <a:r>
-              <a:rPr lang="en-US" baseline="0" dirty="0" err="1" smtClean="0"/>
-              <a:t>encuentran</a:t>
-            </a:r>
-            <a:r>
-              <a:rPr lang="en-US" baseline="0" dirty="0" smtClean="0"/>
-              <a:t>.</a:t>
-            </a:r>
-          </a:p>
-          <a:p>
-            <a:endParaRPr lang="en-US" baseline="0" dirty="0" smtClean="0"/>
-          </a:p>
-          <a:p>
-            <a:r>
-              <a:rPr lang="es-ES" baseline="0" noProof="0" dirty="0" err="1" smtClean="0"/>
-              <a:t>Asi</a:t>
-            </a:r>
-            <a:r>
-              <a:rPr lang="en-US" baseline="0" dirty="0" smtClean="0"/>
-              <a:t> </a:t>
-            </a:r>
-            <a:r>
-              <a:rPr lang="es-ES" baseline="0" noProof="0" dirty="0" smtClean="0"/>
-              <a:t>como</a:t>
-            </a:r>
-            <a:r>
-              <a:rPr lang="en-US" baseline="0" dirty="0" smtClean="0"/>
-              <a:t> </a:t>
-            </a:r>
-            <a:r>
-              <a:rPr lang="en-US" baseline="0" dirty="0" err="1" smtClean="0"/>
-              <a:t>agregar</a:t>
-            </a:r>
-            <a:r>
-              <a:rPr lang="en-US" baseline="0" dirty="0" smtClean="0"/>
-              <a:t> </a:t>
-            </a:r>
-            <a:r>
-              <a:rPr lang="en-US" baseline="0" dirty="0" err="1" smtClean="0"/>
-              <a:t>sanitarios</a:t>
-            </a:r>
-            <a:r>
-              <a:rPr lang="en-US" baseline="0" dirty="0" smtClean="0"/>
-              <a:t>, el </a:t>
-            </a:r>
-            <a:r>
-              <a:rPr lang="en-US" baseline="0" dirty="0" err="1" smtClean="0"/>
-              <a:t>compartir</a:t>
-            </a:r>
-            <a:r>
-              <a:rPr lang="en-US" baseline="0" dirty="0" smtClean="0"/>
-              <a:t> la </a:t>
-            </a:r>
-            <a:r>
-              <a:rPr lang="en-US" baseline="0" dirty="0" err="1" smtClean="0"/>
-              <a:t>aplicacion</a:t>
-            </a:r>
-            <a:r>
-              <a:rPr lang="en-US" baseline="0" dirty="0" smtClean="0"/>
-              <a:t> via </a:t>
-            </a:r>
-            <a:r>
-              <a:rPr lang="en-US" baseline="0" dirty="0" err="1" smtClean="0"/>
-              <a:t>redes</a:t>
-            </a:r>
-            <a:r>
-              <a:rPr lang="en-US" baseline="0" dirty="0" smtClean="0"/>
-              <a:t> </a:t>
-            </a:r>
-            <a:r>
-              <a:rPr lang="en-US" baseline="0" dirty="0" err="1" smtClean="0"/>
-              <a:t>sociales</a:t>
-            </a:r>
-            <a:r>
-              <a:rPr lang="en-US" baseline="0" dirty="0" smtClean="0"/>
-              <a:t> o </a:t>
-            </a:r>
-            <a:r>
-              <a:rPr lang="en-US" baseline="0" dirty="0" err="1" smtClean="0"/>
-              <a:t>calificarla</a:t>
-            </a:r>
-            <a:r>
-              <a:rPr lang="en-US" baseline="0" dirty="0" smtClean="0"/>
-              <a:t> en los </a:t>
-            </a:r>
-            <a:r>
-              <a:rPr lang="en-US" baseline="0" dirty="0" err="1" smtClean="0"/>
-              <a:t>distintos</a:t>
-            </a:r>
-            <a:r>
-              <a:rPr lang="en-US" baseline="0" dirty="0" smtClean="0"/>
-              <a:t> </a:t>
-            </a:r>
-            <a:r>
-              <a:rPr lang="en-US" baseline="0" dirty="0" err="1" smtClean="0"/>
-              <a:t>centros</a:t>
-            </a:r>
-            <a:r>
-              <a:rPr lang="en-US" baseline="0" dirty="0" smtClean="0"/>
-              <a:t> </a:t>
-            </a:r>
-            <a:r>
-              <a:rPr lang="en-US" baseline="0" dirty="0" err="1" smtClean="0"/>
-              <a:t>donde</a:t>
-            </a:r>
-            <a:r>
-              <a:rPr lang="en-US" baseline="0" dirty="0" smtClean="0"/>
-              <a:t> se la </a:t>
-            </a:r>
-            <a:r>
-              <a:rPr lang="en-US" baseline="0" dirty="0" err="1" smtClean="0"/>
-              <a:t>ofrezca</a:t>
-            </a:r>
-            <a:r>
-              <a:rPr lang="en-US" baseline="0" dirty="0" smtClean="0"/>
-              <a:t> </a:t>
-            </a:r>
-            <a:r>
-              <a:rPr lang="en-US" baseline="0" dirty="0" err="1" smtClean="0"/>
-              <a:t>tambien</a:t>
-            </a:r>
-            <a:r>
-              <a:rPr lang="en-US" baseline="0" dirty="0" smtClean="0"/>
-              <a:t> </a:t>
-            </a:r>
-            <a:r>
-              <a:rPr lang="en-US" baseline="0" dirty="0" err="1" smtClean="0"/>
-              <a:t>implica</a:t>
-            </a:r>
-            <a:r>
-              <a:rPr lang="en-US" baseline="0" dirty="0" smtClean="0"/>
-              <a:t> el </a:t>
-            </a:r>
-            <a:r>
-              <a:rPr lang="en-US" baseline="0" dirty="0" err="1" smtClean="0"/>
-              <a:t>beneficio</a:t>
-            </a:r>
-            <a:r>
-              <a:rPr lang="en-US" baseline="0" dirty="0" smtClean="0"/>
-              <a:t> de </a:t>
-            </a:r>
-            <a:r>
-              <a:rPr lang="en-US" baseline="0" dirty="0" err="1" smtClean="0"/>
-              <a:t>acumulacion</a:t>
-            </a:r>
-            <a:r>
-              <a:rPr lang="en-US" baseline="0" dirty="0" smtClean="0"/>
-              <a:t> de </a:t>
-            </a:r>
-            <a:r>
-              <a:rPr lang="en-US" baseline="0" dirty="0" err="1" smtClean="0"/>
-              <a:t>puntos</a:t>
-            </a:r>
-            <a:r>
-              <a:rPr lang="en-US" baseline="0" dirty="0" smtClean="0"/>
-              <a:t> </a:t>
-            </a:r>
-            <a:r>
-              <a:rPr lang="en-US" baseline="0" dirty="0" err="1" smtClean="0"/>
-              <a:t>para</a:t>
-            </a:r>
-            <a:r>
-              <a:rPr lang="en-US" baseline="0" dirty="0" smtClean="0"/>
-              <a:t> </a:t>
-            </a:r>
-            <a:r>
-              <a:rPr lang="en-US" baseline="0" dirty="0" err="1" smtClean="0"/>
-              <a:t>su</a:t>
-            </a:r>
-            <a:r>
-              <a:rPr lang="en-US" baseline="0" dirty="0" smtClean="0"/>
-              <a:t> posterior </a:t>
-            </a:r>
-            <a:r>
-              <a:rPr lang="en-US" baseline="0" dirty="0" err="1" smtClean="0"/>
-              <a:t>canejo</a:t>
-            </a:r>
-            <a:r>
-              <a:rPr lang="en-US" baseline="0" dirty="0" smtClean="0"/>
-              <a:t>.</a:t>
-            </a:r>
-          </a:p>
-          <a:p>
-            <a:endParaRPr lang="en-US" baseline="0" dirty="0" smtClean="0"/>
-          </a:p>
-          <a:p>
-            <a:r>
-              <a:rPr lang="en-US" baseline="0" dirty="0" smtClean="0"/>
-              <a:t>Este </a:t>
-            </a:r>
-            <a:r>
-              <a:rPr lang="en-US" baseline="0" dirty="0" err="1" smtClean="0"/>
-              <a:t>sistema</a:t>
-            </a:r>
-            <a:r>
-              <a:rPr lang="en-US" baseline="0" dirty="0" smtClean="0"/>
-              <a:t> de </a:t>
-            </a:r>
-            <a:r>
-              <a:rPr lang="en-US" baseline="0" dirty="0" err="1" smtClean="0"/>
-              <a:t>motivacion</a:t>
-            </a:r>
-            <a:r>
-              <a:rPr lang="en-US" baseline="0" dirty="0" smtClean="0"/>
-              <a:t> </a:t>
-            </a:r>
-            <a:r>
-              <a:rPr lang="en-US" baseline="0" dirty="0" err="1" smtClean="0"/>
-              <a:t>logra</a:t>
-            </a:r>
-            <a:r>
-              <a:rPr lang="en-US" baseline="0" dirty="0" smtClean="0"/>
-              <a:t> </a:t>
-            </a:r>
-            <a:r>
-              <a:rPr lang="en-US" baseline="0" dirty="0" err="1" smtClean="0"/>
-              <a:t>expandir</a:t>
-            </a:r>
-            <a:r>
-              <a:rPr lang="en-US" baseline="0" dirty="0" smtClean="0"/>
-              <a:t> el </a:t>
-            </a:r>
-            <a:r>
-              <a:rPr lang="en-US" baseline="0" dirty="0" err="1" smtClean="0"/>
-              <a:t>producto</a:t>
-            </a:r>
-            <a:r>
-              <a:rPr lang="en-US" baseline="0" dirty="0" smtClean="0"/>
-              <a:t> en el </a:t>
-            </a:r>
-            <a:r>
-              <a:rPr lang="en-US" baseline="0" dirty="0" err="1" smtClean="0"/>
-              <a:t>aspecto</a:t>
-            </a:r>
-            <a:r>
-              <a:rPr lang="en-US" baseline="0" dirty="0" smtClean="0"/>
-              <a:t> de </a:t>
-            </a:r>
-            <a:r>
-              <a:rPr lang="en-US" baseline="0" dirty="0" err="1" smtClean="0"/>
-              <a:t>cantidad</a:t>
-            </a:r>
-            <a:r>
-              <a:rPr lang="en-US" baseline="0" dirty="0" smtClean="0"/>
-              <a:t> de </a:t>
-            </a:r>
-            <a:r>
-              <a:rPr lang="en-US" baseline="0" dirty="0" err="1" smtClean="0"/>
-              <a:t>sanitarios</a:t>
-            </a:r>
-            <a:r>
-              <a:rPr lang="en-US" baseline="0" dirty="0" smtClean="0"/>
-              <a:t> </a:t>
-            </a:r>
-            <a:r>
-              <a:rPr lang="en-US" baseline="0" dirty="0" err="1" smtClean="0"/>
-              <a:t>disponibles</a:t>
-            </a:r>
-            <a:r>
-              <a:rPr lang="en-US" baseline="0" dirty="0" smtClean="0"/>
-              <a:t>, </a:t>
-            </a:r>
-            <a:r>
-              <a:rPr lang="en-US" baseline="0" dirty="0" err="1" smtClean="0"/>
-              <a:t>difundirlo</a:t>
-            </a:r>
-            <a:r>
-              <a:rPr lang="en-US" baseline="0" dirty="0" smtClean="0"/>
-              <a:t> de </a:t>
-            </a:r>
-            <a:r>
-              <a:rPr lang="en-US" baseline="0" dirty="0" err="1" smtClean="0"/>
-              <a:t>manera</a:t>
-            </a:r>
-            <a:r>
-              <a:rPr lang="en-US" baseline="0" dirty="0" smtClean="0"/>
-              <a:t> viral (via </a:t>
-            </a:r>
-            <a:r>
-              <a:rPr lang="en-US" baseline="0" dirty="0" err="1" smtClean="0"/>
-              <a:t>redes</a:t>
-            </a:r>
-            <a:r>
-              <a:rPr lang="en-US" baseline="0" dirty="0" smtClean="0"/>
-              <a:t> </a:t>
-            </a:r>
-            <a:r>
-              <a:rPr lang="en-US" baseline="0" dirty="0" err="1" smtClean="0"/>
-              <a:t>sociales</a:t>
-            </a:r>
-            <a:r>
-              <a:rPr lang="en-US" baseline="0" dirty="0" smtClean="0"/>
-              <a:t>) y </a:t>
-            </a:r>
-            <a:r>
-              <a:rPr lang="en-US" baseline="0" dirty="0" err="1" smtClean="0"/>
-              <a:t>mantiene</a:t>
-            </a:r>
-            <a:r>
-              <a:rPr lang="en-US" baseline="0" dirty="0" smtClean="0"/>
-              <a:t> a los </a:t>
-            </a:r>
-            <a:r>
-              <a:rPr lang="en-US" baseline="0" dirty="0" err="1" smtClean="0"/>
-              <a:t>usuarios</a:t>
-            </a:r>
-            <a:r>
-              <a:rPr lang="en-US" baseline="0" dirty="0" smtClean="0"/>
-              <a:t> </a:t>
-            </a:r>
-            <a:r>
-              <a:rPr lang="en-US" baseline="0" dirty="0" err="1" smtClean="0"/>
-              <a:t>involucrados</a:t>
-            </a:r>
-            <a:r>
-              <a:rPr lang="en-US" baseline="0" dirty="0" smtClean="0"/>
-              <a:t> con la </a:t>
-            </a:r>
-            <a:r>
-              <a:rPr lang="en-US" baseline="0" dirty="0" err="1" smtClean="0"/>
-              <a:t>aplicacion</a:t>
-            </a:r>
-            <a:r>
-              <a:rPr lang="en-US" baseline="0" dirty="0" smtClean="0"/>
-              <a:t> </a:t>
-            </a:r>
-            <a:r>
-              <a:rPr lang="en-US" baseline="0" dirty="0" err="1" smtClean="0"/>
-              <a:t>haciendoles</a:t>
-            </a:r>
-            <a:r>
-              <a:rPr lang="en-US" baseline="0" dirty="0" smtClean="0"/>
-              <a:t> </a:t>
-            </a:r>
-            <a:r>
-              <a:rPr lang="en-US" baseline="0" dirty="0" err="1" smtClean="0"/>
-              <a:t>sentir</a:t>
-            </a:r>
-            <a:r>
-              <a:rPr lang="en-US" baseline="0" dirty="0" smtClean="0"/>
-              <a:t> </a:t>
-            </a:r>
-            <a:r>
-              <a:rPr lang="en-US" baseline="0" dirty="0" err="1" smtClean="0"/>
-              <a:t>que</a:t>
-            </a:r>
-            <a:r>
-              <a:rPr lang="en-US" baseline="0" dirty="0" smtClean="0"/>
-              <a:t> son parte del </a:t>
-            </a:r>
-            <a:r>
-              <a:rPr lang="en-US" baseline="0" dirty="0" err="1" smtClean="0"/>
-              <a:t>desarrollo</a:t>
-            </a:r>
-            <a:r>
-              <a:rPr lang="en-US" baseline="0" dirty="0" smtClean="0"/>
-              <a:t> de la </a:t>
-            </a:r>
-            <a:r>
-              <a:rPr lang="en-US" baseline="0" dirty="0" err="1" smtClean="0"/>
-              <a:t>misma</a:t>
-            </a:r>
-            <a:r>
-              <a:rPr lang="en-US" baseline="0" dirty="0" smtClean="0"/>
-              <a:t>.</a:t>
-            </a:r>
+              <a:rPr lang="es-AR" dirty="0" smtClean="0"/>
+              <a:t>La aplicación que proponemos permite contar con todas estas prestaciones que mostramos.</a:t>
+            </a:r>
+          </a:p>
+          <a:p>
+            <a:r>
+              <a:rPr lang="es-AR" dirty="0" smtClean="0"/>
+              <a:t>Tendremos</a:t>
+            </a:r>
+            <a:r>
+              <a:rPr lang="es-AR" baseline="0" dirty="0" smtClean="0"/>
+              <a:t> en principio dos tipos de versiones para la aplicación.</a:t>
+            </a:r>
+          </a:p>
+          <a:p>
+            <a:r>
+              <a:rPr lang="es-AR" baseline="0" dirty="0" smtClean="0"/>
+              <a:t>Una versión gratuita que cuenta con todos estos servicios, es decir un usuario entrará al </a:t>
+            </a:r>
+            <a:r>
+              <a:rPr lang="es-AR" baseline="0" dirty="0" err="1" smtClean="0"/>
+              <a:t>market</a:t>
+            </a:r>
+            <a:r>
+              <a:rPr lang="es-AR" baseline="0" dirty="0" smtClean="0"/>
+              <a:t> y podrá descargarse sin costo alguno la </a:t>
+            </a:r>
+            <a:r>
+              <a:rPr lang="es-AR" baseline="0" dirty="0" err="1" smtClean="0"/>
+              <a:t>apicación</a:t>
+            </a:r>
+            <a:r>
+              <a:rPr lang="es-AR" baseline="0" dirty="0" smtClean="0"/>
+              <a:t> para comenzar a usarla, y la versión paga que por supuesto tiene todas las prestaciones de la aplicación gratuita más la posibilidad de ver y agregar fotos de los baños y por otro lado es una versión que está libre de publicidad. El costo de la descarga como vemos es de un dólar.</a:t>
+            </a:r>
+          </a:p>
+          <a:p>
+            <a:r>
+              <a:rPr lang="es-AR" baseline="0" dirty="0" smtClean="0"/>
+              <a:t>Y </a:t>
+            </a:r>
+            <a:r>
+              <a:rPr lang="es-AR" baseline="0" dirty="0" err="1" smtClean="0"/>
+              <a:t>tengase</a:t>
+            </a:r>
+            <a:r>
+              <a:rPr lang="es-AR" baseline="0" dirty="0" smtClean="0"/>
+              <a:t> en cuenta que la versión free tiene la posibilidad de actualizarse a la </a:t>
+            </a:r>
+            <a:r>
+              <a:rPr lang="es-AR" baseline="0" smtClean="0"/>
+              <a:t>versión paga.</a:t>
+            </a:r>
+            <a:endParaRPr lang="es-AR" dirty="0"/>
           </a:p>
         </p:txBody>
       </p:sp>
       <p:sp>
         <p:nvSpPr>
-          <p:cNvPr id="4" name="3 Marcador de número de diapositiva"/>
+          <p:cNvPr id="4" name="Slide Number Placeholder 3"/>
           <p:cNvSpPr>
             <a:spLocks noGrp="1"/>
           </p:cNvSpPr>
@@ -7533,6 +6531,11 @@
         </p:txBody>
       </p:sp>
     </p:spTree>
+    <p:extLst>
+      <p:ext uri="{BB962C8B-B14F-4D97-AF65-F5344CB8AC3E}">
+        <p14:creationId xmlns:p14="http://schemas.microsoft.com/office/powerpoint/2010/main" val="685780543"/>
+      </p:ext>
+    </p:extLst>
   </p:cSld>
   <p:clrMapOvr>
     <a:masterClrMapping/>
@@ -7587,6 +6590,221 @@
           <a:lstStyle/>
           <a:p>
             <a:r>
+              <a:rPr lang="en-US" dirty="0" smtClean="0"/>
+              <a:t>Las </a:t>
+            </a:r>
+            <a:r>
+              <a:rPr lang="en-US" dirty="0" err="1" smtClean="0"/>
+              <a:t>cuestiones</a:t>
+            </a:r>
+            <a:r>
+              <a:rPr lang="en-US" dirty="0" smtClean="0"/>
+              <a:t> finales</a:t>
+            </a:r>
+            <a:r>
+              <a:rPr lang="en-US" baseline="0" dirty="0" smtClean="0"/>
+              <a:t> a </a:t>
+            </a:r>
+            <a:r>
+              <a:rPr lang="en-US" baseline="0" dirty="0" err="1" smtClean="0"/>
+              <a:t>considerar</a:t>
+            </a:r>
+            <a:r>
+              <a:rPr lang="en-US" baseline="0" dirty="0" smtClean="0"/>
+              <a:t> son: </a:t>
+            </a:r>
+            <a:r>
+              <a:rPr lang="en-US" baseline="0" dirty="0" err="1" smtClean="0"/>
+              <a:t>como</a:t>
+            </a:r>
+            <a:r>
+              <a:rPr lang="en-US" baseline="0" dirty="0" smtClean="0"/>
+              <a:t> </a:t>
+            </a:r>
+            <a:r>
+              <a:rPr lang="en-US" baseline="0" dirty="0" err="1" smtClean="0"/>
+              <a:t>expandimos</a:t>
+            </a:r>
+            <a:r>
+              <a:rPr lang="en-US" baseline="0" dirty="0" smtClean="0"/>
+              <a:t> el </a:t>
+            </a:r>
+            <a:r>
+              <a:rPr lang="en-US" baseline="0" dirty="0" err="1" smtClean="0"/>
+              <a:t>producto</a:t>
+            </a:r>
+            <a:r>
+              <a:rPr lang="en-US" baseline="0" dirty="0" smtClean="0"/>
+              <a:t>? Como lo </a:t>
+            </a:r>
+            <a:r>
+              <a:rPr lang="en-US" baseline="0" dirty="0" err="1" smtClean="0"/>
+              <a:t>difundimos</a:t>
+            </a:r>
+            <a:r>
+              <a:rPr lang="en-US" baseline="0" dirty="0" smtClean="0"/>
+              <a:t>? Como </a:t>
+            </a:r>
+            <a:r>
+              <a:rPr lang="en-US" baseline="0" dirty="0" err="1" smtClean="0"/>
+              <a:t>logramos</a:t>
+            </a:r>
+            <a:r>
+              <a:rPr lang="en-US" baseline="0" dirty="0" smtClean="0"/>
+              <a:t> </a:t>
+            </a:r>
+            <a:r>
+              <a:rPr lang="en-US" baseline="0" dirty="0" err="1" smtClean="0"/>
+              <a:t>que</a:t>
+            </a:r>
+            <a:r>
+              <a:rPr lang="en-US" baseline="0" dirty="0" smtClean="0"/>
+              <a:t> sea </a:t>
+            </a:r>
+            <a:r>
+              <a:rPr lang="en-US" baseline="0" dirty="0" err="1" smtClean="0"/>
+              <a:t>aceptado</a:t>
+            </a:r>
+            <a:r>
+              <a:rPr lang="en-US" baseline="0" dirty="0" smtClean="0"/>
+              <a:t> y </a:t>
+            </a:r>
+            <a:r>
+              <a:rPr lang="en-US" baseline="0" dirty="0" err="1" smtClean="0"/>
+              <a:t>necesitado</a:t>
+            </a:r>
+            <a:r>
+              <a:rPr lang="en-US" baseline="0" dirty="0" smtClean="0"/>
+              <a:t> </a:t>
+            </a:r>
+            <a:r>
+              <a:rPr lang="en-US" baseline="0" dirty="0" err="1" smtClean="0"/>
+              <a:t>por</a:t>
+            </a:r>
+            <a:r>
+              <a:rPr lang="en-US" baseline="0" dirty="0" smtClean="0"/>
+              <a:t> </a:t>
+            </a:r>
+            <a:r>
+              <a:rPr lang="en-US" baseline="0" dirty="0" err="1" smtClean="0"/>
+              <a:t>las</a:t>
+            </a:r>
+            <a:r>
+              <a:rPr lang="en-US" baseline="0" dirty="0" smtClean="0"/>
+              <a:t> personas?</a:t>
+            </a:r>
+          </a:p>
+          <a:p>
+            <a:endParaRPr lang="en-US" baseline="0" dirty="0" smtClean="0"/>
+          </a:p>
+          <a:p>
+            <a:r>
+              <a:rPr lang="en-US" baseline="0" dirty="0" err="1" smtClean="0"/>
+              <a:t>Hemos</a:t>
+            </a:r>
+            <a:r>
+              <a:rPr lang="en-US" baseline="0" dirty="0" smtClean="0"/>
+              <a:t> </a:t>
+            </a:r>
+            <a:r>
+              <a:rPr lang="en-US" baseline="0" dirty="0" err="1" smtClean="0"/>
+              <a:t>desarrollado</a:t>
+            </a:r>
+            <a:r>
+              <a:rPr lang="en-US" baseline="0" dirty="0" smtClean="0"/>
+              <a:t> </a:t>
+            </a:r>
+            <a:r>
+              <a:rPr lang="en-US" baseline="0" dirty="0" err="1" smtClean="0"/>
+              <a:t>una</a:t>
+            </a:r>
+            <a:r>
+              <a:rPr lang="en-US" baseline="0" dirty="0" smtClean="0"/>
+              <a:t> </a:t>
+            </a:r>
+            <a:r>
+              <a:rPr lang="en-US" baseline="0" dirty="0" err="1" smtClean="0"/>
+              <a:t>estrategia</a:t>
+            </a:r>
+            <a:r>
+              <a:rPr lang="en-US" baseline="0" dirty="0" smtClean="0"/>
+              <a:t> </a:t>
+            </a:r>
+            <a:r>
+              <a:rPr lang="en-US" baseline="0" dirty="0" err="1" smtClean="0"/>
+              <a:t>que</a:t>
+            </a:r>
+            <a:r>
+              <a:rPr lang="en-US" baseline="0" dirty="0" smtClean="0"/>
+              <a:t> </a:t>
+            </a:r>
+            <a:r>
+              <a:rPr lang="en-US" baseline="0" dirty="0" err="1" smtClean="0"/>
+              <a:t>consideramos</a:t>
+            </a:r>
+            <a:r>
+              <a:rPr lang="en-US" baseline="0" dirty="0" smtClean="0"/>
+              <a:t> </a:t>
+            </a:r>
+            <a:r>
+              <a:rPr lang="en-US" baseline="0" dirty="0" err="1" smtClean="0"/>
+              <a:t>que</a:t>
+            </a:r>
+            <a:r>
+              <a:rPr lang="en-US" baseline="0" dirty="0" smtClean="0"/>
+              <a:t> </a:t>
+            </a:r>
+            <a:r>
+              <a:rPr lang="en-US" baseline="0" dirty="0" err="1" smtClean="0"/>
+              <a:t>lograra</a:t>
+            </a:r>
+            <a:r>
+              <a:rPr lang="en-US" baseline="0" dirty="0" smtClean="0"/>
+              <a:t> </a:t>
+            </a:r>
+            <a:r>
+              <a:rPr lang="en-US" baseline="0" dirty="0" err="1" smtClean="0"/>
+              <a:t>cubrir</a:t>
+            </a:r>
+            <a:r>
+              <a:rPr lang="en-US" baseline="0" dirty="0" smtClean="0"/>
+              <a:t> </a:t>
+            </a:r>
+            <a:r>
+              <a:rPr lang="en-US" baseline="0" dirty="0" err="1" smtClean="0"/>
+              <a:t>estos</a:t>
+            </a:r>
+            <a:r>
+              <a:rPr lang="en-US" baseline="0" dirty="0" smtClean="0"/>
+              <a:t> </a:t>
+            </a:r>
+            <a:r>
+              <a:rPr lang="en-US" baseline="0" dirty="0" err="1" smtClean="0"/>
+              <a:t>aspectos</a:t>
+            </a:r>
+            <a:r>
+              <a:rPr lang="en-US" baseline="0" dirty="0" smtClean="0"/>
+              <a:t> de </a:t>
+            </a:r>
+            <a:r>
+              <a:rPr lang="en-US" baseline="0" dirty="0" err="1" smtClean="0"/>
+              <a:t>manera</a:t>
+            </a:r>
+            <a:r>
+              <a:rPr lang="en-US" baseline="0" dirty="0" smtClean="0"/>
+              <a:t> </a:t>
+            </a:r>
+            <a:r>
+              <a:rPr lang="en-US" baseline="0" dirty="0" err="1" smtClean="0"/>
+              <a:t>exitosa</a:t>
+            </a:r>
+            <a:r>
+              <a:rPr lang="en-US" baseline="0" dirty="0" smtClean="0"/>
+              <a:t>. </a:t>
+            </a:r>
+          </a:p>
+          <a:p>
+            <a:r>
               <a:rPr lang="en-US" baseline="0" dirty="0" err="1" smtClean="0"/>
               <a:t>Nos</a:t>
             </a:r>
@@ -7596,7 +6814,63 @@
             </a:r>
             <a:r>
               <a:rPr lang="en-US" baseline="0" dirty="0" err="1" smtClean="0"/>
-              <a:t>queda</a:t>
+              <a:t>proponemos</a:t>
+            </a:r>
+            <a:r>
+              <a:rPr lang="en-US" baseline="0" dirty="0" smtClean="0"/>
+              <a:t> a </a:t>
+            </a:r>
+            <a:r>
+              <a:rPr lang="en-US" baseline="0" dirty="0" err="1" smtClean="0"/>
+              <a:t>utilizar</a:t>
+            </a:r>
+            <a:r>
+              <a:rPr lang="en-US" baseline="0" dirty="0" smtClean="0"/>
+              <a:t> un </a:t>
+            </a:r>
+            <a:r>
+              <a:rPr lang="en-US" baseline="0" dirty="0" err="1" smtClean="0"/>
+              <a:t>mecanismo</a:t>
+            </a:r>
+            <a:r>
+              <a:rPr lang="en-US" baseline="0" dirty="0" smtClean="0"/>
+              <a:t> de </a:t>
+            </a:r>
+            <a:r>
+              <a:rPr lang="en-US" baseline="0" dirty="0" err="1" smtClean="0"/>
+              <a:t>colaboracion</a:t>
+            </a:r>
+            <a:r>
+              <a:rPr lang="en-US" baseline="0" dirty="0" smtClean="0"/>
+              <a:t>/</a:t>
+            </a:r>
+            <a:r>
+              <a:rPr lang="en-US" baseline="0" dirty="0" err="1" smtClean="0"/>
+              <a:t>beneficio</a:t>
+            </a:r>
+            <a:r>
+              <a:rPr lang="en-US" baseline="0" dirty="0" smtClean="0"/>
+              <a:t> con los </a:t>
+            </a:r>
+            <a:r>
+              <a:rPr lang="en-US" baseline="0" dirty="0" err="1" smtClean="0"/>
+              <a:t>usuarios</a:t>
+            </a:r>
+            <a:r>
+              <a:rPr lang="en-US" baseline="0" dirty="0" smtClean="0"/>
+              <a:t> de la </a:t>
+            </a:r>
+            <a:r>
+              <a:rPr lang="en-US" baseline="0" dirty="0" err="1" smtClean="0"/>
+              <a:t>aplicacion</a:t>
+            </a:r>
+            <a:r>
+              <a:rPr lang="en-US" baseline="0" dirty="0" smtClean="0"/>
+              <a:t>, </a:t>
+            </a:r>
+            <a:r>
+              <a:rPr lang="en-US" baseline="0" dirty="0" err="1" smtClean="0"/>
+              <a:t>tal</a:t>
             </a:r>
             <a:r>
               <a:rPr lang="en-US" baseline="0" dirty="0" smtClean="0"/>
@@ -7604,15 +6878,460 @@
             </a:r>
             <a:r>
               <a:rPr lang="en-US" baseline="0" dirty="0" err="1" smtClean="0"/>
+              <a:t>que</a:t>
+            </a:r>
+            <a:r>
+              <a:rPr lang="en-US" baseline="0" dirty="0" smtClean="0"/>
+              <a:t> </a:t>
+            </a:r>
+            <a:r>
+              <a:rPr lang="es-ES" baseline="0" noProof="0" dirty="0" smtClean="0"/>
+              <a:t>los</a:t>
+            </a:r>
+            <a:r>
+              <a:rPr lang="en-US" baseline="0" dirty="0" smtClean="0"/>
+              <a:t> motive a </a:t>
+            </a:r>
+            <a:r>
+              <a:rPr lang="en-US" baseline="0" dirty="0" err="1" smtClean="0"/>
+              <a:t>utilizar</a:t>
+            </a:r>
+            <a:r>
+              <a:rPr lang="en-US" baseline="0" dirty="0" smtClean="0"/>
+              <a:t> el </a:t>
+            </a:r>
+            <a:r>
+              <a:rPr lang="en-US" baseline="0" dirty="0" err="1" smtClean="0"/>
+              <a:t>producto</a:t>
+            </a:r>
+            <a:r>
+              <a:rPr lang="en-US" baseline="0" dirty="0" smtClean="0"/>
+              <a:t> con mayor </a:t>
+            </a:r>
+            <a:r>
+              <a:rPr lang="en-US" baseline="0" dirty="0" err="1" smtClean="0"/>
+              <a:t>frecuencia</a:t>
+            </a:r>
+            <a:r>
+              <a:rPr lang="en-US" baseline="0" dirty="0" smtClean="0"/>
+              <a:t> </a:t>
+            </a:r>
+            <a:r>
+              <a:rPr lang="en-US" baseline="0" dirty="0" err="1" smtClean="0"/>
+              <a:t>asi</a:t>
+            </a:r>
+            <a:r>
+              <a:rPr lang="en-US" baseline="0" dirty="0" smtClean="0"/>
+              <a:t> </a:t>
+            </a:r>
+            <a:r>
+              <a:rPr lang="en-US" baseline="0" dirty="0" err="1" smtClean="0"/>
+              <a:t>como</a:t>
+            </a:r>
+            <a:r>
+              <a:rPr lang="en-US" baseline="0" dirty="0" smtClean="0"/>
+              <a:t> </a:t>
+            </a:r>
+            <a:r>
+              <a:rPr lang="en-US" baseline="0" dirty="0" err="1" smtClean="0"/>
+              <a:t>recomendarlo</a:t>
+            </a:r>
+            <a:r>
+              <a:rPr lang="en-US" baseline="0" dirty="0" smtClean="0"/>
+              <a:t> y </a:t>
+            </a:r>
+            <a:r>
+              <a:rPr lang="en-US" baseline="0" dirty="0" err="1" smtClean="0"/>
+              <a:t>difundirlo</a:t>
+            </a:r>
+            <a:r>
+              <a:rPr lang="es-ES" baseline="0" dirty="0" smtClean="0"/>
+              <a:t>.</a:t>
+            </a:r>
+          </a:p>
+          <a:p>
+            <a:endParaRPr lang="en-US" baseline="0" dirty="0" smtClean="0"/>
+          </a:p>
+          <a:p>
+            <a:r>
+              <a:rPr lang="en-US" baseline="0" dirty="0" err="1" smtClean="0"/>
+              <a:t>Esta</a:t>
+            </a:r>
+            <a:r>
+              <a:rPr lang="en-US" baseline="0" dirty="0" smtClean="0"/>
+              <a:t> </a:t>
+            </a:r>
+            <a:r>
+              <a:rPr lang="en-US" baseline="0" dirty="0" err="1" smtClean="0"/>
+              <a:t>metodologia</a:t>
+            </a:r>
+            <a:r>
+              <a:rPr lang="en-US" baseline="0" dirty="0" smtClean="0"/>
+              <a:t> de </a:t>
+            </a:r>
+            <a:r>
+              <a:rPr lang="en-US" baseline="0" dirty="0" err="1" smtClean="0"/>
+              <a:t>colaboracion</a:t>
+            </a:r>
+            <a:r>
+              <a:rPr lang="en-US" baseline="0" dirty="0" smtClean="0"/>
+              <a:t>/</a:t>
+            </a:r>
+            <a:r>
+              <a:rPr lang="en-US" baseline="0" dirty="0" err="1" smtClean="0"/>
+              <a:t>beneficio</a:t>
+            </a:r>
+            <a:r>
+              <a:rPr lang="en-US" baseline="0" dirty="0" smtClean="0"/>
+              <a:t> se </a:t>
+            </a:r>
+            <a:r>
+              <a:rPr lang="en-US" baseline="0" dirty="0" err="1" smtClean="0"/>
+              <a:t>basa</a:t>
+            </a:r>
+            <a:r>
+              <a:rPr lang="en-US" baseline="0" dirty="0" smtClean="0"/>
+              <a:t> en lo </a:t>
+            </a:r>
+            <a:r>
+              <a:rPr lang="en-US" baseline="0" dirty="0" err="1" smtClean="0"/>
+              <a:t>siguiente</a:t>
+            </a:r>
+            <a:r>
+              <a:rPr lang="en-US" baseline="0" dirty="0" smtClean="0"/>
+              <a:t>: </a:t>
+            </a:r>
+            <a:r>
+              <a:rPr lang="en-US" baseline="0" dirty="0" err="1" smtClean="0"/>
+              <a:t>Tenemos</a:t>
+            </a:r>
+            <a:r>
+              <a:rPr lang="en-US" baseline="0" dirty="0" smtClean="0"/>
+              <a:t> </a:t>
+            </a:r>
+            <a:r>
+              <a:rPr lang="en-US" baseline="0" dirty="0" err="1" smtClean="0"/>
+              <a:t>pensado</a:t>
+            </a:r>
+            <a:r>
+              <a:rPr lang="en-US" baseline="0" dirty="0" smtClean="0"/>
+              <a:t> </a:t>
+            </a:r>
+            <a:r>
+              <a:rPr lang="en-US" baseline="0" dirty="0" err="1" smtClean="0"/>
+              <a:t>que</a:t>
+            </a:r>
+            <a:r>
+              <a:rPr lang="en-US" baseline="0" dirty="0" smtClean="0"/>
+              <a:t> al </a:t>
+            </a:r>
+            <a:r>
+              <a:rPr lang="en-US" baseline="0" dirty="0" err="1" smtClean="0"/>
+              <a:t>momento</a:t>
+            </a:r>
+            <a:r>
+              <a:rPr lang="en-US" baseline="0" dirty="0" smtClean="0"/>
+              <a:t> de </a:t>
+            </a:r>
+            <a:r>
+              <a:rPr lang="en-US" baseline="0" dirty="0" err="1" smtClean="0"/>
+              <a:t>lanzar</a:t>
+            </a:r>
+            <a:r>
+              <a:rPr lang="en-US" baseline="0" dirty="0" smtClean="0"/>
+              <a:t> el </a:t>
+            </a:r>
+            <a:r>
+              <a:rPr lang="en-US" baseline="0" dirty="0" err="1" smtClean="0"/>
+              <a:t>producto</a:t>
+            </a:r>
+            <a:r>
+              <a:rPr lang="en-US" baseline="0" dirty="0" smtClean="0"/>
+              <a:t>, se </a:t>
+            </a:r>
+            <a:r>
+              <a:rPr lang="en-US" baseline="0" dirty="0" err="1" smtClean="0"/>
+              <a:t>encuentren</a:t>
+            </a:r>
+            <a:r>
+              <a:rPr lang="en-US" baseline="0" dirty="0" smtClean="0"/>
+              <a:t> </a:t>
+            </a:r>
+            <a:r>
+              <a:rPr lang="en-US" baseline="0" dirty="0" err="1" smtClean="0"/>
+              <a:t>cargados</a:t>
+            </a:r>
+            <a:r>
+              <a:rPr lang="en-US" baseline="0" dirty="0" smtClean="0"/>
+              <a:t> </a:t>
+            </a:r>
+            <a:r>
+              <a:rPr lang="en-US" baseline="0" dirty="0" err="1" smtClean="0"/>
+              <a:t>diversos</a:t>
+            </a:r>
+            <a:r>
+              <a:rPr lang="en-US" baseline="0" dirty="0" smtClean="0"/>
+              <a:t> </a:t>
+            </a:r>
+            <a:r>
+              <a:rPr lang="en-US" baseline="0" dirty="0" err="1" smtClean="0"/>
+              <a:t>banios</a:t>
+            </a:r>
+            <a:r>
+              <a:rPr lang="en-US" baseline="0" dirty="0" smtClean="0"/>
+              <a:t> </a:t>
+            </a:r>
+            <a:r>
+              <a:rPr lang="en-US" baseline="0" dirty="0" err="1" smtClean="0"/>
+              <a:t>publicos</a:t>
+            </a:r>
+            <a:r>
+              <a:rPr lang="en-US" baseline="0" dirty="0" smtClean="0"/>
+              <a:t> de </a:t>
+            </a:r>
+            <a:r>
+              <a:rPr lang="en-US" baseline="0" dirty="0" err="1" smtClean="0"/>
+              <a:t>diferentes</a:t>
+            </a:r>
+            <a:r>
+              <a:rPr lang="en-US" baseline="0" dirty="0" smtClean="0"/>
+              <a:t> </a:t>
+            </a:r>
+            <a:r>
+              <a:rPr lang="en-US" baseline="0" dirty="0" err="1" smtClean="0"/>
+              <a:t>zonas</a:t>
+            </a:r>
+            <a:r>
+              <a:rPr lang="en-US" baseline="0" dirty="0" smtClean="0"/>
+              <a:t>. La idea </a:t>
+            </a:r>
+            <a:r>
+              <a:rPr lang="en-US" baseline="0" dirty="0" err="1" smtClean="0"/>
+              <a:t>es</a:t>
+            </a:r>
+            <a:r>
+              <a:rPr lang="en-US" baseline="0" dirty="0" smtClean="0"/>
+              <a:t> </a:t>
+            </a:r>
+            <a:r>
+              <a:rPr lang="en-US" baseline="0" dirty="0" err="1" smtClean="0"/>
+              <a:t>que</a:t>
+            </a:r>
+            <a:r>
+              <a:rPr lang="en-US" baseline="0" dirty="0" smtClean="0"/>
+              <a:t> los </a:t>
+            </a:r>
+            <a:r>
+              <a:rPr lang="en-US" baseline="0" dirty="0" err="1" smtClean="0"/>
+              <a:t>usuarios</a:t>
+            </a:r>
+            <a:r>
+              <a:rPr lang="en-US" baseline="0" dirty="0" smtClean="0"/>
+              <a:t> </a:t>
+            </a:r>
+            <a:r>
+              <a:rPr lang="en-US" baseline="0" dirty="0" err="1" smtClean="0"/>
+              <a:t>utilicen</a:t>
+            </a:r>
+            <a:r>
+              <a:rPr lang="en-US" baseline="0" dirty="0" smtClean="0"/>
+              <a:t> la </a:t>
+            </a:r>
+            <a:r>
+              <a:rPr lang="en-US" baseline="0" dirty="0" err="1" smtClean="0"/>
+              <a:t>funcionalidad</a:t>
+            </a:r>
+            <a:r>
+              <a:rPr lang="en-US" baseline="0" dirty="0" smtClean="0"/>
+              <a:t> de </a:t>
+            </a:r>
+            <a:r>
+              <a:rPr lang="en-US" baseline="0" dirty="0" err="1" smtClean="0"/>
+              <a:t>agregar</a:t>
+            </a:r>
+            <a:r>
+              <a:rPr lang="en-US" baseline="0" dirty="0" smtClean="0"/>
+              <a:t> </a:t>
+            </a:r>
+            <a:r>
+              <a:rPr lang="en-US" baseline="0" dirty="0" err="1" smtClean="0"/>
+              <a:t>banios</a:t>
+            </a:r>
+            <a:r>
+              <a:rPr lang="en-US" baseline="0" dirty="0" smtClean="0"/>
+              <a:t> </a:t>
+            </a:r>
+            <a:r>
+              <a:rPr lang="en-US" baseline="0" dirty="0" err="1" smtClean="0"/>
+              <a:t>nuevos</a:t>
+            </a:r>
+            <a:r>
+              <a:rPr lang="en-US" baseline="0" dirty="0" smtClean="0"/>
+              <a:t>, con lo </a:t>
+            </a:r>
+            <a:r>
+              <a:rPr lang="en-US" baseline="0" dirty="0" err="1" smtClean="0"/>
+              <a:t>cual</a:t>
+            </a:r>
+            <a:r>
+              <a:rPr lang="en-US" baseline="0" dirty="0" smtClean="0"/>
+              <a:t> se </a:t>
+            </a:r>
+            <a:r>
+              <a:rPr lang="en-US" baseline="0" dirty="0" err="1" smtClean="0"/>
+              <a:t>convierten</a:t>
+            </a:r>
+            <a:r>
+              <a:rPr lang="en-US" baseline="0" dirty="0" smtClean="0"/>
+              <a:t> </a:t>
+            </a:r>
+            <a:r>
+              <a:rPr lang="en-US" baseline="0" dirty="0" err="1" smtClean="0"/>
+              <a:t>automaticamente</a:t>
+            </a:r>
+            <a:r>
+              <a:rPr lang="en-US" baseline="0" dirty="0" smtClean="0"/>
+              <a:t> en </a:t>
+            </a:r>
+            <a:r>
+              <a:rPr lang="en-US" baseline="0" dirty="0" err="1" smtClean="0"/>
+              <a:t>colaboradores</a:t>
+            </a:r>
+            <a:r>
+              <a:rPr lang="en-US" baseline="0" dirty="0" smtClean="0"/>
+              <a:t> del </a:t>
+            </a:r>
+            <a:r>
+              <a:rPr lang="en-US" baseline="0" dirty="0" err="1" smtClean="0"/>
+              <a:t>producto</a:t>
+            </a:r>
+            <a:r>
+              <a:rPr lang="en-US" baseline="0" dirty="0" smtClean="0"/>
+              <a:t>. El </a:t>
+            </a:r>
+            <a:r>
+              <a:rPr lang="en-US" baseline="0" dirty="0" err="1" smtClean="0"/>
+              <a:t>agregar</a:t>
+            </a:r>
+            <a:r>
+              <a:rPr lang="en-US" baseline="0" dirty="0" smtClean="0"/>
+              <a:t> </a:t>
+            </a:r>
+            <a:r>
+              <a:rPr lang="en-US" baseline="0" dirty="0" err="1" smtClean="0"/>
+              <a:t>sanitarios</a:t>
+            </a:r>
+            <a:r>
+              <a:rPr lang="en-US" baseline="0" dirty="0" smtClean="0"/>
+              <a:t> </a:t>
+            </a:r>
+            <a:r>
+              <a:rPr lang="en-US" baseline="0" dirty="0" err="1" smtClean="0"/>
+              <a:t>actuara</a:t>
+            </a:r>
+            <a:r>
+              <a:rPr lang="en-US" baseline="0" dirty="0" smtClean="0"/>
+              <a:t> </a:t>
+            </a:r>
+            <a:r>
+              <a:rPr lang="en-US" baseline="0" dirty="0" err="1" smtClean="0"/>
+              <a:t>como</a:t>
+            </a:r>
+            <a:r>
+              <a:rPr lang="en-US" baseline="0" dirty="0" smtClean="0"/>
+              <a:t> un </a:t>
+            </a:r>
+            <a:r>
+              <a:rPr lang="en-US" baseline="0" dirty="0" err="1" smtClean="0"/>
+              <a:t>sistema</a:t>
+            </a:r>
+            <a:r>
+              <a:rPr lang="en-US" baseline="0" dirty="0" smtClean="0"/>
+              <a:t> de </a:t>
+            </a:r>
+            <a:r>
+              <a:rPr lang="en-US" baseline="0" dirty="0" err="1" smtClean="0"/>
+              <a:t>puntos</a:t>
+            </a:r>
+            <a:r>
+              <a:rPr lang="en-US" baseline="0" dirty="0" smtClean="0"/>
+              <a:t>, </a:t>
+            </a:r>
+            <a:r>
+              <a:rPr lang="en-US" baseline="0" dirty="0" err="1" smtClean="0"/>
+              <a:t>mediante</a:t>
+            </a:r>
+            <a:r>
+              <a:rPr lang="en-US" baseline="0" dirty="0" smtClean="0"/>
+              <a:t> el </a:t>
+            </a:r>
+            <a:r>
+              <a:rPr lang="en-US" baseline="0" dirty="0" err="1" smtClean="0"/>
+              <a:t>cual</a:t>
+            </a:r>
+            <a:r>
+              <a:rPr lang="en-US" baseline="0" dirty="0" smtClean="0"/>
+              <a:t> los </a:t>
+            </a:r>
+            <a:r>
+              <a:rPr lang="en-US" baseline="0" dirty="0" err="1" smtClean="0"/>
+              <a:t>usuarios</a:t>
+            </a:r>
+            <a:r>
+              <a:rPr lang="en-US" baseline="0" dirty="0" smtClean="0"/>
+              <a:t> </a:t>
+            </a:r>
+            <a:r>
+              <a:rPr lang="en-US" baseline="0" dirty="0" err="1" smtClean="0"/>
+              <a:t>podran</a:t>
+            </a:r>
+            <a:r>
+              <a:rPr lang="en-US" baseline="0" dirty="0" smtClean="0"/>
+              <a:t> </a:t>
+            </a:r>
+            <a:r>
+              <a:rPr lang="en-US" baseline="0" dirty="0" err="1" smtClean="0"/>
+              <a:t>acumularlos</a:t>
+            </a:r>
+            <a:r>
+              <a:rPr lang="en-US" baseline="0" dirty="0" smtClean="0"/>
+              <a:t> </a:t>
+            </a:r>
+            <a:r>
+              <a:rPr lang="en-US" baseline="0" dirty="0" err="1" smtClean="0"/>
+              <a:t>para</a:t>
+            </a:r>
+            <a:r>
+              <a:rPr lang="en-US" baseline="0" dirty="0" smtClean="0"/>
+              <a:t> </a:t>
+            </a:r>
+            <a:r>
+              <a:rPr lang="en-US" baseline="0" dirty="0" err="1" smtClean="0"/>
+              <a:t>canjearlos</a:t>
+            </a:r>
+            <a:r>
+              <a:rPr lang="en-US" baseline="0" dirty="0" smtClean="0"/>
+              <a:t> </a:t>
+            </a:r>
+            <a:r>
+              <a:rPr lang="en-US" baseline="0" dirty="0" err="1" smtClean="0"/>
               <a:t>por</a:t>
             </a:r>
             <a:r>
               <a:rPr lang="en-US" baseline="0" dirty="0" smtClean="0"/>
+              <a:t> packs </a:t>
+            </a:r>
+            <a:r>
+              <a:rPr lang="en-US" baseline="0" dirty="0" err="1" smtClean="0"/>
+              <a:t>promocionales</a:t>
+            </a:r>
+            <a:r>
+              <a:rPr lang="en-US" baseline="0" dirty="0" smtClean="0"/>
               <a:t> </a:t>
             </a:r>
             <a:r>
               <a:rPr lang="en-US" baseline="0" dirty="0" err="1" smtClean="0"/>
-              <a:t>cubrir</a:t>
+              <a:t>como</a:t>
             </a:r>
             <a:r>
               <a:rPr lang="en-US" baseline="0" dirty="0" smtClean="0"/>
@@ -7620,7 +7339,244 @@
             </a:r>
             <a:r>
               <a:rPr lang="en-US" baseline="0" dirty="0" err="1" smtClean="0"/>
-              <a:t>es</a:t>
+              <a:t>por</a:t>
+            </a:r>
+            <a:r>
+              <a:rPr lang="en-US" baseline="0" dirty="0" smtClean="0"/>
+              <a:t> </a:t>
+            </a:r>
+            <a:r>
+              <a:rPr lang="en-US" baseline="0" dirty="0" err="1" smtClean="0"/>
+              <a:t>ejemplo</a:t>
+            </a:r>
+            <a:r>
+              <a:rPr lang="en-US" baseline="0" dirty="0" smtClean="0"/>
+              <a:t> la </a:t>
+            </a:r>
+            <a:r>
+              <a:rPr lang="en-US" baseline="0" dirty="0" err="1" smtClean="0"/>
+              <a:t>aplicacion</a:t>
+            </a:r>
+            <a:r>
+              <a:rPr lang="en-US" baseline="0" dirty="0" smtClean="0"/>
+              <a:t> sin </a:t>
+            </a:r>
+            <a:r>
+              <a:rPr lang="en-US" baseline="0" dirty="0" err="1" smtClean="0"/>
+              <a:t>publicidad</a:t>
+            </a:r>
+            <a:r>
+              <a:rPr lang="en-US" baseline="0" dirty="0" smtClean="0"/>
+              <a:t>, o con </a:t>
+            </a:r>
+            <a:r>
+              <a:rPr lang="en-US" baseline="0" dirty="0" err="1" smtClean="0"/>
+              <a:t>caracteristicas</a:t>
+            </a:r>
+            <a:r>
+              <a:rPr lang="en-US" baseline="0" dirty="0" smtClean="0"/>
+              <a:t> </a:t>
+            </a:r>
+            <a:r>
+              <a:rPr lang="en-US" baseline="0" dirty="0" err="1" smtClean="0"/>
+              <a:t>especiales</a:t>
+            </a:r>
+            <a:r>
+              <a:rPr lang="en-US" baseline="0" dirty="0" smtClean="0"/>
+              <a:t> </a:t>
+            </a:r>
+            <a:r>
+              <a:rPr lang="en-US" baseline="0" dirty="0" err="1" smtClean="0"/>
+              <a:t>como</a:t>
+            </a:r>
+            <a:r>
+              <a:rPr lang="en-US" baseline="0" dirty="0" smtClean="0"/>
+              <a:t> la </a:t>
+            </a:r>
+            <a:r>
+              <a:rPr lang="en-US" baseline="0" dirty="0" err="1" smtClean="0"/>
+              <a:t>busqueda</a:t>
+            </a:r>
+            <a:r>
+              <a:rPr lang="en-US" baseline="0" dirty="0" smtClean="0"/>
+              <a:t> de </a:t>
+            </a:r>
+            <a:r>
+              <a:rPr lang="en-US" baseline="0" dirty="0" err="1" smtClean="0"/>
+              <a:t>sanitarios</a:t>
+            </a:r>
+            <a:r>
+              <a:rPr lang="en-US" baseline="0" dirty="0" smtClean="0"/>
+              <a:t> </a:t>
+            </a:r>
+            <a:r>
+              <a:rPr lang="en-US" baseline="0" dirty="0" err="1" smtClean="0"/>
+              <a:t>especificos</a:t>
+            </a:r>
+            <a:r>
+              <a:rPr lang="en-US" baseline="0" dirty="0" smtClean="0"/>
+              <a:t> no </a:t>
+            </a:r>
+            <a:r>
+              <a:rPr lang="en-US" baseline="0" dirty="0" err="1" smtClean="0"/>
+              <a:t>necesariamente</a:t>
+            </a:r>
+            <a:r>
+              <a:rPr lang="en-US" baseline="0" dirty="0" smtClean="0"/>
+              <a:t> </a:t>
+            </a:r>
+            <a:r>
+              <a:rPr lang="en-US" baseline="0" dirty="0" err="1" smtClean="0"/>
+              <a:t>cercanos</a:t>
+            </a:r>
+            <a:r>
+              <a:rPr lang="en-US" baseline="0" dirty="0" smtClean="0"/>
+              <a:t> al </a:t>
+            </a:r>
+            <a:r>
+              <a:rPr lang="en-US" baseline="0" dirty="0" err="1" smtClean="0"/>
+              <a:t>lugar</a:t>
+            </a:r>
+            <a:r>
+              <a:rPr lang="en-US" baseline="0" dirty="0" smtClean="0"/>
+              <a:t> </a:t>
+            </a:r>
+            <a:r>
+              <a:rPr lang="en-US" baseline="0" dirty="0" err="1" smtClean="0"/>
+              <a:t>donde</a:t>
+            </a:r>
+            <a:r>
+              <a:rPr lang="en-US" baseline="0" dirty="0" smtClean="0"/>
+              <a:t> se </a:t>
+            </a:r>
+            <a:r>
+              <a:rPr lang="en-US" baseline="0" dirty="0" err="1" smtClean="0"/>
+              <a:t>encuentran</a:t>
+            </a:r>
+            <a:r>
+              <a:rPr lang="en-US" baseline="0" dirty="0" smtClean="0"/>
+              <a:t>.</a:t>
+            </a:r>
+          </a:p>
+          <a:p>
+            <a:endParaRPr lang="en-US" baseline="0" dirty="0" smtClean="0"/>
+          </a:p>
+          <a:p>
+            <a:r>
+              <a:rPr lang="es-ES" baseline="0" noProof="0" dirty="0" err="1" smtClean="0"/>
+              <a:t>Asi</a:t>
+            </a:r>
+            <a:r>
+              <a:rPr lang="en-US" baseline="0" dirty="0" smtClean="0"/>
+              <a:t> </a:t>
+            </a:r>
+            <a:r>
+              <a:rPr lang="es-ES" baseline="0" noProof="0" dirty="0" smtClean="0"/>
+              <a:t>como</a:t>
+            </a:r>
+            <a:r>
+              <a:rPr lang="en-US" baseline="0" dirty="0" smtClean="0"/>
+              <a:t> </a:t>
+            </a:r>
+            <a:r>
+              <a:rPr lang="en-US" baseline="0" dirty="0" err="1" smtClean="0"/>
+              <a:t>agregar</a:t>
+            </a:r>
+            <a:r>
+              <a:rPr lang="en-US" baseline="0" dirty="0" smtClean="0"/>
+              <a:t> </a:t>
+            </a:r>
+            <a:r>
+              <a:rPr lang="en-US" baseline="0" dirty="0" err="1" smtClean="0"/>
+              <a:t>sanitarios</a:t>
+            </a:r>
+            <a:r>
+              <a:rPr lang="en-US" baseline="0" dirty="0" smtClean="0"/>
+              <a:t>, el </a:t>
+            </a:r>
+            <a:r>
+              <a:rPr lang="en-US" baseline="0" dirty="0" err="1" smtClean="0"/>
+              <a:t>compartir</a:t>
+            </a:r>
+            <a:r>
+              <a:rPr lang="en-US" baseline="0" dirty="0" smtClean="0"/>
+              <a:t> la </a:t>
+            </a:r>
+            <a:r>
+              <a:rPr lang="en-US" baseline="0" dirty="0" err="1" smtClean="0"/>
+              <a:t>aplicacion</a:t>
+            </a:r>
+            <a:r>
+              <a:rPr lang="en-US" baseline="0" dirty="0" smtClean="0"/>
+              <a:t> via </a:t>
+            </a:r>
+            <a:r>
+              <a:rPr lang="en-US" baseline="0" dirty="0" err="1" smtClean="0"/>
+              <a:t>redes</a:t>
+            </a:r>
+            <a:r>
+              <a:rPr lang="en-US" baseline="0" dirty="0" smtClean="0"/>
+              <a:t> </a:t>
+            </a:r>
+            <a:r>
+              <a:rPr lang="en-US" baseline="0" dirty="0" err="1" smtClean="0"/>
+              <a:t>sociales</a:t>
+            </a:r>
+            <a:r>
+              <a:rPr lang="en-US" baseline="0" dirty="0" smtClean="0"/>
+              <a:t> o </a:t>
+            </a:r>
+            <a:r>
+              <a:rPr lang="en-US" baseline="0" dirty="0" err="1" smtClean="0"/>
+              <a:t>calificarla</a:t>
+            </a:r>
+            <a:r>
+              <a:rPr lang="en-US" baseline="0" dirty="0" smtClean="0"/>
+              <a:t> en los </a:t>
+            </a:r>
+            <a:r>
+              <a:rPr lang="en-US" baseline="0" dirty="0" err="1" smtClean="0"/>
+              <a:t>distintos</a:t>
+            </a:r>
+            <a:r>
+              <a:rPr lang="en-US" baseline="0" dirty="0" smtClean="0"/>
+              <a:t> </a:t>
+            </a:r>
+            <a:r>
+              <a:rPr lang="en-US" baseline="0" dirty="0" err="1" smtClean="0"/>
+              <a:t>centros</a:t>
+            </a:r>
+            <a:r>
+              <a:rPr lang="en-US" baseline="0" dirty="0" smtClean="0"/>
+              <a:t> </a:t>
+            </a:r>
+            <a:r>
+              <a:rPr lang="en-US" baseline="0" dirty="0" err="1" smtClean="0"/>
+              <a:t>donde</a:t>
+            </a:r>
+            <a:r>
+              <a:rPr lang="en-US" baseline="0" dirty="0" smtClean="0"/>
+              <a:t> se la </a:t>
+            </a:r>
+            <a:r>
+              <a:rPr lang="en-US" baseline="0" dirty="0" err="1" smtClean="0"/>
+              <a:t>ofrezca</a:t>
+            </a:r>
+            <a:r>
+              <a:rPr lang="en-US" baseline="0" dirty="0" smtClean="0"/>
+              <a:t> </a:t>
+            </a:r>
+            <a:r>
+              <a:rPr lang="en-US" baseline="0" dirty="0" err="1" smtClean="0"/>
+              <a:t>tambien</a:t>
+            </a:r>
+            <a:r>
+              <a:rPr lang="en-US" baseline="0" dirty="0" smtClean="0"/>
+              <a:t> </a:t>
+            </a:r>
+            <a:r>
+              <a:rPr lang="en-US" baseline="0" dirty="0" err="1" smtClean="0"/>
+              <a:t>implica</a:t>
             </a:r>
             <a:r>
               <a:rPr lang="en-US" baseline="0" dirty="0" smtClean="0"/>
@@ -7628,17 +7584,23 @@
             </a:r>
             <a:r>
               <a:rPr lang="en-US" baseline="0" dirty="0" err="1" smtClean="0"/>
-              <a:t>tema</a:t>
-            </a:r>
-            <a:r>
-              <a:rPr lang="en-US" baseline="0" dirty="0" smtClean="0"/>
-              <a:t> legal.</a:t>
-            </a:r>
-          </a:p>
-          <a:p>
-            <a:r>
-              <a:rPr lang="en-US" baseline="0" dirty="0" err="1" smtClean="0"/>
-              <a:t>Nos</a:t>
+              <a:t>beneficio</a:t>
+            </a:r>
+            <a:r>
+              <a:rPr lang="en-US" baseline="0" dirty="0" smtClean="0"/>
+              <a:t> de </a:t>
+            </a:r>
+            <a:r>
+              <a:rPr lang="en-US" baseline="0" dirty="0" err="1" smtClean="0"/>
+              <a:t>acumulacion</a:t>
+            </a:r>
+            <a:r>
+              <a:rPr lang="en-US" baseline="0" dirty="0" smtClean="0"/>
+              <a:t> de </a:t>
+            </a:r>
+            <a:r>
+              <a:rPr lang="en-US" baseline="0" dirty="0" err="1" smtClean="0"/>
+              <a:t>puntos</a:t>
             </a:r>
             <a:r>
               <a:rPr lang="en-US" baseline="0" dirty="0" smtClean="0"/>
@@ -7646,85 +7608,213 @@
             </a:r>
             <a:r>
               <a:rPr lang="en-US" baseline="0" dirty="0" err="1" smtClean="0"/>
-              <a:t>amparan</a:t>
-            </a:r>
-            <a:r>
-              <a:rPr lang="en-US" baseline="0" dirty="0" smtClean="0"/>
-              <a:t> la </a:t>
-            </a:r>
-            <a:r>
-              <a:rPr lang="es-AR" dirty="0" smtClean="0"/>
-              <a:t>ley de acceso a la </a:t>
-            </a:r>
-            <a:r>
-              <a:rPr lang="es-AR" dirty="0" err="1" smtClean="0"/>
-              <a:t>informacion</a:t>
-            </a:r>
-            <a:r>
-              <a:rPr lang="es-AR" dirty="0" smtClean="0"/>
-              <a:t> publica, en cuanto a la divulgación de datos</a:t>
-            </a:r>
-            <a:r>
-              <a:rPr lang="es-AR" baseline="0" dirty="0" smtClean="0"/>
-              <a:t> respecto de direcciones y demás.</a:t>
-            </a:r>
-          </a:p>
-          <a:p>
-            <a:r>
-              <a:rPr lang="es-AR" baseline="0" dirty="0" smtClean="0"/>
-              <a:t>Y en cuanto al acceso a baños de cafés y </a:t>
-            </a:r>
-            <a:r>
-              <a:rPr lang="es-AR" baseline="0" dirty="0" err="1" smtClean="0"/>
-              <a:t>restauranes</a:t>
-            </a:r>
-            <a:r>
-              <a:rPr lang="es-AR" baseline="0" dirty="0" smtClean="0"/>
-              <a:t> en CABA las resoluciones </a:t>
-            </a:r>
-            <a:r>
-              <a:rPr lang="es-AR" b="1" dirty="0" smtClean="0">
-                <a:effectLst/>
-              </a:rPr>
-              <a:t>Nº 46798 y </a:t>
-            </a:r>
-            <a:r>
-              <a:rPr lang="es-AR" sz="1200" b="1" kern="1200" dirty="0" smtClean="0">
-                <a:solidFill>
-                  <a:schemeClr val="tx1"/>
-                </a:solidFill>
-                <a:effectLst/>
-                <a:latin typeface="+mn-lt"/>
-                <a:ea typeface="+mn-ea"/>
-                <a:cs typeface="+mn-cs"/>
-              </a:rPr>
-              <a:t>DECRETO</a:t>
-            </a:r>
-            <a:r>
-              <a:rPr lang="es-AR" sz="1200" kern="1200" dirty="0" smtClean="0">
-                <a:solidFill>
-                  <a:schemeClr val="tx1"/>
-                </a:solidFill>
-                <a:effectLst/>
-                <a:latin typeface="+mn-lt"/>
-                <a:ea typeface="+mn-ea"/>
-                <a:cs typeface="+mn-cs"/>
-              </a:rPr>
-              <a:t> Nº </a:t>
-            </a:r>
-            <a:r>
-              <a:rPr lang="es-AR" sz="1200" b="1" kern="1200" dirty="0" smtClean="0">
-                <a:solidFill>
-                  <a:schemeClr val="tx1"/>
-                </a:solidFill>
-                <a:effectLst/>
-                <a:latin typeface="+mn-lt"/>
-                <a:ea typeface="+mn-ea"/>
-                <a:cs typeface="+mn-cs"/>
-              </a:rPr>
-              <a:t>193.</a:t>
-            </a:r>
+              <a:t>para</a:t>
+            </a:r>
+            <a:r>
+              <a:rPr lang="en-US" baseline="0" dirty="0" smtClean="0"/>
+              <a:t> </a:t>
+            </a:r>
+            <a:r>
+              <a:rPr lang="en-US" baseline="0" dirty="0" err="1" smtClean="0"/>
+              <a:t>su</a:t>
+            </a:r>
+            <a:r>
+              <a:rPr lang="en-US" baseline="0" dirty="0" smtClean="0"/>
+              <a:t> posterior </a:t>
+            </a:r>
+            <a:r>
+              <a:rPr lang="en-US" baseline="0" dirty="0" err="1" smtClean="0"/>
+              <a:t>canejo</a:t>
+            </a:r>
+            <a:r>
+              <a:rPr lang="en-US" baseline="0" dirty="0" smtClean="0"/>
+              <a:t>.</a:t>
+            </a:r>
+          </a:p>
+          <a:p>
             <a:endParaRPr lang="en-US" baseline="0" dirty="0" smtClean="0"/>
+          </a:p>
+          <a:p>
+            <a:r>
+              <a:rPr lang="en-US" baseline="0" dirty="0" smtClean="0"/>
+              <a:t>Este </a:t>
+            </a:r>
+            <a:r>
+              <a:rPr lang="en-US" baseline="0" dirty="0" err="1" smtClean="0"/>
+              <a:t>sistema</a:t>
+            </a:r>
+            <a:r>
+              <a:rPr lang="en-US" baseline="0" dirty="0" smtClean="0"/>
+              <a:t> de </a:t>
+            </a:r>
+            <a:r>
+              <a:rPr lang="en-US" baseline="0" dirty="0" err="1" smtClean="0"/>
+              <a:t>motivacion</a:t>
+            </a:r>
+            <a:r>
+              <a:rPr lang="en-US" baseline="0" dirty="0" smtClean="0"/>
+              <a:t> </a:t>
+            </a:r>
+            <a:r>
+              <a:rPr lang="en-US" baseline="0" dirty="0" err="1" smtClean="0"/>
+              <a:t>logra</a:t>
+            </a:r>
+            <a:r>
+              <a:rPr lang="en-US" baseline="0" dirty="0" smtClean="0"/>
+              <a:t> </a:t>
+            </a:r>
+            <a:r>
+              <a:rPr lang="en-US" baseline="0" dirty="0" err="1" smtClean="0"/>
+              <a:t>expandir</a:t>
+            </a:r>
+            <a:r>
+              <a:rPr lang="en-US" baseline="0" dirty="0" smtClean="0"/>
+              <a:t> el </a:t>
+            </a:r>
+            <a:r>
+              <a:rPr lang="en-US" baseline="0" dirty="0" err="1" smtClean="0"/>
+              <a:t>producto</a:t>
+            </a:r>
+            <a:r>
+              <a:rPr lang="en-US" baseline="0" dirty="0" smtClean="0"/>
+              <a:t> en el </a:t>
+            </a:r>
+            <a:r>
+              <a:rPr lang="en-US" baseline="0" dirty="0" err="1" smtClean="0"/>
+              <a:t>aspecto</a:t>
+            </a:r>
+            <a:r>
+              <a:rPr lang="en-US" baseline="0" dirty="0" smtClean="0"/>
+              <a:t> de </a:t>
+            </a:r>
+            <a:r>
+              <a:rPr lang="en-US" baseline="0" dirty="0" err="1" smtClean="0"/>
+              <a:t>cantidad</a:t>
+            </a:r>
+            <a:r>
+              <a:rPr lang="en-US" baseline="0" dirty="0" smtClean="0"/>
+              <a:t> de </a:t>
+            </a:r>
+            <a:r>
+              <a:rPr lang="en-US" baseline="0" dirty="0" err="1" smtClean="0"/>
+              <a:t>sanitarios</a:t>
+            </a:r>
+            <a:r>
+              <a:rPr lang="en-US" baseline="0" dirty="0" smtClean="0"/>
+              <a:t> </a:t>
+            </a:r>
+            <a:r>
+              <a:rPr lang="en-US" baseline="0" dirty="0" err="1" smtClean="0"/>
+              <a:t>disponibles</a:t>
+            </a:r>
+            <a:r>
+              <a:rPr lang="en-US" baseline="0" dirty="0" smtClean="0"/>
+              <a:t>, </a:t>
+            </a:r>
+            <a:r>
+              <a:rPr lang="en-US" baseline="0" dirty="0" err="1" smtClean="0"/>
+              <a:t>difundirlo</a:t>
+            </a:r>
+            <a:r>
+              <a:rPr lang="en-US" baseline="0" dirty="0" smtClean="0"/>
+              <a:t> de </a:t>
+            </a:r>
+            <a:r>
+              <a:rPr lang="en-US" baseline="0" dirty="0" err="1" smtClean="0"/>
+              <a:t>manera</a:t>
+            </a:r>
+            <a:r>
+              <a:rPr lang="en-US" baseline="0" dirty="0" smtClean="0"/>
+              <a:t> viral (via </a:t>
+            </a:r>
+            <a:r>
+              <a:rPr lang="en-US" baseline="0" dirty="0" err="1" smtClean="0"/>
+              <a:t>redes</a:t>
+            </a:r>
+            <a:r>
+              <a:rPr lang="en-US" baseline="0" dirty="0" smtClean="0"/>
+              <a:t> </a:t>
+            </a:r>
+            <a:r>
+              <a:rPr lang="en-US" baseline="0" dirty="0" err="1" smtClean="0"/>
+              <a:t>sociales</a:t>
+            </a:r>
+            <a:r>
+              <a:rPr lang="en-US" baseline="0" dirty="0" smtClean="0"/>
+              <a:t>) y </a:t>
+            </a:r>
+            <a:r>
+              <a:rPr lang="en-US" baseline="0" dirty="0" err="1" smtClean="0"/>
+              <a:t>mantiene</a:t>
+            </a:r>
+            <a:r>
+              <a:rPr lang="en-US" baseline="0" dirty="0" smtClean="0"/>
+              <a:t> a los </a:t>
+            </a:r>
+            <a:r>
+              <a:rPr lang="en-US" baseline="0" dirty="0" err="1" smtClean="0"/>
+              <a:t>usuarios</a:t>
+            </a:r>
+            <a:r>
+              <a:rPr lang="en-US" baseline="0" dirty="0" smtClean="0"/>
+              <a:t> </a:t>
+            </a:r>
+            <a:r>
+              <a:rPr lang="en-US" baseline="0" dirty="0" err="1" smtClean="0"/>
+              <a:t>involucrados</a:t>
+            </a:r>
+            <a:r>
+              <a:rPr lang="en-US" baseline="0" dirty="0" smtClean="0"/>
+              <a:t> con la </a:t>
+            </a:r>
+            <a:r>
+              <a:rPr lang="en-US" baseline="0" dirty="0" err="1" smtClean="0"/>
+              <a:t>aplicacion</a:t>
+            </a:r>
+            <a:r>
+              <a:rPr lang="en-US" baseline="0" dirty="0" smtClean="0"/>
+              <a:t> </a:t>
+            </a:r>
+            <a:r>
+              <a:rPr lang="en-US" baseline="0" dirty="0" err="1" smtClean="0"/>
+              <a:t>haciendoles</a:t>
+            </a:r>
+            <a:r>
+              <a:rPr lang="en-US" baseline="0" dirty="0" smtClean="0"/>
+              <a:t> </a:t>
+            </a:r>
+            <a:r>
+              <a:rPr lang="en-US" baseline="0" dirty="0" err="1" smtClean="0"/>
+              <a:t>sentir</a:t>
+            </a:r>
+            <a:r>
+              <a:rPr lang="en-US" baseline="0" dirty="0" smtClean="0"/>
+              <a:t> </a:t>
+            </a:r>
+            <a:r>
+              <a:rPr lang="en-US" baseline="0" dirty="0" err="1" smtClean="0"/>
+              <a:t>que</a:t>
+            </a:r>
+            <a:r>
+              <a:rPr lang="en-US" baseline="0" dirty="0" smtClean="0"/>
+              <a:t> son parte del </a:t>
+            </a:r>
+            <a:r>
+              <a:rPr lang="en-US" baseline="0" dirty="0" err="1" smtClean="0"/>
+              <a:t>desarrollo</a:t>
+            </a:r>
+            <a:r>
+              <a:rPr lang="en-US" baseline="0" dirty="0" smtClean="0"/>
+              <a:t> de la </a:t>
+            </a:r>
+            <a:r>
+              <a:rPr lang="en-US" baseline="0" dirty="0" err="1" smtClean="0"/>
+              <a:t>misma</a:t>
+            </a:r>
+            <a:r>
+              <a:rPr lang="en-US" baseline="0" dirty="0" smtClean="0"/>
+              <a:t>.</a:t>
+            </a:r>
           </a:p>
         </p:txBody>
       </p:sp>
@@ -11162,61 +11252,12 @@
       </p:grpSpPr>
       <p:sp>
         <p:nvSpPr>
-          <p:cNvPr id="4" name="Title 1"/>
+          <p:cNvPr id="2" name="Title 1"/>
           <p:cNvSpPr>
             <a:spLocks noGrp="1"/>
           </p:cNvSpPr>
           <p:nvPr>
-            <p:ph type="ctrTitle"/>
-          </p:nvPr>
-        </p:nvSpPr>
-        <p:spPr/>
-        <p:txBody>
-          <a:bodyPr>
-            <a:normAutofit fontScale="90000"/>
-          </a:bodyPr>
-          <a:lstStyle/>
-          <a:p>
-            <a:r>
-              <a:rPr lang="es-AR" dirty="0" smtClean="0"/>
-              <a:t/>
-            </a:r>
-            <a:br>
-              <a:rPr lang="es-AR" dirty="0" smtClean="0"/>
-            </a:br>
-            <a:r>
-              <a:rPr lang="es-AR" dirty="0"/>
-              <a:t/>
-            </a:r>
-            <a:br>
-              <a:rPr lang="es-AR" dirty="0"/>
-            </a:br>
-            <a:r>
-              <a:rPr lang="es-AR" dirty="0" smtClean="0"/>
-              <a:t/>
-            </a:r>
-            <a:br>
-              <a:rPr lang="es-AR" dirty="0" smtClean="0"/>
-            </a:br>
-            <a:r>
-              <a:rPr lang="es-AR" dirty="0" smtClean="0"/>
-              <a:t>Mercado </a:t>
-            </a:r>
-            <a:r>
-              <a:rPr lang="es-AR" dirty="0"/>
-              <a:t>en crecimiento</a:t>
-            </a:r>
-          </a:p>
-        </p:txBody>
-      </p:sp>
-      <p:sp>
-        <p:nvSpPr>
-          <p:cNvPr id="2" name="Subtitle 1"/>
-          <p:cNvSpPr>
-            <a:spLocks noGrp="1"/>
-          </p:cNvSpPr>
-          <p:nvPr>
-            <p:ph type="subTitle" idx="1"/>
+            <p:ph type="title"/>
           </p:nvPr>
         </p:nvSpPr>
         <p:spPr/>
@@ -11226,16 +11267,45 @@
           <a:p>
             <a:r>
               <a:rPr lang="es-AR" dirty="0" smtClean="0"/>
-              <a:t>Proyección económica</a:t>
+              <a:t>Aspecto Legal</a:t>
             </a:r>
             <a:endParaRPr lang="es-AR" dirty="0"/>
           </a:p>
         </p:txBody>
       </p:sp>
+      <p:pic>
+        <p:nvPicPr>
+          <p:cNvPr id="4" name="Content Placeholder 3"/>
+          <p:cNvPicPr>
+            <a:picLocks noGrp="1" noChangeAspect="1"/>
+          </p:cNvPicPr>
+          <p:nvPr>
+            <p:ph idx="1"/>
+          </p:nvPr>
+        </p:nvPicPr>
+        <p:blipFill>
+          <a:blip r:embed="rId3">
+            <a:extLst>
+              <a:ext uri="{28A0092B-C50C-407E-A947-70E740481C1C}">
+                <a14:useLocalDpi xmlns:a14="http://schemas.microsoft.com/office/drawing/2010/main" val="0"/>
+              </a:ext>
+            </a:extLst>
+          </a:blip>
+          <a:stretch>
+            <a:fillRect/>
+          </a:stretch>
+        </p:blipFill>
+        <p:spPr>
+          <a:xfrm>
+            <a:off x="3200298" y="1628800"/>
+            <a:ext cx="5188051" cy="3809975"/>
+          </a:xfrm>
+        </p:spPr>
+      </p:pic>
     </p:spTree>
     <p:extLst>
       <p:ext uri="{BB962C8B-B14F-4D97-AF65-F5344CB8AC3E}">
-        <p14:creationId xmlns:p14="http://schemas.microsoft.com/office/powerpoint/2010/main" val="4021245580"/>
+        <p14:creationId xmlns:p14="http://schemas.microsoft.com/office/powerpoint/2010/main" val="2205681447"/>
       </p:ext>
     </p:extLst>
   </p:cSld>
@@ -11271,12 +11341,61 @@
       </p:grpSpPr>
       <p:sp>
         <p:nvSpPr>
-          <p:cNvPr id="2" name="Title 1"/>
+          <p:cNvPr id="4" name="Title 1"/>
           <p:cNvSpPr>
             <a:spLocks noGrp="1"/>
           </p:cNvSpPr>
           <p:nvPr>
-            <p:ph type="title"/>
+            <p:ph type="ctrTitle"/>
+          </p:nvPr>
+        </p:nvSpPr>
+        <p:spPr/>
+        <p:txBody>
+          <a:bodyPr>
+            <a:normAutofit fontScale="90000"/>
+          </a:bodyPr>
+          <a:lstStyle/>
+          <a:p>
+            <a:r>
+              <a:rPr lang="es-AR" dirty="0" smtClean="0"/>
+              <a:t/>
+            </a:r>
+            <a:br>
+              <a:rPr lang="es-AR" dirty="0" smtClean="0"/>
+            </a:br>
+            <a:r>
+              <a:rPr lang="es-AR" dirty="0"/>
+              <a:t/>
+            </a:r>
+            <a:br>
+              <a:rPr lang="es-AR" dirty="0"/>
+            </a:br>
+            <a:r>
+              <a:rPr lang="es-AR" dirty="0" smtClean="0"/>
+              <a:t/>
+            </a:r>
+            <a:br>
+              <a:rPr lang="es-AR" dirty="0" smtClean="0"/>
+            </a:br>
+            <a:r>
+              <a:rPr lang="es-AR" dirty="0" smtClean="0"/>
+              <a:t>Mercado </a:t>
+            </a:r>
+            <a:r>
+              <a:rPr lang="es-AR" dirty="0"/>
+              <a:t>en crecimiento</a:t>
+            </a:r>
+          </a:p>
+        </p:txBody>
+      </p:sp>
+      <p:sp>
+        <p:nvSpPr>
+          <p:cNvPr id="2" name="Subtitle 1"/>
+          <p:cNvSpPr>
+            <a:spLocks noGrp="1"/>
+          </p:cNvSpPr>
+          <p:nvPr>
+            <p:ph type="subTitle" idx="1"/>
           </p:nvPr>
         </p:nvSpPr>
         <p:spPr/>
@@ -11286,263 +11405,16 @@
           <a:p>
             <a:r>
               <a:rPr lang="es-AR" dirty="0" smtClean="0"/>
-              <a:t>Mercado actual</a:t>
+              <a:t>Proyección económica</a:t>
             </a:r>
             <a:endParaRPr lang="es-AR" dirty="0"/>
-          </a:p>
-        </p:txBody>
-      </p:sp>
-      <p:sp>
-        <p:nvSpPr>
-          <p:cNvPr id="5" name="TextBox 4"/>
-          <p:cNvSpPr txBox="1"/>
-          <p:nvPr/>
-        </p:nvSpPr>
-        <p:spPr>
-          <a:xfrm>
-            <a:off x="2627784" y="1700808"/>
-            <a:ext cx="6264696" cy="2806922"/>
-          </a:xfrm>
-          <a:prstGeom prst="rect">
-            <a:avLst/>
-          </a:prstGeom>
-          <a:noFill/>
-        </p:spPr>
-        <p:txBody>
-          <a:bodyPr wrap="square" rtlCol="0">
-            <a:spAutoFit/>
-          </a:bodyPr>
-          <a:lstStyle/>
-          <a:p>
-            <a:pPr marL="731520" indent="-182880">
-              <a:lnSpc>
-                <a:spcPct val="90000"/>
-              </a:lnSpc>
-              <a:buClr>
-                <a:schemeClr val="accent1"/>
-              </a:buClr>
-              <a:buFont typeface="Wingdings 2" pitchFamily="18" charset="2"/>
-              <a:buChar char=""/>
-            </a:pPr>
-            <a:r>
-              <a:rPr lang="es-AR" sz="2800" dirty="0">
-                <a:solidFill>
-                  <a:schemeClr val="tx1">
-                    <a:lumMod val="65000"/>
-                    <a:lumOff val="35000"/>
-                  </a:schemeClr>
-                </a:solidFill>
-              </a:rPr>
-              <a:t>Descarga paga</a:t>
-            </a:r>
-            <a:r>
-              <a:rPr lang="es-AR" sz="2800" dirty="0" smtClean="0">
-                <a:solidFill>
-                  <a:schemeClr val="tx1">
-                    <a:lumMod val="65000"/>
-                    <a:lumOff val="35000"/>
-                  </a:schemeClr>
-                </a:solidFill>
-              </a:rPr>
-              <a:t>:</a:t>
-            </a:r>
-          </a:p>
-          <a:p>
-            <a:pPr marL="1188720" lvl="1" indent="-182880">
-              <a:lnSpc>
-                <a:spcPct val="90000"/>
-              </a:lnSpc>
-              <a:buClr>
-                <a:schemeClr val="accent1"/>
-              </a:buClr>
-              <a:buFont typeface="Wingdings 2" pitchFamily="18" charset="2"/>
-              <a:buChar char=""/>
-            </a:pPr>
-            <a:r>
-              <a:rPr lang="es-AR" sz="2800" smtClean="0">
-                <a:solidFill>
-                  <a:schemeClr val="tx1">
-                    <a:lumMod val="65000"/>
-                    <a:lumOff val="35000"/>
-                  </a:schemeClr>
-                </a:solidFill>
-              </a:rPr>
-              <a:t> 1-5 </a:t>
-            </a:r>
-            <a:r>
-              <a:rPr lang="es-AR" sz="2800" dirty="0" smtClean="0">
-                <a:solidFill>
-                  <a:schemeClr val="tx1">
-                    <a:lumMod val="65000"/>
-                    <a:lumOff val="35000"/>
-                  </a:schemeClr>
-                </a:solidFill>
-              </a:rPr>
-              <a:t>USD</a:t>
-            </a:r>
-          </a:p>
-          <a:p>
-            <a:pPr marL="731520" indent="-182880">
-              <a:lnSpc>
-                <a:spcPct val="90000"/>
-              </a:lnSpc>
-              <a:buClr>
-                <a:schemeClr val="accent1"/>
-              </a:buClr>
-              <a:buFont typeface="Wingdings 2" pitchFamily="18" charset="2"/>
-              <a:buChar char=""/>
-            </a:pPr>
-            <a:endParaRPr lang="es-AR" sz="2800" dirty="0">
-              <a:solidFill>
-                <a:schemeClr val="tx1">
-                  <a:lumMod val="65000"/>
-                  <a:lumOff val="35000"/>
-                </a:schemeClr>
-              </a:solidFill>
-            </a:endParaRPr>
-          </a:p>
-          <a:p>
-            <a:pPr marL="731520" indent="-182880">
-              <a:lnSpc>
-                <a:spcPct val="90000"/>
-              </a:lnSpc>
-              <a:buClr>
-                <a:schemeClr val="accent1"/>
-              </a:buClr>
-              <a:buFont typeface="Wingdings 2" pitchFamily="18" charset="2"/>
-              <a:buChar char=""/>
-            </a:pPr>
-            <a:r>
-              <a:rPr lang="es-AR" sz="2800" dirty="0">
-                <a:solidFill>
-                  <a:schemeClr val="tx1">
-                    <a:lumMod val="65000"/>
-                    <a:lumOff val="35000"/>
-                  </a:schemeClr>
-                </a:solidFill>
-              </a:rPr>
-              <a:t>Publicidad:</a:t>
-            </a:r>
-          </a:p>
-          <a:p>
-            <a:pPr marL="1188720" lvl="1" indent="-182880">
-              <a:lnSpc>
-                <a:spcPct val="90000"/>
-              </a:lnSpc>
-              <a:buClr>
-                <a:schemeClr val="accent1"/>
-              </a:buClr>
-              <a:buFont typeface="Wingdings 2" pitchFamily="18" charset="2"/>
-              <a:buChar char=""/>
-            </a:pPr>
-            <a:r>
-              <a:rPr lang="es-AR" sz="2800" dirty="0">
-                <a:solidFill>
-                  <a:schemeClr val="tx1">
-                    <a:lumMod val="65000"/>
-                    <a:lumOff val="35000"/>
-                  </a:schemeClr>
-                </a:solidFill>
-              </a:rPr>
-              <a:t>Por </a:t>
-            </a:r>
-            <a:r>
-              <a:rPr lang="es-AR" sz="2800" dirty="0" err="1">
-                <a:solidFill>
-                  <a:schemeClr val="tx1">
-                    <a:lumMod val="65000"/>
-                    <a:lumOff val="35000"/>
-                  </a:schemeClr>
-                </a:solidFill>
-              </a:rPr>
-              <a:t>click</a:t>
-            </a:r>
-            <a:r>
-              <a:rPr lang="es-AR" sz="2800" dirty="0">
-                <a:solidFill>
-                  <a:schemeClr val="tx1">
-                    <a:lumMod val="65000"/>
-                    <a:lumOff val="35000"/>
-                  </a:schemeClr>
-                </a:solidFill>
-              </a:rPr>
-              <a:t>: 15-30 centavos</a:t>
-            </a:r>
-          </a:p>
-          <a:p>
-            <a:pPr marL="1188720" lvl="1" indent="-182880">
-              <a:lnSpc>
-                <a:spcPct val="90000"/>
-              </a:lnSpc>
-              <a:buClr>
-                <a:schemeClr val="accent1"/>
-              </a:buClr>
-              <a:buFont typeface="Wingdings 2" pitchFamily="18" charset="2"/>
-              <a:buChar char=""/>
-            </a:pPr>
-            <a:r>
-              <a:rPr lang="es-AR" sz="2800" dirty="0">
-                <a:solidFill>
-                  <a:schemeClr val="tx1">
-                    <a:lumMod val="65000"/>
-                    <a:lumOff val="35000"/>
-                  </a:schemeClr>
-                </a:solidFill>
-              </a:rPr>
-              <a:t>Por impresión: 10-20 centavos</a:t>
-            </a:r>
-          </a:p>
-          <a:p>
-            <a:pPr marL="1188720" lvl="1" indent="-182880">
-              <a:lnSpc>
-                <a:spcPct val="90000"/>
-              </a:lnSpc>
-              <a:buClr>
-                <a:schemeClr val="accent1"/>
-              </a:buClr>
-              <a:buFont typeface="Wingdings 2" pitchFamily="18" charset="2"/>
-              <a:buChar char=""/>
-            </a:pPr>
-            <a:r>
-              <a:rPr lang="es-AR" sz="2800" dirty="0">
-                <a:solidFill>
-                  <a:schemeClr val="tx1">
-                    <a:lumMod val="65000"/>
-                    <a:lumOff val="35000"/>
-                  </a:schemeClr>
-                </a:solidFill>
-              </a:rPr>
-              <a:t>Probabilidad de </a:t>
-            </a:r>
-            <a:r>
-              <a:rPr lang="es-AR" sz="2800" dirty="0" err="1">
-                <a:solidFill>
-                  <a:schemeClr val="tx1">
-                    <a:lumMod val="65000"/>
-                    <a:lumOff val="35000"/>
-                  </a:schemeClr>
-                </a:solidFill>
-              </a:rPr>
-              <a:t>click</a:t>
-            </a:r>
-            <a:r>
-              <a:rPr lang="es-AR" sz="2800" dirty="0">
-                <a:solidFill>
-                  <a:schemeClr val="tx1">
-                    <a:lumMod val="65000"/>
-                    <a:lumOff val="35000"/>
-                  </a:schemeClr>
-                </a:solidFill>
-              </a:rPr>
-              <a:t>: 1,5%-2,5%</a:t>
-            </a:r>
           </a:p>
         </p:txBody>
       </p:sp>
     </p:spTree>
     <p:extLst>
       <p:ext uri="{BB962C8B-B14F-4D97-AF65-F5344CB8AC3E}">
-        <p14:creationId xmlns:p14="http://schemas.microsoft.com/office/powerpoint/2010/main" val="318816464"/>
+        <p14:creationId xmlns:p14="http://schemas.microsoft.com/office/powerpoint/2010/main" val="4021245580"/>
       </p:ext>
     </p:extLst>
   </p:cSld>
@@ -11593,7 +11465,7 @@
           <a:p>
             <a:r>
               <a:rPr lang="es-AR" dirty="0" smtClean="0"/>
-              <a:t>Estimación</a:t>
+              <a:t>Mercado actual</a:t>
             </a:r>
             <a:endParaRPr lang="es-AR" dirty="0"/>
           </a:p>
@@ -11601,105 +11473,268 @@
       </p:sp>
       <p:sp>
         <p:nvSpPr>
-          <p:cNvPr id="3" name="Content Placeholder 2"/>
-          <p:cNvSpPr>
-            <a:spLocks noGrp="1"/>
-          </p:cNvSpPr>
-          <p:nvPr>
-            <p:ph idx="1"/>
-          </p:nvPr>
-        </p:nvSpPr>
-        <p:spPr/>
+          <p:cNvPr id="5" name="TextBox 4"/>
+          <p:cNvSpPr txBox="1"/>
+          <p:nvPr/>
+        </p:nvSpPr>
+        <p:spPr>
+          <a:xfrm>
+            <a:off x="2627784" y="1700808"/>
+            <a:ext cx="6264696" cy="2806922"/>
+          </a:xfrm>
+          <a:prstGeom prst="rect">
+            <a:avLst/>
+          </a:prstGeom>
+          <a:noFill/>
+        </p:spPr>
         <p:txBody>
-          <a:bodyPr/>
+          <a:bodyPr wrap="square" rtlCol="0">
+            <a:spAutoFit/>
+          </a:bodyPr>
           <a:lstStyle/>
           <a:p>
-            <a:r>
-              <a:rPr lang="es-AR" sz="2800" dirty="0" smtClean="0"/>
-              <a:t>Del mercado-&gt;cota inferior:</a:t>
-            </a:r>
-          </a:p>
-          <a:p>
-            <a:pPr lvl="1"/>
-            <a:r>
-              <a:rPr lang="es-AR" sz="2400" dirty="0" smtClean="0"/>
-              <a:t>15 centavos por </a:t>
-            </a:r>
-            <a:r>
-              <a:rPr lang="es-AR" sz="2400" dirty="0" err="1" smtClean="0"/>
+            <a:pPr marL="731520" indent="-182880">
+              <a:lnSpc>
+                <a:spcPct val="90000"/>
+              </a:lnSpc>
+              <a:buClr>
+                <a:schemeClr val="accent1"/>
+              </a:buClr>
+              <a:buFont typeface="Wingdings 2" pitchFamily="18" charset="2"/>
+              <a:buChar char=""/>
+            </a:pPr>
+            <a:r>
+              <a:rPr lang="es-AR" sz="2800" dirty="0">
+                <a:solidFill>
+                  <a:schemeClr val="tx1">
+                    <a:lumMod val="65000"/>
+                    <a:lumOff val="35000"/>
+                  </a:schemeClr>
+                </a:solidFill>
+              </a:rPr>
+              <a:t>Descarga paga</a:t>
+            </a:r>
+            <a:r>
+              <a:rPr lang="es-AR" sz="2800" dirty="0" smtClean="0">
+                <a:solidFill>
+                  <a:schemeClr val="tx1">
+                    <a:lumMod val="65000"/>
+                    <a:lumOff val="35000"/>
+                  </a:schemeClr>
+                </a:solidFill>
+              </a:rPr>
+              <a:t>:</a:t>
+            </a:r>
+          </a:p>
+          <a:p>
+            <a:pPr marL="1188720" lvl="1" indent="-182880">
+              <a:lnSpc>
+                <a:spcPct val="90000"/>
+              </a:lnSpc>
+              <a:buClr>
+                <a:schemeClr val="accent1"/>
+              </a:buClr>
+              <a:buFont typeface="Wingdings 2" pitchFamily="18" charset="2"/>
+              <a:buChar char=""/>
+            </a:pPr>
+            <a:r>
+              <a:rPr lang="es-AR" sz="2800" smtClean="0">
+                <a:solidFill>
+                  <a:schemeClr val="tx1">
+                    <a:lumMod val="65000"/>
+                    <a:lumOff val="35000"/>
+                  </a:schemeClr>
+                </a:solidFill>
+              </a:rPr>
+              <a:t> 1-5 </a:t>
+            </a:r>
+            <a:r>
+              <a:rPr lang="es-AR" sz="2800" dirty="0" smtClean="0">
+                <a:solidFill>
+                  <a:schemeClr val="tx1">
+                    <a:lumMod val="65000"/>
+                    <a:lumOff val="35000"/>
+                  </a:schemeClr>
+                </a:solidFill>
+              </a:rPr>
+              <a:t>USD</a:t>
+            </a:r>
+          </a:p>
+          <a:p>
+            <a:pPr marL="731520" indent="-182880">
+              <a:lnSpc>
+                <a:spcPct val="90000"/>
+              </a:lnSpc>
+              <a:buClr>
+                <a:schemeClr val="accent1"/>
+              </a:buClr>
+              <a:buFont typeface="Wingdings 2" pitchFamily="18" charset="2"/>
+              <a:buChar char=""/>
+            </a:pPr>
+            <a:endParaRPr lang="es-AR" sz="2800" dirty="0">
+              <a:solidFill>
+                <a:schemeClr val="tx1">
+                  <a:lumMod val="65000"/>
+                  <a:lumOff val="35000"/>
+                </a:schemeClr>
+              </a:solidFill>
+            </a:endParaRPr>
+          </a:p>
+          <a:p>
+            <a:pPr marL="731520" indent="-182880">
+              <a:lnSpc>
+                <a:spcPct val="90000"/>
+              </a:lnSpc>
+              <a:buClr>
+                <a:schemeClr val="accent1"/>
+              </a:buClr>
+              <a:buFont typeface="Wingdings 2" pitchFamily="18" charset="2"/>
+              <a:buChar char=""/>
+            </a:pPr>
+            <a:r>
+              <a:rPr lang="es-AR" sz="2800" dirty="0">
+                <a:solidFill>
+                  <a:schemeClr val="tx1">
+                    <a:lumMod val="65000"/>
+                    <a:lumOff val="35000"/>
+                  </a:schemeClr>
+                </a:solidFill>
+              </a:rPr>
+              <a:t>Publicidad:</a:t>
+            </a:r>
+          </a:p>
+          <a:p>
+            <a:pPr marL="1188720" lvl="1" indent="-182880">
+              <a:lnSpc>
+                <a:spcPct val="90000"/>
+              </a:lnSpc>
+              <a:buClr>
+                <a:schemeClr val="accent1"/>
+              </a:buClr>
+              <a:buFont typeface="Wingdings 2" pitchFamily="18" charset="2"/>
+              <a:buChar char=""/>
+            </a:pPr>
+            <a:r>
+              <a:rPr lang="es-AR" sz="2800" dirty="0">
+                <a:solidFill>
+                  <a:schemeClr val="tx1">
+                    <a:lumMod val="65000"/>
+                    <a:lumOff val="35000"/>
+                  </a:schemeClr>
+                </a:solidFill>
+              </a:rPr>
+              <a:t>Por </a:t>
+            </a:r>
+            <a:r>
+              <a:rPr lang="es-AR" sz="2800" dirty="0" err="1">
+                <a:solidFill>
+                  <a:schemeClr val="tx1">
+                    <a:lumMod val="65000"/>
+                    <a:lumOff val="35000"/>
+                  </a:schemeClr>
+                </a:solidFill>
+              </a:rPr>
               <a:t>click</a:t>
             </a:r>
-            <a:endParaRPr lang="es-AR" sz="2400" dirty="0" smtClean="0"/>
-          </a:p>
-          <a:p>
-            <a:pPr lvl="1"/>
-            <a:r>
-              <a:rPr lang="es-AR" sz="2400" dirty="0" smtClean="0"/>
-              <a:t>1,5% probabilidad de </a:t>
-            </a:r>
-            <a:r>
-              <a:rPr lang="es-AR" sz="2400" dirty="0" err="1" smtClean="0"/>
+            <a:r>
+              <a:rPr lang="es-AR" sz="2800" dirty="0">
+                <a:solidFill>
+                  <a:schemeClr val="tx1">
+                    <a:lumMod val="65000"/>
+                    <a:lumOff val="35000"/>
+                  </a:schemeClr>
+                </a:solidFill>
+              </a:rPr>
+              <a:t>: 15-30 centavos</a:t>
+            </a:r>
+          </a:p>
+          <a:p>
+            <a:pPr marL="1188720" lvl="1" indent="-182880">
+              <a:lnSpc>
+                <a:spcPct val="90000"/>
+              </a:lnSpc>
+              <a:buClr>
+                <a:schemeClr val="accent1"/>
+              </a:buClr>
+              <a:buFont typeface="Wingdings 2" pitchFamily="18" charset="2"/>
+              <a:buChar char=""/>
+            </a:pPr>
+            <a:r>
+              <a:rPr lang="es-AR" sz="2800" dirty="0">
+                <a:solidFill>
+                  <a:schemeClr val="tx1">
+                    <a:lumMod val="65000"/>
+                    <a:lumOff val="35000"/>
+                  </a:schemeClr>
+                </a:solidFill>
+              </a:rPr>
+              <a:t>Por impresión: 10-20 centavos</a:t>
+            </a:r>
+          </a:p>
+          <a:p>
+            <a:pPr marL="1188720" lvl="1" indent="-182880">
+              <a:lnSpc>
+                <a:spcPct val="90000"/>
+              </a:lnSpc>
+              <a:buClr>
+                <a:schemeClr val="accent1"/>
+              </a:buClr>
+              <a:buFont typeface="Wingdings 2" pitchFamily="18" charset="2"/>
+              <a:buChar char=""/>
+            </a:pPr>
+            <a:r>
+              <a:rPr lang="es-AR" sz="2800" dirty="0">
+                <a:solidFill>
+                  <a:schemeClr val="tx1">
+                    <a:lumMod val="65000"/>
+                    <a:lumOff val="35000"/>
+                  </a:schemeClr>
+                </a:solidFill>
+              </a:rPr>
+              <a:t>Probabilidad de </a:t>
+            </a:r>
+            <a:r>
+              <a:rPr lang="es-AR" sz="2800" dirty="0" err="1">
+                <a:solidFill>
+                  <a:schemeClr val="tx1">
+                    <a:lumMod val="65000"/>
+                    <a:lumOff val="35000"/>
+                  </a:schemeClr>
+                </a:solidFill>
+              </a:rPr>
               <a:t>click</a:t>
             </a:r>
-            <a:endParaRPr lang="es-AR" sz="2400" dirty="0" smtClean="0"/>
-          </a:p>
-          <a:p>
-            <a:pPr lvl="1"/>
-            <a:r>
-              <a:rPr lang="es-AR" sz="2400" dirty="0" smtClean="0"/>
-              <a:t>10 centavos por impresión</a:t>
-            </a:r>
-          </a:p>
-          <a:p>
-            <a:r>
-              <a:rPr lang="es-AR" sz="2800" dirty="0" smtClean="0"/>
-              <a:t>De la aplicación:</a:t>
-            </a:r>
-          </a:p>
-          <a:p>
-            <a:pPr lvl="1"/>
-            <a:r>
-              <a:rPr lang="es-AR" sz="2400" dirty="0" smtClean="0"/>
-              <a:t>Una visita semanal</a:t>
-            </a:r>
-          </a:p>
-          <a:p>
-            <a:pPr lvl="1"/>
-            <a:r>
-              <a:rPr lang="es-AR" sz="2400" dirty="0" smtClean="0"/>
-              <a:t>Un minuto por uso</a:t>
-            </a:r>
-          </a:p>
-          <a:p>
-            <a:pPr lvl="1"/>
-            <a:r>
-              <a:rPr lang="es-AR" sz="2400" dirty="0" smtClean="0"/>
-              <a:t>4 pantallas visitadas por uso</a:t>
-            </a:r>
-          </a:p>
-          <a:p>
-            <a:pPr lvl="1"/>
-            <a:r>
-              <a:rPr lang="es-AR" sz="2400" dirty="0" smtClean="0"/>
-              <a:t>10% de versiones pagas del total</a:t>
-            </a:r>
-          </a:p>
-          <a:p>
-            <a:pPr lvl="1"/>
-            <a:endParaRPr lang="es-AR" dirty="0"/>
+            <a:r>
+              <a:rPr lang="es-AR" sz="2800" dirty="0">
+                <a:solidFill>
+                  <a:schemeClr val="tx1">
+                    <a:lumMod val="65000"/>
+                    <a:lumOff val="35000"/>
+                  </a:schemeClr>
+                </a:solidFill>
+              </a:rPr>
+              <a:t>: 1,5%-2,5%</a:t>
+            </a:r>
           </a:p>
         </p:txBody>
       </p:sp>
     </p:spTree>
     <p:extLst>
       <p:ext uri="{BB962C8B-B14F-4D97-AF65-F5344CB8AC3E}">
-        <p14:creationId xmlns:p14="http://schemas.microsoft.com/office/powerpoint/2010/main" val="45310622"/>
+        <p14:creationId xmlns:p14="http://schemas.microsoft.com/office/powerpoint/2010/main" val="318816464"/>
       </p:ext>
     </p:extLst>
   </p:cSld>
   <p:clrMapOvr>
     <a:masterClrMapping/>
   </p:clrMapOvr>
+  <p:timing>
+    <p:tnLst>
+      <p:par>
+        <p:cTn id="1" dur="indefinite" restart="never" nodeType="tmRoot"/>
+      </p:par>
+    </p:tnLst>
+  </p:timing>
 </p:sld>
 </file>
 
@@ -11732,74 +11767,118 @@
         </p:nvSpPr>
         <p:spPr/>
         <p:txBody>
-          <a:bodyPr>
-            <a:normAutofit/>
-          </a:bodyPr>
+          <a:bodyPr/>
           <a:lstStyle/>
           <a:p>
             <a:r>
-              <a:rPr lang="es-AR" sz="3000" dirty="0" smtClean="0"/>
-              <a:t>Caso 1:</a:t>
-            </a:r>
-            <a:br>
-              <a:rPr lang="es-AR" sz="3000" dirty="0" smtClean="0"/>
-            </a:br>
-            <a:r>
-              <a:rPr lang="es-AR" sz="3000" dirty="0" smtClean="0"/>
-              <a:t>Expansión nacional con un 3% del  mercado</a:t>
-            </a:r>
-            <a:br>
-              <a:rPr lang="es-AR" sz="3000" dirty="0" smtClean="0"/>
-            </a:br>
-            <a:r>
-              <a:rPr lang="es-AR" sz="3000" dirty="0" err="1" smtClean="0"/>
-              <a:t>Android</a:t>
-            </a:r>
-            <a:endParaRPr lang="es-AR" sz="3000" dirty="0"/>
+              <a:rPr lang="es-AR" dirty="0" smtClean="0"/>
+              <a:t>Estimación</a:t>
+            </a:r>
+            <a:endParaRPr lang="es-AR" dirty="0"/>
           </a:p>
         </p:txBody>
       </p:sp>
-      <p:graphicFrame>
-        <p:nvGraphicFramePr>
-          <p:cNvPr id="5" name="Chart 4"/>
-          <p:cNvGraphicFramePr>
-            <a:graphicFrameLocks/>
-          </p:cNvGraphicFramePr>
-          <p:nvPr>
-            <p:extLst>
-              <p:ext uri="{D42A27DB-BD31-4B8C-83A1-F6EECF244321}">
-                <p14:modId xmlns:p14="http://schemas.microsoft.com/office/powerpoint/2010/main" val="1825034101"/>
-              </p:ext>
-            </p:extLst>
-          </p:nvPr>
-        </p:nvGraphicFramePr>
-        <p:xfrm>
-          <a:off x="2051720" y="908720"/>
-          <a:ext cx="6840760" cy="4968552"/>
-        </p:xfrm>
-        <a:graphic>
-          <a:graphicData uri="http://schemas.openxmlformats.org/drawingml/2006/chart">
-            <c:chart xmlns:c="http://schemas.openxmlformats.org/drawingml/2006/chart" xmlns:r="http://schemas.openxmlformats.org/officeDocument/2006/relationships" r:id="rId3"/>
-          </a:graphicData>
-        </a:graphic>
-      </p:graphicFrame>
+      <p:sp>
+        <p:nvSpPr>
+          <p:cNvPr id="3" name="Content Placeholder 2"/>
+          <p:cNvSpPr>
+            <a:spLocks noGrp="1"/>
+          </p:cNvSpPr>
+          <p:nvPr>
+            <p:ph idx="1"/>
+          </p:nvPr>
+        </p:nvSpPr>
+        <p:spPr/>
+        <p:txBody>
+          <a:bodyPr/>
+          <a:lstStyle/>
+          <a:p>
+            <a:r>
+              <a:rPr lang="es-AR" sz="2800" dirty="0" smtClean="0"/>
+              <a:t>Del mercado-&gt;cota inferior:</a:t>
+            </a:r>
+          </a:p>
+          <a:p>
+            <a:pPr lvl="1"/>
+            <a:r>
+              <a:rPr lang="es-AR" sz="2400" dirty="0" smtClean="0"/>
+              <a:t>15 centavos por </a:t>
+            </a:r>
+            <a:r>
+              <a:rPr lang="es-AR" sz="2400" dirty="0" err="1" smtClean="0"/>
+              <a:t>click</a:t>
+            </a:r>
+            <a:endParaRPr lang="es-AR" sz="2400" dirty="0" smtClean="0"/>
+          </a:p>
+          <a:p>
+            <a:pPr lvl="1"/>
+            <a:r>
+              <a:rPr lang="es-AR" sz="2400" dirty="0" smtClean="0"/>
+              <a:t>1,5% probabilidad de </a:t>
+            </a:r>
+            <a:r>
+              <a:rPr lang="es-AR" sz="2400" dirty="0" err="1" smtClean="0"/>
+              <a:t>click</a:t>
+            </a:r>
+            <a:endParaRPr lang="es-AR" sz="2400" dirty="0" smtClean="0"/>
+          </a:p>
+          <a:p>
+            <a:pPr lvl="1"/>
+            <a:r>
+              <a:rPr lang="es-AR" sz="2400" dirty="0" smtClean="0"/>
+              <a:t>10 centavos por impresión</a:t>
+            </a:r>
+          </a:p>
+          <a:p>
+            <a:r>
+              <a:rPr lang="es-AR" sz="2800" dirty="0" smtClean="0"/>
+              <a:t>De la aplicación:</a:t>
+            </a:r>
+          </a:p>
+          <a:p>
+            <a:pPr lvl="1"/>
+            <a:r>
+              <a:rPr lang="es-AR" sz="2400" dirty="0" smtClean="0"/>
+              <a:t>Una visita semanal</a:t>
+            </a:r>
+          </a:p>
+          <a:p>
+            <a:pPr lvl="1"/>
+            <a:r>
+              <a:rPr lang="es-AR" sz="2400" dirty="0" smtClean="0"/>
+              <a:t>Un minuto por uso</a:t>
+            </a:r>
+          </a:p>
+          <a:p>
+            <a:pPr lvl="1"/>
+            <a:r>
+              <a:rPr lang="es-AR" sz="2400" dirty="0" smtClean="0"/>
+              <a:t>4 pantallas visitadas por uso</a:t>
+            </a:r>
+          </a:p>
+          <a:p>
+            <a:pPr lvl="1"/>
+            <a:r>
+              <a:rPr lang="es-AR" sz="2400" dirty="0" smtClean="0"/>
+              <a:t>10% de versiones pagas del total</a:t>
+            </a:r>
+          </a:p>
+          <a:p>
+            <a:pPr lvl="1"/>
+            <a:endParaRPr lang="es-AR" dirty="0"/>
+          </a:p>
+        </p:txBody>
+      </p:sp>
     </p:spTree>
     <p:extLst>
       <p:ext uri="{BB962C8B-B14F-4D97-AF65-F5344CB8AC3E}">
-        <p14:creationId xmlns:p14="http://schemas.microsoft.com/office/powerpoint/2010/main" val="4226239434"/>
+        <p14:creationId xmlns:p14="http://schemas.microsoft.com/office/powerpoint/2010/main" val="45310622"/>
       </p:ext>
     </p:extLst>
   </p:cSld>
   <p:clrMapOvr>
     <a:masterClrMapping/>
   </p:clrMapOvr>
-  <p:timing>
-    <p:tnLst>
-      <p:par>
-        <p:cTn id="1" dur="indefinite" restart="never" nodeType="tmRoot"/>
-      </p:par>
-    </p:tnLst>
-  </p:timing>
 </p:sld>
 </file>
 
@@ -11861,21 +11940,21 @@
       </p:sp>
       <p:graphicFrame>
         <p:nvGraphicFramePr>
-          <p:cNvPr id="4" name="Chart 3"/>
+          <p:cNvPr id="5" name="Chart 4"/>
           <p:cNvGraphicFramePr>
             <a:graphicFrameLocks/>
           </p:cNvGraphicFramePr>
           <p:nvPr>
             <p:extLst>
               <p:ext uri="{D42A27DB-BD31-4B8C-83A1-F6EECF244321}">
-                <p14:modId xmlns:p14="http://schemas.microsoft.com/office/powerpoint/2010/main" val="3649252265"/>
+                <p14:modId xmlns:p14="http://schemas.microsoft.com/office/powerpoint/2010/main" val="1825034101"/>
               </p:ext>
             </p:extLst>
           </p:nvPr>
         </p:nvGraphicFramePr>
         <p:xfrm>
-          <a:off x="2411760" y="764704"/>
-          <a:ext cx="6408712" cy="5256584"/>
+          <a:off x="2051720" y="908720"/>
+          <a:ext cx="6840760" cy="4968552"/>
         </p:xfrm>
         <a:graphic>
           <a:graphicData uri="http://schemas.openxmlformats.org/drawingml/2006/chart">
@@ -11886,7 +11965,7 @@
     </p:spTree>
     <p:extLst>
       <p:ext uri="{BB962C8B-B14F-4D97-AF65-F5344CB8AC3E}">
-        <p14:creationId xmlns:p14="http://schemas.microsoft.com/office/powerpoint/2010/main" val="4279891574"/>
+        <p14:creationId xmlns:p14="http://schemas.microsoft.com/office/powerpoint/2010/main" val="4226239434"/>
       </p:ext>
     </p:extLst>
   </p:cSld>
@@ -11938,30 +12017,44 @@
           <a:lstStyle/>
           <a:p>
             <a:r>
-              <a:rPr lang="es-AR" dirty="0" smtClean="0"/>
-              <a:t>Caso 2: expansión exitosa global</a:t>
-            </a:r>
-            <a:endParaRPr lang="es-AR" dirty="0"/>
+              <a:rPr lang="es-AR" sz="3000" dirty="0" smtClean="0"/>
+              <a:t>Caso 1:</a:t>
+            </a:r>
+            <a:br>
+              <a:rPr lang="es-AR" sz="3000" dirty="0" smtClean="0"/>
+            </a:br>
+            <a:r>
+              <a:rPr lang="es-AR" sz="3000" dirty="0" smtClean="0"/>
+              <a:t>Expansión nacional con un 3% del  mercado</a:t>
+            </a:r>
+            <a:br>
+              <a:rPr lang="es-AR" sz="3000" dirty="0" smtClean="0"/>
+            </a:br>
+            <a:r>
+              <a:rPr lang="es-AR" sz="3000" dirty="0" err="1" smtClean="0"/>
+              <a:t>Android</a:t>
+            </a:r>
+            <a:endParaRPr lang="es-AR" sz="3000" dirty="0"/>
           </a:p>
         </p:txBody>
       </p:sp>
       <p:graphicFrame>
         <p:nvGraphicFramePr>
-          <p:cNvPr id="5" name="Chart 4"/>
+          <p:cNvPr id="4" name="Chart 3"/>
           <p:cNvGraphicFramePr>
             <a:graphicFrameLocks/>
           </p:cNvGraphicFramePr>
           <p:nvPr>
             <p:extLst>
               <p:ext uri="{D42A27DB-BD31-4B8C-83A1-F6EECF244321}">
-                <p14:modId xmlns:p14="http://schemas.microsoft.com/office/powerpoint/2010/main" val="3309835549"/>
+                <p14:modId xmlns:p14="http://schemas.microsoft.com/office/powerpoint/2010/main" val="3649252265"/>
               </p:ext>
             </p:extLst>
           </p:nvPr>
         </p:nvGraphicFramePr>
         <p:xfrm>
-          <a:off x="2195736" y="620688"/>
-          <a:ext cx="6480720" cy="5544616"/>
+          <a:off x="2411760" y="764704"/>
+          <a:ext cx="6408712" cy="5256584"/>
         </p:xfrm>
         <a:graphic>
           <a:graphicData uri="http://schemas.openxmlformats.org/drawingml/2006/chart">
@@ -11972,7 +12065,7 @@
     </p:spTree>
     <p:extLst>
       <p:ext uri="{BB962C8B-B14F-4D97-AF65-F5344CB8AC3E}">
-        <p14:creationId xmlns:p14="http://schemas.microsoft.com/office/powerpoint/2010/main" val="4186439492"/>
+        <p14:creationId xmlns:p14="http://schemas.microsoft.com/office/powerpoint/2010/main" val="4279891574"/>
       </p:ext>
     </p:extLst>
   </p:cSld>
@@ -12033,6 +12126,92 @@
       </p:sp>
       <p:graphicFrame>
         <p:nvGraphicFramePr>
+          <p:cNvPr id="5" name="Chart 4"/>
+          <p:cNvGraphicFramePr>
+            <a:graphicFrameLocks/>
+          </p:cNvGraphicFramePr>
+          <p:nvPr>
+            <p:extLst>
+              <p:ext uri="{D42A27DB-BD31-4B8C-83A1-F6EECF244321}">
+                <p14:modId xmlns:p14="http://schemas.microsoft.com/office/powerpoint/2010/main" val="3309835549"/>
+              </p:ext>
+            </p:extLst>
+          </p:nvPr>
+        </p:nvGraphicFramePr>
+        <p:xfrm>
+          <a:off x="2195736" y="620688"/>
+          <a:ext cx="6480720" cy="5544616"/>
+        </p:xfrm>
+        <a:graphic>
+          <a:graphicData uri="http://schemas.openxmlformats.org/drawingml/2006/chart">
+            <c:chart xmlns:c="http://schemas.openxmlformats.org/drawingml/2006/chart" xmlns:r="http://schemas.openxmlformats.org/officeDocument/2006/relationships" r:id="rId3"/>
+          </a:graphicData>
+        </a:graphic>
+      </p:graphicFrame>
+    </p:spTree>
+    <p:extLst>
+      <p:ext uri="{BB962C8B-B14F-4D97-AF65-F5344CB8AC3E}">
+        <p14:creationId xmlns:p14="http://schemas.microsoft.com/office/powerpoint/2010/main" val="4186439492"/>
+      </p:ext>
+    </p:extLst>
+  </p:cSld>
+  <p:clrMapOvr>
+    <a:masterClrMapping/>
+  </p:clrMapOvr>
+  <p:timing>
+    <p:tnLst>
+      <p:par>
+        <p:cTn id="1" dur="indefinite" restart="never" nodeType="tmRoot"/>
+      </p:par>
+    </p:tnLst>
+  </p:timing>
+</p:sld>
+</file>
+
+<file path=ppt/slides/slide17.xml><?xml version="1.0" encoding="utf-8"?>
+<p:sld xmlns:a="http://schemas.openxmlformats.org/drawingml/2006/main" xmlns:r="http://schemas.openxmlformats.org/officeDocument/2006/relationships" xmlns:p="http://schemas.openxmlformats.org/presentationml/2006/main">
+  <p:cSld>
+    <p:spTree>
+      <p:nvGrpSpPr>
+        <p:cNvPr id="1" name=""/>
+        <p:cNvGrpSpPr/>
+        <p:nvPr/>
+      </p:nvGrpSpPr>
+      <p:grpSpPr>
+        <a:xfrm>
+          <a:off x="0" y="0"/>
+          <a:ext cx="0" cy="0"/>
+          <a:chOff x="0" y="0"/>
+          <a:chExt cx="0" cy="0"/>
+        </a:xfrm>
+      </p:grpSpPr>
+      <p:sp>
+        <p:nvSpPr>
+          <p:cNvPr id="2" name="Title 1"/>
+          <p:cNvSpPr>
+            <a:spLocks noGrp="1"/>
+          </p:cNvSpPr>
+          <p:nvPr>
+            <p:ph type="title"/>
+          </p:nvPr>
+        </p:nvSpPr>
+        <p:spPr/>
+        <p:txBody>
+          <a:bodyPr>
+            <a:normAutofit/>
+          </a:bodyPr>
+          <a:lstStyle/>
+          <a:p>
+            <a:r>
+              <a:rPr lang="es-AR" dirty="0" smtClean="0"/>
+              <a:t>Caso 2: expansión exitosa global</a:t>
+            </a:r>
+            <a:endParaRPr lang="es-AR" dirty="0"/>
+          </a:p>
+        </p:txBody>
+      </p:sp>
+      <p:graphicFrame>
+        <p:nvGraphicFramePr>
           <p:cNvPr id="4" name="Chart 3"/>
           <p:cNvGraphicFramePr>
             <a:graphicFrameLocks/>
@@ -12075,7 +12254,7 @@
 </p:sld>
 </file>
 
-<file path=ppt/slides/slide17.xml><?xml version="1.0" encoding="utf-8"?>
+<file path=ppt/slides/slide18.xml><?xml version="1.0" encoding="utf-8"?>
 <p:sld xmlns:a="http://schemas.openxmlformats.org/drawingml/2006/main" xmlns:r="http://schemas.openxmlformats.org/officeDocument/2006/relationships" xmlns:p="http://schemas.openxmlformats.org/presentationml/2006/main">
   <p:cSld>
     <p:spTree>
@@ -12650,6 +12829,196 @@
         </p:nvSpPr>
         <p:spPr/>
         <p:txBody>
+          <a:bodyPr>
+            <a:normAutofit/>
+          </a:bodyPr>
+          <a:lstStyle/>
+          <a:p>
+            <a:r>
+              <a:rPr lang="en-US" sz="3000" dirty="0" err="1" smtClean="0"/>
+              <a:t>Proyección</a:t>
+            </a:r>
+            <a:r>
+              <a:rPr lang="en-US" sz="3000" dirty="0" smtClean="0"/>
+              <a:t> </a:t>
+            </a:r>
+            <a:r>
+              <a:rPr lang="en-US" sz="3000" dirty="0" err="1" smtClean="0"/>
+              <a:t>crecimiento</a:t>
+            </a:r>
+            <a:endParaRPr lang="es-AR" sz="3000" dirty="0"/>
+          </a:p>
+        </p:txBody>
+      </p:sp>
+      <p:pic>
+        <p:nvPicPr>
+          <p:cNvPr id="5" name="Content Placeholder 4"/>
+          <p:cNvPicPr>
+            <a:picLocks noGrp="1" noChangeAspect="1"/>
+          </p:cNvPicPr>
+          <p:nvPr>
+            <p:ph idx="1"/>
+          </p:nvPr>
+        </p:nvPicPr>
+        <p:blipFill>
+          <a:blip r:embed="rId3">
+            <a:extLst>
+              <a:ext uri="{28A0092B-C50C-407E-A947-70E740481C1C}">
+                <a14:useLocalDpi xmlns:a14="http://schemas.microsoft.com/office/drawing/2010/main" val="0"/>
+              </a:ext>
+            </a:extLst>
+          </a:blip>
+          <a:stretch>
+            <a:fillRect/>
+          </a:stretch>
+        </p:blipFill>
+        <p:spPr>
+          <a:xfrm>
+            <a:off x="2915816" y="1772816"/>
+            <a:ext cx="5508548" cy="2933273"/>
+          </a:xfrm>
+        </p:spPr>
+      </p:pic>
+      <p:sp>
+        <p:nvSpPr>
+          <p:cNvPr id="6" name="TextBox 5"/>
+          <p:cNvSpPr txBox="1"/>
+          <p:nvPr/>
+        </p:nvSpPr>
+        <p:spPr>
+          <a:xfrm>
+            <a:off x="3131840" y="5301208"/>
+            <a:ext cx="5472608" cy="1089529"/>
+          </a:xfrm>
+          <a:prstGeom prst="rect">
+            <a:avLst/>
+          </a:prstGeom>
+          <a:noFill/>
+        </p:spPr>
+        <p:txBody>
+          <a:bodyPr wrap="square" rtlCol="0">
+            <a:spAutoFit/>
+          </a:bodyPr>
+          <a:lstStyle/>
+          <a:p>
+            <a:pPr marL="502920" lvl="1">
+              <a:lnSpc>
+                <a:spcPct val="90000"/>
+              </a:lnSpc>
+              <a:spcBef>
+                <a:spcPts val="250"/>
+              </a:spcBef>
+              <a:spcAft>
+                <a:spcPts val="250"/>
+              </a:spcAft>
+              <a:buClr>
+                <a:schemeClr val="accent1"/>
+              </a:buClr>
+            </a:pPr>
+            <a:r>
+              <a:rPr lang="es-AR" sz="2400" dirty="0">
+                <a:solidFill>
+                  <a:schemeClr val="tx1">
+                    <a:lumMod val="65000"/>
+                    <a:lumOff val="35000"/>
+                  </a:schemeClr>
+                </a:solidFill>
+              </a:rPr>
+              <a:t>Ventas de </a:t>
+            </a:r>
+            <a:r>
+              <a:rPr lang="es-AR" sz="2400" dirty="0" err="1">
+                <a:solidFill>
+                  <a:schemeClr val="tx1">
+                    <a:lumMod val="65000"/>
+                    <a:lumOff val="35000"/>
+                  </a:schemeClr>
+                </a:solidFill>
+              </a:rPr>
+              <a:t>smartphones</a:t>
+            </a:r>
+            <a:r>
+              <a:rPr lang="es-AR" sz="2400" dirty="0">
+                <a:solidFill>
+                  <a:schemeClr val="tx1">
+                    <a:lumMod val="65000"/>
+                    <a:lumOff val="35000"/>
+                  </a:schemeClr>
+                </a:solidFill>
+              </a:rPr>
+              <a:t> como porcentaje de las ventas de </a:t>
+            </a:r>
+            <a:r>
+              <a:rPr lang="es-AR" sz="2400" dirty="0">
+                <a:solidFill>
+                  <a:schemeClr val="tx1">
+                    <a:lumMod val="65000"/>
+                    <a:lumOff val="35000"/>
+                  </a:schemeClr>
+                </a:solidFill>
+              </a:rPr>
+              <a:t>teléfonos totales.</a:t>
+            </a:r>
+            <a:endParaRPr lang="es-AR" sz="2400" dirty="0">
+              <a:solidFill>
+                <a:schemeClr val="tx1">
+                  <a:lumMod val="65000"/>
+                  <a:lumOff val="35000"/>
+                </a:schemeClr>
+              </a:solidFill>
+            </a:endParaRPr>
+          </a:p>
+        </p:txBody>
+      </p:sp>
+    </p:spTree>
+    <p:extLst>
+      <p:ext uri="{BB962C8B-B14F-4D97-AF65-F5344CB8AC3E}">
+        <p14:creationId xmlns:p14="http://schemas.microsoft.com/office/powerpoint/2010/main" val="1902165730"/>
+      </p:ext>
+    </p:extLst>
+  </p:cSld>
+  <p:clrMapOvr>
+    <a:masterClrMapping/>
+  </p:clrMapOvr>
+  <p:timing>
+    <p:tnLst>
+      <p:par>
+        <p:cTn id="1" dur="indefinite" restart="never" nodeType="tmRoot"/>
+      </p:par>
+    </p:tnLst>
+  </p:timing>
+</p:sld>
+</file>
+
+<file path=ppt/slides/slide7.xml><?xml version="1.0" encoding="utf-8"?>
+<p:sld xmlns:a="http://schemas.openxmlformats.org/drawingml/2006/main" xmlns:r="http://schemas.openxmlformats.org/officeDocument/2006/relationships" xmlns:p="http://schemas.openxmlformats.org/presentationml/2006/main">
+  <p:cSld>
+    <p:spTree>
+      <p:nvGrpSpPr>
+        <p:cNvPr id="1" name=""/>
+        <p:cNvGrpSpPr/>
+        <p:nvPr/>
+      </p:nvGrpSpPr>
+      <p:grpSpPr>
+        <a:xfrm>
+          <a:off x="0" y="0"/>
+          <a:ext cx="0" cy="0"/>
+          <a:chOff x="0" y="0"/>
+          <a:chExt cx="0" cy="0"/>
+        </a:xfrm>
+      </p:grpSpPr>
+      <p:sp>
+        <p:nvSpPr>
+          <p:cNvPr id="2" name="Title 1"/>
+          <p:cNvSpPr>
+            <a:spLocks noGrp="1"/>
+          </p:cNvSpPr>
+          <p:nvPr>
+            <p:ph type="title"/>
+          </p:nvPr>
+        </p:nvSpPr>
+        <p:spPr/>
+        <p:txBody>
           <a:bodyPr/>
           <a:lstStyle/>
           <a:p>
@@ -12711,7 +13080,7 @@
 </p:sld>
 </file>
 
-<file path=ppt/slides/slide7.xml><?xml version="1.0" encoding="utf-8"?>
+<file path=ppt/slides/slide8.xml><?xml version="1.0" encoding="utf-8"?>
 <p:sld xmlns:a="http://schemas.openxmlformats.org/drawingml/2006/main" xmlns:r="http://schemas.openxmlformats.org/officeDocument/2006/relationships" xmlns:p="http://schemas.openxmlformats.org/presentationml/2006/main">
   <p:cSld>
     <p:spTree>
@@ -13398,7 +13767,7 @@
 </p:sld>
 </file>
 
-<file path=ppt/slides/slide8.xml><?xml version="1.0" encoding="utf-8"?>
+<file path=ppt/slides/slide9.xml><?xml version="1.0" encoding="utf-8"?>
 <p:sld xmlns:a="http://schemas.openxmlformats.org/drawingml/2006/main" xmlns:r="http://schemas.openxmlformats.org/officeDocument/2006/relationships" xmlns:p="http://schemas.openxmlformats.org/presentationml/2006/main">
   <p:cSld>
     <p:spTree>
@@ -13471,95 +13840,6 @@
     <p:extLst>
       <p:ext uri="{BB962C8B-B14F-4D97-AF65-F5344CB8AC3E}">
         <p14:creationId xmlns:p14="http://schemas.microsoft.com/office/powerpoint/2010/main" val="2119364365"/>
-      </p:ext>
-    </p:extLst>
-  </p:cSld>
-  <p:clrMapOvr>
-    <a:masterClrMapping/>
-  </p:clrMapOvr>
-  <p:timing>
-    <p:tnLst>
-      <p:par>
-        <p:cTn id="1" dur="indefinite" restart="never" nodeType="tmRoot"/>
-      </p:par>
-    </p:tnLst>
-  </p:timing>
-</p:sld>
-</file>
-
-<file path=ppt/slides/slide9.xml><?xml version="1.0" encoding="utf-8"?>
-<p:sld xmlns:a="http://schemas.openxmlformats.org/drawingml/2006/main" xmlns:r="http://schemas.openxmlformats.org/officeDocument/2006/relationships" xmlns:p="http://schemas.openxmlformats.org/presentationml/2006/main">
-  <p:cSld>
-    <p:spTree>
-      <p:nvGrpSpPr>
-        <p:cNvPr id="1" name=""/>
-        <p:cNvGrpSpPr/>
-        <p:nvPr/>
-      </p:nvGrpSpPr>
-      <p:grpSpPr>
-        <a:xfrm>
-          <a:off x="0" y="0"/>
-          <a:ext cx="0" cy="0"/>
-          <a:chOff x="0" y="0"/>
-          <a:chExt cx="0" cy="0"/>
-        </a:xfrm>
-      </p:grpSpPr>
-      <p:sp>
-        <p:nvSpPr>
-          <p:cNvPr id="2" name="Title 1"/>
-          <p:cNvSpPr>
-            <a:spLocks noGrp="1"/>
-          </p:cNvSpPr>
-          <p:nvPr>
-            <p:ph type="title"/>
-          </p:nvPr>
-        </p:nvSpPr>
-        <p:spPr/>
-        <p:txBody>
-          <a:bodyPr/>
-          <a:lstStyle/>
-          <a:p>
-            <a:r>
-              <a:rPr lang="es-AR" dirty="0" smtClean="0"/>
-              <a:t>Aspecto Legal</a:t>
-            </a:r>
-            <a:endParaRPr lang="es-AR" dirty="0"/>
-          </a:p>
-        </p:txBody>
-      </p:sp>
-      <p:pic>
-        <p:nvPicPr>
-          <p:cNvPr id="4" name="Content Placeholder 3"/>
-          <p:cNvPicPr>
-            <a:picLocks noGrp="1" noChangeAspect="1"/>
-          </p:cNvPicPr>
-          <p:nvPr>
-            <p:ph idx="1"/>
-          </p:nvPr>
-        </p:nvPicPr>
-        <p:blipFill>
-          <a:blip r:embed="rId3">
-            <a:extLst>
-              <a:ext uri="{28A0092B-C50C-407E-A947-70E740481C1C}">
-                <a14:useLocalDpi xmlns:a14="http://schemas.microsoft.com/office/drawing/2010/main" val="0"/>
-              </a:ext>
-            </a:extLst>
-          </a:blip>
-          <a:stretch>
-            <a:fillRect/>
-          </a:stretch>
-        </p:blipFill>
-        <p:spPr>
-          <a:xfrm>
-            <a:off x="3200298" y="1628800"/>
-            <a:ext cx="5188051" cy="3809975"/>
-          </a:xfrm>
-        </p:spPr>
-      </p:pic>
-    </p:spTree>
-    <p:extLst>
-      <p:ext uri="{BB962C8B-B14F-4D97-AF65-F5344CB8AC3E}">
-        <p14:creationId xmlns:p14="http://schemas.microsoft.com/office/powerpoint/2010/main" val="2205681447"/>
       </p:ext>
     </p:extLst>
   </p:cSld>
@@ -13801,7 +14081,7 @@
   <a:extraClrSchemeLst/>
   <a:extLst>
     <a:ext uri="{05A4C25C-085E-4340-85A3-A5531E510DB2}">
-      <thm15:themeFamily xmlns:thm15="http://schemas.microsoft.com/office/thememl/2012/main" xmlns="" name="Frame" id="{F226E7A2-7162-461C-9490-D27D9DC04E43}" vid="{629A0216-3BBD-45C0-B63F-2683BEA18F60}"/>
+      <thm15:themeFamily xmlns="" xmlns:thm15="http://schemas.microsoft.com/office/thememl/2012/main" name="Frame" id="{F226E7A2-7162-461C-9490-D27D9DC04E43}" vid="{629A0216-3BBD-45C0-B63F-2683BEA18F60}"/>
     </a:ext>
   </a:extLst>
 </a:theme>

--- a/trunk/Assets/Presentación negocio.pptx
+++ b/trunk/Assets/Presentación negocio.pptx
@@ -129,38 +129,26 @@
 
 <file path=ppt/charts/chart1.xml><?xml version="1.0" encoding="utf-8"?>
 <c:chartSpace xmlns:c="http://schemas.openxmlformats.org/drawingml/2006/chart" xmlns:a="http://schemas.openxmlformats.org/drawingml/2006/main" xmlns:r="http://schemas.openxmlformats.org/officeDocument/2006/relationships">
-  <c:date1904 val="0"/>
   <c:lang val="es-AR"/>
-  <c:roundedCorners val="0"/>
-  <mc:AlternateContent xmlns:mc="http://schemas.openxmlformats.org/markup-compatibility/2006">
-    <mc:Choice xmlns:c14="http://schemas.microsoft.com/office/drawing/2007/8/2/chart" Requires="c14">
-      <c14:style val="125"/>
-    </mc:Choice>
-    <mc:Fallback>
-      <c:style val="25"/>
-    </mc:Fallback>
-  </mc:AlternateContent>
+  <c:style val="25"/>
   <c:chart>
     <c:title>
       <c:layout/>
-      <c:overlay val="0"/>
     </c:title>
-    <c:autoTitleDeleted val="0"/>
     <c:plotArea>
       <c:layout>
         <c:manualLayout>
           <c:layoutTarget val="inner"/>
           <c:xMode val="edge"/>
           <c:yMode val="edge"/>
-          <c:x val="0.18722462817147856"/>
-          <c:y val="0.15313684747739867"/>
+          <c:x val="0.18722462817147859"/>
+          <c:y val="0.15313684747739875"/>
           <c:w val="0.76813648293963255"/>
-          <c:h val="0.65870878633842911"/>
+          <c:h val="0.65870878633842933"/>
         </c:manualLayout>
       </c:layout>
       <c:scatterChart>
         <c:scatterStyle val="lineMarker"/>
-        <c:varyColors val="0"/>
         <c:ser>
           <c:idx val="1"/>
           <c:order val="0"/>
@@ -195,7 +183,7 @@
               <c:layout>
                 <c:manualLayout>
                   <c:x val="-2.4106678205345605E-2"/>
-                  <c:y val="-0.10516343594673055"/>
+                  <c:y val="-0.10516343594673058"/>
                 </c:manualLayout>
               </c:layout>
               <c:spPr/>
@@ -210,13 +198,9 @@
                 </a:p>
               </c:txPr>
               <c:dLblPos val="r"/>
-              <c:showLegendKey val="0"/>
               <c:showVal val="1"/>
-              <c:showCatName val="0"/>
-              <c:showSerName val="0"/>
-              <c:showPercent val="0"/>
-              <c:showBubbleSize val="0"/>
             </c:dLbl>
+            <c:delete val="1"/>
             <c:txPr>
               <a:bodyPr/>
               <a:lstStyle/>
@@ -228,12 +212,6 @@
               </a:p>
             </c:txPr>
             <c:dLblPos val="r"/>
-            <c:showLegendKey val="0"/>
-            <c:showVal val="0"/>
-            <c:showCatName val="0"/>
-            <c:showSerName val="0"/>
-            <c:showPercent val="0"/>
-            <c:showBubbleSize val="0"/>
           </c:dLbls>
           <c:yVal>
             <c:numRef>
@@ -284,19 +262,19 @@
                   <c:v>131960.13600000003</c:v>
                 </c:pt>
                 <c:pt idx="14">
-                  <c:v>132619.93668000001</c:v>
+                  <c:v>132619.93667999998</c:v>
                 </c:pt>
                 <c:pt idx="15">
                   <c:v>137924.73414720001</c:v>
                 </c:pt>
                 <c:pt idx="16">
-                  <c:v>142062.47617161603</c:v>
+                  <c:v>142062.47617161606</c:v>
                 </c:pt>
                 <c:pt idx="17">
-                  <c:v>144903.72569504834</c:v>
+                  <c:v>144903.72569504831</c:v>
                 </c:pt>
                 <c:pt idx="18">
-                  <c:v>149250.83746589979</c:v>
+                  <c:v>149250.83746589976</c:v>
                 </c:pt>
                 <c:pt idx="19">
                   <c:v>146640.59182079998</c:v>
@@ -316,27 +294,18 @@
               </c:numCache>
             </c:numRef>
           </c:yVal>
-          <c:smooth val="0"/>
         </c:ser>
-        <c:dLbls>
-          <c:showLegendKey val="0"/>
-          <c:showVal val="0"/>
-          <c:showCatName val="0"/>
-          <c:showSerName val="0"/>
-          <c:showPercent val="0"/>
-          <c:showBubbleSize val="0"/>
-        </c:dLbls>
-        <c:axId val="83653760"/>
-        <c:axId val="83655680"/>
+        <c:dLbls/>
+        <c:axId val="63902464"/>
+        <c:axId val="63904384"/>
       </c:scatterChart>
       <c:valAx>
-        <c:axId val="83653760"/>
+        <c:axId val="63902464"/>
         <c:scaling>
           <c:orientation val="minMax"/>
           <c:max val="24"/>
           <c:min val="0"/>
         </c:scaling>
-        <c:delete val="0"/>
         <c:axPos val="b"/>
         <c:majorGridlines/>
         <c:title>
@@ -356,22 +325,19 @@
             </c:rich>
           </c:tx>
           <c:layout/>
-          <c:overlay val="0"/>
         </c:title>
         <c:majorTickMark val="none"/>
-        <c:minorTickMark val="none"/>
         <c:tickLblPos val="nextTo"/>
-        <c:crossAx val="83655680"/>
+        <c:crossAx val="63904384"/>
         <c:crosses val="autoZero"/>
         <c:crossBetween val="midCat"/>
         <c:majorUnit val="3"/>
       </c:valAx>
       <c:valAx>
-        <c:axId val="83655680"/>
+        <c:axId val="63904384"/>
         <c:scaling>
           <c:orientation val="minMax"/>
         </c:scaling>
-        <c:delete val="0"/>
         <c:axPos val="l"/>
         <c:majorGridlines/>
         <c:title>
@@ -391,13 +357,11 @@
             </c:rich>
           </c:tx>
           <c:layout/>
-          <c:overlay val="0"/>
         </c:title>
         <c:numFmt formatCode="0" sourceLinked="1"/>
         <c:majorTickMark val="none"/>
-        <c:minorTickMark val="none"/>
         <c:tickLblPos val="nextTo"/>
-        <c:crossAx val="83653760"/>
+        <c:crossAx val="63902464"/>
         <c:crosses val="autoZero"/>
         <c:crossBetween val="midCat"/>
       </c:valAx>
@@ -408,13 +372,12 @@
         <c:manualLayout>
           <c:xMode val="edge"/>
           <c:yMode val="edge"/>
-          <c:x val="5.8500218722659668E-2"/>
-          <c:y val="0.8926360228618575"/>
+          <c:x val="5.8500218722659675E-2"/>
+          <c:y val="0.89263602286185761"/>
           <c:w val="0.28299934383202102"/>
-          <c:h val="7.7401435370898525E-2"/>
+          <c:h val="7.7401435370898539E-2"/>
         </c:manualLayout>
       </c:layout>
-      <c:overlay val="0"/>
       <c:txPr>
         <a:bodyPr/>
         <a:lstStyle/>
@@ -428,27 +391,15 @@
     </c:legend>
     <c:plotVisOnly val="1"/>
     <c:dispBlanksAs val="gap"/>
-    <c:showDLblsOverMax val="0"/>
   </c:chart>
-  <c:externalData r:id="rId1">
-    <c:autoUpdate val="0"/>
-  </c:externalData>
+  <c:externalData r:id="rId1"/>
 </c:chartSpace>
 </file>
 
 <file path=ppt/charts/chart2.xml><?xml version="1.0" encoding="utf-8"?>
 <c:chartSpace xmlns:c="http://schemas.openxmlformats.org/drawingml/2006/chart" xmlns:a="http://schemas.openxmlformats.org/drawingml/2006/main" xmlns:r="http://schemas.openxmlformats.org/officeDocument/2006/relationships">
-  <c:date1904 val="0"/>
   <c:lang val="es-AR"/>
-  <c:roundedCorners val="0"/>
-  <mc:AlternateContent xmlns:mc="http://schemas.openxmlformats.org/markup-compatibility/2006">
-    <mc:Choice xmlns:c14="http://schemas.microsoft.com/office/drawing/2007/8/2/chart" Requires="c14">
-      <c14:style val="130"/>
-    </mc:Choice>
-    <mc:Fallback>
-      <c:style val="30"/>
-    </mc:Fallback>
-  </mc:AlternateContent>
+  <c:style val="30"/>
   <c:chart>
     <c:title>
       <c:tx>
@@ -467,9 +418,7 @@
         </c:rich>
       </c:tx>
       <c:layout/>
-      <c:overlay val="0"/>
     </c:title>
-    <c:autoTitleDeleted val="0"/>
     <c:plotArea>
       <c:layout>
         <c:manualLayout>
@@ -477,14 +426,13 @@
           <c:xMode val="edge"/>
           <c:yMode val="edge"/>
           <c:x val="0.13186152249103578"/>
-          <c:y val="0.13945483240158113"/>
-          <c:w val="0.83113214475133612"/>
-          <c:h val="0.70870113758403952"/>
+          <c:y val="0.13945483240158116"/>
+          <c:w val="0.8311321447513359"/>
+          <c:h val="0.70870113758403974"/>
         </c:manualLayout>
       </c:layout>
       <c:scatterChart>
         <c:scatterStyle val="lineMarker"/>
-        <c:varyColors val="0"/>
         <c:ser>
           <c:idx val="1"/>
           <c:order val="0"/>
@@ -607,7 +555,7 @@
                   <c:v>16.38</c:v>
                 </c:pt>
                 <c:pt idx="2">
-                  <c:v>32.76</c:v>
+                  <c:v>32.760000000000005</c:v>
                 </c:pt>
                 <c:pt idx="3">
                   <c:v>131.04</c:v>
@@ -634,40 +582,40 @@
                   <c:v>3852.5759999999996</c:v>
                 </c:pt>
                 <c:pt idx="11">
-                  <c:v>4237.8335999999999</c:v>
+                  <c:v>4237.8336000000008</c:v>
                 </c:pt>
                 <c:pt idx="12">
-                  <c:v>4280.2119360000006</c:v>
+                  <c:v>4280.2119360000015</c:v>
                 </c:pt>
                 <c:pt idx="13">
-                  <c:v>4323.0140553600013</c:v>
+                  <c:v>4323.0140553600004</c:v>
                 </c:pt>
                 <c:pt idx="14">
-                  <c:v>4344.6291256368004</c:v>
+                  <c:v>4344.6291256368013</c:v>
                 </c:pt>
                 <c:pt idx="15">
-                  <c:v>4518.4142906622719</c:v>
+                  <c:v>4518.4142906622728</c:v>
                 </c:pt>
                 <c:pt idx="16">
                   <c:v>4653.9667193821415</c:v>
                 </c:pt>
                 <c:pt idx="17">
-                  <c:v>4747.0460537697836</c:v>
+                  <c:v>4747.0460537697845</c:v>
                 </c:pt>
                 <c:pt idx="18">
                   <c:v>4889.4574353828775</c:v>
                 </c:pt>
                 <c:pt idx="19">
-                  <c:v>4803.9457880494074</c:v>
+                  <c:v>4803.9457880494065</c:v>
                 </c:pt>
                 <c:pt idx="20">
-                  <c:v>5004.1101958847994</c:v>
+                  <c:v>5004.1101958848003</c:v>
                 </c:pt>
                 <c:pt idx="21">
-                  <c:v>5106.2348937599991</c:v>
+                  <c:v>5106.23489376</c:v>
                 </c:pt>
                 <c:pt idx="22">
-                  <c:v>5183.9948160000004</c:v>
+                  <c:v>5183.9948159999994</c:v>
                 </c:pt>
                 <c:pt idx="23">
                   <c:v>5236.3584000000001</c:v>
@@ -675,7 +623,6 @@
               </c:numCache>
             </c:numRef>
           </c:yVal>
-          <c:smooth val="0"/>
         </c:ser>
         <c:ser>
           <c:idx val="2"/>
@@ -824,25 +771,25 @@
                   <c:v>1176.0000000000016</c:v>
                 </c:pt>
                 <c:pt idx="12">
-                  <c:v>129.36000000000058</c:v>
+                  <c:v>129.36000000000061</c:v>
                 </c:pt>
                 <c:pt idx="13">
                   <c:v>130.65360000000075</c:v>
                 </c:pt>
                 <c:pt idx="14">
-                  <c:v>65.980067999998582</c:v>
+                  <c:v>65.980067999998596</c:v>
                 </c:pt>
                 <c:pt idx="15">
-                  <c:v>530.47974671999987</c:v>
+                  <c:v>530.47974671999998</c:v>
                 </c:pt>
                 <c:pt idx="16">
                   <c:v>413.77420244160169</c:v>
                 </c:pt>
                 <c:pt idx="17">
-                  <c:v>284.12495234323143</c:v>
+                  <c:v>284.12495234323148</c:v>
                 </c:pt>
                 <c:pt idx="18">
-                  <c:v>434.71117708514504</c:v>
+                  <c:v>434.71117708514498</c:v>
                 </c:pt>
                 <c:pt idx="19">
                   <c:v>0</c:v>
@@ -851,10 +798,10 @@
                   <c:v>611.0024659200019</c:v>
                 </c:pt>
                 <c:pt idx="21">
-                  <c:v>311.73595199999983</c:v>
+                  <c:v>311.73595199999977</c:v>
                 </c:pt>
                 <c:pt idx="22">
-                  <c:v>237.36240000000109</c:v>
+                  <c:v>237.36240000000112</c:v>
                 </c:pt>
                 <c:pt idx="23">
                   <c:v>159.83999999999943</c:v>
@@ -862,7 +809,6 @@
               </c:numCache>
             </c:numRef>
           </c:yVal>
-          <c:smooth val="0"/>
         </c:ser>
         <c:ser>
           <c:idx val="3"/>
@@ -897,17 +843,13 @@
               <c:idx val="23"/>
               <c:layout>
                 <c:manualLayout>
-                  <c:x val="-2.9936672423719057E-2"/>
-                  <c:y val="-9.4029135112611378E-2"/>
+                  <c:x val="-2.9936672423719068E-2"/>
+                  <c:y val="-9.4029135112611392E-2"/>
                 </c:manualLayout>
               </c:layout>
-              <c:showLegendKey val="0"/>
               <c:showVal val="1"/>
-              <c:showCatName val="0"/>
-              <c:showSerName val="0"/>
-              <c:showPercent val="0"/>
-              <c:showBubbleSize val="0"/>
             </c:dLbl>
+            <c:delete val="1"/>
             <c:txPr>
               <a:bodyPr/>
               <a:lstStyle/>
@@ -918,12 +860,6 @@
                 <a:endParaRPr lang="es-AR"/>
               </a:p>
             </c:txPr>
-            <c:showLegendKey val="0"/>
-            <c:showVal val="0"/>
-            <c:showCatName val="0"/>
-            <c:showSerName val="0"/>
-            <c:showPercent val="0"/>
-            <c:showBubbleSize val="0"/>
           </c:dLbls>
           <c:xVal>
             <c:numRef>
@@ -1016,13 +952,13 @@
                   <c:v>13.276</c:v>
                 </c:pt>
                 <c:pt idx="1">
-                  <c:v>56.379999999999995</c:v>
+                  <c:v>56.38</c:v>
                 </c:pt>
                 <c:pt idx="2">
                   <c:v>82.759999999999991</c:v>
                 </c:pt>
                 <c:pt idx="3">
-                  <c:v>431.03999999999996</c:v>
+                  <c:v>431.03999999999991</c:v>
                 </c:pt>
                 <c:pt idx="4">
                   <c:v>927.6</c:v>
@@ -1055,25 +991,25 @@
                   <c:v>4453.6676553600018</c:v>
                 </c:pt>
                 <c:pt idx="14">
-                  <c:v>4410.6091936367993</c:v>
+                  <c:v>4410.6091936368002</c:v>
                 </c:pt>
                 <c:pt idx="15">
                   <c:v>5048.8940373822716</c:v>
                 </c:pt>
                 <c:pt idx="16">
-                  <c:v>5067.7409218237435</c:v>
+                  <c:v>5067.7409218237444</c:v>
                 </c:pt>
                 <c:pt idx="17">
                   <c:v>5031.1710061130152</c:v>
                 </c:pt>
                 <c:pt idx="18">
-                  <c:v>5324.1686124680227</c:v>
+                  <c:v>5324.1686124680236</c:v>
                 </c:pt>
                 <c:pt idx="19">
-                  <c:v>4803.9457880494074</c:v>
+                  <c:v>4803.9457880494065</c:v>
                 </c:pt>
                 <c:pt idx="20">
-                  <c:v>5615.1126618048011</c:v>
+                  <c:v>5615.1126618048029</c:v>
                 </c:pt>
                 <c:pt idx="21">
                   <c:v>5417.9708457599991</c:v>
@@ -1087,7 +1023,6 @@
               </c:numCache>
             </c:numRef>
           </c:yVal>
-          <c:smooth val="0"/>
         </c:ser>
         <c:ser>
           <c:idx val="4"/>
@@ -1238,16 +1173,16 @@
                   <c:v>1176</c:v>
                 </c:pt>
                 <c:pt idx="11">
-                  <c:v>1293.6000000000001</c:v>
+                  <c:v>1293.5999999999999</c:v>
                 </c:pt>
                 <c:pt idx="12">
                   <c:v>1306.5360000000003</c:v>
                 </c:pt>
                 <c:pt idx="13">
-                  <c:v>1319.6013600000003</c:v>
+                  <c:v>1319.6013600000001</c:v>
                 </c:pt>
                 <c:pt idx="14">
-                  <c:v>1326.1993668000002</c:v>
+                  <c:v>1326.1993668</c:v>
                 </c:pt>
                 <c:pt idx="15">
                   <c:v>1379.247341472</c:v>
@@ -1259,10 +1194,10 @@
                   <c:v>1449.0372569504834</c:v>
                 </c:pt>
                 <c:pt idx="18">
-                  <c:v>1492.508374658998</c:v>
+                  <c:v>1492.5083746589978</c:v>
                 </c:pt>
                 <c:pt idx="19">
-                  <c:v>1466.4059182079998</c:v>
+                  <c:v>1466.405918208</c:v>
                 </c:pt>
                 <c:pt idx="20">
                   <c:v>1527.5061648000001</c:v>
@@ -1271,7 +1206,7 @@
                   <c:v>1558.67976</c:v>
                 </c:pt>
                 <c:pt idx="22">
-                  <c:v>1582.4160000000002</c:v>
+                  <c:v>1582.4160000000004</c:v>
                 </c:pt>
                 <c:pt idx="23">
                   <c:v>1598.4</c:v>
@@ -1279,27 +1214,18 @@
               </c:numCache>
             </c:numRef>
           </c:yVal>
-          <c:smooth val="0"/>
         </c:ser>
-        <c:dLbls>
-          <c:showLegendKey val="0"/>
-          <c:showVal val="0"/>
-          <c:showCatName val="0"/>
-          <c:showSerName val="0"/>
-          <c:showPercent val="0"/>
-          <c:showBubbleSize val="0"/>
-        </c:dLbls>
-        <c:axId val="84069760"/>
-        <c:axId val="84076416"/>
+        <c:dLbls/>
+        <c:axId val="63551360"/>
+        <c:axId val="65478656"/>
       </c:scatterChart>
       <c:valAx>
-        <c:axId val="84069760"/>
+        <c:axId val="63551360"/>
         <c:scaling>
           <c:orientation val="minMax"/>
           <c:max val="24"/>
           <c:min val="0"/>
         </c:scaling>
-        <c:delete val="0"/>
         <c:axPos val="b"/>
         <c:majorGridlines/>
         <c:title>
@@ -1319,23 +1245,20 @@
             </c:rich>
           </c:tx>
           <c:layout/>
-          <c:overlay val="0"/>
         </c:title>
         <c:numFmt formatCode="General" sourceLinked="1"/>
         <c:majorTickMark val="none"/>
-        <c:minorTickMark val="none"/>
         <c:tickLblPos val="nextTo"/>
-        <c:crossAx val="84076416"/>
+        <c:crossAx val="65478656"/>
         <c:crosses val="autoZero"/>
         <c:crossBetween val="midCat"/>
         <c:majorUnit val="3"/>
       </c:valAx>
       <c:valAx>
-        <c:axId val="84076416"/>
+        <c:axId val="65478656"/>
         <c:scaling>
           <c:orientation val="minMax"/>
         </c:scaling>
-        <c:delete val="0"/>
         <c:axPos val="l"/>
         <c:majorGridlines/>
         <c:title>
@@ -1355,13 +1278,11 @@
             </c:rich>
           </c:tx>
           <c:layout/>
-          <c:overlay val="0"/>
         </c:title>
         <c:numFmt formatCode="0" sourceLinked="1"/>
         <c:majorTickMark val="none"/>
-        <c:minorTickMark val="none"/>
         <c:tickLblPos val="nextTo"/>
-        <c:crossAx val="84069760"/>
+        <c:crossAx val="63551360"/>
         <c:crosses val="autoZero"/>
         <c:crossBetween val="midCat"/>
       </c:valAx>
@@ -1369,52 +1290,36 @@
     <c:legend>
       <c:legendPos val="b"/>
       <c:layout/>
-      <c:overlay val="0"/>
     </c:legend>
     <c:plotVisOnly val="1"/>
     <c:dispBlanksAs val="gap"/>
-    <c:showDLblsOverMax val="0"/>
   </c:chart>
-  <c:externalData r:id="rId1">
-    <c:autoUpdate val="0"/>
-  </c:externalData>
+  <c:externalData r:id="rId1"/>
 </c:chartSpace>
 </file>
 
 <file path=ppt/charts/chart3.xml><?xml version="1.0" encoding="utf-8"?>
 <c:chartSpace xmlns:c="http://schemas.openxmlformats.org/drawingml/2006/chart" xmlns:a="http://schemas.openxmlformats.org/drawingml/2006/main" xmlns:r="http://schemas.openxmlformats.org/officeDocument/2006/relationships">
-  <c:date1904 val="0"/>
   <c:lang val="es-AR"/>
-  <c:roundedCorners val="0"/>
-  <mc:AlternateContent xmlns:mc="http://schemas.openxmlformats.org/markup-compatibility/2006">
-    <mc:Choice xmlns:c14="http://schemas.microsoft.com/office/drawing/2007/8/2/chart" Requires="c14">
-      <c14:style val="125"/>
-    </mc:Choice>
-    <mc:Fallback>
-      <c:style val="25"/>
-    </mc:Fallback>
-  </mc:AlternateContent>
+  <c:style val="25"/>
   <c:chart>
     <c:title>
       <c:layout/>
-      <c:overlay val="0"/>
     </c:title>
-    <c:autoTitleDeleted val="0"/>
     <c:plotArea>
       <c:layout>
         <c:manualLayout>
           <c:layoutTarget val="inner"/>
           <c:xMode val="edge"/>
           <c:yMode val="edge"/>
-          <c:x val="0.18722462817147856"/>
-          <c:y val="0.15313684747739867"/>
+          <c:x val="0.18722462817147859"/>
+          <c:y val="0.15313684747739875"/>
           <c:w val="0.76813648293963255"/>
           <c:h val="0.70451894233974"/>
         </c:manualLayout>
       </c:layout>
       <c:scatterChart>
         <c:scatterStyle val="lineMarker"/>
-        <c:varyColors val="0"/>
         <c:ser>
           <c:idx val="1"/>
           <c:order val="0"/>
@@ -1448,8 +1353,8 @@
               <c:idx val="23"/>
               <c:layout>
                 <c:manualLayout>
-                  <c:x val="-2.8748040341196657E-2"/>
-                  <c:y val="-7.9197331732788492E-2"/>
+                  <c:x val="-2.8748040341196653E-2"/>
+                  <c:y val="-7.9197331732788506E-2"/>
                 </c:manualLayout>
               </c:layout>
               <c:spPr/>
@@ -1464,20 +1369,10 @@
                 </a:p>
               </c:txPr>
               <c:dLblPos val="r"/>
-              <c:showLegendKey val="0"/>
               <c:showVal val="1"/>
-              <c:showCatName val="0"/>
-              <c:showSerName val="0"/>
-              <c:showPercent val="0"/>
-              <c:showBubbleSize val="0"/>
             </c:dLbl>
+            <c:delete val="1"/>
             <c:dLblPos val="r"/>
-            <c:showLegendKey val="0"/>
-            <c:showVal val="0"/>
-            <c:showCatName val="0"/>
-            <c:showSerName val="0"/>
-            <c:showPercent val="0"/>
-            <c:showBubbleSize val="0"/>
           </c:dLbls>
           <c:yVal>
             <c:numRef>
@@ -1489,13 +1384,13 @@
                   <c:v>20000</c:v>
                 </c:pt>
                 <c:pt idx="1">
-                  <c:v>29411.764705882353</c:v>
+                  <c:v>29411.764705882357</c:v>
                 </c:pt>
                 <c:pt idx="2">
                   <c:v>44117.647058823532</c:v>
                 </c:pt>
                 <c:pt idx="3">
-                  <c:v>58823.529411764706</c:v>
+                  <c:v>58823.529411764699</c:v>
                 </c:pt>
                 <c:pt idx="4">
                   <c:v>88235.294117647063</c:v>
@@ -1507,13 +1402,13 @@
                   <c:v>141176.4705882353</c:v>
                 </c:pt>
                 <c:pt idx="7">
-                  <c:v>176470.58823529413</c:v>
+                  <c:v>176470.5882352941</c:v>
                 </c:pt>
                 <c:pt idx="8">
-                  <c:v>205882.35294117648</c:v>
+                  <c:v>205882.3529411765</c:v>
                 </c:pt>
                 <c:pt idx="9">
-                  <c:v>235294.11764705883</c:v>
+                  <c:v>235294.11764705885</c:v>
                 </c:pt>
                 <c:pt idx="10">
                   <c:v>500000</c:v>
@@ -1560,27 +1455,18 @@
               </c:numCache>
             </c:numRef>
           </c:yVal>
-          <c:smooth val="0"/>
         </c:ser>
-        <c:dLbls>
-          <c:showLegendKey val="0"/>
-          <c:showVal val="0"/>
-          <c:showCatName val="0"/>
-          <c:showSerName val="0"/>
-          <c:showPercent val="0"/>
-          <c:showBubbleSize val="0"/>
-        </c:dLbls>
-        <c:axId val="84098048"/>
-        <c:axId val="84141184"/>
+        <c:dLbls/>
+        <c:axId val="65488768"/>
+        <c:axId val="63942656"/>
       </c:scatterChart>
       <c:valAx>
-        <c:axId val="84098048"/>
+        <c:axId val="65488768"/>
         <c:scaling>
           <c:orientation val="minMax"/>
           <c:max val="24"/>
           <c:min val="0"/>
         </c:scaling>
-        <c:delete val="0"/>
         <c:axPos val="b"/>
         <c:majorGridlines/>
         <c:title>
@@ -1600,22 +1486,19 @@
             </c:rich>
           </c:tx>
           <c:layout/>
-          <c:overlay val="0"/>
         </c:title>
         <c:majorTickMark val="none"/>
-        <c:minorTickMark val="none"/>
         <c:tickLblPos val="nextTo"/>
-        <c:crossAx val="84141184"/>
+        <c:crossAx val="63942656"/>
         <c:crosses val="autoZero"/>
         <c:crossBetween val="midCat"/>
         <c:majorUnit val="3"/>
       </c:valAx>
       <c:valAx>
-        <c:axId val="84141184"/>
+        <c:axId val="63942656"/>
         <c:scaling>
           <c:orientation val="minMax"/>
         </c:scaling>
-        <c:delete val="0"/>
         <c:axPos val="l"/>
         <c:majorGridlines/>
         <c:title>
@@ -1635,13 +1518,11 @@
             </c:rich>
           </c:tx>
           <c:layout/>
-          <c:overlay val="0"/>
         </c:title>
         <c:numFmt formatCode="0" sourceLinked="1"/>
         <c:majorTickMark val="none"/>
-        <c:minorTickMark val="none"/>
         <c:tickLblPos val="nextTo"/>
-        <c:crossAx val="84098048"/>
+        <c:crossAx val="65488768"/>
         <c:crosses val="autoZero"/>
         <c:crossBetween val="midCat"/>
       </c:valAx>
@@ -1655,34 +1536,21 @@
           <c:x val="5.8500218722659668E-2"/>
           <c:y val="0.8926360228618575"/>
           <c:w val="0.28299934383202102"/>
-          <c:h val="7.7401435370898525E-2"/>
+          <c:h val="7.7401435370898539E-2"/>
         </c:manualLayout>
       </c:layout>
-      <c:overlay val="0"/>
     </c:legend>
     <c:plotVisOnly val="1"/>
     <c:dispBlanksAs val="gap"/>
-    <c:showDLblsOverMax val="0"/>
   </c:chart>
-  <c:externalData r:id="rId1">
-    <c:autoUpdate val="0"/>
-  </c:externalData>
+  <c:externalData r:id="rId1"/>
 </c:chartSpace>
 </file>
 
 <file path=ppt/charts/chart4.xml><?xml version="1.0" encoding="utf-8"?>
 <c:chartSpace xmlns:c="http://schemas.openxmlformats.org/drawingml/2006/chart" xmlns:a="http://schemas.openxmlformats.org/drawingml/2006/main" xmlns:r="http://schemas.openxmlformats.org/officeDocument/2006/relationships">
-  <c:date1904 val="0"/>
   <c:lang val="es-AR"/>
-  <c:roundedCorners val="0"/>
-  <mc:AlternateContent xmlns:mc="http://schemas.openxmlformats.org/markup-compatibility/2006">
-    <mc:Choice xmlns:c14="http://schemas.microsoft.com/office/drawing/2007/8/2/chart" Requires="c14">
-      <c14:style val="130"/>
-    </mc:Choice>
-    <mc:Fallback>
-      <c:style val="30"/>
-    </mc:Fallback>
-  </mc:AlternateContent>
+  <c:style val="30"/>
   <c:chart>
     <c:title>
       <c:tx>
@@ -1701,9 +1569,7 @@
         </c:rich>
       </c:tx>
       <c:layout/>
-      <c:overlay val="0"/>
     </c:title>
-    <c:autoTitleDeleted val="0"/>
     <c:plotArea>
       <c:layout>
         <c:manualLayout>
@@ -1711,14 +1577,13 @@
           <c:xMode val="edge"/>
           <c:yMode val="edge"/>
           <c:x val="0.14170255237340779"/>
-          <c:y val="9.304192808986135E-2"/>
-          <c:w val="0.81937423619597827"/>
-          <c:h val="0.75906843684035097"/>
+          <c:y val="9.3041928089861378E-2"/>
+          <c:w val="0.81937423619597849"/>
+          <c:h val="0.75906843684035108"/>
         </c:manualLayout>
       </c:layout>
       <c:scatterChart>
         <c:scatterStyle val="lineMarker"/>
-        <c:varyColors val="0"/>
         <c:ser>
           <c:idx val="2"/>
           <c:order val="0"/>
@@ -1844,7 +1709,7 @@
                   <c:v>1445.294117647059</c:v>
                 </c:pt>
                 <c:pt idx="3">
-                  <c:v>1927.0588235294117</c:v>
+                  <c:v>1927.0588235294115</c:v>
                 </c:pt>
                 <c:pt idx="4">
                   <c:v>2890.588235294118</c:v>
@@ -1853,16 +1718,16 @@
                   <c:v>3661.411764705882</c:v>
                 </c:pt>
                 <c:pt idx="6">
-                  <c:v>4624.9411764705874</c:v>
+                  <c:v>4624.9411764705883</c:v>
                 </c:pt>
                 <c:pt idx="7">
-                  <c:v>5781.176470588236</c:v>
+                  <c:v>5781.176470588237</c:v>
                 </c:pt>
                 <c:pt idx="8">
                   <c:v>6744.7058823529405</c:v>
                 </c:pt>
                 <c:pt idx="9">
-                  <c:v>7708.2352941176468</c:v>
+                  <c:v>7708.2352941176487</c:v>
                 </c:pt>
                 <c:pt idx="10">
                   <c:v>16380</c:v>
@@ -1909,7 +1774,6 @@
               </c:numCache>
             </c:numRef>
           </c:yVal>
-          <c:smooth val="0"/>
         </c:ser>
         <c:ser>
           <c:idx val="0"/>
@@ -2025,10 +1889,10 @@
                   <c:v>2000</c:v>
                 </c:pt>
                 <c:pt idx="1">
-                  <c:v>941.17647058823536</c:v>
+                  <c:v>941.17647058823559</c:v>
                 </c:pt>
                 <c:pt idx="2">
-                  <c:v>1470.588235294118</c:v>
+                  <c:v>1470.5882352941178</c:v>
                 </c:pt>
                 <c:pt idx="3">
                   <c:v>1470.5882352941176</c:v>
@@ -2037,7 +1901,7 @@
                   <c:v>2941.176470588236</c:v>
                 </c:pt>
                 <c:pt idx="5">
-                  <c:v>2352.9411764705874</c:v>
+                  <c:v>2352.9411764705883</c:v>
                 </c:pt>
                 <c:pt idx="6">
                   <c:v>2941.1764705882365</c:v>
@@ -2052,7 +1916,7 @@
                   <c:v>2941.1764705882351</c:v>
                 </c:pt>
                 <c:pt idx="10">
-                  <c:v>26470.588235294123</c:v>
+                  <c:v>26470.588235294126</c:v>
                 </c:pt>
                 <c:pt idx="11">
                   <c:v>25000</c:v>
@@ -2096,7 +1960,6 @@
               </c:numCache>
             </c:numRef>
           </c:yVal>
-          <c:smooth val="0"/>
         </c:ser>
         <c:ser>
           <c:idx val="3"/>
@@ -2131,17 +1994,13 @@
               <c:idx val="23"/>
               <c:layout>
                 <c:manualLayout>
-                  <c:x val="-6.9084628670120895E-3"/>
-                  <c:y val="-7.5223308090089092E-2"/>
+                  <c:x val="-6.9084628670120912E-3"/>
+                  <c:y val="-7.5223308090089078E-2"/>
                 </c:manualLayout>
               </c:layout>
-              <c:showLegendKey val="0"/>
               <c:showVal val="1"/>
-              <c:showCatName val="0"/>
-              <c:showSerName val="0"/>
-              <c:showPercent val="0"/>
-              <c:showBubbleSize val="0"/>
             </c:dLbl>
+            <c:delete val="1"/>
             <c:txPr>
               <a:bodyPr/>
               <a:lstStyle/>
@@ -2152,12 +2011,6 @@
                 <a:endParaRPr lang="es-AR"/>
               </a:p>
             </c:txPr>
-            <c:showLegendKey val="0"/>
-            <c:showVal val="0"/>
-            <c:showCatName val="0"/>
-            <c:showSerName val="0"/>
-            <c:showPercent val="0"/>
-            <c:showBubbleSize val="0"/>
           </c:dLbls>
           <c:xVal>
             <c:numRef>
@@ -2253,31 +2106,31 @@
                   <c:v>1904.7058823529412</c:v>
                 </c:pt>
                 <c:pt idx="2">
-                  <c:v>2915.882352941177</c:v>
+                  <c:v>2915.8823529411775</c:v>
                 </c:pt>
                 <c:pt idx="3">
-                  <c:v>3397.6470588235293</c:v>
+                  <c:v>3397.6470588235297</c:v>
                 </c:pt>
                 <c:pt idx="4">
-                  <c:v>5831.7647058823541</c:v>
+                  <c:v>5831.7647058823532</c:v>
                 </c:pt>
                 <c:pt idx="5">
-                  <c:v>6014.3529411764694</c:v>
+                  <c:v>6014.3529411764703</c:v>
                 </c:pt>
                 <c:pt idx="6">
                   <c:v>7566.1176470588234</c:v>
                 </c:pt>
                 <c:pt idx="7">
-                  <c:v>9310.5882352941189</c:v>
+                  <c:v>9310.5882352941153</c:v>
                 </c:pt>
                 <c:pt idx="8">
-                  <c:v>9685.8823529411748</c:v>
+                  <c:v>9685.8823529411729</c:v>
                 </c:pt>
                 <c:pt idx="9">
-                  <c:v>10649.411764705881</c:v>
+                  <c:v>10649.411764705883</c:v>
                 </c:pt>
                 <c:pt idx="10">
-                  <c:v>42850.588235294126</c:v>
+                  <c:v>42850.588235294148</c:v>
                 </c:pt>
                 <c:pt idx="11">
                   <c:v>49570</c:v>
@@ -2321,7 +2174,6 @@
               </c:numCache>
             </c:numRef>
           </c:yVal>
-          <c:smooth val="0"/>
         </c:ser>
         <c:ser>
           <c:idx val="4"/>
@@ -2442,16 +2294,16 @@
                   <c:v>200</c:v>
                 </c:pt>
                 <c:pt idx="1">
-                  <c:v>294.11764705882354</c:v>
+                  <c:v>294.11764705882359</c:v>
                 </c:pt>
                 <c:pt idx="2">
-                  <c:v>441.1764705882353</c:v>
+                  <c:v>441.17647058823525</c:v>
                 </c:pt>
                 <c:pt idx="3">
-                  <c:v>588.23529411764707</c:v>
+                  <c:v>588.23529411764719</c:v>
                 </c:pt>
                 <c:pt idx="4">
-                  <c:v>882.35294117647061</c:v>
+                  <c:v>882.35294117647049</c:v>
                 </c:pt>
                 <c:pt idx="5">
                   <c:v>1117.6470588235293</c:v>
@@ -2466,7 +2318,7 @@
                   <c:v>2058.8235294117649</c:v>
                 </c:pt>
                 <c:pt idx="9">
-                  <c:v>2352.9411764705883</c:v>
+                  <c:v>2352.9411764705897</c:v>
                 </c:pt>
                 <c:pt idx="10">
                   <c:v>5000</c:v>
@@ -2513,27 +2365,18 @@
               </c:numCache>
             </c:numRef>
           </c:yVal>
-          <c:smooth val="0"/>
         </c:ser>
-        <c:dLbls>
-          <c:showLegendKey val="0"/>
-          <c:showVal val="0"/>
-          <c:showCatName val="0"/>
-          <c:showSerName val="0"/>
-          <c:showPercent val="0"/>
-          <c:showBubbleSize val="0"/>
-        </c:dLbls>
-        <c:axId val="91559040"/>
-        <c:axId val="91561344"/>
+        <c:dLbls/>
+        <c:axId val="66084864"/>
+        <c:axId val="66086784"/>
       </c:scatterChart>
       <c:valAx>
-        <c:axId val="91559040"/>
+        <c:axId val="66084864"/>
         <c:scaling>
           <c:orientation val="minMax"/>
           <c:max val="24"/>
           <c:min val="0"/>
         </c:scaling>
-        <c:delete val="0"/>
         <c:axPos val="b"/>
         <c:majorGridlines/>
         <c:title>
@@ -2553,23 +2396,20 @@
             </c:rich>
           </c:tx>
           <c:layout/>
-          <c:overlay val="0"/>
         </c:title>
         <c:numFmt formatCode="General" sourceLinked="1"/>
         <c:majorTickMark val="none"/>
-        <c:minorTickMark val="none"/>
         <c:tickLblPos val="nextTo"/>
-        <c:crossAx val="91561344"/>
+        <c:crossAx val="66086784"/>
         <c:crosses val="autoZero"/>
         <c:crossBetween val="midCat"/>
         <c:majorUnit val="3"/>
       </c:valAx>
       <c:valAx>
-        <c:axId val="91561344"/>
+        <c:axId val="66086784"/>
         <c:scaling>
           <c:orientation val="minMax"/>
         </c:scaling>
-        <c:delete val="0"/>
         <c:axPos val="l"/>
         <c:majorGridlines/>
         <c:title>
@@ -2589,13 +2429,11 @@
             </c:rich>
           </c:tx>
           <c:layout/>
-          <c:overlay val="0"/>
         </c:title>
         <c:numFmt formatCode="0" sourceLinked="1"/>
         <c:majorTickMark val="none"/>
-        <c:minorTickMark val="none"/>
         <c:tickLblPos val="nextTo"/>
-        <c:crossAx val="91559040"/>
+        <c:crossAx val="66084864"/>
         <c:crosses val="autoZero"/>
         <c:crossBetween val="midCat"/>
       </c:valAx>
@@ -2603,7 +2441,6 @@
     <c:legend>
       <c:legendPos val="b"/>
       <c:layout/>
-      <c:overlay val="0"/>
       <c:txPr>
         <a:bodyPr/>
         <a:lstStyle/>
@@ -2617,11 +2454,8 @@
     </c:legend>
     <c:plotVisOnly val="1"/>
     <c:dispBlanksAs val="gap"/>
-    <c:showDLblsOverMax val="0"/>
   </c:chart>
-  <c:externalData r:id="rId1">
-    <c:autoUpdate val="0"/>
-  </c:externalData>
+  <c:externalData r:id="rId1"/>
 </c:chartSpace>
 </file>
 
@@ -2877,7 +2711,7 @@
     </p:spTree>
     <p:extLst>
       <p:ext uri="{BB962C8B-B14F-4D97-AF65-F5344CB8AC3E}">
-        <p14:creationId xmlns:p14="http://schemas.microsoft.com/office/powerpoint/2010/main" val="2280170094"/>
+        <p14:creationId xmlns:p14="http://schemas.microsoft.com/office/powerpoint/2010/main" xmlns="" val="2280170094"/>
       </p:ext>
     </p:extLst>
   </p:cSld>
@@ -3089,7 +2923,7 @@
     </p:spTree>
     <p:extLst>
       <p:ext uri="{BB962C8B-B14F-4D97-AF65-F5344CB8AC3E}">
-        <p14:creationId xmlns:p14="http://schemas.microsoft.com/office/powerpoint/2010/main" val="452615974"/>
+        <p14:creationId xmlns:p14="http://schemas.microsoft.com/office/powerpoint/2010/main" xmlns="" val="452615974"/>
       </p:ext>
     </p:extLst>
   </p:cSld>
@@ -3394,8 +3228,53 @@
             </a:r>
             <a:r>
               <a:rPr lang="es-AR" baseline="0" dirty="0" smtClean="0"/>
-              <a:t> pensando “esto muy lindo, realmente me gustaría tener esta aplicación, pero realmente voy a ganar dinero con ella?”. Pues sí señores. Hemos analizado distintos escenarios basados en casos reales y a modo de ejemplo les mostraremos dos de ellos</a:t>
-            </a:r>
+              <a:t> pensando </a:t>
+            </a:r>
+            <a:r>
+              <a:rPr lang="es-AR" baseline="0" dirty="0" smtClean="0"/>
+              <a:t>“me gusta la idea, una aplicación así me vendría muy bien…. </a:t>
+            </a:r>
+            <a:r>
+              <a:rPr lang="es-AR" baseline="0" dirty="0" smtClean="0"/>
+              <a:t>pero </a:t>
+            </a:r>
+            <a:r>
+              <a:rPr lang="es-AR" baseline="0" dirty="0" smtClean="0"/>
+              <a:t>como inversor, realmente </a:t>
+            </a:r>
+            <a:r>
+              <a:rPr lang="es-AR" baseline="0" dirty="0" smtClean="0"/>
+              <a:t>voy a ganar dinero con ella?”. Pues sí señores. </a:t>
+            </a:r>
+            <a:r>
+              <a:rPr lang="es-AR" baseline="0" dirty="0" smtClean="0"/>
+              <a:t>Hemos analizados diversos crecimientos de otras compañías que poseen </a:t>
+            </a:r>
+            <a:r>
+              <a:rPr lang="es-AR" baseline="0" dirty="0" err="1" smtClean="0"/>
+              <a:t>caracteristicas</a:t>
+            </a:r>
+            <a:r>
+              <a:rPr lang="es-AR" baseline="0" dirty="0" smtClean="0"/>
+              <a:t> similares y hemos armado nuestras proyecciones </a:t>
+            </a:r>
+            <a:r>
+              <a:rPr lang="es-AR" baseline="0" dirty="0" err="1" smtClean="0"/>
+              <a:t>basandonos</a:t>
+            </a:r>
+            <a:r>
+              <a:rPr lang="es-AR" baseline="0" dirty="0" smtClean="0"/>
+              <a:t> en ellas. Sin embargo, primero vamos a hablar sobre el mercado </a:t>
+            </a:r>
+            <a:r>
+              <a:rPr lang="es-AR" baseline="0" dirty="0" err="1" smtClean="0"/>
+              <a:t>movile</a:t>
+            </a:r>
+            <a:r>
+              <a:rPr lang="es-AR" baseline="0" dirty="0" smtClean="0"/>
+              <a:t> en la actualidad</a:t>
+            </a:r>
+            <a:endParaRPr lang="es-AR" baseline="0" dirty="0" smtClean="0"/>
           </a:p>
         </p:txBody>
       </p:sp>
@@ -3426,7 +3305,7 @@
     </p:spTree>
     <p:extLst>
       <p:ext uri="{BB962C8B-B14F-4D97-AF65-F5344CB8AC3E}">
-        <p14:creationId xmlns:p14="http://schemas.microsoft.com/office/powerpoint/2010/main" val="448154425"/>
+        <p14:creationId xmlns:p14="http://schemas.microsoft.com/office/powerpoint/2010/main" xmlns="" val="448154425"/>
       </p:ext>
     </p:extLst>
   </p:cSld>
@@ -3486,117 +3365,58 @@
             </a:r>
             <a:r>
               <a:rPr lang="es-AR" baseline="0" dirty="0" smtClean="0"/>
-              <a:t> de recaudación de ingresos y retorno de inversión es, además de las descargas pagas de la aplicación como ya hemos mencionado previamente, el brindar un espacio de publicidad a nuestros sponsors.</a:t>
-            </a:r>
-          </a:p>
-          <a:p>
-            <a:r>
-              <a:rPr lang="es-AR" baseline="0" dirty="0" smtClean="0"/>
-              <a:t>La publicidad embebida en la aplicación genera ingresos tanto por cantidad de </a:t>
+              <a:t> de recaudación de ingresos y retorno de inversión </a:t>
+            </a:r>
+            <a:r>
+              <a:rPr lang="es-AR" baseline="0" dirty="0" smtClean="0"/>
+              <a:t>son descargas </a:t>
+            </a:r>
+            <a:r>
+              <a:rPr lang="es-AR" baseline="0" dirty="0" smtClean="0"/>
+              <a:t>pagas de la </a:t>
+            </a:r>
+            <a:r>
+              <a:rPr lang="es-AR" baseline="0" dirty="0" smtClean="0"/>
+              <a:t>aplicación, </a:t>
+            </a:r>
+            <a:r>
+              <a:rPr lang="es-AR" baseline="0" dirty="0" smtClean="0"/>
+              <a:t>como ya hemos mencionado </a:t>
+            </a:r>
+            <a:r>
+              <a:rPr lang="es-AR" baseline="0" dirty="0" smtClean="0"/>
+              <a:t>previamente y </a:t>
+            </a:r>
+            <a:r>
+              <a:rPr lang="es-AR" baseline="0" dirty="0" smtClean="0"/>
+              <a:t>el brindar un espacio de publicidad a nuestros sponsors</a:t>
+            </a:r>
+            <a:r>
+              <a:rPr lang="es-AR" baseline="0" dirty="0" smtClean="0"/>
+              <a:t>.</a:t>
+            </a:r>
+          </a:p>
+          <a:p>
+            <a:endParaRPr lang="es-AR" baseline="0" dirty="0" smtClean="0"/>
+          </a:p>
+          <a:p>
+            <a:r>
+              <a:rPr lang="es-AR" baseline="0" dirty="0" smtClean="0"/>
+              <a:t>En el primer caso, el mercado hoy cobra entre 1 a 5 </a:t>
             </a:r>
             <a:r>
               <a:rPr lang="es-AR" baseline="0" dirty="0" err="1" smtClean="0"/>
-              <a:t>vistar</a:t>
-            </a:r>
-            <a:r>
-              <a:rPr lang="es-AR" baseline="0" dirty="0" smtClean="0"/>
-              <a:t>, es decir cada vez que un usuario accede a la aplicación, como por cantidad de </a:t>
-            </a:r>
-            <a:r>
-              <a:rPr lang="es-AR" baseline="0" dirty="0" err="1" smtClean="0"/>
-              <a:t>clicks</a:t>
-            </a:r>
-            <a:r>
-              <a:rPr lang="es-AR" baseline="0" dirty="0" smtClean="0"/>
-              <a:t> que el usuario realizar sobre el banner de publicidad.</a:t>
-            </a:r>
-          </a:p>
-          <a:p>
-            <a:r>
-              <a:rPr lang="es-AR" baseline="0" dirty="0" smtClean="0"/>
-              <a:t>Ahora  a continuación detallaremos más cómo se compondrá el </a:t>
-            </a:r>
-            <a:r>
-              <a:rPr lang="es-AR" baseline="0" dirty="0" err="1" smtClean="0"/>
-              <a:t>cashflow</a:t>
-            </a:r>
-            <a:r>
-              <a:rPr lang="es-AR" baseline="0" dirty="0" smtClean="0"/>
-              <a:t> del negocio, teniendo en cuenta este ingreso inmediato.</a:t>
-            </a:r>
-          </a:p>
-          <a:p>
-            <a:pPr marL="0" marR="0" indent="0" algn="l" defTabSz="914400" rtl="0" eaLnBrk="1" fontAlgn="auto" latinLnBrk="0" hangingPunct="1">
-              <a:lnSpc>
-                <a:spcPct val="100000"/>
-              </a:lnSpc>
-              <a:spcBef>
-                <a:spcPts val="0"/>
-              </a:spcBef>
-              <a:spcAft>
-                <a:spcPts val="0"/>
-              </a:spcAft>
-              <a:buClrTx/>
-              <a:buSzTx/>
-              <a:buFontTx/>
-              <a:buNone/>
-              <a:tabLst/>
-              <a:defRPr/>
-            </a:pPr>
-            <a:endParaRPr lang="es-AR" baseline="0" dirty="0" smtClean="0"/>
-          </a:p>
-          <a:p>
-            <a:pPr marL="0" marR="0" indent="0" algn="l" defTabSz="914400" rtl="0" eaLnBrk="1" fontAlgn="auto" latinLnBrk="0" hangingPunct="1">
-              <a:lnSpc>
-                <a:spcPct val="100000"/>
-              </a:lnSpc>
-              <a:spcBef>
-                <a:spcPts val="0"/>
-              </a:spcBef>
-              <a:spcAft>
-                <a:spcPts val="0"/>
-              </a:spcAft>
-              <a:buClrTx/>
-              <a:buSzTx/>
-              <a:buFontTx/>
-              <a:buNone/>
-              <a:tabLst/>
-              <a:defRPr/>
-            </a:pPr>
-            <a:r>
-              <a:rPr lang="es-AR" baseline="0" dirty="0" smtClean="0"/>
-              <a:t>Para los escenarios que mostraremos a continuación se ha tenido en cuenta ingresos provenientes de la publicidad y de la </a:t>
-            </a:r>
-            <a:r>
-              <a:rPr lang="es-AR" baseline="0" dirty="0" err="1" smtClean="0"/>
-              <a:t>version</a:t>
-            </a:r>
-            <a:r>
-              <a:rPr lang="es-AR" baseline="0" dirty="0" smtClean="0"/>
-              <a:t> paga:</a:t>
-            </a:r>
-          </a:p>
-          <a:p>
-            <a:pPr marL="0" marR="0" indent="0" algn="l" defTabSz="914400" rtl="0" eaLnBrk="1" fontAlgn="auto" latinLnBrk="0" hangingPunct="1">
-              <a:lnSpc>
-                <a:spcPct val="100000"/>
-              </a:lnSpc>
-              <a:spcBef>
-                <a:spcPts val="0"/>
-              </a:spcBef>
-              <a:spcAft>
-                <a:spcPts val="0"/>
-              </a:spcAft>
-              <a:buClrTx/>
-              <a:buSzTx/>
-              <a:buFontTx/>
-              <a:buNone/>
-              <a:tabLst/>
-              <a:defRPr/>
-            </a:pPr>
-            <a:r>
-              <a:rPr lang="es-AR" baseline="0" dirty="0" smtClean="0"/>
-              <a:t>la descarga de aplicación a 1 dólar (para la versión paga) los ingresos por </a:t>
+              <a:t>dolares</a:t>
+            </a:r>
+            <a:r>
+              <a:rPr lang="es-AR" baseline="0" dirty="0" smtClean="0"/>
+              <a:t> la descarga de aplicaciones para celulares.</a:t>
+            </a:r>
+          </a:p>
+          <a:p>
+            <a:r>
+              <a:rPr lang="es-AR" baseline="0" dirty="0" smtClean="0"/>
+              <a:t>En lo referente a las publicidades y tomando en cuenta los valores de </a:t>
             </a:r>
             <a:r>
               <a:rPr lang="es-AR" baseline="0" dirty="0" err="1" smtClean="0"/>
@@ -3608,27 +3428,11 @@
             </a:r>
             <a:r>
               <a:rPr lang="es-AR" baseline="0" dirty="0" err="1" smtClean="0"/>
-              <a:t>Adds</a:t>
-            </a:r>
-            <a:r>
-              <a:rPr lang="es-AR" baseline="0" dirty="0" smtClean="0"/>
-              <a:t> en base a la cantidad de vistas y </a:t>
-            </a:r>
-            <a:r>
-              <a:rPr lang="es-AR" baseline="0" dirty="0" err="1" smtClean="0"/>
-              <a:t>clicks</a:t>
-            </a:r>
-            <a:r>
-              <a:rPr lang="es-AR" baseline="0" dirty="0" smtClean="0"/>
-              <a:t>. Para esto último se ha considerado los valores más bajos del mercado, es decir, tan solo 15 (15-30)  centavos por </a:t>
-            </a:r>
-            <a:r>
-              <a:rPr lang="es-AR" baseline="0" dirty="0" err="1" smtClean="0"/>
-              <a:t>clicks</a:t>
-            </a:r>
-            <a:r>
-              <a:rPr lang="es-AR" baseline="0" dirty="0" smtClean="0"/>
-              <a:t>, una probabilidad de </a:t>
+              <a:t>adds</a:t>
+            </a:r>
+            <a:r>
+              <a:rPr lang="es-AR" baseline="0" dirty="0" smtClean="0"/>
+              <a:t>, los ingresos provienen de dos tipos distintos de publicidades: por </a:t>
             </a:r>
             <a:r>
               <a:rPr lang="es-AR" baseline="0" dirty="0" err="1" smtClean="0"/>
@@ -3636,11 +3440,42 @@
             </a:r>
             <a:r>
               <a:rPr lang="es-AR" baseline="0" dirty="0" smtClean="0"/>
-              <a:t> de 1,5% (1,5%-2,5%)  y 10 centavo por cada mil vistas.</a:t>
-            </a:r>
-          </a:p>
-          <a:p>
-            <a:endParaRPr lang="es-AR" dirty="0"/>
+              <a:t> en la misma y por impresión.</a:t>
+            </a:r>
+          </a:p>
+          <a:p>
+            <a:r>
+              <a:rPr lang="es-AR" baseline="0" dirty="0" smtClean="0"/>
+              <a:t>En el caso por </a:t>
+            </a:r>
+            <a:r>
+              <a:rPr lang="es-AR" baseline="0" dirty="0" err="1" smtClean="0"/>
+              <a:t>click</a:t>
+            </a:r>
+            <a:r>
+              <a:rPr lang="es-AR" baseline="0" dirty="0" smtClean="0"/>
+              <a:t>, el valor del mismo oscila entre 15 a 30 centavos, dependiendo del contenido del mismo. UN factor importante a tener en cuenta al analizar esta fuente de ingreso, es la probabilidad que un usuario haga </a:t>
+            </a:r>
+            <a:r>
+              <a:rPr lang="es-AR" baseline="0" dirty="0" err="1" smtClean="0"/>
+              <a:t>click</a:t>
+            </a:r>
+            <a:r>
+              <a:rPr lang="es-AR" baseline="0" dirty="0" smtClean="0"/>
+              <a:t> al ver la publicidad. La misma varía entre 1,5 y 2,5%</a:t>
+            </a:r>
+          </a:p>
+          <a:p>
+            <a:endParaRPr lang="es-AR" baseline="0" dirty="0" smtClean="0"/>
+          </a:p>
+          <a:p>
+            <a:r>
+              <a:rPr lang="es-AR" baseline="0" dirty="0" smtClean="0"/>
+              <a:t>Finalmente, tenemos la entrada por impresión. La misma se define como la cantidad de usuarios que vieron cierta publicidad. En el mercado, se paga por cada mil vistas de duración de un minuto entre 10 y 20 centavos</a:t>
+            </a:r>
+          </a:p>
+          <a:p>
+            <a:endParaRPr lang="es-AR" baseline="0" dirty="0" smtClean="0"/>
           </a:p>
         </p:txBody>
       </p:sp>
@@ -3671,7 +3506,7 @@
     </p:spTree>
     <p:extLst>
       <p:ext uri="{BB962C8B-B14F-4D97-AF65-F5344CB8AC3E}">
-        <p14:creationId xmlns:p14="http://schemas.microsoft.com/office/powerpoint/2010/main" val="1057133531"/>
+        <p14:creationId xmlns:p14="http://schemas.microsoft.com/office/powerpoint/2010/main" xmlns="" val="1057133531"/>
       </p:ext>
     </p:extLst>
   </p:cSld>
@@ -3722,135 +3557,286 @@
         </p:nvSpPr>
         <p:spPr/>
         <p:txBody>
-          <a:bodyPr/>
+          <a:bodyPr>
+            <a:normAutofit/>
+          </a:bodyPr>
           <a:lstStyle/>
           <a:p>
-            <a:r>
-              <a:rPr lang="es-AR" dirty="0" smtClean="0"/>
-              <a:t>En primer lugar, mostraremos el peor caso,</a:t>
-            </a:r>
-            <a:r>
-              <a:rPr lang="es-AR" baseline="0" dirty="0" smtClean="0"/>
-              <a:t> en el que el producto no se expanda fuera del país y que luego de 2 años se estanque en un 3% del mercado nacional. En ese caso, hemos considerado solo el mercado de </a:t>
+            <a:pPr marL="0" marR="0" indent="0" algn="l" defTabSz="914400" rtl="0" eaLnBrk="1" fontAlgn="auto" latinLnBrk="0" hangingPunct="1">
+              <a:lnSpc>
+                <a:spcPct val="100000"/>
+              </a:lnSpc>
+              <a:spcBef>
+                <a:spcPts val="0"/>
+              </a:spcBef>
+              <a:spcAft>
+                <a:spcPts val="0"/>
+              </a:spcAft>
+              <a:buClrTx/>
+              <a:buSzTx/>
+              <a:buFontTx/>
+              <a:buNone/>
+              <a:tabLst/>
+              <a:defRPr/>
+            </a:pPr>
+            <a:r>
+              <a:rPr lang="es-AR" baseline="0" dirty="0" smtClean="0"/>
+              <a:t>En lo que se refiere a nuestras estimaciones, hemos tomado los valores mas bajos del mercado mencionados previamente, es decir, 15 centavos el </a:t>
             </a:r>
             <a:r>
               <a:rPr lang="es-AR" baseline="0" dirty="0" err="1" smtClean="0"/>
-              <a:t>android</a:t>
-            </a:r>
-            <a:r>
-              <a:rPr lang="es-AR" baseline="0" dirty="0" smtClean="0"/>
-              <a:t> y hemos tomado como patrón de crecimiento estadísticas de otras empresas conocidas. </a:t>
-            </a:r>
-          </a:p>
-          <a:p>
-            <a:r>
-              <a:rPr lang="es-AR" baseline="0" dirty="0" smtClean="0"/>
-              <a:t>Hemos generado dos escenarios posibles: uno que permite a los usuarios tener una versión paga (y sin publicidad) y otro sin esta opción. </a:t>
+              <a:t>click</a:t>
+            </a:r>
+            <a:r>
+              <a:rPr lang="es-AR" baseline="0" dirty="0" smtClean="0"/>
+              <a:t>, 1,5% su probabilidad y 10 centavos la mil impresiones</a:t>
+            </a:r>
+          </a:p>
+          <a:p>
+            <a:pPr marL="0" marR="0" indent="0" algn="l" defTabSz="914400" rtl="0" eaLnBrk="1" fontAlgn="auto" latinLnBrk="0" hangingPunct="1">
+              <a:lnSpc>
+                <a:spcPct val="100000"/>
+              </a:lnSpc>
+              <a:spcBef>
+                <a:spcPts val="0"/>
+              </a:spcBef>
+              <a:spcAft>
+                <a:spcPts val="0"/>
+              </a:spcAft>
+              <a:buClrTx/>
+              <a:buSzTx/>
+              <a:buFontTx/>
+              <a:buNone/>
+              <a:tabLst/>
+              <a:defRPr/>
+            </a:pPr>
+            <a:endParaRPr lang="es-AR" baseline="0" dirty="0" smtClean="0"/>
+          </a:p>
+          <a:p>
+            <a:pPr marL="0" marR="0" indent="0" algn="l" defTabSz="914400" rtl="0" eaLnBrk="1" fontAlgn="auto" latinLnBrk="0" hangingPunct="1">
+              <a:lnSpc>
+                <a:spcPct val="100000"/>
+              </a:lnSpc>
+              <a:spcBef>
+                <a:spcPts val="0"/>
+              </a:spcBef>
+              <a:spcAft>
+                <a:spcPts val="0"/>
+              </a:spcAft>
+              <a:buClrTx/>
+              <a:buSzTx/>
+              <a:buFontTx/>
+              <a:buNone/>
+              <a:tabLst/>
+              <a:defRPr/>
+            </a:pPr>
+            <a:r>
+              <a:rPr lang="es-AR" baseline="0" dirty="0" smtClean="0"/>
+              <a:t>Para realizar las proyección q mostraremos a continuación, </a:t>
             </a:r>
             <a:r>
               <a:rPr lang="es-AR" baseline="0" dirty="0" err="1" smtClean="0"/>
-              <a:t>Pára</a:t>
-            </a:r>
-            <a:r>
-              <a:rPr lang="es-AR" baseline="0" dirty="0" smtClean="0"/>
-              <a:t> calcular en el primer caso cuantos usuarios optarían por una versión paga, nos basamos en encuestas que nos devolvieron que el 10% de los usuarios </a:t>
-            </a:r>
+              <a:t>tmb</a:t>
+            </a:r>
+            <a:r>
+              <a:rPr lang="es-AR" baseline="0" dirty="0" smtClean="0"/>
+              <a:t> fue necesario realizar estimaciones de uso de la aplicación.</a:t>
+            </a:r>
+          </a:p>
+          <a:p>
+            <a:pPr marL="0" marR="0" indent="0" algn="l" defTabSz="914400" rtl="0" eaLnBrk="1" fontAlgn="auto" latinLnBrk="0" hangingPunct="1">
+              <a:lnSpc>
+                <a:spcPct val="100000"/>
+              </a:lnSpc>
+              <a:spcBef>
+                <a:spcPts val="0"/>
+              </a:spcBef>
+              <a:spcAft>
+                <a:spcPts val="0"/>
+              </a:spcAft>
+              <a:buClrTx/>
+              <a:buSzTx/>
+              <a:buFontTx/>
+              <a:buNone/>
+              <a:tabLst/>
+              <a:defRPr/>
+            </a:pPr>
             <a:r>
               <a:rPr lang="es-AR" baseline="0" dirty="0" err="1" smtClean="0"/>
-              <a:t>eligirían</a:t>
-            </a:r>
-            <a:r>
-              <a:rPr lang="es-AR" baseline="0" dirty="0" smtClean="0"/>
-              <a:t> esta </a:t>
+              <a:t>Basandonos</a:t>
+            </a:r>
+            <a:r>
+              <a:rPr lang="es-AR" baseline="0" dirty="0" smtClean="0"/>
+              <a:t> es </a:t>
             </a:r>
             <a:r>
               <a:rPr lang="es-AR" baseline="0" dirty="0" err="1" smtClean="0"/>
-              <a:t>opcion</a:t>
-            </a:r>
-            <a:r>
-              <a:rPr lang="es-AR" baseline="0" dirty="0" smtClean="0"/>
-              <a:t>.</a:t>
-            </a:r>
-          </a:p>
-          <a:p>
+              <a:t>estadisticas</a:t>
+            </a:r>
+            <a:r>
+              <a:rPr lang="es-AR" baseline="0" dirty="0" smtClean="0"/>
+              <a:t> de ingreso a paginas como “como viajo.com” y “albrerguestransitorios.com” (ambas paginas que se consultan cuando el usuario no esta </a:t>
+            </a:r>
+            <a:r>
+              <a:rPr lang="es-AR" baseline="0" dirty="0" err="1" smtClean="0"/>
+              <a:t>geograficamente</a:t>
+            </a:r>
+            <a:r>
+              <a:rPr lang="es-AR" baseline="0" dirty="0" smtClean="0"/>
+              <a:t> hablando de la zona) hemos determinado que el uso de la aplicación va a ser de una visita semanal aproximadamente.</a:t>
+            </a:r>
+          </a:p>
+          <a:p>
+            <a:pPr marL="0" marR="0" indent="0" algn="l" defTabSz="914400" rtl="0" eaLnBrk="1" fontAlgn="auto" latinLnBrk="0" hangingPunct="1">
+              <a:lnSpc>
+                <a:spcPct val="100000"/>
+              </a:lnSpc>
+              <a:spcBef>
+                <a:spcPts val="0"/>
+              </a:spcBef>
+              <a:spcAft>
+                <a:spcPts val="0"/>
+              </a:spcAft>
+              <a:buClrTx/>
+              <a:buSzTx/>
+              <a:buFontTx/>
+              <a:buNone/>
+              <a:tabLst/>
+              <a:defRPr/>
+            </a:pPr>
             <a:endParaRPr lang="es-AR" baseline="0" dirty="0" smtClean="0"/>
           </a:p>
           <a:p>
-            <a:r>
-              <a:rPr lang="es-AR" baseline="0" dirty="0" smtClean="0"/>
-              <a:t>En este gráfico se puede ver como la aplicación crecería fuertemente hasta el mes 11, llegando a los 100mil usuarios y finalmente iría disminuyendo su crecimiento a partir de ahí hasta estancarse en 160mil usuarios. </a:t>
-            </a:r>
-          </a:p>
-          <a:p>
-            <a:r>
-              <a:rPr lang="es-AR" baseline="0" dirty="0" smtClean="0"/>
-              <a:t>En lo referente la </a:t>
+            <a:pPr marL="0" marR="0" indent="0" algn="l" defTabSz="914400" rtl="0" eaLnBrk="1" fontAlgn="auto" latinLnBrk="0" hangingPunct="1">
+              <a:lnSpc>
+                <a:spcPct val="100000"/>
+              </a:lnSpc>
+              <a:spcBef>
+                <a:spcPts val="0"/>
+              </a:spcBef>
+              <a:spcAft>
+                <a:spcPts val="0"/>
+              </a:spcAft>
+              <a:buClrTx/>
+              <a:buSzTx/>
+              <a:buFontTx/>
+              <a:buNone/>
+              <a:tabLst/>
+              <a:defRPr/>
+            </a:pPr>
+            <a:r>
+              <a:rPr lang="es-AR" baseline="0" dirty="0" smtClean="0"/>
+              <a:t>Por otro lado, en ensayos con el prototipo, se ha determinando que el usuario promedio utiliza un minuto aproximadamente en hacer uso de la aplicación (para el caso de uso </a:t>
             </a:r>
             <a:r>
               <a:rPr lang="es-AR" baseline="0" dirty="0" err="1" smtClean="0"/>
-              <a:t>variacion</a:t>
-            </a:r>
-            <a:r>
-              <a:rPr lang="es-AR" baseline="0" dirty="0" smtClean="0"/>
-              <a:t> de los ingresos, los mismas acompañan el crecimiento de la cantidad de usuarios, teniendo en el caso de la versión paga un crecimiento mas pronunciado mientras la aplicación este en plena expansión (casi 7k </a:t>
+              <a:t>ppal</a:t>
+            </a:r>
+            <a:r>
+              <a:rPr lang="es-AR" baseline="0" dirty="0" smtClean="0"/>
+              <a:t>, es decir, consultar baños cercanos)  y que para la misma se visita en promedio 4 paginas.</a:t>
+            </a:r>
+          </a:p>
+          <a:p>
+            <a:pPr marL="0" marR="0" indent="0" algn="l" defTabSz="914400" rtl="0" eaLnBrk="1" fontAlgn="auto" latinLnBrk="0" hangingPunct="1">
+              <a:lnSpc>
+                <a:spcPct val="100000"/>
+              </a:lnSpc>
+              <a:spcBef>
+                <a:spcPts val="0"/>
+              </a:spcBef>
+              <a:spcAft>
+                <a:spcPts val="0"/>
+              </a:spcAft>
+              <a:buClrTx/>
+              <a:buSzTx/>
+              <a:buFontTx/>
+              <a:buNone/>
+              <a:tabLst/>
+              <a:defRPr/>
+            </a:pPr>
+            <a:endParaRPr lang="es-AR" baseline="0" dirty="0" smtClean="0"/>
+          </a:p>
+          <a:p>
+            <a:pPr marL="0" marR="0" indent="0" algn="l" defTabSz="914400" rtl="0" eaLnBrk="1" fontAlgn="auto" latinLnBrk="0" hangingPunct="1">
+              <a:lnSpc>
+                <a:spcPct val="100000"/>
+              </a:lnSpc>
+              <a:spcBef>
+                <a:spcPts val="0"/>
+              </a:spcBef>
+              <a:spcAft>
+                <a:spcPts val="0"/>
+              </a:spcAft>
+              <a:buClrTx/>
+              <a:buSzTx/>
+              <a:buFontTx/>
+              <a:buNone/>
+              <a:tabLst/>
+              <a:defRPr/>
+            </a:pPr>
+            <a:r>
+              <a:rPr lang="es-AR" baseline="0" dirty="0" smtClean="0"/>
+              <a:t>Finalmente, a partir de encuestas a potenciales usuarios, un 10% afirma que pagaría 1 dólar por la </a:t>
             </a:r>
             <a:r>
               <a:rPr lang="es-AR" baseline="0" dirty="0" err="1" smtClean="0"/>
-              <a:t>dolares</a:t>
-            </a:r>
-            <a:r>
-              <a:rPr lang="es-AR" baseline="0" dirty="0" smtClean="0"/>
-              <a:t>). Finalmente ambos escenarios se estabilizarían luego de dos años entre 5800 y 7000</a:t>
-            </a:r>
-          </a:p>
-          <a:p>
-            <a:r>
-              <a:rPr lang="es-AR" baseline="0" dirty="0" smtClean="0"/>
-              <a:t>Los gastos para mantener la aplicación son entre el 19-21%, de acuerdo al escenario y otras variables. Para calcular los gastos, hemos tenido supuesto que almacenaremos la información en la nube y hemos calculado los precios basado en esto. Se han sumado el valor de almacenamiento, </a:t>
+              <a:t>version</a:t>
+            </a:r>
+            <a:r>
+              <a:rPr lang="es-AR" baseline="0" dirty="0" smtClean="0"/>
+              <a:t> paga, con tal de poder acceder a las fotos y no tener publicidad.</a:t>
+            </a:r>
+          </a:p>
+          <a:p>
+            <a:pPr marL="0" marR="0" indent="0" algn="l" defTabSz="914400" rtl="0" eaLnBrk="1" fontAlgn="auto" latinLnBrk="0" hangingPunct="1">
+              <a:lnSpc>
+                <a:spcPct val="100000"/>
+              </a:lnSpc>
+              <a:spcBef>
+                <a:spcPts val="0"/>
+              </a:spcBef>
+              <a:spcAft>
+                <a:spcPts val="0"/>
+              </a:spcAft>
+              <a:buClrTx/>
+              <a:buSzTx/>
+              <a:buFontTx/>
+              <a:buNone/>
+              <a:tabLst/>
+              <a:defRPr/>
+            </a:pPr>
+            <a:endParaRPr lang="es-AR" baseline="0" dirty="0" smtClean="0"/>
+          </a:p>
+          <a:p>
+            <a:pPr marL="0" marR="0" indent="0" algn="l" defTabSz="914400" rtl="0" eaLnBrk="1" fontAlgn="auto" latinLnBrk="0" hangingPunct="1">
+              <a:lnSpc>
+                <a:spcPct val="100000"/>
+              </a:lnSpc>
+              <a:spcBef>
+                <a:spcPts val="0"/>
+              </a:spcBef>
+              <a:spcAft>
+                <a:spcPts val="0"/>
+              </a:spcAft>
+              <a:buClrTx/>
+              <a:buSzTx/>
+              <a:buFontTx/>
+              <a:buNone/>
+              <a:tabLst/>
+              <a:defRPr/>
+            </a:pPr>
+            <a:r>
+              <a:rPr lang="es-AR" baseline="0" dirty="0" smtClean="0"/>
+              <a:t>A partir de todos estos datos, hemos realizado proyecciones a los </a:t>
             </a:r>
             <a:r>
               <a:rPr lang="es-AR" baseline="0" dirty="0" err="1" smtClean="0"/>
-              <a:t>asi</a:t>
-            </a:r>
-            <a:r>
-              <a:rPr lang="es-AR" baseline="0" dirty="0" smtClean="0"/>
-              <a:t> como de transferencia de datos. Sobre estos puntos se entrará mas en detalle en la </a:t>
-            </a:r>
-            <a:r>
-              <a:rPr lang="es-AR" baseline="0" smtClean="0"/>
-              <a:t>explicación técnica.</a:t>
-            </a:r>
-            <a:endParaRPr lang="es-AR" baseline="0" dirty="0" smtClean="0"/>
-          </a:p>
-          <a:p>
-            <a:endParaRPr lang="es-AR" baseline="0" dirty="0" smtClean="0"/>
-          </a:p>
-          <a:p>
-            <a:r>
-              <a:rPr lang="es-AR" baseline="0" dirty="0" smtClean="0"/>
-              <a:t>Finalmente se puede concluir, que siendo este el peor escenario posible, teniendo en cuenta los precios mas bajos del mercado en lo referente a publicidad, sin considerar la </a:t>
-            </a:r>
-            <a:r>
-              <a:rPr lang="es-AR" baseline="0" dirty="0" err="1" smtClean="0"/>
-              <a:t>expansion</a:t>
-            </a:r>
-            <a:r>
-              <a:rPr lang="es-AR" baseline="0" dirty="0" smtClean="0"/>
-              <a:t> del mercado de </a:t>
-            </a:r>
-            <a:r>
-              <a:rPr lang="es-AR" baseline="0" dirty="0" err="1" smtClean="0"/>
-              <a:t>smartphones</a:t>
-            </a:r>
-            <a:r>
-              <a:rPr lang="es-AR" baseline="0" dirty="0" smtClean="0"/>
-              <a:t> en un futuro y considerando tan solo una expansión del 3%, el negocio no daría perdidas y hasta estaría brindando un margen de ganancias.</a:t>
-            </a:r>
-          </a:p>
-          <a:p>
-            <a:r>
-              <a:rPr lang="es-AR" baseline="0" dirty="0" smtClean="0"/>
-              <a:t>Sin embargo, ahora nos podríamos preguntar, y si la aplicación es realmente un éxito y se expande a otros mercados con una captación mayor?</a:t>
+              <a:t>proximos</a:t>
+            </a:r>
+            <a:r>
+              <a:rPr lang="es-AR" baseline="0" dirty="0" smtClean="0"/>
+              <a:t> dos años.</a:t>
             </a:r>
           </a:p>
         </p:txBody>
@@ -3873,18 +3859,13 @@
             <a:fld id="{5625E230-B123-43EB-B2A3-53965331BBB3}" type="slidenum">
               <a:rPr lang="es-AR" smtClean="0"/>
               <a:pPr/>
-              <a:t>14</a:t>
+              <a:t>13</a:t>
             </a:fld>
             <a:endParaRPr lang="es-AR"/>
           </a:p>
         </p:txBody>
       </p:sp>
     </p:spTree>
-    <p:extLst>
-      <p:ext uri="{BB962C8B-B14F-4D97-AF65-F5344CB8AC3E}">
-        <p14:creationId xmlns:p14="http://schemas.microsoft.com/office/powerpoint/2010/main" val="3003342862"/>
-      </p:ext>
-    </p:extLst>
   </p:cSld>
   <p:clrMapOvr>
     <a:masterClrMapping/>
@@ -3938,11 +3919,23 @@
           <a:p>
             <a:r>
               <a:rPr lang="es-AR" dirty="0" smtClean="0"/>
-              <a:t>En primer lugar, mostraremos el peor caso,</a:t>
-            </a:r>
-            <a:r>
-              <a:rPr lang="es-AR" baseline="0" dirty="0" smtClean="0"/>
-              <a:t> en el que el producto no se expanda fuera del país y que luego de 2 años se estanque en un 3% del mercado nacional. En ese caso, hemos considerado solo el mercado de </a:t>
+              <a:t>En primer lugar, mostraremos </a:t>
+            </a:r>
+            <a:r>
+              <a:rPr lang="es-AR" dirty="0" smtClean="0"/>
+              <a:t>un caso pesimista,</a:t>
+            </a:r>
+            <a:r>
+              <a:rPr lang="es-AR" baseline="0" dirty="0" smtClean="0"/>
+              <a:t> </a:t>
+            </a:r>
+            <a:r>
+              <a:rPr lang="es-AR" baseline="0" dirty="0" smtClean="0"/>
+              <a:t>en el que el producto no se expanda fuera del país y que luego de 2 años se estanque en un 3% del mercado </a:t>
+            </a:r>
+            <a:r>
+              <a:rPr lang="es-AR" baseline="0" dirty="0" smtClean="0"/>
+              <a:t>nacional de </a:t>
             </a:r>
             <a:r>
               <a:rPr lang="es-AR" baseline="0" dirty="0" err="1" smtClean="0"/>
@@ -3950,52 +3943,57 @@
             </a:r>
             <a:r>
               <a:rPr lang="es-AR" baseline="0" dirty="0" smtClean="0"/>
-              <a:t> y hemos tomado como patrón de crecimiento estadísticas de otras empresas conocidas. </a:t>
-            </a:r>
-          </a:p>
-          <a:p>
-            <a:r>
-              <a:rPr lang="es-AR" baseline="0" dirty="0" smtClean="0"/>
-              <a:t>Hemos generado dos escenarios posibles: uno que permite a los usuarios tener una versión paga (y sin publicidad) y otro sin esta opción. </a:t>
+              <a:t> </a:t>
+            </a:r>
+          </a:p>
+          <a:p>
+            <a:endParaRPr lang="es-AR" baseline="0" dirty="0" smtClean="0"/>
+          </a:p>
+          <a:p>
+            <a:r>
+              <a:rPr lang="es-AR" baseline="0" dirty="0" smtClean="0"/>
+              <a:t>. </a:t>
+            </a:r>
+            <a:r>
+              <a:rPr lang="es-AR" baseline="0" dirty="0" smtClean="0"/>
+              <a:t>En ese caso, hemos considerado solo el mercado de </a:t>
             </a:r>
             <a:r>
               <a:rPr lang="es-AR" baseline="0" dirty="0" err="1" smtClean="0"/>
-              <a:t>Pára</a:t>
-            </a:r>
-            <a:r>
-              <a:rPr lang="es-AR" baseline="0" dirty="0" smtClean="0"/>
-              <a:t> calcular en el primer caso cuantos usuarios optarían por una versión paga, nos basamos en encuestas que nos devolvieron que el 10% de los usuarios </a:t>
-            </a:r>
-            <a:r>
-              <a:rPr lang="es-AR" baseline="0" dirty="0" err="1" smtClean="0"/>
-              <a:t>eligirían</a:t>
-            </a:r>
-            <a:r>
-              <a:rPr lang="es-AR" baseline="0" dirty="0" smtClean="0"/>
-              <a:t> esta </a:t>
-            </a:r>
-            <a:r>
-              <a:rPr lang="es-AR" baseline="0" dirty="0" err="1" smtClean="0"/>
-              <a:t>opcion</a:t>
-            </a:r>
-            <a:r>
-              <a:rPr lang="es-AR" baseline="0" dirty="0" smtClean="0"/>
-              <a:t>.</a:t>
-            </a:r>
-          </a:p>
-          <a:p>
+              <a:t>android</a:t>
+            </a:r>
+            <a:r>
+              <a:rPr lang="es-AR" baseline="0" dirty="0" smtClean="0"/>
+              <a:t>. El 3% del mismo son 159 mil usuarios.</a:t>
+            </a:r>
             <a:endParaRPr lang="es-AR" baseline="0" dirty="0" smtClean="0"/>
           </a:p>
           <a:p>
-            <a:r>
-              <a:rPr lang="es-AR" baseline="0" dirty="0" smtClean="0"/>
-              <a:t>En este gráfico se puede ver como la aplicación crecería fuertemente hasta el mes 11, llegando a los 100mil usuarios y finalmente iría disminuyendo su crecimiento a partir de ahí hasta estancarse en 160mil usuarios. </a:t>
-            </a:r>
-          </a:p>
-          <a:p>
-            <a:r>
-              <a:rPr lang="es-AR" baseline="0" dirty="0" smtClean="0"/>
-              <a:t>En lo referente la </a:t>
+            <a:endParaRPr lang="es-AR" baseline="0" dirty="0" smtClean="0"/>
+          </a:p>
+          <a:p>
+            <a:r>
+              <a:rPr lang="es-AR" baseline="0" dirty="0" smtClean="0"/>
+              <a:t>Hemos confeccionado en base a un comportamiento de crecimiento como por ejemplo yelp.com y sumbleUpon.com en sus primeros 2 años este grafico en el que se ve el crecimiento gradual de la cantidad de usuarios.</a:t>
+            </a:r>
+          </a:p>
+          <a:p>
+            <a:r>
+              <a:rPr lang="es-AR" baseline="0" dirty="0" smtClean="0"/>
+              <a:t>La misma tiene un comportamiento fuertemente creciente durante el primer año  y durante el segundo se termina estabilizando en 159 mil usuarios.</a:t>
+            </a:r>
+          </a:p>
+          <a:p>
+            <a:endParaRPr lang="es-AR" baseline="0" dirty="0" smtClean="0"/>
+          </a:p>
+          <a:p>
+            <a:r>
+              <a:rPr lang="es-AR" baseline="0" dirty="0" smtClean="0"/>
+              <a:t>En </a:t>
+            </a:r>
+            <a:r>
+              <a:rPr lang="es-AR" baseline="0" dirty="0" smtClean="0"/>
+              <a:t>lo referente la </a:t>
             </a:r>
             <a:r>
               <a:rPr lang="es-AR" baseline="0" dirty="0" err="1" smtClean="0"/>
@@ -4025,13 +4023,8 @@
             </a:r>
             <a:r>
               <a:rPr lang="es-AR" baseline="0" dirty="0" smtClean="0"/>
-              <a:t> como de transferencia de datos. Sobre estos puntos se entrará mas en detalle en la </a:t>
-            </a:r>
-            <a:r>
-              <a:rPr lang="es-AR" baseline="0" smtClean="0"/>
-              <a:t>explicación técnica.</a:t>
-            </a:r>
-            <a:endParaRPr lang="es-AR" baseline="0" dirty="0" smtClean="0"/>
+              <a:t> como de transferencia de datos. Sobre estos puntos se entrará mas en detalle en la explicación técnica.</a:t>
+            </a:r>
           </a:p>
           <a:p>
             <a:endParaRPr lang="es-AR" baseline="0" dirty="0" smtClean="0"/>
@@ -4084,7 +4077,7 @@
             <a:fld id="{5625E230-B123-43EB-B2A3-53965331BBB3}" type="slidenum">
               <a:rPr lang="es-AR" smtClean="0"/>
               <a:pPr/>
-              <a:t>15</a:t>
+              <a:t>14</a:t>
             </a:fld>
             <a:endParaRPr lang="es-AR"/>
           </a:p>
@@ -4093,7 +4086,7 @@
     </p:spTree>
     <p:extLst>
       <p:ext uri="{BB962C8B-B14F-4D97-AF65-F5344CB8AC3E}">
-        <p14:creationId xmlns:p14="http://schemas.microsoft.com/office/powerpoint/2010/main" val="3003342862"/>
+        <p14:creationId xmlns:p14="http://schemas.microsoft.com/office/powerpoint/2010/main" xmlns="" val="3003342862"/>
       </p:ext>
     </p:extLst>
   </p:cSld>
@@ -4148,395 +4141,148 @@
           <a:lstStyle/>
           <a:p>
             <a:r>
-              <a:rPr lang="es-AR" dirty="0" smtClean="0"/>
-              <a:t>En ese escenario, hemos tomado los datos de una empresa</a:t>
-            </a:r>
-            <a:r>
-              <a:rPr lang="es-AR" baseline="0" dirty="0" smtClean="0"/>
-              <a:t> similar (como </a:t>
+              <a:rPr lang="es-AR" baseline="0" dirty="0" smtClean="0"/>
+              <a:t>En este otro grafico se puede se desprende del crecimiento de usuarios los ingresos de la empresa.</a:t>
+            </a:r>
+          </a:p>
+          <a:p>
+            <a:r>
+              <a:rPr lang="es-AR" baseline="0" dirty="0" smtClean="0"/>
+              <a:t>Los puntos celestes son la cantidad  de cientos de usuarios (mismos datos que le grafico anterior). La curva verde grafica los </a:t>
             </a:r>
             <a:r>
               <a:rPr lang="es-AR" baseline="0" dirty="0" err="1" smtClean="0"/>
-              <a:t>Foursqare</a:t>
-            </a:r>
-            <a:r>
-              <a:rPr lang="es-AR" baseline="0" dirty="0" smtClean="0"/>
-              <a:t>) y su crecimiento en sus dos primeros años. Para quienes no conozcan esta compañía, la misma </a:t>
-            </a:r>
-            <a:r>
-              <a:rPr lang="es-AR" sz="1200" b="0" i="0" kern="1200" dirty="0" smtClean="0">
-                <a:solidFill>
-                  <a:schemeClr val="tx1"/>
-                </a:solidFill>
-                <a:effectLst/>
-                <a:latin typeface="+mn-lt"/>
-                <a:ea typeface="+mn-ea"/>
-                <a:cs typeface="+mn-cs"/>
-              </a:rPr>
-              <a:t>es un </a:t>
-            </a:r>
-            <a:r>
-              <a:rPr lang="es-AR" sz="1200" b="0" i="0" u="none" strike="noStrike" kern="1200" dirty="0" smtClean="0">
-                <a:solidFill>
-                  <a:schemeClr val="tx1"/>
-                </a:solidFill>
-                <a:effectLst/>
-                <a:latin typeface="+mn-lt"/>
-                <a:ea typeface="+mn-ea"/>
-                <a:cs typeface="+mn-cs"/>
-                <a:hlinkClick r:id="rId3" tooltip="Servicio basado en localización"/>
-              </a:rPr>
-              <a:t>servicio basado en localización</a:t>
-            </a:r>
-            <a:r>
-              <a:rPr lang="es-AR" sz="1200" b="0" i="0" kern="1200" dirty="0" smtClean="0">
-                <a:solidFill>
-                  <a:schemeClr val="tx1"/>
-                </a:solidFill>
-                <a:effectLst/>
-                <a:latin typeface="+mn-lt"/>
-                <a:ea typeface="+mn-ea"/>
-                <a:cs typeface="+mn-cs"/>
-              </a:rPr>
-              <a:t> web aplicada a las </a:t>
-            </a:r>
-            <a:r>
-              <a:rPr lang="es-AR" sz="1200" b="0" i="0" u="none" strike="noStrike" kern="1200" dirty="0" smtClean="0">
-                <a:solidFill>
-                  <a:schemeClr val="tx1"/>
-                </a:solidFill>
-                <a:effectLst/>
-                <a:latin typeface="+mn-lt"/>
-                <a:ea typeface="+mn-ea"/>
-                <a:cs typeface="+mn-cs"/>
-                <a:hlinkClick r:id="rId4" tooltip="Redes sociales"/>
-              </a:rPr>
-              <a:t>redes sociales</a:t>
-            </a:r>
-            <a:r>
-              <a:rPr lang="es-AR" sz="1200" b="0" i="0" kern="1200" dirty="0" smtClean="0">
-                <a:solidFill>
-                  <a:schemeClr val="tx1"/>
-                </a:solidFill>
-                <a:effectLst/>
-                <a:latin typeface="+mn-lt"/>
-                <a:ea typeface="+mn-ea"/>
-                <a:cs typeface="+mn-cs"/>
-              </a:rPr>
-              <a:t>. La </a:t>
-            </a:r>
-            <a:r>
-              <a:rPr lang="es-AR" sz="1200" b="0" i="0" kern="1200" dirty="0" err="1" smtClean="0">
-                <a:solidFill>
-                  <a:schemeClr val="tx1"/>
-                </a:solidFill>
-                <a:effectLst/>
-                <a:latin typeface="+mn-lt"/>
-                <a:ea typeface="+mn-ea"/>
-                <a:cs typeface="+mn-cs"/>
-              </a:rPr>
-              <a:t>geolocalización</a:t>
-            </a:r>
-            <a:r>
-              <a:rPr lang="es-AR" sz="1200" b="0" i="0" kern="1200" dirty="0" smtClean="0">
-                <a:solidFill>
-                  <a:schemeClr val="tx1"/>
-                </a:solidFill>
-                <a:effectLst/>
-                <a:latin typeface="+mn-lt"/>
-                <a:ea typeface="+mn-ea"/>
-                <a:cs typeface="+mn-cs"/>
-              </a:rPr>
-              <a:t> permite localizar un dispositivo fijo o móvil en una ubicación geográfica.</a:t>
-            </a:r>
-            <a:r>
-              <a:rPr lang="es-AR" sz="1200" b="0" i="0" kern="1200" baseline="0" dirty="0" smtClean="0">
-                <a:solidFill>
-                  <a:schemeClr val="tx1"/>
-                </a:solidFill>
-                <a:effectLst/>
-                <a:latin typeface="+mn-lt"/>
-                <a:ea typeface="+mn-ea"/>
-                <a:cs typeface="+mn-cs"/>
-              </a:rPr>
-              <a:t> Si bien es una aplicación exitosa, no es considerada como una aplicación especialmente </a:t>
-            </a:r>
-            <a:r>
-              <a:rPr lang="es-AR" sz="1200" b="0" i="0" kern="1200" baseline="0" dirty="0" err="1" smtClean="0">
-                <a:solidFill>
-                  <a:schemeClr val="tx1"/>
-                </a:solidFill>
-                <a:effectLst/>
-                <a:latin typeface="+mn-lt"/>
-                <a:ea typeface="+mn-ea"/>
-                <a:cs typeface="+mn-cs"/>
-              </a:rPr>
-              <a:t>virosica</a:t>
-            </a:r>
-            <a:r>
-              <a:rPr lang="es-AR" sz="1200" b="0" i="0" kern="1200" baseline="0" dirty="0" smtClean="0">
-                <a:solidFill>
-                  <a:schemeClr val="tx1"/>
-                </a:solidFill>
-                <a:effectLst/>
-                <a:latin typeface="+mn-lt"/>
-                <a:ea typeface="+mn-ea"/>
-                <a:cs typeface="+mn-cs"/>
-              </a:rPr>
-              <a:t> ni con un extremo furor. La misma alcanzo a los 2 años de su lanzamiento 8 millones de usuarios. </a:t>
-            </a:r>
-          </a:p>
-          <a:p>
-            <a:r>
-              <a:rPr lang="es-AR" sz="1200" b="0" i="0" kern="1200" baseline="0" dirty="0" smtClean="0">
-                <a:solidFill>
-                  <a:schemeClr val="tx1"/>
-                </a:solidFill>
-                <a:effectLst/>
-                <a:latin typeface="+mn-lt"/>
-                <a:ea typeface="+mn-ea"/>
-                <a:cs typeface="+mn-cs"/>
-              </a:rPr>
-              <a:t>Lo consiguió al expandirse en varias plataformas (a los 3 meses de su lanzamiento) así como en varias regiones (su </a:t>
-            </a:r>
-            <a:r>
-              <a:rPr lang="es-AR" sz="1200" b="0" i="0" kern="1200" baseline="0" dirty="0" err="1" smtClean="0">
-                <a:solidFill>
-                  <a:schemeClr val="tx1"/>
-                </a:solidFill>
-                <a:effectLst/>
-                <a:latin typeface="+mn-lt"/>
-                <a:ea typeface="+mn-ea"/>
-                <a:cs typeface="+mn-cs"/>
-              </a:rPr>
-              <a:t>aplicaciónes</a:t>
-            </a:r>
-            <a:r>
-              <a:rPr lang="es-AR" sz="1200" b="0" i="0" kern="1200" baseline="0" dirty="0" smtClean="0">
-                <a:solidFill>
-                  <a:schemeClr val="tx1"/>
-                </a:solidFill>
-                <a:effectLst/>
-                <a:latin typeface="+mn-lt"/>
-                <a:ea typeface="+mn-ea"/>
-                <a:cs typeface="+mn-cs"/>
-              </a:rPr>
-              <a:t> multilenguaje) (a los 6 meses). </a:t>
-            </a:r>
-          </a:p>
-          <a:p>
-            <a:r>
-              <a:rPr lang="es-AR" sz="1200" b="0" i="0" kern="1200" baseline="0" dirty="0" smtClean="0">
-                <a:solidFill>
-                  <a:schemeClr val="tx1"/>
-                </a:solidFill>
-                <a:effectLst/>
-                <a:latin typeface="+mn-lt"/>
-                <a:ea typeface="+mn-ea"/>
-                <a:cs typeface="+mn-cs"/>
-              </a:rPr>
-              <a:t>Si consideramos que nuestra aplicación tiene todas a favor para resultar aún mas exitosa que esta aplicación y suponiendo que se realiza el soporte necesarios para dar soporte a diversos lenguajes y plataformas, se </a:t>
-            </a:r>
-            <a:r>
-              <a:rPr lang="es-AR" sz="1200" b="0" i="0" kern="1200" baseline="0" dirty="0" err="1" smtClean="0">
-                <a:solidFill>
-                  <a:schemeClr val="tx1"/>
-                </a:solidFill>
-                <a:effectLst/>
-                <a:latin typeface="+mn-lt"/>
-                <a:ea typeface="+mn-ea"/>
-                <a:cs typeface="+mn-cs"/>
-              </a:rPr>
-              <a:t>podria</a:t>
-            </a:r>
-            <a:r>
-              <a:rPr lang="es-AR" sz="1200" b="0" i="0" kern="1200" baseline="0" dirty="0" smtClean="0">
-                <a:solidFill>
-                  <a:schemeClr val="tx1"/>
-                </a:solidFill>
-                <a:effectLst/>
-                <a:latin typeface="+mn-lt"/>
-                <a:ea typeface="+mn-ea"/>
-                <a:cs typeface="+mn-cs"/>
-              </a:rPr>
-              <a:t> alcanzar sin inconvenientes el mismo nivel de usuarios. </a:t>
-            </a:r>
-          </a:p>
-          <a:p>
-            <a:r>
-              <a:rPr lang="es-AR" sz="1200" b="0" i="0" kern="1200" baseline="0" dirty="0" smtClean="0">
-                <a:solidFill>
-                  <a:schemeClr val="tx1"/>
-                </a:solidFill>
-                <a:effectLst/>
-                <a:latin typeface="+mn-lt"/>
-                <a:ea typeface="+mn-ea"/>
-                <a:cs typeface="+mn-cs"/>
-              </a:rPr>
-              <a:t>En lo referente a ingresos, los mismos serían al alcanzar los 2 años de entre los 270k a 400k al mes, teniendo en cuenta los mismos precios para las publicidades que en el escenario anterior. </a:t>
-            </a:r>
-          </a:p>
-          <a:p>
-            <a:r>
-              <a:rPr lang="es-AR" sz="1200" b="0" i="0" kern="1200" baseline="0" dirty="0" smtClean="0">
-                <a:solidFill>
-                  <a:schemeClr val="tx1"/>
-                </a:solidFill>
-                <a:effectLst/>
-                <a:latin typeface="+mn-lt"/>
-                <a:ea typeface="+mn-ea"/>
-                <a:cs typeface="+mn-cs"/>
-              </a:rPr>
-              <a:t>EN lo referente a los gastos, los mismos serían proporcionalmente algo más elevados (entre el 21%-23%) ya que es necesario contar con un grupo de desarrolladores para mantener la actualización de la aplicación. Esto nos </a:t>
-            </a:r>
-            <a:r>
-              <a:rPr lang="es-AR" sz="1200" b="0" i="0" kern="1200" baseline="0" dirty="0" err="1" smtClean="0">
-                <a:solidFill>
-                  <a:schemeClr val="tx1"/>
-                </a:solidFill>
-                <a:effectLst/>
-                <a:latin typeface="+mn-lt"/>
-                <a:ea typeface="+mn-ea"/>
-                <a:cs typeface="+mn-cs"/>
-              </a:rPr>
-              <a:t>daria</a:t>
-            </a:r>
-            <a:r>
-              <a:rPr lang="es-AR" sz="1200" b="0" i="0" kern="1200" baseline="0" dirty="0" smtClean="0">
-                <a:solidFill>
-                  <a:schemeClr val="tx1"/>
-                </a:solidFill>
-                <a:effectLst/>
-                <a:latin typeface="+mn-lt"/>
-                <a:ea typeface="+mn-ea"/>
-                <a:cs typeface="+mn-cs"/>
-              </a:rPr>
-              <a:t> unas </a:t>
-            </a:r>
-            <a:r>
-              <a:rPr lang="es-AR" sz="1200" b="0" i="0" kern="1200" baseline="0" dirty="0" err="1" smtClean="0">
-                <a:solidFill>
-                  <a:schemeClr val="tx1"/>
-                </a:solidFill>
-                <a:effectLst/>
-                <a:latin typeface="+mn-lt"/>
-                <a:ea typeface="+mn-ea"/>
-                <a:cs typeface="+mn-cs"/>
-              </a:rPr>
-              <a:t>ganacias</a:t>
-            </a:r>
-            <a:r>
-              <a:rPr lang="es-AR" sz="1200" b="0" i="0" kern="1200" baseline="0" dirty="0" smtClean="0">
-                <a:solidFill>
-                  <a:schemeClr val="tx1"/>
-                </a:solidFill>
-                <a:effectLst/>
-                <a:latin typeface="+mn-lt"/>
-                <a:ea typeface="+mn-ea"/>
-                <a:cs typeface="+mn-cs"/>
-              </a:rPr>
-              <a:t> de aproximadamente 200 a 300k. Como pueden ver, un gran negocio. </a:t>
-            </a:r>
-          </a:p>
-          <a:p>
-            <a:r>
-              <a:rPr lang="es-AR" sz="1200" b="0" i="0" kern="1200" baseline="0" dirty="0" smtClean="0">
-                <a:solidFill>
-                  <a:schemeClr val="tx1"/>
-                </a:solidFill>
-                <a:effectLst/>
-                <a:latin typeface="+mn-lt"/>
-                <a:ea typeface="+mn-ea"/>
-                <a:cs typeface="+mn-cs"/>
-              </a:rPr>
-              <a:t>Un detalle de color que nos gustaría destacar es que a los 18 meses del lanzamiento, </a:t>
-            </a:r>
-            <a:r>
-              <a:rPr lang="es-AR" sz="1200" b="0" i="0" kern="1200" baseline="0" dirty="0" err="1" smtClean="0">
-                <a:solidFill>
-                  <a:schemeClr val="tx1"/>
-                </a:solidFill>
-                <a:effectLst/>
-                <a:latin typeface="+mn-lt"/>
-                <a:ea typeface="+mn-ea"/>
-                <a:cs typeface="+mn-cs"/>
-              </a:rPr>
-              <a:t>facebook</a:t>
-            </a:r>
-            <a:r>
-              <a:rPr lang="es-AR" sz="1200" b="0" i="0" kern="1200" baseline="0" dirty="0" smtClean="0">
-                <a:solidFill>
-                  <a:schemeClr val="tx1"/>
-                </a:solidFill>
-                <a:effectLst/>
-                <a:latin typeface="+mn-lt"/>
-                <a:ea typeface="+mn-ea"/>
-                <a:cs typeface="+mn-cs"/>
-              </a:rPr>
-              <a:t> lanzó una aplicación similar que como pueden ver afectó realmente poco el crecimiento de la aplicación.</a:t>
-            </a:r>
-          </a:p>
-          <a:p>
-            <a:r>
-              <a:rPr lang="es-AR" sz="1200" b="0" i="0" kern="1200" baseline="0" dirty="0" smtClean="0">
-                <a:solidFill>
-                  <a:schemeClr val="tx1"/>
-                </a:solidFill>
-                <a:effectLst/>
-                <a:latin typeface="+mn-lt"/>
-                <a:ea typeface="+mn-ea"/>
-                <a:cs typeface="+mn-cs"/>
-              </a:rPr>
-              <a:t>Finalmente un último detalle no menor es que la empresa </a:t>
-            </a:r>
-            <a:r>
-              <a:rPr lang="es-AR" sz="1200" b="0" i="0" kern="1200" baseline="0" dirty="0" err="1" smtClean="0">
-                <a:solidFill>
-                  <a:schemeClr val="tx1"/>
-                </a:solidFill>
-                <a:effectLst/>
-                <a:latin typeface="+mn-lt"/>
-                <a:ea typeface="+mn-ea"/>
-                <a:cs typeface="+mn-cs"/>
-              </a:rPr>
-              <a:t>Foursqare</a:t>
-            </a:r>
-            <a:r>
-              <a:rPr lang="es-AR" sz="1200" b="0" i="0" kern="1200" baseline="0" dirty="0" smtClean="0">
-                <a:solidFill>
-                  <a:schemeClr val="tx1"/>
-                </a:solidFill>
-                <a:effectLst/>
-                <a:latin typeface="+mn-lt"/>
-                <a:ea typeface="+mn-ea"/>
-                <a:cs typeface="+mn-cs"/>
-              </a:rPr>
-              <a:t> posee hoy en día (4 años después de su lanzamiento)  posee 30 millones de usuarios, realizando las cuentas bajo el mismo modelo, daría un ingreso de 1millon de </a:t>
-            </a:r>
-            <a:r>
-              <a:rPr lang="es-AR" sz="1200" b="0" i="0" kern="1200" baseline="0" dirty="0" err="1" smtClean="0">
-                <a:solidFill>
-                  <a:schemeClr val="tx1"/>
-                </a:solidFill>
-                <a:effectLst/>
-                <a:latin typeface="+mn-lt"/>
-                <a:ea typeface="+mn-ea"/>
-                <a:cs typeface="+mn-cs"/>
-              </a:rPr>
+              <a:t>ignresos</a:t>
+            </a:r>
+            <a:r>
+              <a:rPr lang="es-AR" baseline="0" dirty="0" smtClean="0"/>
+              <a:t> por publicidad, los naranja por descarga de la </a:t>
+            </a:r>
+            <a:r>
+              <a:rPr lang="es-AR" baseline="0" dirty="0" err="1" smtClean="0"/>
+              <a:t>version</a:t>
+            </a:r>
+            <a:r>
+              <a:rPr lang="es-AR" baseline="0" dirty="0" smtClean="0"/>
+              <a:t> paga y finalmente los puntos rojos son los ingresos totales por mes.</a:t>
+            </a:r>
+          </a:p>
+          <a:p>
+            <a:endParaRPr lang="es-AR" baseline="0" dirty="0" smtClean="0"/>
+          </a:p>
+          <a:p>
+            <a:r>
+              <a:rPr lang="es-AR" baseline="0" dirty="0" smtClean="0"/>
+              <a:t>Como se puede ver, la </a:t>
+            </a:r>
+            <a:r>
+              <a:rPr lang="es-AR" baseline="0" dirty="0" err="1" smtClean="0"/>
+              <a:t>variacion</a:t>
+            </a:r>
+            <a:r>
+              <a:rPr lang="es-AR" baseline="0" dirty="0" smtClean="0"/>
+              <a:t> de los ingresos acompañan el crecimiento de la cantidad de usuarios, especialmente los ingresos por publicidad. Los </a:t>
+            </a:r>
+            <a:r>
+              <a:rPr lang="es-AR" baseline="0" dirty="0" err="1" smtClean="0"/>
+              <a:t>income</a:t>
+            </a:r>
+            <a:r>
+              <a:rPr lang="es-AR" baseline="0" dirty="0" smtClean="0"/>
+              <a:t> por la </a:t>
+            </a:r>
+            <a:r>
+              <a:rPr lang="es-AR" baseline="0" dirty="0" err="1" smtClean="0"/>
+              <a:t>version</a:t>
+            </a:r>
+            <a:r>
+              <a:rPr lang="es-AR" baseline="0" dirty="0" smtClean="0"/>
+              <a:t> paga poseen un crecimiento mas pronunciado mientras la aplicación este en plena expansión (casi 6k </a:t>
+            </a:r>
+            <a:r>
+              <a:rPr lang="es-AR" baseline="0" dirty="0" err="1" smtClean="0"/>
               <a:t>dolares</a:t>
             </a:r>
             <a:r>
-              <a:rPr lang="es-AR" sz="1200" b="0" i="0" kern="1200" baseline="0" dirty="0" smtClean="0">
-                <a:solidFill>
-                  <a:schemeClr val="tx1"/>
-                </a:solidFill>
-                <a:effectLst/>
-                <a:latin typeface="+mn-lt"/>
-                <a:ea typeface="+mn-ea"/>
-                <a:cs typeface="+mn-cs"/>
-              </a:rPr>
-              <a:t> al mes.</a:t>
-            </a:r>
+              <a:rPr lang="es-AR" baseline="0" dirty="0" smtClean="0"/>
+              <a:t>).  </a:t>
+            </a:r>
+          </a:p>
+          <a:p>
+            <a:endParaRPr lang="es-AR" baseline="0" dirty="0" smtClean="0"/>
+          </a:p>
+          <a:p>
+            <a:r>
+              <a:rPr lang="es-AR" baseline="0" dirty="0" smtClean="0"/>
+              <a:t>Finalmente, la entrada de capital se estabiliza en 5400 </a:t>
+            </a:r>
+            <a:r>
+              <a:rPr lang="es-AR" baseline="0" dirty="0" err="1" smtClean="0"/>
+              <a:t>dolares</a:t>
+            </a:r>
+            <a:r>
+              <a:rPr lang="es-AR" baseline="0" dirty="0" smtClean="0"/>
+              <a:t> por mes una vez transcurridos los dos primeros años.</a:t>
+            </a:r>
+          </a:p>
+          <a:p>
+            <a:endParaRPr lang="es-AR" baseline="0" dirty="0" smtClean="0"/>
+          </a:p>
+          <a:p>
+            <a:r>
+              <a:rPr lang="es-AR" baseline="0" dirty="0" smtClean="0"/>
+              <a:t>Los gastos para mantener la aplicación son entre el 19-21%,. Para calcular los mismos, hemos tenido en cuenta el coste de almacenamiento, </a:t>
+            </a:r>
+            <a:r>
+              <a:rPr lang="es-AR" baseline="0" dirty="0" err="1" smtClean="0"/>
+              <a:t>asi</a:t>
+            </a:r>
+            <a:r>
+              <a:rPr lang="es-AR" baseline="0" dirty="0" smtClean="0"/>
+              <a:t> como de transferencia de datos. Sobre estos puntos se entrará mas en detalle en la explicación técnica.</a:t>
+            </a:r>
+          </a:p>
+          <a:p>
+            <a:endParaRPr lang="es-AR" baseline="0" dirty="0" smtClean="0"/>
+          </a:p>
+          <a:p>
+            <a:r>
+              <a:rPr lang="es-AR" baseline="0" dirty="0" smtClean="0"/>
+              <a:t>Finalmente se puede concluir, que siendo un escenario pesimista, teniendo en cuenta los precios mas bajos del mercado en lo referente a publicidad, sin considerar la </a:t>
+            </a:r>
+            <a:r>
+              <a:rPr lang="es-AR" baseline="0" dirty="0" err="1" smtClean="0"/>
+              <a:t>expansion</a:t>
+            </a:r>
+            <a:r>
+              <a:rPr lang="es-AR" baseline="0" dirty="0" smtClean="0"/>
+              <a:t> del mercado de </a:t>
+            </a:r>
+            <a:r>
+              <a:rPr lang="es-AR" baseline="0" dirty="0" err="1" smtClean="0"/>
+              <a:t>smartphones</a:t>
+            </a:r>
+            <a:r>
+              <a:rPr lang="es-AR" baseline="0" dirty="0" smtClean="0"/>
+              <a:t> en un futuro y considerando tan solo una expansión del 3%, el negocio no daría perdidas y estaría brindando un margen de ganancias.</a:t>
+            </a:r>
+          </a:p>
+          <a:p>
+            <a:r>
+              <a:rPr lang="es-AR" baseline="0" dirty="0" smtClean="0"/>
+              <a:t>Sin embargo, ahora nos podríamos preguntar, y si la aplicación ese expande a otros mercados y a otras </a:t>
+            </a:r>
+            <a:r>
+              <a:rPr lang="es-AR" baseline="0" dirty="0" err="1" smtClean="0"/>
+              <a:t>tecnologias</a:t>
+            </a:r>
+            <a:r>
+              <a:rPr lang="es-AR" baseline="0" dirty="0" smtClean="0"/>
+              <a:t> con una captación mayor?</a:t>
+            </a:r>
+          </a:p>
+          <a:p>
+            <a:endParaRPr lang="es-AR" baseline="0" dirty="0" smtClean="0"/>
           </a:p>
         </p:txBody>
       </p:sp>
@@ -4558,7 +4304,7 @@
             <a:fld id="{5625E230-B123-43EB-B2A3-53965331BBB3}" type="slidenum">
               <a:rPr lang="es-AR" smtClean="0"/>
               <a:pPr/>
-              <a:t>16</a:t>
+              <a:t>15</a:t>
             </a:fld>
             <a:endParaRPr lang="es-AR"/>
           </a:p>
@@ -4567,7 +4313,7 @@
     </p:spTree>
     <p:extLst>
       <p:ext uri="{BB962C8B-B14F-4D97-AF65-F5344CB8AC3E}">
-        <p14:creationId xmlns:p14="http://schemas.microsoft.com/office/powerpoint/2010/main" val="3000085410"/>
+        <p14:creationId xmlns:p14="http://schemas.microsoft.com/office/powerpoint/2010/main" xmlns="" val="3003342862"/>
       </p:ext>
     </p:extLst>
   </p:cSld>
@@ -4635,7 +4381,18 @@
             </a:r>
             <a:r>
               <a:rPr lang="es-AR" baseline="0" dirty="0" smtClean="0"/>
-              <a:t>) y su crecimiento en sus dos primeros años. Para quienes no conozcan esta compañía, la misma </a:t>
+              <a:t>) y su crecimiento en sus dos primeros años. </a:t>
+            </a:r>
+            <a:endParaRPr lang="es-AR" baseline="0" dirty="0" smtClean="0"/>
+          </a:p>
+          <a:p>
+            <a:r>
+              <a:rPr lang="es-AR" baseline="0" dirty="0" smtClean="0"/>
+              <a:t>Para </a:t>
+            </a:r>
+            <a:r>
+              <a:rPr lang="es-AR" baseline="0" dirty="0" smtClean="0"/>
+              <a:t>quienes no conozcan esta compañía, la misma </a:t>
             </a:r>
             <a:r>
               <a:rPr lang="es-AR" sz="1200" b="0" i="0" kern="1200" dirty="0" smtClean="0">
@@ -4697,7 +4454,30 @@
                 <a:ea typeface="+mn-ea"/>
                 <a:cs typeface="+mn-cs"/>
               </a:rPr>
-              <a:t>. La </a:t>
+              <a:t>. </a:t>
+            </a:r>
+            <a:endParaRPr lang="es-AR" sz="1200" b="0" i="0" kern="1200" dirty="0" smtClean="0">
+              <a:solidFill>
+                <a:schemeClr val="tx1"/>
+              </a:solidFill>
+              <a:effectLst/>
+              <a:latin typeface="+mn-lt"/>
+              <a:ea typeface="+mn-ea"/>
+              <a:cs typeface="+mn-cs"/>
+            </a:endParaRPr>
+          </a:p>
+          <a:p>
+            <a:r>
+              <a:rPr lang="es-AR" sz="1200" b="0" i="0" kern="1200" dirty="0" smtClean="0">
+                <a:solidFill>
+                  <a:schemeClr val="tx1"/>
+                </a:solidFill>
+                <a:effectLst/>
+                <a:latin typeface="+mn-lt"/>
+                <a:ea typeface="+mn-ea"/>
+                <a:cs typeface="+mn-cs"/>
+              </a:rPr>
+              <a:t>La </a:t>
             </a:r>
             <a:r>
               <a:rPr lang="es-AR" sz="1200" b="0" i="0" kern="1200" dirty="0" err="1" smtClean="0">
@@ -4733,7 +4513,19 @@
                 <a:ea typeface="+mn-ea"/>
                 <a:cs typeface="+mn-cs"/>
               </a:rPr>
-              <a:t> Si bien es una aplicación exitosa, no es considerada como una aplicación especialmente </a:t>
+              <a:t> </a:t>
+            </a:r>
+            <a:r>
+              <a:rPr lang="es-AR" sz="1200" b="0" i="0" kern="1200" baseline="0" dirty="0" smtClean="0">
+                <a:solidFill>
+                  <a:schemeClr val="tx1"/>
+                </a:solidFill>
+                <a:effectLst/>
+                <a:latin typeface="+mn-lt"/>
+                <a:ea typeface="+mn-ea"/>
+                <a:cs typeface="+mn-cs"/>
+              </a:rPr>
+              <a:t>Hemos escogido esta aplicación para realizar una analogía ya que se basa en muchos </a:t>
             </a:r>
             <a:r>
               <a:rPr lang="es-AR" sz="1200" b="0" i="0" kern="1200" baseline="0" dirty="0" err="1" smtClean="0">
@@ -4745,7 +4537,7 @@
                 <a:ea typeface="+mn-ea"/>
                 <a:cs typeface="+mn-cs"/>
               </a:rPr>
-              <a:t>virosica</a:t>
+              <a:t>ppios</a:t>
             </a:r>
             <a:r>
               <a:rPr lang="es-AR" sz="1200" b="0" i="0" kern="1200" baseline="0" dirty="0" smtClean="0">
@@ -4757,10 +4549,20 @@
                 <a:ea typeface="+mn-ea"/>
                 <a:cs typeface="+mn-cs"/>
               </a:rPr>
-              <a:t> ni con un extremo furor. La misma alcanzo a los 2 años de su lanzamiento 8 millones de usuarios. </a:t>
-            </a:r>
-          </a:p>
-          <a:p>
+              <a:t> comunes a nuestra aplicación, como puede ser el uso de GPS, la </a:t>
+            </a:r>
+            <a:r>
+              <a:rPr lang="es-AR" sz="1200" b="0" i="0" kern="1200" baseline="0" dirty="0" err="1" smtClean="0">
+                <a:solidFill>
+                  <a:schemeClr val="tx1"/>
+                </a:solidFill>
+                <a:effectLst/>
+                <a:latin typeface="+mn-lt"/>
+                <a:ea typeface="+mn-ea"/>
+                <a:cs typeface="+mn-cs"/>
+              </a:rPr>
+              <a:t>publicacion</a:t>
+            </a:r>
             <a:r>
               <a:rPr lang="es-AR" sz="1200" b="0" i="0" kern="1200" baseline="0" dirty="0" smtClean="0">
                 <a:solidFill>
@@ -4771,7 +4573,7 @@
                 <a:ea typeface="+mn-ea"/>
                 <a:cs typeface="+mn-cs"/>
               </a:rPr>
-              <a:t>Lo consiguió al expandirse en varias plataformas (a los 3 meses de su lanzamiento) así como en varias regiones (su </a:t>
+              <a:t> de </a:t>
             </a:r>
             <a:r>
               <a:rPr lang="es-AR" sz="1200" b="0" i="0" kern="1200" baseline="0" dirty="0" err="1" smtClean="0">
@@ -4783,7 +4585,7 @@
                 <a:ea typeface="+mn-ea"/>
                 <a:cs typeface="+mn-cs"/>
               </a:rPr>
-              <a:t>aplicaciónes</a:t>
+              <a:t>informacion</a:t>
             </a:r>
             <a:r>
               <a:rPr lang="es-AR" sz="1200" b="0" i="0" kern="1200" baseline="0" dirty="0" smtClean="0">
@@ -4795,8 +4597,19 @@
                 <a:ea typeface="+mn-ea"/>
                 <a:cs typeface="+mn-cs"/>
               </a:rPr>
-              <a:t> multilenguaje) (a los 6 meses). </a:t>
-            </a:r>
+              <a:t> y sistema de recompensa de usuarios.</a:t>
+            </a:r>
+          </a:p>
+          <a:p>
+            <a:endParaRPr lang="es-AR" sz="1200" b="0" i="0" kern="1200" baseline="0" dirty="0" smtClean="0">
+              <a:solidFill>
+                <a:schemeClr val="tx1"/>
+              </a:solidFill>
+              <a:effectLst/>
+              <a:latin typeface="+mn-lt"/>
+              <a:ea typeface="+mn-ea"/>
+              <a:cs typeface="+mn-cs"/>
+            </a:endParaRPr>
           </a:p>
           <a:p>
             <a:r>
@@ -4809,7 +4622,7 @@
                 <a:ea typeface="+mn-ea"/>
                 <a:cs typeface="+mn-cs"/>
               </a:rPr>
-              <a:t>Si consideramos que nuestra aplicación tiene todas a favor para resultar aún mas exitosa que esta aplicación y suponiendo que se realiza el soporte necesarios para dar soporte a diversos lenguajes y plataformas, se </a:t>
+              <a:t>Con el fin de lograr este crecimiento, se a planificado un lanzamiento inicial en </a:t>
             </a:r>
             <a:r>
               <a:rPr lang="es-AR" sz="1200" b="0" i="0" kern="1200" baseline="0" dirty="0" err="1" smtClean="0">
@@ -4821,7 +4634,7 @@
                 <a:ea typeface="+mn-ea"/>
                 <a:cs typeface="+mn-cs"/>
               </a:rPr>
-              <a:t>podria</a:t>
+              <a:t>android</a:t>
             </a:r>
             <a:r>
               <a:rPr lang="es-AR" sz="1200" b="0" i="0" kern="1200" baseline="0" dirty="0" smtClean="0">
@@ -4833,10 +4646,20 @@
                 <a:ea typeface="+mn-ea"/>
                 <a:cs typeface="+mn-cs"/>
               </a:rPr>
-              <a:t> alcanzar sin inconvenientes el mismo nivel de usuarios. </a:t>
-            </a:r>
-          </a:p>
-          <a:p>
+              <a:t>. Posteriormente, a los 3 meses, se lanzaría la aplicación a otras plataformas </a:t>
+            </a:r>
+            <a:r>
+              <a:rPr lang="es-AR" sz="1200" b="0" i="0" kern="1200" baseline="0" dirty="0" err="1" smtClean="0">
+                <a:solidFill>
+                  <a:schemeClr val="tx1"/>
+                </a:solidFill>
+                <a:effectLst/>
+                <a:latin typeface="+mn-lt"/>
+                <a:ea typeface="+mn-ea"/>
+                <a:cs typeface="+mn-cs"/>
+              </a:rPr>
+              <a:t>moviles</a:t>
+            </a:r>
             <a:r>
               <a:rPr lang="es-AR" sz="1200" b="0" i="0" kern="1200" baseline="0" dirty="0" smtClean="0">
                 <a:solidFill>
@@ -4847,7 +4670,7 @@
                 <a:ea typeface="+mn-ea"/>
                 <a:cs typeface="+mn-cs"/>
               </a:rPr>
-              <a:t>En lo referente a ingresos, los mismos serían al alcanzar los 2 años de entre los 270k a 400k al mes, teniendo en cuenta los mismos precios para las publicidades que en el escenario anterior. </a:t>
+              <a:t>.</a:t>
             </a:r>
           </a:p>
           <a:p>
@@ -4861,7 +4684,350 @@
                 <a:ea typeface="+mn-ea"/>
                 <a:cs typeface="+mn-cs"/>
               </a:rPr>
-              <a:t>EN lo referente a los gastos, los mismos serían proporcionalmente algo más elevados (entre el 21%-23%) ya que es necesario contar con un grupo de desarrolladores para mantener la actualización de la aplicación. Esto nos </a:t>
+              <a:t>Y Finalmente a los 6 meses la </a:t>
+            </a:r>
+            <a:r>
+              <a:rPr lang="es-AR" sz="1200" b="0" i="0" kern="1200" baseline="0" dirty="0" err="1" smtClean="0">
+                <a:solidFill>
+                  <a:schemeClr val="tx1"/>
+                </a:solidFill>
+                <a:effectLst/>
+                <a:latin typeface="+mn-lt"/>
+                <a:ea typeface="+mn-ea"/>
+                <a:cs typeface="+mn-cs"/>
+              </a:rPr>
+              <a:t>expansón</a:t>
+            </a:r>
+            <a:r>
+              <a:rPr lang="es-AR" sz="1200" b="0" i="0" kern="1200" baseline="0" dirty="0" smtClean="0">
+                <a:solidFill>
+                  <a:schemeClr val="tx1"/>
+                </a:solidFill>
+                <a:effectLst/>
+                <a:latin typeface="+mn-lt"/>
+                <a:ea typeface="+mn-ea"/>
+                <a:cs typeface="+mn-cs"/>
+              </a:rPr>
+              <a:t> a otras regiones mediante la </a:t>
+            </a:r>
+            <a:r>
+              <a:rPr lang="es-AR" sz="1200" b="0" i="0" kern="1200" baseline="0" dirty="0" err="1" smtClean="0">
+                <a:solidFill>
+                  <a:schemeClr val="tx1"/>
+                </a:solidFill>
+                <a:effectLst/>
+                <a:latin typeface="+mn-lt"/>
+                <a:ea typeface="+mn-ea"/>
+                <a:cs typeface="+mn-cs"/>
+              </a:rPr>
+              <a:t>psoibilidad</a:t>
+            </a:r>
+            <a:r>
+              <a:rPr lang="es-AR" sz="1200" b="0" i="0" kern="1200" baseline="0" dirty="0" smtClean="0">
+                <a:solidFill>
+                  <a:schemeClr val="tx1"/>
+                </a:solidFill>
+                <a:effectLst/>
+                <a:latin typeface="+mn-lt"/>
+                <a:ea typeface="+mn-ea"/>
+                <a:cs typeface="+mn-cs"/>
+              </a:rPr>
+              <a:t> del multilenguaje.</a:t>
+            </a:r>
+          </a:p>
+          <a:p>
+            <a:endParaRPr lang="es-AR" sz="1200" b="0" i="0" kern="1200" baseline="0" dirty="0" smtClean="0">
+              <a:solidFill>
+                <a:schemeClr val="tx1"/>
+              </a:solidFill>
+              <a:effectLst/>
+              <a:latin typeface="+mn-lt"/>
+              <a:ea typeface="+mn-ea"/>
+              <a:cs typeface="+mn-cs"/>
+            </a:endParaRPr>
+          </a:p>
+          <a:p>
+            <a:r>
+              <a:rPr lang="es-AR" sz="1200" b="0" i="0" kern="1200" baseline="0" dirty="0" smtClean="0">
+                <a:solidFill>
+                  <a:schemeClr val="tx1"/>
+                </a:solidFill>
+                <a:effectLst/>
+                <a:latin typeface="+mn-lt"/>
+                <a:ea typeface="+mn-ea"/>
+                <a:cs typeface="+mn-cs"/>
+              </a:rPr>
+              <a:t>Como se puede ver, el crecimiento de usuarios es constante y alcanza a llegar a los dos años los 7.5 millones de usuarios.</a:t>
+            </a:r>
+          </a:p>
+          <a:p>
+            <a:endParaRPr lang="es-AR" sz="1200" b="0" i="0" kern="1200" baseline="0" dirty="0" smtClean="0">
+              <a:solidFill>
+                <a:schemeClr val="tx1"/>
+              </a:solidFill>
+              <a:effectLst/>
+              <a:latin typeface="+mn-lt"/>
+              <a:ea typeface="+mn-ea"/>
+              <a:cs typeface="+mn-cs"/>
+            </a:endParaRPr>
+          </a:p>
+          <a:p>
+            <a:pPr marL="0" marR="0" indent="0" algn="l" defTabSz="914400" rtl="0" eaLnBrk="1" fontAlgn="auto" latinLnBrk="0" hangingPunct="1">
+              <a:lnSpc>
+                <a:spcPct val="100000"/>
+              </a:lnSpc>
+              <a:spcBef>
+                <a:spcPts val="0"/>
+              </a:spcBef>
+              <a:spcAft>
+                <a:spcPts val="0"/>
+              </a:spcAft>
+              <a:buClrTx/>
+              <a:buSzTx/>
+              <a:buFontTx/>
+              <a:buNone/>
+              <a:tabLst/>
+              <a:defRPr/>
+            </a:pPr>
+            <a:r>
+              <a:rPr lang="es-AR" sz="1200" b="0" i="0" kern="1200" baseline="0" dirty="0" smtClean="0">
+                <a:solidFill>
+                  <a:schemeClr val="tx1"/>
+                </a:solidFill>
+                <a:effectLst/>
+                <a:latin typeface="+mn-lt"/>
+                <a:ea typeface="+mn-ea"/>
+                <a:cs typeface="+mn-cs"/>
+              </a:rPr>
+              <a:t>Un detalle de color que nos gustaría destacar es que a los 18 meses del lanzamiento, </a:t>
+            </a:r>
+            <a:r>
+              <a:rPr lang="es-AR" sz="1200" b="0" i="0" kern="1200" baseline="0" dirty="0" err="1" smtClean="0">
+                <a:solidFill>
+                  <a:schemeClr val="tx1"/>
+                </a:solidFill>
+                <a:effectLst/>
+                <a:latin typeface="+mn-lt"/>
+                <a:ea typeface="+mn-ea"/>
+                <a:cs typeface="+mn-cs"/>
+              </a:rPr>
+              <a:t>facebook</a:t>
+            </a:r>
+            <a:r>
+              <a:rPr lang="es-AR" sz="1200" b="0" i="0" kern="1200" baseline="0" dirty="0" smtClean="0">
+                <a:solidFill>
+                  <a:schemeClr val="tx1"/>
+                </a:solidFill>
+                <a:effectLst/>
+                <a:latin typeface="+mn-lt"/>
+                <a:ea typeface="+mn-ea"/>
+                <a:cs typeface="+mn-cs"/>
+              </a:rPr>
+              <a:t> lanzó una aplicación similar a </a:t>
+            </a:r>
+            <a:r>
+              <a:rPr lang="es-AR" sz="1200" b="0" i="0" kern="1200" baseline="0" dirty="0" err="1" smtClean="0">
+                <a:solidFill>
+                  <a:schemeClr val="tx1"/>
+                </a:solidFill>
+                <a:effectLst/>
+                <a:latin typeface="+mn-lt"/>
+                <a:ea typeface="+mn-ea"/>
+                <a:cs typeface="+mn-cs"/>
+              </a:rPr>
+              <a:t>foursqare</a:t>
+            </a:r>
+            <a:r>
+              <a:rPr lang="es-AR" sz="1200" b="0" i="0" kern="1200" baseline="0" dirty="0" smtClean="0">
+                <a:solidFill>
+                  <a:schemeClr val="tx1"/>
+                </a:solidFill>
+                <a:effectLst/>
+                <a:latin typeface="+mn-lt"/>
+                <a:ea typeface="+mn-ea"/>
+                <a:cs typeface="+mn-cs"/>
+              </a:rPr>
+              <a:t>, que como pueden ver afectó realmente poco el crecimiento de la aplicación (tan solo disminuyo levemente su tasa de crecimiento)</a:t>
+            </a:r>
+          </a:p>
+          <a:p>
+            <a:endParaRPr lang="es-AR" sz="1200" b="0" i="0" kern="1200" baseline="0" dirty="0" smtClean="0">
+              <a:solidFill>
+                <a:schemeClr val="tx1"/>
+              </a:solidFill>
+              <a:effectLst/>
+              <a:latin typeface="+mn-lt"/>
+              <a:ea typeface="+mn-ea"/>
+              <a:cs typeface="+mn-cs"/>
+            </a:endParaRPr>
+          </a:p>
+        </p:txBody>
+      </p:sp>
+      <p:sp>
+        <p:nvSpPr>
+          <p:cNvPr id="4" name="Slide Number Placeholder 3"/>
+          <p:cNvSpPr>
+            <a:spLocks noGrp="1"/>
+          </p:cNvSpPr>
+          <p:nvPr>
+            <p:ph type="sldNum" sz="quarter" idx="10"/>
+          </p:nvPr>
+        </p:nvSpPr>
+        <p:spPr/>
+        <p:txBody>
+          <a:bodyPr/>
+          <a:lstStyle/>
+          <a:p>
+            <a:fld id="{5625E230-B123-43EB-B2A3-53965331BBB3}" type="slidenum">
+              <a:rPr lang="es-AR" smtClean="0"/>
+              <a:pPr/>
+              <a:t>16</a:t>
+            </a:fld>
+            <a:endParaRPr lang="es-AR"/>
+          </a:p>
+        </p:txBody>
+      </p:sp>
+    </p:spTree>
+    <p:extLst>
+      <p:ext uri="{BB962C8B-B14F-4D97-AF65-F5344CB8AC3E}">
+        <p14:creationId xmlns:p14="http://schemas.microsoft.com/office/powerpoint/2010/main" xmlns="" val="3000085410"/>
+      </p:ext>
+    </p:extLst>
+  </p:cSld>
+  <p:clrMapOvr>
+    <a:masterClrMapping/>
+  </p:clrMapOvr>
+</p:notes>
+</file>
+
+<file path=ppt/notesSlides/notesSlide17.xml><?xml version="1.0" encoding="utf-8"?>
+<p:notes xmlns:a="http://schemas.openxmlformats.org/drawingml/2006/main" xmlns:r="http://schemas.openxmlformats.org/officeDocument/2006/relationships" xmlns:p="http://schemas.openxmlformats.org/presentationml/2006/main">
+  <p:cSld>
+    <p:spTree>
+      <p:nvGrpSpPr>
+        <p:cNvPr id="1" name=""/>
+        <p:cNvGrpSpPr/>
+        <p:nvPr/>
+      </p:nvGrpSpPr>
+      <p:grpSpPr>
+        <a:xfrm>
+          <a:off x="0" y="0"/>
+          <a:ext cx="0" cy="0"/>
+          <a:chOff x="0" y="0"/>
+          <a:chExt cx="0" cy="0"/>
+        </a:xfrm>
+      </p:grpSpPr>
+      <p:sp>
+        <p:nvSpPr>
+          <p:cNvPr id="2" name="Slide Image Placeholder 1"/>
+          <p:cNvSpPr>
+            <a:spLocks noGrp="1" noRot="1" noChangeAspect="1"/>
+          </p:cNvSpPr>
+          <p:nvPr>
+            <p:ph type="sldImg"/>
+          </p:nvPr>
+        </p:nvSpPr>
+        <p:spPr/>
+      </p:sp>
+      <p:sp>
+        <p:nvSpPr>
+          <p:cNvPr id="3" name="Notes Placeholder 2"/>
+          <p:cNvSpPr>
+            <a:spLocks noGrp="1"/>
+          </p:cNvSpPr>
+          <p:nvPr>
+            <p:ph type="body" idx="1"/>
+          </p:nvPr>
+        </p:nvSpPr>
+        <p:spPr/>
+        <p:txBody>
+          <a:bodyPr/>
+          <a:lstStyle/>
+          <a:p>
+            <a:r>
+              <a:rPr lang="es-AR" sz="1200" b="0" i="0" kern="1200" baseline="0" dirty="0" smtClean="0">
+                <a:solidFill>
+                  <a:schemeClr val="tx1"/>
+                </a:solidFill>
+                <a:effectLst/>
+                <a:latin typeface="+mn-lt"/>
+                <a:ea typeface="+mn-ea"/>
+                <a:cs typeface="+mn-cs"/>
+              </a:rPr>
+              <a:t>En lo referente a ingresos, los mismos serían al alcanzar los 2 años (nuevamente con las estimaciones presentadas previamente) de aproximadamente 320k </a:t>
+            </a:r>
+            <a:r>
+              <a:rPr lang="es-AR" sz="1200" b="0" i="0" kern="1200" baseline="0" dirty="0" err="1" smtClean="0">
+                <a:solidFill>
+                  <a:schemeClr val="tx1"/>
+                </a:solidFill>
+                <a:effectLst/>
+                <a:latin typeface="+mn-lt"/>
+                <a:ea typeface="+mn-ea"/>
+                <a:cs typeface="+mn-cs"/>
+              </a:rPr>
+              <a:t>usd</a:t>
+            </a:r>
+            <a:r>
+              <a:rPr lang="es-AR" sz="1200" b="0" i="0" kern="1200" baseline="0" dirty="0" smtClean="0">
+                <a:solidFill>
+                  <a:schemeClr val="tx1"/>
+                </a:solidFill>
+                <a:effectLst/>
+                <a:latin typeface="+mn-lt"/>
+                <a:ea typeface="+mn-ea"/>
+                <a:cs typeface="+mn-cs"/>
+              </a:rPr>
+              <a:t> al mes</a:t>
+            </a:r>
+          </a:p>
+          <a:p>
+            <a:endParaRPr lang="es-AR" sz="1200" b="0" i="0" kern="1200" baseline="0" dirty="0" smtClean="0">
+              <a:solidFill>
+                <a:schemeClr val="tx1"/>
+              </a:solidFill>
+              <a:effectLst/>
+              <a:latin typeface="+mn-lt"/>
+              <a:ea typeface="+mn-ea"/>
+              <a:cs typeface="+mn-cs"/>
+            </a:endParaRPr>
+          </a:p>
+          <a:p>
+            <a:r>
+              <a:rPr lang="es-AR" sz="1200" b="0" i="0" kern="1200" baseline="0" dirty="0" smtClean="0">
+                <a:solidFill>
+                  <a:schemeClr val="tx1"/>
+                </a:solidFill>
+                <a:effectLst/>
+                <a:latin typeface="+mn-lt"/>
+                <a:ea typeface="+mn-ea"/>
+                <a:cs typeface="+mn-cs"/>
+              </a:rPr>
+              <a:t>En lo referente a los costos, los mismos serían proporcionalmente algo más elevados (entre el 23%-25%) ya que es necesario contar con un grupo de desarrolladores para mantener la actualización de la aplicación, así como una mayor </a:t>
+            </a:r>
+            <a:r>
+              <a:rPr lang="es-AR" sz="1200" b="0" i="0" kern="1200" baseline="0" dirty="0" err="1" smtClean="0">
+                <a:solidFill>
+                  <a:schemeClr val="tx1"/>
+                </a:solidFill>
+                <a:effectLst/>
+                <a:latin typeface="+mn-lt"/>
+                <a:ea typeface="+mn-ea"/>
+                <a:cs typeface="+mn-cs"/>
+              </a:rPr>
+              <a:t>infrastructura</a:t>
+            </a:r>
+            <a:r>
+              <a:rPr lang="es-AR" sz="1200" b="0" i="0" kern="1200" baseline="0" dirty="0" smtClean="0">
+                <a:solidFill>
+                  <a:schemeClr val="tx1"/>
+                </a:solidFill>
+                <a:effectLst/>
+                <a:latin typeface="+mn-lt"/>
+                <a:ea typeface="+mn-ea"/>
+                <a:cs typeface="+mn-cs"/>
+              </a:rPr>
+              <a:t> de servidores para dar respuesta a esta cantidad de usuarios. Esto nos </a:t>
             </a:r>
             <a:r>
               <a:rPr lang="es-AR" sz="1200" b="0" i="0" kern="1200" baseline="0" dirty="0" err="1" smtClean="0">
@@ -4909,10 +5075,20 @@
                 <a:ea typeface="+mn-ea"/>
                 <a:cs typeface="+mn-cs"/>
               </a:rPr>
-              <a:t> de aproximadamente 200 a 300k. Como pueden ver, un gran negocio. </a:t>
-            </a:r>
-          </a:p>
-          <a:p>
+              <a:t> totales de aproximadamente 240k </a:t>
+            </a:r>
+            <a:r>
+              <a:rPr lang="es-AR" sz="1200" b="0" i="0" kern="1200" baseline="0" dirty="0" err="1" smtClean="0">
+                <a:solidFill>
+                  <a:schemeClr val="tx1"/>
+                </a:solidFill>
+                <a:effectLst/>
+                <a:latin typeface="+mn-lt"/>
+                <a:ea typeface="+mn-ea"/>
+                <a:cs typeface="+mn-cs"/>
+              </a:rPr>
+              <a:t>dolares</a:t>
+            </a:r>
             <a:r>
               <a:rPr lang="es-AR" sz="1200" b="0" i="0" kern="1200" baseline="0" dirty="0" smtClean="0">
                 <a:solidFill>
@@ -4923,32 +5099,19 @@
                 <a:ea typeface="+mn-ea"/>
                 <a:cs typeface="+mn-cs"/>
               </a:rPr>
-              <a:t>Un detalle de color que nos gustaría destacar es que a los 18 meses del lanzamiento, </a:t>
-            </a:r>
-            <a:r>
-              <a:rPr lang="es-AR" sz="1200" b="0" i="0" kern="1200" baseline="0" dirty="0" err="1" smtClean="0">
-                <a:solidFill>
-                  <a:schemeClr val="tx1"/>
-                </a:solidFill>
-                <a:effectLst/>
-                <a:latin typeface="+mn-lt"/>
-                <a:ea typeface="+mn-ea"/>
-                <a:cs typeface="+mn-cs"/>
-              </a:rPr>
-              <a:t>facebook</a:t>
-            </a:r>
-            <a:r>
-              <a:rPr lang="es-AR" sz="1200" b="0" i="0" kern="1200" baseline="0" dirty="0" smtClean="0">
-                <a:solidFill>
-                  <a:schemeClr val="tx1"/>
-                </a:solidFill>
-                <a:effectLst/>
-                <a:latin typeface="+mn-lt"/>
-                <a:ea typeface="+mn-ea"/>
-                <a:cs typeface="+mn-cs"/>
-              </a:rPr>
-              <a:t> lanzó una aplicación similar que como pueden ver afectó realmente poco el crecimiento de la aplicación.</a:t>
-            </a:r>
+              <a:t>. Como pueden ver, un negocio interesante</a:t>
+            </a:r>
+          </a:p>
+          <a:p>
+            <a:endParaRPr lang="es-AR" sz="1200" b="0" i="0" kern="1200" baseline="0" dirty="0" smtClean="0">
+              <a:solidFill>
+                <a:schemeClr val="tx1"/>
+              </a:solidFill>
+              <a:effectLst/>
+              <a:latin typeface="+mn-lt"/>
+              <a:ea typeface="+mn-ea"/>
+              <a:cs typeface="+mn-cs"/>
+            </a:endParaRPr>
           </a:p>
           <a:p>
             <a:r>
@@ -4985,7 +5148,45 @@
                 <a:ea typeface="+mn-ea"/>
                 <a:cs typeface="+mn-cs"/>
               </a:rPr>
-              <a:t> posee hoy en día (4 años después de su lanzamiento)  posee 30 millones de usuarios, realizando las cuentas bajo el mismo modelo, daría un ingreso de 1millon de </a:t>
+              <a:t> posee hoy en día (4 años después de su lanzamiento) 30 millones de usuarios.</a:t>
+            </a:r>
+          </a:p>
+          <a:p>
+            <a:r>
+              <a:rPr lang="es-AR" sz="1200" b="0" i="0" kern="1200" baseline="0" dirty="0" smtClean="0">
+                <a:solidFill>
+                  <a:schemeClr val="tx1"/>
+                </a:solidFill>
+                <a:effectLst/>
+                <a:latin typeface="+mn-lt"/>
+                <a:ea typeface="+mn-ea"/>
+                <a:cs typeface="+mn-cs"/>
+              </a:rPr>
+              <a:t>En base a nuestras estimación y considerando que </a:t>
+            </a:r>
+            <a:r>
+              <a:rPr lang="es-AR" sz="1200" b="0" i="0" kern="1200" baseline="0" dirty="0" err="1" smtClean="0">
+                <a:solidFill>
+                  <a:schemeClr val="tx1"/>
+                </a:solidFill>
+                <a:effectLst/>
+                <a:latin typeface="+mn-lt"/>
+                <a:ea typeface="+mn-ea"/>
+                <a:cs typeface="+mn-cs"/>
+              </a:rPr>
+              <a:t>alzanzamos</a:t>
+            </a:r>
+            <a:r>
+              <a:rPr lang="es-AR" sz="1200" b="0" i="0" kern="1200" baseline="0" dirty="0" smtClean="0">
+                <a:solidFill>
+                  <a:schemeClr val="tx1"/>
+                </a:solidFill>
+                <a:effectLst/>
+                <a:latin typeface="+mn-lt"/>
+                <a:ea typeface="+mn-ea"/>
+                <a:cs typeface="+mn-cs"/>
+              </a:rPr>
+              <a:t> un crecimiento similar, tendríamos un ingreso de 1millon de </a:t>
             </a:r>
             <a:r>
               <a:rPr lang="es-AR" sz="1200" b="0" i="0" kern="1200" baseline="0" dirty="0" err="1" smtClean="0">
@@ -5012,6 +5213,17 @@
               <a:t> al mes.</a:t>
             </a:r>
           </a:p>
+          <a:p>
+            <a:endParaRPr lang="es-AR" sz="1200" b="0" i="0" kern="1200" baseline="0" dirty="0" smtClean="0">
+              <a:solidFill>
+                <a:schemeClr val="tx1"/>
+              </a:solidFill>
+              <a:effectLst/>
+              <a:latin typeface="+mn-lt"/>
+              <a:ea typeface="+mn-ea"/>
+              <a:cs typeface="+mn-cs"/>
+            </a:endParaRPr>
+          </a:p>
         </p:txBody>
       </p:sp>
       <p:sp>
@@ -5041,9 +5253,189 @@
     </p:spTree>
     <p:extLst>
       <p:ext uri="{BB962C8B-B14F-4D97-AF65-F5344CB8AC3E}">
-        <p14:creationId xmlns:p14="http://schemas.microsoft.com/office/powerpoint/2010/main" val="3000085410"/>
+        <p14:creationId xmlns:p14="http://schemas.microsoft.com/office/powerpoint/2010/main" xmlns="" val="3000085410"/>
       </p:ext>
     </p:extLst>
+  </p:cSld>
+  <p:clrMapOvr>
+    <a:masterClrMapping/>
+  </p:clrMapOvr>
+</p:notes>
+</file>
+
+<file path=ppt/notesSlides/notesSlide18.xml><?xml version="1.0" encoding="utf-8"?>
+<p:notes xmlns:a="http://schemas.openxmlformats.org/drawingml/2006/main" xmlns:r="http://schemas.openxmlformats.org/officeDocument/2006/relationships" xmlns:p="http://schemas.openxmlformats.org/presentationml/2006/main">
+  <p:cSld>
+    <p:spTree>
+      <p:nvGrpSpPr>
+        <p:cNvPr id="1" name=""/>
+        <p:cNvGrpSpPr/>
+        <p:nvPr/>
+      </p:nvGrpSpPr>
+      <p:grpSpPr>
+        <a:xfrm>
+          <a:off x="0" y="0"/>
+          <a:ext cx="0" cy="0"/>
+          <a:chOff x="0" y="0"/>
+          <a:chExt cx="0" cy="0"/>
+        </a:xfrm>
+      </p:grpSpPr>
+      <p:sp>
+        <p:nvSpPr>
+          <p:cNvPr id="2" name="Slide Image Placeholder 1"/>
+          <p:cNvSpPr>
+            <a:spLocks noGrp="1" noRot="1" noChangeAspect="1"/>
+          </p:cNvSpPr>
+          <p:nvPr>
+            <p:ph type="sldImg"/>
+          </p:nvPr>
+        </p:nvSpPr>
+        <p:spPr/>
+      </p:sp>
+      <p:sp>
+        <p:nvSpPr>
+          <p:cNvPr id="3" name="Notes Placeholder 2"/>
+          <p:cNvSpPr>
+            <a:spLocks noGrp="1"/>
+          </p:cNvSpPr>
+          <p:nvPr>
+            <p:ph type="body" idx="1"/>
+          </p:nvPr>
+        </p:nvSpPr>
+        <p:spPr/>
+        <p:txBody>
+          <a:bodyPr>
+            <a:normAutofit/>
+          </a:bodyPr>
+          <a:lstStyle/>
+          <a:p>
+            <a:pPr marL="0" marR="0" indent="0" algn="l" defTabSz="914400" rtl="0" eaLnBrk="1" fontAlgn="auto" latinLnBrk="0" hangingPunct="1">
+              <a:lnSpc>
+                <a:spcPct val="100000"/>
+              </a:lnSpc>
+              <a:spcBef>
+                <a:spcPts val="0"/>
+              </a:spcBef>
+              <a:spcAft>
+                <a:spcPts val="0"/>
+              </a:spcAft>
+              <a:buClrTx/>
+              <a:buSzTx/>
+              <a:buFontTx/>
+              <a:buNone/>
+              <a:tabLst/>
+              <a:defRPr/>
+            </a:pPr>
+            <a:r>
+              <a:rPr lang="es-AR" sz="1200" b="0" i="0" kern="1200" baseline="0" dirty="0" smtClean="0">
+                <a:solidFill>
+                  <a:schemeClr val="tx1"/>
+                </a:solidFill>
+                <a:effectLst/>
+                <a:latin typeface="+mn-lt"/>
+                <a:ea typeface="+mn-ea"/>
+                <a:cs typeface="+mn-cs"/>
+              </a:rPr>
+              <a:t>Con este agradable numero, damos por finalizada la </a:t>
+            </a:r>
+            <a:r>
+              <a:rPr lang="es-AR" sz="1200" b="0" i="0" kern="1200" baseline="0" dirty="0" err="1" smtClean="0">
+                <a:solidFill>
+                  <a:schemeClr val="tx1"/>
+                </a:solidFill>
+                <a:effectLst/>
+                <a:latin typeface="+mn-lt"/>
+                <a:ea typeface="+mn-ea"/>
+                <a:cs typeface="+mn-cs"/>
+              </a:rPr>
+              <a:t>presentacion</a:t>
+            </a:r>
+            <a:r>
+              <a:rPr lang="es-AR" sz="1200" b="0" i="0" kern="1200" baseline="0" dirty="0" smtClean="0">
+                <a:solidFill>
+                  <a:schemeClr val="tx1"/>
+                </a:solidFill>
+                <a:effectLst/>
+                <a:latin typeface="+mn-lt"/>
+                <a:ea typeface="+mn-ea"/>
+                <a:cs typeface="+mn-cs"/>
+              </a:rPr>
+              <a:t> comercial.</a:t>
+            </a:r>
+          </a:p>
+          <a:p>
+            <a:r>
+              <a:rPr lang="es-AR" dirty="0" smtClean="0"/>
+              <a:t>Alguna</a:t>
+            </a:r>
+            <a:r>
+              <a:rPr lang="es-AR" baseline="0" dirty="0" smtClean="0"/>
+              <a:t> consulta?</a:t>
+            </a:r>
+          </a:p>
+          <a:p>
+            <a:endParaRPr lang="es-AR" baseline="0" dirty="0" smtClean="0"/>
+          </a:p>
+          <a:p>
+            <a:r>
+              <a:rPr lang="es-AR" baseline="0" dirty="0" smtClean="0"/>
+              <a:t>En tal caso los invitamos a acercarse a la mesa de aperitivos. Por favor, ante cualquier pregunta que les </a:t>
+            </a:r>
+            <a:r>
+              <a:rPr lang="es-AR" baseline="0" dirty="0" err="1" smtClean="0"/>
+              <a:t>surga</a:t>
+            </a:r>
+            <a:r>
+              <a:rPr lang="es-AR" baseline="0" dirty="0" smtClean="0"/>
+              <a:t>, no duden en acercarse y </a:t>
+            </a:r>
+            <a:r>
+              <a:rPr lang="es-AR" baseline="0" dirty="0" err="1" smtClean="0"/>
+              <a:t>plantearmela</a:t>
+            </a:r>
+            <a:r>
+              <a:rPr lang="es-AR" baseline="0" dirty="0" smtClean="0"/>
+              <a:t> a mi o a alguno de mis compañeros.</a:t>
+            </a:r>
+          </a:p>
+          <a:p>
+            <a:r>
+              <a:rPr lang="es-AR" baseline="0" dirty="0" smtClean="0"/>
+              <a:t>Muchas gracias por su </a:t>
+            </a:r>
+            <a:r>
+              <a:rPr lang="es-AR" baseline="0" smtClean="0"/>
+              <a:t>atencion</a:t>
+            </a:r>
+            <a:endParaRPr lang="es-AR"/>
+          </a:p>
+        </p:txBody>
+      </p:sp>
+      <p:sp>
+        <p:nvSpPr>
+          <p:cNvPr id="4" name="Slide Number Placeholder 3"/>
+          <p:cNvSpPr>
+            <a:spLocks noGrp="1"/>
+          </p:cNvSpPr>
+          <p:nvPr>
+            <p:ph type="sldNum" sz="quarter" idx="10"/>
+          </p:nvPr>
+        </p:nvSpPr>
+        <p:spPr/>
+        <p:txBody>
+          <a:bodyPr/>
+          <a:lstStyle/>
+          <a:p>
+            <a:fld id="{5625E230-B123-43EB-B2A3-53965331BBB3}" type="slidenum">
+              <a:rPr lang="es-AR" smtClean="0"/>
+              <a:pPr/>
+              <a:t>18</a:t>
+            </a:fld>
+            <a:endParaRPr lang="es-AR"/>
+          </a:p>
+        </p:txBody>
+      </p:sp>
+    </p:spTree>
   </p:cSld>
   <p:clrMapOvr>
     <a:masterClrMapping/>
@@ -5126,7 +5518,7 @@
     </p:spTree>
     <p:extLst>
       <p:ext uri="{BB962C8B-B14F-4D97-AF65-F5344CB8AC3E}">
-        <p14:creationId xmlns:p14="http://schemas.microsoft.com/office/powerpoint/2010/main" val="1256197441"/>
+        <p14:creationId xmlns:p14="http://schemas.microsoft.com/office/powerpoint/2010/main" xmlns="" val="1256197441"/>
       </p:ext>
     </p:extLst>
   </p:cSld>
@@ -5253,7 +5645,7 @@
     </p:spTree>
     <p:extLst>
       <p:ext uri="{BB962C8B-B14F-4D97-AF65-F5344CB8AC3E}">
-        <p14:creationId xmlns:p14="http://schemas.microsoft.com/office/powerpoint/2010/main" val="2610191261"/>
+        <p14:creationId xmlns:p14="http://schemas.microsoft.com/office/powerpoint/2010/main" xmlns="" val="2610191261"/>
       </p:ext>
     </p:extLst>
   </p:cSld>
@@ -5514,7 +5906,7 @@
     </p:spTree>
     <p:extLst>
       <p:ext uri="{BB962C8B-B14F-4D97-AF65-F5344CB8AC3E}">
-        <p14:creationId xmlns:p14="http://schemas.microsoft.com/office/powerpoint/2010/main" val="1052945588"/>
+        <p14:creationId xmlns:p14="http://schemas.microsoft.com/office/powerpoint/2010/main" xmlns="" val="1052945588"/>
       </p:ext>
     </p:extLst>
   </p:cSld>
@@ -6054,7 +6446,7 @@
     </p:spTree>
     <p:extLst>
       <p:ext uri="{BB962C8B-B14F-4D97-AF65-F5344CB8AC3E}">
-        <p14:creationId xmlns:p14="http://schemas.microsoft.com/office/powerpoint/2010/main" val="84732664"/>
+        <p14:creationId xmlns:p14="http://schemas.microsoft.com/office/powerpoint/2010/main" xmlns="" val="84732664"/>
       </p:ext>
     </p:extLst>
   </p:cSld>
@@ -6139,7 +6531,7 @@
     </p:spTree>
     <p:extLst>
       <p:ext uri="{BB962C8B-B14F-4D97-AF65-F5344CB8AC3E}">
-        <p14:creationId xmlns:p14="http://schemas.microsoft.com/office/powerpoint/2010/main" val="1256197441"/>
+        <p14:creationId xmlns:p14="http://schemas.microsoft.com/office/powerpoint/2010/main" xmlns="" val="1256197441"/>
       </p:ext>
     </p:extLst>
   </p:cSld>
@@ -6394,7 +6786,7 @@
     </p:spTree>
     <p:extLst>
       <p:ext uri="{BB962C8B-B14F-4D97-AF65-F5344CB8AC3E}">
-        <p14:creationId xmlns:p14="http://schemas.microsoft.com/office/powerpoint/2010/main" val="3325332095"/>
+        <p14:creationId xmlns:p14="http://schemas.microsoft.com/office/powerpoint/2010/main" xmlns="" val="3325332095"/>
       </p:ext>
     </p:extLst>
   </p:cSld>
@@ -6533,7 +6925,7 @@
     </p:spTree>
     <p:extLst>
       <p:ext uri="{BB962C8B-B14F-4D97-AF65-F5344CB8AC3E}">
-        <p14:creationId xmlns:p14="http://schemas.microsoft.com/office/powerpoint/2010/main" val="685780543"/>
+        <p14:creationId xmlns:p14="http://schemas.microsoft.com/office/powerpoint/2010/main" xmlns="" val="685780543"/>
       </p:ext>
     </p:extLst>
   </p:cSld>
@@ -8127,7 +8519,7 @@
     </p:spTree>
     <p:extLst>
       <p:ext uri="{BB962C8B-B14F-4D97-AF65-F5344CB8AC3E}">
-        <p14:creationId xmlns:p14="http://schemas.microsoft.com/office/powerpoint/2010/main" val="3761509730"/>
+        <p14:creationId xmlns:p14="http://schemas.microsoft.com/office/powerpoint/2010/main" xmlns="" val="3761509730"/>
       </p:ext>
     </p:extLst>
   </p:cSld>
@@ -8299,7 +8691,7 @@
     </p:spTree>
     <p:extLst>
       <p:ext uri="{BB962C8B-B14F-4D97-AF65-F5344CB8AC3E}">
-        <p14:creationId xmlns:p14="http://schemas.microsoft.com/office/powerpoint/2010/main" val="1283827035"/>
+        <p14:creationId xmlns:p14="http://schemas.microsoft.com/office/powerpoint/2010/main" xmlns="" val="1283827035"/>
       </p:ext>
     </p:extLst>
   </p:cSld>
@@ -8481,7 +8873,7 @@
     </p:spTree>
     <p:extLst>
       <p:ext uri="{BB962C8B-B14F-4D97-AF65-F5344CB8AC3E}">
-        <p14:creationId xmlns:p14="http://schemas.microsoft.com/office/powerpoint/2010/main" val="3984762503"/>
+        <p14:creationId xmlns:p14="http://schemas.microsoft.com/office/powerpoint/2010/main" xmlns="" val="3984762503"/>
       </p:ext>
     </p:extLst>
   </p:cSld>
@@ -8653,7 +9045,7 @@
     </p:spTree>
     <p:extLst>
       <p:ext uri="{BB962C8B-B14F-4D97-AF65-F5344CB8AC3E}">
-        <p14:creationId xmlns:p14="http://schemas.microsoft.com/office/powerpoint/2010/main" val="4095980329"/>
+        <p14:creationId xmlns:p14="http://schemas.microsoft.com/office/powerpoint/2010/main" xmlns="" val="4095980329"/>
       </p:ext>
     </p:extLst>
   </p:cSld>
@@ -8913,7 +9305,7 @@
     </p:spTree>
     <p:extLst>
       <p:ext uri="{BB962C8B-B14F-4D97-AF65-F5344CB8AC3E}">
-        <p14:creationId xmlns:p14="http://schemas.microsoft.com/office/powerpoint/2010/main" val="1480756637"/>
+        <p14:creationId xmlns:p14="http://schemas.microsoft.com/office/powerpoint/2010/main" xmlns="" val="1480756637"/>
       </p:ext>
     </p:extLst>
   </p:cSld>
@@ -9203,7 +9595,7 @@
     </p:spTree>
     <p:extLst>
       <p:ext uri="{BB962C8B-B14F-4D97-AF65-F5344CB8AC3E}">
-        <p14:creationId xmlns:p14="http://schemas.microsoft.com/office/powerpoint/2010/main" val="991147995"/>
+        <p14:creationId xmlns:p14="http://schemas.microsoft.com/office/powerpoint/2010/main" xmlns="" val="991147995"/>
       </p:ext>
     </p:extLst>
   </p:cSld>
@@ -9647,7 +10039,7 @@
     </p:spTree>
     <p:extLst>
       <p:ext uri="{BB962C8B-B14F-4D97-AF65-F5344CB8AC3E}">
-        <p14:creationId xmlns:p14="http://schemas.microsoft.com/office/powerpoint/2010/main" val="1005852417"/>
+        <p14:creationId xmlns:p14="http://schemas.microsoft.com/office/powerpoint/2010/main" xmlns="" val="1005852417"/>
       </p:ext>
     </p:extLst>
   </p:cSld>
@@ -9767,7 +10159,7 @@
     </p:spTree>
     <p:extLst>
       <p:ext uri="{BB962C8B-B14F-4D97-AF65-F5344CB8AC3E}">
-        <p14:creationId xmlns:p14="http://schemas.microsoft.com/office/powerpoint/2010/main" val="2655473591"/>
+        <p14:creationId xmlns:p14="http://schemas.microsoft.com/office/powerpoint/2010/main" xmlns="" val="2655473591"/>
       </p:ext>
     </p:extLst>
   </p:cSld>
@@ -9864,7 +10256,7 @@
     </p:spTree>
     <p:extLst>
       <p:ext uri="{BB962C8B-B14F-4D97-AF65-F5344CB8AC3E}">
-        <p14:creationId xmlns:p14="http://schemas.microsoft.com/office/powerpoint/2010/main" val="2686844694"/>
+        <p14:creationId xmlns:p14="http://schemas.microsoft.com/office/powerpoint/2010/main" xmlns="" val="2686844694"/>
       </p:ext>
     </p:extLst>
   </p:cSld>
@@ -10154,7 +10546,7 @@
     </p:spTree>
     <p:extLst>
       <p:ext uri="{BB962C8B-B14F-4D97-AF65-F5344CB8AC3E}">
-        <p14:creationId xmlns:p14="http://schemas.microsoft.com/office/powerpoint/2010/main" val="1679520437"/>
+        <p14:creationId xmlns:p14="http://schemas.microsoft.com/office/powerpoint/2010/main" xmlns="" val="1679520437"/>
       </p:ext>
     </p:extLst>
   </p:cSld>
@@ -10434,7 +10826,7 @@
     </p:spTree>
     <p:extLst>
       <p:ext uri="{BB962C8B-B14F-4D97-AF65-F5344CB8AC3E}">
-        <p14:creationId xmlns:p14="http://schemas.microsoft.com/office/powerpoint/2010/main" val="194002288"/>
+        <p14:creationId xmlns:p14="http://schemas.microsoft.com/office/powerpoint/2010/main" xmlns="" val="194002288"/>
       </p:ext>
     </p:extLst>
   </p:cSld>
@@ -10763,7 +11155,7 @@
     </p:spTree>
     <p:extLst>
       <p:ext uri="{BB962C8B-B14F-4D97-AF65-F5344CB8AC3E}">
-        <p14:creationId xmlns:p14="http://schemas.microsoft.com/office/powerpoint/2010/main" val="409073804"/>
+        <p14:creationId xmlns:p14="http://schemas.microsoft.com/office/powerpoint/2010/main" xmlns="" val="409073804"/>
       </p:ext>
     </p:extLst>
   </p:cSld>
@@ -11216,7 +11608,7 @@
     </p:spTree>
     <p:extLst>
       <p:ext uri="{BB962C8B-B14F-4D97-AF65-F5344CB8AC3E}">
-        <p14:creationId xmlns:p14="http://schemas.microsoft.com/office/powerpoint/2010/main" val="2180121556"/>
+        <p14:creationId xmlns:p14="http://schemas.microsoft.com/office/powerpoint/2010/main" xmlns="" val="2180121556"/>
       </p:ext>
     </p:extLst>
   </p:cSld>
@@ -11284,10 +11676,10 @@
           </p:nvPr>
         </p:nvPicPr>
         <p:blipFill>
-          <a:blip r:embed="rId3">
+          <a:blip r:embed="rId3" cstate="print">
             <a:extLst>
               <a:ext uri="{28A0092B-C50C-407E-A947-70E740481C1C}">
-                <a14:useLocalDpi xmlns:a14="http://schemas.microsoft.com/office/drawing/2010/main" val="0"/>
+                <a14:useLocalDpi xmlns:a14="http://schemas.microsoft.com/office/drawing/2010/main" xmlns="" val="0"/>
               </a:ext>
             </a:extLst>
           </a:blip>
@@ -11305,7 +11697,7 @@
     </p:spTree>
     <p:extLst>
       <p:ext uri="{BB962C8B-B14F-4D97-AF65-F5344CB8AC3E}">
-        <p14:creationId xmlns:p14="http://schemas.microsoft.com/office/powerpoint/2010/main" val="2205681447"/>
+        <p14:creationId xmlns:p14="http://schemas.microsoft.com/office/powerpoint/2010/main" xmlns="" val="2205681447"/>
       </p:ext>
     </p:extLst>
   </p:cSld>
@@ -11414,7 +11806,7 @@
     </p:spTree>
     <p:extLst>
       <p:ext uri="{BB962C8B-B14F-4D97-AF65-F5344CB8AC3E}">
-        <p14:creationId xmlns:p14="http://schemas.microsoft.com/office/powerpoint/2010/main" val="4021245580"/>
+        <p14:creationId xmlns:p14="http://schemas.microsoft.com/office/powerpoint/2010/main" xmlns="" val="4021245580"/>
       </p:ext>
     </p:extLst>
   </p:cSld>
@@ -11479,8 +11871,8 @@
         </p:nvSpPr>
         <p:spPr>
           <a:xfrm>
-            <a:off x="2627784" y="1700808"/>
-            <a:ext cx="6264696" cy="2806922"/>
+            <a:off x="2339752" y="1484784"/>
+            <a:ext cx="6804248" cy="4081117"/>
           </a:xfrm>
           <a:prstGeom prst="rect">
             <a:avLst/>
@@ -11495,7 +11887,7 @@
           <a:p>
             <a:pPr marL="731520" indent="-182880">
               <a:lnSpc>
-                <a:spcPct val="90000"/>
+                <a:spcPct val="150000"/>
               </a:lnSpc>
               <a:buClr>
                 <a:schemeClr val="accent1"/>
@@ -11529,7 +11921,7 @@
           <a:p>
             <a:pPr marL="1188720" lvl="1" indent="-182880">
               <a:lnSpc>
-                <a:spcPct val="90000"/>
+                <a:spcPct val="150000"/>
               </a:lnSpc>
               <a:buClr>
                 <a:schemeClr val="accent1"/>
@@ -11538,7 +11930,7 @@
               <a:buChar char=""/>
             </a:pPr>
             <a:r>
-              <a:rPr lang="es-AR" sz="2800" smtClean="0">
+              <a:rPr lang="es-AR" sz="2400" dirty="0" smtClean="0">
                 <a:solidFill>
                   <a:schemeClr val="tx1">
                     <a:lumMod val="65000"/>
@@ -11546,18 +11938,7 @@
                   </a:schemeClr>
                 </a:solidFill>
               </a:rPr>
-              <a:t> 1-5 </a:t>
-            </a:r>
-            <a:r>
-              <a:rPr lang="es-AR" sz="2800" dirty="0" smtClean="0">
-                <a:solidFill>
-                  <a:schemeClr val="tx1">
-                    <a:lumMod val="65000"/>
-                    <a:lumOff val="35000"/>
-                  </a:schemeClr>
-                </a:solidFill>
-              </a:rPr>
-              <a:t>USD</a:t>
+              <a:t> 1-5 USD</a:t>
             </a:r>
           </a:p>
           <a:p>
@@ -11583,7 +11964,7 @@
           <a:p>
             <a:pPr marL="731520" indent="-182880">
               <a:lnSpc>
-                <a:spcPct val="90000"/>
+                <a:spcPct val="150000"/>
               </a:lnSpc>
               <a:buClr>
                 <a:schemeClr val="accent1"/>
@@ -11606,7 +11987,7 @@
           <a:p>
             <a:pPr marL="1188720" lvl="1" indent="-182880">
               <a:lnSpc>
-                <a:spcPct val="90000"/>
+                <a:spcPct val="150000"/>
               </a:lnSpc>
               <a:buClr>
                 <a:schemeClr val="accent1"/>
@@ -11615,7 +11996,7 @@
               <a:buChar char=""/>
             </a:pPr>
             <a:r>
-              <a:rPr lang="es-AR" sz="2800" dirty="0">
+              <a:rPr lang="es-AR" sz="2400" dirty="0">
                 <a:solidFill>
                   <a:schemeClr val="tx1">
                     <a:lumMod val="65000"/>
@@ -11626,7 +12007,7 @@
               <a:t>Por </a:t>
             </a:r>
             <a:r>
-              <a:rPr lang="es-AR" sz="2800" dirty="0" err="1">
+              <a:rPr lang="es-AR" sz="2400" dirty="0" err="1">
                 <a:solidFill>
                   <a:schemeClr val="tx1">
                     <a:lumMod val="65000"/>
@@ -11637,7 +12018,7 @@
               <a:t>click</a:t>
             </a:r>
             <a:r>
-              <a:rPr lang="es-AR" sz="2800" dirty="0">
+              <a:rPr lang="es-AR" sz="2400" dirty="0">
                 <a:solidFill>
                   <a:schemeClr val="tx1">
                     <a:lumMod val="65000"/>
@@ -11645,13 +12026,24 @@
                   </a:schemeClr>
                 </a:solidFill>
               </a:rPr>
-              <a:t>: 15-30 centavos</a:t>
+              <a:t>: 15-30 </a:t>
+            </a:r>
+            <a:r>
+              <a:rPr lang="es-AR" sz="2400" dirty="0" smtClean="0">
+                <a:solidFill>
+                  <a:schemeClr val="tx1">
+                    <a:lumMod val="65000"/>
+                    <a:lumOff val="35000"/>
+                  </a:schemeClr>
+                </a:solidFill>
+              </a:rPr>
+              <a:t>centavos</a:t>
             </a:r>
           </a:p>
           <a:p>
             <a:pPr marL="1188720" lvl="1" indent="-182880">
               <a:lnSpc>
-                <a:spcPct val="90000"/>
+                <a:spcPct val="150000"/>
               </a:lnSpc>
               <a:buClr>
                 <a:schemeClr val="accent1"/>
@@ -11660,30 +12052,7 @@
               <a:buChar char=""/>
             </a:pPr>
             <a:r>
-              <a:rPr lang="es-AR" sz="2800" dirty="0">
-                <a:solidFill>
-                  <a:schemeClr val="tx1">
-                    <a:lumMod val="65000"/>
-                    <a:lumOff val="35000"/>
-                  </a:schemeClr>
-                </a:solidFill>
-              </a:rPr>
-              <a:t>Por impresión: 10-20 centavos</a:t>
-            </a:r>
-          </a:p>
-          <a:p>
-            <a:pPr marL="1188720" lvl="1" indent="-182880">
-              <a:lnSpc>
-                <a:spcPct val="90000"/>
-              </a:lnSpc>
-              <a:buClr>
-                <a:schemeClr val="accent1"/>
-              </a:buClr>
-              <a:buFont typeface="Wingdings 2" pitchFamily="18" charset="2"/>
-              <a:buChar char=""/>
-            </a:pPr>
-            <a:r>
-              <a:rPr lang="es-AR" sz="2800" dirty="0">
+              <a:rPr lang="es-AR" sz="2400" dirty="0" smtClean="0">
                 <a:solidFill>
                   <a:schemeClr val="tx1">
                     <a:lumMod val="65000"/>
@@ -11694,7 +12063,7 @@
               <a:t>Probabilidad de </a:t>
             </a:r>
             <a:r>
-              <a:rPr lang="es-AR" sz="2800" dirty="0" err="1">
+              <a:rPr lang="es-AR" sz="2400" dirty="0" err="1" smtClean="0">
                 <a:solidFill>
                   <a:schemeClr val="tx1">
                     <a:lumMod val="65000"/>
@@ -11705,7 +12074,7 @@
               <a:t>click</a:t>
             </a:r>
             <a:r>
-              <a:rPr lang="es-AR" sz="2800" dirty="0">
+              <a:rPr lang="es-AR" sz="2400" dirty="0" smtClean="0">
                 <a:solidFill>
                   <a:schemeClr val="tx1">
                     <a:lumMod val="65000"/>
@@ -11713,15 +12082,87 @@
                   </a:schemeClr>
                 </a:solidFill>
               </a:rPr>
-              <a:t>: 1,5%-2,5%</a:t>
-            </a:r>
+              <a:t>: 1,5%-2,5</a:t>
+            </a:r>
+            <a:r>
+              <a:rPr lang="es-AR" sz="2400" dirty="0" smtClean="0">
+                <a:solidFill>
+                  <a:schemeClr val="tx1">
+                    <a:lumMod val="65000"/>
+                    <a:lumOff val="35000"/>
+                  </a:schemeClr>
+                </a:solidFill>
+              </a:rPr>
+              <a:t>%</a:t>
+            </a:r>
+            <a:endParaRPr lang="es-AR" sz="2400" dirty="0">
+              <a:solidFill>
+                <a:schemeClr val="tx1">
+                  <a:lumMod val="65000"/>
+                  <a:lumOff val="35000"/>
+                </a:schemeClr>
+              </a:solidFill>
+            </a:endParaRPr>
+          </a:p>
+          <a:p>
+            <a:pPr marL="1188720" lvl="1" indent="-182880">
+              <a:lnSpc>
+                <a:spcPct val="150000"/>
+              </a:lnSpc>
+              <a:buClr>
+                <a:schemeClr val="accent1"/>
+              </a:buClr>
+              <a:buFont typeface="Wingdings 2" pitchFamily="18" charset="2"/>
+              <a:buChar char=""/>
+            </a:pPr>
+            <a:r>
+              <a:rPr lang="es-AR" sz="2400" dirty="0">
+                <a:solidFill>
+                  <a:schemeClr val="tx1">
+                    <a:lumMod val="65000"/>
+                    <a:lumOff val="35000"/>
+                  </a:schemeClr>
+                </a:solidFill>
+              </a:rPr>
+              <a:t>Por impresión: 10-20 </a:t>
+            </a:r>
+            <a:r>
+              <a:rPr lang="es-AR" sz="2400" dirty="0" smtClean="0">
+                <a:solidFill>
+                  <a:schemeClr val="tx1">
+                    <a:lumMod val="65000"/>
+                    <a:lumOff val="35000"/>
+                  </a:schemeClr>
+                </a:solidFill>
+              </a:rPr>
+              <a:t>centavos/(mil*min</a:t>
+            </a:r>
+            <a:r>
+              <a:rPr lang="es-AR" sz="2800" dirty="0" smtClean="0">
+                <a:solidFill>
+                  <a:schemeClr val="tx1">
+                    <a:lumMod val="65000"/>
+                    <a:lumOff val="35000"/>
+                  </a:schemeClr>
+                </a:solidFill>
+              </a:rPr>
+              <a:t>)</a:t>
+            </a:r>
+            <a:endParaRPr lang="es-AR" sz="2800" dirty="0">
+              <a:solidFill>
+                <a:schemeClr val="tx1">
+                  <a:lumMod val="65000"/>
+                  <a:lumOff val="35000"/>
+                </a:schemeClr>
+              </a:solidFill>
+            </a:endParaRPr>
           </a:p>
         </p:txBody>
       </p:sp>
     </p:spTree>
     <p:extLst>
       <p:ext uri="{BB962C8B-B14F-4D97-AF65-F5344CB8AC3E}">
-        <p14:creationId xmlns:p14="http://schemas.microsoft.com/office/powerpoint/2010/main" val="318816464"/>
+        <p14:creationId xmlns:p14="http://schemas.microsoft.com/office/powerpoint/2010/main" xmlns="" val="318816464"/>
       </p:ext>
     </p:extLst>
   </p:cSld>
@@ -11788,18 +12229,34 @@
             <p:ph idx="1"/>
           </p:nvPr>
         </p:nvSpPr>
-        <p:spPr/>
+        <p:spPr>
+          <a:xfrm>
+            <a:off x="2843808" y="404664"/>
+            <a:ext cx="5486400" cy="6120680"/>
+          </a:xfrm>
+        </p:spPr>
         <p:txBody>
-          <a:bodyPr/>
+          <a:bodyPr>
+            <a:normAutofit fontScale="92500"/>
+          </a:bodyPr>
           <a:lstStyle/>
           <a:p>
+            <a:pPr>
+              <a:lnSpc>
+                <a:spcPct val="150000"/>
+              </a:lnSpc>
+            </a:pPr>
             <a:r>
               <a:rPr lang="es-AR" sz="2800" dirty="0" smtClean="0"/>
               <a:t>Del mercado-&gt;cota inferior:</a:t>
             </a:r>
           </a:p>
           <a:p>
-            <a:pPr lvl="1"/>
+            <a:pPr lvl="1">
+              <a:lnSpc>
+                <a:spcPct val="150000"/>
+              </a:lnSpc>
+            </a:pPr>
             <a:r>
               <a:rPr lang="es-AR" sz="2400" dirty="0" smtClean="0"/>
               <a:t>15 centavos por </a:t>
@@ -11811,7 +12268,11 @@
             <a:endParaRPr lang="es-AR" sz="2400" dirty="0" smtClean="0"/>
           </a:p>
           <a:p>
-            <a:pPr lvl="1"/>
+            <a:pPr lvl="1">
+              <a:lnSpc>
+                <a:spcPct val="150000"/>
+              </a:lnSpc>
+            </a:pPr>
             <a:r>
               <a:rPr lang="es-AR" sz="2400" dirty="0" smtClean="0"/>
               <a:t>1,5% probabilidad de </a:t>
@@ -11823,41 +12284,82 @@
             <a:endParaRPr lang="es-AR" sz="2400" dirty="0" smtClean="0"/>
           </a:p>
           <a:p>
-            <a:pPr lvl="1"/>
+            <a:pPr lvl="1">
+              <a:lnSpc>
+                <a:spcPct val="150000"/>
+              </a:lnSpc>
+            </a:pPr>
             <a:r>
               <a:rPr lang="es-AR" sz="2400" dirty="0" smtClean="0"/>
-              <a:t>10 centavos por impresión</a:t>
-            </a:r>
-          </a:p>
-          <a:p>
+              <a:t>10 centavos por </a:t>
+            </a:r>
+            <a:r>
+              <a:rPr lang="es-AR" sz="2400" dirty="0" smtClean="0"/>
+              <a:t>impresión</a:t>
+            </a:r>
+          </a:p>
+          <a:p>
+            <a:pPr lvl="1">
+              <a:lnSpc>
+                <a:spcPct val="150000"/>
+              </a:lnSpc>
+            </a:pPr>
+            <a:r>
+              <a:rPr lang="es-AR" sz="2400" dirty="0" smtClean="0"/>
+              <a:t>1USD la descarga</a:t>
+            </a:r>
+            <a:endParaRPr lang="es-AR" sz="2400" dirty="0" smtClean="0"/>
+          </a:p>
+          <a:p>
+            <a:pPr>
+              <a:lnSpc>
+                <a:spcPct val="150000"/>
+              </a:lnSpc>
+            </a:pPr>
             <a:r>
               <a:rPr lang="es-AR" sz="2800" dirty="0" smtClean="0"/>
               <a:t>De la aplicación:</a:t>
             </a:r>
           </a:p>
           <a:p>
-            <a:pPr lvl="1"/>
+            <a:pPr lvl="1">
+              <a:lnSpc>
+                <a:spcPct val="150000"/>
+              </a:lnSpc>
+            </a:pPr>
             <a:r>
               <a:rPr lang="es-AR" sz="2400" dirty="0" smtClean="0"/>
               <a:t>Una visita semanal</a:t>
             </a:r>
           </a:p>
           <a:p>
-            <a:pPr lvl="1"/>
+            <a:pPr lvl="1">
+              <a:lnSpc>
+                <a:spcPct val="150000"/>
+              </a:lnSpc>
+            </a:pPr>
             <a:r>
               <a:rPr lang="es-AR" sz="2400" dirty="0" smtClean="0"/>
               <a:t>Un minuto por uso</a:t>
             </a:r>
           </a:p>
           <a:p>
-            <a:pPr lvl="1"/>
+            <a:pPr lvl="1">
+              <a:lnSpc>
+                <a:spcPct val="150000"/>
+              </a:lnSpc>
+            </a:pPr>
             <a:r>
               <a:rPr lang="es-AR" sz="2400" dirty="0" smtClean="0"/>
               <a:t>4 pantallas visitadas por uso</a:t>
             </a:r>
           </a:p>
           <a:p>
-            <a:pPr lvl="1"/>
+            <a:pPr lvl="1">
+              <a:lnSpc>
+                <a:spcPct val="150000"/>
+              </a:lnSpc>
+            </a:pPr>
             <a:r>
               <a:rPr lang="es-AR" sz="2400" dirty="0" smtClean="0"/>
               <a:t>10% de versiones pagas del total</a:t>
@@ -11872,7 +12374,7 @@
     </p:spTree>
     <p:extLst>
       <p:ext uri="{BB962C8B-B14F-4D97-AF65-F5344CB8AC3E}">
-        <p14:creationId xmlns:p14="http://schemas.microsoft.com/office/powerpoint/2010/main" val="45310622"/>
+        <p14:creationId xmlns:p14="http://schemas.microsoft.com/office/powerpoint/2010/main" xmlns="" val="45310622"/>
       </p:ext>
     </p:extLst>
   </p:cSld>
@@ -11947,7 +12449,7 @@
           <p:nvPr>
             <p:extLst>
               <p:ext uri="{D42A27DB-BD31-4B8C-83A1-F6EECF244321}">
-                <p14:modId xmlns:p14="http://schemas.microsoft.com/office/powerpoint/2010/main" val="1825034101"/>
+                <p14:modId xmlns:p14="http://schemas.microsoft.com/office/powerpoint/2010/main" xmlns="" val="1825034101"/>
               </p:ext>
             </p:extLst>
           </p:nvPr>
@@ -11965,7 +12467,7 @@
     </p:spTree>
     <p:extLst>
       <p:ext uri="{BB962C8B-B14F-4D97-AF65-F5344CB8AC3E}">
-        <p14:creationId xmlns:p14="http://schemas.microsoft.com/office/powerpoint/2010/main" val="4226239434"/>
+        <p14:creationId xmlns:p14="http://schemas.microsoft.com/office/powerpoint/2010/main" xmlns="" val="4226239434"/>
       </p:ext>
     </p:extLst>
   </p:cSld>
@@ -12047,7 +12549,7 @@
           <p:nvPr>
             <p:extLst>
               <p:ext uri="{D42A27DB-BD31-4B8C-83A1-F6EECF244321}">
-                <p14:modId xmlns:p14="http://schemas.microsoft.com/office/powerpoint/2010/main" val="3649252265"/>
+                <p14:modId xmlns:p14="http://schemas.microsoft.com/office/powerpoint/2010/main" xmlns="" val="3649252265"/>
               </p:ext>
             </p:extLst>
           </p:nvPr>
@@ -12065,7 +12567,7 @@
     </p:spTree>
     <p:extLst>
       <p:ext uri="{BB962C8B-B14F-4D97-AF65-F5344CB8AC3E}">
-        <p14:creationId xmlns:p14="http://schemas.microsoft.com/office/powerpoint/2010/main" val="4279891574"/>
+        <p14:creationId xmlns:p14="http://schemas.microsoft.com/office/powerpoint/2010/main" xmlns="" val="4279891574"/>
       </p:ext>
     </p:extLst>
   </p:cSld>
@@ -12133,7 +12635,7 @@
           <p:nvPr>
             <p:extLst>
               <p:ext uri="{D42A27DB-BD31-4B8C-83A1-F6EECF244321}">
-                <p14:modId xmlns:p14="http://schemas.microsoft.com/office/powerpoint/2010/main" val="3309835549"/>
+                <p14:modId xmlns:p14="http://schemas.microsoft.com/office/powerpoint/2010/main" xmlns="" val="3309835549"/>
               </p:ext>
             </p:extLst>
           </p:nvPr>
@@ -12151,7 +12653,7 @@
     </p:spTree>
     <p:extLst>
       <p:ext uri="{BB962C8B-B14F-4D97-AF65-F5344CB8AC3E}">
-        <p14:creationId xmlns:p14="http://schemas.microsoft.com/office/powerpoint/2010/main" val="4186439492"/>
+        <p14:creationId xmlns:p14="http://schemas.microsoft.com/office/powerpoint/2010/main" xmlns="" val="4186439492"/>
       </p:ext>
     </p:extLst>
   </p:cSld>
@@ -12219,7 +12721,7 @@
           <p:nvPr>
             <p:extLst>
               <p:ext uri="{D42A27DB-BD31-4B8C-83A1-F6EECF244321}">
-                <p14:modId xmlns:p14="http://schemas.microsoft.com/office/powerpoint/2010/main" val="1527807372"/>
+                <p14:modId xmlns:p14="http://schemas.microsoft.com/office/powerpoint/2010/main" xmlns="" val="1527807372"/>
               </p:ext>
             </p:extLst>
           </p:nvPr>
@@ -12237,7 +12739,7 @@
     </p:spTree>
     <p:extLst>
       <p:ext uri="{BB962C8B-B14F-4D97-AF65-F5344CB8AC3E}">
-        <p14:creationId xmlns:p14="http://schemas.microsoft.com/office/powerpoint/2010/main" val="2247101867"/>
+        <p14:creationId xmlns:p14="http://schemas.microsoft.com/office/powerpoint/2010/main" xmlns="" val="2247101867"/>
       </p:ext>
     </p:extLst>
   </p:cSld>
@@ -12320,7 +12822,7 @@
     </p:spTree>
     <p:extLst>
       <p:ext uri="{BB962C8B-B14F-4D97-AF65-F5344CB8AC3E}">
-        <p14:creationId xmlns:p14="http://schemas.microsoft.com/office/powerpoint/2010/main" val="1033768255"/>
+        <p14:creationId xmlns:p14="http://schemas.microsoft.com/office/powerpoint/2010/main" xmlns="" val="1033768255"/>
       </p:ext>
     </p:extLst>
   </p:cSld>
@@ -12514,7 +13016,7 @@
     </p:spTree>
     <p:extLst>
       <p:ext uri="{BB962C8B-B14F-4D97-AF65-F5344CB8AC3E}">
-        <p14:creationId xmlns:p14="http://schemas.microsoft.com/office/powerpoint/2010/main" val="1282073139"/>
+        <p14:creationId xmlns:p14="http://schemas.microsoft.com/office/powerpoint/2010/main" xmlns="" val="1282073139"/>
       </p:ext>
     </p:extLst>
   </p:cSld>
@@ -12580,10 +13082,10 @@
           <p:nvPr/>
         </p:nvPicPr>
         <p:blipFill>
-          <a:blip r:embed="rId3">
+          <a:blip r:embed="rId3" cstate="print">
             <a:extLst>
               <a:ext uri="{28A0092B-C50C-407E-A947-70E740481C1C}">
-                <a14:useLocalDpi xmlns:a14="http://schemas.microsoft.com/office/drawing/2010/main" val="0"/>
+                <a14:useLocalDpi xmlns:a14="http://schemas.microsoft.com/office/drawing/2010/main" xmlns="" val="0"/>
               </a:ext>
             </a:extLst>
           </a:blip>
@@ -12604,7 +13106,7 @@
     </p:spTree>
     <p:extLst>
       <p:ext uri="{BB962C8B-B14F-4D97-AF65-F5344CB8AC3E}">
-        <p14:creationId xmlns:p14="http://schemas.microsoft.com/office/powerpoint/2010/main" val="3611444651"/>
+        <p14:creationId xmlns:p14="http://schemas.microsoft.com/office/powerpoint/2010/main" xmlns="" val="3611444651"/>
       </p:ext>
     </p:extLst>
   </p:cSld>
@@ -12673,7 +13175,7 @@
           <a:blip r:embed="rId3" cstate="print">
             <a:extLst>
               <a:ext uri="{28A0092B-C50C-407E-A947-70E740481C1C}">
-                <a14:useLocalDpi xmlns:a14="http://schemas.microsoft.com/office/drawing/2010/main" val="0"/>
+                <a14:useLocalDpi xmlns:a14="http://schemas.microsoft.com/office/drawing/2010/main" xmlns="" val="0"/>
               </a:ext>
             </a:extLst>
           </a:blip>
@@ -12694,7 +13196,7 @@
     </p:spTree>
     <p:extLst>
       <p:ext uri="{BB962C8B-B14F-4D97-AF65-F5344CB8AC3E}">
-        <p14:creationId xmlns:p14="http://schemas.microsoft.com/office/powerpoint/2010/main" val="486420949"/>
+        <p14:creationId xmlns:p14="http://schemas.microsoft.com/office/powerpoint/2010/main" xmlns="" val="486420949"/>
       </p:ext>
     </p:extLst>
   </p:cSld>
@@ -12765,7 +13267,7 @@
           <a:blip r:embed="rId3" cstate="print">
             <a:extLst>
               <a:ext uri="{28A0092B-C50C-407E-A947-70E740481C1C}">
-                <a14:useLocalDpi xmlns:a14="http://schemas.microsoft.com/office/drawing/2010/main" val="0"/>
+                <a14:useLocalDpi xmlns:a14="http://schemas.microsoft.com/office/drawing/2010/main" xmlns="" val="0"/>
               </a:ext>
             </a:extLst>
           </a:blip>
@@ -12783,7 +13285,7 @@
     </p:spTree>
     <p:extLst>
       <p:ext uri="{BB962C8B-B14F-4D97-AF65-F5344CB8AC3E}">
-        <p14:creationId xmlns:p14="http://schemas.microsoft.com/office/powerpoint/2010/main" val="748539481"/>
+        <p14:creationId xmlns:p14="http://schemas.microsoft.com/office/powerpoint/2010/main" xmlns="" val="748539481"/>
       </p:ext>
     </p:extLst>
   </p:cSld>
@@ -12861,10 +13363,10 @@
           </p:nvPr>
         </p:nvPicPr>
         <p:blipFill>
-          <a:blip r:embed="rId3">
+          <a:blip r:embed="rId3" cstate="print">
             <a:extLst>
               <a:ext uri="{28A0092B-C50C-407E-A947-70E740481C1C}">
-                <a14:useLocalDpi xmlns:a14="http://schemas.microsoft.com/office/drawing/2010/main" val="0"/>
+                <a14:useLocalDpi xmlns:a14="http://schemas.microsoft.com/office/drawing/2010/main" xmlns="" val="0"/>
               </a:ext>
             </a:extLst>
           </a:blip>
@@ -12946,34 +13448,15 @@
                   </a:schemeClr>
                 </a:solidFill>
               </a:rPr>
-              <a:t> como porcentaje de las ventas de </a:t>
-            </a:r>
-            <a:r>
-              <a:rPr lang="es-AR" sz="2400" dirty="0">
-                <a:solidFill>
-                  <a:schemeClr val="tx1">
-                    <a:lumMod val="65000"/>
-                    <a:lumOff val="35000"/>
-                  </a:schemeClr>
-                </a:solidFill>
-              </a:rPr>
-              <a:t>teléfonos totales.</a:t>
-            </a:r>
-            <a:endParaRPr lang="es-AR" sz="2400" dirty="0">
-              <a:solidFill>
-                <a:schemeClr val="tx1">
-                  <a:lumMod val="65000"/>
-                  <a:lumOff val="35000"/>
-                </a:schemeClr>
-              </a:solidFill>
-            </a:endParaRPr>
+              <a:t> como porcentaje de las ventas de teléfonos totales.</a:t>
+            </a:r>
           </a:p>
         </p:txBody>
       </p:sp>
     </p:spTree>
     <p:extLst>
       <p:ext uri="{BB962C8B-B14F-4D97-AF65-F5344CB8AC3E}">
-        <p14:creationId xmlns:p14="http://schemas.microsoft.com/office/powerpoint/2010/main" val="1902165730"/>
+        <p14:creationId xmlns:p14="http://schemas.microsoft.com/office/powerpoint/2010/main" xmlns="" val="1902165730"/>
       </p:ext>
     </p:extLst>
   </p:cSld>
@@ -13042,7 +13525,7 @@
           <a:blip r:embed="rId3" cstate="print">
             <a:extLst>
               <a:ext uri="{28A0092B-C50C-407E-A947-70E740481C1C}">
-                <a14:useLocalDpi xmlns:a14="http://schemas.microsoft.com/office/drawing/2010/main" val="0"/>
+                <a14:useLocalDpi xmlns:a14="http://schemas.microsoft.com/office/drawing/2010/main" xmlns="" val="0"/>
               </a:ext>
             </a:extLst>
           </a:blip>
@@ -13063,7 +13546,7 @@
     </p:spTree>
     <p:extLst>
       <p:ext uri="{BB962C8B-B14F-4D97-AF65-F5344CB8AC3E}">
-        <p14:creationId xmlns:p14="http://schemas.microsoft.com/office/powerpoint/2010/main" val="2245358919"/>
+        <p14:creationId xmlns:p14="http://schemas.microsoft.com/office/powerpoint/2010/main" xmlns="" val="2245358919"/>
       </p:ext>
     </p:extLst>
   </p:cSld>
@@ -13134,7 +13617,7 @@
             <p:ph idx="1"/>
             <p:extLst>
               <p:ext uri="{D42A27DB-BD31-4B8C-83A1-F6EECF244321}">
-                <p14:modId xmlns:p14="http://schemas.microsoft.com/office/powerpoint/2010/main" val="3008867956"/>
+                <p14:modId xmlns:p14="http://schemas.microsoft.com/office/powerpoint/2010/main" xmlns="" val="3008867956"/>
               </p:ext>
             </p:extLst>
           </p:nvPr>
@@ -13757,7 +14240,7 @@
     </p:spTree>
     <p:extLst>
       <p:ext uri="{BB962C8B-B14F-4D97-AF65-F5344CB8AC3E}">
-        <p14:creationId xmlns:p14="http://schemas.microsoft.com/office/powerpoint/2010/main" val="1434869260"/>
+        <p14:creationId xmlns:p14="http://schemas.microsoft.com/office/powerpoint/2010/main" xmlns="" val="1434869260"/>
       </p:ext>
     </p:extLst>
   </p:cSld>
@@ -13821,7 +14304,7 @@
           <a:blip r:embed="rId3" cstate="print">
             <a:extLst>
               <a:ext uri="{28A0092B-C50C-407E-A947-70E740481C1C}">
-                <a14:useLocalDpi xmlns:a14="http://schemas.microsoft.com/office/drawing/2010/main" val="0"/>
+                <a14:useLocalDpi xmlns:a14="http://schemas.microsoft.com/office/drawing/2010/main" xmlns="" val="0"/>
               </a:ext>
             </a:extLst>
           </a:blip>
@@ -13839,7 +14322,7 @@
     </p:spTree>
     <p:extLst>
       <p:ext uri="{BB962C8B-B14F-4D97-AF65-F5344CB8AC3E}">
-        <p14:creationId xmlns:p14="http://schemas.microsoft.com/office/powerpoint/2010/main" val="2119364365"/>
+        <p14:creationId xmlns:p14="http://schemas.microsoft.com/office/powerpoint/2010/main" xmlns="" val="2119364365"/>
       </p:ext>
     </p:extLst>
   </p:cSld>
@@ -14081,7 +14564,7 @@
   <a:extraClrSchemeLst/>
   <a:extLst>
     <a:ext uri="{05A4C25C-085E-4340-85A3-A5531E510DB2}">
-      <thm15:themeFamily xmlns="" xmlns:thm15="http://schemas.microsoft.com/office/thememl/2012/main" name="Frame" id="{F226E7A2-7162-461C-9490-D27D9DC04E43}" vid="{629A0216-3BBD-45C0-B63F-2683BEA18F60}"/>
+      <thm15:themeFamily xmlns:thm15="http://schemas.microsoft.com/office/thememl/2012/main" xmlns="" name="Frame" id="{F226E7A2-7162-461C-9490-D27D9DC04E43}" vid="{629A0216-3BBD-45C0-B63F-2683BEA18F60}"/>
     </a:ext>
   </a:extLst>
 </a:theme>

--- a/trunk/Assets/Presentación negocio.pptx
+++ b/trunk/Assets/Presentación negocio.pptx
@@ -2975,7 +2975,7 @@
         <p:spPr/>
         <p:txBody>
           <a:bodyPr>
-            <a:normAutofit lnSpcReduction="10000"/>
+            <a:normAutofit/>
           </a:bodyPr>
           <a:lstStyle/>
           <a:p>
@@ -3986,77 +3986,6 @@
           <a:p>
             <a:endParaRPr lang="es-AR" baseline="0" dirty="0" smtClean="0"/>
           </a:p>
-          <a:p>
-            <a:r>
-              <a:rPr lang="es-AR" baseline="0" dirty="0" smtClean="0"/>
-              <a:t>En </a:t>
-            </a:r>
-            <a:r>
-              <a:rPr lang="es-AR" baseline="0" dirty="0" smtClean="0"/>
-              <a:t>lo referente la </a:t>
-            </a:r>
-            <a:r>
-              <a:rPr lang="es-AR" baseline="0" dirty="0" err="1" smtClean="0"/>
-              <a:t>variacion</a:t>
-            </a:r>
-            <a:r>
-              <a:rPr lang="es-AR" baseline="0" dirty="0" smtClean="0"/>
-              <a:t> de los ingresos, los mismas acompañan el crecimiento de la cantidad de usuarios, teniendo en el caso de la versión paga un crecimiento mas pronunciado mientras la aplicación este en plena expansión (casi 7k </a:t>
-            </a:r>
-            <a:r>
-              <a:rPr lang="es-AR" baseline="0" dirty="0" err="1" smtClean="0"/>
-              <a:t>dolares</a:t>
-            </a:r>
-            <a:r>
-              <a:rPr lang="es-AR" baseline="0" dirty="0" smtClean="0"/>
-              <a:t>). Finalmente ambos escenarios se estabilizarían luego de dos años entre 5800 y 7000</a:t>
-            </a:r>
-          </a:p>
-          <a:p>
-            <a:r>
-              <a:rPr lang="es-AR" baseline="0" dirty="0" smtClean="0"/>
-              <a:t>Los gastos para mantener la aplicación son entre el 19-21%, de acuerdo al escenario y otras variables. Para calcular los gastos, hemos tenido supuesto que almacenaremos la información en la nube y hemos calculado los precios basado en esto. Se han sumado el valor de almacenamiento, </a:t>
-            </a:r>
-            <a:r>
-              <a:rPr lang="es-AR" baseline="0" dirty="0" err="1" smtClean="0"/>
-              <a:t>asi</a:t>
-            </a:r>
-            <a:r>
-              <a:rPr lang="es-AR" baseline="0" dirty="0" smtClean="0"/>
-              <a:t> como de transferencia de datos. Sobre estos puntos se entrará mas en detalle en la explicación técnica.</a:t>
-            </a:r>
-          </a:p>
-          <a:p>
-            <a:endParaRPr lang="es-AR" baseline="0" dirty="0" smtClean="0"/>
-          </a:p>
-          <a:p>
-            <a:r>
-              <a:rPr lang="es-AR" baseline="0" dirty="0" smtClean="0"/>
-              <a:t>Finalmente se puede concluir, que siendo este el peor escenario posible, teniendo en cuenta los precios mas bajos del mercado en lo referente a publicidad, sin considerar la </a:t>
-            </a:r>
-            <a:r>
-              <a:rPr lang="es-AR" baseline="0" dirty="0" err="1" smtClean="0"/>
-              <a:t>expansion</a:t>
-            </a:r>
-            <a:r>
-              <a:rPr lang="es-AR" baseline="0" dirty="0" smtClean="0"/>
-              <a:t> del mercado de </a:t>
-            </a:r>
-            <a:r>
-              <a:rPr lang="es-AR" baseline="0" dirty="0" err="1" smtClean="0"/>
-              <a:t>smartphones</a:t>
-            </a:r>
-            <a:r>
-              <a:rPr lang="es-AR" baseline="0" dirty="0" smtClean="0"/>
-              <a:t> en un futuro y considerando tan solo una expansión del 3%, el negocio no daría perdidas y hasta estaría brindando un margen de ganancias.</a:t>
-            </a:r>
-          </a:p>
-          <a:p>
-            <a:r>
-              <a:rPr lang="es-AR" baseline="0" dirty="0" smtClean="0"/>
-              <a:t>Sin embargo, ahora nos podríamos preguntar, y si la aplicación es realmente un éxito y se expande a otros mercados con una captación mayor?</a:t>
-            </a:r>
-          </a:p>
         </p:txBody>
       </p:sp>
       <p:sp>
@@ -5404,10 +5333,10 @@
               <a:t>Muchas gracias por su </a:t>
             </a:r>
             <a:r>
-              <a:rPr lang="es-AR" baseline="0" smtClean="0"/>
+              <a:rPr lang="es-AR" baseline="0" dirty="0" err="1" smtClean="0"/>
               <a:t>atencion</a:t>
             </a:r>
-            <a:endParaRPr lang="es-AR"/>
+            <a:endParaRPr lang="es-AR" dirty="0"/>
           </a:p>
         </p:txBody>
       </p:sp>
@@ -6977,7 +6906,7 @@
         <p:spPr/>
         <p:txBody>
           <a:bodyPr>
-            <a:normAutofit lnSpcReduction="10000"/>
+            <a:normAutofit fontScale="92500"/>
           </a:bodyPr>
           <a:lstStyle/>
           <a:p>
